--- a/doc/Icons-PositionsLab.pptx
+++ b/doc/Icons-PositionsLab.pptx
@@ -107,6 +107,22 @@
       </a:defRPr>
     </a:lvl9pPr>
   </p:defaultTextStyle>
+  <p:extLst>
+    <p:ext uri="{EFAFB233-063F-42B5-8137-9DF3F51BA10A}">
+      <p15:sldGuideLst xmlns:p15="http://schemas.microsoft.com/office/powerpoint/2012/main">
+        <p15:guide id="1" orient="horz" pos="2160">
+          <p15:clr>
+            <a:srgbClr val="A4A3A4"/>
+          </p15:clr>
+        </p15:guide>
+        <p15:guide id="2" pos="2880">
+          <p15:clr>
+            <a:srgbClr val="A4A3A4"/>
+          </p15:clr>
+        </p15:guide>
+      </p15:sldGuideLst>
+    </p:ext>
+  </p:extLst>
 </p:presentation>
 </file>
 
@@ -192,7 +208,7 @@
           <a:p>
             <a:fld id="{6699ACB9-486C-4D62-A3A7-AF98E13EFDA3}" type="datetimeFigureOut">
               <a:rPr lang="en-US" smtClean="0"/>
-              <a:t>2/6/2016</a:t>
+              <a:t>2/25/2016</a:t>
             </a:fld>
             <a:endParaRPr lang="en-US"/>
           </a:p>
@@ -642,7 +658,7 @@
             <a:fld id="{1D8BD707-D9CF-40AE-B4C6-C98DA3205C09}" type="datetimeFigureOut">
               <a:rPr lang="en-US" smtClean="0"/>
               <a:pPr/>
-              <a:t>2/6/2016</a:t>
+              <a:t>2/25/2016</a:t>
             </a:fld>
             <a:endParaRPr lang="en-US"/>
           </a:p>
@@ -809,7 +825,7 @@
             <a:fld id="{1D8BD707-D9CF-40AE-B4C6-C98DA3205C09}" type="datetimeFigureOut">
               <a:rPr lang="en-US" smtClean="0"/>
               <a:pPr/>
-              <a:t>2/6/2016</a:t>
+              <a:t>2/25/2016</a:t>
             </a:fld>
             <a:endParaRPr lang="en-US"/>
           </a:p>
@@ -986,7 +1002,7 @@
             <a:fld id="{1D8BD707-D9CF-40AE-B4C6-C98DA3205C09}" type="datetimeFigureOut">
               <a:rPr lang="en-US" smtClean="0"/>
               <a:pPr/>
-              <a:t>2/6/2016</a:t>
+              <a:t>2/25/2016</a:t>
             </a:fld>
             <a:endParaRPr lang="en-US"/>
           </a:p>
@@ -1153,7 +1169,7 @@
             <a:fld id="{1D8BD707-D9CF-40AE-B4C6-C98DA3205C09}" type="datetimeFigureOut">
               <a:rPr lang="en-US" smtClean="0"/>
               <a:pPr/>
-              <a:t>2/6/2016</a:t>
+              <a:t>2/25/2016</a:t>
             </a:fld>
             <a:endParaRPr lang="en-US"/>
           </a:p>
@@ -1396,7 +1412,7 @@
             <a:fld id="{1D8BD707-D9CF-40AE-B4C6-C98DA3205C09}" type="datetimeFigureOut">
               <a:rPr lang="en-US" smtClean="0"/>
               <a:pPr/>
-              <a:t>2/6/2016</a:t>
+              <a:t>2/25/2016</a:t>
             </a:fld>
             <a:endParaRPr lang="en-US"/>
           </a:p>
@@ -1681,7 +1697,7 @@
             <a:fld id="{1D8BD707-D9CF-40AE-B4C6-C98DA3205C09}" type="datetimeFigureOut">
               <a:rPr lang="en-US" smtClean="0"/>
               <a:pPr/>
-              <a:t>2/6/2016</a:t>
+              <a:t>2/25/2016</a:t>
             </a:fld>
             <a:endParaRPr lang="en-US"/>
           </a:p>
@@ -2100,7 +2116,7 @@
             <a:fld id="{1D8BD707-D9CF-40AE-B4C6-C98DA3205C09}" type="datetimeFigureOut">
               <a:rPr lang="en-US" smtClean="0"/>
               <a:pPr/>
-              <a:t>2/6/2016</a:t>
+              <a:t>2/25/2016</a:t>
             </a:fld>
             <a:endParaRPr lang="en-US"/>
           </a:p>
@@ -2215,7 +2231,7 @@
             <a:fld id="{1D8BD707-D9CF-40AE-B4C6-C98DA3205C09}" type="datetimeFigureOut">
               <a:rPr lang="en-US" smtClean="0"/>
               <a:pPr/>
-              <a:t>2/6/2016</a:t>
+              <a:t>2/25/2016</a:t>
             </a:fld>
             <a:endParaRPr lang="en-US"/>
           </a:p>
@@ -2307,7 +2323,7 @@
             <a:fld id="{1D8BD707-D9CF-40AE-B4C6-C98DA3205C09}" type="datetimeFigureOut">
               <a:rPr lang="en-US" smtClean="0"/>
               <a:pPr/>
-              <a:t>2/6/2016</a:t>
+              <a:t>2/25/2016</a:t>
             </a:fld>
             <a:endParaRPr lang="en-US"/>
           </a:p>
@@ -2581,7 +2597,7 @@
             <a:fld id="{1D8BD707-D9CF-40AE-B4C6-C98DA3205C09}" type="datetimeFigureOut">
               <a:rPr lang="en-US" smtClean="0"/>
               <a:pPr/>
-              <a:t>2/6/2016</a:t>
+              <a:t>2/25/2016</a:t>
             </a:fld>
             <a:endParaRPr lang="en-US"/>
           </a:p>
@@ -2831,7 +2847,7 @@
             <a:fld id="{1D8BD707-D9CF-40AE-B4C6-C98DA3205C09}" type="datetimeFigureOut">
               <a:rPr lang="en-US" smtClean="0"/>
               <a:pPr/>
-              <a:t>2/6/2016</a:t>
+              <a:t>2/25/2016</a:t>
             </a:fld>
             <a:endParaRPr lang="en-US"/>
           </a:p>
@@ -3041,7 +3057,7 @@
             <a:fld id="{1D8BD707-D9CF-40AE-B4C6-C98DA3205C09}" type="datetimeFigureOut">
               <a:rPr lang="en-US" smtClean="0"/>
               <a:pPr/>
-              <a:t>2/6/2016</a:t>
+              <a:t>2/25/2016</a:t>
             </a:fld>
             <a:endParaRPr lang="en-US"/>
           </a:p>
@@ -3700,6 +3716,295 @@
           </a:extLst>
         </p:spPr>
       </p:pic>
+      <p:grpSp>
+        <p:nvGrpSpPr>
+          <p:cNvPr id="7" name="Group 6"/>
+          <p:cNvGrpSpPr>
+            <a:grpSpLocks/>
+          </p:cNvGrpSpPr>
+          <p:nvPr/>
+        </p:nvGrpSpPr>
+        <p:grpSpPr>
+          <a:xfrm>
+            <a:off x="2640875" y="3228975"/>
+            <a:ext cx="838200" cy="856097"/>
+            <a:chOff x="375266" y="5397326"/>
+            <a:chExt cx="838200" cy="838200"/>
+          </a:xfrm>
+        </p:grpSpPr>
+        <p:sp>
+          <p:nvSpPr>
+            <p:cNvPr id="8" name="Rectangle 7"/>
+            <p:cNvSpPr/>
+            <p:nvPr/>
+          </p:nvSpPr>
+          <p:spPr>
+            <a:xfrm>
+              <a:off x="375266" y="5397326"/>
+              <a:ext cx="838200" cy="838200"/>
+            </a:xfrm>
+            <a:prstGeom prst="rect">
+              <a:avLst/>
+            </a:prstGeom>
+            <a:noFill/>
+            <a:ln>
+              <a:noFill/>
+            </a:ln>
+          </p:spPr>
+          <p:style>
+            <a:lnRef idx="2">
+              <a:schemeClr val="accent1">
+                <a:shade val="50000"/>
+              </a:schemeClr>
+            </a:lnRef>
+            <a:fillRef idx="1">
+              <a:schemeClr val="accent1"/>
+            </a:fillRef>
+            <a:effectRef idx="0">
+              <a:schemeClr val="accent1"/>
+            </a:effectRef>
+            <a:fontRef idx="minor">
+              <a:schemeClr val="lt1"/>
+            </a:fontRef>
+          </p:style>
+          <p:txBody>
+            <a:bodyPr rtlCol="0" anchor="ctr"/>
+            <a:lstStyle/>
+            <a:p>
+              <a:pPr algn="ctr"/>
+              <a:endParaRPr lang="en-SG"/>
+            </a:p>
+          </p:txBody>
+        </p:sp>
+        <p:sp>
+          <p:nvSpPr>
+            <p:cNvPr id="9" name="Rectangle 4"/>
+            <p:cNvSpPr/>
+            <p:nvPr/>
+          </p:nvSpPr>
+          <p:spPr>
+            <a:xfrm rot="16200000">
+              <a:off x="444221" y="5470529"/>
+              <a:ext cx="700291" cy="690781"/>
+            </a:xfrm>
+            <a:custGeom>
+              <a:avLst/>
+              <a:gdLst/>
+              <a:ahLst/>
+              <a:cxnLst/>
+              <a:rect l="l" t="t" r="r" b="b"/>
+              <a:pathLst>
+                <a:path w="1752603" h="1752600">
+                  <a:moveTo>
+                    <a:pt x="533400" y="0"/>
+                  </a:moveTo>
+                  <a:lnTo>
+                    <a:pt x="533403" y="0"/>
+                  </a:lnTo>
+                  <a:lnTo>
+                    <a:pt x="1066800" y="0"/>
+                  </a:lnTo>
+                  <a:lnTo>
+                    <a:pt x="1752603" y="0"/>
+                  </a:lnTo>
+                  <a:lnTo>
+                    <a:pt x="1752603" y="1752600"/>
+                  </a:lnTo>
+                  <a:lnTo>
+                    <a:pt x="1219203" y="1752600"/>
+                  </a:lnTo>
+                  <a:lnTo>
+                    <a:pt x="533403" y="1752600"/>
+                  </a:lnTo>
+                  <a:lnTo>
+                    <a:pt x="3" y="1752600"/>
+                  </a:lnTo>
+                  <a:lnTo>
+                    <a:pt x="3" y="533430"/>
+                  </a:lnTo>
+                  <a:cubicBezTo>
+                    <a:pt x="0" y="533420"/>
+                    <a:pt x="0" y="533410"/>
+                    <a:pt x="0" y="533400"/>
+                  </a:cubicBezTo>
+                  <a:cubicBezTo>
+                    <a:pt x="0" y="238811"/>
+                    <a:pt x="238811" y="0"/>
+                    <a:pt x="533400" y="0"/>
+                  </a:cubicBezTo>
+                  <a:close/>
+                </a:path>
+              </a:pathLst>
+            </a:custGeom>
+            <a:noFill/>
+            <a:ln w="76200" cmpd="sng">
+              <a:solidFill>
+                <a:srgbClr val="0070C0"/>
+              </a:solidFill>
+              <a:miter lim="800000"/>
+            </a:ln>
+          </p:spPr>
+          <p:style>
+            <a:lnRef idx="2">
+              <a:schemeClr val="accent1">
+                <a:shade val="50000"/>
+              </a:schemeClr>
+            </a:lnRef>
+            <a:fillRef idx="1">
+              <a:schemeClr val="accent1"/>
+            </a:fillRef>
+            <a:effectRef idx="0">
+              <a:schemeClr val="accent1"/>
+            </a:effectRef>
+            <a:fontRef idx="minor">
+              <a:schemeClr val="lt1"/>
+            </a:fontRef>
+          </p:style>
+          <p:txBody>
+            <a:bodyPr rtlCol="0" anchor="ctr"/>
+            <a:lstStyle/>
+            <a:p>
+              <a:pPr algn="ctr"/>
+              <a:endParaRPr lang="en-US"/>
+            </a:p>
+          </p:txBody>
+        </p:sp>
+      </p:grpSp>
+      <p:sp>
+        <p:nvSpPr>
+          <p:cNvPr id="10" name="Rectangle 7"/>
+          <p:cNvSpPr>
+            <a:spLocks/>
+          </p:cNvSpPr>
+          <p:nvPr/>
+        </p:nvSpPr>
+        <p:spPr>
+          <a:xfrm>
+            <a:off x="2827025" y="3438926"/>
+            <a:ext cx="209130" cy="215499"/>
+          </a:xfrm>
+          <a:prstGeom prst="rect">
+            <a:avLst/>
+          </a:prstGeom>
+          <a:solidFill>
+            <a:srgbClr val="E46B09"/>
+          </a:solidFill>
+          <a:ln>
+            <a:solidFill>
+              <a:srgbClr val="E46B09"/>
+            </a:solidFill>
+          </a:ln>
+        </p:spPr>
+        <p:style>
+          <a:lnRef idx="2">
+            <a:schemeClr val="accent1">
+              <a:shade val="50000"/>
+            </a:schemeClr>
+          </a:lnRef>
+          <a:fillRef idx="1">
+            <a:schemeClr val="accent1"/>
+          </a:fillRef>
+          <a:effectRef idx="0">
+            <a:schemeClr val="accent1"/>
+          </a:effectRef>
+          <a:fontRef idx="minor">
+            <a:schemeClr val="lt1"/>
+          </a:fontRef>
+        </p:style>
+        <p:txBody>
+          <a:bodyPr rtlCol="0" anchor="ctr"/>
+          <a:lstStyle/>
+          <a:p>
+            <a:pPr algn="ctr"/>
+            <a:endParaRPr lang="en-US"/>
+          </a:p>
+        </p:txBody>
+      </p:sp>
+      <p:sp>
+        <p:nvSpPr>
+          <p:cNvPr id="11" name="Rectangle 7"/>
+          <p:cNvSpPr>
+            <a:spLocks/>
+          </p:cNvSpPr>
+          <p:nvPr/>
+        </p:nvSpPr>
+        <p:spPr>
+          <a:xfrm>
+            <a:off x="3163992" y="3759428"/>
+            <a:ext cx="155053" cy="159775"/>
+          </a:xfrm>
+          <a:prstGeom prst="rect">
+            <a:avLst/>
+          </a:prstGeom>
+          <a:solidFill>
+            <a:srgbClr val="E46B09"/>
+          </a:solidFill>
+          <a:ln>
+            <a:solidFill>
+              <a:srgbClr val="E46B09"/>
+            </a:solidFill>
+          </a:ln>
+        </p:spPr>
+        <p:style>
+          <a:lnRef idx="2">
+            <a:schemeClr val="accent1">
+              <a:shade val="50000"/>
+            </a:schemeClr>
+          </a:lnRef>
+          <a:fillRef idx="1">
+            <a:schemeClr val="accent1"/>
+          </a:fillRef>
+          <a:effectRef idx="0">
+            <a:schemeClr val="accent1"/>
+          </a:effectRef>
+          <a:fontRef idx="minor">
+            <a:schemeClr val="lt1"/>
+          </a:fontRef>
+        </p:style>
+        <p:txBody>
+          <a:bodyPr rtlCol="0" anchor="ctr"/>
+          <a:lstStyle/>
+          <a:p>
+            <a:pPr algn="ctr"/>
+            <a:endParaRPr lang="en-US"/>
+          </a:p>
+        </p:txBody>
+      </p:sp>
+      <p:cxnSp>
+        <p:nvCxnSpPr>
+          <p:cNvPr id="12" name="Straight Connector 11"/>
+          <p:cNvCxnSpPr/>
+          <p:nvPr/>
+        </p:nvCxnSpPr>
+        <p:spPr>
+          <a:xfrm>
+            <a:off x="3099806" y="3364539"/>
+            <a:ext cx="0" cy="584397"/>
+          </a:xfrm>
+          <a:prstGeom prst="line">
+            <a:avLst/>
+          </a:prstGeom>
+          <a:ln w="9525">
+            <a:solidFill>
+              <a:srgbClr val="0070C0"/>
+            </a:solidFill>
+          </a:ln>
+        </p:spPr>
+        <p:style>
+          <a:lnRef idx="1">
+            <a:schemeClr val="accent1"/>
+          </a:lnRef>
+          <a:fillRef idx="0">
+            <a:schemeClr val="accent1"/>
+          </a:fillRef>
+          <a:effectRef idx="0">
+            <a:schemeClr val="accent1"/>
+          </a:effectRef>
+          <a:fontRef idx="minor">
+            <a:schemeClr val="tx1"/>
+          </a:fontRef>
+        </p:style>
+      </p:cxnSp>
     </p:spTree>
     <p:extLst>
       <p:ext uri="{BB962C8B-B14F-4D97-AF65-F5344CB8AC3E}">

--- a/doc/Icons-PositionsLab.pptx
+++ b/doc/Icons-PositionsLab.pptx
@@ -5,10 +5,15 @@
     <p:sldMasterId id="2147483648" r:id="rId1"/>
   </p:sldMasterIdLst>
   <p:notesMasterIdLst>
-    <p:notesMasterId r:id="rId3"/>
+    <p:notesMasterId r:id="rId8"/>
   </p:notesMasterIdLst>
   <p:sldIdLst>
     <p:sldId id="269" r:id="rId2"/>
+    <p:sldId id="271" r:id="rId3"/>
+    <p:sldId id="270" r:id="rId4"/>
+    <p:sldId id="272" r:id="rId5"/>
+    <p:sldId id="273" r:id="rId6"/>
+    <p:sldId id="274" r:id="rId7"/>
   </p:sldIdLst>
   <p:sldSz cx="9144000" cy="6858000" type="screen4x3"/>
   <p:notesSz cx="6858000" cy="9144000"/>
@@ -208,7 +213,7 @@
           <a:p>
             <a:fld id="{6699ACB9-486C-4D62-A3A7-AF98E13EFDA3}" type="datetimeFigureOut">
               <a:rPr lang="en-US" smtClean="0"/>
-              <a:t>2/25/2016</a:t>
+              <a:t>3/23/2016</a:t>
             </a:fld>
             <a:endParaRPr lang="en-US"/>
           </a:p>
@@ -272,38 +277,37 @@
           <a:p>
             <a:pPr lvl="0"/>
             <a:r>
-              <a:rPr lang="en-US" smtClean="0"/>
+              <a:rPr lang="en-US"/>
               <a:t>Click to edit Master text styles</a:t>
             </a:r>
           </a:p>
           <a:p>
             <a:pPr lvl="1"/>
             <a:r>
-              <a:rPr lang="en-US" smtClean="0"/>
+              <a:rPr lang="en-US"/>
               <a:t>Second level</a:t>
             </a:r>
           </a:p>
           <a:p>
             <a:pPr lvl="2"/>
             <a:r>
-              <a:rPr lang="en-US" smtClean="0"/>
+              <a:rPr lang="en-US"/>
               <a:t>Third level</a:t>
             </a:r>
           </a:p>
           <a:p>
             <a:pPr lvl="3"/>
             <a:r>
-              <a:rPr lang="en-US" smtClean="0"/>
+              <a:rPr lang="en-US"/>
               <a:t>Fourth level</a:t>
             </a:r>
           </a:p>
           <a:p>
             <a:pPr lvl="4"/>
             <a:r>
-              <a:rPr lang="en-US" smtClean="0"/>
+              <a:rPr lang="en-US"/>
               <a:t>Fifth level</a:t>
             </a:r>
-            <a:endParaRPr lang="en-US"/>
           </a:p>
         </p:txBody>
       </p:sp>
@@ -514,10 +518,9 @@
           <a:lstStyle/>
           <a:p>
             <a:r>
-              <a:rPr lang="en-US" smtClean="0"/>
+              <a:rPr lang="en-US"/>
               <a:t>Click to edit Master title style</a:t>
             </a:r>
-            <a:endParaRPr lang="en-US"/>
           </a:p>
         </p:txBody>
       </p:sp>
@@ -633,10 +636,9 @@
           </a:lstStyle>
           <a:p>
             <a:r>
-              <a:rPr lang="en-US" smtClean="0"/>
+              <a:rPr lang="en-US"/>
               <a:t>Click to edit Master subtitle style</a:t>
             </a:r>
-            <a:endParaRPr lang="en-US"/>
           </a:p>
         </p:txBody>
       </p:sp>
@@ -658,7 +660,7 @@
             <a:fld id="{1D8BD707-D9CF-40AE-B4C6-C98DA3205C09}" type="datetimeFigureOut">
               <a:rPr lang="en-US" smtClean="0"/>
               <a:pPr/>
-              <a:t>2/25/2016</a:t>
+              <a:t>3/23/2016</a:t>
             </a:fld>
             <a:endParaRPr lang="en-US"/>
           </a:p>
@@ -748,10 +750,9 @@
           <a:lstStyle/>
           <a:p>
             <a:r>
-              <a:rPr lang="en-US" smtClean="0"/>
+              <a:rPr lang="en-US"/>
               <a:t>Click to edit Master title style</a:t>
             </a:r>
-            <a:endParaRPr lang="en-US"/>
           </a:p>
         </p:txBody>
       </p:sp>
@@ -772,38 +773,37 @@
           <a:p>
             <a:pPr lvl="0"/>
             <a:r>
-              <a:rPr lang="en-US" smtClean="0"/>
+              <a:rPr lang="en-US"/>
               <a:t>Click to edit Master text styles</a:t>
             </a:r>
           </a:p>
           <a:p>
             <a:pPr lvl="1"/>
             <a:r>
-              <a:rPr lang="en-US" smtClean="0"/>
+              <a:rPr lang="en-US"/>
               <a:t>Second level</a:t>
             </a:r>
           </a:p>
           <a:p>
             <a:pPr lvl="2"/>
             <a:r>
-              <a:rPr lang="en-US" smtClean="0"/>
+              <a:rPr lang="en-US"/>
               <a:t>Third level</a:t>
             </a:r>
           </a:p>
           <a:p>
             <a:pPr lvl="3"/>
             <a:r>
-              <a:rPr lang="en-US" smtClean="0"/>
+              <a:rPr lang="en-US"/>
               <a:t>Fourth level</a:t>
             </a:r>
           </a:p>
           <a:p>
             <a:pPr lvl="4"/>
             <a:r>
-              <a:rPr lang="en-US" smtClean="0"/>
+              <a:rPr lang="en-US"/>
               <a:t>Fifth level</a:t>
             </a:r>
-            <a:endParaRPr lang="en-US"/>
           </a:p>
         </p:txBody>
       </p:sp>
@@ -825,7 +825,7 @@
             <a:fld id="{1D8BD707-D9CF-40AE-B4C6-C98DA3205C09}" type="datetimeFigureOut">
               <a:rPr lang="en-US" smtClean="0"/>
               <a:pPr/>
-              <a:t>2/25/2016</a:t>
+              <a:t>3/23/2016</a:t>
             </a:fld>
             <a:endParaRPr lang="en-US"/>
           </a:p>
@@ -920,10 +920,9 @@
           <a:lstStyle/>
           <a:p>
             <a:r>
-              <a:rPr lang="en-US" smtClean="0"/>
+              <a:rPr lang="en-US"/>
               <a:t>Click to edit Master title style</a:t>
             </a:r>
-            <a:endParaRPr lang="en-US"/>
           </a:p>
         </p:txBody>
       </p:sp>
@@ -949,38 +948,37 @@
           <a:p>
             <a:pPr lvl="0"/>
             <a:r>
-              <a:rPr lang="en-US" smtClean="0"/>
+              <a:rPr lang="en-US"/>
               <a:t>Click to edit Master text styles</a:t>
             </a:r>
           </a:p>
           <a:p>
             <a:pPr lvl="1"/>
             <a:r>
-              <a:rPr lang="en-US" smtClean="0"/>
+              <a:rPr lang="en-US"/>
               <a:t>Second level</a:t>
             </a:r>
           </a:p>
           <a:p>
             <a:pPr lvl="2"/>
             <a:r>
-              <a:rPr lang="en-US" smtClean="0"/>
+              <a:rPr lang="en-US"/>
               <a:t>Third level</a:t>
             </a:r>
           </a:p>
           <a:p>
             <a:pPr lvl="3"/>
             <a:r>
-              <a:rPr lang="en-US" smtClean="0"/>
+              <a:rPr lang="en-US"/>
               <a:t>Fourth level</a:t>
             </a:r>
           </a:p>
           <a:p>
             <a:pPr lvl="4"/>
             <a:r>
-              <a:rPr lang="en-US" smtClean="0"/>
+              <a:rPr lang="en-US"/>
               <a:t>Fifth level</a:t>
             </a:r>
-            <a:endParaRPr lang="en-US"/>
           </a:p>
         </p:txBody>
       </p:sp>
@@ -1002,7 +1000,7 @@
             <a:fld id="{1D8BD707-D9CF-40AE-B4C6-C98DA3205C09}" type="datetimeFigureOut">
               <a:rPr lang="en-US" smtClean="0"/>
               <a:pPr/>
-              <a:t>2/25/2016</a:t>
+              <a:t>3/23/2016</a:t>
             </a:fld>
             <a:endParaRPr lang="en-US"/>
           </a:p>
@@ -1092,10 +1090,9 @@
           <a:lstStyle/>
           <a:p>
             <a:r>
-              <a:rPr lang="en-US" smtClean="0"/>
+              <a:rPr lang="en-US"/>
               <a:t>Click to edit Master title style</a:t>
             </a:r>
-            <a:endParaRPr lang="en-US"/>
           </a:p>
         </p:txBody>
       </p:sp>
@@ -1116,38 +1113,37 @@
           <a:p>
             <a:pPr lvl="0"/>
             <a:r>
-              <a:rPr lang="en-US" smtClean="0"/>
+              <a:rPr lang="en-US"/>
               <a:t>Click to edit Master text styles</a:t>
             </a:r>
           </a:p>
           <a:p>
             <a:pPr lvl="1"/>
             <a:r>
-              <a:rPr lang="en-US" smtClean="0"/>
+              <a:rPr lang="en-US"/>
               <a:t>Second level</a:t>
             </a:r>
           </a:p>
           <a:p>
             <a:pPr lvl="2"/>
             <a:r>
-              <a:rPr lang="en-US" smtClean="0"/>
+              <a:rPr lang="en-US"/>
               <a:t>Third level</a:t>
             </a:r>
           </a:p>
           <a:p>
             <a:pPr lvl="3"/>
             <a:r>
-              <a:rPr lang="en-US" smtClean="0"/>
+              <a:rPr lang="en-US"/>
               <a:t>Fourth level</a:t>
             </a:r>
           </a:p>
           <a:p>
             <a:pPr lvl="4"/>
             <a:r>
-              <a:rPr lang="en-US" smtClean="0"/>
+              <a:rPr lang="en-US"/>
               <a:t>Fifth level</a:t>
             </a:r>
-            <a:endParaRPr lang="en-US"/>
           </a:p>
         </p:txBody>
       </p:sp>
@@ -1169,7 +1165,7 @@
             <a:fld id="{1D8BD707-D9CF-40AE-B4C6-C98DA3205C09}" type="datetimeFigureOut">
               <a:rPr lang="en-US" smtClean="0"/>
               <a:pPr/>
-              <a:t>2/25/2016</a:t>
+              <a:t>3/23/2016</a:t>
             </a:fld>
             <a:endParaRPr lang="en-US"/>
           </a:p>
@@ -1268,10 +1264,9 @@
           </a:lstStyle>
           <a:p>
             <a:r>
-              <a:rPr lang="en-US" smtClean="0"/>
+              <a:rPr lang="en-US"/>
               <a:t>Click to edit Master title style</a:t>
             </a:r>
-            <a:endParaRPr lang="en-US"/>
           </a:p>
         </p:txBody>
       </p:sp>
@@ -1388,7 +1383,7 @@
           <a:p>
             <a:pPr lvl="0"/>
             <a:r>
-              <a:rPr lang="en-US" smtClean="0"/>
+              <a:rPr lang="en-US"/>
               <a:t>Click to edit Master text styles</a:t>
             </a:r>
           </a:p>
@@ -1412,7 +1407,7 @@
             <a:fld id="{1D8BD707-D9CF-40AE-B4C6-C98DA3205C09}" type="datetimeFigureOut">
               <a:rPr lang="en-US" smtClean="0"/>
               <a:pPr/>
-              <a:t>2/25/2016</a:t>
+              <a:t>3/23/2016</a:t>
             </a:fld>
             <a:endParaRPr lang="en-US"/>
           </a:p>
@@ -1502,10 +1497,9 @@
           <a:lstStyle/>
           <a:p>
             <a:r>
-              <a:rPr lang="en-US" smtClean="0"/>
+              <a:rPr lang="en-US"/>
               <a:t>Click to edit Master title style</a:t>
             </a:r>
-            <a:endParaRPr lang="en-US"/>
           </a:p>
         </p:txBody>
       </p:sp>
@@ -1559,38 +1553,37 @@
           <a:p>
             <a:pPr lvl="0"/>
             <a:r>
-              <a:rPr lang="en-US" smtClean="0"/>
+              <a:rPr lang="en-US"/>
               <a:t>Click to edit Master text styles</a:t>
             </a:r>
           </a:p>
           <a:p>
             <a:pPr lvl="1"/>
             <a:r>
-              <a:rPr lang="en-US" smtClean="0"/>
+              <a:rPr lang="en-US"/>
               <a:t>Second level</a:t>
             </a:r>
           </a:p>
           <a:p>
             <a:pPr lvl="2"/>
             <a:r>
-              <a:rPr lang="en-US" smtClean="0"/>
+              <a:rPr lang="en-US"/>
               <a:t>Third level</a:t>
             </a:r>
           </a:p>
           <a:p>
             <a:pPr lvl="3"/>
             <a:r>
-              <a:rPr lang="en-US" smtClean="0"/>
+              <a:rPr lang="en-US"/>
               <a:t>Fourth level</a:t>
             </a:r>
           </a:p>
           <a:p>
             <a:pPr lvl="4"/>
             <a:r>
-              <a:rPr lang="en-US" smtClean="0"/>
+              <a:rPr lang="en-US"/>
               <a:t>Fifth level</a:t>
             </a:r>
-            <a:endParaRPr lang="en-US"/>
           </a:p>
         </p:txBody>
       </p:sp>
@@ -1644,38 +1637,37 @@
           <a:p>
             <a:pPr lvl="0"/>
             <a:r>
-              <a:rPr lang="en-US" smtClean="0"/>
+              <a:rPr lang="en-US"/>
               <a:t>Click to edit Master text styles</a:t>
             </a:r>
           </a:p>
           <a:p>
             <a:pPr lvl="1"/>
             <a:r>
-              <a:rPr lang="en-US" smtClean="0"/>
+              <a:rPr lang="en-US"/>
               <a:t>Second level</a:t>
             </a:r>
           </a:p>
           <a:p>
             <a:pPr lvl="2"/>
             <a:r>
-              <a:rPr lang="en-US" smtClean="0"/>
+              <a:rPr lang="en-US"/>
               <a:t>Third level</a:t>
             </a:r>
           </a:p>
           <a:p>
             <a:pPr lvl="3"/>
             <a:r>
-              <a:rPr lang="en-US" smtClean="0"/>
+              <a:rPr lang="en-US"/>
               <a:t>Fourth level</a:t>
             </a:r>
           </a:p>
           <a:p>
             <a:pPr lvl="4"/>
             <a:r>
-              <a:rPr lang="en-US" smtClean="0"/>
+              <a:rPr lang="en-US"/>
               <a:t>Fifth level</a:t>
             </a:r>
-            <a:endParaRPr lang="en-US"/>
           </a:p>
         </p:txBody>
       </p:sp>
@@ -1697,7 +1689,7 @@
             <a:fld id="{1D8BD707-D9CF-40AE-B4C6-C98DA3205C09}" type="datetimeFigureOut">
               <a:rPr lang="en-US" smtClean="0"/>
               <a:pPr/>
-              <a:t>2/25/2016</a:t>
+              <a:t>3/23/2016</a:t>
             </a:fld>
             <a:endParaRPr lang="en-US"/>
           </a:p>
@@ -1791,10 +1783,9 @@
           </a:lstStyle>
           <a:p>
             <a:r>
-              <a:rPr lang="en-US" smtClean="0"/>
+              <a:rPr lang="en-US"/>
               <a:t>Click to edit Master title style</a:t>
             </a:r>
-            <a:endParaRPr lang="en-US"/>
           </a:p>
         </p:txBody>
       </p:sp>
@@ -1857,7 +1848,7 @@
           <a:p>
             <a:pPr lvl="0"/>
             <a:r>
-              <a:rPr lang="en-US" smtClean="0"/>
+              <a:rPr lang="en-US"/>
               <a:t>Click to edit Master text styles</a:t>
             </a:r>
           </a:p>
@@ -1913,38 +1904,37 @@
           <a:p>
             <a:pPr lvl="0"/>
             <a:r>
-              <a:rPr lang="en-US" smtClean="0"/>
+              <a:rPr lang="en-US"/>
               <a:t>Click to edit Master text styles</a:t>
             </a:r>
           </a:p>
           <a:p>
             <a:pPr lvl="1"/>
             <a:r>
-              <a:rPr lang="en-US" smtClean="0"/>
+              <a:rPr lang="en-US"/>
               <a:t>Second level</a:t>
             </a:r>
           </a:p>
           <a:p>
             <a:pPr lvl="2"/>
             <a:r>
-              <a:rPr lang="en-US" smtClean="0"/>
+              <a:rPr lang="en-US"/>
               <a:t>Third level</a:t>
             </a:r>
           </a:p>
           <a:p>
             <a:pPr lvl="3"/>
             <a:r>
-              <a:rPr lang="en-US" smtClean="0"/>
+              <a:rPr lang="en-US"/>
               <a:t>Fourth level</a:t>
             </a:r>
           </a:p>
           <a:p>
             <a:pPr lvl="4"/>
             <a:r>
-              <a:rPr lang="en-US" smtClean="0"/>
+              <a:rPr lang="en-US"/>
               <a:t>Fifth level</a:t>
             </a:r>
-            <a:endParaRPr lang="en-US"/>
           </a:p>
         </p:txBody>
       </p:sp>
@@ -2007,7 +1997,7 @@
           <a:p>
             <a:pPr lvl="0"/>
             <a:r>
-              <a:rPr lang="en-US" smtClean="0"/>
+              <a:rPr lang="en-US"/>
               <a:t>Click to edit Master text styles</a:t>
             </a:r>
           </a:p>
@@ -2063,38 +2053,37 @@
           <a:p>
             <a:pPr lvl="0"/>
             <a:r>
-              <a:rPr lang="en-US" smtClean="0"/>
+              <a:rPr lang="en-US"/>
               <a:t>Click to edit Master text styles</a:t>
             </a:r>
           </a:p>
           <a:p>
             <a:pPr lvl="1"/>
             <a:r>
-              <a:rPr lang="en-US" smtClean="0"/>
+              <a:rPr lang="en-US"/>
               <a:t>Second level</a:t>
             </a:r>
           </a:p>
           <a:p>
             <a:pPr lvl="2"/>
             <a:r>
-              <a:rPr lang="en-US" smtClean="0"/>
+              <a:rPr lang="en-US"/>
               <a:t>Third level</a:t>
             </a:r>
           </a:p>
           <a:p>
             <a:pPr lvl="3"/>
             <a:r>
-              <a:rPr lang="en-US" smtClean="0"/>
+              <a:rPr lang="en-US"/>
               <a:t>Fourth level</a:t>
             </a:r>
           </a:p>
           <a:p>
             <a:pPr lvl="4"/>
             <a:r>
-              <a:rPr lang="en-US" smtClean="0"/>
+              <a:rPr lang="en-US"/>
               <a:t>Fifth level</a:t>
             </a:r>
-            <a:endParaRPr lang="en-US"/>
           </a:p>
         </p:txBody>
       </p:sp>
@@ -2116,7 +2105,7 @@
             <a:fld id="{1D8BD707-D9CF-40AE-B4C6-C98DA3205C09}" type="datetimeFigureOut">
               <a:rPr lang="en-US" smtClean="0"/>
               <a:pPr/>
-              <a:t>2/25/2016</a:t>
+              <a:t>3/23/2016</a:t>
             </a:fld>
             <a:endParaRPr lang="en-US"/>
           </a:p>
@@ -2206,10 +2195,9 @@
           <a:lstStyle/>
           <a:p>
             <a:r>
-              <a:rPr lang="en-US" smtClean="0"/>
+              <a:rPr lang="en-US"/>
               <a:t>Click to edit Master title style</a:t>
             </a:r>
-            <a:endParaRPr lang="en-US"/>
           </a:p>
         </p:txBody>
       </p:sp>
@@ -2231,7 +2219,7 @@
             <a:fld id="{1D8BD707-D9CF-40AE-B4C6-C98DA3205C09}" type="datetimeFigureOut">
               <a:rPr lang="en-US" smtClean="0"/>
               <a:pPr/>
-              <a:t>2/25/2016</a:t>
+              <a:t>3/23/2016</a:t>
             </a:fld>
             <a:endParaRPr lang="en-US"/>
           </a:p>
@@ -2323,7 +2311,7 @@
             <a:fld id="{1D8BD707-D9CF-40AE-B4C6-C98DA3205C09}" type="datetimeFigureOut">
               <a:rPr lang="en-US" smtClean="0"/>
               <a:pPr/>
-              <a:t>2/25/2016</a:t>
+              <a:t>3/23/2016</a:t>
             </a:fld>
             <a:endParaRPr lang="en-US"/>
           </a:p>
@@ -2422,10 +2410,9 @@
           </a:lstStyle>
           <a:p>
             <a:r>
-              <a:rPr lang="en-US" smtClean="0"/>
+              <a:rPr lang="en-US"/>
               <a:t>Click to edit Master title style</a:t>
             </a:r>
-            <a:endParaRPr lang="en-US"/>
           </a:p>
         </p:txBody>
       </p:sp>
@@ -2479,38 +2466,37 @@
           <a:p>
             <a:pPr lvl="0"/>
             <a:r>
-              <a:rPr lang="en-US" smtClean="0"/>
+              <a:rPr lang="en-US"/>
               <a:t>Click to edit Master text styles</a:t>
             </a:r>
           </a:p>
           <a:p>
             <a:pPr lvl="1"/>
             <a:r>
-              <a:rPr lang="en-US" smtClean="0"/>
+              <a:rPr lang="en-US"/>
               <a:t>Second level</a:t>
             </a:r>
           </a:p>
           <a:p>
             <a:pPr lvl="2"/>
             <a:r>
-              <a:rPr lang="en-US" smtClean="0"/>
+              <a:rPr lang="en-US"/>
               <a:t>Third level</a:t>
             </a:r>
           </a:p>
           <a:p>
             <a:pPr lvl="3"/>
             <a:r>
-              <a:rPr lang="en-US" smtClean="0"/>
+              <a:rPr lang="en-US"/>
               <a:t>Fourth level</a:t>
             </a:r>
           </a:p>
           <a:p>
             <a:pPr lvl="4"/>
             <a:r>
-              <a:rPr lang="en-US" smtClean="0"/>
+              <a:rPr lang="en-US"/>
               <a:t>Fifth level</a:t>
             </a:r>
-            <a:endParaRPr lang="en-US"/>
           </a:p>
         </p:txBody>
       </p:sp>
@@ -2573,7 +2559,7 @@
           <a:p>
             <a:pPr lvl="0"/>
             <a:r>
-              <a:rPr lang="en-US" smtClean="0"/>
+              <a:rPr lang="en-US"/>
               <a:t>Click to edit Master text styles</a:t>
             </a:r>
           </a:p>
@@ -2597,7 +2583,7 @@
             <a:fld id="{1D8BD707-D9CF-40AE-B4C6-C98DA3205C09}" type="datetimeFigureOut">
               <a:rPr lang="en-US" smtClean="0"/>
               <a:pPr/>
-              <a:t>2/25/2016</a:t>
+              <a:t>3/23/2016</a:t>
             </a:fld>
             <a:endParaRPr lang="en-US"/>
           </a:p>
@@ -2696,10 +2682,9 @@
           </a:lstStyle>
           <a:p>
             <a:r>
-              <a:rPr lang="en-US" smtClean="0"/>
+              <a:rPr lang="en-US"/>
               <a:t>Click to edit Master title style</a:t>
             </a:r>
-            <a:endParaRPr lang="en-US"/>
           </a:p>
         </p:txBody>
       </p:sp>
@@ -2823,7 +2808,7 @@
           <a:p>
             <a:pPr lvl="0"/>
             <a:r>
-              <a:rPr lang="en-US" smtClean="0"/>
+              <a:rPr lang="en-US"/>
               <a:t>Click to edit Master text styles</a:t>
             </a:r>
           </a:p>
@@ -2847,7 +2832,7 @@
             <a:fld id="{1D8BD707-D9CF-40AE-B4C6-C98DA3205C09}" type="datetimeFigureOut">
               <a:rPr lang="en-US" smtClean="0"/>
               <a:pPr/>
-              <a:t>2/25/2016</a:t>
+              <a:t>3/23/2016</a:t>
             </a:fld>
             <a:endParaRPr lang="en-US"/>
           </a:p>
@@ -2952,10 +2937,9 @@
           <a:lstStyle/>
           <a:p>
             <a:r>
-              <a:rPr lang="en-US" smtClean="0"/>
+              <a:rPr lang="en-US"/>
               <a:t>Click to edit Master title style</a:t>
             </a:r>
-            <a:endParaRPr lang="en-US"/>
           </a:p>
         </p:txBody>
       </p:sp>
@@ -2986,38 +2970,37 @@
           <a:p>
             <a:pPr lvl="0"/>
             <a:r>
-              <a:rPr lang="en-US" smtClean="0"/>
+              <a:rPr lang="en-US"/>
               <a:t>Click to edit Master text styles</a:t>
             </a:r>
           </a:p>
           <a:p>
             <a:pPr lvl="1"/>
             <a:r>
-              <a:rPr lang="en-US" smtClean="0"/>
+              <a:rPr lang="en-US"/>
               <a:t>Second level</a:t>
             </a:r>
           </a:p>
           <a:p>
             <a:pPr lvl="2"/>
             <a:r>
-              <a:rPr lang="en-US" smtClean="0"/>
+              <a:rPr lang="en-US"/>
               <a:t>Third level</a:t>
             </a:r>
           </a:p>
           <a:p>
             <a:pPr lvl="3"/>
             <a:r>
-              <a:rPr lang="en-US" smtClean="0"/>
+              <a:rPr lang="en-US"/>
               <a:t>Fourth level</a:t>
             </a:r>
           </a:p>
           <a:p>
             <a:pPr lvl="4"/>
             <a:r>
-              <a:rPr lang="en-US" smtClean="0"/>
+              <a:rPr lang="en-US"/>
               <a:t>Fifth level</a:t>
             </a:r>
-            <a:endParaRPr lang="en-US"/>
           </a:p>
         </p:txBody>
       </p:sp>
@@ -3057,7 +3040,7 @@
             <a:fld id="{1D8BD707-D9CF-40AE-B4C6-C98DA3205C09}" type="datetimeFigureOut">
               <a:rPr lang="en-US" smtClean="0"/>
               <a:pPr/>
-              <a:t>2/25/2016</a:t>
+              <a:t>3/23/2016</a:t>
             </a:fld>
             <a:endParaRPr lang="en-US"/>
           </a:p>
@@ -3440,30 +3423,195 @@
       </p:grpSpPr>
       <p:grpSp>
         <p:nvGrpSpPr>
-          <p:cNvPr id="73" name="Group 72"/>
-          <p:cNvGrpSpPr>
-            <a:grpSpLocks/>
-          </p:cNvGrpSpPr>
+          <p:cNvPr id="3" name="Group 2"/>
+          <p:cNvGrpSpPr/>
           <p:nvPr/>
         </p:nvGrpSpPr>
         <p:grpSpPr>
           <a:xfrm>
-            <a:off x="1002575" y="1231726"/>
+            <a:off x="7638765" y="5649817"/>
             <a:ext cx="838200" cy="838200"/>
-            <a:chOff x="375266" y="5397326"/>
+            <a:chOff x="7638765" y="5649817"/>
             <a:chExt cx="838200" cy="838200"/>
           </a:xfrm>
         </p:grpSpPr>
-        <p:sp>
-          <p:nvSpPr>
-            <p:cNvPr id="74" name="Rectangle 73"/>
-            <p:cNvSpPr/>
+        <p:grpSp>
+          <p:nvGrpSpPr>
+            <p:cNvPr id="73" name="Group 72"/>
+            <p:cNvGrpSpPr>
+              <a:grpSpLocks/>
+            </p:cNvGrpSpPr>
             <p:nvPr/>
-          </p:nvSpPr>
-          <p:spPr>
+          </p:nvGrpSpPr>
+          <p:grpSpPr>
             <a:xfrm>
-              <a:off x="375266" y="5397326"/>
+              <a:off x="7638765" y="5649817"/>
               <a:ext cx="838200" cy="838200"/>
+              <a:chOff x="375266" y="5397326"/>
+              <a:chExt cx="838200" cy="838200"/>
+            </a:xfrm>
+          </p:grpSpPr>
+          <p:sp>
+            <p:nvSpPr>
+              <p:cNvPr id="74" name="Rectangle 73"/>
+              <p:cNvSpPr/>
+              <p:nvPr/>
+            </p:nvSpPr>
+            <p:spPr>
+              <a:xfrm>
+                <a:off x="375266" y="5397326"/>
+                <a:ext cx="838200" cy="838200"/>
+              </a:xfrm>
+              <a:prstGeom prst="rect">
+                <a:avLst/>
+              </a:prstGeom>
+              <a:noFill/>
+              <a:ln>
+                <a:noFill/>
+              </a:ln>
+            </p:spPr>
+            <p:style>
+              <a:lnRef idx="2">
+                <a:schemeClr val="accent1">
+                  <a:shade val="50000"/>
+                </a:schemeClr>
+              </a:lnRef>
+              <a:fillRef idx="1">
+                <a:schemeClr val="accent1"/>
+              </a:fillRef>
+              <a:effectRef idx="0">
+                <a:schemeClr val="accent1"/>
+              </a:effectRef>
+              <a:fontRef idx="minor">
+                <a:schemeClr val="lt1"/>
+              </a:fontRef>
+            </p:style>
+            <p:txBody>
+              <a:bodyPr rtlCol="0" anchor="ctr"/>
+              <a:lstStyle/>
+              <a:p>
+                <a:pPr algn="ctr"/>
+                <a:endParaRPr lang="en-SG"/>
+              </a:p>
+            </p:txBody>
+          </p:sp>
+          <p:sp>
+            <p:nvSpPr>
+              <p:cNvPr id="75" name="Rectangle 4"/>
+              <p:cNvSpPr/>
+              <p:nvPr/>
+            </p:nvSpPr>
+            <p:spPr>
+              <a:xfrm rot="16200000">
+                <a:off x="444221" y="5470529"/>
+                <a:ext cx="700291" cy="690781"/>
+              </a:xfrm>
+              <a:custGeom>
+                <a:avLst/>
+                <a:gdLst/>
+                <a:ahLst/>
+                <a:cxnLst/>
+                <a:rect l="l" t="t" r="r" b="b"/>
+                <a:pathLst>
+                  <a:path w="1752603" h="1752600">
+                    <a:moveTo>
+                      <a:pt x="533400" y="0"/>
+                    </a:moveTo>
+                    <a:lnTo>
+                      <a:pt x="533403" y="0"/>
+                    </a:lnTo>
+                    <a:lnTo>
+                      <a:pt x="1066800" y="0"/>
+                    </a:lnTo>
+                    <a:lnTo>
+                      <a:pt x="1752603" y="0"/>
+                    </a:lnTo>
+                    <a:lnTo>
+                      <a:pt x="1752603" y="1752600"/>
+                    </a:lnTo>
+                    <a:lnTo>
+                      <a:pt x="1219203" y="1752600"/>
+                    </a:lnTo>
+                    <a:lnTo>
+                      <a:pt x="533403" y="1752600"/>
+                    </a:lnTo>
+                    <a:lnTo>
+                      <a:pt x="3" y="1752600"/>
+                    </a:lnTo>
+                    <a:lnTo>
+                      <a:pt x="3" y="533430"/>
+                    </a:lnTo>
+                    <a:cubicBezTo>
+                      <a:pt x="0" y="533420"/>
+                      <a:pt x="0" y="533410"/>
+                      <a:pt x="0" y="533400"/>
+                    </a:cubicBezTo>
+                    <a:cubicBezTo>
+                      <a:pt x="0" y="238811"/>
+                      <a:pt x="238811" y="0"/>
+                      <a:pt x="533400" y="0"/>
+                    </a:cubicBezTo>
+                    <a:close/>
+                  </a:path>
+                </a:pathLst>
+              </a:custGeom>
+              <a:noFill/>
+              <a:ln w="76200" cmpd="sng">
+                <a:solidFill>
+                  <a:srgbClr val="0070C0"/>
+                </a:solidFill>
+                <a:miter lim="800000"/>
+              </a:ln>
+            </p:spPr>
+            <p:style>
+              <a:lnRef idx="2">
+                <a:schemeClr val="accent1">
+                  <a:shade val="50000"/>
+                </a:schemeClr>
+              </a:lnRef>
+              <a:fillRef idx="1">
+                <a:schemeClr val="accent1"/>
+              </a:fillRef>
+              <a:effectRef idx="0">
+                <a:schemeClr val="accent1"/>
+              </a:effectRef>
+              <a:fontRef idx="minor">
+                <a:schemeClr val="lt1"/>
+              </a:fontRef>
+            </p:style>
+            <p:txBody>
+              <a:bodyPr rtlCol="0" anchor="ctr"/>
+              <a:lstStyle/>
+              <a:p>
+                <a:pPr algn="ctr"/>
+                <a:endParaRPr lang="en-US"/>
+              </a:p>
+            </p:txBody>
+          </p:sp>
+        </p:grpSp>
+        <p:pic>
+          <p:nvPicPr>
+            <p:cNvPr id="1030" name="Picture 6"/>
+            <p:cNvPicPr>
+              <a:picLocks noChangeArrowheads="1"/>
+            </p:cNvPicPr>
+            <p:nvPr/>
+          </p:nvPicPr>
+          <p:blipFill rotWithShape="1">
+            <a:blip r:embed="rId2">
+              <a:extLst>
+                <a:ext uri="{28A0092B-C50C-407E-A947-70E740481C1C}">
+                  <a14:useLocalDpi xmlns:a14="http://schemas.microsoft.com/office/drawing/2010/main" val="0"/>
+                </a:ext>
+              </a:extLst>
+            </a:blip>
+            <a:srcRect l="28329" t="20417" r="22434" b="34414"/>
+            <a:stretch/>
+          </p:blipFill>
+          <p:spPr bwMode="auto">
+            <a:xfrm>
+              <a:off x="7783908" y="5758469"/>
+              <a:ext cx="411139" cy="387926"/>
             </a:xfrm>
             <a:prstGeom prst="rect">
               <a:avLst/>
@@ -3472,98 +3620,291 @@
             <a:ln>
               <a:noFill/>
             </a:ln>
+            <a:effectLst/>
+            <a:extLst>
+              <a:ext uri="{909E8E84-426E-40DD-AFC4-6F175D3DCCD1}">
+                <a14:hiddenFill xmlns:a14="http://schemas.microsoft.com/office/drawing/2010/main">
+                  <a:solidFill>
+                    <a:schemeClr val="accent1"/>
+                  </a:solidFill>
+                </a14:hiddenFill>
+              </a:ext>
+              <a:ext uri="{91240B29-F687-4F45-9708-019B960494DF}">
+                <a14:hiddenLine xmlns:a14="http://schemas.microsoft.com/office/drawing/2010/main" w="9525">
+                  <a:solidFill>
+                    <a:schemeClr val="tx1"/>
+                  </a:solidFill>
+                  <a:miter lim="800000"/>
+                  <a:headEnd/>
+                  <a:tailEnd/>
+                </a14:hiddenLine>
+              </a:ext>
+              <a:ext uri="{AF507438-7753-43E0-B8FC-AC1667EBCBE1}">
+                <a14:hiddenEffects xmlns:a14="http://schemas.microsoft.com/office/drawing/2010/main">
+                  <a:effectLst>
+                    <a:outerShdw dist="35921" dir="2700000" algn="ctr" rotWithShape="0">
+                      <a:schemeClr val="bg2"/>
+                    </a:outerShdw>
+                  </a:effectLst>
+                </a14:hiddenEffects>
+              </a:ext>
+            </a:extLst>
           </p:spPr>
-          <p:style>
-            <a:lnRef idx="2">
-              <a:schemeClr val="accent1">
-                <a:shade val="50000"/>
-              </a:schemeClr>
-            </a:lnRef>
-            <a:fillRef idx="1">
-              <a:schemeClr val="accent1"/>
-            </a:fillRef>
-            <a:effectRef idx="0">
-              <a:schemeClr val="accent1"/>
-            </a:effectRef>
-            <a:fontRef idx="minor">
-              <a:schemeClr val="lt1"/>
-            </a:fontRef>
-          </p:style>
-          <p:txBody>
-            <a:bodyPr rtlCol="0" anchor="ctr"/>
-            <a:lstStyle/>
-            <a:p>
-              <a:pPr algn="ctr"/>
-              <a:endParaRPr lang="en-SG"/>
-            </a:p>
-          </p:txBody>
-        </p:sp>
+        </p:pic>
+        <p:pic>
+          <p:nvPicPr>
+            <p:cNvPr id="1031" name="Picture 7"/>
+            <p:cNvPicPr>
+              <a:picLocks noChangeArrowheads="1"/>
+            </p:cNvPicPr>
+            <p:nvPr/>
+          </p:nvPicPr>
+          <p:blipFill rotWithShape="1">
+            <a:blip r:embed="rId3">
+              <a:extLst>
+                <a:ext uri="{28A0092B-C50C-407E-A947-70E740481C1C}">
+                  <a14:useLocalDpi xmlns:a14="http://schemas.microsoft.com/office/drawing/2010/main" val="0"/>
+                </a:ext>
+              </a:extLst>
+            </a:blip>
+            <a:srcRect l="28955" t="27411" r="18564" b="23920"/>
+            <a:stretch/>
+          </p:blipFill>
+          <p:spPr bwMode="auto">
+            <a:xfrm>
+              <a:off x="7907913" y="5989855"/>
+              <a:ext cx="450723" cy="406400"/>
+            </a:xfrm>
+            <a:prstGeom prst="rect">
+              <a:avLst/>
+            </a:prstGeom>
+            <a:noFill/>
+            <a:ln>
+              <a:noFill/>
+            </a:ln>
+            <a:effectLst/>
+            <a:extLst>
+              <a:ext uri="{909E8E84-426E-40DD-AFC4-6F175D3DCCD1}">
+                <a14:hiddenFill xmlns:a14="http://schemas.microsoft.com/office/drawing/2010/main">
+                  <a:solidFill>
+                    <a:schemeClr val="accent1"/>
+                  </a:solidFill>
+                </a14:hiddenFill>
+              </a:ext>
+              <a:ext uri="{91240B29-F687-4F45-9708-019B960494DF}">
+                <a14:hiddenLine xmlns:a14="http://schemas.microsoft.com/office/drawing/2010/main" w="9525">
+                  <a:solidFill>
+                    <a:schemeClr val="tx1"/>
+                  </a:solidFill>
+                  <a:miter lim="800000"/>
+                  <a:headEnd/>
+                  <a:tailEnd/>
+                </a14:hiddenLine>
+              </a:ext>
+              <a:ext uri="{AF507438-7753-43E0-B8FC-AC1667EBCBE1}">
+                <a14:hiddenEffects xmlns:a14="http://schemas.microsoft.com/office/drawing/2010/main">
+                  <a:effectLst>
+                    <a:outerShdw dist="35921" dir="2700000" algn="ctr" rotWithShape="0">
+                      <a:schemeClr val="bg2"/>
+                    </a:outerShdw>
+                  </a:effectLst>
+                </a14:hiddenEffects>
+              </a:ext>
+            </a:extLst>
+          </p:spPr>
+        </p:pic>
+      </p:grpSp>
+      <p:grpSp>
+        <p:nvGrpSpPr>
+          <p:cNvPr id="2" name="Group 1"/>
+          <p:cNvGrpSpPr/>
+          <p:nvPr/>
+        </p:nvGrpSpPr>
+        <p:grpSpPr>
+          <a:xfrm>
+            <a:off x="2577501" y="2848729"/>
+            <a:ext cx="838200" cy="856097"/>
+            <a:chOff x="2640875" y="3228975"/>
+            <a:chExt cx="838200" cy="856097"/>
+          </a:xfrm>
+        </p:grpSpPr>
+        <p:grpSp>
+          <p:nvGrpSpPr>
+            <p:cNvPr id="7" name="Group 6"/>
+            <p:cNvGrpSpPr>
+              <a:grpSpLocks/>
+            </p:cNvGrpSpPr>
+            <p:nvPr/>
+          </p:nvGrpSpPr>
+          <p:grpSpPr>
+            <a:xfrm>
+              <a:off x="2640875" y="3228975"/>
+              <a:ext cx="838200" cy="856097"/>
+              <a:chOff x="375266" y="5397326"/>
+              <a:chExt cx="838200" cy="838200"/>
+            </a:xfrm>
+          </p:grpSpPr>
+          <p:sp>
+            <p:nvSpPr>
+              <p:cNvPr id="8" name="Rectangle 7"/>
+              <p:cNvSpPr/>
+              <p:nvPr/>
+            </p:nvSpPr>
+            <p:spPr>
+              <a:xfrm>
+                <a:off x="375266" y="5397326"/>
+                <a:ext cx="838200" cy="838200"/>
+              </a:xfrm>
+              <a:prstGeom prst="rect">
+                <a:avLst/>
+              </a:prstGeom>
+              <a:noFill/>
+              <a:ln>
+                <a:noFill/>
+              </a:ln>
+            </p:spPr>
+            <p:style>
+              <a:lnRef idx="2">
+                <a:schemeClr val="accent1">
+                  <a:shade val="50000"/>
+                </a:schemeClr>
+              </a:lnRef>
+              <a:fillRef idx="1">
+                <a:schemeClr val="accent1"/>
+              </a:fillRef>
+              <a:effectRef idx="0">
+                <a:schemeClr val="accent1"/>
+              </a:effectRef>
+              <a:fontRef idx="minor">
+                <a:schemeClr val="lt1"/>
+              </a:fontRef>
+            </p:style>
+            <p:txBody>
+              <a:bodyPr rtlCol="0" anchor="ctr"/>
+              <a:lstStyle/>
+              <a:p>
+                <a:pPr algn="ctr"/>
+                <a:endParaRPr lang="en-SG"/>
+              </a:p>
+            </p:txBody>
+          </p:sp>
+          <p:sp>
+            <p:nvSpPr>
+              <p:cNvPr id="9" name="Rectangle 4"/>
+              <p:cNvSpPr/>
+              <p:nvPr/>
+            </p:nvSpPr>
+            <p:spPr>
+              <a:xfrm rot="16200000">
+                <a:off x="444221" y="5470529"/>
+                <a:ext cx="700291" cy="690781"/>
+              </a:xfrm>
+              <a:custGeom>
+                <a:avLst/>
+                <a:gdLst/>
+                <a:ahLst/>
+                <a:cxnLst/>
+                <a:rect l="l" t="t" r="r" b="b"/>
+                <a:pathLst>
+                  <a:path w="1752603" h="1752600">
+                    <a:moveTo>
+                      <a:pt x="533400" y="0"/>
+                    </a:moveTo>
+                    <a:lnTo>
+                      <a:pt x="533403" y="0"/>
+                    </a:lnTo>
+                    <a:lnTo>
+                      <a:pt x="1066800" y="0"/>
+                    </a:lnTo>
+                    <a:lnTo>
+                      <a:pt x="1752603" y="0"/>
+                    </a:lnTo>
+                    <a:lnTo>
+                      <a:pt x="1752603" y="1752600"/>
+                    </a:lnTo>
+                    <a:lnTo>
+                      <a:pt x="1219203" y="1752600"/>
+                    </a:lnTo>
+                    <a:lnTo>
+                      <a:pt x="533403" y="1752600"/>
+                    </a:lnTo>
+                    <a:lnTo>
+                      <a:pt x="3" y="1752600"/>
+                    </a:lnTo>
+                    <a:lnTo>
+                      <a:pt x="3" y="533430"/>
+                    </a:lnTo>
+                    <a:cubicBezTo>
+                      <a:pt x="0" y="533420"/>
+                      <a:pt x="0" y="533410"/>
+                      <a:pt x="0" y="533400"/>
+                    </a:cubicBezTo>
+                    <a:cubicBezTo>
+                      <a:pt x="0" y="238811"/>
+                      <a:pt x="238811" y="0"/>
+                      <a:pt x="533400" y="0"/>
+                    </a:cubicBezTo>
+                    <a:close/>
+                  </a:path>
+                </a:pathLst>
+              </a:custGeom>
+              <a:noFill/>
+              <a:ln w="76200" cmpd="sng">
+                <a:solidFill>
+                  <a:srgbClr val="0070C0"/>
+                </a:solidFill>
+                <a:miter lim="800000"/>
+              </a:ln>
+            </p:spPr>
+            <p:style>
+              <a:lnRef idx="2">
+                <a:schemeClr val="accent1">
+                  <a:shade val="50000"/>
+                </a:schemeClr>
+              </a:lnRef>
+              <a:fillRef idx="1">
+                <a:schemeClr val="accent1"/>
+              </a:fillRef>
+              <a:effectRef idx="0">
+                <a:schemeClr val="accent1"/>
+              </a:effectRef>
+              <a:fontRef idx="minor">
+                <a:schemeClr val="lt1"/>
+              </a:fontRef>
+            </p:style>
+            <p:txBody>
+              <a:bodyPr rtlCol="0" anchor="ctr"/>
+              <a:lstStyle/>
+              <a:p>
+                <a:pPr algn="ctr"/>
+                <a:endParaRPr lang="en-US"/>
+              </a:p>
+            </p:txBody>
+          </p:sp>
+        </p:grpSp>
         <p:sp>
           <p:nvSpPr>
-            <p:cNvPr id="75" name="Rectangle 4"/>
-            <p:cNvSpPr/>
+            <p:cNvPr id="10" name="Rectangle 7"/>
+            <p:cNvSpPr>
+              <a:spLocks/>
+            </p:cNvSpPr>
             <p:nvPr/>
           </p:nvSpPr>
           <p:spPr>
-            <a:xfrm rot="16200000">
-              <a:off x="444221" y="5470529"/>
-              <a:ext cx="700291" cy="690781"/>
+            <a:xfrm>
+              <a:off x="2827025" y="3438926"/>
+              <a:ext cx="209130" cy="215499"/>
             </a:xfrm>
-            <a:custGeom>
+            <a:prstGeom prst="rect">
               <a:avLst/>
-              <a:gdLst/>
-              <a:ahLst/>
-              <a:cxnLst/>
-              <a:rect l="l" t="t" r="r" b="b"/>
-              <a:pathLst>
-                <a:path w="1752603" h="1752600">
-                  <a:moveTo>
-                    <a:pt x="533400" y="0"/>
-                  </a:moveTo>
-                  <a:lnTo>
-                    <a:pt x="533403" y="0"/>
-                  </a:lnTo>
-                  <a:lnTo>
-                    <a:pt x="1066800" y="0"/>
-                  </a:lnTo>
-                  <a:lnTo>
-                    <a:pt x="1752603" y="0"/>
-                  </a:lnTo>
-                  <a:lnTo>
-                    <a:pt x="1752603" y="1752600"/>
-                  </a:lnTo>
-                  <a:lnTo>
-                    <a:pt x="1219203" y="1752600"/>
-                  </a:lnTo>
-                  <a:lnTo>
-                    <a:pt x="533403" y="1752600"/>
-                  </a:lnTo>
-                  <a:lnTo>
-                    <a:pt x="3" y="1752600"/>
-                  </a:lnTo>
-                  <a:lnTo>
-                    <a:pt x="3" y="533430"/>
-                  </a:lnTo>
-                  <a:cubicBezTo>
-                    <a:pt x="0" y="533420"/>
-                    <a:pt x="0" y="533410"/>
-                    <a:pt x="0" y="533400"/>
-                  </a:cubicBezTo>
-                  <a:cubicBezTo>
-                    <a:pt x="0" y="238811"/>
-                    <a:pt x="238811" y="0"/>
-                    <a:pt x="533400" y="0"/>
-                  </a:cubicBezTo>
-                  <a:close/>
-                </a:path>
-              </a:pathLst>
-            </a:custGeom>
-            <a:noFill/>
-            <a:ln w="76200" cmpd="sng">
+            </a:prstGeom>
+            <a:solidFill>
+              <a:srgbClr val="E46B09"/>
+            </a:solidFill>
+            <a:ln>
               <a:solidFill>
-                <a:srgbClr val="0070C0"/>
+                <a:srgbClr val="E46B09"/>
               </a:solidFill>
-              <a:miter lim="800000"/>
             </a:ln>
           </p:spPr>
           <p:style>
@@ -3591,257 +3932,29 @@
             </a:p>
           </p:txBody>
         </p:sp>
-      </p:grpSp>
-      <p:pic>
-        <p:nvPicPr>
-          <p:cNvPr id="1030" name="Picture 6"/>
-          <p:cNvPicPr>
-            <a:picLocks noChangeArrowheads="1"/>
-          </p:cNvPicPr>
-          <p:nvPr/>
-        </p:nvPicPr>
-        <p:blipFill rotWithShape="1">
-          <a:blip r:embed="rId2">
-            <a:extLst>
-              <a:ext uri="{28A0092B-C50C-407E-A947-70E740481C1C}">
-                <a14:useLocalDpi xmlns:a14="http://schemas.microsoft.com/office/drawing/2010/main" val="0"/>
-              </a:ext>
-            </a:extLst>
-          </a:blip>
-          <a:srcRect l="28329" t="20417" r="22434" b="34414"/>
-          <a:stretch/>
-        </p:blipFill>
-        <p:spPr bwMode="auto">
-          <a:xfrm>
-            <a:off x="1147718" y="1340378"/>
-            <a:ext cx="411139" cy="387926"/>
-          </a:xfrm>
-          <a:prstGeom prst="rect">
-            <a:avLst/>
-          </a:prstGeom>
-          <a:noFill/>
-          <a:ln>
-            <a:noFill/>
-          </a:ln>
-          <a:effectLst/>
-          <a:extLst>
-            <a:ext uri="{909E8E84-426E-40DD-AFC4-6F175D3DCCD1}">
-              <a14:hiddenFill xmlns:a14="http://schemas.microsoft.com/office/drawing/2010/main">
-                <a:solidFill>
-                  <a:schemeClr val="accent1"/>
-                </a:solidFill>
-              </a14:hiddenFill>
-            </a:ext>
-            <a:ext uri="{91240B29-F687-4F45-9708-019B960494DF}">
-              <a14:hiddenLine xmlns:a14="http://schemas.microsoft.com/office/drawing/2010/main" w="9525">
-                <a:solidFill>
-                  <a:schemeClr val="tx1"/>
-                </a:solidFill>
-                <a:miter lim="800000"/>
-                <a:headEnd/>
-                <a:tailEnd/>
-              </a14:hiddenLine>
-            </a:ext>
-            <a:ext uri="{AF507438-7753-43E0-B8FC-AC1667EBCBE1}">
-              <a14:hiddenEffects xmlns:a14="http://schemas.microsoft.com/office/drawing/2010/main">
-                <a:effectLst>
-                  <a:outerShdw dist="35921" dir="2700000" algn="ctr" rotWithShape="0">
-                    <a:schemeClr val="bg2"/>
-                  </a:outerShdw>
-                </a:effectLst>
-              </a14:hiddenEffects>
-            </a:ext>
-          </a:extLst>
-        </p:spPr>
-      </p:pic>
-      <p:pic>
-        <p:nvPicPr>
-          <p:cNvPr id="1031" name="Picture 7"/>
-          <p:cNvPicPr>
-            <a:picLocks noChangeArrowheads="1"/>
-          </p:cNvPicPr>
-          <p:nvPr/>
-        </p:nvPicPr>
-        <p:blipFill rotWithShape="1">
-          <a:blip r:embed="rId3">
-            <a:extLst>
-              <a:ext uri="{28A0092B-C50C-407E-A947-70E740481C1C}">
-                <a14:useLocalDpi xmlns:a14="http://schemas.microsoft.com/office/drawing/2010/main" val="0"/>
-              </a:ext>
-            </a:extLst>
-          </a:blip>
-          <a:srcRect l="28955" t="27411" r="18564" b="23920"/>
-          <a:stretch/>
-        </p:blipFill>
-        <p:spPr bwMode="auto">
-          <a:xfrm>
-            <a:off x="1271723" y="1571764"/>
-            <a:ext cx="450723" cy="406400"/>
-          </a:xfrm>
-          <a:prstGeom prst="rect">
-            <a:avLst/>
-          </a:prstGeom>
-          <a:noFill/>
-          <a:ln>
-            <a:noFill/>
-          </a:ln>
-          <a:effectLst/>
-          <a:extLst>
-            <a:ext uri="{909E8E84-426E-40DD-AFC4-6F175D3DCCD1}">
-              <a14:hiddenFill xmlns:a14="http://schemas.microsoft.com/office/drawing/2010/main">
-                <a:solidFill>
-                  <a:schemeClr val="accent1"/>
-                </a:solidFill>
-              </a14:hiddenFill>
-            </a:ext>
-            <a:ext uri="{91240B29-F687-4F45-9708-019B960494DF}">
-              <a14:hiddenLine xmlns:a14="http://schemas.microsoft.com/office/drawing/2010/main" w="9525">
-                <a:solidFill>
-                  <a:schemeClr val="tx1"/>
-                </a:solidFill>
-                <a:miter lim="800000"/>
-                <a:headEnd/>
-                <a:tailEnd/>
-              </a14:hiddenLine>
-            </a:ext>
-            <a:ext uri="{AF507438-7753-43E0-B8FC-AC1667EBCBE1}">
-              <a14:hiddenEffects xmlns:a14="http://schemas.microsoft.com/office/drawing/2010/main">
-                <a:effectLst>
-                  <a:outerShdw dist="35921" dir="2700000" algn="ctr" rotWithShape="0">
-                    <a:schemeClr val="bg2"/>
-                  </a:outerShdw>
-                </a:effectLst>
-              </a14:hiddenEffects>
-            </a:ext>
-          </a:extLst>
-        </p:spPr>
-      </p:pic>
-      <p:grpSp>
-        <p:nvGrpSpPr>
-          <p:cNvPr id="7" name="Group 6"/>
-          <p:cNvGrpSpPr>
-            <a:grpSpLocks/>
-          </p:cNvGrpSpPr>
-          <p:nvPr/>
-        </p:nvGrpSpPr>
-        <p:grpSpPr>
-          <a:xfrm>
-            <a:off x="2640875" y="3228975"/>
-            <a:ext cx="838200" cy="856097"/>
-            <a:chOff x="375266" y="5397326"/>
-            <a:chExt cx="838200" cy="838200"/>
-          </a:xfrm>
-        </p:grpSpPr>
         <p:sp>
           <p:nvSpPr>
-            <p:cNvPr id="8" name="Rectangle 7"/>
-            <p:cNvSpPr/>
+            <p:cNvPr id="11" name="Rectangle 7"/>
+            <p:cNvSpPr>
+              <a:spLocks/>
+            </p:cNvSpPr>
             <p:nvPr/>
           </p:nvSpPr>
           <p:spPr>
             <a:xfrm>
-              <a:off x="375266" y="5397326"/>
-              <a:ext cx="838200" cy="838200"/>
+              <a:off x="3163992" y="3759428"/>
+              <a:ext cx="155053" cy="159775"/>
             </a:xfrm>
             <a:prstGeom prst="rect">
               <a:avLst/>
             </a:prstGeom>
-            <a:noFill/>
+            <a:solidFill>
+              <a:srgbClr val="E46B09"/>
+            </a:solidFill>
             <a:ln>
-              <a:noFill/>
-            </a:ln>
-          </p:spPr>
-          <p:style>
-            <a:lnRef idx="2">
-              <a:schemeClr val="accent1">
-                <a:shade val="50000"/>
-              </a:schemeClr>
-            </a:lnRef>
-            <a:fillRef idx="1">
-              <a:schemeClr val="accent1"/>
-            </a:fillRef>
-            <a:effectRef idx="0">
-              <a:schemeClr val="accent1"/>
-            </a:effectRef>
-            <a:fontRef idx="minor">
-              <a:schemeClr val="lt1"/>
-            </a:fontRef>
-          </p:style>
-          <p:txBody>
-            <a:bodyPr rtlCol="0" anchor="ctr"/>
-            <a:lstStyle/>
-            <a:p>
-              <a:pPr algn="ctr"/>
-              <a:endParaRPr lang="en-SG"/>
-            </a:p>
-          </p:txBody>
-        </p:sp>
-        <p:sp>
-          <p:nvSpPr>
-            <p:cNvPr id="9" name="Rectangle 4"/>
-            <p:cNvSpPr/>
-            <p:nvPr/>
-          </p:nvSpPr>
-          <p:spPr>
-            <a:xfrm rot="16200000">
-              <a:off x="444221" y="5470529"/>
-              <a:ext cx="700291" cy="690781"/>
-            </a:xfrm>
-            <a:custGeom>
-              <a:avLst/>
-              <a:gdLst/>
-              <a:ahLst/>
-              <a:cxnLst/>
-              <a:rect l="l" t="t" r="r" b="b"/>
-              <a:pathLst>
-                <a:path w="1752603" h="1752600">
-                  <a:moveTo>
-                    <a:pt x="533400" y="0"/>
-                  </a:moveTo>
-                  <a:lnTo>
-                    <a:pt x="533403" y="0"/>
-                  </a:lnTo>
-                  <a:lnTo>
-                    <a:pt x="1066800" y="0"/>
-                  </a:lnTo>
-                  <a:lnTo>
-                    <a:pt x="1752603" y="0"/>
-                  </a:lnTo>
-                  <a:lnTo>
-                    <a:pt x="1752603" y="1752600"/>
-                  </a:lnTo>
-                  <a:lnTo>
-                    <a:pt x="1219203" y="1752600"/>
-                  </a:lnTo>
-                  <a:lnTo>
-                    <a:pt x="533403" y="1752600"/>
-                  </a:lnTo>
-                  <a:lnTo>
-                    <a:pt x="3" y="1752600"/>
-                  </a:lnTo>
-                  <a:lnTo>
-                    <a:pt x="3" y="533430"/>
-                  </a:lnTo>
-                  <a:cubicBezTo>
-                    <a:pt x="0" y="533420"/>
-                    <a:pt x="0" y="533410"/>
-                    <a:pt x="0" y="533400"/>
-                  </a:cubicBezTo>
-                  <a:cubicBezTo>
-                    <a:pt x="0" y="238811"/>
-                    <a:pt x="238811" y="0"/>
-                    <a:pt x="533400" y="0"/>
-                  </a:cubicBezTo>
-                  <a:close/>
-                </a:path>
-              </a:pathLst>
-            </a:custGeom>
-            <a:noFill/>
-            <a:ln w="76200" cmpd="sng">
               <a:solidFill>
-                <a:srgbClr val="0070C0"/>
+                <a:srgbClr val="E46B09"/>
               </a:solidFill>
-              <a:miter lim="800000"/>
             </a:ln>
           </p:spPr>
           <p:style>
@@ -3869,19 +3982,187 @@
             </a:p>
           </p:txBody>
         </p:sp>
+        <p:cxnSp>
+          <p:nvCxnSpPr>
+            <p:cNvPr id="12" name="Straight Connector 11"/>
+            <p:cNvCxnSpPr/>
+            <p:nvPr/>
+          </p:nvCxnSpPr>
+          <p:spPr>
+            <a:xfrm>
+              <a:off x="3099806" y="3364539"/>
+              <a:ext cx="0" cy="584397"/>
+            </a:xfrm>
+            <a:prstGeom prst="line">
+              <a:avLst/>
+            </a:prstGeom>
+            <a:ln w="9525">
+              <a:solidFill>
+                <a:srgbClr val="0070C0"/>
+              </a:solidFill>
+            </a:ln>
+          </p:spPr>
+          <p:style>
+            <a:lnRef idx="1">
+              <a:schemeClr val="accent1"/>
+            </a:lnRef>
+            <a:fillRef idx="0">
+              <a:schemeClr val="accent1"/>
+            </a:fillRef>
+            <a:effectRef idx="0">
+              <a:schemeClr val="accent1"/>
+            </a:effectRef>
+            <a:fontRef idx="minor">
+              <a:schemeClr val="tx1"/>
+            </a:fontRef>
+          </p:style>
+        </p:cxnSp>
       </p:grpSp>
       <p:sp>
         <p:nvSpPr>
-          <p:cNvPr id="10" name="Rectangle 7"/>
-          <p:cNvSpPr>
-            <a:spLocks/>
-          </p:cNvSpPr>
+          <p:cNvPr id="4" name="TextBox 3"/>
+          <p:cNvSpPr txBox="1"/>
           <p:nvPr/>
         </p:nvSpPr>
         <p:spPr>
           <a:xfrm>
-            <a:off x="2827025" y="3438926"/>
-            <a:ext cx="209130" cy="215499"/>
+            <a:off x="3243463" y="706170"/>
+            <a:ext cx="2657074" cy="707886"/>
+          </a:xfrm>
+          <a:prstGeom prst="rect">
+            <a:avLst/>
+          </a:prstGeom>
+          <a:noFill/>
+        </p:spPr>
+        <p:txBody>
+          <a:bodyPr wrap="none" rtlCol="0">
+            <a:spAutoFit/>
+          </a:bodyPr>
+          <a:lstStyle/>
+          <a:p>
+            <a:pPr algn="ctr"/>
+            <a:r>
+              <a:rPr lang="en-US" sz="4000" dirty="0"/>
+              <a:t>Ribbon Icon</a:t>
+            </a:r>
+          </a:p>
+        </p:txBody>
+      </p:sp>
+    </p:spTree>
+    <p:extLst>
+      <p:ext uri="{BB962C8B-B14F-4D97-AF65-F5344CB8AC3E}">
+        <p14:creationId xmlns:p14="http://schemas.microsoft.com/office/powerpoint/2010/main" val="1863451993"/>
+      </p:ext>
+    </p:extLst>
+  </p:cSld>
+  <p:clrMapOvr>
+    <a:masterClrMapping/>
+  </p:clrMapOvr>
+</p:sld>
+</file>
+
+<file path=ppt/slides/slide2.xml><?xml version="1.0" encoding="utf-8"?>
+<p:sld xmlns:a="http://schemas.openxmlformats.org/drawingml/2006/main" xmlns:r="http://schemas.openxmlformats.org/officeDocument/2006/relationships" xmlns:p="http://schemas.openxmlformats.org/presentationml/2006/main">
+  <p:cSld>
+    <p:bg>
+      <p:bgPr>
+        <a:solidFill>
+          <a:schemeClr val="bg1">
+            <a:lumMod val="95000"/>
+          </a:schemeClr>
+        </a:solidFill>
+        <a:effectLst/>
+      </p:bgPr>
+    </p:bg>
+    <p:spTree>
+      <p:nvGrpSpPr>
+        <p:cNvPr id="1" name=""/>
+        <p:cNvGrpSpPr/>
+        <p:nvPr/>
+      </p:nvGrpSpPr>
+      <p:grpSpPr>
+        <a:xfrm>
+          <a:off x="0" y="0"/>
+          <a:ext cx="0" cy="0"/>
+          <a:chOff x="0" y="0"/>
+          <a:chExt cx="0" cy="0"/>
+        </a:xfrm>
+      </p:grpSpPr>
+      <p:sp>
+        <p:nvSpPr>
+          <p:cNvPr id="4" name="TextBox 3"/>
+          <p:cNvSpPr txBox="1"/>
+          <p:nvPr/>
+        </p:nvSpPr>
+        <p:spPr>
+          <a:xfrm>
+            <a:off x="3359682" y="729400"/>
+            <a:ext cx="2424638" cy="707886"/>
+          </a:xfrm>
+          <a:prstGeom prst="rect">
+            <a:avLst/>
+          </a:prstGeom>
+          <a:noFill/>
+        </p:spPr>
+        <p:txBody>
+          <a:bodyPr wrap="none" rtlCol="0">
+            <a:spAutoFit/>
+          </a:bodyPr>
+          <a:lstStyle/>
+          <a:p>
+            <a:pPr algn="ctr"/>
+            <a:r>
+              <a:rPr lang="en-US" sz="4000" dirty="0"/>
+              <a:t>Align Icons</a:t>
+            </a:r>
+          </a:p>
+        </p:txBody>
+      </p:sp>
+      <p:cxnSp>
+        <p:nvCxnSpPr>
+          <p:cNvPr id="5" name="Straight Connector 4"/>
+          <p:cNvCxnSpPr/>
+          <p:nvPr/>
+        </p:nvCxnSpPr>
+        <p:spPr>
+          <a:xfrm flipH="1">
+            <a:off x="1133449" y="3265418"/>
+            <a:ext cx="2382" cy="552450"/>
+          </a:xfrm>
+          <a:prstGeom prst="line">
+            <a:avLst/>
+          </a:prstGeom>
+          <a:ln w="19050">
+            <a:solidFill>
+              <a:schemeClr val="tx1"/>
+            </a:solidFill>
+          </a:ln>
+        </p:spPr>
+        <p:style>
+          <a:lnRef idx="1">
+            <a:schemeClr val="dk1"/>
+          </a:lnRef>
+          <a:fillRef idx="0">
+            <a:schemeClr val="dk1"/>
+          </a:fillRef>
+          <a:effectRef idx="0">
+            <a:schemeClr val="dk1"/>
+          </a:effectRef>
+          <a:fontRef idx="minor">
+            <a:schemeClr val="tx1"/>
+          </a:fontRef>
+        </p:style>
+      </p:cxnSp>
+      <p:sp>
+        <p:nvSpPr>
+          <p:cNvPr id="7" name="Rectangle 6"/>
+          <p:cNvSpPr/>
+          <p:nvPr/>
+        </p:nvSpPr>
+        <p:spPr>
+          <a:xfrm>
+            <a:off x="1192980" y="3293993"/>
+            <a:ext cx="340518" cy="145256"/>
           </a:xfrm>
           <a:prstGeom prst="rect">
             <a:avLst/>
@@ -3889,9 +4170,9 @@
           <a:solidFill>
             <a:srgbClr val="E46B09"/>
           </a:solidFill>
-          <a:ln>
+          <a:ln w="12700">
             <a:solidFill>
-              <a:srgbClr val="E46B09"/>
+              <a:schemeClr val="tx1"/>
             </a:solidFill>
           </a:ln>
         </p:spPr>
@@ -3922,26 +4203,24 @@
       </p:sp>
       <p:sp>
         <p:nvSpPr>
-          <p:cNvPr id="11" name="Rectangle 7"/>
-          <p:cNvSpPr>
-            <a:spLocks/>
-          </p:cNvSpPr>
+          <p:cNvPr id="8" name="Rectangle 7"/>
+          <p:cNvSpPr/>
           <p:nvPr/>
         </p:nvSpPr>
         <p:spPr>
           <a:xfrm>
-            <a:off x="3163992" y="3759428"/>
-            <a:ext cx="155053" cy="159775"/>
+            <a:off x="1192980" y="3498780"/>
+            <a:ext cx="486928" cy="145256"/>
           </a:xfrm>
           <a:prstGeom prst="rect">
             <a:avLst/>
           </a:prstGeom>
           <a:solidFill>
-            <a:srgbClr val="E46B09"/>
+            <a:schemeClr val="bg1"/>
           </a:solidFill>
-          <a:ln>
+          <a:ln w="12700">
             <a:solidFill>
-              <a:srgbClr val="E46B09"/>
+              <a:schemeClr val="tx1"/>
             </a:solidFill>
           </a:ln>
         </p:spPr>
@@ -3972,22 +4251,23 @@
       </p:sp>
       <p:cxnSp>
         <p:nvCxnSpPr>
-          <p:cNvPr id="12" name="Straight Connector 11"/>
+          <p:cNvPr id="10" name="Straight Arrow Connector 9"/>
           <p:cNvCxnSpPr/>
           <p:nvPr/>
         </p:nvCxnSpPr>
         <p:spPr>
-          <a:xfrm>
-            <a:off x="3099806" y="3364539"/>
-            <a:ext cx="0" cy="584397"/>
-          </a:xfrm>
-          <a:prstGeom prst="line">
+          <a:xfrm flipH="1">
+            <a:off x="1212463" y="3741667"/>
+            <a:ext cx="373857" cy="0"/>
+          </a:xfrm>
+          <a:prstGeom prst="straightConnector1">
             <a:avLst/>
           </a:prstGeom>
-          <a:ln w="9525">
+          <a:ln>
             <a:solidFill>
-              <a:srgbClr val="0070C0"/>
+              <a:srgbClr val="0071C2"/>
             </a:solidFill>
+            <a:tailEnd type="triangle"/>
           </a:ln>
         </p:spPr>
         <p:style>
@@ -4005,23 +4285,1438 @@
           </a:fontRef>
         </p:style>
       </p:cxnSp>
+      <p:sp>
+        <p:nvSpPr>
+          <p:cNvPr id="12" name="TextBox 11"/>
+          <p:cNvSpPr txBox="1"/>
+          <p:nvPr/>
+        </p:nvSpPr>
+        <p:spPr>
+          <a:xfrm>
+            <a:off x="896186" y="2166686"/>
+            <a:ext cx="1020985" cy="369332"/>
+          </a:xfrm>
+          <a:prstGeom prst="rect">
+            <a:avLst/>
+          </a:prstGeom>
+          <a:noFill/>
+        </p:spPr>
+        <p:txBody>
+          <a:bodyPr wrap="none" rtlCol="0">
+            <a:spAutoFit/>
+          </a:bodyPr>
+          <a:lstStyle/>
+          <a:p>
+            <a:r>
+              <a:rPr lang="en-US" dirty="0"/>
+              <a:t>Align left</a:t>
+            </a:r>
+          </a:p>
+        </p:txBody>
+      </p:sp>
+      <p:sp>
+        <p:nvSpPr>
+          <p:cNvPr id="13" name="TextBox 12"/>
+          <p:cNvSpPr txBox="1"/>
+          <p:nvPr/>
+        </p:nvSpPr>
+        <p:spPr>
+          <a:xfrm>
+            <a:off x="2813356" y="2166686"/>
+            <a:ext cx="1190839" cy="369332"/>
+          </a:xfrm>
+          <a:prstGeom prst="rect">
+            <a:avLst/>
+          </a:prstGeom>
+          <a:noFill/>
+        </p:spPr>
+        <p:txBody>
+          <a:bodyPr wrap="none" rtlCol="0">
+            <a:spAutoFit/>
+          </a:bodyPr>
+          <a:lstStyle/>
+          <a:p>
+            <a:r>
+              <a:rPr lang="en-US" dirty="0"/>
+              <a:t>Align Right</a:t>
+            </a:r>
+          </a:p>
+        </p:txBody>
+      </p:sp>
+      <p:sp>
+        <p:nvSpPr>
+          <p:cNvPr id="14" name="TextBox 13"/>
+          <p:cNvSpPr txBox="1">
+            <a:spLocks/>
+          </p:cNvSpPr>
+          <p:nvPr/>
+        </p:nvSpPr>
+        <p:spPr>
+          <a:xfrm>
+            <a:off x="4900381" y="2166686"/>
+            <a:ext cx="1042593" cy="369332"/>
+          </a:xfrm>
+          <a:prstGeom prst="rect">
+            <a:avLst/>
+          </a:prstGeom>
+          <a:noFill/>
+        </p:spPr>
+        <p:txBody>
+          <a:bodyPr wrap="none" rtlCol="0">
+            <a:spAutoFit/>
+          </a:bodyPr>
+          <a:lstStyle/>
+          <a:p>
+            <a:r>
+              <a:rPr lang="en-US" dirty="0"/>
+              <a:t>Align Top</a:t>
+            </a:r>
+          </a:p>
+        </p:txBody>
+      </p:sp>
+      <p:sp>
+        <p:nvSpPr>
+          <p:cNvPr id="20" name="TextBox 19"/>
+          <p:cNvSpPr txBox="1">
+            <a:spLocks/>
+          </p:cNvSpPr>
+          <p:nvPr/>
+        </p:nvSpPr>
+        <p:spPr>
+          <a:xfrm>
+            <a:off x="6839160" y="2166686"/>
+            <a:ext cx="1408655" cy="369332"/>
+          </a:xfrm>
+          <a:prstGeom prst="rect">
+            <a:avLst/>
+          </a:prstGeom>
+          <a:noFill/>
+        </p:spPr>
+        <p:txBody>
+          <a:bodyPr wrap="none" rtlCol="0">
+            <a:spAutoFit/>
+          </a:bodyPr>
+          <a:lstStyle/>
+          <a:p>
+            <a:r>
+              <a:rPr lang="en-US" dirty="0"/>
+              <a:t>Align Bottom</a:t>
+            </a:r>
+          </a:p>
+        </p:txBody>
+      </p:sp>
+      <p:cxnSp>
+        <p:nvCxnSpPr>
+          <p:cNvPr id="66" name="Straight Connector 65"/>
+          <p:cNvCxnSpPr/>
+          <p:nvPr/>
+        </p:nvCxnSpPr>
+        <p:spPr>
+          <a:xfrm>
+            <a:off x="3679623" y="3265418"/>
+            <a:ext cx="2382" cy="552450"/>
+          </a:xfrm>
+          <a:prstGeom prst="line">
+            <a:avLst/>
+          </a:prstGeom>
+          <a:ln w="19050">
+            <a:solidFill>
+              <a:schemeClr val="tx1"/>
+            </a:solidFill>
+          </a:ln>
+        </p:spPr>
+        <p:style>
+          <a:lnRef idx="1">
+            <a:schemeClr val="dk1"/>
+          </a:lnRef>
+          <a:fillRef idx="0">
+            <a:schemeClr val="dk1"/>
+          </a:fillRef>
+          <a:effectRef idx="0">
+            <a:schemeClr val="dk1"/>
+          </a:effectRef>
+          <a:fontRef idx="minor">
+            <a:schemeClr val="tx1"/>
+          </a:fontRef>
+        </p:style>
+      </p:cxnSp>
+      <p:sp>
+        <p:nvSpPr>
+          <p:cNvPr id="67" name="Rectangle 66"/>
+          <p:cNvSpPr/>
+          <p:nvPr/>
+        </p:nvSpPr>
+        <p:spPr>
+          <a:xfrm flipH="1">
+            <a:off x="3281956" y="3293993"/>
+            <a:ext cx="340518" cy="145256"/>
+          </a:xfrm>
+          <a:prstGeom prst="rect">
+            <a:avLst/>
+          </a:prstGeom>
+          <a:solidFill>
+            <a:srgbClr val="E46B09"/>
+          </a:solidFill>
+          <a:ln w="12700">
+            <a:solidFill>
+              <a:schemeClr val="tx1"/>
+            </a:solidFill>
+          </a:ln>
+        </p:spPr>
+        <p:style>
+          <a:lnRef idx="2">
+            <a:schemeClr val="accent1">
+              <a:shade val="50000"/>
+            </a:schemeClr>
+          </a:lnRef>
+          <a:fillRef idx="1">
+            <a:schemeClr val="accent1"/>
+          </a:fillRef>
+          <a:effectRef idx="0">
+            <a:schemeClr val="accent1"/>
+          </a:effectRef>
+          <a:fontRef idx="minor">
+            <a:schemeClr val="lt1"/>
+          </a:fontRef>
+        </p:style>
+        <p:txBody>
+          <a:bodyPr rtlCol="0" anchor="ctr"/>
+          <a:lstStyle/>
+          <a:p>
+            <a:pPr algn="ctr"/>
+            <a:endParaRPr lang="en-US"/>
+          </a:p>
+        </p:txBody>
+      </p:sp>
+      <p:sp>
+        <p:nvSpPr>
+          <p:cNvPr id="68" name="Rectangle 67"/>
+          <p:cNvSpPr/>
+          <p:nvPr/>
+        </p:nvSpPr>
+        <p:spPr>
+          <a:xfrm flipH="1">
+            <a:off x="3135546" y="3498780"/>
+            <a:ext cx="486928" cy="145256"/>
+          </a:xfrm>
+          <a:prstGeom prst="rect">
+            <a:avLst/>
+          </a:prstGeom>
+          <a:solidFill>
+            <a:schemeClr val="bg1"/>
+          </a:solidFill>
+          <a:ln w="12700">
+            <a:solidFill>
+              <a:schemeClr val="tx1"/>
+            </a:solidFill>
+          </a:ln>
+        </p:spPr>
+        <p:style>
+          <a:lnRef idx="2">
+            <a:schemeClr val="accent1">
+              <a:shade val="50000"/>
+            </a:schemeClr>
+          </a:lnRef>
+          <a:fillRef idx="1">
+            <a:schemeClr val="accent1"/>
+          </a:fillRef>
+          <a:effectRef idx="0">
+            <a:schemeClr val="accent1"/>
+          </a:effectRef>
+          <a:fontRef idx="minor">
+            <a:schemeClr val="lt1"/>
+          </a:fontRef>
+        </p:style>
+        <p:txBody>
+          <a:bodyPr rtlCol="0" anchor="ctr"/>
+          <a:lstStyle/>
+          <a:p>
+            <a:pPr algn="ctr"/>
+            <a:endParaRPr lang="en-US"/>
+          </a:p>
+        </p:txBody>
+      </p:sp>
+      <p:cxnSp>
+        <p:nvCxnSpPr>
+          <p:cNvPr id="69" name="Straight Arrow Connector 68"/>
+          <p:cNvCxnSpPr/>
+          <p:nvPr/>
+        </p:nvCxnSpPr>
+        <p:spPr>
+          <a:xfrm>
+            <a:off x="3229134" y="3741667"/>
+            <a:ext cx="373857" cy="0"/>
+          </a:xfrm>
+          <a:prstGeom prst="straightConnector1">
+            <a:avLst/>
+          </a:prstGeom>
+          <a:ln>
+            <a:solidFill>
+              <a:srgbClr val="0071C2"/>
+            </a:solidFill>
+            <a:tailEnd type="triangle"/>
+          </a:ln>
+        </p:spPr>
+        <p:style>
+          <a:lnRef idx="1">
+            <a:schemeClr val="accent1"/>
+          </a:lnRef>
+          <a:fillRef idx="0">
+            <a:schemeClr val="accent1"/>
+          </a:fillRef>
+          <a:effectRef idx="0">
+            <a:schemeClr val="accent1"/>
+          </a:effectRef>
+          <a:fontRef idx="minor">
+            <a:schemeClr val="tx1"/>
+          </a:fontRef>
+        </p:style>
+      </p:cxnSp>
+      <p:cxnSp>
+        <p:nvCxnSpPr>
+          <p:cNvPr id="71" name="Straight Connector 70"/>
+          <p:cNvCxnSpPr/>
+          <p:nvPr/>
+        </p:nvCxnSpPr>
+        <p:spPr>
+          <a:xfrm rot="16200000">
+            <a:off x="5423483" y="2987389"/>
+            <a:ext cx="2382" cy="552450"/>
+          </a:xfrm>
+          <a:prstGeom prst="line">
+            <a:avLst/>
+          </a:prstGeom>
+          <a:ln w="19050">
+            <a:solidFill>
+              <a:schemeClr val="tx1"/>
+            </a:solidFill>
+          </a:ln>
+        </p:spPr>
+        <p:style>
+          <a:lnRef idx="1">
+            <a:schemeClr val="dk1"/>
+          </a:lnRef>
+          <a:fillRef idx="0">
+            <a:schemeClr val="dk1"/>
+          </a:fillRef>
+          <a:effectRef idx="0">
+            <a:schemeClr val="dk1"/>
+          </a:effectRef>
+          <a:fontRef idx="minor">
+            <a:schemeClr val="tx1"/>
+          </a:fontRef>
+        </p:style>
+      </p:cxnSp>
+      <p:sp>
+        <p:nvSpPr>
+          <p:cNvPr id="72" name="Rectangle 71"/>
+          <p:cNvSpPr/>
+          <p:nvPr/>
+        </p:nvSpPr>
+        <p:spPr>
+          <a:xfrm rot="16200000" flipH="1">
+            <a:off x="5079393" y="3419585"/>
+            <a:ext cx="340518" cy="145256"/>
+          </a:xfrm>
+          <a:prstGeom prst="rect">
+            <a:avLst/>
+          </a:prstGeom>
+          <a:solidFill>
+            <a:srgbClr val="E46B09"/>
+          </a:solidFill>
+          <a:ln w="12700">
+            <a:solidFill>
+              <a:schemeClr val="tx1"/>
+            </a:solidFill>
+          </a:ln>
+        </p:spPr>
+        <p:style>
+          <a:lnRef idx="2">
+            <a:schemeClr val="accent1">
+              <a:shade val="50000"/>
+            </a:schemeClr>
+          </a:lnRef>
+          <a:fillRef idx="1">
+            <a:schemeClr val="accent1"/>
+          </a:fillRef>
+          <a:effectRef idx="0">
+            <a:schemeClr val="accent1"/>
+          </a:effectRef>
+          <a:fontRef idx="minor">
+            <a:schemeClr val="lt1"/>
+          </a:fontRef>
+        </p:style>
+        <p:txBody>
+          <a:bodyPr rtlCol="0" anchor="ctr"/>
+          <a:lstStyle/>
+          <a:p>
+            <a:pPr algn="ctr"/>
+            <a:endParaRPr lang="en-US"/>
+          </a:p>
+        </p:txBody>
+      </p:sp>
+      <p:sp>
+        <p:nvSpPr>
+          <p:cNvPr id="73" name="Rectangle 72"/>
+          <p:cNvSpPr/>
+          <p:nvPr/>
+        </p:nvSpPr>
+        <p:spPr>
+          <a:xfrm rot="16200000" flipH="1">
+            <a:off x="5210976" y="3492790"/>
+            <a:ext cx="486928" cy="145256"/>
+          </a:xfrm>
+          <a:prstGeom prst="rect">
+            <a:avLst/>
+          </a:prstGeom>
+          <a:solidFill>
+            <a:schemeClr val="bg1"/>
+          </a:solidFill>
+          <a:ln w="12700">
+            <a:solidFill>
+              <a:schemeClr val="tx1"/>
+            </a:solidFill>
+          </a:ln>
+        </p:spPr>
+        <p:style>
+          <a:lnRef idx="2">
+            <a:schemeClr val="accent1">
+              <a:shade val="50000"/>
+            </a:schemeClr>
+          </a:lnRef>
+          <a:fillRef idx="1">
+            <a:schemeClr val="accent1"/>
+          </a:fillRef>
+          <a:effectRef idx="0">
+            <a:schemeClr val="accent1"/>
+          </a:effectRef>
+          <a:fontRef idx="minor">
+            <a:schemeClr val="lt1"/>
+          </a:fontRef>
+        </p:style>
+        <p:txBody>
+          <a:bodyPr rtlCol="0" anchor="ctr"/>
+          <a:lstStyle/>
+          <a:p>
+            <a:pPr algn="ctr"/>
+            <a:endParaRPr lang="en-US"/>
+          </a:p>
+        </p:txBody>
+      </p:sp>
+      <p:cxnSp>
+        <p:nvCxnSpPr>
+          <p:cNvPr id="74" name="Straight Arrow Connector 73"/>
+          <p:cNvCxnSpPr/>
+          <p:nvPr/>
+        </p:nvCxnSpPr>
+        <p:spPr>
+          <a:xfrm rot="16200000">
+            <a:off x="5437769" y="3528365"/>
+            <a:ext cx="373857" cy="0"/>
+          </a:xfrm>
+          <a:prstGeom prst="straightConnector1">
+            <a:avLst/>
+          </a:prstGeom>
+          <a:ln>
+            <a:solidFill>
+              <a:srgbClr val="0071C2"/>
+            </a:solidFill>
+            <a:tailEnd type="triangle"/>
+          </a:ln>
+        </p:spPr>
+        <p:style>
+          <a:lnRef idx="1">
+            <a:schemeClr val="accent1"/>
+          </a:lnRef>
+          <a:fillRef idx="0">
+            <a:schemeClr val="accent1"/>
+          </a:fillRef>
+          <a:effectRef idx="0">
+            <a:schemeClr val="accent1"/>
+          </a:effectRef>
+          <a:fontRef idx="minor">
+            <a:schemeClr val="tx1"/>
+          </a:fontRef>
+        </p:style>
+      </p:cxnSp>
+      <p:cxnSp>
+        <p:nvCxnSpPr>
+          <p:cNvPr id="76" name="Straight Connector 75"/>
+          <p:cNvCxnSpPr/>
+          <p:nvPr/>
+        </p:nvCxnSpPr>
+        <p:spPr>
+          <a:xfrm rot="5400000" flipV="1">
+            <a:off x="7545292" y="3534462"/>
+            <a:ext cx="2382" cy="552450"/>
+          </a:xfrm>
+          <a:prstGeom prst="line">
+            <a:avLst/>
+          </a:prstGeom>
+          <a:ln w="19050">
+            <a:solidFill>
+              <a:schemeClr val="tx1"/>
+            </a:solidFill>
+          </a:ln>
+        </p:spPr>
+        <p:style>
+          <a:lnRef idx="1">
+            <a:schemeClr val="dk1"/>
+          </a:lnRef>
+          <a:fillRef idx="0">
+            <a:schemeClr val="dk1"/>
+          </a:fillRef>
+          <a:effectRef idx="0">
+            <a:schemeClr val="dk1"/>
+          </a:effectRef>
+          <a:fontRef idx="minor">
+            <a:schemeClr val="tx1"/>
+          </a:fontRef>
+        </p:style>
+      </p:cxnSp>
+      <p:sp>
+        <p:nvSpPr>
+          <p:cNvPr id="77" name="Rectangle 76"/>
+          <p:cNvSpPr/>
+          <p:nvPr/>
+        </p:nvSpPr>
+        <p:spPr>
+          <a:xfrm rot="5400000" flipH="1" flipV="1">
+            <a:off x="7201202" y="3509460"/>
+            <a:ext cx="340518" cy="145256"/>
+          </a:xfrm>
+          <a:prstGeom prst="rect">
+            <a:avLst/>
+          </a:prstGeom>
+          <a:solidFill>
+            <a:srgbClr val="E46B09"/>
+          </a:solidFill>
+          <a:ln w="12700">
+            <a:solidFill>
+              <a:schemeClr val="tx1"/>
+            </a:solidFill>
+          </a:ln>
+        </p:spPr>
+        <p:style>
+          <a:lnRef idx="2">
+            <a:schemeClr val="accent1">
+              <a:shade val="50000"/>
+            </a:schemeClr>
+          </a:lnRef>
+          <a:fillRef idx="1">
+            <a:schemeClr val="accent1"/>
+          </a:fillRef>
+          <a:effectRef idx="0">
+            <a:schemeClr val="accent1"/>
+          </a:effectRef>
+          <a:fontRef idx="minor">
+            <a:schemeClr val="lt1"/>
+          </a:fontRef>
+        </p:style>
+        <p:txBody>
+          <a:bodyPr rtlCol="0" anchor="ctr"/>
+          <a:lstStyle/>
+          <a:p>
+            <a:pPr algn="ctr"/>
+            <a:endParaRPr lang="en-US"/>
+          </a:p>
+        </p:txBody>
+      </p:sp>
+      <p:sp>
+        <p:nvSpPr>
+          <p:cNvPr id="78" name="Rectangle 77"/>
+          <p:cNvSpPr/>
+          <p:nvPr/>
+        </p:nvSpPr>
+        <p:spPr>
+          <a:xfrm rot="5400000" flipH="1" flipV="1">
+            <a:off x="7332784" y="3436255"/>
+            <a:ext cx="486928" cy="145256"/>
+          </a:xfrm>
+          <a:prstGeom prst="rect">
+            <a:avLst/>
+          </a:prstGeom>
+          <a:solidFill>
+            <a:schemeClr val="bg1"/>
+          </a:solidFill>
+          <a:ln w="12700">
+            <a:solidFill>
+              <a:schemeClr val="tx1"/>
+            </a:solidFill>
+          </a:ln>
+        </p:spPr>
+        <p:style>
+          <a:lnRef idx="2">
+            <a:schemeClr val="accent1">
+              <a:shade val="50000"/>
+            </a:schemeClr>
+          </a:lnRef>
+          <a:fillRef idx="1">
+            <a:schemeClr val="accent1"/>
+          </a:fillRef>
+          <a:effectRef idx="0">
+            <a:schemeClr val="accent1"/>
+          </a:effectRef>
+          <a:fontRef idx="minor">
+            <a:schemeClr val="lt1"/>
+          </a:fontRef>
+        </p:style>
+        <p:txBody>
+          <a:bodyPr rtlCol="0" anchor="ctr"/>
+          <a:lstStyle/>
+          <a:p>
+            <a:pPr algn="ctr"/>
+            <a:endParaRPr lang="en-US"/>
+          </a:p>
+        </p:txBody>
+      </p:sp>
+      <p:cxnSp>
+        <p:nvCxnSpPr>
+          <p:cNvPr id="79" name="Straight Arrow Connector 78"/>
+          <p:cNvCxnSpPr/>
+          <p:nvPr/>
+        </p:nvCxnSpPr>
+        <p:spPr>
+          <a:xfrm rot="5400000" flipV="1">
+            <a:off x="7559578" y="3545935"/>
+            <a:ext cx="373857" cy="0"/>
+          </a:xfrm>
+          <a:prstGeom prst="straightConnector1">
+            <a:avLst/>
+          </a:prstGeom>
+          <a:ln>
+            <a:solidFill>
+              <a:srgbClr val="0071C2"/>
+            </a:solidFill>
+            <a:tailEnd type="triangle"/>
+          </a:ln>
+        </p:spPr>
+        <p:style>
+          <a:lnRef idx="1">
+            <a:schemeClr val="accent1"/>
+          </a:lnRef>
+          <a:fillRef idx="0">
+            <a:schemeClr val="accent1"/>
+          </a:fillRef>
+          <a:effectRef idx="0">
+            <a:schemeClr val="accent1"/>
+          </a:effectRef>
+          <a:fontRef idx="minor">
+            <a:schemeClr val="tx1"/>
+          </a:fontRef>
+        </p:style>
+      </p:cxnSp>
+      <p:sp>
+        <p:nvSpPr>
+          <p:cNvPr id="328" name="TextBox 327"/>
+          <p:cNvSpPr txBox="1"/>
+          <p:nvPr/>
+        </p:nvSpPr>
+        <p:spPr>
+          <a:xfrm>
+            <a:off x="502520" y="4547268"/>
+            <a:ext cx="1808316" cy="369332"/>
+          </a:xfrm>
+          <a:prstGeom prst="rect">
+            <a:avLst/>
+          </a:prstGeom>
+          <a:noFill/>
+        </p:spPr>
+        <p:txBody>
+          <a:bodyPr wrap="none" rtlCol="0">
+            <a:spAutoFit/>
+          </a:bodyPr>
+          <a:lstStyle/>
+          <a:p>
+            <a:r>
+              <a:rPr lang="en-US" dirty="0"/>
+              <a:t>horizontal Center</a:t>
+            </a:r>
+          </a:p>
+        </p:txBody>
+      </p:sp>
+      <p:sp>
+        <p:nvSpPr>
+          <p:cNvPr id="329" name="TextBox 328"/>
+          <p:cNvSpPr txBox="1"/>
+          <p:nvPr/>
+        </p:nvSpPr>
+        <p:spPr>
+          <a:xfrm>
+            <a:off x="2623336" y="4547268"/>
+            <a:ext cx="1570879" cy="369332"/>
+          </a:xfrm>
+          <a:prstGeom prst="rect">
+            <a:avLst/>
+          </a:prstGeom>
+          <a:noFill/>
+        </p:spPr>
+        <p:txBody>
+          <a:bodyPr wrap="none" rtlCol="0">
+            <a:spAutoFit/>
+          </a:bodyPr>
+          <a:lstStyle/>
+          <a:p>
+            <a:r>
+              <a:rPr lang="en-US" dirty="0"/>
+              <a:t>Vertical Center</a:t>
+            </a:r>
+          </a:p>
+        </p:txBody>
+      </p:sp>
+      <p:sp>
+        <p:nvSpPr>
+          <p:cNvPr id="330" name="TextBox 329"/>
+          <p:cNvSpPr txBox="1">
+            <a:spLocks/>
+          </p:cNvSpPr>
+          <p:nvPr/>
+        </p:nvSpPr>
+        <p:spPr>
+          <a:xfrm>
+            <a:off x="5015060" y="4547268"/>
+            <a:ext cx="813236" cy="369332"/>
+          </a:xfrm>
+          <a:prstGeom prst="rect">
+            <a:avLst/>
+          </a:prstGeom>
+          <a:noFill/>
+        </p:spPr>
+        <p:txBody>
+          <a:bodyPr wrap="none" rtlCol="0">
+            <a:spAutoFit/>
+          </a:bodyPr>
+          <a:lstStyle/>
+          <a:p>
+            <a:r>
+              <a:rPr lang="en-US" dirty="0"/>
+              <a:t>Center</a:t>
+            </a:r>
+          </a:p>
+        </p:txBody>
+      </p:sp>
+      <p:cxnSp>
+        <p:nvCxnSpPr>
+          <p:cNvPr id="388" name="Straight Connector 387"/>
+          <p:cNvCxnSpPr/>
+          <p:nvPr/>
+        </p:nvCxnSpPr>
+        <p:spPr>
+          <a:xfrm>
+            <a:off x="1130453" y="5886531"/>
+            <a:ext cx="552450" cy="0"/>
+          </a:xfrm>
+          <a:prstGeom prst="line">
+            <a:avLst/>
+          </a:prstGeom>
+          <a:ln w="19050">
+            <a:solidFill>
+              <a:schemeClr val="tx1"/>
+            </a:solidFill>
+          </a:ln>
+        </p:spPr>
+        <p:style>
+          <a:lnRef idx="1">
+            <a:schemeClr val="accent1"/>
+          </a:lnRef>
+          <a:fillRef idx="0">
+            <a:schemeClr val="accent1"/>
+          </a:fillRef>
+          <a:effectRef idx="0">
+            <a:schemeClr val="accent1"/>
+          </a:effectRef>
+          <a:fontRef idx="minor">
+            <a:schemeClr val="tx1"/>
+          </a:fontRef>
+        </p:style>
+      </p:cxnSp>
+      <p:sp>
+        <p:nvSpPr>
+          <p:cNvPr id="395" name="Rectangle 394"/>
+          <p:cNvSpPr/>
+          <p:nvPr/>
+        </p:nvSpPr>
+        <p:spPr>
+          <a:xfrm>
+            <a:off x="1214146" y="5727897"/>
+            <a:ext cx="128587" cy="330994"/>
+          </a:xfrm>
+          <a:prstGeom prst="rect">
+            <a:avLst/>
+          </a:prstGeom>
+          <a:solidFill>
+            <a:srgbClr val="E46B09"/>
+          </a:solidFill>
+          <a:ln w="12700">
+            <a:solidFill>
+              <a:schemeClr val="tx1"/>
+            </a:solidFill>
+          </a:ln>
+        </p:spPr>
+        <p:style>
+          <a:lnRef idx="2">
+            <a:schemeClr val="accent1">
+              <a:shade val="50000"/>
+            </a:schemeClr>
+          </a:lnRef>
+          <a:fillRef idx="1">
+            <a:schemeClr val="accent1"/>
+          </a:fillRef>
+          <a:effectRef idx="0">
+            <a:schemeClr val="accent1"/>
+          </a:effectRef>
+          <a:fontRef idx="minor">
+            <a:schemeClr val="lt1"/>
+          </a:fontRef>
+        </p:style>
+        <p:txBody>
+          <a:bodyPr rtlCol="0" anchor="ctr"/>
+          <a:lstStyle/>
+          <a:p>
+            <a:pPr algn="ctr"/>
+            <a:endParaRPr lang="en-US"/>
+          </a:p>
+        </p:txBody>
+      </p:sp>
+      <p:sp>
+        <p:nvSpPr>
+          <p:cNvPr id="396" name="Rectangle 395"/>
+          <p:cNvSpPr/>
+          <p:nvPr/>
+        </p:nvSpPr>
+        <p:spPr>
+          <a:xfrm>
+            <a:off x="1436156" y="5646000"/>
+            <a:ext cx="138346" cy="482600"/>
+          </a:xfrm>
+          <a:prstGeom prst="rect">
+            <a:avLst/>
+          </a:prstGeom>
+          <a:solidFill>
+            <a:schemeClr val="bg1"/>
+          </a:solidFill>
+          <a:ln w="12700">
+            <a:solidFill>
+              <a:schemeClr val="tx1"/>
+            </a:solidFill>
+          </a:ln>
+        </p:spPr>
+        <p:style>
+          <a:lnRef idx="2">
+            <a:schemeClr val="accent1">
+              <a:shade val="50000"/>
+            </a:schemeClr>
+          </a:lnRef>
+          <a:fillRef idx="1">
+            <a:schemeClr val="accent1"/>
+          </a:fillRef>
+          <a:effectRef idx="0">
+            <a:schemeClr val="accent1"/>
+          </a:effectRef>
+          <a:fontRef idx="minor">
+            <a:schemeClr val="lt1"/>
+          </a:fontRef>
+        </p:style>
+        <p:txBody>
+          <a:bodyPr rtlCol="0" anchor="ctr"/>
+          <a:lstStyle/>
+          <a:p>
+            <a:pPr algn="ctr"/>
+            <a:endParaRPr lang="en-US"/>
+          </a:p>
+        </p:txBody>
+      </p:sp>
+      <p:cxnSp>
+        <p:nvCxnSpPr>
+          <p:cNvPr id="429" name="Straight Connector 428"/>
+          <p:cNvCxnSpPr/>
+          <p:nvPr/>
+        </p:nvCxnSpPr>
+        <p:spPr>
+          <a:xfrm rot="5400000">
+            <a:off x="3098395" y="5957150"/>
+            <a:ext cx="552450" cy="0"/>
+          </a:xfrm>
+          <a:prstGeom prst="line">
+            <a:avLst/>
+          </a:prstGeom>
+          <a:ln w="19050">
+            <a:solidFill>
+              <a:schemeClr val="tx1"/>
+            </a:solidFill>
+          </a:ln>
+        </p:spPr>
+        <p:style>
+          <a:lnRef idx="1">
+            <a:schemeClr val="accent1"/>
+          </a:lnRef>
+          <a:fillRef idx="0">
+            <a:schemeClr val="accent1"/>
+          </a:fillRef>
+          <a:effectRef idx="0">
+            <a:schemeClr val="accent1"/>
+          </a:effectRef>
+          <a:fontRef idx="minor">
+            <a:schemeClr val="tx1"/>
+          </a:fontRef>
+        </p:style>
+      </p:cxnSp>
+      <p:sp>
+        <p:nvSpPr>
+          <p:cNvPr id="430" name="Rectangle 429"/>
+          <p:cNvSpPr/>
+          <p:nvPr/>
+        </p:nvSpPr>
+        <p:spPr>
+          <a:xfrm rot="5400000">
+            <a:off x="3303464" y="5663415"/>
+            <a:ext cx="128587" cy="330994"/>
+          </a:xfrm>
+          <a:prstGeom prst="rect">
+            <a:avLst/>
+          </a:prstGeom>
+          <a:solidFill>
+            <a:srgbClr val="E46B09"/>
+          </a:solidFill>
+          <a:ln w="12700">
+            <a:solidFill>
+              <a:schemeClr val="tx1"/>
+            </a:solidFill>
+          </a:ln>
+        </p:spPr>
+        <p:style>
+          <a:lnRef idx="2">
+            <a:schemeClr val="accent1">
+              <a:shade val="50000"/>
+            </a:schemeClr>
+          </a:lnRef>
+          <a:fillRef idx="1">
+            <a:schemeClr val="accent1"/>
+          </a:fillRef>
+          <a:effectRef idx="0">
+            <a:schemeClr val="accent1"/>
+          </a:effectRef>
+          <a:fontRef idx="minor">
+            <a:schemeClr val="lt1"/>
+          </a:fontRef>
+        </p:style>
+        <p:txBody>
+          <a:bodyPr rtlCol="0" anchor="ctr"/>
+          <a:lstStyle/>
+          <a:p>
+            <a:pPr algn="ctr"/>
+            <a:endParaRPr lang="en-US"/>
+          </a:p>
+        </p:txBody>
+      </p:sp>
+      <p:sp>
+        <p:nvSpPr>
+          <p:cNvPr id="431" name="Rectangle 430"/>
+          <p:cNvSpPr/>
+          <p:nvPr/>
+        </p:nvSpPr>
+        <p:spPr>
+          <a:xfrm rot="5400000">
+            <a:off x="3304678" y="5814501"/>
+            <a:ext cx="138346" cy="482600"/>
+          </a:xfrm>
+          <a:prstGeom prst="rect">
+            <a:avLst/>
+          </a:prstGeom>
+          <a:solidFill>
+            <a:schemeClr val="bg1"/>
+          </a:solidFill>
+          <a:ln w="12700">
+            <a:solidFill>
+              <a:schemeClr val="tx1"/>
+            </a:solidFill>
+          </a:ln>
+        </p:spPr>
+        <p:style>
+          <a:lnRef idx="2">
+            <a:schemeClr val="accent1">
+              <a:shade val="50000"/>
+            </a:schemeClr>
+          </a:lnRef>
+          <a:fillRef idx="1">
+            <a:schemeClr val="accent1"/>
+          </a:fillRef>
+          <a:effectRef idx="0">
+            <a:schemeClr val="accent1"/>
+          </a:effectRef>
+          <a:fontRef idx="minor">
+            <a:schemeClr val="lt1"/>
+          </a:fontRef>
+        </p:style>
+        <p:txBody>
+          <a:bodyPr rtlCol="0" anchor="ctr"/>
+          <a:lstStyle/>
+          <a:p>
+            <a:pPr algn="ctr"/>
+            <a:endParaRPr lang="en-US"/>
+          </a:p>
+        </p:txBody>
+      </p:sp>
+      <p:cxnSp>
+        <p:nvCxnSpPr>
+          <p:cNvPr id="484" name="Straight Connector 483"/>
+          <p:cNvCxnSpPr/>
+          <p:nvPr/>
+        </p:nvCxnSpPr>
+        <p:spPr>
+          <a:xfrm>
+            <a:off x="5421678" y="5606719"/>
+            <a:ext cx="0" cy="561163"/>
+          </a:xfrm>
+          <a:prstGeom prst="line">
+            <a:avLst/>
+          </a:prstGeom>
+          <a:ln w="25400">
+            <a:solidFill>
+              <a:schemeClr val="tx1"/>
+            </a:solidFill>
+          </a:ln>
+        </p:spPr>
+        <p:style>
+          <a:lnRef idx="1">
+            <a:schemeClr val="accent1"/>
+          </a:lnRef>
+          <a:fillRef idx="0">
+            <a:schemeClr val="accent1"/>
+          </a:fillRef>
+          <a:effectRef idx="0">
+            <a:schemeClr val="accent1"/>
+          </a:effectRef>
+          <a:fontRef idx="minor">
+            <a:schemeClr val="tx1"/>
+          </a:fontRef>
+        </p:style>
+      </p:cxnSp>
+      <p:cxnSp>
+        <p:nvCxnSpPr>
+          <p:cNvPr id="491" name="Straight Connector 490"/>
+          <p:cNvCxnSpPr/>
+          <p:nvPr/>
+        </p:nvCxnSpPr>
+        <p:spPr>
+          <a:xfrm>
+            <a:off x="5142278" y="5884126"/>
+            <a:ext cx="558800" cy="0"/>
+          </a:xfrm>
+          <a:prstGeom prst="line">
+            <a:avLst/>
+          </a:prstGeom>
+          <a:ln w="25400">
+            <a:solidFill>
+              <a:schemeClr val="tx1"/>
+            </a:solidFill>
+          </a:ln>
+        </p:spPr>
+        <p:style>
+          <a:lnRef idx="1">
+            <a:schemeClr val="accent1"/>
+          </a:lnRef>
+          <a:fillRef idx="0">
+            <a:schemeClr val="accent1"/>
+          </a:fillRef>
+          <a:effectRef idx="0">
+            <a:schemeClr val="accent1"/>
+          </a:effectRef>
+          <a:fontRef idx="minor">
+            <a:schemeClr val="tx1"/>
+          </a:fontRef>
+        </p:style>
+      </p:cxnSp>
+      <p:sp>
+        <p:nvSpPr>
+          <p:cNvPr id="496" name="Rectangle 495"/>
+          <p:cNvSpPr/>
+          <p:nvPr/>
+        </p:nvSpPr>
+        <p:spPr>
+          <a:xfrm>
+            <a:off x="5180669" y="5787390"/>
+            <a:ext cx="476248" cy="209011"/>
+          </a:xfrm>
+          <a:prstGeom prst="rect">
+            <a:avLst/>
+          </a:prstGeom>
+          <a:solidFill>
+            <a:schemeClr val="bg1"/>
+          </a:solidFill>
+          <a:ln w="12700">
+            <a:solidFill>
+              <a:schemeClr val="tx1"/>
+            </a:solidFill>
+          </a:ln>
+        </p:spPr>
+        <p:style>
+          <a:lnRef idx="2">
+            <a:schemeClr val="accent1">
+              <a:shade val="50000"/>
+            </a:schemeClr>
+          </a:lnRef>
+          <a:fillRef idx="1">
+            <a:schemeClr val="accent1"/>
+          </a:fillRef>
+          <a:effectRef idx="0">
+            <a:schemeClr val="accent1"/>
+          </a:effectRef>
+          <a:fontRef idx="minor">
+            <a:schemeClr val="lt1"/>
+          </a:fontRef>
+        </p:style>
+        <p:txBody>
+          <a:bodyPr rtlCol="0" anchor="ctr"/>
+          <a:lstStyle/>
+          <a:p>
+            <a:pPr algn="ctr"/>
+            <a:endParaRPr lang="en-US"/>
+          </a:p>
+        </p:txBody>
+      </p:sp>
+      <p:sp>
+        <p:nvSpPr>
+          <p:cNvPr id="507" name="Rectangle 506"/>
+          <p:cNvSpPr/>
+          <p:nvPr/>
+        </p:nvSpPr>
+        <p:spPr>
+          <a:xfrm>
+            <a:off x="5246604" y="5821206"/>
+            <a:ext cx="339617" cy="135363"/>
+          </a:xfrm>
+          <a:prstGeom prst="rect">
+            <a:avLst/>
+          </a:prstGeom>
+          <a:solidFill>
+            <a:srgbClr val="E46B09"/>
+          </a:solidFill>
+          <a:ln w="12700">
+            <a:solidFill>
+              <a:schemeClr val="tx1"/>
+            </a:solidFill>
+          </a:ln>
+        </p:spPr>
+        <p:style>
+          <a:lnRef idx="2">
+            <a:schemeClr val="accent1">
+              <a:shade val="50000"/>
+            </a:schemeClr>
+          </a:lnRef>
+          <a:fillRef idx="1">
+            <a:schemeClr val="accent1"/>
+          </a:fillRef>
+          <a:effectRef idx="0">
+            <a:schemeClr val="accent1"/>
+          </a:effectRef>
+          <a:fontRef idx="minor">
+            <a:schemeClr val="lt1"/>
+          </a:fontRef>
+        </p:style>
+        <p:txBody>
+          <a:bodyPr rtlCol="0" anchor="ctr"/>
+          <a:lstStyle/>
+          <a:p>
+            <a:pPr algn="ctr"/>
+            <a:endParaRPr lang="en-US"/>
+          </a:p>
+        </p:txBody>
+      </p:sp>
     </p:spTree>
     <p:extLst>
       <p:ext uri="{BB962C8B-B14F-4D97-AF65-F5344CB8AC3E}">
-        <p14:creationId xmlns:p14="http://schemas.microsoft.com/office/powerpoint/2010/main" val="1863451993"/>
+        <p14:creationId xmlns:p14="http://schemas.microsoft.com/office/powerpoint/2010/main" val="318608705"/>
       </p:ext>
     </p:extLst>
   </p:cSld>
   <p:clrMapOvr>
     <a:masterClrMapping/>
   </p:clrMapOvr>
-  <p:timing>
-    <p:tnLst>
-      <p:par>
-        <p:cTn id="1" dur="indefinite" restart="never" nodeType="tmRoot"/>
-      </p:par>
-    </p:tnLst>
-  </p:timing>
+</p:sld>
+</file>
+
+<file path=ppt/slides/slide3.xml><?xml version="1.0" encoding="utf-8"?>
+<p:sld xmlns:a="http://schemas.openxmlformats.org/drawingml/2006/main" xmlns:r="http://schemas.openxmlformats.org/officeDocument/2006/relationships" xmlns:p="http://schemas.openxmlformats.org/presentationml/2006/main">
+  <p:cSld>
+    <p:bg>
+      <p:bgPr>
+        <a:solidFill>
+          <a:schemeClr val="bg1">
+            <a:lumMod val="95000"/>
+          </a:schemeClr>
+        </a:solidFill>
+        <a:effectLst/>
+      </p:bgPr>
+    </p:bg>
+    <p:spTree>
+      <p:nvGrpSpPr>
+        <p:cNvPr id="1" name=""/>
+        <p:cNvGrpSpPr/>
+        <p:nvPr/>
+      </p:nvGrpSpPr>
+      <p:grpSpPr>
+        <a:xfrm>
+          <a:off x="0" y="0"/>
+          <a:ext cx="0" cy="0"/>
+          <a:chOff x="0" y="0"/>
+          <a:chExt cx="0" cy="0"/>
+        </a:xfrm>
+      </p:grpSpPr>
+      <p:sp>
+        <p:nvSpPr>
+          <p:cNvPr id="4" name="TextBox 3"/>
+          <p:cNvSpPr txBox="1"/>
+          <p:nvPr/>
+        </p:nvSpPr>
+        <p:spPr>
+          <a:xfrm>
+            <a:off x="3307584" y="706170"/>
+            <a:ext cx="2528834" cy="707886"/>
+          </a:xfrm>
+          <a:prstGeom prst="rect">
+            <a:avLst/>
+          </a:prstGeom>
+          <a:noFill/>
+        </p:spPr>
+        <p:txBody>
+          <a:bodyPr wrap="none" rtlCol="0">
+            <a:spAutoFit/>
+          </a:bodyPr>
+          <a:lstStyle/>
+          <a:p>
+            <a:pPr algn="ctr"/>
+            <a:r>
+              <a:rPr lang="en-US" sz="4000" dirty="0"/>
+              <a:t>Adjoin Icon</a:t>
+            </a:r>
+          </a:p>
+        </p:txBody>
+      </p:sp>
+    </p:spTree>
+    <p:extLst>
+      <p:ext uri="{BB962C8B-B14F-4D97-AF65-F5344CB8AC3E}">
+        <p14:creationId xmlns:p14="http://schemas.microsoft.com/office/powerpoint/2010/main" val="2414115836"/>
+      </p:ext>
+    </p:extLst>
+  </p:cSld>
+  <p:clrMapOvr>
+    <a:masterClrMapping/>
+  </p:clrMapOvr>
+</p:sld>
+</file>
+
+<file path=ppt/slides/slide4.xml><?xml version="1.0" encoding="utf-8"?>
+<p:sld xmlns:a="http://schemas.openxmlformats.org/drawingml/2006/main" xmlns:r="http://schemas.openxmlformats.org/officeDocument/2006/relationships" xmlns:p="http://schemas.openxmlformats.org/presentationml/2006/main">
+  <p:cSld>
+    <p:bg>
+      <p:bgPr>
+        <a:solidFill>
+          <a:schemeClr val="bg1">
+            <a:lumMod val="95000"/>
+          </a:schemeClr>
+        </a:solidFill>
+        <a:effectLst/>
+      </p:bgPr>
+    </p:bg>
+    <p:spTree>
+      <p:nvGrpSpPr>
+        <p:cNvPr id="1" name=""/>
+        <p:cNvGrpSpPr/>
+        <p:nvPr/>
+      </p:nvGrpSpPr>
+      <p:grpSpPr>
+        <a:xfrm>
+          <a:off x="0" y="0"/>
+          <a:ext cx="0" cy="0"/>
+          <a:chOff x="0" y="0"/>
+          <a:chExt cx="0" cy="0"/>
+        </a:xfrm>
+      </p:grpSpPr>
+      <p:sp>
+        <p:nvSpPr>
+          <p:cNvPr id="4" name="TextBox 3"/>
+          <p:cNvSpPr txBox="1"/>
+          <p:nvPr/>
+        </p:nvSpPr>
+        <p:spPr>
+          <a:xfrm>
+            <a:off x="2953355" y="706170"/>
+            <a:ext cx="3237297" cy="707886"/>
+          </a:xfrm>
+          <a:prstGeom prst="rect">
+            <a:avLst/>
+          </a:prstGeom>
+          <a:noFill/>
+        </p:spPr>
+        <p:txBody>
+          <a:bodyPr wrap="none" rtlCol="0">
+            <a:spAutoFit/>
+          </a:bodyPr>
+          <a:lstStyle/>
+          <a:p>
+            <a:pPr algn="ctr"/>
+            <a:r>
+              <a:rPr lang="en-US" sz="4000" dirty="0"/>
+              <a:t>Distribute Icon</a:t>
+            </a:r>
+          </a:p>
+        </p:txBody>
+      </p:sp>
+    </p:spTree>
+    <p:extLst>
+      <p:ext uri="{BB962C8B-B14F-4D97-AF65-F5344CB8AC3E}">
+        <p14:creationId xmlns:p14="http://schemas.microsoft.com/office/powerpoint/2010/main" val="2271058716"/>
+      </p:ext>
+    </p:extLst>
+  </p:cSld>
+  <p:clrMapOvr>
+    <a:masterClrMapping/>
+  </p:clrMapOvr>
+</p:sld>
+</file>
+
+<file path=ppt/slides/slide5.xml><?xml version="1.0" encoding="utf-8"?>
+<p:sld xmlns:a="http://schemas.openxmlformats.org/drawingml/2006/main" xmlns:r="http://schemas.openxmlformats.org/officeDocument/2006/relationships" xmlns:p="http://schemas.openxmlformats.org/presentationml/2006/main">
+  <p:cSld>
+    <p:bg>
+      <p:bgPr>
+        <a:solidFill>
+          <a:schemeClr val="bg1">
+            <a:lumMod val="95000"/>
+          </a:schemeClr>
+        </a:solidFill>
+        <a:effectLst/>
+      </p:bgPr>
+    </p:bg>
+    <p:spTree>
+      <p:nvGrpSpPr>
+        <p:cNvPr id="1" name=""/>
+        <p:cNvGrpSpPr/>
+        <p:nvPr/>
+      </p:nvGrpSpPr>
+      <p:grpSpPr>
+        <a:xfrm>
+          <a:off x="0" y="0"/>
+          <a:ext cx="0" cy="0"/>
+          <a:chOff x="0" y="0"/>
+          <a:chExt cx="0" cy="0"/>
+        </a:xfrm>
+      </p:grpSpPr>
+      <p:sp>
+        <p:nvSpPr>
+          <p:cNvPr id="4" name="TextBox 3"/>
+          <p:cNvSpPr txBox="1"/>
+          <p:nvPr/>
+        </p:nvSpPr>
+        <p:spPr>
+          <a:xfrm>
+            <a:off x="3144884" y="706170"/>
+            <a:ext cx="2854243" cy="707886"/>
+          </a:xfrm>
+          <a:prstGeom prst="rect">
+            <a:avLst/>
+          </a:prstGeom>
+          <a:noFill/>
+        </p:spPr>
+        <p:txBody>
+          <a:bodyPr wrap="none" rtlCol="0">
+            <a:spAutoFit/>
+          </a:bodyPr>
+          <a:lstStyle/>
+          <a:p>
+            <a:pPr algn="ctr"/>
+            <a:r>
+              <a:rPr lang="en-US" sz="4000" dirty="0"/>
+              <a:t>Reorder Icon</a:t>
+            </a:r>
+          </a:p>
+        </p:txBody>
+      </p:sp>
+    </p:spTree>
+    <p:extLst>
+      <p:ext uri="{BB962C8B-B14F-4D97-AF65-F5344CB8AC3E}">
+        <p14:creationId xmlns:p14="http://schemas.microsoft.com/office/powerpoint/2010/main" val="4145819762"/>
+      </p:ext>
+    </p:extLst>
+  </p:cSld>
+  <p:clrMapOvr>
+    <a:masterClrMapping/>
+  </p:clrMapOvr>
+</p:sld>
+</file>
+
+<file path=ppt/slides/slide6.xml><?xml version="1.0" encoding="utf-8"?>
+<p:sld xmlns:a="http://schemas.openxmlformats.org/drawingml/2006/main" xmlns:r="http://schemas.openxmlformats.org/officeDocument/2006/relationships" xmlns:p="http://schemas.openxmlformats.org/presentationml/2006/main">
+  <p:cSld>
+    <p:bg>
+      <p:bgPr>
+        <a:solidFill>
+          <a:schemeClr val="bg1">
+            <a:lumMod val="95000"/>
+          </a:schemeClr>
+        </a:solidFill>
+        <a:effectLst/>
+      </p:bgPr>
+    </p:bg>
+    <p:spTree>
+      <p:nvGrpSpPr>
+        <p:cNvPr id="1" name=""/>
+        <p:cNvGrpSpPr/>
+        <p:nvPr/>
+      </p:nvGrpSpPr>
+      <p:grpSpPr>
+        <a:xfrm>
+          <a:off x="0" y="0"/>
+          <a:ext cx="0" cy="0"/>
+          <a:chOff x="0" y="0"/>
+          <a:chExt cx="0" cy="0"/>
+        </a:xfrm>
+      </p:grpSpPr>
+      <p:sp>
+        <p:nvSpPr>
+          <p:cNvPr id="4" name="TextBox 3"/>
+          <p:cNvSpPr txBox="1"/>
+          <p:nvPr/>
+        </p:nvSpPr>
+        <p:spPr>
+          <a:xfrm>
+            <a:off x="2761702" y="706170"/>
+            <a:ext cx="3620608" cy="707886"/>
+          </a:xfrm>
+          <a:prstGeom prst="rect">
+            <a:avLst/>
+          </a:prstGeom>
+          <a:noFill/>
+        </p:spPr>
+        <p:txBody>
+          <a:bodyPr wrap="none" rtlCol="0">
+            <a:spAutoFit/>
+          </a:bodyPr>
+          <a:lstStyle/>
+          <a:p>
+            <a:pPr algn="ctr"/>
+            <a:r>
+              <a:rPr lang="en-US" sz="4000" dirty="0" err="1"/>
+              <a:t>Reorientate</a:t>
+            </a:r>
+            <a:r>
+              <a:rPr lang="en-US" sz="4000" dirty="0"/>
+              <a:t> Icon</a:t>
+            </a:r>
+          </a:p>
+        </p:txBody>
+      </p:sp>
+    </p:spTree>
+    <p:extLst>
+      <p:ext uri="{BB962C8B-B14F-4D97-AF65-F5344CB8AC3E}">
+        <p14:creationId xmlns:p14="http://schemas.microsoft.com/office/powerpoint/2010/main" val="393591708"/>
+      </p:ext>
+    </p:extLst>
+  </p:cSld>
+  <p:clrMapOvr>
+    <a:masterClrMapping/>
+  </p:clrMapOvr>
 </p:sld>
 </file>
 

--- a/doc/Icons-PositionsLab.pptx
+++ b/doc/Icons-PositionsLab.pptx
@@ -3429,7 +3429,7 @@
         </p:nvGrpSpPr>
         <p:grpSpPr>
           <a:xfrm>
-            <a:off x="7638765" y="5649817"/>
+            <a:off x="8394669" y="7088473"/>
             <a:ext cx="838200" cy="838200"/>
             <a:chOff x="7638765" y="5649817"/>
             <a:chExt cx="838200" cy="838200"/>
@@ -3722,7 +3722,7 @@
         </p:nvGrpSpPr>
         <p:grpSpPr>
           <a:xfrm>
-            <a:off x="2577501" y="2848729"/>
+            <a:off x="4152900" y="2848729"/>
             <a:ext cx="838200" cy="856097"/>
             <a:chOff x="2640875" y="3228975"/>
             <a:chExt cx="838200" cy="856097"/>
@@ -4096,7 +4096,7 @@
         </p:nvSpPr>
         <p:spPr>
           <a:xfrm>
-            <a:off x="3359682" y="729400"/>
+            <a:off x="3359682" y="717758"/>
             <a:ext cx="2424638" cy="707886"/>
           </a:xfrm>
           <a:prstGeom prst="rect">
@@ -4126,7 +4126,7 @@
         </p:nvCxnSpPr>
         <p:spPr>
           <a:xfrm flipH="1">
-            <a:off x="1133449" y="3265418"/>
+            <a:off x="1133449" y="3230492"/>
             <a:ext cx="2382" cy="552450"/>
           </a:xfrm>
           <a:prstGeom prst="line">
@@ -4161,7 +4161,7 @@
         </p:nvSpPr>
         <p:spPr>
           <a:xfrm>
-            <a:off x="1192980" y="3293993"/>
+            <a:off x="1192980" y="3259067"/>
             <a:ext cx="340518" cy="145256"/>
           </a:xfrm>
           <a:prstGeom prst="rect">
@@ -4209,7 +4209,7 @@
         </p:nvSpPr>
         <p:spPr>
           <a:xfrm>
-            <a:off x="1192980" y="3498780"/>
+            <a:off x="1192980" y="3463854"/>
             <a:ext cx="486928" cy="145256"/>
           </a:xfrm>
           <a:prstGeom prst="rect">
@@ -4257,7 +4257,7 @@
         </p:nvCxnSpPr>
         <p:spPr>
           <a:xfrm flipH="1">
-            <a:off x="1212463" y="3741667"/>
+            <a:off x="1212463" y="3706741"/>
             <a:ext cx="373857" cy="0"/>
           </a:xfrm>
           <a:prstGeom prst="straightConnector1">
@@ -4293,7 +4293,7 @@
         </p:nvSpPr>
         <p:spPr>
           <a:xfrm>
-            <a:off x="896186" y="2166686"/>
+            <a:off x="896186" y="2143402"/>
             <a:ext cx="1020985" cy="369332"/>
           </a:xfrm>
           <a:prstGeom prst="rect">
@@ -4322,7 +4322,7 @@
         </p:nvSpPr>
         <p:spPr>
           <a:xfrm>
-            <a:off x="2813356" y="2166686"/>
+            <a:off x="2813356" y="2143402"/>
             <a:ext cx="1190839" cy="369332"/>
           </a:xfrm>
           <a:prstGeom prst="rect">
@@ -4353,7 +4353,7 @@
         </p:nvSpPr>
         <p:spPr>
           <a:xfrm>
-            <a:off x="4900381" y="2166686"/>
+            <a:off x="4900381" y="2143402"/>
             <a:ext cx="1042593" cy="369332"/>
           </a:xfrm>
           <a:prstGeom prst="rect">
@@ -4384,7 +4384,7 @@
         </p:nvSpPr>
         <p:spPr>
           <a:xfrm>
-            <a:off x="6839160" y="2166686"/>
+            <a:off x="6839160" y="2143402"/>
             <a:ext cx="1408655" cy="369332"/>
           </a:xfrm>
           <a:prstGeom prst="rect">
@@ -4413,7 +4413,7 @@
         </p:nvCxnSpPr>
         <p:spPr>
           <a:xfrm>
-            <a:off x="3679623" y="3265418"/>
+            <a:off x="3679623" y="3230492"/>
             <a:ext cx="2382" cy="552450"/>
           </a:xfrm>
           <a:prstGeom prst="line">
@@ -4448,7 +4448,7 @@
         </p:nvSpPr>
         <p:spPr>
           <a:xfrm flipH="1">
-            <a:off x="3281956" y="3293993"/>
+            <a:off x="3281956" y="3259067"/>
             <a:ext cx="340518" cy="145256"/>
           </a:xfrm>
           <a:prstGeom prst="rect">
@@ -4496,7 +4496,7 @@
         </p:nvSpPr>
         <p:spPr>
           <a:xfrm flipH="1">
-            <a:off x="3135546" y="3498780"/>
+            <a:off x="3135546" y="3463854"/>
             <a:ext cx="486928" cy="145256"/>
           </a:xfrm>
           <a:prstGeom prst="rect">
@@ -4544,7 +4544,7 @@
         </p:nvCxnSpPr>
         <p:spPr>
           <a:xfrm>
-            <a:off x="3229134" y="3741667"/>
+            <a:off x="3229134" y="3706741"/>
             <a:ext cx="373857" cy="0"/>
           </a:xfrm>
           <a:prstGeom prst="straightConnector1">
@@ -4580,7 +4580,7 @@
         </p:nvCxnSpPr>
         <p:spPr>
           <a:xfrm rot="16200000">
-            <a:off x="5423483" y="2987389"/>
+            <a:off x="5423483" y="2958454"/>
             <a:ext cx="2382" cy="552450"/>
           </a:xfrm>
           <a:prstGeom prst="line">
@@ -4615,7 +4615,7 @@
         </p:nvSpPr>
         <p:spPr>
           <a:xfrm rot="16200000" flipH="1">
-            <a:off x="5079393" y="3419585"/>
+            <a:off x="5079393" y="3390650"/>
             <a:ext cx="340518" cy="145256"/>
           </a:xfrm>
           <a:prstGeom prst="rect">
@@ -4663,7 +4663,7 @@
         </p:nvSpPr>
         <p:spPr>
           <a:xfrm rot="16200000" flipH="1">
-            <a:off x="5210976" y="3492790"/>
+            <a:off x="5210976" y="3463855"/>
             <a:ext cx="486928" cy="145256"/>
           </a:xfrm>
           <a:prstGeom prst="rect">
@@ -4711,7 +4711,7 @@
         </p:nvCxnSpPr>
         <p:spPr>
           <a:xfrm rot="16200000">
-            <a:off x="5437769" y="3528365"/>
+            <a:off x="5437769" y="3499430"/>
             <a:ext cx="373857" cy="0"/>
           </a:xfrm>
           <a:prstGeom prst="straightConnector1">
@@ -4747,7 +4747,7 @@
         </p:nvCxnSpPr>
         <p:spPr>
           <a:xfrm rot="5400000" flipV="1">
-            <a:off x="7545292" y="3534462"/>
+            <a:off x="7545292" y="3502531"/>
             <a:ext cx="2382" cy="552450"/>
           </a:xfrm>
           <a:prstGeom prst="line">
@@ -4782,7 +4782,7 @@
         </p:nvSpPr>
         <p:spPr>
           <a:xfrm rot="5400000" flipH="1" flipV="1">
-            <a:off x="7201202" y="3509460"/>
+            <a:off x="7201202" y="3477529"/>
             <a:ext cx="340518" cy="145256"/>
           </a:xfrm>
           <a:prstGeom prst="rect">
@@ -4830,7 +4830,7 @@
         </p:nvSpPr>
         <p:spPr>
           <a:xfrm rot="5400000" flipH="1" flipV="1">
-            <a:off x="7332784" y="3436255"/>
+            <a:off x="7332784" y="3404324"/>
             <a:ext cx="486928" cy="145256"/>
           </a:xfrm>
           <a:prstGeom prst="rect">
@@ -4878,7 +4878,7 @@
         </p:nvCxnSpPr>
         <p:spPr>
           <a:xfrm rot="5400000" flipV="1">
-            <a:off x="7559578" y="3545935"/>
+            <a:off x="7559578" y="3514004"/>
             <a:ext cx="373857" cy="0"/>
           </a:xfrm>
           <a:prstGeom prst="straightConnector1">
@@ -4914,7 +4914,7 @@
         </p:nvSpPr>
         <p:spPr>
           <a:xfrm>
-            <a:off x="502520" y="4547268"/>
+            <a:off x="502520" y="4500700"/>
             <a:ext cx="1808316" cy="369332"/>
           </a:xfrm>
           <a:prstGeom prst="rect">
@@ -4943,7 +4943,7 @@
         </p:nvSpPr>
         <p:spPr>
           <a:xfrm>
-            <a:off x="2623336" y="4547268"/>
+            <a:off x="2623336" y="4500700"/>
             <a:ext cx="1570879" cy="369332"/>
           </a:xfrm>
           <a:prstGeom prst="rect">
@@ -4974,7 +4974,7 @@
         </p:nvSpPr>
         <p:spPr>
           <a:xfrm>
-            <a:off x="5015060" y="4547268"/>
+            <a:off x="5015060" y="4500700"/>
             <a:ext cx="813236" cy="369332"/>
           </a:xfrm>
           <a:prstGeom prst="rect">
@@ -5003,7 +5003,7 @@
         </p:nvCxnSpPr>
         <p:spPr>
           <a:xfrm>
-            <a:off x="1130453" y="5886531"/>
+            <a:off x="1130453" y="5863247"/>
             <a:ext cx="552450" cy="0"/>
           </a:xfrm>
           <a:prstGeom prst="line">
@@ -5038,7 +5038,7 @@
         </p:nvSpPr>
         <p:spPr>
           <a:xfrm>
-            <a:off x="1214146" y="5727897"/>
+            <a:off x="1214146" y="5704613"/>
             <a:ext cx="128587" cy="330994"/>
           </a:xfrm>
           <a:prstGeom prst="rect">
@@ -5086,7 +5086,7 @@
         </p:nvSpPr>
         <p:spPr>
           <a:xfrm>
-            <a:off x="1436156" y="5646000"/>
+            <a:off x="1436156" y="5622716"/>
             <a:ext cx="138346" cy="482600"/>
           </a:xfrm>
           <a:prstGeom prst="rect">
@@ -5134,7 +5134,7 @@
         </p:nvCxnSpPr>
         <p:spPr>
           <a:xfrm rot="5400000">
-            <a:off x="3098395" y="5957150"/>
+            <a:off x="3098395" y="5864016"/>
             <a:ext cx="552450" cy="0"/>
           </a:xfrm>
           <a:prstGeom prst="line">
@@ -5169,7 +5169,7 @@
         </p:nvSpPr>
         <p:spPr>
           <a:xfrm rot="5400000">
-            <a:off x="3303464" y="5663415"/>
+            <a:off x="3303464" y="5570281"/>
             <a:ext cx="128587" cy="330994"/>
           </a:xfrm>
           <a:prstGeom prst="rect">
@@ -5217,7 +5217,7 @@
         </p:nvSpPr>
         <p:spPr>
           <a:xfrm rot="5400000">
-            <a:off x="3304678" y="5814501"/>
+            <a:off x="3304678" y="5721367"/>
             <a:ext cx="138346" cy="482600"/>
           </a:xfrm>
           <a:prstGeom prst="rect">
@@ -5265,7 +5265,7 @@
         </p:nvCxnSpPr>
         <p:spPr>
           <a:xfrm>
-            <a:off x="5421678" y="5606719"/>
+            <a:off x="5421678" y="5583435"/>
             <a:ext cx="0" cy="561163"/>
           </a:xfrm>
           <a:prstGeom prst="line">
@@ -5300,7 +5300,7 @@
         </p:nvCxnSpPr>
         <p:spPr>
           <a:xfrm>
-            <a:off x="5142278" y="5884126"/>
+            <a:off x="5142278" y="5860842"/>
             <a:ext cx="558800" cy="0"/>
           </a:xfrm>
           <a:prstGeom prst="line">
@@ -5335,7 +5335,7 @@
         </p:nvSpPr>
         <p:spPr>
           <a:xfrm>
-            <a:off x="5180669" y="5787390"/>
+            <a:off x="5180669" y="5764106"/>
             <a:ext cx="476248" cy="209011"/>
           </a:xfrm>
           <a:prstGeom prst="rect">
@@ -5383,7 +5383,7 @@
         </p:nvSpPr>
         <p:spPr>
           <a:xfrm>
-            <a:off x="5246604" y="5821206"/>
+            <a:off x="5246604" y="5797922"/>
             <a:ext cx="339617" cy="135363"/>
           </a:xfrm>
           <a:prstGeom prst="rect">
@@ -5471,8 +5471,8 @@
         </p:nvSpPr>
         <p:spPr>
           <a:xfrm>
-            <a:off x="3307584" y="706170"/>
-            <a:ext cx="2528834" cy="707886"/>
+            <a:off x="3207396" y="706170"/>
+            <a:ext cx="2729210" cy="707886"/>
           </a:xfrm>
           <a:prstGeom prst="rect">
             <a:avLst/>
@@ -5488,7 +5488,7 @@
             <a:pPr algn="ctr"/>
             <a:r>
               <a:rPr lang="en-US" sz="4000" dirty="0"/>
-              <a:t>Adjoin Icon</a:t>
+              <a:t>Adjoin Icons</a:t>
             </a:r>
           </a:p>
         </p:txBody>
@@ -5541,8 +5541,8 @@
         </p:nvSpPr>
         <p:spPr>
           <a:xfrm>
-            <a:off x="2953355" y="706170"/>
-            <a:ext cx="3237297" cy="707886"/>
+            <a:off x="2853164" y="1308274"/>
+            <a:ext cx="3437672" cy="707886"/>
           </a:xfrm>
           <a:prstGeom prst="rect">
             <a:avLst/>
@@ -5558,8 +5558,997 @@
             <a:pPr algn="ctr"/>
             <a:r>
               <a:rPr lang="en-US" sz="4000" dirty="0"/>
-              <a:t>Distribute Icon</a:t>
-            </a:r>
+              <a:t>Distribute Icons</a:t>
+            </a:r>
+          </a:p>
+        </p:txBody>
+      </p:sp>
+      <p:sp>
+        <p:nvSpPr>
+          <p:cNvPr id="2" name="TextBox 1"/>
+          <p:cNvSpPr txBox="1"/>
+          <p:nvPr/>
+        </p:nvSpPr>
+        <p:spPr>
+          <a:xfrm>
+            <a:off x="729512" y="3324434"/>
+            <a:ext cx="1306383" cy="369332"/>
+          </a:xfrm>
+          <a:prstGeom prst="rect">
+            <a:avLst/>
+          </a:prstGeom>
+          <a:noFill/>
+        </p:spPr>
+        <p:txBody>
+          <a:bodyPr wrap="none" rtlCol="0">
+            <a:spAutoFit/>
+          </a:bodyPr>
+          <a:lstStyle/>
+          <a:p>
+            <a:pPr algn="ctr"/>
+            <a:r>
+              <a:rPr lang="en-US" dirty="0"/>
+              <a:t>Horizontally</a:t>
+            </a:r>
+          </a:p>
+        </p:txBody>
+      </p:sp>
+      <p:sp>
+        <p:nvSpPr>
+          <p:cNvPr id="3" name="TextBox 2"/>
+          <p:cNvSpPr txBox="1"/>
+          <p:nvPr/>
+        </p:nvSpPr>
+        <p:spPr>
+          <a:xfrm>
+            <a:off x="2765406" y="3324434"/>
+            <a:ext cx="1046505" cy="369332"/>
+          </a:xfrm>
+          <a:prstGeom prst="rect">
+            <a:avLst/>
+          </a:prstGeom>
+          <a:noFill/>
+        </p:spPr>
+        <p:txBody>
+          <a:bodyPr wrap="none" rtlCol="0">
+            <a:spAutoFit/>
+          </a:bodyPr>
+          <a:lstStyle/>
+          <a:p>
+            <a:pPr algn="ctr"/>
+            <a:r>
+              <a:rPr lang="en-US" dirty="0"/>
+              <a:t>Vertically</a:t>
+            </a:r>
+          </a:p>
+        </p:txBody>
+      </p:sp>
+      <p:sp>
+        <p:nvSpPr>
+          <p:cNvPr id="5" name="TextBox 4"/>
+          <p:cNvSpPr txBox="1"/>
+          <p:nvPr/>
+        </p:nvSpPr>
+        <p:spPr>
+          <a:xfrm>
+            <a:off x="4541423" y="3324434"/>
+            <a:ext cx="2162195" cy="369332"/>
+          </a:xfrm>
+          <a:prstGeom prst="rect">
+            <a:avLst/>
+          </a:prstGeom>
+          <a:noFill/>
+        </p:spPr>
+        <p:txBody>
+          <a:bodyPr wrap="none" rtlCol="0">
+            <a:spAutoFit/>
+          </a:bodyPr>
+          <a:lstStyle/>
+          <a:p>
+            <a:pPr algn="ctr"/>
+            <a:r>
+              <a:rPr lang="en-US" dirty="0"/>
+              <a:t>Between two objects</a:t>
+            </a:r>
+          </a:p>
+        </p:txBody>
+      </p:sp>
+      <p:sp>
+        <p:nvSpPr>
+          <p:cNvPr id="6" name="TextBox 5"/>
+          <p:cNvSpPr txBox="1"/>
+          <p:nvPr/>
+        </p:nvSpPr>
+        <p:spPr>
+          <a:xfrm>
+            <a:off x="7433129" y="3324434"/>
+            <a:ext cx="981359" cy="369332"/>
+          </a:xfrm>
+          <a:prstGeom prst="rect">
+            <a:avLst/>
+          </a:prstGeom>
+          <a:noFill/>
+        </p:spPr>
+        <p:txBody>
+          <a:bodyPr wrap="none" rtlCol="0">
+            <a:spAutoFit/>
+          </a:bodyPr>
+          <a:lstStyle/>
+          <a:p>
+            <a:pPr algn="ctr"/>
+            <a:r>
+              <a:rPr lang="en-US" dirty="0"/>
+              <a:t>In a Grid</a:t>
+            </a:r>
+          </a:p>
+        </p:txBody>
+      </p:sp>
+      <p:cxnSp>
+        <p:nvCxnSpPr>
+          <p:cNvPr id="34" name="Straight Connector 33"/>
+          <p:cNvCxnSpPr/>
+          <p:nvPr/>
+        </p:nvCxnSpPr>
+        <p:spPr>
+          <a:xfrm>
+            <a:off x="3288406" y="5002040"/>
+            <a:ext cx="0" cy="547687"/>
+          </a:xfrm>
+          <a:prstGeom prst="line">
+            <a:avLst/>
+          </a:prstGeom>
+          <a:ln w="25400">
+            <a:solidFill>
+              <a:schemeClr val="tx1"/>
+            </a:solidFill>
+          </a:ln>
+        </p:spPr>
+        <p:style>
+          <a:lnRef idx="1">
+            <a:schemeClr val="accent1"/>
+          </a:lnRef>
+          <a:fillRef idx="0">
+            <a:schemeClr val="accent1"/>
+          </a:fillRef>
+          <a:effectRef idx="0">
+            <a:schemeClr val="accent1"/>
+          </a:effectRef>
+          <a:fontRef idx="minor">
+            <a:schemeClr val="tx1"/>
+          </a:fontRef>
+        </p:style>
+      </p:cxnSp>
+      <p:sp>
+        <p:nvSpPr>
+          <p:cNvPr id="36" name="Rectangle 35"/>
+          <p:cNvSpPr/>
+          <p:nvPr/>
+        </p:nvSpPr>
+        <p:spPr>
+          <a:xfrm>
+            <a:off x="3158124" y="5030616"/>
+            <a:ext cx="251039" cy="123824"/>
+          </a:xfrm>
+          <a:prstGeom prst="rect">
+            <a:avLst/>
+          </a:prstGeom>
+          <a:solidFill>
+            <a:schemeClr val="bg1"/>
+          </a:solidFill>
+          <a:ln w="12700">
+            <a:solidFill>
+              <a:schemeClr val="tx1"/>
+            </a:solidFill>
+          </a:ln>
+        </p:spPr>
+        <p:style>
+          <a:lnRef idx="2">
+            <a:schemeClr val="accent1">
+              <a:shade val="50000"/>
+            </a:schemeClr>
+          </a:lnRef>
+          <a:fillRef idx="1">
+            <a:schemeClr val="accent1"/>
+          </a:fillRef>
+          <a:effectRef idx="0">
+            <a:schemeClr val="accent1"/>
+          </a:effectRef>
+          <a:fontRef idx="minor">
+            <a:schemeClr val="lt1"/>
+          </a:fontRef>
+        </p:style>
+        <p:txBody>
+          <a:bodyPr rtlCol="0" anchor="ctr"/>
+          <a:lstStyle/>
+          <a:p>
+            <a:pPr algn="ctr"/>
+            <a:endParaRPr lang="en-US"/>
+          </a:p>
+        </p:txBody>
+      </p:sp>
+      <p:sp>
+        <p:nvSpPr>
+          <p:cNvPr id="37" name="Rectangle 36"/>
+          <p:cNvSpPr/>
+          <p:nvPr/>
+        </p:nvSpPr>
+        <p:spPr>
+          <a:xfrm>
+            <a:off x="3050968" y="5202064"/>
+            <a:ext cx="475380" cy="134818"/>
+          </a:xfrm>
+          <a:prstGeom prst="rect">
+            <a:avLst/>
+          </a:prstGeom>
+          <a:solidFill>
+            <a:schemeClr val="bg1"/>
+          </a:solidFill>
+          <a:ln w="12700">
+            <a:solidFill>
+              <a:schemeClr val="tx1"/>
+            </a:solidFill>
+          </a:ln>
+        </p:spPr>
+        <p:style>
+          <a:lnRef idx="2">
+            <a:schemeClr val="accent1">
+              <a:shade val="50000"/>
+            </a:schemeClr>
+          </a:lnRef>
+          <a:fillRef idx="1">
+            <a:schemeClr val="accent1"/>
+          </a:fillRef>
+          <a:effectRef idx="0">
+            <a:schemeClr val="accent1"/>
+          </a:effectRef>
+          <a:fontRef idx="minor">
+            <a:schemeClr val="lt1"/>
+          </a:fontRef>
+        </p:style>
+        <p:txBody>
+          <a:bodyPr rtlCol="0" anchor="ctr"/>
+          <a:lstStyle/>
+          <a:p>
+            <a:pPr algn="ctr"/>
+            <a:endParaRPr lang="en-US"/>
+          </a:p>
+        </p:txBody>
+      </p:sp>
+      <p:sp>
+        <p:nvSpPr>
+          <p:cNvPr id="38" name="Rectangle 37"/>
+          <p:cNvSpPr/>
+          <p:nvPr/>
+        </p:nvSpPr>
+        <p:spPr>
+          <a:xfrm>
+            <a:off x="3112391" y="5371104"/>
+            <a:ext cx="335376" cy="134845"/>
+          </a:xfrm>
+          <a:prstGeom prst="rect">
+            <a:avLst/>
+          </a:prstGeom>
+          <a:solidFill>
+            <a:schemeClr val="bg1"/>
+          </a:solidFill>
+          <a:ln w="12700">
+            <a:solidFill>
+              <a:schemeClr val="tx1"/>
+            </a:solidFill>
+          </a:ln>
+        </p:spPr>
+        <p:style>
+          <a:lnRef idx="2">
+            <a:schemeClr val="accent1">
+              <a:shade val="50000"/>
+            </a:schemeClr>
+          </a:lnRef>
+          <a:fillRef idx="1">
+            <a:schemeClr val="accent1"/>
+          </a:fillRef>
+          <a:effectRef idx="0">
+            <a:schemeClr val="accent1"/>
+          </a:effectRef>
+          <a:fontRef idx="minor">
+            <a:schemeClr val="lt1"/>
+          </a:fontRef>
+        </p:style>
+        <p:txBody>
+          <a:bodyPr rtlCol="0" anchor="ctr"/>
+          <a:lstStyle/>
+          <a:p>
+            <a:pPr algn="ctr"/>
+            <a:endParaRPr lang="en-US"/>
+          </a:p>
+        </p:txBody>
+      </p:sp>
+      <p:cxnSp>
+        <p:nvCxnSpPr>
+          <p:cNvPr id="57" name="Straight Connector 56"/>
+          <p:cNvCxnSpPr/>
+          <p:nvPr/>
+        </p:nvCxnSpPr>
+        <p:spPr>
+          <a:xfrm rot="5400000">
+            <a:off x="1418856" y="4929481"/>
+            <a:ext cx="0" cy="547687"/>
+          </a:xfrm>
+          <a:prstGeom prst="line">
+            <a:avLst/>
+          </a:prstGeom>
+          <a:ln w="25400">
+            <a:solidFill>
+              <a:schemeClr val="tx1"/>
+            </a:solidFill>
+          </a:ln>
+        </p:spPr>
+        <p:style>
+          <a:lnRef idx="1">
+            <a:schemeClr val="accent1"/>
+          </a:lnRef>
+          <a:fillRef idx="0">
+            <a:schemeClr val="accent1"/>
+          </a:fillRef>
+          <a:effectRef idx="0">
+            <a:schemeClr val="accent1"/>
+          </a:effectRef>
+          <a:fontRef idx="minor">
+            <a:schemeClr val="tx1"/>
+          </a:fontRef>
+        </p:style>
+      </p:cxnSp>
+      <p:sp>
+        <p:nvSpPr>
+          <p:cNvPr id="58" name="Rectangle 57"/>
+          <p:cNvSpPr/>
+          <p:nvPr/>
+        </p:nvSpPr>
+        <p:spPr>
+          <a:xfrm rot="5400000">
+            <a:off x="1476692" y="5136650"/>
+            <a:ext cx="251039" cy="123824"/>
+          </a:xfrm>
+          <a:prstGeom prst="rect">
+            <a:avLst/>
+          </a:prstGeom>
+          <a:solidFill>
+            <a:schemeClr val="bg1"/>
+          </a:solidFill>
+          <a:ln w="12700">
+            <a:solidFill>
+              <a:schemeClr val="tx1"/>
+            </a:solidFill>
+          </a:ln>
+        </p:spPr>
+        <p:style>
+          <a:lnRef idx="2">
+            <a:schemeClr val="accent1">
+              <a:shade val="50000"/>
+            </a:schemeClr>
+          </a:lnRef>
+          <a:fillRef idx="1">
+            <a:schemeClr val="accent1"/>
+          </a:fillRef>
+          <a:effectRef idx="0">
+            <a:schemeClr val="accent1"/>
+          </a:effectRef>
+          <a:fontRef idx="minor">
+            <a:schemeClr val="lt1"/>
+          </a:fontRef>
+        </p:style>
+        <p:txBody>
+          <a:bodyPr rtlCol="0" anchor="ctr"/>
+          <a:lstStyle/>
+          <a:p>
+            <a:pPr algn="ctr"/>
+            <a:endParaRPr lang="en-US"/>
+          </a:p>
+        </p:txBody>
+      </p:sp>
+      <p:sp>
+        <p:nvSpPr>
+          <p:cNvPr id="59" name="Rectangle 58"/>
+          <p:cNvSpPr/>
+          <p:nvPr/>
+        </p:nvSpPr>
+        <p:spPr>
+          <a:xfrm rot="5400000">
+            <a:off x="1187577" y="5136168"/>
+            <a:ext cx="475380" cy="134818"/>
+          </a:xfrm>
+          <a:prstGeom prst="rect">
+            <a:avLst/>
+          </a:prstGeom>
+          <a:solidFill>
+            <a:schemeClr val="bg1"/>
+          </a:solidFill>
+          <a:ln w="12700">
+            <a:solidFill>
+              <a:schemeClr val="tx1"/>
+            </a:solidFill>
+          </a:ln>
+        </p:spPr>
+        <p:style>
+          <a:lnRef idx="2">
+            <a:schemeClr val="accent1">
+              <a:shade val="50000"/>
+            </a:schemeClr>
+          </a:lnRef>
+          <a:fillRef idx="1">
+            <a:schemeClr val="accent1"/>
+          </a:fillRef>
+          <a:effectRef idx="0">
+            <a:schemeClr val="accent1"/>
+          </a:effectRef>
+          <a:fontRef idx="minor">
+            <a:schemeClr val="lt1"/>
+          </a:fontRef>
+        </p:style>
+        <p:txBody>
+          <a:bodyPr rtlCol="0" anchor="ctr"/>
+          <a:lstStyle/>
+          <a:p>
+            <a:pPr algn="ctr"/>
+            <a:endParaRPr lang="en-US"/>
+          </a:p>
+        </p:txBody>
+      </p:sp>
+      <p:sp>
+        <p:nvSpPr>
+          <p:cNvPr id="60" name="Rectangle 59"/>
+          <p:cNvSpPr/>
+          <p:nvPr/>
+        </p:nvSpPr>
+        <p:spPr>
+          <a:xfrm rot="5400000">
+            <a:off x="1088525" y="5127575"/>
+            <a:ext cx="335376" cy="134845"/>
+          </a:xfrm>
+          <a:prstGeom prst="rect">
+            <a:avLst/>
+          </a:prstGeom>
+          <a:solidFill>
+            <a:schemeClr val="bg1"/>
+          </a:solidFill>
+          <a:ln w="12700">
+            <a:solidFill>
+              <a:schemeClr val="tx1"/>
+            </a:solidFill>
+          </a:ln>
+        </p:spPr>
+        <p:style>
+          <a:lnRef idx="2">
+            <a:schemeClr val="accent1">
+              <a:shade val="50000"/>
+            </a:schemeClr>
+          </a:lnRef>
+          <a:fillRef idx="1">
+            <a:schemeClr val="accent1"/>
+          </a:fillRef>
+          <a:effectRef idx="0">
+            <a:schemeClr val="accent1"/>
+          </a:effectRef>
+          <a:fontRef idx="minor">
+            <a:schemeClr val="lt1"/>
+          </a:fontRef>
+        </p:style>
+        <p:txBody>
+          <a:bodyPr rtlCol="0" anchor="ctr"/>
+          <a:lstStyle/>
+          <a:p>
+            <a:pPr algn="ctr"/>
+            <a:endParaRPr lang="en-US"/>
+          </a:p>
+        </p:txBody>
+      </p:sp>
+      <p:cxnSp>
+        <p:nvCxnSpPr>
+          <p:cNvPr id="119" name="Straight Connector 118"/>
+          <p:cNvCxnSpPr/>
+          <p:nvPr/>
+        </p:nvCxnSpPr>
+        <p:spPr>
+          <a:xfrm>
+            <a:off x="5330312" y="4971845"/>
+            <a:ext cx="584418" cy="608076"/>
+          </a:xfrm>
+          <a:prstGeom prst="line">
+            <a:avLst/>
+          </a:prstGeom>
+          <a:ln w="25400">
+            <a:solidFill>
+              <a:schemeClr val="tx1"/>
+            </a:solidFill>
+          </a:ln>
+        </p:spPr>
+        <p:style>
+          <a:lnRef idx="1">
+            <a:schemeClr val="accent1"/>
+          </a:lnRef>
+          <a:fillRef idx="0">
+            <a:schemeClr val="accent1"/>
+          </a:fillRef>
+          <a:effectRef idx="0">
+            <a:schemeClr val="accent1"/>
+          </a:effectRef>
+          <a:fontRef idx="minor">
+            <a:schemeClr val="tx1"/>
+          </a:fontRef>
+        </p:style>
+      </p:cxnSp>
+      <p:sp>
+        <p:nvSpPr>
+          <p:cNvPr id="120" name="Rectangle 119"/>
+          <p:cNvSpPr/>
+          <p:nvPr/>
+        </p:nvSpPr>
+        <p:spPr>
+          <a:xfrm>
+            <a:off x="5353969" y="5020280"/>
+            <a:ext cx="251039" cy="123824"/>
+          </a:xfrm>
+          <a:prstGeom prst="rect">
+            <a:avLst/>
+          </a:prstGeom>
+          <a:solidFill>
+            <a:schemeClr val="bg1"/>
+          </a:solidFill>
+          <a:ln w="12700">
+            <a:solidFill>
+              <a:schemeClr val="tx1"/>
+            </a:solidFill>
+          </a:ln>
+        </p:spPr>
+        <p:style>
+          <a:lnRef idx="2">
+            <a:schemeClr val="accent1">
+              <a:shade val="50000"/>
+            </a:schemeClr>
+          </a:lnRef>
+          <a:fillRef idx="1">
+            <a:schemeClr val="accent1"/>
+          </a:fillRef>
+          <a:effectRef idx="0">
+            <a:schemeClr val="accent1"/>
+          </a:effectRef>
+          <a:fontRef idx="minor">
+            <a:schemeClr val="lt1"/>
+          </a:fontRef>
+        </p:style>
+        <p:txBody>
+          <a:bodyPr rtlCol="0" anchor="ctr"/>
+          <a:lstStyle/>
+          <a:p>
+            <a:pPr algn="ctr"/>
+            <a:endParaRPr lang="en-US"/>
+          </a:p>
+        </p:txBody>
+      </p:sp>
+      <p:sp>
+        <p:nvSpPr>
+          <p:cNvPr id="121" name="Rectangle 120"/>
+          <p:cNvSpPr/>
+          <p:nvPr/>
+        </p:nvSpPr>
+        <p:spPr>
+          <a:xfrm>
+            <a:off x="5391726" y="5202063"/>
+            <a:ext cx="475380" cy="134818"/>
+          </a:xfrm>
+          <a:prstGeom prst="rect">
+            <a:avLst/>
+          </a:prstGeom>
+          <a:solidFill>
+            <a:schemeClr val="bg1"/>
+          </a:solidFill>
+          <a:ln w="12700">
+            <a:solidFill>
+              <a:schemeClr val="tx1"/>
+            </a:solidFill>
+          </a:ln>
+        </p:spPr>
+        <p:style>
+          <a:lnRef idx="2">
+            <a:schemeClr val="accent1">
+              <a:shade val="50000"/>
+            </a:schemeClr>
+          </a:lnRef>
+          <a:fillRef idx="1">
+            <a:schemeClr val="accent1"/>
+          </a:fillRef>
+          <a:effectRef idx="0">
+            <a:schemeClr val="accent1"/>
+          </a:effectRef>
+          <a:fontRef idx="minor">
+            <a:schemeClr val="lt1"/>
+          </a:fontRef>
+        </p:style>
+        <p:txBody>
+          <a:bodyPr rtlCol="0" anchor="ctr"/>
+          <a:lstStyle/>
+          <a:p>
+            <a:pPr algn="ctr"/>
+            <a:endParaRPr lang="en-US"/>
+          </a:p>
+        </p:txBody>
+      </p:sp>
+      <p:sp>
+        <p:nvSpPr>
+          <p:cNvPr id="122" name="Rectangle 121"/>
+          <p:cNvSpPr/>
+          <p:nvPr/>
+        </p:nvSpPr>
+        <p:spPr>
+          <a:xfrm>
+            <a:off x="5579354" y="5390151"/>
+            <a:ext cx="335376" cy="134845"/>
+          </a:xfrm>
+          <a:prstGeom prst="rect">
+            <a:avLst/>
+          </a:prstGeom>
+          <a:solidFill>
+            <a:schemeClr val="bg1"/>
+          </a:solidFill>
+          <a:ln w="12700">
+            <a:solidFill>
+              <a:schemeClr val="tx1"/>
+            </a:solidFill>
+          </a:ln>
+        </p:spPr>
+        <p:style>
+          <a:lnRef idx="2">
+            <a:schemeClr val="accent1">
+              <a:shade val="50000"/>
+            </a:schemeClr>
+          </a:lnRef>
+          <a:fillRef idx="1">
+            <a:schemeClr val="accent1"/>
+          </a:fillRef>
+          <a:effectRef idx="0">
+            <a:schemeClr val="accent1"/>
+          </a:effectRef>
+          <a:fontRef idx="minor">
+            <a:schemeClr val="lt1"/>
+          </a:fontRef>
+        </p:style>
+        <p:txBody>
+          <a:bodyPr rtlCol="0" anchor="ctr"/>
+          <a:lstStyle/>
+          <a:p>
+            <a:pPr algn="ctr"/>
+            <a:endParaRPr lang="en-US"/>
+          </a:p>
+        </p:txBody>
+      </p:sp>
+      <p:cxnSp>
+        <p:nvCxnSpPr>
+          <p:cNvPr id="132" name="Straight Connector 131"/>
+          <p:cNvCxnSpPr/>
+          <p:nvPr/>
+        </p:nvCxnSpPr>
+        <p:spPr>
+          <a:xfrm>
+            <a:off x="7775231" y="4999658"/>
+            <a:ext cx="0" cy="552450"/>
+          </a:xfrm>
+          <a:prstGeom prst="line">
+            <a:avLst/>
+          </a:prstGeom>
+          <a:ln>
+            <a:solidFill>
+              <a:schemeClr val="tx1"/>
+            </a:solidFill>
+          </a:ln>
+        </p:spPr>
+        <p:style>
+          <a:lnRef idx="1">
+            <a:schemeClr val="accent1"/>
+          </a:lnRef>
+          <a:fillRef idx="0">
+            <a:schemeClr val="accent1"/>
+          </a:fillRef>
+          <a:effectRef idx="0">
+            <a:schemeClr val="accent1"/>
+          </a:effectRef>
+          <a:fontRef idx="minor">
+            <a:schemeClr val="tx1"/>
+          </a:fontRef>
+        </p:style>
+      </p:cxnSp>
+      <p:cxnSp>
+        <p:nvCxnSpPr>
+          <p:cNvPr id="134" name="Straight Connector 133"/>
+          <p:cNvCxnSpPr/>
+          <p:nvPr/>
+        </p:nvCxnSpPr>
+        <p:spPr>
+          <a:xfrm>
+            <a:off x="8070506" y="4999658"/>
+            <a:ext cx="0" cy="552450"/>
+          </a:xfrm>
+          <a:prstGeom prst="line">
+            <a:avLst/>
+          </a:prstGeom>
+          <a:ln>
+            <a:solidFill>
+              <a:schemeClr val="tx1"/>
+            </a:solidFill>
+          </a:ln>
+        </p:spPr>
+        <p:style>
+          <a:lnRef idx="1">
+            <a:schemeClr val="accent1"/>
+          </a:lnRef>
+          <a:fillRef idx="0">
+            <a:schemeClr val="accent1"/>
+          </a:fillRef>
+          <a:effectRef idx="0">
+            <a:schemeClr val="accent1"/>
+          </a:effectRef>
+          <a:fontRef idx="minor">
+            <a:schemeClr val="tx1"/>
+          </a:fontRef>
+        </p:style>
+      </p:cxnSp>
+      <p:cxnSp>
+        <p:nvCxnSpPr>
+          <p:cNvPr id="139" name="Straight Connector 138"/>
+          <p:cNvCxnSpPr/>
+          <p:nvPr/>
+        </p:nvCxnSpPr>
+        <p:spPr>
+          <a:xfrm flipH="1">
+            <a:off x="7619772" y="5404471"/>
+            <a:ext cx="608076" cy="0"/>
+          </a:xfrm>
+          <a:prstGeom prst="line">
+            <a:avLst/>
+          </a:prstGeom>
+          <a:ln>
+            <a:solidFill>
+              <a:schemeClr val="tx1"/>
+            </a:solidFill>
+          </a:ln>
+        </p:spPr>
+        <p:style>
+          <a:lnRef idx="1">
+            <a:schemeClr val="accent1"/>
+          </a:lnRef>
+          <a:fillRef idx="0">
+            <a:schemeClr val="accent1"/>
+          </a:fillRef>
+          <a:effectRef idx="0">
+            <a:schemeClr val="accent1"/>
+          </a:effectRef>
+          <a:fontRef idx="minor">
+            <a:schemeClr val="tx1"/>
+          </a:fontRef>
+        </p:style>
+      </p:cxnSp>
+      <p:cxnSp>
+        <p:nvCxnSpPr>
+          <p:cNvPr id="144" name="Straight Connector 143"/>
+          <p:cNvCxnSpPr/>
+          <p:nvPr/>
+        </p:nvCxnSpPr>
+        <p:spPr>
+          <a:xfrm flipH="1">
+            <a:off x="7619772" y="5159202"/>
+            <a:ext cx="608076" cy="0"/>
+          </a:xfrm>
+          <a:prstGeom prst="line">
+            <a:avLst/>
+          </a:prstGeom>
+          <a:ln>
+            <a:solidFill>
+              <a:schemeClr val="tx1"/>
+            </a:solidFill>
+          </a:ln>
+        </p:spPr>
+        <p:style>
+          <a:lnRef idx="1">
+            <a:schemeClr val="accent1"/>
+          </a:lnRef>
+          <a:fillRef idx="0">
+            <a:schemeClr val="accent1"/>
+          </a:fillRef>
+          <a:effectRef idx="0">
+            <a:schemeClr val="accent1"/>
+          </a:effectRef>
+          <a:fontRef idx="minor">
+            <a:schemeClr val="tx1"/>
+          </a:fontRef>
+        </p:style>
+      </p:cxnSp>
+      <p:sp>
+        <p:nvSpPr>
+          <p:cNvPr id="145" name="Rectangle 144"/>
+          <p:cNvSpPr/>
+          <p:nvPr/>
+        </p:nvSpPr>
+        <p:spPr>
+          <a:xfrm>
+            <a:off x="7671831" y="5076658"/>
+            <a:ext cx="214222" cy="145255"/>
+          </a:xfrm>
+          <a:prstGeom prst="rect">
+            <a:avLst/>
+          </a:prstGeom>
+          <a:solidFill>
+            <a:schemeClr val="bg1"/>
+          </a:solidFill>
+          <a:ln w="12700">
+            <a:solidFill>
+              <a:schemeClr val="tx1"/>
+            </a:solidFill>
+          </a:ln>
+        </p:spPr>
+        <p:style>
+          <a:lnRef idx="2">
+            <a:schemeClr val="accent1">
+              <a:shade val="50000"/>
+            </a:schemeClr>
+          </a:lnRef>
+          <a:fillRef idx="1">
+            <a:schemeClr val="accent1"/>
+          </a:fillRef>
+          <a:effectRef idx="0">
+            <a:schemeClr val="accent1"/>
+          </a:effectRef>
+          <a:fontRef idx="minor">
+            <a:schemeClr val="lt1"/>
+          </a:fontRef>
+        </p:style>
+        <p:txBody>
+          <a:bodyPr rtlCol="0" anchor="ctr"/>
+          <a:lstStyle/>
+          <a:p>
+            <a:pPr algn="ctr"/>
+            <a:endParaRPr lang="en-US"/>
+          </a:p>
+        </p:txBody>
+      </p:sp>
+      <p:sp>
+        <p:nvSpPr>
+          <p:cNvPr id="146" name="Rectangle 145"/>
+          <p:cNvSpPr/>
+          <p:nvPr/>
+        </p:nvSpPr>
+        <p:spPr>
+          <a:xfrm>
+            <a:off x="7959253" y="5076657"/>
+            <a:ext cx="214222" cy="145255"/>
+          </a:xfrm>
+          <a:prstGeom prst="rect">
+            <a:avLst/>
+          </a:prstGeom>
+          <a:solidFill>
+            <a:schemeClr val="bg1"/>
+          </a:solidFill>
+          <a:ln w="12700">
+            <a:solidFill>
+              <a:schemeClr val="tx1"/>
+            </a:solidFill>
+          </a:ln>
+        </p:spPr>
+        <p:style>
+          <a:lnRef idx="2">
+            <a:schemeClr val="accent1">
+              <a:shade val="50000"/>
+            </a:schemeClr>
+          </a:lnRef>
+          <a:fillRef idx="1">
+            <a:schemeClr val="accent1"/>
+          </a:fillRef>
+          <a:effectRef idx="0">
+            <a:schemeClr val="accent1"/>
+          </a:effectRef>
+          <a:fontRef idx="minor">
+            <a:schemeClr val="lt1"/>
+          </a:fontRef>
+        </p:style>
+        <p:txBody>
+          <a:bodyPr rtlCol="0" anchor="ctr"/>
+          <a:lstStyle/>
+          <a:p>
+            <a:pPr algn="ctr"/>
+            <a:endParaRPr lang="en-US"/>
+          </a:p>
+        </p:txBody>
+      </p:sp>
+      <p:sp>
+        <p:nvSpPr>
+          <p:cNvPr id="147" name="Rectangle 146"/>
+          <p:cNvSpPr/>
+          <p:nvPr/>
+        </p:nvSpPr>
+        <p:spPr>
+          <a:xfrm>
+            <a:off x="7671833" y="5324314"/>
+            <a:ext cx="214222" cy="145255"/>
+          </a:xfrm>
+          <a:prstGeom prst="rect">
+            <a:avLst/>
+          </a:prstGeom>
+          <a:solidFill>
+            <a:schemeClr val="bg1"/>
+          </a:solidFill>
+          <a:ln w="12700">
+            <a:solidFill>
+              <a:schemeClr val="tx1"/>
+            </a:solidFill>
+          </a:ln>
+        </p:spPr>
+        <p:style>
+          <a:lnRef idx="2">
+            <a:schemeClr val="accent1">
+              <a:shade val="50000"/>
+            </a:schemeClr>
+          </a:lnRef>
+          <a:fillRef idx="1">
+            <a:schemeClr val="accent1"/>
+          </a:fillRef>
+          <a:effectRef idx="0">
+            <a:schemeClr val="accent1"/>
+          </a:effectRef>
+          <a:fontRef idx="minor">
+            <a:schemeClr val="lt1"/>
+          </a:fontRef>
+        </p:style>
+        <p:txBody>
+          <a:bodyPr rtlCol="0" anchor="ctr"/>
+          <a:lstStyle/>
+          <a:p>
+            <a:pPr algn="ctr"/>
+            <a:endParaRPr lang="en-US"/>
+          </a:p>
+        </p:txBody>
+      </p:sp>
+      <p:sp>
+        <p:nvSpPr>
+          <p:cNvPr id="148" name="Rectangle 147"/>
+          <p:cNvSpPr/>
+          <p:nvPr/>
+        </p:nvSpPr>
+        <p:spPr>
+          <a:xfrm>
+            <a:off x="7959255" y="5324313"/>
+            <a:ext cx="214222" cy="145255"/>
+          </a:xfrm>
+          <a:prstGeom prst="rect">
+            <a:avLst/>
+          </a:prstGeom>
+          <a:solidFill>
+            <a:schemeClr val="bg1"/>
+          </a:solidFill>
+          <a:ln w="12700">
+            <a:solidFill>
+              <a:schemeClr val="tx1"/>
+            </a:solidFill>
+          </a:ln>
+        </p:spPr>
+        <p:style>
+          <a:lnRef idx="2">
+            <a:schemeClr val="accent1">
+              <a:shade val="50000"/>
+            </a:schemeClr>
+          </a:lnRef>
+          <a:fillRef idx="1">
+            <a:schemeClr val="accent1"/>
+          </a:fillRef>
+          <a:effectRef idx="0">
+            <a:schemeClr val="accent1"/>
+          </a:effectRef>
+          <a:fontRef idx="minor">
+            <a:schemeClr val="lt1"/>
+          </a:fontRef>
+        </p:style>
+        <p:txBody>
+          <a:bodyPr rtlCol="0" anchor="ctr"/>
+          <a:lstStyle/>
+          <a:p>
+            <a:pPr algn="ctr"/>
+            <a:endParaRPr lang="en-US"/>
           </a:p>
         </p:txBody>
       </p:sp>
@@ -5611,8 +6600,8 @@
         </p:nvSpPr>
         <p:spPr>
           <a:xfrm>
-            <a:off x="3144884" y="706170"/>
-            <a:ext cx="2854243" cy="707886"/>
+            <a:off x="3044696" y="706170"/>
+            <a:ext cx="3054619" cy="707886"/>
           </a:xfrm>
           <a:prstGeom prst="rect">
             <a:avLst/>
@@ -5628,7 +6617,7 @@
             <a:pPr algn="ctr"/>
             <a:r>
               <a:rPr lang="en-US" sz="4000" dirty="0"/>
-              <a:t>Reorder Icon</a:t>
+              <a:t>Reorder Icons</a:t>
             </a:r>
           </a:p>
         </p:txBody>
@@ -5681,8 +6670,8 @@
         </p:nvSpPr>
         <p:spPr>
           <a:xfrm>
-            <a:off x="2761702" y="706170"/>
-            <a:ext cx="3620608" cy="707886"/>
+            <a:off x="2661515" y="706170"/>
+            <a:ext cx="3820982" cy="707886"/>
           </a:xfrm>
           <a:prstGeom prst="rect">
             <a:avLst/>
@@ -5702,7 +6691,7 @@
             </a:r>
             <a:r>
               <a:rPr lang="en-US" sz="4000" dirty="0"/>
-              <a:t> Icon</a:t>
+              <a:t> Icons</a:t>
             </a:r>
           </a:p>
         </p:txBody>

--- a/doc/Icons-PositionsLab.pptx
+++ b/doc/Icons-PositionsLab.pptx
@@ -4118,173 +4118,188 @@
           </a:p>
         </p:txBody>
       </p:sp>
-      <p:cxnSp>
-        <p:nvCxnSpPr>
-          <p:cNvPr id="5" name="Straight Connector 4"/>
-          <p:cNvCxnSpPr/>
+      <p:grpSp>
+        <p:nvGrpSpPr>
+          <p:cNvPr id="3" name="Group 2"/>
+          <p:cNvGrpSpPr/>
           <p:nvPr/>
-        </p:nvCxnSpPr>
-        <p:spPr>
-          <a:xfrm flipH="1">
+        </p:nvGrpSpPr>
+        <p:grpSpPr>
+          <a:xfrm>
             <a:off x="1133449" y="3230492"/>
-            <a:ext cx="2382" cy="552450"/>
+            <a:ext cx="546459" cy="552450"/>
+            <a:chOff x="1133449" y="3230492"/>
+            <a:chExt cx="546459" cy="552450"/>
           </a:xfrm>
-          <a:prstGeom prst="line">
-            <a:avLst/>
-          </a:prstGeom>
-          <a:ln w="19050">
+        </p:grpSpPr>
+        <p:cxnSp>
+          <p:nvCxnSpPr>
+            <p:cNvPr id="5" name="Straight Connector 4"/>
+            <p:cNvCxnSpPr/>
+            <p:nvPr/>
+          </p:nvCxnSpPr>
+          <p:spPr>
+            <a:xfrm flipH="1">
+              <a:off x="1133449" y="3230492"/>
+              <a:ext cx="2382" cy="552450"/>
+            </a:xfrm>
+            <a:prstGeom prst="line">
+              <a:avLst/>
+            </a:prstGeom>
+            <a:ln w="19050">
+              <a:solidFill>
+                <a:schemeClr val="tx1"/>
+              </a:solidFill>
+            </a:ln>
+          </p:spPr>
+          <p:style>
+            <a:lnRef idx="1">
+              <a:schemeClr val="dk1"/>
+            </a:lnRef>
+            <a:fillRef idx="0">
+              <a:schemeClr val="dk1"/>
+            </a:fillRef>
+            <a:effectRef idx="0">
+              <a:schemeClr val="dk1"/>
+            </a:effectRef>
+            <a:fontRef idx="minor">
+              <a:schemeClr val="tx1"/>
+            </a:fontRef>
+          </p:style>
+        </p:cxnSp>
+        <p:sp>
+          <p:nvSpPr>
+            <p:cNvPr id="7" name="Rectangle 6"/>
+            <p:cNvSpPr/>
+            <p:nvPr/>
+          </p:nvSpPr>
+          <p:spPr>
+            <a:xfrm>
+              <a:off x="1192980" y="3259067"/>
+              <a:ext cx="340518" cy="145256"/>
+            </a:xfrm>
+            <a:prstGeom prst="rect">
+              <a:avLst/>
+            </a:prstGeom>
             <a:solidFill>
+              <a:srgbClr val="E46B09"/>
+            </a:solidFill>
+            <a:ln w="12700">
+              <a:solidFill>
+                <a:schemeClr val="tx1"/>
+              </a:solidFill>
+            </a:ln>
+          </p:spPr>
+          <p:style>
+            <a:lnRef idx="2">
+              <a:schemeClr val="accent1">
+                <a:shade val="50000"/>
+              </a:schemeClr>
+            </a:lnRef>
+            <a:fillRef idx="1">
+              <a:schemeClr val="accent1"/>
+            </a:fillRef>
+            <a:effectRef idx="0">
+              <a:schemeClr val="accent1"/>
+            </a:effectRef>
+            <a:fontRef idx="minor">
+              <a:schemeClr val="lt1"/>
+            </a:fontRef>
+          </p:style>
+          <p:txBody>
+            <a:bodyPr rtlCol="0" anchor="ctr"/>
+            <a:lstStyle/>
+            <a:p>
+              <a:pPr algn="ctr"/>
+              <a:endParaRPr lang="en-US"/>
+            </a:p>
+          </p:txBody>
+        </p:sp>
+        <p:sp>
+          <p:nvSpPr>
+            <p:cNvPr id="8" name="Rectangle 7"/>
+            <p:cNvSpPr/>
+            <p:nvPr/>
+          </p:nvSpPr>
+          <p:spPr>
+            <a:xfrm>
+              <a:off x="1192980" y="3463854"/>
+              <a:ext cx="486928" cy="145256"/>
+            </a:xfrm>
+            <a:prstGeom prst="rect">
+              <a:avLst/>
+            </a:prstGeom>
+            <a:solidFill>
+              <a:schemeClr val="bg1"/>
+            </a:solidFill>
+            <a:ln w="12700">
+              <a:solidFill>
+                <a:schemeClr val="tx1"/>
+              </a:solidFill>
+            </a:ln>
+          </p:spPr>
+          <p:style>
+            <a:lnRef idx="2">
+              <a:schemeClr val="accent1">
+                <a:shade val="50000"/>
+              </a:schemeClr>
+            </a:lnRef>
+            <a:fillRef idx="1">
+              <a:schemeClr val="accent1"/>
+            </a:fillRef>
+            <a:effectRef idx="0">
+              <a:schemeClr val="accent1"/>
+            </a:effectRef>
+            <a:fontRef idx="minor">
+              <a:schemeClr val="lt1"/>
+            </a:fontRef>
+          </p:style>
+          <p:txBody>
+            <a:bodyPr rtlCol="0" anchor="ctr"/>
+            <a:lstStyle/>
+            <a:p>
+              <a:pPr algn="ctr"/>
+              <a:endParaRPr lang="en-US"/>
+            </a:p>
+          </p:txBody>
+        </p:sp>
+        <p:cxnSp>
+          <p:nvCxnSpPr>
+            <p:cNvPr id="10" name="Straight Arrow Connector 9"/>
+            <p:cNvCxnSpPr/>
+            <p:nvPr/>
+          </p:nvCxnSpPr>
+          <p:spPr>
+            <a:xfrm flipH="1">
+              <a:off x="1212463" y="3706741"/>
+              <a:ext cx="373857" cy="0"/>
+            </a:xfrm>
+            <a:prstGeom prst="straightConnector1">
+              <a:avLst/>
+            </a:prstGeom>
+            <a:ln>
+              <a:solidFill>
+                <a:srgbClr val="0071C2"/>
+              </a:solidFill>
+              <a:tailEnd type="triangle"/>
+            </a:ln>
+          </p:spPr>
+          <p:style>
+            <a:lnRef idx="1">
+              <a:schemeClr val="accent1"/>
+            </a:lnRef>
+            <a:fillRef idx="0">
+              <a:schemeClr val="accent1"/>
+            </a:fillRef>
+            <a:effectRef idx="0">
+              <a:schemeClr val="accent1"/>
+            </a:effectRef>
+            <a:fontRef idx="minor">
               <a:schemeClr val="tx1"/>
-            </a:solidFill>
-          </a:ln>
-        </p:spPr>
-        <p:style>
-          <a:lnRef idx="1">
-            <a:schemeClr val="dk1"/>
-          </a:lnRef>
-          <a:fillRef idx="0">
-            <a:schemeClr val="dk1"/>
-          </a:fillRef>
-          <a:effectRef idx="0">
-            <a:schemeClr val="dk1"/>
-          </a:effectRef>
-          <a:fontRef idx="minor">
-            <a:schemeClr val="tx1"/>
-          </a:fontRef>
-        </p:style>
-      </p:cxnSp>
-      <p:sp>
-        <p:nvSpPr>
-          <p:cNvPr id="7" name="Rectangle 6"/>
-          <p:cNvSpPr/>
-          <p:nvPr/>
-        </p:nvSpPr>
-        <p:spPr>
-          <a:xfrm>
-            <a:off x="1192980" y="3259067"/>
-            <a:ext cx="340518" cy="145256"/>
-          </a:xfrm>
-          <a:prstGeom prst="rect">
-            <a:avLst/>
-          </a:prstGeom>
-          <a:solidFill>
-            <a:srgbClr val="E46B09"/>
-          </a:solidFill>
-          <a:ln w="12700">
-            <a:solidFill>
-              <a:schemeClr val="tx1"/>
-            </a:solidFill>
-          </a:ln>
-        </p:spPr>
-        <p:style>
-          <a:lnRef idx="2">
-            <a:schemeClr val="accent1">
-              <a:shade val="50000"/>
-            </a:schemeClr>
-          </a:lnRef>
-          <a:fillRef idx="1">
-            <a:schemeClr val="accent1"/>
-          </a:fillRef>
-          <a:effectRef idx="0">
-            <a:schemeClr val="accent1"/>
-          </a:effectRef>
-          <a:fontRef idx="minor">
-            <a:schemeClr val="lt1"/>
-          </a:fontRef>
-        </p:style>
-        <p:txBody>
-          <a:bodyPr rtlCol="0" anchor="ctr"/>
-          <a:lstStyle/>
-          <a:p>
-            <a:pPr algn="ctr"/>
-            <a:endParaRPr lang="en-US"/>
-          </a:p>
-        </p:txBody>
-      </p:sp>
-      <p:sp>
-        <p:nvSpPr>
-          <p:cNvPr id="8" name="Rectangle 7"/>
-          <p:cNvSpPr/>
-          <p:nvPr/>
-        </p:nvSpPr>
-        <p:spPr>
-          <a:xfrm>
-            <a:off x="1192980" y="3463854"/>
-            <a:ext cx="486928" cy="145256"/>
-          </a:xfrm>
-          <a:prstGeom prst="rect">
-            <a:avLst/>
-          </a:prstGeom>
-          <a:solidFill>
-            <a:schemeClr val="bg1"/>
-          </a:solidFill>
-          <a:ln w="12700">
-            <a:solidFill>
-              <a:schemeClr val="tx1"/>
-            </a:solidFill>
-          </a:ln>
-        </p:spPr>
-        <p:style>
-          <a:lnRef idx="2">
-            <a:schemeClr val="accent1">
-              <a:shade val="50000"/>
-            </a:schemeClr>
-          </a:lnRef>
-          <a:fillRef idx="1">
-            <a:schemeClr val="accent1"/>
-          </a:fillRef>
-          <a:effectRef idx="0">
-            <a:schemeClr val="accent1"/>
-          </a:effectRef>
-          <a:fontRef idx="minor">
-            <a:schemeClr val="lt1"/>
-          </a:fontRef>
-        </p:style>
-        <p:txBody>
-          <a:bodyPr rtlCol="0" anchor="ctr"/>
-          <a:lstStyle/>
-          <a:p>
-            <a:pPr algn="ctr"/>
-            <a:endParaRPr lang="en-US"/>
-          </a:p>
-        </p:txBody>
-      </p:sp>
-      <p:cxnSp>
-        <p:nvCxnSpPr>
-          <p:cNvPr id="10" name="Straight Arrow Connector 9"/>
-          <p:cNvCxnSpPr/>
-          <p:nvPr/>
-        </p:nvCxnSpPr>
-        <p:spPr>
-          <a:xfrm flipH="1">
-            <a:off x="1212463" y="3706741"/>
-            <a:ext cx="373857" cy="0"/>
-          </a:xfrm>
-          <a:prstGeom prst="straightConnector1">
-            <a:avLst/>
-          </a:prstGeom>
-          <a:ln>
-            <a:solidFill>
-              <a:srgbClr val="0071C2"/>
-            </a:solidFill>
-            <a:tailEnd type="triangle"/>
-          </a:ln>
-        </p:spPr>
-        <p:style>
-          <a:lnRef idx="1">
-            <a:schemeClr val="accent1"/>
-          </a:lnRef>
-          <a:fillRef idx="0">
-            <a:schemeClr val="accent1"/>
-          </a:fillRef>
-          <a:effectRef idx="0">
-            <a:schemeClr val="accent1"/>
-          </a:effectRef>
-          <a:fontRef idx="minor">
-            <a:schemeClr val="tx1"/>
-          </a:fontRef>
-        </p:style>
-      </p:cxnSp>
+            </a:fontRef>
+          </p:style>
+        </p:cxnSp>
+      </p:grpSp>
       <p:sp>
         <p:nvSpPr>
           <p:cNvPr id="12" name="TextBox 11"/>
@@ -4405,507 +4420,552 @@
           </a:p>
         </p:txBody>
       </p:sp>
-      <p:cxnSp>
-        <p:nvCxnSpPr>
-          <p:cNvPr id="66" name="Straight Connector 65"/>
-          <p:cNvCxnSpPr/>
+      <p:grpSp>
+        <p:nvGrpSpPr>
+          <p:cNvPr id="6" name="Group 5"/>
+          <p:cNvGrpSpPr/>
           <p:nvPr/>
-        </p:nvCxnSpPr>
-        <p:spPr>
+        </p:nvGrpSpPr>
+        <p:grpSpPr>
           <a:xfrm>
-            <a:off x="3679623" y="3230492"/>
-            <a:ext cx="2382" cy="552450"/>
+            <a:off x="3135546" y="3230492"/>
+            <a:ext cx="546459" cy="552450"/>
+            <a:chOff x="3135546" y="3230492"/>
+            <a:chExt cx="546459" cy="552450"/>
           </a:xfrm>
-          <a:prstGeom prst="line">
-            <a:avLst/>
-          </a:prstGeom>
-          <a:ln w="19050">
+        </p:grpSpPr>
+        <p:cxnSp>
+          <p:nvCxnSpPr>
+            <p:cNvPr id="66" name="Straight Connector 65"/>
+            <p:cNvCxnSpPr/>
+            <p:nvPr/>
+          </p:nvCxnSpPr>
+          <p:spPr>
+            <a:xfrm>
+              <a:off x="3679623" y="3230492"/>
+              <a:ext cx="2382" cy="552450"/>
+            </a:xfrm>
+            <a:prstGeom prst="line">
+              <a:avLst/>
+            </a:prstGeom>
+            <a:ln w="19050">
+              <a:solidFill>
+                <a:schemeClr val="tx1"/>
+              </a:solidFill>
+            </a:ln>
+          </p:spPr>
+          <p:style>
+            <a:lnRef idx="1">
+              <a:schemeClr val="dk1"/>
+            </a:lnRef>
+            <a:fillRef idx="0">
+              <a:schemeClr val="dk1"/>
+            </a:fillRef>
+            <a:effectRef idx="0">
+              <a:schemeClr val="dk1"/>
+            </a:effectRef>
+            <a:fontRef idx="minor">
+              <a:schemeClr val="tx1"/>
+            </a:fontRef>
+          </p:style>
+        </p:cxnSp>
+        <p:sp>
+          <p:nvSpPr>
+            <p:cNvPr id="67" name="Rectangle 66"/>
+            <p:cNvSpPr/>
+            <p:nvPr/>
+          </p:nvSpPr>
+          <p:spPr>
+            <a:xfrm flipH="1">
+              <a:off x="3281956" y="3259067"/>
+              <a:ext cx="340518" cy="145256"/>
+            </a:xfrm>
+            <a:prstGeom prst="rect">
+              <a:avLst/>
+            </a:prstGeom>
             <a:solidFill>
+              <a:srgbClr val="E46B09"/>
+            </a:solidFill>
+            <a:ln w="12700">
+              <a:solidFill>
+                <a:schemeClr val="tx1"/>
+              </a:solidFill>
+            </a:ln>
+          </p:spPr>
+          <p:style>
+            <a:lnRef idx="2">
+              <a:schemeClr val="accent1">
+                <a:shade val="50000"/>
+              </a:schemeClr>
+            </a:lnRef>
+            <a:fillRef idx="1">
+              <a:schemeClr val="accent1"/>
+            </a:fillRef>
+            <a:effectRef idx="0">
+              <a:schemeClr val="accent1"/>
+            </a:effectRef>
+            <a:fontRef idx="minor">
+              <a:schemeClr val="lt1"/>
+            </a:fontRef>
+          </p:style>
+          <p:txBody>
+            <a:bodyPr rtlCol="0" anchor="ctr"/>
+            <a:lstStyle/>
+            <a:p>
+              <a:pPr algn="ctr"/>
+              <a:endParaRPr lang="en-US"/>
+            </a:p>
+          </p:txBody>
+        </p:sp>
+        <p:sp>
+          <p:nvSpPr>
+            <p:cNvPr id="68" name="Rectangle 67"/>
+            <p:cNvSpPr/>
+            <p:nvPr/>
+          </p:nvSpPr>
+          <p:spPr>
+            <a:xfrm flipH="1">
+              <a:off x="3135546" y="3463854"/>
+              <a:ext cx="486928" cy="145256"/>
+            </a:xfrm>
+            <a:prstGeom prst="rect">
+              <a:avLst/>
+            </a:prstGeom>
+            <a:solidFill>
+              <a:schemeClr val="bg1"/>
+            </a:solidFill>
+            <a:ln w="12700">
+              <a:solidFill>
+                <a:schemeClr val="tx1"/>
+              </a:solidFill>
+            </a:ln>
+          </p:spPr>
+          <p:style>
+            <a:lnRef idx="2">
+              <a:schemeClr val="accent1">
+                <a:shade val="50000"/>
+              </a:schemeClr>
+            </a:lnRef>
+            <a:fillRef idx="1">
+              <a:schemeClr val="accent1"/>
+            </a:fillRef>
+            <a:effectRef idx="0">
+              <a:schemeClr val="accent1"/>
+            </a:effectRef>
+            <a:fontRef idx="minor">
+              <a:schemeClr val="lt1"/>
+            </a:fontRef>
+          </p:style>
+          <p:txBody>
+            <a:bodyPr rtlCol="0" anchor="ctr"/>
+            <a:lstStyle/>
+            <a:p>
+              <a:pPr algn="ctr"/>
+              <a:endParaRPr lang="en-US"/>
+            </a:p>
+          </p:txBody>
+        </p:sp>
+        <p:cxnSp>
+          <p:nvCxnSpPr>
+            <p:cNvPr id="69" name="Straight Arrow Connector 68"/>
+            <p:cNvCxnSpPr/>
+            <p:nvPr/>
+          </p:nvCxnSpPr>
+          <p:spPr>
+            <a:xfrm>
+              <a:off x="3229134" y="3706741"/>
+              <a:ext cx="373857" cy="0"/>
+            </a:xfrm>
+            <a:prstGeom prst="straightConnector1">
+              <a:avLst/>
+            </a:prstGeom>
+            <a:ln>
+              <a:solidFill>
+                <a:srgbClr val="0071C2"/>
+              </a:solidFill>
+              <a:tailEnd type="triangle"/>
+            </a:ln>
+          </p:spPr>
+          <p:style>
+            <a:lnRef idx="1">
+              <a:schemeClr val="accent1"/>
+            </a:lnRef>
+            <a:fillRef idx="0">
+              <a:schemeClr val="accent1"/>
+            </a:fillRef>
+            <a:effectRef idx="0">
+              <a:schemeClr val="accent1"/>
+            </a:effectRef>
+            <a:fontRef idx="minor">
               <a:schemeClr val="tx1"/>
+            </a:fontRef>
+          </p:style>
+        </p:cxnSp>
+      </p:grpSp>
+      <p:grpSp>
+        <p:nvGrpSpPr>
+          <p:cNvPr id="9" name="Group 8"/>
+          <p:cNvGrpSpPr/>
+          <p:nvPr/>
+        </p:nvGrpSpPr>
+        <p:grpSpPr>
+          <a:xfrm>
+            <a:off x="5148449" y="3233488"/>
+            <a:ext cx="552450" cy="546459"/>
+            <a:chOff x="5148449" y="3233488"/>
+            <a:chExt cx="552450" cy="546459"/>
+          </a:xfrm>
+        </p:grpSpPr>
+        <p:cxnSp>
+          <p:nvCxnSpPr>
+            <p:cNvPr id="71" name="Straight Connector 70"/>
+            <p:cNvCxnSpPr/>
+            <p:nvPr/>
+          </p:nvCxnSpPr>
+          <p:spPr>
+            <a:xfrm rot="16200000">
+              <a:off x="5423483" y="2958454"/>
+              <a:ext cx="2382" cy="552450"/>
+            </a:xfrm>
+            <a:prstGeom prst="line">
+              <a:avLst/>
+            </a:prstGeom>
+            <a:ln w="19050">
+              <a:solidFill>
+                <a:schemeClr val="tx1"/>
+              </a:solidFill>
+            </a:ln>
+          </p:spPr>
+          <p:style>
+            <a:lnRef idx="1">
+              <a:schemeClr val="dk1"/>
+            </a:lnRef>
+            <a:fillRef idx="0">
+              <a:schemeClr val="dk1"/>
+            </a:fillRef>
+            <a:effectRef idx="0">
+              <a:schemeClr val="dk1"/>
+            </a:effectRef>
+            <a:fontRef idx="minor">
+              <a:schemeClr val="tx1"/>
+            </a:fontRef>
+          </p:style>
+        </p:cxnSp>
+        <p:sp>
+          <p:nvSpPr>
+            <p:cNvPr id="72" name="Rectangle 71"/>
+            <p:cNvSpPr/>
+            <p:nvPr/>
+          </p:nvSpPr>
+          <p:spPr>
+            <a:xfrm rot="16200000" flipH="1">
+              <a:off x="5079393" y="3390650"/>
+              <a:ext cx="340518" cy="145256"/>
+            </a:xfrm>
+            <a:prstGeom prst="rect">
+              <a:avLst/>
+            </a:prstGeom>
+            <a:solidFill>
+              <a:srgbClr val="E46B09"/>
             </a:solidFill>
-          </a:ln>
-        </p:spPr>
-        <p:style>
-          <a:lnRef idx="1">
-            <a:schemeClr val="dk1"/>
-          </a:lnRef>
-          <a:fillRef idx="0">
-            <a:schemeClr val="dk1"/>
-          </a:fillRef>
-          <a:effectRef idx="0">
-            <a:schemeClr val="dk1"/>
-          </a:effectRef>
-          <a:fontRef idx="minor">
-            <a:schemeClr val="tx1"/>
-          </a:fontRef>
-        </p:style>
-      </p:cxnSp>
-      <p:sp>
-        <p:nvSpPr>
-          <p:cNvPr id="67" name="Rectangle 66"/>
-          <p:cNvSpPr/>
+            <a:ln w="12700">
+              <a:solidFill>
+                <a:schemeClr val="tx1"/>
+              </a:solidFill>
+            </a:ln>
+          </p:spPr>
+          <p:style>
+            <a:lnRef idx="2">
+              <a:schemeClr val="accent1">
+                <a:shade val="50000"/>
+              </a:schemeClr>
+            </a:lnRef>
+            <a:fillRef idx="1">
+              <a:schemeClr val="accent1"/>
+            </a:fillRef>
+            <a:effectRef idx="0">
+              <a:schemeClr val="accent1"/>
+            </a:effectRef>
+            <a:fontRef idx="minor">
+              <a:schemeClr val="lt1"/>
+            </a:fontRef>
+          </p:style>
+          <p:txBody>
+            <a:bodyPr rtlCol="0" anchor="ctr"/>
+            <a:lstStyle/>
+            <a:p>
+              <a:pPr algn="ctr"/>
+              <a:endParaRPr lang="en-US"/>
+            </a:p>
+          </p:txBody>
+        </p:sp>
+        <p:sp>
+          <p:nvSpPr>
+            <p:cNvPr id="73" name="Rectangle 72"/>
+            <p:cNvSpPr/>
+            <p:nvPr/>
+          </p:nvSpPr>
+          <p:spPr>
+            <a:xfrm rot="16200000" flipH="1">
+              <a:off x="5210976" y="3463855"/>
+              <a:ext cx="486928" cy="145256"/>
+            </a:xfrm>
+            <a:prstGeom prst="rect">
+              <a:avLst/>
+            </a:prstGeom>
+            <a:solidFill>
+              <a:schemeClr val="bg1"/>
+            </a:solidFill>
+            <a:ln w="12700">
+              <a:solidFill>
+                <a:schemeClr val="tx1"/>
+              </a:solidFill>
+            </a:ln>
+          </p:spPr>
+          <p:style>
+            <a:lnRef idx="2">
+              <a:schemeClr val="accent1">
+                <a:shade val="50000"/>
+              </a:schemeClr>
+            </a:lnRef>
+            <a:fillRef idx="1">
+              <a:schemeClr val="accent1"/>
+            </a:fillRef>
+            <a:effectRef idx="0">
+              <a:schemeClr val="accent1"/>
+            </a:effectRef>
+            <a:fontRef idx="minor">
+              <a:schemeClr val="lt1"/>
+            </a:fontRef>
+          </p:style>
+          <p:txBody>
+            <a:bodyPr rtlCol="0" anchor="ctr"/>
+            <a:lstStyle/>
+            <a:p>
+              <a:pPr algn="ctr"/>
+              <a:endParaRPr lang="en-US"/>
+            </a:p>
+          </p:txBody>
+        </p:sp>
+        <p:cxnSp>
+          <p:nvCxnSpPr>
+            <p:cNvPr id="74" name="Straight Arrow Connector 73"/>
+            <p:cNvCxnSpPr/>
+            <p:nvPr/>
+          </p:nvCxnSpPr>
+          <p:spPr>
+            <a:xfrm rot="16200000">
+              <a:off x="5437769" y="3499430"/>
+              <a:ext cx="373857" cy="0"/>
+            </a:xfrm>
+            <a:prstGeom prst="straightConnector1">
+              <a:avLst/>
+            </a:prstGeom>
+            <a:ln>
+              <a:solidFill>
+                <a:srgbClr val="0071C2"/>
+              </a:solidFill>
+              <a:tailEnd type="triangle"/>
+            </a:ln>
+          </p:spPr>
+          <p:style>
+            <a:lnRef idx="1">
+              <a:schemeClr val="accent1"/>
+            </a:lnRef>
+            <a:fillRef idx="0">
+              <a:schemeClr val="accent1"/>
+            </a:fillRef>
+            <a:effectRef idx="0">
+              <a:schemeClr val="accent1"/>
+            </a:effectRef>
+            <a:fontRef idx="minor">
+              <a:schemeClr val="tx1"/>
+            </a:fontRef>
+          </p:style>
+        </p:cxnSp>
+      </p:grpSp>
+      <p:grpSp>
+        <p:nvGrpSpPr>
+          <p:cNvPr id="11" name="Group 10"/>
+          <p:cNvGrpSpPr/>
           <p:nvPr/>
-        </p:nvSpPr>
-        <p:spPr>
-          <a:xfrm flipH="1">
-            <a:off x="3281956" y="3259067"/>
-            <a:ext cx="340518" cy="145256"/>
+        </p:nvGrpSpPr>
+        <p:grpSpPr>
+          <a:xfrm>
+            <a:off x="7270258" y="3233488"/>
+            <a:ext cx="552450" cy="546459"/>
+            <a:chOff x="7270258" y="3233488"/>
+            <a:chExt cx="552450" cy="546459"/>
           </a:xfrm>
-          <a:prstGeom prst="rect">
-            <a:avLst/>
-          </a:prstGeom>
-          <a:solidFill>
-            <a:srgbClr val="E46B09"/>
-          </a:solidFill>
-          <a:ln w="12700">
+        </p:grpSpPr>
+        <p:cxnSp>
+          <p:nvCxnSpPr>
+            <p:cNvPr id="76" name="Straight Connector 75"/>
+            <p:cNvCxnSpPr/>
+            <p:nvPr/>
+          </p:nvCxnSpPr>
+          <p:spPr>
+            <a:xfrm rot="5400000" flipV="1">
+              <a:off x="7545292" y="3502531"/>
+              <a:ext cx="2382" cy="552450"/>
+            </a:xfrm>
+            <a:prstGeom prst="line">
+              <a:avLst/>
+            </a:prstGeom>
+            <a:ln w="19050">
+              <a:solidFill>
+                <a:schemeClr val="tx1"/>
+              </a:solidFill>
+            </a:ln>
+          </p:spPr>
+          <p:style>
+            <a:lnRef idx="1">
+              <a:schemeClr val="dk1"/>
+            </a:lnRef>
+            <a:fillRef idx="0">
+              <a:schemeClr val="dk1"/>
+            </a:fillRef>
+            <a:effectRef idx="0">
+              <a:schemeClr val="dk1"/>
+            </a:effectRef>
+            <a:fontRef idx="minor">
+              <a:schemeClr val="tx1"/>
+            </a:fontRef>
+          </p:style>
+        </p:cxnSp>
+        <p:sp>
+          <p:nvSpPr>
+            <p:cNvPr id="77" name="Rectangle 76"/>
+            <p:cNvSpPr/>
+            <p:nvPr/>
+          </p:nvSpPr>
+          <p:spPr>
+            <a:xfrm rot="5400000" flipH="1" flipV="1">
+              <a:off x="7201202" y="3477529"/>
+              <a:ext cx="340518" cy="145256"/>
+            </a:xfrm>
+            <a:prstGeom prst="rect">
+              <a:avLst/>
+            </a:prstGeom>
             <a:solidFill>
+              <a:srgbClr val="E46B09"/>
+            </a:solidFill>
+            <a:ln w="12700">
+              <a:solidFill>
+                <a:schemeClr val="tx1"/>
+              </a:solidFill>
+            </a:ln>
+          </p:spPr>
+          <p:style>
+            <a:lnRef idx="2">
+              <a:schemeClr val="accent1">
+                <a:shade val="50000"/>
+              </a:schemeClr>
+            </a:lnRef>
+            <a:fillRef idx="1">
+              <a:schemeClr val="accent1"/>
+            </a:fillRef>
+            <a:effectRef idx="0">
+              <a:schemeClr val="accent1"/>
+            </a:effectRef>
+            <a:fontRef idx="minor">
+              <a:schemeClr val="lt1"/>
+            </a:fontRef>
+          </p:style>
+          <p:txBody>
+            <a:bodyPr rtlCol="0" anchor="ctr"/>
+            <a:lstStyle/>
+            <a:p>
+              <a:pPr algn="ctr"/>
+              <a:endParaRPr lang="en-US"/>
+            </a:p>
+          </p:txBody>
+        </p:sp>
+        <p:sp>
+          <p:nvSpPr>
+            <p:cNvPr id="78" name="Rectangle 77"/>
+            <p:cNvSpPr/>
+            <p:nvPr/>
+          </p:nvSpPr>
+          <p:spPr>
+            <a:xfrm rot="5400000" flipH="1" flipV="1">
+              <a:off x="7332784" y="3404324"/>
+              <a:ext cx="486928" cy="145256"/>
+            </a:xfrm>
+            <a:prstGeom prst="rect">
+              <a:avLst/>
+            </a:prstGeom>
+            <a:solidFill>
+              <a:schemeClr val="bg1"/>
+            </a:solidFill>
+            <a:ln w="12700">
+              <a:solidFill>
+                <a:schemeClr val="tx1"/>
+              </a:solidFill>
+            </a:ln>
+          </p:spPr>
+          <p:style>
+            <a:lnRef idx="2">
+              <a:schemeClr val="accent1">
+                <a:shade val="50000"/>
+              </a:schemeClr>
+            </a:lnRef>
+            <a:fillRef idx="1">
+              <a:schemeClr val="accent1"/>
+            </a:fillRef>
+            <a:effectRef idx="0">
+              <a:schemeClr val="accent1"/>
+            </a:effectRef>
+            <a:fontRef idx="minor">
+              <a:schemeClr val="lt1"/>
+            </a:fontRef>
+          </p:style>
+          <p:txBody>
+            <a:bodyPr rtlCol="0" anchor="ctr"/>
+            <a:lstStyle/>
+            <a:p>
+              <a:pPr algn="ctr"/>
+              <a:endParaRPr lang="en-US"/>
+            </a:p>
+          </p:txBody>
+        </p:sp>
+        <p:cxnSp>
+          <p:nvCxnSpPr>
+            <p:cNvPr id="79" name="Straight Arrow Connector 78"/>
+            <p:cNvCxnSpPr/>
+            <p:nvPr/>
+          </p:nvCxnSpPr>
+          <p:spPr>
+            <a:xfrm rot="5400000" flipV="1">
+              <a:off x="7559578" y="3514004"/>
+              <a:ext cx="373857" cy="0"/>
+            </a:xfrm>
+            <a:prstGeom prst="straightConnector1">
+              <a:avLst/>
+            </a:prstGeom>
+            <a:ln>
+              <a:solidFill>
+                <a:srgbClr val="0071C2"/>
+              </a:solidFill>
+              <a:tailEnd type="triangle"/>
+            </a:ln>
+          </p:spPr>
+          <p:style>
+            <a:lnRef idx="1">
+              <a:schemeClr val="accent1"/>
+            </a:lnRef>
+            <a:fillRef idx="0">
+              <a:schemeClr val="accent1"/>
+            </a:fillRef>
+            <a:effectRef idx="0">
+              <a:schemeClr val="accent1"/>
+            </a:effectRef>
+            <a:fontRef idx="minor">
               <a:schemeClr val="tx1"/>
-            </a:solidFill>
-          </a:ln>
-        </p:spPr>
-        <p:style>
-          <a:lnRef idx="2">
-            <a:schemeClr val="accent1">
-              <a:shade val="50000"/>
-            </a:schemeClr>
-          </a:lnRef>
-          <a:fillRef idx="1">
-            <a:schemeClr val="accent1"/>
-          </a:fillRef>
-          <a:effectRef idx="0">
-            <a:schemeClr val="accent1"/>
-          </a:effectRef>
-          <a:fontRef idx="minor">
-            <a:schemeClr val="lt1"/>
-          </a:fontRef>
-        </p:style>
-        <p:txBody>
-          <a:bodyPr rtlCol="0" anchor="ctr"/>
-          <a:lstStyle/>
-          <a:p>
-            <a:pPr algn="ctr"/>
-            <a:endParaRPr lang="en-US"/>
-          </a:p>
-        </p:txBody>
-      </p:sp>
-      <p:sp>
-        <p:nvSpPr>
-          <p:cNvPr id="68" name="Rectangle 67"/>
-          <p:cNvSpPr/>
-          <p:nvPr/>
-        </p:nvSpPr>
-        <p:spPr>
-          <a:xfrm flipH="1">
-            <a:off x="3135546" y="3463854"/>
-            <a:ext cx="486928" cy="145256"/>
-          </a:xfrm>
-          <a:prstGeom prst="rect">
-            <a:avLst/>
-          </a:prstGeom>
-          <a:solidFill>
-            <a:schemeClr val="bg1"/>
-          </a:solidFill>
-          <a:ln w="12700">
-            <a:solidFill>
-              <a:schemeClr val="tx1"/>
-            </a:solidFill>
-          </a:ln>
-        </p:spPr>
-        <p:style>
-          <a:lnRef idx="2">
-            <a:schemeClr val="accent1">
-              <a:shade val="50000"/>
-            </a:schemeClr>
-          </a:lnRef>
-          <a:fillRef idx="1">
-            <a:schemeClr val="accent1"/>
-          </a:fillRef>
-          <a:effectRef idx="0">
-            <a:schemeClr val="accent1"/>
-          </a:effectRef>
-          <a:fontRef idx="minor">
-            <a:schemeClr val="lt1"/>
-          </a:fontRef>
-        </p:style>
-        <p:txBody>
-          <a:bodyPr rtlCol="0" anchor="ctr"/>
-          <a:lstStyle/>
-          <a:p>
-            <a:pPr algn="ctr"/>
-            <a:endParaRPr lang="en-US"/>
-          </a:p>
-        </p:txBody>
-      </p:sp>
-      <p:cxnSp>
-        <p:nvCxnSpPr>
-          <p:cNvPr id="69" name="Straight Arrow Connector 68"/>
-          <p:cNvCxnSpPr/>
-          <p:nvPr/>
-        </p:nvCxnSpPr>
-        <p:spPr>
-          <a:xfrm>
-            <a:off x="3229134" y="3706741"/>
-            <a:ext cx="373857" cy="0"/>
-          </a:xfrm>
-          <a:prstGeom prst="straightConnector1">
-            <a:avLst/>
-          </a:prstGeom>
-          <a:ln>
-            <a:solidFill>
-              <a:srgbClr val="0071C2"/>
-            </a:solidFill>
-            <a:tailEnd type="triangle"/>
-          </a:ln>
-        </p:spPr>
-        <p:style>
-          <a:lnRef idx="1">
-            <a:schemeClr val="accent1"/>
-          </a:lnRef>
-          <a:fillRef idx="0">
-            <a:schemeClr val="accent1"/>
-          </a:fillRef>
-          <a:effectRef idx="0">
-            <a:schemeClr val="accent1"/>
-          </a:effectRef>
-          <a:fontRef idx="minor">
-            <a:schemeClr val="tx1"/>
-          </a:fontRef>
-        </p:style>
-      </p:cxnSp>
-      <p:cxnSp>
-        <p:nvCxnSpPr>
-          <p:cNvPr id="71" name="Straight Connector 70"/>
-          <p:cNvCxnSpPr/>
-          <p:nvPr/>
-        </p:nvCxnSpPr>
-        <p:spPr>
-          <a:xfrm rot="16200000">
-            <a:off x="5423483" y="2958454"/>
-            <a:ext cx="2382" cy="552450"/>
-          </a:xfrm>
-          <a:prstGeom prst="line">
-            <a:avLst/>
-          </a:prstGeom>
-          <a:ln w="19050">
-            <a:solidFill>
-              <a:schemeClr val="tx1"/>
-            </a:solidFill>
-          </a:ln>
-        </p:spPr>
-        <p:style>
-          <a:lnRef idx="1">
-            <a:schemeClr val="dk1"/>
-          </a:lnRef>
-          <a:fillRef idx="0">
-            <a:schemeClr val="dk1"/>
-          </a:fillRef>
-          <a:effectRef idx="0">
-            <a:schemeClr val="dk1"/>
-          </a:effectRef>
-          <a:fontRef idx="minor">
-            <a:schemeClr val="tx1"/>
-          </a:fontRef>
-        </p:style>
-      </p:cxnSp>
-      <p:sp>
-        <p:nvSpPr>
-          <p:cNvPr id="72" name="Rectangle 71"/>
-          <p:cNvSpPr/>
-          <p:nvPr/>
-        </p:nvSpPr>
-        <p:spPr>
-          <a:xfrm rot="16200000" flipH="1">
-            <a:off x="5079393" y="3390650"/>
-            <a:ext cx="340518" cy="145256"/>
-          </a:xfrm>
-          <a:prstGeom prst="rect">
-            <a:avLst/>
-          </a:prstGeom>
-          <a:solidFill>
-            <a:srgbClr val="E46B09"/>
-          </a:solidFill>
-          <a:ln w="12700">
-            <a:solidFill>
-              <a:schemeClr val="tx1"/>
-            </a:solidFill>
-          </a:ln>
-        </p:spPr>
-        <p:style>
-          <a:lnRef idx="2">
-            <a:schemeClr val="accent1">
-              <a:shade val="50000"/>
-            </a:schemeClr>
-          </a:lnRef>
-          <a:fillRef idx="1">
-            <a:schemeClr val="accent1"/>
-          </a:fillRef>
-          <a:effectRef idx="0">
-            <a:schemeClr val="accent1"/>
-          </a:effectRef>
-          <a:fontRef idx="minor">
-            <a:schemeClr val="lt1"/>
-          </a:fontRef>
-        </p:style>
-        <p:txBody>
-          <a:bodyPr rtlCol="0" anchor="ctr"/>
-          <a:lstStyle/>
-          <a:p>
-            <a:pPr algn="ctr"/>
-            <a:endParaRPr lang="en-US"/>
-          </a:p>
-        </p:txBody>
-      </p:sp>
-      <p:sp>
-        <p:nvSpPr>
-          <p:cNvPr id="73" name="Rectangle 72"/>
-          <p:cNvSpPr/>
-          <p:nvPr/>
-        </p:nvSpPr>
-        <p:spPr>
-          <a:xfrm rot="16200000" flipH="1">
-            <a:off x="5210976" y="3463855"/>
-            <a:ext cx="486928" cy="145256"/>
-          </a:xfrm>
-          <a:prstGeom prst="rect">
-            <a:avLst/>
-          </a:prstGeom>
-          <a:solidFill>
-            <a:schemeClr val="bg1"/>
-          </a:solidFill>
-          <a:ln w="12700">
-            <a:solidFill>
-              <a:schemeClr val="tx1"/>
-            </a:solidFill>
-          </a:ln>
-        </p:spPr>
-        <p:style>
-          <a:lnRef idx="2">
-            <a:schemeClr val="accent1">
-              <a:shade val="50000"/>
-            </a:schemeClr>
-          </a:lnRef>
-          <a:fillRef idx="1">
-            <a:schemeClr val="accent1"/>
-          </a:fillRef>
-          <a:effectRef idx="0">
-            <a:schemeClr val="accent1"/>
-          </a:effectRef>
-          <a:fontRef idx="minor">
-            <a:schemeClr val="lt1"/>
-          </a:fontRef>
-        </p:style>
-        <p:txBody>
-          <a:bodyPr rtlCol="0" anchor="ctr"/>
-          <a:lstStyle/>
-          <a:p>
-            <a:pPr algn="ctr"/>
-            <a:endParaRPr lang="en-US"/>
-          </a:p>
-        </p:txBody>
-      </p:sp>
-      <p:cxnSp>
-        <p:nvCxnSpPr>
-          <p:cNvPr id="74" name="Straight Arrow Connector 73"/>
-          <p:cNvCxnSpPr/>
-          <p:nvPr/>
-        </p:nvCxnSpPr>
-        <p:spPr>
-          <a:xfrm rot="16200000">
-            <a:off x="5437769" y="3499430"/>
-            <a:ext cx="373857" cy="0"/>
-          </a:xfrm>
-          <a:prstGeom prst="straightConnector1">
-            <a:avLst/>
-          </a:prstGeom>
-          <a:ln>
-            <a:solidFill>
-              <a:srgbClr val="0071C2"/>
-            </a:solidFill>
-            <a:tailEnd type="triangle"/>
-          </a:ln>
-        </p:spPr>
-        <p:style>
-          <a:lnRef idx="1">
-            <a:schemeClr val="accent1"/>
-          </a:lnRef>
-          <a:fillRef idx="0">
-            <a:schemeClr val="accent1"/>
-          </a:fillRef>
-          <a:effectRef idx="0">
-            <a:schemeClr val="accent1"/>
-          </a:effectRef>
-          <a:fontRef idx="minor">
-            <a:schemeClr val="tx1"/>
-          </a:fontRef>
-        </p:style>
-      </p:cxnSp>
-      <p:cxnSp>
-        <p:nvCxnSpPr>
-          <p:cNvPr id="76" name="Straight Connector 75"/>
-          <p:cNvCxnSpPr/>
-          <p:nvPr/>
-        </p:nvCxnSpPr>
-        <p:spPr>
-          <a:xfrm rot="5400000" flipV="1">
-            <a:off x="7545292" y="3502531"/>
-            <a:ext cx="2382" cy="552450"/>
-          </a:xfrm>
-          <a:prstGeom prst="line">
-            <a:avLst/>
-          </a:prstGeom>
-          <a:ln w="19050">
-            <a:solidFill>
-              <a:schemeClr val="tx1"/>
-            </a:solidFill>
-          </a:ln>
-        </p:spPr>
-        <p:style>
-          <a:lnRef idx="1">
-            <a:schemeClr val="dk1"/>
-          </a:lnRef>
-          <a:fillRef idx="0">
-            <a:schemeClr val="dk1"/>
-          </a:fillRef>
-          <a:effectRef idx="0">
-            <a:schemeClr val="dk1"/>
-          </a:effectRef>
-          <a:fontRef idx="minor">
-            <a:schemeClr val="tx1"/>
-          </a:fontRef>
-        </p:style>
-      </p:cxnSp>
-      <p:sp>
-        <p:nvSpPr>
-          <p:cNvPr id="77" name="Rectangle 76"/>
-          <p:cNvSpPr/>
-          <p:nvPr/>
-        </p:nvSpPr>
-        <p:spPr>
-          <a:xfrm rot="5400000" flipH="1" flipV="1">
-            <a:off x="7201202" y="3477529"/>
-            <a:ext cx="340518" cy="145256"/>
-          </a:xfrm>
-          <a:prstGeom prst="rect">
-            <a:avLst/>
-          </a:prstGeom>
-          <a:solidFill>
-            <a:srgbClr val="E46B09"/>
-          </a:solidFill>
-          <a:ln w="12700">
-            <a:solidFill>
-              <a:schemeClr val="tx1"/>
-            </a:solidFill>
-          </a:ln>
-        </p:spPr>
-        <p:style>
-          <a:lnRef idx="2">
-            <a:schemeClr val="accent1">
-              <a:shade val="50000"/>
-            </a:schemeClr>
-          </a:lnRef>
-          <a:fillRef idx="1">
-            <a:schemeClr val="accent1"/>
-          </a:fillRef>
-          <a:effectRef idx="0">
-            <a:schemeClr val="accent1"/>
-          </a:effectRef>
-          <a:fontRef idx="minor">
-            <a:schemeClr val="lt1"/>
-          </a:fontRef>
-        </p:style>
-        <p:txBody>
-          <a:bodyPr rtlCol="0" anchor="ctr"/>
-          <a:lstStyle/>
-          <a:p>
-            <a:pPr algn="ctr"/>
-            <a:endParaRPr lang="en-US"/>
-          </a:p>
-        </p:txBody>
-      </p:sp>
-      <p:sp>
-        <p:nvSpPr>
-          <p:cNvPr id="78" name="Rectangle 77"/>
-          <p:cNvSpPr/>
-          <p:nvPr/>
-        </p:nvSpPr>
-        <p:spPr>
-          <a:xfrm rot="5400000" flipH="1" flipV="1">
-            <a:off x="7332784" y="3404324"/>
-            <a:ext cx="486928" cy="145256"/>
-          </a:xfrm>
-          <a:prstGeom prst="rect">
-            <a:avLst/>
-          </a:prstGeom>
-          <a:solidFill>
-            <a:schemeClr val="bg1"/>
-          </a:solidFill>
-          <a:ln w="12700">
-            <a:solidFill>
-              <a:schemeClr val="tx1"/>
-            </a:solidFill>
-          </a:ln>
-        </p:spPr>
-        <p:style>
-          <a:lnRef idx="2">
-            <a:schemeClr val="accent1">
-              <a:shade val="50000"/>
-            </a:schemeClr>
-          </a:lnRef>
-          <a:fillRef idx="1">
-            <a:schemeClr val="accent1"/>
-          </a:fillRef>
-          <a:effectRef idx="0">
-            <a:schemeClr val="accent1"/>
-          </a:effectRef>
-          <a:fontRef idx="minor">
-            <a:schemeClr val="lt1"/>
-          </a:fontRef>
-        </p:style>
-        <p:txBody>
-          <a:bodyPr rtlCol="0" anchor="ctr"/>
-          <a:lstStyle/>
-          <a:p>
-            <a:pPr algn="ctr"/>
-            <a:endParaRPr lang="en-US"/>
-          </a:p>
-        </p:txBody>
-      </p:sp>
-      <p:cxnSp>
-        <p:nvCxnSpPr>
-          <p:cNvPr id="79" name="Straight Arrow Connector 78"/>
-          <p:cNvCxnSpPr/>
-          <p:nvPr/>
-        </p:nvCxnSpPr>
-        <p:spPr>
-          <a:xfrm rot="5400000" flipV="1">
-            <a:off x="7559578" y="3514004"/>
-            <a:ext cx="373857" cy="0"/>
-          </a:xfrm>
-          <a:prstGeom prst="straightConnector1">
-            <a:avLst/>
-          </a:prstGeom>
-          <a:ln>
-            <a:solidFill>
-              <a:srgbClr val="0071C2"/>
-            </a:solidFill>
-            <a:tailEnd type="triangle"/>
-          </a:ln>
-        </p:spPr>
-        <p:style>
-          <a:lnRef idx="1">
-            <a:schemeClr val="accent1"/>
-          </a:lnRef>
-          <a:fillRef idx="0">
-            <a:schemeClr val="accent1"/>
-          </a:fillRef>
-          <a:effectRef idx="0">
-            <a:schemeClr val="accent1"/>
-          </a:effectRef>
-          <a:fontRef idx="minor">
-            <a:schemeClr val="tx1"/>
-          </a:fontRef>
-        </p:style>
-      </p:cxnSp>
+            </a:fontRef>
+          </p:style>
+        </p:cxnSp>
+      </p:grpSp>
       <p:sp>
         <p:nvSpPr>
           <p:cNvPr id="328" name="TextBox 327"/>
@@ -4995,434 +5055,479 @@
           </a:p>
         </p:txBody>
       </p:sp>
-      <p:cxnSp>
-        <p:nvCxnSpPr>
-          <p:cNvPr id="388" name="Straight Connector 387"/>
-          <p:cNvCxnSpPr/>
+      <p:grpSp>
+        <p:nvGrpSpPr>
+          <p:cNvPr id="15" name="Group 14"/>
+          <p:cNvGrpSpPr/>
           <p:nvPr/>
-        </p:nvCxnSpPr>
-        <p:spPr>
+        </p:nvGrpSpPr>
+        <p:grpSpPr>
           <a:xfrm>
-            <a:off x="1130453" y="5863247"/>
-            <a:ext cx="552450" cy="0"/>
+            <a:off x="1130453" y="5622716"/>
+            <a:ext cx="552450" cy="482600"/>
+            <a:chOff x="1130453" y="5622716"/>
+            <a:chExt cx="552450" cy="482600"/>
           </a:xfrm>
-          <a:prstGeom prst="line">
-            <a:avLst/>
-          </a:prstGeom>
-          <a:ln w="19050">
+        </p:grpSpPr>
+        <p:cxnSp>
+          <p:nvCxnSpPr>
+            <p:cNvPr id="388" name="Straight Connector 387"/>
+            <p:cNvCxnSpPr/>
+            <p:nvPr/>
+          </p:nvCxnSpPr>
+          <p:spPr>
+            <a:xfrm>
+              <a:off x="1130453" y="5863247"/>
+              <a:ext cx="552450" cy="0"/>
+            </a:xfrm>
+            <a:prstGeom prst="line">
+              <a:avLst/>
+            </a:prstGeom>
+            <a:ln w="19050">
+              <a:solidFill>
+                <a:schemeClr val="tx1"/>
+              </a:solidFill>
+            </a:ln>
+          </p:spPr>
+          <p:style>
+            <a:lnRef idx="1">
+              <a:schemeClr val="accent1"/>
+            </a:lnRef>
+            <a:fillRef idx="0">
+              <a:schemeClr val="accent1"/>
+            </a:fillRef>
+            <a:effectRef idx="0">
+              <a:schemeClr val="accent1"/>
+            </a:effectRef>
+            <a:fontRef idx="minor">
+              <a:schemeClr val="tx1"/>
+            </a:fontRef>
+          </p:style>
+        </p:cxnSp>
+        <p:sp>
+          <p:nvSpPr>
+            <p:cNvPr id="395" name="Rectangle 394"/>
+            <p:cNvSpPr/>
+            <p:nvPr/>
+          </p:nvSpPr>
+          <p:spPr>
+            <a:xfrm>
+              <a:off x="1214146" y="5704613"/>
+              <a:ext cx="128587" cy="330994"/>
+            </a:xfrm>
+            <a:prstGeom prst="rect">
+              <a:avLst/>
+            </a:prstGeom>
             <a:solidFill>
+              <a:srgbClr val="E46B09"/>
+            </a:solidFill>
+            <a:ln w="12700">
+              <a:solidFill>
+                <a:schemeClr val="tx1"/>
+              </a:solidFill>
+            </a:ln>
+          </p:spPr>
+          <p:style>
+            <a:lnRef idx="2">
+              <a:schemeClr val="accent1">
+                <a:shade val="50000"/>
+              </a:schemeClr>
+            </a:lnRef>
+            <a:fillRef idx="1">
+              <a:schemeClr val="accent1"/>
+            </a:fillRef>
+            <a:effectRef idx="0">
+              <a:schemeClr val="accent1"/>
+            </a:effectRef>
+            <a:fontRef idx="minor">
+              <a:schemeClr val="lt1"/>
+            </a:fontRef>
+          </p:style>
+          <p:txBody>
+            <a:bodyPr rtlCol="0" anchor="ctr"/>
+            <a:lstStyle/>
+            <a:p>
+              <a:pPr algn="ctr"/>
+              <a:endParaRPr lang="en-US"/>
+            </a:p>
+          </p:txBody>
+        </p:sp>
+        <p:sp>
+          <p:nvSpPr>
+            <p:cNvPr id="396" name="Rectangle 395"/>
+            <p:cNvSpPr/>
+            <p:nvPr/>
+          </p:nvSpPr>
+          <p:spPr>
+            <a:xfrm>
+              <a:off x="1436156" y="5622716"/>
+              <a:ext cx="138346" cy="482600"/>
+            </a:xfrm>
+            <a:prstGeom prst="rect">
+              <a:avLst/>
+            </a:prstGeom>
+            <a:solidFill>
+              <a:schemeClr val="bg1"/>
+            </a:solidFill>
+            <a:ln w="12700">
+              <a:solidFill>
+                <a:schemeClr val="tx1"/>
+              </a:solidFill>
+            </a:ln>
+          </p:spPr>
+          <p:style>
+            <a:lnRef idx="2">
+              <a:schemeClr val="accent1">
+                <a:shade val="50000"/>
+              </a:schemeClr>
+            </a:lnRef>
+            <a:fillRef idx="1">
+              <a:schemeClr val="accent1"/>
+            </a:fillRef>
+            <a:effectRef idx="0">
+              <a:schemeClr val="accent1"/>
+            </a:effectRef>
+            <a:fontRef idx="minor">
+              <a:schemeClr val="lt1"/>
+            </a:fontRef>
+          </p:style>
+          <p:txBody>
+            <a:bodyPr rtlCol="0" anchor="ctr"/>
+            <a:lstStyle/>
+            <a:p>
+              <a:pPr algn="ctr"/>
+              <a:endParaRPr lang="en-US"/>
+            </a:p>
+          </p:txBody>
+        </p:sp>
+      </p:grpSp>
+      <p:grpSp>
+        <p:nvGrpSpPr>
+          <p:cNvPr id="16" name="Group 15"/>
+          <p:cNvGrpSpPr/>
+          <p:nvPr/>
+        </p:nvGrpSpPr>
+        <p:grpSpPr>
+          <a:xfrm>
+            <a:off x="3132551" y="5587791"/>
+            <a:ext cx="482600" cy="552450"/>
+            <a:chOff x="3132551" y="5587791"/>
+            <a:chExt cx="482600" cy="552450"/>
+          </a:xfrm>
+        </p:grpSpPr>
+        <p:cxnSp>
+          <p:nvCxnSpPr>
+            <p:cNvPr id="429" name="Straight Connector 428"/>
+            <p:cNvCxnSpPr/>
+            <p:nvPr/>
+          </p:nvCxnSpPr>
+          <p:spPr>
+            <a:xfrm rot="5400000">
+              <a:off x="3098395" y="5864016"/>
+              <a:ext cx="552450" cy="0"/>
+            </a:xfrm>
+            <a:prstGeom prst="line">
+              <a:avLst/>
+            </a:prstGeom>
+            <a:ln w="19050">
+              <a:solidFill>
+                <a:schemeClr val="tx1"/>
+              </a:solidFill>
+            </a:ln>
+          </p:spPr>
+          <p:style>
+            <a:lnRef idx="1">
+              <a:schemeClr val="accent1"/>
+            </a:lnRef>
+            <a:fillRef idx="0">
+              <a:schemeClr val="accent1"/>
+            </a:fillRef>
+            <a:effectRef idx="0">
+              <a:schemeClr val="accent1"/>
+            </a:effectRef>
+            <a:fontRef idx="minor">
               <a:schemeClr val="tx1"/>
+            </a:fontRef>
+          </p:style>
+        </p:cxnSp>
+        <p:sp>
+          <p:nvSpPr>
+            <p:cNvPr id="430" name="Rectangle 429"/>
+            <p:cNvSpPr/>
+            <p:nvPr/>
+          </p:nvSpPr>
+          <p:spPr>
+            <a:xfrm rot="5400000">
+              <a:off x="3303464" y="5570281"/>
+              <a:ext cx="128587" cy="330994"/>
+            </a:xfrm>
+            <a:prstGeom prst="rect">
+              <a:avLst/>
+            </a:prstGeom>
+            <a:solidFill>
+              <a:srgbClr val="E46B09"/>
             </a:solidFill>
-          </a:ln>
-        </p:spPr>
-        <p:style>
-          <a:lnRef idx="1">
-            <a:schemeClr val="accent1"/>
-          </a:lnRef>
-          <a:fillRef idx="0">
-            <a:schemeClr val="accent1"/>
-          </a:fillRef>
-          <a:effectRef idx="0">
-            <a:schemeClr val="accent1"/>
-          </a:effectRef>
-          <a:fontRef idx="minor">
-            <a:schemeClr val="tx1"/>
-          </a:fontRef>
-        </p:style>
-      </p:cxnSp>
-      <p:sp>
-        <p:nvSpPr>
-          <p:cNvPr id="395" name="Rectangle 394"/>
-          <p:cNvSpPr/>
+            <a:ln w="12700">
+              <a:solidFill>
+                <a:schemeClr val="tx1"/>
+              </a:solidFill>
+            </a:ln>
+          </p:spPr>
+          <p:style>
+            <a:lnRef idx="2">
+              <a:schemeClr val="accent1">
+                <a:shade val="50000"/>
+              </a:schemeClr>
+            </a:lnRef>
+            <a:fillRef idx="1">
+              <a:schemeClr val="accent1"/>
+            </a:fillRef>
+            <a:effectRef idx="0">
+              <a:schemeClr val="accent1"/>
+            </a:effectRef>
+            <a:fontRef idx="minor">
+              <a:schemeClr val="lt1"/>
+            </a:fontRef>
+          </p:style>
+          <p:txBody>
+            <a:bodyPr rtlCol="0" anchor="ctr"/>
+            <a:lstStyle/>
+            <a:p>
+              <a:pPr algn="ctr"/>
+              <a:endParaRPr lang="en-US"/>
+            </a:p>
+          </p:txBody>
+        </p:sp>
+        <p:sp>
+          <p:nvSpPr>
+            <p:cNvPr id="431" name="Rectangle 430"/>
+            <p:cNvSpPr/>
+            <p:nvPr/>
+          </p:nvSpPr>
+          <p:spPr>
+            <a:xfrm rot="5400000">
+              <a:off x="3304678" y="5721367"/>
+              <a:ext cx="138346" cy="482600"/>
+            </a:xfrm>
+            <a:prstGeom prst="rect">
+              <a:avLst/>
+            </a:prstGeom>
+            <a:solidFill>
+              <a:schemeClr val="bg1"/>
+            </a:solidFill>
+            <a:ln w="12700">
+              <a:solidFill>
+                <a:schemeClr val="tx1"/>
+              </a:solidFill>
+            </a:ln>
+          </p:spPr>
+          <p:style>
+            <a:lnRef idx="2">
+              <a:schemeClr val="accent1">
+                <a:shade val="50000"/>
+              </a:schemeClr>
+            </a:lnRef>
+            <a:fillRef idx="1">
+              <a:schemeClr val="accent1"/>
+            </a:fillRef>
+            <a:effectRef idx="0">
+              <a:schemeClr val="accent1"/>
+            </a:effectRef>
+            <a:fontRef idx="minor">
+              <a:schemeClr val="lt1"/>
+            </a:fontRef>
+          </p:style>
+          <p:txBody>
+            <a:bodyPr rtlCol="0" anchor="ctr"/>
+            <a:lstStyle/>
+            <a:p>
+              <a:pPr algn="ctr"/>
+              <a:endParaRPr lang="en-US"/>
+            </a:p>
+          </p:txBody>
+        </p:sp>
+      </p:grpSp>
+      <p:grpSp>
+        <p:nvGrpSpPr>
+          <p:cNvPr id="17" name="Group 16"/>
+          <p:cNvGrpSpPr/>
           <p:nvPr/>
-        </p:nvSpPr>
-        <p:spPr>
+        </p:nvGrpSpPr>
+        <p:grpSpPr>
           <a:xfrm>
-            <a:off x="1214146" y="5704613"/>
-            <a:ext cx="128587" cy="330994"/>
+            <a:off x="5142278" y="5583435"/>
+            <a:ext cx="558800" cy="561163"/>
+            <a:chOff x="5142278" y="5583435"/>
+            <a:chExt cx="558800" cy="561163"/>
           </a:xfrm>
-          <a:prstGeom prst="rect">
-            <a:avLst/>
-          </a:prstGeom>
-          <a:solidFill>
-            <a:srgbClr val="E46B09"/>
-          </a:solidFill>
-          <a:ln w="12700">
+        </p:grpSpPr>
+        <p:cxnSp>
+          <p:nvCxnSpPr>
+            <p:cNvPr id="484" name="Straight Connector 483"/>
+            <p:cNvCxnSpPr/>
+            <p:nvPr/>
+          </p:nvCxnSpPr>
+          <p:spPr>
+            <a:xfrm>
+              <a:off x="5421678" y="5583435"/>
+              <a:ext cx="0" cy="561163"/>
+            </a:xfrm>
+            <a:prstGeom prst="line">
+              <a:avLst/>
+            </a:prstGeom>
+            <a:ln w="25400">
+              <a:solidFill>
+                <a:schemeClr val="tx1"/>
+              </a:solidFill>
+            </a:ln>
+          </p:spPr>
+          <p:style>
+            <a:lnRef idx="1">
+              <a:schemeClr val="accent1"/>
+            </a:lnRef>
+            <a:fillRef idx="0">
+              <a:schemeClr val="accent1"/>
+            </a:fillRef>
+            <a:effectRef idx="0">
+              <a:schemeClr val="accent1"/>
+            </a:effectRef>
+            <a:fontRef idx="minor">
+              <a:schemeClr val="tx1"/>
+            </a:fontRef>
+          </p:style>
+        </p:cxnSp>
+        <p:cxnSp>
+          <p:nvCxnSpPr>
+            <p:cNvPr id="491" name="Straight Connector 490"/>
+            <p:cNvCxnSpPr/>
+            <p:nvPr/>
+          </p:nvCxnSpPr>
+          <p:spPr>
+            <a:xfrm>
+              <a:off x="5142278" y="5860842"/>
+              <a:ext cx="558800" cy="0"/>
+            </a:xfrm>
+            <a:prstGeom prst="line">
+              <a:avLst/>
+            </a:prstGeom>
+            <a:ln w="25400">
+              <a:solidFill>
+                <a:schemeClr val="tx1"/>
+              </a:solidFill>
+            </a:ln>
+          </p:spPr>
+          <p:style>
+            <a:lnRef idx="1">
+              <a:schemeClr val="accent1"/>
+            </a:lnRef>
+            <a:fillRef idx="0">
+              <a:schemeClr val="accent1"/>
+            </a:fillRef>
+            <a:effectRef idx="0">
+              <a:schemeClr val="accent1"/>
+            </a:effectRef>
+            <a:fontRef idx="minor">
+              <a:schemeClr val="tx1"/>
+            </a:fontRef>
+          </p:style>
+        </p:cxnSp>
+        <p:sp>
+          <p:nvSpPr>
+            <p:cNvPr id="496" name="Rectangle 495"/>
+            <p:cNvSpPr/>
+            <p:nvPr/>
+          </p:nvSpPr>
+          <p:spPr>
+            <a:xfrm>
+              <a:off x="5180669" y="5764106"/>
+              <a:ext cx="476248" cy="209011"/>
+            </a:xfrm>
+            <a:prstGeom prst="rect">
+              <a:avLst/>
+            </a:prstGeom>
             <a:solidFill>
-              <a:schemeClr val="tx1"/>
+              <a:schemeClr val="bg1"/>
             </a:solidFill>
-          </a:ln>
-        </p:spPr>
-        <p:style>
-          <a:lnRef idx="2">
-            <a:schemeClr val="accent1">
-              <a:shade val="50000"/>
-            </a:schemeClr>
-          </a:lnRef>
-          <a:fillRef idx="1">
-            <a:schemeClr val="accent1"/>
-          </a:fillRef>
-          <a:effectRef idx="0">
-            <a:schemeClr val="accent1"/>
-          </a:effectRef>
-          <a:fontRef idx="minor">
-            <a:schemeClr val="lt1"/>
-          </a:fontRef>
-        </p:style>
-        <p:txBody>
-          <a:bodyPr rtlCol="0" anchor="ctr"/>
-          <a:lstStyle/>
-          <a:p>
-            <a:pPr algn="ctr"/>
-            <a:endParaRPr lang="en-US"/>
-          </a:p>
-        </p:txBody>
-      </p:sp>
-      <p:sp>
-        <p:nvSpPr>
-          <p:cNvPr id="396" name="Rectangle 395"/>
-          <p:cNvSpPr/>
-          <p:nvPr/>
-        </p:nvSpPr>
-        <p:spPr>
-          <a:xfrm>
-            <a:off x="1436156" y="5622716"/>
-            <a:ext cx="138346" cy="482600"/>
-          </a:xfrm>
-          <a:prstGeom prst="rect">
-            <a:avLst/>
-          </a:prstGeom>
-          <a:solidFill>
-            <a:schemeClr val="bg1"/>
-          </a:solidFill>
-          <a:ln w="12700">
+            <a:ln w="12700">
+              <a:solidFill>
+                <a:schemeClr val="tx1"/>
+              </a:solidFill>
+            </a:ln>
+          </p:spPr>
+          <p:style>
+            <a:lnRef idx="2">
+              <a:schemeClr val="accent1">
+                <a:shade val="50000"/>
+              </a:schemeClr>
+            </a:lnRef>
+            <a:fillRef idx="1">
+              <a:schemeClr val="accent1"/>
+            </a:fillRef>
+            <a:effectRef idx="0">
+              <a:schemeClr val="accent1"/>
+            </a:effectRef>
+            <a:fontRef idx="minor">
+              <a:schemeClr val="lt1"/>
+            </a:fontRef>
+          </p:style>
+          <p:txBody>
+            <a:bodyPr rtlCol="0" anchor="ctr"/>
+            <a:lstStyle/>
+            <a:p>
+              <a:pPr algn="ctr"/>
+              <a:endParaRPr lang="en-US"/>
+            </a:p>
+          </p:txBody>
+        </p:sp>
+        <p:sp>
+          <p:nvSpPr>
+            <p:cNvPr id="507" name="Rectangle 506"/>
+            <p:cNvSpPr/>
+            <p:nvPr/>
+          </p:nvSpPr>
+          <p:spPr>
+            <a:xfrm>
+              <a:off x="5246604" y="5797922"/>
+              <a:ext cx="339617" cy="135363"/>
+            </a:xfrm>
+            <a:prstGeom prst="rect">
+              <a:avLst/>
+            </a:prstGeom>
             <a:solidFill>
-              <a:schemeClr val="tx1"/>
+              <a:srgbClr val="E46B09"/>
             </a:solidFill>
-          </a:ln>
-        </p:spPr>
-        <p:style>
-          <a:lnRef idx="2">
-            <a:schemeClr val="accent1">
-              <a:shade val="50000"/>
-            </a:schemeClr>
-          </a:lnRef>
-          <a:fillRef idx="1">
-            <a:schemeClr val="accent1"/>
-          </a:fillRef>
-          <a:effectRef idx="0">
-            <a:schemeClr val="accent1"/>
-          </a:effectRef>
-          <a:fontRef idx="minor">
-            <a:schemeClr val="lt1"/>
-          </a:fontRef>
-        </p:style>
-        <p:txBody>
-          <a:bodyPr rtlCol="0" anchor="ctr"/>
-          <a:lstStyle/>
-          <a:p>
-            <a:pPr algn="ctr"/>
-            <a:endParaRPr lang="en-US"/>
-          </a:p>
-        </p:txBody>
-      </p:sp>
-      <p:cxnSp>
-        <p:nvCxnSpPr>
-          <p:cNvPr id="429" name="Straight Connector 428"/>
-          <p:cNvCxnSpPr/>
-          <p:nvPr/>
-        </p:nvCxnSpPr>
-        <p:spPr>
-          <a:xfrm rot="5400000">
-            <a:off x="3098395" y="5864016"/>
-            <a:ext cx="552450" cy="0"/>
-          </a:xfrm>
-          <a:prstGeom prst="line">
-            <a:avLst/>
-          </a:prstGeom>
-          <a:ln w="19050">
-            <a:solidFill>
-              <a:schemeClr val="tx1"/>
-            </a:solidFill>
-          </a:ln>
-        </p:spPr>
-        <p:style>
-          <a:lnRef idx="1">
-            <a:schemeClr val="accent1"/>
-          </a:lnRef>
-          <a:fillRef idx="0">
-            <a:schemeClr val="accent1"/>
-          </a:fillRef>
-          <a:effectRef idx="0">
-            <a:schemeClr val="accent1"/>
-          </a:effectRef>
-          <a:fontRef idx="minor">
-            <a:schemeClr val="tx1"/>
-          </a:fontRef>
-        </p:style>
-      </p:cxnSp>
-      <p:sp>
-        <p:nvSpPr>
-          <p:cNvPr id="430" name="Rectangle 429"/>
-          <p:cNvSpPr/>
-          <p:nvPr/>
-        </p:nvSpPr>
-        <p:spPr>
-          <a:xfrm rot="5400000">
-            <a:off x="3303464" y="5570281"/>
-            <a:ext cx="128587" cy="330994"/>
-          </a:xfrm>
-          <a:prstGeom prst="rect">
-            <a:avLst/>
-          </a:prstGeom>
-          <a:solidFill>
-            <a:srgbClr val="E46B09"/>
-          </a:solidFill>
-          <a:ln w="12700">
-            <a:solidFill>
-              <a:schemeClr val="tx1"/>
-            </a:solidFill>
-          </a:ln>
-        </p:spPr>
-        <p:style>
-          <a:lnRef idx="2">
-            <a:schemeClr val="accent1">
-              <a:shade val="50000"/>
-            </a:schemeClr>
-          </a:lnRef>
-          <a:fillRef idx="1">
-            <a:schemeClr val="accent1"/>
-          </a:fillRef>
-          <a:effectRef idx="0">
-            <a:schemeClr val="accent1"/>
-          </a:effectRef>
-          <a:fontRef idx="minor">
-            <a:schemeClr val="lt1"/>
-          </a:fontRef>
-        </p:style>
-        <p:txBody>
-          <a:bodyPr rtlCol="0" anchor="ctr"/>
-          <a:lstStyle/>
-          <a:p>
-            <a:pPr algn="ctr"/>
-            <a:endParaRPr lang="en-US"/>
-          </a:p>
-        </p:txBody>
-      </p:sp>
-      <p:sp>
-        <p:nvSpPr>
-          <p:cNvPr id="431" name="Rectangle 430"/>
-          <p:cNvSpPr/>
-          <p:nvPr/>
-        </p:nvSpPr>
-        <p:spPr>
-          <a:xfrm rot="5400000">
-            <a:off x="3304678" y="5721367"/>
-            <a:ext cx="138346" cy="482600"/>
-          </a:xfrm>
-          <a:prstGeom prst="rect">
-            <a:avLst/>
-          </a:prstGeom>
-          <a:solidFill>
-            <a:schemeClr val="bg1"/>
-          </a:solidFill>
-          <a:ln w="12700">
-            <a:solidFill>
-              <a:schemeClr val="tx1"/>
-            </a:solidFill>
-          </a:ln>
-        </p:spPr>
-        <p:style>
-          <a:lnRef idx="2">
-            <a:schemeClr val="accent1">
-              <a:shade val="50000"/>
-            </a:schemeClr>
-          </a:lnRef>
-          <a:fillRef idx="1">
-            <a:schemeClr val="accent1"/>
-          </a:fillRef>
-          <a:effectRef idx="0">
-            <a:schemeClr val="accent1"/>
-          </a:effectRef>
-          <a:fontRef idx="minor">
-            <a:schemeClr val="lt1"/>
-          </a:fontRef>
-        </p:style>
-        <p:txBody>
-          <a:bodyPr rtlCol="0" anchor="ctr"/>
-          <a:lstStyle/>
-          <a:p>
-            <a:pPr algn="ctr"/>
-            <a:endParaRPr lang="en-US"/>
-          </a:p>
-        </p:txBody>
-      </p:sp>
-      <p:cxnSp>
-        <p:nvCxnSpPr>
-          <p:cNvPr id="484" name="Straight Connector 483"/>
-          <p:cNvCxnSpPr/>
-          <p:nvPr/>
-        </p:nvCxnSpPr>
-        <p:spPr>
-          <a:xfrm>
-            <a:off x="5421678" y="5583435"/>
-            <a:ext cx="0" cy="561163"/>
-          </a:xfrm>
-          <a:prstGeom prst="line">
-            <a:avLst/>
-          </a:prstGeom>
-          <a:ln w="25400">
-            <a:solidFill>
-              <a:schemeClr val="tx1"/>
-            </a:solidFill>
-          </a:ln>
-        </p:spPr>
-        <p:style>
-          <a:lnRef idx="1">
-            <a:schemeClr val="accent1"/>
-          </a:lnRef>
-          <a:fillRef idx="0">
-            <a:schemeClr val="accent1"/>
-          </a:fillRef>
-          <a:effectRef idx="0">
-            <a:schemeClr val="accent1"/>
-          </a:effectRef>
-          <a:fontRef idx="minor">
-            <a:schemeClr val="tx1"/>
-          </a:fontRef>
-        </p:style>
-      </p:cxnSp>
-      <p:cxnSp>
-        <p:nvCxnSpPr>
-          <p:cNvPr id="491" name="Straight Connector 490"/>
-          <p:cNvCxnSpPr/>
-          <p:nvPr/>
-        </p:nvCxnSpPr>
-        <p:spPr>
-          <a:xfrm>
-            <a:off x="5142278" y="5860842"/>
-            <a:ext cx="558800" cy="0"/>
-          </a:xfrm>
-          <a:prstGeom prst="line">
-            <a:avLst/>
-          </a:prstGeom>
-          <a:ln w="25400">
-            <a:solidFill>
-              <a:schemeClr val="tx1"/>
-            </a:solidFill>
-          </a:ln>
-        </p:spPr>
-        <p:style>
-          <a:lnRef idx="1">
-            <a:schemeClr val="accent1"/>
-          </a:lnRef>
-          <a:fillRef idx="0">
-            <a:schemeClr val="accent1"/>
-          </a:fillRef>
-          <a:effectRef idx="0">
-            <a:schemeClr val="accent1"/>
-          </a:effectRef>
-          <a:fontRef idx="minor">
-            <a:schemeClr val="tx1"/>
-          </a:fontRef>
-        </p:style>
-      </p:cxnSp>
-      <p:sp>
-        <p:nvSpPr>
-          <p:cNvPr id="496" name="Rectangle 495"/>
-          <p:cNvSpPr/>
-          <p:nvPr/>
-        </p:nvSpPr>
-        <p:spPr>
-          <a:xfrm>
-            <a:off x="5180669" y="5764106"/>
-            <a:ext cx="476248" cy="209011"/>
-          </a:xfrm>
-          <a:prstGeom prst="rect">
-            <a:avLst/>
-          </a:prstGeom>
-          <a:solidFill>
-            <a:schemeClr val="bg1"/>
-          </a:solidFill>
-          <a:ln w="12700">
-            <a:solidFill>
-              <a:schemeClr val="tx1"/>
-            </a:solidFill>
-          </a:ln>
-        </p:spPr>
-        <p:style>
-          <a:lnRef idx="2">
-            <a:schemeClr val="accent1">
-              <a:shade val="50000"/>
-            </a:schemeClr>
-          </a:lnRef>
-          <a:fillRef idx="1">
-            <a:schemeClr val="accent1"/>
-          </a:fillRef>
-          <a:effectRef idx="0">
-            <a:schemeClr val="accent1"/>
-          </a:effectRef>
-          <a:fontRef idx="minor">
-            <a:schemeClr val="lt1"/>
-          </a:fontRef>
-        </p:style>
-        <p:txBody>
-          <a:bodyPr rtlCol="0" anchor="ctr"/>
-          <a:lstStyle/>
-          <a:p>
-            <a:pPr algn="ctr"/>
-            <a:endParaRPr lang="en-US"/>
-          </a:p>
-        </p:txBody>
-      </p:sp>
-      <p:sp>
-        <p:nvSpPr>
-          <p:cNvPr id="507" name="Rectangle 506"/>
-          <p:cNvSpPr/>
-          <p:nvPr/>
-        </p:nvSpPr>
-        <p:spPr>
-          <a:xfrm>
-            <a:off x="5246604" y="5797922"/>
-            <a:ext cx="339617" cy="135363"/>
-          </a:xfrm>
-          <a:prstGeom prst="rect">
-            <a:avLst/>
-          </a:prstGeom>
-          <a:solidFill>
-            <a:srgbClr val="E46B09"/>
-          </a:solidFill>
-          <a:ln w="12700">
-            <a:solidFill>
-              <a:schemeClr val="tx1"/>
-            </a:solidFill>
-          </a:ln>
-        </p:spPr>
-        <p:style>
-          <a:lnRef idx="2">
-            <a:schemeClr val="accent1">
-              <a:shade val="50000"/>
-            </a:schemeClr>
-          </a:lnRef>
-          <a:fillRef idx="1">
-            <a:schemeClr val="accent1"/>
-          </a:fillRef>
-          <a:effectRef idx="0">
-            <a:schemeClr val="accent1"/>
-          </a:effectRef>
-          <a:fontRef idx="minor">
-            <a:schemeClr val="lt1"/>
-          </a:fontRef>
-        </p:style>
-        <p:txBody>
-          <a:bodyPr rtlCol="0" anchor="ctr"/>
-          <a:lstStyle/>
-          <a:p>
-            <a:pPr algn="ctr"/>
-            <a:endParaRPr lang="en-US"/>
-          </a:p>
-        </p:txBody>
-      </p:sp>
+            <a:ln w="12700">
+              <a:solidFill>
+                <a:schemeClr val="tx1"/>
+              </a:solidFill>
+            </a:ln>
+          </p:spPr>
+          <p:style>
+            <a:lnRef idx="2">
+              <a:schemeClr val="accent1">
+                <a:shade val="50000"/>
+              </a:schemeClr>
+            </a:lnRef>
+            <a:fillRef idx="1">
+              <a:schemeClr val="accent1"/>
+            </a:fillRef>
+            <a:effectRef idx="0">
+              <a:schemeClr val="accent1"/>
+            </a:effectRef>
+            <a:fontRef idx="minor">
+              <a:schemeClr val="lt1"/>
+            </a:fontRef>
+          </p:style>
+          <p:txBody>
+            <a:bodyPr rtlCol="0" anchor="ctr"/>
+            <a:lstStyle/>
+            <a:p>
+              <a:pPr algn="ctr"/>
+              <a:endParaRPr lang="en-US"/>
+            </a:p>
+          </p:txBody>
+        </p:sp>
+      </p:grpSp>
     </p:spTree>
     <p:extLst>
       <p:ext uri="{BB962C8B-B14F-4D97-AF65-F5344CB8AC3E}">
@@ -5471,7 +5576,7 @@
         </p:nvSpPr>
         <p:spPr>
           <a:xfrm>
-            <a:off x="3207396" y="706170"/>
+            <a:off x="3207396" y="1326133"/>
             <a:ext cx="2729210" cy="707886"/>
           </a:xfrm>
           <a:prstGeom prst="rect">
@@ -5489,6 +5594,828 @@
             <a:r>
               <a:rPr lang="en-US" sz="4000" dirty="0"/>
               <a:t>Adjoin Icons</a:t>
+            </a:r>
+          </a:p>
+        </p:txBody>
+      </p:sp>
+      <p:grpSp>
+        <p:nvGrpSpPr>
+          <p:cNvPr id="7" name="Group 6"/>
+          <p:cNvGrpSpPr/>
+          <p:nvPr/>
+        </p:nvGrpSpPr>
+        <p:grpSpPr>
+          <a:xfrm>
+            <a:off x="1021123" y="5055617"/>
+            <a:ext cx="380270" cy="476250"/>
+            <a:chOff x="3888581" y="3153770"/>
+            <a:chExt cx="380270" cy="476250"/>
+          </a:xfrm>
+        </p:grpSpPr>
+        <p:sp>
+          <p:nvSpPr>
+            <p:cNvPr id="3" name="Rectangle 2"/>
+            <p:cNvSpPr/>
+            <p:nvPr/>
+          </p:nvSpPr>
+          <p:spPr>
+            <a:xfrm>
+              <a:off x="3888581" y="3169444"/>
+              <a:ext cx="130969" cy="333376"/>
+            </a:xfrm>
+            <a:prstGeom prst="rect">
+              <a:avLst/>
+            </a:prstGeom>
+            <a:solidFill>
+              <a:srgbClr val="E46B09"/>
+            </a:solidFill>
+            <a:ln w="12700">
+              <a:solidFill>
+                <a:schemeClr val="tx1"/>
+              </a:solidFill>
+            </a:ln>
+          </p:spPr>
+          <p:style>
+            <a:lnRef idx="2">
+              <a:schemeClr val="accent1">
+                <a:shade val="50000"/>
+              </a:schemeClr>
+            </a:lnRef>
+            <a:fillRef idx="1">
+              <a:schemeClr val="accent1"/>
+            </a:fillRef>
+            <a:effectRef idx="0">
+              <a:schemeClr val="accent1"/>
+            </a:effectRef>
+            <a:fontRef idx="minor">
+              <a:schemeClr val="lt1"/>
+            </a:fontRef>
+          </p:style>
+          <p:txBody>
+            <a:bodyPr rtlCol="0" anchor="ctr"/>
+            <a:lstStyle/>
+            <a:p>
+              <a:pPr algn="ctr"/>
+              <a:endParaRPr lang="en-US"/>
+            </a:p>
+          </p:txBody>
+        </p:sp>
+        <p:sp>
+          <p:nvSpPr>
+            <p:cNvPr id="5" name="Rectangle 4"/>
+            <p:cNvSpPr/>
+            <p:nvPr/>
+          </p:nvSpPr>
+          <p:spPr>
+            <a:xfrm>
+              <a:off x="4019550" y="3153770"/>
+              <a:ext cx="123826" cy="476250"/>
+            </a:xfrm>
+            <a:prstGeom prst="rect">
+              <a:avLst/>
+            </a:prstGeom>
+            <a:solidFill>
+              <a:schemeClr val="bg1"/>
+            </a:solidFill>
+            <a:ln w="12700">
+              <a:solidFill>
+                <a:schemeClr val="tx1"/>
+              </a:solidFill>
+            </a:ln>
+          </p:spPr>
+          <p:style>
+            <a:lnRef idx="2">
+              <a:schemeClr val="accent1">
+                <a:shade val="50000"/>
+              </a:schemeClr>
+            </a:lnRef>
+            <a:fillRef idx="1">
+              <a:schemeClr val="accent1"/>
+            </a:fillRef>
+            <a:effectRef idx="0">
+              <a:schemeClr val="accent1"/>
+            </a:effectRef>
+            <a:fontRef idx="minor">
+              <a:schemeClr val="lt1"/>
+            </a:fontRef>
+          </p:style>
+          <p:txBody>
+            <a:bodyPr rtlCol="0" anchor="ctr"/>
+            <a:lstStyle/>
+            <a:p>
+              <a:pPr algn="ctr"/>
+              <a:endParaRPr lang="en-US"/>
+            </a:p>
+          </p:txBody>
+        </p:sp>
+        <p:sp>
+          <p:nvSpPr>
+            <p:cNvPr id="6" name="Rectangle 5"/>
+            <p:cNvSpPr/>
+            <p:nvPr/>
+          </p:nvSpPr>
+          <p:spPr>
+            <a:xfrm>
+              <a:off x="4142645" y="3276599"/>
+              <a:ext cx="126206" cy="328613"/>
+            </a:xfrm>
+            <a:prstGeom prst="rect">
+              <a:avLst/>
+            </a:prstGeom>
+            <a:solidFill>
+              <a:srgbClr val="0070C0"/>
+            </a:solidFill>
+            <a:ln w="12700">
+              <a:solidFill>
+                <a:schemeClr val="tx1"/>
+              </a:solidFill>
+            </a:ln>
+          </p:spPr>
+          <p:style>
+            <a:lnRef idx="2">
+              <a:schemeClr val="accent1">
+                <a:shade val="50000"/>
+              </a:schemeClr>
+            </a:lnRef>
+            <a:fillRef idx="1">
+              <a:schemeClr val="accent1"/>
+            </a:fillRef>
+            <a:effectRef idx="0">
+              <a:schemeClr val="accent1"/>
+            </a:effectRef>
+            <a:fontRef idx="minor">
+              <a:schemeClr val="lt1"/>
+            </a:fontRef>
+          </p:style>
+          <p:txBody>
+            <a:bodyPr rtlCol="0" anchor="ctr"/>
+            <a:lstStyle/>
+            <a:p>
+              <a:pPr algn="ctr"/>
+              <a:endParaRPr lang="en-US"/>
+            </a:p>
+          </p:txBody>
+        </p:sp>
+      </p:grpSp>
+      <p:grpSp>
+        <p:nvGrpSpPr>
+          <p:cNvPr id="8" name="Group 7"/>
+          <p:cNvGrpSpPr/>
+          <p:nvPr/>
+        </p:nvGrpSpPr>
+        <p:grpSpPr>
+          <a:xfrm rot="5400000">
+            <a:off x="5551230" y="5007627"/>
+            <a:ext cx="380270" cy="476250"/>
+            <a:chOff x="3888581" y="3153770"/>
+            <a:chExt cx="380270" cy="476250"/>
+          </a:xfrm>
+        </p:grpSpPr>
+        <p:sp>
+          <p:nvSpPr>
+            <p:cNvPr id="9" name="Rectangle 8"/>
+            <p:cNvSpPr/>
+            <p:nvPr/>
+          </p:nvSpPr>
+          <p:spPr>
+            <a:xfrm>
+              <a:off x="3888581" y="3169444"/>
+              <a:ext cx="130969" cy="333376"/>
+            </a:xfrm>
+            <a:prstGeom prst="rect">
+              <a:avLst/>
+            </a:prstGeom>
+            <a:solidFill>
+              <a:srgbClr val="E46B09"/>
+            </a:solidFill>
+            <a:ln w="12700">
+              <a:solidFill>
+                <a:schemeClr val="tx1"/>
+              </a:solidFill>
+            </a:ln>
+          </p:spPr>
+          <p:style>
+            <a:lnRef idx="2">
+              <a:schemeClr val="accent1">
+                <a:shade val="50000"/>
+              </a:schemeClr>
+            </a:lnRef>
+            <a:fillRef idx="1">
+              <a:schemeClr val="accent1"/>
+            </a:fillRef>
+            <a:effectRef idx="0">
+              <a:schemeClr val="accent1"/>
+            </a:effectRef>
+            <a:fontRef idx="minor">
+              <a:schemeClr val="lt1"/>
+            </a:fontRef>
+          </p:style>
+          <p:txBody>
+            <a:bodyPr rtlCol="0" anchor="ctr"/>
+            <a:lstStyle/>
+            <a:p>
+              <a:pPr algn="ctr"/>
+              <a:endParaRPr lang="en-US"/>
+            </a:p>
+          </p:txBody>
+        </p:sp>
+        <p:sp>
+          <p:nvSpPr>
+            <p:cNvPr id="10" name="Rectangle 9"/>
+            <p:cNvSpPr/>
+            <p:nvPr/>
+          </p:nvSpPr>
+          <p:spPr>
+            <a:xfrm>
+              <a:off x="4019550" y="3153770"/>
+              <a:ext cx="123826" cy="476250"/>
+            </a:xfrm>
+            <a:prstGeom prst="rect">
+              <a:avLst/>
+            </a:prstGeom>
+            <a:solidFill>
+              <a:schemeClr val="bg1"/>
+            </a:solidFill>
+            <a:ln w="12700">
+              <a:solidFill>
+                <a:schemeClr val="tx1"/>
+              </a:solidFill>
+            </a:ln>
+          </p:spPr>
+          <p:style>
+            <a:lnRef idx="2">
+              <a:schemeClr val="accent1">
+                <a:shade val="50000"/>
+              </a:schemeClr>
+            </a:lnRef>
+            <a:fillRef idx="1">
+              <a:schemeClr val="accent1"/>
+            </a:fillRef>
+            <a:effectRef idx="0">
+              <a:schemeClr val="accent1"/>
+            </a:effectRef>
+            <a:fontRef idx="minor">
+              <a:schemeClr val="lt1"/>
+            </a:fontRef>
+          </p:style>
+          <p:txBody>
+            <a:bodyPr rtlCol="0" anchor="ctr"/>
+            <a:lstStyle/>
+            <a:p>
+              <a:pPr algn="ctr"/>
+              <a:endParaRPr lang="en-US"/>
+            </a:p>
+          </p:txBody>
+        </p:sp>
+        <p:sp>
+          <p:nvSpPr>
+            <p:cNvPr id="11" name="Rectangle 10"/>
+            <p:cNvSpPr/>
+            <p:nvPr/>
+          </p:nvSpPr>
+          <p:spPr>
+            <a:xfrm>
+              <a:off x="4142645" y="3276599"/>
+              <a:ext cx="126206" cy="328613"/>
+            </a:xfrm>
+            <a:prstGeom prst="rect">
+              <a:avLst/>
+            </a:prstGeom>
+            <a:solidFill>
+              <a:srgbClr val="0070C0"/>
+            </a:solidFill>
+            <a:ln w="12700">
+              <a:solidFill>
+                <a:schemeClr val="tx1"/>
+              </a:solidFill>
+            </a:ln>
+          </p:spPr>
+          <p:style>
+            <a:lnRef idx="2">
+              <a:schemeClr val="accent1">
+                <a:shade val="50000"/>
+              </a:schemeClr>
+            </a:lnRef>
+            <a:fillRef idx="1">
+              <a:schemeClr val="accent1"/>
+            </a:fillRef>
+            <a:effectRef idx="0">
+              <a:schemeClr val="accent1"/>
+            </a:effectRef>
+            <a:fontRef idx="minor">
+              <a:schemeClr val="lt1"/>
+            </a:fontRef>
+          </p:style>
+          <p:txBody>
+            <a:bodyPr rtlCol="0" anchor="ctr"/>
+            <a:lstStyle/>
+            <a:p>
+              <a:pPr algn="ctr"/>
+              <a:endParaRPr lang="en-US"/>
+            </a:p>
+          </p:txBody>
+        </p:sp>
+      </p:grpSp>
+      <p:grpSp>
+        <p:nvGrpSpPr>
+          <p:cNvPr id="39" name="Group 38"/>
+          <p:cNvGrpSpPr/>
+          <p:nvPr/>
+        </p:nvGrpSpPr>
+        <p:grpSpPr>
+          <a:xfrm>
+            <a:off x="3243771" y="5055617"/>
+            <a:ext cx="499041" cy="476250"/>
+            <a:chOff x="3587666" y="3456189"/>
+            <a:chExt cx="499041" cy="476250"/>
+          </a:xfrm>
+        </p:grpSpPr>
+        <p:cxnSp>
+          <p:nvCxnSpPr>
+            <p:cNvPr id="25" name="Straight Connector 24"/>
+            <p:cNvCxnSpPr/>
+            <p:nvPr/>
+          </p:nvCxnSpPr>
+          <p:spPr>
+            <a:xfrm>
+              <a:off x="3587666" y="3694314"/>
+              <a:ext cx="499041" cy="0"/>
+            </a:xfrm>
+            <a:prstGeom prst="line">
+              <a:avLst/>
+            </a:prstGeom>
+            <a:ln w="25400">
+              <a:solidFill>
+                <a:schemeClr val="tx1"/>
+              </a:solidFill>
+            </a:ln>
+          </p:spPr>
+          <p:style>
+            <a:lnRef idx="1">
+              <a:schemeClr val="accent1"/>
+            </a:lnRef>
+            <a:fillRef idx="0">
+              <a:schemeClr val="accent1"/>
+            </a:fillRef>
+            <a:effectRef idx="0">
+              <a:schemeClr val="accent1"/>
+            </a:effectRef>
+            <a:fontRef idx="minor">
+              <a:schemeClr val="tx1"/>
+            </a:fontRef>
+          </p:style>
+        </p:cxnSp>
+        <p:sp>
+          <p:nvSpPr>
+            <p:cNvPr id="13" name="Rectangle 12"/>
+            <p:cNvSpPr/>
+            <p:nvPr/>
+          </p:nvSpPr>
+          <p:spPr>
+            <a:xfrm>
+              <a:off x="3640783" y="3527626"/>
+              <a:ext cx="130969" cy="333376"/>
+            </a:xfrm>
+            <a:prstGeom prst="rect">
+              <a:avLst/>
+            </a:prstGeom>
+            <a:solidFill>
+              <a:srgbClr val="E46B09"/>
+            </a:solidFill>
+            <a:ln w="12700">
+              <a:solidFill>
+                <a:schemeClr val="tx1"/>
+              </a:solidFill>
+            </a:ln>
+          </p:spPr>
+          <p:style>
+            <a:lnRef idx="2">
+              <a:schemeClr val="accent1">
+                <a:shade val="50000"/>
+              </a:schemeClr>
+            </a:lnRef>
+            <a:fillRef idx="1">
+              <a:schemeClr val="accent1"/>
+            </a:fillRef>
+            <a:effectRef idx="0">
+              <a:schemeClr val="accent1"/>
+            </a:effectRef>
+            <a:fontRef idx="minor">
+              <a:schemeClr val="lt1"/>
+            </a:fontRef>
+          </p:style>
+          <p:txBody>
+            <a:bodyPr rtlCol="0" anchor="ctr"/>
+            <a:lstStyle/>
+            <a:p>
+              <a:pPr algn="ctr"/>
+              <a:endParaRPr lang="en-US"/>
+            </a:p>
+          </p:txBody>
+        </p:sp>
+        <p:sp>
+          <p:nvSpPr>
+            <p:cNvPr id="14" name="Rectangle 13"/>
+            <p:cNvSpPr/>
+            <p:nvPr/>
+          </p:nvSpPr>
+          <p:spPr>
+            <a:xfrm>
+              <a:off x="3771752" y="3456189"/>
+              <a:ext cx="123826" cy="476250"/>
+            </a:xfrm>
+            <a:prstGeom prst="rect">
+              <a:avLst/>
+            </a:prstGeom>
+            <a:solidFill>
+              <a:schemeClr val="bg1"/>
+            </a:solidFill>
+            <a:ln w="12700">
+              <a:solidFill>
+                <a:schemeClr val="tx1"/>
+              </a:solidFill>
+            </a:ln>
+          </p:spPr>
+          <p:style>
+            <a:lnRef idx="2">
+              <a:schemeClr val="accent1">
+                <a:shade val="50000"/>
+              </a:schemeClr>
+            </a:lnRef>
+            <a:fillRef idx="1">
+              <a:schemeClr val="accent1"/>
+            </a:fillRef>
+            <a:effectRef idx="0">
+              <a:schemeClr val="accent1"/>
+            </a:effectRef>
+            <a:fontRef idx="minor">
+              <a:schemeClr val="lt1"/>
+            </a:fontRef>
+          </p:style>
+          <p:txBody>
+            <a:bodyPr rtlCol="0" anchor="ctr"/>
+            <a:lstStyle/>
+            <a:p>
+              <a:pPr algn="ctr"/>
+              <a:endParaRPr lang="en-US"/>
+            </a:p>
+          </p:txBody>
+        </p:sp>
+        <p:sp>
+          <p:nvSpPr>
+            <p:cNvPr id="15" name="Rectangle 14"/>
+            <p:cNvSpPr/>
+            <p:nvPr/>
+          </p:nvSpPr>
+          <p:spPr>
+            <a:xfrm>
+              <a:off x="3894847" y="3530007"/>
+              <a:ext cx="126206" cy="328613"/>
+            </a:xfrm>
+            <a:prstGeom prst="rect">
+              <a:avLst/>
+            </a:prstGeom>
+            <a:solidFill>
+              <a:srgbClr val="0070C0"/>
+            </a:solidFill>
+            <a:ln w="12700">
+              <a:solidFill>
+                <a:schemeClr val="tx1"/>
+              </a:solidFill>
+            </a:ln>
+          </p:spPr>
+          <p:style>
+            <a:lnRef idx="2">
+              <a:schemeClr val="accent1">
+                <a:shade val="50000"/>
+              </a:schemeClr>
+            </a:lnRef>
+            <a:fillRef idx="1">
+              <a:schemeClr val="accent1"/>
+            </a:fillRef>
+            <a:effectRef idx="0">
+              <a:schemeClr val="accent1"/>
+            </a:effectRef>
+            <a:fontRef idx="minor">
+              <a:schemeClr val="lt1"/>
+            </a:fontRef>
+          </p:style>
+          <p:txBody>
+            <a:bodyPr rtlCol="0" anchor="ctr"/>
+            <a:lstStyle/>
+            <a:p>
+              <a:pPr algn="ctr"/>
+              <a:endParaRPr lang="en-US"/>
+            </a:p>
+          </p:txBody>
+        </p:sp>
+      </p:grpSp>
+      <p:grpSp>
+        <p:nvGrpSpPr>
+          <p:cNvPr id="40" name="Group 39"/>
+          <p:cNvGrpSpPr/>
+          <p:nvPr/>
+        </p:nvGrpSpPr>
+        <p:grpSpPr>
+          <a:xfrm rot="5400000">
+            <a:off x="7384006" y="5067013"/>
+            <a:ext cx="499041" cy="476250"/>
+            <a:chOff x="3587666" y="3456189"/>
+            <a:chExt cx="499041" cy="476250"/>
+          </a:xfrm>
+        </p:grpSpPr>
+        <p:cxnSp>
+          <p:nvCxnSpPr>
+            <p:cNvPr id="41" name="Straight Connector 40"/>
+            <p:cNvCxnSpPr/>
+            <p:nvPr/>
+          </p:nvCxnSpPr>
+          <p:spPr>
+            <a:xfrm>
+              <a:off x="3587666" y="3694314"/>
+              <a:ext cx="499041" cy="0"/>
+            </a:xfrm>
+            <a:prstGeom prst="line">
+              <a:avLst/>
+            </a:prstGeom>
+            <a:ln w="25400">
+              <a:solidFill>
+                <a:schemeClr val="tx1"/>
+              </a:solidFill>
+            </a:ln>
+          </p:spPr>
+          <p:style>
+            <a:lnRef idx="1">
+              <a:schemeClr val="accent1"/>
+            </a:lnRef>
+            <a:fillRef idx="0">
+              <a:schemeClr val="accent1"/>
+            </a:fillRef>
+            <a:effectRef idx="0">
+              <a:schemeClr val="accent1"/>
+            </a:effectRef>
+            <a:fontRef idx="minor">
+              <a:schemeClr val="tx1"/>
+            </a:fontRef>
+          </p:style>
+        </p:cxnSp>
+        <p:sp>
+          <p:nvSpPr>
+            <p:cNvPr id="42" name="Rectangle 41"/>
+            <p:cNvSpPr/>
+            <p:nvPr/>
+          </p:nvSpPr>
+          <p:spPr>
+            <a:xfrm>
+              <a:off x="3640783" y="3527626"/>
+              <a:ext cx="130969" cy="333376"/>
+            </a:xfrm>
+            <a:prstGeom prst="rect">
+              <a:avLst/>
+            </a:prstGeom>
+            <a:solidFill>
+              <a:srgbClr val="E46B09"/>
+            </a:solidFill>
+            <a:ln w="12700">
+              <a:solidFill>
+                <a:schemeClr val="tx1"/>
+              </a:solidFill>
+            </a:ln>
+          </p:spPr>
+          <p:style>
+            <a:lnRef idx="2">
+              <a:schemeClr val="accent1">
+                <a:shade val="50000"/>
+              </a:schemeClr>
+            </a:lnRef>
+            <a:fillRef idx="1">
+              <a:schemeClr val="accent1"/>
+            </a:fillRef>
+            <a:effectRef idx="0">
+              <a:schemeClr val="accent1"/>
+            </a:effectRef>
+            <a:fontRef idx="minor">
+              <a:schemeClr val="lt1"/>
+            </a:fontRef>
+          </p:style>
+          <p:txBody>
+            <a:bodyPr rtlCol="0" anchor="ctr"/>
+            <a:lstStyle/>
+            <a:p>
+              <a:pPr algn="ctr"/>
+              <a:endParaRPr lang="en-US"/>
+            </a:p>
+          </p:txBody>
+        </p:sp>
+        <p:sp>
+          <p:nvSpPr>
+            <p:cNvPr id="43" name="Rectangle 42"/>
+            <p:cNvSpPr/>
+            <p:nvPr/>
+          </p:nvSpPr>
+          <p:spPr>
+            <a:xfrm>
+              <a:off x="3771752" y="3456189"/>
+              <a:ext cx="123826" cy="476250"/>
+            </a:xfrm>
+            <a:prstGeom prst="rect">
+              <a:avLst/>
+            </a:prstGeom>
+            <a:solidFill>
+              <a:schemeClr val="bg1"/>
+            </a:solidFill>
+            <a:ln w="12700">
+              <a:solidFill>
+                <a:schemeClr val="tx1"/>
+              </a:solidFill>
+            </a:ln>
+          </p:spPr>
+          <p:style>
+            <a:lnRef idx="2">
+              <a:schemeClr val="accent1">
+                <a:shade val="50000"/>
+              </a:schemeClr>
+            </a:lnRef>
+            <a:fillRef idx="1">
+              <a:schemeClr val="accent1"/>
+            </a:fillRef>
+            <a:effectRef idx="0">
+              <a:schemeClr val="accent1"/>
+            </a:effectRef>
+            <a:fontRef idx="minor">
+              <a:schemeClr val="lt1"/>
+            </a:fontRef>
+          </p:style>
+          <p:txBody>
+            <a:bodyPr rtlCol="0" anchor="ctr"/>
+            <a:lstStyle/>
+            <a:p>
+              <a:pPr algn="ctr"/>
+              <a:endParaRPr lang="en-US"/>
+            </a:p>
+          </p:txBody>
+        </p:sp>
+        <p:sp>
+          <p:nvSpPr>
+            <p:cNvPr id="44" name="Rectangle 43"/>
+            <p:cNvSpPr/>
+            <p:nvPr/>
+          </p:nvSpPr>
+          <p:spPr>
+            <a:xfrm>
+              <a:off x="3894847" y="3530007"/>
+              <a:ext cx="126206" cy="328613"/>
+            </a:xfrm>
+            <a:prstGeom prst="rect">
+              <a:avLst/>
+            </a:prstGeom>
+            <a:solidFill>
+              <a:srgbClr val="0070C0"/>
+            </a:solidFill>
+            <a:ln w="12700">
+              <a:solidFill>
+                <a:schemeClr val="tx1"/>
+              </a:solidFill>
+            </a:ln>
+          </p:spPr>
+          <p:style>
+            <a:lnRef idx="2">
+              <a:schemeClr val="accent1">
+                <a:shade val="50000"/>
+              </a:schemeClr>
+            </a:lnRef>
+            <a:fillRef idx="1">
+              <a:schemeClr val="accent1"/>
+            </a:fillRef>
+            <a:effectRef idx="0">
+              <a:schemeClr val="accent1"/>
+            </a:effectRef>
+            <a:fontRef idx="minor">
+              <a:schemeClr val="lt1"/>
+            </a:fontRef>
+          </p:style>
+          <p:txBody>
+            <a:bodyPr rtlCol="0" anchor="ctr"/>
+            <a:lstStyle/>
+            <a:p>
+              <a:pPr algn="ctr"/>
+              <a:endParaRPr lang="en-US"/>
+            </a:p>
+          </p:txBody>
+        </p:sp>
+      </p:grpSp>
+      <p:sp>
+        <p:nvSpPr>
+          <p:cNvPr id="60" name="TextBox 59"/>
+          <p:cNvSpPr txBox="1"/>
+          <p:nvPr/>
+        </p:nvSpPr>
+        <p:spPr>
+          <a:xfrm>
+            <a:off x="558067" y="3360152"/>
+            <a:ext cx="1306383" cy="369332"/>
+          </a:xfrm>
+          <a:prstGeom prst="rect">
+            <a:avLst/>
+          </a:prstGeom>
+          <a:noFill/>
+        </p:spPr>
+        <p:txBody>
+          <a:bodyPr wrap="none" rtlCol="0">
+            <a:spAutoFit/>
+          </a:bodyPr>
+          <a:lstStyle/>
+          <a:p>
+            <a:r>
+              <a:rPr lang="en-US" dirty="0"/>
+              <a:t>Horizontally</a:t>
+            </a:r>
+          </a:p>
+        </p:txBody>
+      </p:sp>
+      <p:sp>
+        <p:nvSpPr>
+          <p:cNvPr id="64" name="TextBox 63"/>
+          <p:cNvSpPr txBox="1"/>
+          <p:nvPr/>
+        </p:nvSpPr>
+        <p:spPr>
+          <a:xfrm>
+            <a:off x="5122132" y="3360152"/>
+            <a:ext cx="1046505" cy="369332"/>
+          </a:xfrm>
+          <a:prstGeom prst="rect">
+            <a:avLst/>
+          </a:prstGeom>
+          <a:noFill/>
+        </p:spPr>
+        <p:txBody>
+          <a:bodyPr wrap="none" rtlCol="0">
+            <a:spAutoFit/>
+          </a:bodyPr>
+          <a:lstStyle/>
+          <a:p>
+            <a:r>
+              <a:rPr lang="en-US" dirty="0"/>
+              <a:t>Vertically</a:t>
+            </a:r>
+          </a:p>
+        </p:txBody>
+      </p:sp>
+      <p:sp>
+        <p:nvSpPr>
+          <p:cNvPr id="66" name="TextBox 65"/>
+          <p:cNvSpPr txBox="1"/>
+          <p:nvPr/>
+        </p:nvSpPr>
+        <p:spPr>
+          <a:xfrm>
+            <a:off x="2422517" y="3360152"/>
+            <a:ext cx="2141548" cy="369332"/>
+          </a:xfrm>
+          <a:prstGeom prst="rect">
+            <a:avLst/>
+          </a:prstGeom>
+          <a:noFill/>
+        </p:spPr>
+        <p:txBody>
+          <a:bodyPr wrap="none" rtlCol="0">
+            <a:spAutoFit/>
+          </a:bodyPr>
+          <a:lstStyle/>
+          <a:p>
+            <a:r>
+              <a:rPr lang="en-US" dirty="0"/>
+              <a:t>Horizontal with Align</a:t>
+            </a:r>
+          </a:p>
+        </p:txBody>
+      </p:sp>
+      <p:sp>
+        <p:nvSpPr>
+          <p:cNvPr id="67" name="TextBox 66"/>
+          <p:cNvSpPr txBox="1"/>
+          <p:nvPr/>
+        </p:nvSpPr>
+        <p:spPr>
+          <a:xfrm>
+            <a:off x="6726704" y="3360152"/>
+            <a:ext cx="1859227" cy="369332"/>
+          </a:xfrm>
+          <a:prstGeom prst="rect">
+            <a:avLst/>
+          </a:prstGeom>
+          <a:noFill/>
+        </p:spPr>
+        <p:txBody>
+          <a:bodyPr wrap="none" rtlCol="0">
+            <a:spAutoFit/>
+          </a:bodyPr>
+          <a:lstStyle/>
+          <a:p>
+            <a:r>
+              <a:rPr lang="en-US" dirty="0"/>
+              <a:t>Vertical with align</a:t>
             </a:r>
           </a:p>
         </p:txBody>
@@ -5683,875 +6610,935 @@
           </a:p>
         </p:txBody>
       </p:sp>
-      <p:cxnSp>
-        <p:nvCxnSpPr>
-          <p:cNvPr id="34" name="Straight Connector 33"/>
-          <p:cNvCxnSpPr/>
+      <p:grpSp>
+        <p:nvGrpSpPr>
+          <p:cNvPr id="8" name="Group 7"/>
+          <p:cNvGrpSpPr/>
           <p:nvPr/>
-        </p:nvCxnSpPr>
-        <p:spPr>
+        </p:nvGrpSpPr>
+        <p:grpSpPr>
           <a:xfrm>
-            <a:off x="3288406" y="5002040"/>
-            <a:ext cx="0" cy="547687"/>
+            <a:off x="3050968" y="5002040"/>
+            <a:ext cx="475380" cy="547687"/>
+            <a:chOff x="3050968" y="5002040"/>
+            <a:chExt cx="475380" cy="547687"/>
           </a:xfrm>
-          <a:prstGeom prst="line">
-            <a:avLst/>
-          </a:prstGeom>
-          <a:ln w="25400">
+        </p:grpSpPr>
+        <p:cxnSp>
+          <p:nvCxnSpPr>
+            <p:cNvPr id="34" name="Straight Connector 33"/>
+            <p:cNvCxnSpPr/>
+            <p:nvPr/>
+          </p:nvCxnSpPr>
+          <p:spPr>
+            <a:xfrm>
+              <a:off x="3288406" y="5002040"/>
+              <a:ext cx="0" cy="547687"/>
+            </a:xfrm>
+            <a:prstGeom prst="line">
+              <a:avLst/>
+            </a:prstGeom>
+            <a:ln w="25400">
+              <a:solidFill>
+                <a:schemeClr val="tx1"/>
+              </a:solidFill>
+            </a:ln>
+          </p:spPr>
+          <p:style>
+            <a:lnRef idx="1">
+              <a:schemeClr val="accent1"/>
+            </a:lnRef>
+            <a:fillRef idx="0">
+              <a:schemeClr val="accent1"/>
+            </a:fillRef>
+            <a:effectRef idx="0">
+              <a:schemeClr val="accent1"/>
+            </a:effectRef>
+            <a:fontRef idx="minor">
+              <a:schemeClr val="tx1"/>
+            </a:fontRef>
+          </p:style>
+        </p:cxnSp>
+        <p:sp>
+          <p:nvSpPr>
+            <p:cNvPr id="36" name="Rectangle 35"/>
+            <p:cNvSpPr/>
+            <p:nvPr/>
+          </p:nvSpPr>
+          <p:spPr>
+            <a:xfrm>
+              <a:off x="3158124" y="5030616"/>
+              <a:ext cx="251039" cy="123824"/>
+            </a:xfrm>
+            <a:prstGeom prst="rect">
+              <a:avLst/>
+            </a:prstGeom>
             <a:solidFill>
+              <a:schemeClr val="bg1"/>
+            </a:solidFill>
+            <a:ln w="12700">
+              <a:solidFill>
+                <a:schemeClr val="tx1"/>
+              </a:solidFill>
+            </a:ln>
+          </p:spPr>
+          <p:style>
+            <a:lnRef idx="2">
+              <a:schemeClr val="accent1">
+                <a:shade val="50000"/>
+              </a:schemeClr>
+            </a:lnRef>
+            <a:fillRef idx="1">
+              <a:schemeClr val="accent1"/>
+            </a:fillRef>
+            <a:effectRef idx="0">
+              <a:schemeClr val="accent1"/>
+            </a:effectRef>
+            <a:fontRef idx="minor">
+              <a:schemeClr val="lt1"/>
+            </a:fontRef>
+          </p:style>
+          <p:txBody>
+            <a:bodyPr rtlCol="0" anchor="ctr"/>
+            <a:lstStyle/>
+            <a:p>
+              <a:pPr algn="ctr"/>
+              <a:endParaRPr lang="en-US"/>
+            </a:p>
+          </p:txBody>
+        </p:sp>
+        <p:sp>
+          <p:nvSpPr>
+            <p:cNvPr id="37" name="Rectangle 36"/>
+            <p:cNvSpPr/>
+            <p:nvPr/>
+          </p:nvSpPr>
+          <p:spPr>
+            <a:xfrm>
+              <a:off x="3050968" y="5202064"/>
+              <a:ext cx="475380" cy="134818"/>
+            </a:xfrm>
+            <a:prstGeom prst="rect">
+              <a:avLst/>
+            </a:prstGeom>
+            <a:solidFill>
+              <a:schemeClr val="bg1"/>
+            </a:solidFill>
+            <a:ln w="12700">
+              <a:solidFill>
+                <a:schemeClr val="tx1"/>
+              </a:solidFill>
+            </a:ln>
+          </p:spPr>
+          <p:style>
+            <a:lnRef idx="2">
+              <a:schemeClr val="accent1">
+                <a:shade val="50000"/>
+              </a:schemeClr>
+            </a:lnRef>
+            <a:fillRef idx="1">
+              <a:schemeClr val="accent1"/>
+            </a:fillRef>
+            <a:effectRef idx="0">
+              <a:schemeClr val="accent1"/>
+            </a:effectRef>
+            <a:fontRef idx="minor">
+              <a:schemeClr val="lt1"/>
+            </a:fontRef>
+          </p:style>
+          <p:txBody>
+            <a:bodyPr rtlCol="0" anchor="ctr"/>
+            <a:lstStyle/>
+            <a:p>
+              <a:pPr algn="ctr"/>
+              <a:endParaRPr lang="en-US"/>
+            </a:p>
+          </p:txBody>
+        </p:sp>
+        <p:sp>
+          <p:nvSpPr>
+            <p:cNvPr id="38" name="Rectangle 37"/>
+            <p:cNvSpPr/>
+            <p:nvPr/>
+          </p:nvSpPr>
+          <p:spPr>
+            <a:xfrm>
+              <a:off x="3112391" y="5371104"/>
+              <a:ext cx="335376" cy="134845"/>
+            </a:xfrm>
+            <a:prstGeom prst="rect">
+              <a:avLst/>
+            </a:prstGeom>
+            <a:solidFill>
+              <a:schemeClr val="bg1"/>
+            </a:solidFill>
+            <a:ln w="12700">
+              <a:solidFill>
+                <a:schemeClr val="tx1"/>
+              </a:solidFill>
+            </a:ln>
+          </p:spPr>
+          <p:style>
+            <a:lnRef idx="2">
+              <a:schemeClr val="accent1">
+                <a:shade val="50000"/>
+              </a:schemeClr>
+            </a:lnRef>
+            <a:fillRef idx="1">
+              <a:schemeClr val="accent1"/>
+            </a:fillRef>
+            <a:effectRef idx="0">
+              <a:schemeClr val="accent1"/>
+            </a:effectRef>
+            <a:fontRef idx="minor">
+              <a:schemeClr val="lt1"/>
+            </a:fontRef>
+          </p:style>
+          <p:txBody>
+            <a:bodyPr rtlCol="0" anchor="ctr"/>
+            <a:lstStyle/>
+            <a:p>
+              <a:pPr algn="ctr"/>
+              <a:endParaRPr lang="en-US"/>
+            </a:p>
+          </p:txBody>
+        </p:sp>
+      </p:grpSp>
+      <p:grpSp>
+        <p:nvGrpSpPr>
+          <p:cNvPr id="7" name="Group 6"/>
+          <p:cNvGrpSpPr/>
+          <p:nvPr/>
+        </p:nvGrpSpPr>
+        <p:grpSpPr>
+          <a:xfrm>
+            <a:off x="1145012" y="4965887"/>
+            <a:ext cx="547687" cy="475380"/>
+            <a:chOff x="1145012" y="4965887"/>
+            <a:chExt cx="547687" cy="475380"/>
+          </a:xfrm>
+        </p:grpSpPr>
+        <p:cxnSp>
+          <p:nvCxnSpPr>
+            <p:cNvPr id="57" name="Straight Connector 56"/>
+            <p:cNvCxnSpPr/>
+            <p:nvPr/>
+          </p:nvCxnSpPr>
+          <p:spPr>
+            <a:xfrm rot="5400000">
+              <a:off x="1418856" y="4929481"/>
+              <a:ext cx="0" cy="547687"/>
+            </a:xfrm>
+            <a:prstGeom prst="line">
+              <a:avLst/>
+            </a:prstGeom>
+            <a:ln w="25400">
+              <a:solidFill>
+                <a:schemeClr val="tx1"/>
+              </a:solidFill>
+            </a:ln>
+          </p:spPr>
+          <p:style>
+            <a:lnRef idx="1">
+              <a:schemeClr val="accent1"/>
+            </a:lnRef>
+            <a:fillRef idx="0">
+              <a:schemeClr val="accent1"/>
+            </a:fillRef>
+            <a:effectRef idx="0">
+              <a:schemeClr val="accent1"/>
+            </a:effectRef>
+            <a:fontRef idx="minor">
               <a:schemeClr val="tx1"/>
+            </a:fontRef>
+          </p:style>
+        </p:cxnSp>
+        <p:sp>
+          <p:nvSpPr>
+            <p:cNvPr id="58" name="Rectangle 57"/>
+            <p:cNvSpPr/>
+            <p:nvPr/>
+          </p:nvSpPr>
+          <p:spPr>
+            <a:xfrm rot="5400000">
+              <a:off x="1476692" y="5136650"/>
+              <a:ext cx="251039" cy="123824"/>
+            </a:xfrm>
+            <a:prstGeom prst="rect">
+              <a:avLst/>
+            </a:prstGeom>
+            <a:solidFill>
+              <a:schemeClr val="bg1"/>
             </a:solidFill>
-          </a:ln>
-        </p:spPr>
-        <p:style>
-          <a:lnRef idx="1">
-            <a:schemeClr val="accent1"/>
-          </a:lnRef>
-          <a:fillRef idx="0">
-            <a:schemeClr val="accent1"/>
-          </a:fillRef>
-          <a:effectRef idx="0">
-            <a:schemeClr val="accent1"/>
-          </a:effectRef>
-          <a:fontRef idx="minor">
-            <a:schemeClr val="tx1"/>
-          </a:fontRef>
-        </p:style>
-      </p:cxnSp>
-      <p:sp>
-        <p:nvSpPr>
-          <p:cNvPr id="36" name="Rectangle 35"/>
-          <p:cNvSpPr/>
+            <a:ln w="12700">
+              <a:solidFill>
+                <a:schemeClr val="tx1"/>
+              </a:solidFill>
+            </a:ln>
+          </p:spPr>
+          <p:style>
+            <a:lnRef idx="2">
+              <a:schemeClr val="accent1">
+                <a:shade val="50000"/>
+              </a:schemeClr>
+            </a:lnRef>
+            <a:fillRef idx="1">
+              <a:schemeClr val="accent1"/>
+            </a:fillRef>
+            <a:effectRef idx="0">
+              <a:schemeClr val="accent1"/>
+            </a:effectRef>
+            <a:fontRef idx="minor">
+              <a:schemeClr val="lt1"/>
+            </a:fontRef>
+          </p:style>
+          <p:txBody>
+            <a:bodyPr rtlCol="0" anchor="ctr"/>
+            <a:lstStyle/>
+            <a:p>
+              <a:pPr algn="ctr"/>
+              <a:endParaRPr lang="en-US"/>
+            </a:p>
+          </p:txBody>
+        </p:sp>
+        <p:sp>
+          <p:nvSpPr>
+            <p:cNvPr id="59" name="Rectangle 58"/>
+            <p:cNvSpPr/>
+            <p:nvPr/>
+          </p:nvSpPr>
+          <p:spPr>
+            <a:xfrm rot="5400000">
+              <a:off x="1187577" y="5136168"/>
+              <a:ext cx="475380" cy="134818"/>
+            </a:xfrm>
+            <a:prstGeom prst="rect">
+              <a:avLst/>
+            </a:prstGeom>
+            <a:solidFill>
+              <a:schemeClr val="bg1"/>
+            </a:solidFill>
+            <a:ln w="12700">
+              <a:solidFill>
+                <a:schemeClr val="tx1"/>
+              </a:solidFill>
+            </a:ln>
+          </p:spPr>
+          <p:style>
+            <a:lnRef idx="2">
+              <a:schemeClr val="accent1">
+                <a:shade val="50000"/>
+              </a:schemeClr>
+            </a:lnRef>
+            <a:fillRef idx="1">
+              <a:schemeClr val="accent1"/>
+            </a:fillRef>
+            <a:effectRef idx="0">
+              <a:schemeClr val="accent1"/>
+            </a:effectRef>
+            <a:fontRef idx="minor">
+              <a:schemeClr val="lt1"/>
+            </a:fontRef>
+          </p:style>
+          <p:txBody>
+            <a:bodyPr rtlCol="0" anchor="ctr"/>
+            <a:lstStyle/>
+            <a:p>
+              <a:pPr algn="ctr"/>
+              <a:endParaRPr lang="en-US"/>
+            </a:p>
+          </p:txBody>
+        </p:sp>
+        <p:sp>
+          <p:nvSpPr>
+            <p:cNvPr id="60" name="Rectangle 59"/>
+            <p:cNvSpPr/>
+            <p:nvPr/>
+          </p:nvSpPr>
+          <p:spPr>
+            <a:xfrm rot="5400000">
+              <a:off x="1088525" y="5127575"/>
+              <a:ext cx="335376" cy="134845"/>
+            </a:xfrm>
+            <a:prstGeom prst="rect">
+              <a:avLst/>
+            </a:prstGeom>
+            <a:solidFill>
+              <a:schemeClr val="bg1"/>
+            </a:solidFill>
+            <a:ln w="12700">
+              <a:solidFill>
+                <a:schemeClr val="tx1"/>
+              </a:solidFill>
+            </a:ln>
+          </p:spPr>
+          <p:style>
+            <a:lnRef idx="2">
+              <a:schemeClr val="accent1">
+                <a:shade val="50000"/>
+              </a:schemeClr>
+            </a:lnRef>
+            <a:fillRef idx="1">
+              <a:schemeClr val="accent1"/>
+            </a:fillRef>
+            <a:effectRef idx="0">
+              <a:schemeClr val="accent1"/>
+            </a:effectRef>
+            <a:fontRef idx="minor">
+              <a:schemeClr val="lt1"/>
+            </a:fontRef>
+          </p:style>
+          <p:txBody>
+            <a:bodyPr rtlCol="0" anchor="ctr"/>
+            <a:lstStyle/>
+            <a:p>
+              <a:pPr algn="ctr"/>
+              <a:endParaRPr lang="en-US"/>
+            </a:p>
+          </p:txBody>
+        </p:sp>
+      </p:grpSp>
+      <p:grpSp>
+        <p:nvGrpSpPr>
+          <p:cNvPr id="9" name="Group 8"/>
+          <p:cNvGrpSpPr/>
           <p:nvPr/>
-        </p:nvSpPr>
-        <p:spPr>
-          <a:xfrm>
-            <a:off x="3158124" y="5030616"/>
-            <a:ext cx="251039" cy="123824"/>
-          </a:xfrm>
-          <a:prstGeom prst="rect">
-            <a:avLst/>
-          </a:prstGeom>
-          <a:solidFill>
-            <a:schemeClr val="bg1"/>
-          </a:solidFill>
-          <a:ln w="12700">
-            <a:solidFill>
-              <a:schemeClr val="tx1"/>
-            </a:solidFill>
-          </a:ln>
-        </p:spPr>
-        <p:style>
-          <a:lnRef idx="2">
-            <a:schemeClr val="accent1">
-              <a:shade val="50000"/>
-            </a:schemeClr>
-          </a:lnRef>
-          <a:fillRef idx="1">
-            <a:schemeClr val="accent1"/>
-          </a:fillRef>
-          <a:effectRef idx="0">
-            <a:schemeClr val="accent1"/>
-          </a:effectRef>
-          <a:fontRef idx="minor">
-            <a:schemeClr val="lt1"/>
-          </a:fontRef>
-        </p:style>
-        <p:txBody>
-          <a:bodyPr rtlCol="0" anchor="ctr"/>
-          <a:lstStyle/>
-          <a:p>
-            <a:pPr algn="ctr"/>
-            <a:endParaRPr lang="en-US"/>
-          </a:p>
-        </p:txBody>
-      </p:sp>
-      <p:sp>
-        <p:nvSpPr>
-          <p:cNvPr id="37" name="Rectangle 36"/>
-          <p:cNvSpPr/>
-          <p:nvPr/>
-        </p:nvSpPr>
-        <p:spPr>
-          <a:xfrm>
-            <a:off x="3050968" y="5202064"/>
-            <a:ext cx="475380" cy="134818"/>
-          </a:xfrm>
-          <a:prstGeom prst="rect">
-            <a:avLst/>
-          </a:prstGeom>
-          <a:solidFill>
-            <a:schemeClr val="bg1"/>
-          </a:solidFill>
-          <a:ln w="12700">
-            <a:solidFill>
-              <a:schemeClr val="tx1"/>
-            </a:solidFill>
-          </a:ln>
-        </p:spPr>
-        <p:style>
-          <a:lnRef idx="2">
-            <a:schemeClr val="accent1">
-              <a:shade val="50000"/>
-            </a:schemeClr>
-          </a:lnRef>
-          <a:fillRef idx="1">
-            <a:schemeClr val="accent1"/>
-          </a:fillRef>
-          <a:effectRef idx="0">
-            <a:schemeClr val="accent1"/>
-          </a:effectRef>
-          <a:fontRef idx="minor">
-            <a:schemeClr val="lt1"/>
-          </a:fontRef>
-        </p:style>
-        <p:txBody>
-          <a:bodyPr rtlCol="0" anchor="ctr"/>
-          <a:lstStyle/>
-          <a:p>
-            <a:pPr algn="ctr"/>
-            <a:endParaRPr lang="en-US"/>
-          </a:p>
-        </p:txBody>
-      </p:sp>
-      <p:sp>
-        <p:nvSpPr>
-          <p:cNvPr id="38" name="Rectangle 37"/>
-          <p:cNvSpPr/>
-          <p:nvPr/>
-        </p:nvSpPr>
-        <p:spPr>
-          <a:xfrm>
-            <a:off x="3112391" y="5371104"/>
-            <a:ext cx="335376" cy="134845"/>
-          </a:xfrm>
-          <a:prstGeom prst="rect">
-            <a:avLst/>
-          </a:prstGeom>
-          <a:solidFill>
-            <a:schemeClr val="bg1"/>
-          </a:solidFill>
-          <a:ln w="12700">
-            <a:solidFill>
-              <a:schemeClr val="tx1"/>
-            </a:solidFill>
-          </a:ln>
-        </p:spPr>
-        <p:style>
-          <a:lnRef idx="2">
-            <a:schemeClr val="accent1">
-              <a:shade val="50000"/>
-            </a:schemeClr>
-          </a:lnRef>
-          <a:fillRef idx="1">
-            <a:schemeClr val="accent1"/>
-          </a:fillRef>
-          <a:effectRef idx="0">
-            <a:schemeClr val="accent1"/>
-          </a:effectRef>
-          <a:fontRef idx="minor">
-            <a:schemeClr val="lt1"/>
-          </a:fontRef>
-        </p:style>
-        <p:txBody>
-          <a:bodyPr rtlCol="0" anchor="ctr"/>
-          <a:lstStyle/>
-          <a:p>
-            <a:pPr algn="ctr"/>
-            <a:endParaRPr lang="en-US"/>
-          </a:p>
-        </p:txBody>
-      </p:sp>
-      <p:cxnSp>
-        <p:nvCxnSpPr>
-          <p:cNvPr id="57" name="Straight Connector 56"/>
-          <p:cNvCxnSpPr/>
-          <p:nvPr/>
-        </p:nvCxnSpPr>
-        <p:spPr>
-          <a:xfrm rot="5400000">
-            <a:off x="1418856" y="4929481"/>
-            <a:ext cx="0" cy="547687"/>
-          </a:xfrm>
-          <a:prstGeom prst="line">
-            <a:avLst/>
-          </a:prstGeom>
-          <a:ln w="25400">
-            <a:solidFill>
-              <a:schemeClr val="tx1"/>
-            </a:solidFill>
-          </a:ln>
-        </p:spPr>
-        <p:style>
-          <a:lnRef idx="1">
-            <a:schemeClr val="accent1"/>
-          </a:lnRef>
-          <a:fillRef idx="0">
-            <a:schemeClr val="accent1"/>
-          </a:fillRef>
-          <a:effectRef idx="0">
-            <a:schemeClr val="accent1"/>
-          </a:effectRef>
-          <a:fontRef idx="minor">
-            <a:schemeClr val="tx1"/>
-          </a:fontRef>
-        </p:style>
-      </p:cxnSp>
-      <p:sp>
-        <p:nvSpPr>
-          <p:cNvPr id="58" name="Rectangle 57"/>
-          <p:cNvSpPr/>
-          <p:nvPr/>
-        </p:nvSpPr>
-        <p:spPr>
-          <a:xfrm rot="5400000">
-            <a:off x="1476692" y="5136650"/>
-            <a:ext cx="251039" cy="123824"/>
-          </a:xfrm>
-          <a:prstGeom prst="rect">
-            <a:avLst/>
-          </a:prstGeom>
-          <a:solidFill>
-            <a:schemeClr val="bg1"/>
-          </a:solidFill>
-          <a:ln w="12700">
-            <a:solidFill>
-              <a:schemeClr val="tx1"/>
-            </a:solidFill>
-          </a:ln>
-        </p:spPr>
-        <p:style>
-          <a:lnRef idx="2">
-            <a:schemeClr val="accent1">
-              <a:shade val="50000"/>
-            </a:schemeClr>
-          </a:lnRef>
-          <a:fillRef idx="1">
-            <a:schemeClr val="accent1"/>
-          </a:fillRef>
-          <a:effectRef idx="0">
-            <a:schemeClr val="accent1"/>
-          </a:effectRef>
-          <a:fontRef idx="minor">
-            <a:schemeClr val="lt1"/>
-          </a:fontRef>
-        </p:style>
-        <p:txBody>
-          <a:bodyPr rtlCol="0" anchor="ctr"/>
-          <a:lstStyle/>
-          <a:p>
-            <a:pPr algn="ctr"/>
-            <a:endParaRPr lang="en-US"/>
-          </a:p>
-        </p:txBody>
-      </p:sp>
-      <p:sp>
-        <p:nvSpPr>
-          <p:cNvPr id="59" name="Rectangle 58"/>
-          <p:cNvSpPr/>
-          <p:nvPr/>
-        </p:nvSpPr>
-        <p:spPr>
-          <a:xfrm rot="5400000">
-            <a:off x="1187577" y="5136168"/>
-            <a:ext cx="475380" cy="134818"/>
-          </a:xfrm>
-          <a:prstGeom prst="rect">
-            <a:avLst/>
-          </a:prstGeom>
-          <a:solidFill>
-            <a:schemeClr val="bg1"/>
-          </a:solidFill>
-          <a:ln w="12700">
-            <a:solidFill>
-              <a:schemeClr val="tx1"/>
-            </a:solidFill>
-          </a:ln>
-        </p:spPr>
-        <p:style>
-          <a:lnRef idx="2">
-            <a:schemeClr val="accent1">
-              <a:shade val="50000"/>
-            </a:schemeClr>
-          </a:lnRef>
-          <a:fillRef idx="1">
-            <a:schemeClr val="accent1"/>
-          </a:fillRef>
-          <a:effectRef idx="0">
-            <a:schemeClr val="accent1"/>
-          </a:effectRef>
-          <a:fontRef idx="minor">
-            <a:schemeClr val="lt1"/>
-          </a:fontRef>
-        </p:style>
-        <p:txBody>
-          <a:bodyPr rtlCol="0" anchor="ctr"/>
-          <a:lstStyle/>
-          <a:p>
-            <a:pPr algn="ctr"/>
-            <a:endParaRPr lang="en-US"/>
-          </a:p>
-        </p:txBody>
-      </p:sp>
-      <p:sp>
-        <p:nvSpPr>
-          <p:cNvPr id="60" name="Rectangle 59"/>
-          <p:cNvSpPr/>
-          <p:nvPr/>
-        </p:nvSpPr>
-        <p:spPr>
-          <a:xfrm rot="5400000">
-            <a:off x="1088525" y="5127575"/>
-            <a:ext cx="335376" cy="134845"/>
-          </a:xfrm>
-          <a:prstGeom prst="rect">
-            <a:avLst/>
-          </a:prstGeom>
-          <a:solidFill>
-            <a:schemeClr val="bg1"/>
-          </a:solidFill>
-          <a:ln w="12700">
-            <a:solidFill>
-              <a:schemeClr val="tx1"/>
-            </a:solidFill>
-          </a:ln>
-        </p:spPr>
-        <p:style>
-          <a:lnRef idx="2">
-            <a:schemeClr val="accent1">
-              <a:shade val="50000"/>
-            </a:schemeClr>
-          </a:lnRef>
-          <a:fillRef idx="1">
-            <a:schemeClr val="accent1"/>
-          </a:fillRef>
-          <a:effectRef idx="0">
-            <a:schemeClr val="accent1"/>
-          </a:effectRef>
-          <a:fontRef idx="minor">
-            <a:schemeClr val="lt1"/>
-          </a:fontRef>
-        </p:style>
-        <p:txBody>
-          <a:bodyPr rtlCol="0" anchor="ctr"/>
-          <a:lstStyle/>
-          <a:p>
-            <a:pPr algn="ctr"/>
-            <a:endParaRPr lang="en-US"/>
-          </a:p>
-        </p:txBody>
-      </p:sp>
-      <p:cxnSp>
-        <p:nvCxnSpPr>
-          <p:cNvPr id="119" name="Straight Connector 118"/>
-          <p:cNvCxnSpPr/>
-          <p:nvPr/>
-        </p:nvCxnSpPr>
-        <p:spPr>
+        </p:nvGrpSpPr>
+        <p:grpSpPr>
           <a:xfrm>
             <a:off x="5330312" y="4971845"/>
             <a:ext cx="584418" cy="608076"/>
+            <a:chOff x="5330312" y="4971845"/>
+            <a:chExt cx="584418" cy="608076"/>
           </a:xfrm>
-          <a:prstGeom prst="line">
-            <a:avLst/>
-          </a:prstGeom>
-          <a:ln w="25400">
+        </p:grpSpPr>
+        <p:cxnSp>
+          <p:nvCxnSpPr>
+            <p:cNvPr id="119" name="Straight Connector 118"/>
+            <p:cNvCxnSpPr/>
+            <p:nvPr/>
+          </p:nvCxnSpPr>
+          <p:spPr>
+            <a:xfrm>
+              <a:off x="5330312" y="4971845"/>
+              <a:ext cx="584418" cy="608076"/>
+            </a:xfrm>
+            <a:prstGeom prst="line">
+              <a:avLst/>
+            </a:prstGeom>
+            <a:ln w="25400">
+              <a:solidFill>
+                <a:schemeClr val="tx1"/>
+              </a:solidFill>
+            </a:ln>
+          </p:spPr>
+          <p:style>
+            <a:lnRef idx="1">
+              <a:schemeClr val="accent1"/>
+            </a:lnRef>
+            <a:fillRef idx="0">
+              <a:schemeClr val="accent1"/>
+            </a:fillRef>
+            <a:effectRef idx="0">
+              <a:schemeClr val="accent1"/>
+            </a:effectRef>
+            <a:fontRef idx="minor">
+              <a:schemeClr val="tx1"/>
+            </a:fontRef>
+          </p:style>
+        </p:cxnSp>
+        <p:sp>
+          <p:nvSpPr>
+            <p:cNvPr id="120" name="Rectangle 119"/>
+            <p:cNvSpPr/>
+            <p:nvPr/>
+          </p:nvSpPr>
+          <p:spPr>
+            <a:xfrm>
+              <a:off x="5353969" y="5020280"/>
+              <a:ext cx="251039" cy="123824"/>
+            </a:xfrm>
+            <a:prstGeom prst="rect">
+              <a:avLst/>
+            </a:prstGeom>
             <a:solidFill>
+              <a:schemeClr val="bg1"/>
+            </a:solidFill>
+            <a:ln w="12700">
+              <a:solidFill>
+                <a:schemeClr val="tx1"/>
+              </a:solidFill>
+            </a:ln>
+          </p:spPr>
+          <p:style>
+            <a:lnRef idx="2">
+              <a:schemeClr val="accent1">
+                <a:shade val="50000"/>
+              </a:schemeClr>
+            </a:lnRef>
+            <a:fillRef idx="1">
+              <a:schemeClr val="accent1"/>
+            </a:fillRef>
+            <a:effectRef idx="0">
+              <a:schemeClr val="accent1"/>
+            </a:effectRef>
+            <a:fontRef idx="minor">
+              <a:schemeClr val="lt1"/>
+            </a:fontRef>
+          </p:style>
+          <p:txBody>
+            <a:bodyPr rtlCol="0" anchor="ctr"/>
+            <a:lstStyle/>
+            <a:p>
+              <a:pPr algn="ctr"/>
+              <a:endParaRPr lang="en-US"/>
+            </a:p>
+          </p:txBody>
+        </p:sp>
+        <p:sp>
+          <p:nvSpPr>
+            <p:cNvPr id="121" name="Rectangle 120"/>
+            <p:cNvSpPr/>
+            <p:nvPr/>
+          </p:nvSpPr>
+          <p:spPr>
+            <a:xfrm>
+              <a:off x="5391726" y="5202063"/>
+              <a:ext cx="475380" cy="134818"/>
+            </a:xfrm>
+            <a:prstGeom prst="rect">
+              <a:avLst/>
+            </a:prstGeom>
+            <a:solidFill>
+              <a:schemeClr val="bg1"/>
+            </a:solidFill>
+            <a:ln w="12700">
+              <a:solidFill>
+                <a:schemeClr val="tx1"/>
+              </a:solidFill>
+            </a:ln>
+          </p:spPr>
+          <p:style>
+            <a:lnRef idx="2">
+              <a:schemeClr val="accent1">
+                <a:shade val="50000"/>
+              </a:schemeClr>
+            </a:lnRef>
+            <a:fillRef idx="1">
+              <a:schemeClr val="accent1"/>
+            </a:fillRef>
+            <a:effectRef idx="0">
+              <a:schemeClr val="accent1"/>
+            </a:effectRef>
+            <a:fontRef idx="minor">
+              <a:schemeClr val="lt1"/>
+            </a:fontRef>
+          </p:style>
+          <p:txBody>
+            <a:bodyPr rtlCol="0" anchor="ctr"/>
+            <a:lstStyle/>
+            <a:p>
+              <a:pPr algn="ctr"/>
+              <a:endParaRPr lang="en-US"/>
+            </a:p>
+          </p:txBody>
+        </p:sp>
+        <p:sp>
+          <p:nvSpPr>
+            <p:cNvPr id="122" name="Rectangle 121"/>
+            <p:cNvSpPr/>
+            <p:nvPr/>
+          </p:nvSpPr>
+          <p:spPr>
+            <a:xfrm>
+              <a:off x="5579354" y="5390151"/>
+              <a:ext cx="335376" cy="134845"/>
+            </a:xfrm>
+            <a:prstGeom prst="rect">
+              <a:avLst/>
+            </a:prstGeom>
+            <a:solidFill>
+              <a:schemeClr val="bg1"/>
+            </a:solidFill>
+            <a:ln w="12700">
+              <a:solidFill>
+                <a:schemeClr val="tx1"/>
+              </a:solidFill>
+            </a:ln>
+          </p:spPr>
+          <p:style>
+            <a:lnRef idx="2">
+              <a:schemeClr val="accent1">
+                <a:shade val="50000"/>
+              </a:schemeClr>
+            </a:lnRef>
+            <a:fillRef idx="1">
+              <a:schemeClr val="accent1"/>
+            </a:fillRef>
+            <a:effectRef idx="0">
+              <a:schemeClr val="accent1"/>
+            </a:effectRef>
+            <a:fontRef idx="minor">
+              <a:schemeClr val="lt1"/>
+            </a:fontRef>
+          </p:style>
+          <p:txBody>
+            <a:bodyPr rtlCol="0" anchor="ctr"/>
+            <a:lstStyle/>
+            <a:p>
+              <a:pPr algn="ctr"/>
+              <a:endParaRPr lang="en-US"/>
+            </a:p>
+          </p:txBody>
+        </p:sp>
+      </p:grpSp>
+      <p:grpSp>
+        <p:nvGrpSpPr>
+          <p:cNvPr id="10" name="Group 9"/>
+          <p:cNvGrpSpPr/>
+          <p:nvPr/>
+        </p:nvGrpSpPr>
+        <p:grpSpPr>
+          <a:xfrm>
+            <a:off x="7619772" y="4999658"/>
+            <a:ext cx="608076" cy="552450"/>
+            <a:chOff x="7619772" y="4999658"/>
+            <a:chExt cx="608076" cy="552450"/>
+          </a:xfrm>
+        </p:grpSpPr>
+        <p:cxnSp>
+          <p:nvCxnSpPr>
+            <p:cNvPr id="132" name="Straight Connector 131"/>
+            <p:cNvCxnSpPr/>
+            <p:nvPr/>
+          </p:nvCxnSpPr>
+          <p:spPr>
+            <a:xfrm>
+              <a:off x="7775231" y="4999658"/>
+              <a:ext cx="0" cy="552450"/>
+            </a:xfrm>
+            <a:prstGeom prst="line">
+              <a:avLst/>
+            </a:prstGeom>
+            <a:ln>
+              <a:solidFill>
+                <a:schemeClr val="tx1"/>
+              </a:solidFill>
+            </a:ln>
+          </p:spPr>
+          <p:style>
+            <a:lnRef idx="1">
+              <a:schemeClr val="accent1"/>
+            </a:lnRef>
+            <a:fillRef idx="0">
+              <a:schemeClr val="accent1"/>
+            </a:fillRef>
+            <a:effectRef idx="0">
+              <a:schemeClr val="accent1"/>
+            </a:effectRef>
+            <a:fontRef idx="minor">
               <a:schemeClr val="tx1"/>
+            </a:fontRef>
+          </p:style>
+        </p:cxnSp>
+        <p:cxnSp>
+          <p:nvCxnSpPr>
+            <p:cNvPr id="134" name="Straight Connector 133"/>
+            <p:cNvCxnSpPr/>
+            <p:nvPr/>
+          </p:nvCxnSpPr>
+          <p:spPr>
+            <a:xfrm>
+              <a:off x="8070506" y="4999658"/>
+              <a:ext cx="0" cy="552450"/>
+            </a:xfrm>
+            <a:prstGeom prst="line">
+              <a:avLst/>
+            </a:prstGeom>
+            <a:ln>
+              <a:solidFill>
+                <a:schemeClr val="tx1"/>
+              </a:solidFill>
+            </a:ln>
+          </p:spPr>
+          <p:style>
+            <a:lnRef idx="1">
+              <a:schemeClr val="accent1"/>
+            </a:lnRef>
+            <a:fillRef idx="0">
+              <a:schemeClr val="accent1"/>
+            </a:fillRef>
+            <a:effectRef idx="0">
+              <a:schemeClr val="accent1"/>
+            </a:effectRef>
+            <a:fontRef idx="minor">
+              <a:schemeClr val="tx1"/>
+            </a:fontRef>
+          </p:style>
+        </p:cxnSp>
+        <p:cxnSp>
+          <p:nvCxnSpPr>
+            <p:cNvPr id="139" name="Straight Connector 138"/>
+            <p:cNvCxnSpPr/>
+            <p:nvPr/>
+          </p:nvCxnSpPr>
+          <p:spPr>
+            <a:xfrm flipH="1">
+              <a:off x="7619772" y="5404471"/>
+              <a:ext cx="608076" cy="0"/>
+            </a:xfrm>
+            <a:prstGeom prst="line">
+              <a:avLst/>
+            </a:prstGeom>
+            <a:ln>
+              <a:solidFill>
+                <a:schemeClr val="tx1"/>
+              </a:solidFill>
+            </a:ln>
+          </p:spPr>
+          <p:style>
+            <a:lnRef idx="1">
+              <a:schemeClr val="accent1"/>
+            </a:lnRef>
+            <a:fillRef idx="0">
+              <a:schemeClr val="accent1"/>
+            </a:fillRef>
+            <a:effectRef idx="0">
+              <a:schemeClr val="accent1"/>
+            </a:effectRef>
+            <a:fontRef idx="minor">
+              <a:schemeClr val="tx1"/>
+            </a:fontRef>
+          </p:style>
+        </p:cxnSp>
+        <p:cxnSp>
+          <p:nvCxnSpPr>
+            <p:cNvPr id="144" name="Straight Connector 143"/>
+            <p:cNvCxnSpPr/>
+            <p:nvPr/>
+          </p:nvCxnSpPr>
+          <p:spPr>
+            <a:xfrm flipH="1">
+              <a:off x="7619772" y="5159202"/>
+              <a:ext cx="608076" cy="0"/>
+            </a:xfrm>
+            <a:prstGeom prst="line">
+              <a:avLst/>
+            </a:prstGeom>
+            <a:ln>
+              <a:solidFill>
+                <a:schemeClr val="tx1"/>
+              </a:solidFill>
+            </a:ln>
+          </p:spPr>
+          <p:style>
+            <a:lnRef idx="1">
+              <a:schemeClr val="accent1"/>
+            </a:lnRef>
+            <a:fillRef idx="0">
+              <a:schemeClr val="accent1"/>
+            </a:fillRef>
+            <a:effectRef idx="0">
+              <a:schemeClr val="accent1"/>
+            </a:effectRef>
+            <a:fontRef idx="minor">
+              <a:schemeClr val="tx1"/>
+            </a:fontRef>
+          </p:style>
+        </p:cxnSp>
+        <p:sp>
+          <p:nvSpPr>
+            <p:cNvPr id="145" name="Rectangle 144"/>
+            <p:cNvSpPr/>
+            <p:nvPr/>
+          </p:nvSpPr>
+          <p:spPr>
+            <a:xfrm>
+              <a:off x="7671831" y="5076658"/>
+              <a:ext cx="214222" cy="145255"/>
+            </a:xfrm>
+            <a:prstGeom prst="rect">
+              <a:avLst/>
+            </a:prstGeom>
+            <a:solidFill>
+              <a:schemeClr val="bg1"/>
             </a:solidFill>
-          </a:ln>
-        </p:spPr>
-        <p:style>
-          <a:lnRef idx="1">
-            <a:schemeClr val="accent1"/>
-          </a:lnRef>
-          <a:fillRef idx="0">
-            <a:schemeClr val="accent1"/>
-          </a:fillRef>
-          <a:effectRef idx="0">
-            <a:schemeClr val="accent1"/>
-          </a:effectRef>
-          <a:fontRef idx="minor">
-            <a:schemeClr val="tx1"/>
-          </a:fontRef>
-        </p:style>
-      </p:cxnSp>
-      <p:sp>
-        <p:nvSpPr>
-          <p:cNvPr id="120" name="Rectangle 119"/>
-          <p:cNvSpPr/>
-          <p:nvPr/>
-        </p:nvSpPr>
-        <p:spPr>
-          <a:xfrm>
-            <a:off x="5353969" y="5020280"/>
-            <a:ext cx="251039" cy="123824"/>
-          </a:xfrm>
-          <a:prstGeom prst="rect">
-            <a:avLst/>
-          </a:prstGeom>
-          <a:solidFill>
-            <a:schemeClr val="bg1"/>
-          </a:solidFill>
-          <a:ln w="12700">
+            <a:ln w="12700">
+              <a:solidFill>
+                <a:schemeClr val="tx1"/>
+              </a:solidFill>
+            </a:ln>
+          </p:spPr>
+          <p:style>
+            <a:lnRef idx="2">
+              <a:schemeClr val="accent1">
+                <a:shade val="50000"/>
+              </a:schemeClr>
+            </a:lnRef>
+            <a:fillRef idx="1">
+              <a:schemeClr val="accent1"/>
+            </a:fillRef>
+            <a:effectRef idx="0">
+              <a:schemeClr val="accent1"/>
+            </a:effectRef>
+            <a:fontRef idx="minor">
+              <a:schemeClr val="lt1"/>
+            </a:fontRef>
+          </p:style>
+          <p:txBody>
+            <a:bodyPr rtlCol="0" anchor="ctr"/>
+            <a:lstStyle/>
+            <a:p>
+              <a:pPr algn="ctr"/>
+              <a:endParaRPr lang="en-US"/>
+            </a:p>
+          </p:txBody>
+        </p:sp>
+        <p:sp>
+          <p:nvSpPr>
+            <p:cNvPr id="146" name="Rectangle 145"/>
+            <p:cNvSpPr/>
+            <p:nvPr/>
+          </p:nvSpPr>
+          <p:spPr>
+            <a:xfrm>
+              <a:off x="7959253" y="5076657"/>
+              <a:ext cx="214222" cy="145255"/>
+            </a:xfrm>
+            <a:prstGeom prst="rect">
+              <a:avLst/>
+            </a:prstGeom>
             <a:solidFill>
-              <a:schemeClr val="tx1"/>
+              <a:schemeClr val="bg1"/>
             </a:solidFill>
-          </a:ln>
-        </p:spPr>
-        <p:style>
-          <a:lnRef idx="2">
-            <a:schemeClr val="accent1">
-              <a:shade val="50000"/>
-            </a:schemeClr>
-          </a:lnRef>
-          <a:fillRef idx="1">
-            <a:schemeClr val="accent1"/>
-          </a:fillRef>
-          <a:effectRef idx="0">
-            <a:schemeClr val="accent1"/>
-          </a:effectRef>
-          <a:fontRef idx="minor">
-            <a:schemeClr val="lt1"/>
-          </a:fontRef>
-        </p:style>
-        <p:txBody>
-          <a:bodyPr rtlCol="0" anchor="ctr"/>
-          <a:lstStyle/>
-          <a:p>
-            <a:pPr algn="ctr"/>
-            <a:endParaRPr lang="en-US"/>
-          </a:p>
-        </p:txBody>
-      </p:sp>
-      <p:sp>
-        <p:nvSpPr>
-          <p:cNvPr id="121" name="Rectangle 120"/>
-          <p:cNvSpPr/>
-          <p:nvPr/>
-        </p:nvSpPr>
-        <p:spPr>
-          <a:xfrm>
-            <a:off x="5391726" y="5202063"/>
-            <a:ext cx="475380" cy="134818"/>
-          </a:xfrm>
-          <a:prstGeom prst="rect">
-            <a:avLst/>
-          </a:prstGeom>
-          <a:solidFill>
-            <a:schemeClr val="bg1"/>
-          </a:solidFill>
-          <a:ln w="12700">
+            <a:ln w="12700">
+              <a:solidFill>
+                <a:schemeClr val="tx1"/>
+              </a:solidFill>
+            </a:ln>
+          </p:spPr>
+          <p:style>
+            <a:lnRef idx="2">
+              <a:schemeClr val="accent1">
+                <a:shade val="50000"/>
+              </a:schemeClr>
+            </a:lnRef>
+            <a:fillRef idx="1">
+              <a:schemeClr val="accent1"/>
+            </a:fillRef>
+            <a:effectRef idx="0">
+              <a:schemeClr val="accent1"/>
+            </a:effectRef>
+            <a:fontRef idx="minor">
+              <a:schemeClr val="lt1"/>
+            </a:fontRef>
+          </p:style>
+          <p:txBody>
+            <a:bodyPr rtlCol="0" anchor="ctr"/>
+            <a:lstStyle/>
+            <a:p>
+              <a:pPr algn="ctr"/>
+              <a:endParaRPr lang="en-US"/>
+            </a:p>
+          </p:txBody>
+        </p:sp>
+        <p:sp>
+          <p:nvSpPr>
+            <p:cNvPr id="147" name="Rectangle 146"/>
+            <p:cNvSpPr/>
+            <p:nvPr/>
+          </p:nvSpPr>
+          <p:spPr>
+            <a:xfrm>
+              <a:off x="7671833" y="5324314"/>
+              <a:ext cx="214222" cy="145255"/>
+            </a:xfrm>
+            <a:prstGeom prst="rect">
+              <a:avLst/>
+            </a:prstGeom>
             <a:solidFill>
-              <a:schemeClr val="tx1"/>
+              <a:schemeClr val="bg1"/>
             </a:solidFill>
-          </a:ln>
-        </p:spPr>
-        <p:style>
-          <a:lnRef idx="2">
-            <a:schemeClr val="accent1">
-              <a:shade val="50000"/>
-            </a:schemeClr>
-          </a:lnRef>
-          <a:fillRef idx="1">
-            <a:schemeClr val="accent1"/>
-          </a:fillRef>
-          <a:effectRef idx="0">
-            <a:schemeClr val="accent1"/>
-          </a:effectRef>
-          <a:fontRef idx="minor">
-            <a:schemeClr val="lt1"/>
-          </a:fontRef>
-        </p:style>
-        <p:txBody>
-          <a:bodyPr rtlCol="0" anchor="ctr"/>
-          <a:lstStyle/>
-          <a:p>
-            <a:pPr algn="ctr"/>
-            <a:endParaRPr lang="en-US"/>
-          </a:p>
-        </p:txBody>
-      </p:sp>
-      <p:sp>
-        <p:nvSpPr>
-          <p:cNvPr id="122" name="Rectangle 121"/>
-          <p:cNvSpPr/>
-          <p:nvPr/>
-        </p:nvSpPr>
-        <p:spPr>
-          <a:xfrm>
-            <a:off x="5579354" y="5390151"/>
-            <a:ext cx="335376" cy="134845"/>
-          </a:xfrm>
-          <a:prstGeom prst="rect">
-            <a:avLst/>
-          </a:prstGeom>
-          <a:solidFill>
-            <a:schemeClr val="bg1"/>
-          </a:solidFill>
-          <a:ln w="12700">
+            <a:ln w="12700">
+              <a:solidFill>
+                <a:schemeClr val="tx1"/>
+              </a:solidFill>
+            </a:ln>
+          </p:spPr>
+          <p:style>
+            <a:lnRef idx="2">
+              <a:schemeClr val="accent1">
+                <a:shade val="50000"/>
+              </a:schemeClr>
+            </a:lnRef>
+            <a:fillRef idx="1">
+              <a:schemeClr val="accent1"/>
+            </a:fillRef>
+            <a:effectRef idx="0">
+              <a:schemeClr val="accent1"/>
+            </a:effectRef>
+            <a:fontRef idx="minor">
+              <a:schemeClr val="lt1"/>
+            </a:fontRef>
+          </p:style>
+          <p:txBody>
+            <a:bodyPr rtlCol="0" anchor="ctr"/>
+            <a:lstStyle/>
+            <a:p>
+              <a:pPr algn="ctr"/>
+              <a:endParaRPr lang="en-US"/>
+            </a:p>
+          </p:txBody>
+        </p:sp>
+        <p:sp>
+          <p:nvSpPr>
+            <p:cNvPr id="148" name="Rectangle 147"/>
+            <p:cNvSpPr/>
+            <p:nvPr/>
+          </p:nvSpPr>
+          <p:spPr>
+            <a:xfrm>
+              <a:off x="7959255" y="5324313"/>
+              <a:ext cx="214222" cy="145255"/>
+            </a:xfrm>
+            <a:prstGeom prst="rect">
+              <a:avLst/>
+            </a:prstGeom>
             <a:solidFill>
-              <a:schemeClr val="tx1"/>
+              <a:schemeClr val="bg1"/>
             </a:solidFill>
-          </a:ln>
-        </p:spPr>
-        <p:style>
-          <a:lnRef idx="2">
-            <a:schemeClr val="accent1">
-              <a:shade val="50000"/>
-            </a:schemeClr>
-          </a:lnRef>
-          <a:fillRef idx="1">
-            <a:schemeClr val="accent1"/>
-          </a:fillRef>
-          <a:effectRef idx="0">
-            <a:schemeClr val="accent1"/>
-          </a:effectRef>
-          <a:fontRef idx="minor">
-            <a:schemeClr val="lt1"/>
-          </a:fontRef>
-        </p:style>
-        <p:txBody>
-          <a:bodyPr rtlCol="0" anchor="ctr"/>
-          <a:lstStyle/>
-          <a:p>
-            <a:pPr algn="ctr"/>
-            <a:endParaRPr lang="en-US"/>
-          </a:p>
-        </p:txBody>
-      </p:sp>
-      <p:cxnSp>
-        <p:nvCxnSpPr>
-          <p:cNvPr id="132" name="Straight Connector 131"/>
-          <p:cNvCxnSpPr/>
-          <p:nvPr/>
-        </p:nvCxnSpPr>
-        <p:spPr>
-          <a:xfrm>
-            <a:off x="7775231" y="4999658"/>
-            <a:ext cx="0" cy="552450"/>
-          </a:xfrm>
-          <a:prstGeom prst="line">
-            <a:avLst/>
-          </a:prstGeom>
-          <a:ln>
-            <a:solidFill>
-              <a:schemeClr val="tx1"/>
-            </a:solidFill>
-          </a:ln>
-        </p:spPr>
-        <p:style>
-          <a:lnRef idx="1">
-            <a:schemeClr val="accent1"/>
-          </a:lnRef>
-          <a:fillRef idx="0">
-            <a:schemeClr val="accent1"/>
-          </a:fillRef>
-          <a:effectRef idx="0">
-            <a:schemeClr val="accent1"/>
-          </a:effectRef>
-          <a:fontRef idx="minor">
-            <a:schemeClr val="tx1"/>
-          </a:fontRef>
-        </p:style>
-      </p:cxnSp>
-      <p:cxnSp>
-        <p:nvCxnSpPr>
-          <p:cNvPr id="134" name="Straight Connector 133"/>
-          <p:cNvCxnSpPr/>
-          <p:nvPr/>
-        </p:nvCxnSpPr>
-        <p:spPr>
-          <a:xfrm>
-            <a:off x="8070506" y="4999658"/>
-            <a:ext cx="0" cy="552450"/>
-          </a:xfrm>
-          <a:prstGeom prst="line">
-            <a:avLst/>
-          </a:prstGeom>
-          <a:ln>
-            <a:solidFill>
-              <a:schemeClr val="tx1"/>
-            </a:solidFill>
-          </a:ln>
-        </p:spPr>
-        <p:style>
-          <a:lnRef idx="1">
-            <a:schemeClr val="accent1"/>
-          </a:lnRef>
-          <a:fillRef idx="0">
-            <a:schemeClr val="accent1"/>
-          </a:fillRef>
-          <a:effectRef idx="0">
-            <a:schemeClr val="accent1"/>
-          </a:effectRef>
-          <a:fontRef idx="minor">
-            <a:schemeClr val="tx1"/>
-          </a:fontRef>
-        </p:style>
-      </p:cxnSp>
-      <p:cxnSp>
-        <p:nvCxnSpPr>
-          <p:cNvPr id="139" name="Straight Connector 138"/>
-          <p:cNvCxnSpPr/>
-          <p:nvPr/>
-        </p:nvCxnSpPr>
-        <p:spPr>
-          <a:xfrm flipH="1">
-            <a:off x="7619772" y="5404471"/>
-            <a:ext cx="608076" cy="0"/>
-          </a:xfrm>
-          <a:prstGeom prst="line">
-            <a:avLst/>
-          </a:prstGeom>
-          <a:ln>
-            <a:solidFill>
-              <a:schemeClr val="tx1"/>
-            </a:solidFill>
-          </a:ln>
-        </p:spPr>
-        <p:style>
-          <a:lnRef idx="1">
-            <a:schemeClr val="accent1"/>
-          </a:lnRef>
-          <a:fillRef idx="0">
-            <a:schemeClr val="accent1"/>
-          </a:fillRef>
-          <a:effectRef idx="0">
-            <a:schemeClr val="accent1"/>
-          </a:effectRef>
-          <a:fontRef idx="minor">
-            <a:schemeClr val="tx1"/>
-          </a:fontRef>
-        </p:style>
-      </p:cxnSp>
-      <p:cxnSp>
-        <p:nvCxnSpPr>
-          <p:cNvPr id="144" name="Straight Connector 143"/>
-          <p:cNvCxnSpPr/>
-          <p:nvPr/>
-        </p:nvCxnSpPr>
-        <p:spPr>
-          <a:xfrm flipH="1">
-            <a:off x="7619772" y="5159202"/>
-            <a:ext cx="608076" cy="0"/>
-          </a:xfrm>
-          <a:prstGeom prst="line">
-            <a:avLst/>
-          </a:prstGeom>
-          <a:ln>
-            <a:solidFill>
-              <a:schemeClr val="tx1"/>
-            </a:solidFill>
-          </a:ln>
-        </p:spPr>
-        <p:style>
-          <a:lnRef idx="1">
-            <a:schemeClr val="accent1"/>
-          </a:lnRef>
-          <a:fillRef idx="0">
-            <a:schemeClr val="accent1"/>
-          </a:fillRef>
-          <a:effectRef idx="0">
-            <a:schemeClr val="accent1"/>
-          </a:effectRef>
-          <a:fontRef idx="minor">
-            <a:schemeClr val="tx1"/>
-          </a:fontRef>
-        </p:style>
-      </p:cxnSp>
-      <p:sp>
-        <p:nvSpPr>
-          <p:cNvPr id="145" name="Rectangle 144"/>
-          <p:cNvSpPr/>
-          <p:nvPr/>
-        </p:nvSpPr>
-        <p:spPr>
-          <a:xfrm>
-            <a:off x="7671831" y="5076658"/>
-            <a:ext cx="214222" cy="145255"/>
-          </a:xfrm>
-          <a:prstGeom prst="rect">
-            <a:avLst/>
-          </a:prstGeom>
-          <a:solidFill>
-            <a:schemeClr val="bg1"/>
-          </a:solidFill>
-          <a:ln w="12700">
-            <a:solidFill>
-              <a:schemeClr val="tx1"/>
-            </a:solidFill>
-          </a:ln>
-        </p:spPr>
-        <p:style>
-          <a:lnRef idx="2">
-            <a:schemeClr val="accent1">
-              <a:shade val="50000"/>
-            </a:schemeClr>
-          </a:lnRef>
-          <a:fillRef idx="1">
-            <a:schemeClr val="accent1"/>
-          </a:fillRef>
-          <a:effectRef idx="0">
-            <a:schemeClr val="accent1"/>
-          </a:effectRef>
-          <a:fontRef idx="minor">
-            <a:schemeClr val="lt1"/>
-          </a:fontRef>
-        </p:style>
-        <p:txBody>
-          <a:bodyPr rtlCol="0" anchor="ctr"/>
-          <a:lstStyle/>
-          <a:p>
-            <a:pPr algn="ctr"/>
-            <a:endParaRPr lang="en-US"/>
-          </a:p>
-        </p:txBody>
-      </p:sp>
-      <p:sp>
-        <p:nvSpPr>
-          <p:cNvPr id="146" name="Rectangle 145"/>
-          <p:cNvSpPr/>
-          <p:nvPr/>
-        </p:nvSpPr>
-        <p:spPr>
-          <a:xfrm>
-            <a:off x="7959253" y="5076657"/>
-            <a:ext cx="214222" cy="145255"/>
-          </a:xfrm>
-          <a:prstGeom prst="rect">
-            <a:avLst/>
-          </a:prstGeom>
-          <a:solidFill>
-            <a:schemeClr val="bg1"/>
-          </a:solidFill>
-          <a:ln w="12700">
-            <a:solidFill>
-              <a:schemeClr val="tx1"/>
-            </a:solidFill>
-          </a:ln>
-        </p:spPr>
-        <p:style>
-          <a:lnRef idx="2">
-            <a:schemeClr val="accent1">
-              <a:shade val="50000"/>
-            </a:schemeClr>
-          </a:lnRef>
-          <a:fillRef idx="1">
-            <a:schemeClr val="accent1"/>
-          </a:fillRef>
-          <a:effectRef idx="0">
-            <a:schemeClr val="accent1"/>
-          </a:effectRef>
-          <a:fontRef idx="minor">
-            <a:schemeClr val="lt1"/>
-          </a:fontRef>
-        </p:style>
-        <p:txBody>
-          <a:bodyPr rtlCol="0" anchor="ctr"/>
-          <a:lstStyle/>
-          <a:p>
-            <a:pPr algn="ctr"/>
-            <a:endParaRPr lang="en-US"/>
-          </a:p>
-        </p:txBody>
-      </p:sp>
-      <p:sp>
-        <p:nvSpPr>
-          <p:cNvPr id="147" name="Rectangle 146"/>
-          <p:cNvSpPr/>
-          <p:nvPr/>
-        </p:nvSpPr>
-        <p:spPr>
-          <a:xfrm>
-            <a:off x="7671833" y="5324314"/>
-            <a:ext cx="214222" cy="145255"/>
-          </a:xfrm>
-          <a:prstGeom prst="rect">
-            <a:avLst/>
-          </a:prstGeom>
-          <a:solidFill>
-            <a:schemeClr val="bg1"/>
-          </a:solidFill>
-          <a:ln w="12700">
-            <a:solidFill>
-              <a:schemeClr val="tx1"/>
-            </a:solidFill>
-          </a:ln>
-        </p:spPr>
-        <p:style>
-          <a:lnRef idx="2">
-            <a:schemeClr val="accent1">
-              <a:shade val="50000"/>
-            </a:schemeClr>
-          </a:lnRef>
-          <a:fillRef idx="1">
-            <a:schemeClr val="accent1"/>
-          </a:fillRef>
-          <a:effectRef idx="0">
-            <a:schemeClr val="accent1"/>
-          </a:effectRef>
-          <a:fontRef idx="minor">
-            <a:schemeClr val="lt1"/>
-          </a:fontRef>
-        </p:style>
-        <p:txBody>
-          <a:bodyPr rtlCol="0" anchor="ctr"/>
-          <a:lstStyle/>
-          <a:p>
-            <a:pPr algn="ctr"/>
-            <a:endParaRPr lang="en-US"/>
-          </a:p>
-        </p:txBody>
-      </p:sp>
-      <p:sp>
-        <p:nvSpPr>
-          <p:cNvPr id="148" name="Rectangle 147"/>
-          <p:cNvSpPr/>
-          <p:nvPr/>
-        </p:nvSpPr>
-        <p:spPr>
-          <a:xfrm>
-            <a:off x="7959255" y="5324313"/>
-            <a:ext cx="214222" cy="145255"/>
-          </a:xfrm>
-          <a:prstGeom prst="rect">
-            <a:avLst/>
-          </a:prstGeom>
-          <a:solidFill>
-            <a:schemeClr val="bg1"/>
-          </a:solidFill>
-          <a:ln w="12700">
-            <a:solidFill>
-              <a:schemeClr val="tx1"/>
-            </a:solidFill>
-          </a:ln>
-        </p:spPr>
-        <p:style>
-          <a:lnRef idx="2">
-            <a:schemeClr val="accent1">
-              <a:shade val="50000"/>
-            </a:schemeClr>
-          </a:lnRef>
-          <a:fillRef idx="1">
-            <a:schemeClr val="accent1"/>
-          </a:fillRef>
-          <a:effectRef idx="0">
-            <a:schemeClr val="accent1"/>
-          </a:effectRef>
-          <a:fontRef idx="minor">
-            <a:schemeClr val="lt1"/>
-          </a:fontRef>
-        </p:style>
-        <p:txBody>
-          <a:bodyPr rtlCol="0" anchor="ctr"/>
-          <a:lstStyle/>
-          <a:p>
-            <a:pPr algn="ctr"/>
-            <a:endParaRPr lang="en-US"/>
-          </a:p>
-        </p:txBody>
-      </p:sp>
+            <a:ln w="12700">
+              <a:solidFill>
+                <a:schemeClr val="tx1"/>
+              </a:solidFill>
+            </a:ln>
+          </p:spPr>
+          <p:style>
+            <a:lnRef idx="2">
+              <a:schemeClr val="accent1">
+                <a:shade val="50000"/>
+              </a:schemeClr>
+            </a:lnRef>
+            <a:fillRef idx="1">
+              <a:schemeClr val="accent1"/>
+            </a:fillRef>
+            <a:effectRef idx="0">
+              <a:schemeClr val="accent1"/>
+            </a:effectRef>
+            <a:fontRef idx="minor">
+              <a:schemeClr val="lt1"/>
+            </a:fontRef>
+          </p:style>
+          <p:txBody>
+            <a:bodyPr rtlCol="0" anchor="ctr"/>
+            <a:lstStyle/>
+            <a:p>
+              <a:pPr algn="ctr"/>
+              <a:endParaRPr lang="en-US"/>
+            </a:p>
+          </p:txBody>
+        </p:sp>
+      </p:grpSp>
     </p:spTree>
     <p:extLst>
       <p:ext uri="{BB962C8B-B14F-4D97-AF65-F5344CB8AC3E}">
@@ -6600,7 +7587,7 @@
         </p:nvSpPr>
         <p:spPr>
           <a:xfrm>
-            <a:off x="3044696" y="706170"/>
+            <a:off x="3044696" y="1303511"/>
             <a:ext cx="3054619" cy="707886"/>
           </a:xfrm>
           <a:prstGeom prst="rect">
@@ -6618,6 +7605,387 @@
             <a:r>
               <a:rPr lang="en-US" sz="4000" dirty="0"/>
               <a:t>Reorder Icons</a:t>
+            </a:r>
+          </a:p>
+        </p:txBody>
+      </p:sp>
+      <p:grpSp>
+        <p:nvGrpSpPr>
+          <p:cNvPr id="34" name="Group 33"/>
+          <p:cNvGrpSpPr/>
+          <p:nvPr/>
+        </p:nvGrpSpPr>
+        <p:grpSpPr>
+          <a:xfrm>
+            <a:off x="2644584" y="4987751"/>
+            <a:ext cx="464344" cy="566737"/>
+            <a:chOff x="4352925" y="3148013"/>
+            <a:chExt cx="464344" cy="566737"/>
+          </a:xfrm>
+        </p:grpSpPr>
+        <p:sp>
+          <p:nvSpPr>
+            <p:cNvPr id="14" name="Rectangle 13"/>
+            <p:cNvSpPr/>
+            <p:nvPr/>
+          </p:nvSpPr>
+          <p:spPr>
+            <a:xfrm>
+              <a:off x="4352925" y="3231356"/>
+              <a:ext cx="138113" cy="335757"/>
+            </a:xfrm>
+            <a:prstGeom prst="rect">
+              <a:avLst/>
+            </a:prstGeom>
+            <a:solidFill>
+              <a:srgbClr val="E46B09"/>
+            </a:solidFill>
+            <a:ln w="12700">
+              <a:solidFill>
+                <a:schemeClr val="tx1"/>
+              </a:solidFill>
+            </a:ln>
+          </p:spPr>
+          <p:style>
+            <a:lnRef idx="2">
+              <a:schemeClr val="accent1">
+                <a:shade val="50000"/>
+              </a:schemeClr>
+            </a:lnRef>
+            <a:fillRef idx="1">
+              <a:schemeClr val="accent1"/>
+            </a:fillRef>
+            <a:effectRef idx="0">
+              <a:schemeClr val="accent1"/>
+            </a:effectRef>
+            <a:fontRef idx="minor">
+              <a:schemeClr val="lt1"/>
+            </a:fontRef>
+          </p:style>
+          <p:txBody>
+            <a:bodyPr rtlCol="0" anchor="ctr"/>
+            <a:lstStyle/>
+            <a:p>
+              <a:pPr algn="ctr"/>
+              <a:endParaRPr lang="en-US"/>
+            </a:p>
+          </p:txBody>
+        </p:sp>
+        <p:sp>
+          <p:nvSpPr>
+            <p:cNvPr id="15" name="Rectangle 14"/>
+            <p:cNvSpPr/>
+            <p:nvPr/>
+          </p:nvSpPr>
+          <p:spPr>
+            <a:xfrm>
+              <a:off x="4679156" y="3295650"/>
+              <a:ext cx="138113" cy="335757"/>
+            </a:xfrm>
+            <a:prstGeom prst="rect">
+              <a:avLst/>
+            </a:prstGeom>
+            <a:solidFill>
+              <a:srgbClr val="0070C0"/>
+            </a:solidFill>
+            <a:ln w="12700">
+              <a:solidFill>
+                <a:schemeClr val="tx1"/>
+              </a:solidFill>
+            </a:ln>
+          </p:spPr>
+          <p:style>
+            <a:lnRef idx="2">
+              <a:schemeClr val="accent1">
+                <a:shade val="50000"/>
+              </a:schemeClr>
+            </a:lnRef>
+            <a:fillRef idx="1">
+              <a:schemeClr val="accent1"/>
+            </a:fillRef>
+            <a:effectRef idx="0">
+              <a:schemeClr val="accent1"/>
+            </a:effectRef>
+            <a:fontRef idx="minor">
+              <a:schemeClr val="lt1"/>
+            </a:fontRef>
+          </p:style>
+          <p:txBody>
+            <a:bodyPr rtlCol="0" anchor="ctr"/>
+            <a:lstStyle/>
+            <a:p>
+              <a:pPr algn="ctr"/>
+              <a:endParaRPr lang="en-US"/>
+            </a:p>
+          </p:txBody>
+        </p:sp>
+        <p:cxnSp>
+          <p:nvCxnSpPr>
+            <p:cNvPr id="17" name="Straight Connector 16"/>
+            <p:cNvCxnSpPr/>
+            <p:nvPr/>
+          </p:nvCxnSpPr>
+          <p:spPr>
+            <a:xfrm flipV="1">
+              <a:off x="4419600" y="3148013"/>
+              <a:ext cx="0" cy="59531"/>
+            </a:xfrm>
+            <a:prstGeom prst="line">
+              <a:avLst/>
+            </a:prstGeom>
+            <a:ln w="19050">
+              <a:solidFill>
+                <a:schemeClr val="tx1"/>
+              </a:solidFill>
+            </a:ln>
+          </p:spPr>
+          <p:style>
+            <a:lnRef idx="1">
+              <a:schemeClr val="accent1"/>
+            </a:lnRef>
+            <a:fillRef idx="0">
+              <a:schemeClr val="accent1"/>
+            </a:fillRef>
+            <a:effectRef idx="0">
+              <a:schemeClr val="accent1"/>
+            </a:effectRef>
+            <a:fontRef idx="minor">
+              <a:schemeClr val="tx1"/>
+            </a:fontRef>
+          </p:style>
+        </p:cxnSp>
+        <p:cxnSp>
+          <p:nvCxnSpPr>
+            <p:cNvPr id="18" name="Straight Connector 17"/>
+            <p:cNvCxnSpPr/>
+            <p:nvPr/>
+          </p:nvCxnSpPr>
+          <p:spPr>
+            <a:xfrm flipV="1">
+              <a:off x="4743450" y="3655219"/>
+              <a:ext cx="0" cy="59531"/>
+            </a:xfrm>
+            <a:prstGeom prst="line">
+              <a:avLst/>
+            </a:prstGeom>
+            <a:ln w="19050">
+              <a:solidFill>
+                <a:schemeClr val="tx1"/>
+              </a:solidFill>
+            </a:ln>
+          </p:spPr>
+          <p:style>
+            <a:lnRef idx="1">
+              <a:schemeClr val="accent1"/>
+            </a:lnRef>
+            <a:fillRef idx="0">
+              <a:schemeClr val="accent1"/>
+            </a:fillRef>
+            <a:effectRef idx="0">
+              <a:schemeClr val="accent1"/>
+            </a:effectRef>
+            <a:fontRef idx="minor">
+              <a:schemeClr val="tx1"/>
+            </a:fontRef>
+          </p:style>
+        </p:cxnSp>
+        <p:cxnSp>
+          <p:nvCxnSpPr>
+            <p:cNvPr id="20" name="Straight Connector 19"/>
+            <p:cNvCxnSpPr/>
+            <p:nvPr/>
+          </p:nvCxnSpPr>
+          <p:spPr>
+            <a:xfrm>
+              <a:off x="4410076" y="3150394"/>
+              <a:ext cx="338136" cy="0"/>
+            </a:xfrm>
+            <a:prstGeom prst="line">
+              <a:avLst/>
+            </a:prstGeom>
+            <a:ln w="19050">
+              <a:solidFill>
+                <a:schemeClr val="tx1"/>
+              </a:solidFill>
+            </a:ln>
+          </p:spPr>
+          <p:style>
+            <a:lnRef idx="1">
+              <a:schemeClr val="accent1"/>
+            </a:lnRef>
+            <a:fillRef idx="0">
+              <a:schemeClr val="accent1"/>
+            </a:fillRef>
+            <a:effectRef idx="0">
+              <a:schemeClr val="accent1"/>
+            </a:effectRef>
+            <a:fontRef idx="minor">
+              <a:schemeClr val="tx1"/>
+            </a:fontRef>
+          </p:style>
+        </p:cxnSp>
+        <p:cxnSp>
+          <p:nvCxnSpPr>
+            <p:cNvPr id="22" name="Straight Connector 21"/>
+            <p:cNvCxnSpPr/>
+            <p:nvPr/>
+          </p:nvCxnSpPr>
+          <p:spPr>
+            <a:xfrm>
+              <a:off x="4412457" y="3714750"/>
+              <a:ext cx="340517" cy="0"/>
+            </a:xfrm>
+            <a:prstGeom prst="line">
+              <a:avLst/>
+            </a:prstGeom>
+            <a:ln w="19050">
+              <a:solidFill>
+                <a:schemeClr val="tx1"/>
+              </a:solidFill>
+            </a:ln>
+          </p:spPr>
+          <p:style>
+            <a:lnRef idx="1">
+              <a:schemeClr val="accent1"/>
+            </a:lnRef>
+            <a:fillRef idx="0">
+              <a:schemeClr val="accent1"/>
+            </a:fillRef>
+            <a:effectRef idx="0">
+              <a:schemeClr val="accent1"/>
+            </a:effectRef>
+            <a:fontRef idx="minor">
+              <a:schemeClr val="tx1"/>
+            </a:fontRef>
+          </p:style>
+        </p:cxnSp>
+        <p:cxnSp>
+          <p:nvCxnSpPr>
+            <p:cNvPr id="24" name="Straight Arrow Connector 23"/>
+            <p:cNvCxnSpPr/>
+            <p:nvPr/>
+          </p:nvCxnSpPr>
+          <p:spPr>
+            <a:xfrm>
+              <a:off x="4738688" y="3148013"/>
+              <a:ext cx="0" cy="130968"/>
+            </a:xfrm>
+            <a:prstGeom prst="straightConnector1">
+              <a:avLst/>
+            </a:prstGeom>
+            <a:ln w="19050">
+              <a:solidFill>
+                <a:schemeClr val="tx1"/>
+              </a:solidFill>
+              <a:tailEnd type="triangle"/>
+            </a:ln>
+          </p:spPr>
+          <p:style>
+            <a:lnRef idx="1">
+              <a:schemeClr val="accent1"/>
+            </a:lnRef>
+            <a:fillRef idx="0">
+              <a:schemeClr val="accent1"/>
+            </a:fillRef>
+            <a:effectRef idx="0">
+              <a:schemeClr val="accent1"/>
+            </a:effectRef>
+            <a:fontRef idx="minor">
+              <a:schemeClr val="tx1"/>
+            </a:fontRef>
+          </p:style>
+        </p:cxnSp>
+        <p:cxnSp>
+          <p:nvCxnSpPr>
+            <p:cNvPr id="26" name="Straight Arrow Connector 25"/>
+            <p:cNvCxnSpPr/>
+            <p:nvPr/>
+          </p:nvCxnSpPr>
+          <p:spPr>
+            <a:xfrm flipV="1">
+              <a:off x="4421981" y="3598069"/>
+              <a:ext cx="0" cy="116681"/>
+            </a:xfrm>
+            <a:prstGeom prst="straightConnector1">
+              <a:avLst/>
+            </a:prstGeom>
+            <a:ln w="19050">
+              <a:solidFill>
+                <a:schemeClr val="tx1"/>
+              </a:solidFill>
+              <a:tailEnd type="triangle"/>
+            </a:ln>
+          </p:spPr>
+          <p:style>
+            <a:lnRef idx="1">
+              <a:schemeClr val="accent1"/>
+            </a:lnRef>
+            <a:fillRef idx="0">
+              <a:schemeClr val="accent1"/>
+            </a:fillRef>
+            <a:effectRef idx="0">
+              <a:schemeClr val="accent1"/>
+            </a:effectRef>
+            <a:fontRef idx="minor">
+              <a:schemeClr val="tx1"/>
+            </a:fontRef>
+          </p:style>
+        </p:cxnSp>
+      </p:grpSp>
+      <p:sp>
+        <p:nvSpPr>
+          <p:cNvPr id="35" name="TextBox 34"/>
+          <p:cNvSpPr txBox="1"/>
+          <p:nvPr/>
+        </p:nvSpPr>
+        <p:spPr>
+          <a:xfrm>
+            <a:off x="2534996" y="3314908"/>
+            <a:ext cx="683520" cy="369332"/>
+          </a:xfrm>
+          <a:prstGeom prst="rect">
+            <a:avLst/>
+          </a:prstGeom>
+          <a:noFill/>
+        </p:spPr>
+        <p:txBody>
+          <a:bodyPr wrap="none" rtlCol="0">
+            <a:spAutoFit/>
+          </a:bodyPr>
+          <a:lstStyle/>
+          <a:p>
+            <a:r>
+              <a:rPr lang="en-US" dirty="0"/>
+              <a:t>Swap</a:t>
+            </a:r>
+          </a:p>
+        </p:txBody>
+      </p:sp>
+      <p:sp>
+        <p:nvSpPr>
+          <p:cNvPr id="36" name="TextBox 35"/>
+          <p:cNvSpPr txBox="1"/>
+          <p:nvPr/>
+        </p:nvSpPr>
+        <p:spPr>
+          <a:xfrm>
+            <a:off x="5753512" y="3314908"/>
+            <a:ext cx="855491" cy="369332"/>
+          </a:xfrm>
+          <a:prstGeom prst="rect">
+            <a:avLst/>
+          </a:prstGeom>
+          <a:noFill/>
+        </p:spPr>
+        <p:txBody>
+          <a:bodyPr wrap="none" rtlCol="0">
+            <a:spAutoFit/>
+          </a:bodyPr>
+          <a:lstStyle/>
+          <a:p>
+            <a:r>
+              <a:rPr lang="en-US" dirty="0"/>
+              <a:t>Repack</a:t>
             </a:r>
           </a:p>
         </p:txBody>
@@ -6670,7 +8038,7 @@
         </p:nvSpPr>
         <p:spPr>
           <a:xfrm>
-            <a:off x="2661515" y="706170"/>
+            <a:off x="2661515" y="781706"/>
             <a:ext cx="3820982" cy="707886"/>
           </a:xfrm>
           <a:prstGeom prst="rect">
@@ -6696,6 +8064,1916 @@
           </a:p>
         </p:txBody>
       </p:sp>
+      <p:sp>
+        <p:nvSpPr>
+          <p:cNvPr id="2" name="TextBox 1"/>
+          <p:cNvSpPr txBox="1"/>
+          <p:nvPr/>
+        </p:nvSpPr>
+        <p:spPr>
+          <a:xfrm>
+            <a:off x="778551" y="2271298"/>
+            <a:ext cx="982898" cy="369332"/>
+          </a:xfrm>
+          <a:prstGeom prst="rect">
+            <a:avLst/>
+          </a:prstGeom>
+          <a:noFill/>
+        </p:spPr>
+        <p:txBody>
+          <a:bodyPr wrap="none" rtlCol="0">
+            <a:spAutoFit/>
+          </a:bodyPr>
+          <a:lstStyle/>
+          <a:p>
+            <a:r>
+              <a:rPr lang="en-US" dirty="0"/>
+              <a:t>Rotation</a:t>
+            </a:r>
+          </a:p>
+        </p:txBody>
+      </p:sp>
+      <p:sp>
+        <p:nvSpPr>
+          <p:cNvPr id="3" name="TextBox 2"/>
+          <p:cNvSpPr txBox="1"/>
+          <p:nvPr/>
+        </p:nvSpPr>
+        <p:spPr>
+          <a:xfrm>
+            <a:off x="2540000" y="2271298"/>
+            <a:ext cx="1662250" cy="369332"/>
+          </a:xfrm>
+          <a:prstGeom prst="rect">
+            <a:avLst/>
+          </a:prstGeom>
+          <a:noFill/>
+        </p:spPr>
+        <p:txBody>
+          <a:bodyPr wrap="none" rtlCol="0">
+            <a:spAutoFit/>
+          </a:bodyPr>
+          <a:lstStyle/>
+          <a:p>
+            <a:r>
+              <a:rPr lang="en-US" dirty="0"/>
+              <a:t>Snap Horizontal</a:t>
+            </a:r>
+          </a:p>
+        </p:txBody>
+      </p:sp>
+      <p:sp>
+        <p:nvSpPr>
+          <p:cNvPr id="5" name="TextBox 4"/>
+          <p:cNvSpPr txBox="1"/>
+          <p:nvPr/>
+        </p:nvSpPr>
+        <p:spPr>
+          <a:xfrm>
+            <a:off x="4980801" y="2271298"/>
+            <a:ext cx="1402372" cy="369332"/>
+          </a:xfrm>
+          <a:prstGeom prst="rect">
+            <a:avLst/>
+          </a:prstGeom>
+          <a:noFill/>
+        </p:spPr>
+        <p:txBody>
+          <a:bodyPr wrap="none" rtlCol="0">
+            <a:spAutoFit/>
+          </a:bodyPr>
+          <a:lstStyle/>
+          <a:p>
+            <a:r>
+              <a:rPr lang="en-US" dirty="0"/>
+              <a:t>Snap Vertical</a:t>
+            </a:r>
+          </a:p>
+        </p:txBody>
+      </p:sp>
+      <p:sp>
+        <p:nvSpPr>
+          <p:cNvPr id="9" name="TextBox 8"/>
+          <p:cNvSpPr txBox="1"/>
+          <p:nvPr/>
+        </p:nvSpPr>
+        <p:spPr>
+          <a:xfrm>
+            <a:off x="7161724" y="2271298"/>
+            <a:ext cx="1203727" cy="369332"/>
+          </a:xfrm>
+          <a:prstGeom prst="rect">
+            <a:avLst/>
+          </a:prstGeom>
+          <a:noFill/>
+        </p:spPr>
+        <p:txBody>
+          <a:bodyPr wrap="none" rtlCol="0">
+            <a:spAutoFit/>
+          </a:bodyPr>
+          <a:lstStyle/>
+          <a:p>
+            <a:r>
+              <a:rPr lang="en-US" dirty="0"/>
+              <a:t>Snap Away</a:t>
+            </a:r>
+          </a:p>
+        </p:txBody>
+      </p:sp>
+      <p:sp>
+        <p:nvSpPr>
+          <p:cNvPr id="33" name="TextBox 32"/>
+          <p:cNvSpPr txBox="1"/>
+          <p:nvPr/>
+        </p:nvSpPr>
+        <p:spPr>
+          <a:xfrm>
+            <a:off x="752871" y="4613617"/>
+            <a:ext cx="1034257" cy="369332"/>
+          </a:xfrm>
+          <a:prstGeom prst="rect">
+            <a:avLst/>
+          </a:prstGeom>
+          <a:noFill/>
+        </p:spPr>
+        <p:txBody>
+          <a:bodyPr wrap="none" rtlCol="0">
+            <a:spAutoFit/>
+          </a:bodyPr>
+          <a:lstStyle/>
+          <a:p>
+            <a:r>
+              <a:rPr lang="en-US" dirty="0"/>
+              <a:t>Lock Axis</a:t>
+            </a:r>
+          </a:p>
+        </p:txBody>
+      </p:sp>
+      <p:grpSp>
+        <p:nvGrpSpPr>
+          <p:cNvPr id="60" name="Group 59"/>
+          <p:cNvGrpSpPr/>
+          <p:nvPr/>
+        </p:nvGrpSpPr>
+        <p:grpSpPr>
+          <a:xfrm>
+            <a:off x="1026635" y="3373130"/>
+            <a:ext cx="486731" cy="507988"/>
+            <a:chOff x="3016088" y="3308560"/>
+            <a:chExt cx="486731" cy="507988"/>
+          </a:xfrm>
+        </p:grpSpPr>
+        <p:sp>
+          <p:nvSpPr>
+            <p:cNvPr id="47" name="Rectangle 46"/>
+            <p:cNvSpPr/>
+            <p:nvPr/>
+          </p:nvSpPr>
+          <p:spPr>
+            <a:xfrm>
+              <a:off x="3178969" y="3488531"/>
+              <a:ext cx="180975" cy="173832"/>
+            </a:xfrm>
+            <a:prstGeom prst="rect">
+              <a:avLst/>
+            </a:prstGeom>
+            <a:solidFill>
+              <a:srgbClr val="E46B09"/>
+            </a:solidFill>
+            <a:ln w="12700">
+              <a:solidFill>
+                <a:schemeClr val="tx1"/>
+              </a:solidFill>
+            </a:ln>
+          </p:spPr>
+          <p:style>
+            <a:lnRef idx="2">
+              <a:schemeClr val="accent1">
+                <a:shade val="50000"/>
+              </a:schemeClr>
+            </a:lnRef>
+            <a:fillRef idx="1">
+              <a:schemeClr val="accent1"/>
+            </a:fillRef>
+            <a:effectRef idx="0">
+              <a:schemeClr val="accent1"/>
+            </a:effectRef>
+            <a:fontRef idx="minor">
+              <a:schemeClr val="lt1"/>
+            </a:fontRef>
+          </p:style>
+          <p:txBody>
+            <a:bodyPr rtlCol="0" anchor="ctr"/>
+            <a:lstStyle/>
+            <a:p>
+              <a:pPr algn="ctr"/>
+              <a:endParaRPr lang="en-US"/>
+            </a:p>
+          </p:txBody>
+        </p:sp>
+        <p:sp>
+          <p:nvSpPr>
+            <p:cNvPr id="52" name="Oval 51"/>
+            <p:cNvSpPr/>
+            <p:nvPr/>
+          </p:nvSpPr>
+          <p:spPr>
+            <a:xfrm>
+              <a:off x="3016088" y="3328614"/>
+              <a:ext cx="486731" cy="487934"/>
+            </a:xfrm>
+            <a:prstGeom prst="ellipse">
+              <a:avLst/>
+            </a:prstGeom>
+            <a:noFill/>
+            <a:ln w="19050">
+              <a:solidFill>
+                <a:schemeClr val="tx1"/>
+              </a:solidFill>
+              <a:prstDash val="dash"/>
+            </a:ln>
+          </p:spPr>
+          <p:style>
+            <a:lnRef idx="2">
+              <a:schemeClr val="accent1">
+                <a:shade val="50000"/>
+              </a:schemeClr>
+            </a:lnRef>
+            <a:fillRef idx="1">
+              <a:schemeClr val="accent1"/>
+            </a:fillRef>
+            <a:effectRef idx="0">
+              <a:schemeClr val="accent1"/>
+            </a:effectRef>
+            <a:fontRef idx="minor">
+              <a:schemeClr val="lt1"/>
+            </a:fontRef>
+          </p:style>
+          <p:txBody>
+            <a:bodyPr rtlCol="0" anchor="ctr"/>
+            <a:lstStyle/>
+            <a:p>
+              <a:pPr algn="ctr"/>
+              <a:endParaRPr lang="en-US"/>
+            </a:p>
+          </p:txBody>
+        </p:sp>
+        <p:sp>
+          <p:nvSpPr>
+            <p:cNvPr id="49" name="Rectangle 48"/>
+            <p:cNvSpPr/>
+            <p:nvPr/>
+          </p:nvSpPr>
+          <p:spPr>
+            <a:xfrm rot="19174279">
+              <a:off x="3413300" y="3308560"/>
+              <a:ext cx="71771" cy="248207"/>
+            </a:xfrm>
+            <a:prstGeom prst="rect">
+              <a:avLst/>
+            </a:prstGeom>
+            <a:solidFill>
+              <a:srgbClr val="0070C0"/>
+            </a:solidFill>
+            <a:ln w="12700">
+              <a:solidFill>
+                <a:schemeClr val="tx1"/>
+              </a:solidFill>
+            </a:ln>
+          </p:spPr>
+          <p:style>
+            <a:lnRef idx="2">
+              <a:schemeClr val="accent1">
+                <a:shade val="50000"/>
+              </a:schemeClr>
+            </a:lnRef>
+            <a:fillRef idx="1">
+              <a:schemeClr val="accent1"/>
+            </a:fillRef>
+            <a:effectRef idx="0">
+              <a:schemeClr val="accent1"/>
+            </a:effectRef>
+            <a:fontRef idx="minor">
+              <a:schemeClr val="lt1"/>
+            </a:fontRef>
+          </p:style>
+          <p:txBody>
+            <a:bodyPr rtlCol="0" anchor="ctr"/>
+            <a:lstStyle/>
+            <a:p>
+              <a:pPr algn="ctr"/>
+              <a:endParaRPr lang="en-US"/>
+            </a:p>
+          </p:txBody>
+        </p:sp>
+      </p:grpSp>
+      <p:grpSp>
+        <p:nvGrpSpPr>
+          <p:cNvPr id="89" name="Group 88"/>
+          <p:cNvGrpSpPr/>
+          <p:nvPr/>
+        </p:nvGrpSpPr>
+        <p:grpSpPr>
+          <a:xfrm>
+            <a:off x="810950" y="5458519"/>
+            <a:ext cx="559539" cy="311642"/>
+            <a:chOff x="4291068" y="3238762"/>
+            <a:chExt cx="559539" cy="311642"/>
+          </a:xfrm>
+        </p:grpSpPr>
+        <p:sp>
+          <p:nvSpPr>
+            <p:cNvPr id="62" name="Rectangle 61"/>
+            <p:cNvSpPr/>
+            <p:nvPr/>
+          </p:nvSpPr>
+          <p:spPr>
+            <a:xfrm>
+              <a:off x="4622007" y="3459956"/>
+              <a:ext cx="228600" cy="90448"/>
+            </a:xfrm>
+            <a:prstGeom prst="rect">
+              <a:avLst/>
+            </a:prstGeom>
+            <a:solidFill>
+              <a:srgbClr val="E46B09"/>
+            </a:solidFill>
+            <a:ln w="12700">
+              <a:solidFill>
+                <a:schemeClr val="tx1"/>
+              </a:solidFill>
+            </a:ln>
+          </p:spPr>
+          <p:style>
+            <a:lnRef idx="2">
+              <a:schemeClr val="accent1">
+                <a:shade val="50000"/>
+              </a:schemeClr>
+            </a:lnRef>
+            <a:fillRef idx="1">
+              <a:schemeClr val="accent1"/>
+            </a:fillRef>
+            <a:effectRef idx="0">
+              <a:schemeClr val="accent1"/>
+            </a:effectRef>
+            <a:fontRef idx="minor">
+              <a:schemeClr val="lt1"/>
+            </a:fontRef>
+          </p:style>
+          <p:txBody>
+            <a:bodyPr rtlCol="0" anchor="ctr"/>
+            <a:lstStyle/>
+            <a:p>
+              <a:pPr algn="ctr"/>
+              <a:endParaRPr lang="en-US"/>
+            </a:p>
+          </p:txBody>
+        </p:sp>
+        <p:sp>
+          <p:nvSpPr>
+            <p:cNvPr id="64" name="Rectangle 63"/>
+            <p:cNvSpPr/>
+            <p:nvPr/>
+          </p:nvSpPr>
+          <p:spPr>
+            <a:xfrm>
+              <a:off x="4622007" y="3238762"/>
+              <a:ext cx="228600" cy="90448"/>
+            </a:xfrm>
+            <a:prstGeom prst="rect">
+              <a:avLst/>
+            </a:prstGeom>
+            <a:solidFill>
+              <a:srgbClr val="E46B09">
+                <a:alpha val="60000"/>
+              </a:srgbClr>
+            </a:solidFill>
+            <a:ln w="12700">
+              <a:solidFill>
+                <a:schemeClr val="tx1"/>
+              </a:solidFill>
+              <a:prstDash val="dash"/>
+            </a:ln>
+          </p:spPr>
+          <p:style>
+            <a:lnRef idx="2">
+              <a:schemeClr val="accent1">
+                <a:shade val="50000"/>
+              </a:schemeClr>
+            </a:lnRef>
+            <a:fillRef idx="1">
+              <a:schemeClr val="accent1"/>
+            </a:fillRef>
+            <a:effectRef idx="0">
+              <a:schemeClr val="accent1"/>
+            </a:effectRef>
+            <a:fontRef idx="minor">
+              <a:schemeClr val="lt1"/>
+            </a:fontRef>
+          </p:style>
+          <p:txBody>
+            <a:bodyPr rtlCol="0" anchor="ctr"/>
+            <a:lstStyle/>
+            <a:p>
+              <a:pPr algn="ctr"/>
+              <a:endParaRPr lang="en-US"/>
+            </a:p>
+          </p:txBody>
+        </p:sp>
+        <p:sp>
+          <p:nvSpPr>
+            <p:cNvPr id="65" name="Rectangle 64"/>
+            <p:cNvSpPr/>
+            <p:nvPr/>
+          </p:nvSpPr>
+          <p:spPr>
+            <a:xfrm>
+              <a:off x="4291068" y="3457574"/>
+              <a:ext cx="228600" cy="90448"/>
+            </a:xfrm>
+            <a:prstGeom prst="rect">
+              <a:avLst/>
+            </a:prstGeom>
+            <a:solidFill>
+              <a:srgbClr val="E46B09">
+                <a:alpha val="60000"/>
+              </a:srgbClr>
+            </a:solidFill>
+            <a:ln w="12700">
+              <a:solidFill>
+                <a:schemeClr val="tx1"/>
+              </a:solidFill>
+              <a:prstDash val="dash"/>
+            </a:ln>
+          </p:spPr>
+          <p:style>
+            <a:lnRef idx="2">
+              <a:schemeClr val="accent1">
+                <a:shade val="50000"/>
+              </a:schemeClr>
+            </a:lnRef>
+            <a:fillRef idx="1">
+              <a:schemeClr val="accent1"/>
+            </a:fillRef>
+            <a:effectRef idx="0">
+              <a:schemeClr val="accent1"/>
+            </a:effectRef>
+            <a:fontRef idx="minor">
+              <a:schemeClr val="lt1"/>
+            </a:fontRef>
+          </p:style>
+          <p:txBody>
+            <a:bodyPr rtlCol="0" anchor="ctr"/>
+            <a:lstStyle/>
+            <a:p>
+              <a:pPr algn="ctr"/>
+              <a:endParaRPr lang="en-US"/>
+            </a:p>
+          </p:txBody>
+        </p:sp>
+        <p:cxnSp>
+          <p:nvCxnSpPr>
+            <p:cNvPr id="70" name="Straight Connector 69"/>
+            <p:cNvCxnSpPr>
+              <a:stCxn id="64" idx="3"/>
+              <a:endCxn id="62" idx="3"/>
+            </p:cNvCxnSpPr>
+            <p:nvPr/>
+          </p:nvCxnSpPr>
+          <p:spPr>
+            <a:xfrm>
+              <a:off x="4850607" y="3283986"/>
+              <a:ext cx="0" cy="221194"/>
+            </a:xfrm>
+            <a:prstGeom prst="line">
+              <a:avLst/>
+            </a:prstGeom>
+            <a:ln w="12700">
+              <a:solidFill>
+                <a:schemeClr val="tx1"/>
+              </a:solidFill>
+              <a:prstDash val="dash"/>
+            </a:ln>
+          </p:spPr>
+          <p:style>
+            <a:lnRef idx="1">
+              <a:schemeClr val="accent1"/>
+            </a:lnRef>
+            <a:fillRef idx="0">
+              <a:schemeClr val="accent1"/>
+            </a:fillRef>
+            <a:effectRef idx="0">
+              <a:schemeClr val="accent1"/>
+            </a:effectRef>
+            <a:fontRef idx="minor">
+              <a:schemeClr val="tx1"/>
+            </a:fontRef>
+          </p:style>
+        </p:cxnSp>
+        <p:cxnSp>
+          <p:nvCxnSpPr>
+            <p:cNvPr id="72" name="Straight Connector 71"/>
+            <p:cNvCxnSpPr>
+              <a:stCxn id="64" idx="1"/>
+              <a:endCxn id="62" idx="1"/>
+            </p:cNvCxnSpPr>
+            <p:nvPr/>
+          </p:nvCxnSpPr>
+          <p:spPr>
+            <a:xfrm>
+              <a:off x="4622007" y="3283986"/>
+              <a:ext cx="0" cy="221194"/>
+            </a:xfrm>
+            <a:prstGeom prst="line">
+              <a:avLst/>
+            </a:prstGeom>
+            <a:ln w="12700">
+              <a:solidFill>
+                <a:schemeClr val="tx1"/>
+              </a:solidFill>
+              <a:prstDash val="dash"/>
+            </a:ln>
+          </p:spPr>
+          <p:style>
+            <a:lnRef idx="1">
+              <a:schemeClr val="accent1"/>
+            </a:lnRef>
+            <a:fillRef idx="0">
+              <a:schemeClr val="accent1"/>
+            </a:fillRef>
+            <a:effectRef idx="0">
+              <a:schemeClr val="accent1"/>
+            </a:effectRef>
+            <a:fontRef idx="minor">
+              <a:schemeClr val="tx1"/>
+            </a:fontRef>
+          </p:style>
+        </p:cxnSp>
+        <p:cxnSp>
+          <p:nvCxnSpPr>
+            <p:cNvPr id="77" name="Straight Connector 76"/>
+            <p:cNvCxnSpPr>
+              <a:stCxn id="65" idx="0"/>
+            </p:cNvCxnSpPr>
+            <p:nvPr/>
+          </p:nvCxnSpPr>
+          <p:spPr>
+            <a:xfrm>
+              <a:off x="4405368" y="3457574"/>
+              <a:ext cx="324958" cy="2381"/>
+            </a:xfrm>
+            <a:prstGeom prst="line">
+              <a:avLst/>
+            </a:prstGeom>
+            <a:ln w="12700">
+              <a:solidFill>
+                <a:schemeClr val="tx1"/>
+              </a:solidFill>
+              <a:prstDash val="dash"/>
+            </a:ln>
+          </p:spPr>
+          <p:style>
+            <a:lnRef idx="1">
+              <a:schemeClr val="accent1"/>
+            </a:lnRef>
+            <a:fillRef idx="0">
+              <a:schemeClr val="accent1"/>
+            </a:fillRef>
+            <a:effectRef idx="0">
+              <a:schemeClr val="accent1"/>
+            </a:effectRef>
+            <a:fontRef idx="minor">
+              <a:schemeClr val="tx1"/>
+            </a:fontRef>
+          </p:style>
+        </p:cxnSp>
+        <p:cxnSp>
+          <p:nvCxnSpPr>
+            <p:cNvPr id="80" name="Straight Connector 79"/>
+            <p:cNvCxnSpPr>
+              <a:stCxn id="65" idx="2"/>
+              <a:endCxn id="62" idx="2"/>
+            </p:cNvCxnSpPr>
+            <p:nvPr/>
+          </p:nvCxnSpPr>
+          <p:spPr>
+            <a:xfrm>
+              <a:off x="4405368" y="3548022"/>
+              <a:ext cx="330939" cy="2382"/>
+            </a:xfrm>
+            <a:prstGeom prst="line">
+              <a:avLst/>
+            </a:prstGeom>
+            <a:ln w="12700">
+              <a:solidFill>
+                <a:schemeClr val="tx1"/>
+              </a:solidFill>
+              <a:prstDash val="dash"/>
+            </a:ln>
+          </p:spPr>
+          <p:style>
+            <a:lnRef idx="1">
+              <a:schemeClr val="accent1"/>
+            </a:lnRef>
+            <a:fillRef idx="0">
+              <a:schemeClr val="accent1"/>
+            </a:fillRef>
+            <a:effectRef idx="0">
+              <a:schemeClr val="accent1"/>
+            </a:effectRef>
+            <a:fontRef idx="minor">
+              <a:schemeClr val="tx1"/>
+            </a:fontRef>
+          </p:style>
+        </p:cxnSp>
+      </p:grpSp>
+      <p:grpSp>
+        <p:nvGrpSpPr>
+          <p:cNvPr id="117" name="Group 116"/>
+          <p:cNvGrpSpPr/>
+          <p:nvPr/>
+        </p:nvGrpSpPr>
+        <p:grpSpPr>
+          <a:xfrm>
+            <a:off x="3166337" y="3422336"/>
+            <a:ext cx="409575" cy="409575"/>
+            <a:chOff x="3166337" y="3543806"/>
+            <a:chExt cx="409575" cy="409575"/>
+          </a:xfrm>
+        </p:grpSpPr>
+        <p:sp>
+          <p:nvSpPr>
+            <p:cNvPr id="91" name="Rectangle 90"/>
+            <p:cNvSpPr/>
+            <p:nvPr/>
+          </p:nvSpPr>
+          <p:spPr>
+            <a:xfrm rot="4575288">
+              <a:off x="3166336" y="3680727"/>
+              <a:ext cx="409575" cy="135733"/>
+            </a:xfrm>
+            <a:prstGeom prst="rect">
+              <a:avLst/>
+            </a:prstGeom>
+            <a:solidFill>
+              <a:srgbClr val="E46B09">
+                <a:alpha val="60000"/>
+              </a:srgbClr>
+            </a:solidFill>
+            <a:ln w="12700">
+              <a:solidFill>
+                <a:schemeClr val="tx1"/>
+              </a:solidFill>
+              <a:prstDash val="dash"/>
+            </a:ln>
+          </p:spPr>
+          <p:style>
+            <a:lnRef idx="2">
+              <a:schemeClr val="accent1">
+                <a:shade val="50000"/>
+              </a:schemeClr>
+            </a:lnRef>
+            <a:fillRef idx="1">
+              <a:schemeClr val="accent1"/>
+            </a:fillRef>
+            <a:effectRef idx="0">
+              <a:schemeClr val="accent1"/>
+            </a:effectRef>
+            <a:fontRef idx="minor">
+              <a:schemeClr val="lt1"/>
+            </a:fontRef>
+          </p:style>
+          <p:txBody>
+            <a:bodyPr rtlCol="0" anchor="ctr"/>
+            <a:lstStyle/>
+            <a:p>
+              <a:pPr algn="ctr"/>
+              <a:endParaRPr lang="en-US"/>
+            </a:p>
+          </p:txBody>
+        </p:sp>
+        <p:sp>
+          <p:nvSpPr>
+            <p:cNvPr id="90" name="Rectangle 89"/>
+            <p:cNvSpPr/>
+            <p:nvPr/>
+          </p:nvSpPr>
+          <p:spPr>
+            <a:xfrm>
+              <a:off x="3166337" y="3683941"/>
+              <a:ext cx="409575" cy="135733"/>
+            </a:xfrm>
+            <a:prstGeom prst="rect">
+              <a:avLst/>
+            </a:prstGeom>
+            <a:solidFill>
+              <a:srgbClr val="E46B09"/>
+            </a:solidFill>
+            <a:ln w="12700">
+              <a:solidFill>
+                <a:schemeClr val="tx1"/>
+              </a:solidFill>
+            </a:ln>
+          </p:spPr>
+          <p:style>
+            <a:lnRef idx="2">
+              <a:schemeClr val="accent1">
+                <a:shade val="50000"/>
+              </a:schemeClr>
+            </a:lnRef>
+            <a:fillRef idx="1">
+              <a:schemeClr val="accent1"/>
+            </a:fillRef>
+            <a:effectRef idx="0">
+              <a:schemeClr val="accent1"/>
+            </a:effectRef>
+            <a:fontRef idx="minor">
+              <a:schemeClr val="lt1"/>
+            </a:fontRef>
+          </p:style>
+          <p:txBody>
+            <a:bodyPr rtlCol="0" anchor="ctr"/>
+            <a:lstStyle/>
+            <a:p>
+              <a:pPr algn="ctr"/>
+              <a:endParaRPr lang="en-US"/>
+            </a:p>
+          </p:txBody>
+        </p:sp>
+        <p:cxnSp>
+          <p:nvCxnSpPr>
+            <p:cNvPr id="93" name="Straight Arrow Connector 92"/>
+            <p:cNvCxnSpPr/>
+            <p:nvPr/>
+          </p:nvCxnSpPr>
+          <p:spPr>
+            <a:xfrm flipV="1">
+              <a:off x="3506856" y="3838724"/>
+              <a:ext cx="69056" cy="64293"/>
+            </a:xfrm>
+            <a:prstGeom prst="straightConnector1">
+              <a:avLst/>
+            </a:prstGeom>
+            <a:ln w="19050">
+              <a:solidFill>
+                <a:schemeClr val="tx1"/>
+              </a:solidFill>
+              <a:tailEnd type="triangle"/>
+            </a:ln>
+          </p:spPr>
+          <p:style>
+            <a:lnRef idx="1">
+              <a:schemeClr val="accent1"/>
+            </a:lnRef>
+            <a:fillRef idx="0">
+              <a:schemeClr val="accent1"/>
+            </a:fillRef>
+            <a:effectRef idx="0">
+              <a:schemeClr val="accent1"/>
+            </a:effectRef>
+            <a:fontRef idx="minor">
+              <a:schemeClr val="tx1"/>
+            </a:fontRef>
+          </p:style>
+        </p:cxnSp>
+        <p:cxnSp>
+          <p:nvCxnSpPr>
+            <p:cNvPr id="95" name="Straight Arrow Connector 94"/>
+            <p:cNvCxnSpPr/>
+            <p:nvPr/>
+          </p:nvCxnSpPr>
+          <p:spPr>
+            <a:xfrm flipH="1">
+              <a:off x="3183006" y="3594951"/>
+              <a:ext cx="68147" cy="69941"/>
+            </a:xfrm>
+            <a:prstGeom prst="straightConnector1">
+              <a:avLst/>
+            </a:prstGeom>
+            <a:ln w="19050">
+              <a:solidFill>
+                <a:schemeClr val="tx1"/>
+              </a:solidFill>
+              <a:tailEnd type="triangle"/>
+            </a:ln>
+          </p:spPr>
+          <p:style>
+            <a:lnRef idx="1">
+              <a:schemeClr val="accent1"/>
+            </a:lnRef>
+            <a:fillRef idx="0">
+              <a:schemeClr val="accent1"/>
+            </a:fillRef>
+            <a:effectRef idx="0">
+              <a:schemeClr val="accent1"/>
+            </a:effectRef>
+            <a:fontRef idx="minor">
+              <a:schemeClr val="tx1"/>
+            </a:fontRef>
+          </p:style>
+        </p:cxnSp>
+      </p:grpSp>
+      <p:grpSp>
+        <p:nvGrpSpPr>
+          <p:cNvPr id="116" name="Group 115"/>
+          <p:cNvGrpSpPr/>
+          <p:nvPr/>
+        </p:nvGrpSpPr>
+        <p:grpSpPr>
+          <a:xfrm>
+            <a:off x="5476008" y="3421145"/>
+            <a:ext cx="411957" cy="411957"/>
+            <a:chOff x="7211305" y="6260306"/>
+            <a:chExt cx="411957" cy="411957"/>
+          </a:xfrm>
+        </p:grpSpPr>
+        <p:sp>
+          <p:nvSpPr>
+            <p:cNvPr id="101" name="Rectangle 100"/>
+            <p:cNvSpPr/>
+            <p:nvPr/>
+          </p:nvSpPr>
+          <p:spPr>
+            <a:xfrm rot="4606391">
+              <a:off x="7350608" y="6260305"/>
+              <a:ext cx="133351" cy="411957"/>
+            </a:xfrm>
+            <a:prstGeom prst="rect">
+              <a:avLst/>
+            </a:prstGeom>
+            <a:solidFill>
+              <a:srgbClr val="E46B09">
+                <a:alpha val="60000"/>
+              </a:srgbClr>
+            </a:solidFill>
+            <a:ln w="12700">
+              <a:solidFill>
+                <a:schemeClr val="tx1">
+                  <a:alpha val="60000"/>
+                </a:schemeClr>
+              </a:solidFill>
+              <a:prstDash val="dash"/>
+            </a:ln>
+          </p:spPr>
+          <p:style>
+            <a:lnRef idx="2">
+              <a:schemeClr val="accent1">
+                <a:shade val="50000"/>
+              </a:schemeClr>
+            </a:lnRef>
+            <a:fillRef idx="1">
+              <a:schemeClr val="accent1"/>
+            </a:fillRef>
+            <a:effectRef idx="0">
+              <a:schemeClr val="accent1"/>
+            </a:effectRef>
+            <a:fontRef idx="minor">
+              <a:schemeClr val="lt1"/>
+            </a:fontRef>
+          </p:style>
+          <p:txBody>
+            <a:bodyPr rtlCol="0" anchor="ctr"/>
+            <a:lstStyle/>
+            <a:p>
+              <a:pPr algn="ctr"/>
+              <a:endParaRPr lang="en-US"/>
+            </a:p>
+          </p:txBody>
+        </p:sp>
+        <p:sp>
+          <p:nvSpPr>
+            <p:cNvPr id="100" name="Rectangle 99"/>
+            <p:cNvSpPr/>
+            <p:nvPr/>
+          </p:nvSpPr>
+          <p:spPr>
+            <a:xfrm>
+              <a:off x="7353300" y="6260306"/>
+              <a:ext cx="133351" cy="411957"/>
+            </a:xfrm>
+            <a:prstGeom prst="rect">
+              <a:avLst/>
+            </a:prstGeom>
+            <a:solidFill>
+              <a:srgbClr val="E46B09"/>
+            </a:solidFill>
+            <a:ln w="12700">
+              <a:solidFill>
+                <a:schemeClr val="tx1"/>
+              </a:solidFill>
+            </a:ln>
+          </p:spPr>
+          <p:style>
+            <a:lnRef idx="2">
+              <a:schemeClr val="accent1">
+                <a:shade val="50000"/>
+              </a:schemeClr>
+            </a:lnRef>
+            <a:fillRef idx="1">
+              <a:schemeClr val="accent1"/>
+            </a:fillRef>
+            <a:effectRef idx="0">
+              <a:schemeClr val="accent1"/>
+            </a:effectRef>
+            <a:fontRef idx="minor">
+              <a:schemeClr val="lt1"/>
+            </a:fontRef>
+          </p:style>
+          <p:txBody>
+            <a:bodyPr rtlCol="0" anchor="ctr"/>
+            <a:lstStyle/>
+            <a:p>
+              <a:pPr algn="ctr"/>
+              <a:endParaRPr lang="en-US"/>
+            </a:p>
+          </p:txBody>
+        </p:sp>
+        <p:cxnSp>
+          <p:nvCxnSpPr>
+            <p:cNvPr id="103" name="Straight Arrow Connector 102"/>
+            <p:cNvCxnSpPr/>
+            <p:nvPr/>
+          </p:nvCxnSpPr>
+          <p:spPr>
+            <a:xfrm flipH="1" flipV="1">
+              <a:off x="7505700" y="6260306"/>
+              <a:ext cx="76200" cy="73819"/>
+            </a:xfrm>
+            <a:prstGeom prst="straightConnector1">
+              <a:avLst/>
+            </a:prstGeom>
+            <a:ln w="19050">
+              <a:solidFill>
+                <a:schemeClr val="tx1"/>
+              </a:solidFill>
+              <a:tailEnd type="triangle"/>
+            </a:ln>
+          </p:spPr>
+          <p:style>
+            <a:lnRef idx="1">
+              <a:schemeClr val="accent1"/>
+            </a:lnRef>
+            <a:fillRef idx="0">
+              <a:schemeClr val="accent1"/>
+            </a:fillRef>
+            <a:effectRef idx="0">
+              <a:schemeClr val="accent1"/>
+            </a:effectRef>
+            <a:fontRef idx="minor">
+              <a:schemeClr val="tx1"/>
+            </a:fontRef>
+          </p:style>
+        </p:cxnSp>
+        <p:cxnSp>
+          <p:nvCxnSpPr>
+            <p:cNvPr id="108" name="Straight Arrow Connector 107"/>
+            <p:cNvCxnSpPr/>
+            <p:nvPr/>
+          </p:nvCxnSpPr>
+          <p:spPr>
+            <a:xfrm>
+              <a:off x="7262814" y="6589036"/>
+              <a:ext cx="71437" cy="72511"/>
+            </a:xfrm>
+            <a:prstGeom prst="straightConnector1">
+              <a:avLst/>
+            </a:prstGeom>
+            <a:ln w="19050">
+              <a:solidFill>
+                <a:schemeClr val="tx1"/>
+              </a:solidFill>
+              <a:tailEnd type="triangle"/>
+            </a:ln>
+          </p:spPr>
+          <p:style>
+            <a:lnRef idx="1">
+              <a:schemeClr val="accent1"/>
+            </a:lnRef>
+            <a:fillRef idx="0">
+              <a:schemeClr val="accent1"/>
+            </a:fillRef>
+            <a:effectRef idx="0">
+              <a:schemeClr val="accent1"/>
+            </a:effectRef>
+            <a:fontRef idx="minor">
+              <a:schemeClr val="tx1"/>
+            </a:fontRef>
+          </p:style>
+        </p:cxnSp>
+      </p:grpSp>
+      <p:grpSp>
+        <p:nvGrpSpPr>
+          <p:cNvPr id="267" name="Group 266"/>
+          <p:cNvGrpSpPr/>
+          <p:nvPr/>
+        </p:nvGrpSpPr>
+        <p:grpSpPr>
+          <a:xfrm>
+            <a:off x="7415889" y="3361446"/>
+            <a:ext cx="520939" cy="531355"/>
+            <a:chOff x="5824134" y="5895605"/>
+            <a:chExt cx="520939" cy="531355"/>
+          </a:xfrm>
+        </p:grpSpPr>
+        <p:sp>
+          <p:nvSpPr>
+            <p:cNvPr id="118" name="Rectangle 117"/>
+            <p:cNvSpPr/>
+            <p:nvPr/>
+          </p:nvSpPr>
+          <p:spPr>
+            <a:xfrm>
+              <a:off x="6017980" y="6088856"/>
+              <a:ext cx="142876" cy="142875"/>
+            </a:xfrm>
+            <a:prstGeom prst="rect">
+              <a:avLst/>
+            </a:prstGeom>
+            <a:solidFill>
+              <a:srgbClr val="E46B09"/>
+            </a:solidFill>
+            <a:ln w="12700">
+              <a:solidFill>
+                <a:schemeClr val="tx1"/>
+              </a:solidFill>
+            </a:ln>
+          </p:spPr>
+          <p:style>
+            <a:lnRef idx="2">
+              <a:schemeClr val="accent1">
+                <a:shade val="50000"/>
+              </a:schemeClr>
+            </a:lnRef>
+            <a:fillRef idx="1">
+              <a:schemeClr val="accent1"/>
+            </a:fillRef>
+            <a:effectRef idx="0">
+              <a:schemeClr val="accent1"/>
+            </a:effectRef>
+            <a:fontRef idx="minor">
+              <a:schemeClr val="lt1"/>
+            </a:fontRef>
+          </p:style>
+          <p:txBody>
+            <a:bodyPr rtlCol="0" anchor="ctr"/>
+            <a:lstStyle/>
+            <a:p>
+              <a:pPr algn="ctr"/>
+              <a:endParaRPr lang="en-US"/>
+            </a:p>
+          </p:txBody>
+        </p:sp>
+        <p:grpSp>
+          <p:nvGrpSpPr>
+            <p:cNvPr id="131" name="Group 130"/>
+            <p:cNvGrpSpPr/>
+            <p:nvPr/>
+          </p:nvGrpSpPr>
+          <p:grpSpPr>
+            <a:xfrm>
+              <a:off x="6001392" y="6271080"/>
+              <a:ext cx="155880" cy="155880"/>
+              <a:chOff x="6177194" y="5096973"/>
+              <a:chExt cx="411957" cy="411957"/>
+            </a:xfrm>
+          </p:grpSpPr>
+          <p:sp>
+            <p:nvSpPr>
+              <p:cNvPr id="121" name="Rectangle 120"/>
+              <p:cNvSpPr/>
+              <p:nvPr/>
+            </p:nvSpPr>
+            <p:spPr>
+              <a:xfrm rot="4606391">
+                <a:off x="6316497" y="5096972"/>
+                <a:ext cx="133351" cy="411957"/>
+              </a:xfrm>
+              <a:prstGeom prst="rect">
+                <a:avLst/>
+              </a:prstGeom>
+              <a:solidFill>
+                <a:srgbClr val="0070C0">
+                  <a:alpha val="60000"/>
+                </a:srgbClr>
+              </a:solidFill>
+              <a:ln w="12700">
+                <a:solidFill>
+                  <a:schemeClr val="tx1">
+                    <a:alpha val="60000"/>
+                  </a:schemeClr>
+                </a:solidFill>
+                <a:prstDash val="dash"/>
+              </a:ln>
+            </p:spPr>
+            <p:style>
+              <a:lnRef idx="2">
+                <a:schemeClr val="accent1">
+                  <a:shade val="50000"/>
+                </a:schemeClr>
+              </a:lnRef>
+              <a:fillRef idx="1">
+                <a:schemeClr val="accent1"/>
+              </a:fillRef>
+              <a:effectRef idx="0">
+                <a:schemeClr val="accent1"/>
+              </a:effectRef>
+              <a:fontRef idx="minor">
+                <a:schemeClr val="lt1"/>
+              </a:fontRef>
+            </p:style>
+            <p:txBody>
+              <a:bodyPr rtlCol="0" anchor="ctr"/>
+              <a:lstStyle/>
+              <a:p>
+                <a:pPr algn="ctr"/>
+                <a:endParaRPr lang="en-US"/>
+              </a:p>
+            </p:txBody>
+          </p:sp>
+          <p:sp>
+            <p:nvSpPr>
+              <p:cNvPr id="122" name="Rectangle 121"/>
+              <p:cNvSpPr/>
+              <p:nvPr/>
+            </p:nvSpPr>
+            <p:spPr>
+              <a:xfrm>
+                <a:off x="6319189" y="5096973"/>
+                <a:ext cx="133351" cy="411957"/>
+              </a:xfrm>
+              <a:prstGeom prst="rect">
+                <a:avLst/>
+              </a:prstGeom>
+              <a:solidFill>
+                <a:srgbClr val="0070C0"/>
+              </a:solidFill>
+              <a:ln w="12700">
+                <a:solidFill>
+                  <a:schemeClr val="tx1"/>
+                </a:solidFill>
+              </a:ln>
+            </p:spPr>
+            <p:style>
+              <a:lnRef idx="2">
+                <a:schemeClr val="accent1">
+                  <a:shade val="50000"/>
+                </a:schemeClr>
+              </a:lnRef>
+              <a:fillRef idx="1">
+                <a:schemeClr val="accent1"/>
+              </a:fillRef>
+              <a:effectRef idx="0">
+                <a:schemeClr val="accent1"/>
+              </a:effectRef>
+              <a:fontRef idx="minor">
+                <a:schemeClr val="lt1"/>
+              </a:fontRef>
+            </p:style>
+            <p:txBody>
+              <a:bodyPr rtlCol="0" anchor="ctr"/>
+              <a:lstStyle/>
+              <a:p>
+                <a:pPr algn="ctr"/>
+                <a:endParaRPr lang="en-US"/>
+              </a:p>
+            </p:txBody>
+          </p:sp>
+          <p:sp>
+            <p:nvSpPr>
+              <p:cNvPr id="127" name="Isosceles Triangle 126"/>
+              <p:cNvSpPr/>
+              <p:nvPr/>
+            </p:nvSpPr>
+            <p:spPr>
+              <a:xfrm rot="18759584">
+                <a:off x="6490864" y="5108865"/>
+                <a:ext cx="52387" cy="45719"/>
+              </a:xfrm>
+              <a:prstGeom prst="triangle">
+                <a:avLst/>
+              </a:prstGeom>
+              <a:solidFill>
+                <a:schemeClr val="tx1"/>
+              </a:solidFill>
+              <a:ln w="12700">
+                <a:solidFill>
+                  <a:schemeClr val="tx1"/>
+                </a:solidFill>
+              </a:ln>
+            </p:spPr>
+            <p:style>
+              <a:lnRef idx="2">
+                <a:schemeClr val="accent1">
+                  <a:shade val="50000"/>
+                </a:schemeClr>
+              </a:lnRef>
+              <a:fillRef idx="1">
+                <a:schemeClr val="accent1"/>
+              </a:fillRef>
+              <a:effectRef idx="0">
+                <a:schemeClr val="accent1"/>
+              </a:effectRef>
+              <a:fontRef idx="minor">
+                <a:schemeClr val="lt1"/>
+              </a:fontRef>
+            </p:style>
+            <p:txBody>
+              <a:bodyPr rtlCol="0" anchor="ctr"/>
+              <a:lstStyle/>
+              <a:p>
+                <a:pPr algn="ctr"/>
+                <a:endParaRPr lang="en-US"/>
+              </a:p>
+            </p:txBody>
+          </p:sp>
+          <p:sp>
+            <p:nvSpPr>
+              <p:cNvPr id="130" name="Isosceles Triangle 129"/>
+              <p:cNvSpPr/>
+              <p:nvPr/>
+            </p:nvSpPr>
+            <p:spPr>
+              <a:xfrm rot="7659000">
+                <a:off x="6228940" y="5446182"/>
+                <a:ext cx="52387" cy="45719"/>
+              </a:xfrm>
+              <a:prstGeom prst="triangle">
+                <a:avLst/>
+              </a:prstGeom>
+              <a:solidFill>
+                <a:schemeClr val="tx1"/>
+              </a:solidFill>
+              <a:ln w="12700">
+                <a:solidFill>
+                  <a:schemeClr val="tx1"/>
+                </a:solidFill>
+              </a:ln>
+            </p:spPr>
+            <p:style>
+              <a:lnRef idx="2">
+                <a:schemeClr val="accent1">
+                  <a:shade val="50000"/>
+                </a:schemeClr>
+              </a:lnRef>
+              <a:fillRef idx="1">
+                <a:schemeClr val="accent1"/>
+              </a:fillRef>
+              <a:effectRef idx="0">
+                <a:schemeClr val="accent1"/>
+              </a:effectRef>
+              <a:fontRef idx="minor">
+                <a:schemeClr val="lt1"/>
+              </a:fontRef>
+            </p:style>
+            <p:txBody>
+              <a:bodyPr rtlCol="0" anchor="ctr"/>
+              <a:lstStyle/>
+              <a:p>
+                <a:pPr algn="ctr"/>
+                <a:endParaRPr lang="en-US"/>
+              </a:p>
+            </p:txBody>
+          </p:sp>
+        </p:grpSp>
+        <p:grpSp>
+          <p:nvGrpSpPr>
+            <p:cNvPr id="132" name="Group 131"/>
+            <p:cNvGrpSpPr>
+              <a:grpSpLocks/>
+            </p:cNvGrpSpPr>
+            <p:nvPr/>
+          </p:nvGrpSpPr>
+          <p:grpSpPr>
+            <a:xfrm flipH="1">
+              <a:off x="6001392" y="5895605"/>
+              <a:ext cx="155880" cy="155880"/>
+              <a:chOff x="6177194" y="5096973"/>
+              <a:chExt cx="411957" cy="411957"/>
+            </a:xfrm>
+          </p:grpSpPr>
+          <p:sp>
+            <p:nvSpPr>
+              <p:cNvPr id="133" name="Rectangle 132"/>
+              <p:cNvSpPr/>
+              <p:nvPr/>
+            </p:nvSpPr>
+            <p:spPr>
+              <a:xfrm rot="4606391">
+                <a:off x="6316497" y="5096972"/>
+                <a:ext cx="133351" cy="411957"/>
+              </a:xfrm>
+              <a:prstGeom prst="rect">
+                <a:avLst/>
+              </a:prstGeom>
+              <a:solidFill>
+                <a:srgbClr val="0070C0">
+                  <a:alpha val="60000"/>
+                </a:srgbClr>
+              </a:solidFill>
+              <a:ln w="12700">
+                <a:solidFill>
+                  <a:schemeClr val="tx1">
+                    <a:alpha val="60000"/>
+                  </a:schemeClr>
+                </a:solidFill>
+                <a:prstDash val="dash"/>
+              </a:ln>
+            </p:spPr>
+            <p:style>
+              <a:lnRef idx="2">
+                <a:schemeClr val="accent1">
+                  <a:shade val="50000"/>
+                </a:schemeClr>
+              </a:lnRef>
+              <a:fillRef idx="1">
+                <a:schemeClr val="accent1"/>
+              </a:fillRef>
+              <a:effectRef idx="0">
+                <a:schemeClr val="accent1"/>
+              </a:effectRef>
+              <a:fontRef idx="minor">
+                <a:schemeClr val="lt1"/>
+              </a:fontRef>
+            </p:style>
+            <p:txBody>
+              <a:bodyPr rtlCol="0" anchor="ctr"/>
+              <a:lstStyle/>
+              <a:p>
+                <a:pPr algn="ctr"/>
+                <a:endParaRPr lang="en-US"/>
+              </a:p>
+            </p:txBody>
+          </p:sp>
+          <p:sp>
+            <p:nvSpPr>
+              <p:cNvPr id="134" name="Rectangle 133"/>
+              <p:cNvSpPr/>
+              <p:nvPr/>
+            </p:nvSpPr>
+            <p:spPr>
+              <a:xfrm>
+                <a:off x="6319189" y="5096973"/>
+                <a:ext cx="133351" cy="411957"/>
+              </a:xfrm>
+              <a:prstGeom prst="rect">
+                <a:avLst/>
+              </a:prstGeom>
+              <a:solidFill>
+                <a:srgbClr val="0070C0"/>
+              </a:solidFill>
+              <a:ln w="12700">
+                <a:solidFill>
+                  <a:schemeClr val="tx1"/>
+                </a:solidFill>
+              </a:ln>
+            </p:spPr>
+            <p:style>
+              <a:lnRef idx="2">
+                <a:schemeClr val="accent1">
+                  <a:shade val="50000"/>
+                </a:schemeClr>
+              </a:lnRef>
+              <a:fillRef idx="1">
+                <a:schemeClr val="accent1"/>
+              </a:fillRef>
+              <a:effectRef idx="0">
+                <a:schemeClr val="accent1"/>
+              </a:effectRef>
+              <a:fontRef idx="minor">
+                <a:schemeClr val="lt1"/>
+              </a:fontRef>
+            </p:style>
+            <p:txBody>
+              <a:bodyPr rtlCol="0" anchor="ctr"/>
+              <a:lstStyle/>
+              <a:p>
+                <a:pPr algn="ctr"/>
+                <a:endParaRPr lang="en-US"/>
+              </a:p>
+            </p:txBody>
+          </p:sp>
+          <p:sp>
+            <p:nvSpPr>
+              <p:cNvPr id="135" name="Isosceles Triangle 134"/>
+              <p:cNvSpPr/>
+              <p:nvPr/>
+            </p:nvSpPr>
+            <p:spPr>
+              <a:xfrm rot="18759584">
+                <a:off x="6490864" y="5108865"/>
+                <a:ext cx="52387" cy="45719"/>
+              </a:xfrm>
+              <a:prstGeom prst="triangle">
+                <a:avLst/>
+              </a:prstGeom>
+              <a:solidFill>
+                <a:schemeClr val="tx1"/>
+              </a:solidFill>
+              <a:ln w="12700">
+                <a:solidFill>
+                  <a:schemeClr val="tx1"/>
+                </a:solidFill>
+              </a:ln>
+            </p:spPr>
+            <p:style>
+              <a:lnRef idx="2">
+                <a:schemeClr val="accent1">
+                  <a:shade val="50000"/>
+                </a:schemeClr>
+              </a:lnRef>
+              <a:fillRef idx="1">
+                <a:schemeClr val="accent1"/>
+              </a:fillRef>
+              <a:effectRef idx="0">
+                <a:schemeClr val="accent1"/>
+              </a:effectRef>
+              <a:fontRef idx="minor">
+                <a:schemeClr val="lt1"/>
+              </a:fontRef>
+            </p:style>
+            <p:txBody>
+              <a:bodyPr rtlCol="0" anchor="ctr"/>
+              <a:lstStyle/>
+              <a:p>
+                <a:pPr algn="ctr"/>
+                <a:endParaRPr lang="en-US"/>
+              </a:p>
+            </p:txBody>
+          </p:sp>
+          <p:sp>
+            <p:nvSpPr>
+              <p:cNvPr id="136" name="Isosceles Triangle 135"/>
+              <p:cNvSpPr/>
+              <p:nvPr/>
+            </p:nvSpPr>
+            <p:spPr>
+              <a:xfrm rot="7659000">
+                <a:off x="6228940" y="5446182"/>
+                <a:ext cx="52387" cy="45719"/>
+              </a:xfrm>
+              <a:prstGeom prst="triangle">
+                <a:avLst/>
+              </a:prstGeom>
+              <a:solidFill>
+                <a:schemeClr val="tx1"/>
+              </a:solidFill>
+              <a:ln w="12700">
+                <a:solidFill>
+                  <a:schemeClr val="tx1"/>
+                </a:solidFill>
+              </a:ln>
+            </p:spPr>
+            <p:style>
+              <a:lnRef idx="2">
+                <a:schemeClr val="accent1">
+                  <a:shade val="50000"/>
+                </a:schemeClr>
+              </a:lnRef>
+              <a:fillRef idx="1">
+                <a:schemeClr val="accent1"/>
+              </a:fillRef>
+              <a:effectRef idx="0">
+                <a:schemeClr val="accent1"/>
+              </a:effectRef>
+              <a:fontRef idx="minor">
+                <a:schemeClr val="lt1"/>
+              </a:fontRef>
+            </p:style>
+            <p:txBody>
+              <a:bodyPr rtlCol="0" anchor="ctr"/>
+              <a:lstStyle/>
+              <a:p>
+                <a:pPr algn="ctr"/>
+                <a:endParaRPr lang="en-US"/>
+              </a:p>
+            </p:txBody>
+          </p:sp>
+        </p:grpSp>
+        <p:grpSp>
+          <p:nvGrpSpPr>
+            <p:cNvPr id="152" name="Group 151"/>
+            <p:cNvGrpSpPr>
+              <a:grpSpLocks/>
+            </p:cNvGrpSpPr>
+            <p:nvPr/>
+          </p:nvGrpSpPr>
+          <p:grpSpPr>
+            <a:xfrm>
+              <a:off x="5824134" y="6082353"/>
+              <a:ext cx="155880" cy="155880"/>
+              <a:chOff x="5308087" y="5973545"/>
+              <a:chExt cx="409575" cy="409575"/>
+            </a:xfrm>
+          </p:grpSpPr>
+          <p:sp>
+            <p:nvSpPr>
+              <p:cNvPr id="138" name="Rectangle 137"/>
+              <p:cNvSpPr/>
+              <p:nvPr/>
+            </p:nvSpPr>
+            <p:spPr>
+              <a:xfrm rot="4575288">
+                <a:off x="5308086" y="6110466"/>
+                <a:ext cx="409575" cy="135733"/>
+              </a:xfrm>
+              <a:prstGeom prst="rect">
+                <a:avLst/>
+              </a:prstGeom>
+              <a:solidFill>
+                <a:srgbClr val="0070C0">
+                  <a:alpha val="60000"/>
+                </a:srgbClr>
+              </a:solidFill>
+              <a:ln w="12700">
+                <a:solidFill>
+                  <a:schemeClr val="tx1"/>
+                </a:solidFill>
+                <a:prstDash val="dash"/>
+              </a:ln>
+            </p:spPr>
+            <p:style>
+              <a:lnRef idx="2">
+                <a:schemeClr val="accent1">
+                  <a:shade val="50000"/>
+                </a:schemeClr>
+              </a:lnRef>
+              <a:fillRef idx="1">
+                <a:schemeClr val="accent1"/>
+              </a:fillRef>
+              <a:effectRef idx="0">
+                <a:schemeClr val="accent1"/>
+              </a:effectRef>
+              <a:fontRef idx="minor">
+                <a:schemeClr val="lt1"/>
+              </a:fontRef>
+            </p:style>
+            <p:txBody>
+              <a:bodyPr rtlCol="0" anchor="ctr"/>
+              <a:lstStyle/>
+              <a:p>
+                <a:pPr algn="ctr"/>
+                <a:endParaRPr lang="en-US"/>
+              </a:p>
+            </p:txBody>
+          </p:sp>
+          <p:sp>
+            <p:nvSpPr>
+              <p:cNvPr id="139" name="Rectangle 138"/>
+              <p:cNvSpPr/>
+              <p:nvPr/>
+            </p:nvSpPr>
+            <p:spPr>
+              <a:xfrm>
+                <a:off x="5308087" y="6113680"/>
+                <a:ext cx="409575" cy="135733"/>
+              </a:xfrm>
+              <a:prstGeom prst="rect">
+                <a:avLst/>
+              </a:prstGeom>
+              <a:solidFill>
+                <a:srgbClr val="0070C0"/>
+              </a:solidFill>
+              <a:ln w="12700">
+                <a:solidFill>
+                  <a:schemeClr val="tx1"/>
+                </a:solidFill>
+              </a:ln>
+            </p:spPr>
+            <p:style>
+              <a:lnRef idx="2">
+                <a:schemeClr val="accent1">
+                  <a:shade val="50000"/>
+                </a:schemeClr>
+              </a:lnRef>
+              <a:fillRef idx="1">
+                <a:schemeClr val="accent1"/>
+              </a:fillRef>
+              <a:effectRef idx="0">
+                <a:schemeClr val="accent1"/>
+              </a:effectRef>
+              <a:fontRef idx="minor">
+                <a:schemeClr val="lt1"/>
+              </a:fontRef>
+            </p:style>
+            <p:txBody>
+              <a:bodyPr rtlCol="0" anchor="ctr"/>
+              <a:lstStyle/>
+              <a:p>
+                <a:pPr algn="ctr"/>
+                <a:endParaRPr lang="en-US"/>
+              </a:p>
+            </p:txBody>
+          </p:sp>
+          <p:sp>
+            <p:nvSpPr>
+              <p:cNvPr id="147" name="Isosceles Triangle 146"/>
+              <p:cNvSpPr/>
+              <p:nvPr/>
+            </p:nvSpPr>
+            <p:spPr>
+              <a:xfrm rot="13484501">
+                <a:off x="5335151" y="6036801"/>
+                <a:ext cx="45719" cy="45719"/>
+              </a:xfrm>
+              <a:prstGeom prst="triangle">
+                <a:avLst/>
+              </a:prstGeom>
+              <a:solidFill>
+                <a:schemeClr val="tx1"/>
+              </a:solidFill>
+              <a:ln w="12700">
+                <a:solidFill>
+                  <a:schemeClr val="tx1"/>
+                </a:solidFill>
+              </a:ln>
+            </p:spPr>
+            <p:style>
+              <a:lnRef idx="2">
+                <a:schemeClr val="accent1">
+                  <a:shade val="50000"/>
+                </a:schemeClr>
+              </a:lnRef>
+              <a:fillRef idx="1">
+                <a:schemeClr val="accent1"/>
+              </a:fillRef>
+              <a:effectRef idx="0">
+                <a:schemeClr val="accent1"/>
+              </a:effectRef>
+              <a:fontRef idx="minor">
+                <a:schemeClr val="lt1"/>
+              </a:fontRef>
+            </p:style>
+            <p:txBody>
+              <a:bodyPr rtlCol="0" anchor="ctr"/>
+              <a:lstStyle/>
+              <a:p>
+                <a:pPr algn="ctr"/>
+                <a:endParaRPr lang="en-US"/>
+              </a:p>
+            </p:txBody>
+          </p:sp>
+          <p:sp>
+            <p:nvSpPr>
+              <p:cNvPr id="151" name="Isosceles Triangle 150"/>
+              <p:cNvSpPr/>
+              <p:nvPr/>
+            </p:nvSpPr>
+            <p:spPr>
+              <a:xfrm rot="2700000">
+                <a:off x="5659126" y="6277568"/>
+                <a:ext cx="45719" cy="45719"/>
+              </a:xfrm>
+              <a:prstGeom prst="triangle">
+                <a:avLst/>
+              </a:prstGeom>
+              <a:solidFill>
+                <a:schemeClr val="tx1"/>
+              </a:solidFill>
+              <a:ln w="12700">
+                <a:solidFill>
+                  <a:schemeClr val="tx1"/>
+                </a:solidFill>
+              </a:ln>
+            </p:spPr>
+            <p:style>
+              <a:lnRef idx="2">
+                <a:schemeClr val="accent1">
+                  <a:shade val="50000"/>
+                </a:schemeClr>
+              </a:lnRef>
+              <a:fillRef idx="1">
+                <a:schemeClr val="accent1"/>
+              </a:fillRef>
+              <a:effectRef idx="0">
+                <a:schemeClr val="accent1"/>
+              </a:effectRef>
+              <a:fontRef idx="minor">
+                <a:schemeClr val="lt1"/>
+              </a:fontRef>
+            </p:style>
+            <p:txBody>
+              <a:bodyPr rtlCol="0" anchor="ctr"/>
+              <a:lstStyle/>
+              <a:p>
+                <a:pPr algn="ctr"/>
+                <a:endParaRPr lang="en-US"/>
+              </a:p>
+            </p:txBody>
+          </p:sp>
+        </p:grpSp>
+        <p:grpSp>
+          <p:nvGrpSpPr>
+            <p:cNvPr id="191" name="Group 190"/>
+            <p:cNvGrpSpPr>
+              <a:grpSpLocks/>
+            </p:cNvGrpSpPr>
+            <p:nvPr/>
+          </p:nvGrpSpPr>
+          <p:grpSpPr>
+            <a:xfrm flipV="1">
+              <a:off x="6189193" y="6082354"/>
+              <a:ext cx="155880" cy="155880"/>
+              <a:chOff x="5308087" y="5973545"/>
+              <a:chExt cx="409575" cy="409575"/>
+            </a:xfrm>
+          </p:grpSpPr>
+          <p:sp>
+            <p:nvSpPr>
+              <p:cNvPr id="192" name="Rectangle 191"/>
+              <p:cNvSpPr/>
+              <p:nvPr/>
+            </p:nvSpPr>
+            <p:spPr>
+              <a:xfrm rot="4575288">
+                <a:off x="5308086" y="6110466"/>
+                <a:ext cx="409575" cy="135733"/>
+              </a:xfrm>
+              <a:prstGeom prst="rect">
+                <a:avLst/>
+              </a:prstGeom>
+              <a:solidFill>
+                <a:srgbClr val="0070C0">
+                  <a:alpha val="60000"/>
+                </a:srgbClr>
+              </a:solidFill>
+              <a:ln w="12700">
+                <a:solidFill>
+                  <a:schemeClr val="tx1"/>
+                </a:solidFill>
+                <a:prstDash val="dash"/>
+              </a:ln>
+            </p:spPr>
+            <p:style>
+              <a:lnRef idx="2">
+                <a:schemeClr val="accent1">
+                  <a:shade val="50000"/>
+                </a:schemeClr>
+              </a:lnRef>
+              <a:fillRef idx="1">
+                <a:schemeClr val="accent1"/>
+              </a:fillRef>
+              <a:effectRef idx="0">
+                <a:schemeClr val="accent1"/>
+              </a:effectRef>
+              <a:fontRef idx="minor">
+                <a:schemeClr val="lt1"/>
+              </a:fontRef>
+            </p:style>
+            <p:txBody>
+              <a:bodyPr rtlCol="0" anchor="ctr"/>
+              <a:lstStyle/>
+              <a:p>
+                <a:pPr algn="ctr"/>
+                <a:endParaRPr lang="en-US"/>
+              </a:p>
+            </p:txBody>
+          </p:sp>
+          <p:sp>
+            <p:nvSpPr>
+              <p:cNvPr id="193" name="Rectangle 192"/>
+              <p:cNvSpPr/>
+              <p:nvPr/>
+            </p:nvSpPr>
+            <p:spPr>
+              <a:xfrm>
+                <a:off x="5308087" y="6113680"/>
+                <a:ext cx="409575" cy="135733"/>
+              </a:xfrm>
+              <a:prstGeom prst="rect">
+                <a:avLst/>
+              </a:prstGeom>
+              <a:solidFill>
+                <a:srgbClr val="0070C0"/>
+              </a:solidFill>
+              <a:ln w="12700">
+                <a:solidFill>
+                  <a:schemeClr val="tx1"/>
+                </a:solidFill>
+              </a:ln>
+            </p:spPr>
+            <p:style>
+              <a:lnRef idx="2">
+                <a:schemeClr val="accent1">
+                  <a:shade val="50000"/>
+                </a:schemeClr>
+              </a:lnRef>
+              <a:fillRef idx="1">
+                <a:schemeClr val="accent1"/>
+              </a:fillRef>
+              <a:effectRef idx="0">
+                <a:schemeClr val="accent1"/>
+              </a:effectRef>
+              <a:fontRef idx="minor">
+                <a:schemeClr val="lt1"/>
+              </a:fontRef>
+            </p:style>
+            <p:txBody>
+              <a:bodyPr rtlCol="0" anchor="ctr"/>
+              <a:lstStyle/>
+              <a:p>
+                <a:pPr algn="ctr"/>
+                <a:endParaRPr lang="en-US"/>
+              </a:p>
+            </p:txBody>
+          </p:sp>
+          <p:sp>
+            <p:nvSpPr>
+              <p:cNvPr id="194" name="Isosceles Triangle 193"/>
+              <p:cNvSpPr/>
+              <p:nvPr/>
+            </p:nvSpPr>
+            <p:spPr>
+              <a:xfrm rot="13484501">
+                <a:off x="5335151" y="6036801"/>
+                <a:ext cx="45719" cy="45719"/>
+              </a:xfrm>
+              <a:prstGeom prst="triangle">
+                <a:avLst/>
+              </a:prstGeom>
+              <a:solidFill>
+                <a:schemeClr val="tx1"/>
+              </a:solidFill>
+              <a:ln w="12700">
+                <a:solidFill>
+                  <a:schemeClr val="tx1"/>
+                </a:solidFill>
+              </a:ln>
+            </p:spPr>
+            <p:style>
+              <a:lnRef idx="2">
+                <a:schemeClr val="accent1">
+                  <a:shade val="50000"/>
+                </a:schemeClr>
+              </a:lnRef>
+              <a:fillRef idx="1">
+                <a:schemeClr val="accent1"/>
+              </a:fillRef>
+              <a:effectRef idx="0">
+                <a:schemeClr val="accent1"/>
+              </a:effectRef>
+              <a:fontRef idx="minor">
+                <a:schemeClr val="lt1"/>
+              </a:fontRef>
+            </p:style>
+            <p:txBody>
+              <a:bodyPr rtlCol="0" anchor="ctr"/>
+              <a:lstStyle/>
+              <a:p>
+                <a:pPr algn="ctr"/>
+                <a:endParaRPr lang="en-US"/>
+              </a:p>
+            </p:txBody>
+          </p:sp>
+          <p:sp>
+            <p:nvSpPr>
+              <p:cNvPr id="195" name="Isosceles Triangle 194"/>
+              <p:cNvSpPr/>
+              <p:nvPr/>
+            </p:nvSpPr>
+            <p:spPr>
+              <a:xfrm rot="2700000">
+                <a:off x="5659126" y="6277568"/>
+                <a:ext cx="45719" cy="45719"/>
+              </a:xfrm>
+              <a:prstGeom prst="triangle">
+                <a:avLst/>
+              </a:prstGeom>
+              <a:solidFill>
+                <a:schemeClr val="tx1"/>
+              </a:solidFill>
+              <a:ln w="12700">
+                <a:solidFill>
+                  <a:schemeClr val="tx1"/>
+                </a:solidFill>
+              </a:ln>
+            </p:spPr>
+            <p:style>
+              <a:lnRef idx="2">
+                <a:schemeClr val="accent1">
+                  <a:shade val="50000"/>
+                </a:schemeClr>
+              </a:lnRef>
+              <a:fillRef idx="1">
+                <a:schemeClr val="accent1"/>
+              </a:fillRef>
+              <a:effectRef idx="0">
+                <a:schemeClr val="accent1"/>
+              </a:effectRef>
+              <a:fontRef idx="minor">
+                <a:schemeClr val="lt1"/>
+              </a:fontRef>
+            </p:style>
+            <p:txBody>
+              <a:bodyPr rtlCol="0" anchor="ctr"/>
+              <a:lstStyle/>
+              <a:p>
+                <a:pPr algn="ctr"/>
+                <a:endParaRPr lang="en-US"/>
+              </a:p>
+            </p:txBody>
+          </p:sp>
+        </p:grpSp>
+      </p:grpSp>
     </p:spTree>
     <p:extLst>
       <p:ext uri="{BB962C8B-B14F-4D97-AF65-F5344CB8AC3E}">

--- a/doc/Icons-PositionsLab.pptx
+++ b/doc/Icons-PositionsLab.pptx
@@ -8231,7 +8231,7 @@
           </p:nvSpPr>
           <p:spPr>
             <a:xfrm>
-              <a:off x="3178969" y="3488531"/>
+              <a:off x="3159091" y="3488531"/>
               <a:ext cx="180975" cy="173832"/>
             </a:xfrm>
             <a:prstGeom prst="rect">

--- a/doc/Icons-PositionsLab.pptx
+++ b/doc/Icons-PositionsLab.pptx
@@ -213,7 +213,7 @@
           <a:p>
             <a:fld id="{6699ACB9-486C-4D62-A3A7-AF98E13EFDA3}" type="datetimeFigureOut">
               <a:rPr lang="en-US" smtClean="0"/>
-              <a:t>3/23/2016</a:t>
+              <a:t>5/18/2016</a:t>
             </a:fld>
             <a:endParaRPr lang="en-US"/>
           </a:p>
@@ -660,7 +660,7 @@
             <a:fld id="{1D8BD707-D9CF-40AE-B4C6-C98DA3205C09}" type="datetimeFigureOut">
               <a:rPr lang="en-US" smtClean="0"/>
               <a:pPr/>
-              <a:t>3/23/2016</a:t>
+              <a:t>5/18/2016</a:t>
             </a:fld>
             <a:endParaRPr lang="en-US"/>
           </a:p>
@@ -825,7 +825,7 @@
             <a:fld id="{1D8BD707-D9CF-40AE-B4C6-C98DA3205C09}" type="datetimeFigureOut">
               <a:rPr lang="en-US" smtClean="0"/>
               <a:pPr/>
-              <a:t>3/23/2016</a:t>
+              <a:t>5/18/2016</a:t>
             </a:fld>
             <a:endParaRPr lang="en-US"/>
           </a:p>
@@ -1000,7 +1000,7 @@
             <a:fld id="{1D8BD707-D9CF-40AE-B4C6-C98DA3205C09}" type="datetimeFigureOut">
               <a:rPr lang="en-US" smtClean="0"/>
               <a:pPr/>
-              <a:t>3/23/2016</a:t>
+              <a:t>5/18/2016</a:t>
             </a:fld>
             <a:endParaRPr lang="en-US"/>
           </a:p>
@@ -1165,7 +1165,7 @@
             <a:fld id="{1D8BD707-D9CF-40AE-B4C6-C98DA3205C09}" type="datetimeFigureOut">
               <a:rPr lang="en-US" smtClean="0"/>
               <a:pPr/>
-              <a:t>3/23/2016</a:t>
+              <a:t>5/18/2016</a:t>
             </a:fld>
             <a:endParaRPr lang="en-US"/>
           </a:p>
@@ -1407,7 +1407,7 @@
             <a:fld id="{1D8BD707-D9CF-40AE-B4C6-C98DA3205C09}" type="datetimeFigureOut">
               <a:rPr lang="en-US" smtClean="0"/>
               <a:pPr/>
-              <a:t>3/23/2016</a:t>
+              <a:t>5/18/2016</a:t>
             </a:fld>
             <a:endParaRPr lang="en-US"/>
           </a:p>
@@ -1689,7 +1689,7 @@
             <a:fld id="{1D8BD707-D9CF-40AE-B4C6-C98DA3205C09}" type="datetimeFigureOut">
               <a:rPr lang="en-US" smtClean="0"/>
               <a:pPr/>
-              <a:t>3/23/2016</a:t>
+              <a:t>5/18/2016</a:t>
             </a:fld>
             <a:endParaRPr lang="en-US"/>
           </a:p>
@@ -2105,7 +2105,7 @@
             <a:fld id="{1D8BD707-D9CF-40AE-B4C6-C98DA3205C09}" type="datetimeFigureOut">
               <a:rPr lang="en-US" smtClean="0"/>
               <a:pPr/>
-              <a:t>3/23/2016</a:t>
+              <a:t>5/18/2016</a:t>
             </a:fld>
             <a:endParaRPr lang="en-US"/>
           </a:p>
@@ -2219,7 +2219,7 @@
             <a:fld id="{1D8BD707-D9CF-40AE-B4C6-C98DA3205C09}" type="datetimeFigureOut">
               <a:rPr lang="en-US" smtClean="0"/>
               <a:pPr/>
-              <a:t>3/23/2016</a:t>
+              <a:t>5/18/2016</a:t>
             </a:fld>
             <a:endParaRPr lang="en-US"/>
           </a:p>
@@ -2311,7 +2311,7 @@
             <a:fld id="{1D8BD707-D9CF-40AE-B4C6-C98DA3205C09}" type="datetimeFigureOut">
               <a:rPr lang="en-US" smtClean="0"/>
               <a:pPr/>
-              <a:t>3/23/2016</a:t>
+              <a:t>5/18/2016</a:t>
             </a:fld>
             <a:endParaRPr lang="en-US"/>
           </a:p>
@@ -2583,7 +2583,7 @@
             <a:fld id="{1D8BD707-D9CF-40AE-B4C6-C98DA3205C09}" type="datetimeFigureOut">
               <a:rPr lang="en-US" smtClean="0"/>
               <a:pPr/>
-              <a:t>3/23/2016</a:t>
+              <a:t>5/18/2016</a:t>
             </a:fld>
             <a:endParaRPr lang="en-US"/>
           </a:p>
@@ -2832,7 +2832,7 @@
             <a:fld id="{1D8BD707-D9CF-40AE-B4C6-C98DA3205C09}" type="datetimeFigureOut">
               <a:rPr lang="en-US" smtClean="0"/>
               <a:pPr/>
-              <a:t>3/23/2016</a:t>
+              <a:t>5/18/2016</a:t>
             </a:fld>
             <a:endParaRPr lang="en-US"/>
           </a:p>
@@ -3040,7 +3040,7 @@
             <a:fld id="{1D8BD707-D9CF-40AE-B4C6-C98DA3205C09}" type="datetimeFigureOut">
               <a:rPr lang="en-US" smtClean="0"/>
               <a:pPr/>
-              <a:t>3/23/2016</a:t>
+              <a:t>5/18/2016</a:t>
             </a:fld>
             <a:endParaRPr lang="en-US"/>
           </a:p>
@@ -8072,8 +8072,8 @@
         </p:nvSpPr>
         <p:spPr>
           <a:xfrm>
-            <a:off x="778551" y="2271298"/>
-            <a:ext cx="982898" cy="369332"/>
+            <a:off x="2298296" y="4655750"/>
+            <a:ext cx="2145652" cy="369332"/>
           </a:xfrm>
           <a:prstGeom prst="rect">
             <a:avLst/>
@@ -8088,7 +8088,7 @@
           <a:p>
             <a:r>
               <a:rPr lang="en-US" dirty="0"/>
-              <a:t>Rotation</a:t>
+              <a:t>Duplicate and Rotate</a:t>
             </a:r>
           </a:p>
         </p:txBody>
@@ -9974,6 +9974,249 @@
           </p:sp>
         </p:grpSp>
       </p:grpSp>
+      <p:grpSp>
+        <p:nvGrpSpPr>
+          <p:cNvPr id="7" name="组合 6"/>
+          <p:cNvGrpSpPr/>
+          <p:nvPr/>
+        </p:nvGrpSpPr>
+        <p:grpSpPr>
+          <a:xfrm>
+            <a:off x="3093185" y="5421421"/>
+            <a:ext cx="555874" cy="511820"/>
+            <a:chOff x="1757737" y="3400357"/>
+            <a:chExt cx="555874" cy="511820"/>
+          </a:xfrm>
+        </p:grpSpPr>
+        <p:sp>
+          <p:nvSpPr>
+            <p:cNvPr id="54" name="Rectangle 46"/>
+            <p:cNvSpPr/>
+            <p:nvPr/>
+          </p:nvSpPr>
+          <p:spPr>
+            <a:xfrm>
+              <a:off x="1913803" y="3584160"/>
+              <a:ext cx="180975" cy="173832"/>
+            </a:xfrm>
+            <a:prstGeom prst="rect">
+              <a:avLst/>
+            </a:prstGeom>
+            <a:solidFill>
+              <a:srgbClr val="E46B09"/>
+            </a:solidFill>
+            <a:ln w="12700">
+              <a:solidFill>
+                <a:schemeClr val="tx1"/>
+              </a:solidFill>
+            </a:ln>
+          </p:spPr>
+          <p:style>
+            <a:lnRef idx="2">
+              <a:schemeClr val="accent1">
+                <a:shade val="50000"/>
+              </a:schemeClr>
+            </a:lnRef>
+            <a:fillRef idx="1">
+              <a:schemeClr val="accent1"/>
+            </a:fillRef>
+            <a:effectRef idx="0">
+              <a:schemeClr val="accent1"/>
+            </a:effectRef>
+            <a:fontRef idx="minor">
+              <a:schemeClr val="lt1"/>
+            </a:fontRef>
+          </p:style>
+          <p:txBody>
+            <a:bodyPr rtlCol="0" anchor="ctr"/>
+            <a:lstStyle/>
+            <a:p>
+              <a:pPr algn="ctr"/>
+              <a:endParaRPr lang="en-US"/>
+            </a:p>
+          </p:txBody>
+        </p:sp>
+        <p:sp>
+          <p:nvSpPr>
+            <p:cNvPr id="55" name="Oval 51"/>
+            <p:cNvSpPr/>
+            <p:nvPr/>
+          </p:nvSpPr>
+          <p:spPr>
+            <a:xfrm>
+              <a:off x="1757737" y="3424243"/>
+              <a:ext cx="486731" cy="487934"/>
+            </a:xfrm>
+            <a:prstGeom prst="ellipse">
+              <a:avLst/>
+            </a:prstGeom>
+            <a:noFill/>
+            <a:ln w="19050">
+              <a:solidFill>
+                <a:schemeClr val="tx1"/>
+              </a:solidFill>
+              <a:prstDash val="dash"/>
+            </a:ln>
+          </p:spPr>
+          <p:style>
+            <a:lnRef idx="2">
+              <a:schemeClr val="accent1">
+                <a:shade val="50000"/>
+              </a:schemeClr>
+            </a:lnRef>
+            <a:fillRef idx="1">
+              <a:schemeClr val="accent1"/>
+            </a:fillRef>
+            <a:effectRef idx="0">
+              <a:schemeClr val="accent1"/>
+            </a:effectRef>
+            <a:fontRef idx="minor">
+              <a:schemeClr val="lt1"/>
+            </a:fontRef>
+          </p:style>
+          <p:txBody>
+            <a:bodyPr rtlCol="0" anchor="ctr"/>
+            <a:lstStyle/>
+            <a:p>
+              <a:pPr algn="ctr"/>
+              <a:endParaRPr lang="en-US"/>
+            </a:p>
+          </p:txBody>
+        </p:sp>
+        <p:sp>
+          <p:nvSpPr>
+            <p:cNvPr id="6" name="燕尾形 5"/>
+            <p:cNvSpPr/>
+            <p:nvPr/>
+          </p:nvSpPr>
+          <p:spPr>
+            <a:xfrm rot="1573029">
+              <a:off x="2085870" y="3400357"/>
+              <a:ext cx="89603" cy="128194"/>
+            </a:xfrm>
+            <a:prstGeom prst="chevron">
+              <a:avLst/>
+            </a:prstGeom>
+            <a:solidFill>
+              <a:srgbClr val="0070C0"/>
+            </a:solidFill>
+            <a:ln w="12700">
+              <a:solidFill>
+                <a:schemeClr val="tx1"/>
+              </a:solidFill>
+            </a:ln>
+          </p:spPr>
+          <p:style>
+            <a:lnRef idx="2">
+              <a:schemeClr val="accent1">
+                <a:shade val="50000"/>
+              </a:schemeClr>
+            </a:lnRef>
+            <a:fillRef idx="1">
+              <a:schemeClr val="accent1"/>
+            </a:fillRef>
+            <a:effectRef idx="0">
+              <a:schemeClr val="accent1"/>
+            </a:effectRef>
+            <a:fontRef idx="minor">
+              <a:schemeClr val="lt1"/>
+            </a:fontRef>
+          </p:style>
+          <p:txBody>
+            <a:bodyPr rtlCol="0" anchor="ctr"/>
+            <a:lstStyle/>
+            <a:p>
+              <a:pPr algn="ctr"/>
+              <a:endParaRPr lang="zh-CN" altLang="en-US">
+                <a:solidFill>
+                  <a:schemeClr val="tx1"/>
+                </a:solidFill>
+              </a:endParaRPr>
+            </a:p>
+          </p:txBody>
+        </p:sp>
+        <p:sp>
+          <p:nvSpPr>
+            <p:cNvPr id="57" name="燕尾形 56"/>
+            <p:cNvSpPr/>
+            <p:nvPr/>
+          </p:nvSpPr>
+          <p:spPr>
+            <a:xfrm rot="5400000">
+              <a:off x="2189366" y="3592962"/>
+              <a:ext cx="102230" cy="146260"/>
+            </a:xfrm>
+            <a:prstGeom prst="chevron">
+              <a:avLst/>
+            </a:prstGeom>
+            <a:solidFill>
+              <a:srgbClr val="0070C0"/>
+            </a:solidFill>
+            <a:ln w="12700">
+              <a:solidFill>
+                <a:schemeClr val="tx1"/>
+              </a:solidFill>
+            </a:ln>
+          </p:spPr>
+          <p:style>
+            <a:lnRef idx="2">
+              <a:schemeClr val="accent1">
+                <a:shade val="50000"/>
+              </a:schemeClr>
+            </a:lnRef>
+            <a:fillRef idx="1">
+              <a:schemeClr val="accent1"/>
+            </a:fillRef>
+            <a:effectRef idx="0">
+              <a:schemeClr val="accent1"/>
+            </a:effectRef>
+            <a:fontRef idx="minor">
+              <a:schemeClr val="lt1"/>
+            </a:fontRef>
+          </p:style>
+          <p:txBody>
+            <a:bodyPr rtlCol="0" anchor="ctr"/>
+            <a:lstStyle/>
+            <a:p>
+              <a:pPr algn="ctr"/>
+              <a:endParaRPr lang="zh-CN" altLang="en-US">
+                <a:solidFill>
+                  <a:schemeClr val="tx1"/>
+                </a:solidFill>
+              </a:endParaRPr>
+            </a:p>
+          </p:txBody>
+        </p:sp>
+      </p:grpSp>
+      <p:sp>
+        <p:nvSpPr>
+          <p:cNvPr id="61" name="TextBox 1"/>
+          <p:cNvSpPr txBox="1"/>
+          <p:nvPr/>
+        </p:nvSpPr>
+        <p:spPr>
+          <a:xfrm>
+            <a:off x="930951" y="2423698"/>
+            <a:ext cx="982898" cy="369332"/>
+          </a:xfrm>
+          <a:prstGeom prst="rect">
+            <a:avLst/>
+          </a:prstGeom>
+          <a:noFill/>
+        </p:spPr>
+        <p:txBody>
+          <a:bodyPr wrap="none" rtlCol="0">
+            <a:spAutoFit/>
+          </a:bodyPr>
+          <a:lstStyle/>
+          <a:p>
+            <a:r>
+              <a:rPr lang="en-US" dirty="0"/>
+              <a:t>Rotation</a:t>
+            </a:r>
+          </a:p>
+        </p:txBody>
+      </p:sp>
     </p:spTree>
     <p:extLst>
       <p:ext uri="{BB962C8B-B14F-4D97-AF65-F5344CB8AC3E}">

--- a/doc/Icons-PositionsLab.pptx
+++ b/doc/Icons-PositionsLab.pptx
@@ -213,7 +213,7 @@
           <a:p>
             <a:fld id="{6699ACB9-486C-4D62-A3A7-AF98E13EFDA3}" type="datetimeFigureOut">
               <a:rPr lang="en-US" smtClean="0"/>
-              <a:t>5/18/2016</a:t>
+              <a:t>5/19/2016</a:t>
             </a:fld>
             <a:endParaRPr lang="en-US"/>
           </a:p>
@@ -660,7 +660,7 @@
             <a:fld id="{1D8BD707-D9CF-40AE-B4C6-C98DA3205C09}" type="datetimeFigureOut">
               <a:rPr lang="en-US" smtClean="0"/>
               <a:pPr/>
-              <a:t>5/18/2016</a:t>
+              <a:t>5/19/2016</a:t>
             </a:fld>
             <a:endParaRPr lang="en-US"/>
           </a:p>
@@ -825,7 +825,7 @@
             <a:fld id="{1D8BD707-D9CF-40AE-B4C6-C98DA3205C09}" type="datetimeFigureOut">
               <a:rPr lang="en-US" smtClean="0"/>
               <a:pPr/>
-              <a:t>5/18/2016</a:t>
+              <a:t>5/19/2016</a:t>
             </a:fld>
             <a:endParaRPr lang="en-US"/>
           </a:p>
@@ -1000,7 +1000,7 @@
             <a:fld id="{1D8BD707-D9CF-40AE-B4C6-C98DA3205C09}" type="datetimeFigureOut">
               <a:rPr lang="en-US" smtClean="0"/>
               <a:pPr/>
-              <a:t>5/18/2016</a:t>
+              <a:t>5/19/2016</a:t>
             </a:fld>
             <a:endParaRPr lang="en-US"/>
           </a:p>
@@ -1165,7 +1165,7 @@
             <a:fld id="{1D8BD707-D9CF-40AE-B4C6-C98DA3205C09}" type="datetimeFigureOut">
               <a:rPr lang="en-US" smtClean="0"/>
               <a:pPr/>
-              <a:t>5/18/2016</a:t>
+              <a:t>5/19/2016</a:t>
             </a:fld>
             <a:endParaRPr lang="en-US"/>
           </a:p>
@@ -1407,7 +1407,7 @@
             <a:fld id="{1D8BD707-D9CF-40AE-B4C6-C98DA3205C09}" type="datetimeFigureOut">
               <a:rPr lang="en-US" smtClean="0"/>
               <a:pPr/>
-              <a:t>5/18/2016</a:t>
+              <a:t>5/19/2016</a:t>
             </a:fld>
             <a:endParaRPr lang="en-US"/>
           </a:p>
@@ -1689,7 +1689,7 @@
             <a:fld id="{1D8BD707-D9CF-40AE-B4C6-C98DA3205C09}" type="datetimeFigureOut">
               <a:rPr lang="en-US" smtClean="0"/>
               <a:pPr/>
-              <a:t>5/18/2016</a:t>
+              <a:t>5/19/2016</a:t>
             </a:fld>
             <a:endParaRPr lang="en-US"/>
           </a:p>
@@ -2105,7 +2105,7 @@
             <a:fld id="{1D8BD707-D9CF-40AE-B4C6-C98DA3205C09}" type="datetimeFigureOut">
               <a:rPr lang="en-US" smtClean="0"/>
               <a:pPr/>
-              <a:t>5/18/2016</a:t>
+              <a:t>5/19/2016</a:t>
             </a:fld>
             <a:endParaRPr lang="en-US"/>
           </a:p>
@@ -2219,7 +2219,7 @@
             <a:fld id="{1D8BD707-D9CF-40AE-B4C6-C98DA3205C09}" type="datetimeFigureOut">
               <a:rPr lang="en-US" smtClean="0"/>
               <a:pPr/>
-              <a:t>5/18/2016</a:t>
+              <a:t>5/19/2016</a:t>
             </a:fld>
             <a:endParaRPr lang="en-US"/>
           </a:p>
@@ -2311,7 +2311,7 @@
             <a:fld id="{1D8BD707-D9CF-40AE-B4C6-C98DA3205C09}" type="datetimeFigureOut">
               <a:rPr lang="en-US" smtClean="0"/>
               <a:pPr/>
-              <a:t>5/18/2016</a:t>
+              <a:t>5/19/2016</a:t>
             </a:fld>
             <a:endParaRPr lang="en-US"/>
           </a:p>
@@ -2583,7 +2583,7 @@
             <a:fld id="{1D8BD707-D9CF-40AE-B4C6-C98DA3205C09}" type="datetimeFigureOut">
               <a:rPr lang="en-US" smtClean="0"/>
               <a:pPr/>
-              <a:t>5/18/2016</a:t>
+              <a:t>5/19/2016</a:t>
             </a:fld>
             <a:endParaRPr lang="en-US"/>
           </a:p>
@@ -2832,7 +2832,7 @@
             <a:fld id="{1D8BD707-D9CF-40AE-B4C6-C98DA3205C09}" type="datetimeFigureOut">
               <a:rPr lang="en-US" smtClean="0"/>
               <a:pPr/>
-              <a:t>5/18/2016</a:t>
+              <a:t>5/19/2016</a:t>
             </a:fld>
             <a:endParaRPr lang="en-US"/>
           </a:p>
@@ -3040,7 +3040,7 @@
             <a:fld id="{1D8BD707-D9CF-40AE-B4C6-C98DA3205C09}" type="datetimeFigureOut">
               <a:rPr lang="en-US" smtClean="0"/>
               <a:pPr/>
-              <a:t>5/18/2016</a:t>
+              <a:t>5/19/2016</a:t>
             </a:fld>
             <a:endParaRPr lang="en-US"/>
           </a:p>
@@ -8211,164 +8211,6 @@
       </p:sp>
       <p:grpSp>
         <p:nvGrpSpPr>
-          <p:cNvPr id="60" name="Group 59"/>
-          <p:cNvGrpSpPr/>
-          <p:nvPr/>
-        </p:nvGrpSpPr>
-        <p:grpSpPr>
-          <a:xfrm>
-            <a:off x="1026635" y="3373130"/>
-            <a:ext cx="486731" cy="507988"/>
-            <a:chOff x="3016088" y="3308560"/>
-            <a:chExt cx="486731" cy="507988"/>
-          </a:xfrm>
-        </p:grpSpPr>
-        <p:sp>
-          <p:nvSpPr>
-            <p:cNvPr id="47" name="Rectangle 46"/>
-            <p:cNvSpPr/>
-            <p:nvPr/>
-          </p:nvSpPr>
-          <p:spPr>
-            <a:xfrm>
-              <a:off x="3159091" y="3488531"/>
-              <a:ext cx="180975" cy="173832"/>
-            </a:xfrm>
-            <a:prstGeom prst="rect">
-              <a:avLst/>
-            </a:prstGeom>
-            <a:solidFill>
-              <a:srgbClr val="E46B09"/>
-            </a:solidFill>
-            <a:ln w="12700">
-              <a:solidFill>
-                <a:schemeClr val="tx1"/>
-              </a:solidFill>
-            </a:ln>
-          </p:spPr>
-          <p:style>
-            <a:lnRef idx="2">
-              <a:schemeClr val="accent1">
-                <a:shade val="50000"/>
-              </a:schemeClr>
-            </a:lnRef>
-            <a:fillRef idx="1">
-              <a:schemeClr val="accent1"/>
-            </a:fillRef>
-            <a:effectRef idx="0">
-              <a:schemeClr val="accent1"/>
-            </a:effectRef>
-            <a:fontRef idx="minor">
-              <a:schemeClr val="lt1"/>
-            </a:fontRef>
-          </p:style>
-          <p:txBody>
-            <a:bodyPr rtlCol="0" anchor="ctr"/>
-            <a:lstStyle/>
-            <a:p>
-              <a:pPr algn="ctr"/>
-              <a:endParaRPr lang="en-US"/>
-            </a:p>
-          </p:txBody>
-        </p:sp>
-        <p:sp>
-          <p:nvSpPr>
-            <p:cNvPr id="52" name="Oval 51"/>
-            <p:cNvSpPr/>
-            <p:nvPr/>
-          </p:nvSpPr>
-          <p:spPr>
-            <a:xfrm>
-              <a:off x="3016088" y="3328614"/>
-              <a:ext cx="486731" cy="487934"/>
-            </a:xfrm>
-            <a:prstGeom prst="ellipse">
-              <a:avLst/>
-            </a:prstGeom>
-            <a:noFill/>
-            <a:ln w="19050">
-              <a:solidFill>
-                <a:schemeClr val="tx1"/>
-              </a:solidFill>
-              <a:prstDash val="dash"/>
-            </a:ln>
-          </p:spPr>
-          <p:style>
-            <a:lnRef idx="2">
-              <a:schemeClr val="accent1">
-                <a:shade val="50000"/>
-              </a:schemeClr>
-            </a:lnRef>
-            <a:fillRef idx="1">
-              <a:schemeClr val="accent1"/>
-            </a:fillRef>
-            <a:effectRef idx="0">
-              <a:schemeClr val="accent1"/>
-            </a:effectRef>
-            <a:fontRef idx="minor">
-              <a:schemeClr val="lt1"/>
-            </a:fontRef>
-          </p:style>
-          <p:txBody>
-            <a:bodyPr rtlCol="0" anchor="ctr"/>
-            <a:lstStyle/>
-            <a:p>
-              <a:pPr algn="ctr"/>
-              <a:endParaRPr lang="en-US"/>
-            </a:p>
-          </p:txBody>
-        </p:sp>
-        <p:sp>
-          <p:nvSpPr>
-            <p:cNvPr id="49" name="Rectangle 48"/>
-            <p:cNvSpPr/>
-            <p:nvPr/>
-          </p:nvSpPr>
-          <p:spPr>
-            <a:xfrm rot="19174279">
-              <a:off x="3413300" y="3308560"/>
-              <a:ext cx="71771" cy="248207"/>
-            </a:xfrm>
-            <a:prstGeom prst="rect">
-              <a:avLst/>
-            </a:prstGeom>
-            <a:solidFill>
-              <a:srgbClr val="0070C0"/>
-            </a:solidFill>
-            <a:ln w="12700">
-              <a:solidFill>
-                <a:schemeClr val="tx1"/>
-              </a:solidFill>
-            </a:ln>
-          </p:spPr>
-          <p:style>
-            <a:lnRef idx="2">
-              <a:schemeClr val="accent1">
-                <a:shade val="50000"/>
-              </a:schemeClr>
-            </a:lnRef>
-            <a:fillRef idx="1">
-              <a:schemeClr val="accent1"/>
-            </a:fillRef>
-            <a:effectRef idx="0">
-              <a:schemeClr val="accent1"/>
-            </a:effectRef>
-            <a:fontRef idx="minor">
-              <a:schemeClr val="lt1"/>
-            </a:fontRef>
-          </p:style>
-          <p:txBody>
-            <a:bodyPr rtlCol="0" anchor="ctr"/>
-            <a:lstStyle/>
-            <a:p>
-              <a:pPr algn="ctr"/>
-              <a:endParaRPr lang="en-US"/>
-            </a:p>
-          </p:txBody>
-        </p:sp>
-      </p:grpSp>
-      <p:grpSp>
-        <p:nvGrpSpPr>
           <p:cNvPr id="89" name="Group 88"/>
           <p:cNvGrpSpPr/>
           <p:nvPr/>
@@ -9976,7 +9818,7 @@
       </p:grpSp>
       <p:grpSp>
         <p:nvGrpSpPr>
-          <p:cNvPr id="7" name="组合 6"/>
+          <p:cNvPr id="8" name="组合 7"/>
           <p:cNvGrpSpPr/>
           <p:nvPr/>
         </p:nvGrpSpPr>
@@ -9984,7 +9826,7 @@
           <a:xfrm>
             <a:off x="3093185" y="5421421"/>
             <a:ext cx="555874" cy="511820"/>
-            <a:chOff x="1757737" y="3400357"/>
+            <a:chOff x="3093185" y="5421421"/>
             <a:chExt cx="555874" cy="511820"/>
           </a:xfrm>
         </p:grpSpPr>
@@ -9996,7 +9838,7 @@
           </p:nvSpPr>
           <p:spPr>
             <a:xfrm>
-              <a:off x="1913803" y="3584160"/>
+              <a:off x="3249251" y="5605224"/>
               <a:ext cx="180975" cy="173832"/>
             </a:xfrm>
             <a:prstGeom prst="rect">
@@ -10044,7 +9886,7 @@
           </p:nvSpPr>
           <p:spPr>
             <a:xfrm>
-              <a:off x="1757737" y="3424243"/>
+              <a:off x="3093185" y="5445307"/>
               <a:ext cx="486731" cy="487934"/>
             </a:xfrm>
             <a:prstGeom prst="ellipse">
@@ -10091,7 +9933,7 @@
           </p:nvSpPr>
           <p:spPr>
             <a:xfrm rot="1573029">
-              <a:off x="2085870" y="3400357"/>
+              <a:off x="3421318" y="5421421"/>
               <a:ext cx="89603" cy="128194"/>
             </a:xfrm>
             <a:prstGeom prst="chevron">
@@ -10143,7 +9985,7 @@
           </p:nvSpPr>
           <p:spPr>
             <a:xfrm rot="5400000">
-              <a:off x="2189366" y="3592962"/>
+              <a:off x="3524814" y="5614026"/>
               <a:ext cx="102230" cy="146260"/>
             </a:xfrm>
             <a:prstGeom prst="chevron">
@@ -10217,6 +10059,224 @@
           </a:p>
         </p:txBody>
       </p:sp>
+      <p:grpSp>
+        <p:nvGrpSpPr>
+          <p:cNvPr id="59" name="组合 58"/>
+          <p:cNvGrpSpPr/>
+          <p:nvPr/>
+        </p:nvGrpSpPr>
+        <p:grpSpPr>
+          <a:xfrm>
+            <a:off x="1087729" y="3379020"/>
+            <a:ext cx="555874" cy="511820"/>
+            <a:chOff x="3093185" y="5421421"/>
+            <a:chExt cx="555874" cy="511820"/>
+          </a:xfrm>
+        </p:grpSpPr>
+        <p:sp>
+          <p:nvSpPr>
+            <p:cNvPr id="63" name="Rectangle 46"/>
+            <p:cNvSpPr/>
+            <p:nvPr/>
+          </p:nvSpPr>
+          <p:spPr>
+            <a:xfrm>
+              <a:off x="3249251" y="5605224"/>
+              <a:ext cx="180975" cy="173832"/>
+            </a:xfrm>
+            <a:prstGeom prst="rect">
+              <a:avLst/>
+            </a:prstGeom>
+            <a:solidFill>
+              <a:srgbClr val="E46B09"/>
+            </a:solidFill>
+            <a:ln w="12700">
+              <a:solidFill>
+                <a:schemeClr val="tx1"/>
+              </a:solidFill>
+            </a:ln>
+          </p:spPr>
+          <p:style>
+            <a:lnRef idx="2">
+              <a:schemeClr val="accent1">
+                <a:shade val="50000"/>
+              </a:schemeClr>
+            </a:lnRef>
+            <a:fillRef idx="1">
+              <a:schemeClr val="accent1"/>
+            </a:fillRef>
+            <a:effectRef idx="0">
+              <a:schemeClr val="accent1"/>
+            </a:effectRef>
+            <a:fontRef idx="minor">
+              <a:schemeClr val="lt1"/>
+            </a:fontRef>
+          </p:style>
+          <p:txBody>
+            <a:bodyPr rtlCol="0" anchor="ctr"/>
+            <a:lstStyle/>
+            <a:p>
+              <a:pPr algn="ctr"/>
+              <a:endParaRPr lang="en-US"/>
+            </a:p>
+          </p:txBody>
+        </p:sp>
+        <p:sp>
+          <p:nvSpPr>
+            <p:cNvPr id="66" name="Oval 51"/>
+            <p:cNvSpPr/>
+            <p:nvPr/>
+          </p:nvSpPr>
+          <p:spPr>
+            <a:xfrm>
+              <a:off x="3093185" y="5445307"/>
+              <a:ext cx="486731" cy="487934"/>
+            </a:xfrm>
+            <a:prstGeom prst="ellipse">
+              <a:avLst/>
+            </a:prstGeom>
+            <a:noFill/>
+            <a:ln w="19050">
+              <a:solidFill>
+                <a:schemeClr val="tx1"/>
+              </a:solidFill>
+              <a:prstDash val="dash"/>
+            </a:ln>
+          </p:spPr>
+          <p:style>
+            <a:lnRef idx="2">
+              <a:schemeClr val="accent1">
+                <a:shade val="50000"/>
+              </a:schemeClr>
+            </a:lnRef>
+            <a:fillRef idx="1">
+              <a:schemeClr val="accent1"/>
+            </a:fillRef>
+            <a:effectRef idx="0">
+              <a:schemeClr val="accent1"/>
+            </a:effectRef>
+            <a:fontRef idx="minor">
+              <a:schemeClr val="lt1"/>
+            </a:fontRef>
+          </p:style>
+          <p:txBody>
+            <a:bodyPr rtlCol="0" anchor="ctr"/>
+            <a:lstStyle/>
+            <a:p>
+              <a:pPr algn="ctr"/>
+              <a:endParaRPr lang="en-US"/>
+            </a:p>
+          </p:txBody>
+        </p:sp>
+        <p:sp>
+          <p:nvSpPr>
+            <p:cNvPr id="67" name="燕尾形 66"/>
+            <p:cNvSpPr/>
+            <p:nvPr/>
+          </p:nvSpPr>
+          <p:spPr>
+            <a:xfrm rot="1573029">
+              <a:off x="3421318" y="5421421"/>
+              <a:ext cx="89603" cy="128194"/>
+            </a:xfrm>
+            <a:prstGeom prst="chevron">
+              <a:avLst/>
+            </a:prstGeom>
+            <a:solidFill>
+              <a:srgbClr val="0070C0">
+                <a:alpha val="40000"/>
+              </a:srgbClr>
+            </a:solidFill>
+            <a:ln w="12700">
+              <a:solidFill>
+                <a:schemeClr val="tx1">
+                  <a:alpha val="40000"/>
+                </a:schemeClr>
+              </a:solidFill>
+            </a:ln>
+          </p:spPr>
+          <p:style>
+            <a:lnRef idx="2">
+              <a:schemeClr val="accent1">
+                <a:shade val="50000"/>
+              </a:schemeClr>
+            </a:lnRef>
+            <a:fillRef idx="1">
+              <a:schemeClr val="accent1"/>
+            </a:fillRef>
+            <a:effectRef idx="0">
+              <a:schemeClr val="accent1"/>
+            </a:effectRef>
+            <a:fontRef idx="minor">
+              <a:schemeClr val="lt1"/>
+            </a:fontRef>
+          </p:style>
+          <p:txBody>
+            <a:bodyPr rtlCol="0" anchor="ctr"/>
+            <a:lstStyle/>
+            <a:p>
+              <a:pPr algn="ctr"/>
+              <a:endParaRPr lang="zh-CN" altLang="en-US">
+                <a:solidFill>
+                  <a:schemeClr val="tx1"/>
+                </a:solidFill>
+              </a:endParaRPr>
+            </a:p>
+          </p:txBody>
+        </p:sp>
+        <p:sp>
+          <p:nvSpPr>
+            <p:cNvPr id="68" name="燕尾形 67"/>
+            <p:cNvSpPr/>
+            <p:nvPr/>
+          </p:nvSpPr>
+          <p:spPr>
+            <a:xfrm rot="5400000">
+              <a:off x="3524814" y="5614026"/>
+              <a:ext cx="102230" cy="146260"/>
+            </a:xfrm>
+            <a:prstGeom prst="chevron">
+              <a:avLst/>
+            </a:prstGeom>
+            <a:solidFill>
+              <a:srgbClr val="0070C0"/>
+            </a:solidFill>
+            <a:ln w="12700">
+              <a:solidFill>
+                <a:schemeClr val="tx1"/>
+              </a:solidFill>
+            </a:ln>
+          </p:spPr>
+          <p:style>
+            <a:lnRef idx="2">
+              <a:schemeClr val="accent1">
+                <a:shade val="50000"/>
+              </a:schemeClr>
+            </a:lnRef>
+            <a:fillRef idx="1">
+              <a:schemeClr val="accent1"/>
+            </a:fillRef>
+            <a:effectRef idx="0">
+              <a:schemeClr val="accent1"/>
+            </a:effectRef>
+            <a:fontRef idx="minor">
+              <a:schemeClr val="lt1"/>
+            </a:fontRef>
+          </p:style>
+          <p:txBody>
+            <a:bodyPr rtlCol="0" anchor="ctr"/>
+            <a:lstStyle/>
+            <a:p>
+              <a:pPr algn="ctr"/>
+              <a:endParaRPr lang="zh-CN" altLang="en-US">
+                <a:solidFill>
+                  <a:schemeClr val="tx1"/>
+                </a:solidFill>
+              </a:endParaRPr>
+            </a:p>
+          </p:txBody>
+        </p:sp>
+      </p:grpSp>
     </p:spTree>
     <p:extLst>
       <p:ext uri="{BB962C8B-B14F-4D97-AF65-F5344CB8AC3E}">

--- a/doc/Icons-PositionsLab.pptx
+++ b/doc/Icons-PositionsLab.pptx
@@ -10061,7 +10061,7 @@
       </p:sp>
       <p:grpSp>
         <p:nvGrpSpPr>
-          <p:cNvPr id="59" name="组合 58"/>
+          <p:cNvPr id="7" name="组合 6"/>
           <p:cNvGrpSpPr/>
           <p:nvPr/>
         </p:nvGrpSpPr>
@@ -10069,7 +10069,7 @@
           <a:xfrm>
             <a:off x="1087729" y="3379020"/>
             <a:ext cx="555874" cy="511820"/>
-            <a:chOff x="3093185" y="5421421"/>
+            <a:chOff x="1087729" y="3379020"/>
             <a:chExt cx="555874" cy="511820"/>
           </a:xfrm>
         </p:grpSpPr>
@@ -10081,7 +10081,7 @@
           </p:nvSpPr>
           <p:spPr>
             <a:xfrm>
-              <a:off x="3249251" y="5605224"/>
+              <a:off x="1243795" y="3562823"/>
               <a:ext cx="180975" cy="173832"/>
             </a:xfrm>
             <a:prstGeom prst="rect">
@@ -10129,7 +10129,7 @@
           </p:nvSpPr>
           <p:spPr>
             <a:xfrm>
-              <a:off x="3093185" y="5445307"/>
+              <a:off x="1087729" y="3402906"/>
               <a:ext cx="486731" cy="487934"/>
             </a:xfrm>
             <a:prstGeom prst="ellipse">
@@ -10176,7 +10176,7 @@
           </p:nvSpPr>
           <p:spPr>
             <a:xfrm rot="1573029">
-              <a:off x="3421318" y="5421421"/>
+              <a:off x="1415862" y="3379020"/>
               <a:ext cx="89603" cy="128194"/>
             </a:xfrm>
             <a:prstGeom prst="chevron">
@@ -10184,15 +10184,14 @@
             </a:prstGeom>
             <a:solidFill>
               <a:srgbClr val="0070C0">
-                <a:alpha val="40000"/>
+                <a:alpha val="0"/>
               </a:srgbClr>
             </a:solidFill>
             <a:ln w="12700">
               <a:solidFill>
-                <a:schemeClr val="tx1">
-                  <a:alpha val="40000"/>
-                </a:schemeClr>
-              </a:solidFill>
+                <a:schemeClr val="tx1"/>
+              </a:solidFill>
+              <a:prstDash val="solid"/>
             </a:ln>
           </p:spPr>
           <p:style>
@@ -10232,7 +10231,7 @@
           </p:nvSpPr>
           <p:spPr>
             <a:xfrm rot="5400000">
-              <a:off x="3524814" y="5614026"/>
+              <a:off x="1519358" y="3571625"/>
               <a:ext cx="102230" cy="146260"/>
             </a:xfrm>
             <a:prstGeom prst="chevron">

--- a/doc/Icons-PositionsLab.pptx
+++ b/doc/Icons-PositionsLab.pptx
@@ -9816,18 +9816,47 @@
           </p:sp>
         </p:grpSp>
       </p:grpSp>
+      <p:sp>
+        <p:nvSpPr>
+          <p:cNvPr id="61" name="TextBox 1"/>
+          <p:cNvSpPr txBox="1"/>
+          <p:nvPr/>
+        </p:nvSpPr>
+        <p:spPr>
+          <a:xfrm>
+            <a:off x="930951" y="2423698"/>
+            <a:ext cx="982898" cy="369332"/>
+          </a:xfrm>
+          <a:prstGeom prst="rect">
+            <a:avLst/>
+          </a:prstGeom>
+          <a:noFill/>
+        </p:spPr>
+        <p:txBody>
+          <a:bodyPr wrap="none" rtlCol="0">
+            <a:spAutoFit/>
+          </a:bodyPr>
+          <a:lstStyle/>
+          <a:p>
+            <a:r>
+              <a:rPr lang="en-US" dirty="0"/>
+              <a:t>Rotation</a:t>
+            </a:r>
+          </a:p>
+        </p:txBody>
+      </p:sp>
       <p:grpSp>
         <p:nvGrpSpPr>
-          <p:cNvPr id="8" name="组合 7"/>
+          <p:cNvPr id="10" name="组合 9"/>
           <p:cNvGrpSpPr/>
           <p:nvPr/>
         </p:nvGrpSpPr>
         <p:grpSpPr>
           <a:xfrm>
-            <a:off x="3093185" y="5421421"/>
-            <a:ext cx="555874" cy="511820"/>
-            <a:chOff x="3093185" y="5421421"/>
-            <a:chExt cx="555874" cy="511820"/>
+            <a:off x="3086493" y="5272839"/>
+            <a:ext cx="569257" cy="565821"/>
+            <a:chOff x="4443948" y="5281268"/>
+            <a:chExt cx="597872" cy="594263"/>
           </a:xfrm>
         </p:grpSpPr>
         <p:sp>
@@ -9838,8 +9867,8 @@
           </p:nvSpPr>
           <p:spPr>
             <a:xfrm>
-              <a:off x="3249251" y="5605224"/>
-              <a:ext cx="180975" cy="173832"/>
+              <a:off x="4615366" y="5549841"/>
+              <a:ext cx="165735" cy="159194"/>
             </a:xfrm>
             <a:prstGeom prst="rect">
               <a:avLst/>
@@ -9886,8 +9915,8 @@
           </p:nvSpPr>
           <p:spPr>
             <a:xfrm>
-              <a:off x="3093185" y="5445307"/>
-              <a:ext cx="486731" cy="487934"/>
+              <a:off x="4443948" y="5375353"/>
+              <a:ext cx="498944" cy="500178"/>
             </a:xfrm>
             <a:prstGeom prst="ellipse">
               <a:avLst/>
@@ -9927,14 +9956,14 @@
         </p:sp>
         <p:sp>
           <p:nvSpPr>
-            <p:cNvPr id="6" name="燕尾形 5"/>
+            <p:cNvPr id="59" name="燕尾形 58"/>
             <p:cNvSpPr/>
             <p:nvPr/>
           </p:nvSpPr>
           <p:spPr>
-            <a:xfrm rot="1573029">
-              <a:off x="3421318" y="5421421"/>
-              <a:ext cx="89603" cy="128194"/>
+            <a:xfrm rot="953220">
+              <a:off x="4678070" y="5281268"/>
+              <a:ext cx="131377" cy="187960"/>
             </a:xfrm>
             <a:prstGeom prst="chevron">
               <a:avLst/>
@@ -9979,14 +10008,14 @@
         </p:sp>
         <p:sp>
           <p:nvSpPr>
-            <p:cNvPr id="57" name="燕尾形 56"/>
+            <p:cNvPr id="60" name="燕尾形 59"/>
             <p:cNvSpPr/>
             <p:nvPr/>
           </p:nvSpPr>
           <p:spPr>
             <a:xfrm rot="5400000">
-              <a:off x="3524814" y="5614026"/>
-              <a:ext cx="102230" cy="146260"/>
+              <a:off x="4882151" y="5511387"/>
+              <a:ext cx="131377" cy="187960"/>
             </a:xfrm>
             <a:prstGeom prst="chevron">
               <a:avLst/>
@@ -10030,59 +10059,30 @@
           </p:txBody>
         </p:sp>
       </p:grpSp>
-      <p:sp>
-        <p:nvSpPr>
-          <p:cNvPr id="61" name="TextBox 1"/>
-          <p:cNvSpPr txBox="1"/>
-          <p:nvPr/>
-        </p:nvSpPr>
-        <p:spPr>
-          <a:xfrm>
-            <a:off x="930951" y="2423698"/>
-            <a:ext cx="982898" cy="369332"/>
-          </a:xfrm>
-          <a:prstGeom prst="rect">
-            <a:avLst/>
-          </a:prstGeom>
-          <a:noFill/>
-        </p:spPr>
-        <p:txBody>
-          <a:bodyPr wrap="none" rtlCol="0">
-            <a:spAutoFit/>
-          </a:bodyPr>
-          <a:lstStyle/>
-          <a:p>
-            <a:r>
-              <a:rPr lang="en-US" dirty="0"/>
-              <a:t>Rotation</a:t>
-            </a:r>
-          </a:p>
-        </p:txBody>
-      </p:sp>
       <p:grpSp>
         <p:nvGrpSpPr>
-          <p:cNvPr id="7" name="组合 6"/>
+          <p:cNvPr id="11" name="组合 10"/>
           <p:cNvGrpSpPr/>
           <p:nvPr/>
         </p:nvGrpSpPr>
         <p:grpSpPr>
           <a:xfrm>
-            <a:off x="1087729" y="3379020"/>
-            <a:ext cx="555874" cy="511820"/>
-            <a:chOff x="1087729" y="3379020"/>
-            <a:chExt cx="555874" cy="511820"/>
+            <a:off x="1043051" y="3327274"/>
+            <a:ext cx="569257" cy="565821"/>
+            <a:chOff x="1043051" y="3327274"/>
+            <a:chExt cx="569257" cy="565821"/>
           </a:xfrm>
         </p:grpSpPr>
         <p:sp>
           <p:nvSpPr>
-            <p:cNvPr id="63" name="Rectangle 46"/>
+            <p:cNvPr id="71" name="Rectangle 46"/>
             <p:cNvSpPr/>
             <p:nvPr/>
           </p:nvSpPr>
           <p:spPr>
             <a:xfrm>
-              <a:off x="1243795" y="3562823"/>
-              <a:ext cx="180975" cy="173832"/>
+              <a:off x="1206265" y="3582993"/>
+              <a:ext cx="157803" cy="151575"/>
             </a:xfrm>
             <a:prstGeom prst="rect">
               <a:avLst/>
@@ -10123,14 +10123,14 @@
         </p:sp>
         <p:sp>
           <p:nvSpPr>
-            <p:cNvPr id="66" name="Oval 51"/>
+            <p:cNvPr id="73" name="Oval 51"/>
             <p:cNvSpPr/>
             <p:nvPr/>
           </p:nvSpPr>
           <p:spPr>
             <a:xfrm>
-              <a:off x="1087729" y="3402906"/>
-              <a:ext cx="486731" cy="487934"/>
+              <a:off x="1043051" y="3416856"/>
+              <a:ext cx="475064" cy="476239"/>
             </a:xfrm>
             <a:prstGeom prst="ellipse">
               <a:avLst/>
@@ -10170,14 +10170,14 @@
         </p:sp>
         <p:sp>
           <p:nvSpPr>
-            <p:cNvPr id="67" name="燕尾形 66"/>
+            <p:cNvPr id="74" name="燕尾形 73"/>
             <p:cNvSpPr/>
             <p:nvPr/>
           </p:nvSpPr>
           <p:spPr>
-            <a:xfrm rot="1573029">
-              <a:off x="1415862" y="3379020"/>
-              <a:ext cx="89603" cy="128194"/>
+            <a:xfrm rot="953220">
+              <a:off x="1265968" y="3327274"/>
+              <a:ext cx="125089" cy="178964"/>
             </a:xfrm>
             <a:prstGeom prst="chevron">
               <a:avLst/>
@@ -10191,7 +10191,6 @@
               <a:solidFill>
                 <a:schemeClr val="tx1"/>
               </a:solidFill>
-              <a:prstDash val="solid"/>
             </a:ln>
           </p:spPr>
           <p:style>
@@ -10225,14 +10224,14 @@
         </p:sp>
         <p:sp>
           <p:nvSpPr>
-            <p:cNvPr id="68" name="燕尾形 67"/>
+            <p:cNvPr id="75" name="燕尾形 74"/>
             <p:cNvSpPr/>
             <p:nvPr/>
           </p:nvSpPr>
           <p:spPr>
             <a:xfrm rot="5400000">
-              <a:off x="1519358" y="3571625"/>
-              <a:ext cx="102230" cy="146260"/>
+              <a:off x="1460281" y="3546379"/>
+              <a:ext cx="125089" cy="178964"/>
             </a:xfrm>
             <a:prstGeom prst="chevron">
               <a:avLst/>

--- a/doc/Icons-PositionsLab.pptx
+++ b/doc/Icons-PositionsLab.pptx
@@ -213,7 +213,7 @@
           <a:p>
             <a:fld id="{6699ACB9-486C-4D62-A3A7-AF98E13EFDA3}" type="datetimeFigureOut">
               <a:rPr lang="en-US" smtClean="0"/>
-              <a:t>3/23/2016</a:t>
+              <a:t>5/24/2016</a:t>
             </a:fld>
             <a:endParaRPr lang="en-US"/>
           </a:p>
@@ -478,6 +478,90 @@
     </a:lvl9pPr>
   </p:notesStyle>
 </p:notesMaster>
+</file>
+
+<file path=ppt/notesSlides/notesSlide1.xml><?xml version="1.0" encoding="utf-8"?>
+<p:notes xmlns:a="http://schemas.openxmlformats.org/drawingml/2006/main" xmlns:r="http://schemas.openxmlformats.org/officeDocument/2006/relationships" xmlns:p="http://schemas.openxmlformats.org/presentationml/2006/main">
+  <p:cSld>
+    <p:spTree>
+      <p:nvGrpSpPr>
+        <p:cNvPr id="1" name=""/>
+        <p:cNvGrpSpPr/>
+        <p:nvPr/>
+      </p:nvGrpSpPr>
+      <p:grpSpPr>
+        <a:xfrm>
+          <a:off x="0" y="0"/>
+          <a:ext cx="0" cy="0"/>
+          <a:chOff x="0" y="0"/>
+          <a:chExt cx="0" cy="0"/>
+        </a:xfrm>
+      </p:grpSpPr>
+      <p:sp>
+        <p:nvSpPr>
+          <p:cNvPr id="2" name="幻灯片图像占位符 1"/>
+          <p:cNvSpPr>
+            <a:spLocks noGrp="1" noRot="1" noChangeAspect="1"/>
+          </p:cNvSpPr>
+          <p:nvPr>
+            <p:ph type="sldImg"/>
+          </p:nvPr>
+        </p:nvSpPr>
+        <p:spPr/>
+      </p:sp>
+      <p:sp>
+        <p:nvSpPr>
+          <p:cNvPr id="3" name="备注占位符 2"/>
+          <p:cNvSpPr>
+            <a:spLocks noGrp="1"/>
+          </p:cNvSpPr>
+          <p:nvPr>
+            <p:ph type="body" idx="1"/>
+          </p:nvPr>
+        </p:nvSpPr>
+        <p:spPr/>
+        <p:txBody>
+          <a:bodyPr/>
+          <a:lstStyle/>
+          <a:p>
+            <a:endParaRPr lang="zh-CN" altLang="en-US" dirty="0"/>
+          </a:p>
+        </p:txBody>
+      </p:sp>
+      <p:sp>
+        <p:nvSpPr>
+          <p:cNvPr id="4" name="灯片编号占位符 3"/>
+          <p:cNvSpPr>
+            <a:spLocks noGrp="1"/>
+          </p:cNvSpPr>
+          <p:nvPr>
+            <p:ph type="sldNum" sz="quarter" idx="10"/>
+          </p:nvPr>
+        </p:nvSpPr>
+        <p:spPr/>
+        <p:txBody>
+          <a:bodyPr/>
+          <a:lstStyle/>
+          <a:p>
+            <a:fld id="{8EC77E60-82A0-4F8A-A861-433B3189FA8C}" type="slidenum">
+              <a:rPr lang="en-US" smtClean="0"/>
+              <a:t>6</a:t>
+            </a:fld>
+            <a:endParaRPr lang="en-US"/>
+          </a:p>
+        </p:txBody>
+      </p:sp>
+    </p:spTree>
+    <p:extLst>
+      <p:ext uri="{BB962C8B-B14F-4D97-AF65-F5344CB8AC3E}">
+        <p14:creationId xmlns:p14="http://schemas.microsoft.com/office/powerpoint/2010/main" val="3737246662"/>
+      </p:ext>
+    </p:extLst>
+  </p:cSld>
+  <p:clrMapOvr>
+    <a:masterClrMapping/>
+  </p:clrMapOvr>
+</p:notes>
 </file>
 
 <file path=ppt/slideLayouts/slideLayout1.xml><?xml version="1.0" encoding="utf-8"?>
@@ -660,7 +744,7 @@
             <a:fld id="{1D8BD707-D9CF-40AE-B4C6-C98DA3205C09}" type="datetimeFigureOut">
               <a:rPr lang="en-US" smtClean="0"/>
               <a:pPr/>
-              <a:t>3/23/2016</a:t>
+              <a:t>5/24/2016</a:t>
             </a:fld>
             <a:endParaRPr lang="en-US"/>
           </a:p>
@@ -825,7 +909,7 @@
             <a:fld id="{1D8BD707-D9CF-40AE-B4C6-C98DA3205C09}" type="datetimeFigureOut">
               <a:rPr lang="en-US" smtClean="0"/>
               <a:pPr/>
-              <a:t>3/23/2016</a:t>
+              <a:t>5/24/2016</a:t>
             </a:fld>
             <a:endParaRPr lang="en-US"/>
           </a:p>
@@ -1000,7 +1084,7 @@
             <a:fld id="{1D8BD707-D9CF-40AE-B4C6-C98DA3205C09}" type="datetimeFigureOut">
               <a:rPr lang="en-US" smtClean="0"/>
               <a:pPr/>
-              <a:t>3/23/2016</a:t>
+              <a:t>5/24/2016</a:t>
             </a:fld>
             <a:endParaRPr lang="en-US"/>
           </a:p>
@@ -1165,7 +1249,7 @@
             <a:fld id="{1D8BD707-D9CF-40AE-B4C6-C98DA3205C09}" type="datetimeFigureOut">
               <a:rPr lang="en-US" smtClean="0"/>
               <a:pPr/>
-              <a:t>3/23/2016</a:t>
+              <a:t>5/24/2016</a:t>
             </a:fld>
             <a:endParaRPr lang="en-US"/>
           </a:p>
@@ -1407,7 +1491,7 @@
             <a:fld id="{1D8BD707-D9CF-40AE-B4C6-C98DA3205C09}" type="datetimeFigureOut">
               <a:rPr lang="en-US" smtClean="0"/>
               <a:pPr/>
-              <a:t>3/23/2016</a:t>
+              <a:t>5/24/2016</a:t>
             </a:fld>
             <a:endParaRPr lang="en-US"/>
           </a:p>
@@ -1689,7 +1773,7 @@
             <a:fld id="{1D8BD707-D9CF-40AE-B4C6-C98DA3205C09}" type="datetimeFigureOut">
               <a:rPr lang="en-US" smtClean="0"/>
               <a:pPr/>
-              <a:t>3/23/2016</a:t>
+              <a:t>5/24/2016</a:t>
             </a:fld>
             <a:endParaRPr lang="en-US"/>
           </a:p>
@@ -2105,7 +2189,7 @@
             <a:fld id="{1D8BD707-D9CF-40AE-B4C6-C98DA3205C09}" type="datetimeFigureOut">
               <a:rPr lang="en-US" smtClean="0"/>
               <a:pPr/>
-              <a:t>3/23/2016</a:t>
+              <a:t>5/24/2016</a:t>
             </a:fld>
             <a:endParaRPr lang="en-US"/>
           </a:p>
@@ -2219,7 +2303,7 @@
             <a:fld id="{1D8BD707-D9CF-40AE-B4C6-C98DA3205C09}" type="datetimeFigureOut">
               <a:rPr lang="en-US" smtClean="0"/>
               <a:pPr/>
-              <a:t>3/23/2016</a:t>
+              <a:t>5/24/2016</a:t>
             </a:fld>
             <a:endParaRPr lang="en-US"/>
           </a:p>
@@ -2311,7 +2395,7 @@
             <a:fld id="{1D8BD707-D9CF-40AE-B4C6-C98DA3205C09}" type="datetimeFigureOut">
               <a:rPr lang="en-US" smtClean="0"/>
               <a:pPr/>
-              <a:t>3/23/2016</a:t>
+              <a:t>5/24/2016</a:t>
             </a:fld>
             <a:endParaRPr lang="en-US"/>
           </a:p>
@@ -2583,7 +2667,7 @@
             <a:fld id="{1D8BD707-D9CF-40AE-B4C6-C98DA3205C09}" type="datetimeFigureOut">
               <a:rPr lang="en-US" smtClean="0"/>
               <a:pPr/>
-              <a:t>3/23/2016</a:t>
+              <a:t>5/24/2016</a:t>
             </a:fld>
             <a:endParaRPr lang="en-US"/>
           </a:p>
@@ -2832,7 +2916,7 @@
             <a:fld id="{1D8BD707-D9CF-40AE-B4C6-C98DA3205C09}" type="datetimeFigureOut">
               <a:rPr lang="en-US" smtClean="0"/>
               <a:pPr/>
-              <a:t>3/23/2016</a:t>
+              <a:t>5/24/2016</a:t>
             </a:fld>
             <a:endParaRPr lang="en-US"/>
           </a:p>
@@ -3040,7 +3124,7 @@
             <a:fld id="{1D8BD707-D9CF-40AE-B4C6-C98DA3205C09}" type="datetimeFigureOut">
               <a:rPr lang="en-US" smtClean="0"/>
               <a:pPr/>
-              <a:t>3/23/2016</a:t>
+              <a:t>5/24/2016</a:t>
             </a:fld>
             <a:endParaRPr lang="en-US"/>
           </a:p>
@@ -9974,6 +10058,244 @@
           </p:sp>
         </p:grpSp>
       </p:grpSp>
+      <p:sp>
+        <p:nvSpPr>
+          <p:cNvPr id="73" name="TextBox 32"/>
+          <p:cNvSpPr txBox="1"/>
+          <p:nvPr/>
+        </p:nvSpPr>
+        <p:spPr>
+          <a:xfrm>
+            <a:off x="2660340" y="4636184"/>
+            <a:ext cx="1518557" cy="369332"/>
+          </a:xfrm>
+          <a:prstGeom prst="rect">
+            <a:avLst/>
+          </a:prstGeom>
+          <a:noFill/>
+        </p:spPr>
+        <p:txBody>
+          <a:bodyPr wrap="none" rtlCol="0">
+            <a:spAutoFit/>
+          </a:bodyPr>
+          <a:lstStyle/>
+          <a:p>
+            <a:r>
+              <a:rPr lang="en-US" dirty="0"/>
+              <a:t>Lock </a:t>
+            </a:r>
+            <a:r>
+              <a:rPr lang="en-US" dirty="0" smtClean="0"/>
+              <a:t>Direction</a:t>
+            </a:r>
+            <a:endParaRPr lang="en-US" dirty="0"/>
+          </a:p>
+        </p:txBody>
+      </p:sp>
+      <p:grpSp>
+        <p:nvGrpSpPr>
+          <p:cNvPr id="12" name="组合 11"/>
+          <p:cNvGrpSpPr/>
+          <p:nvPr/>
+        </p:nvGrpSpPr>
+        <p:grpSpPr>
+          <a:xfrm>
+            <a:off x="3166337" y="5371494"/>
+            <a:ext cx="484715" cy="457696"/>
+            <a:chOff x="3299365" y="5313074"/>
+            <a:chExt cx="484715" cy="457696"/>
+          </a:xfrm>
+        </p:grpSpPr>
+        <p:cxnSp>
+          <p:nvCxnSpPr>
+            <p:cNvPr id="8" name="直接连接符 7"/>
+            <p:cNvCxnSpPr/>
+            <p:nvPr/>
+          </p:nvCxnSpPr>
+          <p:spPr>
+            <a:xfrm flipV="1">
+              <a:off x="3300295" y="5313074"/>
+              <a:ext cx="483785" cy="454705"/>
+            </a:xfrm>
+            <a:prstGeom prst="line">
+              <a:avLst/>
+            </a:prstGeom>
+            <a:ln w="19050">
+              <a:solidFill>
+                <a:schemeClr val="tx1"/>
+              </a:solidFill>
+              <a:prstDash val="sysDash"/>
+            </a:ln>
+          </p:spPr>
+          <p:style>
+            <a:lnRef idx="1">
+              <a:schemeClr val="accent1"/>
+            </a:lnRef>
+            <a:fillRef idx="0">
+              <a:schemeClr val="accent1"/>
+            </a:fillRef>
+            <a:effectRef idx="0">
+              <a:schemeClr val="accent1"/>
+            </a:effectRef>
+            <a:fontRef idx="minor">
+              <a:schemeClr val="tx1"/>
+            </a:fontRef>
+          </p:style>
+        </p:cxnSp>
+        <p:sp>
+          <p:nvSpPr>
+            <p:cNvPr id="63" name="燕尾形 62"/>
+            <p:cNvSpPr/>
+            <p:nvPr/>
+          </p:nvSpPr>
+          <p:spPr>
+            <a:xfrm rot="19087370">
+              <a:off x="3620986" y="5315481"/>
+              <a:ext cx="108667" cy="204647"/>
+            </a:xfrm>
+            <a:prstGeom prst="chevron">
+              <a:avLst/>
+            </a:prstGeom>
+            <a:ln w="19050">
+              <a:solidFill>
+                <a:schemeClr val="tx1"/>
+              </a:solidFill>
+            </a:ln>
+          </p:spPr>
+          <p:style>
+            <a:lnRef idx="2">
+              <a:schemeClr val="accent1">
+                <a:shade val="50000"/>
+              </a:schemeClr>
+            </a:lnRef>
+            <a:fillRef idx="1">
+              <a:schemeClr val="accent1"/>
+            </a:fillRef>
+            <a:effectRef idx="0">
+              <a:schemeClr val="accent1"/>
+            </a:effectRef>
+            <a:fontRef idx="minor">
+              <a:schemeClr val="lt1"/>
+            </a:fontRef>
+          </p:style>
+          <p:txBody>
+            <a:bodyPr rtlCol="0" anchor="ctr"/>
+            <a:lstStyle/>
+            <a:p>
+              <a:pPr algn="ctr"/>
+              <a:endParaRPr lang="zh-CN" altLang="en-US">
+                <a:solidFill>
+                  <a:schemeClr val="tx1"/>
+                </a:solidFill>
+              </a:endParaRPr>
+            </a:p>
+          </p:txBody>
+        </p:sp>
+        <p:sp>
+          <p:nvSpPr>
+            <p:cNvPr id="67" name="燕尾形 66"/>
+            <p:cNvSpPr/>
+            <p:nvPr/>
+          </p:nvSpPr>
+          <p:spPr>
+            <a:xfrm rot="19087370">
+              <a:off x="3526351" y="5416277"/>
+              <a:ext cx="108667" cy="204647"/>
+            </a:xfrm>
+            <a:prstGeom prst="chevron">
+              <a:avLst/>
+            </a:prstGeom>
+            <a:solidFill>
+              <a:schemeClr val="accent1">
+                <a:alpha val="0"/>
+              </a:schemeClr>
+            </a:solidFill>
+            <a:ln w="19050">
+              <a:solidFill>
+                <a:schemeClr val="tx1"/>
+              </a:solidFill>
+            </a:ln>
+          </p:spPr>
+          <p:style>
+            <a:lnRef idx="2">
+              <a:schemeClr val="accent1">
+                <a:shade val="50000"/>
+              </a:schemeClr>
+            </a:lnRef>
+            <a:fillRef idx="1">
+              <a:schemeClr val="accent1"/>
+            </a:fillRef>
+            <a:effectRef idx="0">
+              <a:schemeClr val="accent1"/>
+            </a:effectRef>
+            <a:fontRef idx="minor">
+              <a:schemeClr val="lt1"/>
+            </a:fontRef>
+          </p:style>
+          <p:txBody>
+            <a:bodyPr rtlCol="0" anchor="ctr"/>
+            <a:lstStyle/>
+            <a:p>
+              <a:pPr algn="ctr"/>
+              <a:endParaRPr lang="zh-CN" altLang="en-US">
+                <a:solidFill>
+                  <a:schemeClr val="tx1"/>
+                </a:solidFill>
+              </a:endParaRPr>
+            </a:p>
+          </p:txBody>
+        </p:sp>
+        <p:sp>
+          <p:nvSpPr>
+            <p:cNvPr id="23" name="椭圆 22"/>
+            <p:cNvSpPr/>
+            <p:nvPr/>
+          </p:nvSpPr>
+          <p:spPr>
+            <a:xfrm>
+              <a:off x="3299365" y="5530262"/>
+              <a:ext cx="240508" cy="240508"/>
+            </a:xfrm>
+            <a:prstGeom prst="ellipse">
+              <a:avLst/>
+            </a:prstGeom>
+            <a:solidFill>
+              <a:schemeClr val="accent6">
+                <a:lumMod val="75000"/>
+              </a:schemeClr>
+            </a:solidFill>
+            <a:ln w="19050">
+              <a:solidFill>
+                <a:schemeClr val="tx1"/>
+              </a:solidFill>
+            </a:ln>
+          </p:spPr>
+          <p:style>
+            <a:lnRef idx="2">
+              <a:schemeClr val="accent1">
+                <a:shade val="50000"/>
+              </a:schemeClr>
+            </a:lnRef>
+            <a:fillRef idx="1">
+              <a:schemeClr val="accent1"/>
+            </a:fillRef>
+            <a:effectRef idx="0">
+              <a:schemeClr val="accent1"/>
+            </a:effectRef>
+            <a:fontRef idx="minor">
+              <a:schemeClr val="lt1"/>
+            </a:fontRef>
+          </p:style>
+          <p:txBody>
+            <a:bodyPr rtlCol="0" anchor="ctr"/>
+            <a:lstStyle/>
+            <a:p>
+              <a:pPr algn="ctr"/>
+              <a:endParaRPr lang="zh-CN" altLang="en-US"/>
+            </a:p>
+          </p:txBody>
+        </p:sp>
+      </p:grpSp>
     </p:spTree>
     <p:extLst>
       <p:ext uri="{BB962C8B-B14F-4D97-AF65-F5344CB8AC3E}">

--- a/doc/Icons-PositionsLab.pptx
+++ b/doc/Icons-PositionsLab.pptx
@@ -213,7 +213,7 @@
           <a:p>
             <a:fld id="{6699ACB9-486C-4D62-A3A7-AF98E13EFDA3}" type="datetimeFigureOut">
               <a:rPr lang="en-US" smtClean="0"/>
-              <a:t>3/23/2016</a:t>
+              <a:t>5/25/2016</a:t>
             </a:fld>
             <a:endParaRPr lang="en-US"/>
           </a:p>
@@ -660,7 +660,7 @@
             <a:fld id="{1D8BD707-D9CF-40AE-B4C6-C98DA3205C09}" type="datetimeFigureOut">
               <a:rPr lang="en-US" smtClean="0"/>
               <a:pPr/>
-              <a:t>3/23/2016</a:t>
+              <a:t>5/25/2016</a:t>
             </a:fld>
             <a:endParaRPr lang="en-US"/>
           </a:p>
@@ -825,7 +825,7 @@
             <a:fld id="{1D8BD707-D9CF-40AE-B4C6-C98DA3205C09}" type="datetimeFigureOut">
               <a:rPr lang="en-US" smtClean="0"/>
               <a:pPr/>
-              <a:t>3/23/2016</a:t>
+              <a:t>5/25/2016</a:t>
             </a:fld>
             <a:endParaRPr lang="en-US"/>
           </a:p>
@@ -1000,7 +1000,7 @@
             <a:fld id="{1D8BD707-D9CF-40AE-B4C6-C98DA3205C09}" type="datetimeFigureOut">
               <a:rPr lang="en-US" smtClean="0"/>
               <a:pPr/>
-              <a:t>3/23/2016</a:t>
+              <a:t>5/25/2016</a:t>
             </a:fld>
             <a:endParaRPr lang="en-US"/>
           </a:p>
@@ -1165,7 +1165,7 @@
             <a:fld id="{1D8BD707-D9CF-40AE-B4C6-C98DA3205C09}" type="datetimeFigureOut">
               <a:rPr lang="en-US" smtClean="0"/>
               <a:pPr/>
-              <a:t>3/23/2016</a:t>
+              <a:t>5/25/2016</a:t>
             </a:fld>
             <a:endParaRPr lang="en-US"/>
           </a:p>
@@ -1407,7 +1407,7 @@
             <a:fld id="{1D8BD707-D9CF-40AE-B4C6-C98DA3205C09}" type="datetimeFigureOut">
               <a:rPr lang="en-US" smtClean="0"/>
               <a:pPr/>
-              <a:t>3/23/2016</a:t>
+              <a:t>5/25/2016</a:t>
             </a:fld>
             <a:endParaRPr lang="en-US"/>
           </a:p>
@@ -1689,7 +1689,7 @@
             <a:fld id="{1D8BD707-D9CF-40AE-B4C6-C98DA3205C09}" type="datetimeFigureOut">
               <a:rPr lang="en-US" smtClean="0"/>
               <a:pPr/>
-              <a:t>3/23/2016</a:t>
+              <a:t>5/25/2016</a:t>
             </a:fld>
             <a:endParaRPr lang="en-US"/>
           </a:p>
@@ -2105,7 +2105,7 @@
             <a:fld id="{1D8BD707-D9CF-40AE-B4C6-C98DA3205C09}" type="datetimeFigureOut">
               <a:rPr lang="en-US" smtClean="0"/>
               <a:pPr/>
-              <a:t>3/23/2016</a:t>
+              <a:t>5/25/2016</a:t>
             </a:fld>
             <a:endParaRPr lang="en-US"/>
           </a:p>
@@ -2219,7 +2219,7 @@
             <a:fld id="{1D8BD707-D9CF-40AE-B4C6-C98DA3205C09}" type="datetimeFigureOut">
               <a:rPr lang="en-US" smtClean="0"/>
               <a:pPr/>
-              <a:t>3/23/2016</a:t>
+              <a:t>5/25/2016</a:t>
             </a:fld>
             <a:endParaRPr lang="en-US"/>
           </a:p>
@@ -2311,7 +2311,7 @@
             <a:fld id="{1D8BD707-D9CF-40AE-B4C6-C98DA3205C09}" type="datetimeFigureOut">
               <a:rPr lang="en-US" smtClean="0"/>
               <a:pPr/>
-              <a:t>3/23/2016</a:t>
+              <a:t>5/25/2016</a:t>
             </a:fld>
             <a:endParaRPr lang="en-US"/>
           </a:p>
@@ -2583,7 +2583,7 @@
             <a:fld id="{1D8BD707-D9CF-40AE-B4C6-C98DA3205C09}" type="datetimeFigureOut">
               <a:rPr lang="en-US" smtClean="0"/>
               <a:pPr/>
-              <a:t>3/23/2016</a:t>
+              <a:t>5/25/2016</a:t>
             </a:fld>
             <a:endParaRPr lang="en-US"/>
           </a:p>
@@ -2832,7 +2832,7 @@
             <a:fld id="{1D8BD707-D9CF-40AE-B4C6-C98DA3205C09}" type="datetimeFigureOut">
               <a:rPr lang="en-US" smtClean="0"/>
               <a:pPr/>
-              <a:t>3/23/2016</a:t>
+              <a:t>5/25/2016</a:t>
             </a:fld>
             <a:endParaRPr lang="en-US"/>
           </a:p>
@@ -3040,7 +3040,7 @@
             <a:fld id="{1D8BD707-D9CF-40AE-B4C6-C98DA3205C09}" type="datetimeFigureOut">
               <a:rPr lang="en-US" smtClean="0"/>
               <a:pPr/>
-              <a:t>3/23/2016</a:t>
+              <a:t>5/25/2016</a:t>
             </a:fld>
             <a:endParaRPr lang="en-US"/>
           </a:p>
@@ -7609,329 +7609,6 @@
           </a:p>
         </p:txBody>
       </p:sp>
-      <p:grpSp>
-        <p:nvGrpSpPr>
-          <p:cNvPr id="34" name="Group 33"/>
-          <p:cNvGrpSpPr/>
-          <p:nvPr/>
-        </p:nvGrpSpPr>
-        <p:grpSpPr>
-          <a:xfrm>
-            <a:off x="2644584" y="4987751"/>
-            <a:ext cx="464344" cy="566737"/>
-            <a:chOff x="4352925" y="3148013"/>
-            <a:chExt cx="464344" cy="566737"/>
-          </a:xfrm>
-        </p:grpSpPr>
-        <p:sp>
-          <p:nvSpPr>
-            <p:cNvPr id="14" name="Rectangle 13"/>
-            <p:cNvSpPr/>
-            <p:nvPr/>
-          </p:nvSpPr>
-          <p:spPr>
-            <a:xfrm>
-              <a:off x="4352925" y="3231356"/>
-              <a:ext cx="138113" cy="335757"/>
-            </a:xfrm>
-            <a:prstGeom prst="rect">
-              <a:avLst/>
-            </a:prstGeom>
-            <a:solidFill>
-              <a:srgbClr val="E46B09"/>
-            </a:solidFill>
-            <a:ln w="12700">
-              <a:solidFill>
-                <a:schemeClr val="tx1"/>
-              </a:solidFill>
-            </a:ln>
-          </p:spPr>
-          <p:style>
-            <a:lnRef idx="2">
-              <a:schemeClr val="accent1">
-                <a:shade val="50000"/>
-              </a:schemeClr>
-            </a:lnRef>
-            <a:fillRef idx="1">
-              <a:schemeClr val="accent1"/>
-            </a:fillRef>
-            <a:effectRef idx="0">
-              <a:schemeClr val="accent1"/>
-            </a:effectRef>
-            <a:fontRef idx="minor">
-              <a:schemeClr val="lt1"/>
-            </a:fontRef>
-          </p:style>
-          <p:txBody>
-            <a:bodyPr rtlCol="0" anchor="ctr"/>
-            <a:lstStyle/>
-            <a:p>
-              <a:pPr algn="ctr"/>
-              <a:endParaRPr lang="en-US"/>
-            </a:p>
-          </p:txBody>
-        </p:sp>
-        <p:sp>
-          <p:nvSpPr>
-            <p:cNvPr id="15" name="Rectangle 14"/>
-            <p:cNvSpPr/>
-            <p:nvPr/>
-          </p:nvSpPr>
-          <p:spPr>
-            <a:xfrm>
-              <a:off x="4679156" y="3295650"/>
-              <a:ext cx="138113" cy="335757"/>
-            </a:xfrm>
-            <a:prstGeom prst="rect">
-              <a:avLst/>
-            </a:prstGeom>
-            <a:solidFill>
-              <a:srgbClr val="0070C0"/>
-            </a:solidFill>
-            <a:ln w="12700">
-              <a:solidFill>
-                <a:schemeClr val="tx1"/>
-              </a:solidFill>
-            </a:ln>
-          </p:spPr>
-          <p:style>
-            <a:lnRef idx="2">
-              <a:schemeClr val="accent1">
-                <a:shade val="50000"/>
-              </a:schemeClr>
-            </a:lnRef>
-            <a:fillRef idx="1">
-              <a:schemeClr val="accent1"/>
-            </a:fillRef>
-            <a:effectRef idx="0">
-              <a:schemeClr val="accent1"/>
-            </a:effectRef>
-            <a:fontRef idx="minor">
-              <a:schemeClr val="lt1"/>
-            </a:fontRef>
-          </p:style>
-          <p:txBody>
-            <a:bodyPr rtlCol="0" anchor="ctr"/>
-            <a:lstStyle/>
-            <a:p>
-              <a:pPr algn="ctr"/>
-              <a:endParaRPr lang="en-US"/>
-            </a:p>
-          </p:txBody>
-        </p:sp>
-        <p:cxnSp>
-          <p:nvCxnSpPr>
-            <p:cNvPr id="17" name="Straight Connector 16"/>
-            <p:cNvCxnSpPr/>
-            <p:nvPr/>
-          </p:nvCxnSpPr>
-          <p:spPr>
-            <a:xfrm flipV="1">
-              <a:off x="4419600" y="3148013"/>
-              <a:ext cx="0" cy="59531"/>
-            </a:xfrm>
-            <a:prstGeom prst="line">
-              <a:avLst/>
-            </a:prstGeom>
-            <a:ln w="19050">
-              <a:solidFill>
-                <a:schemeClr val="tx1"/>
-              </a:solidFill>
-            </a:ln>
-          </p:spPr>
-          <p:style>
-            <a:lnRef idx="1">
-              <a:schemeClr val="accent1"/>
-            </a:lnRef>
-            <a:fillRef idx="0">
-              <a:schemeClr val="accent1"/>
-            </a:fillRef>
-            <a:effectRef idx="0">
-              <a:schemeClr val="accent1"/>
-            </a:effectRef>
-            <a:fontRef idx="minor">
-              <a:schemeClr val="tx1"/>
-            </a:fontRef>
-          </p:style>
-        </p:cxnSp>
-        <p:cxnSp>
-          <p:nvCxnSpPr>
-            <p:cNvPr id="18" name="Straight Connector 17"/>
-            <p:cNvCxnSpPr/>
-            <p:nvPr/>
-          </p:nvCxnSpPr>
-          <p:spPr>
-            <a:xfrm flipV="1">
-              <a:off x="4743450" y="3655219"/>
-              <a:ext cx="0" cy="59531"/>
-            </a:xfrm>
-            <a:prstGeom prst="line">
-              <a:avLst/>
-            </a:prstGeom>
-            <a:ln w="19050">
-              <a:solidFill>
-                <a:schemeClr val="tx1"/>
-              </a:solidFill>
-            </a:ln>
-          </p:spPr>
-          <p:style>
-            <a:lnRef idx="1">
-              <a:schemeClr val="accent1"/>
-            </a:lnRef>
-            <a:fillRef idx="0">
-              <a:schemeClr val="accent1"/>
-            </a:fillRef>
-            <a:effectRef idx="0">
-              <a:schemeClr val="accent1"/>
-            </a:effectRef>
-            <a:fontRef idx="minor">
-              <a:schemeClr val="tx1"/>
-            </a:fontRef>
-          </p:style>
-        </p:cxnSp>
-        <p:cxnSp>
-          <p:nvCxnSpPr>
-            <p:cNvPr id="20" name="Straight Connector 19"/>
-            <p:cNvCxnSpPr/>
-            <p:nvPr/>
-          </p:nvCxnSpPr>
-          <p:spPr>
-            <a:xfrm>
-              <a:off x="4410076" y="3150394"/>
-              <a:ext cx="338136" cy="0"/>
-            </a:xfrm>
-            <a:prstGeom prst="line">
-              <a:avLst/>
-            </a:prstGeom>
-            <a:ln w="19050">
-              <a:solidFill>
-                <a:schemeClr val="tx1"/>
-              </a:solidFill>
-            </a:ln>
-          </p:spPr>
-          <p:style>
-            <a:lnRef idx="1">
-              <a:schemeClr val="accent1"/>
-            </a:lnRef>
-            <a:fillRef idx="0">
-              <a:schemeClr val="accent1"/>
-            </a:fillRef>
-            <a:effectRef idx="0">
-              <a:schemeClr val="accent1"/>
-            </a:effectRef>
-            <a:fontRef idx="minor">
-              <a:schemeClr val="tx1"/>
-            </a:fontRef>
-          </p:style>
-        </p:cxnSp>
-        <p:cxnSp>
-          <p:nvCxnSpPr>
-            <p:cNvPr id="22" name="Straight Connector 21"/>
-            <p:cNvCxnSpPr/>
-            <p:nvPr/>
-          </p:nvCxnSpPr>
-          <p:spPr>
-            <a:xfrm>
-              <a:off x="4412457" y="3714750"/>
-              <a:ext cx="340517" cy="0"/>
-            </a:xfrm>
-            <a:prstGeom prst="line">
-              <a:avLst/>
-            </a:prstGeom>
-            <a:ln w="19050">
-              <a:solidFill>
-                <a:schemeClr val="tx1"/>
-              </a:solidFill>
-            </a:ln>
-          </p:spPr>
-          <p:style>
-            <a:lnRef idx="1">
-              <a:schemeClr val="accent1"/>
-            </a:lnRef>
-            <a:fillRef idx="0">
-              <a:schemeClr val="accent1"/>
-            </a:fillRef>
-            <a:effectRef idx="0">
-              <a:schemeClr val="accent1"/>
-            </a:effectRef>
-            <a:fontRef idx="minor">
-              <a:schemeClr val="tx1"/>
-            </a:fontRef>
-          </p:style>
-        </p:cxnSp>
-        <p:cxnSp>
-          <p:nvCxnSpPr>
-            <p:cNvPr id="24" name="Straight Arrow Connector 23"/>
-            <p:cNvCxnSpPr/>
-            <p:nvPr/>
-          </p:nvCxnSpPr>
-          <p:spPr>
-            <a:xfrm>
-              <a:off x="4738688" y="3148013"/>
-              <a:ext cx="0" cy="130968"/>
-            </a:xfrm>
-            <a:prstGeom prst="straightConnector1">
-              <a:avLst/>
-            </a:prstGeom>
-            <a:ln w="19050">
-              <a:solidFill>
-                <a:schemeClr val="tx1"/>
-              </a:solidFill>
-              <a:tailEnd type="triangle"/>
-            </a:ln>
-          </p:spPr>
-          <p:style>
-            <a:lnRef idx="1">
-              <a:schemeClr val="accent1"/>
-            </a:lnRef>
-            <a:fillRef idx="0">
-              <a:schemeClr val="accent1"/>
-            </a:fillRef>
-            <a:effectRef idx="0">
-              <a:schemeClr val="accent1"/>
-            </a:effectRef>
-            <a:fontRef idx="minor">
-              <a:schemeClr val="tx1"/>
-            </a:fontRef>
-          </p:style>
-        </p:cxnSp>
-        <p:cxnSp>
-          <p:nvCxnSpPr>
-            <p:cNvPr id="26" name="Straight Arrow Connector 25"/>
-            <p:cNvCxnSpPr/>
-            <p:nvPr/>
-          </p:nvCxnSpPr>
-          <p:spPr>
-            <a:xfrm flipV="1">
-              <a:off x="4421981" y="3598069"/>
-              <a:ext cx="0" cy="116681"/>
-            </a:xfrm>
-            <a:prstGeom prst="straightConnector1">
-              <a:avLst/>
-            </a:prstGeom>
-            <a:ln w="19050">
-              <a:solidFill>
-                <a:schemeClr val="tx1"/>
-              </a:solidFill>
-              <a:tailEnd type="triangle"/>
-            </a:ln>
-          </p:spPr>
-          <p:style>
-            <a:lnRef idx="1">
-              <a:schemeClr val="accent1"/>
-            </a:lnRef>
-            <a:fillRef idx="0">
-              <a:schemeClr val="accent1"/>
-            </a:fillRef>
-            <a:effectRef idx="0">
-              <a:schemeClr val="accent1"/>
-            </a:effectRef>
-            <a:fontRef idx="minor">
-              <a:schemeClr val="tx1"/>
-            </a:fontRef>
-          </p:style>
-        </p:cxnSp>
-      </p:grpSp>
       <p:sp>
         <p:nvSpPr>
           <p:cNvPr id="35" name="TextBox 34"/>
@@ -7990,6 +7667,668 @@
           </a:p>
         </p:txBody>
       </p:sp>
+      <p:grpSp>
+        <p:nvGrpSpPr>
+          <p:cNvPr id="16" name="Group 33"/>
+          <p:cNvGrpSpPr/>
+          <p:nvPr/>
+        </p:nvGrpSpPr>
+        <p:grpSpPr>
+          <a:xfrm>
+            <a:off x="2796984" y="5140151"/>
+            <a:ext cx="464344" cy="566737"/>
+            <a:chOff x="4352925" y="3148013"/>
+            <a:chExt cx="464344" cy="566737"/>
+          </a:xfrm>
+        </p:grpSpPr>
+        <p:sp>
+          <p:nvSpPr>
+            <p:cNvPr id="19" name="Rectangle 13"/>
+            <p:cNvSpPr/>
+            <p:nvPr/>
+          </p:nvSpPr>
+          <p:spPr>
+            <a:xfrm>
+              <a:off x="4352925" y="3231356"/>
+              <a:ext cx="138113" cy="335757"/>
+            </a:xfrm>
+            <a:prstGeom prst="rect">
+              <a:avLst/>
+            </a:prstGeom>
+            <a:solidFill>
+              <a:srgbClr val="E46B09"/>
+            </a:solidFill>
+            <a:ln w="12700">
+              <a:solidFill>
+                <a:schemeClr val="tx1"/>
+              </a:solidFill>
+            </a:ln>
+          </p:spPr>
+          <p:style>
+            <a:lnRef idx="2">
+              <a:schemeClr val="accent1">
+                <a:shade val="50000"/>
+              </a:schemeClr>
+            </a:lnRef>
+            <a:fillRef idx="1">
+              <a:schemeClr val="accent1"/>
+            </a:fillRef>
+            <a:effectRef idx="0">
+              <a:schemeClr val="accent1"/>
+            </a:effectRef>
+            <a:fontRef idx="minor">
+              <a:schemeClr val="lt1"/>
+            </a:fontRef>
+          </p:style>
+          <p:txBody>
+            <a:bodyPr rtlCol="0" anchor="ctr"/>
+            <a:lstStyle/>
+            <a:p>
+              <a:pPr algn="ctr"/>
+              <a:endParaRPr lang="en-US"/>
+            </a:p>
+          </p:txBody>
+        </p:sp>
+        <p:sp>
+          <p:nvSpPr>
+            <p:cNvPr id="21" name="Rectangle 14"/>
+            <p:cNvSpPr/>
+            <p:nvPr/>
+          </p:nvSpPr>
+          <p:spPr>
+            <a:xfrm>
+              <a:off x="4679156" y="3295650"/>
+              <a:ext cx="138113" cy="335757"/>
+            </a:xfrm>
+            <a:prstGeom prst="rect">
+              <a:avLst/>
+            </a:prstGeom>
+            <a:solidFill>
+              <a:srgbClr val="0070C0"/>
+            </a:solidFill>
+            <a:ln w="12700">
+              <a:solidFill>
+                <a:schemeClr val="tx1"/>
+              </a:solidFill>
+            </a:ln>
+          </p:spPr>
+          <p:style>
+            <a:lnRef idx="2">
+              <a:schemeClr val="accent1">
+                <a:shade val="50000"/>
+              </a:schemeClr>
+            </a:lnRef>
+            <a:fillRef idx="1">
+              <a:schemeClr val="accent1"/>
+            </a:fillRef>
+            <a:effectRef idx="0">
+              <a:schemeClr val="accent1"/>
+            </a:effectRef>
+            <a:fontRef idx="minor">
+              <a:schemeClr val="lt1"/>
+            </a:fontRef>
+          </p:style>
+          <p:txBody>
+            <a:bodyPr rtlCol="0" anchor="ctr"/>
+            <a:lstStyle/>
+            <a:p>
+              <a:pPr algn="ctr"/>
+              <a:endParaRPr lang="en-US"/>
+            </a:p>
+          </p:txBody>
+        </p:sp>
+        <p:cxnSp>
+          <p:nvCxnSpPr>
+            <p:cNvPr id="23" name="Straight Connector 16"/>
+            <p:cNvCxnSpPr/>
+            <p:nvPr/>
+          </p:nvCxnSpPr>
+          <p:spPr>
+            <a:xfrm flipV="1">
+              <a:off x="4419600" y="3148013"/>
+              <a:ext cx="0" cy="59531"/>
+            </a:xfrm>
+            <a:prstGeom prst="line">
+              <a:avLst/>
+            </a:prstGeom>
+            <a:ln w="19050">
+              <a:solidFill>
+                <a:schemeClr val="tx1"/>
+              </a:solidFill>
+            </a:ln>
+          </p:spPr>
+          <p:style>
+            <a:lnRef idx="1">
+              <a:schemeClr val="accent1"/>
+            </a:lnRef>
+            <a:fillRef idx="0">
+              <a:schemeClr val="accent1"/>
+            </a:fillRef>
+            <a:effectRef idx="0">
+              <a:schemeClr val="accent1"/>
+            </a:effectRef>
+            <a:fontRef idx="minor">
+              <a:schemeClr val="tx1"/>
+            </a:fontRef>
+          </p:style>
+        </p:cxnSp>
+        <p:cxnSp>
+          <p:nvCxnSpPr>
+            <p:cNvPr id="25" name="Straight Connector 17"/>
+            <p:cNvCxnSpPr/>
+            <p:nvPr/>
+          </p:nvCxnSpPr>
+          <p:spPr>
+            <a:xfrm flipV="1">
+              <a:off x="4743450" y="3655219"/>
+              <a:ext cx="0" cy="59531"/>
+            </a:xfrm>
+            <a:prstGeom prst="line">
+              <a:avLst/>
+            </a:prstGeom>
+            <a:ln w="19050">
+              <a:solidFill>
+                <a:schemeClr val="tx1"/>
+              </a:solidFill>
+            </a:ln>
+          </p:spPr>
+          <p:style>
+            <a:lnRef idx="1">
+              <a:schemeClr val="accent1"/>
+            </a:lnRef>
+            <a:fillRef idx="0">
+              <a:schemeClr val="accent1"/>
+            </a:fillRef>
+            <a:effectRef idx="0">
+              <a:schemeClr val="accent1"/>
+            </a:effectRef>
+            <a:fontRef idx="minor">
+              <a:schemeClr val="tx1"/>
+            </a:fontRef>
+          </p:style>
+        </p:cxnSp>
+        <p:cxnSp>
+          <p:nvCxnSpPr>
+            <p:cNvPr id="27" name="Straight Connector 19"/>
+            <p:cNvCxnSpPr/>
+            <p:nvPr/>
+          </p:nvCxnSpPr>
+          <p:spPr>
+            <a:xfrm>
+              <a:off x="4410076" y="3150394"/>
+              <a:ext cx="338136" cy="0"/>
+            </a:xfrm>
+            <a:prstGeom prst="line">
+              <a:avLst/>
+            </a:prstGeom>
+            <a:ln w="19050">
+              <a:solidFill>
+                <a:schemeClr val="tx1"/>
+              </a:solidFill>
+            </a:ln>
+          </p:spPr>
+          <p:style>
+            <a:lnRef idx="1">
+              <a:schemeClr val="accent1"/>
+            </a:lnRef>
+            <a:fillRef idx="0">
+              <a:schemeClr val="accent1"/>
+            </a:fillRef>
+            <a:effectRef idx="0">
+              <a:schemeClr val="accent1"/>
+            </a:effectRef>
+            <a:fontRef idx="minor">
+              <a:schemeClr val="tx1"/>
+            </a:fontRef>
+          </p:style>
+        </p:cxnSp>
+        <p:cxnSp>
+          <p:nvCxnSpPr>
+            <p:cNvPr id="28" name="Straight Connector 21"/>
+            <p:cNvCxnSpPr/>
+            <p:nvPr/>
+          </p:nvCxnSpPr>
+          <p:spPr>
+            <a:xfrm>
+              <a:off x="4412457" y="3714750"/>
+              <a:ext cx="340517" cy="0"/>
+            </a:xfrm>
+            <a:prstGeom prst="line">
+              <a:avLst/>
+            </a:prstGeom>
+            <a:ln w="19050">
+              <a:solidFill>
+                <a:schemeClr val="tx1"/>
+              </a:solidFill>
+            </a:ln>
+          </p:spPr>
+          <p:style>
+            <a:lnRef idx="1">
+              <a:schemeClr val="accent1"/>
+            </a:lnRef>
+            <a:fillRef idx="0">
+              <a:schemeClr val="accent1"/>
+            </a:fillRef>
+            <a:effectRef idx="0">
+              <a:schemeClr val="accent1"/>
+            </a:effectRef>
+            <a:fontRef idx="minor">
+              <a:schemeClr val="tx1"/>
+            </a:fontRef>
+          </p:style>
+        </p:cxnSp>
+        <p:cxnSp>
+          <p:nvCxnSpPr>
+            <p:cNvPr id="29" name="Straight Arrow Connector 23"/>
+            <p:cNvCxnSpPr/>
+            <p:nvPr/>
+          </p:nvCxnSpPr>
+          <p:spPr>
+            <a:xfrm>
+              <a:off x="4738688" y="3148013"/>
+              <a:ext cx="0" cy="130968"/>
+            </a:xfrm>
+            <a:prstGeom prst="straightConnector1">
+              <a:avLst/>
+            </a:prstGeom>
+            <a:ln w="19050">
+              <a:solidFill>
+                <a:schemeClr val="tx1"/>
+              </a:solidFill>
+              <a:tailEnd type="triangle"/>
+            </a:ln>
+          </p:spPr>
+          <p:style>
+            <a:lnRef idx="1">
+              <a:schemeClr val="accent1"/>
+            </a:lnRef>
+            <a:fillRef idx="0">
+              <a:schemeClr val="accent1"/>
+            </a:fillRef>
+            <a:effectRef idx="0">
+              <a:schemeClr val="accent1"/>
+            </a:effectRef>
+            <a:fontRef idx="minor">
+              <a:schemeClr val="tx1"/>
+            </a:fontRef>
+          </p:style>
+        </p:cxnSp>
+        <p:cxnSp>
+          <p:nvCxnSpPr>
+            <p:cNvPr id="30" name="Straight Arrow Connector 25"/>
+            <p:cNvCxnSpPr/>
+            <p:nvPr/>
+          </p:nvCxnSpPr>
+          <p:spPr>
+            <a:xfrm flipV="1">
+              <a:off x="4421981" y="3598069"/>
+              <a:ext cx="0" cy="116681"/>
+            </a:xfrm>
+            <a:prstGeom prst="straightConnector1">
+              <a:avLst/>
+            </a:prstGeom>
+            <a:ln w="19050">
+              <a:solidFill>
+                <a:schemeClr val="tx1"/>
+              </a:solidFill>
+              <a:tailEnd type="triangle"/>
+            </a:ln>
+          </p:spPr>
+          <p:style>
+            <a:lnRef idx="1">
+              <a:schemeClr val="accent1"/>
+            </a:lnRef>
+            <a:fillRef idx="0">
+              <a:schemeClr val="accent1"/>
+            </a:fillRef>
+            <a:effectRef idx="0">
+              <a:schemeClr val="accent1"/>
+            </a:effectRef>
+            <a:fontRef idx="minor">
+              <a:schemeClr val="tx1"/>
+            </a:fontRef>
+          </p:style>
+        </p:cxnSp>
+      </p:grpSp>
+      <p:grpSp>
+        <p:nvGrpSpPr>
+          <p:cNvPr id="2" name="组合 1"/>
+          <p:cNvGrpSpPr/>
+          <p:nvPr/>
+        </p:nvGrpSpPr>
+        <p:grpSpPr>
+          <a:xfrm>
+            <a:off x="5925914" y="5056399"/>
+            <a:ext cx="510686" cy="533808"/>
+            <a:chOff x="3501835" y="5151509"/>
+            <a:chExt cx="510686" cy="533808"/>
+          </a:xfrm>
+        </p:grpSpPr>
+        <p:sp>
+          <p:nvSpPr>
+            <p:cNvPr id="14" name="Rectangle 13"/>
+            <p:cNvSpPr/>
+            <p:nvPr/>
+          </p:nvSpPr>
+          <p:spPr>
+            <a:xfrm>
+              <a:off x="3501835" y="5152108"/>
+              <a:ext cx="131010" cy="182841"/>
+            </a:xfrm>
+            <a:prstGeom prst="rect">
+              <a:avLst/>
+            </a:prstGeom>
+            <a:solidFill>
+              <a:srgbClr val="E46B09"/>
+            </a:solidFill>
+            <a:ln w="12700">
+              <a:solidFill>
+                <a:schemeClr val="tx1"/>
+              </a:solidFill>
+            </a:ln>
+          </p:spPr>
+          <p:style>
+            <a:lnRef idx="2">
+              <a:schemeClr val="accent1">
+                <a:shade val="50000"/>
+              </a:schemeClr>
+            </a:lnRef>
+            <a:fillRef idx="1">
+              <a:schemeClr val="accent1"/>
+            </a:fillRef>
+            <a:effectRef idx="0">
+              <a:schemeClr val="accent1"/>
+            </a:effectRef>
+            <a:fontRef idx="minor">
+              <a:schemeClr val="lt1"/>
+            </a:fontRef>
+          </p:style>
+          <p:txBody>
+            <a:bodyPr rtlCol="0" anchor="ctr"/>
+            <a:lstStyle/>
+            <a:p>
+              <a:pPr algn="ctr"/>
+              <a:endParaRPr lang="en-US"/>
+            </a:p>
+          </p:txBody>
+        </p:sp>
+        <p:sp>
+          <p:nvSpPr>
+            <p:cNvPr id="15" name="Rectangle 14"/>
+            <p:cNvSpPr/>
+            <p:nvPr/>
+          </p:nvSpPr>
+          <p:spPr>
+            <a:xfrm>
+              <a:off x="3683965" y="5151509"/>
+              <a:ext cx="131439" cy="183440"/>
+            </a:xfrm>
+            <a:prstGeom prst="rect">
+              <a:avLst/>
+            </a:prstGeom>
+            <a:solidFill>
+              <a:srgbClr val="0070C0"/>
+            </a:solidFill>
+            <a:ln w="12700">
+              <a:solidFill>
+                <a:schemeClr val="tx1"/>
+              </a:solidFill>
+            </a:ln>
+          </p:spPr>
+          <p:style>
+            <a:lnRef idx="2">
+              <a:schemeClr val="accent1">
+                <a:shade val="50000"/>
+              </a:schemeClr>
+            </a:lnRef>
+            <a:fillRef idx="1">
+              <a:schemeClr val="accent1"/>
+            </a:fillRef>
+            <a:effectRef idx="0">
+              <a:schemeClr val="accent1"/>
+            </a:effectRef>
+            <a:fontRef idx="minor">
+              <a:schemeClr val="lt1"/>
+            </a:fontRef>
+          </p:style>
+          <p:txBody>
+            <a:bodyPr rtlCol="0" anchor="ctr"/>
+            <a:lstStyle/>
+            <a:p>
+              <a:pPr algn="ctr"/>
+              <a:endParaRPr lang="en-US"/>
+            </a:p>
+          </p:txBody>
+        </p:sp>
+        <p:cxnSp>
+          <p:nvCxnSpPr>
+            <p:cNvPr id="24" name="Straight Arrow Connector 23"/>
+            <p:cNvCxnSpPr/>
+            <p:nvPr/>
+          </p:nvCxnSpPr>
+          <p:spPr>
+            <a:xfrm>
+              <a:off x="3747470" y="5355899"/>
+              <a:ext cx="0" cy="130968"/>
+            </a:xfrm>
+            <a:prstGeom prst="straightConnector1">
+              <a:avLst/>
+            </a:prstGeom>
+            <a:ln w="19050">
+              <a:solidFill>
+                <a:schemeClr val="tx1"/>
+              </a:solidFill>
+              <a:tailEnd type="triangle"/>
+            </a:ln>
+          </p:spPr>
+          <p:style>
+            <a:lnRef idx="1">
+              <a:schemeClr val="accent1"/>
+            </a:lnRef>
+            <a:fillRef idx="0">
+              <a:schemeClr val="accent1"/>
+            </a:fillRef>
+            <a:effectRef idx="0">
+              <a:schemeClr val="accent1"/>
+            </a:effectRef>
+            <a:fontRef idx="minor">
+              <a:schemeClr val="tx1"/>
+            </a:fontRef>
+          </p:style>
+        </p:cxnSp>
+        <p:sp>
+          <p:nvSpPr>
+            <p:cNvPr id="31" name="Rectangle 13"/>
+            <p:cNvSpPr/>
+            <p:nvPr/>
+          </p:nvSpPr>
+          <p:spPr>
+            <a:xfrm>
+              <a:off x="3873580" y="5151510"/>
+              <a:ext cx="138941" cy="193910"/>
+            </a:xfrm>
+            <a:prstGeom prst="rect">
+              <a:avLst/>
+            </a:prstGeom>
+            <a:solidFill>
+              <a:schemeClr val="bg1"/>
+            </a:solidFill>
+            <a:ln w="12700">
+              <a:solidFill>
+                <a:schemeClr val="tx1"/>
+              </a:solidFill>
+            </a:ln>
+          </p:spPr>
+          <p:style>
+            <a:lnRef idx="2">
+              <a:schemeClr val="accent1">
+                <a:shade val="50000"/>
+              </a:schemeClr>
+            </a:lnRef>
+            <a:fillRef idx="1">
+              <a:schemeClr val="accent1"/>
+            </a:fillRef>
+            <a:effectRef idx="0">
+              <a:schemeClr val="accent1"/>
+            </a:effectRef>
+            <a:fontRef idx="minor">
+              <a:schemeClr val="lt1"/>
+            </a:fontRef>
+          </p:style>
+          <p:txBody>
+            <a:bodyPr rtlCol="0" anchor="ctr"/>
+            <a:lstStyle/>
+            <a:p>
+              <a:pPr algn="ctr"/>
+              <a:endParaRPr lang="en-US"/>
+            </a:p>
+          </p:txBody>
+        </p:sp>
+        <p:sp>
+          <p:nvSpPr>
+            <p:cNvPr id="32" name="Rectangle 13"/>
+            <p:cNvSpPr/>
+            <p:nvPr/>
+          </p:nvSpPr>
+          <p:spPr>
+            <a:xfrm>
+              <a:off x="3681965" y="5500771"/>
+              <a:ext cx="131010" cy="182586"/>
+            </a:xfrm>
+            <a:prstGeom prst="rect">
+              <a:avLst/>
+            </a:prstGeom>
+            <a:solidFill>
+              <a:srgbClr val="E46B09"/>
+            </a:solidFill>
+            <a:ln w="12700">
+              <a:solidFill>
+                <a:schemeClr val="tx1"/>
+              </a:solidFill>
+            </a:ln>
+          </p:spPr>
+          <p:style>
+            <a:lnRef idx="2">
+              <a:schemeClr val="accent1">
+                <a:shade val="50000"/>
+              </a:schemeClr>
+            </a:lnRef>
+            <a:fillRef idx="1">
+              <a:schemeClr val="accent1"/>
+            </a:fillRef>
+            <a:effectRef idx="0">
+              <a:schemeClr val="accent1"/>
+            </a:effectRef>
+            <a:fontRef idx="minor">
+              <a:schemeClr val="lt1"/>
+            </a:fontRef>
+          </p:style>
+          <p:txBody>
+            <a:bodyPr rtlCol="0" anchor="ctr"/>
+            <a:lstStyle/>
+            <a:p>
+              <a:pPr algn="ctr"/>
+              <a:endParaRPr lang="en-US"/>
+            </a:p>
+          </p:txBody>
+        </p:sp>
+        <p:sp>
+          <p:nvSpPr>
+            <p:cNvPr id="33" name="Rectangle 14"/>
+            <p:cNvSpPr/>
+            <p:nvPr/>
+          </p:nvSpPr>
+          <p:spPr>
+            <a:xfrm>
+              <a:off x="3877545" y="5500771"/>
+              <a:ext cx="131010" cy="184546"/>
+            </a:xfrm>
+            <a:prstGeom prst="rect">
+              <a:avLst/>
+            </a:prstGeom>
+            <a:solidFill>
+              <a:srgbClr val="0070C0"/>
+            </a:solidFill>
+            <a:ln w="12700">
+              <a:solidFill>
+                <a:schemeClr val="tx1"/>
+              </a:solidFill>
+            </a:ln>
+          </p:spPr>
+          <p:style>
+            <a:lnRef idx="2">
+              <a:schemeClr val="accent1">
+                <a:shade val="50000"/>
+              </a:schemeClr>
+            </a:lnRef>
+            <a:fillRef idx="1">
+              <a:schemeClr val="accent1"/>
+            </a:fillRef>
+            <a:effectRef idx="0">
+              <a:schemeClr val="accent1"/>
+            </a:effectRef>
+            <a:fontRef idx="minor">
+              <a:schemeClr val="lt1"/>
+            </a:fontRef>
+          </p:style>
+          <p:txBody>
+            <a:bodyPr rtlCol="0" anchor="ctr"/>
+            <a:lstStyle/>
+            <a:p>
+              <a:pPr algn="ctr"/>
+              <a:endParaRPr lang="en-US"/>
+            </a:p>
+          </p:txBody>
+        </p:sp>
+        <p:sp>
+          <p:nvSpPr>
+            <p:cNvPr id="37" name="Rectangle 13"/>
+            <p:cNvSpPr/>
+            <p:nvPr/>
+          </p:nvSpPr>
+          <p:spPr>
+            <a:xfrm>
+              <a:off x="3501835" y="5502731"/>
+              <a:ext cx="131010" cy="182586"/>
+            </a:xfrm>
+            <a:prstGeom prst="rect">
+              <a:avLst/>
+            </a:prstGeom>
+            <a:solidFill>
+              <a:schemeClr val="bg1"/>
+            </a:solidFill>
+            <a:ln w="12700">
+              <a:solidFill>
+                <a:schemeClr val="tx1"/>
+              </a:solidFill>
+            </a:ln>
+          </p:spPr>
+          <p:style>
+            <a:lnRef idx="2">
+              <a:schemeClr val="accent1">
+                <a:shade val="50000"/>
+              </a:schemeClr>
+            </a:lnRef>
+            <a:fillRef idx="1">
+              <a:schemeClr val="accent1"/>
+            </a:fillRef>
+            <a:effectRef idx="0">
+              <a:schemeClr val="accent1"/>
+            </a:effectRef>
+            <a:fontRef idx="minor">
+              <a:schemeClr val="lt1"/>
+            </a:fontRef>
+          </p:style>
+          <p:txBody>
+            <a:bodyPr rtlCol="0" anchor="ctr"/>
+            <a:lstStyle/>
+            <a:p>
+              <a:pPr algn="ctr"/>
+              <a:endParaRPr lang="en-US"/>
+            </a:p>
+          </p:txBody>
+        </p:sp>
+      </p:grpSp>
     </p:spTree>
     <p:extLst>
       <p:ext uri="{BB962C8B-B14F-4D97-AF65-F5344CB8AC3E}">

--- a/doc/Icons-PositionsLab.pptx
+++ b/doc/Icons-PositionsLab.pptx
@@ -213,7 +213,7 @@
           <a:p>
             <a:fld id="{6699ACB9-486C-4D62-A3A7-AF98E13EFDA3}" type="datetimeFigureOut">
               <a:rPr lang="en-US" smtClean="0"/>
-              <a:t>5/25/2016</a:t>
+              <a:t>5/27/2016</a:t>
             </a:fld>
             <a:endParaRPr lang="en-US"/>
           </a:p>
@@ -660,7 +660,7 @@
             <a:fld id="{1D8BD707-D9CF-40AE-B4C6-C98DA3205C09}" type="datetimeFigureOut">
               <a:rPr lang="en-US" smtClean="0"/>
               <a:pPr/>
-              <a:t>5/25/2016</a:t>
+              <a:t>5/27/2016</a:t>
             </a:fld>
             <a:endParaRPr lang="en-US"/>
           </a:p>
@@ -825,7 +825,7 @@
             <a:fld id="{1D8BD707-D9CF-40AE-B4C6-C98DA3205C09}" type="datetimeFigureOut">
               <a:rPr lang="en-US" smtClean="0"/>
               <a:pPr/>
-              <a:t>5/25/2016</a:t>
+              <a:t>5/27/2016</a:t>
             </a:fld>
             <a:endParaRPr lang="en-US"/>
           </a:p>
@@ -1000,7 +1000,7 @@
             <a:fld id="{1D8BD707-D9CF-40AE-B4C6-C98DA3205C09}" type="datetimeFigureOut">
               <a:rPr lang="en-US" smtClean="0"/>
               <a:pPr/>
-              <a:t>5/25/2016</a:t>
+              <a:t>5/27/2016</a:t>
             </a:fld>
             <a:endParaRPr lang="en-US"/>
           </a:p>
@@ -1165,7 +1165,7 @@
             <a:fld id="{1D8BD707-D9CF-40AE-B4C6-C98DA3205C09}" type="datetimeFigureOut">
               <a:rPr lang="en-US" smtClean="0"/>
               <a:pPr/>
-              <a:t>5/25/2016</a:t>
+              <a:t>5/27/2016</a:t>
             </a:fld>
             <a:endParaRPr lang="en-US"/>
           </a:p>
@@ -1407,7 +1407,7 @@
             <a:fld id="{1D8BD707-D9CF-40AE-B4C6-C98DA3205C09}" type="datetimeFigureOut">
               <a:rPr lang="en-US" smtClean="0"/>
               <a:pPr/>
-              <a:t>5/25/2016</a:t>
+              <a:t>5/27/2016</a:t>
             </a:fld>
             <a:endParaRPr lang="en-US"/>
           </a:p>
@@ -1689,7 +1689,7 @@
             <a:fld id="{1D8BD707-D9CF-40AE-B4C6-C98DA3205C09}" type="datetimeFigureOut">
               <a:rPr lang="en-US" smtClean="0"/>
               <a:pPr/>
-              <a:t>5/25/2016</a:t>
+              <a:t>5/27/2016</a:t>
             </a:fld>
             <a:endParaRPr lang="en-US"/>
           </a:p>
@@ -2105,7 +2105,7 @@
             <a:fld id="{1D8BD707-D9CF-40AE-B4C6-C98DA3205C09}" type="datetimeFigureOut">
               <a:rPr lang="en-US" smtClean="0"/>
               <a:pPr/>
-              <a:t>5/25/2016</a:t>
+              <a:t>5/27/2016</a:t>
             </a:fld>
             <a:endParaRPr lang="en-US"/>
           </a:p>
@@ -2219,7 +2219,7 @@
             <a:fld id="{1D8BD707-D9CF-40AE-B4C6-C98DA3205C09}" type="datetimeFigureOut">
               <a:rPr lang="en-US" smtClean="0"/>
               <a:pPr/>
-              <a:t>5/25/2016</a:t>
+              <a:t>5/27/2016</a:t>
             </a:fld>
             <a:endParaRPr lang="en-US"/>
           </a:p>
@@ -2311,7 +2311,7 @@
             <a:fld id="{1D8BD707-D9CF-40AE-B4C6-C98DA3205C09}" type="datetimeFigureOut">
               <a:rPr lang="en-US" smtClean="0"/>
               <a:pPr/>
-              <a:t>5/25/2016</a:t>
+              <a:t>5/27/2016</a:t>
             </a:fld>
             <a:endParaRPr lang="en-US"/>
           </a:p>
@@ -2583,7 +2583,7 @@
             <a:fld id="{1D8BD707-D9CF-40AE-B4C6-C98DA3205C09}" type="datetimeFigureOut">
               <a:rPr lang="en-US" smtClean="0"/>
               <a:pPr/>
-              <a:t>5/25/2016</a:t>
+              <a:t>5/27/2016</a:t>
             </a:fld>
             <a:endParaRPr lang="en-US"/>
           </a:p>
@@ -2832,7 +2832,7 @@
             <a:fld id="{1D8BD707-D9CF-40AE-B4C6-C98DA3205C09}" type="datetimeFigureOut">
               <a:rPr lang="en-US" smtClean="0"/>
               <a:pPr/>
-              <a:t>5/25/2016</a:t>
+              <a:t>5/27/2016</a:t>
             </a:fld>
             <a:endParaRPr lang="en-US"/>
           </a:p>
@@ -3040,7 +3040,7 @@
             <a:fld id="{1D8BD707-D9CF-40AE-B4C6-C98DA3205C09}" type="datetimeFigureOut">
               <a:rPr lang="en-US" smtClean="0"/>
               <a:pPr/>
-              <a:t>5/25/2016</a:t>
+              <a:t>5/27/2016</a:t>
             </a:fld>
             <a:endParaRPr lang="en-US"/>
           </a:p>
@@ -7998,10 +7998,10 @@
         </p:nvGrpSpPr>
         <p:grpSpPr>
           <a:xfrm>
-            <a:off x="5925914" y="5056399"/>
-            <a:ext cx="510686" cy="533808"/>
-            <a:chOff x="3501835" y="5151509"/>
-            <a:chExt cx="510686" cy="533808"/>
+            <a:off x="5931487" y="5140151"/>
+            <a:ext cx="491016" cy="512753"/>
+            <a:chOff x="5959536" y="5116308"/>
+            <a:chExt cx="513848" cy="536596"/>
           </a:xfrm>
         </p:grpSpPr>
         <p:sp>
@@ -8012,8 +8012,8 @@
           </p:nvSpPr>
           <p:spPr>
             <a:xfrm>
-              <a:off x="3501835" y="5152108"/>
-              <a:ext cx="131010" cy="182841"/>
+              <a:off x="5959536" y="5116308"/>
+              <a:ext cx="85607" cy="183441"/>
             </a:xfrm>
             <a:prstGeom prst="rect">
               <a:avLst/>
@@ -8048,7 +8048,7 @@
             <a:lstStyle/>
             <a:p>
               <a:pPr algn="ctr"/>
-              <a:endParaRPr lang="en-US"/>
+              <a:endParaRPr lang="en-US" baseline="-25000"/>
             </a:p>
           </p:txBody>
         </p:sp>
@@ -8060,8 +8060,8 @@
           </p:nvSpPr>
           <p:spPr>
             <a:xfrm>
-              <a:off x="3683965" y="5151509"/>
-              <a:ext cx="131439" cy="183440"/>
+              <a:off x="6098877" y="5116308"/>
+              <a:ext cx="189475" cy="183439"/>
             </a:xfrm>
             <a:prstGeom prst="rect">
               <a:avLst/>
@@ -8096,7 +8096,7 @@
             <a:lstStyle/>
             <a:p>
               <a:pPr algn="ctr"/>
-              <a:endParaRPr lang="en-US"/>
+              <a:endParaRPr lang="en-US" baseline="-25000"/>
             </a:p>
           </p:txBody>
         </p:sp>
@@ -8108,7 +8108,7 @@
           </p:nvCxnSpPr>
           <p:spPr>
             <a:xfrm>
-              <a:off x="3747470" y="5355899"/>
+              <a:off x="6210910" y="5320698"/>
               <a:ext cx="0" cy="130968"/>
             </a:xfrm>
             <a:prstGeom prst="straightConnector1">
@@ -8144,8 +8144,8 @@
           </p:nvSpPr>
           <p:spPr>
             <a:xfrm>
-              <a:off x="3873580" y="5151510"/>
-              <a:ext cx="138941" cy="193910"/>
+              <a:off x="6342085" y="5116309"/>
+              <a:ext cx="131299" cy="183438"/>
             </a:xfrm>
             <a:prstGeom prst="rect">
               <a:avLst/>
@@ -8180,20 +8180,20 @@
             <a:lstStyle/>
             <a:p>
               <a:pPr algn="ctr"/>
-              <a:endParaRPr lang="en-US"/>
+              <a:endParaRPr lang="en-US" baseline="-25000"/>
             </a:p>
           </p:txBody>
         </p:sp>
         <p:sp>
           <p:nvSpPr>
-            <p:cNvPr id="32" name="Rectangle 13"/>
+            <p:cNvPr id="38" name="Rectangle 13"/>
             <p:cNvSpPr/>
             <p:nvPr/>
           </p:nvSpPr>
           <p:spPr>
             <a:xfrm>
-              <a:off x="3681965" y="5500771"/>
-              <a:ext cx="131010" cy="182586"/>
+              <a:off x="6140052" y="5469463"/>
+              <a:ext cx="85607" cy="183441"/>
             </a:xfrm>
             <a:prstGeom prst="rect">
               <a:avLst/>
@@ -8228,20 +8228,20 @@
             <a:lstStyle/>
             <a:p>
               <a:pPr algn="ctr"/>
-              <a:endParaRPr lang="en-US"/>
+              <a:endParaRPr lang="en-US" baseline="-25000"/>
             </a:p>
           </p:txBody>
         </p:sp>
         <p:sp>
           <p:nvSpPr>
-            <p:cNvPr id="33" name="Rectangle 14"/>
+            <p:cNvPr id="39" name="Rectangle 14"/>
             <p:cNvSpPr/>
             <p:nvPr/>
           </p:nvSpPr>
           <p:spPr>
             <a:xfrm>
-              <a:off x="3877545" y="5500771"/>
-              <a:ext cx="131010" cy="184546"/>
+              <a:off x="6279393" y="5469463"/>
+              <a:ext cx="189475" cy="183439"/>
             </a:xfrm>
             <a:prstGeom prst="rect">
               <a:avLst/>
@@ -8276,20 +8276,20 @@
             <a:lstStyle/>
             <a:p>
               <a:pPr algn="ctr"/>
-              <a:endParaRPr lang="en-US"/>
+              <a:endParaRPr lang="en-US" baseline="-25000"/>
             </a:p>
           </p:txBody>
         </p:sp>
         <p:sp>
           <p:nvSpPr>
-            <p:cNvPr id="37" name="Rectangle 13"/>
+            <p:cNvPr id="40" name="Rectangle 13"/>
             <p:cNvSpPr/>
             <p:nvPr/>
           </p:nvSpPr>
           <p:spPr>
             <a:xfrm>
-              <a:off x="3501835" y="5502731"/>
-              <a:ext cx="131010" cy="182586"/>
+              <a:off x="5959536" y="5467532"/>
+              <a:ext cx="131299" cy="183438"/>
             </a:xfrm>
             <a:prstGeom prst="rect">
               <a:avLst/>
@@ -8324,7 +8324,7 @@
             <a:lstStyle/>
             <a:p>
               <a:pPr algn="ctr"/>
-              <a:endParaRPr lang="en-US"/>
+              <a:endParaRPr lang="en-US" baseline="-25000"/>
             </a:p>
           </p:txBody>
         </p:sp>

--- a/doc/Icons-PositionsLab.pptx
+++ b/doc/Icons-PositionsLab.pptx
@@ -213,7 +213,7 @@
           <a:p>
             <a:fld id="{6699ACB9-486C-4D62-A3A7-AF98E13EFDA3}" type="datetimeFigureOut">
               <a:rPr lang="en-US" smtClean="0"/>
-              <a:t>3/23/2016</a:t>
+              <a:t>5/27/2016</a:t>
             </a:fld>
             <a:endParaRPr lang="en-US"/>
           </a:p>
@@ -660,7 +660,7 @@
             <a:fld id="{1D8BD707-D9CF-40AE-B4C6-C98DA3205C09}" type="datetimeFigureOut">
               <a:rPr lang="en-US" smtClean="0"/>
               <a:pPr/>
-              <a:t>3/23/2016</a:t>
+              <a:t>5/27/2016</a:t>
             </a:fld>
             <a:endParaRPr lang="en-US"/>
           </a:p>
@@ -825,7 +825,7 @@
             <a:fld id="{1D8BD707-D9CF-40AE-B4C6-C98DA3205C09}" type="datetimeFigureOut">
               <a:rPr lang="en-US" smtClean="0"/>
               <a:pPr/>
-              <a:t>3/23/2016</a:t>
+              <a:t>5/27/2016</a:t>
             </a:fld>
             <a:endParaRPr lang="en-US"/>
           </a:p>
@@ -1000,7 +1000,7 @@
             <a:fld id="{1D8BD707-D9CF-40AE-B4C6-C98DA3205C09}" type="datetimeFigureOut">
               <a:rPr lang="en-US" smtClean="0"/>
               <a:pPr/>
-              <a:t>3/23/2016</a:t>
+              <a:t>5/27/2016</a:t>
             </a:fld>
             <a:endParaRPr lang="en-US"/>
           </a:p>
@@ -1165,7 +1165,7 @@
             <a:fld id="{1D8BD707-D9CF-40AE-B4C6-C98DA3205C09}" type="datetimeFigureOut">
               <a:rPr lang="en-US" smtClean="0"/>
               <a:pPr/>
-              <a:t>3/23/2016</a:t>
+              <a:t>5/27/2016</a:t>
             </a:fld>
             <a:endParaRPr lang="en-US"/>
           </a:p>
@@ -1407,7 +1407,7 @@
             <a:fld id="{1D8BD707-D9CF-40AE-B4C6-C98DA3205C09}" type="datetimeFigureOut">
               <a:rPr lang="en-US" smtClean="0"/>
               <a:pPr/>
-              <a:t>3/23/2016</a:t>
+              <a:t>5/27/2016</a:t>
             </a:fld>
             <a:endParaRPr lang="en-US"/>
           </a:p>
@@ -1689,7 +1689,7 @@
             <a:fld id="{1D8BD707-D9CF-40AE-B4C6-C98DA3205C09}" type="datetimeFigureOut">
               <a:rPr lang="en-US" smtClean="0"/>
               <a:pPr/>
-              <a:t>3/23/2016</a:t>
+              <a:t>5/27/2016</a:t>
             </a:fld>
             <a:endParaRPr lang="en-US"/>
           </a:p>
@@ -2105,7 +2105,7 @@
             <a:fld id="{1D8BD707-D9CF-40AE-B4C6-C98DA3205C09}" type="datetimeFigureOut">
               <a:rPr lang="en-US" smtClean="0"/>
               <a:pPr/>
-              <a:t>3/23/2016</a:t>
+              <a:t>5/27/2016</a:t>
             </a:fld>
             <a:endParaRPr lang="en-US"/>
           </a:p>
@@ -2219,7 +2219,7 @@
             <a:fld id="{1D8BD707-D9CF-40AE-B4C6-C98DA3205C09}" type="datetimeFigureOut">
               <a:rPr lang="en-US" smtClean="0"/>
               <a:pPr/>
-              <a:t>3/23/2016</a:t>
+              <a:t>5/27/2016</a:t>
             </a:fld>
             <a:endParaRPr lang="en-US"/>
           </a:p>
@@ -2311,7 +2311,7 @@
             <a:fld id="{1D8BD707-D9CF-40AE-B4C6-C98DA3205C09}" type="datetimeFigureOut">
               <a:rPr lang="en-US" smtClean="0"/>
               <a:pPr/>
-              <a:t>3/23/2016</a:t>
+              <a:t>5/27/2016</a:t>
             </a:fld>
             <a:endParaRPr lang="en-US"/>
           </a:p>
@@ -2583,7 +2583,7 @@
             <a:fld id="{1D8BD707-D9CF-40AE-B4C6-C98DA3205C09}" type="datetimeFigureOut">
               <a:rPr lang="en-US" smtClean="0"/>
               <a:pPr/>
-              <a:t>3/23/2016</a:t>
+              <a:t>5/27/2016</a:t>
             </a:fld>
             <a:endParaRPr lang="en-US"/>
           </a:p>
@@ -2832,7 +2832,7 @@
             <a:fld id="{1D8BD707-D9CF-40AE-B4C6-C98DA3205C09}" type="datetimeFigureOut">
               <a:rPr lang="en-US" smtClean="0"/>
               <a:pPr/>
-              <a:t>3/23/2016</a:t>
+              <a:t>5/27/2016</a:t>
             </a:fld>
             <a:endParaRPr lang="en-US"/>
           </a:p>
@@ -3040,7 +3040,7 @@
             <a:fld id="{1D8BD707-D9CF-40AE-B4C6-C98DA3205C09}" type="datetimeFigureOut">
               <a:rPr lang="en-US" smtClean="0"/>
               <a:pPr/>
-              <a:t>3/23/2016</a:t>
+              <a:t>5/27/2016</a:t>
             </a:fld>
             <a:endParaRPr lang="en-US"/>
           </a:p>
@@ -8188,8 +8188,8 @@
         </p:nvSpPr>
         <p:spPr>
           <a:xfrm>
-            <a:off x="752871" y="4613617"/>
-            <a:ext cx="1034257" cy="369332"/>
+            <a:off x="3057821" y="4766017"/>
+            <a:ext cx="518091" cy="369332"/>
           </a:xfrm>
           <a:prstGeom prst="rect">
             <a:avLst/>
@@ -8203,9 +8203,10 @@
           <a:lstStyle/>
           <a:p>
             <a:r>
-              <a:rPr lang="en-US" dirty="0"/>
-              <a:t>Lock Axis</a:t>
+              <a:rPr lang="en-US" dirty="0" smtClean="0"/>
+              <a:t>Flip</a:t>
             </a:r>
+            <a:endParaRPr lang="en-US" dirty="0"/>
           </a:p>
         </p:txBody>
       </p:sp>
@@ -8375,7 +8376,7 @@
         </p:nvGrpSpPr>
         <p:grpSpPr>
           <a:xfrm>
-            <a:off x="810950" y="5458519"/>
+            <a:off x="991103" y="5428720"/>
             <a:ext cx="559539" cy="311642"/>
             <a:chOff x="4291068" y="3238762"/>
             <a:chExt cx="559539" cy="311642"/>
@@ -8689,7 +8690,7 @@
       </p:grpSp>
       <p:grpSp>
         <p:nvGrpSpPr>
-          <p:cNvPr id="117" name="Group 116"/>
+          <p:cNvPr id="8" name="组合 7"/>
           <p:cNvGrpSpPr/>
           <p:nvPr/>
         </p:nvGrpSpPr>
@@ -8697,7 +8698,7 @@
           <a:xfrm>
             <a:off x="3166337" y="3422336"/>
             <a:ext cx="409575" cy="409575"/>
-            <a:chOff x="3166337" y="3543806"/>
+            <a:chOff x="3166337" y="3422336"/>
             <a:chExt cx="409575" cy="409575"/>
           </a:xfrm>
         </p:grpSpPr>
@@ -8709,7 +8710,7 @@
           </p:nvSpPr>
           <p:spPr>
             <a:xfrm rot="4575288">
-              <a:off x="3166336" y="3680727"/>
+              <a:off x="3166336" y="3559257"/>
               <a:ext cx="409575" cy="135733"/>
             </a:xfrm>
             <a:prstGeom prst="rect">
@@ -8760,7 +8761,7 @@
           </p:nvSpPr>
           <p:spPr>
             <a:xfrm>
-              <a:off x="3166337" y="3683941"/>
+              <a:off x="3166337" y="3562471"/>
               <a:ext cx="409575" cy="135733"/>
             </a:xfrm>
             <a:prstGeom prst="rect">
@@ -8808,7 +8809,7 @@
           </p:nvCxnSpPr>
           <p:spPr>
             <a:xfrm flipV="1">
-              <a:off x="3506856" y="3838724"/>
+              <a:off x="3506856" y="3717254"/>
               <a:ext cx="69056" cy="64293"/>
             </a:xfrm>
             <a:prstGeom prst="straightConnector1">
@@ -8844,7 +8845,7 @@
           </p:nvCxnSpPr>
           <p:spPr>
             <a:xfrm flipH="1">
-              <a:off x="3183006" y="3594951"/>
+              <a:off x="3183006" y="3473481"/>
               <a:ext cx="68147" cy="69941"/>
             </a:xfrm>
             <a:prstGeom prst="straightConnector1">
@@ -9973,6 +9974,345 @@
             </p:txBody>
           </p:sp>
         </p:grpSp>
+      </p:grpSp>
+      <p:sp>
+        <p:nvSpPr>
+          <p:cNvPr id="53" name="TextBox 32"/>
+          <p:cNvSpPr txBox="1"/>
+          <p:nvPr/>
+        </p:nvSpPr>
+        <p:spPr>
+          <a:xfrm>
+            <a:off x="905271" y="4766017"/>
+            <a:ext cx="1034257" cy="369332"/>
+          </a:xfrm>
+          <a:prstGeom prst="rect">
+            <a:avLst/>
+          </a:prstGeom>
+          <a:noFill/>
+        </p:spPr>
+        <p:txBody>
+          <a:bodyPr wrap="none" rtlCol="0">
+            <a:spAutoFit/>
+          </a:bodyPr>
+          <a:lstStyle/>
+          <a:p>
+            <a:r>
+              <a:rPr lang="en-US" dirty="0"/>
+              <a:t>Lock Axis</a:t>
+            </a:r>
+          </a:p>
+        </p:txBody>
+      </p:sp>
+      <p:grpSp>
+        <p:nvGrpSpPr>
+          <p:cNvPr id="22" name="组合 21"/>
+          <p:cNvGrpSpPr/>
+          <p:nvPr/>
+        </p:nvGrpSpPr>
+        <p:grpSpPr>
+          <a:xfrm>
+            <a:off x="3033697" y="5409977"/>
+            <a:ext cx="507687" cy="426598"/>
+            <a:chOff x="3171876" y="5473943"/>
+            <a:chExt cx="313829" cy="235477"/>
+          </a:xfrm>
+        </p:grpSpPr>
+        <p:sp>
+          <p:nvSpPr>
+            <p:cNvPr id="7" name="直角三角形 6"/>
+            <p:cNvSpPr/>
+            <p:nvPr/>
+          </p:nvSpPr>
+          <p:spPr>
+            <a:xfrm>
+              <a:off x="3349972" y="5473944"/>
+              <a:ext cx="135733" cy="208179"/>
+            </a:xfrm>
+            <a:prstGeom prst="rtTriangle">
+              <a:avLst/>
+            </a:prstGeom>
+            <a:solidFill>
+              <a:schemeClr val="accent1">
+                <a:lumMod val="60000"/>
+                <a:lumOff val="40000"/>
+              </a:schemeClr>
+            </a:solidFill>
+            <a:ln w="19050">
+              <a:solidFill>
+                <a:schemeClr val="tx1"/>
+              </a:solidFill>
+              <a:prstDash val="sysDash"/>
+            </a:ln>
+          </p:spPr>
+          <p:style>
+            <a:lnRef idx="2">
+              <a:schemeClr val="accent1">
+                <a:shade val="50000"/>
+              </a:schemeClr>
+            </a:lnRef>
+            <a:fillRef idx="1">
+              <a:schemeClr val="accent1"/>
+            </a:fillRef>
+            <a:effectRef idx="0">
+              <a:schemeClr val="accent1"/>
+            </a:effectRef>
+            <a:fontRef idx="minor">
+              <a:schemeClr val="lt1"/>
+            </a:fontRef>
+          </p:style>
+          <p:txBody>
+            <a:bodyPr rtlCol="0" anchor="ctr"/>
+            <a:lstStyle/>
+            <a:p>
+              <a:pPr algn="ctr"/>
+              <a:endParaRPr lang="zh-CN" altLang="en-US"/>
+            </a:p>
+          </p:txBody>
+        </p:sp>
+        <p:sp>
+          <p:nvSpPr>
+            <p:cNvPr id="58" name="直角三角形 57"/>
+            <p:cNvSpPr/>
+            <p:nvPr/>
+          </p:nvSpPr>
+          <p:spPr>
+            <a:xfrm flipH="1">
+              <a:off x="3171876" y="5473943"/>
+              <a:ext cx="135733" cy="208179"/>
+            </a:xfrm>
+            <a:prstGeom prst="rtTriangle">
+              <a:avLst/>
+            </a:prstGeom>
+            <a:solidFill>
+              <a:schemeClr val="accent6">
+                <a:lumMod val="75000"/>
+              </a:schemeClr>
+            </a:solidFill>
+            <a:ln w="12700">
+              <a:solidFill>
+                <a:schemeClr val="tx1"/>
+              </a:solidFill>
+            </a:ln>
+          </p:spPr>
+          <p:style>
+            <a:lnRef idx="2">
+              <a:schemeClr val="accent1">
+                <a:shade val="50000"/>
+              </a:schemeClr>
+            </a:lnRef>
+            <a:fillRef idx="1">
+              <a:schemeClr val="accent1"/>
+            </a:fillRef>
+            <a:effectRef idx="0">
+              <a:schemeClr val="accent1"/>
+            </a:effectRef>
+            <a:fontRef idx="minor">
+              <a:schemeClr val="lt1"/>
+            </a:fontRef>
+          </p:style>
+          <p:txBody>
+            <a:bodyPr rtlCol="0" anchor="ctr"/>
+            <a:lstStyle/>
+            <a:p>
+              <a:pPr algn="ctr"/>
+              <a:endParaRPr lang="zh-CN" altLang="en-US"/>
+            </a:p>
+          </p:txBody>
+        </p:sp>
+        <p:cxnSp>
+          <p:nvCxnSpPr>
+            <p:cNvPr id="14" name="曲线连接符 13"/>
+            <p:cNvCxnSpPr/>
+            <p:nvPr/>
+          </p:nvCxnSpPr>
+          <p:spPr>
+            <a:xfrm rot="5400000" flipH="1">
+              <a:off x="3321966" y="5620371"/>
+              <a:ext cx="1" cy="178097"/>
+            </a:xfrm>
+            <a:prstGeom prst="curvedConnector3">
+              <a:avLst>
+                <a:gd name="adj1" fmla="val -2147483647"/>
+              </a:avLst>
+            </a:prstGeom>
+            <a:ln w="19050">
+              <a:solidFill>
+                <a:schemeClr val="tx1"/>
+              </a:solidFill>
+              <a:tailEnd type="triangle"/>
+            </a:ln>
+          </p:spPr>
+          <p:style>
+            <a:lnRef idx="1">
+              <a:schemeClr val="accent1"/>
+            </a:lnRef>
+            <a:fillRef idx="0">
+              <a:schemeClr val="accent1"/>
+            </a:fillRef>
+            <a:effectRef idx="0">
+              <a:schemeClr val="accent1"/>
+            </a:effectRef>
+            <a:fontRef idx="minor">
+              <a:schemeClr val="tx1"/>
+            </a:fontRef>
+          </p:style>
+        </p:cxnSp>
+      </p:grpSp>
+      <p:grpSp>
+        <p:nvGrpSpPr>
+          <p:cNvPr id="76" name="组合 75"/>
+          <p:cNvGrpSpPr/>
+          <p:nvPr/>
+        </p:nvGrpSpPr>
+        <p:grpSpPr>
+          <a:xfrm rot="5400000">
+            <a:off x="3836804" y="5416411"/>
+            <a:ext cx="473043" cy="478733"/>
+            <a:chOff x="3171876" y="5473943"/>
+            <a:chExt cx="313829" cy="235477"/>
+          </a:xfrm>
+        </p:grpSpPr>
+        <p:sp>
+          <p:nvSpPr>
+            <p:cNvPr id="78" name="直角三角形 77"/>
+            <p:cNvSpPr/>
+            <p:nvPr/>
+          </p:nvSpPr>
+          <p:spPr>
+            <a:xfrm>
+              <a:off x="3349972" y="5473944"/>
+              <a:ext cx="135733" cy="208179"/>
+            </a:xfrm>
+            <a:prstGeom prst="rtTriangle">
+              <a:avLst/>
+            </a:prstGeom>
+            <a:solidFill>
+              <a:schemeClr val="accent1">
+                <a:lumMod val="60000"/>
+                <a:lumOff val="40000"/>
+              </a:schemeClr>
+            </a:solidFill>
+            <a:ln w="19050">
+              <a:solidFill>
+                <a:schemeClr val="tx1"/>
+              </a:solidFill>
+              <a:prstDash val="sysDash"/>
+            </a:ln>
+          </p:spPr>
+          <p:style>
+            <a:lnRef idx="2">
+              <a:schemeClr val="accent1">
+                <a:shade val="50000"/>
+              </a:schemeClr>
+            </a:lnRef>
+            <a:fillRef idx="1">
+              <a:schemeClr val="accent1"/>
+            </a:fillRef>
+            <a:effectRef idx="0">
+              <a:schemeClr val="accent1"/>
+            </a:effectRef>
+            <a:fontRef idx="minor">
+              <a:schemeClr val="lt1"/>
+            </a:fontRef>
+          </p:style>
+          <p:txBody>
+            <a:bodyPr rtlCol="0" anchor="ctr"/>
+            <a:lstStyle/>
+            <a:p>
+              <a:pPr algn="ctr"/>
+              <a:endParaRPr lang="zh-CN" altLang="en-US"/>
+            </a:p>
+          </p:txBody>
+        </p:sp>
+        <p:sp>
+          <p:nvSpPr>
+            <p:cNvPr id="79" name="直角三角形 78"/>
+            <p:cNvSpPr/>
+            <p:nvPr/>
+          </p:nvSpPr>
+          <p:spPr>
+            <a:xfrm flipH="1">
+              <a:off x="3171876" y="5473943"/>
+              <a:ext cx="135733" cy="208179"/>
+            </a:xfrm>
+            <a:prstGeom prst="rtTriangle">
+              <a:avLst/>
+            </a:prstGeom>
+            <a:solidFill>
+              <a:schemeClr val="accent6">
+                <a:lumMod val="75000"/>
+              </a:schemeClr>
+            </a:solidFill>
+            <a:ln w="12700">
+              <a:solidFill>
+                <a:schemeClr val="tx1"/>
+              </a:solidFill>
+            </a:ln>
+          </p:spPr>
+          <p:style>
+            <a:lnRef idx="2">
+              <a:schemeClr val="accent1">
+                <a:shade val="50000"/>
+              </a:schemeClr>
+            </a:lnRef>
+            <a:fillRef idx="1">
+              <a:schemeClr val="accent1"/>
+            </a:fillRef>
+            <a:effectRef idx="0">
+              <a:schemeClr val="accent1"/>
+            </a:effectRef>
+            <a:fontRef idx="minor">
+              <a:schemeClr val="lt1"/>
+            </a:fontRef>
+          </p:style>
+          <p:txBody>
+            <a:bodyPr rtlCol="0" anchor="ctr"/>
+            <a:lstStyle/>
+            <a:p>
+              <a:pPr algn="ctr"/>
+              <a:endParaRPr lang="zh-CN" altLang="en-US"/>
+            </a:p>
+          </p:txBody>
+        </p:sp>
+        <p:cxnSp>
+          <p:nvCxnSpPr>
+            <p:cNvPr id="81" name="曲线连接符 80"/>
+            <p:cNvCxnSpPr/>
+            <p:nvPr/>
+          </p:nvCxnSpPr>
+          <p:spPr>
+            <a:xfrm rot="5400000" flipH="1">
+              <a:off x="3321966" y="5620371"/>
+              <a:ext cx="1" cy="178097"/>
+            </a:xfrm>
+            <a:prstGeom prst="curvedConnector3">
+              <a:avLst>
+                <a:gd name="adj1" fmla="val -2147483647"/>
+              </a:avLst>
+            </a:prstGeom>
+            <a:ln w="19050">
+              <a:solidFill>
+                <a:schemeClr val="tx1"/>
+              </a:solidFill>
+              <a:tailEnd type="triangle"/>
+            </a:ln>
+          </p:spPr>
+          <p:style>
+            <a:lnRef idx="1">
+              <a:schemeClr val="accent1"/>
+            </a:lnRef>
+            <a:fillRef idx="0">
+              <a:schemeClr val="accent1"/>
+            </a:fillRef>
+            <a:effectRef idx="0">
+              <a:schemeClr val="accent1"/>
+            </a:effectRef>
+            <a:fontRef idx="minor">
+              <a:schemeClr val="tx1"/>
+            </a:fontRef>
+          </p:style>
+        </p:cxnSp>
       </p:grpSp>
     </p:spTree>
     <p:extLst>

--- a/doc/Icons-PositionsLab.pptx
+++ b/doc/Icons-PositionsLab.pptx
@@ -213,7 +213,7 @@
           <a:p>
             <a:fld id="{6699ACB9-486C-4D62-A3A7-AF98E13EFDA3}" type="datetimeFigureOut">
               <a:rPr lang="en-US" smtClean="0"/>
-              <a:t>3/23/2016</a:t>
+              <a:t>2016/06/22</a:t>
             </a:fld>
             <a:endParaRPr lang="en-US"/>
           </a:p>
@@ -660,7 +660,7 @@
             <a:fld id="{1D8BD707-D9CF-40AE-B4C6-C98DA3205C09}" type="datetimeFigureOut">
               <a:rPr lang="en-US" smtClean="0"/>
               <a:pPr/>
-              <a:t>3/23/2016</a:t>
+              <a:t>2016/06/22</a:t>
             </a:fld>
             <a:endParaRPr lang="en-US"/>
           </a:p>
@@ -825,7 +825,7 @@
             <a:fld id="{1D8BD707-D9CF-40AE-B4C6-C98DA3205C09}" type="datetimeFigureOut">
               <a:rPr lang="en-US" smtClean="0"/>
               <a:pPr/>
-              <a:t>3/23/2016</a:t>
+              <a:t>2016/06/22</a:t>
             </a:fld>
             <a:endParaRPr lang="en-US"/>
           </a:p>
@@ -1000,7 +1000,7 @@
             <a:fld id="{1D8BD707-D9CF-40AE-B4C6-C98DA3205C09}" type="datetimeFigureOut">
               <a:rPr lang="en-US" smtClean="0"/>
               <a:pPr/>
-              <a:t>3/23/2016</a:t>
+              <a:t>2016/06/22</a:t>
             </a:fld>
             <a:endParaRPr lang="en-US"/>
           </a:p>
@@ -1165,7 +1165,7 @@
             <a:fld id="{1D8BD707-D9CF-40AE-B4C6-C98DA3205C09}" type="datetimeFigureOut">
               <a:rPr lang="en-US" smtClean="0"/>
               <a:pPr/>
-              <a:t>3/23/2016</a:t>
+              <a:t>2016/06/22</a:t>
             </a:fld>
             <a:endParaRPr lang="en-US"/>
           </a:p>
@@ -1407,7 +1407,7 @@
             <a:fld id="{1D8BD707-D9CF-40AE-B4C6-C98DA3205C09}" type="datetimeFigureOut">
               <a:rPr lang="en-US" smtClean="0"/>
               <a:pPr/>
-              <a:t>3/23/2016</a:t>
+              <a:t>2016/06/22</a:t>
             </a:fld>
             <a:endParaRPr lang="en-US"/>
           </a:p>
@@ -1689,7 +1689,7 @@
             <a:fld id="{1D8BD707-D9CF-40AE-B4C6-C98DA3205C09}" type="datetimeFigureOut">
               <a:rPr lang="en-US" smtClean="0"/>
               <a:pPr/>
-              <a:t>3/23/2016</a:t>
+              <a:t>2016/06/22</a:t>
             </a:fld>
             <a:endParaRPr lang="en-US"/>
           </a:p>
@@ -2105,7 +2105,7 @@
             <a:fld id="{1D8BD707-D9CF-40AE-B4C6-C98DA3205C09}" type="datetimeFigureOut">
               <a:rPr lang="en-US" smtClean="0"/>
               <a:pPr/>
-              <a:t>3/23/2016</a:t>
+              <a:t>2016/06/22</a:t>
             </a:fld>
             <a:endParaRPr lang="en-US"/>
           </a:p>
@@ -2219,7 +2219,7 @@
             <a:fld id="{1D8BD707-D9CF-40AE-B4C6-C98DA3205C09}" type="datetimeFigureOut">
               <a:rPr lang="en-US" smtClean="0"/>
               <a:pPr/>
-              <a:t>3/23/2016</a:t>
+              <a:t>2016/06/22</a:t>
             </a:fld>
             <a:endParaRPr lang="en-US"/>
           </a:p>
@@ -2311,7 +2311,7 @@
             <a:fld id="{1D8BD707-D9CF-40AE-B4C6-C98DA3205C09}" type="datetimeFigureOut">
               <a:rPr lang="en-US" smtClean="0"/>
               <a:pPr/>
-              <a:t>3/23/2016</a:t>
+              <a:t>2016/06/22</a:t>
             </a:fld>
             <a:endParaRPr lang="en-US"/>
           </a:p>
@@ -2583,7 +2583,7 @@
             <a:fld id="{1D8BD707-D9CF-40AE-B4C6-C98DA3205C09}" type="datetimeFigureOut">
               <a:rPr lang="en-US" smtClean="0"/>
               <a:pPr/>
-              <a:t>3/23/2016</a:t>
+              <a:t>2016/06/22</a:t>
             </a:fld>
             <a:endParaRPr lang="en-US"/>
           </a:p>
@@ -2832,7 +2832,7 @@
             <a:fld id="{1D8BD707-D9CF-40AE-B4C6-C98DA3205C09}" type="datetimeFigureOut">
               <a:rPr lang="en-US" smtClean="0"/>
               <a:pPr/>
-              <a:t>3/23/2016</a:t>
+              <a:t>2016/06/22</a:t>
             </a:fld>
             <a:endParaRPr lang="en-US"/>
           </a:p>
@@ -3040,7 +3040,7 @@
             <a:fld id="{1D8BD707-D9CF-40AE-B4C6-C98DA3205C09}" type="datetimeFigureOut">
               <a:rPr lang="en-US" smtClean="0"/>
               <a:pPr/>
-              <a:t>3/23/2016</a:t>
+              <a:t>2016/06/22</a:t>
             </a:fld>
             <a:endParaRPr lang="en-US"/>
           </a:p>
@@ -6468,7 +6468,7 @@
         </p:nvSpPr>
         <p:spPr>
           <a:xfrm>
-            <a:off x="2853164" y="1308274"/>
+            <a:off x="2853164" y="989617"/>
             <a:ext cx="3437672" cy="707886"/>
           </a:xfrm>
           <a:prstGeom prst="rect">
@@ -6498,7 +6498,7 @@
         </p:nvSpPr>
         <p:spPr>
           <a:xfrm>
-            <a:off x="729512" y="3324434"/>
+            <a:off x="729512" y="2465447"/>
             <a:ext cx="1306383" cy="369332"/>
           </a:xfrm>
           <a:prstGeom prst="rect">
@@ -6528,7 +6528,7 @@
         </p:nvSpPr>
         <p:spPr>
           <a:xfrm>
-            <a:off x="2765406" y="3324434"/>
+            <a:off x="2765406" y="2465447"/>
             <a:ext cx="1046505" cy="369332"/>
           </a:xfrm>
           <a:prstGeom prst="rect">
@@ -6558,7 +6558,7 @@
         </p:nvSpPr>
         <p:spPr>
           <a:xfrm>
-            <a:off x="4541423" y="3324434"/>
+            <a:off x="4541423" y="2465447"/>
             <a:ext cx="2162195" cy="369332"/>
           </a:xfrm>
           <a:prstGeom prst="rect">
@@ -6588,7 +6588,7 @@
         </p:nvSpPr>
         <p:spPr>
           <a:xfrm>
-            <a:off x="7433129" y="3324434"/>
+            <a:off x="7433129" y="2465447"/>
             <a:ext cx="981359" cy="369332"/>
           </a:xfrm>
           <a:prstGeom prst="rect">
@@ -6618,7 +6618,7 @@
         </p:nvGrpSpPr>
         <p:grpSpPr>
           <a:xfrm>
-            <a:off x="3050968" y="5002040"/>
+            <a:off x="3050968" y="3381048"/>
             <a:ext cx="475380" cy="547687"/>
             <a:chOff x="3050968" y="5002040"/>
             <a:chExt cx="475380" cy="547687"/>
@@ -6812,7 +6812,7 @@
         </p:nvGrpSpPr>
         <p:grpSpPr>
           <a:xfrm>
-            <a:off x="1145012" y="4965887"/>
+            <a:off x="1145012" y="3344895"/>
             <a:ext cx="547687" cy="475380"/>
             <a:chOff x="1145012" y="4965887"/>
             <a:chExt cx="547687" cy="475380"/>
@@ -7006,7 +7006,7 @@
         </p:nvGrpSpPr>
         <p:grpSpPr>
           <a:xfrm>
-            <a:off x="5330312" y="4971845"/>
+            <a:off x="5330312" y="3350853"/>
             <a:ext cx="584418" cy="608076"/>
             <a:chOff x="5330312" y="4971845"/>
             <a:chExt cx="584418" cy="608076"/>
@@ -7200,7 +7200,7 @@
         </p:nvGrpSpPr>
         <p:grpSpPr>
           <a:xfrm>
-            <a:off x="7619772" y="4999658"/>
+            <a:off x="7619772" y="3378666"/>
             <a:ext cx="608076" cy="552450"/>
             <a:chOff x="7619772" y="4999658"/>
             <a:chExt cx="608076" cy="552450"/>
@@ -7502,6 +7502,349 @@
               <a:ext cx="214222" cy="145255"/>
             </a:xfrm>
             <a:prstGeom prst="rect">
+              <a:avLst/>
+            </a:prstGeom>
+            <a:solidFill>
+              <a:schemeClr val="bg1"/>
+            </a:solidFill>
+            <a:ln w="12700">
+              <a:solidFill>
+                <a:schemeClr val="tx1"/>
+              </a:solidFill>
+            </a:ln>
+          </p:spPr>
+          <p:style>
+            <a:lnRef idx="2">
+              <a:schemeClr val="accent1">
+                <a:shade val="50000"/>
+              </a:schemeClr>
+            </a:lnRef>
+            <a:fillRef idx="1">
+              <a:schemeClr val="accent1"/>
+            </a:fillRef>
+            <a:effectRef idx="0">
+              <a:schemeClr val="accent1"/>
+            </a:effectRef>
+            <a:fontRef idx="minor">
+              <a:schemeClr val="lt1"/>
+            </a:fontRef>
+          </p:style>
+          <p:txBody>
+            <a:bodyPr rtlCol="0" anchor="ctr"/>
+            <a:lstStyle/>
+            <a:p>
+              <a:pPr algn="ctr"/>
+              <a:endParaRPr lang="en-US"/>
+            </a:p>
+          </p:txBody>
+        </p:sp>
+      </p:grpSp>
+      <p:sp>
+        <p:nvSpPr>
+          <p:cNvPr id="39" name="TextBox 38"/>
+          <p:cNvSpPr txBox="1"/>
+          <p:nvPr/>
+        </p:nvSpPr>
+        <p:spPr>
+          <a:xfrm>
+            <a:off x="1024271" y="4682010"/>
+            <a:ext cx="716863" cy="369332"/>
+          </a:xfrm>
+          <a:prstGeom prst="rect">
+            <a:avLst/>
+          </a:prstGeom>
+          <a:noFill/>
+        </p:spPr>
+        <p:txBody>
+          <a:bodyPr wrap="none" rtlCol="0">
+            <a:spAutoFit/>
+          </a:bodyPr>
+          <a:lstStyle/>
+          <a:p>
+            <a:pPr algn="ctr"/>
+            <a:r>
+              <a:rPr lang="en-US" dirty="0" smtClean="0"/>
+              <a:t>Angle</a:t>
+            </a:r>
+            <a:endParaRPr lang="en-US" dirty="0"/>
+          </a:p>
+        </p:txBody>
+      </p:sp>
+      <p:grpSp>
+        <p:nvGrpSpPr>
+          <p:cNvPr id="16" name="Group 15"/>
+          <p:cNvGrpSpPr/>
+          <p:nvPr/>
+        </p:nvGrpSpPr>
+        <p:grpSpPr>
+          <a:xfrm>
+            <a:off x="1230267" y="5422947"/>
+            <a:ext cx="494859" cy="544105"/>
+            <a:chOff x="1230267" y="5422947"/>
+            <a:chExt cx="494859" cy="544105"/>
+          </a:xfrm>
+        </p:grpSpPr>
+        <p:cxnSp>
+          <p:nvCxnSpPr>
+            <p:cNvPr id="62" name="Straight Connector 61"/>
+            <p:cNvCxnSpPr/>
+            <p:nvPr/>
+          </p:nvCxnSpPr>
+          <p:spPr>
+            <a:xfrm rot="19008073">
+              <a:off x="1230267" y="5586333"/>
+              <a:ext cx="464901" cy="0"/>
+            </a:xfrm>
+            <a:prstGeom prst="line">
+              <a:avLst/>
+            </a:prstGeom>
+            <a:ln w="25400">
+              <a:solidFill>
+                <a:schemeClr val="tx1"/>
+              </a:solidFill>
+            </a:ln>
+          </p:spPr>
+          <p:style>
+            <a:lnRef idx="1">
+              <a:schemeClr val="accent1"/>
+            </a:lnRef>
+            <a:fillRef idx="0">
+              <a:schemeClr val="accent1"/>
+            </a:fillRef>
+            <a:effectRef idx="0">
+              <a:schemeClr val="accent1"/>
+            </a:effectRef>
+            <a:fontRef idx="minor">
+              <a:schemeClr val="tx1"/>
+            </a:fontRef>
+          </p:style>
+        </p:cxnSp>
+        <p:cxnSp>
+          <p:nvCxnSpPr>
+            <p:cNvPr id="55" name="Straight Connector 54"/>
+            <p:cNvCxnSpPr/>
+            <p:nvPr/>
+          </p:nvCxnSpPr>
+          <p:spPr>
+            <a:xfrm rot="2715071">
+              <a:off x="1229961" y="5734602"/>
+              <a:ext cx="464901" cy="0"/>
+            </a:xfrm>
+            <a:prstGeom prst="line">
+              <a:avLst/>
+            </a:prstGeom>
+            <a:ln w="25400">
+              <a:solidFill>
+                <a:schemeClr val="tx1"/>
+              </a:solidFill>
+            </a:ln>
+          </p:spPr>
+          <p:style>
+            <a:lnRef idx="1">
+              <a:schemeClr val="accent1"/>
+            </a:lnRef>
+            <a:fillRef idx="0">
+              <a:schemeClr val="accent1"/>
+            </a:fillRef>
+            <a:effectRef idx="0">
+              <a:schemeClr val="accent1"/>
+            </a:effectRef>
+            <a:fontRef idx="minor">
+              <a:schemeClr val="tx1"/>
+            </a:fontRef>
+          </p:style>
+        </p:cxnSp>
+        <p:cxnSp>
+          <p:nvCxnSpPr>
+            <p:cNvPr id="14" name="Straight Connector 13"/>
+            <p:cNvCxnSpPr/>
+            <p:nvPr/>
+          </p:nvCxnSpPr>
+          <p:spPr>
+            <a:xfrm>
+              <a:off x="1260225" y="5658629"/>
+              <a:ext cx="464901" cy="0"/>
+            </a:xfrm>
+            <a:prstGeom prst="line">
+              <a:avLst/>
+            </a:prstGeom>
+            <a:ln w="25400">
+              <a:solidFill>
+                <a:schemeClr val="tx1"/>
+              </a:solidFill>
+            </a:ln>
+          </p:spPr>
+          <p:style>
+            <a:lnRef idx="1">
+              <a:schemeClr val="accent1"/>
+            </a:lnRef>
+            <a:fillRef idx="0">
+              <a:schemeClr val="accent1"/>
+            </a:fillRef>
+            <a:effectRef idx="0">
+              <a:schemeClr val="accent1"/>
+            </a:effectRef>
+            <a:fontRef idx="minor">
+              <a:schemeClr val="tx1"/>
+            </a:fontRef>
+          </p:style>
+        </p:cxnSp>
+        <p:sp>
+          <p:nvSpPr>
+            <p:cNvPr id="11" name="Oval 10"/>
+            <p:cNvSpPr/>
+            <p:nvPr/>
+          </p:nvSpPr>
+          <p:spPr>
+            <a:xfrm>
+              <a:off x="1295909" y="5569825"/>
+              <a:ext cx="180975" cy="180975"/>
+            </a:xfrm>
+            <a:prstGeom prst="ellipse">
+              <a:avLst/>
+            </a:prstGeom>
+            <a:solidFill>
+              <a:srgbClr val="E46B09"/>
+            </a:solidFill>
+            <a:ln w="12700">
+              <a:solidFill>
+                <a:schemeClr val="tx1"/>
+              </a:solidFill>
+            </a:ln>
+          </p:spPr>
+          <p:style>
+            <a:lnRef idx="2">
+              <a:schemeClr val="accent1">
+                <a:shade val="50000"/>
+              </a:schemeClr>
+            </a:lnRef>
+            <a:fillRef idx="1">
+              <a:schemeClr val="accent1"/>
+            </a:fillRef>
+            <a:effectRef idx="0">
+              <a:schemeClr val="accent1"/>
+            </a:effectRef>
+            <a:fontRef idx="minor">
+              <a:schemeClr val="lt1"/>
+            </a:fontRef>
+          </p:style>
+          <p:txBody>
+            <a:bodyPr rtlCol="0" anchor="ctr"/>
+            <a:lstStyle/>
+            <a:p>
+              <a:pPr algn="ctr"/>
+              <a:endParaRPr lang="en-US"/>
+            </a:p>
+          </p:txBody>
+        </p:sp>
+        <p:sp>
+          <p:nvSpPr>
+            <p:cNvPr id="12" name="Oval 11"/>
+            <p:cNvSpPr/>
+            <p:nvPr/>
+          </p:nvSpPr>
+          <p:spPr>
+            <a:xfrm>
+              <a:off x="1508400" y="5422947"/>
+              <a:ext cx="121956" cy="121956"/>
+            </a:xfrm>
+            <a:prstGeom prst="ellipse">
+              <a:avLst/>
+            </a:prstGeom>
+            <a:solidFill>
+              <a:schemeClr val="bg1"/>
+            </a:solidFill>
+            <a:ln w="12700">
+              <a:solidFill>
+                <a:schemeClr val="tx1"/>
+              </a:solidFill>
+            </a:ln>
+          </p:spPr>
+          <p:style>
+            <a:lnRef idx="2">
+              <a:schemeClr val="accent1">
+                <a:shade val="50000"/>
+              </a:schemeClr>
+            </a:lnRef>
+            <a:fillRef idx="1">
+              <a:schemeClr val="accent1"/>
+            </a:fillRef>
+            <a:effectRef idx="0">
+              <a:schemeClr val="accent1"/>
+            </a:effectRef>
+            <a:fontRef idx="minor">
+              <a:schemeClr val="lt1"/>
+            </a:fontRef>
+          </p:style>
+          <p:txBody>
+            <a:bodyPr rtlCol="0" anchor="ctr"/>
+            <a:lstStyle/>
+            <a:p>
+              <a:pPr algn="ctr"/>
+              <a:endParaRPr lang="en-US"/>
+            </a:p>
+          </p:txBody>
+        </p:sp>
+        <p:sp>
+          <p:nvSpPr>
+            <p:cNvPr id="46" name="Oval 45"/>
+            <p:cNvSpPr/>
+            <p:nvPr/>
+          </p:nvSpPr>
+          <p:spPr>
+            <a:xfrm>
+              <a:off x="1568784" y="5599261"/>
+              <a:ext cx="121956" cy="121956"/>
+            </a:xfrm>
+            <a:prstGeom prst="ellipse">
+              <a:avLst/>
+            </a:prstGeom>
+            <a:solidFill>
+              <a:schemeClr val="bg1"/>
+            </a:solidFill>
+            <a:ln w="12700">
+              <a:solidFill>
+                <a:schemeClr val="tx1"/>
+              </a:solidFill>
+            </a:ln>
+          </p:spPr>
+          <p:style>
+            <a:lnRef idx="2">
+              <a:schemeClr val="accent1">
+                <a:shade val="50000"/>
+              </a:schemeClr>
+            </a:lnRef>
+            <a:fillRef idx="1">
+              <a:schemeClr val="accent1"/>
+            </a:fillRef>
+            <a:effectRef idx="0">
+              <a:schemeClr val="accent1"/>
+            </a:effectRef>
+            <a:fontRef idx="minor">
+              <a:schemeClr val="lt1"/>
+            </a:fontRef>
+          </p:style>
+          <p:txBody>
+            <a:bodyPr rtlCol="0" anchor="ctr"/>
+            <a:lstStyle/>
+            <a:p>
+              <a:pPr algn="ctr"/>
+              <a:endParaRPr lang="en-US"/>
+            </a:p>
+          </p:txBody>
+        </p:sp>
+        <p:sp>
+          <p:nvSpPr>
+            <p:cNvPr id="47" name="Oval 46"/>
+            <p:cNvSpPr/>
+            <p:nvPr/>
+          </p:nvSpPr>
+          <p:spPr>
+            <a:xfrm>
+              <a:off x="1502059" y="5773367"/>
+              <a:ext cx="121956" cy="121956"/>
+            </a:xfrm>
+            <a:prstGeom prst="ellipse">
               <a:avLst/>
             </a:prstGeom>
             <a:solidFill>

--- a/doc/Icons-PositionsLab.pptx
+++ b/doc/Icons-PositionsLab.pptx
@@ -5,7 +5,7 @@
     <p:sldMasterId id="2147483648" r:id="rId1"/>
   </p:sldMasterIdLst>
   <p:notesMasterIdLst>
-    <p:notesMasterId r:id="rId8"/>
+    <p:notesMasterId r:id="rId9"/>
   </p:notesMasterIdLst>
   <p:sldIdLst>
     <p:sldId id="269" r:id="rId2"/>
@@ -14,6 +14,7 @@
     <p:sldId id="272" r:id="rId5"/>
     <p:sldId id="273" r:id="rId6"/>
     <p:sldId id="274" r:id="rId7"/>
+    <p:sldId id="275" r:id="rId8"/>
   </p:sldIdLst>
   <p:sldSz cx="9144000" cy="6858000" type="screen4x3"/>
   <p:notesSz cx="6858000" cy="9144000"/>
@@ -115,12 +116,17 @@
   <p:extLst>
     <p:ext uri="{EFAFB233-063F-42B5-8137-9DF3F51BA10A}">
       <p15:sldGuideLst xmlns:p15="http://schemas.microsoft.com/office/powerpoint/2012/main">
-        <p15:guide id="1" orient="horz" pos="2160">
+        <p15:guide id="1" orient="horz" pos="2184" userDrawn="1">
           <p15:clr>
             <a:srgbClr val="A4A3A4"/>
           </p15:clr>
         </p15:guide>
-        <p15:guide id="2" pos="2880">
+        <p15:guide id="2" pos="2280" userDrawn="1">
+          <p15:clr>
+            <a:srgbClr val="A4A3A4"/>
+          </p15:clr>
+        </p15:guide>
+        <p15:guide id="3" pos="2980" userDrawn="1">
           <p15:clr>
             <a:srgbClr val="A4A3A4"/>
           </p15:clr>
@@ -213,7 +219,7 @@
           <a:p>
             <a:fld id="{6699ACB9-486C-4D62-A3A7-AF98E13EFDA3}" type="datetimeFigureOut">
               <a:rPr lang="en-US" smtClean="0"/>
-              <a:t>2016/07/07</a:t>
+              <a:t>2016/07/12</a:t>
             </a:fld>
             <a:endParaRPr lang="en-US"/>
           </a:p>
@@ -660,7 +666,7 @@
             <a:fld id="{1D8BD707-D9CF-40AE-B4C6-C98DA3205C09}" type="datetimeFigureOut">
               <a:rPr lang="en-US" smtClean="0"/>
               <a:pPr/>
-              <a:t>2016/07/07</a:t>
+              <a:t>2016/07/12</a:t>
             </a:fld>
             <a:endParaRPr lang="en-US"/>
           </a:p>
@@ -825,7 +831,7 @@
             <a:fld id="{1D8BD707-D9CF-40AE-B4C6-C98DA3205C09}" type="datetimeFigureOut">
               <a:rPr lang="en-US" smtClean="0"/>
               <a:pPr/>
-              <a:t>2016/07/07</a:t>
+              <a:t>2016/07/12</a:t>
             </a:fld>
             <a:endParaRPr lang="en-US"/>
           </a:p>
@@ -1000,7 +1006,7 @@
             <a:fld id="{1D8BD707-D9CF-40AE-B4C6-C98DA3205C09}" type="datetimeFigureOut">
               <a:rPr lang="en-US" smtClean="0"/>
               <a:pPr/>
-              <a:t>2016/07/07</a:t>
+              <a:t>2016/07/12</a:t>
             </a:fld>
             <a:endParaRPr lang="en-US"/>
           </a:p>
@@ -1165,7 +1171,7 @@
             <a:fld id="{1D8BD707-D9CF-40AE-B4C6-C98DA3205C09}" type="datetimeFigureOut">
               <a:rPr lang="en-US" smtClean="0"/>
               <a:pPr/>
-              <a:t>2016/07/07</a:t>
+              <a:t>2016/07/12</a:t>
             </a:fld>
             <a:endParaRPr lang="en-US"/>
           </a:p>
@@ -1407,7 +1413,7 @@
             <a:fld id="{1D8BD707-D9CF-40AE-B4C6-C98DA3205C09}" type="datetimeFigureOut">
               <a:rPr lang="en-US" smtClean="0"/>
               <a:pPr/>
-              <a:t>2016/07/07</a:t>
+              <a:t>2016/07/12</a:t>
             </a:fld>
             <a:endParaRPr lang="en-US"/>
           </a:p>
@@ -1689,7 +1695,7 @@
             <a:fld id="{1D8BD707-D9CF-40AE-B4C6-C98DA3205C09}" type="datetimeFigureOut">
               <a:rPr lang="en-US" smtClean="0"/>
               <a:pPr/>
-              <a:t>2016/07/07</a:t>
+              <a:t>2016/07/12</a:t>
             </a:fld>
             <a:endParaRPr lang="en-US"/>
           </a:p>
@@ -2105,7 +2111,7 @@
             <a:fld id="{1D8BD707-D9CF-40AE-B4C6-C98DA3205C09}" type="datetimeFigureOut">
               <a:rPr lang="en-US" smtClean="0"/>
               <a:pPr/>
-              <a:t>2016/07/07</a:t>
+              <a:t>2016/07/12</a:t>
             </a:fld>
             <a:endParaRPr lang="en-US"/>
           </a:p>
@@ -2219,7 +2225,7 @@
             <a:fld id="{1D8BD707-D9CF-40AE-B4C6-C98DA3205C09}" type="datetimeFigureOut">
               <a:rPr lang="en-US" smtClean="0"/>
               <a:pPr/>
-              <a:t>2016/07/07</a:t>
+              <a:t>2016/07/12</a:t>
             </a:fld>
             <a:endParaRPr lang="en-US"/>
           </a:p>
@@ -2311,7 +2317,7 @@
             <a:fld id="{1D8BD707-D9CF-40AE-B4C6-C98DA3205C09}" type="datetimeFigureOut">
               <a:rPr lang="en-US" smtClean="0"/>
               <a:pPr/>
-              <a:t>2016/07/07</a:t>
+              <a:t>2016/07/12</a:t>
             </a:fld>
             <a:endParaRPr lang="en-US"/>
           </a:p>
@@ -2583,7 +2589,7 @@
             <a:fld id="{1D8BD707-D9CF-40AE-B4C6-C98DA3205C09}" type="datetimeFigureOut">
               <a:rPr lang="en-US" smtClean="0"/>
               <a:pPr/>
-              <a:t>2016/07/07</a:t>
+              <a:t>2016/07/12</a:t>
             </a:fld>
             <a:endParaRPr lang="en-US"/>
           </a:p>
@@ -2832,7 +2838,7 @@
             <a:fld id="{1D8BD707-D9CF-40AE-B4C6-C98DA3205C09}" type="datetimeFigureOut">
               <a:rPr lang="en-US" smtClean="0"/>
               <a:pPr/>
-              <a:t>2016/07/07</a:t>
+              <a:t>2016/07/12</a:t>
             </a:fld>
             <a:endParaRPr lang="en-US"/>
           </a:p>
@@ -2893,9 +2899,12 @@
 <p:sldMaster xmlns:a="http://schemas.openxmlformats.org/drawingml/2006/main" xmlns:r="http://schemas.openxmlformats.org/officeDocument/2006/relationships" xmlns:p="http://schemas.openxmlformats.org/presentationml/2006/main">
   <p:cSld>
     <p:bg>
-      <p:bgRef idx="1001">
-        <a:schemeClr val="bg1"/>
-      </p:bgRef>
+      <p:bgPr>
+        <a:solidFill>
+          <a:schemeClr val="bg1"/>
+        </a:solidFill>
+        <a:effectLst/>
+      </p:bgPr>
     </p:bg>
     <p:spTree>
       <p:nvGrpSpPr>
@@ -3040,7 +3049,7 @@
             <a:fld id="{1D8BD707-D9CF-40AE-B4C6-C98DA3205C09}" type="datetimeFigureOut">
               <a:rPr lang="en-US" smtClean="0"/>
               <a:pPr/>
-              <a:t>2016/07/07</a:t>
+              <a:t>2016/07/12</a:t>
             </a:fld>
             <a:endParaRPr lang="en-US"/>
           </a:p>
@@ -3397,16 +3406,6 @@
 <file path=ppt/slides/slide1.xml><?xml version="1.0" encoding="utf-8"?>
 <p:sld xmlns:a="http://schemas.openxmlformats.org/drawingml/2006/main" xmlns:r="http://schemas.openxmlformats.org/officeDocument/2006/relationships" xmlns:p="http://schemas.openxmlformats.org/presentationml/2006/main">
   <p:cSld>
-    <p:bg>
-      <p:bgPr>
-        <a:solidFill>
-          <a:schemeClr val="bg1">
-            <a:lumMod val="95000"/>
-          </a:schemeClr>
-        </a:solidFill>
-        <a:effectLst/>
-      </p:bgPr>
-    </p:bg>
     <p:spTree>
       <p:nvGrpSpPr>
         <p:cNvPr id="1" name=""/>
@@ -3714,9 +3713,39 @@
           </p:spPr>
         </p:pic>
       </p:grpSp>
+      <p:sp>
+        <p:nvSpPr>
+          <p:cNvPr id="4" name="TextBox 3"/>
+          <p:cNvSpPr txBox="1"/>
+          <p:nvPr/>
+        </p:nvSpPr>
+        <p:spPr>
+          <a:xfrm>
+            <a:off x="3243463" y="706170"/>
+            <a:ext cx="2657074" cy="707886"/>
+          </a:xfrm>
+          <a:prstGeom prst="rect">
+            <a:avLst/>
+          </a:prstGeom>
+          <a:noFill/>
+        </p:spPr>
+        <p:txBody>
+          <a:bodyPr wrap="none" rtlCol="0">
+            <a:spAutoFit/>
+          </a:bodyPr>
+          <a:lstStyle/>
+          <a:p>
+            <a:pPr algn="ctr"/>
+            <a:r>
+              <a:rPr lang="en-US" sz="4000" dirty="0"/>
+              <a:t>Ribbon Icon</a:t>
+            </a:r>
+          </a:p>
+        </p:txBody>
+      </p:sp>
       <p:grpSp>
         <p:nvGrpSpPr>
-          <p:cNvPr id="2" name="Group 1"/>
+          <p:cNvPr id="16" name="Group 15"/>
           <p:cNvGrpSpPr/>
           <p:nvPr/>
         </p:nvGrpSpPr>
@@ -3730,7 +3759,7 @@
         </p:grpSpPr>
         <p:grpSp>
           <p:nvGrpSpPr>
-            <p:cNvPr id="7" name="Group 6"/>
+            <p:cNvPr id="17" name="Group 16"/>
             <p:cNvGrpSpPr>
               <a:grpSpLocks/>
             </p:cNvGrpSpPr>
@@ -3746,7 +3775,7 @@
           </p:grpSpPr>
           <p:sp>
             <p:nvSpPr>
-              <p:cNvPr id="8" name="Rectangle 7"/>
+              <p:cNvPr id="21" name="Rectangle 20"/>
               <p:cNvSpPr/>
               <p:nvPr/>
             </p:nvSpPr>
@@ -3790,7 +3819,7 @@
           </p:sp>
           <p:sp>
             <p:nvSpPr>
-              <p:cNvPr id="9" name="Rectangle 4"/>
+              <p:cNvPr id="22" name="Rectangle 4"/>
               <p:cNvSpPr/>
               <p:nvPr/>
             </p:nvSpPr>
@@ -3884,7 +3913,7 @@
         </p:grpSp>
         <p:sp>
           <p:nvSpPr>
-            <p:cNvPr id="10" name="Rectangle 7"/>
+            <p:cNvPr id="18" name="Rectangle 7"/>
             <p:cNvSpPr>
               <a:spLocks/>
             </p:cNvSpPr>
@@ -3934,7 +3963,7 @@
         </p:sp>
         <p:sp>
           <p:nvSpPr>
-            <p:cNvPr id="11" name="Rectangle 7"/>
+            <p:cNvPr id="19" name="Rectangle 7"/>
             <p:cNvSpPr>
               <a:spLocks/>
             </p:cNvSpPr>
@@ -3984,7 +4013,7 @@
         </p:sp>
         <p:cxnSp>
           <p:nvCxnSpPr>
-            <p:cNvPr id="12" name="Straight Connector 11"/>
+            <p:cNvPr id="20" name="Straight Connector 19"/>
             <p:cNvCxnSpPr/>
             <p:nvPr/>
           </p:nvCxnSpPr>
@@ -3996,7 +4025,7 @@
             <a:prstGeom prst="line">
               <a:avLst/>
             </a:prstGeom>
-            <a:ln w="9525">
+            <a:ln w="22225">
               <a:solidFill>
                 <a:srgbClr val="0070C0"/>
               </a:solidFill>
@@ -4018,36 +4047,6 @@
           </p:style>
         </p:cxnSp>
       </p:grpSp>
-      <p:sp>
-        <p:nvSpPr>
-          <p:cNvPr id="4" name="TextBox 3"/>
-          <p:cNvSpPr txBox="1"/>
-          <p:nvPr/>
-        </p:nvSpPr>
-        <p:spPr>
-          <a:xfrm>
-            <a:off x="3243463" y="706170"/>
-            <a:ext cx="2657074" cy="707886"/>
-          </a:xfrm>
-          <a:prstGeom prst="rect">
-            <a:avLst/>
-          </a:prstGeom>
-          <a:noFill/>
-        </p:spPr>
-        <p:txBody>
-          <a:bodyPr wrap="none" rtlCol="0">
-            <a:spAutoFit/>
-          </a:bodyPr>
-          <a:lstStyle/>
-          <a:p>
-            <a:pPr algn="ctr"/>
-            <a:r>
-              <a:rPr lang="en-US" sz="4000" dirty="0"/>
-              <a:t>Ribbon Icon</a:t>
-            </a:r>
-          </a:p>
-        </p:txBody>
-      </p:sp>
     </p:spTree>
     <p:extLst>
       <p:ext uri="{BB962C8B-B14F-4D97-AF65-F5344CB8AC3E}">
@@ -4058,22 +4057,19 @@
   <p:clrMapOvr>
     <a:masterClrMapping/>
   </p:clrMapOvr>
+  <p:timing>
+    <p:tnLst>
+      <p:par>
+        <p:cTn id="1" dur="indefinite" restart="never" nodeType="tmRoot"/>
+      </p:par>
+    </p:tnLst>
+  </p:timing>
 </p:sld>
 </file>
 
 <file path=ppt/slides/slide2.xml><?xml version="1.0" encoding="utf-8"?>
 <p:sld xmlns:a="http://schemas.openxmlformats.org/drawingml/2006/main" xmlns:r="http://schemas.openxmlformats.org/officeDocument/2006/relationships" xmlns:p="http://schemas.openxmlformats.org/presentationml/2006/main">
   <p:cSld>
-    <p:bg>
-      <p:bgPr>
-        <a:solidFill>
-          <a:schemeClr val="bg1">
-            <a:lumMod val="95000"/>
-          </a:schemeClr>
-        </a:solidFill>
-        <a:effectLst/>
-      </p:bgPr>
-    </p:bg>
     <p:spTree>
       <p:nvGrpSpPr>
         <p:cNvPr id="1" name=""/>
@@ -4120,7 +4116,7 @@
       </p:sp>
       <p:grpSp>
         <p:nvGrpSpPr>
-          <p:cNvPr id="3" name="Group 2"/>
+          <p:cNvPr id="2" name="Group 1"/>
           <p:cNvGrpSpPr/>
           <p:nvPr/>
         </p:nvGrpSpPr>
@@ -4146,7 +4142,7 @@
             <a:prstGeom prst="line">
               <a:avLst/>
             </a:prstGeom>
-            <a:ln w="19050">
+            <a:ln w="25400">
               <a:solidFill>
                 <a:schemeClr val="tx1"/>
               </a:solidFill>
@@ -4182,7 +4178,7 @@
               <a:avLst/>
             </a:prstGeom>
             <a:solidFill>
-              <a:srgbClr val="E46B09"/>
+              <a:srgbClr val="EFA66B"/>
             </a:solidFill>
             <a:ln w="12700">
               <a:solidFill>
@@ -4277,11 +4273,12 @@
             <a:prstGeom prst="straightConnector1">
               <a:avLst/>
             </a:prstGeom>
-            <a:ln>
-              <a:solidFill>
-                <a:srgbClr val="0071C2"/>
-              </a:solidFill>
-              <a:tailEnd type="triangle"/>
+            <a:ln w="22225">
+              <a:solidFill>
+                <a:srgbClr val="0070C0"/>
+              </a:solidFill>
+              <a:headEnd w="med" len="sm"/>
+              <a:tailEnd type="triangle" w="med" len="med"/>
             </a:ln>
           </p:spPr>
           <p:style>
@@ -4422,7 +4419,7 @@
       </p:sp>
       <p:grpSp>
         <p:nvGrpSpPr>
-          <p:cNvPr id="6" name="Group 5"/>
+          <p:cNvPr id="17" name="Group 16"/>
           <p:cNvGrpSpPr/>
           <p:nvPr/>
         </p:nvGrpSpPr>
@@ -4448,7 +4445,7 @@
             <a:prstGeom prst="line">
               <a:avLst/>
             </a:prstGeom>
-            <a:ln w="19050">
+            <a:ln w="25400">
               <a:solidFill>
                 <a:schemeClr val="tx1"/>
               </a:solidFill>
@@ -4484,7 +4481,7 @@
               <a:avLst/>
             </a:prstGeom>
             <a:solidFill>
-              <a:srgbClr val="E46B09"/>
+              <a:srgbClr val="EFA66B"/>
             </a:solidFill>
             <a:ln w="12700">
               <a:solidFill>
@@ -4579,11 +4576,12 @@
             <a:prstGeom prst="straightConnector1">
               <a:avLst/>
             </a:prstGeom>
-            <a:ln>
-              <a:solidFill>
-                <a:srgbClr val="0071C2"/>
-              </a:solidFill>
-              <a:tailEnd type="triangle"/>
+            <a:ln w="22225">
+              <a:solidFill>
+                <a:srgbClr val="0070C0"/>
+              </a:solidFill>
+              <a:headEnd w="med" len="sm"/>
+              <a:tailEnd type="triangle" w="med" len="med"/>
             </a:ln>
           </p:spPr>
           <p:style>
@@ -4604,7 +4602,7 @@
       </p:grpSp>
       <p:grpSp>
         <p:nvGrpSpPr>
-          <p:cNvPr id="9" name="Group 8"/>
+          <p:cNvPr id="18" name="Group 17"/>
           <p:cNvGrpSpPr/>
           <p:nvPr/>
         </p:nvGrpSpPr>
@@ -4630,7 +4628,7 @@
             <a:prstGeom prst="line">
               <a:avLst/>
             </a:prstGeom>
-            <a:ln w="19050">
+            <a:ln w="25400">
               <a:solidFill>
                 <a:schemeClr val="tx1"/>
               </a:solidFill>
@@ -4666,7 +4664,7 @@
               <a:avLst/>
             </a:prstGeom>
             <a:solidFill>
-              <a:srgbClr val="E46B09"/>
+              <a:srgbClr val="EFA66B"/>
             </a:solidFill>
             <a:ln w="12700">
               <a:solidFill>
@@ -4761,11 +4759,12 @@
             <a:prstGeom prst="straightConnector1">
               <a:avLst/>
             </a:prstGeom>
-            <a:ln>
-              <a:solidFill>
-                <a:srgbClr val="0071C2"/>
-              </a:solidFill>
-              <a:tailEnd type="triangle"/>
+            <a:ln w="22225">
+              <a:solidFill>
+                <a:srgbClr val="0070C0"/>
+              </a:solidFill>
+              <a:headEnd w="med" len="sm"/>
+              <a:tailEnd type="triangle" w="med" len="med"/>
             </a:ln>
           </p:spPr>
           <p:style>
@@ -4786,7 +4785,7 @@
       </p:grpSp>
       <p:grpSp>
         <p:nvGrpSpPr>
-          <p:cNvPr id="11" name="Group 10"/>
+          <p:cNvPr id="19" name="Group 18"/>
           <p:cNvGrpSpPr/>
           <p:nvPr/>
         </p:nvGrpSpPr>
@@ -4812,7 +4811,7 @@
             <a:prstGeom prst="line">
               <a:avLst/>
             </a:prstGeom>
-            <a:ln w="19050">
+            <a:ln w="25400">
               <a:solidFill>
                 <a:schemeClr val="tx1"/>
               </a:solidFill>
@@ -4848,7 +4847,7 @@
               <a:avLst/>
             </a:prstGeom>
             <a:solidFill>
-              <a:srgbClr val="E46B09"/>
+              <a:srgbClr val="EFA66B"/>
             </a:solidFill>
             <a:ln w="12700">
               <a:solidFill>
@@ -4943,11 +4942,12 @@
             <a:prstGeom prst="straightConnector1">
               <a:avLst/>
             </a:prstGeom>
-            <a:ln>
-              <a:solidFill>
-                <a:srgbClr val="0071C2"/>
-              </a:solidFill>
-              <a:tailEnd type="triangle"/>
+            <a:ln w="22225">
+              <a:solidFill>
+                <a:srgbClr val="0070C0"/>
+              </a:solidFill>
+              <a:headEnd w="med" len="sm"/>
+              <a:tailEnd type="triangle" w="med" len="med"/>
             </a:ln>
           </p:spPr>
           <p:style>
@@ -5057,7 +5057,7 @@
       </p:sp>
       <p:grpSp>
         <p:nvGrpSpPr>
-          <p:cNvPr id="15" name="Group 14"/>
+          <p:cNvPr id="21" name="Group 20"/>
           <p:cNvGrpSpPr/>
           <p:nvPr/>
         </p:nvGrpSpPr>
@@ -5083,7 +5083,7 @@
             <a:prstGeom prst="line">
               <a:avLst/>
             </a:prstGeom>
-            <a:ln w="19050">
+            <a:ln w="25400">
               <a:solidFill>
                 <a:schemeClr val="tx1"/>
               </a:solidFill>
@@ -5119,7 +5119,7 @@
               <a:avLst/>
             </a:prstGeom>
             <a:solidFill>
-              <a:srgbClr val="E46B09"/>
+              <a:srgbClr val="EFA66B"/>
             </a:solidFill>
             <a:ln w="12700">
               <a:solidFill>
@@ -5203,7 +5203,7 @@
       </p:grpSp>
       <p:grpSp>
         <p:nvGrpSpPr>
-          <p:cNvPr id="16" name="Group 15"/>
+          <p:cNvPr id="22" name="Group 21"/>
           <p:cNvGrpSpPr/>
           <p:nvPr/>
         </p:nvGrpSpPr>
@@ -5229,7 +5229,7 @@
             <a:prstGeom prst="line">
               <a:avLst/>
             </a:prstGeom>
-            <a:ln w="19050">
+            <a:ln w="25400">
               <a:solidFill>
                 <a:schemeClr val="tx1"/>
               </a:solidFill>
@@ -5265,7 +5265,7 @@
               <a:avLst/>
             </a:prstGeom>
             <a:solidFill>
-              <a:srgbClr val="E46B09"/>
+              <a:srgbClr val="EFA66B"/>
             </a:solidFill>
             <a:ln w="12700">
               <a:solidFill>
@@ -5349,7 +5349,7 @@
       </p:grpSp>
       <p:grpSp>
         <p:nvGrpSpPr>
-          <p:cNvPr id="17" name="Group 16"/>
+          <p:cNvPr id="23" name="Group 22"/>
           <p:cNvGrpSpPr/>
           <p:nvPr/>
         </p:nvGrpSpPr>
@@ -5439,8 +5439,8 @@
           </p:nvSpPr>
           <p:spPr>
             <a:xfrm>
-              <a:off x="5180669" y="5764106"/>
-              <a:ext cx="476248" cy="209011"/>
+              <a:off x="5206069" y="5764106"/>
+              <a:ext cx="425448" cy="209011"/>
             </a:xfrm>
             <a:prstGeom prst="rect">
               <a:avLst/>
@@ -5487,14 +5487,14 @@
           </p:nvSpPr>
           <p:spPr>
             <a:xfrm>
-              <a:off x="5246604" y="5797922"/>
-              <a:ext cx="339617" cy="135363"/>
+              <a:off x="5272004" y="5797922"/>
+              <a:ext cx="288817" cy="135363"/>
             </a:xfrm>
             <a:prstGeom prst="rect">
               <a:avLst/>
             </a:prstGeom>
             <a:solidFill>
-              <a:srgbClr val="E46B09"/>
+              <a:srgbClr val="EFA66B"/>
             </a:solidFill>
             <a:ln w="12700">
               <a:solidFill>
@@ -5527,6 +5527,415 @@
             </a:p>
           </p:txBody>
         </p:sp>
+      </p:grpSp>
+      <p:sp>
+        <p:nvSpPr>
+          <p:cNvPr id="44" name="TextBox 43"/>
+          <p:cNvSpPr txBox="1">
+            <a:spLocks/>
+          </p:cNvSpPr>
+          <p:nvPr/>
+        </p:nvSpPr>
+        <p:spPr>
+          <a:xfrm>
+            <a:off x="7164217" y="4500700"/>
+            <a:ext cx="758541" cy="369332"/>
+          </a:xfrm>
+          <a:prstGeom prst="rect">
+            <a:avLst/>
+          </a:prstGeom>
+          <a:noFill/>
+        </p:spPr>
+        <p:txBody>
+          <a:bodyPr wrap="none" rtlCol="0">
+            <a:spAutoFit/>
+          </a:bodyPr>
+          <a:lstStyle/>
+          <a:p>
+            <a:r>
+              <a:rPr lang="en-US" dirty="0" smtClean="0"/>
+              <a:t>Radial</a:t>
+            </a:r>
+            <a:endParaRPr lang="en-US" dirty="0"/>
+          </a:p>
+        </p:txBody>
+      </p:sp>
+      <p:grpSp>
+        <p:nvGrpSpPr>
+          <p:cNvPr id="24" name="Group 23"/>
+          <p:cNvGrpSpPr/>
+          <p:nvPr/>
+        </p:nvGrpSpPr>
+        <p:grpSpPr>
+          <a:xfrm>
+            <a:off x="7223325" y="5522063"/>
+            <a:ext cx="726284" cy="677557"/>
+            <a:chOff x="7223325" y="5522063"/>
+            <a:chExt cx="726284" cy="677557"/>
+          </a:xfrm>
+        </p:grpSpPr>
+        <p:sp>
+          <p:nvSpPr>
+            <p:cNvPr id="61" name="Arc 60"/>
+            <p:cNvSpPr>
+              <a:spLocks noChangeAspect="1"/>
+            </p:cNvSpPr>
+            <p:nvPr/>
+          </p:nvSpPr>
+          <p:spPr>
+            <a:xfrm>
+              <a:off x="7223325" y="5522063"/>
+              <a:ext cx="677557" cy="677557"/>
+            </a:xfrm>
+            <a:prstGeom prst="arc">
+              <a:avLst>
+                <a:gd name="adj1" fmla="val 17926607"/>
+                <a:gd name="adj2" fmla="val 3692710"/>
+              </a:avLst>
+            </a:prstGeom>
+            <a:ln w="25400">
+              <a:solidFill>
+                <a:schemeClr val="tx1"/>
+              </a:solidFill>
+              <a:prstDash val="solid"/>
+              <a:headEnd type="none" w="med" len="med"/>
+              <a:tailEnd type="none" w="med" len="med"/>
+            </a:ln>
+          </p:spPr>
+          <p:style>
+            <a:lnRef idx="1">
+              <a:schemeClr val="accent1"/>
+            </a:lnRef>
+            <a:fillRef idx="0">
+              <a:schemeClr val="accent1"/>
+            </a:fillRef>
+            <a:effectRef idx="0">
+              <a:schemeClr val="accent1"/>
+            </a:effectRef>
+            <a:fontRef idx="minor">
+              <a:schemeClr val="tx1"/>
+            </a:fontRef>
+          </p:style>
+          <p:txBody>
+            <a:bodyPr rtlCol="0" anchor="ctr"/>
+            <a:lstStyle/>
+            <a:p>
+              <a:pPr algn="ctr"/>
+              <a:endParaRPr lang="en-US"/>
+            </a:p>
+          </p:txBody>
+        </p:sp>
+        <p:cxnSp>
+          <p:nvCxnSpPr>
+            <p:cNvPr id="56" name="Straight Connector 55"/>
+            <p:cNvCxnSpPr/>
+            <p:nvPr/>
+          </p:nvCxnSpPr>
+          <p:spPr>
+            <a:xfrm flipV="1">
+              <a:off x="7642026" y="5682971"/>
+              <a:ext cx="106248" cy="103252"/>
+            </a:xfrm>
+            <a:prstGeom prst="line">
+              <a:avLst/>
+            </a:prstGeom>
+            <a:ln w="19050" cap="flat">
+              <a:solidFill>
+                <a:srgbClr val="0070C0"/>
+              </a:solidFill>
+              <a:prstDash val="solid"/>
+              <a:round/>
+              <a:headEnd type="triangle" w="med" len="sm"/>
+              <a:tailEnd type="triangle" w="med" len="sm"/>
+            </a:ln>
+          </p:spPr>
+          <p:style>
+            <a:lnRef idx="1">
+              <a:schemeClr val="accent1"/>
+            </a:lnRef>
+            <a:fillRef idx="0">
+              <a:schemeClr val="accent1"/>
+            </a:fillRef>
+            <a:effectRef idx="0">
+              <a:schemeClr val="accent1"/>
+            </a:effectRef>
+            <a:fontRef idx="minor">
+              <a:schemeClr val="tx1"/>
+            </a:fontRef>
+          </p:style>
+        </p:cxnSp>
+        <p:sp>
+          <p:nvSpPr>
+            <p:cNvPr id="57" name="Oval 56"/>
+            <p:cNvSpPr/>
+            <p:nvPr/>
+          </p:nvSpPr>
+          <p:spPr>
+            <a:xfrm>
+              <a:off x="7471617" y="5771630"/>
+              <a:ext cx="180975" cy="180975"/>
+            </a:xfrm>
+            <a:prstGeom prst="ellipse">
+              <a:avLst/>
+            </a:prstGeom>
+            <a:solidFill>
+              <a:srgbClr val="EFA66B"/>
+            </a:solidFill>
+            <a:ln w="12700">
+              <a:solidFill>
+                <a:schemeClr val="tx1"/>
+              </a:solidFill>
+            </a:ln>
+          </p:spPr>
+          <p:style>
+            <a:lnRef idx="2">
+              <a:schemeClr val="accent1">
+                <a:shade val="50000"/>
+              </a:schemeClr>
+            </a:lnRef>
+            <a:fillRef idx="1">
+              <a:schemeClr val="accent1"/>
+            </a:fillRef>
+            <a:effectRef idx="0">
+              <a:schemeClr val="accent1"/>
+            </a:effectRef>
+            <a:fontRef idx="minor">
+              <a:schemeClr val="lt1"/>
+            </a:fontRef>
+          </p:style>
+          <p:txBody>
+            <a:bodyPr rtlCol="0" anchor="ctr"/>
+            <a:lstStyle/>
+            <a:p>
+              <a:pPr algn="ctr"/>
+              <a:endParaRPr lang="en-US"/>
+            </a:p>
+          </p:txBody>
+        </p:sp>
+        <p:sp>
+          <p:nvSpPr>
+            <p:cNvPr id="58" name="Oval 57"/>
+            <p:cNvSpPr/>
+            <p:nvPr/>
+          </p:nvSpPr>
+          <p:spPr>
+            <a:xfrm>
+              <a:off x="7737660" y="5565026"/>
+              <a:ext cx="121956" cy="121956"/>
+            </a:xfrm>
+            <a:prstGeom prst="ellipse">
+              <a:avLst/>
+            </a:prstGeom>
+            <a:solidFill>
+              <a:schemeClr val="bg1">
+                <a:lumMod val="65000"/>
+              </a:schemeClr>
+            </a:solidFill>
+            <a:ln w="12700">
+              <a:solidFill>
+                <a:schemeClr val="tx1"/>
+              </a:solidFill>
+            </a:ln>
+          </p:spPr>
+          <p:style>
+            <a:lnRef idx="2">
+              <a:schemeClr val="accent1">
+                <a:shade val="50000"/>
+              </a:schemeClr>
+            </a:lnRef>
+            <a:fillRef idx="1">
+              <a:schemeClr val="accent1"/>
+            </a:fillRef>
+            <a:effectRef idx="0">
+              <a:schemeClr val="accent1"/>
+            </a:effectRef>
+            <a:fontRef idx="minor">
+              <a:schemeClr val="lt1"/>
+            </a:fontRef>
+          </p:style>
+          <p:txBody>
+            <a:bodyPr rtlCol="0" anchor="ctr"/>
+            <a:lstStyle/>
+            <a:p>
+              <a:pPr algn="ctr"/>
+              <a:endParaRPr lang="en-US"/>
+            </a:p>
+          </p:txBody>
+        </p:sp>
+        <p:sp>
+          <p:nvSpPr>
+            <p:cNvPr id="59" name="Oval 58"/>
+            <p:cNvSpPr/>
+            <p:nvPr/>
+          </p:nvSpPr>
+          <p:spPr>
+            <a:xfrm>
+              <a:off x="7827653" y="5729862"/>
+              <a:ext cx="121956" cy="121956"/>
+            </a:xfrm>
+            <a:prstGeom prst="ellipse">
+              <a:avLst/>
+            </a:prstGeom>
+            <a:solidFill>
+              <a:schemeClr val="bg1"/>
+            </a:solidFill>
+            <a:ln w="12700">
+              <a:solidFill>
+                <a:schemeClr val="tx1"/>
+              </a:solidFill>
+            </a:ln>
+          </p:spPr>
+          <p:style>
+            <a:lnRef idx="2">
+              <a:schemeClr val="accent1">
+                <a:shade val="50000"/>
+              </a:schemeClr>
+            </a:lnRef>
+            <a:fillRef idx="1">
+              <a:schemeClr val="accent1"/>
+            </a:fillRef>
+            <a:effectRef idx="0">
+              <a:schemeClr val="accent1"/>
+            </a:effectRef>
+            <a:fontRef idx="minor">
+              <a:schemeClr val="lt1"/>
+            </a:fontRef>
+          </p:style>
+          <p:txBody>
+            <a:bodyPr rtlCol="0" anchor="ctr"/>
+            <a:lstStyle/>
+            <a:p>
+              <a:pPr algn="ctr"/>
+              <a:endParaRPr lang="en-US"/>
+            </a:p>
+          </p:txBody>
+        </p:sp>
+        <p:sp>
+          <p:nvSpPr>
+            <p:cNvPr id="60" name="Oval 59"/>
+            <p:cNvSpPr/>
+            <p:nvPr/>
+          </p:nvSpPr>
+          <p:spPr>
+            <a:xfrm>
+              <a:off x="7744263" y="6030448"/>
+              <a:ext cx="121956" cy="121956"/>
+            </a:xfrm>
+            <a:prstGeom prst="ellipse">
+              <a:avLst/>
+            </a:prstGeom>
+            <a:solidFill>
+              <a:schemeClr val="bg1"/>
+            </a:solidFill>
+            <a:ln w="12700">
+              <a:solidFill>
+                <a:schemeClr val="tx1"/>
+              </a:solidFill>
+            </a:ln>
+          </p:spPr>
+          <p:style>
+            <a:lnRef idx="2">
+              <a:schemeClr val="accent1">
+                <a:shade val="50000"/>
+              </a:schemeClr>
+            </a:lnRef>
+            <a:fillRef idx="1">
+              <a:schemeClr val="accent1"/>
+            </a:fillRef>
+            <a:effectRef idx="0">
+              <a:schemeClr val="accent1"/>
+            </a:effectRef>
+            <a:fontRef idx="minor">
+              <a:schemeClr val="lt1"/>
+            </a:fontRef>
+          </p:style>
+          <p:txBody>
+            <a:bodyPr rtlCol="0" anchor="ctr"/>
+            <a:lstStyle/>
+            <a:p>
+              <a:pPr algn="ctr"/>
+              <a:endParaRPr lang="en-US"/>
+            </a:p>
+          </p:txBody>
+        </p:sp>
+        <p:cxnSp>
+          <p:nvCxnSpPr>
+            <p:cNvPr id="122" name="Straight Connector 121"/>
+            <p:cNvCxnSpPr/>
+            <p:nvPr/>
+          </p:nvCxnSpPr>
+          <p:spPr>
+            <a:xfrm rot="2021602" flipV="1">
+              <a:off x="7690752" y="5775013"/>
+              <a:ext cx="106248" cy="103252"/>
+            </a:xfrm>
+            <a:prstGeom prst="line">
+              <a:avLst/>
+            </a:prstGeom>
+            <a:ln w="19050" cap="flat">
+              <a:solidFill>
+                <a:srgbClr val="0070C0"/>
+              </a:solidFill>
+              <a:prstDash val="solid"/>
+              <a:round/>
+              <a:headEnd type="triangle" w="med" len="sm"/>
+              <a:tailEnd type="triangle" w="med" len="sm"/>
+            </a:ln>
+          </p:spPr>
+          <p:style>
+            <a:lnRef idx="1">
+              <a:schemeClr val="accent1"/>
+            </a:lnRef>
+            <a:fillRef idx="0">
+              <a:schemeClr val="accent1"/>
+            </a:fillRef>
+            <a:effectRef idx="0">
+              <a:schemeClr val="accent1"/>
+            </a:effectRef>
+            <a:fontRef idx="minor">
+              <a:schemeClr val="tx1"/>
+            </a:fontRef>
+          </p:style>
+        </p:cxnSp>
+        <p:cxnSp>
+          <p:nvCxnSpPr>
+            <p:cNvPr id="123" name="Straight Connector 122"/>
+            <p:cNvCxnSpPr/>
+            <p:nvPr/>
+          </p:nvCxnSpPr>
+          <p:spPr>
+            <a:xfrm rot="5313354" flipV="1">
+              <a:off x="7645472" y="5940134"/>
+              <a:ext cx="106248" cy="103252"/>
+            </a:xfrm>
+            <a:prstGeom prst="line">
+              <a:avLst/>
+            </a:prstGeom>
+            <a:ln w="19050" cap="flat">
+              <a:solidFill>
+                <a:srgbClr val="0070C0"/>
+              </a:solidFill>
+              <a:prstDash val="solid"/>
+              <a:round/>
+              <a:headEnd type="triangle" w="med" len="sm"/>
+              <a:tailEnd type="triangle" w="med" len="sm"/>
+            </a:ln>
+          </p:spPr>
+          <p:style>
+            <a:lnRef idx="1">
+              <a:schemeClr val="accent1"/>
+            </a:lnRef>
+            <a:fillRef idx="0">
+              <a:schemeClr val="accent1"/>
+            </a:fillRef>
+            <a:effectRef idx="0">
+              <a:schemeClr val="accent1"/>
+            </a:effectRef>
+            <a:fontRef idx="minor">
+              <a:schemeClr val="tx1"/>
+            </a:fontRef>
+          </p:style>
+        </p:cxnSp>
       </p:grpSp>
     </p:spTree>
     <p:extLst>
@@ -5538,22 +5947,19 @@
   <p:clrMapOvr>
     <a:masterClrMapping/>
   </p:clrMapOvr>
+  <p:timing>
+    <p:tnLst>
+      <p:par>
+        <p:cTn id="1" dur="indefinite" restart="never" nodeType="tmRoot"/>
+      </p:par>
+    </p:tnLst>
+  </p:timing>
 </p:sld>
 </file>
 
 <file path=ppt/slides/slide3.xml><?xml version="1.0" encoding="utf-8"?>
 <p:sld xmlns:a="http://schemas.openxmlformats.org/drawingml/2006/main" xmlns:r="http://schemas.openxmlformats.org/officeDocument/2006/relationships" xmlns:p="http://schemas.openxmlformats.org/presentationml/2006/main">
   <p:cSld>
-    <p:bg>
-      <p:bgPr>
-        <a:solidFill>
-          <a:schemeClr val="bg1">
-            <a:lumMod val="95000"/>
-          </a:schemeClr>
-        </a:solidFill>
-        <a:effectLst/>
-      </p:bgPr>
-    </p:bg>
     <p:spTree>
       <p:nvGrpSpPr>
         <p:cNvPr id="1" name=""/>
@@ -5600,7 +6006,7 @@
       </p:sp>
       <p:grpSp>
         <p:nvGrpSpPr>
-          <p:cNvPr id="7" name="Group 6"/>
+          <p:cNvPr id="2" name="Group 1"/>
           <p:cNvGrpSpPr/>
           <p:nvPr/>
         </p:nvGrpSpPr>
@@ -5608,7 +6014,7 @@
           <a:xfrm>
             <a:off x="1021123" y="5055617"/>
             <a:ext cx="380270" cy="476250"/>
-            <a:chOff x="3888581" y="3153770"/>
+            <a:chOff x="1021123" y="5055617"/>
             <a:chExt cx="380270" cy="476250"/>
           </a:xfrm>
         </p:grpSpPr>
@@ -5620,14 +6026,14 @@
           </p:nvSpPr>
           <p:spPr>
             <a:xfrm>
-              <a:off x="3888581" y="3169444"/>
+              <a:off x="1021123" y="5071291"/>
               <a:ext cx="130969" cy="333376"/>
             </a:xfrm>
             <a:prstGeom prst="rect">
               <a:avLst/>
             </a:prstGeom>
             <a:solidFill>
-              <a:srgbClr val="E46B09"/>
+              <a:srgbClr val="EFA66B"/>
             </a:solidFill>
             <a:ln w="12700">
               <a:solidFill>
@@ -5668,7 +6074,7 @@
           </p:nvSpPr>
           <p:spPr>
             <a:xfrm>
-              <a:off x="4019550" y="3153770"/>
+              <a:off x="1152092" y="5055617"/>
               <a:ext cx="123826" cy="476250"/>
             </a:xfrm>
             <a:prstGeom prst="rect">
@@ -5716,14 +6122,14 @@
           </p:nvSpPr>
           <p:spPr>
             <a:xfrm>
-              <a:off x="4142645" y="3276599"/>
+              <a:off x="1275187" y="5178446"/>
               <a:ext cx="126206" cy="328613"/>
             </a:xfrm>
             <a:prstGeom prst="rect">
               <a:avLst/>
             </a:prstGeom>
             <a:solidFill>
-              <a:srgbClr val="0070C0"/>
+              <a:schemeClr val="bg1"/>
             </a:solidFill>
             <a:ln w="12700">
               <a:solidFill>
@@ -5764,11 +6170,11 @@
           <p:nvPr/>
         </p:nvGrpSpPr>
         <p:grpSpPr>
-          <a:xfrm rot="5400000">
-            <a:off x="5551230" y="5007627"/>
-            <a:ext cx="380270" cy="476250"/>
-            <a:chOff x="3888581" y="3153770"/>
-            <a:chExt cx="380270" cy="476250"/>
+          <a:xfrm>
+            <a:off x="5503240" y="5055617"/>
+            <a:ext cx="476250" cy="380271"/>
+            <a:chOff x="5503240" y="5055617"/>
+            <a:chExt cx="476250" cy="380271"/>
           </a:xfrm>
         </p:grpSpPr>
         <p:sp>
@@ -5778,15 +6184,15 @@
             <p:nvPr/>
           </p:nvSpPr>
           <p:spPr>
-            <a:xfrm>
-              <a:off x="3888581" y="3169444"/>
+            <a:xfrm rot="5400000">
+              <a:off x="5731644" y="4954414"/>
               <a:ext cx="130969" cy="333376"/>
             </a:xfrm>
             <a:prstGeom prst="rect">
               <a:avLst/>
             </a:prstGeom>
             <a:solidFill>
-              <a:srgbClr val="E46B09"/>
+              <a:srgbClr val="EFA66B"/>
             </a:solidFill>
             <a:ln w="12700">
               <a:solidFill>
@@ -5826,8 +6232,8 @@
             <p:nvPr/>
           </p:nvSpPr>
           <p:spPr>
-            <a:xfrm>
-              <a:off x="4019550" y="3153770"/>
+            <a:xfrm rot="5400000">
+              <a:off x="5679452" y="5010374"/>
               <a:ext cx="123826" cy="476250"/>
             </a:xfrm>
             <a:prstGeom prst="rect">
@@ -5874,15 +6280,15 @@
             <p:nvPr/>
           </p:nvSpPr>
           <p:spPr>
-            <a:xfrm>
-              <a:off x="4142645" y="3276599"/>
+            <a:xfrm rot="5400000">
+              <a:off x="5629252" y="5208478"/>
               <a:ext cx="126206" cy="328613"/>
             </a:xfrm>
             <a:prstGeom prst="rect">
               <a:avLst/>
             </a:prstGeom>
             <a:solidFill>
-              <a:srgbClr val="0070C0"/>
+              <a:schemeClr val="bg1"/>
             </a:solidFill>
             <a:ln w="12700">
               <a:solidFill>
@@ -5918,16 +6324,16 @@
       </p:grpSp>
       <p:grpSp>
         <p:nvGrpSpPr>
-          <p:cNvPr id="39" name="Group 38"/>
+          <p:cNvPr id="7" name="Group 6"/>
           <p:cNvGrpSpPr/>
           <p:nvPr/>
         </p:nvGrpSpPr>
         <p:grpSpPr>
           <a:xfrm>
-            <a:off x="3243771" y="5055617"/>
-            <a:ext cx="499041" cy="476250"/>
-            <a:chOff x="3587666" y="3456189"/>
-            <a:chExt cx="499041" cy="476250"/>
+            <a:off x="3218819" y="5055617"/>
+            <a:ext cx="548945" cy="476250"/>
+            <a:chOff x="3218819" y="5055617"/>
+            <a:chExt cx="548945" cy="476250"/>
           </a:xfrm>
         </p:grpSpPr>
         <p:cxnSp>
@@ -5938,8 +6344,8 @@
           </p:nvCxnSpPr>
           <p:spPr>
             <a:xfrm>
-              <a:off x="3587666" y="3694314"/>
-              <a:ext cx="499041" cy="0"/>
+              <a:off x="3218819" y="5293742"/>
+              <a:ext cx="548945" cy="0"/>
             </a:xfrm>
             <a:prstGeom prst="line">
               <a:avLst/>
@@ -5973,14 +6379,14 @@
           </p:nvSpPr>
           <p:spPr>
             <a:xfrm>
-              <a:off x="3640783" y="3527626"/>
+              <a:off x="3296888" y="5127054"/>
               <a:ext cx="130969" cy="333376"/>
             </a:xfrm>
             <a:prstGeom prst="rect">
               <a:avLst/>
             </a:prstGeom>
             <a:solidFill>
-              <a:srgbClr val="E46B09"/>
+              <a:srgbClr val="EFA66B"/>
             </a:solidFill>
             <a:ln w="12700">
               <a:solidFill>
@@ -6021,7 +6427,7 @@
           </p:nvSpPr>
           <p:spPr>
             <a:xfrm>
-              <a:off x="3771752" y="3456189"/>
+              <a:off x="3427857" y="5055617"/>
               <a:ext cx="123826" cy="476250"/>
             </a:xfrm>
             <a:prstGeom prst="rect">
@@ -6069,14 +6475,14 @@
           </p:nvSpPr>
           <p:spPr>
             <a:xfrm>
-              <a:off x="3894847" y="3530007"/>
+              <a:off x="3550952" y="5129435"/>
               <a:ext cx="126206" cy="328613"/>
             </a:xfrm>
             <a:prstGeom prst="rect">
               <a:avLst/>
             </a:prstGeom>
             <a:solidFill>
-              <a:srgbClr val="0070C0"/>
+              <a:schemeClr val="bg1"/>
             </a:solidFill>
             <a:ln w="12700">
               <a:solidFill>
@@ -6112,16 +6518,16 @@
       </p:grpSp>
       <p:grpSp>
         <p:nvGrpSpPr>
-          <p:cNvPr id="40" name="Group 39"/>
+          <p:cNvPr id="12" name="Group 11"/>
           <p:cNvGrpSpPr/>
           <p:nvPr/>
         </p:nvGrpSpPr>
         <p:grpSpPr>
-          <a:xfrm rot="5400000">
-            <a:off x="7384006" y="5067013"/>
-            <a:ext cx="499041" cy="476250"/>
-            <a:chOff x="3587666" y="3456189"/>
-            <a:chExt cx="499041" cy="476250"/>
+          <a:xfrm>
+            <a:off x="7395402" y="5030665"/>
+            <a:ext cx="476250" cy="548945"/>
+            <a:chOff x="7395402" y="5030665"/>
+            <a:chExt cx="476250" cy="548945"/>
           </a:xfrm>
         </p:grpSpPr>
         <p:cxnSp>
@@ -6131,9 +6537,9 @@
             <p:nvPr/>
           </p:nvCxnSpPr>
           <p:spPr>
-            <a:xfrm>
-              <a:off x="3587666" y="3694314"/>
-              <a:ext cx="499041" cy="0"/>
+            <a:xfrm rot="5400000">
+              <a:off x="7359054" y="5305138"/>
+              <a:ext cx="548945" cy="0"/>
             </a:xfrm>
             <a:prstGeom prst="line">
               <a:avLst/>
@@ -6166,15 +6572,15 @@
             <p:nvPr/>
           </p:nvSpPr>
           <p:spPr>
-            <a:xfrm>
-              <a:off x="3640783" y="3527626"/>
+            <a:xfrm rot="5400000">
+              <a:off x="7568042" y="5007531"/>
               <a:ext cx="130969" cy="333376"/>
             </a:xfrm>
             <a:prstGeom prst="rect">
               <a:avLst/>
             </a:prstGeom>
             <a:solidFill>
-              <a:srgbClr val="E46B09"/>
+              <a:srgbClr val="EFA66B"/>
             </a:solidFill>
             <a:ln w="12700">
               <a:solidFill>
@@ -6214,8 +6620,8 @@
             <p:nvPr/>
           </p:nvSpPr>
           <p:spPr>
-            <a:xfrm>
-              <a:off x="3771752" y="3456189"/>
+            <a:xfrm rot="5400000">
+              <a:off x="7571614" y="5063492"/>
               <a:ext cx="123826" cy="476250"/>
             </a:xfrm>
             <a:prstGeom prst="rect">
@@ -6262,15 +6668,15 @@
             <p:nvPr/>
           </p:nvSpPr>
           <p:spPr>
-            <a:xfrm>
-              <a:off x="3894847" y="3530007"/>
+            <a:xfrm rot="5400000">
+              <a:off x="7570424" y="5261595"/>
               <a:ext cx="126206" cy="328613"/>
             </a:xfrm>
             <a:prstGeom prst="rect">
               <a:avLst/>
             </a:prstGeom>
             <a:solidFill>
-              <a:srgbClr val="0070C0"/>
+              <a:schemeClr val="bg1"/>
             </a:solidFill>
             <a:ln w="12700">
               <a:solidFill>
@@ -6430,22 +6836,19 @@
   <p:clrMapOvr>
     <a:masterClrMapping/>
   </p:clrMapOvr>
+  <p:timing>
+    <p:tnLst>
+      <p:par>
+        <p:cTn id="1" dur="indefinite" restart="never" nodeType="tmRoot"/>
+      </p:par>
+    </p:tnLst>
+  </p:timing>
 </p:sld>
 </file>
 
 <file path=ppt/slides/slide4.xml><?xml version="1.0" encoding="utf-8"?>
 <p:sld xmlns:a="http://schemas.openxmlformats.org/drawingml/2006/main" xmlns:r="http://schemas.openxmlformats.org/officeDocument/2006/relationships" xmlns:p="http://schemas.openxmlformats.org/presentationml/2006/main">
   <p:cSld>
-    <p:bg>
-      <p:bgPr>
-        <a:solidFill>
-          <a:schemeClr val="bg1">
-            <a:lumMod val="95000"/>
-          </a:schemeClr>
-        </a:solidFill>
-        <a:effectLst/>
-      </p:bgPr>
-    </p:bg>
     <p:spTree>
       <p:nvGrpSpPr>
         <p:cNvPr id="1" name=""/>
@@ -6620,7 +7023,7 @@
           <a:xfrm>
             <a:off x="3050968" y="3381048"/>
             <a:ext cx="475380" cy="547687"/>
-            <a:chOff x="3050968" y="5002040"/>
+            <a:chOff x="3050968" y="3381048"/>
             <a:chExt cx="475380" cy="547687"/>
           </a:xfrm>
         </p:grpSpPr>
@@ -6632,7 +7035,7 @@
           </p:nvCxnSpPr>
           <p:spPr>
             <a:xfrm>
-              <a:off x="3288406" y="5002040"/>
+              <a:off x="3288406" y="3381048"/>
               <a:ext cx="0" cy="547687"/>
             </a:xfrm>
             <a:prstGeom prst="line">
@@ -6667,14 +7070,14 @@
           </p:nvSpPr>
           <p:spPr>
             <a:xfrm>
-              <a:off x="3158124" y="5030616"/>
-              <a:ext cx="251039" cy="123824"/>
+              <a:off x="3158124" y="3422324"/>
+              <a:ext cx="251039" cy="98424"/>
             </a:xfrm>
             <a:prstGeom prst="rect">
               <a:avLst/>
             </a:prstGeom>
             <a:solidFill>
-              <a:schemeClr val="bg1"/>
+              <a:srgbClr val="EFA66B"/>
             </a:solidFill>
             <a:ln w="12700">
               <a:solidFill>
@@ -6715,8 +7118,8 @@
           </p:nvSpPr>
           <p:spPr>
             <a:xfrm>
-              <a:off x="3050968" y="5202064"/>
-              <a:ext cx="475380" cy="134818"/>
+              <a:off x="3050968" y="3593772"/>
+              <a:ext cx="475380" cy="109418"/>
             </a:xfrm>
             <a:prstGeom prst="rect">
               <a:avLst/>
@@ -6763,14 +7166,16 @@
           </p:nvSpPr>
           <p:spPr>
             <a:xfrm>
-              <a:off x="3112391" y="5371104"/>
-              <a:ext cx="335376" cy="134845"/>
+              <a:off x="3112391" y="3762812"/>
+              <a:ext cx="335376" cy="109445"/>
             </a:xfrm>
             <a:prstGeom prst="rect">
               <a:avLst/>
             </a:prstGeom>
             <a:solidFill>
-              <a:schemeClr val="bg1"/>
+              <a:schemeClr val="bg1">
+                <a:lumMod val="65000"/>
+              </a:schemeClr>
             </a:solidFill>
             <a:ln w="12700">
               <a:solidFill>
@@ -6806,7 +7211,7 @@
       </p:grpSp>
       <p:grpSp>
         <p:nvGrpSpPr>
-          <p:cNvPr id="7" name="Group 6"/>
+          <p:cNvPr id="14" name="Group 13"/>
           <p:cNvGrpSpPr/>
           <p:nvPr/>
         </p:nvGrpSpPr>
@@ -6814,7 +7219,7 @@
           <a:xfrm>
             <a:off x="1145012" y="3344895"/>
             <a:ext cx="547687" cy="475380"/>
-            <a:chOff x="1145012" y="4965887"/>
+            <a:chOff x="1145012" y="3344895"/>
             <a:chExt cx="547687" cy="475380"/>
           </a:xfrm>
         </p:grpSpPr>
@@ -6826,7 +7231,7 @@
           </p:nvCxnSpPr>
           <p:spPr>
             <a:xfrm rot="5400000">
-              <a:off x="1418856" y="4929481"/>
+              <a:off x="1418856" y="3308489"/>
               <a:ext cx="0" cy="547687"/>
             </a:xfrm>
             <a:prstGeom prst="line">
@@ -6861,14 +7266,16 @@
           </p:nvSpPr>
           <p:spPr>
             <a:xfrm rot="5400000">
-              <a:off x="1476692" y="5136650"/>
-              <a:ext cx="251039" cy="123824"/>
+              <a:off x="1476692" y="3528358"/>
+              <a:ext cx="251039" cy="98424"/>
             </a:xfrm>
             <a:prstGeom prst="rect">
               <a:avLst/>
             </a:prstGeom>
             <a:solidFill>
-              <a:schemeClr val="bg1"/>
+              <a:schemeClr val="bg1">
+                <a:lumMod val="65000"/>
+              </a:schemeClr>
             </a:solidFill>
             <a:ln w="12700">
               <a:solidFill>
@@ -6909,8 +7316,8 @@
           </p:nvSpPr>
           <p:spPr>
             <a:xfrm rot="5400000">
-              <a:off x="1187577" y="5136168"/>
-              <a:ext cx="475380" cy="134818"/>
+              <a:off x="1194277" y="3527876"/>
+              <a:ext cx="475380" cy="109418"/>
             </a:xfrm>
             <a:prstGeom prst="rect">
               <a:avLst/>
@@ -6957,14 +7364,14 @@
           </p:nvSpPr>
           <p:spPr>
             <a:xfrm rot="5400000">
-              <a:off x="1088525" y="5127575"/>
-              <a:ext cx="335376" cy="134845"/>
+              <a:off x="1088525" y="3519283"/>
+              <a:ext cx="335376" cy="109445"/>
             </a:xfrm>
             <a:prstGeom prst="rect">
               <a:avLst/>
             </a:prstGeom>
             <a:solidFill>
-              <a:schemeClr val="bg1"/>
+              <a:srgbClr val="EFA66B"/>
             </a:solidFill>
             <a:ln w="12700">
               <a:solidFill>
@@ -7008,7 +7415,7 @@
           <a:xfrm>
             <a:off x="5330312" y="3350853"/>
             <a:ext cx="584418" cy="608076"/>
-            <a:chOff x="5330312" y="4971845"/>
+            <a:chOff x="5330312" y="3350853"/>
             <a:chExt cx="584418" cy="608076"/>
           </a:xfrm>
         </p:grpSpPr>
@@ -7020,7 +7427,7 @@
           </p:nvCxnSpPr>
           <p:spPr>
             <a:xfrm>
-              <a:off x="5330312" y="4971845"/>
+              <a:off x="5330312" y="3350853"/>
               <a:ext cx="584418" cy="608076"/>
             </a:xfrm>
             <a:prstGeom prst="line">
@@ -7055,14 +7462,14 @@
           </p:nvSpPr>
           <p:spPr>
             <a:xfrm>
-              <a:off x="5353969" y="5020280"/>
-              <a:ext cx="251039" cy="123824"/>
+              <a:off x="5353969" y="3411988"/>
+              <a:ext cx="251039" cy="98424"/>
             </a:xfrm>
             <a:prstGeom prst="rect">
               <a:avLst/>
             </a:prstGeom>
             <a:solidFill>
-              <a:schemeClr val="bg1"/>
+              <a:srgbClr val="EFA66B"/>
             </a:solidFill>
             <a:ln w="12700">
               <a:solidFill>
@@ -7103,8 +7510,8 @@
           </p:nvSpPr>
           <p:spPr>
             <a:xfrm>
-              <a:off x="5391726" y="5202063"/>
-              <a:ext cx="475380" cy="134818"/>
+              <a:off x="5391726" y="3593771"/>
+              <a:ext cx="475380" cy="109418"/>
             </a:xfrm>
             <a:prstGeom prst="rect">
               <a:avLst/>
@@ -7151,14 +7558,16 @@
           </p:nvSpPr>
           <p:spPr>
             <a:xfrm>
-              <a:off x="5579354" y="5390151"/>
-              <a:ext cx="335376" cy="134845"/>
+              <a:off x="5579354" y="3781859"/>
+              <a:ext cx="335376" cy="109445"/>
             </a:xfrm>
             <a:prstGeom prst="rect">
               <a:avLst/>
             </a:prstGeom>
             <a:solidFill>
-              <a:schemeClr val="bg1"/>
+              <a:schemeClr val="bg1">
+                <a:lumMod val="65000"/>
+              </a:schemeClr>
             </a:solidFill>
             <a:ln w="12700">
               <a:solidFill>
@@ -7202,7 +7611,7 @@
           <a:xfrm>
             <a:off x="7619772" y="3378666"/>
             <a:ext cx="608076" cy="552450"/>
-            <a:chOff x="7619772" y="4999658"/>
+            <a:chOff x="7619772" y="3378666"/>
             <a:chExt cx="608076" cy="552450"/>
           </a:xfrm>
         </p:grpSpPr>
@@ -7214,13 +7623,13 @@
           </p:nvCxnSpPr>
           <p:spPr>
             <a:xfrm>
-              <a:off x="7775231" y="4999658"/>
+              <a:off x="7775231" y="3378666"/>
               <a:ext cx="0" cy="552450"/>
             </a:xfrm>
             <a:prstGeom prst="line">
               <a:avLst/>
             </a:prstGeom>
-            <a:ln>
+            <a:ln w="25400">
               <a:solidFill>
                 <a:schemeClr val="tx1"/>
               </a:solidFill>
@@ -7249,13 +7658,13 @@
           </p:nvCxnSpPr>
           <p:spPr>
             <a:xfrm>
-              <a:off x="8070506" y="4999658"/>
+              <a:off x="8070506" y="3378666"/>
               <a:ext cx="0" cy="552450"/>
             </a:xfrm>
             <a:prstGeom prst="line">
               <a:avLst/>
             </a:prstGeom>
-            <a:ln>
+            <a:ln w="25400">
               <a:solidFill>
                 <a:schemeClr val="tx1"/>
               </a:solidFill>
@@ -7284,13 +7693,13 @@
           </p:nvCxnSpPr>
           <p:spPr>
             <a:xfrm flipH="1">
-              <a:off x="7619772" y="5404471"/>
+              <a:off x="7619772" y="3783479"/>
               <a:ext cx="608076" cy="0"/>
             </a:xfrm>
             <a:prstGeom prst="line">
               <a:avLst/>
             </a:prstGeom>
-            <a:ln>
+            <a:ln w="25400">
               <a:solidFill>
                 <a:schemeClr val="tx1"/>
               </a:solidFill>
@@ -7319,13 +7728,13 @@
           </p:nvCxnSpPr>
           <p:spPr>
             <a:xfrm flipH="1">
-              <a:off x="7619772" y="5159202"/>
+              <a:off x="7619772" y="3538210"/>
               <a:ext cx="608076" cy="0"/>
             </a:xfrm>
             <a:prstGeom prst="line">
               <a:avLst/>
             </a:prstGeom>
-            <a:ln>
+            <a:ln w="25400">
               <a:solidFill>
                 <a:schemeClr val="tx1"/>
               </a:solidFill>
@@ -7354,14 +7763,14 @@
           </p:nvSpPr>
           <p:spPr>
             <a:xfrm>
-              <a:off x="7671831" y="5076658"/>
+              <a:off x="7671831" y="3455666"/>
               <a:ext cx="214222" cy="145255"/>
             </a:xfrm>
             <a:prstGeom prst="rect">
               <a:avLst/>
             </a:prstGeom>
             <a:solidFill>
-              <a:schemeClr val="bg1"/>
+              <a:srgbClr val="EFA66B"/>
             </a:solidFill>
             <a:ln w="12700">
               <a:solidFill>
@@ -7402,7 +7811,7 @@
           </p:nvSpPr>
           <p:spPr>
             <a:xfrm>
-              <a:off x="7959253" y="5076657"/>
+              <a:off x="7959253" y="3455665"/>
               <a:ext cx="214222" cy="145255"/>
             </a:xfrm>
             <a:prstGeom prst="rect">
@@ -7450,7 +7859,7 @@
           </p:nvSpPr>
           <p:spPr>
             <a:xfrm>
-              <a:off x="7671833" y="5324314"/>
+              <a:off x="7671833" y="3703322"/>
               <a:ext cx="214222" cy="145255"/>
             </a:xfrm>
             <a:prstGeom prst="rect">
@@ -7498,14 +7907,16 @@
           </p:nvSpPr>
           <p:spPr>
             <a:xfrm>
-              <a:off x="7959255" y="5324313"/>
+              <a:off x="7959255" y="3703321"/>
               <a:ext cx="214222" cy="145255"/>
             </a:xfrm>
             <a:prstGeom prst="rect">
               <a:avLst/>
             </a:prstGeom>
             <a:solidFill>
-              <a:schemeClr val="bg1"/>
+              <a:schemeClr val="bg1">
+                <a:lumMod val="65000"/>
+              </a:schemeClr>
             </a:solidFill>
             <a:ln w="12700">
               <a:solidFill>
@@ -7547,8 +7958,8 @@
         </p:nvSpPr>
         <p:spPr>
           <a:xfrm>
-            <a:off x="1024271" y="4682010"/>
-            <a:ext cx="716863" cy="369332"/>
+            <a:off x="1003432" y="4682010"/>
+            <a:ext cx="758541" cy="369332"/>
           </a:xfrm>
           <a:prstGeom prst="rect">
             <a:avLst/>
@@ -7564,7 +7975,7 @@
             <a:pPr algn="ctr"/>
             <a:r>
               <a:rPr lang="en-US" dirty="0" smtClean="0"/>
-              <a:t>Angle</a:t>
+              <a:t>Radial</a:t>
             </a:r>
             <a:endParaRPr lang="en-US" dirty="0"/>
           </a:p>
@@ -7572,36 +7983,89 @@
       </p:sp>
       <p:grpSp>
         <p:nvGrpSpPr>
-          <p:cNvPr id="16" name="Group 15"/>
+          <p:cNvPr id="13" name="Group 12"/>
           <p:cNvGrpSpPr/>
           <p:nvPr/>
         </p:nvGrpSpPr>
         <p:grpSpPr>
           <a:xfrm>
-            <a:off x="1230267" y="5422947"/>
-            <a:ext cx="494859" cy="544105"/>
-            <a:chOff x="1230267" y="5422947"/>
-            <a:chExt cx="494859" cy="544105"/>
+            <a:off x="1007384" y="5289552"/>
+            <a:ext cx="753008" cy="745313"/>
+            <a:chOff x="1007384" y="5289552"/>
+            <a:chExt cx="753008" cy="745313"/>
           </a:xfrm>
         </p:grpSpPr>
+        <p:sp>
+          <p:nvSpPr>
+            <p:cNvPr id="56" name="Arc 55"/>
+            <p:cNvSpPr>
+              <a:spLocks noChangeAspect="1"/>
+            </p:cNvSpPr>
+            <p:nvPr/>
+          </p:nvSpPr>
+          <p:spPr>
+            <a:xfrm>
+              <a:off x="1007384" y="5289552"/>
+              <a:ext cx="745313" cy="745313"/>
+            </a:xfrm>
+            <a:prstGeom prst="arc">
+              <a:avLst>
+                <a:gd name="adj1" fmla="val 19317826"/>
+                <a:gd name="adj2" fmla="val 21232517"/>
+              </a:avLst>
+            </a:prstGeom>
+            <a:ln w="19050">
+              <a:solidFill>
+                <a:srgbClr val="0070C0"/>
+              </a:solidFill>
+              <a:prstDash val="solid"/>
+              <a:headEnd type="triangle" w="med" len="sm"/>
+              <a:tailEnd type="triangle" w="med" len="sm"/>
+            </a:ln>
+          </p:spPr>
+          <p:style>
+            <a:lnRef idx="1">
+              <a:schemeClr val="accent1"/>
+            </a:lnRef>
+            <a:fillRef idx="0">
+              <a:schemeClr val="accent1"/>
+            </a:fillRef>
+            <a:effectRef idx="0">
+              <a:schemeClr val="accent1"/>
+            </a:effectRef>
+            <a:fontRef idx="minor">
+              <a:schemeClr val="tx1"/>
+            </a:fontRef>
+          </p:style>
+          <p:txBody>
+            <a:bodyPr rtlCol="0" anchor="ctr"/>
+            <a:lstStyle/>
+            <a:p>
+              <a:pPr algn="ctr"/>
+              <a:endParaRPr lang="en-US"/>
+            </a:p>
+          </p:txBody>
+        </p:sp>
         <p:cxnSp>
           <p:nvCxnSpPr>
-            <p:cNvPr id="62" name="Straight Connector 61"/>
+            <p:cNvPr id="411" name="Straight Connector 410"/>
             <p:cNvCxnSpPr/>
             <p:nvPr/>
           </p:nvCxnSpPr>
           <p:spPr>
-            <a:xfrm rot="19008073">
-              <a:off x="1230267" y="5586333"/>
-              <a:ext cx="464901" cy="0"/>
+            <a:xfrm>
+              <a:off x="1424197" y="5660313"/>
+              <a:ext cx="336195" cy="0"/>
             </a:xfrm>
             <a:prstGeom prst="line">
               <a:avLst/>
             </a:prstGeom>
-            <a:ln w="25400">
+            <a:ln w="25400" cap="flat">
               <a:solidFill>
                 <a:schemeClr val="tx1"/>
               </a:solidFill>
+              <a:prstDash val="solid"/>
+              <a:round/>
             </a:ln>
           </p:spPr>
           <p:style>
@@ -7621,22 +8085,24 @@
         </p:cxnSp>
         <p:cxnSp>
           <p:nvCxnSpPr>
-            <p:cNvPr id="55" name="Straight Connector 54"/>
+            <p:cNvPr id="412" name="Straight Connector 411"/>
             <p:cNvCxnSpPr/>
             <p:nvPr/>
           </p:nvCxnSpPr>
           <p:spPr>
-            <a:xfrm rot="2715071">
-              <a:off x="1229961" y="5734602"/>
-              <a:ext cx="464901" cy="0"/>
+            <a:xfrm rot="18917739">
+              <a:off x="1364639" y="5515471"/>
+              <a:ext cx="336195" cy="0"/>
             </a:xfrm>
             <a:prstGeom prst="line">
               <a:avLst/>
             </a:prstGeom>
-            <a:ln w="25400">
+            <a:ln w="25400" cap="flat">
               <a:solidFill>
                 <a:schemeClr val="tx1"/>
               </a:solidFill>
+              <a:prstDash val="solid"/>
+              <a:round/>
             </a:ln>
           </p:spPr>
           <p:style>
@@ -7656,22 +8122,24 @@
         </p:cxnSp>
         <p:cxnSp>
           <p:nvCxnSpPr>
-            <p:cNvPr id="14" name="Straight Connector 13"/>
+            <p:cNvPr id="433" name="Straight Connector 432"/>
             <p:cNvCxnSpPr/>
             <p:nvPr/>
           </p:nvCxnSpPr>
           <p:spPr>
-            <a:xfrm>
-              <a:off x="1260225" y="5658629"/>
-              <a:ext cx="464901" cy="0"/>
+            <a:xfrm rot="2744569">
+              <a:off x="1361990" y="5807778"/>
+              <a:ext cx="336195" cy="0"/>
             </a:xfrm>
             <a:prstGeom prst="line">
               <a:avLst/>
             </a:prstGeom>
-            <a:ln w="25400">
+            <a:ln w="25400" cap="flat">
               <a:solidFill>
                 <a:schemeClr val="tx1"/>
               </a:solidFill>
+              <a:prstDash val="solid"/>
+              <a:round/>
             </a:ln>
           </p:spPr>
           <p:style>
@@ -7704,7 +8172,7 @@
               <a:avLst/>
             </a:prstGeom>
             <a:solidFill>
-              <a:srgbClr val="E46B09"/>
+              <a:srgbClr val="EFA66B"/>
             </a:solidFill>
             <a:ln w="12700">
               <a:solidFill>
@@ -7745,14 +8213,16 @@
           </p:nvSpPr>
           <p:spPr>
             <a:xfrm>
-              <a:off x="1508400" y="5422947"/>
+              <a:off x="1517299" y="5411387"/>
               <a:ext cx="121956" cy="121956"/>
             </a:xfrm>
             <a:prstGeom prst="ellipse">
               <a:avLst/>
             </a:prstGeom>
             <a:solidFill>
-              <a:schemeClr val="bg1"/>
+              <a:schemeClr val="bg1">
+                <a:lumMod val="65000"/>
+              </a:schemeClr>
             </a:solidFill>
             <a:ln w="12700">
               <a:solidFill>
@@ -7793,7 +8263,7 @@
           </p:nvSpPr>
           <p:spPr>
             <a:xfrm>
-              <a:off x="1568784" y="5599261"/>
+              <a:off x="1559260" y="5599261"/>
               <a:ext cx="121956" cy="121956"/>
             </a:xfrm>
             <a:prstGeom prst="ellipse">
@@ -7841,14 +8311,16 @@
           </p:nvSpPr>
           <p:spPr>
             <a:xfrm>
-              <a:off x="1502059" y="5773367"/>
+              <a:off x="1462961" y="5736634"/>
               <a:ext cx="121956" cy="121956"/>
             </a:xfrm>
             <a:prstGeom prst="ellipse">
               <a:avLst/>
             </a:prstGeom>
             <a:solidFill>
-              <a:schemeClr val="bg1"/>
+              <a:schemeClr val="bg1">
+                <a:lumMod val="65000"/>
+              </a:schemeClr>
             </a:solidFill>
             <a:ln w="12700">
               <a:solidFill>
@@ -7882,6 +8354,57 @@
           </p:txBody>
         </p:sp>
       </p:grpSp>
+      <p:sp>
+        <p:nvSpPr>
+          <p:cNvPr id="40" name="Arc 39"/>
+          <p:cNvSpPr>
+            <a:spLocks noChangeAspect="1"/>
+          </p:cNvSpPr>
+          <p:nvPr/>
+        </p:nvSpPr>
+        <p:spPr>
+          <a:xfrm rot="2694618">
+            <a:off x="1007384" y="5284949"/>
+            <a:ext cx="745313" cy="745313"/>
+          </a:xfrm>
+          <a:prstGeom prst="arc">
+            <a:avLst>
+              <a:gd name="adj1" fmla="val 19317826"/>
+              <a:gd name="adj2" fmla="val 21232517"/>
+            </a:avLst>
+          </a:prstGeom>
+          <a:ln w="19050">
+            <a:solidFill>
+              <a:srgbClr val="0070C0"/>
+            </a:solidFill>
+            <a:prstDash val="solid"/>
+            <a:headEnd type="triangle" w="med" len="sm"/>
+            <a:tailEnd type="triangle" w="med" len="sm"/>
+          </a:ln>
+        </p:spPr>
+        <p:style>
+          <a:lnRef idx="1">
+            <a:schemeClr val="accent1"/>
+          </a:lnRef>
+          <a:fillRef idx="0">
+            <a:schemeClr val="accent1"/>
+          </a:fillRef>
+          <a:effectRef idx="0">
+            <a:schemeClr val="accent1"/>
+          </a:effectRef>
+          <a:fontRef idx="minor">
+            <a:schemeClr val="tx1"/>
+          </a:fontRef>
+        </p:style>
+        <p:txBody>
+          <a:bodyPr rtlCol="0" anchor="ctr"/>
+          <a:lstStyle/>
+          <a:p>
+            <a:pPr algn="ctr"/>
+            <a:endParaRPr lang="en-US"/>
+          </a:p>
+        </p:txBody>
+      </p:sp>
     </p:spTree>
     <p:extLst>
       <p:ext uri="{BB962C8B-B14F-4D97-AF65-F5344CB8AC3E}">
@@ -7892,22 +8415,19 @@
   <p:clrMapOvr>
     <a:masterClrMapping/>
   </p:clrMapOvr>
+  <p:timing>
+    <p:tnLst>
+      <p:par>
+        <p:cTn id="1" dur="indefinite" restart="never" nodeType="tmRoot"/>
+      </p:par>
+    </p:tnLst>
+  </p:timing>
 </p:sld>
 </file>
 
 <file path=ppt/slides/slide5.xml><?xml version="1.0" encoding="utf-8"?>
 <p:sld xmlns:a="http://schemas.openxmlformats.org/drawingml/2006/main" xmlns:r="http://schemas.openxmlformats.org/officeDocument/2006/relationships" xmlns:p="http://schemas.openxmlformats.org/presentationml/2006/main">
   <p:cSld>
-    <p:bg>
-      <p:bgPr>
-        <a:solidFill>
-          <a:schemeClr val="bg1">
-            <a:lumMod val="95000"/>
-          </a:schemeClr>
-        </a:solidFill>
-        <a:effectLst/>
-      </p:bgPr>
-    </p:bg>
     <p:spTree>
       <p:nvGrpSpPr>
         <p:cNvPr id="1" name=""/>
@@ -7952,329 +8472,6 @@
           </a:p>
         </p:txBody>
       </p:sp>
-      <p:grpSp>
-        <p:nvGrpSpPr>
-          <p:cNvPr id="34" name="Group 33"/>
-          <p:cNvGrpSpPr/>
-          <p:nvPr/>
-        </p:nvGrpSpPr>
-        <p:grpSpPr>
-          <a:xfrm>
-            <a:off x="2644584" y="4987751"/>
-            <a:ext cx="464344" cy="566737"/>
-            <a:chOff x="4352925" y="3148013"/>
-            <a:chExt cx="464344" cy="566737"/>
-          </a:xfrm>
-        </p:grpSpPr>
-        <p:sp>
-          <p:nvSpPr>
-            <p:cNvPr id="14" name="Rectangle 13"/>
-            <p:cNvSpPr/>
-            <p:nvPr/>
-          </p:nvSpPr>
-          <p:spPr>
-            <a:xfrm>
-              <a:off x="4352925" y="3231356"/>
-              <a:ext cx="138113" cy="335757"/>
-            </a:xfrm>
-            <a:prstGeom prst="rect">
-              <a:avLst/>
-            </a:prstGeom>
-            <a:solidFill>
-              <a:srgbClr val="E46B09"/>
-            </a:solidFill>
-            <a:ln w="12700">
-              <a:solidFill>
-                <a:schemeClr val="tx1"/>
-              </a:solidFill>
-            </a:ln>
-          </p:spPr>
-          <p:style>
-            <a:lnRef idx="2">
-              <a:schemeClr val="accent1">
-                <a:shade val="50000"/>
-              </a:schemeClr>
-            </a:lnRef>
-            <a:fillRef idx="1">
-              <a:schemeClr val="accent1"/>
-            </a:fillRef>
-            <a:effectRef idx="0">
-              <a:schemeClr val="accent1"/>
-            </a:effectRef>
-            <a:fontRef idx="minor">
-              <a:schemeClr val="lt1"/>
-            </a:fontRef>
-          </p:style>
-          <p:txBody>
-            <a:bodyPr rtlCol="0" anchor="ctr"/>
-            <a:lstStyle/>
-            <a:p>
-              <a:pPr algn="ctr"/>
-              <a:endParaRPr lang="en-US"/>
-            </a:p>
-          </p:txBody>
-        </p:sp>
-        <p:sp>
-          <p:nvSpPr>
-            <p:cNvPr id="15" name="Rectangle 14"/>
-            <p:cNvSpPr/>
-            <p:nvPr/>
-          </p:nvSpPr>
-          <p:spPr>
-            <a:xfrm>
-              <a:off x="4679156" y="3295650"/>
-              <a:ext cx="138113" cy="335757"/>
-            </a:xfrm>
-            <a:prstGeom prst="rect">
-              <a:avLst/>
-            </a:prstGeom>
-            <a:solidFill>
-              <a:srgbClr val="0070C0"/>
-            </a:solidFill>
-            <a:ln w="12700">
-              <a:solidFill>
-                <a:schemeClr val="tx1"/>
-              </a:solidFill>
-            </a:ln>
-          </p:spPr>
-          <p:style>
-            <a:lnRef idx="2">
-              <a:schemeClr val="accent1">
-                <a:shade val="50000"/>
-              </a:schemeClr>
-            </a:lnRef>
-            <a:fillRef idx="1">
-              <a:schemeClr val="accent1"/>
-            </a:fillRef>
-            <a:effectRef idx="0">
-              <a:schemeClr val="accent1"/>
-            </a:effectRef>
-            <a:fontRef idx="minor">
-              <a:schemeClr val="lt1"/>
-            </a:fontRef>
-          </p:style>
-          <p:txBody>
-            <a:bodyPr rtlCol="0" anchor="ctr"/>
-            <a:lstStyle/>
-            <a:p>
-              <a:pPr algn="ctr"/>
-              <a:endParaRPr lang="en-US"/>
-            </a:p>
-          </p:txBody>
-        </p:sp>
-        <p:cxnSp>
-          <p:nvCxnSpPr>
-            <p:cNvPr id="17" name="Straight Connector 16"/>
-            <p:cNvCxnSpPr/>
-            <p:nvPr/>
-          </p:nvCxnSpPr>
-          <p:spPr>
-            <a:xfrm flipV="1">
-              <a:off x="4419600" y="3148013"/>
-              <a:ext cx="0" cy="59531"/>
-            </a:xfrm>
-            <a:prstGeom prst="line">
-              <a:avLst/>
-            </a:prstGeom>
-            <a:ln w="19050">
-              <a:solidFill>
-                <a:schemeClr val="tx1"/>
-              </a:solidFill>
-            </a:ln>
-          </p:spPr>
-          <p:style>
-            <a:lnRef idx="1">
-              <a:schemeClr val="accent1"/>
-            </a:lnRef>
-            <a:fillRef idx="0">
-              <a:schemeClr val="accent1"/>
-            </a:fillRef>
-            <a:effectRef idx="0">
-              <a:schemeClr val="accent1"/>
-            </a:effectRef>
-            <a:fontRef idx="minor">
-              <a:schemeClr val="tx1"/>
-            </a:fontRef>
-          </p:style>
-        </p:cxnSp>
-        <p:cxnSp>
-          <p:nvCxnSpPr>
-            <p:cNvPr id="18" name="Straight Connector 17"/>
-            <p:cNvCxnSpPr/>
-            <p:nvPr/>
-          </p:nvCxnSpPr>
-          <p:spPr>
-            <a:xfrm flipV="1">
-              <a:off x="4743450" y="3655219"/>
-              <a:ext cx="0" cy="59531"/>
-            </a:xfrm>
-            <a:prstGeom prst="line">
-              <a:avLst/>
-            </a:prstGeom>
-            <a:ln w="19050">
-              <a:solidFill>
-                <a:schemeClr val="tx1"/>
-              </a:solidFill>
-            </a:ln>
-          </p:spPr>
-          <p:style>
-            <a:lnRef idx="1">
-              <a:schemeClr val="accent1"/>
-            </a:lnRef>
-            <a:fillRef idx="0">
-              <a:schemeClr val="accent1"/>
-            </a:fillRef>
-            <a:effectRef idx="0">
-              <a:schemeClr val="accent1"/>
-            </a:effectRef>
-            <a:fontRef idx="minor">
-              <a:schemeClr val="tx1"/>
-            </a:fontRef>
-          </p:style>
-        </p:cxnSp>
-        <p:cxnSp>
-          <p:nvCxnSpPr>
-            <p:cNvPr id="20" name="Straight Connector 19"/>
-            <p:cNvCxnSpPr/>
-            <p:nvPr/>
-          </p:nvCxnSpPr>
-          <p:spPr>
-            <a:xfrm>
-              <a:off x="4410076" y="3150394"/>
-              <a:ext cx="338136" cy="0"/>
-            </a:xfrm>
-            <a:prstGeom prst="line">
-              <a:avLst/>
-            </a:prstGeom>
-            <a:ln w="19050">
-              <a:solidFill>
-                <a:schemeClr val="tx1"/>
-              </a:solidFill>
-            </a:ln>
-          </p:spPr>
-          <p:style>
-            <a:lnRef idx="1">
-              <a:schemeClr val="accent1"/>
-            </a:lnRef>
-            <a:fillRef idx="0">
-              <a:schemeClr val="accent1"/>
-            </a:fillRef>
-            <a:effectRef idx="0">
-              <a:schemeClr val="accent1"/>
-            </a:effectRef>
-            <a:fontRef idx="minor">
-              <a:schemeClr val="tx1"/>
-            </a:fontRef>
-          </p:style>
-        </p:cxnSp>
-        <p:cxnSp>
-          <p:nvCxnSpPr>
-            <p:cNvPr id="22" name="Straight Connector 21"/>
-            <p:cNvCxnSpPr/>
-            <p:nvPr/>
-          </p:nvCxnSpPr>
-          <p:spPr>
-            <a:xfrm>
-              <a:off x="4412457" y="3714750"/>
-              <a:ext cx="340517" cy="0"/>
-            </a:xfrm>
-            <a:prstGeom prst="line">
-              <a:avLst/>
-            </a:prstGeom>
-            <a:ln w="19050">
-              <a:solidFill>
-                <a:schemeClr val="tx1"/>
-              </a:solidFill>
-            </a:ln>
-          </p:spPr>
-          <p:style>
-            <a:lnRef idx="1">
-              <a:schemeClr val="accent1"/>
-            </a:lnRef>
-            <a:fillRef idx="0">
-              <a:schemeClr val="accent1"/>
-            </a:fillRef>
-            <a:effectRef idx="0">
-              <a:schemeClr val="accent1"/>
-            </a:effectRef>
-            <a:fontRef idx="minor">
-              <a:schemeClr val="tx1"/>
-            </a:fontRef>
-          </p:style>
-        </p:cxnSp>
-        <p:cxnSp>
-          <p:nvCxnSpPr>
-            <p:cNvPr id="24" name="Straight Arrow Connector 23"/>
-            <p:cNvCxnSpPr/>
-            <p:nvPr/>
-          </p:nvCxnSpPr>
-          <p:spPr>
-            <a:xfrm>
-              <a:off x="4738688" y="3148013"/>
-              <a:ext cx="0" cy="130968"/>
-            </a:xfrm>
-            <a:prstGeom prst="straightConnector1">
-              <a:avLst/>
-            </a:prstGeom>
-            <a:ln w="19050">
-              <a:solidFill>
-                <a:schemeClr val="tx1"/>
-              </a:solidFill>
-              <a:tailEnd type="triangle"/>
-            </a:ln>
-          </p:spPr>
-          <p:style>
-            <a:lnRef idx="1">
-              <a:schemeClr val="accent1"/>
-            </a:lnRef>
-            <a:fillRef idx="0">
-              <a:schemeClr val="accent1"/>
-            </a:fillRef>
-            <a:effectRef idx="0">
-              <a:schemeClr val="accent1"/>
-            </a:effectRef>
-            <a:fontRef idx="minor">
-              <a:schemeClr val="tx1"/>
-            </a:fontRef>
-          </p:style>
-        </p:cxnSp>
-        <p:cxnSp>
-          <p:nvCxnSpPr>
-            <p:cNvPr id="26" name="Straight Arrow Connector 25"/>
-            <p:cNvCxnSpPr/>
-            <p:nvPr/>
-          </p:nvCxnSpPr>
-          <p:spPr>
-            <a:xfrm flipV="1">
-              <a:off x="4421981" y="3598069"/>
-              <a:ext cx="0" cy="116681"/>
-            </a:xfrm>
-            <a:prstGeom prst="straightConnector1">
-              <a:avLst/>
-            </a:prstGeom>
-            <a:ln w="19050">
-              <a:solidFill>
-                <a:schemeClr val="tx1"/>
-              </a:solidFill>
-              <a:tailEnd type="triangle"/>
-            </a:ln>
-          </p:spPr>
-          <p:style>
-            <a:lnRef idx="1">
-              <a:schemeClr val="accent1"/>
-            </a:lnRef>
-            <a:fillRef idx="0">
-              <a:schemeClr val="accent1"/>
-            </a:fillRef>
-            <a:effectRef idx="0">
-              <a:schemeClr val="accent1"/>
-            </a:effectRef>
-            <a:fontRef idx="minor">
-              <a:schemeClr val="tx1"/>
-            </a:fontRef>
-          </p:style>
-        </p:cxnSp>
-      </p:grpSp>
       <p:sp>
         <p:nvSpPr>
           <p:cNvPr id="35" name="TextBox 34"/>
@@ -8333,6 +8530,199 @@
           </a:p>
         </p:txBody>
       </p:sp>
+      <p:grpSp>
+        <p:nvGrpSpPr>
+          <p:cNvPr id="2" name="Group 1"/>
+          <p:cNvGrpSpPr/>
+          <p:nvPr/>
+        </p:nvGrpSpPr>
+        <p:grpSpPr>
+          <a:xfrm>
+            <a:off x="2644584" y="5038948"/>
+            <a:ext cx="464344" cy="464343"/>
+            <a:chOff x="2644584" y="5038948"/>
+            <a:chExt cx="464344" cy="464343"/>
+          </a:xfrm>
+        </p:grpSpPr>
+        <p:sp>
+          <p:nvSpPr>
+            <p:cNvPr id="14" name="Rectangle 13"/>
+            <p:cNvSpPr/>
+            <p:nvPr/>
+          </p:nvSpPr>
+          <p:spPr>
+            <a:xfrm>
+              <a:off x="2644584" y="5071094"/>
+              <a:ext cx="138113" cy="335757"/>
+            </a:xfrm>
+            <a:prstGeom prst="rect">
+              <a:avLst/>
+            </a:prstGeom>
+            <a:solidFill>
+              <a:srgbClr val="EFA66B"/>
+            </a:solidFill>
+            <a:ln w="12700">
+              <a:solidFill>
+                <a:schemeClr val="tx1"/>
+              </a:solidFill>
+            </a:ln>
+          </p:spPr>
+          <p:style>
+            <a:lnRef idx="2">
+              <a:schemeClr val="accent1">
+                <a:shade val="50000"/>
+              </a:schemeClr>
+            </a:lnRef>
+            <a:fillRef idx="1">
+              <a:schemeClr val="accent1"/>
+            </a:fillRef>
+            <a:effectRef idx="0">
+              <a:schemeClr val="accent1"/>
+            </a:effectRef>
+            <a:fontRef idx="minor">
+              <a:schemeClr val="lt1"/>
+            </a:fontRef>
+          </p:style>
+          <p:txBody>
+            <a:bodyPr rtlCol="0" anchor="ctr"/>
+            <a:lstStyle/>
+            <a:p>
+              <a:pPr algn="ctr"/>
+              <a:endParaRPr lang="en-US"/>
+            </a:p>
+          </p:txBody>
+        </p:sp>
+        <p:sp>
+          <p:nvSpPr>
+            <p:cNvPr id="15" name="Rectangle 14"/>
+            <p:cNvSpPr/>
+            <p:nvPr/>
+          </p:nvSpPr>
+          <p:spPr>
+            <a:xfrm>
+              <a:off x="2970815" y="5135388"/>
+              <a:ext cx="138113" cy="335757"/>
+            </a:xfrm>
+            <a:prstGeom prst="rect">
+              <a:avLst/>
+            </a:prstGeom>
+            <a:solidFill>
+              <a:schemeClr val="bg1">
+                <a:lumMod val="65000"/>
+              </a:schemeClr>
+            </a:solidFill>
+            <a:ln w="12700">
+              <a:solidFill>
+                <a:schemeClr val="tx1"/>
+              </a:solidFill>
+            </a:ln>
+          </p:spPr>
+          <p:style>
+            <a:lnRef idx="2">
+              <a:schemeClr val="accent1">
+                <a:shade val="50000"/>
+              </a:schemeClr>
+            </a:lnRef>
+            <a:fillRef idx="1">
+              <a:schemeClr val="accent1"/>
+            </a:fillRef>
+            <a:effectRef idx="0">
+              <a:schemeClr val="accent1"/>
+            </a:effectRef>
+            <a:fontRef idx="minor">
+              <a:schemeClr val="lt1"/>
+            </a:fontRef>
+          </p:style>
+          <p:txBody>
+            <a:bodyPr rtlCol="0" anchor="ctr"/>
+            <a:lstStyle/>
+            <a:p>
+              <a:pPr algn="ctr"/>
+              <a:endParaRPr lang="en-US"/>
+            </a:p>
+          </p:txBody>
+        </p:sp>
+        <p:cxnSp>
+          <p:nvCxnSpPr>
+            <p:cNvPr id="3" name="Elbow Connector 2"/>
+            <p:cNvCxnSpPr/>
+            <p:nvPr/>
+          </p:nvCxnSpPr>
+          <p:spPr>
+            <a:xfrm rot="16200000" flipH="1">
+              <a:off x="2844609" y="4907979"/>
+              <a:ext cx="64294" cy="326231"/>
+            </a:xfrm>
+            <a:prstGeom prst="bentConnector3">
+              <a:avLst>
+                <a:gd name="adj1" fmla="val -82963"/>
+              </a:avLst>
+            </a:prstGeom>
+            <a:ln w="22225">
+              <a:solidFill>
+                <a:srgbClr val="0070C0"/>
+              </a:solidFill>
+              <a:miter lim="800000"/>
+              <a:headEnd w="med" len="sm"/>
+              <a:tailEnd type="triangle" w="med" len="sm"/>
+            </a:ln>
+          </p:spPr>
+          <p:style>
+            <a:lnRef idx="1">
+              <a:schemeClr val="accent1"/>
+            </a:lnRef>
+            <a:fillRef idx="0">
+              <a:schemeClr val="accent1"/>
+            </a:fillRef>
+            <a:effectRef idx="0">
+              <a:schemeClr val="accent1"/>
+            </a:effectRef>
+            <a:fontRef idx="minor">
+              <a:schemeClr val="tx1"/>
+            </a:fontRef>
+          </p:style>
+        </p:cxnSp>
+        <p:cxnSp>
+          <p:nvCxnSpPr>
+            <p:cNvPr id="19" name="Elbow Connector 18"/>
+            <p:cNvCxnSpPr/>
+            <p:nvPr/>
+          </p:nvCxnSpPr>
+          <p:spPr>
+            <a:xfrm rot="5400000" flipH="1">
+              <a:off x="2844608" y="5308028"/>
+              <a:ext cx="64294" cy="326231"/>
+            </a:xfrm>
+            <a:prstGeom prst="bentConnector3">
+              <a:avLst>
+                <a:gd name="adj1" fmla="val -84454"/>
+              </a:avLst>
+            </a:prstGeom>
+            <a:ln w="22225">
+              <a:solidFill>
+                <a:srgbClr val="0070C0"/>
+              </a:solidFill>
+              <a:miter lim="800000"/>
+              <a:headEnd w="med" len="sm"/>
+              <a:tailEnd type="triangle" w="med" len="sm"/>
+            </a:ln>
+          </p:spPr>
+          <p:style>
+            <a:lnRef idx="1">
+              <a:schemeClr val="accent1"/>
+            </a:lnRef>
+            <a:fillRef idx="0">
+              <a:schemeClr val="accent1"/>
+            </a:fillRef>
+            <a:effectRef idx="0">
+              <a:schemeClr val="accent1"/>
+            </a:effectRef>
+            <a:fontRef idx="minor">
+              <a:schemeClr val="tx1"/>
+            </a:fontRef>
+          </p:style>
+        </p:cxnSp>
+      </p:grpSp>
     </p:spTree>
     <p:extLst>
       <p:ext uri="{BB962C8B-B14F-4D97-AF65-F5344CB8AC3E}">
@@ -8343,22 +8733,19 @@
   <p:clrMapOvr>
     <a:masterClrMapping/>
   </p:clrMapOvr>
+  <p:timing>
+    <p:tnLst>
+      <p:par>
+        <p:cTn id="1" dur="indefinite" restart="never" nodeType="tmRoot"/>
+      </p:par>
+    </p:tnLst>
+  </p:timing>
 </p:sld>
 </file>
 
 <file path=ppt/slides/slide6.xml><?xml version="1.0" encoding="utf-8"?>
 <p:sld xmlns:a="http://schemas.openxmlformats.org/drawingml/2006/main" xmlns:r="http://schemas.openxmlformats.org/officeDocument/2006/relationships" xmlns:p="http://schemas.openxmlformats.org/presentationml/2006/main">
   <p:cSld>
-    <p:bg>
-      <p:bgPr>
-        <a:solidFill>
-          <a:schemeClr val="bg1">
-            <a:lumMod val="95000"/>
-          </a:schemeClr>
-        </a:solidFill>
-        <a:effectLst/>
-      </p:bgPr>
-    </p:bg>
     <p:spTree>
       <p:nvGrpSpPr>
         <p:cNvPr id="1" name=""/>
@@ -8373,222 +8760,6 @@
           <a:chExt cx="0" cy="0"/>
         </a:xfrm>
       </p:grpSpPr>
-      <p:grpSp>
-        <p:nvGrpSpPr>
-          <p:cNvPr id="142" name="组合 10"/>
-          <p:cNvGrpSpPr/>
-          <p:nvPr/>
-        </p:nvGrpSpPr>
-        <p:grpSpPr>
-          <a:xfrm>
-            <a:off x="985372" y="3344214"/>
-            <a:ext cx="569257" cy="565821"/>
-            <a:chOff x="1043051" y="3327274"/>
-            <a:chExt cx="569257" cy="565821"/>
-          </a:xfrm>
-        </p:grpSpPr>
-        <p:sp>
-          <p:nvSpPr>
-            <p:cNvPr id="143" name="Rectangle 46"/>
-            <p:cNvSpPr/>
-            <p:nvPr/>
-          </p:nvSpPr>
-          <p:spPr>
-            <a:xfrm>
-              <a:off x="1206265" y="3582993"/>
-              <a:ext cx="157803" cy="151575"/>
-            </a:xfrm>
-            <a:prstGeom prst="rect">
-              <a:avLst/>
-            </a:prstGeom>
-            <a:solidFill>
-              <a:srgbClr val="E46B09"/>
-            </a:solidFill>
-            <a:ln w="12700">
-              <a:solidFill>
-                <a:schemeClr val="tx1"/>
-              </a:solidFill>
-            </a:ln>
-          </p:spPr>
-          <p:style>
-            <a:lnRef idx="2">
-              <a:schemeClr val="accent1">
-                <a:shade val="50000"/>
-              </a:schemeClr>
-            </a:lnRef>
-            <a:fillRef idx="1">
-              <a:schemeClr val="accent1"/>
-            </a:fillRef>
-            <a:effectRef idx="0">
-              <a:schemeClr val="accent1"/>
-            </a:effectRef>
-            <a:fontRef idx="minor">
-              <a:schemeClr val="lt1"/>
-            </a:fontRef>
-          </p:style>
-          <p:txBody>
-            <a:bodyPr rtlCol="0" anchor="ctr"/>
-            <a:lstStyle/>
-            <a:p>
-              <a:pPr algn="ctr"/>
-              <a:endParaRPr lang="en-US"/>
-            </a:p>
-          </p:txBody>
-        </p:sp>
-        <p:sp>
-          <p:nvSpPr>
-            <p:cNvPr id="144" name="Oval 51"/>
-            <p:cNvSpPr/>
-            <p:nvPr/>
-          </p:nvSpPr>
-          <p:spPr>
-            <a:xfrm>
-              <a:off x="1043051" y="3416856"/>
-              <a:ext cx="475064" cy="476239"/>
-            </a:xfrm>
-            <a:prstGeom prst="ellipse">
-              <a:avLst/>
-            </a:prstGeom>
-            <a:noFill/>
-            <a:ln w="19050">
-              <a:solidFill>
-                <a:schemeClr val="tx1"/>
-              </a:solidFill>
-              <a:prstDash val="dash"/>
-            </a:ln>
-          </p:spPr>
-          <p:style>
-            <a:lnRef idx="2">
-              <a:schemeClr val="accent1">
-                <a:shade val="50000"/>
-              </a:schemeClr>
-            </a:lnRef>
-            <a:fillRef idx="1">
-              <a:schemeClr val="accent1"/>
-            </a:fillRef>
-            <a:effectRef idx="0">
-              <a:schemeClr val="accent1"/>
-            </a:effectRef>
-            <a:fontRef idx="minor">
-              <a:schemeClr val="lt1"/>
-            </a:fontRef>
-          </p:style>
-          <p:txBody>
-            <a:bodyPr rtlCol="0" anchor="ctr"/>
-            <a:lstStyle/>
-            <a:p>
-              <a:pPr algn="ctr"/>
-              <a:endParaRPr lang="en-US"/>
-            </a:p>
-          </p:txBody>
-        </p:sp>
-        <p:sp>
-          <p:nvSpPr>
-            <p:cNvPr id="145" name="燕尾形 73"/>
-            <p:cNvSpPr/>
-            <p:nvPr/>
-          </p:nvSpPr>
-          <p:spPr>
-            <a:xfrm rot="953220">
-              <a:off x="1265968" y="3327274"/>
-              <a:ext cx="125089" cy="178964"/>
-            </a:xfrm>
-            <a:prstGeom prst="chevron">
-              <a:avLst/>
-            </a:prstGeom>
-            <a:solidFill>
-              <a:srgbClr val="0070C0">
-                <a:alpha val="0"/>
-              </a:srgbClr>
-            </a:solidFill>
-            <a:ln w="12700">
-              <a:solidFill>
-                <a:schemeClr val="tx1"/>
-              </a:solidFill>
-            </a:ln>
-          </p:spPr>
-          <p:style>
-            <a:lnRef idx="2">
-              <a:schemeClr val="accent1">
-                <a:shade val="50000"/>
-              </a:schemeClr>
-            </a:lnRef>
-            <a:fillRef idx="1">
-              <a:schemeClr val="accent1"/>
-            </a:fillRef>
-            <a:effectRef idx="0">
-              <a:schemeClr val="accent1"/>
-            </a:effectRef>
-            <a:fontRef idx="minor">
-              <a:schemeClr val="lt1"/>
-            </a:fontRef>
-          </p:style>
-          <p:txBody>
-            <a:bodyPr rtlCol="0" anchor="ctr"/>
-            <a:lstStyle/>
-            <a:p>
-              <a:pPr algn="ctr"/>
-              <a:endParaRPr lang="zh-CN" altLang="en-US">
-                <a:solidFill>
-                  <a:schemeClr val="tx1"/>
-                </a:solidFill>
-              </a:endParaRPr>
-            </a:p>
-          </p:txBody>
-        </p:sp>
-        <p:sp>
-          <p:nvSpPr>
-            <p:cNvPr id="146" name="燕尾形 74"/>
-            <p:cNvSpPr/>
-            <p:nvPr/>
-          </p:nvSpPr>
-          <p:spPr>
-            <a:xfrm rot="5400000">
-              <a:off x="1460281" y="3546379"/>
-              <a:ext cx="125089" cy="178964"/>
-            </a:xfrm>
-            <a:prstGeom prst="chevron">
-              <a:avLst/>
-            </a:prstGeom>
-            <a:solidFill>
-              <a:srgbClr val="0070C0"/>
-            </a:solidFill>
-            <a:ln w="12700">
-              <a:solidFill>
-                <a:schemeClr val="tx1"/>
-              </a:solidFill>
-            </a:ln>
-          </p:spPr>
-          <p:style>
-            <a:lnRef idx="2">
-              <a:schemeClr val="accent1">
-                <a:shade val="50000"/>
-              </a:schemeClr>
-            </a:lnRef>
-            <a:fillRef idx="1">
-              <a:schemeClr val="accent1"/>
-            </a:fillRef>
-            <a:effectRef idx="0">
-              <a:schemeClr val="accent1"/>
-            </a:effectRef>
-            <a:fontRef idx="minor">
-              <a:schemeClr val="lt1"/>
-            </a:fontRef>
-          </p:style>
-          <p:txBody>
-            <a:bodyPr rtlCol="0" anchor="ctr"/>
-            <a:lstStyle/>
-            <a:p>
-              <a:pPr algn="ctr"/>
-              <a:endParaRPr lang="zh-CN" altLang="en-US">
-                <a:solidFill>
-                  <a:schemeClr val="tx1"/>
-                </a:solidFill>
-              </a:endParaRPr>
-            </a:p>
-          </p:txBody>
-        </p:sp>
-      </p:grpSp>
       <p:sp>
         <p:nvSpPr>
           <p:cNvPr id="4" name="TextBox 3"/>
@@ -8770,327 +8941,7 @@
       </p:sp>
       <p:grpSp>
         <p:nvGrpSpPr>
-          <p:cNvPr id="89" name="Group 88"/>
-          <p:cNvGrpSpPr/>
-          <p:nvPr/>
-        </p:nvGrpSpPr>
-        <p:grpSpPr>
-          <a:xfrm>
-            <a:off x="990231" y="5458519"/>
-            <a:ext cx="559539" cy="311642"/>
-            <a:chOff x="4291068" y="3238762"/>
-            <a:chExt cx="559539" cy="311642"/>
-          </a:xfrm>
-        </p:grpSpPr>
-        <p:sp>
-          <p:nvSpPr>
-            <p:cNvPr id="62" name="Rectangle 61"/>
-            <p:cNvSpPr/>
-            <p:nvPr/>
-          </p:nvSpPr>
-          <p:spPr>
-            <a:xfrm>
-              <a:off x="4622007" y="3459956"/>
-              <a:ext cx="228600" cy="90448"/>
-            </a:xfrm>
-            <a:prstGeom prst="rect">
-              <a:avLst/>
-            </a:prstGeom>
-            <a:solidFill>
-              <a:srgbClr val="E46B09"/>
-            </a:solidFill>
-            <a:ln w="12700">
-              <a:solidFill>
-                <a:schemeClr val="tx1"/>
-              </a:solidFill>
-            </a:ln>
-          </p:spPr>
-          <p:style>
-            <a:lnRef idx="2">
-              <a:schemeClr val="accent1">
-                <a:shade val="50000"/>
-              </a:schemeClr>
-            </a:lnRef>
-            <a:fillRef idx="1">
-              <a:schemeClr val="accent1"/>
-            </a:fillRef>
-            <a:effectRef idx="0">
-              <a:schemeClr val="accent1"/>
-            </a:effectRef>
-            <a:fontRef idx="minor">
-              <a:schemeClr val="lt1"/>
-            </a:fontRef>
-          </p:style>
-          <p:txBody>
-            <a:bodyPr rtlCol="0" anchor="ctr"/>
-            <a:lstStyle/>
-            <a:p>
-              <a:pPr algn="ctr"/>
-              <a:endParaRPr lang="en-US"/>
-            </a:p>
-          </p:txBody>
-        </p:sp>
-        <p:sp>
-          <p:nvSpPr>
-            <p:cNvPr id="64" name="Rectangle 63"/>
-            <p:cNvSpPr/>
-            <p:nvPr/>
-          </p:nvSpPr>
-          <p:spPr>
-            <a:xfrm>
-              <a:off x="4622007" y="3238762"/>
-              <a:ext cx="228600" cy="90448"/>
-            </a:xfrm>
-            <a:prstGeom prst="rect">
-              <a:avLst/>
-            </a:prstGeom>
-            <a:solidFill>
-              <a:srgbClr val="E46B09">
-                <a:alpha val="60000"/>
-              </a:srgbClr>
-            </a:solidFill>
-            <a:ln w="12700">
-              <a:solidFill>
-                <a:schemeClr val="tx1"/>
-              </a:solidFill>
-              <a:prstDash val="dash"/>
-            </a:ln>
-          </p:spPr>
-          <p:style>
-            <a:lnRef idx="2">
-              <a:schemeClr val="accent1">
-                <a:shade val="50000"/>
-              </a:schemeClr>
-            </a:lnRef>
-            <a:fillRef idx="1">
-              <a:schemeClr val="accent1"/>
-            </a:fillRef>
-            <a:effectRef idx="0">
-              <a:schemeClr val="accent1"/>
-            </a:effectRef>
-            <a:fontRef idx="minor">
-              <a:schemeClr val="lt1"/>
-            </a:fontRef>
-          </p:style>
-          <p:txBody>
-            <a:bodyPr rtlCol="0" anchor="ctr"/>
-            <a:lstStyle/>
-            <a:p>
-              <a:pPr algn="ctr"/>
-              <a:endParaRPr lang="en-US"/>
-            </a:p>
-          </p:txBody>
-        </p:sp>
-        <p:sp>
-          <p:nvSpPr>
-            <p:cNvPr id="65" name="Rectangle 64"/>
-            <p:cNvSpPr/>
-            <p:nvPr/>
-          </p:nvSpPr>
-          <p:spPr>
-            <a:xfrm>
-              <a:off x="4291068" y="3457574"/>
-              <a:ext cx="228600" cy="90448"/>
-            </a:xfrm>
-            <a:prstGeom prst="rect">
-              <a:avLst/>
-            </a:prstGeom>
-            <a:solidFill>
-              <a:srgbClr val="E46B09">
-                <a:alpha val="60000"/>
-              </a:srgbClr>
-            </a:solidFill>
-            <a:ln w="12700">
-              <a:solidFill>
-                <a:schemeClr val="tx1"/>
-              </a:solidFill>
-              <a:prstDash val="dash"/>
-            </a:ln>
-          </p:spPr>
-          <p:style>
-            <a:lnRef idx="2">
-              <a:schemeClr val="accent1">
-                <a:shade val="50000"/>
-              </a:schemeClr>
-            </a:lnRef>
-            <a:fillRef idx="1">
-              <a:schemeClr val="accent1"/>
-            </a:fillRef>
-            <a:effectRef idx="0">
-              <a:schemeClr val="accent1"/>
-            </a:effectRef>
-            <a:fontRef idx="minor">
-              <a:schemeClr val="lt1"/>
-            </a:fontRef>
-          </p:style>
-          <p:txBody>
-            <a:bodyPr rtlCol="0" anchor="ctr"/>
-            <a:lstStyle/>
-            <a:p>
-              <a:pPr algn="ctr"/>
-              <a:endParaRPr lang="en-US"/>
-            </a:p>
-          </p:txBody>
-        </p:sp>
-        <p:cxnSp>
-          <p:nvCxnSpPr>
-            <p:cNvPr id="70" name="Straight Connector 69"/>
-            <p:cNvCxnSpPr>
-              <a:stCxn id="64" idx="3"/>
-              <a:endCxn id="62" idx="3"/>
-            </p:cNvCxnSpPr>
-            <p:nvPr/>
-          </p:nvCxnSpPr>
-          <p:spPr>
-            <a:xfrm>
-              <a:off x="4850607" y="3283986"/>
-              <a:ext cx="0" cy="221194"/>
-            </a:xfrm>
-            <a:prstGeom prst="line">
-              <a:avLst/>
-            </a:prstGeom>
-            <a:ln w="12700">
-              <a:solidFill>
-                <a:schemeClr val="tx1"/>
-              </a:solidFill>
-              <a:prstDash val="dash"/>
-            </a:ln>
-          </p:spPr>
-          <p:style>
-            <a:lnRef idx="1">
-              <a:schemeClr val="accent1"/>
-            </a:lnRef>
-            <a:fillRef idx="0">
-              <a:schemeClr val="accent1"/>
-            </a:fillRef>
-            <a:effectRef idx="0">
-              <a:schemeClr val="accent1"/>
-            </a:effectRef>
-            <a:fontRef idx="minor">
-              <a:schemeClr val="tx1"/>
-            </a:fontRef>
-          </p:style>
-        </p:cxnSp>
-        <p:cxnSp>
-          <p:nvCxnSpPr>
-            <p:cNvPr id="72" name="Straight Connector 71"/>
-            <p:cNvCxnSpPr>
-              <a:stCxn id="64" idx="1"/>
-              <a:endCxn id="62" idx="1"/>
-            </p:cNvCxnSpPr>
-            <p:nvPr/>
-          </p:nvCxnSpPr>
-          <p:spPr>
-            <a:xfrm>
-              <a:off x="4622007" y="3283986"/>
-              <a:ext cx="0" cy="221194"/>
-            </a:xfrm>
-            <a:prstGeom prst="line">
-              <a:avLst/>
-            </a:prstGeom>
-            <a:ln w="12700">
-              <a:solidFill>
-                <a:schemeClr val="tx1"/>
-              </a:solidFill>
-              <a:prstDash val="dash"/>
-            </a:ln>
-          </p:spPr>
-          <p:style>
-            <a:lnRef idx="1">
-              <a:schemeClr val="accent1"/>
-            </a:lnRef>
-            <a:fillRef idx="0">
-              <a:schemeClr val="accent1"/>
-            </a:fillRef>
-            <a:effectRef idx="0">
-              <a:schemeClr val="accent1"/>
-            </a:effectRef>
-            <a:fontRef idx="minor">
-              <a:schemeClr val="tx1"/>
-            </a:fontRef>
-          </p:style>
-        </p:cxnSp>
-        <p:cxnSp>
-          <p:nvCxnSpPr>
-            <p:cNvPr id="77" name="Straight Connector 76"/>
-            <p:cNvCxnSpPr>
-              <a:stCxn id="65" idx="0"/>
-            </p:cNvCxnSpPr>
-            <p:nvPr/>
-          </p:nvCxnSpPr>
-          <p:spPr>
-            <a:xfrm>
-              <a:off x="4405368" y="3457574"/>
-              <a:ext cx="324958" cy="2381"/>
-            </a:xfrm>
-            <a:prstGeom prst="line">
-              <a:avLst/>
-            </a:prstGeom>
-            <a:ln w="12700">
-              <a:solidFill>
-                <a:schemeClr val="tx1"/>
-              </a:solidFill>
-              <a:prstDash val="dash"/>
-            </a:ln>
-          </p:spPr>
-          <p:style>
-            <a:lnRef idx="1">
-              <a:schemeClr val="accent1"/>
-            </a:lnRef>
-            <a:fillRef idx="0">
-              <a:schemeClr val="accent1"/>
-            </a:fillRef>
-            <a:effectRef idx="0">
-              <a:schemeClr val="accent1"/>
-            </a:effectRef>
-            <a:fontRef idx="minor">
-              <a:schemeClr val="tx1"/>
-            </a:fontRef>
-          </p:style>
-        </p:cxnSp>
-        <p:cxnSp>
-          <p:nvCxnSpPr>
-            <p:cNvPr id="80" name="Straight Connector 79"/>
-            <p:cNvCxnSpPr>
-              <a:stCxn id="65" idx="2"/>
-              <a:endCxn id="62" idx="2"/>
-            </p:cNvCxnSpPr>
-            <p:nvPr/>
-          </p:nvCxnSpPr>
-          <p:spPr>
-            <a:xfrm>
-              <a:off x="4405368" y="3548022"/>
-              <a:ext cx="330939" cy="2382"/>
-            </a:xfrm>
-            <a:prstGeom prst="line">
-              <a:avLst/>
-            </a:prstGeom>
-            <a:ln w="12700">
-              <a:solidFill>
-                <a:schemeClr val="tx1"/>
-              </a:solidFill>
-              <a:prstDash val="dash"/>
-            </a:ln>
-          </p:spPr>
-          <p:style>
-            <a:lnRef idx="1">
-              <a:schemeClr val="accent1"/>
-            </a:lnRef>
-            <a:fillRef idx="0">
-              <a:schemeClr val="accent1"/>
-            </a:fillRef>
-            <a:effectRef idx="0">
-              <a:schemeClr val="accent1"/>
-            </a:effectRef>
-            <a:fontRef idx="minor">
-              <a:schemeClr val="tx1"/>
-            </a:fontRef>
-          </p:style>
-        </p:cxnSp>
-      </p:grpSp>
-      <p:grpSp>
-        <p:nvGrpSpPr>
-          <p:cNvPr id="117" name="Group 116"/>
+          <p:cNvPr id="6" name="Group 5"/>
           <p:cNvGrpSpPr/>
           <p:nvPr/>
         </p:nvGrpSpPr>
@@ -9098,7 +8949,7 @@
           <a:xfrm>
             <a:off x="3166337" y="3422336"/>
             <a:ext cx="409575" cy="409575"/>
-            <a:chOff x="3166337" y="3543806"/>
+            <a:chOff x="3166337" y="3422336"/>
             <a:chExt cx="409575" cy="409575"/>
           </a:xfrm>
         </p:grpSpPr>
@@ -9110,16 +8961,16 @@
           </p:nvSpPr>
           <p:spPr>
             <a:xfrm rot="4575288">
-              <a:off x="3166336" y="3680727"/>
-              <a:ext cx="409575" cy="135733"/>
+              <a:off x="3166336" y="3584657"/>
+              <a:ext cx="409575" cy="84933"/>
             </a:xfrm>
             <a:prstGeom prst="rect">
               <a:avLst/>
             </a:prstGeom>
             <a:solidFill>
-              <a:srgbClr val="E46B09">
-                <a:alpha val="60000"/>
-              </a:srgbClr>
+              <a:schemeClr val="bg1">
+                <a:alpha val="0"/>
+              </a:schemeClr>
             </a:solidFill>
             <a:ln w="12700">
               <a:solidFill>
@@ -9161,19 +9012,20 @@
           </p:nvSpPr>
           <p:spPr>
             <a:xfrm>
-              <a:off x="3166337" y="3683941"/>
-              <a:ext cx="409575" cy="135733"/>
+              <a:off x="3166337" y="3587871"/>
+              <a:ext cx="409575" cy="84933"/>
             </a:xfrm>
             <a:prstGeom prst="rect">
               <a:avLst/>
             </a:prstGeom>
             <a:solidFill>
-              <a:srgbClr val="E46B09"/>
+              <a:srgbClr val="0070C0"/>
             </a:solidFill>
             <a:ln w="12700">
               <a:solidFill>
                 <a:schemeClr val="tx1"/>
               </a:solidFill>
+              <a:prstDash val="solid"/>
             </a:ln>
           </p:spPr>
           <p:style>
@@ -9201,1179 +9053,6 @@
             </a:p>
           </p:txBody>
         </p:sp>
-        <p:cxnSp>
-          <p:nvCxnSpPr>
-            <p:cNvPr id="93" name="Straight Arrow Connector 92"/>
-            <p:cNvCxnSpPr/>
-            <p:nvPr/>
-          </p:nvCxnSpPr>
-          <p:spPr>
-            <a:xfrm flipV="1">
-              <a:off x="3506856" y="3838724"/>
-              <a:ext cx="69056" cy="64293"/>
-            </a:xfrm>
-            <a:prstGeom prst="straightConnector1">
-              <a:avLst/>
-            </a:prstGeom>
-            <a:ln w="19050">
-              <a:solidFill>
-                <a:schemeClr val="tx1"/>
-              </a:solidFill>
-              <a:tailEnd type="triangle"/>
-            </a:ln>
-          </p:spPr>
-          <p:style>
-            <a:lnRef idx="1">
-              <a:schemeClr val="accent1"/>
-            </a:lnRef>
-            <a:fillRef idx="0">
-              <a:schemeClr val="accent1"/>
-            </a:fillRef>
-            <a:effectRef idx="0">
-              <a:schemeClr val="accent1"/>
-            </a:effectRef>
-            <a:fontRef idx="minor">
-              <a:schemeClr val="tx1"/>
-            </a:fontRef>
-          </p:style>
-        </p:cxnSp>
-        <p:cxnSp>
-          <p:nvCxnSpPr>
-            <p:cNvPr id="95" name="Straight Arrow Connector 94"/>
-            <p:cNvCxnSpPr/>
-            <p:nvPr/>
-          </p:nvCxnSpPr>
-          <p:spPr>
-            <a:xfrm flipH="1">
-              <a:off x="3183006" y="3594951"/>
-              <a:ext cx="68147" cy="69941"/>
-            </a:xfrm>
-            <a:prstGeom prst="straightConnector1">
-              <a:avLst/>
-            </a:prstGeom>
-            <a:ln w="19050">
-              <a:solidFill>
-                <a:schemeClr val="tx1"/>
-              </a:solidFill>
-              <a:tailEnd type="triangle"/>
-            </a:ln>
-          </p:spPr>
-          <p:style>
-            <a:lnRef idx="1">
-              <a:schemeClr val="accent1"/>
-            </a:lnRef>
-            <a:fillRef idx="0">
-              <a:schemeClr val="accent1"/>
-            </a:fillRef>
-            <a:effectRef idx="0">
-              <a:schemeClr val="accent1"/>
-            </a:effectRef>
-            <a:fontRef idx="minor">
-              <a:schemeClr val="tx1"/>
-            </a:fontRef>
-          </p:style>
-        </p:cxnSp>
-      </p:grpSp>
-      <p:grpSp>
-        <p:nvGrpSpPr>
-          <p:cNvPr id="116" name="Group 115"/>
-          <p:cNvGrpSpPr/>
-          <p:nvPr/>
-        </p:nvGrpSpPr>
-        <p:grpSpPr>
-          <a:xfrm>
-            <a:off x="5476008" y="3421145"/>
-            <a:ext cx="411957" cy="411957"/>
-            <a:chOff x="7211305" y="6260306"/>
-            <a:chExt cx="411957" cy="411957"/>
-          </a:xfrm>
-        </p:grpSpPr>
-        <p:sp>
-          <p:nvSpPr>
-            <p:cNvPr id="101" name="Rectangle 100"/>
-            <p:cNvSpPr/>
-            <p:nvPr/>
-          </p:nvSpPr>
-          <p:spPr>
-            <a:xfrm rot="4606391">
-              <a:off x="7350608" y="6260305"/>
-              <a:ext cx="133351" cy="411957"/>
-            </a:xfrm>
-            <a:prstGeom prst="rect">
-              <a:avLst/>
-            </a:prstGeom>
-            <a:solidFill>
-              <a:srgbClr val="E46B09">
-                <a:alpha val="60000"/>
-              </a:srgbClr>
-            </a:solidFill>
-            <a:ln w="12700">
-              <a:solidFill>
-                <a:schemeClr val="tx1">
-                  <a:alpha val="60000"/>
-                </a:schemeClr>
-              </a:solidFill>
-              <a:prstDash val="dash"/>
-            </a:ln>
-          </p:spPr>
-          <p:style>
-            <a:lnRef idx="2">
-              <a:schemeClr val="accent1">
-                <a:shade val="50000"/>
-              </a:schemeClr>
-            </a:lnRef>
-            <a:fillRef idx="1">
-              <a:schemeClr val="accent1"/>
-            </a:fillRef>
-            <a:effectRef idx="0">
-              <a:schemeClr val="accent1"/>
-            </a:effectRef>
-            <a:fontRef idx="minor">
-              <a:schemeClr val="lt1"/>
-            </a:fontRef>
-          </p:style>
-          <p:txBody>
-            <a:bodyPr rtlCol="0" anchor="ctr"/>
-            <a:lstStyle/>
-            <a:p>
-              <a:pPr algn="ctr"/>
-              <a:endParaRPr lang="en-US"/>
-            </a:p>
-          </p:txBody>
-        </p:sp>
-        <p:sp>
-          <p:nvSpPr>
-            <p:cNvPr id="100" name="Rectangle 99"/>
-            <p:cNvSpPr/>
-            <p:nvPr/>
-          </p:nvSpPr>
-          <p:spPr>
-            <a:xfrm>
-              <a:off x="7353300" y="6260306"/>
-              <a:ext cx="133351" cy="411957"/>
-            </a:xfrm>
-            <a:prstGeom prst="rect">
-              <a:avLst/>
-            </a:prstGeom>
-            <a:solidFill>
-              <a:srgbClr val="E46B09"/>
-            </a:solidFill>
-            <a:ln w="12700">
-              <a:solidFill>
-                <a:schemeClr val="tx1"/>
-              </a:solidFill>
-            </a:ln>
-          </p:spPr>
-          <p:style>
-            <a:lnRef idx="2">
-              <a:schemeClr val="accent1">
-                <a:shade val="50000"/>
-              </a:schemeClr>
-            </a:lnRef>
-            <a:fillRef idx="1">
-              <a:schemeClr val="accent1"/>
-            </a:fillRef>
-            <a:effectRef idx="0">
-              <a:schemeClr val="accent1"/>
-            </a:effectRef>
-            <a:fontRef idx="minor">
-              <a:schemeClr val="lt1"/>
-            </a:fontRef>
-          </p:style>
-          <p:txBody>
-            <a:bodyPr rtlCol="0" anchor="ctr"/>
-            <a:lstStyle/>
-            <a:p>
-              <a:pPr algn="ctr"/>
-              <a:endParaRPr lang="en-US"/>
-            </a:p>
-          </p:txBody>
-        </p:sp>
-        <p:cxnSp>
-          <p:nvCxnSpPr>
-            <p:cNvPr id="103" name="Straight Arrow Connector 102"/>
-            <p:cNvCxnSpPr/>
-            <p:nvPr/>
-          </p:nvCxnSpPr>
-          <p:spPr>
-            <a:xfrm flipH="1" flipV="1">
-              <a:off x="7505700" y="6260306"/>
-              <a:ext cx="76200" cy="73819"/>
-            </a:xfrm>
-            <a:prstGeom prst="straightConnector1">
-              <a:avLst/>
-            </a:prstGeom>
-            <a:ln w="19050">
-              <a:solidFill>
-                <a:schemeClr val="tx1"/>
-              </a:solidFill>
-              <a:tailEnd type="triangle"/>
-            </a:ln>
-          </p:spPr>
-          <p:style>
-            <a:lnRef idx="1">
-              <a:schemeClr val="accent1"/>
-            </a:lnRef>
-            <a:fillRef idx="0">
-              <a:schemeClr val="accent1"/>
-            </a:fillRef>
-            <a:effectRef idx="0">
-              <a:schemeClr val="accent1"/>
-            </a:effectRef>
-            <a:fontRef idx="minor">
-              <a:schemeClr val="tx1"/>
-            </a:fontRef>
-          </p:style>
-        </p:cxnSp>
-        <p:cxnSp>
-          <p:nvCxnSpPr>
-            <p:cNvPr id="108" name="Straight Arrow Connector 107"/>
-            <p:cNvCxnSpPr/>
-            <p:nvPr/>
-          </p:nvCxnSpPr>
-          <p:spPr>
-            <a:xfrm>
-              <a:off x="7262814" y="6589036"/>
-              <a:ext cx="71437" cy="72511"/>
-            </a:xfrm>
-            <a:prstGeom prst="straightConnector1">
-              <a:avLst/>
-            </a:prstGeom>
-            <a:ln w="19050">
-              <a:solidFill>
-                <a:schemeClr val="tx1"/>
-              </a:solidFill>
-              <a:tailEnd type="triangle"/>
-            </a:ln>
-          </p:spPr>
-          <p:style>
-            <a:lnRef idx="1">
-              <a:schemeClr val="accent1"/>
-            </a:lnRef>
-            <a:fillRef idx="0">
-              <a:schemeClr val="accent1"/>
-            </a:fillRef>
-            <a:effectRef idx="0">
-              <a:schemeClr val="accent1"/>
-            </a:effectRef>
-            <a:fontRef idx="minor">
-              <a:schemeClr val="tx1"/>
-            </a:fontRef>
-          </p:style>
-        </p:cxnSp>
-      </p:grpSp>
-      <p:grpSp>
-        <p:nvGrpSpPr>
-          <p:cNvPr id="267" name="Group 266"/>
-          <p:cNvGrpSpPr/>
-          <p:nvPr/>
-        </p:nvGrpSpPr>
-        <p:grpSpPr>
-          <a:xfrm>
-            <a:off x="7415889" y="3361446"/>
-            <a:ext cx="520939" cy="531355"/>
-            <a:chOff x="5824134" y="5895605"/>
-            <a:chExt cx="520939" cy="531355"/>
-          </a:xfrm>
-        </p:grpSpPr>
-        <p:sp>
-          <p:nvSpPr>
-            <p:cNvPr id="118" name="Rectangle 117"/>
-            <p:cNvSpPr/>
-            <p:nvPr/>
-          </p:nvSpPr>
-          <p:spPr>
-            <a:xfrm>
-              <a:off x="6017980" y="6088856"/>
-              <a:ext cx="142876" cy="142875"/>
-            </a:xfrm>
-            <a:prstGeom prst="rect">
-              <a:avLst/>
-            </a:prstGeom>
-            <a:solidFill>
-              <a:srgbClr val="E46B09"/>
-            </a:solidFill>
-            <a:ln w="12700">
-              <a:solidFill>
-                <a:schemeClr val="tx1"/>
-              </a:solidFill>
-            </a:ln>
-          </p:spPr>
-          <p:style>
-            <a:lnRef idx="2">
-              <a:schemeClr val="accent1">
-                <a:shade val="50000"/>
-              </a:schemeClr>
-            </a:lnRef>
-            <a:fillRef idx="1">
-              <a:schemeClr val="accent1"/>
-            </a:fillRef>
-            <a:effectRef idx="0">
-              <a:schemeClr val="accent1"/>
-            </a:effectRef>
-            <a:fontRef idx="minor">
-              <a:schemeClr val="lt1"/>
-            </a:fontRef>
-          </p:style>
-          <p:txBody>
-            <a:bodyPr rtlCol="0" anchor="ctr"/>
-            <a:lstStyle/>
-            <a:p>
-              <a:pPr algn="ctr"/>
-              <a:endParaRPr lang="en-US"/>
-            </a:p>
-          </p:txBody>
-        </p:sp>
-        <p:grpSp>
-          <p:nvGrpSpPr>
-            <p:cNvPr id="131" name="Group 130"/>
-            <p:cNvGrpSpPr/>
-            <p:nvPr/>
-          </p:nvGrpSpPr>
-          <p:grpSpPr>
-            <a:xfrm>
-              <a:off x="6001392" y="6271080"/>
-              <a:ext cx="155880" cy="155880"/>
-              <a:chOff x="6177194" y="5096973"/>
-              <a:chExt cx="411957" cy="411957"/>
-            </a:xfrm>
-          </p:grpSpPr>
-          <p:sp>
-            <p:nvSpPr>
-              <p:cNvPr id="121" name="Rectangle 120"/>
-              <p:cNvSpPr/>
-              <p:nvPr/>
-            </p:nvSpPr>
-            <p:spPr>
-              <a:xfrm rot="4606391">
-                <a:off x="6316497" y="5096972"/>
-                <a:ext cx="133351" cy="411957"/>
-              </a:xfrm>
-              <a:prstGeom prst="rect">
-                <a:avLst/>
-              </a:prstGeom>
-              <a:solidFill>
-                <a:srgbClr val="0070C0">
-                  <a:alpha val="60000"/>
-                </a:srgbClr>
-              </a:solidFill>
-              <a:ln w="12700">
-                <a:solidFill>
-                  <a:schemeClr val="tx1">
-                    <a:alpha val="60000"/>
-                  </a:schemeClr>
-                </a:solidFill>
-                <a:prstDash val="dash"/>
-              </a:ln>
-            </p:spPr>
-            <p:style>
-              <a:lnRef idx="2">
-                <a:schemeClr val="accent1">
-                  <a:shade val="50000"/>
-                </a:schemeClr>
-              </a:lnRef>
-              <a:fillRef idx="1">
-                <a:schemeClr val="accent1"/>
-              </a:fillRef>
-              <a:effectRef idx="0">
-                <a:schemeClr val="accent1"/>
-              </a:effectRef>
-              <a:fontRef idx="minor">
-                <a:schemeClr val="lt1"/>
-              </a:fontRef>
-            </p:style>
-            <p:txBody>
-              <a:bodyPr rtlCol="0" anchor="ctr"/>
-              <a:lstStyle/>
-              <a:p>
-                <a:pPr algn="ctr"/>
-                <a:endParaRPr lang="en-US"/>
-              </a:p>
-            </p:txBody>
-          </p:sp>
-          <p:sp>
-            <p:nvSpPr>
-              <p:cNvPr id="122" name="Rectangle 121"/>
-              <p:cNvSpPr/>
-              <p:nvPr/>
-            </p:nvSpPr>
-            <p:spPr>
-              <a:xfrm>
-                <a:off x="6319189" y="5096973"/>
-                <a:ext cx="133351" cy="411957"/>
-              </a:xfrm>
-              <a:prstGeom prst="rect">
-                <a:avLst/>
-              </a:prstGeom>
-              <a:solidFill>
-                <a:srgbClr val="0070C0"/>
-              </a:solidFill>
-              <a:ln w="12700">
-                <a:solidFill>
-                  <a:schemeClr val="tx1"/>
-                </a:solidFill>
-              </a:ln>
-            </p:spPr>
-            <p:style>
-              <a:lnRef idx="2">
-                <a:schemeClr val="accent1">
-                  <a:shade val="50000"/>
-                </a:schemeClr>
-              </a:lnRef>
-              <a:fillRef idx="1">
-                <a:schemeClr val="accent1"/>
-              </a:fillRef>
-              <a:effectRef idx="0">
-                <a:schemeClr val="accent1"/>
-              </a:effectRef>
-              <a:fontRef idx="minor">
-                <a:schemeClr val="lt1"/>
-              </a:fontRef>
-            </p:style>
-            <p:txBody>
-              <a:bodyPr rtlCol="0" anchor="ctr"/>
-              <a:lstStyle/>
-              <a:p>
-                <a:pPr algn="ctr"/>
-                <a:endParaRPr lang="en-US"/>
-              </a:p>
-            </p:txBody>
-          </p:sp>
-          <p:sp>
-            <p:nvSpPr>
-              <p:cNvPr id="127" name="Isosceles Triangle 126"/>
-              <p:cNvSpPr/>
-              <p:nvPr/>
-            </p:nvSpPr>
-            <p:spPr>
-              <a:xfrm rot="18759584">
-                <a:off x="6490864" y="5108865"/>
-                <a:ext cx="52387" cy="45719"/>
-              </a:xfrm>
-              <a:prstGeom prst="triangle">
-                <a:avLst/>
-              </a:prstGeom>
-              <a:solidFill>
-                <a:schemeClr val="tx1"/>
-              </a:solidFill>
-              <a:ln w="12700">
-                <a:solidFill>
-                  <a:schemeClr val="tx1"/>
-                </a:solidFill>
-              </a:ln>
-            </p:spPr>
-            <p:style>
-              <a:lnRef idx="2">
-                <a:schemeClr val="accent1">
-                  <a:shade val="50000"/>
-                </a:schemeClr>
-              </a:lnRef>
-              <a:fillRef idx="1">
-                <a:schemeClr val="accent1"/>
-              </a:fillRef>
-              <a:effectRef idx="0">
-                <a:schemeClr val="accent1"/>
-              </a:effectRef>
-              <a:fontRef idx="minor">
-                <a:schemeClr val="lt1"/>
-              </a:fontRef>
-            </p:style>
-            <p:txBody>
-              <a:bodyPr rtlCol="0" anchor="ctr"/>
-              <a:lstStyle/>
-              <a:p>
-                <a:pPr algn="ctr"/>
-                <a:endParaRPr lang="en-US"/>
-              </a:p>
-            </p:txBody>
-          </p:sp>
-          <p:sp>
-            <p:nvSpPr>
-              <p:cNvPr id="130" name="Isosceles Triangle 129"/>
-              <p:cNvSpPr/>
-              <p:nvPr/>
-            </p:nvSpPr>
-            <p:spPr>
-              <a:xfrm rot="7659000">
-                <a:off x="6228940" y="5446182"/>
-                <a:ext cx="52387" cy="45719"/>
-              </a:xfrm>
-              <a:prstGeom prst="triangle">
-                <a:avLst/>
-              </a:prstGeom>
-              <a:solidFill>
-                <a:schemeClr val="tx1"/>
-              </a:solidFill>
-              <a:ln w="12700">
-                <a:solidFill>
-                  <a:schemeClr val="tx1"/>
-                </a:solidFill>
-              </a:ln>
-            </p:spPr>
-            <p:style>
-              <a:lnRef idx="2">
-                <a:schemeClr val="accent1">
-                  <a:shade val="50000"/>
-                </a:schemeClr>
-              </a:lnRef>
-              <a:fillRef idx="1">
-                <a:schemeClr val="accent1"/>
-              </a:fillRef>
-              <a:effectRef idx="0">
-                <a:schemeClr val="accent1"/>
-              </a:effectRef>
-              <a:fontRef idx="minor">
-                <a:schemeClr val="lt1"/>
-              </a:fontRef>
-            </p:style>
-            <p:txBody>
-              <a:bodyPr rtlCol="0" anchor="ctr"/>
-              <a:lstStyle/>
-              <a:p>
-                <a:pPr algn="ctr"/>
-                <a:endParaRPr lang="en-US"/>
-              </a:p>
-            </p:txBody>
-          </p:sp>
-        </p:grpSp>
-        <p:grpSp>
-          <p:nvGrpSpPr>
-            <p:cNvPr id="132" name="Group 131"/>
-            <p:cNvGrpSpPr>
-              <a:grpSpLocks/>
-            </p:cNvGrpSpPr>
-            <p:nvPr/>
-          </p:nvGrpSpPr>
-          <p:grpSpPr>
-            <a:xfrm flipH="1">
-              <a:off x="6001392" y="5895605"/>
-              <a:ext cx="155880" cy="155880"/>
-              <a:chOff x="6177194" y="5096973"/>
-              <a:chExt cx="411957" cy="411957"/>
-            </a:xfrm>
-          </p:grpSpPr>
-          <p:sp>
-            <p:nvSpPr>
-              <p:cNvPr id="133" name="Rectangle 132"/>
-              <p:cNvSpPr/>
-              <p:nvPr/>
-            </p:nvSpPr>
-            <p:spPr>
-              <a:xfrm rot="4606391">
-                <a:off x="6316497" y="5096972"/>
-                <a:ext cx="133351" cy="411957"/>
-              </a:xfrm>
-              <a:prstGeom prst="rect">
-                <a:avLst/>
-              </a:prstGeom>
-              <a:solidFill>
-                <a:srgbClr val="0070C0">
-                  <a:alpha val="60000"/>
-                </a:srgbClr>
-              </a:solidFill>
-              <a:ln w="12700">
-                <a:solidFill>
-                  <a:schemeClr val="tx1">
-                    <a:alpha val="60000"/>
-                  </a:schemeClr>
-                </a:solidFill>
-                <a:prstDash val="dash"/>
-              </a:ln>
-            </p:spPr>
-            <p:style>
-              <a:lnRef idx="2">
-                <a:schemeClr val="accent1">
-                  <a:shade val="50000"/>
-                </a:schemeClr>
-              </a:lnRef>
-              <a:fillRef idx="1">
-                <a:schemeClr val="accent1"/>
-              </a:fillRef>
-              <a:effectRef idx="0">
-                <a:schemeClr val="accent1"/>
-              </a:effectRef>
-              <a:fontRef idx="minor">
-                <a:schemeClr val="lt1"/>
-              </a:fontRef>
-            </p:style>
-            <p:txBody>
-              <a:bodyPr rtlCol="0" anchor="ctr"/>
-              <a:lstStyle/>
-              <a:p>
-                <a:pPr algn="ctr"/>
-                <a:endParaRPr lang="en-US"/>
-              </a:p>
-            </p:txBody>
-          </p:sp>
-          <p:sp>
-            <p:nvSpPr>
-              <p:cNvPr id="134" name="Rectangle 133"/>
-              <p:cNvSpPr/>
-              <p:nvPr/>
-            </p:nvSpPr>
-            <p:spPr>
-              <a:xfrm>
-                <a:off x="6319189" y="5096973"/>
-                <a:ext cx="133351" cy="411957"/>
-              </a:xfrm>
-              <a:prstGeom prst="rect">
-                <a:avLst/>
-              </a:prstGeom>
-              <a:solidFill>
-                <a:srgbClr val="0070C0"/>
-              </a:solidFill>
-              <a:ln w="12700">
-                <a:solidFill>
-                  <a:schemeClr val="tx1"/>
-                </a:solidFill>
-              </a:ln>
-            </p:spPr>
-            <p:style>
-              <a:lnRef idx="2">
-                <a:schemeClr val="accent1">
-                  <a:shade val="50000"/>
-                </a:schemeClr>
-              </a:lnRef>
-              <a:fillRef idx="1">
-                <a:schemeClr val="accent1"/>
-              </a:fillRef>
-              <a:effectRef idx="0">
-                <a:schemeClr val="accent1"/>
-              </a:effectRef>
-              <a:fontRef idx="minor">
-                <a:schemeClr val="lt1"/>
-              </a:fontRef>
-            </p:style>
-            <p:txBody>
-              <a:bodyPr rtlCol="0" anchor="ctr"/>
-              <a:lstStyle/>
-              <a:p>
-                <a:pPr algn="ctr"/>
-                <a:endParaRPr lang="en-US"/>
-              </a:p>
-            </p:txBody>
-          </p:sp>
-          <p:sp>
-            <p:nvSpPr>
-              <p:cNvPr id="135" name="Isosceles Triangle 134"/>
-              <p:cNvSpPr/>
-              <p:nvPr/>
-            </p:nvSpPr>
-            <p:spPr>
-              <a:xfrm rot="18759584">
-                <a:off x="6490864" y="5108865"/>
-                <a:ext cx="52387" cy="45719"/>
-              </a:xfrm>
-              <a:prstGeom prst="triangle">
-                <a:avLst/>
-              </a:prstGeom>
-              <a:solidFill>
-                <a:schemeClr val="tx1"/>
-              </a:solidFill>
-              <a:ln w="12700">
-                <a:solidFill>
-                  <a:schemeClr val="tx1"/>
-                </a:solidFill>
-              </a:ln>
-            </p:spPr>
-            <p:style>
-              <a:lnRef idx="2">
-                <a:schemeClr val="accent1">
-                  <a:shade val="50000"/>
-                </a:schemeClr>
-              </a:lnRef>
-              <a:fillRef idx="1">
-                <a:schemeClr val="accent1"/>
-              </a:fillRef>
-              <a:effectRef idx="0">
-                <a:schemeClr val="accent1"/>
-              </a:effectRef>
-              <a:fontRef idx="minor">
-                <a:schemeClr val="lt1"/>
-              </a:fontRef>
-            </p:style>
-            <p:txBody>
-              <a:bodyPr rtlCol="0" anchor="ctr"/>
-              <a:lstStyle/>
-              <a:p>
-                <a:pPr algn="ctr"/>
-                <a:endParaRPr lang="en-US"/>
-              </a:p>
-            </p:txBody>
-          </p:sp>
-          <p:sp>
-            <p:nvSpPr>
-              <p:cNvPr id="136" name="Isosceles Triangle 135"/>
-              <p:cNvSpPr/>
-              <p:nvPr/>
-            </p:nvSpPr>
-            <p:spPr>
-              <a:xfrm rot="7659000">
-                <a:off x="6228940" y="5446182"/>
-                <a:ext cx="52387" cy="45719"/>
-              </a:xfrm>
-              <a:prstGeom prst="triangle">
-                <a:avLst/>
-              </a:prstGeom>
-              <a:solidFill>
-                <a:schemeClr val="tx1"/>
-              </a:solidFill>
-              <a:ln w="12700">
-                <a:solidFill>
-                  <a:schemeClr val="tx1"/>
-                </a:solidFill>
-              </a:ln>
-            </p:spPr>
-            <p:style>
-              <a:lnRef idx="2">
-                <a:schemeClr val="accent1">
-                  <a:shade val="50000"/>
-                </a:schemeClr>
-              </a:lnRef>
-              <a:fillRef idx="1">
-                <a:schemeClr val="accent1"/>
-              </a:fillRef>
-              <a:effectRef idx="0">
-                <a:schemeClr val="accent1"/>
-              </a:effectRef>
-              <a:fontRef idx="minor">
-                <a:schemeClr val="lt1"/>
-              </a:fontRef>
-            </p:style>
-            <p:txBody>
-              <a:bodyPr rtlCol="0" anchor="ctr"/>
-              <a:lstStyle/>
-              <a:p>
-                <a:pPr algn="ctr"/>
-                <a:endParaRPr lang="en-US"/>
-              </a:p>
-            </p:txBody>
-          </p:sp>
-        </p:grpSp>
-        <p:grpSp>
-          <p:nvGrpSpPr>
-            <p:cNvPr id="152" name="Group 151"/>
-            <p:cNvGrpSpPr>
-              <a:grpSpLocks/>
-            </p:cNvGrpSpPr>
-            <p:nvPr/>
-          </p:nvGrpSpPr>
-          <p:grpSpPr>
-            <a:xfrm>
-              <a:off x="5824134" y="6082353"/>
-              <a:ext cx="155880" cy="155880"/>
-              <a:chOff x="5308087" y="5973545"/>
-              <a:chExt cx="409575" cy="409575"/>
-            </a:xfrm>
-          </p:grpSpPr>
-          <p:sp>
-            <p:nvSpPr>
-              <p:cNvPr id="138" name="Rectangle 137"/>
-              <p:cNvSpPr/>
-              <p:nvPr/>
-            </p:nvSpPr>
-            <p:spPr>
-              <a:xfrm rot="4575288">
-                <a:off x="5308086" y="6110466"/>
-                <a:ext cx="409575" cy="135733"/>
-              </a:xfrm>
-              <a:prstGeom prst="rect">
-                <a:avLst/>
-              </a:prstGeom>
-              <a:solidFill>
-                <a:srgbClr val="0070C0">
-                  <a:alpha val="60000"/>
-                </a:srgbClr>
-              </a:solidFill>
-              <a:ln w="12700">
-                <a:solidFill>
-                  <a:schemeClr val="tx1"/>
-                </a:solidFill>
-                <a:prstDash val="dash"/>
-              </a:ln>
-            </p:spPr>
-            <p:style>
-              <a:lnRef idx="2">
-                <a:schemeClr val="accent1">
-                  <a:shade val="50000"/>
-                </a:schemeClr>
-              </a:lnRef>
-              <a:fillRef idx="1">
-                <a:schemeClr val="accent1"/>
-              </a:fillRef>
-              <a:effectRef idx="0">
-                <a:schemeClr val="accent1"/>
-              </a:effectRef>
-              <a:fontRef idx="minor">
-                <a:schemeClr val="lt1"/>
-              </a:fontRef>
-            </p:style>
-            <p:txBody>
-              <a:bodyPr rtlCol="0" anchor="ctr"/>
-              <a:lstStyle/>
-              <a:p>
-                <a:pPr algn="ctr"/>
-                <a:endParaRPr lang="en-US"/>
-              </a:p>
-            </p:txBody>
-          </p:sp>
-          <p:sp>
-            <p:nvSpPr>
-              <p:cNvPr id="139" name="Rectangle 138"/>
-              <p:cNvSpPr/>
-              <p:nvPr/>
-            </p:nvSpPr>
-            <p:spPr>
-              <a:xfrm>
-                <a:off x="5308087" y="6113680"/>
-                <a:ext cx="409575" cy="135733"/>
-              </a:xfrm>
-              <a:prstGeom prst="rect">
-                <a:avLst/>
-              </a:prstGeom>
-              <a:solidFill>
-                <a:srgbClr val="0070C0"/>
-              </a:solidFill>
-              <a:ln w="12700">
-                <a:solidFill>
-                  <a:schemeClr val="tx1"/>
-                </a:solidFill>
-              </a:ln>
-            </p:spPr>
-            <p:style>
-              <a:lnRef idx="2">
-                <a:schemeClr val="accent1">
-                  <a:shade val="50000"/>
-                </a:schemeClr>
-              </a:lnRef>
-              <a:fillRef idx="1">
-                <a:schemeClr val="accent1"/>
-              </a:fillRef>
-              <a:effectRef idx="0">
-                <a:schemeClr val="accent1"/>
-              </a:effectRef>
-              <a:fontRef idx="minor">
-                <a:schemeClr val="lt1"/>
-              </a:fontRef>
-            </p:style>
-            <p:txBody>
-              <a:bodyPr rtlCol="0" anchor="ctr"/>
-              <a:lstStyle/>
-              <a:p>
-                <a:pPr algn="ctr"/>
-                <a:endParaRPr lang="en-US"/>
-              </a:p>
-            </p:txBody>
-          </p:sp>
-          <p:sp>
-            <p:nvSpPr>
-              <p:cNvPr id="147" name="Isosceles Triangle 146"/>
-              <p:cNvSpPr/>
-              <p:nvPr/>
-            </p:nvSpPr>
-            <p:spPr>
-              <a:xfrm rot="13484501">
-                <a:off x="5335151" y="6036801"/>
-                <a:ext cx="45719" cy="45719"/>
-              </a:xfrm>
-              <a:prstGeom prst="triangle">
-                <a:avLst/>
-              </a:prstGeom>
-              <a:solidFill>
-                <a:schemeClr val="tx1"/>
-              </a:solidFill>
-              <a:ln w="12700">
-                <a:solidFill>
-                  <a:schemeClr val="tx1"/>
-                </a:solidFill>
-              </a:ln>
-            </p:spPr>
-            <p:style>
-              <a:lnRef idx="2">
-                <a:schemeClr val="accent1">
-                  <a:shade val="50000"/>
-                </a:schemeClr>
-              </a:lnRef>
-              <a:fillRef idx="1">
-                <a:schemeClr val="accent1"/>
-              </a:fillRef>
-              <a:effectRef idx="0">
-                <a:schemeClr val="accent1"/>
-              </a:effectRef>
-              <a:fontRef idx="minor">
-                <a:schemeClr val="lt1"/>
-              </a:fontRef>
-            </p:style>
-            <p:txBody>
-              <a:bodyPr rtlCol="0" anchor="ctr"/>
-              <a:lstStyle/>
-              <a:p>
-                <a:pPr algn="ctr"/>
-                <a:endParaRPr lang="en-US"/>
-              </a:p>
-            </p:txBody>
-          </p:sp>
-          <p:sp>
-            <p:nvSpPr>
-              <p:cNvPr id="151" name="Isosceles Triangle 150"/>
-              <p:cNvSpPr/>
-              <p:nvPr/>
-            </p:nvSpPr>
-            <p:spPr>
-              <a:xfrm rot="2700000">
-                <a:off x="5659126" y="6277568"/>
-                <a:ext cx="45719" cy="45719"/>
-              </a:xfrm>
-              <a:prstGeom prst="triangle">
-                <a:avLst/>
-              </a:prstGeom>
-              <a:solidFill>
-                <a:schemeClr val="tx1"/>
-              </a:solidFill>
-              <a:ln w="12700">
-                <a:solidFill>
-                  <a:schemeClr val="tx1"/>
-                </a:solidFill>
-              </a:ln>
-            </p:spPr>
-            <p:style>
-              <a:lnRef idx="2">
-                <a:schemeClr val="accent1">
-                  <a:shade val="50000"/>
-                </a:schemeClr>
-              </a:lnRef>
-              <a:fillRef idx="1">
-                <a:schemeClr val="accent1"/>
-              </a:fillRef>
-              <a:effectRef idx="0">
-                <a:schemeClr val="accent1"/>
-              </a:effectRef>
-              <a:fontRef idx="minor">
-                <a:schemeClr val="lt1"/>
-              </a:fontRef>
-            </p:style>
-            <p:txBody>
-              <a:bodyPr rtlCol="0" anchor="ctr"/>
-              <a:lstStyle/>
-              <a:p>
-                <a:pPr algn="ctr"/>
-                <a:endParaRPr lang="en-US"/>
-              </a:p>
-            </p:txBody>
-          </p:sp>
-        </p:grpSp>
-        <p:grpSp>
-          <p:nvGrpSpPr>
-            <p:cNvPr id="191" name="Group 190"/>
-            <p:cNvGrpSpPr>
-              <a:grpSpLocks/>
-            </p:cNvGrpSpPr>
-            <p:nvPr/>
-          </p:nvGrpSpPr>
-          <p:grpSpPr>
-            <a:xfrm flipV="1">
-              <a:off x="6189193" y="6082354"/>
-              <a:ext cx="155880" cy="155880"/>
-              <a:chOff x="5308087" y="5973545"/>
-              <a:chExt cx="409575" cy="409575"/>
-            </a:xfrm>
-          </p:grpSpPr>
-          <p:sp>
-            <p:nvSpPr>
-              <p:cNvPr id="192" name="Rectangle 191"/>
-              <p:cNvSpPr/>
-              <p:nvPr/>
-            </p:nvSpPr>
-            <p:spPr>
-              <a:xfrm rot="4575288">
-                <a:off x="5308086" y="6110466"/>
-                <a:ext cx="409575" cy="135733"/>
-              </a:xfrm>
-              <a:prstGeom prst="rect">
-                <a:avLst/>
-              </a:prstGeom>
-              <a:solidFill>
-                <a:srgbClr val="0070C0">
-                  <a:alpha val="60000"/>
-                </a:srgbClr>
-              </a:solidFill>
-              <a:ln w="12700">
-                <a:solidFill>
-                  <a:schemeClr val="tx1"/>
-                </a:solidFill>
-                <a:prstDash val="dash"/>
-              </a:ln>
-            </p:spPr>
-            <p:style>
-              <a:lnRef idx="2">
-                <a:schemeClr val="accent1">
-                  <a:shade val="50000"/>
-                </a:schemeClr>
-              </a:lnRef>
-              <a:fillRef idx="1">
-                <a:schemeClr val="accent1"/>
-              </a:fillRef>
-              <a:effectRef idx="0">
-                <a:schemeClr val="accent1"/>
-              </a:effectRef>
-              <a:fontRef idx="minor">
-                <a:schemeClr val="lt1"/>
-              </a:fontRef>
-            </p:style>
-            <p:txBody>
-              <a:bodyPr rtlCol="0" anchor="ctr"/>
-              <a:lstStyle/>
-              <a:p>
-                <a:pPr algn="ctr"/>
-                <a:endParaRPr lang="en-US"/>
-              </a:p>
-            </p:txBody>
-          </p:sp>
-          <p:sp>
-            <p:nvSpPr>
-              <p:cNvPr id="193" name="Rectangle 192"/>
-              <p:cNvSpPr/>
-              <p:nvPr/>
-            </p:nvSpPr>
-            <p:spPr>
-              <a:xfrm>
-                <a:off x="5308087" y="6113680"/>
-                <a:ext cx="409575" cy="135733"/>
-              </a:xfrm>
-              <a:prstGeom prst="rect">
-                <a:avLst/>
-              </a:prstGeom>
-              <a:solidFill>
-                <a:srgbClr val="0070C0"/>
-              </a:solidFill>
-              <a:ln w="12700">
-                <a:solidFill>
-                  <a:schemeClr val="tx1"/>
-                </a:solidFill>
-              </a:ln>
-            </p:spPr>
-            <p:style>
-              <a:lnRef idx="2">
-                <a:schemeClr val="accent1">
-                  <a:shade val="50000"/>
-                </a:schemeClr>
-              </a:lnRef>
-              <a:fillRef idx="1">
-                <a:schemeClr val="accent1"/>
-              </a:fillRef>
-              <a:effectRef idx="0">
-                <a:schemeClr val="accent1"/>
-              </a:effectRef>
-              <a:fontRef idx="minor">
-                <a:schemeClr val="lt1"/>
-              </a:fontRef>
-            </p:style>
-            <p:txBody>
-              <a:bodyPr rtlCol="0" anchor="ctr"/>
-              <a:lstStyle/>
-              <a:p>
-                <a:pPr algn="ctr"/>
-                <a:endParaRPr lang="en-US"/>
-              </a:p>
-            </p:txBody>
-          </p:sp>
-          <p:sp>
-            <p:nvSpPr>
-              <p:cNvPr id="194" name="Isosceles Triangle 193"/>
-              <p:cNvSpPr/>
-              <p:nvPr/>
-            </p:nvSpPr>
-            <p:spPr>
-              <a:xfrm rot="13484501">
-                <a:off x="5335151" y="6036801"/>
-                <a:ext cx="45719" cy="45719"/>
-              </a:xfrm>
-              <a:prstGeom prst="triangle">
-                <a:avLst/>
-              </a:prstGeom>
-              <a:solidFill>
-                <a:schemeClr val="tx1"/>
-              </a:solidFill>
-              <a:ln w="12700">
-                <a:solidFill>
-                  <a:schemeClr val="tx1"/>
-                </a:solidFill>
-              </a:ln>
-            </p:spPr>
-            <p:style>
-              <a:lnRef idx="2">
-                <a:schemeClr val="accent1">
-                  <a:shade val="50000"/>
-                </a:schemeClr>
-              </a:lnRef>
-              <a:fillRef idx="1">
-                <a:schemeClr val="accent1"/>
-              </a:fillRef>
-              <a:effectRef idx="0">
-                <a:schemeClr val="accent1"/>
-              </a:effectRef>
-              <a:fontRef idx="minor">
-                <a:schemeClr val="lt1"/>
-              </a:fontRef>
-            </p:style>
-            <p:txBody>
-              <a:bodyPr rtlCol="0" anchor="ctr"/>
-              <a:lstStyle/>
-              <a:p>
-                <a:pPr algn="ctr"/>
-                <a:endParaRPr lang="en-US"/>
-              </a:p>
-            </p:txBody>
-          </p:sp>
-          <p:sp>
-            <p:nvSpPr>
-              <p:cNvPr id="195" name="Isosceles Triangle 194"/>
-              <p:cNvSpPr/>
-              <p:nvPr/>
-            </p:nvSpPr>
-            <p:spPr>
-              <a:xfrm rot="2700000">
-                <a:off x="5659126" y="6277568"/>
-                <a:ext cx="45719" cy="45719"/>
-              </a:xfrm>
-              <a:prstGeom prst="triangle">
-                <a:avLst/>
-              </a:prstGeom>
-              <a:solidFill>
-                <a:schemeClr val="tx1"/>
-              </a:solidFill>
-              <a:ln w="12700">
-                <a:solidFill>
-                  <a:schemeClr val="tx1"/>
-                </a:solidFill>
-              </a:ln>
-            </p:spPr>
-            <p:style>
-              <a:lnRef idx="2">
-                <a:schemeClr val="accent1">
-                  <a:shade val="50000"/>
-                </a:schemeClr>
-              </a:lnRef>
-              <a:fillRef idx="1">
-                <a:schemeClr val="accent1"/>
-              </a:fillRef>
-              <a:effectRef idx="0">
-                <a:schemeClr val="accent1"/>
-              </a:effectRef>
-              <a:fontRef idx="minor">
-                <a:schemeClr val="lt1"/>
-              </a:fontRef>
-            </p:style>
-            <p:txBody>
-              <a:bodyPr rtlCol="0" anchor="ctr"/>
-              <a:lstStyle/>
-              <a:p>
-                <a:pPr algn="ctr"/>
-                <a:endParaRPr lang="en-US"/>
-              </a:p>
-            </p:txBody>
-          </p:sp>
-        </p:grpSp>
       </p:grpSp>
       <p:sp>
         <p:nvSpPr>
@@ -10406,34 +9085,72 @@
       </p:sp>
       <p:grpSp>
         <p:nvGrpSpPr>
-          <p:cNvPr id="160" name="组合 9"/>
+          <p:cNvPr id="8" name="Group 7"/>
           <p:cNvGrpSpPr/>
           <p:nvPr/>
         </p:nvGrpSpPr>
         <p:grpSpPr>
           <a:xfrm>
-            <a:off x="3086496" y="5331430"/>
-            <a:ext cx="569257" cy="565821"/>
-            <a:chOff x="4443948" y="5281268"/>
-            <a:chExt cx="597872" cy="594263"/>
+            <a:off x="7529499" y="3366403"/>
+            <a:ext cx="478645" cy="487364"/>
+            <a:chOff x="7529499" y="3366403"/>
+            <a:chExt cx="478645" cy="487364"/>
           </a:xfrm>
         </p:grpSpPr>
+        <p:cxnSp>
+          <p:nvCxnSpPr>
+            <p:cNvPr id="169" name="Straight Connector 168"/>
+            <p:cNvCxnSpPr>
+              <a:endCxn id="171" idx="7"/>
+            </p:cNvCxnSpPr>
+            <p:nvPr/>
+          </p:nvCxnSpPr>
+          <p:spPr>
+            <a:xfrm flipH="1">
+              <a:off x="7683971" y="3366403"/>
+              <a:ext cx="324173" cy="332892"/>
+            </a:xfrm>
+            <a:prstGeom prst="line">
+              <a:avLst/>
+            </a:prstGeom>
+            <a:ln w="12700">
+              <a:solidFill>
+                <a:schemeClr val="tx1"/>
+              </a:solidFill>
+              <a:prstDash val="dash"/>
+            </a:ln>
+          </p:spPr>
+          <p:style>
+            <a:lnRef idx="1">
+              <a:schemeClr val="accent1"/>
+            </a:lnRef>
+            <a:fillRef idx="0">
+              <a:schemeClr val="accent1"/>
+            </a:fillRef>
+            <a:effectRef idx="0">
+              <a:schemeClr val="accent1"/>
+            </a:effectRef>
+            <a:fontRef idx="minor">
+              <a:schemeClr val="tx1"/>
+            </a:fontRef>
+          </p:style>
+        </p:cxnSp>
         <p:sp>
           <p:nvSpPr>
-            <p:cNvPr id="161" name="Rectangle 46"/>
+            <p:cNvPr id="171" name="Oval 170"/>
             <p:cNvSpPr/>
             <p:nvPr/>
           </p:nvSpPr>
           <p:spPr>
             <a:xfrm>
-              <a:off x="4615366" y="5549841"/>
-              <a:ext cx="165735" cy="159194"/>
-            </a:xfrm>
-            <a:prstGeom prst="rect">
+              <a:off x="7529499" y="3672792"/>
+              <a:ext cx="180975" cy="180975"/>
+            </a:xfrm>
+            <a:prstGeom prst="ellipse">
               <a:avLst/>
             </a:prstGeom>
             <a:solidFill>
-              <a:srgbClr val="E46B09"/>
+              <a:srgbClr val="EFA66B"/>
             </a:solidFill>
             <a:ln w="12700">
               <a:solidFill>
@@ -10468,20 +9185,26 @@
         </p:sp>
         <p:sp>
           <p:nvSpPr>
-            <p:cNvPr id="162" name="Oval 51"/>
-            <p:cNvSpPr/>
+            <p:cNvPr id="172" name="Rectangle 171"/>
+            <p:cNvSpPr>
+              <a:spLocks noChangeAspect="1"/>
+            </p:cNvSpPr>
             <p:nvPr/>
           </p:nvSpPr>
           <p:spPr>
-            <a:xfrm>
-              <a:off x="4443948" y="5375353"/>
-              <a:ext cx="498944" cy="500178"/>
-            </a:xfrm>
-            <a:prstGeom prst="ellipse">
+            <a:xfrm rot="7267194">
+              <a:off x="7803485" y="3403980"/>
+              <a:ext cx="82551" cy="255022"/>
+            </a:xfrm>
+            <a:prstGeom prst="rect">
               <a:avLst/>
             </a:prstGeom>
-            <a:noFill/>
-            <a:ln w="19050">
+            <a:solidFill>
+              <a:srgbClr val="FFFFFF">
+                <a:alpha val="0"/>
+              </a:srgbClr>
+            </a:solidFill>
+            <a:ln w="12700">
               <a:solidFill>
                 <a:schemeClr val="tx1"/>
               </a:solidFill>
@@ -10515,16 +9238,18 @@
         </p:sp>
         <p:sp>
           <p:nvSpPr>
-            <p:cNvPr id="163" name="燕尾形 58"/>
-            <p:cNvSpPr/>
+            <p:cNvPr id="173" name="Rectangle 172"/>
+            <p:cNvSpPr>
+              <a:spLocks noChangeAspect="1"/>
+            </p:cNvSpPr>
             <p:nvPr/>
           </p:nvSpPr>
           <p:spPr>
-            <a:xfrm rot="953220">
-              <a:off x="4678070" y="5281268"/>
-              <a:ext cx="131377" cy="187960"/>
-            </a:xfrm>
-            <a:prstGeom prst="chevron">
+            <a:xfrm rot="2647189">
+              <a:off x="7803485" y="3403978"/>
+              <a:ext cx="82551" cy="255022"/>
+            </a:xfrm>
+            <a:prstGeom prst="rect">
               <a:avLst/>
             </a:prstGeom>
             <a:solidFill>
@@ -10557,30 +9282,92 @@
             <a:lstStyle/>
             <a:p>
               <a:pPr algn="ctr"/>
-              <a:endParaRPr lang="zh-CN" altLang="en-US">
-                <a:solidFill>
-                  <a:schemeClr val="tx1"/>
-                </a:solidFill>
-              </a:endParaRPr>
+              <a:endParaRPr lang="en-US"/>
+            </a:p>
+          </p:txBody>
+        </p:sp>
+      </p:grpSp>
+      <p:grpSp>
+        <p:nvGrpSpPr>
+          <p:cNvPr id="32" name="Group 31"/>
+          <p:cNvGrpSpPr/>
+          <p:nvPr/>
+        </p:nvGrpSpPr>
+        <p:grpSpPr>
+          <a:xfrm>
+            <a:off x="3139732" y="5487659"/>
+            <a:ext cx="462781" cy="469792"/>
+            <a:chOff x="3139732" y="5487659"/>
+            <a:chExt cx="462781" cy="469792"/>
+          </a:xfrm>
+        </p:grpSpPr>
+        <p:sp>
+          <p:nvSpPr>
+            <p:cNvPr id="203" name="Arc 202"/>
+            <p:cNvSpPr>
+              <a:spLocks noChangeAspect="1"/>
+            </p:cNvSpPr>
+            <p:nvPr/>
+          </p:nvSpPr>
+          <p:spPr>
+            <a:xfrm>
+              <a:off x="3139732" y="5493432"/>
+              <a:ext cx="462781" cy="462781"/>
+            </a:xfrm>
+            <a:prstGeom prst="arc">
+              <a:avLst>
+                <a:gd name="adj1" fmla="val 16747602"/>
+                <a:gd name="adj2" fmla="val 4899949"/>
+              </a:avLst>
+            </a:prstGeom>
+            <a:ln w="12700">
+              <a:solidFill>
+                <a:schemeClr val="tx1"/>
+              </a:solidFill>
+              <a:prstDash val="dash"/>
+              <a:headEnd type="none" w="med" len="med"/>
+              <a:tailEnd type="none" w="med" len="med"/>
+            </a:ln>
+          </p:spPr>
+          <p:style>
+            <a:lnRef idx="1">
+              <a:schemeClr val="accent1"/>
+            </a:lnRef>
+            <a:fillRef idx="0">
+              <a:schemeClr val="accent1"/>
+            </a:fillRef>
+            <a:effectRef idx="0">
+              <a:schemeClr val="accent1"/>
+            </a:effectRef>
+            <a:fontRef idx="minor">
+              <a:schemeClr val="tx1"/>
+            </a:fontRef>
+          </p:style>
+          <p:txBody>
+            <a:bodyPr rtlCol="0" anchor="ctr"/>
+            <a:lstStyle/>
+            <a:p>
+              <a:pPr algn="ctr"/>
+              <a:endParaRPr lang="en-US"/>
             </a:p>
           </p:txBody>
         </p:sp>
         <p:sp>
           <p:nvSpPr>
-            <p:cNvPr id="164" name="燕尾形 59"/>
+            <p:cNvPr id="204" name="Oval 203"/>
             <p:cNvSpPr/>
             <p:nvPr/>
           </p:nvSpPr>
           <p:spPr>
-            <a:xfrm rot="5400000">
-              <a:off x="4882151" y="5511387"/>
-              <a:ext cx="131377" cy="187960"/>
-            </a:xfrm>
-            <a:prstGeom prst="chevron">
+            <a:xfrm>
+              <a:off x="3280636" y="5635611"/>
+              <a:ext cx="180975" cy="180975"/>
+            </a:xfrm>
+            <a:prstGeom prst="ellipse">
               <a:avLst/>
             </a:prstGeom>
             <a:solidFill>
-              <a:srgbClr val="0070C0"/>
+              <a:srgbClr val="EFA66B"/>
             </a:solidFill>
             <a:ln w="12700">
               <a:solidFill>
@@ -10609,11 +9396,842 @@
             <a:lstStyle/>
             <a:p>
               <a:pPr algn="ctr"/>
-              <a:endParaRPr lang="zh-CN" altLang="en-US">
-                <a:solidFill>
-                  <a:schemeClr val="tx1"/>
-                </a:solidFill>
-              </a:endParaRPr>
+              <a:endParaRPr lang="en-US"/>
+            </a:p>
+          </p:txBody>
+        </p:sp>
+        <p:sp>
+          <p:nvSpPr>
+            <p:cNvPr id="205" name="Oval 204"/>
+            <p:cNvSpPr/>
+            <p:nvPr/>
+          </p:nvSpPr>
+          <p:spPr>
+            <a:xfrm>
+              <a:off x="3454668" y="5487659"/>
+              <a:ext cx="121956" cy="121956"/>
+            </a:xfrm>
+            <a:prstGeom prst="ellipse">
+              <a:avLst/>
+            </a:prstGeom>
+            <a:solidFill>
+              <a:srgbClr val="0070C0"/>
+            </a:solidFill>
+            <a:ln w="12700">
+              <a:solidFill>
+                <a:schemeClr val="tx1"/>
+              </a:solidFill>
+              <a:prstDash val="solid"/>
+            </a:ln>
+          </p:spPr>
+          <p:style>
+            <a:lnRef idx="2">
+              <a:schemeClr val="accent1">
+                <a:shade val="50000"/>
+              </a:schemeClr>
+            </a:lnRef>
+            <a:fillRef idx="1">
+              <a:schemeClr val="accent1"/>
+            </a:fillRef>
+            <a:effectRef idx="0">
+              <a:schemeClr val="accent1"/>
+            </a:effectRef>
+            <a:fontRef idx="minor">
+              <a:schemeClr val="lt1"/>
+            </a:fontRef>
+          </p:style>
+          <p:txBody>
+            <a:bodyPr rtlCol="0" anchor="ctr"/>
+            <a:lstStyle/>
+            <a:p>
+              <a:pPr algn="ctr"/>
+              <a:endParaRPr lang="en-US"/>
+            </a:p>
+          </p:txBody>
+        </p:sp>
+        <p:sp>
+          <p:nvSpPr>
+            <p:cNvPr id="206" name="Oval 205"/>
+            <p:cNvSpPr/>
+            <p:nvPr/>
+          </p:nvSpPr>
+          <p:spPr>
+            <a:xfrm>
+              <a:off x="3462959" y="5835495"/>
+              <a:ext cx="121956" cy="121956"/>
+            </a:xfrm>
+            <a:prstGeom prst="ellipse">
+              <a:avLst/>
+            </a:prstGeom>
+            <a:solidFill>
+              <a:srgbClr val="0070C0"/>
+            </a:solidFill>
+            <a:ln w="12700">
+              <a:solidFill>
+                <a:schemeClr val="tx1"/>
+              </a:solidFill>
+            </a:ln>
+          </p:spPr>
+          <p:style>
+            <a:lnRef idx="2">
+              <a:schemeClr val="accent1">
+                <a:shade val="50000"/>
+              </a:schemeClr>
+            </a:lnRef>
+            <a:fillRef idx="1">
+              <a:schemeClr val="accent1"/>
+            </a:fillRef>
+            <a:effectRef idx="0">
+              <a:schemeClr val="accent1"/>
+            </a:effectRef>
+            <a:fontRef idx="minor">
+              <a:schemeClr val="lt1"/>
+            </a:fontRef>
+          </p:style>
+          <p:txBody>
+            <a:bodyPr rtlCol="0" anchor="ctr"/>
+            <a:lstStyle/>
+            <a:p>
+              <a:pPr algn="ctr"/>
+              <a:endParaRPr lang="en-US"/>
+            </a:p>
+          </p:txBody>
+        </p:sp>
+      </p:grpSp>
+      <p:grpSp>
+        <p:nvGrpSpPr>
+          <p:cNvPr id="34" name="Group 33"/>
+          <p:cNvGrpSpPr/>
+          <p:nvPr/>
+        </p:nvGrpSpPr>
+        <p:grpSpPr>
+          <a:xfrm>
+            <a:off x="990231" y="5458519"/>
+            <a:ext cx="559539" cy="309260"/>
+            <a:chOff x="990231" y="5458519"/>
+            <a:chExt cx="559539" cy="309260"/>
+          </a:xfrm>
+        </p:grpSpPr>
+        <p:sp>
+          <p:nvSpPr>
+            <p:cNvPr id="64" name="Rectangle 63"/>
+            <p:cNvSpPr/>
+            <p:nvPr/>
+          </p:nvSpPr>
+          <p:spPr>
+            <a:xfrm>
+              <a:off x="1321170" y="5458519"/>
+              <a:ext cx="228600" cy="90448"/>
+            </a:xfrm>
+            <a:prstGeom prst="rect">
+              <a:avLst/>
+            </a:prstGeom>
+            <a:solidFill>
+              <a:srgbClr val="0070C0"/>
+            </a:solidFill>
+            <a:ln w="12700">
+              <a:solidFill>
+                <a:schemeClr val="tx1"/>
+              </a:solidFill>
+              <a:prstDash val="solid"/>
+            </a:ln>
+          </p:spPr>
+          <p:style>
+            <a:lnRef idx="2">
+              <a:schemeClr val="accent1">
+                <a:shade val="50000"/>
+              </a:schemeClr>
+            </a:lnRef>
+            <a:fillRef idx="1">
+              <a:schemeClr val="accent1"/>
+            </a:fillRef>
+            <a:effectRef idx="0">
+              <a:schemeClr val="accent1"/>
+            </a:effectRef>
+            <a:fontRef idx="minor">
+              <a:schemeClr val="lt1"/>
+            </a:fontRef>
+          </p:style>
+          <p:txBody>
+            <a:bodyPr rtlCol="0" anchor="ctr"/>
+            <a:lstStyle/>
+            <a:p>
+              <a:pPr algn="ctr"/>
+              <a:endParaRPr lang="en-US"/>
+            </a:p>
+          </p:txBody>
+        </p:sp>
+        <p:sp>
+          <p:nvSpPr>
+            <p:cNvPr id="65" name="Rectangle 64"/>
+            <p:cNvSpPr/>
+            <p:nvPr/>
+          </p:nvSpPr>
+          <p:spPr>
+            <a:xfrm>
+              <a:off x="990231" y="5677331"/>
+              <a:ext cx="228600" cy="90448"/>
+            </a:xfrm>
+            <a:prstGeom prst="rect">
+              <a:avLst/>
+            </a:prstGeom>
+            <a:solidFill>
+              <a:srgbClr val="0070C0"/>
+            </a:solidFill>
+            <a:ln w="12700">
+              <a:solidFill>
+                <a:schemeClr val="tx1"/>
+              </a:solidFill>
+              <a:prstDash val="solid"/>
+            </a:ln>
+          </p:spPr>
+          <p:style>
+            <a:lnRef idx="2">
+              <a:schemeClr val="accent1">
+                <a:shade val="50000"/>
+              </a:schemeClr>
+            </a:lnRef>
+            <a:fillRef idx="1">
+              <a:schemeClr val="accent1"/>
+            </a:fillRef>
+            <a:effectRef idx="0">
+              <a:schemeClr val="accent1"/>
+            </a:effectRef>
+            <a:fontRef idx="minor">
+              <a:schemeClr val="lt1"/>
+            </a:fontRef>
+          </p:style>
+          <p:txBody>
+            <a:bodyPr rtlCol="0" anchor="ctr"/>
+            <a:lstStyle/>
+            <a:p>
+              <a:pPr algn="ctr"/>
+              <a:endParaRPr lang="en-US"/>
+            </a:p>
+          </p:txBody>
+        </p:sp>
+        <p:cxnSp>
+          <p:nvCxnSpPr>
+            <p:cNvPr id="17" name="Straight Connector 16"/>
+            <p:cNvCxnSpPr/>
+            <p:nvPr/>
+          </p:nvCxnSpPr>
+          <p:spPr>
+            <a:xfrm>
+              <a:off x="1321170" y="5549635"/>
+              <a:ext cx="0" cy="135493"/>
+            </a:xfrm>
+            <a:prstGeom prst="line">
+              <a:avLst/>
+            </a:prstGeom>
+            <a:ln w="12700">
+              <a:solidFill>
+                <a:schemeClr val="tx1"/>
+              </a:solidFill>
+              <a:prstDash val="dash"/>
+            </a:ln>
+          </p:spPr>
+          <p:style>
+            <a:lnRef idx="1">
+              <a:schemeClr val="accent1"/>
+            </a:lnRef>
+            <a:fillRef idx="0">
+              <a:schemeClr val="accent1"/>
+            </a:fillRef>
+            <a:effectRef idx="0">
+              <a:schemeClr val="accent1"/>
+            </a:effectRef>
+            <a:fontRef idx="minor">
+              <a:schemeClr val="tx1"/>
+            </a:fontRef>
+          </p:style>
+        </p:cxnSp>
+        <p:cxnSp>
+          <p:nvCxnSpPr>
+            <p:cNvPr id="23" name="Straight Connector 22"/>
+            <p:cNvCxnSpPr/>
+            <p:nvPr/>
+          </p:nvCxnSpPr>
+          <p:spPr>
+            <a:xfrm>
+              <a:off x="1204198" y="5677331"/>
+              <a:ext cx="117245" cy="0"/>
+            </a:xfrm>
+            <a:prstGeom prst="line">
+              <a:avLst/>
+            </a:prstGeom>
+            <a:ln w="12700">
+              <a:solidFill>
+                <a:schemeClr val="tx1"/>
+              </a:solidFill>
+              <a:prstDash val="dash"/>
+            </a:ln>
+          </p:spPr>
+          <p:style>
+            <a:lnRef idx="1">
+              <a:schemeClr val="accent1"/>
+            </a:lnRef>
+            <a:fillRef idx="0">
+              <a:schemeClr val="accent1"/>
+            </a:fillRef>
+            <a:effectRef idx="0">
+              <a:schemeClr val="accent1"/>
+            </a:effectRef>
+            <a:fontRef idx="minor">
+              <a:schemeClr val="tx1"/>
+            </a:fontRef>
+          </p:style>
+        </p:cxnSp>
+        <p:sp>
+          <p:nvSpPr>
+            <p:cNvPr id="55" name="Rectangle 54"/>
+            <p:cNvSpPr/>
+            <p:nvPr/>
+          </p:nvSpPr>
+          <p:spPr>
+            <a:xfrm>
+              <a:off x="1318696" y="5677331"/>
+              <a:ext cx="228600" cy="90448"/>
+            </a:xfrm>
+            <a:prstGeom prst="rect">
+              <a:avLst/>
+            </a:prstGeom>
+            <a:solidFill>
+              <a:schemeClr val="bg1">
+                <a:alpha val="0"/>
+              </a:schemeClr>
+            </a:solidFill>
+            <a:ln w="12700">
+              <a:solidFill>
+                <a:schemeClr val="tx1"/>
+              </a:solidFill>
+              <a:prstDash val="dash"/>
+            </a:ln>
+          </p:spPr>
+          <p:style>
+            <a:lnRef idx="2">
+              <a:schemeClr val="accent1">
+                <a:shade val="50000"/>
+              </a:schemeClr>
+            </a:lnRef>
+            <a:fillRef idx="1">
+              <a:schemeClr val="accent1"/>
+            </a:fillRef>
+            <a:effectRef idx="0">
+              <a:schemeClr val="accent1"/>
+            </a:effectRef>
+            <a:fontRef idx="minor">
+              <a:schemeClr val="lt1"/>
+            </a:fontRef>
+          </p:style>
+          <p:txBody>
+            <a:bodyPr rtlCol="0" anchor="ctr"/>
+            <a:lstStyle/>
+            <a:p>
+              <a:pPr algn="ctr"/>
+              <a:endParaRPr lang="en-US"/>
+            </a:p>
+          </p:txBody>
+        </p:sp>
+        <p:cxnSp>
+          <p:nvCxnSpPr>
+            <p:cNvPr id="57" name="Straight Connector 56"/>
+            <p:cNvCxnSpPr/>
+            <p:nvPr/>
+          </p:nvCxnSpPr>
+          <p:spPr>
+            <a:xfrm>
+              <a:off x="1204198" y="5766487"/>
+              <a:ext cx="117245" cy="0"/>
+            </a:xfrm>
+            <a:prstGeom prst="line">
+              <a:avLst/>
+            </a:prstGeom>
+            <a:ln w="12700">
+              <a:solidFill>
+                <a:schemeClr val="tx1"/>
+              </a:solidFill>
+              <a:prstDash val="dash"/>
+            </a:ln>
+          </p:spPr>
+          <p:style>
+            <a:lnRef idx="1">
+              <a:schemeClr val="accent1"/>
+            </a:lnRef>
+            <a:fillRef idx="0">
+              <a:schemeClr val="accent1"/>
+            </a:fillRef>
+            <a:effectRef idx="0">
+              <a:schemeClr val="accent1"/>
+            </a:effectRef>
+            <a:fontRef idx="minor">
+              <a:schemeClr val="tx1"/>
+            </a:fontRef>
+          </p:style>
+        </p:cxnSp>
+        <p:cxnSp>
+          <p:nvCxnSpPr>
+            <p:cNvPr id="58" name="Straight Connector 57"/>
+            <p:cNvCxnSpPr/>
+            <p:nvPr/>
+          </p:nvCxnSpPr>
+          <p:spPr>
+            <a:xfrm>
+              <a:off x="1547296" y="5544042"/>
+              <a:ext cx="0" cy="135493"/>
+            </a:xfrm>
+            <a:prstGeom prst="line">
+              <a:avLst/>
+            </a:prstGeom>
+            <a:ln w="12700">
+              <a:solidFill>
+                <a:schemeClr val="tx1"/>
+              </a:solidFill>
+              <a:prstDash val="dash"/>
+            </a:ln>
+          </p:spPr>
+          <p:style>
+            <a:lnRef idx="1">
+              <a:schemeClr val="accent1"/>
+            </a:lnRef>
+            <a:fillRef idx="0">
+              <a:schemeClr val="accent1"/>
+            </a:fillRef>
+            <a:effectRef idx="0">
+              <a:schemeClr val="accent1"/>
+            </a:effectRef>
+            <a:fontRef idx="minor">
+              <a:schemeClr val="tx1"/>
+            </a:fontRef>
+          </p:style>
+        </p:cxnSp>
+      </p:grpSp>
+      <p:grpSp>
+        <p:nvGrpSpPr>
+          <p:cNvPr id="11" name="Group 10"/>
+          <p:cNvGrpSpPr/>
+          <p:nvPr/>
+        </p:nvGrpSpPr>
+        <p:grpSpPr>
+          <a:xfrm>
+            <a:off x="1008854" y="3387747"/>
+            <a:ext cx="462783" cy="469792"/>
+            <a:chOff x="1008854" y="3387747"/>
+            <a:chExt cx="462783" cy="469792"/>
+          </a:xfrm>
+        </p:grpSpPr>
+        <p:sp>
+          <p:nvSpPr>
+            <p:cNvPr id="86" name="Arc 85"/>
+            <p:cNvSpPr>
+              <a:spLocks noChangeAspect="1"/>
+            </p:cNvSpPr>
+            <p:nvPr/>
+          </p:nvSpPr>
+          <p:spPr>
+            <a:xfrm>
+              <a:off x="1008856" y="3393520"/>
+              <a:ext cx="462781" cy="462781"/>
+            </a:xfrm>
+            <a:prstGeom prst="arc">
+              <a:avLst>
+                <a:gd name="adj1" fmla="val 16747602"/>
+                <a:gd name="adj2" fmla="val 17718937"/>
+              </a:avLst>
+            </a:prstGeom>
+            <a:ln w="12700">
+              <a:solidFill>
+                <a:schemeClr val="tx1"/>
+              </a:solidFill>
+              <a:prstDash val="dash"/>
+              <a:headEnd type="none" w="med" len="med"/>
+              <a:tailEnd type="none" w="med" len="med"/>
+            </a:ln>
+          </p:spPr>
+          <p:style>
+            <a:lnRef idx="1">
+              <a:schemeClr val="accent1"/>
+            </a:lnRef>
+            <a:fillRef idx="0">
+              <a:schemeClr val="accent1"/>
+            </a:fillRef>
+            <a:effectRef idx="0">
+              <a:schemeClr val="accent1"/>
+            </a:effectRef>
+            <a:fontRef idx="minor">
+              <a:schemeClr val="tx1"/>
+            </a:fontRef>
+          </p:style>
+          <p:txBody>
+            <a:bodyPr rtlCol="0" anchor="ctr"/>
+            <a:lstStyle/>
+            <a:p>
+              <a:pPr algn="ctr"/>
+              <a:endParaRPr lang="en-US"/>
+            </a:p>
+          </p:txBody>
+        </p:sp>
+        <p:sp>
+          <p:nvSpPr>
+            <p:cNvPr id="94" name="Oval 93"/>
+            <p:cNvSpPr/>
+            <p:nvPr/>
+          </p:nvSpPr>
+          <p:spPr>
+            <a:xfrm>
+              <a:off x="1149760" y="3535699"/>
+              <a:ext cx="180975" cy="180975"/>
+            </a:xfrm>
+            <a:prstGeom prst="ellipse">
+              <a:avLst/>
+            </a:prstGeom>
+            <a:solidFill>
+              <a:srgbClr val="EFA66B"/>
+            </a:solidFill>
+            <a:ln w="12700">
+              <a:solidFill>
+                <a:schemeClr val="tx1"/>
+              </a:solidFill>
+            </a:ln>
+          </p:spPr>
+          <p:style>
+            <a:lnRef idx="2">
+              <a:schemeClr val="accent1">
+                <a:shade val="50000"/>
+              </a:schemeClr>
+            </a:lnRef>
+            <a:fillRef idx="1">
+              <a:schemeClr val="accent1"/>
+            </a:fillRef>
+            <a:effectRef idx="0">
+              <a:schemeClr val="accent1"/>
+            </a:effectRef>
+            <a:fontRef idx="minor">
+              <a:schemeClr val="lt1"/>
+            </a:fontRef>
+          </p:style>
+          <p:txBody>
+            <a:bodyPr rtlCol="0" anchor="ctr"/>
+            <a:lstStyle/>
+            <a:p>
+              <a:pPr algn="ctr"/>
+              <a:endParaRPr lang="en-US"/>
+            </a:p>
+          </p:txBody>
+        </p:sp>
+        <p:sp>
+          <p:nvSpPr>
+            <p:cNvPr id="96" name="Oval 95"/>
+            <p:cNvSpPr/>
+            <p:nvPr/>
+          </p:nvSpPr>
+          <p:spPr>
+            <a:xfrm>
+              <a:off x="1323792" y="3387747"/>
+              <a:ext cx="121956" cy="121956"/>
+            </a:xfrm>
+            <a:prstGeom prst="ellipse">
+              <a:avLst/>
+            </a:prstGeom>
+            <a:solidFill>
+              <a:schemeClr val="bg1">
+                <a:alpha val="0"/>
+              </a:schemeClr>
+            </a:solidFill>
+            <a:ln w="12700">
+              <a:solidFill>
+                <a:schemeClr val="tx1"/>
+              </a:solidFill>
+              <a:prstDash val="dash"/>
+            </a:ln>
+          </p:spPr>
+          <p:style>
+            <a:lnRef idx="2">
+              <a:schemeClr val="accent1">
+                <a:shade val="50000"/>
+              </a:schemeClr>
+            </a:lnRef>
+            <a:fillRef idx="1">
+              <a:schemeClr val="accent1"/>
+            </a:fillRef>
+            <a:effectRef idx="0">
+              <a:schemeClr val="accent1"/>
+            </a:effectRef>
+            <a:fontRef idx="minor">
+              <a:schemeClr val="lt1"/>
+            </a:fontRef>
+          </p:style>
+          <p:txBody>
+            <a:bodyPr rtlCol="0" anchor="ctr"/>
+            <a:lstStyle/>
+            <a:p>
+              <a:pPr algn="ctr"/>
+              <a:endParaRPr lang="en-US"/>
+            </a:p>
+          </p:txBody>
+        </p:sp>
+        <p:sp>
+          <p:nvSpPr>
+            <p:cNvPr id="98" name="Oval 97"/>
+            <p:cNvSpPr/>
+            <p:nvPr/>
+          </p:nvSpPr>
+          <p:spPr>
+            <a:xfrm>
+              <a:off x="1332083" y="3735583"/>
+              <a:ext cx="121956" cy="121956"/>
+            </a:xfrm>
+            <a:prstGeom prst="ellipse">
+              <a:avLst/>
+            </a:prstGeom>
+            <a:solidFill>
+              <a:srgbClr val="0070C0"/>
+            </a:solidFill>
+            <a:ln w="12700">
+              <a:solidFill>
+                <a:schemeClr val="tx1"/>
+              </a:solidFill>
+            </a:ln>
+          </p:spPr>
+          <p:style>
+            <a:lnRef idx="2">
+              <a:schemeClr val="accent1">
+                <a:shade val="50000"/>
+              </a:schemeClr>
+            </a:lnRef>
+            <a:fillRef idx="1">
+              <a:schemeClr val="accent1"/>
+            </a:fillRef>
+            <a:effectRef idx="0">
+              <a:schemeClr val="accent1"/>
+            </a:effectRef>
+            <a:fontRef idx="minor">
+              <a:schemeClr val="lt1"/>
+            </a:fontRef>
+          </p:style>
+          <p:txBody>
+            <a:bodyPr rtlCol="0" anchor="ctr"/>
+            <a:lstStyle/>
+            <a:p>
+              <a:pPr algn="ctr"/>
+              <a:endParaRPr lang="en-US"/>
+            </a:p>
+          </p:txBody>
+        </p:sp>
+        <p:sp>
+          <p:nvSpPr>
+            <p:cNvPr id="41" name="Arc 40"/>
+            <p:cNvSpPr>
+              <a:spLocks noChangeAspect="1"/>
+            </p:cNvSpPr>
+            <p:nvPr/>
+          </p:nvSpPr>
+          <p:spPr>
+            <a:xfrm rot="2928815">
+              <a:off x="1008855" y="3393519"/>
+              <a:ext cx="462781" cy="462781"/>
+            </a:xfrm>
+            <a:prstGeom prst="arc">
+              <a:avLst>
+                <a:gd name="adj1" fmla="val 16747602"/>
+                <a:gd name="adj2" fmla="val 20557486"/>
+              </a:avLst>
+            </a:prstGeom>
+            <a:ln w="12700">
+              <a:solidFill>
+                <a:schemeClr val="tx1"/>
+              </a:solidFill>
+              <a:prstDash val="dash"/>
+              <a:headEnd type="none" w="med" len="med"/>
+              <a:tailEnd type="none" w="med" len="med"/>
+            </a:ln>
+          </p:spPr>
+          <p:style>
+            <a:lnRef idx="1">
+              <a:schemeClr val="accent1"/>
+            </a:lnRef>
+            <a:fillRef idx="0">
+              <a:schemeClr val="accent1"/>
+            </a:fillRef>
+            <a:effectRef idx="0">
+              <a:schemeClr val="accent1"/>
+            </a:effectRef>
+            <a:fontRef idx="minor">
+              <a:schemeClr val="tx1"/>
+            </a:fontRef>
+          </p:style>
+          <p:txBody>
+            <a:bodyPr rtlCol="0" anchor="ctr"/>
+            <a:lstStyle/>
+            <a:p>
+              <a:pPr algn="ctr"/>
+              <a:endParaRPr lang="en-US"/>
+            </a:p>
+          </p:txBody>
+        </p:sp>
+        <p:sp>
+          <p:nvSpPr>
+            <p:cNvPr id="43" name="Arc 42"/>
+            <p:cNvSpPr>
+              <a:spLocks noChangeAspect="1"/>
+            </p:cNvSpPr>
+            <p:nvPr/>
+          </p:nvSpPr>
+          <p:spPr>
+            <a:xfrm rot="8918785">
+              <a:off x="1008854" y="3391742"/>
+              <a:ext cx="462781" cy="462781"/>
+            </a:xfrm>
+            <a:prstGeom prst="arc">
+              <a:avLst>
+                <a:gd name="adj1" fmla="val 16747602"/>
+                <a:gd name="adj2" fmla="val 17718937"/>
+              </a:avLst>
+            </a:prstGeom>
+            <a:ln w="12700">
+              <a:solidFill>
+                <a:schemeClr val="tx1"/>
+              </a:solidFill>
+              <a:prstDash val="dash"/>
+              <a:headEnd type="none" w="med" len="med"/>
+              <a:tailEnd type="none" w="med" len="med"/>
+            </a:ln>
+          </p:spPr>
+          <p:style>
+            <a:lnRef idx="1">
+              <a:schemeClr val="accent1"/>
+            </a:lnRef>
+            <a:fillRef idx="0">
+              <a:schemeClr val="accent1"/>
+            </a:fillRef>
+            <a:effectRef idx="0">
+              <a:schemeClr val="accent1"/>
+            </a:effectRef>
+            <a:fontRef idx="minor">
+              <a:schemeClr val="tx1"/>
+            </a:fontRef>
+          </p:style>
+          <p:txBody>
+            <a:bodyPr rtlCol="0" anchor="ctr"/>
+            <a:lstStyle/>
+            <a:p>
+              <a:pPr algn="ctr"/>
+              <a:endParaRPr lang="en-US"/>
+            </a:p>
+          </p:txBody>
+        </p:sp>
+      </p:grpSp>
+      <p:grpSp>
+        <p:nvGrpSpPr>
+          <p:cNvPr id="7" name="Group 6"/>
+          <p:cNvGrpSpPr/>
+          <p:nvPr/>
+        </p:nvGrpSpPr>
+        <p:grpSpPr>
+          <a:xfrm>
+            <a:off x="5482593" y="3411216"/>
+            <a:ext cx="409575" cy="409575"/>
+            <a:chOff x="5482593" y="3411216"/>
+            <a:chExt cx="409575" cy="409575"/>
+          </a:xfrm>
+        </p:grpSpPr>
+        <p:sp>
+          <p:nvSpPr>
+            <p:cNvPr id="51" name="Rectangle 50"/>
+            <p:cNvSpPr/>
+            <p:nvPr/>
+          </p:nvSpPr>
+          <p:spPr>
+            <a:xfrm rot="20775288">
+              <a:off x="5482593" y="3573538"/>
+              <a:ext cx="409575" cy="84933"/>
+            </a:xfrm>
+            <a:prstGeom prst="rect">
+              <a:avLst/>
+            </a:prstGeom>
+            <a:solidFill>
+              <a:schemeClr val="bg1">
+                <a:alpha val="0"/>
+              </a:schemeClr>
+            </a:solidFill>
+            <a:ln w="12700">
+              <a:solidFill>
+                <a:schemeClr val="tx1"/>
+              </a:solidFill>
+              <a:prstDash val="dash"/>
+            </a:ln>
+          </p:spPr>
+          <p:style>
+            <a:lnRef idx="2">
+              <a:schemeClr val="accent1">
+                <a:shade val="50000"/>
+              </a:schemeClr>
+            </a:lnRef>
+            <a:fillRef idx="1">
+              <a:schemeClr val="accent1"/>
+            </a:fillRef>
+            <a:effectRef idx="0">
+              <a:schemeClr val="accent1"/>
+            </a:effectRef>
+            <a:fontRef idx="minor">
+              <a:schemeClr val="lt1"/>
+            </a:fontRef>
+          </p:style>
+          <p:txBody>
+            <a:bodyPr rtlCol="0" anchor="ctr"/>
+            <a:lstStyle/>
+            <a:p>
+              <a:pPr algn="ctr"/>
+              <a:endParaRPr lang="en-US"/>
+            </a:p>
+          </p:txBody>
+        </p:sp>
+        <p:sp>
+          <p:nvSpPr>
+            <p:cNvPr id="52" name="Rectangle 51"/>
+            <p:cNvSpPr/>
+            <p:nvPr/>
+          </p:nvSpPr>
+          <p:spPr>
+            <a:xfrm rot="16200000">
+              <a:off x="5485807" y="3573537"/>
+              <a:ext cx="409575" cy="84933"/>
+            </a:xfrm>
+            <a:prstGeom prst="rect">
+              <a:avLst/>
+            </a:prstGeom>
+            <a:solidFill>
+              <a:srgbClr val="0070C0"/>
+            </a:solidFill>
+            <a:ln w="12700">
+              <a:solidFill>
+                <a:schemeClr val="tx1"/>
+              </a:solidFill>
+              <a:prstDash val="solid"/>
+            </a:ln>
+          </p:spPr>
+          <p:style>
+            <a:lnRef idx="2">
+              <a:schemeClr val="accent1">
+                <a:shade val="50000"/>
+              </a:schemeClr>
+            </a:lnRef>
+            <a:fillRef idx="1">
+              <a:schemeClr val="accent1"/>
+            </a:fillRef>
+            <a:effectRef idx="0">
+              <a:schemeClr val="accent1"/>
+            </a:effectRef>
+            <a:fontRef idx="minor">
+              <a:schemeClr val="lt1"/>
+            </a:fontRef>
+          </p:style>
+          <p:txBody>
+            <a:bodyPr rtlCol="0" anchor="ctr"/>
+            <a:lstStyle/>
+            <a:p>
+              <a:pPr algn="ctr"/>
+              <a:endParaRPr lang="en-US"/>
             </a:p>
           </p:txBody>
         </p:sp>
@@ -10628,6 +10246,694 @@
   <p:clrMapOvr>
     <a:masterClrMapping/>
   </p:clrMapOvr>
+  <p:timing>
+    <p:tnLst>
+      <p:par>
+        <p:cTn id="1" dur="indefinite" restart="never" nodeType="tmRoot"/>
+      </p:par>
+    </p:tnLst>
+  </p:timing>
+</p:sld>
+</file>
+
+<file path=ppt/slides/slide7.xml><?xml version="1.0" encoding="utf-8"?>
+<p:sld xmlns:a="http://schemas.openxmlformats.org/drawingml/2006/main" xmlns:r="http://schemas.openxmlformats.org/officeDocument/2006/relationships" xmlns:p="http://schemas.openxmlformats.org/presentationml/2006/main">
+  <p:cSld>
+    <p:spTree>
+      <p:nvGrpSpPr>
+        <p:cNvPr id="1" name=""/>
+        <p:cNvGrpSpPr/>
+        <p:nvPr/>
+      </p:nvGrpSpPr>
+      <p:grpSpPr>
+        <a:xfrm>
+          <a:off x="0" y="0"/>
+          <a:ext cx="0" cy="0"/>
+          <a:chOff x="0" y="0"/>
+          <a:chExt cx="0" cy="0"/>
+        </a:xfrm>
+      </p:grpSpPr>
+      <p:sp>
+        <p:nvSpPr>
+          <p:cNvPr id="4" name="TextBox 3"/>
+          <p:cNvSpPr txBox="1"/>
+          <p:nvPr/>
+        </p:nvSpPr>
+        <p:spPr>
+          <a:xfrm>
+            <a:off x="2360410" y="1303511"/>
+            <a:ext cx="4423199" cy="707886"/>
+          </a:xfrm>
+          <a:prstGeom prst="rect">
+            <a:avLst/>
+          </a:prstGeom>
+          <a:noFill/>
+        </p:spPr>
+        <p:txBody>
+          <a:bodyPr wrap="none" rtlCol="0">
+            <a:spAutoFit/>
+          </a:bodyPr>
+          <a:lstStyle/>
+          <a:p>
+            <a:pPr algn="ctr"/>
+            <a:r>
+              <a:rPr lang="en-US" sz="4000" dirty="0" smtClean="0"/>
+              <a:t>Radial Settings </a:t>
+            </a:r>
+            <a:r>
+              <a:rPr lang="en-US" sz="4000" dirty="0"/>
+              <a:t>Icons</a:t>
+            </a:r>
+          </a:p>
+        </p:txBody>
+      </p:sp>
+      <p:sp>
+        <p:nvSpPr>
+          <p:cNvPr id="35" name="TextBox 34"/>
+          <p:cNvSpPr txBox="1"/>
+          <p:nvPr/>
+        </p:nvSpPr>
+        <p:spPr>
+          <a:xfrm>
+            <a:off x="2534996" y="3314908"/>
+            <a:ext cx="673902" cy="369332"/>
+          </a:xfrm>
+          <a:prstGeom prst="rect">
+            <a:avLst/>
+          </a:prstGeom>
+          <a:noFill/>
+        </p:spPr>
+        <p:txBody>
+          <a:bodyPr wrap="none" rtlCol="0">
+            <a:spAutoFit/>
+          </a:bodyPr>
+          <a:lstStyle/>
+          <a:p>
+            <a:r>
+              <a:rPr lang="en-US" dirty="0" smtClean="0"/>
+              <a:t>Fixed</a:t>
+            </a:r>
+            <a:endParaRPr lang="en-US" dirty="0"/>
+          </a:p>
+        </p:txBody>
+      </p:sp>
+      <p:sp>
+        <p:nvSpPr>
+          <p:cNvPr id="36" name="TextBox 35"/>
+          <p:cNvSpPr txBox="1"/>
+          <p:nvPr/>
+        </p:nvSpPr>
+        <p:spPr>
+          <a:xfrm>
+            <a:off x="5753512" y="3314908"/>
+            <a:ext cx="998991" cy="369332"/>
+          </a:xfrm>
+          <a:prstGeom prst="rect">
+            <a:avLst/>
+          </a:prstGeom>
+          <a:noFill/>
+        </p:spPr>
+        <p:txBody>
+          <a:bodyPr wrap="none" rtlCol="0">
+            <a:spAutoFit/>
+          </a:bodyPr>
+          <a:lstStyle/>
+          <a:p>
+            <a:r>
+              <a:rPr lang="en-US" dirty="0" smtClean="0"/>
+              <a:t>Dynamic</a:t>
+            </a:r>
+            <a:endParaRPr lang="en-US" dirty="0"/>
+          </a:p>
+        </p:txBody>
+      </p:sp>
+      <p:grpSp>
+        <p:nvGrpSpPr>
+          <p:cNvPr id="9" name="Group 8"/>
+          <p:cNvGrpSpPr/>
+          <p:nvPr/>
+        </p:nvGrpSpPr>
+        <p:grpSpPr>
+          <a:xfrm>
+            <a:off x="6035728" y="4250531"/>
+            <a:ext cx="468175" cy="505695"/>
+            <a:chOff x="6035728" y="4250531"/>
+            <a:chExt cx="468175" cy="505695"/>
+          </a:xfrm>
+        </p:grpSpPr>
+        <p:cxnSp>
+          <p:nvCxnSpPr>
+            <p:cNvPr id="100" name="Straight Connector 99"/>
+            <p:cNvCxnSpPr/>
+            <p:nvPr/>
+          </p:nvCxnSpPr>
+          <p:spPr>
+            <a:xfrm>
+              <a:off x="6126216" y="4504046"/>
+              <a:ext cx="0" cy="124282"/>
+            </a:xfrm>
+            <a:prstGeom prst="line">
+              <a:avLst/>
+            </a:prstGeom>
+            <a:ln w="12700">
+              <a:solidFill>
+                <a:schemeClr val="tx1"/>
+              </a:solidFill>
+              <a:prstDash val="dash"/>
+            </a:ln>
+          </p:spPr>
+          <p:style>
+            <a:lnRef idx="1">
+              <a:schemeClr val="accent1"/>
+            </a:lnRef>
+            <a:fillRef idx="0">
+              <a:schemeClr val="accent1"/>
+            </a:fillRef>
+            <a:effectRef idx="0">
+              <a:schemeClr val="accent1"/>
+            </a:effectRef>
+            <a:fontRef idx="minor">
+              <a:schemeClr val="tx1"/>
+            </a:fontRef>
+          </p:style>
+        </p:cxnSp>
+        <p:sp>
+          <p:nvSpPr>
+            <p:cNvPr id="101" name="Chevron 100"/>
+            <p:cNvSpPr>
+              <a:spLocks/>
+            </p:cNvSpPr>
+            <p:nvPr/>
+          </p:nvSpPr>
+          <p:spPr>
+            <a:xfrm>
+              <a:off x="6063669" y="4358353"/>
+              <a:ext cx="125089" cy="137727"/>
+            </a:xfrm>
+            <a:prstGeom prst="chevron">
+              <a:avLst/>
+            </a:prstGeom>
+            <a:solidFill>
+              <a:schemeClr val="bg1">
+                <a:alpha val="0"/>
+              </a:schemeClr>
+            </a:solidFill>
+            <a:ln w="12700">
+              <a:solidFill>
+                <a:schemeClr val="tx1"/>
+              </a:solidFill>
+              <a:prstDash val="dash"/>
+            </a:ln>
+          </p:spPr>
+          <p:style>
+            <a:lnRef idx="2">
+              <a:schemeClr val="accent1">
+                <a:shade val="50000"/>
+              </a:schemeClr>
+            </a:lnRef>
+            <a:fillRef idx="1">
+              <a:schemeClr val="accent1"/>
+            </a:fillRef>
+            <a:effectRef idx="0">
+              <a:schemeClr val="accent1"/>
+            </a:effectRef>
+            <a:fontRef idx="minor">
+              <a:schemeClr val="lt1"/>
+            </a:fontRef>
+          </p:style>
+          <p:txBody>
+            <a:bodyPr rtlCol="0" anchor="ctr"/>
+            <a:lstStyle/>
+            <a:p>
+              <a:pPr algn="ctr"/>
+              <a:endParaRPr lang="en-US"/>
+            </a:p>
+          </p:txBody>
+        </p:sp>
+        <p:cxnSp>
+          <p:nvCxnSpPr>
+            <p:cNvPr id="86" name="Straight Connector 85"/>
+            <p:cNvCxnSpPr/>
+            <p:nvPr/>
+          </p:nvCxnSpPr>
+          <p:spPr>
+            <a:xfrm rot="4228434">
+              <a:off x="6327617" y="4418031"/>
+              <a:ext cx="2" cy="352571"/>
+            </a:xfrm>
+            <a:prstGeom prst="line">
+              <a:avLst/>
+            </a:prstGeom>
+            <a:ln w="12700">
+              <a:solidFill>
+                <a:schemeClr val="tx1"/>
+              </a:solidFill>
+              <a:prstDash val="dash"/>
+            </a:ln>
+          </p:spPr>
+          <p:style>
+            <a:lnRef idx="1">
+              <a:schemeClr val="accent1"/>
+            </a:lnRef>
+            <a:fillRef idx="0">
+              <a:schemeClr val="accent1"/>
+            </a:fillRef>
+            <a:effectRef idx="0">
+              <a:schemeClr val="accent1"/>
+            </a:effectRef>
+            <a:fontRef idx="minor">
+              <a:schemeClr val="tx1"/>
+            </a:fontRef>
+          </p:style>
+        </p:cxnSp>
+        <p:sp>
+          <p:nvSpPr>
+            <p:cNvPr id="95" name="Chevron 94"/>
+            <p:cNvSpPr>
+              <a:spLocks/>
+            </p:cNvSpPr>
+            <p:nvPr/>
+          </p:nvSpPr>
+          <p:spPr>
+            <a:xfrm rot="4228434">
+              <a:off x="6288473" y="4517147"/>
+              <a:ext cx="125089" cy="137727"/>
+            </a:xfrm>
+            <a:prstGeom prst="chevron">
+              <a:avLst/>
+            </a:prstGeom>
+            <a:solidFill>
+              <a:srgbClr val="0070C0"/>
+            </a:solidFill>
+            <a:ln w="12700">
+              <a:solidFill>
+                <a:schemeClr val="tx1"/>
+              </a:solidFill>
+              <a:prstDash val="solid"/>
+            </a:ln>
+          </p:spPr>
+          <p:style>
+            <a:lnRef idx="2">
+              <a:schemeClr val="accent1">
+                <a:shade val="50000"/>
+              </a:schemeClr>
+            </a:lnRef>
+            <a:fillRef idx="1">
+              <a:schemeClr val="accent1"/>
+            </a:fillRef>
+            <a:effectRef idx="0">
+              <a:schemeClr val="accent1"/>
+            </a:effectRef>
+            <a:fontRef idx="minor">
+              <a:schemeClr val="lt1"/>
+            </a:fontRef>
+          </p:style>
+          <p:txBody>
+            <a:bodyPr rtlCol="0" anchor="ctr"/>
+            <a:lstStyle/>
+            <a:p>
+              <a:pPr algn="ctr"/>
+              <a:endParaRPr lang="en-US"/>
+            </a:p>
+          </p:txBody>
+        </p:sp>
+        <p:sp>
+          <p:nvSpPr>
+            <p:cNvPr id="25" name="Oval 24"/>
+            <p:cNvSpPr/>
+            <p:nvPr/>
+          </p:nvSpPr>
+          <p:spPr>
+            <a:xfrm>
+              <a:off x="6035728" y="4575251"/>
+              <a:ext cx="180975" cy="180975"/>
+            </a:xfrm>
+            <a:prstGeom prst="ellipse">
+              <a:avLst/>
+            </a:prstGeom>
+            <a:solidFill>
+              <a:srgbClr val="EFA66B"/>
+            </a:solidFill>
+            <a:ln w="12700">
+              <a:solidFill>
+                <a:schemeClr val="tx1"/>
+              </a:solidFill>
+            </a:ln>
+          </p:spPr>
+          <p:style>
+            <a:lnRef idx="2">
+              <a:schemeClr val="accent1">
+                <a:shade val="50000"/>
+              </a:schemeClr>
+            </a:lnRef>
+            <a:fillRef idx="1">
+              <a:schemeClr val="accent1"/>
+            </a:fillRef>
+            <a:effectRef idx="0">
+              <a:schemeClr val="accent1"/>
+            </a:effectRef>
+            <a:fontRef idx="minor">
+              <a:schemeClr val="lt1"/>
+            </a:fontRef>
+          </p:style>
+          <p:txBody>
+            <a:bodyPr rtlCol="0" anchor="ctr"/>
+            <a:lstStyle/>
+            <a:p>
+              <a:pPr algn="ctr"/>
+              <a:endParaRPr lang="en-US"/>
+            </a:p>
+          </p:txBody>
+        </p:sp>
+        <p:cxnSp>
+          <p:nvCxnSpPr>
+            <p:cNvPr id="21" name="Straight Connector 20"/>
+            <p:cNvCxnSpPr/>
+            <p:nvPr/>
+          </p:nvCxnSpPr>
+          <p:spPr>
+            <a:xfrm>
+              <a:off x="6126216" y="4250531"/>
+              <a:ext cx="0" cy="103060"/>
+            </a:xfrm>
+            <a:prstGeom prst="line">
+              <a:avLst/>
+            </a:prstGeom>
+            <a:ln w="12700">
+              <a:solidFill>
+                <a:schemeClr val="tx1"/>
+              </a:solidFill>
+              <a:prstDash val="dash"/>
+            </a:ln>
+          </p:spPr>
+          <p:style>
+            <a:lnRef idx="1">
+              <a:schemeClr val="accent1"/>
+            </a:lnRef>
+            <a:fillRef idx="0">
+              <a:schemeClr val="accent1"/>
+            </a:fillRef>
+            <a:effectRef idx="0">
+              <a:schemeClr val="accent1"/>
+            </a:effectRef>
+            <a:fontRef idx="minor">
+              <a:schemeClr val="tx1"/>
+            </a:fontRef>
+          </p:style>
+        </p:cxnSp>
+      </p:grpSp>
+      <p:grpSp>
+        <p:nvGrpSpPr>
+          <p:cNvPr id="28" name="Group 27"/>
+          <p:cNvGrpSpPr/>
+          <p:nvPr/>
+        </p:nvGrpSpPr>
+        <p:grpSpPr>
+          <a:xfrm>
+            <a:off x="2637859" y="4250531"/>
+            <a:ext cx="468175" cy="505695"/>
+            <a:chOff x="6035728" y="4250531"/>
+            <a:chExt cx="468175" cy="505695"/>
+          </a:xfrm>
+        </p:grpSpPr>
+        <p:cxnSp>
+          <p:nvCxnSpPr>
+            <p:cNvPr id="29" name="Straight Connector 28"/>
+            <p:cNvCxnSpPr/>
+            <p:nvPr/>
+          </p:nvCxnSpPr>
+          <p:spPr>
+            <a:xfrm>
+              <a:off x="6126216" y="4504046"/>
+              <a:ext cx="0" cy="124282"/>
+            </a:xfrm>
+            <a:prstGeom prst="line">
+              <a:avLst/>
+            </a:prstGeom>
+            <a:ln w="12700">
+              <a:solidFill>
+                <a:schemeClr val="tx1"/>
+              </a:solidFill>
+              <a:prstDash val="dash"/>
+            </a:ln>
+          </p:spPr>
+          <p:style>
+            <a:lnRef idx="1">
+              <a:schemeClr val="accent1"/>
+            </a:lnRef>
+            <a:fillRef idx="0">
+              <a:schemeClr val="accent1"/>
+            </a:fillRef>
+            <a:effectRef idx="0">
+              <a:schemeClr val="accent1"/>
+            </a:effectRef>
+            <a:fontRef idx="minor">
+              <a:schemeClr val="tx1"/>
+            </a:fontRef>
+          </p:style>
+        </p:cxnSp>
+        <p:sp>
+          <p:nvSpPr>
+            <p:cNvPr id="30" name="Chevron 29"/>
+            <p:cNvSpPr>
+              <a:spLocks/>
+            </p:cNvSpPr>
+            <p:nvPr/>
+          </p:nvSpPr>
+          <p:spPr>
+            <a:xfrm>
+              <a:off x="6063669" y="4358353"/>
+              <a:ext cx="125089" cy="137727"/>
+            </a:xfrm>
+            <a:prstGeom prst="chevron">
+              <a:avLst/>
+            </a:prstGeom>
+            <a:solidFill>
+              <a:schemeClr val="bg1">
+                <a:alpha val="0"/>
+              </a:schemeClr>
+            </a:solidFill>
+            <a:ln w="12700">
+              <a:solidFill>
+                <a:schemeClr val="tx1"/>
+              </a:solidFill>
+              <a:prstDash val="dash"/>
+            </a:ln>
+          </p:spPr>
+          <p:style>
+            <a:lnRef idx="2">
+              <a:schemeClr val="accent1">
+                <a:shade val="50000"/>
+              </a:schemeClr>
+            </a:lnRef>
+            <a:fillRef idx="1">
+              <a:schemeClr val="accent1"/>
+            </a:fillRef>
+            <a:effectRef idx="0">
+              <a:schemeClr val="accent1"/>
+            </a:effectRef>
+            <a:fontRef idx="minor">
+              <a:schemeClr val="lt1"/>
+            </a:fontRef>
+          </p:style>
+          <p:txBody>
+            <a:bodyPr rtlCol="0" anchor="ctr"/>
+            <a:lstStyle/>
+            <a:p>
+              <a:pPr algn="ctr"/>
+              <a:endParaRPr lang="en-US"/>
+            </a:p>
+          </p:txBody>
+        </p:sp>
+        <p:cxnSp>
+          <p:nvCxnSpPr>
+            <p:cNvPr id="31" name="Straight Connector 30"/>
+            <p:cNvCxnSpPr/>
+            <p:nvPr/>
+          </p:nvCxnSpPr>
+          <p:spPr>
+            <a:xfrm rot="4228434">
+              <a:off x="6327617" y="4418031"/>
+              <a:ext cx="2" cy="352571"/>
+            </a:xfrm>
+            <a:prstGeom prst="line">
+              <a:avLst/>
+            </a:prstGeom>
+            <a:ln w="12700">
+              <a:solidFill>
+                <a:schemeClr val="tx1"/>
+              </a:solidFill>
+              <a:prstDash val="dash"/>
+            </a:ln>
+          </p:spPr>
+          <p:style>
+            <a:lnRef idx="1">
+              <a:schemeClr val="accent1"/>
+            </a:lnRef>
+            <a:fillRef idx="0">
+              <a:schemeClr val="accent1"/>
+            </a:fillRef>
+            <a:effectRef idx="0">
+              <a:schemeClr val="accent1"/>
+            </a:effectRef>
+            <a:fontRef idx="minor">
+              <a:schemeClr val="tx1"/>
+            </a:fontRef>
+          </p:style>
+        </p:cxnSp>
+        <p:sp>
+          <p:nvSpPr>
+            <p:cNvPr id="32" name="Chevron 31"/>
+            <p:cNvSpPr>
+              <a:spLocks/>
+            </p:cNvSpPr>
+            <p:nvPr/>
+          </p:nvSpPr>
+          <p:spPr>
+            <a:xfrm>
+              <a:off x="6288473" y="4517147"/>
+              <a:ext cx="125089" cy="137727"/>
+            </a:xfrm>
+            <a:prstGeom prst="chevron">
+              <a:avLst/>
+            </a:prstGeom>
+            <a:solidFill>
+              <a:srgbClr val="0070C0"/>
+            </a:solidFill>
+            <a:ln w="12700">
+              <a:solidFill>
+                <a:schemeClr val="tx1"/>
+              </a:solidFill>
+              <a:prstDash val="solid"/>
+            </a:ln>
+          </p:spPr>
+          <p:style>
+            <a:lnRef idx="2">
+              <a:schemeClr val="accent1">
+                <a:shade val="50000"/>
+              </a:schemeClr>
+            </a:lnRef>
+            <a:fillRef idx="1">
+              <a:schemeClr val="accent1"/>
+            </a:fillRef>
+            <a:effectRef idx="0">
+              <a:schemeClr val="accent1"/>
+            </a:effectRef>
+            <a:fontRef idx="minor">
+              <a:schemeClr val="lt1"/>
+            </a:fontRef>
+          </p:style>
+          <p:txBody>
+            <a:bodyPr rtlCol="0" anchor="ctr"/>
+            <a:lstStyle/>
+            <a:p>
+              <a:pPr algn="ctr"/>
+              <a:endParaRPr lang="en-US"/>
+            </a:p>
+          </p:txBody>
+        </p:sp>
+        <p:sp>
+          <p:nvSpPr>
+            <p:cNvPr id="33" name="Oval 32"/>
+            <p:cNvSpPr/>
+            <p:nvPr/>
+          </p:nvSpPr>
+          <p:spPr>
+            <a:xfrm>
+              <a:off x="6035728" y="4575251"/>
+              <a:ext cx="180975" cy="180975"/>
+            </a:xfrm>
+            <a:prstGeom prst="ellipse">
+              <a:avLst/>
+            </a:prstGeom>
+            <a:solidFill>
+              <a:srgbClr val="EFA66B"/>
+            </a:solidFill>
+            <a:ln w="12700">
+              <a:solidFill>
+                <a:schemeClr val="tx1"/>
+              </a:solidFill>
+            </a:ln>
+          </p:spPr>
+          <p:style>
+            <a:lnRef idx="2">
+              <a:schemeClr val="accent1">
+                <a:shade val="50000"/>
+              </a:schemeClr>
+            </a:lnRef>
+            <a:fillRef idx="1">
+              <a:schemeClr val="accent1"/>
+            </a:fillRef>
+            <a:effectRef idx="0">
+              <a:schemeClr val="accent1"/>
+            </a:effectRef>
+            <a:fontRef idx="minor">
+              <a:schemeClr val="lt1"/>
+            </a:fontRef>
+          </p:style>
+          <p:txBody>
+            <a:bodyPr rtlCol="0" anchor="ctr"/>
+            <a:lstStyle/>
+            <a:p>
+              <a:pPr algn="ctr"/>
+              <a:endParaRPr lang="en-US"/>
+            </a:p>
+          </p:txBody>
+        </p:sp>
+        <p:cxnSp>
+          <p:nvCxnSpPr>
+            <p:cNvPr id="34" name="Straight Connector 33"/>
+            <p:cNvCxnSpPr/>
+            <p:nvPr/>
+          </p:nvCxnSpPr>
+          <p:spPr>
+            <a:xfrm>
+              <a:off x="6126216" y="4250531"/>
+              <a:ext cx="0" cy="103060"/>
+            </a:xfrm>
+            <a:prstGeom prst="line">
+              <a:avLst/>
+            </a:prstGeom>
+            <a:ln w="12700">
+              <a:solidFill>
+                <a:schemeClr val="tx1"/>
+              </a:solidFill>
+              <a:prstDash val="dash"/>
+            </a:ln>
+          </p:spPr>
+          <p:style>
+            <a:lnRef idx="1">
+              <a:schemeClr val="accent1"/>
+            </a:lnRef>
+            <a:fillRef idx="0">
+              <a:schemeClr val="accent1"/>
+            </a:fillRef>
+            <a:effectRef idx="0">
+              <a:schemeClr val="accent1"/>
+            </a:effectRef>
+            <a:fontRef idx="minor">
+              <a:schemeClr val="tx1"/>
+            </a:fontRef>
+          </p:style>
+        </p:cxnSp>
+      </p:grpSp>
+    </p:spTree>
+    <p:extLst>
+      <p:ext uri="{BB962C8B-B14F-4D97-AF65-F5344CB8AC3E}">
+        <p14:creationId xmlns:p14="http://schemas.microsoft.com/office/powerpoint/2010/main" val="1954898725"/>
+      </p:ext>
+    </p:extLst>
+  </p:cSld>
+  <p:clrMapOvr>
+    <a:masterClrMapping/>
+  </p:clrMapOvr>
+  <p:timing>
+    <p:tnLst>
+      <p:par>
+        <p:cTn id="1" dur="indefinite" restart="never" nodeType="tmRoot"/>
+      </p:par>
+    </p:tnLst>
+  </p:timing>
 </p:sld>
 </file>
 

--- a/doc/Icons-PositionsLab.pptx
+++ b/doc/Icons-PositionsLab.pptx
@@ -219,7 +219,7 @@
           <a:p>
             <a:fld id="{6699ACB9-486C-4D62-A3A7-AF98E13EFDA3}" type="datetimeFigureOut">
               <a:rPr lang="en-US" smtClean="0"/>
-              <a:t>2016/07/12</a:t>
+              <a:t>2016/07/13</a:t>
             </a:fld>
             <a:endParaRPr lang="en-US"/>
           </a:p>
@@ -666,7 +666,7 @@
             <a:fld id="{1D8BD707-D9CF-40AE-B4C6-C98DA3205C09}" type="datetimeFigureOut">
               <a:rPr lang="en-US" smtClean="0"/>
               <a:pPr/>
-              <a:t>2016/07/12</a:t>
+              <a:t>2016/07/13</a:t>
             </a:fld>
             <a:endParaRPr lang="en-US"/>
           </a:p>
@@ -831,7 +831,7 @@
             <a:fld id="{1D8BD707-D9CF-40AE-B4C6-C98DA3205C09}" type="datetimeFigureOut">
               <a:rPr lang="en-US" smtClean="0"/>
               <a:pPr/>
-              <a:t>2016/07/12</a:t>
+              <a:t>2016/07/13</a:t>
             </a:fld>
             <a:endParaRPr lang="en-US"/>
           </a:p>
@@ -1006,7 +1006,7 @@
             <a:fld id="{1D8BD707-D9CF-40AE-B4C6-C98DA3205C09}" type="datetimeFigureOut">
               <a:rPr lang="en-US" smtClean="0"/>
               <a:pPr/>
-              <a:t>2016/07/12</a:t>
+              <a:t>2016/07/13</a:t>
             </a:fld>
             <a:endParaRPr lang="en-US"/>
           </a:p>
@@ -1171,7 +1171,7 @@
             <a:fld id="{1D8BD707-D9CF-40AE-B4C6-C98DA3205C09}" type="datetimeFigureOut">
               <a:rPr lang="en-US" smtClean="0"/>
               <a:pPr/>
-              <a:t>2016/07/12</a:t>
+              <a:t>2016/07/13</a:t>
             </a:fld>
             <a:endParaRPr lang="en-US"/>
           </a:p>
@@ -1413,7 +1413,7 @@
             <a:fld id="{1D8BD707-D9CF-40AE-B4C6-C98DA3205C09}" type="datetimeFigureOut">
               <a:rPr lang="en-US" smtClean="0"/>
               <a:pPr/>
-              <a:t>2016/07/12</a:t>
+              <a:t>2016/07/13</a:t>
             </a:fld>
             <a:endParaRPr lang="en-US"/>
           </a:p>
@@ -1695,7 +1695,7 @@
             <a:fld id="{1D8BD707-D9CF-40AE-B4C6-C98DA3205C09}" type="datetimeFigureOut">
               <a:rPr lang="en-US" smtClean="0"/>
               <a:pPr/>
-              <a:t>2016/07/12</a:t>
+              <a:t>2016/07/13</a:t>
             </a:fld>
             <a:endParaRPr lang="en-US"/>
           </a:p>
@@ -2111,7 +2111,7 @@
             <a:fld id="{1D8BD707-D9CF-40AE-B4C6-C98DA3205C09}" type="datetimeFigureOut">
               <a:rPr lang="en-US" smtClean="0"/>
               <a:pPr/>
-              <a:t>2016/07/12</a:t>
+              <a:t>2016/07/13</a:t>
             </a:fld>
             <a:endParaRPr lang="en-US"/>
           </a:p>
@@ -2225,7 +2225,7 @@
             <a:fld id="{1D8BD707-D9CF-40AE-B4C6-C98DA3205C09}" type="datetimeFigureOut">
               <a:rPr lang="en-US" smtClean="0"/>
               <a:pPr/>
-              <a:t>2016/07/12</a:t>
+              <a:t>2016/07/13</a:t>
             </a:fld>
             <a:endParaRPr lang="en-US"/>
           </a:p>
@@ -2317,7 +2317,7 @@
             <a:fld id="{1D8BD707-D9CF-40AE-B4C6-C98DA3205C09}" type="datetimeFigureOut">
               <a:rPr lang="en-US" smtClean="0"/>
               <a:pPr/>
-              <a:t>2016/07/12</a:t>
+              <a:t>2016/07/13</a:t>
             </a:fld>
             <a:endParaRPr lang="en-US"/>
           </a:p>
@@ -2589,7 +2589,7 @@
             <a:fld id="{1D8BD707-D9CF-40AE-B4C6-C98DA3205C09}" type="datetimeFigureOut">
               <a:rPr lang="en-US" smtClean="0"/>
               <a:pPr/>
-              <a:t>2016/07/12</a:t>
+              <a:t>2016/07/13</a:t>
             </a:fld>
             <a:endParaRPr lang="en-US"/>
           </a:p>
@@ -2838,7 +2838,7 @@
             <a:fld id="{1D8BD707-D9CF-40AE-B4C6-C98DA3205C09}" type="datetimeFigureOut">
               <a:rPr lang="en-US" smtClean="0"/>
               <a:pPr/>
-              <a:t>2016/07/12</a:t>
+              <a:t>2016/07/13</a:t>
             </a:fld>
             <a:endParaRPr lang="en-US"/>
           </a:p>
@@ -3049,7 +3049,7 @@
             <a:fld id="{1D8BD707-D9CF-40AE-B4C6-C98DA3205C09}" type="datetimeFigureOut">
               <a:rPr lang="en-US" smtClean="0"/>
               <a:pPr/>
-              <a:t>2016/07/12</a:t>
+              <a:t>2016/07/13</a:t>
             </a:fld>
             <a:endParaRPr lang="en-US"/>
           </a:p>
@@ -8941,7 +8941,7 @@
       </p:sp>
       <p:grpSp>
         <p:nvGrpSpPr>
-          <p:cNvPr id="6" name="Group 5"/>
+          <p:cNvPr id="10" name="Group 9"/>
           <p:cNvGrpSpPr/>
           <p:nvPr/>
         </p:nvGrpSpPr>
@@ -8961,8 +8961,8 @@
           </p:nvSpPr>
           <p:spPr>
             <a:xfrm rot="4575288">
-              <a:off x="3166336" y="3584657"/>
-              <a:ext cx="409575" cy="84933"/>
+              <a:off x="3166336" y="3571957"/>
+              <a:ext cx="409575" cy="110333"/>
             </a:xfrm>
             <a:prstGeom prst="rect">
               <a:avLst/>
@@ -9012,8 +9012,8 @@
           </p:nvSpPr>
           <p:spPr>
             <a:xfrm>
-              <a:off x="3166337" y="3587871"/>
-              <a:ext cx="409575" cy="84933"/>
+              <a:off x="3166337" y="3575171"/>
+              <a:ext cx="409575" cy="110333"/>
             </a:xfrm>
             <a:prstGeom prst="rect">
               <a:avLst/>
@@ -10123,28 +10123,28 @@
       </p:grpSp>
       <p:grpSp>
         <p:nvGrpSpPr>
-          <p:cNvPr id="7" name="Group 6"/>
+          <p:cNvPr id="12" name="Group 11"/>
           <p:cNvGrpSpPr/>
           <p:nvPr/>
         </p:nvGrpSpPr>
         <p:grpSpPr>
           <a:xfrm>
-            <a:off x="5482593" y="3411216"/>
+            <a:off x="5476379" y="3429580"/>
             <a:ext cx="409575" cy="409575"/>
-            <a:chOff x="5482593" y="3411216"/>
+            <a:chOff x="5476379" y="3429580"/>
             <a:chExt cx="409575" cy="409575"/>
           </a:xfrm>
         </p:grpSpPr>
         <p:sp>
           <p:nvSpPr>
-            <p:cNvPr id="51" name="Rectangle 50"/>
+            <p:cNvPr id="47" name="Rectangle 46"/>
             <p:cNvSpPr/>
             <p:nvPr/>
           </p:nvSpPr>
           <p:spPr>
             <a:xfrm rot="20775288">
-              <a:off x="5482593" y="3573538"/>
-              <a:ext cx="409575" cy="84933"/>
+              <a:off x="5476379" y="3579202"/>
+              <a:ext cx="409575" cy="110333"/>
             </a:xfrm>
             <a:prstGeom prst="rect">
               <a:avLst/>
@@ -10188,14 +10188,14 @@
         </p:sp>
         <p:sp>
           <p:nvSpPr>
-            <p:cNvPr id="52" name="Rectangle 51"/>
+            <p:cNvPr id="48" name="Rectangle 47"/>
             <p:cNvSpPr/>
             <p:nvPr/>
           </p:nvSpPr>
           <p:spPr>
             <a:xfrm rot="16200000">
-              <a:off x="5485807" y="3573537"/>
-              <a:ext cx="409575" cy="84933"/>
+              <a:off x="5479593" y="3579201"/>
+              <a:ext cx="409575" cy="110333"/>
             </a:xfrm>
             <a:prstGeom prst="rect">
               <a:avLst/>

--- a/doc/Icons-PositionsLab.pptx
+++ b/doc/Icons-PositionsLab.pptx
@@ -213,7 +213,7 @@
           <a:p>
             <a:fld id="{6699ACB9-486C-4D62-A3A7-AF98E13EFDA3}" type="datetimeFigureOut">
               <a:rPr lang="en-US" smtClean="0"/>
-              <a:t>5/27/2016</a:t>
+              <a:t>8/23/2016</a:t>
             </a:fld>
             <a:endParaRPr lang="en-US"/>
           </a:p>
@@ -660,7 +660,7 @@
             <a:fld id="{1D8BD707-D9CF-40AE-B4C6-C98DA3205C09}" type="datetimeFigureOut">
               <a:rPr lang="en-US" smtClean="0"/>
               <a:pPr/>
-              <a:t>5/27/2016</a:t>
+              <a:t>8/23/2016</a:t>
             </a:fld>
             <a:endParaRPr lang="en-US"/>
           </a:p>
@@ -825,7 +825,7 @@
             <a:fld id="{1D8BD707-D9CF-40AE-B4C6-C98DA3205C09}" type="datetimeFigureOut">
               <a:rPr lang="en-US" smtClean="0"/>
               <a:pPr/>
-              <a:t>5/27/2016</a:t>
+              <a:t>8/23/2016</a:t>
             </a:fld>
             <a:endParaRPr lang="en-US"/>
           </a:p>
@@ -1000,7 +1000,7 @@
             <a:fld id="{1D8BD707-D9CF-40AE-B4C6-C98DA3205C09}" type="datetimeFigureOut">
               <a:rPr lang="en-US" smtClean="0"/>
               <a:pPr/>
-              <a:t>5/27/2016</a:t>
+              <a:t>8/23/2016</a:t>
             </a:fld>
             <a:endParaRPr lang="en-US"/>
           </a:p>
@@ -1165,7 +1165,7 @@
             <a:fld id="{1D8BD707-D9CF-40AE-B4C6-C98DA3205C09}" type="datetimeFigureOut">
               <a:rPr lang="en-US" smtClean="0"/>
               <a:pPr/>
-              <a:t>5/27/2016</a:t>
+              <a:t>8/23/2016</a:t>
             </a:fld>
             <a:endParaRPr lang="en-US"/>
           </a:p>
@@ -1407,7 +1407,7 @@
             <a:fld id="{1D8BD707-D9CF-40AE-B4C6-C98DA3205C09}" type="datetimeFigureOut">
               <a:rPr lang="en-US" smtClean="0"/>
               <a:pPr/>
-              <a:t>5/27/2016</a:t>
+              <a:t>8/23/2016</a:t>
             </a:fld>
             <a:endParaRPr lang="en-US"/>
           </a:p>
@@ -1689,7 +1689,7 @@
             <a:fld id="{1D8BD707-D9CF-40AE-B4C6-C98DA3205C09}" type="datetimeFigureOut">
               <a:rPr lang="en-US" smtClean="0"/>
               <a:pPr/>
-              <a:t>5/27/2016</a:t>
+              <a:t>8/23/2016</a:t>
             </a:fld>
             <a:endParaRPr lang="en-US"/>
           </a:p>
@@ -2105,7 +2105,7 @@
             <a:fld id="{1D8BD707-D9CF-40AE-B4C6-C98DA3205C09}" type="datetimeFigureOut">
               <a:rPr lang="en-US" smtClean="0"/>
               <a:pPr/>
-              <a:t>5/27/2016</a:t>
+              <a:t>8/23/2016</a:t>
             </a:fld>
             <a:endParaRPr lang="en-US"/>
           </a:p>
@@ -2219,7 +2219,7 @@
             <a:fld id="{1D8BD707-D9CF-40AE-B4C6-C98DA3205C09}" type="datetimeFigureOut">
               <a:rPr lang="en-US" smtClean="0"/>
               <a:pPr/>
-              <a:t>5/27/2016</a:t>
+              <a:t>8/23/2016</a:t>
             </a:fld>
             <a:endParaRPr lang="en-US"/>
           </a:p>
@@ -2311,7 +2311,7 @@
             <a:fld id="{1D8BD707-D9CF-40AE-B4C6-C98DA3205C09}" type="datetimeFigureOut">
               <a:rPr lang="en-US" smtClean="0"/>
               <a:pPr/>
-              <a:t>5/27/2016</a:t>
+              <a:t>8/23/2016</a:t>
             </a:fld>
             <a:endParaRPr lang="en-US"/>
           </a:p>
@@ -2583,7 +2583,7 @@
             <a:fld id="{1D8BD707-D9CF-40AE-B4C6-C98DA3205C09}" type="datetimeFigureOut">
               <a:rPr lang="en-US" smtClean="0"/>
               <a:pPr/>
-              <a:t>5/27/2016</a:t>
+              <a:t>8/23/2016</a:t>
             </a:fld>
             <a:endParaRPr lang="en-US"/>
           </a:p>
@@ -2832,7 +2832,7 @@
             <a:fld id="{1D8BD707-D9CF-40AE-B4C6-C98DA3205C09}" type="datetimeFigureOut">
               <a:rPr lang="en-US" smtClean="0"/>
               <a:pPr/>
-              <a:t>5/27/2016</a:t>
+              <a:t>8/23/2016</a:t>
             </a:fld>
             <a:endParaRPr lang="en-US"/>
           </a:p>
@@ -3040,7 +3040,7 @@
             <a:fld id="{1D8BD707-D9CF-40AE-B4C6-C98DA3205C09}" type="datetimeFigureOut">
               <a:rPr lang="en-US" smtClean="0"/>
               <a:pPr/>
-              <a:t>5/27/2016</a:t>
+              <a:t>8/23/2016</a:t>
             </a:fld>
             <a:endParaRPr lang="en-US"/>
           </a:p>
@@ -8066,42 +8066,13 @@
       </p:sp>
       <p:sp>
         <p:nvSpPr>
-          <p:cNvPr id="2" name="TextBox 1"/>
-          <p:cNvSpPr txBox="1"/>
-          <p:nvPr/>
-        </p:nvSpPr>
-        <p:spPr>
-          <a:xfrm>
-            <a:off x="778551" y="2271298"/>
-            <a:ext cx="982898" cy="369332"/>
-          </a:xfrm>
-          <a:prstGeom prst="rect">
-            <a:avLst/>
-          </a:prstGeom>
-          <a:noFill/>
-        </p:spPr>
-        <p:txBody>
-          <a:bodyPr wrap="none" rtlCol="0">
-            <a:spAutoFit/>
-          </a:bodyPr>
-          <a:lstStyle/>
-          <a:p>
-            <a:r>
-              <a:rPr lang="en-US" dirty="0"/>
-              <a:t>Rotation</a:t>
-            </a:r>
-          </a:p>
-        </p:txBody>
-      </p:sp>
-      <p:sp>
-        <p:nvSpPr>
           <p:cNvPr id="3" name="TextBox 2"/>
           <p:cNvSpPr txBox="1"/>
           <p:nvPr/>
         </p:nvSpPr>
         <p:spPr>
           <a:xfrm>
-            <a:off x="2540000" y="2271298"/>
+            <a:off x="4630057" y="2320659"/>
             <a:ext cx="1662250" cy="369332"/>
           </a:xfrm>
           <a:prstGeom prst="rect">
@@ -8130,7 +8101,7 @@
         </p:nvSpPr>
         <p:spPr>
           <a:xfrm>
-            <a:off x="4980801" y="2271298"/>
+            <a:off x="7070858" y="2320659"/>
             <a:ext cx="1402372" cy="369332"/>
           </a:xfrm>
           <a:prstGeom prst="rect">
@@ -8159,7 +8130,7 @@
         </p:nvSpPr>
         <p:spPr>
           <a:xfrm>
-            <a:off x="7161724" y="2271298"/>
+            <a:off x="686812" y="4716628"/>
             <a:ext cx="1203727" cy="369332"/>
           </a:xfrm>
           <a:prstGeom prst="rect">
@@ -8188,7 +8159,7 @@
         </p:nvSpPr>
         <p:spPr>
           <a:xfrm>
-            <a:off x="3057821" y="4766017"/>
+            <a:off x="5099912" y="4716628"/>
             <a:ext cx="518091" cy="369332"/>
           </a:xfrm>
           <a:prstGeom prst="rect">
@@ -8212,171 +8183,13 @@
       </p:sp>
       <p:grpSp>
         <p:nvGrpSpPr>
-          <p:cNvPr id="60" name="Group 59"/>
-          <p:cNvGrpSpPr/>
-          <p:nvPr/>
-        </p:nvGrpSpPr>
-        <p:grpSpPr>
-          <a:xfrm>
-            <a:off x="1026635" y="3373130"/>
-            <a:ext cx="486731" cy="507988"/>
-            <a:chOff x="3016088" y="3308560"/>
-            <a:chExt cx="486731" cy="507988"/>
-          </a:xfrm>
-        </p:grpSpPr>
-        <p:sp>
-          <p:nvSpPr>
-            <p:cNvPr id="47" name="Rectangle 46"/>
-            <p:cNvSpPr/>
-            <p:nvPr/>
-          </p:nvSpPr>
-          <p:spPr>
-            <a:xfrm>
-              <a:off x="3159091" y="3488531"/>
-              <a:ext cx="180975" cy="173832"/>
-            </a:xfrm>
-            <a:prstGeom prst="rect">
-              <a:avLst/>
-            </a:prstGeom>
-            <a:solidFill>
-              <a:srgbClr val="E46B09"/>
-            </a:solidFill>
-            <a:ln w="12700">
-              <a:solidFill>
-                <a:schemeClr val="tx1"/>
-              </a:solidFill>
-            </a:ln>
-          </p:spPr>
-          <p:style>
-            <a:lnRef idx="2">
-              <a:schemeClr val="accent1">
-                <a:shade val="50000"/>
-              </a:schemeClr>
-            </a:lnRef>
-            <a:fillRef idx="1">
-              <a:schemeClr val="accent1"/>
-            </a:fillRef>
-            <a:effectRef idx="0">
-              <a:schemeClr val="accent1"/>
-            </a:effectRef>
-            <a:fontRef idx="minor">
-              <a:schemeClr val="lt1"/>
-            </a:fontRef>
-          </p:style>
-          <p:txBody>
-            <a:bodyPr rtlCol="0" anchor="ctr"/>
-            <a:lstStyle/>
-            <a:p>
-              <a:pPr algn="ctr"/>
-              <a:endParaRPr lang="en-US"/>
-            </a:p>
-          </p:txBody>
-        </p:sp>
-        <p:sp>
-          <p:nvSpPr>
-            <p:cNvPr id="52" name="Oval 51"/>
-            <p:cNvSpPr/>
-            <p:nvPr/>
-          </p:nvSpPr>
-          <p:spPr>
-            <a:xfrm>
-              <a:off x="3016088" y="3328614"/>
-              <a:ext cx="486731" cy="487934"/>
-            </a:xfrm>
-            <a:prstGeom prst="ellipse">
-              <a:avLst/>
-            </a:prstGeom>
-            <a:noFill/>
-            <a:ln w="19050">
-              <a:solidFill>
-                <a:schemeClr val="tx1"/>
-              </a:solidFill>
-              <a:prstDash val="dash"/>
-            </a:ln>
-          </p:spPr>
-          <p:style>
-            <a:lnRef idx="2">
-              <a:schemeClr val="accent1">
-                <a:shade val="50000"/>
-              </a:schemeClr>
-            </a:lnRef>
-            <a:fillRef idx="1">
-              <a:schemeClr val="accent1"/>
-            </a:fillRef>
-            <a:effectRef idx="0">
-              <a:schemeClr val="accent1"/>
-            </a:effectRef>
-            <a:fontRef idx="minor">
-              <a:schemeClr val="lt1"/>
-            </a:fontRef>
-          </p:style>
-          <p:txBody>
-            <a:bodyPr rtlCol="0" anchor="ctr"/>
-            <a:lstStyle/>
-            <a:p>
-              <a:pPr algn="ctr"/>
-              <a:endParaRPr lang="en-US"/>
-            </a:p>
-          </p:txBody>
-        </p:sp>
-        <p:sp>
-          <p:nvSpPr>
-            <p:cNvPr id="49" name="Rectangle 48"/>
-            <p:cNvSpPr/>
-            <p:nvPr/>
-          </p:nvSpPr>
-          <p:spPr>
-            <a:xfrm rot="19174279">
-              <a:off x="3413300" y="3308560"/>
-              <a:ext cx="71771" cy="248207"/>
-            </a:xfrm>
-            <a:prstGeom prst="rect">
-              <a:avLst/>
-            </a:prstGeom>
-            <a:solidFill>
-              <a:srgbClr val="0070C0"/>
-            </a:solidFill>
-            <a:ln w="12700">
-              <a:solidFill>
-                <a:schemeClr val="tx1"/>
-              </a:solidFill>
-            </a:ln>
-          </p:spPr>
-          <p:style>
-            <a:lnRef idx="2">
-              <a:schemeClr val="accent1">
-                <a:shade val="50000"/>
-              </a:schemeClr>
-            </a:lnRef>
-            <a:fillRef idx="1">
-              <a:schemeClr val="accent1"/>
-            </a:fillRef>
-            <a:effectRef idx="0">
-              <a:schemeClr val="accent1"/>
-            </a:effectRef>
-            <a:fontRef idx="minor">
-              <a:schemeClr val="lt1"/>
-            </a:fontRef>
-          </p:style>
-          <p:txBody>
-            <a:bodyPr rtlCol="0" anchor="ctr"/>
-            <a:lstStyle/>
-            <a:p>
-              <a:pPr algn="ctr"/>
-              <a:endParaRPr lang="en-US"/>
-            </a:p>
-          </p:txBody>
-        </p:sp>
-      </p:grpSp>
-      <p:grpSp>
-        <p:nvGrpSpPr>
           <p:cNvPr id="89" name="Group 88"/>
           <p:cNvGrpSpPr/>
           <p:nvPr/>
         </p:nvGrpSpPr>
         <p:grpSpPr>
           <a:xfrm>
-            <a:off x="991103" y="5428720"/>
+            <a:off x="3033194" y="5379331"/>
             <a:ext cx="559539" cy="311642"/>
             <a:chOff x="4291068" y="3238762"/>
             <a:chExt cx="559539" cy="311642"/>
@@ -8696,7 +8509,7 @@
         </p:nvGrpSpPr>
         <p:grpSpPr>
           <a:xfrm>
-            <a:off x="3166337" y="3422336"/>
+            <a:off x="5256394" y="3471697"/>
             <a:ext cx="409575" cy="409575"/>
             <a:chOff x="3166337" y="3422336"/>
             <a:chExt cx="409575" cy="409575"/>
@@ -8882,7 +8695,7 @@
         </p:nvGrpSpPr>
         <p:grpSpPr>
           <a:xfrm>
-            <a:off x="5476008" y="3421145"/>
+            <a:off x="7566065" y="3470506"/>
             <a:ext cx="411957" cy="411957"/>
             <a:chOff x="7211305" y="6260306"/>
             <a:chExt cx="411957" cy="411957"/>
@@ -9070,7 +8883,7 @@
         </p:nvGrpSpPr>
         <p:grpSpPr>
           <a:xfrm>
-            <a:off x="7415889" y="3361446"/>
+            <a:off x="988394" y="5271576"/>
             <a:ext cx="520939" cy="531355"/>
             <a:chOff x="5824134" y="5895605"/>
             <a:chExt cx="520939" cy="531355"/>
@@ -9983,7 +9796,7 @@
         </p:nvSpPr>
         <p:spPr>
           <a:xfrm>
-            <a:off x="905271" y="4766017"/>
+            <a:off x="2947362" y="4716628"/>
             <a:ext cx="1034257" cy="369332"/>
           </a:xfrm>
           <a:prstGeom prst="rect">
@@ -10012,7 +9825,7 @@
         </p:nvGrpSpPr>
         <p:grpSpPr>
           <a:xfrm>
-            <a:off x="3033697" y="5409977"/>
+            <a:off x="5075788" y="5360588"/>
             <a:ext cx="507687" cy="426598"/>
             <a:chOff x="3171876" y="5473943"/>
             <a:chExt cx="313829" cy="235477"/>
@@ -10167,7 +9980,7 @@
         </p:nvGrpSpPr>
         <p:grpSpPr>
           <a:xfrm rot="5400000">
-            <a:off x="3836804" y="5416411"/>
+            <a:off x="5878895" y="5367022"/>
             <a:ext cx="473043" cy="478733"/>
             <a:chOff x="3171876" y="5473943"/>
             <a:chExt cx="313829" cy="235477"/>
@@ -10313,6 +10126,964 @@
             </a:fontRef>
           </p:style>
         </p:cxnSp>
+      </p:grpSp>
+      <p:sp>
+        <p:nvSpPr>
+          <p:cNvPr id="61" name="TextBox 1"/>
+          <p:cNvSpPr txBox="1"/>
+          <p:nvPr/>
+        </p:nvSpPr>
+        <p:spPr>
+          <a:xfrm>
+            <a:off x="833667" y="2320659"/>
+            <a:ext cx="982898" cy="369332"/>
+          </a:xfrm>
+          <a:prstGeom prst="rect">
+            <a:avLst/>
+          </a:prstGeom>
+          <a:noFill/>
+        </p:spPr>
+        <p:txBody>
+          <a:bodyPr wrap="none" rtlCol="0">
+            <a:spAutoFit/>
+          </a:bodyPr>
+          <a:lstStyle/>
+          <a:p>
+            <a:r>
+              <a:rPr lang="en-US" dirty="0"/>
+              <a:t>Rotation</a:t>
+            </a:r>
+          </a:p>
+        </p:txBody>
+      </p:sp>
+      <p:grpSp>
+        <p:nvGrpSpPr>
+          <p:cNvPr id="63" name="组合 62"/>
+          <p:cNvGrpSpPr/>
+          <p:nvPr/>
+        </p:nvGrpSpPr>
+        <p:grpSpPr>
+          <a:xfrm>
+            <a:off x="969810" y="3393572"/>
+            <a:ext cx="569257" cy="565821"/>
+            <a:chOff x="1043051" y="3327274"/>
+            <a:chExt cx="569257" cy="565821"/>
+          </a:xfrm>
+        </p:grpSpPr>
+        <p:sp>
+          <p:nvSpPr>
+            <p:cNvPr id="66" name="Rectangle 46"/>
+            <p:cNvSpPr/>
+            <p:nvPr/>
+          </p:nvSpPr>
+          <p:spPr>
+            <a:xfrm>
+              <a:off x="1206265" y="3582993"/>
+              <a:ext cx="157803" cy="151575"/>
+            </a:xfrm>
+            <a:prstGeom prst="rect">
+              <a:avLst/>
+            </a:prstGeom>
+            <a:solidFill>
+              <a:srgbClr val="E46B09"/>
+            </a:solidFill>
+            <a:ln w="12700">
+              <a:solidFill>
+                <a:schemeClr val="tx1"/>
+              </a:solidFill>
+            </a:ln>
+          </p:spPr>
+          <p:style>
+            <a:lnRef idx="2">
+              <a:schemeClr val="accent1">
+                <a:shade val="50000"/>
+              </a:schemeClr>
+            </a:lnRef>
+            <a:fillRef idx="1">
+              <a:schemeClr val="accent1"/>
+            </a:fillRef>
+            <a:effectRef idx="0">
+              <a:schemeClr val="accent1"/>
+            </a:effectRef>
+            <a:fontRef idx="minor">
+              <a:schemeClr val="lt1"/>
+            </a:fontRef>
+          </p:style>
+          <p:txBody>
+            <a:bodyPr rtlCol="0" anchor="ctr"/>
+            <a:lstStyle/>
+            <a:p>
+              <a:pPr algn="ctr"/>
+              <a:endParaRPr lang="en-US"/>
+            </a:p>
+          </p:txBody>
+        </p:sp>
+        <p:sp>
+          <p:nvSpPr>
+            <p:cNvPr id="67" name="Oval 51"/>
+            <p:cNvSpPr/>
+            <p:nvPr/>
+          </p:nvSpPr>
+          <p:spPr>
+            <a:xfrm>
+              <a:off x="1043051" y="3416856"/>
+              <a:ext cx="475064" cy="476239"/>
+            </a:xfrm>
+            <a:prstGeom prst="ellipse">
+              <a:avLst/>
+            </a:prstGeom>
+            <a:noFill/>
+            <a:ln w="19050">
+              <a:solidFill>
+                <a:schemeClr val="tx1"/>
+              </a:solidFill>
+              <a:prstDash val="dash"/>
+            </a:ln>
+          </p:spPr>
+          <p:style>
+            <a:lnRef idx="2">
+              <a:schemeClr val="accent1">
+                <a:shade val="50000"/>
+              </a:schemeClr>
+            </a:lnRef>
+            <a:fillRef idx="1">
+              <a:schemeClr val="accent1"/>
+            </a:fillRef>
+            <a:effectRef idx="0">
+              <a:schemeClr val="accent1"/>
+            </a:effectRef>
+            <a:fontRef idx="minor">
+              <a:schemeClr val="lt1"/>
+            </a:fontRef>
+          </p:style>
+          <p:txBody>
+            <a:bodyPr rtlCol="0" anchor="ctr"/>
+            <a:lstStyle/>
+            <a:p>
+              <a:pPr algn="ctr"/>
+              <a:endParaRPr lang="en-US"/>
+            </a:p>
+          </p:txBody>
+        </p:sp>
+        <p:sp>
+          <p:nvSpPr>
+            <p:cNvPr id="68" name="燕尾形 67"/>
+            <p:cNvSpPr/>
+            <p:nvPr/>
+          </p:nvSpPr>
+          <p:spPr>
+            <a:xfrm rot="953220">
+              <a:off x="1265968" y="3327274"/>
+              <a:ext cx="125089" cy="178964"/>
+            </a:xfrm>
+            <a:prstGeom prst="chevron">
+              <a:avLst/>
+            </a:prstGeom>
+            <a:solidFill>
+              <a:srgbClr val="0070C0">
+                <a:alpha val="0"/>
+              </a:srgbClr>
+            </a:solidFill>
+            <a:ln w="12700">
+              <a:solidFill>
+                <a:schemeClr val="tx1"/>
+              </a:solidFill>
+            </a:ln>
+          </p:spPr>
+          <p:style>
+            <a:lnRef idx="2">
+              <a:schemeClr val="accent1">
+                <a:shade val="50000"/>
+              </a:schemeClr>
+            </a:lnRef>
+            <a:fillRef idx="1">
+              <a:schemeClr val="accent1"/>
+            </a:fillRef>
+            <a:effectRef idx="0">
+              <a:schemeClr val="accent1"/>
+            </a:effectRef>
+            <a:fontRef idx="minor">
+              <a:schemeClr val="lt1"/>
+            </a:fontRef>
+          </p:style>
+          <p:txBody>
+            <a:bodyPr rtlCol="0" anchor="ctr"/>
+            <a:lstStyle/>
+            <a:p>
+              <a:pPr algn="ctr"/>
+              <a:endParaRPr lang="zh-CN" altLang="en-US">
+                <a:solidFill>
+                  <a:schemeClr val="tx1"/>
+                </a:solidFill>
+              </a:endParaRPr>
+            </a:p>
+          </p:txBody>
+        </p:sp>
+        <p:sp>
+          <p:nvSpPr>
+            <p:cNvPr id="69" name="燕尾形 68"/>
+            <p:cNvSpPr/>
+            <p:nvPr/>
+          </p:nvSpPr>
+          <p:spPr>
+            <a:xfrm rot="5400000">
+              <a:off x="1460281" y="3546379"/>
+              <a:ext cx="125089" cy="178964"/>
+            </a:xfrm>
+            <a:prstGeom prst="chevron">
+              <a:avLst/>
+            </a:prstGeom>
+            <a:solidFill>
+              <a:srgbClr val="0070C0"/>
+            </a:solidFill>
+            <a:ln w="12700">
+              <a:solidFill>
+                <a:schemeClr val="tx1"/>
+              </a:solidFill>
+            </a:ln>
+          </p:spPr>
+          <p:style>
+            <a:lnRef idx="2">
+              <a:schemeClr val="accent1">
+                <a:shade val="50000"/>
+              </a:schemeClr>
+            </a:lnRef>
+            <a:fillRef idx="1">
+              <a:schemeClr val="accent1"/>
+            </a:fillRef>
+            <a:effectRef idx="0">
+              <a:schemeClr val="accent1"/>
+            </a:effectRef>
+            <a:fontRef idx="minor">
+              <a:schemeClr val="lt1"/>
+            </a:fontRef>
+          </p:style>
+          <p:txBody>
+            <a:bodyPr rtlCol="0" anchor="ctr"/>
+            <a:lstStyle/>
+            <a:p>
+              <a:pPr algn="ctr"/>
+              <a:endParaRPr lang="zh-CN" altLang="en-US">
+                <a:solidFill>
+                  <a:schemeClr val="tx1"/>
+                </a:solidFill>
+              </a:endParaRPr>
+            </a:p>
+          </p:txBody>
+        </p:sp>
+      </p:grpSp>
+      <p:sp>
+        <p:nvSpPr>
+          <p:cNvPr id="71" name="TextBox 1"/>
+          <p:cNvSpPr txBox="1"/>
+          <p:nvPr/>
+        </p:nvSpPr>
+        <p:spPr>
+          <a:xfrm>
+            <a:off x="2260579" y="2316445"/>
+            <a:ext cx="2145652" cy="369332"/>
+          </a:xfrm>
+          <a:prstGeom prst="rect">
+            <a:avLst/>
+          </a:prstGeom>
+          <a:noFill/>
+        </p:spPr>
+        <p:txBody>
+          <a:bodyPr wrap="none" rtlCol="0">
+            <a:spAutoFit/>
+          </a:bodyPr>
+          <a:lstStyle>
+            <a:defPPr>
+              <a:defRPr lang="en-US"/>
+            </a:defPPr>
+            <a:lvl1pPr marL="0" algn="l" defTabSz="914400" rtl="0" eaLnBrk="1" latinLnBrk="0" hangingPunct="1">
+              <a:defRPr sz="1800" kern="1200">
+                <a:solidFill>
+                  <a:schemeClr val="tx1"/>
+                </a:solidFill>
+                <a:latin typeface="+mn-lt"/>
+                <a:ea typeface="+mn-ea"/>
+                <a:cs typeface="+mn-cs"/>
+              </a:defRPr>
+            </a:lvl1pPr>
+            <a:lvl2pPr marL="457200" algn="l" defTabSz="914400" rtl="0" eaLnBrk="1" latinLnBrk="0" hangingPunct="1">
+              <a:defRPr sz="1800" kern="1200">
+                <a:solidFill>
+                  <a:schemeClr val="tx1"/>
+                </a:solidFill>
+                <a:latin typeface="+mn-lt"/>
+                <a:ea typeface="+mn-ea"/>
+                <a:cs typeface="+mn-cs"/>
+              </a:defRPr>
+            </a:lvl2pPr>
+            <a:lvl3pPr marL="914400" algn="l" defTabSz="914400" rtl="0" eaLnBrk="1" latinLnBrk="0" hangingPunct="1">
+              <a:defRPr sz="1800" kern="1200">
+                <a:solidFill>
+                  <a:schemeClr val="tx1"/>
+                </a:solidFill>
+                <a:latin typeface="+mn-lt"/>
+                <a:ea typeface="+mn-ea"/>
+                <a:cs typeface="+mn-cs"/>
+              </a:defRPr>
+            </a:lvl3pPr>
+            <a:lvl4pPr marL="1371600" algn="l" defTabSz="914400" rtl="0" eaLnBrk="1" latinLnBrk="0" hangingPunct="1">
+              <a:defRPr sz="1800" kern="1200">
+                <a:solidFill>
+                  <a:schemeClr val="tx1"/>
+                </a:solidFill>
+                <a:latin typeface="+mn-lt"/>
+                <a:ea typeface="+mn-ea"/>
+                <a:cs typeface="+mn-cs"/>
+              </a:defRPr>
+            </a:lvl4pPr>
+            <a:lvl5pPr marL="1828800" algn="l" defTabSz="914400" rtl="0" eaLnBrk="1" latinLnBrk="0" hangingPunct="1">
+              <a:defRPr sz="1800" kern="1200">
+                <a:solidFill>
+                  <a:schemeClr val="tx1"/>
+                </a:solidFill>
+                <a:latin typeface="+mn-lt"/>
+                <a:ea typeface="+mn-ea"/>
+                <a:cs typeface="+mn-cs"/>
+              </a:defRPr>
+            </a:lvl5pPr>
+            <a:lvl6pPr marL="2286000" algn="l" defTabSz="914400" rtl="0" eaLnBrk="1" latinLnBrk="0" hangingPunct="1">
+              <a:defRPr sz="1800" kern="1200">
+                <a:solidFill>
+                  <a:schemeClr val="tx1"/>
+                </a:solidFill>
+                <a:latin typeface="+mn-lt"/>
+                <a:ea typeface="+mn-ea"/>
+                <a:cs typeface="+mn-cs"/>
+              </a:defRPr>
+            </a:lvl6pPr>
+            <a:lvl7pPr marL="2743200" algn="l" defTabSz="914400" rtl="0" eaLnBrk="1" latinLnBrk="0" hangingPunct="1">
+              <a:defRPr sz="1800" kern="1200">
+                <a:solidFill>
+                  <a:schemeClr val="tx1"/>
+                </a:solidFill>
+                <a:latin typeface="+mn-lt"/>
+                <a:ea typeface="+mn-ea"/>
+                <a:cs typeface="+mn-cs"/>
+              </a:defRPr>
+            </a:lvl7pPr>
+            <a:lvl8pPr marL="3200400" algn="l" defTabSz="914400" rtl="0" eaLnBrk="1" latinLnBrk="0" hangingPunct="1">
+              <a:defRPr sz="1800" kern="1200">
+                <a:solidFill>
+                  <a:schemeClr val="tx1"/>
+                </a:solidFill>
+                <a:latin typeface="+mn-lt"/>
+                <a:ea typeface="+mn-ea"/>
+                <a:cs typeface="+mn-cs"/>
+              </a:defRPr>
+            </a:lvl8pPr>
+            <a:lvl9pPr marL="3657600" algn="l" defTabSz="914400" rtl="0" eaLnBrk="1" latinLnBrk="0" hangingPunct="1">
+              <a:defRPr sz="1800" kern="1200">
+                <a:solidFill>
+                  <a:schemeClr val="tx1"/>
+                </a:solidFill>
+                <a:latin typeface="+mn-lt"/>
+                <a:ea typeface="+mn-ea"/>
+                <a:cs typeface="+mn-cs"/>
+              </a:defRPr>
+            </a:lvl9pPr>
+          </a:lstStyle>
+          <a:p>
+            <a:r>
+              <a:rPr lang="en-US" dirty="0"/>
+              <a:t>Duplicate and Rotate</a:t>
+            </a:r>
+          </a:p>
+        </p:txBody>
+      </p:sp>
+      <p:grpSp>
+        <p:nvGrpSpPr>
+          <p:cNvPr id="73" name="组合 72"/>
+          <p:cNvGrpSpPr/>
+          <p:nvPr/>
+        </p:nvGrpSpPr>
+        <p:grpSpPr>
+          <a:xfrm>
+            <a:off x="3131267" y="3418291"/>
+            <a:ext cx="569258" cy="565822"/>
+            <a:chOff x="4443948" y="5281268"/>
+            <a:chExt cx="597872" cy="594263"/>
+          </a:xfrm>
+        </p:grpSpPr>
+        <p:sp>
+          <p:nvSpPr>
+            <p:cNvPr id="74" name="Rectangle 46"/>
+            <p:cNvSpPr/>
+            <p:nvPr/>
+          </p:nvSpPr>
+          <p:spPr>
+            <a:xfrm>
+              <a:off x="4615366" y="5549841"/>
+              <a:ext cx="165735" cy="159194"/>
+            </a:xfrm>
+            <a:prstGeom prst="rect">
+              <a:avLst/>
+            </a:prstGeom>
+            <a:solidFill>
+              <a:srgbClr val="E46B09"/>
+            </a:solidFill>
+            <a:ln w="12700">
+              <a:solidFill>
+                <a:schemeClr val="tx1"/>
+              </a:solidFill>
+            </a:ln>
+          </p:spPr>
+          <p:style>
+            <a:lnRef idx="2">
+              <a:schemeClr val="accent1">
+                <a:shade val="50000"/>
+              </a:schemeClr>
+            </a:lnRef>
+            <a:fillRef idx="1">
+              <a:schemeClr val="accent1"/>
+            </a:fillRef>
+            <a:effectRef idx="0">
+              <a:schemeClr val="accent1"/>
+            </a:effectRef>
+            <a:fontRef idx="minor">
+              <a:schemeClr val="lt1"/>
+            </a:fontRef>
+          </p:style>
+          <p:txBody>
+            <a:bodyPr rtlCol="0" anchor="ctr"/>
+            <a:lstStyle>
+              <a:defPPr>
+                <a:defRPr lang="en-US"/>
+              </a:defPPr>
+              <a:lvl1pPr marL="0" algn="l" defTabSz="914400" rtl="0" eaLnBrk="1" latinLnBrk="0" hangingPunct="1">
+                <a:defRPr sz="1800" kern="1200">
+                  <a:solidFill>
+                    <a:schemeClr val="lt1"/>
+                  </a:solidFill>
+                  <a:latin typeface="+mn-lt"/>
+                  <a:ea typeface="+mn-ea"/>
+                  <a:cs typeface="+mn-cs"/>
+                </a:defRPr>
+              </a:lvl1pPr>
+              <a:lvl2pPr marL="457200" algn="l" defTabSz="914400" rtl="0" eaLnBrk="1" latinLnBrk="0" hangingPunct="1">
+                <a:defRPr sz="1800" kern="1200">
+                  <a:solidFill>
+                    <a:schemeClr val="lt1"/>
+                  </a:solidFill>
+                  <a:latin typeface="+mn-lt"/>
+                  <a:ea typeface="+mn-ea"/>
+                  <a:cs typeface="+mn-cs"/>
+                </a:defRPr>
+              </a:lvl2pPr>
+              <a:lvl3pPr marL="914400" algn="l" defTabSz="914400" rtl="0" eaLnBrk="1" latinLnBrk="0" hangingPunct="1">
+                <a:defRPr sz="1800" kern="1200">
+                  <a:solidFill>
+                    <a:schemeClr val="lt1"/>
+                  </a:solidFill>
+                  <a:latin typeface="+mn-lt"/>
+                  <a:ea typeface="+mn-ea"/>
+                  <a:cs typeface="+mn-cs"/>
+                </a:defRPr>
+              </a:lvl3pPr>
+              <a:lvl4pPr marL="1371600" algn="l" defTabSz="914400" rtl="0" eaLnBrk="1" latinLnBrk="0" hangingPunct="1">
+                <a:defRPr sz="1800" kern="1200">
+                  <a:solidFill>
+                    <a:schemeClr val="lt1"/>
+                  </a:solidFill>
+                  <a:latin typeface="+mn-lt"/>
+                  <a:ea typeface="+mn-ea"/>
+                  <a:cs typeface="+mn-cs"/>
+                </a:defRPr>
+              </a:lvl4pPr>
+              <a:lvl5pPr marL="1828800" algn="l" defTabSz="914400" rtl="0" eaLnBrk="1" latinLnBrk="0" hangingPunct="1">
+                <a:defRPr sz="1800" kern="1200">
+                  <a:solidFill>
+                    <a:schemeClr val="lt1"/>
+                  </a:solidFill>
+                  <a:latin typeface="+mn-lt"/>
+                  <a:ea typeface="+mn-ea"/>
+                  <a:cs typeface="+mn-cs"/>
+                </a:defRPr>
+              </a:lvl5pPr>
+              <a:lvl6pPr marL="2286000" algn="l" defTabSz="914400" rtl="0" eaLnBrk="1" latinLnBrk="0" hangingPunct="1">
+                <a:defRPr sz="1800" kern="1200">
+                  <a:solidFill>
+                    <a:schemeClr val="lt1"/>
+                  </a:solidFill>
+                  <a:latin typeface="+mn-lt"/>
+                  <a:ea typeface="+mn-ea"/>
+                  <a:cs typeface="+mn-cs"/>
+                </a:defRPr>
+              </a:lvl6pPr>
+              <a:lvl7pPr marL="2743200" algn="l" defTabSz="914400" rtl="0" eaLnBrk="1" latinLnBrk="0" hangingPunct="1">
+                <a:defRPr sz="1800" kern="1200">
+                  <a:solidFill>
+                    <a:schemeClr val="lt1"/>
+                  </a:solidFill>
+                  <a:latin typeface="+mn-lt"/>
+                  <a:ea typeface="+mn-ea"/>
+                  <a:cs typeface="+mn-cs"/>
+                </a:defRPr>
+              </a:lvl7pPr>
+              <a:lvl8pPr marL="3200400" algn="l" defTabSz="914400" rtl="0" eaLnBrk="1" latinLnBrk="0" hangingPunct="1">
+                <a:defRPr sz="1800" kern="1200">
+                  <a:solidFill>
+                    <a:schemeClr val="lt1"/>
+                  </a:solidFill>
+                  <a:latin typeface="+mn-lt"/>
+                  <a:ea typeface="+mn-ea"/>
+                  <a:cs typeface="+mn-cs"/>
+                </a:defRPr>
+              </a:lvl8pPr>
+              <a:lvl9pPr marL="3657600" algn="l" defTabSz="914400" rtl="0" eaLnBrk="1" latinLnBrk="0" hangingPunct="1">
+                <a:defRPr sz="1800" kern="1200">
+                  <a:solidFill>
+                    <a:schemeClr val="lt1"/>
+                  </a:solidFill>
+                  <a:latin typeface="+mn-lt"/>
+                  <a:ea typeface="+mn-ea"/>
+                  <a:cs typeface="+mn-cs"/>
+                </a:defRPr>
+              </a:lvl9pPr>
+            </a:lstStyle>
+            <a:p>
+              <a:pPr algn="ctr"/>
+              <a:endParaRPr lang="en-US"/>
+            </a:p>
+          </p:txBody>
+        </p:sp>
+        <p:sp>
+          <p:nvSpPr>
+            <p:cNvPr id="75" name="Oval 51"/>
+            <p:cNvSpPr/>
+            <p:nvPr/>
+          </p:nvSpPr>
+          <p:spPr>
+            <a:xfrm>
+              <a:off x="4443948" y="5375353"/>
+              <a:ext cx="498944" cy="500178"/>
+            </a:xfrm>
+            <a:prstGeom prst="ellipse">
+              <a:avLst/>
+            </a:prstGeom>
+            <a:noFill/>
+            <a:ln w="19050">
+              <a:solidFill>
+                <a:schemeClr val="tx1"/>
+              </a:solidFill>
+              <a:prstDash val="dash"/>
+            </a:ln>
+          </p:spPr>
+          <p:style>
+            <a:lnRef idx="2">
+              <a:schemeClr val="accent1">
+                <a:shade val="50000"/>
+              </a:schemeClr>
+            </a:lnRef>
+            <a:fillRef idx="1">
+              <a:schemeClr val="accent1"/>
+            </a:fillRef>
+            <a:effectRef idx="0">
+              <a:schemeClr val="accent1"/>
+            </a:effectRef>
+            <a:fontRef idx="minor">
+              <a:schemeClr val="lt1"/>
+            </a:fontRef>
+          </p:style>
+          <p:txBody>
+            <a:bodyPr rtlCol="0" anchor="ctr"/>
+            <a:lstStyle>
+              <a:defPPr>
+                <a:defRPr lang="en-US"/>
+              </a:defPPr>
+              <a:lvl1pPr marL="0" algn="l" defTabSz="914400" rtl="0" eaLnBrk="1" latinLnBrk="0" hangingPunct="1">
+                <a:defRPr sz="1800" kern="1200">
+                  <a:solidFill>
+                    <a:schemeClr val="lt1"/>
+                  </a:solidFill>
+                  <a:latin typeface="+mn-lt"/>
+                  <a:ea typeface="+mn-ea"/>
+                  <a:cs typeface="+mn-cs"/>
+                </a:defRPr>
+              </a:lvl1pPr>
+              <a:lvl2pPr marL="457200" algn="l" defTabSz="914400" rtl="0" eaLnBrk="1" latinLnBrk="0" hangingPunct="1">
+                <a:defRPr sz="1800" kern="1200">
+                  <a:solidFill>
+                    <a:schemeClr val="lt1"/>
+                  </a:solidFill>
+                  <a:latin typeface="+mn-lt"/>
+                  <a:ea typeface="+mn-ea"/>
+                  <a:cs typeface="+mn-cs"/>
+                </a:defRPr>
+              </a:lvl2pPr>
+              <a:lvl3pPr marL="914400" algn="l" defTabSz="914400" rtl="0" eaLnBrk="1" latinLnBrk="0" hangingPunct="1">
+                <a:defRPr sz="1800" kern="1200">
+                  <a:solidFill>
+                    <a:schemeClr val="lt1"/>
+                  </a:solidFill>
+                  <a:latin typeface="+mn-lt"/>
+                  <a:ea typeface="+mn-ea"/>
+                  <a:cs typeface="+mn-cs"/>
+                </a:defRPr>
+              </a:lvl3pPr>
+              <a:lvl4pPr marL="1371600" algn="l" defTabSz="914400" rtl="0" eaLnBrk="1" latinLnBrk="0" hangingPunct="1">
+                <a:defRPr sz="1800" kern="1200">
+                  <a:solidFill>
+                    <a:schemeClr val="lt1"/>
+                  </a:solidFill>
+                  <a:latin typeface="+mn-lt"/>
+                  <a:ea typeface="+mn-ea"/>
+                  <a:cs typeface="+mn-cs"/>
+                </a:defRPr>
+              </a:lvl4pPr>
+              <a:lvl5pPr marL="1828800" algn="l" defTabSz="914400" rtl="0" eaLnBrk="1" latinLnBrk="0" hangingPunct="1">
+                <a:defRPr sz="1800" kern="1200">
+                  <a:solidFill>
+                    <a:schemeClr val="lt1"/>
+                  </a:solidFill>
+                  <a:latin typeface="+mn-lt"/>
+                  <a:ea typeface="+mn-ea"/>
+                  <a:cs typeface="+mn-cs"/>
+                </a:defRPr>
+              </a:lvl5pPr>
+              <a:lvl6pPr marL="2286000" algn="l" defTabSz="914400" rtl="0" eaLnBrk="1" latinLnBrk="0" hangingPunct="1">
+                <a:defRPr sz="1800" kern="1200">
+                  <a:solidFill>
+                    <a:schemeClr val="lt1"/>
+                  </a:solidFill>
+                  <a:latin typeface="+mn-lt"/>
+                  <a:ea typeface="+mn-ea"/>
+                  <a:cs typeface="+mn-cs"/>
+                </a:defRPr>
+              </a:lvl6pPr>
+              <a:lvl7pPr marL="2743200" algn="l" defTabSz="914400" rtl="0" eaLnBrk="1" latinLnBrk="0" hangingPunct="1">
+                <a:defRPr sz="1800" kern="1200">
+                  <a:solidFill>
+                    <a:schemeClr val="lt1"/>
+                  </a:solidFill>
+                  <a:latin typeface="+mn-lt"/>
+                  <a:ea typeface="+mn-ea"/>
+                  <a:cs typeface="+mn-cs"/>
+                </a:defRPr>
+              </a:lvl7pPr>
+              <a:lvl8pPr marL="3200400" algn="l" defTabSz="914400" rtl="0" eaLnBrk="1" latinLnBrk="0" hangingPunct="1">
+                <a:defRPr sz="1800" kern="1200">
+                  <a:solidFill>
+                    <a:schemeClr val="lt1"/>
+                  </a:solidFill>
+                  <a:latin typeface="+mn-lt"/>
+                  <a:ea typeface="+mn-ea"/>
+                  <a:cs typeface="+mn-cs"/>
+                </a:defRPr>
+              </a:lvl8pPr>
+              <a:lvl9pPr marL="3657600" algn="l" defTabSz="914400" rtl="0" eaLnBrk="1" latinLnBrk="0" hangingPunct="1">
+                <a:defRPr sz="1800" kern="1200">
+                  <a:solidFill>
+                    <a:schemeClr val="lt1"/>
+                  </a:solidFill>
+                  <a:latin typeface="+mn-lt"/>
+                  <a:ea typeface="+mn-ea"/>
+                  <a:cs typeface="+mn-cs"/>
+                </a:defRPr>
+              </a:lvl9pPr>
+            </a:lstStyle>
+            <a:p>
+              <a:pPr algn="ctr"/>
+              <a:endParaRPr lang="en-US"/>
+            </a:p>
+          </p:txBody>
+        </p:sp>
+        <p:sp>
+          <p:nvSpPr>
+            <p:cNvPr id="82" name="燕尾形 81"/>
+            <p:cNvSpPr/>
+            <p:nvPr/>
+          </p:nvSpPr>
+          <p:spPr>
+            <a:xfrm rot="953220">
+              <a:off x="4678070" y="5281268"/>
+              <a:ext cx="131377" cy="187960"/>
+            </a:xfrm>
+            <a:prstGeom prst="chevron">
+              <a:avLst/>
+            </a:prstGeom>
+            <a:solidFill>
+              <a:srgbClr val="0070C0"/>
+            </a:solidFill>
+            <a:ln w="12700">
+              <a:solidFill>
+                <a:schemeClr val="tx1"/>
+              </a:solidFill>
+            </a:ln>
+          </p:spPr>
+          <p:style>
+            <a:lnRef idx="2">
+              <a:schemeClr val="accent1">
+                <a:shade val="50000"/>
+              </a:schemeClr>
+            </a:lnRef>
+            <a:fillRef idx="1">
+              <a:schemeClr val="accent1"/>
+            </a:fillRef>
+            <a:effectRef idx="0">
+              <a:schemeClr val="accent1"/>
+            </a:effectRef>
+            <a:fontRef idx="minor">
+              <a:schemeClr val="lt1"/>
+            </a:fontRef>
+          </p:style>
+          <p:txBody>
+            <a:bodyPr rtlCol="0" anchor="ctr"/>
+            <a:lstStyle>
+              <a:defPPr>
+                <a:defRPr lang="en-US"/>
+              </a:defPPr>
+              <a:lvl1pPr marL="0" algn="l" defTabSz="914400" rtl="0" eaLnBrk="1" latinLnBrk="0" hangingPunct="1">
+                <a:defRPr sz="1800" kern="1200">
+                  <a:solidFill>
+                    <a:schemeClr val="lt1"/>
+                  </a:solidFill>
+                  <a:latin typeface="+mn-lt"/>
+                  <a:ea typeface="+mn-ea"/>
+                  <a:cs typeface="+mn-cs"/>
+                </a:defRPr>
+              </a:lvl1pPr>
+              <a:lvl2pPr marL="457200" algn="l" defTabSz="914400" rtl="0" eaLnBrk="1" latinLnBrk="0" hangingPunct="1">
+                <a:defRPr sz="1800" kern="1200">
+                  <a:solidFill>
+                    <a:schemeClr val="lt1"/>
+                  </a:solidFill>
+                  <a:latin typeface="+mn-lt"/>
+                  <a:ea typeface="+mn-ea"/>
+                  <a:cs typeface="+mn-cs"/>
+                </a:defRPr>
+              </a:lvl2pPr>
+              <a:lvl3pPr marL="914400" algn="l" defTabSz="914400" rtl="0" eaLnBrk="1" latinLnBrk="0" hangingPunct="1">
+                <a:defRPr sz="1800" kern="1200">
+                  <a:solidFill>
+                    <a:schemeClr val="lt1"/>
+                  </a:solidFill>
+                  <a:latin typeface="+mn-lt"/>
+                  <a:ea typeface="+mn-ea"/>
+                  <a:cs typeface="+mn-cs"/>
+                </a:defRPr>
+              </a:lvl3pPr>
+              <a:lvl4pPr marL="1371600" algn="l" defTabSz="914400" rtl="0" eaLnBrk="1" latinLnBrk="0" hangingPunct="1">
+                <a:defRPr sz="1800" kern="1200">
+                  <a:solidFill>
+                    <a:schemeClr val="lt1"/>
+                  </a:solidFill>
+                  <a:latin typeface="+mn-lt"/>
+                  <a:ea typeface="+mn-ea"/>
+                  <a:cs typeface="+mn-cs"/>
+                </a:defRPr>
+              </a:lvl4pPr>
+              <a:lvl5pPr marL="1828800" algn="l" defTabSz="914400" rtl="0" eaLnBrk="1" latinLnBrk="0" hangingPunct="1">
+                <a:defRPr sz="1800" kern="1200">
+                  <a:solidFill>
+                    <a:schemeClr val="lt1"/>
+                  </a:solidFill>
+                  <a:latin typeface="+mn-lt"/>
+                  <a:ea typeface="+mn-ea"/>
+                  <a:cs typeface="+mn-cs"/>
+                </a:defRPr>
+              </a:lvl5pPr>
+              <a:lvl6pPr marL="2286000" algn="l" defTabSz="914400" rtl="0" eaLnBrk="1" latinLnBrk="0" hangingPunct="1">
+                <a:defRPr sz="1800" kern="1200">
+                  <a:solidFill>
+                    <a:schemeClr val="lt1"/>
+                  </a:solidFill>
+                  <a:latin typeface="+mn-lt"/>
+                  <a:ea typeface="+mn-ea"/>
+                  <a:cs typeface="+mn-cs"/>
+                </a:defRPr>
+              </a:lvl6pPr>
+              <a:lvl7pPr marL="2743200" algn="l" defTabSz="914400" rtl="0" eaLnBrk="1" latinLnBrk="0" hangingPunct="1">
+                <a:defRPr sz="1800" kern="1200">
+                  <a:solidFill>
+                    <a:schemeClr val="lt1"/>
+                  </a:solidFill>
+                  <a:latin typeface="+mn-lt"/>
+                  <a:ea typeface="+mn-ea"/>
+                  <a:cs typeface="+mn-cs"/>
+                </a:defRPr>
+              </a:lvl7pPr>
+              <a:lvl8pPr marL="3200400" algn="l" defTabSz="914400" rtl="0" eaLnBrk="1" latinLnBrk="0" hangingPunct="1">
+                <a:defRPr sz="1800" kern="1200">
+                  <a:solidFill>
+                    <a:schemeClr val="lt1"/>
+                  </a:solidFill>
+                  <a:latin typeface="+mn-lt"/>
+                  <a:ea typeface="+mn-ea"/>
+                  <a:cs typeface="+mn-cs"/>
+                </a:defRPr>
+              </a:lvl8pPr>
+              <a:lvl9pPr marL="3657600" algn="l" defTabSz="914400" rtl="0" eaLnBrk="1" latinLnBrk="0" hangingPunct="1">
+                <a:defRPr sz="1800" kern="1200">
+                  <a:solidFill>
+                    <a:schemeClr val="lt1"/>
+                  </a:solidFill>
+                  <a:latin typeface="+mn-lt"/>
+                  <a:ea typeface="+mn-ea"/>
+                  <a:cs typeface="+mn-cs"/>
+                </a:defRPr>
+              </a:lvl9pPr>
+            </a:lstStyle>
+            <a:p>
+              <a:pPr algn="ctr"/>
+              <a:endParaRPr lang="zh-CN" altLang="en-US">
+                <a:solidFill>
+                  <a:schemeClr val="tx1"/>
+                </a:solidFill>
+              </a:endParaRPr>
+            </a:p>
+          </p:txBody>
+        </p:sp>
+        <p:sp>
+          <p:nvSpPr>
+            <p:cNvPr id="83" name="燕尾形 82"/>
+            <p:cNvSpPr/>
+            <p:nvPr/>
+          </p:nvSpPr>
+          <p:spPr>
+            <a:xfrm rot="5400000">
+              <a:off x="4882151" y="5511387"/>
+              <a:ext cx="131377" cy="187960"/>
+            </a:xfrm>
+            <a:prstGeom prst="chevron">
+              <a:avLst/>
+            </a:prstGeom>
+            <a:solidFill>
+              <a:srgbClr val="0070C0"/>
+            </a:solidFill>
+            <a:ln w="12700">
+              <a:solidFill>
+                <a:schemeClr val="tx1"/>
+              </a:solidFill>
+            </a:ln>
+          </p:spPr>
+          <p:style>
+            <a:lnRef idx="2">
+              <a:schemeClr val="accent1">
+                <a:shade val="50000"/>
+              </a:schemeClr>
+            </a:lnRef>
+            <a:fillRef idx="1">
+              <a:schemeClr val="accent1"/>
+            </a:fillRef>
+            <a:effectRef idx="0">
+              <a:schemeClr val="accent1"/>
+            </a:effectRef>
+            <a:fontRef idx="minor">
+              <a:schemeClr val="lt1"/>
+            </a:fontRef>
+          </p:style>
+          <p:txBody>
+            <a:bodyPr rtlCol="0" anchor="ctr"/>
+            <a:lstStyle>
+              <a:defPPr>
+                <a:defRPr lang="en-US"/>
+              </a:defPPr>
+              <a:lvl1pPr marL="0" algn="l" defTabSz="914400" rtl="0" eaLnBrk="1" latinLnBrk="0" hangingPunct="1">
+                <a:defRPr sz="1800" kern="1200">
+                  <a:solidFill>
+                    <a:schemeClr val="lt1"/>
+                  </a:solidFill>
+                  <a:latin typeface="+mn-lt"/>
+                  <a:ea typeface="+mn-ea"/>
+                  <a:cs typeface="+mn-cs"/>
+                </a:defRPr>
+              </a:lvl1pPr>
+              <a:lvl2pPr marL="457200" algn="l" defTabSz="914400" rtl="0" eaLnBrk="1" latinLnBrk="0" hangingPunct="1">
+                <a:defRPr sz="1800" kern="1200">
+                  <a:solidFill>
+                    <a:schemeClr val="lt1"/>
+                  </a:solidFill>
+                  <a:latin typeface="+mn-lt"/>
+                  <a:ea typeface="+mn-ea"/>
+                  <a:cs typeface="+mn-cs"/>
+                </a:defRPr>
+              </a:lvl2pPr>
+              <a:lvl3pPr marL="914400" algn="l" defTabSz="914400" rtl="0" eaLnBrk="1" latinLnBrk="0" hangingPunct="1">
+                <a:defRPr sz="1800" kern="1200">
+                  <a:solidFill>
+                    <a:schemeClr val="lt1"/>
+                  </a:solidFill>
+                  <a:latin typeface="+mn-lt"/>
+                  <a:ea typeface="+mn-ea"/>
+                  <a:cs typeface="+mn-cs"/>
+                </a:defRPr>
+              </a:lvl3pPr>
+              <a:lvl4pPr marL="1371600" algn="l" defTabSz="914400" rtl="0" eaLnBrk="1" latinLnBrk="0" hangingPunct="1">
+                <a:defRPr sz="1800" kern="1200">
+                  <a:solidFill>
+                    <a:schemeClr val="lt1"/>
+                  </a:solidFill>
+                  <a:latin typeface="+mn-lt"/>
+                  <a:ea typeface="+mn-ea"/>
+                  <a:cs typeface="+mn-cs"/>
+                </a:defRPr>
+              </a:lvl4pPr>
+              <a:lvl5pPr marL="1828800" algn="l" defTabSz="914400" rtl="0" eaLnBrk="1" latinLnBrk="0" hangingPunct="1">
+                <a:defRPr sz="1800" kern="1200">
+                  <a:solidFill>
+                    <a:schemeClr val="lt1"/>
+                  </a:solidFill>
+                  <a:latin typeface="+mn-lt"/>
+                  <a:ea typeface="+mn-ea"/>
+                  <a:cs typeface="+mn-cs"/>
+                </a:defRPr>
+              </a:lvl5pPr>
+              <a:lvl6pPr marL="2286000" algn="l" defTabSz="914400" rtl="0" eaLnBrk="1" latinLnBrk="0" hangingPunct="1">
+                <a:defRPr sz="1800" kern="1200">
+                  <a:solidFill>
+                    <a:schemeClr val="lt1"/>
+                  </a:solidFill>
+                  <a:latin typeface="+mn-lt"/>
+                  <a:ea typeface="+mn-ea"/>
+                  <a:cs typeface="+mn-cs"/>
+                </a:defRPr>
+              </a:lvl6pPr>
+              <a:lvl7pPr marL="2743200" algn="l" defTabSz="914400" rtl="0" eaLnBrk="1" latinLnBrk="0" hangingPunct="1">
+                <a:defRPr sz="1800" kern="1200">
+                  <a:solidFill>
+                    <a:schemeClr val="lt1"/>
+                  </a:solidFill>
+                  <a:latin typeface="+mn-lt"/>
+                  <a:ea typeface="+mn-ea"/>
+                  <a:cs typeface="+mn-cs"/>
+                </a:defRPr>
+              </a:lvl7pPr>
+              <a:lvl8pPr marL="3200400" algn="l" defTabSz="914400" rtl="0" eaLnBrk="1" latinLnBrk="0" hangingPunct="1">
+                <a:defRPr sz="1800" kern="1200">
+                  <a:solidFill>
+                    <a:schemeClr val="lt1"/>
+                  </a:solidFill>
+                  <a:latin typeface="+mn-lt"/>
+                  <a:ea typeface="+mn-ea"/>
+                  <a:cs typeface="+mn-cs"/>
+                </a:defRPr>
+              </a:lvl8pPr>
+              <a:lvl9pPr marL="3657600" algn="l" defTabSz="914400" rtl="0" eaLnBrk="1" latinLnBrk="0" hangingPunct="1">
+                <a:defRPr sz="1800" kern="1200">
+                  <a:solidFill>
+                    <a:schemeClr val="lt1"/>
+                  </a:solidFill>
+                  <a:latin typeface="+mn-lt"/>
+                  <a:ea typeface="+mn-ea"/>
+                  <a:cs typeface="+mn-cs"/>
+                </a:defRPr>
+              </a:lvl9pPr>
+            </a:lstStyle>
+            <a:p>
+              <a:pPr algn="ctr"/>
+              <a:endParaRPr lang="zh-CN" altLang="en-US">
+                <a:solidFill>
+                  <a:schemeClr val="tx1"/>
+                </a:solidFill>
+              </a:endParaRPr>
+            </a:p>
+          </p:txBody>
+        </p:sp>
       </p:grpSp>
     </p:spTree>
     <p:extLst>

--- a/doc/Icons-PositionsLab.pptx
+++ b/doc/Icons-PositionsLab.pptx
@@ -213,7 +213,7 @@
           <a:p>
             <a:fld id="{6699ACB9-486C-4D62-A3A7-AF98E13EFDA3}" type="datetimeFigureOut">
               <a:rPr lang="en-US" smtClean="0"/>
-              <a:t>7/8/2016</a:t>
+              <a:t>8/26/2016</a:t>
             </a:fld>
             <a:endParaRPr lang="en-US"/>
           </a:p>
@@ -744,7 +744,7 @@
             <a:fld id="{1D8BD707-D9CF-40AE-B4C6-C98DA3205C09}" type="datetimeFigureOut">
               <a:rPr lang="en-US" smtClean="0"/>
               <a:pPr/>
-              <a:t>7/8/2016</a:t>
+              <a:t>8/26/2016</a:t>
             </a:fld>
             <a:endParaRPr lang="en-US"/>
           </a:p>
@@ -909,7 +909,7 @@
             <a:fld id="{1D8BD707-D9CF-40AE-B4C6-C98DA3205C09}" type="datetimeFigureOut">
               <a:rPr lang="en-US" smtClean="0"/>
               <a:pPr/>
-              <a:t>7/8/2016</a:t>
+              <a:t>8/26/2016</a:t>
             </a:fld>
             <a:endParaRPr lang="en-US"/>
           </a:p>
@@ -1084,7 +1084,7 @@
             <a:fld id="{1D8BD707-D9CF-40AE-B4C6-C98DA3205C09}" type="datetimeFigureOut">
               <a:rPr lang="en-US" smtClean="0"/>
               <a:pPr/>
-              <a:t>7/8/2016</a:t>
+              <a:t>8/26/2016</a:t>
             </a:fld>
             <a:endParaRPr lang="en-US"/>
           </a:p>
@@ -1249,7 +1249,7 @@
             <a:fld id="{1D8BD707-D9CF-40AE-B4C6-C98DA3205C09}" type="datetimeFigureOut">
               <a:rPr lang="en-US" smtClean="0"/>
               <a:pPr/>
-              <a:t>7/8/2016</a:t>
+              <a:t>8/26/2016</a:t>
             </a:fld>
             <a:endParaRPr lang="en-US"/>
           </a:p>
@@ -1491,7 +1491,7 @@
             <a:fld id="{1D8BD707-D9CF-40AE-B4C6-C98DA3205C09}" type="datetimeFigureOut">
               <a:rPr lang="en-US" smtClean="0"/>
               <a:pPr/>
-              <a:t>7/8/2016</a:t>
+              <a:t>8/26/2016</a:t>
             </a:fld>
             <a:endParaRPr lang="en-US"/>
           </a:p>
@@ -1773,7 +1773,7 @@
             <a:fld id="{1D8BD707-D9CF-40AE-B4C6-C98DA3205C09}" type="datetimeFigureOut">
               <a:rPr lang="en-US" smtClean="0"/>
               <a:pPr/>
-              <a:t>7/8/2016</a:t>
+              <a:t>8/26/2016</a:t>
             </a:fld>
             <a:endParaRPr lang="en-US"/>
           </a:p>
@@ -2189,7 +2189,7 @@
             <a:fld id="{1D8BD707-D9CF-40AE-B4C6-C98DA3205C09}" type="datetimeFigureOut">
               <a:rPr lang="en-US" smtClean="0"/>
               <a:pPr/>
-              <a:t>7/8/2016</a:t>
+              <a:t>8/26/2016</a:t>
             </a:fld>
             <a:endParaRPr lang="en-US"/>
           </a:p>
@@ -2303,7 +2303,7 @@
             <a:fld id="{1D8BD707-D9CF-40AE-B4C6-C98DA3205C09}" type="datetimeFigureOut">
               <a:rPr lang="en-US" smtClean="0"/>
               <a:pPr/>
-              <a:t>7/8/2016</a:t>
+              <a:t>8/26/2016</a:t>
             </a:fld>
             <a:endParaRPr lang="en-US"/>
           </a:p>
@@ -2395,7 +2395,7 @@
             <a:fld id="{1D8BD707-D9CF-40AE-B4C6-C98DA3205C09}" type="datetimeFigureOut">
               <a:rPr lang="en-US" smtClean="0"/>
               <a:pPr/>
-              <a:t>7/8/2016</a:t>
+              <a:t>8/26/2016</a:t>
             </a:fld>
             <a:endParaRPr lang="en-US"/>
           </a:p>
@@ -2667,7 +2667,7 @@
             <a:fld id="{1D8BD707-D9CF-40AE-B4C6-C98DA3205C09}" type="datetimeFigureOut">
               <a:rPr lang="en-US" smtClean="0"/>
               <a:pPr/>
-              <a:t>7/8/2016</a:t>
+              <a:t>8/26/2016</a:t>
             </a:fld>
             <a:endParaRPr lang="en-US"/>
           </a:p>
@@ -2916,7 +2916,7 @@
             <a:fld id="{1D8BD707-D9CF-40AE-B4C6-C98DA3205C09}" type="datetimeFigureOut">
               <a:rPr lang="en-US" smtClean="0"/>
               <a:pPr/>
-              <a:t>7/8/2016</a:t>
+              <a:t>8/26/2016</a:t>
             </a:fld>
             <a:endParaRPr lang="en-US"/>
           </a:p>
@@ -3124,7 +3124,7 @@
             <a:fld id="{1D8BD707-D9CF-40AE-B4C6-C98DA3205C09}" type="datetimeFigureOut">
               <a:rPr lang="en-US" smtClean="0"/>
               <a:pPr/>
-              <a:t>7/8/2016</a:t>
+              <a:t>8/26/2016</a:t>
             </a:fld>
             <a:endParaRPr lang="en-US"/>
           </a:p>
@@ -10092,210 +10092,6 @@
           </a:p>
         </p:txBody>
       </p:sp>
-      <p:grpSp>
-        <p:nvGrpSpPr>
-          <p:cNvPr id="12" name="组合 11"/>
-          <p:cNvGrpSpPr/>
-          <p:nvPr/>
-        </p:nvGrpSpPr>
-        <p:grpSpPr>
-          <a:xfrm>
-            <a:off x="5472249" y="5454121"/>
-            <a:ext cx="484715" cy="457696"/>
-            <a:chOff x="3299365" y="5313074"/>
-            <a:chExt cx="484715" cy="457696"/>
-          </a:xfrm>
-        </p:grpSpPr>
-        <p:cxnSp>
-          <p:nvCxnSpPr>
-            <p:cNvPr id="8" name="直接连接符 7"/>
-            <p:cNvCxnSpPr/>
-            <p:nvPr/>
-          </p:nvCxnSpPr>
-          <p:spPr>
-            <a:xfrm flipV="1">
-              <a:off x="3300295" y="5313074"/>
-              <a:ext cx="483785" cy="454705"/>
-            </a:xfrm>
-            <a:prstGeom prst="line">
-              <a:avLst/>
-            </a:prstGeom>
-            <a:ln w="19050">
-              <a:solidFill>
-                <a:schemeClr val="tx1"/>
-              </a:solidFill>
-              <a:prstDash val="sysDash"/>
-            </a:ln>
-          </p:spPr>
-          <p:style>
-            <a:lnRef idx="1">
-              <a:schemeClr val="accent1"/>
-            </a:lnRef>
-            <a:fillRef idx="0">
-              <a:schemeClr val="accent1"/>
-            </a:fillRef>
-            <a:effectRef idx="0">
-              <a:schemeClr val="accent1"/>
-            </a:effectRef>
-            <a:fontRef idx="minor">
-              <a:schemeClr val="tx1"/>
-            </a:fontRef>
-          </p:style>
-        </p:cxnSp>
-        <p:sp>
-          <p:nvSpPr>
-            <p:cNvPr id="63" name="燕尾形 62"/>
-            <p:cNvSpPr/>
-            <p:nvPr/>
-          </p:nvSpPr>
-          <p:spPr>
-            <a:xfrm rot="19087370">
-              <a:off x="3620986" y="5315481"/>
-              <a:ext cx="108667" cy="204647"/>
-            </a:xfrm>
-            <a:prstGeom prst="chevron">
-              <a:avLst/>
-            </a:prstGeom>
-            <a:ln w="19050">
-              <a:solidFill>
-                <a:schemeClr val="tx1"/>
-              </a:solidFill>
-            </a:ln>
-          </p:spPr>
-          <p:style>
-            <a:lnRef idx="2">
-              <a:schemeClr val="accent1">
-                <a:shade val="50000"/>
-              </a:schemeClr>
-            </a:lnRef>
-            <a:fillRef idx="1">
-              <a:schemeClr val="accent1"/>
-            </a:fillRef>
-            <a:effectRef idx="0">
-              <a:schemeClr val="accent1"/>
-            </a:effectRef>
-            <a:fontRef idx="minor">
-              <a:schemeClr val="lt1"/>
-            </a:fontRef>
-          </p:style>
-          <p:txBody>
-            <a:bodyPr rtlCol="0" anchor="ctr"/>
-            <a:lstStyle/>
-            <a:p>
-              <a:pPr algn="ctr"/>
-              <a:endParaRPr lang="zh-CN" altLang="en-US">
-                <a:solidFill>
-                  <a:schemeClr val="tx1"/>
-                </a:solidFill>
-              </a:endParaRPr>
-            </a:p>
-          </p:txBody>
-        </p:sp>
-        <p:sp>
-          <p:nvSpPr>
-            <p:cNvPr id="67" name="燕尾形 66"/>
-            <p:cNvSpPr/>
-            <p:nvPr/>
-          </p:nvSpPr>
-          <p:spPr>
-            <a:xfrm rot="19087370">
-              <a:off x="3526351" y="5416277"/>
-              <a:ext cx="108667" cy="204647"/>
-            </a:xfrm>
-            <a:prstGeom prst="chevron">
-              <a:avLst/>
-            </a:prstGeom>
-            <a:solidFill>
-              <a:schemeClr val="accent1">
-                <a:alpha val="0"/>
-              </a:schemeClr>
-            </a:solidFill>
-            <a:ln w="19050">
-              <a:solidFill>
-                <a:schemeClr val="tx1"/>
-              </a:solidFill>
-            </a:ln>
-          </p:spPr>
-          <p:style>
-            <a:lnRef idx="2">
-              <a:schemeClr val="accent1">
-                <a:shade val="50000"/>
-              </a:schemeClr>
-            </a:lnRef>
-            <a:fillRef idx="1">
-              <a:schemeClr val="accent1"/>
-            </a:fillRef>
-            <a:effectRef idx="0">
-              <a:schemeClr val="accent1"/>
-            </a:effectRef>
-            <a:fontRef idx="minor">
-              <a:schemeClr val="lt1"/>
-            </a:fontRef>
-          </p:style>
-          <p:txBody>
-            <a:bodyPr rtlCol="0" anchor="ctr"/>
-            <a:lstStyle/>
-            <a:p>
-              <a:pPr algn="ctr"/>
-              <a:endParaRPr lang="zh-CN" altLang="en-US">
-                <a:solidFill>
-                  <a:schemeClr val="tx1"/>
-                </a:solidFill>
-              </a:endParaRPr>
-            </a:p>
-          </p:txBody>
-        </p:sp>
-        <p:sp>
-          <p:nvSpPr>
-            <p:cNvPr id="23" name="椭圆 22"/>
-            <p:cNvSpPr/>
-            <p:nvPr/>
-          </p:nvSpPr>
-          <p:spPr>
-            <a:xfrm>
-              <a:off x="3299365" y="5530262"/>
-              <a:ext cx="240508" cy="240508"/>
-            </a:xfrm>
-            <a:prstGeom prst="ellipse">
-              <a:avLst/>
-            </a:prstGeom>
-            <a:solidFill>
-              <a:schemeClr val="accent6">
-                <a:lumMod val="75000"/>
-              </a:schemeClr>
-            </a:solidFill>
-            <a:ln w="19050">
-              <a:solidFill>
-                <a:schemeClr val="tx1"/>
-              </a:solidFill>
-            </a:ln>
-          </p:spPr>
-          <p:style>
-            <a:lnRef idx="2">
-              <a:schemeClr val="accent1">
-                <a:shade val="50000"/>
-              </a:schemeClr>
-            </a:lnRef>
-            <a:fillRef idx="1">
-              <a:schemeClr val="accent1"/>
-            </a:fillRef>
-            <a:effectRef idx="0">
-              <a:schemeClr val="accent1"/>
-            </a:effectRef>
-            <a:fontRef idx="minor">
-              <a:schemeClr val="lt1"/>
-            </a:fontRef>
-          </p:style>
-          <p:txBody>
-            <a:bodyPr rtlCol="0" anchor="ctr"/>
-            <a:lstStyle/>
-            <a:p>
-              <a:pPr algn="ctr"/>
-              <a:endParaRPr lang="zh-CN" altLang="en-US"/>
-            </a:p>
-          </p:txBody>
-        </p:sp>
-      </p:grpSp>
       <p:sp>
         <p:nvSpPr>
           <p:cNvPr id="58" name="TextBox 1"/>
@@ -10535,6 +10331,209 @@
                   <a:schemeClr val="tx1"/>
                 </a:solidFill>
               </a:endParaRPr>
+            </a:p>
+          </p:txBody>
+        </p:sp>
+      </p:grpSp>
+      <p:grpSp>
+        <p:nvGrpSpPr>
+          <p:cNvPr id="7" name="组合 6"/>
+          <p:cNvGrpSpPr/>
+          <p:nvPr/>
+        </p:nvGrpSpPr>
+        <p:grpSpPr>
+          <a:xfrm>
+            <a:off x="5472249" y="5454121"/>
+            <a:ext cx="484715" cy="457696"/>
+            <a:chOff x="5472249" y="5454121"/>
+            <a:chExt cx="484715" cy="457696"/>
+          </a:xfrm>
+        </p:grpSpPr>
+        <p:cxnSp>
+          <p:nvCxnSpPr>
+            <p:cNvPr id="8" name="直接连接符 7"/>
+            <p:cNvCxnSpPr/>
+            <p:nvPr/>
+          </p:nvCxnSpPr>
+          <p:spPr>
+            <a:xfrm flipV="1">
+              <a:off x="5473179" y="5454121"/>
+              <a:ext cx="483785" cy="454705"/>
+            </a:xfrm>
+            <a:prstGeom prst="line">
+              <a:avLst/>
+            </a:prstGeom>
+            <a:ln w="19050">
+              <a:solidFill>
+                <a:schemeClr val="tx1"/>
+              </a:solidFill>
+              <a:prstDash val="sysDash"/>
+            </a:ln>
+          </p:spPr>
+          <p:style>
+            <a:lnRef idx="1">
+              <a:schemeClr val="accent1"/>
+            </a:lnRef>
+            <a:fillRef idx="0">
+              <a:schemeClr val="accent1"/>
+            </a:fillRef>
+            <a:effectRef idx="0">
+              <a:schemeClr val="accent1"/>
+            </a:effectRef>
+            <a:fontRef idx="minor">
+              <a:schemeClr val="tx1"/>
+            </a:fontRef>
+          </p:style>
+        </p:cxnSp>
+        <p:sp>
+          <p:nvSpPr>
+            <p:cNvPr id="23" name="椭圆 22"/>
+            <p:cNvSpPr/>
+            <p:nvPr/>
+          </p:nvSpPr>
+          <p:spPr>
+            <a:xfrm>
+              <a:off x="5472249" y="5700229"/>
+              <a:ext cx="211588" cy="211588"/>
+            </a:xfrm>
+            <a:prstGeom prst="ellipse">
+              <a:avLst/>
+            </a:prstGeom>
+            <a:solidFill>
+              <a:schemeClr val="accent6">
+                <a:lumMod val="60000"/>
+                <a:lumOff val="40000"/>
+              </a:schemeClr>
+            </a:solidFill>
+            <a:ln w="19050" cmpd="sng">
+              <a:solidFill>
+                <a:schemeClr val="tx1">
+                  <a:lumMod val="95000"/>
+                  <a:lumOff val="5000"/>
+                </a:schemeClr>
+              </a:solidFill>
+            </a:ln>
+          </p:spPr>
+          <p:style>
+            <a:lnRef idx="2">
+              <a:schemeClr val="accent1">
+                <a:shade val="50000"/>
+              </a:schemeClr>
+            </a:lnRef>
+            <a:fillRef idx="1">
+              <a:schemeClr val="accent1"/>
+            </a:fillRef>
+            <a:effectRef idx="0">
+              <a:schemeClr val="accent1"/>
+            </a:effectRef>
+            <a:fontRef idx="minor">
+              <a:schemeClr val="lt1"/>
+            </a:fontRef>
+          </p:style>
+          <p:txBody>
+            <a:bodyPr rtlCol="0" anchor="ctr"/>
+            <a:lstStyle/>
+            <a:p>
+              <a:pPr algn="ctr"/>
+              <a:endParaRPr lang="zh-CN" altLang="en-US"/>
+            </a:p>
+          </p:txBody>
+        </p:sp>
+        <p:sp>
+          <p:nvSpPr>
+            <p:cNvPr id="6" name="椭圆 5"/>
+            <p:cNvSpPr/>
+            <p:nvPr/>
+          </p:nvSpPr>
+          <p:spPr>
+            <a:xfrm>
+              <a:off x="5816841" y="5478917"/>
+              <a:ext cx="107453" cy="107453"/>
+            </a:xfrm>
+            <a:prstGeom prst="ellipse">
+              <a:avLst/>
+            </a:prstGeom>
+            <a:ln w="19050">
+              <a:solidFill>
+                <a:schemeClr val="tx1">
+                  <a:lumMod val="95000"/>
+                  <a:lumOff val="5000"/>
+                </a:schemeClr>
+              </a:solidFill>
+            </a:ln>
+          </p:spPr>
+          <p:style>
+            <a:lnRef idx="2">
+              <a:schemeClr val="accent1">
+                <a:shade val="50000"/>
+              </a:schemeClr>
+            </a:lnRef>
+            <a:fillRef idx="1">
+              <a:schemeClr val="accent1"/>
+            </a:fillRef>
+            <a:effectRef idx="0">
+              <a:schemeClr val="accent1"/>
+            </a:effectRef>
+            <a:fontRef idx="minor">
+              <a:schemeClr val="lt1"/>
+            </a:fontRef>
+          </p:style>
+          <p:txBody>
+            <a:bodyPr rtlCol="0" anchor="ctr"/>
+            <a:lstStyle/>
+            <a:p>
+              <a:pPr algn="ctr"/>
+              <a:endParaRPr lang="zh-CN" altLang="en-US"/>
+            </a:p>
+          </p:txBody>
+        </p:sp>
+        <p:sp>
+          <p:nvSpPr>
+            <p:cNvPr id="71" name="椭圆 70"/>
+            <p:cNvSpPr/>
+            <p:nvPr/>
+          </p:nvSpPr>
+          <p:spPr>
+            <a:xfrm>
+              <a:off x="5681065" y="5602449"/>
+              <a:ext cx="124915" cy="124915"/>
+            </a:xfrm>
+            <a:prstGeom prst="ellipse">
+              <a:avLst/>
+            </a:prstGeom>
+            <a:noFill/>
+            <a:ln w="19050">
+              <a:solidFill>
+                <a:schemeClr val="tx1">
+                  <a:lumMod val="95000"/>
+                  <a:lumOff val="5000"/>
+                </a:schemeClr>
+              </a:solidFill>
+              <a:prstDash val="sysDash"/>
+            </a:ln>
+          </p:spPr>
+          <p:style>
+            <a:lnRef idx="2">
+              <a:schemeClr val="accent1">
+                <a:shade val="50000"/>
+              </a:schemeClr>
+            </a:lnRef>
+            <a:fillRef idx="1">
+              <a:schemeClr val="accent1"/>
+            </a:fillRef>
+            <a:effectRef idx="0">
+              <a:schemeClr val="accent1"/>
+            </a:effectRef>
+            <a:fontRef idx="minor">
+              <a:schemeClr val="lt1"/>
+            </a:fontRef>
+          </p:style>
+          <p:txBody>
+            <a:bodyPr rtlCol="0" anchor="ctr"/>
+            <a:lstStyle/>
+            <a:p>
+              <a:pPr algn="ctr"/>
+              <a:endParaRPr lang="zh-CN" altLang="en-US"/>
             </a:p>
           </p:txBody>
         </p:sp>

--- a/doc/Icons-PositionsLab.pptx
+++ b/doc/Icons-PositionsLab.pptx
@@ -5,7 +5,7 @@
     <p:sldMasterId id="2147483648" r:id="rId1"/>
   </p:sldMasterIdLst>
   <p:notesMasterIdLst>
-    <p:notesMasterId r:id="rId8"/>
+    <p:notesMasterId r:id="rId9"/>
   </p:notesMasterIdLst>
   <p:sldIdLst>
     <p:sldId id="269" r:id="rId2"/>
@@ -14,6 +14,7 @@
     <p:sldId id="272" r:id="rId5"/>
     <p:sldId id="273" r:id="rId6"/>
     <p:sldId id="274" r:id="rId7"/>
+    <p:sldId id="275" r:id="rId8"/>
   </p:sldIdLst>
   <p:sldSz cx="9144000" cy="6858000" type="screen4x3"/>
   <p:notesSz cx="6858000" cy="9144000"/>
@@ -115,12 +116,17 @@
   <p:extLst>
     <p:ext uri="{EFAFB233-063F-42B5-8137-9DF3F51BA10A}">
       <p15:sldGuideLst xmlns:p15="http://schemas.microsoft.com/office/powerpoint/2012/main">
-        <p15:guide id="1" orient="horz" pos="2160">
+        <p15:guide id="1" orient="horz" pos="2184" userDrawn="1">
           <p15:clr>
             <a:srgbClr val="A4A3A4"/>
           </p15:clr>
         </p15:guide>
-        <p15:guide id="2" pos="2880">
+        <p15:guide id="2" pos="2280" userDrawn="1">
+          <p15:clr>
+            <a:srgbClr val="A4A3A4"/>
+          </p15:clr>
+        </p15:guide>
+        <p15:guide id="3" pos="2980" userDrawn="1">
           <p15:clr>
             <a:srgbClr val="A4A3A4"/>
           </p15:clr>
@@ -213,7 +219,7 @@
           <a:p>
             <a:fld id="{6699ACB9-486C-4D62-A3A7-AF98E13EFDA3}" type="datetimeFigureOut">
               <a:rPr lang="en-US" smtClean="0"/>
-              <a:t>8/26/2016</a:t>
+              <a:t>8/29/2016</a:t>
             </a:fld>
             <a:endParaRPr lang="en-US"/>
           </a:p>
@@ -478,90 +484,6 @@
     </a:lvl9pPr>
   </p:notesStyle>
 </p:notesMaster>
-</file>
-
-<file path=ppt/notesSlides/notesSlide1.xml><?xml version="1.0" encoding="utf-8"?>
-<p:notes xmlns:a="http://schemas.openxmlformats.org/drawingml/2006/main" xmlns:r="http://schemas.openxmlformats.org/officeDocument/2006/relationships" xmlns:p="http://schemas.openxmlformats.org/presentationml/2006/main">
-  <p:cSld>
-    <p:spTree>
-      <p:nvGrpSpPr>
-        <p:cNvPr id="1" name=""/>
-        <p:cNvGrpSpPr/>
-        <p:nvPr/>
-      </p:nvGrpSpPr>
-      <p:grpSpPr>
-        <a:xfrm>
-          <a:off x="0" y="0"/>
-          <a:ext cx="0" cy="0"/>
-          <a:chOff x="0" y="0"/>
-          <a:chExt cx="0" cy="0"/>
-        </a:xfrm>
-      </p:grpSpPr>
-      <p:sp>
-        <p:nvSpPr>
-          <p:cNvPr id="2" name="幻灯片图像占位符 1"/>
-          <p:cNvSpPr>
-            <a:spLocks noGrp="1" noRot="1" noChangeAspect="1"/>
-          </p:cNvSpPr>
-          <p:nvPr>
-            <p:ph type="sldImg"/>
-          </p:nvPr>
-        </p:nvSpPr>
-        <p:spPr/>
-      </p:sp>
-      <p:sp>
-        <p:nvSpPr>
-          <p:cNvPr id="3" name="备注占位符 2"/>
-          <p:cNvSpPr>
-            <a:spLocks noGrp="1"/>
-          </p:cNvSpPr>
-          <p:nvPr>
-            <p:ph type="body" idx="1"/>
-          </p:nvPr>
-        </p:nvSpPr>
-        <p:spPr/>
-        <p:txBody>
-          <a:bodyPr/>
-          <a:lstStyle/>
-          <a:p>
-            <a:endParaRPr lang="zh-CN" altLang="en-US" dirty="0"/>
-          </a:p>
-        </p:txBody>
-      </p:sp>
-      <p:sp>
-        <p:nvSpPr>
-          <p:cNvPr id="4" name="灯片编号占位符 3"/>
-          <p:cNvSpPr>
-            <a:spLocks noGrp="1"/>
-          </p:cNvSpPr>
-          <p:nvPr>
-            <p:ph type="sldNum" sz="quarter" idx="10"/>
-          </p:nvPr>
-        </p:nvSpPr>
-        <p:spPr/>
-        <p:txBody>
-          <a:bodyPr/>
-          <a:lstStyle/>
-          <a:p>
-            <a:fld id="{8EC77E60-82A0-4F8A-A861-433B3189FA8C}" type="slidenum">
-              <a:rPr lang="en-US" smtClean="0"/>
-              <a:t>6</a:t>
-            </a:fld>
-            <a:endParaRPr lang="en-US"/>
-          </a:p>
-        </p:txBody>
-      </p:sp>
-    </p:spTree>
-    <p:extLst>
-      <p:ext uri="{BB962C8B-B14F-4D97-AF65-F5344CB8AC3E}">
-        <p14:creationId xmlns:p14="http://schemas.microsoft.com/office/powerpoint/2010/main" val="3737246662"/>
-      </p:ext>
-    </p:extLst>
-  </p:cSld>
-  <p:clrMapOvr>
-    <a:masterClrMapping/>
-  </p:clrMapOvr>
-</p:notes>
 </file>
 
 <file path=ppt/slideLayouts/slideLayout1.xml><?xml version="1.0" encoding="utf-8"?>
@@ -744,7 +666,7 @@
             <a:fld id="{1D8BD707-D9CF-40AE-B4C6-C98DA3205C09}" type="datetimeFigureOut">
               <a:rPr lang="en-US" smtClean="0"/>
               <a:pPr/>
-              <a:t>8/26/2016</a:t>
+              <a:t>8/29/2016</a:t>
             </a:fld>
             <a:endParaRPr lang="en-US"/>
           </a:p>
@@ -909,7 +831,7 @@
             <a:fld id="{1D8BD707-D9CF-40AE-B4C6-C98DA3205C09}" type="datetimeFigureOut">
               <a:rPr lang="en-US" smtClean="0"/>
               <a:pPr/>
-              <a:t>8/26/2016</a:t>
+              <a:t>8/29/2016</a:t>
             </a:fld>
             <a:endParaRPr lang="en-US"/>
           </a:p>
@@ -1084,7 +1006,7 @@
             <a:fld id="{1D8BD707-D9CF-40AE-B4C6-C98DA3205C09}" type="datetimeFigureOut">
               <a:rPr lang="en-US" smtClean="0"/>
               <a:pPr/>
-              <a:t>8/26/2016</a:t>
+              <a:t>8/29/2016</a:t>
             </a:fld>
             <a:endParaRPr lang="en-US"/>
           </a:p>
@@ -1249,7 +1171,7 @@
             <a:fld id="{1D8BD707-D9CF-40AE-B4C6-C98DA3205C09}" type="datetimeFigureOut">
               <a:rPr lang="en-US" smtClean="0"/>
               <a:pPr/>
-              <a:t>8/26/2016</a:t>
+              <a:t>8/29/2016</a:t>
             </a:fld>
             <a:endParaRPr lang="en-US"/>
           </a:p>
@@ -1491,7 +1413,7 @@
             <a:fld id="{1D8BD707-D9CF-40AE-B4C6-C98DA3205C09}" type="datetimeFigureOut">
               <a:rPr lang="en-US" smtClean="0"/>
               <a:pPr/>
-              <a:t>8/26/2016</a:t>
+              <a:t>8/29/2016</a:t>
             </a:fld>
             <a:endParaRPr lang="en-US"/>
           </a:p>
@@ -1773,7 +1695,7 @@
             <a:fld id="{1D8BD707-D9CF-40AE-B4C6-C98DA3205C09}" type="datetimeFigureOut">
               <a:rPr lang="en-US" smtClean="0"/>
               <a:pPr/>
-              <a:t>8/26/2016</a:t>
+              <a:t>8/29/2016</a:t>
             </a:fld>
             <a:endParaRPr lang="en-US"/>
           </a:p>
@@ -2189,7 +2111,7 @@
             <a:fld id="{1D8BD707-D9CF-40AE-B4C6-C98DA3205C09}" type="datetimeFigureOut">
               <a:rPr lang="en-US" smtClean="0"/>
               <a:pPr/>
-              <a:t>8/26/2016</a:t>
+              <a:t>8/29/2016</a:t>
             </a:fld>
             <a:endParaRPr lang="en-US"/>
           </a:p>
@@ -2303,7 +2225,7 @@
             <a:fld id="{1D8BD707-D9CF-40AE-B4C6-C98DA3205C09}" type="datetimeFigureOut">
               <a:rPr lang="en-US" smtClean="0"/>
               <a:pPr/>
-              <a:t>8/26/2016</a:t>
+              <a:t>8/29/2016</a:t>
             </a:fld>
             <a:endParaRPr lang="en-US"/>
           </a:p>
@@ -2395,7 +2317,7 @@
             <a:fld id="{1D8BD707-D9CF-40AE-B4C6-C98DA3205C09}" type="datetimeFigureOut">
               <a:rPr lang="en-US" smtClean="0"/>
               <a:pPr/>
-              <a:t>8/26/2016</a:t>
+              <a:t>8/29/2016</a:t>
             </a:fld>
             <a:endParaRPr lang="en-US"/>
           </a:p>
@@ -2667,7 +2589,7 @@
             <a:fld id="{1D8BD707-D9CF-40AE-B4C6-C98DA3205C09}" type="datetimeFigureOut">
               <a:rPr lang="en-US" smtClean="0"/>
               <a:pPr/>
-              <a:t>8/26/2016</a:t>
+              <a:t>8/29/2016</a:t>
             </a:fld>
             <a:endParaRPr lang="en-US"/>
           </a:p>
@@ -2916,7 +2838,7 @@
             <a:fld id="{1D8BD707-D9CF-40AE-B4C6-C98DA3205C09}" type="datetimeFigureOut">
               <a:rPr lang="en-US" smtClean="0"/>
               <a:pPr/>
-              <a:t>8/26/2016</a:t>
+              <a:t>8/29/2016</a:t>
             </a:fld>
             <a:endParaRPr lang="en-US"/>
           </a:p>
@@ -2977,9 +2899,12 @@
 <p:sldMaster xmlns:a="http://schemas.openxmlformats.org/drawingml/2006/main" xmlns:r="http://schemas.openxmlformats.org/officeDocument/2006/relationships" xmlns:p="http://schemas.openxmlformats.org/presentationml/2006/main">
   <p:cSld>
     <p:bg>
-      <p:bgRef idx="1001">
-        <a:schemeClr val="bg1"/>
-      </p:bgRef>
+      <p:bgPr>
+        <a:solidFill>
+          <a:schemeClr val="bg1"/>
+        </a:solidFill>
+        <a:effectLst/>
+      </p:bgPr>
     </p:bg>
     <p:spTree>
       <p:nvGrpSpPr>
@@ -3124,7 +3049,7 @@
             <a:fld id="{1D8BD707-D9CF-40AE-B4C6-C98DA3205C09}" type="datetimeFigureOut">
               <a:rPr lang="en-US" smtClean="0"/>
               <a:pPr/>
-              <a:t>8/26/2016</a:t>
+              <a:t>8/29/2016</a:t>
             </a:fld>
             <a:endParaRPr lang="en-US"/>
           </a:p>
@@ -3481,16 +3406,6 @@
 <file path=ppt/slides/slide1.xml><?xml version="1.0" encoding="utf-8"?>
 <p:sld xmlns:a="http://schemas.openxmlformats.org/drawingml/2006/main" xmlns:r="http://schemas.openxmlformats.org/officeDocument/2006/relationships" xmlns:p="http://schemas.openxmlformats.org/presentationml/2006/main">
   <p:cSld>
-    <p:bg>
-      <p:bgPr>
-        <a:solidFill>
-          <a:schemeClr val="bg1">
-            <a:lumMod val="95000"/>
-          </a:schemeClr>
-        </a:solidFill>
-        <a:effectLst/>
-      </p:bgPr>
-    </p:bg>
     <p:spTree>
       <p:nvGrpSpPr>
         <p:cNvPr id="1" name=""/>
@@ -3798,9 +3713,39 @@
           </p:spPr>
         </p:pic>
       </p:grpSp>
+      <p:sp>
+        <p:nvSpPr>
+          <p:cNvPr id="4" name="TextBox 3"/>
+          <p:cNvSpPr txBox="1"/>
+          <p:nvPr/>
+        </p:nvSpPr>
+        <p:spPr>
+          <a:xfrm>
+            <a:off x="3243463" y="706170"/>
+            <a:ext cx="2657074" cy="707886"/>
+          </a:xfrm>
+          <a:prstGeom prst="rect">
+            <a:avLst/>
+          </a:prstGeom>
+          <a:noFill/>
+        </p:spPr>
+        <p:txBody>
+          <a:bodyPr wrap="none" rtlCol="0">
+            <a:spAutoFit/>
+          </a:bodyPr>
+          <a:lstStyle/>
+          <a:p>
+            <a:pPr algn="ctr"/>
+            <a:r>
+              <a:rPr lang="en-US" sz="4000" dirty="0"/>
+              <a:t>Ribbon Icon</a:t>
+            </a:r>
+          </a:p>
+        </p:txBody>
+      </p:sp>
       <p:grpSp>
         <p:nvGrpSpPr>
-          <p:cNvPr id="2" name="Group 1"/>
+          <p:cNvPr id="16" name="Group 15"/>
           <p:cNvGrpSpPr/>
           <p:nvPr/>
         </p:nvGrpSpPr>
@@ -3814,7 +3759,7 @@
         </p:grpSpPr>
         <p:grpSp>
           <p:nvGrpSpPr>
-            <p:cNvPr id="7" name="Group 6"/>
+            <p:cNvPr id="17" name="Group 16"/>
             <p:cNvGrpSpPr>
               <a:grpSpLocks/>
             </p:cNvGrpSpPr>
@@ -3830,7 +3775,7 @@
           </p:grpSpPr>
           <p:sp>
             <p:nvSpPr>
-              <p:cNvPr id="8" name="Rectangle 7"/>
+              <p:cNvPr id="21" name="Rectangle 20"/>
               <p:cNvSpPr/>
               <p:nvPr/>
             </p:nvSpPr>
@@ -3874,7 +3819,7 @@
           </p:sp>
           <p:sp>
             <p:nvSpPr>
-              <p:cNvPr id="9" name="Rectangle 4"/>
+              <p:cNvPr id="22" name="Rectangle 4"/>
               <p:cNvSpPr/>
               <p:nvPr/>
             </p:nvSpPr>
@@ -3968,7 +3913,7 @@
         </p:grpSp>
         <p:sp>
           <p:nvSpPr>
-            <p:cNvPr id="10" name="Rectangle 7"/>
+            <p:cNvPr id="18" name="Rectangle 7"/>
             <p:cNvSpPr>
               <a:spLocks/>
             </p:cNvSpPr>
@@ -4018,7 +3963,7 @@
         </p:sp>
         <p:sp>
           <p:nvSpPr>
-            <p:cNvPr id="11" name="Rectangle 7"/>
+            <p:cNvPr id="19" name="Rectangle 7"/>
             <p:cNvSpPr>
               <a:spLocks/>
             </p:cNvSpPr>
@@ -4068,7 +4013,7 @@
         </p:sp>
         <p:cxnSp>
           <p:nvCxnSpPr>
-            <p:cNvPr id="12" name="Straight Connector 11"/>
+            <p:cNvPr id="20" name="Straight Connector 19"/>
             <p:cNvCxnSpPr/>
             <p:nvPr/>
           </p:nvCxnSpPr>
@@ -4080,7 +4025,7 @@
             <a:prstGeom prst="line">
               <a:avLst/>
             </a:prstGeom>
-            <a:ln w="9525">
+            <a:ln w="22225">
               <a:solidFill>
                 <a:srgbClr val="0070C0"/>
               </a:solidFill>
@@ -4102,36 +4047,6 @@
           </p:style>
         </p:cxnSp>
       </p:grpSp>
-      <p:sp>
-        <p:nvSpPr>
-          <p:cNvPr id="4" name="TextBox 3"/>
-          <p:cNvSpPr txBox="1"/>
-          <p:nvPr/>
-        </p:nvSpPr>
-        <p:spPr>
-          <a:xfrm>
-            <a:off x="3243463" y="706170"/>
-            <a:ext cx="2657074" cy="707886"/>
-          </a:xfrm>
-          <a:prstGeom prst="rect">
-            <a:avLst/>
-          </a:prstGeom>
-          <a:noFill/>
-        </p:spPr>
-        <p:txBody>
-          <a:bodyPr wrap="none" rtlCol="0">
-            <a:spAutoFit/>
-          </a:bodyPr>
-          <a:lstStyle/>
-          <a:p>
-            <a:pPr algn="ctr"/>
-            <a:r>
-              <a:rPr lang="en-US" sz="4000" dirty="0"/>
-              <a:t>Ribbon Icon</a:t>
-            </a:r>
-          </a:p>
-        </p:txBody>
-      </p:sp>
     </p:spTree>
     <p:extLst>
       <p:ext uri="{BB962C8B-B14F-4D97-AF65-F5344CB8AC3E}">
@@ -4142,22 +4057,19 @@
   <p:clrMapOvr>
     <a:masterClrMapping/>
   </p:clrMapOvr>
+  <p:timing>
+    <p:tnLst>
+      <p:par>
+        <p:cTn id="1" dur="indefinite" restart="never" nodeType="tmRoot"/>
+      </p:par>
+    </p:tnLst>
+  </p:timing>
 </p:sld>
 </file>
 
 <file path=ppt/slides/slide2.xml><?xml version="1.0" encoding="utf-8"?>
 <p:sld xmlns:a="http://schemas.openxmlformats.org/drawingml/2006/main" xmlns:r="http://schemas.openxmlformats.org/officeDocument/2006/relationships" xmlns:p="http://schemas.openxmlformats.org/presentationml/2006/main">
   <p:cSld>
-    <p:bg>
-      <p:bgPr>
-        <a:solidFill>
-          <a:schemeClr val="bg1">
-            <a:lumMod val="95000"/>
-          </a:schemeClr>
-        </a:solidFill>
-        <a:effectLst/>
-      </p:bgPr>
-    </p:bg>
     <p:spTree>
       <p:nvGrpSpPr>
         <p:cNvPr id="1" name=""/>
@@ -4204,7 +4116,7 @@
       </p:sp>
       <p:grpSp>
         <p:nvGrpSpPr>
-          <p:cNvPr id="3" name="Group 2"/>
+          <p:cNvPr id="2" name="Group 1"/>
           <p:cNvGrpSpPr/>
           <p:nvPr/>
         </p:nvGrpSpPr>
@@ -4230,7 +4142,7 @@
             <a:prstGeom prst="line">
               <a:avLst/>
             </a:prstGeom>
-            <a:ln w="19050">
+            <a:ln w="25400">
               <a:solidFill>
                 <a:schemeClr val="tx1"/>
               </a:solidFill>
@@ -4266,7 +4178,7 @@
               <a:avLst/>
             </a:prstGeom>
             <a:solidFill>
-              <a:srgbClr val="E46B09"/>
+              <a:srgbClr val="EFA66B"/>
             </a:solidFill>
             <a:ln w="12700">
               <a:solidFill>
@@ -4361,11 +4273,12 @@
             <a:prstGeom prst="straightConnector1">
               <a:avLst/>
             </a:prstGeom>
-            <a:ln>
-              <a:solidFill>
-                <a:srgbClr val="0071C2"/>
-              </a:solidFill>
-              <a:tailEnd type="triangle"/>
+            <a:ln w="22225">
+              <a:solidFill>
+                <a:srgbClr val="0070C0"/>
+              </a:solidFill>
+              <a:headEnd w="med" len="sm"/>
+              <a:tailEnd type="triangle" w="med" len="med"/>
             </a:ln>
           </p:spPr>
           <p:style>
@@ -4506,7 +4419,7 @@
       </p:sp>
       <p:grpSp>
         <p:nvGrpSpPr>
-          <p:cNvPr id="6" name="Group 5"/>
+          <p:cNvPr id="17" name="Group 16"/>
           <p:cNvGrpSpPr/>
           <p:nvPr/>
         </p:nvGrpSpPr>
@@ -4532,7 +4445,7 @@
             <a:prstGeom prst="line">
               <a:avLst/>
             </a:prstGeom>
-            <a:ln w="19050">
+            <a:ln w="25400">
               <a:solidFill>
                 <a:schemeClr val="tx1"/>
               </a:solidFill>
@@ -4568,7 +4481,7 @@
               <a:avLst/>
             </a:prstGeom>
             <a:solidFill>
-              <a:srgbClr val="E46B09"/>
+              <a:srgbClr val="EFA66B"/>
             </a:solidFill>
             <a:ln w="12700">
               <a:solidFill>
@@ -4663,11 +4576,12 @@
             <a:prstGeom prst="straightConnector1">
               <a:avLst/>
             </a:prstGeom>
-            <a:ln>
-              <a:solidFill>
-                <a:srgbClr val="0071C2"/>
-              </a:solidFill>
-              <a:tailEnd type="triangle"/>
+            <a:ln w="22225">
+              <a:solidFill>
+                <a:srgbClr val="0070C0"/>
+              </a:solidFill>
+              <a:headEnd w="med" len="sm"/>
+              <a:tailEnd type="triangle" w="med" len="med"/>
             </a:ln>
           </p:spPr>
           <p:style>
@@ -4688,7 +4602,7 @@
       </p:grpSp>
       <p:grpSp>
         <p:nvGrpSpPr>
-          <p:cNvPr id="9" name="Group 8"/>
+          <p:cNvPr id="18" name="Group 17"/>
           <p:cNvGrpSpPr/>
           <p:nvPr/>
         </p:nvGrpSpPr>
@@ -4714,7 +4628,7 @@
             <a:prstGeom prst="line">
               <a:avLst/>
             </a:prstGeom>
-            <a:ln w="19050">
+            <a:ln w="25400">
               <a:solidFill>
                 <a:schemeClr val="tx1"/>
               </a:solidFill>
@@ -4750,7 +4664,7 @@
               <a:avLst/>
             </a:prstGeom>
             <a:solidFill>
-              <a:srgbClr val="E46B09"/>
+              <a:srgbClr val="EFA66B"/>
             </a:solidFill>
             <a:ln w="12700">
               <a:solidFill>
@@ -4845,11 +4759,12 @@
             <a:prstGeom prst="straightConnector1">
               <a:avLst/>
             </a:prstGeom>
-            <a:ln>
-              <a:solidFill>
-                <a:srgbClr val="0071C2"/>
-              </a:solidFill>
-              <a:tailEnd type="triangle"/>
+            <a:ln w="22225">
+              <a:solidFill>
+                <a:srgbClr val="0070C0"/>
+              </a:solidFill>
+              <a:headEnd w="med" len="sm"/>
+              <a:tailEnd type="triangle" w="med" len="med"/>
             </a:ln>
           </p:spPr>
           <p:style>
@@ -4870,7 +4785,7 @@
       </p:grpSp>
       <p:grpSp>
         <p:nvGrpSpPr>
-          <p:cNvPr id="11" name="Group 10"/>
+          <p:cNvPr id="19" name="Group 18"/>
           <p:cNvGrpSpPr/>
           <p:nvPr/>
         </p:nvGrpSpPr>
@@ -4896,7 +4811,7 @@
             <a:prstGeom prst="line">
               <a:avLst/>
             </a:prstGeom>
-            <a:ln w="19050">
+            <a:ln w="25400">
               <a:solidFill>
                 <a:schemeClr val="tx1"/>
               </a:solidFill>
@@ -4932,7 +4847,7 @@
               <a:avLst/>
             </a:prstGeom>
             <a:solidFill>
-              <a:srgbClr val="E46B09"/>
+              <a:srgbClr val="EFA66B"/>
             </a:solidFill>
             <a:ln w="12700">
               <a:solidFill>
@@ -5027,11 +4942,12 @@
             <a:prstGeom prst="straightConnector1">
               <a:avLst/>
             </a:prstGeom>
-            <a:ln>
-              <a:solidFill>
-                <a:srgbClr val="0071C2"/>
-              </a:solidFill>
-              <a:tailEnd type="triangle"/>
+            <a:ln w="22225">
+              <a:solidFill>
+                <a:srgbClr val="0070C0"/>
+              </a:solidFill>
+              <a:headEnd w="med" len="sm"/>
+              <a:tailEnd type="triangle" w="med" len="med"/>
             </a:ln>
           </p:spPr>
           <p:style>
@@ -5141,7 +5057,7 @@
       </p:sp>
       <p:grpSp>
         <p:nvGrpSpPr>
-          <p:cNvPr id="15" name="Group 14"/>
+          <p:cNvPr id="21" name="Group 20"/>
           <p:cNvGrpSpPr/>
           <p:nvPr/>
         </p:nvGrpSpPr>
@@ -5167,7 +5083,7 @@
             <a:prstGeom prst="line">
               <a:avLst/>
             </a:prstGeom>
-            <a:ln w="19050">
+            <a:ln w="25400">
               <a:solidFill>
                 <a:schemeClr val="tx1"/>
               </a:solidFill>
@@ -5203,7 +5119,7 @@
               <a:avLst/>
             </a:prstGeom>
             <a:solidFill>
-              <a:srgbClr val="E46B09"/>
+              <a:srgbClr val="EFA66B"/>
             </a:solidFill>
             <a:ln w="12700">
               <a:solidFill>
@@ -5287,7 +5203,7 @@
       </p:grpSp>
       <p:grpSp>
         <p:nvGrpSpPr>
-          <p:cNvPr id="16" name="Group 15"/>
+          <p:cNvPr id="22" name="Group 21"/>
           <p:cNvGrpSpPr/>
           <p:nvPr/>
         </p:nvGrpSpPr>
@@ -5313,7 +5229,7 @@
             <a:prstGeom prst="line">
               <a:avLst/>
             </a:prstGeom>
-            <a:ln w="19050">
+            <a:ln w="25400">
               <a:solidFill>
                 <a:schemeClr val="tx1"/>
               </a:solidFill>
@@ -5349,7 +5265,7 @@
               <a:avLst/>
             </a:prstGeom>
             <a:solidFill>
-              <a:srgbClr val="E46B09"/>
+              <a:srgbClr val="EFA66B"/>
             </a:solidFill>
             <a:ln w="12700">
               <a:solidFill>
@@ -5433,7 +5349,7 @@
       </p:grpSp>
       <p:grpSp>
         <p:nvGrpSpPr>
-          <p:cNvPr id="17" name="Group 16"/>
+          <p:cNvPr id="23" name="Group 22"/>
           <p:cNvGrpSpPr/>
           <p:nvPr/>
         </p:nvGrpSpPr>
@@ -5523,8 +5439,8 @@
           </p:nvSpPr>
           <p:spPr>
             <a:xfrm>
-              <a:off x="5180669" y="5764106"/>
-              <a:ext cx="476248" cy="209011"/>
+              <a:off x="5206069" y="5764106"/>
+              <a:ext cx="425448" cy="209011"/>
             </a:xfrm>
             <a:prstGeom prst="rect">
               <a:avLst/>
@@ -5571,14 +5487,14 @@
           </p:nvSpPr>
           <p:spPr>
             <a:xfrm>
-              <a:off x="5246604" y="5797922"/>
-              <a:ext cx="339617" cy="135363"/>
+              <a:off x="5272004" y="5797922"/>
+              <a:ext cx="288817" cy="135363"/>
             </a:xfrm>
             <a:prstGeom prst="rect">
               <a:avLst/>
             </a:prstGeom>
             <a:solidFill>
-              <a:srgbClr val="E46B09"/>
+              <a:srgbClr val="EFA66B"/>
             </a:solidFill>
             <a:ln w="12700">
               <a:solidFill>
@@ -5611,6 +5527,415 @@
             </a:p>
           </p:txBody>
         </p:sp>
+      </p:grpSp>
+      <p:sp>
+        <p:nvSpPr>
+          <p:cNvPr id="44" name="TextBox 43"/>
+          <p:cNvSpPr txBox="1">
+            <a:spLocks/>
+          </p:cNvSpPr>
+          <p:nvPr/>
+        </p:nvSpPr>
+        <p:spPr>
+          <a:xfrm>
+            <a:off x="7164217" y="4500700"/>
+            <a:ext cx="758541" cy="369332"/>
+          </a:xfrm>
+          <a:prstGeom prst="rect">
+            <a:avLst/>
+          </a:prstGeom>
+          <a:noFill/>
+        </p:spPr>
+        <p:txBody>
+          <a:bodyPr wrap="none" rtlCol="0">
+            <a:spAutoFit/>
+          </a:bodyPr>
+          <a:lstStyle/>
+          <a:p>
+            <a:r>
+              <a:rPr lang="en-US" dirty="0" smtClean="0"/>
+              <a:t>Radial</a:t>
+            </a:r>
+            <a:endParaRPr lang="en-US" dirty="0"/>
+          </a:p>
+        </p:txBody>
+      </p:sp>
+      <p:grpSp>
+        <p:nvGrpSpPr>
+          <p:cNvPr id="24" name="Group 23"/>
+          <p:cNvGrpSpPr/>
+          <p:nvPr/>
+        </p:nvGrpSpPr>
+        <p:grpSpPr>
+          <a:xfrm>
+            <a:off x="7223325" y="5522063"/>
+            <a:ext cx="726284" cy="677557"/>
+            <a:chOff x="7223325" y="5522063"/>
+            <a:chExt cx="726284" cy="677557"/>
+          </a:xfrm>
+        </p:grpSpPr>
+        <p:sp>
+          <p:nvSpPr>
+            <p:cNvPr id="61" name="Arc 60"/>
+            <p:cNvSpPr>
+              <a:spLocks noChangeAspect="1"/>
+            </p:cNvSpPr>
+            <p:nvPr/>
+          </p:nvSpPr>
+          <p:spPr>
+            <a:xfrm>
+              <a:off x="7223325" y="5522063"/>
+              <a:ext cx="677557" cy="677557"/>
+            </a:xfrm>
+            <a:prstGeom prst="arc">
+              <a:avLst>
+                <a:gd name="adj1" fmla="val 17926607"/>
+                <a:gd name="adj2" fmla="val 3692710"/>
+              </a:avLst>
+            </a:prstGeom>
+            <a:ln w="25400">
+              <a:solidFill>
+                <a:schemeClr val="tx1"/>
+              </a:solidFill>
+              <a:prstDash val="solid"/>
+              <a:headEnd type="none" w="med" len="med"/>
+              <a:tailEnd type="none" w="med" len="med"/>
+            </a:ln>
+          </p:spPr>
+          <p:style>
+            <a:lnRef idx="1">
+              <a:schemeClr val="accent1"/>
+            </a:lnRef>
+            <a:fillRef idx="0">
+              <a:schemeClr val="accent1"/>
+            </a:fillRef>
+            <a:effectRef idx="0">
+              <a:schemeClr val="accent1"/>
+            </a:effectRef>
+            <a:fontRef idx="minor">
+              <a:schemeClr val="tx1"/>
+            </a:fontRef>
+          </p:style>
+          <p:txBody>
+            <a:bodyPr rtlCol="0" anchor="ctr"/>
+            <a:lstStyle/>
+            <a:p>
+              <a:pPr algn="ctr"/>
+              <a:endParaRPr lang="en-US"/>
+            </a:p>
+          </p:txBody>
+        </p:sp>
+        <p:cxnSp>
+          <p:nvCxnSpPr>
+            <p:cNvPr id="56" name="Straight Connector 55"/>
+            <p:cNvCxnSpPr/>
+            <p:nvPr/>
+          </p:nvCxnSpPr>
+          <p:spPr>
+            <a:xfrm flipV="1">
+              <a:off x="7642026" y="5682971"/>
+              <a:ext cx="106248" cy="103252"/>
+            </a:xfrm>
+            <a:prstGeom prst="line">
+              <a:avLst/>
+            </a:prstGeom>
+            <a:ln w="19050" cap="flat">
+              <a:solidFill>
+                <a:srgbClr val="0070C0"/>
+              </a:solidFill>
+              <a:prstDash val="solid"/>
+              <a:round/>
+              <a:headEnd type="triangle" w="med" len="sm"/>
+              <a:tailEnd type="triangle" w="med" len="sm"/>
+            </a:ln>
+          </p:spPr>
+          <p:style>
+            <a:lnRef idx="1">
+              <a:schemeClr val="accent1"/>
+            </a:lnRef>
+            <a:fillRef idx="0">
+              <a:schemeClr val="accent1"/>
+            </a:fillRef>
+            <a:effectRef idx="0">
+              <a:schemeClr val="accent1"/>
+            </a:effectRef>
+            <a:fontRef idx="minor">
+              <a:schemeClr val="tx1"/>
+            </a:fontRef>
+          </p:style>
+        </p:cxnSp>
+        <p:sp>
+          <p:nvSpPr>
+            <p:cNvPr id="57" name="Oval 56"/>
+            <p:cNvSpPr/>
+            <p:nvPr/>
+          </p:nvSpPr>
+          <p:spPr>
+            <a:xfrm>
+              <a:off x="7471617" y="5771630"/>
+              <a:ext cx="180975" cy="180975"/>
+            </a:xfrm>
+            <a:prstGeom prst="ellipse">
+              <a:avLst/>
+            </a:prstGeom>
+            <a:solidFill>
+              <a:srgbClr val="EFA66B"/>
+            </a:solidFill>
+            <a:ln w="12700">
+              <a:solidFill>
+                <a:schemeClr val="tx1"/>
+              </a:solidFill>
+            </a:ln>
+          </p:spPr>
+          <p:style>
+            <a:lnRef idx="2">
+              <a:schemeClr val="accent1">
+                <a:shade val="50000"/>
+              </a:schemeClr>
+            </a:lnRef>
+            <a:fillRef idx="1">
+              <a:schemeClr val="accent1"/>
+            </a:fillRef>
+            <a:effectRef idx="0">
+              <a:schemeClr val="accent1"/>
+            </a:effectRef>
+            <a:fontRef idx="minor">
+              <a:schemeClr val="lt1"/>
+            </a:fontRef>
+          </p:style>
+          <p:txBody>
+            <a:bodyPr rtlCol="0" anchor="ctr"/>
+            <a:lstStyle/>
+            <a:p>
+              <a:pPr algn="ctr"/>
+              <a:endParaRPr lang="en-US"/>
+            </a:p>
+          </p:txBody>
+        </p:sp>
+        <p:sp>
+          <p:nvSpPr>
+            <p:cNvPr id="58" name="Oval 57"/>
+            <p:cNvSpPr/>
+            <p:nvPr/>
+          </p:nvSpPr>
+          <p:spPr>
+            <a:xfrm>
+              <a:off x="7737660" y="5565026"/>
+              <a:ext cx="121956" cy="121956"/>
+            </a:xfrm>
+            <a:prstGeom prst="ellipse">
+              <a:avLst/>
+            </a:prstGeom>
+            <a:solidFill>
+              <a:schemeClr val="bg1">
+                <a:lumMod val="65000"/>
+              </a:schemeClr>
+            </a:solidFill>
+            <a:ln w="12700">
+              <a:solidFill>
+                <a:schemeClr val="tx1"/>
+              </a:solidFill>
+            </a:ln>
+          </p:spPr>
+          <p:style>
+            <a:lnRef idx="2">
+              <a:schemeClr val="accent1">
+                <a:shade val="50000"/>
+              </a:schemeClr>
+            </a:lnRef>
+            <a:fillRef idx="1">
+              <a:schemeClr val="accent1"/>
+            </a:fillRef>
+            <a:effectRef idx="0">
+              <a:schemeClr val="accent1"/>
+            </a:effectRef>
+            <a:fontRef idx="minor">
+              <a:schemeClr val="lt1"/>
+            </a:fontRef>
+          </p:style>
+          <p:txBody>
+            <a:bodyPr rtlCol="0" anchor="ctr"/>
+            <a:lstStyle/>
+            <a:p>
+              <a:pPr algn="ctr"/>
+              <a:endParaRPr lang="en-US"/>
+            </a:p>
+          </p:txBody>
+        </p:sp>
+        <p:sp>
+          <p:nvSpPr>
+            <p:cNvPr id="59" name="Oval 58"/>
+            <p:cNvSpPr/>
+            <p:nvPr/>
+          </p:nvSpPr>
+          <p:spPr>
+            <a:xfrm>
+              <a:off x="7827653" y="5729862"/>
+              <a:ext cx="121956" cy="121956"/>
+            </a:xfrm>
+            <a:prstGeom prst="ellipse">
+              <a:avLst/>
+            </a:prstGeom>
+            <a:solidFill>
+              <a:schemeClr val="bg1"/>
+            </a:solidFill>
+            <a:ln w="12700">
+              <a:solidFill>
+                <a:schemeClr val="tx1"/>
+              </a:solidFill>
+            </a:ln>
+          </p:spPr>
+          <p:style>
+            <a:lnRef idx="2">
+              <a:schemeClr val="accent1">
+                <a:shade val="50000"/>
+              </a:schemeClr>
+            </a:lnRef>
+            <a:fillRef idx="1">
+              <a:schemeClr val="accent1"/>
+            </a:fillRef>
+            <a:effectRef idx="0">
+              <a:schemeClr val="accent1"/>
+            </a:effectRef>
+            <a:fontRef idx="minor">
+              <a:schemeClr val="lt1"/>
+            </a:fontRef>
+          </p:style>
+          <p:txBody>
+            <a:bodyPr rtlCol="0" anchor="ctr"/>
+            <a:lstStyle/>
+            <a:p>
+              <a:pPr algn="ctr"/>
+              <a:endParaRPr lang="en-US"/>
+            </a:p>
+          </p:txBody>
+        </p:sp>
+        <p:sp>
+          <p:nvSpPr>
+            <p:cNvPr id="60" name="Oval 59"/>
+            <p:cNvSpPr/>
+            <p:nvPr/>
+          </p:nvSpPr>
+          <p:spPr>
+            <a:xfrm>
+              <a:off x="7744263" y="6030448"/>
+              <a:ext cx="121956" cy="121956"/>
+            </a:xfrm>
+            <a:prstGeom prst="ellipse">
+              <a:avLst/>
+            </a:prstGeom>
+            <a:solidFill>
+              <a:schemeClr val="bg1"/>
+            </a:solidFill>
+            <a:ln w="12700">
+              <a:solidFill>
+                <a:schemeClr val="tx1"/>
+              </a:solidFill>
+            </a:ln>
+          </p:spPr>
+          <p:style>
+            <a:lnRef idx="2">
+              <a:schemeClr val="accent1">
+                <a:shade val="50000"/>
+              </a:schemeClr>
+            </a:lnRef>
+            <a:fillRef idx="1">
+              <a:schemeClr val="accent1"/>
+            </a:fillRef>
+            <a:effectRef idx="0">
+              <a:schemeClr val="accent1"/>
+            </a:effectRef>
+            <a:fontRef idx="minor">
+              <a:schemeClr val="lt1"/>
+            </a:fontRef>
+          </p:style>
+          <p:txBody>
+            <a:bodyPr rtlCol="0" anchor="ctr"/>
+            <a:lstStyle/>
+            <a:p>
+              <a:pPr algn="ctr"/>
+              <a:endParaRPr lang="en-US"/>
+            </a:p>
+          </p:txBody>
+        </p:sp>
+        <p:cxnSp>
+          <p:nvCxnSpPr>
+            <p:cNvPr id="122" name="Straight Connector 121"/>
+            <p:cNvCxnSpPr/>
+            <p:nvPr/>
+          </p:nvCxnSpPr>
+          <p:spPr>
+            <a:xfrm rot="2021602" flipV="1">
+              <a:off x="7690752" y="5775013"/>
+              <a:ext cx="106248" cy="103252"/>
+            </a:xfrm>
+            <a:prstGeom prst="line">
+              <a:avLst/>
+            </a:prstGeom>
+            <a:ln w="19050" cap="flat">
+              <a:solidFill>
+                <a:srgbClr val="0070C0"/>
+              </a:solidFill>
+              <a:prstDash val="solid"/>
+              <a:round/>
+              <a:headEnd type="triangle" w="med" len="sm"/>
+              <a:tailEnd type="triangle" w="med" len="sm"/>
+            </a:ln>
+          </p:spPr>
+          <p:style>
+            <a:lnRef idx="1">
+              <a:schemeClr val="accent1"/>
+            </a:lnRef>
+            <a:fillRef idx="0">
+              <a:schemeClr val="accent1"/>
+            </a:fillRef>
+            <a:effectRef idx="0">
+              <a:schemeClr val="accent1"/>
+            </a:effectRef>
+            <a:fontRef idx="minor">
+              <a:schemeClr val="tx1"/>
+            </a:fontRef>
+          </p:style>
+        </p:cxnSp>
+        <p:cxnSp>
+          <p:nvCxnSpPr>
+            <p:cNvPr id="123" name="Straight Connector 122"/>
+            <p:cNvCxnSpPr/>
+            <p:nvPr/>
+          </p:nvCxnSpPr>
+          <p:spPr>
+            <a:xfrm rot="5313354" flipV="1">
+              <a:off x="7645472" y="5940134"/>
+              <a:ext cx="106248" cy="103252"/>
+            </a:xfrm>
+            <a:prstGeom prst="line">
+              <a:avLst/>
+            </a:prstGeom>
+            <a:ln w="19050" cap="flat">
+              <a:solidFill>
+                <a:srgbClr val="0070C0"/>
+              </a:solidFill>
+              <a:prstDash val="solid"/>
+              <a:round/>
+              <a:headEnd type="triangle" w="med" len="sm"/>
+              <a:tailEnd type="triangle" w="med" len="sm"/>
+            </a:ln>
+          </p:spPr>
+          <p:style>
+            <a:lnRef idx="1">
+              <a:schemeClr val="accent1"/>
+            </a:lnRef>
+            <a:fillRef idx="0">
+              <a:schemeClr val="accent1"/>
+            </a:fillRef>
+            <a:effectRef idx="0">
+              <a:schemeClr val="accent1"/>
+            </a:effectRef>
+            <a:fontRef idx="minor">
+              <a:schemeClr val="tx1"/>
+            </a:fontRef>
+          </p:style>
+        </p:cxnSp>
       </p:grpSp>
     </p:spTree>
     <p:extLst>
@@ -5622,22 +5947,19 @@
   <p:clrMapOvr>
     <a:masterClrMapping/>
   </p:clrMapOvr>
+  <p:timing>
+    <p:tnLst>
+      <p:par>
+        <p:cTn id="1" dur="indefinite" restart="never" nodeType="tmRoot"/>
+      </p:par>
+    </p:tnLst>
+  </p:timing>
 </p:sld>
 </file>
 
 <file path=ppt/slides/slide3.xml><?xml version="1.0" encoding="utf-8"?>
 <p:sld xmlns:a="http://schemas.openxmlformats.org/drawingml/2006/main" xmlns:r="http://schemas.openxmlformats.org/officeDocument/2006/relationships" xmlns:p="http://schemas.openxmlformats.org/presentationml/2006/main">
   <p:cSld>
-    <p:bg>
-      <p:bgPr>
-        <a:solidFill>
-          <a:schemeClr val="bg1">
-            <a:lumMod val="95000"/>
-          </a:schemeClr>
-        </a:solidFill>
-        <a:effectLst/>
-      </p:bgPr>
-    </p:bg>
     <p:spTree>
       <p:nvGrpSpPr>
         <p:cNvPr id="1" name=""/>
@@ -5684,7 +6006,7 @@
       </p:sp>
       <p:grpSp>
         <p:nvGrpSpPr>
-          <p:cNvPr id="7" name="Group 6"/>
+          <p:cNvPr id="2" name="Group 1"/>
           <p:cNvGrpSpPr/>
           <p:nvPr/>
         </p:nvGrpSpPr>
@@ -5692,7 +6014,7 @@
           <a:xfrm>
             <a:off x="1021123" y="5055617"/>
             <a:ext cx="380270" cy="476250"/>
-            <a:chOff x="3888581" y="3153770"/>
+            <a:chOff x="1021123" y="5055617"/>
             <a:chExt cx="380270" cy="476250"/>
           </a:xfrm>
         </p:grpSpPr>
@@ -5704,14 +6026,14 @@
           </p:nvSpPr>
           <p:spPr>
             <a:xfrm>
-              <a:off x="3888581" y="3169444"/>
+              <a:off x="1021123" y="5071291"/>
               <a:ext cx="130969" cy="333376"/>
             </a:xfrm>
             <a:prstGeom prst="rect">
               <a:avLst/>
             </a:prstGeom>
             <a:solidFill>
-              <a:srgbClr val="E46B09"/>
+              <a:srgbClr val="EFA66B"/>
             </a:solidFill>
             <a:ln w="12700">
               <a:solidFill>
@@ -5752,7 +6074,7 @@
           </p:nvSpPr>
           <p:spPr>
             <a:xfrm>
-              <a:off x="4019550" y="3153770"/>
+              <a:off x="1152092" y="5055617"/>
               <a:ext cx="123826" cy="476250"/>
             </a:xfrm>
             <a:prstGeom prst="rect">
@@ -5800,14 +6122,14 @@
           </p:nvSpPr>
           <p:spPr>
             <a:xfrm>
-              <a:off x="4142645" y="3276599"/>
+              <a:off x="1275187" y="5178446"/>
               <a:ext cx="126206" cy="328613"/>
             </a:xfrm>
             <a:prstGeom prst="rect">
               <a:avLst/>
             </a:prstGeom>
             <a:solidFill>
-              <a:srgbClr val="0070C0"/>
+              <a:schemeClr val="bg1"/>
             </a:solidFill>
             <a:ln w="12700">
               <a:solidFill>
@@ -5848,11 +6170,11 @@
           <p:nvPr/>
         </p:nvGrpSpPr>
         <p:grpSpPr>
-          <a:xfrm rot="5400000">
-            <a:off x="5551230" y="5007627"/>
-            <a:ext cx="380270" cy="476250"/>
-            <a:chOff x="3888581" y="3153770"/>
-            <a:chExt cx="380270" cy="476250"/>
+          <a:xfrm>
+            <a:off x="5503240" y="5055617"/>
+            <a:ext cx="476250" cy="380271"/>
+            <a:chOff x="5503240" y="5055617"/>
+            <a:chExt cx="476250" cy="380271"/>
           </a:xfrm>
         </p:grpSpPr>
         <p:sp>
@@ -5862,15 +6184,15 @@
             <p:nvPr/>
           </p:nvSpPr>
           <p:spPr>
-            <a:xfrm>
-              <a:off x="3888581" y="3169444"/>
+            <a:xfrm rot="5400000">
+              <a:off x="5731644" y="4954414"/>
               <a:ext cx="130969" cy="333376"/>
             </a:xfrm>
             <a:prstGeom prst="rect">
               <a:avLst/>
             </a:prstGeom>
             <a:solidFill>
-              <a:srgbClr val="E46B09"/>
+              <a:srgbClr val="EFA66B"/>
             </a:solidFill>
             <a:ln w="12700">
               <a:solidFill>
@@ -5910,8 +6232,8 @@
             <p:nvPr/>
           </p:nvSpPr>
           <p:spPr>
-            <a:xfrm>
-              <a:off x="4019550" y="3153770"/>
+            <a:xfrm rot="5400000">
+              <a:off x="5679452" y="5010374"/>
               <a:ext cx="123826" cy="476250"/>
             </a:xfrm>
             <a:prstGeom prst="rect">
@@ -5958,15 +6280,15 @@
             <p:nvPr/>
           </p:nvSpPr>
           <p:spPr>
-            <a:xfrm>
-              <a:off x="4142645" y="3276599"/>
+            <a:xfrm rot="5400000">
+              <a:off x="5629252" y="5208478"/>
               <a:ext cx="126206" cy="328613"/>
             </a:xfrm>
             <a:prstGeom prst="rect">
               <a:avLst/>
             </a:prstGeom>
             <a:solidFill>
-              <a:srgbClr val="0070C0"/>
+              <a:schemeClr val="bg1"/>
             </a:solidFill>
             <a:ln w="12700">
               <a:solidFill>
@@ -6002,16 +6324,16 @@
       </p:grpSp>
       <p:grpSp>
         <p:nvGrpSpPr>
-          <p:cNvPr id="39" name="Group 38"/>
+          <p:cNvPr id="7" name="Group 6"/>
           <p:cNvGrpSpPr/>
           <p:nvPr/>
         </p:nvGrpSpPr>
         <p:grpSpPr>
           <a:xfrm>
-            <a:off x="3243771" y="5055617"/>
-            <a:ext cx="499041" cy="476250"/>
-            <a:chOff x="3587666" y="3456189"/>
-            <a:chExt cx="499041" cy="476250"/>
+            <a:off x="3218819" y="5055617"/>
+            <a:ext cx="548945" cy="476250"/>
+            <a:chOff x="3218819" y="5055617"/>
+            <a:chExt cx="548945" cy="476250"/>
           </a:xfrm>
         </p:grpSpPr>
         <p:cxnSp>
@@ -6022,8 +6344,8 @@
           </p:nvCxnSpPr>
           <p:spPr>
             <a:xfrm>
-              <a:off x="3587666" y="3694314"/>
-              <a:ext cx="499041" cy="0"/>
+              <a:off x="3218819" y="5293742"/>
+              <a:ext cx="548945" cy="0"/>
             </a:xfrm>
             <a:prstGeom prst="line">
               <a:avLst/>
@@ -6057,14 +6379,14 @@
           </p:nvSpPr>
           <p:spPr>
             <a:xfrm>
-              <a:off x="3640783" y="3527626"/>
+              <a:off x="3296888" y="5127054"/>
               <a:ext cx="130969" cy="333376"/>
             </a:xfrm>
             <a:prstGeom prst="rect">
               <a:avLst/>
             </a:prstGeom>
             <a:solidFill>
-              <a:srgbClr val="E46B09"/>
+              <a:srgbClr val="EFA66B"/>
             </a:solidFill>
             <a:ln w="12700">
               <a:solidFill>
@@ -6105,7 +6427,7 @@
           </p:nvSpPr>
           <p:spPr>
             <a:xfrm>
-              <a:off x="3771752" y="3456189"/>
+              <a:off x="3427857" y="5055617"/>
               <a:ext cx="123826" cy="476250"/>
             </a:xfrm>
             <a:prstGeom prst="rect">
@@ -6153,14 +6475,14 @@
           </p:nvSpPr>
           <p:spPr>
             <a:xfrm>
-              <a:off x="3894847" y="3530007"/>
+              <a:off x="3550952" y="5129435"/>
               <a:ext cx="126206" cy="328613"/>
             </a:xfrm>
             <a:prstGeom prst="rect">
               <a:avLst/>
             </a:prstGeom>
             <a:solidFill>
-              <a:srgbClr val="0070C0"/>
+              <a:schemeClr val="bg1"/>
             </a:solidFill>
             <a:ln w="12700">
               <a:solidFill>
@@ -6196,16 +6518,16 @@
       </p:grpSp>
       <p:grpSp>
         <p:nvGrpSpPr>
-          <p:cNvPr id="40" name="Group 39"/>
+          <p:cNvPr id="12" name="Group 11"/>
           <p:cNvGrpSpPr/>
           <p:nvPr/>
         </p:nvGrpSpPr>
         <p:grpSpPr>
-          <a:xfrm rot="5400000">
-            <a:off x="7384006" y="5067013"/>
-            <a:ext cx="499041" cy="476250"/>
-            <a:chOff x="3587666" y="3456189"/>
-            <a:chExt cx="499041" cy="476250"/>
+          <a:xfrm>
+            <a:off x="7395402" y="5030665"/>
+            <a:ext cx="476250" cy="548945"/>
+            <a:chOff x="7395402" y="5030665"/>
+            <a:chExt cx="476250" cy="548945"/>
           </a:xfrm>
         </p:grpSpPr>
         <p:cxnSp>
@@ -6215,9 +6537,9 @@
             <p:nvPr/>
           </p:nvCxnSpPr>
           <p:spPr>
-            <a:xfrm>
-              <a:off x="3587666" y="3694314"/>
-              <a:ext cx="499041" cy="0"/>
+            <a:xfrm rot="5400000">
+              <a:off x="7359054" y="5305138"/>
+              <a:ext cx="548945" cy="0"/>
             </a:xfrm>
             <a:prstGeom prst="line">
               <a:avLst/>
@@ -6250,15 +6572,15 @@
             <p:nvPr/>
           </p:nvSpPr>
           <p:spPr>
-            <a:xfrm>
-              <a:off x="3640783" y="3527626"/>
+            <a:xfrm rot="5400000">
+              <a:off x="7568042" y="5007531"/>
               <a:ext cx="130969" cy="333376"/>
             </a:xfrm>
             <a:prstGeom prst="rect">
               <a:avLst/>
             </a:prstGeom>
             <a:solidFill>
-              <a:srgbClr val="E46B09"/>
+              <a:srgbClr val="EFA66B"/>
             </a:solidFill>
             <a:ln w="12700">
               <a:solidFill>
@@ -6298,8 +6620,8 @@
             <p:nvPr/>
           </p:nvSpPr>
           <p:spPr>
-            <a:xfrm>
-              <a:off x="3771752" y="3456189"/>
+            <a:xfrm rot="5400000">
+              <a:off x="7571614" y="5063492"/>
               <a:ext cx="123826" cy="476250"/>
             </a:xfrm>
             <a:prstGeom prst="rect">
@@ -6346,15 +6668,15 @@
             <p:nvPr/>
           </p:nvSpPr>
           <p:spPr>
-            <a:xfrm>
-              <a:off x="3894847" y="3530007"/>
+            <a:xfrm rot="5400000">
+              <a:off x="7570424" y="5261595"/>
               <a:ext cx="126206" cy="328613"/>
             </a:xfrm>
             <a:prstGeom prst="rect">
               <a:avLst/>
             </a:prstGeom>
             <a:solidFill>
-              <a:srgbClr val="0070C0"/>
+              <a:schemeClr val="bg1"/>
             </a:solidFill>
             <a:ln w="12700">
               <a:solidFill>
@@ -6514,22 +6836,19 @@
   <p:clrMapOvr>
     <a:masterClrMapping/>
   </p:clrMapOvr>
+  <p:timing>
+    <p:tnLst>
+      <p:par>
+        <p:cTn id="1" dur="indefinite" restart="never" nodeType="tmRoot"/>
+      </p:par>
+    </p:tnLst>
+  </p:timing>
 </p:sld>
 </file>
 
 <file path=ppt/slides/slide4.xml><?xml version="1.0" encoding="utf-8"?>
 <p:sld xmlns:a="http://schemas.openxmlformats.org/drawingml/2006/main" xmlns:r="http://schemas.openxmlformats.org/officeDocument/2006/relationships" xmlns:p="http://schemas.openxmlformats.org/presentationml/2006/main">
   <p:cSld>
-    <p:bg>
-      <p:bgPr>
-        <a:solidFill>
-          <a:schemeClr val="bg1">
-            <a:lumMod val="95000"/>
-          </a:schemeClr>
-        </a:solidFill>
-        <a:effectLst/>
-      </p:bgPr>
-    </p:bg>
     <p:spTree>
       <p:nvGrpSpPr>
         <p:cNvPr id="1" name=""/>
@@ -6552,7 +6871,7 @@
         </p:nvSpPr>
         <p:spPr>
           <a:xfrm>
-            <a:off x="2853164" y="1308274"/>
+            <a:off x="2853164" y="989617"/>
             <a:ext cx="3437672" cy="707886"/>
           </a:xfrm>
           <a:prstGeom prst="rect">
@@ -6582,7 +6901,7 @@
         </p:nvSpPr>
         <p:spPr>
           <a:xfrm>
-            <a:off x="729512" y="3324434"/>
+            <a:off x="729512" y="2465447"/>
             <a:ext cx="1306383" cy="369332"/>
           </a:xfrm>
           <a:prstGeom prst="rect">
@@ -6612,7 +6931,7 @@
         </p:nvSpPr>
         <p:spPr>
           <a:xfrm>
-            <a:off x="2765406" y="3324434"/>
+            <a:off x="2765406" y="2465447"/>
             <a:ext cx="1046505" cy="369332"/>
           </a:xfrm>
           <a:prstGeom prst="rect">
@@ -6642,7 +6961,7 @@
         </p:nvSpPr>
         <p:spPr>
           <a:xfrm>
-            <a:off x="4541423" y="3324434"/>
+            <a:off x="4541423" y="2465447"/>
             <a:ext cx="2162195" cy="369332"/>
           </a:xfrm>
           <a:prstGeom prst="rect">
@@ -6672,7 +6991,7 @@
         </p:nvSpPr>
         <p:spPr>
           <a:xfrm>
-            <a:off x="7433129" y="3324434"/>
+            <a:off x="7433129" y="2465447"/>
             <a:ext cx="981359" cy="369332"/>
           </a:xfrm>
           <a:prstGeom prst="rect">
@@ -6702,9 +7021,9 @@
         </p:nvGrpSpPr>
         <p:grpSpPr>
           <a:xfrm>
-            <a:off x="3050968" y="5002040"/>
+            <a:off x="3050968" y="3381048"/>
             <a:ext cx="475380" cy="547687"/>
-            <a:chOff x="3050968" y="5002040"/>
+            <a:chOff x="3050968" y="3381048"/>
             <a:chExt cx="475380" cy="547687"/>
           </a:xfrm>
         </p:grpSpPr>
@@ -6716,7 +7035,7 @@
           </p:nvCxnSpPr>
           <p:spPr>
             <a:xfrm>
-              <a:off x="3288406" y="5002040"/>
+              <a:off x="3288406" y="3381048"/>
               <a:ext cx="0" cy="547687"/>
             </a:xfrm>
             <a:prstGeom prst="line">
@@ -6751,14 +7070,14 @@
           </p:nvSpPr>
           <p:spPr>
             <a:xfrm>
-              <a:off x="3158124" y="5030616"/>
-              <a:ext cx="251039" cy="123824"/>
+              <a:off x="3158124" y="3422324"/>
+              <a:ext cx="251039" cy="98424"/>
             </a:xfrm>
             <a:prstGeom prst="rect">
               <a:avLst/>
             </a:prstGeom>
             <a:solidFill>
-              <a:schemeClr val="bg1"/>
+              <a:srgbClr val="EFA66B"/>
             </a:solidFill>
             <a:ln w="12700">
               <a:solidFill>
@@ -6799,8 +7118,8 @@
           </p:nvSpPr>
           <p:spPr>
             <a:xfrm>
-              <a:off x="3050968" y="5202064"/>
-              <a:ext cx="475380" cy="134818"/>
+              <a:off x="3050968" y="3593772"/>
+              <a:ext cx="475380" cy="109418"/>
             </a:xfrm>
             <a:prstGeom prst="rect">
               <a:avLst/>
@@ -6847,14 +7166,16 @@
           </p:nvSpPr>
           <p:spPr>
             <a:xfrm>
-              <a:off x="3112391" y="5371104"/>
-              <a:ext cx="335376" cy="134845"/>
+              <a:off x="3112391" y="3762812"/>
+              <a:ext cx="335376" cy="109445"/>
             </a:xfrm>
             <a:prstGeom prst="rect">
               <a:avLst/>
             </a:prstGeom>
             <a:solidFill>
-              <a:schemeClr val="bg1"/>
+              <a:schemeClr val="bg1">
+                <a:lumMod val="65000"/>
+              </a:schemeClr>
             </a:solidFill>
             <a:ln w="12700">
               <a:solidFill>
@@ -6890,15 +7211,15 @@
       </p:grpSp>
       <p:grpSp>
         <p:nvGrpSpPr>
-          <p:cNvPr id="7" name="Group 6"/>
+          <p:cNvPr id="14" name="Group 13"/>
           <p:cNvGrpSpPr/>
           <p:nvPr/>
         </p:nvGrpSpPr>
         <p:grpSpPr>
           <a:xfrm>
-            <a:off x="1145012" y="4965887"/>
+            <a:off x="1145012" y="3344895"/>
             <a:ext cx="547687" cy="475380"/>
-            <a:chOff x="1145012" y="4965887"/>
+            <a:chOff x="1145012" y="3344895"/>
             <a:chExt cx="547687" cy="475380"/>
           </a:xfrm>
         </p:grpSpPr>
@@ -6910,7 +7231,7 @@
           </p:nvCxnSpPr>
           <p:spPr>
             <a:xfrm rot="5400000">
-              <a:off x="1418856" y="4929481"/>
+              <a:off x="1418856" y="3308489"/>
               <a:ext cx="0" cy="547687"/>
             </a:xfrm>
             <a:prstGeom prst="line">
@@ -6945,14 +7266,16 @@
           </p:nvSpPr>
           <p:spPr>
             <a:xfrm rot="5400000">
-              <a:off x="1476692" y="5136650"/>
-              <a:ext cx="251039" cy="123824"/>
+              <a:off x="1476692" y="3528358"/>
+              <a:ext cx="251039" cy="98424"/>
             </a:xfrm>
             <a:prstGeom prst="rect">
               <a:avLst/>
             </a:prstGeom>
             <a:solidFill>
-              <a:schemeClr val="bg1"/>
+              <a:schemeClr val="bg1">
+                <a:lumMod val="65000"/>
+              </a:schemeClr>
             </a:solidFill>
             <a:ln w="12700">
               <a:solidFill>
@@ -6993,8 +7316,8 @@
           </p:nvSpPr>
           <p:spPr>
             <a:xfrm rot="5400000">
-              <a:off x="1187577" y="5136168"/>
-              <a:ext cx="475380" cy="134818"/>
+              <a:off x="1194277" y="3527876"/>
+              <a:ext cx="475380" cy="109418"/>
             </a:xfrm>
             <a:prstGeom prst="rect">
               <a:avLst/>
@@ -7041,14 +7364,14 @@
           </p:nvSpPr>
           <p:spPr>
             <a:xfrm rot="5400000">
-              <a:off x="1088525" y="5127575"/>
-              <a:ext cx="335376" cy="134845"/>
+              <a:off x="1088525" y="3519283"/>
+              <a:ext cx="335376" cy="109445"/>
             </a:xfrm>
             <a:prstGeom prst="rect">
               <a:avLst/>
             </a:prstGeom>
             <a:solidFill>
-              <a:schemeClr val="bg1"/>
+              <a:srgbClr val="EFA66B"/>
             </a:solidFill>
             <a:ln w="12700">
               <a:solidFill>
@@ -7090,9 +7413,9 @@
         </p:nvGrpSpPr>
         <p:grpSpPr>
           <a:xfrm>
-            <a:off x="5330312" y="4971845"/>
+            <a:off x="5330312" y="3350853"/>
             <a:ext cx="584418" cy="608076"/>
-            <a:chOff x="5330312" y="4971845"/>
+            <a:chOff x="5330312" y="3350853"/>
             <a:chExt cx="584418" cy="608076"/>
           </a:xfrm>
         </p:grpSpPr>
@@ -7104,7 +7427,7 @@
           </p:nvCxnSpPr>
           <p:spPr>
             <a:xfrm>
-              <a:off x="5330312" y="4971845"/>
+              <a:off x="5330312" y="3350853"/>
               <a:ext cx="584418" cy="608076"/>
             </a:xfrm>
             <a:prstGeom prst="line">
@@ -7139,14 +7462,14 @@
           </p:nvSpPr>
           <p:spPr>
             <a:xfrm>
-              <a:off x="5353969" y="5020280"/>
-              <a:ext cx="251039" cy="123824"/>
+              <a:off x="5353969" y="3411988"/>
+              <a:ext cx="251039" cy="98424"/>
             </a:xfrm>
             <a:prstGeom prst="rect">
               <a:avLst/>
             </a:prstGeom>
             <a:solidFill>
-              <a:schemeClr val="bg1"/>
+              <a:srgbClr val="EFA66B"/>
             </a:solidFill>
             <a:ln w="12700">
               <a:solidFill>
@@ -7187,8 +7510,8 @@
           </p:nvSpPr>
           <p:spPr>
             <a:xfrm>
-              <a:off x="5391726" y="5202063"/>
-              <a:ext cx="475380" cy="134818"/>
+              <a:off x="5391726" y="3593771"/>
+              <a:ext cx="475380" cy="109418"/>
             </a:xfrm>
             <a:prstGeom prst="rect">
               <a:avLst/>
@@ -7235,14 +7558,16 @@
           </p:nvSpPr>
           <p:spPr>
             <a:xfrm>
-              <a:off x="5579354" y="5390151"/>
-              <a:ext cx="335376" cy="134845"/>
+              <a:off x="5579354" y="3781859"/>
+              <a:ext cx="335376" cy="109445"/>
             </a:xfrm>
             <a:prstGeom prst="rect">
               <a:avLst/>
             </a:prstGeom>
             <a:solidFill>
-              <a:schemeClr val="bg1"/>
+              <a:schemeClr val="bg1">
+                <a:lumMod val="65000"/>
+              </a:schemeClr>
             </a:solidFill>
             <a:ln w="12700">
               <a:solidFill>
@@ -7284,9 +7609,9 @@
         </p:nvGrpSpPr>
         <p:grpSpPr>
           <a:xfrm>
-            <a:off x="7619772" y="4999658"/>
+            <a:off x="7619772" y="3378666"/>
             <a:ext cx="608076" cy="552450"/>
-            <a:chOff x="7619772" y="4999658"/>
+            <a:chOff x="7619772" y="3378666"/>
             <a:chExt cx="608076" cy="552450"/>
           </a:xfrm>
         </p:grpSpPr>
@@ -7298,13 +7623,13 @@
           </p:nvCxnSpPr>
           <p:spPr>
             <a:xfrm>
-              <a:off x="7775231" y="4999658"/>
+              <a:off x="7775231" y="3378666"/>
               <a:ext cx="0" cy="552450"/>
             </a:xfrm>
             <a:prstGeom prst="line">
               <a:avLst/>
             </a:prstGeom>
-            <a:ln>
+            <a:ln w="25400">
               <a:solidFill>
                 <a:schemeClr val="tx1"/>
               </a:solidFill>
@@ -7333,13 +7658,13 @@
           </p:nvCxnSpPr>
           <p:spPr>
             <a:xfrm>
-              <a:off x="8070506" y="4999658"/>
+              <a:off x="8070506" y="3378666"/>
               <a:ext cx="0" cy="552450"/>
             </a:xfrm>
             <a:prstGeom prst="line">
               <a:avLst/>
             </a:prstGeom>
-            <a:ln>
+            <a:ln w="25400">
               <a:solidFill>
                 <a:schemeClr val="tx1"/>
               </a:solidFill>
@@ -7368,13 +7693,13 @@
           </p:nvCxnSpPr>
           <p:spPr>
             <a:xfrm flipH="1">
-              <a:off x="7619772" y="5404471"/>
+              <a:off x="7619772" y="3783479"/>
               <a:ext cx="608076" cy="0"/>
             </a:xfrm>
             <a:prstGeom prst="line">
               <a:avLst/>
             </a:prstGeom>
-            <a:ln>
+            <a:ln w="25400">
               <a:solidFill>
                 <a:schemeClr val="tx1"/>
               </a:solidFill>
@@ -7403,13 +7728,13 @@
           </p:nvCxnSpPr>
           <p:spPr>
             <a:xfrm flipH="1">
-              <a:off x="7619772" y="5159202"/>
+              <a:off x="7619772" y="3538210"/>
               <a:ext cx="608076" cy="0"/>
             </a:xfrm>
             <a:prstGeom prst="line">
               <a:avLst/>
             </a:prstGeom>
-            <a:ln>
+            <a:ln w="25400">
               <a:solidFill>
                 <a:schemeClr val="tx1"/>
               </a:solidFill>
@@ -7438,14 +7763,14 @@
           </p:nvSpPr>
           <p:spPr>
             <a:xfrm>
-              <a:off x="7671831" y="5076658"/>
+              <a:off x="7671831" y="3455666"/>
               <a:ext cx="214222" cy="145255"/>
             </a:xfrm>
             <a:prstGeom prst="rect">
               <a:avLst/>
             </a:prstGeom>
             <a:solidFill>
-              <a:schemeClr val="bg1"/>
+              <a:srgbClr val="EFA66B"/>
             </a:solidFill>
             <a:ln w="12700">
               <a:solidFill>
@@ -7486,7 +7811,7 @@
           </p:nvSpPr>
           <p:spPr>
             <a:xfrm>
-              <a:off x="7959253" y="5076657"/>
+              <a:off x="7959253" y="3455665"/>
               <a:ext cx="214222" cy="145255"/>
             </a:xfrm>
             <a:prstGeom prst="rect">
@@ -7534,7 +7859,7 @@
           </p:nvSpPr>
           <p:spPr>
             <a:xfrm>
-              <a:off x="7671833" y="5324314"/>
+              <a:off x="7671833" y="3703322"/>
               <a:ext cx="214222" cy="145255"/>
             </a:xfrm>
             <a:prstGeom prst="rect">
@@ -7582,14 +7907,16 @@
           </p:nvSpPr>
           <p:spPr>
             <a:xfrm>
-              <a:off x="7959255" y="5324313"/>
+              <a:off x="7959255" y="3703321"/>
               <a:ext cx="214222" cy="145255"/>
             </a:xfrm>
             <a:prstGeom prst="rect">
               <a:avLst/>
             </a:prstGeom>
             <a:solidFill>
-              <a:schemeClr val="bg1"/>
+              <a:schemeClr val="bg1">
+                <a:lumMod val="65000"/>
+              </a:schemeClr>
             </a:solidFill>
             <a:ln w="12700">
               <a:solidFill>
@@ -7623,6 +7950,461 @@
           </p:txBody>
         </p:sp>
       </p:grpSp>
+      <p:sp>
+        <p:nvSpPr>
+          <p:cNvPr id="39" name="TextBox 38"/>
+          <p:cNvSpPr txBox="1"/>
+          <p:nvPr/>
+        </p:nvSpPr>
+        <p:spPr>
+          <a:xfrm>
+            <a:off x="1003432" y="4682010"/>
+            <a:ext cx="758541" cy="369332"/>
+          </a:xfrm>
+          <a:prstGeom prst="rect">
+            <a:avLst/>
+          </a:prstGeom>
+          <a:noFill/>
+        </p:spPr>
+        <p:txBody>
+          <a:bodyPr wrap="none" rtlCol="0">
+            <a:spAutoFit/>
+          </a:bodyPr>
+          <a:lstStyle/>
+          <a:p>
+            <a:pPr algn="ctr"/>
+            <a:r>
+              <a:rPr lang="en-US" dirty="0" smtClean="0"/>
+              <a:t>Radial</a:t>
+            </a:r>
+            <a:endParaRPr lang="en-US" dirty="0"/>
+          </a:p>
+        </p:txBody>
+      </p:sp>
+      <p:grpSp>
+        <p:nvGrpSpPr>
+          <p:cNvPr id="13" name="Group 12"/>
+          <p:cNvGrpSpPr/>
+          <p:nvPr/>
+        </p:nvGrpSpPr>
+        <p:grpSpPr>
+          <a:xfrm>
+            <a:off x="1007384" y="5289552"/>
+            <a:ext cx="753008" cy="745313"/>
+            <a:chOff x="1007384" y="5289552"/>
+            <a:chExt cx="753008" cy="745313"/>
+          </a:xfrm>
+        </p:grpSpPr>
+        <p:sp>
+          <p:nvSpPr>
+            <p:cNvPr id="56" name="Arc 55"/>
+            <p:cNvSpPr>
+              <a:spLocks noChangeAspect="1"/>
+            </p:cNvSpPr>
+            <p:nvPr/>
+          </p:nvSpPr>
+          <p:spPr>
+            <a:xfrm>
+              <a:off x="1007384" y="5289552"/>
+              <a:ext cx="745313" cy="745313"/>
+            </a:xfrm>
+            <a:prstGeom prst="arc">
+              <a:avLst>
+                <a:gd name="adj1" fmla="val 19317826"/>
+                <a:gd name="adj2" fmla="val 21232517"/>
+              </a:avLst>
+            </a:prstGeom>
+            <a:ln w="19050">
+              <a:solidFill>
+                <a:srgbClr val="0070C0"/>
+              </a:solidFill>
+              <a:prstDash val="solid"/>
+              <a:headEnd type="triangle" w="med" len="sm"/>
+              <a:tailEnd type="triangle" w="med" len="sm"/>
+            </a:ln>
+          </p:spPr>
+          <p:style>
+            <a:lnRef idx="1">
+              <a:schemeClr val="accent1"/>
+            </a:lnRef>
+            <a:fillRef idx="0">
+              <a:schemeClr val="accent1"/>
+            </a:fillRef>
+            <a:effectRef idx="0">
+              <a:schemeClr val="accent1"/>
+            </a:effectRef>
+            <a:fontRef idx="minor">
+              <a:schemeClr val="tx1"/>
+            </a:fontRef>
+          </p:style>
+          <p:txBody>
+            <a:bodyPr rtlCol="0" anchor="ctr"/>
+            <a:lstStyle/>
+            <a:p>
+              <a:pPr algn="ctr"/>
+              <a:endParaRPr lang="en-US"/>
+            </a:p>
+          </p:txBody>
+        </p:sp>
+        <p:cxnSp>
+          <p:nvCxnSpPr>
+            <p:cNvPr id="411" name="Straight Connector 410"/>
+            <p:cNvCxnSpPr/>
+            <p:nvPr/>
+          </p:nvCxnSpPr>
+          <p:spPr>
+            <a:xfrm>
+              <a:off x="1424197" y="5660313"/>
+              <a:ext cx="336195" cy="0"/>
+            </a:xfrm>
+            <a:prstGeom prst="line">
+              <a:avLst/>
+            </a:prstGeom>
+            <a:ln w="25400" cap="flat">
+              <a:solidFill>
+                <a:schemeClr val="tx1"/>
+              </a:solidFill>
+              <a:prstDash val="solid"/>
+              <a:round/>
+            </a:ln>
+          </p:spPr>
+          <p:style>
+            <a:lnRef idx="1">
+              <a:schemeClr val="accent1"/>
+            </a:lnRef>
+            <a:fillRef idx="0">
+              <a:schemeClr val="accent1"/>
+            </a:fillRef>
+            <a:effectRef idx="0">
+              <a:schemeClr val="accent1"/>
+            </a:effectRef>
+            <a:fontRef idx="minor">
+              <a:schemeClr val="tx1"/>
+            </a:fontRef>
+          </p:style>
+        </p:cxnSp>
+        <p:cxnSp>
+          <p:nvCxnSpPr>
+            <p:cNvPr id="412" name="Straight Connector 411"/>
+            <p:cNvCxnSpPr/>
+            <p:nvPr/>
+          </p:nvCxnSpPr>
+          <p:spPr>
+            <a:xfrm rot="18917739">
+              <a:off x="1364639" y="5515471"/>
+              <a:ext cx="336195" cy="0"/>
+            </a:xfrm>
+            <a:prstGeom prst="line">
+              <a:avLst/>
+            </a:prstGeom>
+            <a:ln w="25400" cap="flat">
+              <a:solidFill>
+                <a:schemeClr val="tx1"/>
+              </a:solidFill>
+              <a:prstDash val="solid"/>
+              <a:round/>
+            </a:ln>
+          </p:spPr>
+          <p:style>
+            <a:lnRef idx="1">
+              <a:schemeClr val="accent1"/>
+            </a:lnRef>
+            <a:fillRef idx="0">
+              <a:schemeClr val="accent1"/>
+            </a:fillRef>
+            <a:effectRef idx="0">
+              <a:schemeClr val="accent1"/>
+            </a:effectRef>
+            <a:fontRef idx="minor">
+              <a:schemeClr val="tx1"/>
+            </a:fontRef>
+          </p:style>
+        </p:cxnSp>
+        <p:cxnSp>
+          <p:nvCxnSpPr>
+            <p:cNvPr id="433" name="Straight Connector 432"/>
+            <p:cNvCxnSpPr/>
+            <p:nvPr/>
+          </p:nvCxnSpPr>
+          <p:spPr>
+            <a:xfrm rot="2744569">
+              <a:off x="1361990" y="5807778"/>
+              <a:ext cx="336195" cy="0"/>
+            </a:xfrm>
+            <a:prstGeom prst="line">
+              <a:avLst/>
+            </a:prstGeom>
+            <a:ln w="25400" cap="flat">
+              <a:solidFill>
+                <a:schemeClr val="tx1"/>
+              </a:solidFill>
+              <a:prstDash val="solid"/>
+              <a:round/>
+            </a:ln>
+          </p:spPr>
+          <p:style>
+            <a:lnRef idx="1">
+              <a:schemeClr val="accent1"/>
+            </a:lnRef>
+            <a:fillRef idx="0">
+              <a:schemeClr val="accent1"/>
+            </a:fillRef>
+            <a:effectRef idx="0">
+              <a:schemeClr val="accent1"/>
+            </a:effectRef>
+            <a:fontRef idx="minor">
+              <a:schemeClr val="tx1"/>
+            </a:fontRef>
+          </p:style>
+        </p:cxnSp>
+        <p:sp>
+          <p:nvSpPr>
+            <p:cNvPr id="11" name="Oval 10"/>
+            <p:cNvSpPr/>
+            <p:nvPr/>
+          </p:nvSpPr>
+          <p:spPr>
+            <a:xfrm>
+              <a:off x="1295909" y="5569825"/>
+              <a:ext cx="180975" cy="180975"/>
+            </a:xfrm>
+            <a:prstGeom prst="ellipse">
+              <a:avLst/>
+            </a:prstGeom>
+            <a:solidFill>
+              <a:srgbClr val="EFA66B"/>
+            </a:solidFill>
+            <a:ln w="12700">
+              <a:solidFill>
+                <a:schemeClr val="tx1"/>
+              </a:solidFill>
+            </a:ln>
+          </p:spPr>
+          <p:style>
+            <a:lnRef idx="2">
+              <a:schemeClr val="accent1">
+                <a:shade val="50000"/>
+              </a:schemeClr>
+            </a:lnRef>
+            <a:fillRef idx="1">
+              <a:schemeClr val="accent1"/>
+            </a:fillRef>
+            <a:effectRef idx="0">
+              <a:schemeClr val="accent1"/>
+            </a:effectRef>
+            <a:fontRef idx="minor">
+              <a:schemeClr val="lt1"/>
+            </a:fontRef>
+          </p:style>
+          <p:txBody>
+            <a:bodyPr rtlCol="0" anchor="ctr"/>
+            <a:lstStyle/>
+            <a:p>
+              <a:pPr algn="ctr"/>
+              <a:endParaRPr lang="en-US"/>
+            </a:p>
+          </p:txBody>
+        </p:sp>
+        <p:sp>
+          <p:nvSpPr>
+            <p:cNvPr id="12" name="Oval 11"/>
+            <p:cNvSpPr/>
+            <p:nvPr/>
+          </p:nvSpPr>
+          <p:spPr>
+            <a:xfrm>
+              <a:off x="1517299" y="5411387"/>
+              <a:ext cx="121956" cy="121956"/>
+            </a:xfrm>
+            <a:prstGeom prst="ellipse">
+              <a:avLst/>
+            </a:prstGeom>
+            <a:solidFill>
+              <a:schemeClr val="bg1">
+                <a:lumMod val="65000"/>
+              </a:schemeClr>
+            </a:solidFill>
+            <a:ln w="12700">
+              <a:solidFill>
+                <a:schemeClr val="tx1"/>
+              </a:solidFill>
+            </a:ln>
+          </p:spPr>
+          <p:style>
+            <a:lnRef idx="2">
+              <a:schemeClr val="accent1">
+                <a:shade val="50000"/>
+              </a:schemeClr>
+            </a:lnRef>
+            <a:fillRef idx="1">
+              <a:schemeClr val="accent1"/>
+            </a:fillRef>
+            <a:effectRef idx="0">
+              <a:schemeClr val="accent1"/>
+            </a:effectRef>
+            <a:fontRef idx="minor">
+              <a:schemeClr val="lt1"/>
+            </a:fontRef>
+          </p:style>
+          <p:txBody>
+            <a:bodyPr rtlCol="0" anchor="ctr"/>
+            <a:lstStyle/>
+            <a:p>
+              <a:pPr algn="ctr"/>
+              <a:endParaRPr lang="en-US"/>
+            </a:p>
+          </p:txBody>
+        </p:sp>
+        <p:sp>
+          <p:nvSpPr>
+            <p:cNvPr id="46" name="Oval 45"/>
+            <p:cNvSpPr/>
+            <p:nvPr/>
+          </p:nvSpPr>
+          <p:spPr>
+            <a:xfrm>
+              <a:off x="1559260" y="5599261"/>
+              <a:ext cx="121956" cy="121956"/>
+            </a:xfrm>
+            <a:prstGeom prst="ellipse">
+              <a:avLst/>
+            </a:prstGeom>
+            <a:solidFill>
+              <a:schemeClr val="bg1"/>
+            </a:solidFill>
+            <a:ln w="12700">
+              <a:solidFill>
+                <a:schemeClr val="tx1"/>
+              </a:solidFill>
+            </a:ln>
+          </p:spPr>
+          <p:style>
+            <a:lnRef idx="2">
+              <a:schemeClr val="accent1">
+                <a:shade val="50000"/>
+              </a:schemeClr>
+            </a:lnRef>
+            <a:fillRef idx="1">
+              <a:schemeClr val="accent1"/>
+            </a:fillRef>
+            <a:effectRef idx="0">
+              <a:schemeClr val="accent1"/>
+            </a:effectRef>
+            <a:fontRef idx="minor">
+              <a:schemeClr val="lt1"/>
+            </a:fontRef>
+          </p:style>
+          <p:txBody>
+            <a:bodyPr rtlCol="0" anchor="ctr"/>
+            <a:lstStyle/>
+            <a:p>
+              <a:pPr algn="ctr"/>
+              <a:endParaRPr lang="en-US"/>
+            </a:p>
+          </p:txBody>
+        </p:sp>
+        <p:sp>
+          <p:nvSpPr>
+            <p:cNvPr id="47" name="Oval 46"/>
+            <p:cNvSpPr/>
+            <p:nvPr/>
+          </p:nvSpPr>
+          <p:spPr>
+            <a:xfrm>
+              <a:off x="1462961" y="5736634"/>
+              <a:ext cx="121956" cy="121956"/>
+            </a:xfrm>
+            <a:prstGeom prst="ellipse">
+              <a:avLst/>
+            </a:prstGeom>
+            <a:solidFill>
+              <a:schemeClr val="bg1">
+                <a:lumMod val="65000"/>
+              </a:schemeClr>
+            </a:solidFill>
+            <a:ln w="12700">
+              <a:solidFill>
+                <a:schemeClr val="tx1"/>
+              </a:solidFill>
+            </a:ln>
+          </p:spPr>
+          <p:style>
+            <a:lnRef idx="2">
+              <a:schemeClr val="accent1">
+                <a:shade val="50000"/>
+              </a:schemeClr>
+            </a:lnRef>
+            <a:fillRef idx="1">
+              <a:schemeClr val="accent1"/>
+            </a:fillRef>
+            <a:effectRef idx="0">
+              <a:schemeClr val="accent1"/>
+            </a:effectRef>
+            <a:fontRef idx="minor">
+              <a:schemeClr val="lt1"/>
+            </a:fontRef>
+          </p:style>
+          <p:txBody>
+            <a:bodyPr rtlCol="0" anchor="ctr"/>
+            <a:lstStyle/>
+            <a:p>
+              <a:pPr algn="ctr"/>
+              <a:endParaRPr lang="en-US"/>
+            </a:p>
+          </p:txBody>
+        </p:sp>
+      </p:grpSp>
+      <p:sp>
+        <p:nvSpPr>
+          <p:cNvPr id="40" name="Arc 39"/>
+          <p:cNvSpPr>
+            <a:spLocks noChangeAspect="1"/>
+          </p:cNvSpPr>
+          <p:nvPr/>
+        </p:nvSpPr>
+        <p:spPr>
+          <a:xfrm rot="2694618">
+            <a:off x="1007384" y="5284949"/>
+            <a:ext cx="745313" cy="745313"/>
+          </a:xfrm>
+          <a:prstGeom prst="arc">
+            <a:avLst>
+              <a:gd name="adj1" fmla="val 19317826"/>
+              <a:gd name="adj2" fmla="val 21232517"/>
+            </a:avLst>
+          </a:prstGeom>
+          <a:ln w="19050">
+            <a:solidFill>
+              <a:srgbClr val="0070C0"/>
+            </a:solidFill>
+            <a:prstDash val="solid"/>
+            <a:headEnd type="triangle" w="med" len="sm"/>
+            <a:tailEnd type="triangle" w="med" len="sm"/>
+          </a:ln>
+        </p:spPr>
+        <p:style>
+          <a:lnRef idx="1">
+            <a:schemeClr val="accent1"/>
+          </a:lnRef>
+          <a:fillRef idx="0">
+            <a:schemeClr val="accent1"/>
+          </a:fillRef>
+          <a:effectRef idx="0">
+            <a:schemeClr val="accent1"/>
+          </a:effectRef>
+          <a:fontRef idx="minor">
+            <a:schemeClr val="tx1"/>
+          </a:fontRef>
+        </p:style>
+        <p:txBody>
+          <a:bodyPr rtlCol="0" anchor="ctr"/>
+          <a:lstStyle/>
+          <a:p>
+            <a:pPr algn="ctr"/>
+            <a:endParaRPr lang="en-US"/>
+          </a:p>
+        </p:txBody>
+      </p:sp>
     </p:spTree>
     <p:extLst>
       <p:ext uri="{BB962C8B-B14F-4D97-AF65-F5344CB8AC3E}">
@@ -7633,22 +8415,19 @@
   <p:clrMapOvr>
     <a:masterClrMapping/>
   </p:clrMapOvr>
+  <p:timing>
+    <p:tnLst>
+      <p:par>
+        <p:cTn id="1" dur="indefinite" restart="never" nodeType="tmRoot"/>
+      </p:par>
+    </p:tnLst>
+  </p:timing>
 </p:sld>
 </file>
 
 <file path=ppt/slides/slide5.xml><?xml version="1.0" encoding="utf-8"?>
 <p:sld xmlns:a="http://schemas.openxmlformats.org/drawingml/2006/main" xmlns:r="http://schemas.openxmlformats.org/officeDocument/2006/relationships" xmlns:p="http://schemas.openxmlformats.org/presentationml/2006/main">
   <p:cSld>
-    <p:bg>
-      <p:bgPr>
-        <a:solidFill>
-          <a:schemeClr val="bg1">
-            <a:lumMod val="95000"/>
-          </a:schemeClr>
-        </a:solidFill>
-        <a:effectLst/>
-      </p:bgPr>
-    </p:bg>
     <p:spTree>
       <p:nvGrpSpPr>
         <p:cNvPr id="1" name=""/>
@@ -7693,329 +8472,6 @@
           </a:p>
         </p:txBody>
       </p:sp>
-      <p:grpSp>
-        <p:nvGrpSpPr>
-          <p:cNvPr id="34" name="Group 33"/>
-          <p:cNvGrpSpPr/>
-          <p:nvPr/>
-        </p:nvGrpSpPr>
-        <p:grpSpPr>
-          <a:xfrm>
-            <a:off x="2644584" y="4987751"/>
-            <a:ext cx="464344" cy="566737"/>
-            <a:chOff x="4352925" y="3148013"/>
-            <a:chExt cx="464344" cy="566737"/>
-          </a:xfrm>
-        </p:grpSpPr>
-        <p:sp>
-          <p:nvSpPr>
-            <p:cNvPr id="14" name="Rectangle 13"/>
-            <p:cNvSpPr/>
-            <p:nvPr/>
-          </p:nvSpPr>
-          <p:spPr>
-            <a:xfrm>
-              <a:off x="4352925" y="3231356"/>
-              <a:ext cx="138113" cy="335757"/>
-            </a:xfrm>
-            <a:prstGeom prst="rect">
-              <a:avLst/>
-            </a:prstGeom>
-            <a:solidFill>
-              <a:srgbClr val="E46B09"/>
-            </a:solidFill>
-            <a:ln w="12700">
-              <a:solidFill>
-                <a:schemeClr val="tx1"/>
-              </a:solidFill>
-            </a:ln>
-          </p:spPr>
-          <p:style>
-            <a:lnRef idx="2">
-              <a:schemeClr val="accent1">
-                <a:shade val="50000"/>
-              </a:schemeClr>
-            </a:lnRef>
-            <a:fillRef idx="1">
-              <a:schemeClr val="accent1"/>
-            </a:fillRef>
-            <a:effectRef idx="0">
-              <a:schemeClr val="accent1"/>
-            </a:effectRef>
-            <a:fontRef idx="minor">
-              <a:schemeClr val="lt1"/>
-            </a:fontRef>
-          </p:style>
-          <p:txBody>
-            <a:bodyPr rtlCol="0" anchor="ctr"/>
-            <a:lstStyle/>
-            <a:p>
-              <a:pPr algn="ctr"/>
-              <a:endParaRPr lang="en-US"/>
-            </a:p>
-          </p:txBody>
-        </p:sp>
-        <p:sp>
-          <p:nvSpPr>
-            <p:cNvPr id="15" name="Rectangle 14"/>
-            <p:cNvSpPr/>
-            <p:nvPr/>
-          </p:nvSpPr>
-          <p:spPr>
-            <a:xfrm>
-              <a:off x="4679156" y="3295650"/>
-              <a:ext cx="138113" cy="335757"/>
-            </a:xfrm>
-            <a:prstGeom prst="rect">
-              <a:avLst/>
-            </a:prstGeom>
-            <a:solidFill>
-              <a:srgbClr val="0070C0"/>
-            </a:solidFill>
-            <a:ln w="12700">
-              <a:solidFill>
-                <a:schemeClr val="tx1"/>
-              </a:solidFill>
-            </a:ln>
-          </p:spPr>
-          <p:style>
-            <a:lnRef idx="2">
-              <a:schemeClr val="accent1">
-                <a:shade val="50000"/>
-              </a:schemeClr>
-            </a:lnRef>
-            <a:fillRef idx="1">
-              <a:schemeClr val="accent1"/>
-            </a:fillRef>
-            <a:effectRef idx="0">
-              <a:schemeClr val="accent1"/>
-            </a:effectRef>
-            <a:fontRef idx="minor">
-              <a:schemeClr val="lt1"/>
-            </a:fontRef>
-          </p:style>
-          <p:txBody>
-            <a:bodyPr rtlCol="0" anchor="ctr"/>
-            <a:lstStyle/>
-            <a:p>
-              <a:pPr algn="ctr"/>
-              <a:endParaRPr lang="en-US"/>
-            </a:p>
-          </p:txBody>
-        </p:sp>
-        <p:cxnSp>
-          <p:nvCxnSpPr>
-            <p:cNvPr id="17" name="Straight Connector 16"/>
-            <p:cNvCxnSpPr/>
-            <p:nvPr/>
-          </p:nvCxnSpPr>
-          <p:spPr>
-            <a:xfrm flipV="1">
-              <a:off x="4419600" y="3148013"/>
-              <a:ext cx="0" cy="59531"/>
-            </a:xfrm>
-            <a:prstGeom prst="line">
-              <a:avLst/>
-            </a:prstGeom>
-            <a:ln w="19050">
-              <a:solidFill>
-                <a:schemeClr val="tx1"/>
-              </a:solidFill>
-            </a:ln>
-          </p:spPr>
-          <p:style>
-            <a:lnRef idx="1">
-              <a:schemeClr val="accent1"/>
-            </a:lnRef>
-            <a:fillRef idx="0">
-              <a:schemeClr val="accent1"/>
-            </a:fillRef>
-            <a:effectRef idx="0">
-              <a:schemeClr val="accent1"/>
-            </a:effectRef>
-            <a:fontRef idx="minor">
-              <a:schemeClr val="tx1"/>
-            </a:fontRef>
-          </p:style>
-        </p:cxnSp>
-        <p:cxnSp>
-          <p:nvCxnSpPr>
-            <p:cNvPr id="18" name="Straight Connector 17"/>
-            <p:cNvCxnSpPr/>
-            <p:nvPr/>
-          </p:nvCxnSpPr>
-          <p:spPr>
-            <a:xfrm flipV="1">
-              <a:off x="4743450" y="3655219"/>
-              <a:ext cx="0" cy="59531"/>
-            </a:xfrm>
-            <a:prstGeom prst="line">
-              <a:avLst/>
-            </a:prstGeom>
-            <a:ln w="19050">
-              <a:solidFill>
-                <a:schemeClr val="tx1"/>
-              </a:solidFill>
-            </a:ln>
-          </p:spPr>
-          <p:style>
-            <a:lnRef idx="1">
-              <a:schemeClr val="accent1"/>
-            </a:lnRef>
-            <a:fillRef idx="0">
-              <a:schemeClr val="accent1"/>
-            </a:fillRef>
-            <a:effectRef idx="0">
-              <a:schemeClr val="accent1"/>
-            </a:effectRef>
-            <a:fontRef idx="minor">
-              <a:schemeClr val="tx1"/>
-            </a:fontRef>
-          </p:style>
-        </p:cxnSp>
-        <p:cxnSp>
-          <p:nvCxnSpPr>
-            <p:cNvPr id="20" name="Straight Connector 19"/>
-            <p:cNvCxnSpPr/>
-            <p:nvPr/>
-          </p:nvCxnSpPr>
-          <p:spPr>
-            <a:xfrm>
-              <a:off x="4410076" y="3150394"/>
-              <a:ext cx="338136" cy="0"/>
-            </a:xfrm>
-            <a:prstGeom prst="line">
-              <a:avLst/>
-            </a:prstGeom>
-            <a:ln w="19050">
-              <a:solidFill>
-                <a:schemeClr val="tx1"/>
-              </a:solidFill>
-            </a:ln>
-          </p:spPr>
-          <p:style>
-            <a:lnRef idx="1">
-              <a:schemeClr val="accent1"/>
-            </a:lnRef>
-            <a:fillRef idx="0">
-              <a:schemeClr val="accent1"/>
-            </a:fillRef>
-            <a:effectRef idx="0">
-              <a:schemeClr val="accent1"/>
-            </a:effectRef>
-            <a:fontRef idx="minor">
-              <a:schemeClr val="tx1"/>
-            </a:fontRef>
-          </p:style>
-        </p:cxnSp>
-        <p:cxnSp>
-          <p:nvCxnSpPr>
-            <p:cNvPr id="22" name="Straight Connector 21"/>
-            <p:cNvCxnSpPr/>
-            <p:nvPr/>
-          </p:nvCxnSpPr>
-          <p:spPr>
-            <a:xfrm>
-              <a:off x="4412457" y="3714750"/>
-              <a:ext cx="340517" cy="0"/>
-            </a:xfrm>
-            <a:prstGeom prst="line">
-              <a:avLst/>
-            </a:prstGeom>
-            <a:ln w="19050">
-              <a:solidFill>
-                <a:schemeClr val="tx1"/>
-              </a:solidFill>
-            </a:ln>
-          </p:spPr>
-          <p:style>
-            <a:lnRef idx="1">
-              <a:schemeClr val="accent1"/>
-            </a:lnRef>
-            <a:fillRef idx="0">
-              <a:schemeClr val="accent1"/>
-            </a:fillRef>
-            <a:effectRef idx="0">
-              <a:schemeClr val="accent1"/>
-            </a:effectRef>
-            <a:fontRef idx="minor">
-              <a:schemeClr val="tx1"/>
-            </a:fontRef>
-          </p:style>
-        </p:cxnSp>
-        <p:cxnSp>
-          <p:nvCxnSpPr>
-            <p:cNvPr id="24" name="Straight Arrow Connector 23"/>
-            <p:cNvCxnSpPr/>
-            <p:nvPr/>
-          </p:nvCxnSpPr>
-          <p:spPr>
-            <a:xfrm>
-              <a:off x="4738688" y="3148013"/>
-              <a:ext cx="0" cy="130968"/>
-            </a:xfrm>
-            <a:prstGeom prst="straightConnector1">
-              <a:avLst/>
-            </a:prstGeom>
-            <a:ln w="19050">
-              <a:solidFill>
-                <a:schemeClr val="tx1"/>
-              </a:solidFill>
-              <a:tailEnd type="triangle"/>
-            </a:ln>
-          </p:spPr>
-          <p:style>
-            <a:lnRef idx="1">
-              <a:schemeClr val="accent1"/>
-            </a:lnRef>
-            <a:fillRef idx="0">
-              <a:schemeClr val="accent1"/>
-            </a:fillRef>
-            <a:effectRef idx="0">
-              <a:schemeClr val="accent1"/>
-            </a:effectRef>
-            <a:fontRef idx="minor">
-              <a:schemeClr val="tx1"/>
-            </a:fontRef>
-          </p:style>
-        </p:cxnSp>
-        <p:cxnSp>
-          <p:nvCxnSpPr>
-            <p:cNvPr id="26" name="Straight Arrow Connector 25"/>
-            <p:cNvCxnSpPr/>
-            <p:nvPr/>
-          </p:nvCxnSpPr>
-          <p:spPr>
-            <a:xfrm flipV="1">
-              <a:off x="4421981" y="3598069"/>
-              <a:ext cx="0" cy="116681"/>
-            </a:xfrm>
-            <a:prstGeom prst="straightConnector1">
-              <a:avLst/>
-            </a:prstGeom>
-            <a:ln w="19050">
-              <a:solidFill>
-                <a:schemeClr val="tx1"/>
-              </a:solidFill>
-              <a:tailEnd type="triangle"/>
-            </a:ln>
-          </p:spPr>
-          <p:style>
-            <a:lnRef idx="1">
-              <a:schemeClr val="accent1"/>
-            </a:lnRef>
-            <a:fillRef idx="0">
-              <a:schemeClr val="accent1"/>
-            </a:fillRef>
-            <a:effectRef idx="0">
-              <a:schemeClr val="accent1"/>
-            </a:effectRef>
-            <a:fontRef idx="minor">
-              <a:schemeClr val="tx1"/>
-            </a:fontRef>
-          </p:style>
-        </p:cxnSp>
-      </p:grpSp>
       <p:sp>
         <p:nvSpPr>
           <p:cNvPr id="35" name="TextBox 34"/>
@@ -8074,6 +8530,199 @@
           </a:p>
         </p:txBody>
       </p:sp>
+      <p:grpSp>
+        <p:nvGrpSpPr>
+          <p:cNvPr id="2" name="Group 1"/>
+          <p:cNvGrpSpPr/>
+          <p:nvPr/>
+        </p:nvGrpSpPr>
+        <p:grpSpPr>
+          <a:xfrm>
+            <a:off x="2644584" y="5038948"/>
+            <a:ext cx="464344" cy="464343"/>
+            <a:chOff x="2644584" y="5038948"/>
+            <a:chExt cx="464344" cy="464343"/>
+          </a:xfrm>
+        </p:grpSpPr>
+        <p:sp>
+          <p:nvSpPr>
+            <p:cNvPr id="14" name="Rectangle 13"/>
+            <p:cNvSpPr/>
+            <p:nvPr/>
+          </p:nvSpPr>
+          <p:spPr>
+            <a:xfrm>
+              <a:off x="2644584" y="5071094"/>
+              <a:ext cx="138113" cy="335757"/>
+            </a:xfrm>
+            <a:prstGeom prst="rect">
+              <a:avLst/>
+            </a:prstGeom>
+            <a:solidFill>
+              <a:srgbClr val="EFA66B"/>
+            </a:solidFill>
+            <a:ln w="12700">
+              <a:solidFill>
+                <a:schemeClr val="tx1"/>
+              </a:solidFill>
+            </a:ln>
+          </p:spPr>
+          <p:style>
+            <a:lnRef idx="2">
+              <a:schemeClr val="accent1">
+                <a:shade val="50000"/>
+              </a:schemeClr>
+            </a:lnRef>
+            <a:fillRef idx="1">
+              <a:schemeClr val="accent1"/>
+            </a:fillRef>
+            <a:effectRef idx="0">
+              <a:schemeClr val="accent1"/>
+            </a:effectRef>
+            <a:fontRef idx="minor">
+              <a:schemeClr val="lt1"/>
+            </a:fontRef>
+          </p:style>
+          <p:txBody>
+            <a:bodyPr rtlCol="0" anchor="ctr"/>
+            <a:lstStyle/>
+            <a:p>
+              <a:pPr algn="ctr"/>
+              <a:endParaRPr lang="en-US"/>
+            </a:p>
+          </p:txBody>
+        </p:sp>
+        <p:sp>
+          <p:nvSpPr>
+            <p:cNvPr id="15" name="Rectangle 14"/>
+            <p:cNvSpPr/>
+            <p:nvPr/>
+          </p:nvSpPr>
+          <p:spPr>
+            <a:xfrm>
+              <a:off x="2970815" y="5135388"/>
+              <a:ext cx="138113" cy="335757"/>
+            </a:xfrm>
+            <a:prstGeom prst="rect">
+              <a:avLst/>
+            </a:prstGeom>
+            <a:solidFill>
+              <a:schemeClr val="bg1">
+                <a:lumMod val="65000"/>
+              </a:schemeClr>
+            </a:solidFill>
+            <a:ln w="12700">
+              <a:solidFill>
+                <a:schemeClr val="tx1"/>
+              </a:solidFill>
+            </a:ln>
+          </p:spPr>
+          <p:style>
+            <a:lnRef idx="2">
+              <a:schemeClr val="accent1">
+                <a:shade val="50000"/>
+              </a:schemeClr>
+            </a:lnRef>
+            <a:fillRef idx="1">
+              <a:schemeClr val="accent1"/>
+            </a:fillRef>
+            <a:effectRef idx="0">
+              <a:schemeClr val="accent1"/>
+            </a:effectRef>
+            <a:fontRef idx="minor">
+              <a:schemeClr val="lt1"/>
+            </a:fontRef>
+          </p:style>
+          <p:txBody>
+            <a:bodyPr rtlCol="0" anchor="ctr"/>
+            <a:lstStyle/>
+            <a:p>
+              <a:pPr algn="ctr"/>
+              <a:endParaRPr lang="en-US"/>
+            </a:p>
+          </p:txBody>
+        </p:sp>
+        <p:cxnSp>
+          <p:nvCxnSpPr>
+            <p:cNvPr id="3" name="Elbow Connector 2"/>
+            <p:cNvCxnSpPr/>
+            <p:nvPr/>
+          </p:nvCxnSpPr>
+          <p:spPr>
+            <a:xfrm rot="16200000" flipH="1">
+              <a:off x="2844609" y="4907979"/>
+              <a:ext cx="64294" cy="326231"/>
+            </a:xfrm>
+            <a:prstGeom prst="bentConnector3">
+              <a:avLst>
+                <a:gd name="adj1" fmla="val -82963"/>
+              </a:avLst>
+            </a:prstGeom>
+            <a:ln w="22225">
+              <a:solidFill>
+                <a:srgbClr val="0070C0"/>
+              </a:solidFill>
+              <a:miter lim="800000"/>
+              <a:headEnd w="med" len="sm"/>
+              <a:tailEnd type="triangle" w="med" len="sm"/>
+            </a:ln>
+          </p:spPr>
+          <p:style>
+            <a:lnRef idx="1">
+              <a:schemeClr val="accent1"/>
+            </a:lnRef>
+            <a:fillRef idx="0">
+              <a:schemeClr val="accent1"/>
+            </a:fillRef>
+            <a:effectRef idx="0">
+              <a:schemeClr val="accent1"/>
+            </a:effectRef>
+            <a:fontRef idx="minor">
+              <a:schemeClr val="tx1"/>
+            </a:fontRef>
+          </p:style>
+        </p:cxnSp>
+        <p:cxnSp>
+          <p:nvCxnSpPr>
+            <p:cNvPr id="19" name="Elbow Connector 18"/>
+            <p:cNvCxnSpPr/>
+            <p:nvPr/>
+          </p:nvCxnSpPr>
+          <p:spPr>
+            <a:xfrm rot="5400000" flipH="1">
+              <a:off x="2844608" y="5308028"/>
+              <a:ext cx="64294" cy="326231"/>
+            </a:xfrm>
+            <a:prstGeom prst="bentConnector3">
+              <a:avLst>
+                <a:gd name="adj1" fmla="val -84454"/>
+              </a:avLst>
+            </a:prstGeom>
+            <a:ln w="22225">
+              <a:solidFill>
+                <a:srgbClr val="0070C0"/>
+              </a:solidFill>
+              <a:miter lim="800000"/>
+              <a:headEnd w="med" len="sm"/>
+              <a:tailEnd type="triangle" w="med" len="sm"/>
+            </a:ln>
+          </p:spPr>
+          <p:style>
+            <a:lnRef idx="1">
+              <a:schemeClr val="accent1"/>
+            </a:lnRef>
+            <a:fillRef idx="0">
+              <a:schemeClr val="accent1"/>
+            </a:fillRef>
+            <a:effectRef idx="0">
+              <a:schemeClr val="accent1"/>
+            </a:effectRef>
+            <a:fontRef idx="minor">
+              <a:schemeClr val="tx1"/>
+            </a:fontRef>
+          </p:style>
+        </p:cxnSp>
+      </p:grpSp>
     </p:spTree>
     <p:extLst>
       <p:ext uri="{BB962C8B-B14F-4D97-AF65-F5344CB8AC3E}">
@@ -8084,22 +8733,19 @@
   <p:clrMapOvr>
     <a:masterClrMapping/>
   </p:clrMapOvr>
+  <p:timing>
+    <p:tnLst>
+      <p:par>
+        <p:cTn id="1" dur="indefinite" restart="never" nodeType="tmRoot"/>
+      </p:par>
+    </p:tnLst>
+  </p:timing>
 </p:sld>
 </file>
 
 <file path=ppt/slides/slide6.xml><?xml version="1.0" encoding="utf-8"?>
 <p:sld xmlns:a="http://schemas.openxmlformats.org/drawingml/2006/main" xmlns:r="http://schemas.openxmlformats.org/officeDocument/2006/relationships" xmlns:p="http://schemas.openxmlformats.org/presentationml/2006/main">
   <p:cSld>
-    <p:bg>
-      <p:bgPr>
-        <a:solidFill>
-          <a:schemeClr val="bg1">
-            <a:lumMod val="95000"/>
-          </a:schemeClr>
-        </a:solidFill>
-        <a:effectLst/>
-      </p:bgPr>
-    </p:bg>
     <p:spTree>
       <p:nvGrpSpPr>
         <p:cNvPr id="1" name=""/>
@@ -8122,8 +8768,8 @@
         </p:nvSpPr>
         <p:spPr>
           <a:xfrm>
-            <a:off x="2989072" y="781706"/>
-            <a:ext cx="3165867" cy="707886"/>
+            <a:off x="2661515" y="781706"/>
+            <a:ext cx="3820982" cy="707886"/>
           </a:xfrm>
           <a:prstGeom prst="rect">
             <a:avLst/>
@@ -8138,12 +8784,12 @@
           <a:p>
             <a:pPr algn="ctr"/>
             <a:r>
-              <a:rPr lang="en-US" sz="4000" dirty="0" smtClean="0"/>
-              <a:t>Reorient </a:t>
+              <a:rPr lang="en-US" sz="4000" dirty="0" err="1"/>
+              <a:t>Reorientate</a:t>
             </a:r>
             <a:r>
               <a:rPr lang="en-US" sz="4000" dirty="0"/>
-              <a:t>Icons</a:t>
+              <a:t> Icons</a:t>
             </a:r>
           </a:p>
         </p:txBody>
@@ -8185,7 +8831,7 @@
         </p:nvSpPr>
         <p:spPr>
           <a:xfrm>
-            <a:off x="4820247" y="2280924"/>
+            <a:off x="2540000" y="2271298"/>
             <a:ext cx="1662250" cy="369332"/>
           </a:xfrm>
           <a:prstGeom prst="rect">
@@ -8214,7 +8860,7 @@
         </p:nvSpPr>
         <p:spPr>
           <a:xfrm>
-            <a:off x="7261048" y="2280924"/>
+            <a:off x="4980801" y="2271298"/>
             <a:ext cx="1402372" cy="369332"/>
           </a:xfrm>
           <a:prstGeom prst="rect">
@@ -8243,7 +8889,7 @@
         </p:nvSpPr>
         <p:spPr>
           <a:xfrm>
-            <a:off x="771871" y="4718811"/>
+            <a:off x="7161724" y="2271298"/>
             <a:ext cx="1203727" cy="369332"/>
           </a:xfrm>
           <a:prstGeom prst="rect">
@@ -8272,7 +8918,7 @@
         </p:nvSpPr>
         <p:spPr>
           <a:xfrm>
-            <a:off x="2930672" y="4693975"/>
+            <a:off x="752871" y="4613617"/>
             <a:ext cx="1034257" cy="369332"/>
           </a:xfrm>
           <a:prstGeom prst="rect">
@@ -8295,39 +8941,42 @@
       </p:sp>
       <p:grpSp>
         <p:nvGrpSpPr>
-          <p:cNvPr id="60" name="Group 59"/>
+          <p:cNvPr id="10" name="Group 9"/>
           <p:cNvGrpSpPr/>
           <p:nvPr/>
         </p:nvGrpSpPr>
         <p:grpSpPr>
           <a:xfrm>
-            <a:off x="1026635" y="3373130"/>
-            <a:ext cx="486731" cy="507988"/>
-            <a:chOff x="3016088" y="3308560"/>
-            <a:chExt cx="486731" cy="507988"/>
+            <a:off x="3166337" y="3422336"/>
+            <a:ext cx="409575" cy="409575"/>
+            <a:chOff x="3166337" y="3422336"/>
+            <a:chExt cx="409575" cy="409575"/>
           </a:xfrm>
         </p:grpSpPr>
         <p:sp>
           <p:nvSpPr>
-            <p:cNvPr id="47" name="Rectangle 46"/>
+            <p:cNvPr id="91" name="Rectangle 90"/>
             <p:cNvSpPr/>
             <p:nvPr/>
           </p:nvSpPr>
           <p:spPr>
-            <a:xfrm>
-              <a:off x="3159091" y="3488531"/>
-              <a:ext cx="180975" cy="173832"/>
+            <a:xfrm rot="4575288">
+              <a:off x="3166336" y="3571957"/>
+              <a:ext cx="409575" cy="110333"/>
             </a:xfrm>
             <a:prstGeom prst="rect">
               <a:avLst/>
             </a:prstGeom>
             <a:solidFill>
-              <a:srgbClr val="E46B09"/>
+              <a:schemeClr val="bg1">
+                <a:alpha val="0"/>
+              </a:schemeClr>
             </a:solidFill>
             <a:ln w="12700">
               <a:solidFill>
                 <a:schemeClr val="tx1"/>
               </a:solidFill>
+              <a:prstDash val="dash"/>
             </a:ln>
           </p:spPr>
           <p:style>
@@ -8357,24 +9006,156 @@
         </p:sp>
         <p:sp>
           <p:nvSpPr>
-            <p:cNvPr id="52" name="Oval 51"/>
+            <p:cNvPr id="90" name="Rectangle 89"/>
             <p:cNvSpPr/>
             <p:nvPr/>
           </p:nvSpPr>
           <p:spPr>
             <a:xfrm>
-              <a:off x="3016088" y="3328614"/>
-              <a:ext cx="486731" cy="487934"/>
+              <a:off x="3166337" y="3575171"/>
+              <a:ext cx="409575" cy="110333"/>
+            </a:xfrm>
+            <a:prstGeom prst="rect">
+              <a:avLst/>
+            </a:prstGeom>
+            <a:solidFill>
+              <a:srgbClr val="0070C0"/>
+            </a:solidFill>
+            <a:ln w="12700">
+              <a:solidFill>
+                <a:schemeClr val="tx1"/>
+              </a:solidFill>
+              <a:prstDash val="solid"/>
+            </a:ln>
+          </p:spPr>
+          <p:style>
+            <a:lnRef idx="2">
+              <a:schemeClr val="accent1">
+                <a:shade val="50000"/>
+              </a:schemeClr>
+            </a:lnRef>
+            <a:fillRef idx="1">
+              <a:schemeClr val="accent1"/>
+            </a:fillRef>
+            <a:effectRef idx="0">
+              <a:schemeClr val="accent1"/>
+            </a:effectRef>
+            <a:fontRef idx="minor">
+              <a:schemeClr val="lt1"/>
+            </a:fontRef>
+          </p:style>
+          <p:txBody>
+            <a:bodyPr rtlCol="0" anchor="ctr"/>
+            <a:lstStyle/>
+            <a:p>
+              <a:pPr algn="ctr"/>
+              <a:endParaRPr lang="en-US"/>
+            </a:p>
+          </p:txBody>
+        </p:sp>
+      </p:grpSp>
+      <p:sp>
+        <p:nvSpPr>
+          <p:cNvPr id="159" name="TextBox 158"/>
+          <p:cNvSpPr txBox="1"/>
+          <p:nvPr/>
+        </p:nvSpPr>
+        <p:spPr>
+          <a:xfrm>
+            <a:off x="2298299" y="4613617"/>
+            <a:ext cx="2145652" cy="369332"/>
+          </a:xfrm>
+          <a:prstGeom prst="rect">
+            <a:avLst/>
+          </a:prstGeom>
+          <a:noFill/>
+        </p:spPr>
+        <p:txBody>
+          <a:bodyPr wrap="none" rtlCol="0">
+            <a:spAutoFit/>
+          </a:bodyPr>
+          <a:lstStyle/>
+          <a:p>
+            <a:r>
+              <a:rPr lang="en-US" dirty="0"/>
+              <a:t>Duplicate and Rotate</a:t>
+            </a:r>
+          </a:p>
+        </p:txBody>
+      </p:sp>
+      <p:grpSp>
+        <p:nvGrpSpPr>
+          <p:cNvPr id="8" name="Group 7"/>
+          <p:cNvGrpSpPr/>
+          <p:nvPr/>
+        </p:nvGrpSpPr>
+        <p:grpSpPr>
+          <a:xfrm>
+            <a:off x="7529499" y="3366403"/>
+            <a:ext cx="478645" cy="487364"/>
+            <a:chOff x="7529499" y="3366403"/>
+            <a:chExt cx="478645" cy="487364"/>
+          </a:xfrm>
+        </p:grpSpPr>
+        <p:cxnSp>
+          <p:nvCxnSpPr>
+            <p:cNvPr id="169" name="Straight Connector 168"/>
+            <p:cNvCxnSpPr>
+              <a:endCxn id="171" idx="7"/>
+            </p:cNvCxnSpPr>
+            <p:nvPr/>
+          </p:nvCxnSpPr>
+          <p:spPr>
+            <a:xfrm flipH="1">
+              <a:off x="7683971" y="3366403"/>
+              <a:ext cx="324173" cy="332892"/>
+            </a:xfrm>
+            <a:prstGeom prst="line">
+              <a:avLst/>
+            </a:prstGeom>
+            <a:ln w="12700">
+              <a:solidFill>
+                <a:schemeClr val="tx1"/>
+              </a:solidFill>
+              <a:prstDash val="dash"/>
+            </a:ln>
+          </p:spPr>
+          <p:style>
+            <a:lnRef idx="1">
+              <a:schemeClr val="accent1"/>
+            </a:lnRef>
+            <a:fillRef idx="0">
+              <a:schemeClr val="accent1"/>
+            </a:fillRef>
+            <a:effectRef idx="0">
+              <a:schemeClr val="accent1"/>
+            </a:effectRef>
+            <a:fontRef idx="minor">
+              <a:schemeClr val="tx1"/>
+            </a:fontRef>
+          </p:style>
+        </p:cxnSp>
+        <p:sp>
+          <p:nvSpPr>
+            <p:cNvPr id="171" name="Oval 170"/>
+            <p:cNvSpPr/>
+            <p:nvPr/>
+          </p:nvSpPr>
+          <p:spPr>
+            <a:xfrm>
+              <a:off x="7529499" y="3672792"/>
+              <a:ext cx="180975" cy="180975"/>
             </a:xfrm>
             <a:prstGeom prst="ellipse">
               <a:avLst/>
             </a:prstGeom>
-            <a:noFill/>
-            <a:ln w="19050">
+            <a:solidFill>
+              <a:srgbClr val="EFA66B"/>
+            </a:solidFill>
+            <a:ln w="12700">
               <a:solidFill>
                 <a:schemeClr val="tx1"/>
               </a:solidFill>
-              <a:prstDash val="dash"/>
             </a:ln>
           </p:spPr>
           <p:style>
@@ -8404,14 +9185,69 @@
         </p:sp>
         <p:sp>
           <p:nvSpPr>
-            <p:cNvPr id="49" name="Rectangle 48"/>
-            <p:cNvSpPr/>
+            <p:cNvPr id="172" name="Rectangle 171"/>
+            <p:cNvSpPr>
+              <a:spLocks noChangeAspect="1"/>
+            </p:cNvSpPr>
             <p:nvPr/>
           </p:nvSpPr>
           <p:spPr>
-            <a:xfrm rot="19174279">
-              <a:off x="3413300" y="3308560"/>
-              <a:ext cx="71771" cy="248207"/>
+            <a:xfrm rot="7267194">
+              <a:off x="7803485" y="3403980"/>
+              <a:ext cx="82551" cy="255022"/>
+            </a:xfrm>
+            <a:prstGeom prst="rect">
+              <a:avLst/>
+            </a:prstGeom>
+            <a:solidFill>
+              <a:srgbClr val="FFFFFF">
+                <a:alpha val="0"/>
+              </a:srgbClr>
+            </a:solidFill>
+            <a:ln w="12700">
+              <a:solidFill>
+                <a:schemeClr val="tx1"/>
+              </a:solidFill>
+              <a:prstDash val="dash"/>
+            </a:ln>
+          </p:spPr>
+          <p:style>
+            <a:lnRef idx="2">
+              <a:schemeClr val="accent1">
+                <a:shade val="50000"/>
+              </a:schemeClr>
+            </a:lnRef>
+            <a:fillRef idx="1">
+              <a:schemeClr val="accent1"/>
+            </a:fillRef>
+            <a:effectRef idx="0">
+              <a:schemeClr val="accent1"/>
+            </a:effectRef>
+            <a:fontRef idx="minor">
+              <a:schemeClr val="lt1"/>
+            </a:fontRef>
+          </p:style>
+          <p:txBody>
+            <a:bodyPr rtlCol="0" anchor="ctr"/>
+            <a:lstStyle/>
+            <a:p>
+              <a:pPr algn="ctr"/>
+              <a:endParaRPr lang="en-US"/>
+            </a:p>
+          </p:txBody>
+        </p:sp>
+        <p:sp>
+          <p:nvSpPr>
+            <p:cNvPr id="173" name="Rectangle 172"/>
+            <p:cNvSpPr>
+              <a:spLocks noChangeAspect="1"/>
+            </p:cNvSpPr>
+            <p:nvPr/>
+          </p:nvSpPr>
+          <p:spPr>
+            <a:xfrm rot="2647189">
+              <a:off x="7803485" y="3403978"/>
+              <a:ext cx="82551" cy="255022"/>
             </a:xfrm>
             <a:prstGeom prst="rect">
               <a:avLst/>
@@ -8453,55 +9289,58 @@
       </p:grpSp>
       <p:grpSp>
         <p:nvGrpSpPr>
-          <p:cNvPr id="89" name="Group 88"/>
+          <p:cNvPr id="32" name="Group 31"/>
           <p:cNvGrpSpPr/>
           <p:nvPr/>
         </p:nvGrpSpPr>
         <p:grpSpPr>
           <a:xfrm>
-            <a:off x="3116862" y="5541146"/>
-            <a:ext cx="559539" cy="311642"/>
-            <a:chOff x="4291068" y="3238762"/>
-            <a:chExt cx="559539" cy="311642"/>
+            <a:off x="3139732" y="5487659"/>
+            <a:ext cx="462781" cy="469792"/>
+            <a:chOff x="3139732" y="5487659"/>
+            <a:chExt cx="462781" cy="469792"/>
           </a:xfrm>
         </p:grpSpPr>
         <p:sp>
           <p:nvSpPr>
-            <p:cNvPr id="62" name="Rectangle 61"/>
-            <p:cNvSpPr/>
+            <p:cNvPr id="203" name="Arc 202"/>
+            <p:cNvSpPr>
+              <a:spLocks noChangeAspect="1"/>
+            </p:cNvSpPr>
             <p:nvPr/>
           </p:nvSpPr>
           <p:spPr>
             <a:xfrm>
-              <a:off x="4622007" y="3459956"/>
-              <a:ext cx="228600" cy="90448"/>
-            </a:xfrm>
-            <a:prstGeom prst="rect">
-              <a:avLst/>
-            </a:prstGeom>
-            <a:solidFill>
-              <a:srgbClr val="E46B09"/>
-            </a:solidFill>
+              <a:off x="3139732" y="5493432"/>
+              <a:ext cx="462781" cy="462781"/>
+            </a:xfrm>
+            <a:prstGeom prst="arc">
+              <a:avLst>
+                <a:gd name="adj1" fmla="val 16747602"/>
+                <a:gd name="adj2" fmla="val 4899949"/>
+              </a:avLst>
+            </a:prstGeom>
             <a:ln w="12700">
               <a:solidFill>
                 <a:schemeClr val="tx1"/>
               </a:solidFill>
-            </a:ln>
-          </p:spPr>
-          <p:style>
-            <a:lnRef idx="2">
-              <a:schemeClr val="accent1">
-                <a:shade val="50000"/>
-              </a:schemeClr>
-            </a:lnRef>
-            <a:fillRef idx="1">
-              <a:schemeClr val="accent1"/>
-            </a:fillRef>
-            <a:effectRef idx="0">
-              <a:schemeClr val="accent1"/>
-            </a:effectRef>
-            <a:fontRef idx="minor">
-              <a:schemeClr val="lt1"/>
+              <a:prstDash val="dash"/>
+              <a:headEnd type="none" w="med" len="med"/>
+              <a:tailEnd type="none" w="med" len="med"/>
+            </a:ln>
+          </p:spPr>
+          <p:style>
+            <a:lnRef idx="1">
+              <a:schemeClr val="accent1"/>
+            </a:lnRef>
+            <a:fillRef idx="0">
+              <a:schemeClr val="accent1"/>
+            </a:fillRef>
+            <a:effectRef idx="0">
+              <a:schemeClr val="accent1"/>
+            </a:effectRef>
+            <a:fontRef idx="minor">
+              <a:schemeClr val="tx1"/>
             </a:fontRef>
           </p:style>
           <p:txBody>
@@ -8515,28 +9354,186 @@
         </p:sp>
         <p:sp>
           <p:nvSpPr>
+            <p:cNvPr id="204" name="Oval 203"/>
+            <p:cNvSpPr/>
+            <p:nvPr/>
+          </p:nvSpPr>
+          <p:spPr>
+            <a:xfrm>
+              <a:off x="3280636" y="5635611"/>
+              <a:ext cx="180975" cy="180975"/>
+            </a:xfrm>
+            <a:prstGeom prst="ellipse">
+              <a:avLst/>
+            </a:prstGeom>
+            <a:solidFill>
+              <a:srgbClr val="EFA66B"/>
+            </a:solidFill>
+            <a:ln w="12700">
+              <a:solidFill>
+                <a:schemeClr val="tx1"/>
+              </a:solidFill>
+            </a:ln>
+          </p:spPr>
+          <p:style>
+            <a:lnRef idx="2">
+              <a:schemeClr val="accent1">
+                <a:shade val="50000"/>
+              </a:schemeClr>
+            </a:lnRef>
+            <a:fillRef idx="1">
+              <a:schemeClr val="accent1"/>
+            </a:fillRef>
+            <a:effectRef idx="0">
+              <a:schemeClr val="accent1"/>
+            </a:effectRef>
+            <a:fontRef idx="minor">
+              <a:schemeClr val="lt1"/>
+            </a:fontRef>
+          </p:style>
+          <p:txBody>
+            <a:bodyPr rtlCol="0" anchor="ctr"/>
+            <a:lstStyle/>
+            <a:p>
+              <a:pPr algn="ctr"/>
+              <a:endParaRPr lang="en-US"/>
+            </a:p>
+          </p:txBody>
+        </p:sp>
+        <p:sp>
+          <p:nvSpPr>
+            <p:cNvPr id="205" name="Oval 204"/>
+            <p:cNvSpPr/>
+            <p:nvPr/>
+          </p:nvSpPr>
+          <p:spPr>
+            <a:xfrm>
+              <a:off x="3454668" y="5487659"/>
+              <a:ext cx="121956" cy="121956"/>
+            </a:xfrm>
+            <a:prstGeom prst="ellipse">
+              <a:avLst/>
+            </a:prstGeom>
+            <a:solidFill>
+              <a:srgbClr val="0070C0"/>
+            </a:solidFill>
+            <a:ln w="12700">
+              <a:solidFill>
+                <a:schemeClr val="tx1"/>
+              </a:solidFill>
+              <a:prstDash val="solid"/>
+            </a:ln>
+          </p:spPr>
+          <p:style>
+            <a:lnRef idx="2">
+              <a:schemeClr val="accent1">
+                <a:shade val="50000"/>
+              </a:schemeClr>
+            </a:lnRef>
+            <a:fillRef idx="1">
+              <a:schemeClr val="accent1"/>
+            </a:fillRef>
+            <a:effectRef idx="0">
+              <a:schemeClr val="accent1"/>
+            </a:effectRef>
+            <a:fontRef idx="minor">
+              <a:schemeClr val="lt1"/>
+            </a:fontRef>
+          </p:style>
+          <p:txBody>
+            <a:bodyPr rtlCol="0" anchor="ctr"/>
+            <a:lstStyle/>
+            <a:p>
+              <a:pPr algn="ctr"/>
+              <a:endParaRPr lang="en-US"/>
+            </a:p>
+          </p:txBody>
+        </p:sp>
+        <p:sp>
+          <p:nvSpPr>
+            <p:cNvPr id="206" name="Oval 205"/>
+            <p:cNvSpPr/>
+            <p:nvPr/>
+          </p:nvSpPr>
+          <p:spPr>
+            <a:xfrm>
+              <a:off x="3462959" y="5835495"/>
+              <a:ext cx="121956" cy="121956"/>
+            </a:xfrm>
+            <a:prstGeom prst="ellipse">
+              <a:avLst/>
+            </a:prstGeom>
+            <a:solidFill>
+              <a:srgbClr val="0070C0"/>
+            </a:solidFill>
+            <a:ln w="12700">
+              <a:solidFill>
+                <a:schemeClr val="tx1"/>
+              </a:solidFill>
+            </a:ln>
+          </p:spPr>
+          <p:style>
+            <a:lnRef idx="2">
+              <a:schemeClr val="accent1">
+                <a:shade val="50000"/>
+              </a:schemeClr>
+            </a:lnRef>
+            <a:fillRef idx="1">
+              <a:schemeClr val="accent1"/>
+            </a:fillRef>
+            <a:effectRef idx="0">
+              <a:schemeClr val="accent1"/>
+            </a:effectRef>
+            <a:fontRef idx="minor">
+              <a:schemeClr val="lt1"/>
+            </a:fontRef>
+          </p:style>
+          <p:txBody>
+            <a:bodyPr rtlCol="0" anchor="ctr"/>
+            <a:lstStyle/>
+            <a:p>
+              <a:pPr algn="ctr"/>
+              <a:endParaRPr lang="en-US"/>
+            </a:p>
+          </p:txBody>
+        </p:sp>
+      </p:grpSp>
+      <p:grpSp>
+        <p:nvGrpSpPr>
+          <p:cNvPr id="34" name="Group 33"/>
+          <p:cNvGrpSpPr/>
+          <p:nvPr/>
+        </p:nvGrpSpPr>
+        <p:grpSpPr>
+          <a:xfrm>
+            <a:off x="990231" y="5458519"/>
+            <a:ext cx="559539" cy="309260"/>
+            <a:chOff x="990231" y="5458519"/>
+            <a:chExt cx="559539" cy="309260"/>
+          </a:xfrm>
+        </p:grpSpPr>
+        <p:sp>
+          <p:nvSpPr>
             <p:cNvPr id="64" name="Rectangle 63"/>
             <p:cNvSpPr/>
             <p:nvPr/>
           </p:nvSpPr>
           <p:spPr>
             <a:xfrm>
-              <a:off x="4622007" y="3238762"/>
+              <a:off x="1321170" y="5458519"/>
               <a:ext cx="228600" cy="90448"/>
             </a:xfrm>
             <a:prstGeom prst="rect">
               <a:avLst/>
             </a:prstGeom>
             <a:solidFill>
-              <a:srgbClr val="E46B09">
-                <a:alpha val="60000"/>
-              </a:srgbClr>
+              <a:srgbClr val="0070C0"/>
             </a:solidFill>
             <a:ln w="12700">
               <a:solidFill>
                 <a:schemeClr val="tx1"/>
               </a:solidFill>
-              <a:prstDash val="dash"/>
+              <a:prstDash val="solid"/>
             </a:ln>
           </p:spPr>
           <p:style>
@@ -8572,22 +9569,20 @@
           </p:nvSpPr>
           <p:spPr>
             <a:xfrm>
-              <a:off x="4291068" y="3457574"/>
+              <a:off x="990231" y="5677331"/>
               <a:ext cx="228600" cy="90448"/>
             </a:xfrm>
             <a:prstGeom prst="rect">
               <a:avLst/>
             </a:prstGeom>
             <a:solidFill>
-              <a:srgbClr val="E46B09">
-                <a:alpha val="60000"/>
-              </a:srgbClr>
+              <a:srgbClr val="0070C0"/>
             </a:solidFill>
             <a:ln w="12700">
               <a:solidFill>
                 <a:schemeClr val="tx1"/>
               </a:solidFill>
-              <a:prstDash val="dash"/>
+              <a:prstDash val="solid"/>
             </a:ln>
           </p:spPr>
           <p:style>
@@ -8617,17 +9612,14 @@
         </p:sp>
         <p:cxnSp>
           <p:nvCxnSpPr>
-            <p:cNvPr id="70" name="Straight Connector 69"/>
-            <p:cNvCxnSpPr>
-              <a:stCxn id="64" idx="3"/>
-              <a:endCxn id="62" idx="3"/>
-            </p:cNvCxnSpPr>
+            <p:cNvPr id="17" name="Straight Connector 16"/>
+            <p:cNvCxnSpPr/>
             <p:nvPr/>
           </p:nvCxnSpPr>
           <p:spPr>
             <a:xfrm>
-              <a:off x="4850607" y="3283986"/>
-              <a:ext cx="0" cy="221194"/>
+              <a:off x="1321170" y="5549635"/>
+              <a:ext cx="0" cy="135493"/>
             </a:xfrm>
             <a:prstGeom prst="line">
               <a:avLst/>
@@ -8656,17 +9648,101 @@
         </p:cxnSp>
         <p:cxnSp>
           <p:nvCxnSpPr>
-            <p:cNvPr id="72" name="Straight Connector 71"/>
-            <p:cNvCxnSpPr>
-              <a:stCxn id="64" idx="1"/>
-              <a:endCxn id="62" idx="1"/>
-            </p:cNvCxnSpPr>
+            <p:cNvPr id="23" name="Straight Connector 22"/>
+            <p:cNvCxnSpPr/>
             <p:nvPr/>
           </p:nvCxnSpPr>
           <p:spPr>
             <a:xfrm>
-              <a:off x="4622007" y="3283986"/>
-              <a:ext cx="0" cy="221194"/>
+              <a:off x="1204198" y="5677331"/>
+              <a:ext cx="117245" cy="0"/>
+            </a:xfrm>
+            <a:prstGeom prst="line">
+              <a:avLst/>
+            </a:prstGeom>
+            <a:ln w="12700">
+              <a:solidFill>
+                <a:schemeClr val="tx1"/>
+              </a:solidFill>
+              <a:prstDash val="dash"/>
+            </a:ln>
+          </p:spPr>
+          <p:style>
+            <a:lnRef idx="1">
+              <a:schemeClr val="accent1"/>
+            </a:lnRef>
+            <a:fillRef idx="0">
+              <a:schemeClr val="accent1"/>
+            </a:fillRef>
+            <a:effectRef idx="0">
+              <a:schemeClr val="accent1"/>
+            </a:effectRef>
+            <a:fontRef idx="minor">
+              <a:schemeClr val="tx1"/>
+            </a:fontRef>
+          </p:style>
+        </p:cxnSp>
+        <p:sp>
+          <p:nvSpPr>
+            <p:cNvPr id="55" name="Rectangle 54"/>
+            <p:cNvSpPr/>
+            <p:nvPr/>
+          </p:nvSpPr>
+          <p:spPr>
+            <a:xfrm>
+              <a:off x="1318696" y="5677331"/>
+              <a:ext cx="228600" cy="90448"/>
+            </a:xfrm>
+            <a:prstGeom prst="rect">
+              <a:avLst/>
+            </a:prstGeom>
+            <a:solidFill>
+              <a:schemeClr val="bg1">
+                <a:alpha val="0"/>
+              </a:schemeClr>
+            </a:solidFill>
+            <a:ln w="12700">
+              <a:solidFill>
+                <a:schemeClr val="tx1"/>
+              </a:solidFill>
+              <a:prstDash val="dash"/>
+            </a:ln>
+          </p:spPr>
+          <p:style>
+            <a:lnRef idx="2">
+              <a:schemeClr val="accent1">
+                <a:shade val="50000"/>
+              </a:schemeClr>
+            </a:lnRef>
+            <a:fillRef idx="1">
+              <a:schemeClr val="accent1"/>
+            </a:fillRef>
+            <a:effectRef idx="0">
+              <a:schemeClr val="accent1"/>
+            </a:effectRef>
+            <a:fontRef idx="minor">
+              <a:schemeClr val="lt1"/>
+            </a:fontRef>
+          </p:style>
+          <p:txBody>
+            <a:bodyPr rtlCol="0" anchor="ctr"/>
+            <a:lstStyle/>
+            <a:p>
+              <a:pPr algn="ctr"/>
+              <a:endParaRPr lang="en-US"/>
+            </a:p>
+          </p:txBody>
+        </p:sp>
+        <p:cxnSp>
+          <p:nvCxnSpPr>
+            <p:cNvPr id="57" name="Straight Connector 56"/>
+            <p:cNvCxnSpPr/>
+            <p:nvPr/>
+          </p:nvCxnSpPr>
+          <p:spPr>
+            <a:xfrm>
+              <a:off x="1204198" y="5766487"/>
+              <a:ext cx="117245" cy="0"/>
             </a:xfrm>
             <a:prstGeom prst="line">
               <a:avLst/>
@@ -8695,55 +9771,14 @@
         </p:cxnSp>
         <p:cxnSp>
           <p:nvCxnSpPr>
-            <p:cNvPr id="77" name="Straight Connector 76"/>
-            <p:cNvCxnSpPr>
-              <a:stCxn id="65" idx="0"/>
-            </p:cNvCxnSpPr>
+            <p:cNvPr id="58" name="Straight Connector 57"/>
+            <p:cNvCxnSpPr/>
             <p:nvPr/>
           </p:nvCxnSpPr>
           <p:spPr>
             <a:xfrm>
-              <a:off x="4405368" y="3457574"/>
-              <a:ext cx="324958" cy="2381"/>
-            </a:xfrm>
-            <a:prstGeom prst="line">
-              <a:avLst/>
-            </a:prstGeom>
-            <a:ln w="12700">
-              <a:solidFill>
-                <a:schemeClr val="tx1"/>
-              </a:solidFill>
-              <a:prstDash val="dash"/>
-            </a:ln>
-          </p:spPr>
-          <p:style>
-            <a:lnRef idx="1">
-              <a:schemeClr val="accent1"/>
-            </a:lnRef>
-            <a:fillRef idx="0">
-              <a:schemeClr val="accent1"/>
-            </a:fillRef>
-            <a:effectRef idx="0">
-              <a:schemeClr val="accent1"/>
-            </a:effectRef>
-            <a:fontRef idx="minor">
-              <a:schemeClr val="tx1"/>
-            </a:fontRef>
-          </p:style>
-        </p:cxnSp>
-        <p:cxnSp>
-          <p:nvCxnSpPr>
-            <p:cNvPr id="80" name="Straight Connector 79"/>
-            <p:cNvCxnSpPr>
-              <a:stCxn id="65" idx="2"/>
-              <a:endCxn id="62" idx="2"/>
-            </p:cNvCxnSpPr>
-            <p:nvPr/>
-          </p:nvCxnSpPr>
-          <p:spPr>
-            <a:xfrm>
-              <a:off x="4405368" y="3548022"/>
-              <a:ext cx="330939" cy="2382"/>
+              <a:off x="1547296" y="5544042"/>
+              <a:ext cx="0" cy="135493"/>
             </a:xfrm>
             <a:prstGeom prst="line">
               <a:avLst/>
@@ -8773,58 +9808,58 @@
       </p:grpSp>
       <p:grpSp>
         <p:nvGrpSpPr>
-          <p:cNvPr id="117" name="Group 116"/>
+          <p:cNvPr id="11" name="Group 10"/>
           <p:cNvGrpSpPr/>
           <p:nvPr/>
         </p:nvGrpSpPr>
         <p:grpSpPr>
           <a:xfrm>
-            <a:off x="5446584" y="3431962"/>
-            <a:ext cx="409575" cy="409575"/>
-            <a:chOff x="3166337" y="3543806"/>
-            <a:chExt cx="409575" cy="409575"/>
+            <a:off x="1008854" y="3387747"/>
+            <a:ext cx="462783" cy="469792"/>
+            <a:chOff x="1008854" y="3387747"/>
+            <a:chExt cx="462783" cy="469792"/>
           </a:xfrm>
         </p:grpSpPr>
         <p:sp>
           <p:nvSpPr>
-            <p:cNvPr id="91" name="Rectangle 90"/>
-            <p:cNvSpPr/>
+            <p:cNvPr id="86" name="Arc 85"/>
+            <p:cNvSpPr>
+              <a:spLocks noChangeAspect="1"/>
+            </p:cNvSpPr>
             <p:nvPr/>
           </p:nvSpPr>
           <p:spPr>
-            <a:xfrm rot="4575288">
-              <a:off x="3166336" y="3680727"/>
-              <a:ext cx="409575" cy="135733"/>
-            </a:xfrm>
-            <a:prstGeom prst="rect">
-              <a:avLst/>
-            </a:prstGeom>
-            <a:solidFill>
-              <a:srgbClr val="E46B09">
-                <a:alpha val="60000"/>
-              </a:srgbClr>
-            </a:solidFill>
+            <a:xfrm>
+              <a:off x="1008856" y="3393520"/>
+              <a:ext cx="462781" cy="462781"/>
+            </a:xfrm>
+            <a:prstGeom prst="arc">
+              <a:avLst>
+                <a:gd name="adj1" fmla="val 16747602"/>
+                <a:gd name="adj2" fmla="val 17718937"/>
+              </a:avLst>
+            </a:prstGeom>
             <a:ln w="12700">
               <a:solidFill>
                 <a:schemeClr val="tx1"/>
               </a:solidFill>
               <a:prstDash val="dash"/>
-            </a:ln>
-          </p:spPr>
-          <p:style>
-            <a:lnRef idx="2">
-              <a:schemeClr val="accent1">
-                <a:shade val="50000"/>
-              </a:schemeClr>
-            </a:lnRef>
-            <a:fillRef idx="1">
-              <a:schemeClr val="accent1"/>
-            </a:fillRef>
-            <a:effectRef idx="0">
-              <a:schemeClr val="accent1"/>
-            </a:effectRef>
-            <a:fontRef idx="minor">
-              <a:schemeClr val="lt1"/>
+              <a:headEnd type="none" w="med" len="med"/>
+              <a:tailEnd type="none" w="med" len="med"/>
+            </a:ln>
+          </p:spPr>
+          <p:style>
+            <a:lnRef idx="1">
+              <a:schemeClr val="accent1"/>
+            </a:lnRef>
+            <a:fillRef idx="0">
+              <a:schemeClr val="accent1"/>
+            </a:fillRef>
+            <a:effectRef idx="0">
+              <a:schemeClr val="accent1"/>
+            </a:effectRef>
+            <a:fontRef idx="minor">
+              <a:schemeClr val="tx1"/>
             </a:fontRef>
           </p:style>
           <p:txBody>
@@ -8838,165 +9873,25 @@
         </p:sp>
         <p:sp>
           <p:nvSpPr>
-            <p:cNvPr id="90" name="Rectangle 89"/>
+            <p:cNvPr id="94" name="Oval 93"/>
             <p:cNvSpPr/>
             <p:nvPr/>
           </p:nvSpPr>
           <p:spPr>
             <a:xfrm>
-              <a:off x="3166337" y="3683941"/>
-              <a:ext cx="409575" cy="135733"/>
-            </a:xfrm>
-            <a:prstGeom prst="rect">
+              <a:off x="1149760" y="3535699"/>
+              <a:ext cx="180975" cy="180975"/>
+            </a:xfrm>
+            <a:prstGeom prst="ellipse">
               <a:avLst/>
             </a:prstGeom>
             <a:solidFill>
-              <a:srgbClr val="E46B09"/>
+              <a:srgbClr val="EFA66B"/>
             </a:solidFill>
             <a:ln w="12700">
               <a:solidFill>
                 <a:schemeClr val="tx1"/>
               </a:solidFill>
-            </a:ln>
-          </p:spPr>
-          <p:style>
-            <a:lnRef idx="2">
-              <a:schemeClr val="accent1">
-                <a:shade val="50000"/>
-              </a:schemeClr>
-            </a:lnRef>
-            <a:fillRef idx="1">
-              <a:schemeClr val="accent1"/>
-            </a:fillRef>
-            <a:effectRef idx="0">
-              <a:schemeClr val="accent1"/>
-            </a:effectRef>
-            <a:fontRef idx="minor">
-              <a:schemeClr val="lt1"/>
-            </a:fontRef>
-          </p:style>
-          <p:txBody>
-            <a:bodyPr rtlCol="0" anchor="ctr"/>
-            <a:lstStyle/>
-            <a:p>
-              <a:pPr algn="ctr"/>
-              <a:endParaRPr lang="en-US"/>
-            </a:p>
-          </p:txBody>
-        </p:sp>
-        <p:cxnSp>
-          <p:nvCxnSpPr>
-            <p:cNvPr id="93" name="Straight Arrow Connector 92"/>
-            <p:cNvCxnSpPr/>
-            <p:nvPr/>
-          </p:nvCxnSpPr>
-          <p:spPr>
-            <a:xfrm flipV="1">
-              <a:off x="3506856" y="3838724"/>
-              <a:ext cx="69056" cy="64293"/>
-            </a:xfrm>
-            <a:prstGeom prst="straightConnector1">
-              <a:avLst/>
-            </a:prstGeom>
-            <a:ln w="19050">
-              <a:solidFill>
-                <a:schemeClr val="tx1"/>
-              </a:solidFill>
-              <a:tailEnd type="triangle"/>
-            </a:ln>
-          </p:spPr>
-          <p:style>
-            <a:lnRef idx="1">
-              <a:schemeClr val="accent1"/>
-            </a:lnRef>
-            <a:fillRef idx="0">
-              <a:schemeClr val="accent1"/>
-            </a:fillRef>
-            <a:effectRef idx="0">
-              <a:schemeClr val="accent1"/>
-            </a:effectRef>
-            <a:fontRef idx="minor">
-              <a:schemeClr val="tx1"/>
-            </a:fontRef>
-          </p:style>
-        </p:cxnSp>
-        <p:cxnSp>
-          <p:nvCxnSpPr>
-            <p:cNvPr id="95" name="Straight Arrow Connector 94"/>
-            <p:cNvCxnSpPr/>
-            <p:nvPr/>
-          </p:nvCxnSpPr>
-          <p:spPr>
-            <a:xfrm flipH="1">
-              <a:off x="3183006" y="3594951"/>
-              <a:ext cx="68147" cy="69941"/>
-            </a:xfrm>
-            <a:prstGeom prst="straightConnector1">
-              <a:avLst/>
-            </a:prstGeom>
-            <a:ln w="19050">
-              <a:solidFill>
-                <a:schemeClr val="tx1"/>
-              </a:solidFill>
-              <a:tailEnd type="triangle"/>
-            </a:ln>
-          </p:spPr>
-          <p:style>
-            <a:lnRef idx="1">
-              <a:schemeClr val="accent1"/>
-            </a:lnRef>
-            <a:fillRef idx="0">
-              <a:schemeClr val="accent1"/>
-            </a:fillRef>
-            <a:effectRef idx="0">
-              <a:schemeClr val="accent1"/>
-            </a:effectRef>
-            <a:fontRef idx="minor">
-              <a:schemeClr val="tx1"/>
-            </a:fontRef>
-          </p:style>
-        </p:cxnSp>
-      </p:grpSp>
-      <p:grpSp>
-        <p:nvGrpSpPr>
-          <p:cNvPr id="116" name="Group 115"/>
-          <p:cNvGrpSpPr/>
-          <p:nvPr/>
-        </p:nvGrpSpPr>
-        <p:grpSpPr>
-          <a:xfrm>
-            <a:off x="7756255" y="3430771"/>
-            <a:ext cx="411957" cy="411957"/>
-            <a:chOff x="7211305" y="6260306"/>
-            <a:chExt cx="411957" cy="411957"/>
-          </a:xfrm>
-        </p:grpSpPr>
-        <p:sp>
-          <p:nvSpPr>
-            <p:cNvPr id="101" name="Rectangle 100"/>
-            <p:cNvSpPr/>
-            <p:nvPr/>
-          </p:nvSpPr>
-          <p:spPr>
-            <a:xfrm rot="4606391">
-              <a:off x="7350608" y="6260305"/>
-              <a:ext cx="133351" cy="411957"/>
-            </a:xfrm>
-            <a:prstGeom prst="rect">
-              <a:avLst/>
-            </a:prstGeom>
-            <a:solidFill>
-              <a:srgbClr val="E46B09">
-                <a:alpha val="60000"/>
-              </a:srgbClr>
-            </a:solidFill>
-            <a:ln w="12700">
-              <a:solidFill>
-                <a:schemeClr val="tx1">
-                  <a:alpha val="60000"/>
-                </a:schemeClr>
-              </a:solidFill>
-              <a:prstDash val="dash"/>
             </a:ln>
           </p:spPr>
           <p:style>
@@ -9026,25 +9921,28 @@
         </p:sp>
         <p:sp>
           <p:nvSpPr>
-            <p:cNvPr id="100" name="Rectangle 99"/>
+            <p:cNvPr id="96" name="Oval 95"/>
             <p:cNvSpPr/>
             <p:nvPr/>
           </p:nvSpPr>
           <p:spPr>
             <a:xfrm>
-              <a:off x="7353300" y="6260306"/>
-              <a:ext cx="133351" cy="411957"/>
-            </a:xfrm>
-            <a:prstGeom prst="rect">
+              <a:off x="1323792" y="3387747"/>
+              <a:ext cx="121956" cy="121956"/>
+            </a:xfrm>
+            <a:prstGeom prst="ellipse">
               <a:avLst/>
             </a:prstGeom>
             <a:solidFill>
-              <a:srgbClr val="E46B09"/>
+              <a:schemeClr val="bg1">
+                <a:alpha val="0"/>
+              </a:schemeClr>
             </a:solidFill>
             <a:ln w="12700">
               <a:solidFill>
                 <a:schemeClr val="tx1"/>
               </a:solidFill>
+              <a:prstDash val="dash"/>
             </a:ln>
           </p:spPr>
           <p:style>
@@ -9072,109 +9970,22 @@
             </a:p>
           </p:txBody>
         </p:sp>
-        <p:cxnSp>
-          <p:nvCxnSpPr>
-            <p:cNvPr id="103" name="Straight Arrow Connector 102"/>
-            <p:cNvCxnSpPr/>
-            <p:nvPr/>
-          </p:nvCxnSpPr>
-          <p:spPr>
-            <a:xfrm flipH="1" flipV="1">
-              <a:off x="7505700" y="6260306"/>
-              <a:ext cx="76200" cy="73819"/>
-            </a:xfrm>
-            <a:prstGeom prst="straightConnector1">
-              <a:avLst/>
-            </a:prstGeom>
-            <a:ln w="19050">
-              <a:solidFill>
-                <a:schemeClr val="tx1"/>
-              </a:solidFill>
-              <a:tailEnd type="triangle"/>
-            </a:ln>
-          </p:spPr>
-          <p:style>
-            <a:lnRef idx="1">
-              <a:schemeClr val="accent1"/>
-            </a:lnRef>
-            <a:fillRef idx="0">
-              <a:schemeClr val="accent1"/>
-            </a:fillRef>
-            <a:effectRef idx="0">
-              <a:schemeClr val="accent1"/>
-            </a:effectRef>
-            <a:fontRef idx="minor">
-              <a:schemeClr val="tx1"/>
-            </a:fontRef>
-          </p:style>
-        </p:cxnSp>
-        <p:cxnSp>
-          <p:nvCxnSpPr>
-            <p:cNvPr id="108" name="Straight Arrow Connector 107"/>
-            <p:cNvCxnSpPr/>
-            <p:nvPr/>
-          </p:nvCxnSpPr>
-          <p:spPr>
-            <a:xfrm>
-              <a:off x="7262814" y="6589036"/>
-              <a:ext cx="71437" cy="72511"/>
-            </a:xfrm>
-            <a:prstGeom prst="straightConnector1">
-              <a:avLst/>
-            </a:prstGeom>
-            <a:ln w="19050">
-              <a:solidFill>
-                <a:schemeClr val="tx1"/>
-              </a:solidFill>
-              <a:tailEnd type="triangle"/>
-            </a:ln>
-          </p:spPr>
-          <p:style>
-            <a:lnRef idx="1">
-              <a:schemeClr val="accent1"/>
-            </a:lnRef>
-            <a:fillRef idx="0">
-              <a:schemeClr val="accent1"/>
-            </a:fillRef>
-            <a:effectRef idx="0">
-              <a:schemeClr val="accent1"/>
-            </a:effectRef>
-            <a:fontRef idx="minor">
-              <a:schemeClr val="tx1"/>
-            </a:fontRef>
-          </p:style>
-        </p:cxnSp>
-      </p:grpSp>
-      <p:grpSp>
-        <p:nvGrpSpPr>
-          <p:cNvPr id="267" name="Group 266"/>
-          <p:cNvGrpSpPr/>
-          <p:nvPr/>
-        </p:nvGrpSpPr>
-        <p:grpSpPr>
-          <a:xfrm>
-            <a:off x="1009530" y="5273759"/>
-            <a:ext cx="520939" cy="531355"/>
-            <a:chOff x="5824134" y="5895605"/>
-            <a:chExt cx="520939" cy="531355"/>
-          </a:xfrm>
-        </p:grpSpPr>
         <p:sp>
           <p:nvSpPr>
-            <p:cNvPr id="118" name="Rectangle 117"/>
+            <p:cNvPr id="98" name="Oval 97"/>
             <p:cNvSpPr/>
             <p:nvPr/>
           </p:nvSpPr>
           <p:spPr>
             <a:xfrm>
-              <a:off x="6017980" y="6088856"/>
-              <a:ext cx="142876" cy="142875"/>
-            </a:xfrm>
-            <a:prstGeom prst="rect">
+              <a:off x="1332083" y="3735583"/>
+              <a:ext cx="121956" cy="121956"/>
+            </a:xfrm>
+            <a:prstGeom prst="ellipse">
               <a:avLst/>
             </a:prstGeom>
             <a:solidFill>
-              <a:srgbClr val="E46B09"/>
+              <a:srgbClr val="0070C0"/>
             </a:solidFill>
             <a:ln w="12700">
               <a:solidFill>
@@ -9207,866 +10018,233 @@
             </a:p>
           </p:txBody>
         </p:sp>
-        <p:grpSp>
-          <p:nvGrpSpPr>
-            <p:cNvPr id="131" name="Group 130"/>
-            <p:cNvGrpSpPr/>
-            <p:nvPr/>
-          </p:nvGrpSpPr>
-          <p:grpSpPr>
-            <a:xfrm>
-              <a:off x="6001392" y="6271080"/>
-              <a:ext cx="155880" cy="155880"/>
-              <a:chOff x="6177194" y="5096973"/>
-              <a:chExt cx="411957" cy="411957"/>
-            </a:xfrm>
-          </p:grpSpPr>
-          <p:sp>
-            <p:nvSpPr>
-              <p:cNvPr id="121" name="Rectangle 120"/>
-              <p:cNvSpPr/>
-              <p:nvPr/>
-            </p:nvSpPr>
-            <p:spPr>
-              <a:xfrm rot="4606391">
-                <a:off x="6316497" y="5096972"/>
-                <a:ext cx="133351" cy="411957"/>
-              </a:xfrm>
-              <a:prstGeom prst="rect">
-                <a:avLst/>
-              </a:prstGeom>
-              <a:solidFill>
-                <a:srgbClr val="0070C0">
-                  <a:alpha val="60000"/>
-                </a:srgbClr>
-              </a:solidFill>
-              <a:ln w="12700">
-                <a:solidFill>
-                  <a:schemeClr val="tx1">
-                    <a:alpha val="60000"/>
-                  </a:schemeClr>
-                </a:solidFill>
-                <a:prstDash val="dash"/>
-              </a:ln>
-            </p:spPr>
-            <p:style>
-              <a:lnRef idx="2">
-                <a:schemeClr val="accent1">
-                  <a:shade val="50000"/>
-                </a:schemeClr>
-              </a:lnRef>
-              <a:fillRef idx="1">
-                <a:schemeClr val="accent1"/>
-              </a:fillRef>
-              <a:effectRef idx="0">
-                <a:schemeClr val="accent1"/>
-              </a:effectRef>
-              <a:fontRef idx="minor">
-                <a:schemeClr val="lt1"/>
-              </a:fontRef>
-            </p:style>
-            <p:txBody>
-              <a:bodyPr rtlCol="0" anchor="ctr"/>
-              <a:lstStyle/>
-              <a:p>
-                <a:pPr algn="ctr"/>
-                <a:endParaRPr lang="en-US"/>
-              </a:p>
-            </p:txBody>
-          </p:sp>
-          <p:sp>
-            <p:nvSpPr>
-              <p:cNvPr id="122" name="Rectangle 121"/>
-              <p:cNvSpPr/>
-              <p:nvPr/>
-            </p:nvSpPr>
-            <p:spPr>
-              <a:xfrm>
-                <a:off x="6319189" y="5096973"/>
-                <a:ext cx="133351" cy="411957"/>
-              </a:xfrm>
-              <a:prstGeom prst="rect">
-                <a:avLst/>
-              </a:prstGeom>
-              <a:solidFill>
-                <a:srgbClr val="0070C0"/>
-              </a:solidFill>
-              <a:ln w="12700">
-                <a:solidFill>
-                  <a:schemeClr val="tx1"/>
-                </a:solidFill>
-              </a:ln>
-            </p:spPr>
-            <p:style>
-              <a:lnRef idx="2">
-                <a:schemeClr val="accent1">
-                  <a:shade val="50000"/>
-                </a:schemeClr>
-              </a:lnRef>
-              <a:fillRef idx="1">
-                <a:schemeClr val="accent1"/>
-              </a:fillRef>
-              <a:effectRef idx="0">
-                <a:schemeClr val="accent1"/>
-              </a:effectRef>
-              <a:fontRef idx="minor">
-                <a:schemeClr val="lt1"/>
-              </a:fontRef>
-            </p:style>
-            <p:txBody>
-              <a:bodyPr rtlCol="0" anchor="ctr"/>
-              <a:lstStyle/>
-              <a:p>
-                <a:pPr algn="ctr"/>
-                <a:endParaRPr lang="en-US"/>
-              </a:p>
-            </p:txBody>
-          </p:sp>
-          <p:sp>
-            <p:nvSpPr>
-              <p:cNvPr id="127" name="Isosceles Triangle 126"/>
-              <p:cNvSpPr/>
-              <p:nvPr/>
-            </p:nvSpPr>
-            <p:spPr>
-              <a:xfrm rot="18759584">
-                <a:off x="6490864" y="5108865"/>
-                <a:ext cx="52387" cy="45719"/>
-              </a:xfrm>
-              <a:prstGeom prst="triangle">
-                <a:avLst/>
-              </a:prstGeom>
+        <p:sp>
+          <p:nvSpPr>
+            <p:cNvPr id="41" name="Arc 40"/>
+            <p:cNvSpPr>
+              <a:spLocks noChangeAspect="1"/>
+            </p:cNvSpPr>
+            <p:nvPr/>
+          </p:nvSpPr>
+          <p:spPr>
+            <a:xfrm rot="2928815">
+              <a:off x="1008855" y="3393519"/>
+              <a:ext cx="462781" cy="462781"/>
+            </a:xfrm>
+            <a:prstGeom prst="arc">
+              <a:avLst>
+                <a:gd name="adj1" fmla="val 16747602"/>
+                <a:gd name="adj2" fmla="val 20557486"/>
+              </a:avLst>
+            </a:prstGeom>
+            <a:ln w="12700">
               <a:solidFill>
                 <a:schemeClr val="tx1"/>
               </a:solidFill>
-              <a:ln w="12700">
-                <a:solidFill>
-                  <a:schemeClr val="tx1"/>
-                </a:solidFill>
-              </a:ln>
-            </p:spPr>
-            <p:style>
-              <a:lnRef idx="2">
-                <a:schemeClr val="accent1">
-                  <a:shade val="50000"/>
-                </a:schemeClr>
-              </a:lnRef>
-              <a:fillRef idx="1">
-                <a:schemeClr val="accent1"/>
-              </a:fillRef>
-              <a:effectRef idx="0">
-                <a:schemeClr val="accent1"/>
-              </a:effectRef>
-              <a:fontRef idx="minor">
-                <a:schemeClr val="lt1"/>
-              </a:fontRef>
-            </p:style>
-            <p:txBody>
-              <a:bodyPr rtlCol="0" anchor="ctr"/>
-              <a:lstStyle/>
-              <a:p>
-                <a:pPr algn="ctr"/>
-                <a:endParaRPr lang="en-US"/>
-              </a:p>
-            </p:txBody>
-          </p:sp>
-          <p:sp>
-            <p:nvSpPr>
-              <p:cNvPr id="130" name="Isosceles Triangle 129"/>
-              <p:cNvSpPr/>
-              <p:nvPr/>
-            </p:nvSpPr>
-            <p:spPr>
-              <a:xfrm rot="7659000">
-                <a:off x="6228940" y="5446182"/>
-                <a:ext cx="52387" cy="45719"/>
-              </a:xfrm>
-              <a:prstGeom prst="triangle">
-                <a:avLst/>
-              </a:prstGeom>
+              <a:prstDash val="dash"/>
+              <a:headEnd type="none" w="med" len="med"/>
+              <a:tailEnd type="none" w="med" len="med"/>
+            </a:ln>
+          </p:spPr>
+          <p:style>
+            <a:lnRef idx="1">
+              <a:schemeClr val="accent1"/>
+            </a:lnRef>
+            <a:fillRef idx="0">
+              <a:schemeClr val="accent1"/>
+            </a:fillRef>
+            <a:effectRef idx="0">
+              <a:schemeClr val="accent1"/>
+            </a:effectRef>
+            <a:fontRef idx="minor">
+              <a:schemeClr val="tx1"/>
+            </a:fontRef>
+          </p:style>
+          <p:txBody>
+            <a:bodyPr rtlCol="0" anchor="ctr"/>
+            <a:lstStyle/>
+            <a:p>
+              <a:pPr algn="ctr"/>
+              <a:endParaRPr lang="en-US"/>
+            </a:p>
+          </p:txBody>
+        </p:sp>
+        <p:sp>
+          <p:nvSpPr>
+            <p:cNvPr id="43" name="Arc 42"/>
+            <p:cNvSpPr>
+              <a:spLocks noChangeAspect="1"/>
+            </p:cNvSpPr>
+            <p:nvPr/>
+          </p:nvSpPr>
+          <p:spPr>
+            <a:xfrm rot="8918785">
+              <a:off x="1008854" y="3391742"/>
+              <a:ext cx="462781" cy="462781"/>
+            </a:xfrm>
+            <a:prstGeom prst="arc">
+              <a:avLst>
+                <a:gd name="adj1" fmla="val 16747602"/>
+                <a:gd name="adj2" fmla="val 17718937"/>
+              </a:avLst>
+            </a:prstGeom>
+            <a:ln w="12700">
               <a:solidFill>
                 <a:schemeClr val="tx1"/>
               </a:solidFill>
-              <a:ln w="12700">
-                <a:solidFill>
-                  <a:schemeClr val="tx1"/>
-                </a:solidFill>
-              </a:ln>
-            </p:spPr>
-            <p:style>
-              <a:lnRef idx="2">
-                <a:schemeClr val="accent1">
-                  <a:shade val="50000"/>
-                </a:schemeClr>
-              </a:lnRef>
-              <a:fillRef idx="1">
-                <a:schemeClr val="accent1"/>
-              </a:fillRef>
-              <a:effectRef idx="0">
-                <a:schemeClr val="accent1"/>
-              </a:effectRef>
-              <a:fontRef idx="minor">
-                <a:schemeClr val="lt1"/>
-              </a:fontRef>
-            </p:style>
-            <p:txBody>
-              <a:bodyPr rtlCol="0" anchor="ctr"/>
-              <a:lstStyle/>
-              <a:p>
-                <a:pPr algn="ctr"/>
-                <a:endParaRPr lang="en-US"/>
-              </a:p>
-            </p:txBody>
-          </p:sp>
-        </p:grpSp>
-        <p:grpSp>
-          <p:nvGrpSpPr>
-            <p:cNvPr id="132" name="Group 131"/>
-            <p:cNvGrpSpPr>
-              <a:grpSpLocks/>
-            </p:cNvGrpSpPr>
-            <p:nvPr/>
-          </p:nvGrpSpPr>
-          <p:grpSpPr>
-            <a:xfrm flipH="1">
-              <a:off x="6001392" y="5895605"/>
-              <a:ext cx="155880" cy="155880"/>
-              <a:chOff x="6177194" y="5096973"/>
-              <a:chExt cx="411957" cy="411957"/>
-            </a:xfrm>
-          </p:grpSpPr>
-          <p:sp>
-            <p:nvSpPr>
-              <p:cNvPr id="133" name="Rectangle 132"/>
-              <p:cNvSpPr/>
-              <p:nvPr/>
-            </p:nvSpPr>
-            <p:spPr>
-              <a:xfrm rot="4606391">
-                <a:off x="6316497" y="5096972"/>
-                <a:ext cx="133351" cy="411957"/>
-              </a:xfrm>
-              <a:prstGeom prst="rect">
-                <a:avLst/>
-              </a:prstGeom>
-              <a:solidFill>
-                <a:srgbClr val="0070C0">
-                  <a:alpha val="60000"/>
-                </a:srgbClr>
-              </a:solidFill>
-              <a:ln w="12700">
-                <a:solidFill>
-                  <a:schemeClr val="tx1">
-                    <a:alpha val="60000"/>
-                  </a:schemeClr>
-                </a:solidFill>
-                <a:prstDash val="dash"/>
-              </a:ln>
-            </p:spPr>
-            <p:style>
-              <a:lnRef idx="2">
-                <a:schemeClr val="accent1">
-                  <a:shade val="50000"/>
-                </a:schemeClr>
-              </a:lnRef>
-              <a:fillRef idx="1">
-                <a:schemeClr val="accent1"/>
-              </a:fillRef>
-              <a:effectRef idx="0">
-                <a:schemeClr val="accent1"/>
-              </a:effectRef>
-              <a:fontRef idx="minor">
-                <a:schemeClr val="lt1"/>
-              </a:fontRef>
-            </p:style>
-            <p:txBody>
-              <a:bodyPr rtlCol="0" anchor="ctr"/>
-              <a:lstStyle/>
-              <a:p>
-                <a:pPr algn="ctr"/>
-                <a:endParaRPr lang="en-US"/>
-              </a:p>
-            </p:txBody>
-          </p:sp>
-          <p:sp>
-            <p:nvSpPr>
-              <p:cNvPr id="134" name="Rectangle 133"/>
-              <p:cNvSpPr/>
-              <p:nvPr/>
-            </p:nvSpPr>
-            <p:spPr>
-              <a:xfrm>
-                <a:off x="6319189" y="5096973"/>
-                <a:ext cx="133351" cy="411957"/>
-              </a:xfrm>
-              <a:prstGeom prst="rect">
-                <a:avLst/>
-              </a:prstGeom>
-              <a:solidFill>
-                <a:srgbClr val="0070C0"/>
-              </a:solidFill>
-              <a:ln w="12700">
-                <a:solidFill>
-                  <a:schemeClr val="tx1"/>
-                </a:solidFill>
-              </a:ln>
-            </p:spPr>
-            <p:style>
-              <a:lnRef idx="2">
-                <a:schemeClr val="accent1">
-                  <a:shade val="50000"/>
-                </a:schemeClr>
-              </a:lnRef>
-              <a:fillRef idx="1">
-                <a:schemeClr val="accent1"/>
-              </a:fillRef>
-              <a:effectRef idx="0">
-                <a:schemeClr val="accent1"/>
-              </a:effectRef>
-              <a:fontRef idx="minor">
-                <a:schemeClr val="lt1"/>
-              </a:fontRef>
-            </p:style>
-            <p:txBody>
-              <a:bodyPr rtlCol="0" anchor="ctr"/>
-              <a:lstStyle/>
-              <a:p>
-                <a:pPr algn="ctr"/>
-                <a:endParaRPr lang="en-US"/>
-              </a:p>
-            </p:txBody>
-          </p:sp>
-          <p:sp>
-            <p:nvSpPr>
-              <p:cNvPr id="135" name="Isosceles Triangle 134"/>
-              <p:cNvSpPr/>
-              <p:nvPr/>
-            </p:nvSpPr>
-            <p:spPr>
-              <a:xfrm rot="18759584">
-                <a:off x="6490864" y="5108865"/>
-                <a:ext cx="52387" cy="45719"/>
-              </a:xfrm>
-              <a:prstGeom prst="triangle">
-                <a:avLst/>
-              </a:prstGeom>
+              <a:prstDash val="dash"/>
+              <a:headEnd type="none" w="med" len="med"/>
+              <a:tailEnd type="none" w="med" len="med"/>
+            </a:ln>
+          </p:spPr>
+          <p:style>
+            <a:lnRef idx="1">
+              <a:schemeClr val="accent1"/>
+            </a:lnRef>
+            <a:fillRef idx="0">
+              <a:schemeClr val="accent1"/>
+            </a:fillRef>
+            <a:effectRef idx="0">
+              <a:schemeClr val="accent1"/>
+            </a:effectRef>
+            <a:fontRef idx="minor">
+              <a:schemeClr val="tx1"/>
+            </a:fontRef>
+          </p:style>
+          <p:txBody>
+            <a:bodyPr rtlCol="0" anchor="ctr"/>
+            <a:lstStyle/>
+            <a:p>
+              <a:pPr algn="ctr"/>
+              <a:endParaRPr lang="en-US"/>
+            </a:p>
+          </p:txBody>
+        </p:sp>
+      </p:grpSp>
+      <p:grpSp>
+        <p:nvGrpSpPr>
+          <p:cNvPr id="12" name="Group 11"/>
+          <p:cNvGrpSpPr/>
+          <p:nvPr/>
+        </p:nvGrpSpPr>
+        <p:grpSpPr>
+          <a:xfrm>
+            <a:off x="5476379" y="3429580"/>
+            <a:ext cx="409575" cy="409575"/>
+            <a:chOff x="5476379" y="3429580"/>
+            <a:chExt cx="409575" cy="409575"/>
+          </a:xfrm>
+        </p:grpSpPr>
+        <p:sp>
+          <p:nvSpPr>
+            <p:cNvPr id="47" name="Rectangle 46"/>
+            <p:cNvSpPr/>
+            <p:nvPr/>
+          </p:nvSpPr>
+          <p:spPr>
+            <a:xfrm rot="20775288">
+              <a:off x="5476379" y="3579202"/>
+              <a:ext cx="409575" cy="110333"/>
+            </a:xfrm>
+            <a:prstGeom prst="rect">
+              <a:avLst/>
+            </a:prstGeom>
+            <a:solidFill>
+              <a:schemeClr val="bg1">
+                <a:alpha val="0"/>
+              </a:schemeClr>
+            </a:solidFill>
+            <a:ln w="12700">
               <a:solidFill>
                 <a:schemeClr val="tx1"/>
               </a:solidFill>
-              <a:ln w="12700">
-                <a:solidFill>
-                  <a:schemeClr val="tx1"/>
-                </a:solidFill>
-              </a:ln>
-            </p:spPr>
-            <p:style>
-              <a:lnRef idx="2">
-                <a:schemeClr val="accent1">
-                  <a:shade val="50000"/>
-                </a:schemeClr>
-              </a:lnRef>
-              <a:fillRef idx="1">
-                <a:schemeClr val="accent1"/>
-              </a:fillRef>
-              <a:effectRef idx="0">
-                <a:schemeClr val="accent1"/>
-              </a:effectRef>
-              <a:fontRef idx="minor">
-                <a:schemeClr val="lt1"/>
-              </a:fontRef>
-            </p:style>
-            <p:txBody>
-              <a:bodyPr rtlCol="0" anchor="ctr"/>
-              <a:lstStyle/>
-              <a:p>
-                <a:pPr algn="ctr"/>
-                <a:endParaRPr lang="en-US"/>
-              </a:p>
-            </p:txBody>
-          </p:sp>
-          <p:sp>
-            <p:nvSpPr>
-              <p:cNvPr id="136" name="Isosceles Triangle 135"/>
-              <p:cNvSpPr/>
-              <p:nvPr/>
-            </p:nvSpPr>
-            <p:spPr>
-              <a:xfrm rot="7659000">
-                <a:off x="6228940" y="5446182"/>
-                <a:ext cx="52387" cy="45719"/>
-              </a:xfrm>
-              <a:prstGeom prst="triangle">
-                <a:avLst/>
-              </a:prstGeom>
+              <a:prstDash val="dash"/>
+            </a:ln>
+          </p:spPr>
+          <p:style>
+            <a:lnRef idx="2">
+              <a:schemeClr val="accent1">
+                <a:shade val="50000"/>
+              </a:schemeClr>
+            </a:lnRef>
+            <a:fillRef idx="1">
+              <a:schemeClr val="accent1"/>
+            </a:fillRef>
+            <a:effectRef idx="0">
+              <a:schemeClr val="accent1"/>
+            </a:effectRef>
+            <a:fontRef idx="minor">
+              <a:schemeClr val="lt1"/>
+            </a:fontRef>
+          </p:style>
+          <p:txBody>
+            <a:bodyPr rtlCol="0" anchor="ctr"/>
+            <a:lstStyle/>
+            <a:p>
+              <a:pPr algn="ctr"/>
+              <a:endParaRPr lang="en-US"/>
+            </a:p>
+          </p:txBody>
+        </p:sp>
+        <p:sp>
+          <p:nvSpPr>
+            <p:cNvPr id="48" name="Rectangle 47"/>
+            <p:cNvSpPr/>
+            <p:nvPr/>
+          </p:nvSpPr>
+          <p:spPr>
+            <a:xfrm rot="16200000">
+              <a:off x="5479593" y="3579201"/>
+              <a:ext cx="409575" cy="110333"/>
+            </a:xfrm>
+            <a:prstGeom prst="rect">
+              <a:avLst/>
+            </a:prstGeom>
+            <a:solidFill>
+              <a:srgbClr val="0070C0"/>
+            </a:solidFill>
+            <a:ln w="12700">
               <a:solidFill>
                 <a:schemeClr val="tx1"/>
               </a:solidFill>
-              <a:ln w="12700">
-                <a:solidFill>
-                  <a:schemeClr val="tx1"/>
-                </a:solidFill>
-              </a:ln>
-            </p:spPr>
-            <p:style>
-              <a:lnRef idx="2">
-                <a:schemeClr val="accent1">
-                  <a:shade val="50000"/>
-                </a:schemeClr>
-              </a:lnRef>
-              <a:fillRef idx="1">
-                <a:schemeClr val="accent1"/>
-              </a:fillRef>
-              <a:effectRef idx="0">
-                <a:schemeClr val="accent1"/>
-              </a:effectRef>
-              <a:fontRef idx="minor">
-                <a:schemeClr val="lt1"/>
-              </a:fontRef>
-            </p:style>
-            <p:txBody>
-              <a:bodyPr rtlCol="0" anchor="ctr"/>
-              <a:lstStyle/>
-              <a:p>
-                <a:pPr algn="ctr"/>
-                <a:endParaRPr lang="en-US"/>
-              </a:p>
-            </p:txBody>
-          </p:sp>
-        </p:grpSp>
-        <p:grpSp>
-          <p:nvGrpSpPr>
-            <p:cNvPr id="152" name="Group 151"/>
-            <p:cNvGrpSpPr>
-              <a:grpSpLocks/>
-            </p:cNvGrpSpPr>
-            <p:nvPr/>
-          </p:nvGrpSpPr>
-          <p:grpSpPr>
-            <a:xfrm>
-              <a:off x="5824134" y="6082353"/>
-              <a:ext cx="155880" cy="155880"/>
-              <a:chOff x="5308087" y="5973545"/>
-              <a:chExt cx="409575" cy="409575"/>
-            </a:xfrm>
-          </p:grpSpPr>
-          <p:sp>
-            <p:nvSpPr>
-              <p:cNvPr id="138" name="Rectangle 137"/>
-              <p:cNvSpPr/>
-              <p:nvPr/>
-            </p:nvSpPr>
-            <p:spPr>
-              <a:xfrm rot="4575288">
-                <a:off x="5308086" y="6110466"/>
-                <a:ext cx="409575" cy="135733"/>
-              </a:xfrm>
-              <a:prstGeom prst="rect">
-                <a:avLst/>
-              </a:prstGeom>
-              <a:solidFill>
-                <a:srgbClr val="0070C0">
-                  <a:alpha val="60000"/>
-                </a:srgbClr>
-              </a:solidFill>
-              <a:ln w="12700">
-                <a:solidFill>
-                  <a:schemeClr val="tx1"/>
-                </a:solidFill>
-                <a:prstDash val="dash"/>
-              </a:ln>
-            </p:spPr>
-            <p:style>
-              <a:lnRef idx="2">
-                <a:schemeClr val="accent1">
-                  <a:shade val="50000"/>
-                </a:schemeClr>
-              </a:lnRef>
-              <a:fillRef idx="1">
-                <a:schemeClr val="accent1"/>
-              </a:fillRef>
-              <a:effectRef idx="0">
-                <a:schemeClr val="accent1"/>
-              </a:effectRef>
-              <a:fontRef idx="minor">
-                <a:schemeClr val="lt1"/>
-              </a:fontRef>
-            </p:style>
-            <p:txBody>
-              <a:bodyPr rtlCol="0" anchor="ctr"/>
-              <a:lstStyle/>
-              <a:p>
-                <a:pPr algn="ctr"/>
-                <a:endParaRPr lang="en-US"/>
-              </a:p>
-            </p:txBody>
-          </p:sp>
-          <p:sp>
-            <p:nvSpPr>
-              <p:cNvPr id="139" name="Rectangle 138"/>
-              <p:cNvSpPr/>
-              <p:nvPr/>
-            </p:nvSpPr>
-            <p:spPr>
-              <a:xfrm>
-                <a:off x="5308087" y="6113680"/>
-                <a:ext cx="409575" cy="135733"/>
-              </a:xfrm>
-              <a:prstGeom prst="rect">
-                <a:avLst/>
-              </a:prstGeom>
-              <a:solidFill>
-                <a:srgbClr val="0070C0"/>
-              </a:solidFill>
-              <a:ln w="12700">
-                <a:solidFill>
-                  <a:schemeClr val="tx1"/>
-                </a:solidFill>
-              </a:ln>
-            </p:spPr>
-            <p:style>
-              <a:lnRef idx="2">
-                <a:schemeClr val="accent1">
-                  <a:shade val="50000"/>
-                </a:schemeClr>
-              </a:lnRef>
-              <a:fillRef idx="1">
-                <a:schemeClr val="accent1"/>
-              </a:fillRef>
-              <a:effectRef idx="0">
-                <a:schemeClr val="accent1"/>
-              </a:effectRef>
-              <a:fontRef idx="minor">
-                <a:schemeClr val="lt1"/>
-              </a:fontRef>
-            </p:style>
-            <p:txBody>
-              <a:bodyPr rtlCol="0" anchor="ctr"/>
-              <a:lstStyle/>
-              <a:p>
-                <a:pPr algn="ctr"/>
-                <a:endParaRPr lang="en-US"/>
-              </a:p>
-            </p:txBody>
-          </p:sp>
-          <p:sp>
-            <p:nvSpPr>
-              <p:cNvPr id="147" name="Isosceles Triangle 146"/>
-              <p:cNvSpPr/>
-              <p:nvPr/>
-            </p:nvSpPr>
-            <p:spPr>
-              <a:xfrm rot="13484501">
-                <a:off x="5335151" y="6036801"/>
-                <a:ext cx="45719" cy="45719"/>
-              </a:xfrm>
-              <a:prstGeom prst="triangle">
-                <a:avLst/>
-              </a:prstGeom>
-              <a:solidFill>
-                <a:schemeClr val="tx1"/>
-              </a:solidFill>
-              <a:ln w="12700">
-                <a:solidFill>
-                  <a:schemeClr val="tx1"/>
-                </a:solidFill>
-              </a:ln>
-            </p:spPr>
-            <p:style>
-              <a:lnRef idx="2">
-                <a:schemeClr val="accent1">
-                  <a:shade val="50000"/>
-                </a:schemeClr>
-              </a:lnRef>
-              <a:fillRef idx="1">
-                <a:schemeClr val="accent1"/>
-              </a:fillRef>
-              <a:effectRef idx="0">
-                <a:schemeClr val="accent1"/>
-              </a:effectRef>
-              <a:fontRef idx="minor">
-                <a:schemeClr val="lt1"/>
-              </a:fontRef>
-            </p:style>
-            <p:txBody>
-              <a:bodyPr rtlCol="0" anchor="ctr"/>
-              <a:lstStyle/>
-              <a:p>
-                <a:pPr algn="ctr"/>
-                <a:endParaRPr lang="en-US"/>
-              </a:p>
-            </p:txBody>
-          </p:sp>
-          <p:sp>
-            <p:nvSpPr>
-              <p:cNvPr id="151" name="Isosceles Triangle 150"/>
-              <p:cNvSpPr/>
-              <p:nvPr/>
-            </p:nvSpPr>
-            <p:spPr>
-              <a:xfrm rot="2700000">
-                <a:off x="5659126" y="6277568"/>
-                <a:ext cx="45719" cy="45719"/>
-              </a:xfrm>
-              <a:prstGeom prst="triangle">
-                <a:avLst/>
-              </a:prstGeom>
-              <a:solidFill>
-                <a:schemeClr val="tx1"/>
-              </a:solidFill>
-              <a:ln w="12700">
-                <a:solidFill>
-                  <a:schemeClr val="tx1"/>
-                </a:solidFill>
-              </a:ln>
-            </p:spPr>
-            <p:style>
-              <a:lnRef idx="2">
-                <a:schemeClr val="accent1">
-                  <a:shade val="50000"/>
-                </a:schemeClr>
-              </a:lnRef>
-              <a:fillRef idx="1">
-                <a:schemeClr val="accent1"/>
-              </a:fillRef>
-              <a:effectRef idx="0">
-                <a:schemeClr val="accent1"/>
-              </a:effectRef>
-              <a:fontRef idx="minor">
-                <a:schemeClr val="lt1"/>
-              </a:fontRef>
-            </p:style>
-            <p:txBody>
-              <a:bodyPr rtlCol="0" anchor="ctr"/>
-              <a:lstStyle/>
-              <a:p>
-                <a:pPr algn="ctr"/>
-                <a:endParaRPr lang="en-US"/>
-              </a:p>
-            </p:txBody>
-          </p:sp>
-        </p:grpSp>
-        <p:grpSp>
-          <p:nvGrpSpPr>
-            <p:cNvPr id="191" name="Group 190"/>
-            <p:cNvGrpSpPr>
-              <a:grpSpLocks/>
-            </p:cNvGrpSpPr>
-            <p:nvPr/>
-          </p:nvGrpSpPr>
-          <p:grpSpPr>
-            <a:xfrm flipV="1">
-              <a:off x="6189193" y="6082354"/>
-              <a:ext cx="155880" cy="155880"/>
-              <a:chOff x="5308087" y="5973545"/>
-              <a:chExt cx="409575" cy="409575"/>
-            </a:xfrm>
-          </p:grpSpPr>
-          <p:sp>
-            <p:nvSpPr>
-              <p:cNvPr id="192" name="Rectangle 191"/>
-              <p:cNvSpPr/>
-              <p:nvPr/>
-            </p:nvSpPr>
-            <p:spPr>
-              <a:xfrm rot="4575288">
-                <a:off x="5308086" y="6110466"/>
-                <a:ext cx="409575" cy="135733"/>
-              </a:xfrm>
-              <a:prstGeom prst="rect">
-                <a:avLst/>
-              </a:prstGeom>
-              <a:solidFill>
-                <a:srgbClr val="0070C0">
-                  <a:alpha val="60000"/>
-                </a:srgbClr>
-              </a:solidFill>
-              <a:ln w="12700">
-                <a:solidFill>
-                  <a:schemeClr val="tx1"/>
-                </a:solidFill>
-                <a:prstDash val="dash"/>
-              </a:ln>
-            </p:spPr>
-            <p:style>
-              <a:lnRef idx="2">
-                <a:schemeClr val="accent1">
-                  <a:shade val="50000"/>
-                </a:schemeClr>
-              </a:lnRef>
-              <a:fillRef idx="1">
-                <a:schemeClr val="accent1"/>
-              </a:fillRef>
-              <a:effectRef idx="0">
-                <a:schemeClr val="accent1"/>
-              </a:effectRef>
-              <a:fontRef idx="minor">
-                <a:schemeClr val="lt1"/>
-              </a:fontRef>
-            </p:style>
-            <p:txBody>
-              <a:bodyPr rtlCol="0" anchor="ctr"/>
-              <a:lstStyle/>
-              <a:p>
-                <a:pPr algn="ctr"/>
-                <a:endParaRPr lang="en-US"/>
-              </a:p>
-            </p:txBody>
-          </p:sp>
-          <p:sp>
-            <p:nvSpPr>
-              <p:cNvPr id="193" name="Rectangle 192"/>
-              <p:cNvSpPr/>
-              <p:nvPr/>
-            </p:nvSpPr>
-            <p:spPr>
-              <a:xfrm>
-                <a:off x="5308087" y="6113680"/>
-                <a:ext cx="409575" cy="135733"/>
-              </a:xfrm>
-              <a:prstGeom prst="rect">
-                <a:avLst/>
-              </a:prstGeom>
-              <a:solidFill>
-                <a:srgbClr val="0070C0"/>
-              </a:solidFill>
-              <a:ln w="12700">
-                <a:solidFill>
-                  <a:schemeClr val="tx1"/>
-                </a:solidFill>
-              </a:ln>
-            </p:spPr>
-            <p:style>
-              <a:lnRef idx="2">
-                <a:schemeClr val="accent1">
-                  <a:shade val="50000"/>
-                </a:schemeClr>
-              </a:lnRef>
-              <a:fillRef idx="1">
-                <a:schemeClr val="accent1"/>
-              </a:fillRef>
-              <a:effectRef idx="0">
-                <a:schemeClr val="accent1"/>
-              </a:effectRef>
-              <a:fontRef idx="minor">
-                <a:schemeClr val="lt1"/>
-              </a:fontRef>
-            </p:style>
-            <p:txBody>
-              <a:bodyPr rtlCol="0" anchor="ctr"/>
-              <a:lstStyle/>
-              <a:p>
-                <a:pPr algn="ctr"/>
-                <a:endParaRPr lang="en-US"/>
-              </a:p>
-            </p:txBody>
-          </p:sp>
-          <p:sp>
-            <p:nvSpPr>
-              <p:cNvPr id="194" name="Isosceles Triangle 193"/>
-              <p:cNvSpPr/>
-              <p:nvPr/>
-            </p:nvSpPr>
-            <p:spPr>
-              <a:xfrm rot="13484501">
-                <a:off x="5335151" y="6036801"/>
-                <a:ext cx="45719" cy="45719"/>
-              </a:xfrm>
-              <a:prstGeom prst="triangle">
-                <a:avLst/>
-              </a:prstGeom>
-              <a:solidFill>
-                <a:schemeClr val="tx1"/>
-              </a:solidFill>
-              <a:ln w="12700">
-                <a:solidFill>
-                  <a:schemeClr val="tx1"/>
-                </a:solidFill>
-              </a:ln>
-            </p:spPr>
-            <p:style>
-              <a:lnRef idx="2">
-                <a:schemeClr val="accent1">
-                  <a:shade val="50000"/>
-                </a:schemeClr>
-              </a:lnRef>
-              <a:fillRef idx="1">
-                <a:schemeClr val="accent1"/>
-              </a:fillRef>
-              <a:effectRef idx="0">
-                <a:schemeClr val="accent1"/>
-              </a:effectRef>
-              <a:fontRef idx="minor">
-                <a:schemeClr val="lt1"/>
-              </a:fontRef>
-            </p:style>
-            <p:txBody>
-              <a:bodyPr rtlCol="0" anchor="ctr"/>
-              <a:lstStyle/>
-              <a:p>
-                <a:pPr algn="ctr"/>
-                <a:endParaRPr lang="en-US"/>
-              </a:p>
-            </p:txBody>
-          </p:sp>
-          <p:sp>
-            <p:nvSpPr>
-              <p:cNvPr id="195" name="Isosceles Triangle 194"/>
-              <p:cNvSpPr/>
-              <p:nvPr/>
-            </p:nvSpPr>
-            <p:spPr>
-              <a:xfrm rot="2700000">
-                <a:off x="5659126" y="6277568"/>
-                <a:ext cx="45719" cy="45719"/>
-              </a:xfrm>
-              <a:prstGeom prst="triangle">
-                <a:avLst/>
-              </a:prstGeom>
-              <a:solidFill>
-                <a:schemeClr val="tx1"/>
-              </a:solidFill>
-              <a:ln w="12700">
-                <a:solidFill>
-                  <a:schemeClr val="tx1"/>
-                </a:solidFill>
-              </a:ln>
-            </p:spPr>
-            <p:style>
-              <a:lnRef idx="2">
-                <a:schemeClr val="accent1">
-                  <a:shade val="50000"/>
-                </a:schemeClr>
-              </a:lnRef>
-              <a:fillRef idx="1">
-                <a:schemeClr val="accent1"/>
-              </a:fillRef>
-              <a:effectRef idx="0">
-                <a:schemeClr val="accent1"/>
-              </a:effectRef>
-              <a:fontRef idx="minor">
-                <a:schemeClr val="lt1"/>
-              </a:fontRef>
-            </p:style>
-            <p:txBody>
-              <a:bodyPr rtlCol="0" anchor="ctr"/>
-              <a:lstStyle/>
-              <a:p>
-                <a:pPr algn="ctr"/>
-                <a:endParaRPr lang="en-US"/>
-              </a:p>
-            </p:txBody>
-          </p:sp>
-        </p:grpSp>
+              <a:prstDash val="solid"/>
+            </a:ln>
+          </p:spPr>
+          <p:style>
+            <a:lnRef idx="2">
+              <a:schemeClr val="accent1">
+                <a:shade val="50000"/>
+              </a:schemeClr>
+            </a:lnRef>
+            <a:fillRef idx="1">
+              <a:schemeClr val="accent1"/>
+            </a:fillRef>
+            <a:effectRef idx="0">
+              <a:schemeClr val="accent1"/>
+            </a:effectRef>
+            <a:fontRef idx="minor">
+              <a:schemeClr val="lt1"/>
+            </a:fontRef>
+          </p:style>
+          <p:txBody>
+            <a:bodyPr rtlCol="0" anchor="ctr"/>
+            <a:lstStyle/>
+            <a:p>
+              <a:pPr algn="ctr"/>
+              <a:endParaRPr lang="en-US"/>
+            </a:p>
+          </p:txBody>
+        </p:sp>
       </p:grpSp>
       <p:sp>
         <p:nvSpPr>
-          <p:cNvPr id="73" name="TextBox 32"/>
+          <p:cNvPr id="40" name="TextBox 32"/>
           <p:cNvSpPr txBox="1"/>
           <p:nvPr/>
         </p:nvSpPr>
         <p:spPr>
           <a:xfrm>
-            <a:off x="4966252" y="4718811"/>
+            <a:off x="4955122" y="4628104"/>
             <a:ext cx="1518557" cy="369332"/>
           </a:xfrm>
           <a:prstGeom prst="rect">
@@ -10092,258 +10270,15 @@
           </a:p>
         </p:txBody>
       </p:sp>
-      <p:sp>
-        <p:nvSpPr>
-          <p:cNvPr id="58" name="TextBox 1"/>
-          <p:cNvSpPr txBox="1"/>
-          <p:nvPr/>
-        </p:nvSpPr>
-        <p:spPr>
-          <a:xfrm>
-            <a:off x="2365596" y="2269254"/>
-            <a:ext cx="2145652" cy="369332"/>
-          </a:xfrm>
-          <a:prstGeom prst="rect">
-            <a:avLst/>
-          </a:prstGeom>
-          <a:noFill/>
-        </p:spPr>
-        <p:txBody>
-          <a:bodyPr wrap="none" rtlCol="0">
-            <a:spAutoFit/>
-          </a:bodyPr>
-          <a:lstStyle/>
-          <a:p>
-            <a:r>
-              <a:rPr lang="en-US" dirty="0"/>
-              <a:t>Duplicate and Rotate</a:t>
-            </a:r>
-          </a:p>
-        </p:txBody>
-      </p:sp>
       <p:grpSp>
         <p:nvGrpSpPr>
-          <p:cNvPr id="59" name="组合 58"/>
+          <p:cNvPr id="42" name="组合 41"/>
           <p:cNvGrpSpPr/>
           <p:nvPr/>
         </p:nvGrpSpPr>
         <p:grpSpPr>
           <a:xfrm>
-            <a:off x="3222429" y="3353837"/>
-            <a:ext cx="569257" cy="565821"/>
-            <a:chOff x="4443948" y="5281268"/>
-            <a:chExt cx="597872" cy="594263"/>
-          </a:xfrm>
-        </p:grpSpPr>
-        <p:sp>
-          <p:nvSpPr>
-            <p:cNvPr id="61" name="Rectangle 46"/>
-            <p:cNvSpPr/>
-            <p:nvPr/>
-          </p:nvSpPr>
-          <p:spPr>
-            <a:xfrm>
-              <a:off x="4615366" y="5549841"/>
-              <a:ext cx="165735" cy="159194"/>
-            </a:xfrm>
-            <a:prstGeom prst="rect">
-              <a:avLst/>
-            </a:prstGeom>
-            <a:solidFill>
-              <a:srgbClr val="E46B09"/>
-            </a:solidFill>
-            <a:ln w="12700">
-              <a:solidFill>
-                <a:schemeClr val="tx1"/>
-              </a:solidFill>
-            </a:ln>
-          </p:spPr>
-          <p:style>
-            <a:lnRef idx="2">
-              <a:schemeClr val="accent1">
-                <a:shade val="50000"/>
-              </a:schemeClr>
-            </a:lnRef>
-            <a:fillRef idx="1">
-              <a:schemeClr val="accent1"/>
-            </a:fillRef>
-            <a:effectRef idx="0">
-              <a:schemeClr val="accent1"/>
-            </a:effectRef>
-            <a:fontRef idx="minor">
-              <a:schemeClr val="lt1"/>
-            </a:fontRef>
-          </p:style>
-          <p:txBody>
-            <a:bodyPr rtlCol="0" anchor="ctr"/>
-            <a:lstStyle/>
-            <a:p>
-              <a:pPr algn="ctr"/>
-              <a:endParaRPr lang="en-US"/>
-            </a:p>
-          </p:txBody>
-        </p:sp>
-        <p:sp>
-          <p:nvSpPr>
-            <p:cNvPr id="66" name="Oval 51"/>
-            <p:cNvSpPr/>
-            <p:nvPr/>
-          </p:nvSpPr>
-          <p:spPr>
-            <a:xfrm>
-              <a:off x="4443948" y="5375353"/>
-              <a:ext cx="498944" cy="500178"/>
-            </a:xfrm>
-            <a:prstGeom prst="ellipse">
-              <a:avLst/>
-            </a:prstGeom>
-            <a:noFill/>
-            <a:ln w="19050">
-              <a:solidFill>
-                <a:schemeClr val="tx1"/>
-              </a:solidFill>
-              <a:prstDash val="dash"/>
-            </a:ln>
-          </p:spPr>
-          <p:style>
-            <a:lnRef idx="2">
-              <a:schemeClr val="accent1">
-                <a:shade val="50000"/>
-              </a:schemeClr>
-            </a:lnRef>
-            <a:fillRef idx="1">
-              <a:schemeClr val="accent1"/>
-            </a:fillRef>
-            <a:effectRef idx="0">
-              <a:schemeClr val="accent1"/>
-            </a:effectRef>
-            <a:fontRef idx="minor">
-              <a:schemeClr val="lt1"/>
-            </a:fontRef>
-          </p:style>
-          <p:txBody>
-            <a:bodyPr rtlCol="0" anchor="ctr"/>
-            <a:lstStyle/>
-            <a:p>
-              <a:pPr algn="ctr"/>
-              <a:endParaRPr lang="en-US"/>
-            </a:p>
-          </p:txBody>
-        </p:sp>
-        <p:sp>
-          <p:nvSpPr>
-            <p:cNvPr id="68" name="燕尾形 67"/>
-            <p:cNvSpPr/>
-            <p:nvPr/>
-          </p:nvSpPr>
-          <p:spPr>
-            <a:xfrm rot="953220">
-              <a:off x="4678070" y="5281268"/>
-              <a:ext cx="131377" cy="187960"/>
-            </a:xfrm>
-            <a:prstGeom prst="chevron">
-              <a:avLst/>
-            </a:prstGeom>
-            <a:solidFill>
-              <a:srgbClr val="0070C0"/>
-            </a:solidFill>
-            <a:ln w="12700">
-              <a:solidFill>
-                <a:schemeClr val="tx1"/>
-              </a:solidFill>
-            </a:ln>
-          </p:spPr>
-          <p:style>
-            <a:lnRef idx="2">
-              <a:schemeClr val="accent1">
-                <a:shade val="50000"/>
-              </a:schemeClr>
-            </a:lnRef>
-            <a:fillRef idx="1">
-              <a:schemeClr val="accent1"/>
-            </a:fillRef>
-            <a:effectRef idx="0">
-              <a:schemeClr val="accent1"/>
-            </a:effectRef>
-            <a:fontRef idx="minor">
-              <a:schemeClr val="lt1"/>
-            </a:fontRef>
-          </p:style>
-          <p:txBody>
-            <a:bodyPr rtlCol="0" anchor="ctr"/>
-            <a:lstStyle/>
-            <a:p>
-              <a:pPr algn="ctr"/>
-              <a:endParaRPr lang="zh-CN" altLang="en-US">
-                <a:solidFill>
-                  <a:schemeClr val="tx1"/>
-                </a:solidFill>
-              </a:endParaRPr>
-            </a:p>
-          </p:txBody>
-        </p:sp>
-        <p:sp>
-          <p:nvSpPr>
-            <p:cNvPr id="69" name="燕尾形 68"/>
-            <p:cNvSpPr/>
-            <p:nvPr/>
-          </p:nvSpPr>
-          <p:spPr>
-            <a:xfrm rot="5400000">
-              <a:off x="4882151" y="5511387"/>
-              <a:ext cx="131377" cy="187960"/>
-            </a:xfrm>
-            <a:prstGeom prst="chevron">
-              <a:avLst/>
-            </a:prstGeom>
-            <a:solidFill>
-              <a:srgbClr val="0070C0"/>
-            </a:solidFill>
-            <a:ln w="12700">
-              <a:solidFill>
-                <a:schemeClr val="tx1"/>
-              </a:solidFill>
-            </a:ln>
-          </p:spPr>
-          <p:style>
-            <a:lnRef idx="2">
-              <a:schemeClr val="accent1">
-                <a:shade val="50000"/>
-              </a:schemeClr>
-            </a:lnRef>
-            <a:fillRef idx="1">
-              <a:schemeClr val="accent1"/>
-            </a:fillRef>
-            <a:effectRef idx="0">
-              <a:schemeClr val="accent1"/>
-            </a:effectRef>
-            <a:fontRef idx="minor">
-              <a:schemeClr val="lt1"/>
-            </a:fontRef>
-          </p:style>
-          <p:txBody>
-            <a:bodyPr rtlCol="0" anchor="ctr"/>
-            <a:lstStyle/>
-            <a:p>
-              <a:pPr algn="ctr"/>
-              <a:endParaRPr lang="zh-CN" altLang="en-US">
-                <a:solidFill>
-                  <a:schemeClr val="tx1"/>
-                </a:solidFill>
-              </a:endParaRPr>
-            </a:p>
-          </p:txBody>
-        </p:sp>
-      </p:grpSp>
-      <p:grpSp>
-        <p:nvGrpSpPr>
-          <p:cNvPr id="7" name="组合 6"/>
-          <p:cNvGrpSpPr/>
-          <p:nvPr/>
-        </p:nvGrpSpPr>
-        <p:grpSpPr>
-          <a:xfrm>
-            <a:off x="5472249" y="5454121"/>
+            <a:off x="5461119" y="5363414"/>
             <a:ext cx="484715" cy="457696"/>
             <a:chOff x="5472249" y="5454121"/>
             <a:chExt cx="484715" cy="457696"/>
@@ -10351,7 +10286,7 @@
         </p:grpSpPr>
         <p:cxnSp>
           <p:nvCxnSpPr>
-            <p:cNvPr id="8" name="直接连接符 7"/>
+            <p:cNvPr id="44" name="直接连接符 43"/>
             <p:cNvCxnSpPr/>
             <p:nvPr/>
           </p:nvCxnSpPr>
@@ -10387,7 +10322,7 @@
         </p:cxnSp>
         <p:sp>
           <p:nvSpPr>
-            <p:cNvPr id="23" name="椭圆 22"/>
+            <p:cNvPr id="45" name="椭圆 44"/>
             <p:cNvSpPr/>
             <p:nvPr/>
           </p:nvSpPr>
@@ -10441,7 +10376,7 @@
         </p:sp>
         <p:sp>
           <p:nvSpPr>
-            <p:cNvPr id="6" name="椭圆 5"/>
+            <p:cNvPr id="46" name="椭圆 45"/>
             <p:cNvSpPr/>
             <p:nvPr/>
           </p:nvSpPr>
@@ -10489,7 +10424,7 @@
         </p:sp>
         <p:sp>
           <p:nvSpPr>
-            <p:cNvPr id="71" name="椭圆 70"/>
+            <p:cNvPr id="49" name="椭圆 48"/>
             <p:cNvSpPr/>
             <p:nvPr/>
           </p:nvSpPr>
@@ -10548,6 +10483,694 @@
   <p:clrMapOvr>
     <a:masterClrMapping/>
   </p:clrMapOvr>
+  <p:timing>
+    <p:tnLst>
+      <p:par>
+        <p:cTn id="1" dur="indefinite" restart="never" nodeType="tmRoot"/>
+      </p:par>
+    </p:tnLst>
+  </p:timing>
+</p:sld>
+</file>
+
+<file path=ppt/slides/slide7.xml><?xml version="1.0" encoding="utf-8"?>
+<p:sld xmlns:a="http://schemas.openxmlformats.org/drawingml/2006/main" xmlns:r="http://schemas.openxmlformats.org/officeDocument/2006/relationships" xmlns:p="http://schemas.openxmlformats.org/presentationml/2006/main">
+  <p:cSld>
+    <p:spTree>
+      <p:nvGrpSpPr>
+        <p:cNvPr id="1" name=""/>
+        <p:cNvGrpSpPr/>
+        <p:nvPr/>
+      </p:nvGrpSpPr>
+      <p:grpSpPr>
+        <a:xfrm>
+          <a:off x="0" y="0"/>
+          <a:ext cx="0" cy="0"/>
+          <a:chOff x="0" y="0"/>
+          <a:chExt cx="0" cy="0"/>
+        </a:xfrm>
+      </p:grpSpPr>
+      <p:sp>
+        <p:nvSpPr>
+          <p:cNvPr id="4" name="TextBox 3"/>
+          <p:cNvSpPr txBox="1"/>
+          <p:nvPr/>
+        </p:nvSpPr>
+        <p:spPr>
+          <a:xfrm>
+            <a:off x="2360410" y="1303511"/>
+            <a:ext cx="4423199" cy="707886"/>
+          </a:xfrm>
+          <a:prstGeom prst="rect">
+            <a:avLst/>
+          </a:prstGeom>
+          <a:noFill/>
+        </p:spPr>
+        <p:txBody>
+          <a:bodyPr wrap="none" rtlCol="0">
+            <a:spAutoFit/>
+          </a:bodyPr>
+          <a:lstStyle/>
+          <a:p>
+            <a:pPr algn="ctr"/>
+            <a:r>
+              <a:rPr lang="en-US" sz="4000" dirty="0" smtClean="0"/>
+              <a:t>Radial Settings </a:t>
+            </a:r>
+            <a:r>
+              <a:rPr lang="en-US" sz="4000" dirty="0"/>
+              <a:t>Icons</a:t>
+            </a:r>
+          </a:p>
+        </p:txBody>
+      </p:sp>
+      <p:sp>
+        <p:nvSpPr>
+          <p:cNvPr id="35" name="TextBox 34"/>
+          <p:cNvSpPr txBox="1"/>
+          <p:nvPr/>
+        </p:nvSpPr>
+        <p:spPr>
+          <a:xfrm>
+            <a:off x="2534996" y="3314908"/>
+            <a:ext cx="673902" cy="369332"/>
+          </a:xfrm>
+          <a:prstGeom prst="rect">
+            <a:avLst/>
+          </a:prstGeom>
+          <a:noFill/>
+        </p:spPr>
+        <p:txBody>
+          <a:bodyPr wrap="none" rtlCol="0">
+            <a:spAutoFit/>
+          </a:bodyPr>
+          <a:lstStyle/>
+          <a:p>
+            <a:r>
+              <a:rPr lang="en-US" dirty="0" smtClean="0"/>
+              <a:t>Fixed</a:t>
+            </a:r>
+            <a:endParaRPr lang="en-US" dirty="0"/>
+          </a:p>
+        </p:txBody>
+      </p:sp>
+      <p:sp>
+        <p:nvSpPr>
+          <p:cNvPr id="36" name="TextBox 35"/>
+          <p:cNvSpPr txBox="1"/>
+          <p:nvPr/>
+        </p:nvSpPr>
+        <p:spPr>
+          <a:xfrm>
+            <a:off x="5753512" y="3314908"/>
+            <a:ext cx="998991" cy="369332"/>
+          </a:xfrm>
+          <a:prstGeom prst="rect">
+            <a:avLst/>
+          </a:prstGeom>
+          <a:noFill/>
+        </p:spPr>
+        <p:txBody>
+          <a:bodyPr wrap="none" rtlCol="0">
+            <a:spAutoFit/>
+          </a:bodyPr>
+          <a:lstStyle/>
+          <a:p>
+            <a:r>
+              <a:rPr lang="en-US" dirty="0" smtClean="0"/>
+              <a:t>Dynamic</a:t>
+            </a:r>
+            <a:endParaRPr lang="en-US" dirty="0"/>
+          </a:p>
+        </p:txBody>
+      </p:sp>
+      <p:grpSp>
+        <p:nvGrpSpPr>
+          <p:cNvPr id="9" name="Group 8"/>
+          <p:cNvGrpSpPr/>
+          <p:nvPr/>
+        </p:nvGrpSpPr>
+        <p:grpSpPr>
+          <a:xfrm>
+            <a:off x="6035728" y="4250531"/>
+            <a:ext cx="468175" cy="505695"/>
+            <a:chOff x="6035728" y="4250531"/>
+            <a:chExt cx="468175" cy="505695"/>
+          </a:xfrm>
+        </p:grpSpPr>
+        <p:cxnSp>
+          <p:nvCxnSpPr>
+            <p:cNvPr id="100" name="Straight Connector 99"/>
+            <p:cNvCxnSpPr/>
+            <p:nvPr/>
+          </p:nvCxnSpPr>
+          <p:spPr>
+            <a:xfrm>
+              <a:off x="6126216" y="4504046"/>
+              <a:ext cx="0" cy="124282"/>
+            </a:xfrm>
+            <a:prstGeom prst="line">
+              <a:avLst/>
+            </a:prstGeom>
+            <a:ln w="12700">
+              <a:solidFill>
+                <a:schemeClr val="tx1"/>
+              </a:solidFill>
+              <a:prstDash val="dash"/>
+            </a:ln>
+          </p:spPr>
+          <p:style>
+            <a:lnRef idx="1">
+              <a:schemeClr val="accent1"/>
+            </a:lnRef>
+            <a:fillRef idx="0">
+              <a:schemeClr val="accent1"/>
+            </a:fillRef>
+            <a:effectRef idx="0">
+              <a:schemeClr val="accent1"/>
+            </a:effectRef>
+            <a:fontRef idx="minor">
+              <a:schemeClr val="tx1"/>
+            </a:fontRef>
+          </p:style>
+        </p:cxnSp>
+        <p:sp>
+          <p:nvSpPr>
+            <p:cNvPr id="101" name="Chevron 100"/>
+            <p:cNvSpPr>
+              <a:spLocks/>
+            </p:cNvSpPr>
+            <p:nvPr/>
+          </p:nvSpPr>
+          <p:spPr>
+            <a:xfrm>
+              <a:off x="6063669" y="4358353"/>
+              <a:ext cx="125089" cy="137727"/>
+            </a:xfrm>
+            <a:prstGeom prst="chevron">
+              <a:avLst/>
+            </a:prstGeom>
+            <a:solidFill>
+              <a:schemeClr val="bg1">
+                <a:alpha val="0"/>
+              </a:schemeClr>
+            </a:solidFill>
+            <a:ln w="12700">
+              <a:solidFill>
+                <a:schemeClr val="tx1"/>
+              </a:solidFill>
+              <a:prstDash val="dash"/>
+            </a:ln>
+          </p:spPr>
+          <p:style>
+            <a:lnRef idx="2">
+              <a:schemeClr val="accent1">
+                <a:shade val="50000"/>
+              </a:schemeClr>
+            </a:lnRef>
+            <a:fillRef idx="1">
+              <a:schemeClr val="accent1"/>
+            </a:fillRef>
+            <a:effectRef idx="0">
+              <a:schemeClr val="accent1"/>
+            </a:effectRef>
+            <a:fontRef idx="minor">
+              <a:schemeClr val="lt1"/>
+            </a:fontRef>
+          </p:style>
+          <p:txBody>
+            <a:bodyPr rtlCol="0" anchor="ctr"/>
+            <a:lstStyle/>
+            <a:p>
+              <a:pPr algn="ctr"/>
+              <a:endParaRPr lang="en-US"/>
+            </a:p>
+          </p:txBody>
+        </p:sp>
+        <p:cxnSp>
+          <p:nvCxnSpPr>
+            <p:cNvPr id="86" name="Straight Connector 85"/>
+            <p:cNvCxnSpPr/>
+            <p:nvPr/>
+          </p:nvCxnSpPr>
+          <p:spPr>
+            <a:xfrm rot="4228434">
+              <a:off x="6327617" y="4418031"/>
+              <a:ext cx="2" cy="352571"/>
+            </a:xfrm>
+            <a:prstGeom prst="line">
+              <a:avLst/>
+            </a:prstGeom>
+            <a:ln w="12700">
+              <a:solidFill>
+                <a:schemeClr val="tx1"/>
+              </a:solidFill>
+              <a:prstDash val="dash"/>
+            </a:ln>
+          </p:spPr>
+          <p:style>
+            <a:lnRef idx="1">
+              <a:schemeClr val="accent1"/>
+            </a:lnRef>
+            <a:fillRef idx="0">
+              <a:schemeClr val="accent1"/>
+            </a:fillRef>
+            <a:effectRef idx="0">
+              <a:schemeClr val="accent1"/>
+            </a:effectRef>
+            <a:fontRef idx="minor">
+              <a:schemeClr val="tx1"/>
+            </a:fontRef>
+          </p:style>
+        </p:cxnSp>
+        <p:sp>
+          <p:nvSpPr>
+            <p:cNvPr id="95" name="Chevron 94"/>
+            <p:cNvSpPr>
+              <a:spLocks/>
+            </p:cNvSpPr>
+            <p:nvPr/>
+          </p:nvSpPr>
+          <p:spPr>
+            <a:xfrm rot="4228434">
+              <a:off x="6288473" y="4517147"/>
+              <a:ext cx="125089" cy="137727"/>
+            </a:xfrm>
+            <a:prstGeom prst="chevron">
+              <a:avLst/>
+            </a:prstGeom>
+            <a:solidFill>
+              <a:srgbClr val="0070C0"/>
+            </a:solidFill>
+            <a:ln w="12700">
+              <a:solidFill>
+                <a:schemeClr val="tx1"/>
+              </a:solidFill>
+              <a:prstDash val="solid"/>
+            </a:ln>
+          </p:spPr>
+          <p:style>
+            <a:lnRef idx="2">
+              <a:schemeClr val="accent1">
+                <a:shade val="50000"/>
+              </a:schemeClr>
+            </a:lnRef>
+            <a:fillRef idx="1">
+              <a:schemeClr val="accent1"/>
+            </a:fillRef>
+            <a:effectRef idx="0">
+              <a:schemeClr val="accent1"/>
+            </a:effectRef>
+            <a:fontRef idx="minor">
+              <a:schemeClr val="lt1"/>
+            </a:fontRef>
+          </p:style>
+          <p:txBody>
+            <a:bodyPr rtlCol="0" anchor="ctr"/>
+            <a:lstStyle/>
+            <a:p>
+              <a:pPr algn="ctr"/>
+              <a:endParaRPr lang="en-US"/>
+            </a:p>
+          </p:txBody>
+        </p:sp>
+        <p:sp>
+          <p:nvSpPr>
+            <p:cNvPr id="25" name="Oval 24"/>
+            <p:cNvSpPr/>
+            <p:nvPr/>
+          </p:nvSpPr>
+          <p:spPr>
+            <a:xfrm>
+              <a:off x="6035728" y="4575251"/>
+              <a:ext cx="180975" cy="180975"/>
+            </a:xfrm>
+            <a:prstGeom prst="ellipse">
+              <a:avLst/>
+            </a:prstGeom>
+            <a:solidFill>
+              <a:srgbClr val="EFA66B"/>
+            </a:solidFill>
+            <a:ln w="12700">
+              <a:solidFill>
+                <a:schemeClr val="tx1"/>
+              </a:solidFill>
+            </a:ln>
+          </p:spPr>
+          <p:style>
+            <a:lnRef idx="2">
+              <a:schemeClr val="accent1">
+                <a:shade val="50000"/>
+              </a:schemeClr>
+            </a:lnRef>
+            <a:fillRef idx="1">
+              <a:schemeClr val="accent1"/>
+            </a:fillRef>
+            <a:effectRef idx="0">
+              <a:schemeClr val="accent1"/>
+            </a:effectRef>
+            <a:fontRef idx="minor">
+              <a:schemeClr val="lt1"/>
+            </a:fontRef>
+          </p:style>
+          <p:txBody>
+            <a:bodyPr rtlCol="0" anchor="ctr"/>
+            <a:lstStyle/>
+            <a:p>
+              <a:pPr algn="ctr"/>
+              <a:endParaRPr lang="en-US"/>
+            </a:p>
+          </p:txBody>
+        </p:sp>
+        <p:cxnSp>
+          <p:nvCxnSpPr>
+            <p:cNvPr id="21" name="Straight Connector 20"/>
+            <p:cNvCxnSpPr/>
+            <p:nvPr/>
+          </p:nvCxnSpPr>
+          <p:spPr>
+            <a:xfrm>
+              <a:off x="6126216" y="4250531"/>
+              <a:ext cx="0" cy="103060"/>
+            </a:xfrm>
+            <a:prstGeom prst="line">
+              <a:avLst/>
+            </a:prstGeom>
+            <a:ln w="12700">
+              <a:solidFill>
+                <a:schemeClr val="tx1"/>
+              </a:solidFill>
+              <a:prstDash val="dash"/>
+            </a:ln>
+          </p:spPr>
+          <p:style>
+            <a:lnRef idx="1">
+              <a:schemeClr val="accent1"/>
+            </a:lnRef>
+            <a:fillRef idx="0">
+              <a:schemeClr val="accent1"/>
+            </a:fillRef>
+            <a:effectRef idx="0">
+              <a:schemeClr val="accent1"/>
+            </a:effectRef>
+            <a:fontRef idx="minor">
+              <a:schemeClr val="tx1"/>
+            </a:fontRef>
+          </p:style>
+        </p:cxnSp>
+      </p:grpSp>
+      <p:grpSp>
+        <p:nvGrpSpPr>
+          <p:cNvPr id="28" name="Group 27"/>
+          <p:cNvGrpSpPr/>
+          <p:nvPr/>
+        </p:nvGrpSpPr>
+        <p:grpSpPr>
+          <a:xfrm>
+            <a:off x="2637859" y="4250531"/>
+            <a:ext cx="468175" cy="505695"/>
+            <a:chOff x="6035728" y="4250531"/>
+            <a:chExt cx="468175" cy="505695"/>
+          </a:xfrm>
+        </p:grpSpPr>
+        <p:cxnSp>
+          <p:nvCxnSpPr>
+            <p:cNvPr id="29" name="Straight Connector 28"/>
+            <p:cNvCxnSpPr/>
+            <p:nvPr/>
+          </p:nvCxnSpPr>
+          <p:spPr>
+            <a:xfrm>
+              <a:off x="6126216" y="4504046"/>
+              <a:ext cx="0" cy="124282"/>
+            </a:xfrm>
+            <a:prstGeom prst="line">
+              <a:avLst/>
+            </a:prstGeom>
+            <a:ln w="12700">
+              <a:solidFill>
+                <a:schemeClr val="tx1"/>
+              </a:solidFill>
+              <a:prstDash val="dash"/>
+            </a:ln>
+          </p:spPr>
+          <p:style>
+            <a:lnRef idx="1">
+              <a:schemeClr val="accent1"/>
+            </a:lnRef>
+            <a:fillRef idx="0">
+              <a:schemeClr val="accent1"/>
+            </a:fillRef>
+            <a:effectRef idx="0">
+              <a:schemeClr val="accent1"/>
+            </a:effectRef>
+            <a:fontRef idx="minor">
+              <a:schemeClr val="tx1"/>
+            </a:fontRef>
+          </p:style>
+        </p:cxnSp>
+        <p:sp>
+          <p:nvSpPr>
+            <p:cNvPr id="30" name="Chevron 29"/>
+            <p:cNvSpPr>
+              <a:spLocks/>
+            </p:cNvSpPr>
+            <p:nvPr/>
+          </p:nvSpPr>
+          <p:spPr>
+            <a:xfrm>
+              <a:off x="6063669" y="4358353"/>
+              <a:ext cx="125089" cy="137727"/>
+            </a:xfrm>
+            <a:prstGeom prst="chevron">
+              <a:avLst/>
+            </a:prstGeom>
+            <a:solidFill>
+              <a:schemeClr val="bg1">
+                <a:alpha val="0"/>
+              </a:schemeClr>
+            </a:solidFill>
+            <a:ln w="12700">
+              <a:solidFill>
+                <a:schemeClr val="tx1"/>
+              </a:solidFill>
+              <a:prstDash val="dash"/>
+            </a:ln>
+          </p:spPr>
+          <p:style>
+            <a:lnRef idx="2">
+              <a:schemeClr val="accent1">
+                <a:shade val="50000"/>
+              </a:schemeClr>
+            </a:lnRef>
+            <a:fillRef idx="1">
+              <a:schemeClr val="accent1"/>
+            </a:fillRef>
+            <a:effectRef idx="0">
+              <a:schemeClr val="accent1"/>
+            </a:effectRef>
+            <a:fontRef idx="minor">
+              <a:schemeClr val="lt1"/>
+            </a:fontRef>
+          </p:style>
+          <p:txBody>
+            <a:bodyPr rtlCol="0" anchor="ctr"/>
+            <a:lstStyle/>
+            <a:p>
+              <a:pPr algn="ctr"/>
+              <a:endParaRPr lang="en-US"/>
+            </a:p>
+          </p:txBody>
+        </p:sp>
+        <p:cxnSp>
+          <p:nvCxnSpPr>
+            <p:cNvPr id="31" name="Straight Connector 30"/>
+            <p:cNvCxnSpPr/>
+            <p:nvPr/>
+          </p:nvCxnSpPr>
+          <p:spPr>
+            <a:xfrm rot="4228434">
+              <a:off x="6327617" y="4418031"/>
+              <a:ext cx="2" cy="352571"/>
+            </a:xfrm>
+            <a:prstGeom prst="line">
+              <a:avLst/>
+            </a:prstGeom>
+            <a:ln w="12700">
+              <a:solidFill>
+                <a:schemeClr val="tx1"/>
+              </a:solidFill>
+              <a:prstDash val="dash"/>
+            </a:ln>
+          </p:spPr>
+          <p:style>
+            <a:lnRef idx="1">
+              <a:schemeClr val="accent1"/>
+            </a:lnRef>
+            <a:fillRef idx="0">
+              <a:schemeClr val="accent1"/>
+            </a:fillRef>
+            <a:effectRef idx="0">
+              <a:schemeClr val="accent1"/>
+            </a:effectRef>
+            <a:fontRef idx="minor">
+              <a:schemeClr val="tx1"/>
+            </a:fontRef>
+          </p:style>
+        </p:cxnSp>
+        <p:sp>
+          <p:nvSpPr>
+            <p:cNvPr id="32" name="Chevron 31"/>
+            <p:cNvSpPr>
+              <a:spLocks/>
+            </p:cNvSpPr>
+            <p:nvPr/>
+          </p:nvSpPr>
+          <p:spPr>
+            <a:xfrm>
+              <a:off x="6288473" y="4517147"/>
+              <a:ext cx="125089" cy="137727"/>
+            </a:xfrm>
+            <a:prstGeom prst="chevron">
+              <a:avLst/>
+            </a:prstGeom>
+            <a:solidFill>
+              <a:srgbClr val="0070C0"/>
+            </a:solidFill>
+            <a:ln w="12700">
+              <a:solidFill>
+                <a:schemeClr val="tx1"/>
+              </a:solidFill>
+              <a:prstDash val="solid"/>
+            </a:ln>
+          </p:spPr>
+          <p:style>
+            <a:lnRef idx="2">
+              <a:schemeClr val="accent1">
+                <a:shade val="50000"/>
+              </a:schemeClr>
+            </a:lnRef>
+            <a:fillRef idx="1">
+              <a:schemeClr val="accent1"/>
+            </a:fillRef>
+            <a:effectRef idx="0">
+              <a:schemeClr val="accent1"/>
+            </a:effectRef>
+            <a:fontRef idx="minor">
+              <a:schemeClr val="lt1"/>
+            </a:fontRef>
+          </p:style>
+          <p:txBody>
+            <a:bodyPr rtlCol="0" anchor="ctr"/>
+            <a:lstStyle/>
+            <a:p>
+              <a:pPr algn="ctr"/>
+              <a:endParaRPr lang="en-US"/>
+            </a:p>
+          </p:txBody>
+        </p:sp>
+        <p:sp>
+          <p:nvSpPr>
+            <p:cNvPr id="33" name="Oval 32"/>
+            <p:cNvSpPr/>
+            <p:nvPr/>
+          </p:nvSpPr>
+          <p:spPr>
+            <a:xfrm>
+              <a:off x="6035728" y="4575251"/>
+              <a:ext cx="180975" cy="180975"/>
+            </a:xfrm>
+            <a:prstGeom prst="ellipse">
+              <a:avLst/>
+            </a:prstGeom>
+            <a:solidFill>
+              <a:srgbClr val="EFA66B"/>
+            </a:solidFill>
+            <a:ln w="12700">
+              <a:solidFill>
+                <a:schemeClr val="tx1"/>
+              </a:solidFill>
+            </a:ln>
+          </p:spPr>
+          <p:style>
+            <a:lnRef idx="2">
+              <a:schemeClr val="accent1">
+                <a:shade val="50000"/>
+              </a:schemeClr>
+            </a:lnRef>
+            <a:fillRef idx="1">
+              <a:schemeClr val="accent1"/>
+            </a:fillRef>
+            <a:effectRef idx="0">
+              <a:schemeClr val="accent1"/>
+            </a:effectRef>
+            <a:fontRef idx="minor">
+              <a:schemeClr val="lt1"/>
+            </a:fontRef>
+          </p:style>
+          <p:txBody>
+            <a:bodyPr rtlCol="0" anchor="ctr"/>
+            <a:lstStyle/>
+            <a:p>
+              <a:pPr algn="ctr"/>
+              <a:endParaRPr lang="en-US"/>
+            </a:p>
+          </p:txBody>
+        </p:sp>
+        <p:cxnSp>
+          <p:nvCxnSpPr>
+            <p:cNvPr id="34" name="Straight Connector 33"/>
+            <p:cNvCxnSpPr/>
+            <p:nvPr/>
+          </p:nvCxnSpPr>
+          <p:spPr>
+            <a:xfrm>
+              <a:off x="6126216" y="4250531"/>
+              <a:ext cx="0" cy="103060"/>
+            </a:xfrm>
+            <a:prstGeom prst="line">
+              <a:avLst/>
+            </a:prstGeom>
+            <a:ln w="12700">
+              <a:solidFill>
+                <a:schemeClr val="tx1"/>
+              </a:solidFill>
+              <a:prstDash val="dash"/>
+            </a:ln>
+          </p:spPr>
+          <p:style>
+            <a:lnRef idx="1">
+              <a:schemeClr val="accent1"/>
+            </a:lnRef>
+            <a:fillRef idx="0">
+              <a:schemeClr val="accent1"/>
+            </a:fillRef>
+            <a:effectRef idx="0">
+              <a:schemeClr val="accent1"/>
+            </a:effectRef>
+            <a:fontRef idx="minor">
+              <a:schemeClr val="tx1"/>
+            </a:fontRef>
+          </p:style>
+        </p:cxnSp>
+      </p:grpSp>
+    </p:spTree>
+    <p:extLst>
+      <p:ext uri="{BB962C8B-B14F-4D97-AF65-F5344CB8AC3E}">
+        <p14:creationId xmlns:p14="http://schemas.microsoft.com/office/powerpoint/2010/main" val="1954898725"/>
+      </p:ext>
+    </p:extLst>
+  </p:cSld>
+  <p:clrMapOvr>
+    <a:masterClrMapping/>
+  </p:clrMapOvr>
+  <p:timing>
+    <p:tnLst>
+      <p:par>
+        <p:cTn id="1" dur="indefinite" restart="never" nodeType="tmRoot"/>
+      </p:par>
+    </p:tnLst>
+  </p:timing>
 </p:sld>
 </file>
 

--- a/doc/Icons-PositionsLab.pptx
+++ b/doc/Icons-PositionsLab.pptx
@@ -5,7 +5,7 @@
     <p:sldMasterId id="2147483648" r:id="rId1"/>
   </p:sldMasterIdLst>
   <p:notesMasterIdLst>
-    <p:notesMasterId r:id="rId9"/>
+    <p:notesMasterId r:id="rId8"/>
   </p:notesMasterIdLst>
   <p:sldIdLst>
     <p:sldId id="269" r:id="rId2"/>
@@ -14,7 +14,6 @@
     <p:sldId id="272" r:id="rId5"/>
     <p:sldId id="273" r:id="rId6"/>
     <p:sldId id="274" r:id="rId7"/>
-    <p:sldId id="275" r:id="rId8"/>
   </p:sldIdLst>
   <p:sldSz cx="9144000" cy="6858000" type="screen4x3"/>
   <p:notesSz cx="6858000" cy="9144000"/>
@@ -116,17 +115,12 @@
   <p:extLst>
     <p:ext uri="{EFAFB233-063F-42B5-8137-9DF3F51BA10A}">
       <p15:sldGuideLst xmlns:p15="http://schemas.microsoft.com/office/powerpoint/2012/main">
-        <p15:guide id="1" orient="horz" pos="2184" userDrawn="1">
+        <p15:guide id="1" orient="horz" pos="2160">
           <p15:clr>
             <a:srgbClr val="A4A3A4"/>
           </p15:clr>
         </p15:guide>
-        <p15:guide id="2" pos="2280" userDrawn="1">
-          <p15:clr>
-            <a:srgbClr val="A4A3A4"/>
-          </p15:clr>
-        </p15:guide>
-        <p15:guide id="3" pos="2980" userDrawn="1">
+        <p15:guide id="2" pos="2880">
           <p15:clr>
             <a:srgbClr val="A4A3A4"/>
           </p15:clr>
@@ -219,7 +213,7 @@
           <a:p>
             <a:fld id="{6699ACB9-486C-4D62-A3A7-AF98E13EFDA3}" type="datetimeFigureOut">
               <a:rPr lang="en-US" smtClean="0"/>
-              <a:t>8/29/2016</a:t>
+              <a:t>8/26/2016</a:t>
             </a:fld>
             <a:endParaRPr lang="en-US"/>
           </a:p>
@@ -484,6 +478,90 @@
     </a:lvl9pPr>
   </p:notesStyle>
 </p:notesMaster>
+</file>
+
+<file path=ppt/notesSlides/notesSlide1.xml><?xml version="1.0" encoding="utf-8"?>
+<p:notes xmlns:a="http://schemas.openxmlformats.org/drawingml/2006/main" xmlns:r="http://schemas.openxmlformats.org/officeDocument/2006/relationships" xmlns:p="http://schemas.openxmlformats.org/presentationml/2006/main">
+  <p:cSld>
+    <p:spTree>
+      <p:nvGrpSpPr>
+        <p:cNvPr id="1" name=""/>
+        <p:cNvGrpSpPr/>
+        <p:nvPr/>
+      </p:nvGrpSpPr>
+      <p:grpSpPr>
+        <a:xfrm>
+          <a:off x="0" y="0"/>
+          <a:ext cx="0" cy="0"/>
+          <a:chOff x="0" y="0"/>
+          <a:chExt cx="0" cy="0"/>
+        </a:xfrm>
+      </p:grpSpPr>
+      <p:sp>
+        <p:nvSpPr>
+          <p:cNvPr id="2" name="幻灯片图像占位符 1"/>
+          <p:cNvSpPr>
+            <a:spLocks noGrp="1" noRot="1" noChangeAspect="1"/>
+          </p:cNvSpPr>
+          <p:nvPr>
+            <p:ph type="sldImg"/>
+          </p:nvPr>
+        </p:nvSpPr>
+        <p:spPr/>
+      </p:sp>
+      <p:sp>
+        <p:nvSpPr>
+          <p:cNvPr id="3" name="备注占位符 2"/>
+          <p:cNvSpPr>
+            <a:spLocks noGrp="1"/>
+          </p:cNvSpPr>
+          <p:nvPr>
+            <p:ph type="body" idx="1"/>
+          </p:nvPr>
+        </p:nvSpPr>
+        <p:spPr/>
+        <p:txBody>
+          <a:bodyPr/>
+          <a:lstStyle/>
+          <a:p>
+            <a:endParaRPr lang="zh-CN" altLang="en-US" dirty="0"/>
+          </a:p>
+        </p:txBody>
+      </p:sp>
+      <p:sp>
+        <p:nvSpPr>
+          <p:cNvPr id="4" name="灯片编号占位符 3"/>
+          <p:cNvSpPr>
+            <a:spLocks noGrp="1"/>
+          </p:cNvSpPr>
+          <p:nvPr>
+            <p:ph type="sldNum" sz="quarter" idx="10"/>
+          </p:nvPr>
+        </p:nvSpPr>
+        <p:spPr/>
+        <p:txBody>
+          <a:bodyPr/>
+          <a:lstStyle/>
+          <a:p>
+            <a:fld id="{8EC77E60-82A0-4F8A-A861-433B3189FA8C}" type="slidenum">
+              <a:rPr lang="en-US" smtClean="0"/>
+              <a:t>6</a:t>
+            </a:fld>
+            <a:endParaRPr lang="en-US"/>
+          </a:p>
+        </p:txBody>
+      </p:sp>
+    </p:spTree>
+    <p:extLst>
+      <p:ext uri="{BB962C8B-B14F-4D97-AF65-F5344CB8AC3E}">
+        <p14:creationId xmlns:p14="http://schemas.microsoft.com/office/powerpoint/2010/main" val="3737246662"/>
+      </p:ext>
+    </p:extLst>
+  </p:cSld>
+  <p:clrMapOvr>
+    <a:masterClrMapping/>
+  </p:clrMapOvr>
+</p:notes>
 </file>
 
 <file path=ppt/slideLayouts/slideLayout1.xml><?xml version="1.0" encoding="utf-8"?>
@@ -666,7 +744,7 @@
             <a:fld id="{1D8BD707-D9CF-40AE-B4C6-C98DA3205C09}" type="datetimeFigureOut">
               <a:rPr lang="en-US" smtClean="0"/>
               <a:pPr/>
-              <a:t>8/29/2016</a:t>
+              <a:t>8/26/2016</a:t>
             </a:fld>
             <a:endParaRPr lang="en-US"/>
           </a:p>
@@ -831,7 +909,7 @@
             <a:fld id="{1D8BD707-D9CF-40AE-B4C6-C98DA3205C09}" type="datetimeFigureOut">
               <a:rPr lang="en-US" smtClean="0"/>
               <a:pPr/>
-              <a:t>8/29/2016</a:t>
+              <a:t>8/26/2016</a:t>
             </a:fld>
             <a:endParaRPr lang="en-US"/>
           </a:p>
@@ -1006,7 +1084,7 @@
             <a:fld id="{1D8BD707-D9CF-40AE-B4C6-C98DA3205C09}" type="datetimeFigureOut">
               <a:rPr lang="en-US" smtClean="0"/>
               <a:pPr/>
-              <a:t>8/29/2016</a:t>
+              <a:t>8/26/2016</a:t>
             </a:fld>
             <a:endParaRPr lang="en-US"/>
           </a:p>
@@ -1171,7 +1249,7 @@
             <a:fld id="{1D8BD707-D9CF-40AE-B4C6-C98DA3205C09}" type="datetimeFigureOut">
               <a:rPr lang="en-US" smtClean="0"/>
               <a:pPr/>
-              <a:t>8/29/2016</a:t>
+              <a:t>8/26/2016</a:t>
             </a:fld>
             <a:endParaRPr lang="en-US"/>
           </a:p>
@@ -1413,7 +1491,7 @@
             <a:fld id="{1D8BD707-D9CF-40AE-B4C6-C98DA3205C09}" type="datetimeFigureOut">
               <a:rPr lang="en-US" smtClean="0"/>
               <a:pPr/>
-              <a:t>8/29/2016</a:t>
+              <a:t>8/26/2016</a:t>
             </a:fld>
             <a:endParaRPr lang="en-US"/>
           </a:p>
@@ -1695,7 +1773,7 @@
             <a:fld id="{1D8BD707-D9CF-40AE-B4C6-C98DA3205C09}" type="datetimeFigureOut">
               <a:rPr lang="en-US" smtClean="0"/>
               <a:pPr/>
-              <a:t>8/29/2016</a:t>
+              <a:t>8/26/2016</a:t>
             </a:fld>
             <a:endParaRPr lang="en-US"/>
           </a:p>
@@ -2111,7 +2189,7 @@
             <a:fld id="{1D8BD707-D9CF-40AE-B4C6-C98DA3205C09}" type="datetimeFigureOut">
               <a:rPr lang="en-US" smtClean="0"/>
               <a:pPr/>
-              <a:t>8/29/2016</a:t>
+              <a:t>8/26/2016</a:t>
             </a:fld>
             <a:endParaRPr lang="en-US"/>
           </a:p>
@@ -2225,7 +2303,7 @@
             <a:fld id="{1D8BD707-D9CF-40AE-B4C6-C98DA3205C09}" type="datetimeFigureOut">
               <a:rPr lang="en-US" smtClean="0"/>
               <a:pPr/>
-              <a:t>8/29/2016</a:t>
+              <a:t>8/26/2016</a:t>
             </a:fld>
             <a:endParaRPr lang="en-US"/>
           </a:p>
@@ -2317,7 +2395,7 @@
             <a:fld id="{1D8BD707-D9CF-40AE-B4C6-C98DA3205C09}" type="datetimeFigureOut">
               <a:rPr lang="en-US" smtClean="0"/>
               <a:pPr/>
-              <a:t>8/29/2016</a:t>
+              <a:t>8/26/2016</a:t>
             </a:fld>
             <a:endParaRPr lang="en-US"/>
           </a:p>
@@ -2589,7 +2667,7 @@
             <a:fld id="{1D8BD707-D9CF-40AE-B4C6-C98DA3205C09}" type="datetimeFigureOut">
               <a:rPr lang="en-US" smtClean="0"/>
               <a:pPr/>
-              <a:t>8/29/2016</a:t>
+              <a:t>8/26/2016</a:t>
             </a:fld>
             <a:endParaRPr lang="en-US"/>
           </a:p>
@@ -2838,7 +2916,7 @@
             <a:fld id="{1D8BD707-D9CF-40AE-B4C6-C98DA3205C09}" type="datetimeFigureOut">
               <a:rPr lang="en-US" smtClean="0"/>
               <a:pPr/>
-              <a:t>8/29/2016</a:t>
+              <a:t>8/26/2016</a:t>
             </a:fld>
             <a:endParaRPr lang="en-US"/>
           </a:p>
@@ -2899,12 +2977,9 @@
 <p:sldMaster xmlns:a="http://schemas.openxmlformats.org/drawingml/2006/main" xmlns:r="http://schemas.openxmlformats.org/officeDocument/2006/relationships" xmlns:p="http://schemas.openxmlformats.org/presentationml/2006/main">
   <p:cSld>
     <p:bg>
-      <p:bgPr>
-        <a:solidFill>
-          <a:schemeClr val="bg1"/>
-        </a:solidFill>
-        <a:effectLst/>
-      </p:bgPr>
+      <p:bgRef idx="1001">
+        <a:schemeClr val="bg1"/>
+      </p:bgRef>
     </p:bg>
     <p:spTree>
       <p:nvGrpSpPr>
@@ -3049,7 +3124,7 @@
             <a:fld id="{1D8BD707-D9CF-40AE-B4C6-C98DA3205C09}" type="datetimeFigureOut">
               <a:rPr lang="en-US" smtClean="0"/>
               <a:pPr/>
-              <a:t>8/29/2016</a:t>
+              <a:t>8/26/2016</a:t>
             </a:fld>
             <a:endParaRPr lang="en-US"/>
           </a:p>
@@ -3406,6 +3481,16 @@
 <file path=ppt/slides/slide1.xml><?xml version="1.0" encoding="utf-8"?>
 <p:sld xmlns:a="http://schemas.openxmlformats.org/drawingml/2006/main" xmlns:r="http://schemas.openxmlformats.org/officeDocument/2006/relationships" xmlns:p="http://schemas.openxmlformats.org/presentationml/2006/main">
   <p:cSld>
+    <p:bg>
+      <p:bgPr>
+        <a:solidFill>
+          <a:schemeClr val="bg1">
+            <a:lumMod val="95000"/>
+          </a:schemeClr>
+        </a:solidFill>
+        <a:effectLst/>
+      </p:bgPr>
+    </p:bg>
     <p:spTree>
       <p:nvGrpSpPr>
         <p:cNvPr id="1" name=""/>
@@ -3713,39 +3798,9 @@
           </p:spPr>
         </p:pic>
       </p:grpSp>
-      <p:sp>
-        <p:nvSpPr>
-          <p:cNvPr id="4" name="TextBox 3"/>
-          <p:cNvSpPr txBox="1"/>
-          <p:nvPr/>
-        </p:nvSpPr>
-        <p:spPr>
-          <a:xfrm>
-            <a:off x="3243463" y="706170"/>
-            <a:ext cx="2657074" cy="707886"/>
-          </a:xfrm>
-          <a:prstGeom prst="rect">
-            <a:avLst/>
-          </a:prstGeom>
-          <a:noFill/>
-        </p:spPr>
-        <p:txBody>
-          <a:bodyPr wrap="none" rtlCol="0">
-            <a:spAutoFit/>
-          </a:bodyPr>
-          <a:lstStyle/>
-          <a:p>
-            <a:pPr algn="ctr"/>
-            <a:r>
-              <a:rPr lang="en-US" sz="4000" dirty="0"/>
-              <a:t>Ribbon Icon</a:t>
-            </a:r>
-          </a:p>
-        </p:txBody>
-      </p:sp>
       <p:grpSp>
         <p:nvGrpSpPr>
-          <p:cNvPr id="16" name="Group 15"/>
+          <p:cNvPr id="2" name="Group 1"/>
           <p:cNvGrpSpPr/>
           <p:nvPr/>
         </p:nvGrpSpPr>
@@ -3759,7 +3814,7 @@
         </p:grpSpPr>
         <p:grpSp>
           <p:nvGrpSpPr>
-            <p:cNvPr id="17" name="Group 16"/>
+            <p:cNvPr id="7" name="Group 6"/>
             <p:cNvGrpSpPr>
               <a:grpSpLocks/>
             </p:cNvGrpSpPr>
@@ -3775,7 +3830,7 @@
           </p:grpSpPr>
           <p:sp>
             <p:nvSpPr>
-              <p:cNvPr id="21" name="Rectangle 20"/>
+              <p:cNvPr id="8" name="Rectangle 7"/>
               <p:cNvSpPr/>
               <p:nvPr/>
             </p:nvSpPr>
@@ -3819,7 +3874,7 @@
           </p:sp>
           <p:sp>
             <p:nvSpPr>
-              <p:cNvPr id="22" name="Rectangle 4"/>
+              <p:cNvPr id="9" name="Rectangle 4"/>
               <p:cNvSpPr/>
               <p:nvPr/>
             </p:nvSpPr>
@@ -3913,7 +3968,7 @@
         </p:grpSp>
         <p:sp>
           <p:nvSpPr>
-            <p:cNvPr id="18" name="Rectangle 7"/>
+            <p:cNvPr id="10" name="Rectangle 7"/>
             <p:cNvSpPr>
               <a:spLocks/>
             </p:cNvSpPr>
@@ -3963,7 +4018,7 @@
         </p:sp>
         <p:sp>
           <p:nvSpPr>
-            <p:cNvPr id="19" name="Rectangle 7"/>
+            <p:cNvPr id="11" name="Rectangle 7"/>
             <p:cNvSpPr>
               <a:spLocks/>
             </p:cNvSpPr>
@@ -4013,7 +4068,7 @@
         </p:sp>
         <p:cxnSp>
           <p:nvCxnSpPr>
-            <p:cNvPr id="20" name="Straight Connector 19"/>
+            <p:cNvPr id="12" name="Straight Connector 11"/>
             <p:cNvCxnSpPr/>
             <p:nvPr/>
           </p:nvCxnSpPr>
@@ -4025,7 +4080,7 @@
             <a:prstGeom prst="line">
               <a:avLst/>
             </a:prstGeom>
-            <a:ln w="22225">
+            <a:ln w="9525">
               <a:solidFill>
                 <a:srgbClr val="0070C0"/>
               </a:solidFill>
@@ -4047,6 +4102,36 @@
           </p:style>
         </p:cxnSp>
       </p:grpSp>
+      <p:sp>
+        <p:nvSpPr>
+          <p:cNvPr id="4" name="TextBox 3"/>
+          <p:cNvSpPr txBox="1"/>
+          <p:nvPr/>
+        </p:nvSpPr>
+        <p:spPr>
+          <a:xfrm>
+            <a:off x="3243463" y="706170"/>
+            <a:ext cx="2657074" cy="707886"/>
+          </a:xfrm>
+          <a:prstGeom prst="rect">
+            <a:avLst/>
+          </a:prstGeom>
+          <a:noFill/>
+        </p:spPr>
+        <p:txBody>
+          <a:bodyPr wrap="none" rtlCol="0">
+            <a:spAutoFit/>
+          </a:bodyPr>
+          <a:lstStyle/>
+          <a:p>
+            <a:pPr algn="ctr"/>
+            <a:r>
+              <a:rPr lang="en-US" sz="4000" dirty="0"/>
+              <a:t>Ribbon Icon</a:t>
+            </a:r>
+          </a:p>
+        </p:txBody>
+      </p:sp>
     </p:spTree>
     <p:extLst>
       <p:ext uri="{BB962C8B-B14F-4D97-AF65-F5344CB8AC3E}">
@@ -4057,19 +4142,22 @@
   <p:clrMapOvr>
     <a:masterClrMapping/>
   </p:clrMapOvr>
-  <p:timing>
-    <p:tnLst>
-      <p:par>
-        <p:cTn id="1" dur="indefinite" restart="never" nodeType="tmRoot"/>
-      </p:par>
-    </p:tnLst>
-  </p:timing>
 </p:sld>
 </file>
 
 <file path=ppt/slides/slide2.xml><?xml version="1.0" encoding="utf-8"?>
 <p:sld xmlns:a="http://schemas.openxmlformats.org/drawingml/2006/main" xmlns:r="http://schemas.openxmlformats.org/officeDocument/2006/relationships" xmlns:p="http://schemas.openxmlformats.org/presentationml/2006/main">
   <p:cSld>
+    <p:bg>
+      <p:bgPr>
+        <a:solidFill>
+          <a:schemeClr val="bg1">
+            <a:lumMod val="95000"/>
+          </a:schemeClr>
+        </a:solidFill>
+        <a:effectLst/>
+      </p:bgPr>
+    </p:bg>
     <p:spTree>
       <p:nvGrpSpPr>
         <p:cNvPr id="1" name=""/>
@@ -4116,7 +4204,7 @@
       </p:sp>
       <p:grpSp>
         <p:nvGrpSpPr>
-          <p:cNvPr id="2" name="Group 1"/>
+          <p:cNvPr id="3" name="Group 2"/>
           <p:cNvGrpSpPr/>
           <p:nvPr/>
         </p:nvGrpSpPr>
@@ -4142,7 +4230,7 @@
             <a:prstGeom prst="line">
               <a:avLst/>
             </a:prstGeom>
-            <a:ln w="25400">
+            <a:ln w="19050">
               <a:solidFill>
                 <a:schemeClr val="tx1"/>
               </a:solidFill>
@@ -4178,7 +4266,7 @@
               <a:avLst/>
             </a:prstGeom>
             <a:solidFill>
-              <a:srgbClr val="EFA66B"/>
+              <a:srgbClr val="E46B09"/>
             </a:solidFill>
             <a:ln w="12700">
               <a:solidFill>
@@ -4273,12 +4361,11 @@
             <a:prstGeom prst="straightConnector1">
               <a:avLst/>
             </a:prstGeom>
-            <a:ln w="22225">
-              <a:solidFill>
-                <a:srgbClr val="0070C0"/>
-              </a:solidFill>
-              <a:headEnd w="med" len="sm"/>
-              <a:tailEnd type="triangle" w="med" len="med"/>
+            <a:ln>
+              <a:solidFill>
+                <a:srgbClr val="0071C2"/>
+              </a:solidFill>
+              <a:tailEnd type="triangle"/>
             </a:ln>
           </p:spPr>
           <p:style>
@@ -4419,7 +4506,7 @@
       </p:sp>
       <p:grpSp>
         <p:nvGrpSpPr>
-          <p:cNvPr id="17" name="Group 16"/>
+          <p:cNvPr id="6" name="Group 5"/>
           <p:cNvGrpSpPr/>
           <p:nvPr/>
         </p:nvGrpSpPr>
@@ -4445,7 +4532,7 @@
             <a:prstGeom prst="line">
               <a:avLst/>
             </a:prstGeom>
-            <a:ln w="25400">
+            <a:ln w="19050">
               <a:solidFill>
                 <a:schemeClr val="tx1"/>
               </a:solidFill>
@@ -4481,7 +4568,7 @@
               <a:avLst/>
             </a:prstGeom>
             <a:solidFill>
-              <a:srgbClr val="EFA66B"/>
+              <a:srgbClr val="E46B09"/>
             </a:solidFill>
             <a:ln w="12700">
               <a:solidFill>
@@ -4576,12 +4663,11 @@
             <a:prstGeom prst="straightConnector1">
               <a:avLst/>
             </a:prstGeom>
-            <a:ln w="22225">
-              <a:solidFill>
-                <a:srgbClr val="0070C0"/>
-              </a:solidFill>
-              <a:headEnd w="med" len="sm"/>
-              <a:tailEnd type="triangle" w="med" len="med"/>
+            <a:ln>
+              <a:solidFill>
+                <a:srgbClr val="0071C2"/>
+              </a:solidFill>
+              <a:tailEnd type="triangle"/>
             </a:ln>
           </p:spPr>
           <p:style>
@@ -4602,7 +4688,7 @@
       </p:grpSp>
       <p:grpSp>
         <p:nvGrpSpPr>
-          <p:cNvPr id="18" name="Group 17"/>
+          <p:cNvPr id="9" name="Group 8"/>
           <p:cNvGrpSpPr/>
           <p:nvPr/>
         </p:nvGrpSpPr>
@@ -4628,7 +4714,7 @@
             <a:prstGeom prst="line">
               <a:avLst/>
             </a:prstGeom>
-            <a:ln w="25400">
+            <a:ln w="19050">
               <a:solidFill>
                 <a:schemeClr val="tx1"/>
               </a:solidFill>
@@ -4664,7 +4750,7 @@
               <a:avLst/>
             </a:prstGeom>
             <a:solidFill>
-              <a:srgbClr val="EFA66B"/>
+              <a:srgbClr val="E46B09"/>
             </a:solidFill>
             <a:ln w="12700">
               <a:solidFill>
@@ -4759,12 +4845,11 @@
             <a:prstGeom prst="straightConnector1">
               <a:avLst/>
             </a:prstGeom>
-            <a:ln w="22225">
-              <a:solidFill>
-                <a:srgbClr val="0070C0"/>
-              </a:solidFill>
-              <a:headEnd w="med" len="sm"/>
-              <a:tailEnd type="triangle" w="med" len="med"/>
+            <a:ln>
+              <a:solidFill>
+                <a:srgbClr val="0071C2"/>
+              </a:solidFill>
+              <a:tailEnd type="triangle"/>
             </a:ln>
           </p:spPr>
           <p:style>
@@ -4785,7 +4870,7 @@
       </p:grpSp>
       <p:grpSp>
         <p:nvGrpSpPr>
-          <p:cNvPr id="19" name="Group 18"/>
+          <p:cNvPr id="11" name="Group 10"/>
           <p:cNvGrpSpPr/>
           <p:nvPr/>
         </p:nvGrpSpPr>
@@ -4811,7 +4896,7 @@
             <a:prstGeom prst="line">
               <a:avLst/>
             </a:prstGeom>
-            <a:ln w="25400">
+            <a:ln w="19050">
               <a:solidFill>
                 <a:schemeClr val="tx1"/>
               </a:solidFill>
@@ -4847,7 +4932,7 @@
               <a:avLst/>
             </a:prstGeom>
             <a:solidFill>
-              <a:srgbClr val="EFA66B"/>
+              <a:srgbClr val="E46B09"/>
             </a:solidFill>
             <a:ln w="12700">
               <a:solidFill>
@@ -4942,12 +5027,11 @@
             <a:prstGeom prst="straightConnector1">
               <a:avLst/>
             </a:prstGeom>
-            <a:ln w="22225">
-              <a:solidFill>
-                <a:srgbClr val="0070C0"/>
-              </a:solidFill>
-              <a:headEnd w="med" len="sm"/>
-              <a:tailEnd type="triangle" w="med" len="med"/>
+            <a:ln>
+              <a:solidFill>
+                <a:srgbClr val="0071C2"/>
+              </a:solidFill>
+              <a:tailEnd type="triangle"/>
             </a:ln>
           </p:spPr>
           <p:style>
@@ -5057,7 +5141,7 @@
       </p:sp>
       <p:grpSp>
         <p:nvGrpSpPr>
-          <p:cNvPr id="21" name="Group 20"/>
+          <p:cNvPr id="15" name="Group 14"/>
           <p:cNvGrpSpPr/>
           <p:nvPr/>
         </p:nvGrpSpPr>
@@ -5083,7 +5167,7 @@
             <a:prstGeom prst="line">
               <a:avLst/>
             </a:prstGeom>
-            <a:ln w="25400">
+            <a:ln w="19050">
               <a:solidFill>
                 <a:schemeClr val="tx1"/>
               </a:solidFill>
@@ -5119,7 +5203,7 @@
               <a:avLst/>
             </a:prstGeom>
             <a:solidFill>
-              <a:srgbClr val="EFA66B"/>
+              <a:srgbClr val="E46B09"/>
             </a:solidFill>
             <a:ln w="12700">
               <a:solidFill>
@@ -5203,7 +5287,7 @@
       </p:grpSp>
       <p:grpSp>
         <p:nvGrpSpPr>
-          <p:cNvPr id="22" name="Group 21"/>
+          <p:cNvPr id="16" name="Group 15"/>
           <p:cNvGrpSpPr/>
           <p:nvPr/>
         </p:nvGrpSpPr>
@@ -5229,7 +5313,7 @@
             <a:prstGeom prst="line">
               <a:avLst/>
             </a:prstGeom>
-            <a:ln w="25400">
+            <a:ln w="19050">
               <a:solidFill>
                 <a:schemeClr val="tx1"/>
               </a:solidFill>
@@ -5265,7 +5349,7 @@
               <a:avLst/>
             </a:prstGeom>
             <a:solidFill>
-              <a:srgbClr val="EFA66B"/>
+              <a:srgbClr val="E46B09"/>
             </a:solidFill>
             <a:ln w="12700">
               <a:solidFill>
@@ -5349,7 +5433,7 @@
       </p:grpSp>
       <p:grpSp>
         <p:nvGrpSpPr>
-          <p:cNvPr id="23" name="Group 22"/>
+          <p:cNvPr id="17" name="Group 16"/>
           <p:cNvGrpSpPr/>
           <p:nvPr/>
         </p:nvGrpSpPr>
@@ -5439,8 +5523,8 @@
           </p:nvSpPr>
           <p:spPr>
             <a:xfrm>
-              <a:off x="5206069" y="5764106"/>
-              <a:ext cx="425448" cy="209011"/>
+              <a:off x="5180669" y="5764106"/>
+              <a:ext cx="476248" cy="209011"/>
             </a:xfrm>
             <a:prstGeom prst="rect">
               <a:avLst/>
@@ -5487,14 +5571,14 @@
           </p:nvSpPr>
           <p:spPr>
             <a:xfrm>
-              <a:off x="5272004" y="5797922"/>
-              <a:ext cx="288817" cy="135363"/>
+              <a:off x="5246604" y="5797922"/>
+              <a:ext cx="339617" cy="135363"/>
             </a:xfrm>
             <a:prstGeom prst="rect">
               <a:avLst/>
             </a:prstGeom>
             <a:solidFill>
-              <a:srgbClr val="EFA66B"/>
+              <a:srgbClr val="E46B09"/>
             </a:solidFill>
             <a:ln w="12700">
               <a:solidFill>
@@ -5528,415 +5612,6 @@
           </p:txBody>
         </p:sp>
       </p:grpSp>
-      <p:sp>
-        <p:nvSpPr>
-          <p:cNvPr id="44" name="TextBox 43"/>
-          <p:cNvSpPr txBox="1">
-            <a:spLocks/>
-          </p:cNvSpPr>
-          <p:nvPr/>
-        </p:nvSpPr>
-        <p:spPr>
-          <a:xfrm>
-            <a:off x="7164217" y="4500700"/>
-            <a:ext cx="758541" cy="369332"/>
-          </a:xfrm>
-          <a:prstGeom prst="rect">
-            <a:avLst/>
-          </a:prstGeom>
-          <a:noFill/>
-        </p:spPr>
-        <p:txBody>
-          <a:bodyPr wrap="none" rtlCol="0">
-            <a:spAutoFit/>
-          </a:bodyPr>
-          <a:lstStyle/>
-          <a:p>
-            <a:r>
-              <a:rPr lang="en-US" dirty="0" smtClean="0"/>
-              <a:t>Radial</a:t>
-            </a:r>
-            <a:endParaRPr lang="en-US" dirty="0"/>
-          </a:p>
-        </p:txBody>
-      </p:sp>
-      <p:grpSp>
-        <p:nvGrpSpPr>
-          <p:cNvPr id="24" name="Group 23"/>
-          <p:cNvGrpSpPr/>
-          <p:nvPr/>
-        </p:nvGrpSpPr>
-        <p:grpSpPr>
-          <a:xfrm>
-            <a:off x="7223325" y="5522063"/>
-            <a:ext cx="726284" cy="677557"/>
-            <a:chOff x="7223325" y="5522063"/>
-            <a:chExt cx="726284" cy="677557"/>
-          </a:xfrm>
-        </p:grpSpPr>
-        <p:sp>
-          <p:nvSpPr>
-            <p:cNvPr id="61" name="Arc 60"/>
-            <p:cNvSpPr>
-              <a:spLocks noChangeAspect="1"/>
-            </p:cNvSpPr>
-            <p:nvPr/>
-          </p:nvSpPr>
-          <p:spPr>
-            <a:xfrm>
-              <a:off x="7223325" y="5522063"/>
-              <a:ext cx="677557" cy="677557"/>
-            </a:xfrm>
-            <a:prstGeom prst="arc">
-              <a:avLst>
-                <a:gd name="adj1" fmla="val 17926607"/>
-                <a:gd name="adj2" fmla="val 3692710"/>
-              </a:avLst>
-            </a:prstGeom>
-            <a:ln w="25400">
-              <a:solidFill>
-                <a:schemeClr val="tx1"/>
-              </a:solidFill>
-              <a:prstDash val="solid"/>
-              <a:headEnd type="none" w="med" len="med"/>
-              <a:tailEnd type="none" w="med" len="med"/>
-            </a:ln>
-          </p:spPr>
-          <p:style>
-            <a:lnRef idx="1">
-              <a:schemeClr val="accent1"/>
-            </a:lnRef>
-            <a:fillRef idx="0">
-              <a:schemeClr val="accent1"/>
-            </a:fillRef>
-            <a:effectRef idx="0">
-              <a:schemeClr val="accent1"/>
-            </a:effectRef>
-            <a:fontRef idx="minor">
-              <a:schemeClr val="tx1"/>
-            </a:fontRef>
-          </p:style>
-          <p:txBody>
-            <a:bodyPr rtlCol="0" anchor="ctr"/>
-            <a:lstStyle/>
-            <a:p>
-              <a:pPr algn="ctr"/>
-              <a:endParaRPr lang="en-US"/>
-            </a:p>
-          </p:txBody>
-        </p:sp>
-        <p:cxnSp>
-          <p:nvCxnSpPr>
-            <p:cNvPr id="56" name="Straight Connector 55"/>
-            <p:cNvCxnSpPr/>
-            <p:nvPr/>
-          </p:nvCxnSpPr>
-          <p:spPr>
-            <a:xfrm flipV="1">
-              <a:off x="7642026" y="5682971"/>
-              <a:ext cx="106248" cy="103252"/>
-            </a:xfrm>
-            <a:prstGeom prst="line">
-              <a:avLst/>
-            </a:prstGeom>
-            <a:ln w="19050" cap="flat">
-              <a:solidFill>
-                <a:srgbClr val="0070C0"/>
-              </a:solidFill>
-              <a:prstDash val="solid"/>
-              <a:round/>
-              <a:headEnd type="triangle" w="med" len="sm"/>
-              <a:tailEnd type="triangle" w="med" len="sm"/>
-            </a:ln>
-          </p:spPr>
-          <p:style>
-            <a:lnRef idx="1">
-              <a:schemeClr val="accent1"/>
-            </a:lnRef>
-            <a:fillRef idx="0">
-              <a:schemeClr val="accent1"/>
-            </a:fillRef>
-            <a:effectRef idx="0">
-              <a:schemeClr val="accent1"/>
-            </a:effectRef>
-            <a:fontRef idx="minor">
-              <a:schemeClr val="tx1"/>
-            </a:fontRef>
-          </p:style>
-        </p:cxnSp>
-        <p:sp>
-          <p:nvSpPr>
-            <p:cNvPr id="57" name="Oval 56"/>
-            <p:cNvSpPr/>
-            <p:nvPr/>
-          </p:nvSpPr>
-          <p:spPr>
-            <a:xfrm>
-              <a:off x="7471617" y="5771630"/>
-              <a:ext cx="180975" cy="180975"/>
-            </a:xfrm>
-            <a:prstGeom prst="ellipse">
-              <a:avLst/>
-            </a:prstGeom>
-            <a:solidFill>
-              <a:srgbClr val="EFA66B"/>
-            </a:solidFill>
-            <a:ln w="12700">
-              <a:solidFill>
-                <a:schemeClr val="tx1"/>
-              </a:solidFill>
-            </a:ln>
-          </p:spPr>
-          <p:style>
-            <a:lnRef idx="2">
-              <a:schemeClr val="accent1">
-                <a:shade val="50000"/>
-              </a:schemeClr>
-            </a:lnRef>
-            <a:fillRef idx="1">
-              <a:schemeClr val="accent1"/>
-            </a:fillRef>
-            <a:effectRef idx="0">
-              <a:schemeClr val="accent1"/>
-            </a:effectRef>
-            <a:fontRef idx="minor">
-              <a:schemeClr val="lt1"/>
-            </a:fontRef>
-          </p:style>
-          <p:txBody>
-            <a:bodyPr rtlCol="0" anchor="ctr"/>
-            <a:lstStyle/>
-            <a:p>
-              <a:pPr algn="ctr"/>
-              <a:endParaRPr lang="en-US"/>
-            </a:p>
-          </p:txBody>
-        </p:sp>
-        <p:sp>
-          <p:nvSpPr>
-            <p:cNvPr id="58" name="Oval 57"/>
-            <p:cNvSpPr/>
-            <p:nvPr/>
-          </p:nvSpPr>
-          <p:spPr>
-            <a:xfrm>
-              <a:off x="7737660" y="5565026"/>
-              <a:ext cx="121956" cy="121956"/>
-            </a:xfrm>
-            <a:prstGeom prst="ellipse">
-              <a:avLst/>
-            </a:prstGeom>
-            <a:solidFill>
-              <a:schemeClr val="bg1">
-                <a:lumMod val="65000"/>
-              </a:schemeClr>
-            </a:solidFill>
-            <a:ln w="12700">
-              <a:solidFill>
-                <a:schemeClr val="tx1"/>
-              </a:solidFill>
-            </a:ln>
-          </p:spPr>
-          <p:style>
-            <a:lnRef idx="2">
-              <a:schemeClr val="accent1">
-                <a:shade val="50000"/>
-              </a:schemeClr>
-            </a:lnRef>
-            <a:fillRef idx="1">
-              <a:schemeClr val="accent1"/>
-            </a:fillRef>
-            <a:effectRef idx="0">
-              <a:schemeClr val="accent1"/>
-            </a:effectRef>
-            <a:fontRef idx="minor">
-              <a:schemeClr val="lt1"/>
-            </a:fontRef>
-          </p:style>
-          <p:txBody>
-            <a:bodyPr rtlCol="0" anchor="ctr"/>
-            <a:lstStyle/>
-            <a:p>
-              <a:pPr algn="ctr"/>
-              <a:endParaRPr lang="en-US"/>
-            </a:p>
-          </p:txBody>
-        </p:sp>
-        <p:sp>
-          <p:nvSpPr>
-            <p:cNvPr id="59" name="Oval 58"/>
-            <p:cNvSpPr/>
-            <p:nvPr/>
-          </p:nvSpPr>
-          <p:spPr>
-            <a:xfrm>
-              <a:off x="7827653" y="5729862"/>
-              <a:ext cx="121956" cy="121956"/>
-            </a:xfrm>
-            <a:prstGeom prst="ellipse">
-              <a:avLst/>
-            </a:prstGeom>
-            <a:solidFill>
-              <a:schemeClr val="bg1"/>
-            </a:solidFill>
-            <a:ln w="12700">
-              <a:solidFill>
-                <a:schemeClr val="tx1"/>
-              </a:solidFill>
-            </a:ln>
-          </p:spPr>
-          <p:style>
-            <a:lnRef idx="2">
-              <a:schemeClr val="accent1">
-                <a:shade val="50000"/>
-              </a:schemeClr>
-            </a:lnRef>
-            <a:fillRef idx="1">
-              <a:schemeClr val="accent1"/>
-            </a:fillRef>
-            <a:effectRef idx="0">
-              <a:schemeClr val="accent1"/>
-            </a:effectRef>
-            <a:fontRef idx="minor">
-              <a:schemeClr val="lt1"/>
-            </a:fontRef>
-          </p:style>
-          <p:txBody>
-            <a:bodyPr rtlCol="0" anchor="ctr"/>
-            <a:lstStyle/>
-            <a:p>
-              <a:pPr algn="ctr"/>
-              <a:endParaRPr lang="en-US"/>
-            </a:p>
-          </p:txBody>
-        </p:sp>
-        <p:sp>
-          <p:nvSpPr>
-            <p:cNvPr id="60" name="Oval 59"/>
-            <p:cNvSpPr/>
-            <p:nvPr/>
-          </p:nvSpPr>
-          <p:spPr>
-            <a:xfrm>
-              <a:off x="7744263" y="6030448"/>
-              <a:ext cx="121956" cy="121956"/>
-            </a:xfrm>
-            <a:prstGeom prst="ellipse">
-              <a:avLst/>
-            </a:prstGeom>
-            <a:solidFill>
-              <a:schemeClr val="bg1"/>
-            </a:solidFill>
-            <a:ln w="12700">
-              <a:solidFill>
-                <a:schemeClr val="tx1"/>
-              </a:solidFill>
-            </a:ln>
-          </p:spPr>
-          <p:style>
-            <a:lnRef idx="2">
-              <a:schemeClr val="accent1">
-                <a:shade val="50000"/>
-              </a:schemeClr>
-            </a:lnRef>
-            <a:fillRef idx="1">
-              <a:schemeClr val="accent1"/>
-            </a:fillRef>
-            <a:effectRef idx="0">
-              <a:schemeClr val="accent1"/>
-            </a:effectRef>
-            <a:fontRef idx="minor">
-              <a:schemeClr val="lt1"/>
-            </a:fontRef>
-          </p:style>
-          <p:txBody>
-            <a:bodyPr rtlCol="0" anchor="ctr"/>
-            <a:lstStyle/>
-            <a:p>
-              <a:pPr algn="ctr"/>
-              <a:endParaRPr lang="en-US"/>
-            </a:p>
-          </p:txBody>
-        </p:sp>
-        <p:cxnSp>
-          <p:nvCxnSpPr>
-            <p:cNvPr id="122" name="Straight Connector 121"/>
-            <p:cNvCxnSpPr/>
-            <p:nvPr/>
-          </p:nvCxnSpPr>
-          <p:spPr>
-            <a:xfrm rot="2021602" flipV="1">
-              <a:off x="7690752" y="5775013"/>
-              <a:ext cx="106248" cy="103252"/>
-            </a:xfrm>
-            <a:prstGeom prst="line">
-              <a:avLst/>
-            </a:prstGeom>
-            <a:ln w="19050" cap="flat">
-              <a:solidFill>
-                <a:srgbClr val="0070C0"/>
-              </a:solidFill>
-              <a:prstDash val="solid"/>
-              <a:round/>
-              <a:headEnd type="triangle" w="med" len="sm"/>
-              <a:tailEnd type="triangle" w="med" len="sm"/>
-            </a:ln>
-          </p:spPr>
-          <p:style>
-            <a:lnRef idx="1">
-              <a:schemeClr val="accent1"/>
-            </a:lnRef>
-            <a:fillRef idx="0">
-              <a:schemeClr val="accent1"/>
-            </a:fillRef>
-            <a:effectRef idx="0">
-              <a:schemeClr val="accent1"/>
-            </a:effectRef>
-            <a:fontRef idx="minor">
-              <a:schemeClr val="tx1"/>
-            </a:fontRef>
-          </p:style>
-        </p:cxnSp>
-        <p:cxnSp>
-          <p:nvCxnSpPr>
-            <p:cNvPr id="123" name="Straight Connector 122"/>
-            <p:cNvCxnSpPr/>
-            <p:nvPr/>
-          </p:nvCxnSpPr>
-          <p:spPr>
-            <a:xfrm rot="5313354" flipV="1">
-              <a:off x="7645472" y="5940134"/>
-              <a:ext cx="106248" cy="103252"/>
-            </a:xfrm>
-            <a:prstGeom prst="line">
-              <a:avLst/>
-            </a:prstGeom>
-            <a:ln w="19050" cap="flat">
-              <a:solidFill>
-                <a:srgbClr val="0070C0"/>
-              </a:solidFill>
-              <a:prstDash val="solid"/>
-              <a:round/>
-              <a:headEnd type="triangle" w="med" len="sm"/>
-              <a:tailEnd type="triangle" w="med" len="sm"/>
-            </a:ln>
-          </p:spPr>
-          <p:style>
-            <a:lnRef idx="1">
-              <a:schemeClr val="accent1"/>
-            </a:lnRef>
-            <a:fillRef idx="0">
-              <a:schemeClr val="accent1"/>
-            </a:fillRef>
-            <a:effectRef idx="0">
-              <a:schemeClr val="accent1"/>
-            </a:effectRef>
-            <a:fontRef idx="minor">
-              <a:schemeClr val="tx1"/>
-            </a:fontRef>
-          </p:style>
-        </p:cxnSp>
-      </p:grpSp>
     </p:spTree>
     <p:extLst>
       <p:ext uri="{BB962C8B-B14F-4D97-AF65-F5344CB8AC3E}">
@@ -5947,19 +5622,22 @@
   <p:clrMapOvr>
     <a:masterClrMapping/>
   </p:clrMapOvr>
-  <p:timing>
-    <p:tnLst>
-      <p:par>
-        <p:cTn id="1" dur="indefinite" restart="never" nodeType="tmRoot"/>
-      </p:par>
-    </p:tnLst>
-  </p:timing>
 </p:sld>
 </file>
 
 <file path=ppt/slides/slide3.xml><?xml version="1.0" encoding="utf-8"?>
 <p:sld xmlns:a="http://schemas.openxmlformats.org/drawingml/2006/main" xmlns:r="http://schemas.openxmlformats.org/officeDocument/2006/relationships" xmlns:p="http://schemas.openxmlformats.org/presentationml/2006/main">
   <p:cSld>
+    <p:bg>
+      <p:bgPr>
+        <a:solidFill>
+          <a:schemeClr val="bg1">
+            <a:lumMod val="95000"/>
+          </a:schemeClr>
+        </a:solidFill>
+        <a:effectLst/>
+      </p:bgPr>
+    </p:bg>
     <p:spTree>
       <p:nvGrpSpPr>
         <p:cNvPr id="1" name=""/>
@@ -6006,7 +5684,7 @@
       </p:sp>
       <p:grpSp>
         <p:nvGrpSpPr>
-          <p:cNvPr id="2" name="Group 1"/>
+          <p:cNvPr id="7" name="Group 6"/>
           <p:cNvGrpSpPr/>
           <p:nvPr/>
         </p:nvGrpSpPr>
@@ -6014,7 +5692,7 @@
           <a:xfrm>
             <a:off x="1021123" y="5055617"/>
             <a:ext cx="380270" cy="476250"/>
-            <a:chOff x="1021123" y="5055617"/>
+            <a:chOff x="3888581" y="3153770"/>
             <a:chExt cx="380270" cy="476250"/>
           </a:xfrm>
         </p:grpSpPr>
@@ -6026,14 +5704,14 @@
           </p:nvSpPr>
           <p:spPr>
             <a:xfrm>
-              <a:off x="1021123" y="5071291"/>
+              <a:off x="3888581" y="3169444"/>
               <a:ext cx="130969" cy="333376"/>
             </a:xfrm>
             <a:prstGeom prst="rect">
               <a:avLst/>
             </a:prstGeom>
             <a:solidFill>
-              <a:srgbClr val="EFA66B"/>
+              <a:srgbClr val="E46B09"/>
             </a:solidFill>
             <a:ln w="12700">
               <a:solidFill>
@@ -6074,7 +5752,7 @@
           </p:nvSpPr>
           <p:spPr>
             <a:xfrm>
-              <a:off x="1152092" y="5055617"/>
+              <a:off x="4019550" y="3153770"/>
               <a:ext cx="123826" cy="476250"/>
             </a:xfrm>
             <a:prstGeom prst="rect">
@@ -6122,14 +5800,14 @@
           </p:nvSpPr>
           <p:spPr>
             <a:xfrm>
-              <a:off x="1275187" y="5178446"/>
+              <a:off x="4142645" y="3276599"/>
               <a:ext cx="126206" cy="328613"/>
             </a:xfrm>
             <a:prstGeom prst="rect">
               <a:avLst/>
             </a:prstGeom>
             <a:solidFill>
-              <a:schemeClr val="bg1"/>
+              <a:srgbClr val="0070C0"/>
             </a:solidFill>
             <a:ln w="12700">
               <a:solidFill>
@@ -6170,11 +5848,11 @@
           <p:nvPr/>
         </p:nvGrpSpPr>
         <p:grpSpPr>
-          <a:xfrm>
-            <a:off x="5503240" y="5055617"/>
-            <a:ext cx="476250" cy="380271"/>
-            <a:chOff x="5503240" y="5055617"/>
-            <a:chExt cx="476250" cy="380271"/>
+          <a:xfrm rot="5400000">
+            <a:off x="5551230" y="5007627"/>
+            <a:ext cx="380270" cy="476250"/>
+            <a:chOff x="3888581" y="3153770"/>
+            <a:chExt cx="380270" cy="476250"/>
           </a:xfrm>
         </p:grpSpPr>
         <p:sp>
@@ -6184,15 +5862,15 @@
             <p:nvPr/>
           </p:nvSpPr>
           <p:spPr>
-            <a:xfrm rot="5400000">
-              <a:off x="5731644" y="4954414"/>
+            <a:xfrm>
+              <a:off x="3888581" y="3169444"/>
               <a:ext cx="130969" cy="333376"/>
             </a:xfrm>
             <a:prstGeom prst="rect">
               <a:avLst/>
             </a:prstGeom>
             <a:solidFill>
-              <a:srgbClr val="EFA66B"/>
+              <a:srgbClr val="E46B09"/>
             </a:solidFill>
             <a:ln w="12700">
               <a:solidFill>
@@ -6232,8 +5910,8 @@
             <p:nvPr/>
           </p:nvSpPr>
           <p:spPr>
-            <a:xfrm rot="5400000">
-              <a:off x="5679452" y="5010374"/>
+            <a:xfrm>
+              <a:off x="4019550" y="3153770"/>
               <a:ext cx="123826" cy="476250"/>
             </a:xfrm>
             <a:prstGeom prst="rect">
@@ -6280,15 +5958,15 @@
             <p:nvPr/>
           </p:nvSpPr>
           <p:spPr>
-            <a:xfrm rot="5400000">
-              <a:off x="5629252" y="5208478"/>
+            <a:xfrm>
+              <a:off x="4142645" y="3276599"/>
               <a:ext cx="126206" cy="328613"/>
             </a:xfrm>
             <a:prstGeom prst="rect">
               <a:avLst/>
             </a:prstGeom>
             <a:solidFill>
-              <a:schemeClr val="bg1"/>
+              <a:srgbClr val="0070C0"/>
             </a:solidFill>
             <a:ln w="12700">
               <a:solidFill>
@@ -6324,16 +6002,16 @@
       </p:grpSp>
       <p:grpSp>
         <p:nvGrpSpPr>
-          <p:cNvPr id="7" name="Group 6"/>
+          <p:cNvPr id="39" name="Group 38"/>
           <p:cNvGrpSpPr/>
           <p:nvPr/>
         </p:nvGrpSpPr>
         <p:grpSpPr>
           <a:xfrm>
-            <a:off x="3218819" y="5055617"/>
-            <a:ext cx="548945" cy="476250"/>
-            <a:chOff x="3218819" y="5055617"/>
-            <a:chExt cx="548945" cy="476250"/>
+            <a:off x="3243771" y="5055617"/>
+            <a:ext cx="499041" cy="476250"/>
+            <a:chOff x="3587666" y="3456189"/>
+            <a:chExt cx="499041" cy="476250"/>
           </a:xfrm>
         </p:grpSpPr>
         <p:cxnSp>
@@ -6344,8 +6022,8 @@
           </p:nvCxnSpPr>
           <p:spPr>
             <a:xfrm>
-              <a:off x="3218819" y="5293742"/>
-              <a:ext cx="548945" cy="0"/>
+              <a:off x="3587666" y="3694314"/>
+              <a:ext cx="499041" cy="0"/>
             </a:xfrm>
             <a:prstGeom prst="line">
               <a:avLst/>
@@ -6379,14 +6057,14 @@
           </p:nvSpPr>
           <p:spPr>
             <a:xfrm>
-              <a:off x="3296888" y="5127054"/>
+              <a:off x="3640783" y="3527626"/>
               <a:ext cx="130969" cy="333376"/>
             </a:xfrm>
             <a:prstGeom prst="rect">
               <a:avLst/>
             </a:prstGeom>
             <a:solidFill>
-              <a:srgbClr val="EFA66B"/>
+              <a:srgbClr val="E46B09"/>
             </a:solidFill>
             <a:ln w="12700">
               <a:solidFill>
@@ -6427,7 +6105,7 @@
           </p:nvSpPr>
           <p:spPr>
             <a:xfrm>
-              <a:off x="3427857" y="5055617"/>
+              <a:off x="3771752" y="3456189"/>
               <a:ext cx="123826" cy="476250"/>
             </a:xfrm>
             <a:prstGeom prst="rect">
@@ -6475,14 +6153,14 @@
           </p:nvSpPr>
           <p:spPr>
             <a:xfrm>
-              <a:off x="3550952" y="5129435"/>
+              <a:off x="3894847" y="3530007"/>
               <a:ext cx="126206" cy="328613"/>
             </a:xfrm>
             <a:prstGeom prst="rect">
               <a:avLst/>
             </a:prstGeom>
             <a:solidFill>
-              <a:schemeClr val="bg1"/>
+              <a:srgbClr val="0070C0"/>
             </a:solidFill>
             <a:ln w="12700">
               <a:solidFill>
@@ -6518,16 +6196,16 @@
       </p:grpSp>
       <p:grpSp>
         <p:nvGrpSpPr>
-          <p:cNvPr id="12" name="Group 11"/>
+          <p:cNvPr id="40" name="Group 39"/>
           <p:cNvGrpSpPr/>
           <p:nvPr/>
         </p:nvGrpSpPr>
         <p:grpSpPr>
-          <a:xfrm>
-            <a:off x="7395402" y="5030665"/>
-            <a:ext cx="476250" cy="548945"/>
-            <a:chOff x="7395402" y="5030665"/>
-            <a:chExt cx="476250" cy="548945"/>
+          <a:xfrm rot="5400000">
+            <a:off x="7384006" y="5067013"/>
+            <a:ext cx="499041" cy="476250"/>
+            <a:chOff x="3587666" y="3456189"/>
+            <a:chExt cx="499041" cy="476250"/>
           </a:xfrm>
         </p:grpSpPr>
         <p:cxnSp>
@@ -6537,9 +6215,9 @@
             <p:nvPr/>
           </p:nvCxnSpPr>
           <p:spPr>
-            <a:xfrm rot="5400000">
-              <a:off x="7359054" y="5305138"/>
-              <a:ext cx="548945" cy="0"/>
+            <a:xfrm>
+              <a:off x="3587666" y="3694314"/>
+              <a:ext cx="499041" cy="0"/>
             </a:xfrm>
             <a:prstGeom prst="line">
               <a:avLst/>
@@ -6572,15 +6250,15 @@
             <p:nvPr/>
           </p:nvSpPr>
           <p:spPr>
-            <a:xfrm rot="5400000">
-              <a:off x="7568042" y="5007531"/>
+            <a:xfrm>
+              <a:off x="3640783" y="3527626"/>
               <a:ext cx="130969" cy="333376"/>
             </a:xfrm>
             <a:prstGeom prst="rect">
               <a:avLst/>
             </a:prstGeom>
             <a:solidFill>
-              <a:srgbClr val="EFA66B"/>
+              <a:srgbClr val="E46B09"/>
             </a:solidFill>
             <a:ln w="12700">
               <a:solidFill>
@@ -6620,8 +6298,8 @@
             <p:nvPr/>
           </p:nvSpPr>
           <p:spPr>
-            <a:xfrm rot="5400000">
-              <a:off x="7571614" y="5063492"/>
+            <a:xfrm>
+              <a:off x="3771752" y="3456189"/>
               <a:ext cx="123826" cy="476250"/>
             </a:xfrm>
             <a:prstGeom prst="rect">
@@ -6668,15 +6346,15 @@
             <p:nvPr/>
           </p:nvSpPr>
           <p:spPr>
-            <a:xfrm rot="5400000">
-              <a:off x="7570424" y="5261595"/>
+            <a:xfrm>
+              <a:off x="3894847" y="3530007"/>
               <a:ext cx="126206" cy="328613"/>
             </a:xfrm>
             <a:prstGeom prst="rect">
               <a:avLst/>
             </a:prstGeom>
             <a:solidFill>
-              <a:schemeClr val="bg1"/>
+              <a:srgbClr val="0070C0"/>
             </a:solidFill>
             <a:ln w="12700">
               <a:solidFill>
@@ -6836,19 +6514,22 @@
   <p:clrMapOvr>
     <a:masterClrMapping/>
   </p:clrMapOvr>
-  <p:timing>
-    <p:tnLst>
-      <p:par>
-        <p:cTn id="1" dur="indefinite" restart="never" nodeType="tmRoot"/>
-      </p:par>
-    </p:tnLst>
-  </p:timing>
 </p:sld>
 </file>
 
 <file path=ppt/slides/slide4.xml><?xml version="1.0" encoding="utf-8"?>
 <p:sld xmlns:a="http://schemas.openxmlformats.org/drawingml/2006/main" xmlns:r="http://schemas.openxmlformats.org/officeDocument/2006/relationships" xmlns:p="http://schemas.openxmlformats.org/presentationml/2006/main">
   <p:cSld>
+    <p:bg>
+      <p:bgPr>
+        <a:solidFill>
+          <a:schemeClr val="bg1">
+            <a:lumMod val="95000"/>
+          </a:schemeClr>
+        </a:solidFill>
+        <a:effectLst/>
+      </p:bgPr>
+    </p:bg>
     <p:spTree>
       <p:nvGrpSpPr>
         <p:cNvPr id="1" name=""/>
@@ -6871,7 +6552,7 @@
         </p:nvSpPr>
         <p:spPr>
           <a:xfrm>
-            <a:off x="2853164" y="989617"/>
+            <a:off x="2853164" y="1308274"/>
             <a:ext cx="3437672" cy="707886"/>
           </a:xfrm>
           <a:prstGeom prst="rect">
@@ -6901,7 +6582,7 @@
         </p:nvSpPr>
         <p:spPr>
           <a:xfrm>
-            <a:off x="729512" y="2465447"/>
+            <a:off x="729512" y="3324434"/>
             <a:ext cx="1306383" cy="369332"/>
           </a:xfrm>
           <a:prstGeom prst="rect">
@@ -6931,7 +6612,7 @@
         </p:nvSpPr>
         <p:spPr>
           <a:xfrm>
-            <a:off x="2765406" y="2465447"/>
+            <a:off x="2765406" y="3324434"/>
             <a:ext cx="1046505" cy="369332"/>
           </a:xfrm>
           <a:prstGeom prst="rect">
@@ -6961,7 +6642,7 @@
         </p:nvSpPr>
         <p:spPr>
           <a:xfrm>
-            <a:off x="4541423" y="2465447"/>
+            <a:off x="4541423" y="3324434"/>
             <a:ext cx="2162195" cy="369332"/>
           </a:xfrm>
           <a:prstGeom prst="rect">
@@ -6991,7 +6672,7 @@
         </p:nvSpPr>
         <p:spPr>
           <a:xfrm>
-            <a:off x="7433129" y="2465447"/>
+            <a:off x="7433129" y="3324434"/>
             <a:ext cx="981359" cy="369332"/>
           </a:xfrm>
           <a:prstGeom prst="rect">
@@ -7021,9 +6702,9 @@
         </p:nvGrpSpPr>
         <p:grpSpPr>
           <a:xfrm>
-            <a:off x="3050968" y="3381048"/>
+            <a:off x="3050968" y="5002040"/>
             <a:ext cx="475380" cy="547687"/>
-            <a:chOff x="3050968" y="3381048"/>
+            <a:chOff x="3050968" y="5002040"/>
             <a:chExt cx="475380" cy="547687"/>
           </a:xfrm>
         </p:grpSpPr>
@@ -7035,7 +6716,7 @@
           </p:nvCxnSpPr>
           <p:spPr>
             <a:xfrm>
-              <a:off x="3288406" y="3381048"/>
+              <a:off x="3288406" y="5002040"/>
               <a:ext cx="0" cy="547687"/>
             </a:xfrm>
             <a:prstGeom prst="line">
@@ -7070,14 +6751,14 @@
           </p:nvSpPr>
           <p:spPr>
             <a:xfrm>
-              <a:off x="3158124" y="3422324"/>
-              <a:ext cx="251039" cy="98424"/>
+              <a:off x="3158124" y="5030616"/>
+              <a:ext cx="251039" cy="123824"/>
             </a:xfrm>
             <a:prstGeom prst="rect">
               <a:avLst/>
             </a:prstGeom>
             <a:solidFill>
-              <a:srgbClr val="EFA66B"/>
+              <a:schemeClr val="bg1"/>
             </a:solidFill>
             <a:ln w="12700">
               <a:solidFill>
@@ -7118,8 +6799,8 @@
           </p:nvSpPr>
           <p:spPr>
             <a:xfrm>
-              <a:off x="3050968" y="3593772"/>
-              <a:ext cx="475380" cy="109418"/>
+              <a:off x="3050968" y="5202064"/>
+              <a:ext cx="475380" cy="134818"/>
             </a:xfrm>
             <a:prstGeom prst="rect">
               <a:avLst/>
@@ -7166,16 +6847,14 @@
           </p:nvSpPr>
           <p:spPr>
             <a:xfrm>
-              <a:off x="3112391" y="3762812"/>
-              <a:ext cx="335376" cy="109445"/>
+              <a:off x="3112391" y="5371104"/>
+              <a:ext cx="335376" cy="134845"/>
             </a:xfrm>
             <a:prstGeom prst="rect">
               <a:avLst/>
             </a:prstGeom>
             <a:solidFill>
-              <a:schemeClr val="bg1">
-                <a:lumMod val="65000"/>
-              </a:schemeClr>
+              <a:schemeClr val="bg1"/>
             </a:solidFill>
             <a:ln w="12700">
               <a:solidFill>
@@ -7211,15 +6890,15 @@
       </p:grpSp>
       <p:grpSp>
         <p:nvGrpSpPr>
-          <p:cNvPr id="14" name="Group 13"/>
+          <p:cNvPr id="7" name="Group 6"/>
           <p:cNvGrpSpPr/>
           <p:nvPr/>
         </p:nvGrpSpPr>
         <p:grpSpPr>
           <a:xfrm>
-            <a:off x="1145012" y="3344895"/>
+            <a:off x="1145012" y="4965887"/>
             <a:ext cx="547687" cy="475380"/>
-            <a:chOff x="1145012" y="3344895"/>
+            <a:chOff x="1145012" y="4965887"/>
             <a:chExt cx="547687" cy="475380"/>
           </a:xfrm>
         </p:grpSpPr>
@@ -7231,7 +6910,7 @@
           </p:nvCxnSpPr>
           <p:spPr>
             <a:xfrm rot="5400000">
-              <a:off x="1418856" y="3308489"/>
+              <a:off x="1418856" y="4929481"/>
               <a:ext cx="0" cy="547687"/>
             </a:xfrm>
             <a:prstGeom prst="line">
@@ -7266,16 +6945,14 @@
           </p:nvSpPr>
           <p:spPr>
             <a:xfrm rot="5400000">
-              <a:off x="1476692" y="3528358"/>
-              <a:ext cx="251039" cy="98424"/>
+              <a:off x="1476692" y="5136650"/>
+              <a:ext cx="251039" cy="123824"/>
             </a:xfrm>
             <a:prstGeom prst="rect">
               <a:avLst/>
             </a:prstGeom>
             <a:solidFill>
-              <a:schemeClr val="bg1">
-                <a:lumMod val="65000"/>
-              </a:schemeClr>
+              <a:schemeClr val="bg1"/>
             </a:solidFill>
             <a:ln w="12700">
               <a:solidFill>
@@ -7316,8 +6993,8 @@
           </p:nvSpPr>
           <p:spPr>
             <a:xfrm rot="5400000">
-              <a:off x="1194277" y="3527876"/>
-              <a:ext cx="475380" cy="109418"/>
+              <a:off x="1187577" y="5136168"/>
+              <a:ext cx="475380" cy="134818"/>
             </a:xfrm>
             <a:prstGeom prst="rect">
               <a:avLst/>
@@ -7364,14 +7041,14 @@
           </p:nvSpPr>
           <p:spPr>
             <a:xfrm rot="5400000">
-              <a:off x="1088525" y="3519283"/>
-              <a:ext cx="335376" cy="109445"/>
+              <a:off x="1088525" y="5127575"/>
+              <a:ext cx="335376" cy="134845"/>
             </a:xfrm>
             <a:prstGeom prst="rect">
               <a:avLst/>
             </a:prstGeom>
             <a:solidFill>
-              <a:srgbClr val="EFA66B"/>
+              <a:schemeClr val="bg1"/>
             </a:solidFill>
             <a:ln w="12700">
               <a:solidFill>
@@ -7413,9 +7090,9 @@
         </p:nvGrpSpPr>
         <p:grpSpPr>
           <a:xfrm>
-            <a:off x="5330312" y="3350853"/>
+            <a:off x="5330312" y="4971845"/>
             <a:ext cx="584418" cy="608076"/>
-            <a:chOff x="5330312" y="3350853"/>
+            <a:chOff x="5330312" y="4971845"/>
             <a:chExt cx="584418" cy="608076"/>
           </a:xfrm>
         </p:grpSpPr>
@@ -7427,7 +7104,7 @@
           </p:nvCxnSpPr>
           <p:spPr>
             <a:xfrm>
-              <a:off x="5330312" y="3350853"/>
+              <a:off x="5330312" y="4971845"/>
               <a:ext cx="584418" cy="608076"/>
             </a:xfrm>
             <a:prstGeom prst="line">
@@ -7462,14 +7139,14 @@
           </p:nvSpPr>
           <p:spPr>
             <a:xfrm>
-              <a:off x="5353969" y="3411988"/>
-              <a:ext cx="251039" cy="98424"/>
+              <a:off x="5353969" y="5020280"/>
+              <a:ext cx="251039" cy="123824"/>
             </a:xfrm>
             <a:prstGeom prst="rect">
               <a:avLst/>
             </a:prstGeom>
             <a:solidFill>
-              <a:srgbClr val="EFA66B"/>
+              <a:schemeClr val="bg1"/>
             </a:solidFill>
             <a:ln w="12700">
               <a:solidFill>
@@ -7510,8 +7187,8 @@
           </p:nvSpPr>
           <p:spPr>
             <a:xfrm>
-              <a:off x="5391726" y="3593771"/>
-              <a:ext cx="475380" cy="109418"/>
+              <a:off x="5391726" y="5202063"/>
+              <a:ext cx="475380" cy="134818"/>
             </a:xfrm>
             <a:prstGeom prst="rect">
               <a:avLst/>
@@ -7558,16 +7235,14 @@
           </p:nvSpPr>
           <p:spPr>
             <a:xfrm>
-              <a:off x="5579354" y="3781859"/>
-              <a:ext cx="335376" cy="109445"/>
+              <a:off x="5579354" y="5390151"/>
+              <a:ext cx="335376" cy="134845"/>
             </a:xfrm>
             <a:prstGeom prst="rect">
               <a:avLst/>
             </a:prstGeom>
             <a:solidFill>
-              <a:schemeClr val="bg1">
-                <a:lumMod val="65000"/>
-              </a:schemeClr>
+              <a:schemeClr val="bg1"/>
             </a:solidFill>
             <a:ln w="12700">
               <a:solidFill>
@@ -7609,9 +7284,9 @@
         </p:nvGrpSpPr>
         <p:grpSpPr>
           <a:xfrm>
-            <a:off x="7619772" y="3378666"/>
+            <a:off x="7619772" y="4999658"/>
             <a:ext cx="608076" cy="552450"/>
-            <a:chOff x="7619772" y="3378666"/>
+            <a:chOff x="7619772" y="4999658"/>
             <a:chExt cx="608076" cy="552450"/>
           </a:xfrm>
         </p:grpSpPr>
@@ -7623,13 +7298,13 @@
           </p:nvCxnSpPr>
           <p:spPr>
             <a:xfrm>
-              <a:off x="7775231" y="3378666"/>
+              <a:off x="7775231" y="4999658"/>
               <a:ext cx="0" cy="552450"/>
             </a:xfrm>
             <a:prstGeom prst="line">
               <a:avLst/>
             </a:prstGeom>
-            <a:ln w="25400">
+            <a:ln>
               <a:solidFill>
                 <a:schemeClr val="tx1"/>
               </a:solidFill>
@@ -7658,13 +7333,13 @@
           </p:nvCxnSpPr>
           <p:spPr>
             <a:xfrm>
-              <a:off x="8070506" y="3378666"/>
+              <a:off x="8070506" y="4999658"/>
               <a:ext cx="0" cy="552450"/>
             </a:xfrm>
             <a:prstGeom prst="line">
               <a:avLst/>
             </a:prstGeom>
-            <a:ln w="25400">
+            <a:ln>
               <a:solidFill>
                 <a:schemeClr val="tx1"/>
               </a:solidFill>
@@ -7693,13 +7368,13 @@
           </p:nvCxnSpPr>
           <p:spPr>
             <a:xfrm flipH="1">
-              <a:off x="7619772" y="3783479"/>
+              <a:off x="7619772" y="5404471"/>
               <a:ext cx="608076" cy="0"/>
             </a:xfrm>
             <a:prstGeom prst="line">
               <a:avLst/>
             </a:prstGeom>
-            <a:ln w="25400">
+            <a:ln>
               <a:solidFill>
                 <a:schemeClr val="tx1"/>
               </a:solidFill>
@@ -7728,13 +7403,13 @@
           </p:nvCxnSpPr>
           <p:spPr>
             <a:xfrm flipH="1">
-              <a:off x="7619772" y="3538210"/>
+              <a:off x="7619772" y="5159202"/>
               <a:ext cx="608076" cy="0"/>
             </a:xfrm>
             <a:prstGeom prst="line">
               <a:avLst/>
             </a:prstGeom>
-            <a:ln w="25400">
+            <a:ln>
               <a:solidFill>
                 <a:schemeClr val="tx1"/>
               </a:solidFill>
@@ -7763,14 +7438,14 @@
           </p:nvSpPr>
           <p:spPr>
             <a:xfrm>
-              <a:off x="7671831" y="3455666"/>
+              <a:off x="7671831" y="5076658"/>
               <a:ext cx="214222" cy="145255"/>
             </a:xfrm>
             <a:prstGeom prst="rect">
               <a:avLst/>
             </a:prstGeom>
             <a:solidFill>
-              <a:srgbClr val="EFA66B"/>
+              <a:schemeClr val="bg1"/>
             </a:solidFill>
             <a:ln w="12700">
               <a:solidFill>
@@ -7811,7 +7486,7 @@
           </p:nvSpPr>
           <p:spPr>
             <a:xfrm>
-              <a:off x="7959253" y="3455665"/>
+              <a:off x="7959253" y="5076657"/>
               <a:ext cx="214222" cy="145255"/>
             </a:xfrm>
             <a:prstGeom prst="rect">
@@ -7859,7 +7534,7 @@
           </p:nvSpPr>
           <p:spPr>
             <a:xfrm>
-              <a:off x="7671833" y="3703322"/>
+              <a:off x="7671833" y="5324314"/>
               <a:ext cx="214222" cy="145255"/>
             </a:xfrm>
             <a:prstGeom prst="rect">
@@ -7907,16 +7582,14 @@
           </p:nvSpPr>
           <p:spPr>
             <a:xfrm>
-              <a:off x="7959255" y="3703321"/>
+              <a:off x="7959255" y="5324313"/>
               <a:ext cx="214222" cy="145255"/>
             </a:xfrm>
             <a:prstGeom prst="rect">
               <a:avLst/>
             </a:prstGeom>
             <a:solidFill>
-              <a:schemeClr val="bg1">
-                <a:lumMod val="65000"/>
-              </a:schemeClr>
+              <a:schemeClr val="bg1"/>
             </a:solidFill>
             <a:ln w="12700">
               <a:solidFill>
@@ -7950,461 +7623,6 @@
           </p:txBody>
         </p:sp>
       </p:grpSp>
-      <p:sp>
-        <p:nvSpPr>
-          <p:cNvPr id="39" name="TextBox 38"/>
-          <p:cNvSpPr txBox="1"/>
-          <p:nvPr/>
-        </p:nvSpPr>
-        <p:spPr>
-          <a:xfrm>
-            <a:off x="1003432" y="4682010"/>
-            <a:ext cx="758541" cy="369332"/>
-          </a:xfrm>
-          <a:prstGeom prst="rect">
-            <a:avLst/>
-          </a:prstGeom>
-          <a:noFill/>
-        </p:spPr>
-        <p:txBody>
-          <a:bodyPr wrap="none" rtlCol="0">
-            <a:spAutoFit/>
-          </a:bodyPr>
-          <a:lstStyle/>
-          <a:p>
-            <a:pPr algn="ctr"/>
-            <a:r>
-              <a:rPr lang="en-US" dirty="0" smtClean="0"/>
-              <a:t>Radial</a:t>
-            </a:r>
-            <a:endParaRPr lang="en-US" dirty="0"/>
-          </a:p>
-        </p:txBody>
-      </p:sp>
-      <p:grpSp>
-        <p:nvGrpSpPr>
-          <p:cNvPr id="13" name="Group 12"/>
-          <p:cNvGrpSpPr/>
-          <p:nvPr/>
-        </p:nvGrpSpPr>
-        <p:grpSpPr>
-          <a:xfrm>
-            <a:off x="1007384" y="5289552"/>
-            <a:ext cx="753008" cy="745313"/>
-            <a:chOff x="1007384" y="5289552"/>
-            <a:chExt cx="753008" cy="745313"/>
-          </a:xfrm>
-        </p:grpSpPr>
-        <p:sp>
-          <p:nvSpPr>
-            <p:cNvPr id="56" name="Arc 55"/>
-            <p:cNvSpPr>
-              <a:spLocks noChangeAspect="1"/>
-            </p:cNvSpPr>
-            <p:nvPr/>
-          </p:nvSpPr>
-          <p:spPr>
-            <a:xfrm>
-              <a:off x="1007384" y="5289552"/>
-              <a:ext cx="745313" cy="745313"/>
-            </a:xfrm>
-            <a:prstGeom prst="arc">
-              <a:avLst>
-                <a:gd name="adj1" fmla="val 19317826"/>
-                <a:gd name="adj2" fmla="val 21232517"/>
-              </a:avLst>
-            </a:prstGeom>
-            <a:ln w="19050">
-              <a:solidFill>
-                <a:srgbClr val="0070C0"/>
-              </a:solidFill>
-              <a:prstDash val="solid"/>
-              <a:headEnd type="triangle" w="med" len="sm"/>
-              <a:tailEnd type="triangle" w="med" len="sm"/>
-            </a:ln>
-          </p:spPr>
-          <p:style>
-            <a:lnRef idx="1">
-              <a:schemeClr val="accent1"/>
-            </a:lnRef>
-            <a:fillRef idx="0">
-              <a:schemeClr val="accent1"/>
-            </a:fillRef>
-            <a:effectRef idx="0">
-              <a:schemeClr val="accent1"/>
-            </a:effectRef>
-            <a:fontRef idx="minor">
-              <a:schemeClr val="tx1"/>
-            </a:fontRef>
-          </p:style>
-          <p:txBody>
-            <a:bodyPr rtlCol="0" anchor="ctr"/>
-            <a:lstStyle/>
-            <a:p>
-              <a:pPr algn="ctr"/>
-              <a:endParaRPr lang="en-US"/>
-            </a:p>
-          </p:txBody>
-        </p:sp>
-        <p:cxnSp>
-          <p:nvCxnSpPr>
-            <p:cNvPr id="411" name="Straight Connector 410"/>
-            <p:cNvCxnSpPr/>
-            <p:nvPr/>
-          </p:nvCxnSpPr>
-          <p:spPr>
-            <a:xfrm>
-              <a:off x="1424197" y="5660313"/>
-              <a:ext cx="336195" cy="0"/>
-            </a:xfrm>
-            <a:prstGeom prst="line">
-              <a:avLst/>
-            </a:prstGeom>
-            <a:ln w="25400" cap="flat">
-              <a:solidFill>
-                <a:schemeClr val="tx1"/>
-              </a:solidFill>
-              <a:prstDash val="solid"/>
-              <a:round/>
-            </a:ln>
-          </p:spPr>
-          <p:style>
-            <a:lnRef idx="1">
-              <a:schemeClr val="accent1"/>
-            </a:lnRef>
-            <a:fillRef idx="0">
-              <a:schemeClr val="accent1"/>
-            </a:fillRef>
-            <a:effectRef idx="0">
-              <a:schemeClr val="accent1"/>
-            </a:effectRef>
-            <a:fontRef idx="minor">
-              <a:schemeClr val="tx1"/>
-            </a:fontRef>
-          </p:style>
-        </p:cxnSp>
-        <p:cxnSp>
-          <p:nvCxnSpPr>
-            <p:cNvPr id="412" name="Straight Connector 411"/>
-            <p:cNvCxnSpPr/>
-            <p:nvPr/>
-          </p:nvCxnSpPr>
-          <p:spPr>
-            <a:xfrm rot="18917739">
-              <a:off x="1364639" y="5515471"/>
-              <a:ext cx="336195" cy="0"/>
-            </a:xfrm>
-            <a:prstGeom prst="line">
-              <a:avLst/>
-            </a:prstGeom>
-            <a:ln w="25400" cap="flat">
-              <a:solidFill>
-                <a:schemeClr val="tx1"/>
-              </a:solidFill>
-              <a:prstDash val="solid"/>
-              <a:round/>
-            </a:ln>
-          </p:spPr>
-          <p:style>
-            <a:lnRef idx="1">
-              <a:schemeClr val="accent1"/>
-            </a:lnRef>
-            <a:fillRef idx="0">
-              <a:schemeClr val="accent1"/>
-            </a:fillRef>
-            <a:effectRef idx="0">
-              <a:schemeClr val="accent1"/>
-            </a:effectRef>
-            <a:fontRef idx="minor">
-              <a:schemeClr val="tx1"/>
-            </a:fontRef>
-          </p:style>
-        </p:cxnSp>
-        <p:cxnSp>
-          <p:nvCxnSpPr>
-            <p:cNvPr id="433" name="Straight Connector 432"/>
-            <p:cNvCxnSpPr/>
-            <p:nvPr/>
-          </p:nvCxnSpPr>
-          <p:spPr>
-            <a:xfrm rot="2744569">
-              <a:off x="1361990" y="5807778"/>
-              <a:ext cx="336195" cy="0"/>
-            </a:xfrm>
-            <a:prstGeom prst="line">
-              <a:avLst/>
-            </a:prstGeom>
-            <a:ln w="25400" cap="flat">
-              <a:solidFill>
-                <a:schemeClr val="tx1"/>
-              </a:solidFill>
-              <a:prstDash val="solid"/>
-              <a:round/>
-            </a:ln>
-          </p:spPr>
-          <p:style>
-            <a:lnRef idx="1">
-              <a:schemeClr val="accent1"/>
-            </a:lnRef>
-            <a:fillRef idx="0">
-              <a:schemeClr val="accent1"/>
-            </a:fillRef>
-            <a:effectRef idx="0">
-              <a:schemeClr val="accent1"/>
-            </a:effectRef>
-            <a:fontRef idx="minor">
-              <a:schemeClr val="tx1"/>
-            </a:fontRef>
-          </p:style>
-        </p:cxnSp>
-        <p:sp>
-          <p:nvSpPr>
-            <p:cNvPr id="11" name="Oval 10"/>
-            <p:cNvSpPr/>
-            <p:nvPr/>
-          </p:nvSpPr>
-          <p:spPr>
-            <a:xfrm>
-              <a:off x="1295909" y="5569825"/>
-              <a:ext cx="180975" cy="180975"/>
-            </a:xfrm>
-            <a:prstGeom prst="ellipse">
-              <a:avLst/>
-            </a:prstGeom>
-            <a:solidFill>
-              <a:srgbClr val="EFA66B"/>
-            </a:solidFill>
-            <a:ln w="12700">
-              <a:solidFill>
-                <a:schemeClr val="tx1"/>
-              </a:solidFill>
-            </a:ln>
-          </p:spPr>
-          <p:style>
-            <a:lnRef idx="2">
-              <a:schemeClr val="accent1">
-                <a:shade val="50000"/>
-              </a:schemeClr>
-            </a:lnRef>
-            <a:fillRef idx="1">
-              <a:schemeClr val="accent1"/>
-            </a:fillRef>
-            <a:effectRef idx="0">
-              <a:schemeClr val="accent1"/>
-            </a:effectRef>
-            <a:fontRef idx="minor">
-              <a:schemeClr val="lt1"/>
-            </a:fontRef>
-          </p:style>
-          <p:txBody>
-            <a:bodyPr rtlCol="0" anchor="ctr"/>
-            <a:lstStyle/>
-            <a:p>
-              <a:pPr algn="ctr"/>
-              <a:endParaRPr lang="en-US"/>
-            </a:p>
-          </p:txBody>
-        </p:sp>
-        <p:sp>
-          <p:nvSpPr>
-            <p:cNvPr id="12" name="Oval 11"/>
-            <p:cNvSpPr/>
-            <p:nvPr/>
-          </p:nvSpPr>
-          <p:spPr>
-            <a:xfrm>
-              <a:off x="1517299" y="5411387"/>
-              <a:ext cx="121956" cy="121956"/>
-            </a:xfrm>
-            <a:prstGeom prst="ellipse">
-              <a:avLst/>
-            </a:prstGeom>
-            <a:solidFill>
-              <a:schemeClr val="bg1">
-                <a:lumMod val="65000"/>
-              </a:schemeClr>
-            </a:solidFill>
-            <a:ln w="12700">
-              <a:solidFill>
-                <a:schemeClr val="tx1"/>
-              </a:solidFill>
-            </a:ln>
-          </p:spPr>
-          <p:style>
-            <a:lnRef idx="2">
-              <a:schemeClr val="accent1">
-                <a:shade val="50000"/>
-              </a:schemeClr>
-            </a:lnRef>
-            <a:fillRef idx="1">
-              <a:schemeClr val="accent1"/>
-            </a:fillRef>
-            <a:effectRef idx="0">
-              <a:schemeClr val="accent1"/>
-            </a:effectRef>
-            <a:fontRef idx="minor">
-              <a:schemeClr val="lt1"/>
-            </a:fontRef>
-          </p:style>
-          <p:txBody>
-            <a:bodyPr rtlCol="0" anchor="ctr"/>
-            <a:lstStyle/>
-            <a:p>
-              <a:pPr algn="ctr"/>
-              <a:endParaRPr lang="en-US"/>
-            </a:p>
-          </p:txBody>
-        </p:sp>
-        <p:sp>
-          <p:nvSpPr>
-            <p:cNvPr id="46" name="Oval 45"/>
-            <p:cNvSpPr/>
-            <p:nvPr/>
-          </p:nvSpPr>
-          <p:spPr>
-            <a:xfrm>
-              <a:off x="1559260" y="5599261"/>
-              <a:ext cx="121956" cy="121956"/>
-            </a:xfrm>
-            <a:prstGeom prst="ellipse">
-              <a:avLst/>
-            </a:prstGeom>
-            <a:solidFill>
-              <a:schemeClr val="bg1"/>
-            </a:solidFill>
-            <a:ln w="12700">
-              <a:solidFill>
-                <a:schemeClr val="tx1"/>
-              </a:solidFill>
-            </a:ln>
-          </p:spPr>
-          <p:style>
-            <a:lnRef idx="2">
-              <a:schemeClr val="accent1">
-                <a:shade val="50000"/>
-              </a:schemeClr>
-            </a:lnRef>
-            <a:fillRef idx="1">
-              <a:schemeClr val="accent1"/>
-            </a:fillRef>
-            <a:effectRef idx="0">
-              <a:schemeClr val="accent1"/>
-            </a:effectRef>
-            <a:fontRef idx="minor">
-              <a:schemeClr val="lt1"/>
-            </a:fontRef>
-          </p:style>
-          <p:txBody>
-            <a:bodyPr rtlCol="0" anchor="ctr"/>
-            <a:lstStyle/>
-            <a:p>
-              <a:pPr algn="ctr"/>
-              <a:endParaRPr lang="en-US"/>
-            </a:p>
-          </p:txBody>
-        </p:sp>
-        <p:sp>
-          <p:nvSpPr>
-            <p:cNvPr id="47" name="Oval 46"/>
-            <p:cNvSpPr/>
-            <p:nvPr/>
-          </p:nvSpPr>
-          <p:spPr>
-            <a:xfrm>
-              <a:off x="1462961" y="5736634"/>
-              <a:ext cx="121956" cy="121956"/>
-            </a:xfrm>
-            <a:prstGeom prst="ellipse">
-              <a:avLst/>
-            </a:prstGeom>
-            <a:solidFill>
-              <a:schemeClr val="bg1">
-                <a:lumMod val="65000"/>
-              </a:schemeClr>
-            </a:solidFill>
-            <a:ln w="12700">
-              <a:solidFill>
-                <a:schemeClr val="tx1"/>
-              </a:solidFill>
-            </a:ln>
-          </p:spPr>
-          <p:style>
-            <a:lnRef idx="2">
-              <a:schemeClr val="accent1">
-                <a:shade val="50000"/>
-              </a:schemeClr>
-            </a:lnRef>
-            <a:fillRef idx="1">
-              <a:schemeClr val="accent1"/>
-            </a:fillRef>
-            <a:effectRef idx="0">
-              <a:schemeClr val="accent1"/>
-            </a:effectRef>
-            <a:fontRef idx="minor">
-              <a:schemeClr val="lt1"/>
-            </a:fontRef>
-          </p:style>
-          <p:txBody>
-            <a:bodyPr rtlCol="0" anchor="ctr"/>
-            <a:lstStyle/>
-            <a:p>
-              <a:pPr algn="ctr"/>
-              <a:endParaRPr lang="en-US"/>
-            </a:p>
-          </p:txBody>
-        </p:sp>
-      </p:grpSp>
-      <p:sp>
-        <p:nvSpPr>
-          <p:cNvPr id="40" name="Arc 39"/>
-          <p:cNvSpPr>
-            <a:spLocks noChangeAspect="1"/>
-          </p:cNvSpPr>
-          <p:nvPr/>
-        </p:nvSpPr>
-        <p:spPr>
-          <a:xfrm rot="2694618">
-            <a:off x="1007384" y="5284949"/>
-            <a:ext cx="745313" cy="745313"/>
-          </a:xfrm>
-          <a:prstGeom prst="arc">
-            <a:avLst>
-              <a:gd name="adj1" fmla="val 19317826"/>
-              <a:gd name="adj2" fmla="val 21232517"/>
-            </a:avLst>
-          </a:prstGeom>
-          <a:ln w="19050">
-            <a:solidFill>
-              <a:srgbClr val="0070C0"/>
-            </a:solidFill>
-            <a:prstDash val="solid"/>
-            <a:headEnd type="triangle" w="med" len="sm"/>
-            <a:tailEnd type="triangle" w="med" len="sm"/>
-          </a:ln>
-        </p:spPr>
-        <p:style>
-          <a:lnRef idx="1">
-            <a:schemeClr val="accent1"/>
-          </a:lnRef>
-          <a:fillRef idx="0">
-            <a:schemeClr val="accent1"/>
-          </a:fillRef>
-          <a:effectRef idx="0">
-            <a:schemeClr val="accent1"/>
-          </a:effectRef>
-          <a:fontRef idx="minor">
-            <a:schemeClr val="tx1"/>
-          </a:fontRef>
-        </p:style>
-        <p:txBody>
-          <a:bodyPr rtlCol="0" anchor="ctr"/>
-          <a:lstStyle/>
-          <a:p>
-            <a:pPr algn="ctr"/>
-            <a:endParaRPr lang="en-US"/>
-          </a:p>
-        </p:txBody>
-      </p:sp>
     </p:spTree>
     <p:extLst>
       <p:ext uri="{BB962C8B-B14F-4D97-AF65-F5344CB8AC3E}">
@@ -8415,19 +7633,22 @@
   <p:clrMapOvr>
     <a:masterClrMapping/>
   </p:clrMapOvr>
-  <p:timing>
-    <p:tnLst>
-      <p:par>
-        <p:cTn id="1" dur="indefinite" restart="never" nodeType="tmRoot"/>
-      </p:par>
-    </p:tnLst>
-  </p:timing>
 </p:sld>
 </file>
 
 <file path=ppt/slides/slide5.xml><?xml version="1.0" encoding="utf-8"?>
 <p:sld xmlns:a="http://schemas.openxmlformats.org/drawingml/2006/main" xmlns:r="http://schemas.openxmlformats.org/officeDocument/2006/relationships" xmlns:p="http://schemas.openxmlformats.org/presentationml/2006/main">
   <p:cSld>
+    <p:bg>
+      <p:bgPr>
+        <a:solidFill>
+          <a:schemeClr val="bg1">
+            <a:lumMod val="95000"/>
+          </a:schemeClr>
+        </a:solidFill>
+        <a:effectLst/>
+      </p:bgPr>
+    </p:bg>
     <p:spTree>
       <p:nvGrpSpPr>
         <p:cNvPr id="1" name=""/>
@@ -8472,6 +7693,329 @@
           </a:p>
         </p:txBody>
       </p:sp>
+      <p:grpSp>
+        <p:nvGrpSpPr>
+          <p:cNvPr id="34" name="Group 33"/>
+          <p:cNvGrpSpPr/>
+          <p:nvPr/>
+        </p:nvGrpSpPr>
+        <p:grpSpPr>
+          <a:xfrm>
+            <a:off x="2644584" y="4987751"/>
+            <a:ext cx="464344" cy="566737"/>
+            <a:chOff x="4352925" y="3148013"/>
+            <a:chExt cx="464344" cy="566737"/>
+          </a:xfrm>
+        </p:grpSpPr>
+        <p:sp>
+          <p:nvSpPr>
+            <p:cNvPr id="14" name="Rectangle 13"/>
+            <p:cNvSpPr/>
+            <p:nvPr/>
+          </p:nvSpPr>
+          <p:spPr>
+            <a:xfrm>
+              <a:off x="4352925" y="3231356"/>
+              <a:ext cx="138113" cy="335757"/>
+            </a:xfrm>
+            <a:prstGeom prst="rect">
+              <a:avLst/>
+            </a:prstGeom>
+            <a:solidFill>
+              <a:srgbClr val="E46B09"/>
+            </a:solidFill>
+            <a:ln w="12700">
+              <a:solidFill>
+                <a:schemeClr val="tx1"/>
+              </a:solidFill>
+            </a:ln>
+          </p:spPr>
+          <p:style>
+            <a:lnRef idx="2">
+              <a:schemeClr val="accent1">
+                <a:shade val="50000"/>
+              </a:schemeClr>
+            </a:lnRef>
+            <a:fillRef idx="1">
+              <a:schemeClr val="accent1"/>
+            </a:fillRef>
+            <a:effectRef idx="0">
+              <a:schemeClr val="accent1"/>
+            </a:effectRef>
+            <a:fontRef idx="minor">
+              <a:schemeClr val="lt1"/>
+            </a:fontRef>
+          </p:style>
+          <p:txBody>
+            <a:bodyPr rtlCol="0" anchor="ctr"/>
+            <a:lstStyle/>
+            <a:p>
+              <a:pPr algn="ctr"/>
+              <a:endParaRPr lang="en-US"/>
+            </a:p>
+          </p:txBody>
+        </p:sp>
+        <p:sp>
+          <p:nvSpPr>
+            <p:cNvPr id="15" name="Rectangle 14"/>
+            <p:cNvSpPr/>
+            <p:nvPr/>
+          </p:nvSpPr>
+          <p:spPr>
+            <a:xfrm>
+              <a:off x="4679156" y="3295650"/>
+              <a:ext cx="138113" cy="335757"/>
+            </a:xfrm>
+            <a:prstGeom prst="rect">
+              <a:avLst/>
+            </a:prstGeom>
+            <a:solidFill>
+              <a:srgbClr val="0070C0"/>
+            </a:solidFill>
+            <a:ln w="12700">
+              <a:solidFill>
+                <a:schemeClr val="tx1"/>
+              </a:solidFill>
+            </a:ln>
+          </p:spPr>
+          <p:style>
+            <a:lnRef idx="2">
+              <a:schemeClr val="accent1">
+                <a:shade val="50000"/>
+              </a:schemeClr>
+            </a:lnRef>
+            <a:fillRef idx="1">
+              <a:schemeClr val="accent1"/>
+            </a:fillRef>
+            <a:effectRef idx="0">
+              <a:schemeClr val="accent1"/>
+            </a:effectRef>
+            <a:fontRef idx="minor">
+              <a:schemeClr val="lt1"/>
+            </a:fontRef>
+          </p:style>
+          <p:txBody>
+            <a:bodyPr rtlCol="0" anchor="ctr"/>
+            <a:lstStyle/>
+            <a:p>
+              <a:pPr algn="ctr"/>
+              <a:endParaRPr lang="en-US"/>
+            </a:p>
+          </p:txBody>
+        </p:sp>
+        <p:cxnSp>
+          <p:nvCxnSpPr>
+            <p:cNvPr id="17" name="Straight Connector 16"/>
+            <p:cNvCxnSpPr/>
+            <p:nvPr/>
+          </p:nvCxnSpPr>
+          <p:spPr>
+            <a:xfrm flipV="1">
+              <a:off x="4419600" y="3148013"/>
+              <a:ext cx="0" cy="59531"/>
+            </a:xfrm>
+            <a:prstGeom prst="line">
+              <a:avLst/>
+            </a:prstGeom>
+            <a:ln w="19050">
+              <a:solidFill>
+                <a:schemeClr val="tx1"/>
+              </a:solidFill>
+            </a:ln>
+          </p:spPr>
+          <p:style>
+            <a:lnRef idx="1">
+              <a:schemeClr val="accent1"/>
+            </a:lnRef>
+            <a:fillRef idx="0">
+              <a:schemeClr val="accent1"/>
+            </a:fillRef>
+            <a:effectRef idx="0">
+              <a:schemeClr val="accent1"/>
+            </a:effectRef>
+            <a:fontRef idx="minor">
+              <a:schemeClr val="tx1"/>
+            </a:fontRef>
+          </p:style>
+        </p:cxnSp>
+        <p:cxnSp>
+          <p:nvCxnSpPr>
+            <p:cNvPr id="18" name="Straight Connector 17"/>
+            <p:cNvCxnSpPr/>
+            <p:nvPr/>
+          </p:nvCxnSpPr>
+          <p:spPr>
+            <a:xfrm flipV="1">
+              <a:off x="4743450" y="3655219"/>
+              <a:ext cx="0" cy="59531"/>
+            </a:xfrm>
+            <a:prstGeom prst="line">
+              <a:avLst/>
+            </a:prstGeom>
+            <a:ln w="19050">
+              <a:solidFill>
+                <a:schemeClr val="tx1"/>
+              </a:solidFill>
+            </a:ln>
+          </p:spPr>
+          <p:style>
+            <a:lnRef idx="1">
+              <a:schemeClr val="accent1"/>
+            </a:lnRef>
+            <a:fillRef idx="0">
+              <a:schemeClr val="accent1"/>
+            </a:fillRef>
+            <a:effectRef idx="0">
+              <a:schemeClr val="accent1"/>
+            </a:effectRef>
+            <a:fontRef idx="minor">
+              <a:schemeClr val="tx1"/>
+            </a:fontRef>
+          </p:style>
+        </p:cxnSp>
+        <p:cxnSp>
+          <p:nvCxnSpPr>
+            <p:cNvPr id="20" name="Straight Connector 19"/>
+            <p:cNvCxnSpPr/>
+            <p:nvPr/>
+          </p:nvCxnSpPr>
+          <p:spPr>
+            <a:xfrm>
+              <a:off x="4410076" y="3150394"/>
+              <a:ext cx="338136" cy="0"/>
+            </a:xfrm>
+            <a:prstGeom prst="line">
+              <a:avLst/>
+            </a:prstGeom>
+            <a:ln w="19050">
+              <a:solidFill>
+                <a:schemeClr val="tx1"/>
+              </a:solidFill>
+            </a:ln>
+          </p:spPr>
+          <p:style>
+            <a:lnRef idx="1">
+              <a:schemeClr val="accent1"/>
+            </a:lnRef>
+            <a:fillRef idx="0">
+              <a:schemeClr val="accent1"/>
+            </a:fillRef>
+            <a:effectRef idx="0">
+              <a:schemeClr val="accent1"/>
+            </a:effectRef>
+            <a:fontRef idx="minor">
+              <a:schemeClr val="tx1"/>
+            </a:fontRef>
+          </p:style>
+        </p:cxnSp>
+        <p:cxnSp>
+          <p:nvCxnSpPr>
+            <p:cNvPr id="22" name="Straight Connector 21"/>
+            <p:cNvCxnSpPr/>
+            <p:nvPr/>
+          </p:nvCxnSpPr>
+          <p:spPr>
+            <a:xfrm>
+              <a:off x="4412457" y="3714750"/>
+              <a:ext cx="340517" cy="0"/>
+            </a:xfrm>
+            <a:prstGeom prst="line">
+              <a:avLst/>
+            </a:prstGeom>
+            <a:ln w="19050">
+              <a:solidFill>
+                <a:schemeClr val="tx1"/>
+              </a:solidFill>
+            </a:ln>
+          </p:spPr>
+          <p:style>
+            <a:lnRef idx="1">
+              <a:schemeClr val="accent1"/>
+            </a:lnRef>
+            <a:fillRef idx="0">
+              <a:schemeClr val="accent1"/>
+            </a:fillRef>
+            <a:effectRef idx="0">
+              <a:schemeClr val="accent1"/>
+            </a:effectRef>
+            <a:fontRef idx="minor">
+              <a:schemeClr val="tx1"/>
+            </a:fontRef>
+          </p:style>
+        </p:cxnSp>
+        <p:cxnSp>
+          <p:nvCxnSpPr>
+            <p:cNvPr id="24" name="Straight Arrow Connector 23"/>
+            <p:cNvCxnSpPr/>
+            <p:nvPr/>
+          </p:nvCxnSpPr>
+          <p:spPr>
+            <a:xfrm>
+              <a:off x="4738688" y="3148013"/>
+              <a:ext cx="0" cy="130968"/>
+            </a:xfrm>
+            <a:prstGeom prst="straightConnector1">
+              <a:avLst/>
+            </a:prstGeom>
+            <a:ln w="19050">
+              <a:solidFill>
+                <a:schemeClr val="tx1"/>
+              </a:solidFill>
+              <a:tailEnd type="triangle"/>
+            </a:ln>
+          </p:spPr>
+          <p:style>
+            <a:lnRef idx="1">
+              <a:schemeClr val="accent1"/>
+            </a:lnRef>
+            <a:fillRef idx="0">
+              <a:schemeClr val="accent1"/>
+            </a:fillRef>
+            <a:effectRef idx="0">
+              <a:schemeClr val="accent1"/>
+            </a:effectRef>
+            <a:fontRef idx="minor">
+              <a:schemeClr val="tx1"/>
+            </a:fontRef>
+          </p:style>
+        </p:cxnSp>
+        <p:cxnSp>
+          <p:nvCxnSpPr>
+            <p:cNvPr id="26" name="Straight Arrow Connector 25"/>
+            <p:cNvCxnSpPr/>
+            <p:nvPr/>
+          </p:nvCxnSpPr>
+          <p:spPr>
+            <a:xfrm flipV="1">
+              <a:off x="4421981" y="3598069"/>
+              <a:ext cx="0" cy="116681"/>
+            </a:xfrm>
+            <a:prstGeom prst="straightConnector1">
+              <a:avLst/>
+            </a:prstGeom>
+            <a:ln w="19050">
+              <a:solidFill>
+                <a:schemeClr val="tx1"/>
+              </a:solidFill>
+              <a:tailEnd type="triangle"/>
+            </a:ln>
+          </p:spPr>
+          <p:style>
+            <a:lnRef idx="1">
+              <a:schemeClr val="accent1"/>
+            </a:lnRef>
+            <a:fillRef idx="0">
+              <a:schemeClr val="accent1"/>
+            </a:fillRef>
+            <a:effectRef idx="0">
+              <a:schemeClr val="accent1"/>
+            </a:effectRef>
+            <a:fontRef idx="minor">
+              <a:schemeClr val="tx1"/>
+            </a:fontRef>
+          </p:style>
+        </p:cxnSp>
+      </p:grpSp>
       <p:sp>
         <p:nvSpPr>
           <p:cNvPr id="35" name="TextBox 34"/>
@@ -8530,199 +8074,6 @@
           </a:p>
         </p:txBody>
       </p:sp>
-      <p:grpSp>
-        <p:nvGrpSpPr>
-          <p:cNvPr id="2" name="Group 1"/>
-          <p:cNvGrpSpPr/>
-          <p:nvPr/>
-        </p:nvGrpSpPr>
-        <p:grpSpPr>
-          <a:xfrm>
-            <a:off x="2644584" y="5038948"/>
-            <a:ext cx="464344" cy="464343"/>
-            <a:chOff x="2644584" y="5038948"/>
-            <a:chExt cx="464344" cy="464343"/>
-          </a:xfrm>
-        </p:grpSpPr>
-        <p:sp>
-          <p:nvSpPr>
-            <p:cNvPr id="14" name="Rectangle 13"/>
-            <p:cNvSpPr/>
-            <p:nvPr/>
-          </p:nvSpPr>
-          <p:spPr>
-            <a:xfrm>
-              <a:off x="2644584" y="5071094"/>
-              <a:ext cx="138113" cy="335757"/>
-            </a:xfrm>
-            <a:prstGeom prst="rect">
-              <a:avLst/>
-            </a:prstGeom>
-            <a:solidFill>
-              <a:srgbClr val="EFA66B"/>
-            </a:solidFill>
-            <a:ln w="12700">
-              <a:solidFill>
-                <a:schemeClr val="tx1"/>
-              </a:solidFill>
-            </a:ln>
-          </p:spPr>
-          <p:style>
-            <a:lnRef idx="2">
-              <a:schemeClr val="accent1">
-                <a:shade val="50000"/>
-              </a:schemeClr>
-            </a:lnRef>
-            <a:fillRef idx="1">
-              <a:schemeClr val="accent1"/>
-            </a:fillRef>
-            <a:effectRef idx="0">
-              <a:schemeClr val="accent1"/>
-            </a:effectRef>
-            <a:fontRef idx="minor">
-              <a:schemeClr val="lt1"/>
-            </a:fontRef>
-          </p:style>
-          <p:txBody>
-            <a:bodyPr rtlCol="0" anchor="ctr"/>
-            <a:lstStyle/>
-            <a:p>
-              <a:pPr algn="ctr"/>
-              <a:endParaRPr lang="en-US"/>
-            </a:p>
-          </p:txBody>
-        </p:sp>
-        <p:sp>
-          <p:nvSpPr>
-            <p:cNvPr id="15" name="Rectangle 14"/>
-            <p:cNvSpPr/>
-            <p:nvPr/>
-          </p:nvSpPr>
-          <p:spPr>
-            <a:xfrm>
-              <a:off x="2970815" y="5135388"/>
-              <a:ext cx="138113" cy="335757"/>
-            </a:xfrm>
-            <a:prstGeom prst="rect">
-              <a:avLst/>
-            </a:prstGeom>
-            <a:solidFill>
-              <a:schemeClr val="bg1">
-                <a:lumMod val="65000"/>
-              </a:schemeClr>
-            </a:solidFill>
-            <a:ln w="12700">
-              <a:solidFill>
-                <a:schemeClr val="tx1"/>
-              </a:solidFill>
-            </a:ln>
-          </p:spPr>
-          <p:style>
-            <a:lnRef idx="2">
-              <a:schemeClr val="accent1">
-                <a:shade val="50000"/>
-              </a:schemeClr>
-            </a:lnRef>
-            <a:fillRef idx="1">
-              <a:schemeClr val="accent1"/>
-            </a:fillRef>
-            <a:effectRef idx="0">
-              <a:schemeClr val="accent1"/>
-            </a:effectRef>
-            <a:fontRef idx="minor">
-              <a:schemeClr val="lt1"/>
-            </a:fontRef>
-          </p:style>
-          <p:txBody>
-            <a:bodyPr rtlCol="0" anchor="ctr"/>
-            <a:lstStyle/>
-            <a:p>
-              <a:pPr algn="ctr"/>
-              <a:endParaRPr lang="en-US"/>
-            </a:p>
-          </p:txBody>
-        </p:sp>
-        <p:cxnSp>
-          <p:nvCxnSpPr>
-            <p:cNvPr id="3" name="Elbow Connector 2"/>
-            <p:cNvCxnSpPr/>
-            <p:nvPr/>
-          </p:nvCxnSpPr>
-          <p:spPr>
-            <a:xfrm rot="16200000" flipH="1">
-              <a:off x="2844609" y="4907979"/>
-              <a:ext cx="64294" cy="326231"/>
-            </a:xfrm>
-            <a:prstGeom prst="bentConnector3">
-              <a:avLst>
-                <a:gd name="adj1" fmla="val -82963"/>
-              </a:avLst>
-            </a:prstGeom>
-            <a:ln w="22225">
-              <a:solidFill>
-                <a:srgbClr val="0070C0"/>
-              </a:solidFill>
-              <a:miter lim="800000"/>
-              <a:headEnd w="med" len="sm"/>
-              <a:tailEnd type="triangle" w="med" len="sm"/>
-            </a:ln>
-          </p:spPr>
-          <p:style>
-            <a:lnRef idx="1">
-              <a:schemeClr val="accent1"/>
-            </a:lnRef>
-            <a:fillRef idx="0">
-              <a:schemeClr val="accent1"/>
-            </a:fillRef>
-            <a:effectRef idx="0">
-              <a:schemeClr val="accent1"/>
-            </a:effectRef>
-            <a:fontRef idx="minor">
-              <a:schemeClr val="tx1"/>
-            </a:fontRef>
-          </p:style>
-        </p:cxnSp>
-        <p:cxnSp>
-          <p:nvCxnSpPr>
-            <p:cNvPr id="19" name="Elbow Connector 18"/>
-            <p:cNvCxnSpPr/>
-            <p:nvPr/>
-          </p:nvCxnSpPr>
-          <p:spPr>
-            <a:xfrm rot="5400000" flipH="1">
-              <a:off x="2844608" y="5308028"/>
-              <a:ext cx="64294" cy="326231"/>
-            </a:xfrm>
-            <a:prstGeom prst="bentConnector3">
-              <a:avLst>
-                <a:gd name="adj1" fmla="val -84454"/>
-              </a:avLst>
-            </a:prstGeom>
-            <a:ln w="22225">
-              <a:solidFill>
-                <a:srgbClr val="0070C0"/>
-              </a:solidFill>
-              <a:miter lim="800000"/>
-              <a:headEnd w="med" len="sm"/>
-              <a:tailEnd type="triangle" w="med" len="sm"/>
-            </a:ln>
-          </p:spPr>
-          <p:style>
-            <a:lnRef idx="1">
-              <a:schemeClr val="accent1"/>
-            </a:lnRef>
-            <a:fillRef idx="0">
-              <a:schemeClr val="accent1"/>
-            </a:fillRef>
-            <a:effectRef idx="0">
-              <a:schemeClr val="accent1"/>
-            </a:effectRef>
-            <a:fontRef idx="minor">
-              <a:schemeClr val="tx1"/>
-            </a:fontRef>
-          </p:style>
-        </p:cxnSp>
-      </p:grpSp>
     </p:spTree>
     <p:extLst>
       <p:ext uri="{BB962C8B-B14F-4D97-AF65-F5344CB8AC3E}">
@@ -8733,19 +8084,22 @@
   <p:clrMapOvr>
     <a:masterClrMapping/>
   </p:clrMapOvr>
-  <p:timing>
-    <p:tnLst>
-      <p:par>
-        <p:cTn id="1" dur="indefinite" restart="never" nodeType="tmRoot"/>
-      </p:par>
-    </p:tnLst>
-  </p:timing>
 </p:sld>
 </file>
 
 <file path=ppt/slides/slide6.xml><?xml version="1.0" encoding="utf-8"?>
 <p:sld xmlns:a="http://schemas.openxmlformats.org/drawingml/2006/main" xmlns:r="http://schemas.openxmlformats.org/officeDocument/2006/relationships" xmlns:p="http://schemas.openxmlformats.org/presentationml/2006/main">
   <p:cSld>
+    <p:bg>
+      <p:bgPr>
+        <a:solidFill>
+          <a:schemeClr val="bg1">
+            <a:lumMod val="95000"/>
+          </a:schemeClr>
+        </a:solidFill>
+        <a:effectLst/>
+      </p:bgPr>
+    </p:bg>
     <p:spTree>
       <p:nvGrpSpPr>
         <p:cNvPr id="1" name=""/>
@@ -8768,8 +8122,8 @@
         </p:nvSpPr>
         <p:spPr>
           <a:xfrm>
-            <a:off x="2661515" y="781706"/>
-            <a:ext cx="3820982" cy="707886"/>
+            <a:off x="2989072" y="781706"/>
+            <a:ext cx="3165867" cy="707886"/>
           </a:xfrm>
           <a:prstGeom prst="rect">
             <a:avLst/>
@@ -8784,12 +8138,12 @@
           <a:p>
             <a:pPr algn="ctr"/>
             <a:r>
-              <a:rPr lang="en-US" sz="4000" dirty="0" err="1"/>
-              <a:t>Reorientate</a:t>
+              <a:rPr lang="en-US" sz="4000" dirty="0" smtClean="0"/>
+              <a:t>Reorient </a:t>
             </a:r>
             <a:r>
               <a:rPr lang="en-US" sz="4000" dirty="0"/>
-              <a:t> Icons</a:t>
+              <a:t>Icons</a:t>
             </a:r>
           </a:p>
         </p:txBody>
@@ -8831,7 +8185,7 @@
         </p:nvSpPr>
         <p:spPr>
           <a:xfrm>
-            <a:off x="2540000" y="2271298"/>
+            <a:off x="4820247" y="2280924"/>
             <a:ext cx="1662250" cy="369332"/>
           </a:xfrm>
           <a:prstGeom prst="rect">
@@ -8860,7 +8214,7 @@
         </p:nvSpPr>
         <p:spPr>
           <a:xfrm>
-            <a:off x="4980801" y="2271298"/>
+            <a:off x="7261048" y="2280924"/>
             <a:ext cx="1402372" cy="369332"/>
           </a:xfrm>
           <a:prstGeom prst="rect">
@@ -8889,7 +8243,7 @@
         </p:nvSpPr>
         <p:spPr>
           <a:xfrm>
-            <a:off x="7161724" y="2271298"/>
+            <a:off x="771871" y="4718811"/>
             <a:ext cx="1203727" cy="369332"/>
           </a:xfrm>
           <a:prstGeom prst="rect">
@@ -8918,7 +8272,7 @@
         </p:nvSpPr>
         <p:spPr>
           <a:xfrm>
-            <a:off x="752871" y="4613617"/>
+            <a:off x="2930672" y="4693975"/>
             <a:ext cx="1034257" cy="369332"/>
           </a:xfrm>
           <a:prstGeom prst="rect">
@@ -8941,15 +8295,493 @@
       </p:sp>
       <p:grpSp>
         <p:nvGrpSpPr>
-          <p:cNvPr id="10" name="Group 9"/>
+          <p:cNvPr id="60" name="Group 59"/>
           <p:cNvGrpSpPr/>
           <p:nvPr/>
         </p:nvGrpSpPr>
         <p:grpSpPr>
           <a:xfrm>
-            <a:off x="3166337" y="3422336"/>
+            <a:off x="1026635" y="3373130"/>
+            <a:ext cx="486731" cy="507988"/>
+            <a:chOff x="3016088" y="3308560"/>
+            <a:chExt cx="486731" cy="507988"/>
+          </a:xfrm>
+        </p:grpSpPr>
+        <p:sp>
+          <p:nvSpPr>
+            <p:cNvPr id="47" name="Rectangle 46"/>
+            <p:cNvSpPr/>
+            <p:nvPr/>
+          </p:nvSpPr>
+          <p:spPr>
+            <a:xfrm>
+              <a:off x="3159091" y="3488531"/>
+              <a:ext cx="180975" cy="173832"/>
+            </a:xfrm>
+            <a:prstGeom prst="rect">
+              <a:avLst/>
+            </a:prstGeom>
+            <a:solidFill>
+              <a:srgbClr val="E46B09"/>
+            </a:solidFill>
+            <a:ln w="12700">
+              <a:solidFill>
+                <a:schemeClr val="tx1"/>
+              </a:solidFill>
+            </a:ln>
+          </p:spPr>
+          <p:style>
+            <a:lnRef idx="2">
+              <a:schemeClr val="accent1">
+                <a:shade val="50000"/>
+              </a:schemeClr>
+            </a:lnRef>
+            <a:fillRef idx="1">
+              <a:schemeClr val="accent1"/>
+            </a:fillRef>
+            <a:effectRef idx="0">
+              <a:schemeClr val="accent1"/>
+            </a:effectRef>
+            <a:fontRef idx="minor">
+              <a:schemeClr val="lt1"/>
+            </a:fontRef>
+          </p:style>
+          <p:txBody>
+            <a:bodyPr rtlCol="0" anchor="ctr"/>
+            <a:lstStyle/>
+            <a:p>
+              <a:pPr algn="ctr"/>
+              <a:endParaRPr lang="en-US"/>
+            </a:p>
+          </p:txBody>
+        </p:sp>
+        <p:sp>
+          <p:nvSpPr>
+            <p:cNvPr id="52" name="Oval 51"/>
+            <p:cNvSpPr/>
+            <p:nvPr/>
+          </p:nvSpPr>
+          <p:spPr>
+            <a:xfrm>
+              <a:off x="3016088" y="3328614"/>
+              <a:ext cx="486731" cy="487934"/>
+            </a:xfrm>
+            <a:prstGeom prst="ellipse">
+              <a:avLst/>
+            </a:prstGeom>
+            <a:noFill/>
+            <a:ln w="19050">
+              <a:solidFill>
+                <a:schemeClr val="tx1"/>
+              </a:solidFill>
+              <a:prstDash val="dash"/>
+            </a:ln>
+          </p:spPr>
+          <p:style>
+            <a:lnRef idx="2">
+              <a:schemeClr val="accent1">
+                <a:shade val="50000"/>
+              </a:schemeClr>
+            </a:lnRef>
+            <a:fillRef idx="1">
+              <a:schemeClr val="accent1"/>
+            </a:fillRef>
+            <a:effectRef idx="0">
+              <a:schemeClr val="accent1"/>
+            </a:effectRef>
+            <a:fontRef idx="minor">
+              <a:schemeClr val="lt1"/>
+            </a:fontRef>
+          </p:style>
+          <p:txBody>
+            <a:bodyPr rtlCol="0" anchor="ctr"/>
+            <a:lstStyle/>
+            <a:p>
+              <a:pPr algn="ctr"/>
+              <a:endParaRPr lang="en-US"/>
+            </a:p>
+          </p:txBody>
+        </p:sp>
+        <p:sp>
+          <p:nvSpPr>
+            <p:cNvPr id="49" name="Rectangle 48"/>
+            <p:cNvSpPr/>
+            <p:nvPr/>
+          </p:nvSpPr>
+          <p:spPr>
+            <a:xfrm rot="19174279">
+              <a:off x="3413300" y="3308560"/>
+              <a:ext cx="71771" cy="248207"/>
+            </a:xfrm>
+            <a:prstGeom prst="rect">
+              <a:avLst/>
+            </a:prstGeom>
+            <a:solidFill>
+              <a:srgbClr val="0070C0"/>
+            </a:solidFill>
+            <a:ln w="12700">
+              <a:solidFill>
+                <a:schemeClr val="tx1"/>
+              </a:solidFill>
+            </a:ln>
+          </p:spPr>
+          <p:style>
+            <a:lnRef idx="2">
+              <a:schemeClr val="accent1">
+                <a:shade val="50000"/>
+              </a:schemeClr>
+            </a:lnRef>
+            <a:fillRef idx="1">
+              <a:schemeClr val="accent1"/>
+            </a:fillRef>
+            <a:effectRef idx="0">
+              <a:schemeClr val="accent1"/>
+            </a:effectRef>
+            <a:fontRef idx="minor">
+              <a:schemeClr val="lt1"/>
+            </a:fontRef>
+          </p:style>
+          <p:txBody>
+            <a:bodyPr rtlCol="0" anchor="ctr"/>
+            <a:lstStyle/>
+            <a:p>
+              <a:pPr algn="ctr"/>
+              <a:endParaRPr lang="en-US"/>
+            </a:p>
+          </p:txBody>
+        </p:sp>
+      </p:grpSp>
+      <p:grpSp>
+        <p:nvGrpSpPr>
+          <p:cNvPr id="89" name="Group 88"/>
+          <p:cNvGrpSpPr/>
+          <p:nvPr/>
+        </p:nvGrpSpPr>
+        <p:grpSpPr>
+          <a:xfrm>
+            <a:off x="3116862" y="5541146"/>
+            <a:ext cx="559539" cy="311642"/>
+            <a:chOff x="4291068" y="3238762"/>
+            <a:chExt cx="559539" cy="311642"/>
+          </a:xfrm>
+        </p:grpSpPr>
+        <p:sp>
+          <p:nvSpPr>
+            <p:cNvPr id="62" name="Rectangle 61"/>
+            <p:cNvSpPr/>
+            <p:nvPr/>
+          </p:nvSpPr>
+          <p:spPr>
+            <a:xfrm>
+              <a:off x="4622007" y="3459956"/>
+              <a:ext cx="228600" cy="90448"/>
+            </a:xfrm>
+            <a:prstGeom prst="rect">
+              <a:avLst/>
+            </a:prstGeom>
+            <a:solidFill>
+              <a:srgbClr val="E46B09"/>
+            </a:solidFill>
+            <a:ln w="12700">
+              <a:solidFill>
+                <a:schemeClr val="tx1"/>
+              </a:solidFill>
+            </a:ln>
+          </p:spPr>
+          <p:style>
+            <a:lnRef idx="2">
+              <a:schemeClr val="accent1">
+                <a:shade val="50000"/>
+              </a:schemeClr>
+            </a:lnRef>
+            <a:fillRef idx="1">
+              <a:schemeClr val="accent1"/>
+            </a:fillRef>
+            <a:effectRef idx="0">
+              <a:schemeClr val="accent1"/>
+            </a:effectRef>
+            <a:fontRef idx="minor">
+              <a:schemeClr val="lt1"/>
+            </a:fontRef>
+          </p:style>
+          <p:txBody>
+            <a:bodyPr rtlCol="0" anchor="ctr"/>
+            <a:lstStyle/>
+            <a:p>
+              <a:pPr algn="ctr"/>
+              <a:endParaRPr lang="en-US"/>
+            </a:p>
+          </p:txBody>
+        </p:sp>
+        <p:sp>
+          <p:nvSpPr>
+            <p:cNvPr id="64" name="Rectangle 63"/>
+            <p:cNvSpPr/>
+            <p:nvPr/>
+          </p:nvSpPr>
+          <p:spPr>
+            <a:xfrm>
+              <a:off x="4622007" y="3238762"/>
+              <a:ext cx="228600" cy="90448"/>
+            </a:xfrm>
+            <a:prstGeom prst="rect">
+              <a:avLst/>
+            </a:prstGeom>
+            <a:solidFill>
+              <a:srgbClr val="E46B09">
+                <a:alpha val="60000"/>
+              </a:srgbClr>
+            </a:solidFill>
+            <a:ln w="12700">
+              <a:solidFill>
+                <a:schemeClr val="tx1"/>
+              </a:solidFill>
+              <a:prstDash val="dash"/>
+            </a:ln>
+          </p:spPr>
+          <p:style>
+            <a:lnRef idx="2">
+              <a:schemeClr val="accent1">
+                <a:shade val="50000"/>
+              </a:schemeClr>
+            </a:lnRef>
+            <a:fillRef idx="1">
+              <a:schemeClr val="accent1"/>
+            </a:fillRef>
+            <a:effectRef idx="0">
+              <a:schemeClr val="accent1"/>
+            </a:effectRef>
+            <a:fontRef idx="minor">
+              <a:schemeClr val="lt1"/>
+            </a:fontRef>
+          </p:style>
+          <p:txBody>
+            <a:bodyPr rtlCol="0" anchor="ctr"/>
+            <a:lstStyle/>
+            <a:p>
+              <a:pPr algn="ctr"/>
+              <a:endParaRPr lang="en-US"/>
+            </a:p>
+          </p:txBody>
+        </p:sp>
+        <p:sp>
+          <p:nvSpPr>
+            <p:cNvPr id="65" name="Rectangle 64"/>
+            <p:cNvSpPr/>
+            <p:nvPr/>
+          </p:nvSpPr>
+          <p:spPr>
+            <a:xfrm>
+              <a:off x="4291068" y="3457574"/>
+              <a:ext cx="228600" cy="90448"/>
+            </a:xfrm>
+            <a:prstGeom prst="rect">
+              <a:avLst/>
+            </a:prstGeom>
+            <a:solidFill>
+              <a:srgbClr val="E46B09">
+                <a:alpha val="60000"/>
+              </a:srgbClr>
+            </a:solidFill>
+            <a:ln w="12700">
+              <a:solidFill>
+                <a:schemeClr val="tx1"/>
+              </a:solidFill>
+              <a:prstDash val="dash"/>
+            </a:ln>
+          </p:spPr>
+          <p:style>
+            <a:lnRef idx="2">
+              <a:schemeClr val="accent1">
+                <a:shade val="50000"/>
+              </a:schemeClr>
+            </a:lnRef>
+            <a:fillRef idx="1">
+              <a:schemeClr val="accent1"/>
+            </a:fillRef>
+            <a:effectRef idx="0">
+              <a:schemeClr val="accent1"/>
+            </a:effectRef>
+            <a:fontRef idx="minor">
+              <a:schemeClr val="lt1"/>
+            </a:fontRef>
+          </p:style>
+          <p:txBody>
+            <a:bodyPr rtlCol="0" anchor="ctr"/>
+            <a:lstStyle/>
+            <a:p>
+              <a:pPr algn="ctr"/>
+              <a:endParaRPr lang="en-US"/>
+            </a:p>
+          </p:txBody>
+        </p:sp>
+        <p:cxnSp>
+          <p:nvCxnSpPr>
+            <p:cNvPr id="70" name="Straight Connector 69"/>
+            <p:cNvCxnSpPr>
+              <a:stCxn id="64" idx="3"/>
+              <a:endCxn id="62" idx="3"/>
+            </p:cNvCxnSpPr>
+            <p:nvPr/>
+          </p:nvCxnSpPr>
+          <p:spPr>
+            <a:xfrm>
+              <a:off x="4850607" y="3283986"/>
+              <a:ext cx="0" cy="221194"/>
+            </a:xfrm>
+            <a:prstGeom prst="line">
+              <a:avLst/>
+            </a:prstGeom>
+            <a:ln w="12700">
+              <a:solidFill>
+                <a:schemeClr val="tx1"/>
+              </a:solidFill>
+              <a:prstDash val="dash"/>
+            </a:ln>
+          </p:spPr>
+          <p:style>
+            <a:lnRef idx="1">
+              <a:schemeClr val="accent1"/>
+            </a:lnRef>
+            <a:fillRef idx="0">
+              <a:schemeClr val="accent1"/>
+            </a:fillRef>
+            <a:effectRef idx="0">
+              <a:schemeClr val="accent1"/>
+            </a:effectRef>
+            <a:fontRef idx="minor">
+              <a:schemeClr val="tx1"/>
+            </a:fontRef>
+          </p:style>
+        </p:cxnSp>
+        <p:cxnSp>
+          <p:nvCxnSpPr>
+            <p:cNvPr id="72" name="Straight Connector 71"/>
+            <p:cNvCxnSpPr>
+              <a:stCxn id="64" idx="1"/>
+              <a:endCxn id="62" idx="1"/>
+            </p:cNvCxnSpPr>
+            <p:nvPr/>
+          </p:nvCxnSpPr>
+          <p:spPr>
+            <a:xfrm>
+              <a:off x="4622007" y="3283986"/>
+              <a:ext cx="0" cy="221194"/>
+            </a:xfrm>
+            <a:prstGeom prst="line">
+              <a:avLst/>
+            </a:prstGeom>
+            <a:ln w="12700">
+              <a:solidFill>
+                <a:schemeClr val="tx1"/>
+              </a:solidFill>
+              <a:prstDash val="dash"/>
+            </a:ln>
+          </p:spPr>
+          <p:style>
+            <a:lnRef idx="1">
+              <a:schemeClr val="accent1"/>
+            </a:lnRef>
+            <a:fillRef idx="0">
+              <a:schemeClr val="accent1"/>
+            </a:fillRef>
+            <a:effectRef idx="0">
+              <a:schemeClr val="accent1"/>
+            </a:effectRef>
+            <a:fontRef idx="minor">
+              <a:schemeClr val="tx1"/>
+            </a:fontRef>
+          </p:style>
+        </p:cxnSp>
+        <p:cxnSp>
+          <p:nvCxnSpPr>
+            <p:cNvPr id="77" name="Straight Connector 76"/>
+            <p:cNvCxnSpPr>
+              <a:stCxn id="65" idx="0"/>
+            </p:cNvCxnSpPr>
+            <p:nvPr/>
+          </p:nvCxnSpPr>
+          <p:spPr>
+            <a:xfrm>
+              <a:off x="4405368" y="3457574"/>
+              <a:ext cx="324958" cy="2381"/>
+            </a:xfrm>
+            <a:prstGeom prst="line">
+              <a:avLst/>
+            </a:prstGeom>
+            <a:ln w="12700">
+              <a:solidFill>
+                <a:schemeClr val="tx1"/>
+              </a:solidFill>
+              <a:prstDash val="dash"/>
+            </a:ln>
+          </p:spPr>
+          <p:style>
+            <a:lnRef idx="1">
+              <a:schemeClr val="accent1"/>
+            </a:lnRef>
+            <a:fillRef idx="0">
+              <a:schemeClr val="accent1"/>
+            </a:fillRef>
+            <a:effectRef idx="0">
+              <a:schemeClr val="accent1"/>
+            </a:effectRef>
+            <a:fontRef idx="minor">
+              <a:schemeClr val="tx1"/>
+            </a:fontRef>
+          </p:style>
+        </p:cxnSp>
+        <p:cxnSp>
+          <p:nvCxnSpPr>
+            <p:cNvPr id="80" name="Straight Connector 79"/>
+            <p:cNvCxnSpPr>
+              <a:stCxn id="65" idx="2"/>
+              <a:endCxn id="62" idx="2"/>
+            </p:cNvCxnSpPr>
+            <p:nvPr/>
+          </p:nvCxnSpPr>
+          <p:spPr>
+            <a:xfrm>
+              <a:off x="4405368" y="3548022"/>
+              <a:ext cx="330939" cy="2382"/>
+            </a:xfrm>
+            <a:prstGeom prst="line">
+              <a:avLst/>
+            </a:prstGeom>
+            <a:ln w="12700">
+              <a:solidFill>
+                <a:schemeClr val="tx1"/>
+              </a:solidFill>
+              <a:prstDash val="dash"/>
+            </a:ln>
+          </p:spPr>
+          <p:style>
+            <a:lnRef idx="1">
+              <a:schemeClr val="accent1"/>
+            </a:lnRef>
+            <a:fillRef idx="0">
+              <a:schemeClr val="accent1"/>
+            </a:fillRef>
+            <a:effectRef idx="0">
+              <a:schemeClr val="accent1"/>
+            </a:effectRef>
+            <a:fontRef idx="minor">
+              <a:schemeClr val="tx1"/>
+            </a:fontRef>
+          </p:style>
+        </p:cxnSp>
+      </p:grpSp>
+      <p:grpSp>
+        <p:nvGrpSpPr>
+          <p:cNvPr id="117" name="Group 116"/>
+          <p:cNvGrpSpPr/>
+          <p:nvPr/>
+        </p:nvGrpSpPr>
+        <p:grpSpPr>
+          <a:xfrm>
+            <a:off x="5446584" y="3431962"/>
             <a:ext cx="409575" cy="409575"/>
-            <a:chOff x="3166337" y="3422336"/>
+            <a:chOff x="3166337" y="3543806"/>
             <a:chExt cx="409575" cy="409575"/>
           </a:xfrm>
         </p:grpSpPr>
@@ -8961,16 +8793,16 @@
           </p:nvSpPr>
           <p:spPr>
             <a:xfrm rot="4575288">
-              <a:off x="3166336" y="3571957"/>
-              <a:ext cx="409575" cy="110333"/>
+              <a:off x="3166336" y="3680727"/>
+              <a:ext cx="409575" cy="135733"/>
             </a:xfrm>
             <a:prstGeom prst="rect">
               <a:avLst/>
             </a:prstGeom>
             <a:solidFill>
-              <a:schemeClr val="bg1">
-                <a:alpha val="0"/>
-              </a:schemeClr>
+              <a:srgbClr val="E46B09">
+                <a:alpha val="60000"/>
+              </a:srgbClr>
             </a:solidFill>
             <a:ln w="12700">
               <a:solidFill>
@@ -9012,20 +8844,19 @@
           </p:nvSpPr>
           <p:spPr>
             <a:xfrm>
-              <a:off x="3166337" y="3575171"/>
-              <a:ext cx="409575" cy="110333"/>
+              <a:off x="3166337" y="3683941"/>
+              <a:ext cx="409575" cy="135733"/>
             </a:xfrm>
             <a:prstGeom prst="rect">
               <a:avLst/>
             </a:prstGeom>
             <a:solidFill>
-              <a:srgbClr val="0070C0"/>
+              <a:srgbClr val="E46B09"/>
             </a:solidFill>
             <a:ln w="12700">
               <a:solidFill>
                 <a:schemeClr val="tx1"/>
               </a:solidFill>
-              <a:prstDash val="solid"/>
             </a:ln>
           </p:spPr>
           <p:style>
@@ -9053,71 +8884,25 @@
             </a:p>
           </p:txBody>
         </p:sp>
-      </p:grpSp>
-      <p:sp>
-        <p:nvSpPr>
-          <p:cNvPr id="159" name="TextBox 158"/>
-          <p:cNvSpPr txBox="1"/>
-          <p:nvPr/>
-        </p:nvSpPr>
-        <p:spPr>
-          <a:xfrm>
-            <a:off x="2298299" y="4613617"/>
-            <a:ext cx="2145652" cy="369332"/>
-          </a:xfrm>
-          <a:prstGeom prst="rect">
-            <a:avLst/>
-          </a:prstGeom>
-          <a:noFill/>
-        </p:spPr>
-        <p:txBody>
-          <a:bodyPr wrap="none" rtlCol="0">
-            <a:spAutoFit/>
-          </a:bodyPr>
-          <a:lstStyle/>
-          <a:p>
-            <a:r>
-              <a:rPr lang="en-US" dirty="0"/>
-              <a:t>Duplicate and Rotate</a:t>
-            </a:r>
-          </a:p>
-        </p:txBody>
-      </p:sp>
-      <p:grpSp>
-        <p:nvGrpSpPr>
-          <p:cNvPr id="8" name="Group 7"/>
-          <p:cNvGrpSpPr/>
-          <p:nvPr/>
-        </p:nvGrpSpPr>
-        <p:grpSpPr>
-          <a:xfrm>
-            <a:off x="7529499" y="3366403"/>
-            <a:ext cx="478645" cy="487364"/>
-            <a:chOff x="7529499" y="3366403"/>
-            <a:chExt cx="478645" cy="487364"/>
-          </a:xfrm>
-        </p:grpSpPr>
         <p:cxnSp>
           <p:nvCxnSpPr>
-            <p:cNvPr id="169" name="Straight Connector 168"/>
-            <p:cNvCxnSpPr>
-              <a:endCxn id="171" idx="7"/>
-            </p:cNvCxnSpPr>
+            <p:cNvPr id="93" name="Straight Arrow Connector 92"/>
+            <p:cNvCxnSpPr/>
             <p:nvPr/>
           </p:nvCxnSpPr>
           <p:spPr>
-            <a:xfrm flipH="1">
-              <a:off x="7683971" y="3366403"/>
-              <a:ext cx="324173" cy="332892"/>
+            <a:xfrm flipV="1">
+              <a:off x="3506856" y="3838724"/>
+              <a:ext cx="69056" cy="64293"/>
             </a:xfrm>
-            <a:prstGeom prst="line">
+            <a:prstGeom prst="straightConnector1">
               <a:avLst/>
             </a:prstGeom>
-            <a:ln w="12700">
+            <a:ln w="19050">
               <a:solidFill>
                 <a:schemeClr val="tx1"/>
               </a:solidFill>
-              <a:prstDash val="dash"/>
+              <a:tailEnd type="triangle"/>
             </a:ln>
           </p:spPr>
           <p:style>
@@ -9135,27 +8920,83 @@
             </a:fontRef>
           </p:style>
         </p:cxnSp>
+        <p:cxnSp>
+          <p:nvCxnSpPr>
+            <p:cNvPr id="95" name="Straight Arrow Connector 94"/>
+            <p:cNvCxnSpPr/>
+            <p:nvPr/>
+          </p:nvCxnSpPr>
+          <p:spPr>
+            <a:xfrm flipH="1">
+              <a:off x="3183006" y="3594951"/>
+              <a:ext cx="68147" cy="69941"/>
+            </a:xfrm>
+            <a:prstGeom prst="straightConnector1">
+              <a:avLst/>
+            </a:prstGeom>
+            <a:ln w="19050">
+              <a:solidFill>
+                <a:schemeClr val="tx1"/>
+              </a:solidFill>
+              <a:tailEnd type="triangle"/>
+            </a:ln>
+          </p:spPr>
+          <p:style>
+            <a:lnRef idx="1">
+              <a:schemeClr val="accent1"/>
+            </a:lnRef>
+            <a:fillRef idx="0">
+              <a:schemeClr val="accent1"/>
+            </a:fillRef>
+            <a:effectRef idx="0">
+              <a:schemeClr val="accent1"/>
+            </a:effectRef>
+            <a:fontRef idx="minor">
+              <a:schemeClr val="tx1"/>
+            </a:fontRef>
+          </p:style>
+        </p:cxnSp>
+      </p:grpSp>
+      <p:grpSp>
+        <p:nvGrpSpPr>
+          <p:cNvPr id="116" name="Group 115"/>
+          <p:cNvGrpSpPr/>
+          <p:nvPr/>
+        </p:nvGrpSpPr>
+        <p:grpSpPr>
+          <a:xfrm>
+            <a:off x="7756255" y="3430771"/>
+            <a:ext cx="411957" cy="411957"/>
+            <a:chOff x="7211305" y="6260306"/>
+            <a:chExt cx="411957" cy="411957"/>
+          </a:xfrm>
+        </p:grpSpPr>
         <p:sp>
           <p:nvSpPr>
-            <p:cNvPr id="171" name="Oval 170"/>
+            <p:cNvPr id="101" name="Rectangle 100"/>
             <p:cNvSpPr/>
             <p:nvPr/>
           </p:nvSpPr>
           <p:spPr>
-            <a:xfrm>
-              <a:off x="7529499" y="3672792"/>
-              <a:ext cx="180975" cy="180975"/>
+            <a:xfrm rot="4606391">
+              <a:off x="7350608" y="6260305"/>
+              <a:ext cx="133351" cy="411957"/>
             </a:xfrm>
-            <a:prstGeom prst="ellipse">
+            <a:prstGeom prst="rect">
               <a:avLst/>
             </a:prstGeom>
             <a:solidFill>
-              <a:srgbClr val="EFA66B"/>
+              <a:srgbClr val="E46B09">
+                <a:alpha val="60000"/>
+              </a:srgbClr>
             </a:solidFill>
             <a:ln w="12700">
               <a:solidFill>
-                <a:schemeClr val="tx1"/>
-              </a:solidFill>
+                <a:schemeClr val="tx1">
+                  <a:alpha val="60000"/>
+                </a:schemeClr>
+              </a:solidFill>
+              <a:prstDash val="dash"/>
             </a:ln>
           </p:spPr>
           <p:style>
@@ -9185,30 +9026,1136 @@
         </p:sp>
         <p:sp>
           <p:nvSpPr>
-            <p:cNvPr id="172" name="Rectangle 171"/>
-            <p:cNvSpPr>
-              <a:spLocks noChangeAspect="1"/>
-            </p:cNvSpPr>
+            <p:cNvPr id="100" name="Rectangle 99"/>
+            <p:cNvSpPr/>
             <p:nvPr/>
           </p:nvSpPr>
           <p:spPr>
-            <a:xfrm rot="7267194">
-              <a:off x="7803485" y="3403980"/>
-              <a:ext cx="82551" cy="255022"/>
+            <a:xfrm>
+              <a:off x="7353300" y="6260306"/>
+              <a:ext cx="133351" cy="411957"/>
             </a:xfrm>
             <a:prstGeom prst="rect">
               <a:avLst/>
             </a:prstGeom>
             <a:solidFill>
-              <a:srgbClr val="FFFFFF">
-                <a:alpha val="0"/>
-              </a:srgbClr>
+              <a:srgbClr val="E46B09"/>
             </a:solidFill>
             <a:ln w="12700">
               <a:solidFill>
                 <a:schemeClr val="tx1"/>
               </a:solidFill>
-              <a:prstDash val="dash"/>
+            </a:ln>
+          </p:spPr>
+          <p:style>
+            <a:lnRef idx="2">
+              <a:schemeClr val="accent1">
+                <a:shade val="50000"/>
+              </a:schemeClr>
+            </a:lnRef>
+            <a:fillRef idx="1">
+              <a:schemeClr val="accent1"/>
+            </a:fillRef>
+            <a:effectRef idx="0">
+              <a:schemeClr val="accent1"/>
+            </a:effectRef>
+            <a:fontRef idx="minor">
+              <a:schemeClr val="lt1"/>
+            </a:fontRef>
+          </p:style>
+          <p:txBody>
+            <a:bodyPr rtlCol="0" anchor="ctr"/>
+            <a:lstStyle/>
+            <a:p>
+              <a:pPr algn="ctr"/>
+              <a:endParaRPr lang="en-US"/>
+            </a:p>
+          </p:txBody>
+        </p:sp>
+        <p:cxnSp>
+          <p:nvCxnSpPr>
+            <p:cNvPr id="103" name="Straight Arrow Connector 102"/>
+            <p:cNvCxnSpPr/>
+            <p:nvPr/>
+          </p:nvCxnSpPr>
+          <p:spPr>
+            <a:xfrm flipH="1" flipV="1">
+              <a:off x="7505700" y="6260306"/>
+              <a:ext cx="76200" cy="73819"/>
+            </a:xfrm>
+            <a:prstGeom prst="straightConnector1">
+              <a:avLst/>
+            </a:prstGeom>
+            <a:ln w="19050">
+              <a:solidFill>
+                <a:schemeClr val="tx1"/>
+              </a:solidFill>
+              <a:tailEnd type="triangle"/>
+            </a:ln>
+          </p:spPr>
+          <p:style>
+            <a:lnRef idx="1">
+              <a:schemeClr val="accent1"/>
+            </a:lnRef>
+            <a:fillRef idx="0">
+              <a:schemeClr val="accent1"/>
+            </a:fillRef>
+            <a:effectRef idx="0">
+              <a:schemeClr val="accent1"/>
+            </a:effectRef>
+            <a:fontRef idx="minor">
+              <a:schemeClr val="tx1"/>
+            </a:fontRef>
+          </p:style>
+        </p:cxnSp>
+        <p:cxnSp>
+          <p:nvCxnSpPr>
+            <p:cNvPr id="108" name="Straight Arrow Connector 107"/>
+            <p:cNvCxnSpPr/>
+            <p:nvPr/>
+          </p:nvCxnSpPr>
+          <p:spPr>
+            <a:xfrm>
+              <a:off x="7262814" y="6589036"/>
+              <a:ext cx="71437" cy="72511"/>
+            </a:xfrm>
+            <a:prstGeom prst="straightConnector1">
+              <a:avLst/>
+            </a:prstGeom>
+            <a:ln w="19050">
+              <a:solidFill>
+                <a:schemeClr val="tx1"/>
+              </a:solidFill>
+              <a:tailEnd type="triangle"/>
+            </a:ln>
+          </p:spPr>
+          <p:style>
+            <a:lnRef idx="1">
+              <a:schemeClr val="accent1"/>
+            </a:lnRef>
+            <a:fillRef idx="0">
+              <a:schemeClr val="accent1"/>
+            </a:fillRef>
+            <a:effectRef idx="0">
+              <a:schemeClr val="accent1"/>
+            </a:effectRef>
+            <a:fontRef idx="minor">
+              <a:schemeClr val="tx1"/>
+            </a:fontRef>
+          </p:style>
+        </p:cxnSp>
+      </p:grpSp>
+      <p:grpSp>
+        <p:nvGrpSpPr>
+          <p:cNvPr id="267" name="Group 266"/>
+          <p:cNvGrpSpPr/>
+          <p:nvPr/>
+        </p:nvGrpSpPr>
+        <p:grpSpPr>
+          <a:xfrm>
+            <a:off x="1009530" y="5273759"/>
+            <a:ext cx="520939" cy="531355"/>
+            <a:chOff x="5824134" y="5895605"/>
+            <a:chExt cx="520939" cy="531355"/>
+          </a:xfrm>
+        </p:grpSpPr>
+        <p:sp>
+          <p:nvSpPr>
+            <p:cNvPr id="118" name="Rectangle 117"/>
+            <p:cNvSpPr/>
+            <p:nvPr/>
+          </p:nvSpPr>
+          <p:spPr>
+            <a:xfrm>
+              <a:off x="6017980" y="6088856"/>
+              <a:ext cx="142876" cy="142875"/>
+            </a:xfrm>
+            <a:prstGeom prst="rect">
+              <a:avLst/>
+            </a:prstGeom>
+            <a:solidFill>
+              <a:srgbClr val="E46B09"/>
+            </a:solidFill>
+            <a:ln w="12700">
+              <a:solidFill>
+                <a:schemeClr val="tx1"/>
+              </a:solidFill>
+            </a:ln>
+          </p:spPr>
+          <p:style>
+            <a:lnRef idx="2">
+              <a:schemeClr val="accent1">
+                <a:shade val="50000"/>
+              </a:schemeClr>
+            </a:lnRef>
+            <a:fillRef idx="1">
+              <a:schemeClr val="accent1"/>
+            </a:fillRef>
+            <a:effectRef idx="0">
+              <a:schemeClr val="accent1"/>
+            </a:effectRef>
+            <a:fontRef idx="minor">
+              <a:schemeClr val="lt1"/>
+            </a:fontRef>
+          </p:style>
+          <p:txBody>
+            <a:bodyPr rtlCol="0" anchor="ctr"/>
+            <a:lstStyle/>
+            <a:p>
+              <a:pPr algn="ctr"/>
+              <a:endParaRPr lang="en-US"/>
+            </a:p>
+          </p:txBody>
+        </p:sp>
+        <p:grpSp>
+          <p:nvGrpSpPr>
+            <p:cNvPr id="131" name="Group 130"/>
+            <p:cNvGrpSpPr/>
+            <p:nvPr/>
+          </p:nvGrpSpPr>
+          <p:grpSpPr>
+            <a:xfrm>
+              <a:off x="6001392" y="6271080"/>
+              <a:ext cx="155880" cy="155880"/>
+              <a:chOff x="6177194" y="5096973"/>
+              <a:chExt cx="411957" cy="411957"/>
+            </a:xfrm>
+          </p:grpSpPr>
+          <p:sp>
+            <p:nvSpPr>
+              <p:cNvPr id="121" name="Rectangle 120"/>
+              <p:cNvSpPr/>
+              <p:nvPr/>
+            </p:nvSpPr>
+            <p:spPr>
+              <a:xfrm rot="4606391">
+                <a:off x="6316497" y="5096972"/>
+                <a:ext cx="133351" cy="411957"/>
+              </a:xfrm>
+              <a:prstGeom prst="rect">
+                <a:avLst/>
+              </a:prstGeom>
+              <a:solidFill>
+                <a:srgbClr val="0070C0">
+                  <a:alpha val="60000"/>
+                </a:srgbClr>
+              </a:solidFill>
+              <a:ln w="12700">
+                <a:solidFill>
+                  <a:schemeClr val="tx1">
+                    <a:alpha val="60000"/>
+                  </a:schemeClr>
+                </a:solidFill>
+                <a:prstDash val="dash"/>
+              </a:ln>
+            </p:spPr>
+            <p:style>
+              <a:lnRef idx="2">
+                <a:schemeClr val="accent1">
+                  <a:shade val="50000"/>
+                </a:schemeClr>
+              </a:lnRef>
+              <a:fillRef idx="1">
+                <a:schemeClr val="accent1"/>
+              </a:fillRef>
+              <a:effectRef idx="0">
+                <a:schemeClr val="accent1"/>
+              </a:effectRef>
+              <a:fontRef idx="minor">
+                <a:schemeClr val="lt1"/>
+              </a:fontRef>
+            </p:style>
+            <p:txBody>
+              <a:bodyPr rtlCol="0" anchor="ctr"/>
+              <a:lstStyle/>
+              <a:p>
+                <a:pPr algn="ctr"/>
+                <a:endParaRPr lang="en-US"/>
+              </a:p>
+            </p:txBody>
+          </p:sp>
+          <p:sp>
+            <p:nvSpPr>
+              <p:cNvPr id="122" name="Rectangle 121"/>
+              <p:cNvSpPr/>
+              <p:nvPr/>
+            </p:nvSpPr>
+            <p:spPr>
+              <a:xfrm>
+                <a:off x="6319189" y="5096973"/>
+                <a:ext cx="133351" cy="411957"/>
+              </a:xfrm>
+              <a:prstGeom prst="rect">
+                <a:avLst/>
+              </a:prstGeom>
+              <a:solidFill>
+                <a:srgbClr val="0070C0"/>
+              </a:solidFill>
+              <a:ln w="12700">
+                <a:solidFill>
+                  <a:schemeClr val="tx1"/>
+                </a:solidFill>
+              </a:ln>
+            </p:spPr>
+            <p:style>
+              <a:lnRef idx="2">
+                <a:schemeClr val="accent1">
+                  <a:shade val="50000"/>
+                </a:schemeClr>
+              </a:lnRef>
+              <a:fillRef idx="1">
+                <a:schemeClr val="accent1"/>
+              </a:fillRef>
+              <a:effectRef idx="0">
+                <a:schemeClr val="accent1"/>
+              </a:effectRef>
+              <a:fontRef idx="minor">
+                <a:schemeClr val="lt1"/>
+              </a:fontRef>
+            </p:style>
+            <p:txBody>
+              <a:bodyPr rtlCol="0" anchor="ctr"/>
+              <a:lstStyle/>
+              <a:p>
+                <a:pPr algn="ctr"/>
+                <a:endParaRPr lang="en-US"/>
+              </a:p>
+            </p:txBody>
+          </p:sp>
+          <p:sp>
+            <p:nvSpPr>
+              <p:cNvPr id="127" name="Isosceles Triangle 126"/>
+              <p:cNvSpPr/>
+              <p:nvPr/>
+            </p:nvSpPr>
+            <p:spPr>
+              <a:xfrm rot="18759584">
+                <a:off x="6490864" y="5108865"/>
+                <a:ext cx="52387" cy="45719"/>
+              </a:xfrm>
+              <a:prstGeom prst="triangle">
+                <a:avLst/>
+              </a:prstGeom>
+              <a:solidFill>
+                <a:schemeClr val="tx1"/>
+              </a:solidFill>
+              <a:ln w="12700">
+                <a:solidFill>
+                  <a:schemeClr val="tx1"/>
+                </a:solidFill>
+              </a:ln>
+            </p:spPr>
+            <p:style>
+              <a:lnRef idx="2">
+                <a:schemeClr val="accent1">
+                  <a:shade val="50000"/>
+                </a:schemeClr>
+              </a:lnRef>
+              <a:fillRef idx="1">
+                <a:schemeClr val="accent1"/>
+              </a:fillRef>
+              <a:effectRef idx="0">
+                <a:schemeClr val="accent1"/>
+              </a:effectRef>
+              <a:fontRef idx="minor">
+                <a:schemeClr val="lt1"/>
+              </a:fontRef>
+            </p:style>
+            <p:txBody>
+              <a:bodyPr rtlCol="0" anchor="ctr"/>
+              <a:lstStyle/>
+              <a:p>
+                <a:pPr algn="ctr"/>
+                <a:endParaRPr lang="en-US"/>
+              </a:p>
+            </p:txBody>
+          </p:sp>
+          <p:sp>
+            <p:nvSpPr>
+              <p:cNvPr id="130" name="Isosceles Triangle 129"/>
+              <p:cNvSpPr/>
+              <p:nvPr/>
+            </p:nvSpPr>
+            <p:spPr>
+              <a:xfrm rot="7659000">
+                <a:off x="6228940" y="5446182"/>
+                <a:ext cx="52387" cy="45719"/>
+              </a:xfrm>
+              <a:prstGeom prst="triangle">
+                <a:avLst/>
+              </a:prstGeom>
+              <a:solidFill>
+                <a:schemeClr val="tx1"/>
+              </a:solidFill>
+              <a:ln w="12700">
+                <a:solidFill>
+                  <a:schemeClr val="tx1"/>
+                </a:solidFill>
+              </a:ln>
+            </p:spPr>
+            <p:style>
+              <a:lnRef idx="2">
+                <a:schemeClr val="accent1">
+                  <a:shade val="50000"/>
+                </a:schemeClr>
+              </a:lnRef>
+              <a:fillRef idx="1">
+                <a:schemeClr val="accent1"/>
+              </a:fillRef>
+              <a:effectRef idx="0">
+                <a:schemeClr val="accent1"/>
+              </a:effectRef>
+              <a:fontRef idx="minor">
+                <a:schemeClr val="lt1"/>
+              </a:fontRef>
+            </p:style>
+            <p:txBody>
+              <a:bodyPr rtlCol="0" anchor="ctr"/>
+              <a:lstStyle/>
+              <a:p>
+                <a:pPr algn="ctr"/>
+                <a:endParaRPr lang="en-US"/>
+              </a:p>
+            </p:txBody>
+          </p:sp>
+        </p:grpSp>
+        <p:grpSp>
+          <p:nvGrpSpPr>
+            <p:cNvPr id="132" name="Group 131"/>
+            <p:cNvGrpSpPr>
+              <a:grpSpLocks/>
+            </p:cNvGrpSpPr>
+            <p:nvPr/>
+          </p:nvGrpSpPr>
+          <p:grpSpPr>
+            <a:xfrm flipH="1">
+              <a:off x="6001392" y="5895605"/>
+              <a:ext cx="155880" cy="155880"/>
+              <a:chOff x="6177194" y="5096973"/>
+              <a:chExt cx="411957" cy="411957"/>
+            </a:xfrm>
+          </p:grpSpPr>
+          <p:sp>
+            <p:nvSpPr>
+              <p:cNvPr id="133" name="Rectangle 132"/>
+              <p:cNvSpPr/>
+              <p:nvPr/>
+            </p:nvSpPr>
+            <p:spPr>
+              <a:xfrm rot="4606391">
+                <a:off x="6316497" y="5096972"/>
+                <a:ext cx="133351" cy="411957"/>
+              </a:xfrm>
+              <a:prstGeom prst="rect">
+                <a:avLst/>
+              </a:prstGeom>
+              <a:solidFill>
+                <a:srgbClr val="0070C0">
+                  <a:alpha val="60000"/>
+                </a:srgbClr>
+              </a:solidFill>
+              <a:ln w="12700">
+                <a:solidFill>
+                  <a:schemeClr val="tx1">
+                    <a:alpha val="60000"/>
+                  </a:schemeClr>
+                </a:solidFill>
+                <a:prstDash val="dash"/>
+              </a:ln>
+            </p:spPr>
+            <p:style>
+              <a:lnRef idx="2">
+                <a:schemeClr val="accent1">
+                  <a:shade val="50000"/>
+                </a:schemeClr>
+              </a:lnRef>
+              <a:fillRef idx="1">
+                <a:schemeClr val="accent1"/>
+              </a:fillRef>
+              <a:effectRef idx="0">
+                <a:schemeClr val="accent1"/>
+              </a:effectRef>
+              <a:fontRef idx="minor">
+                <a:schemeClr val="lt1"/>
+              </a:fontRef>
+            </p:style>
+            <p:txBody>
+              <a:bodyPr rtlCol="0" anchor="ctr"/>
+              <a:lstStyle/>
+              <a:p>
+                <a:pPr algn="ctr"/>
+                <a:endParaRPr lang="en-US"/>
+              </a:p>
+            </p:txBody>
+          </p:sp>
+          <p:sp>
+            <p:nvSpPr>
+              <p:cNvPr id="134" name="Rectangle 133"/>
+              <p:cNvSpPr/>
+              <p:nvPr/>
+            </p:nvSpPr>
+            <p:spPr>
+              <a:xfrm>
+                <a:off x="6319189" y="5096973"/>
+                <a:ext cx="133351" cy="411957"/>
+              </a:xfrm>
+              <a:prstGeom prst="rect">
+                <a:avLst/>
+              </a:prstGeom>
+              <a:solidFill>
+                <a:srgbClr val="0070C0"/>
+              </a:solidFill>
+              <a:ln w="12700">
+                <a:solidFill>
+                  <a:schemeClr val="tx1"/>
+                </a:solidFill>
+              </a:ln>
+            </p:spPr>
+            <p:style>
+              <a:lnRef idx="2">
+                <a:schemeClr val="accent1">
+                  <a:shade val="50000"/>
+                </a:schemeClr>
+              </a:lnRef>
+              <a:fillRef idx="1">
+                <a:schemeClr val="accent1"/>
+              </a:fillRef>
+              <a:effectRef idx="0">
+                <a:schemeClr val="accent1"/>
+              </a:effectRef>
+              <a:fontRef idx="minor">
+                <a:schemeClr val="lt1"/>
+              </a:fontRef>
+            </p:style>
+            <p:txBody>
+              <a:bodyPr rtlCol="0" anchor="ctr"/>
+              <a:lstStyle/>
+              <a:p>
+                <a:pPr algn="ctr"/>
+                <a:endParaRPr lang="en-US"/>
+              </a:p>
+            </p:txBody>
+          </p:sp>
+          <p:sp>
+            <p:nvSpPr>
+              <p:cNvPr id="135" name="Isosceles Triangle 134"/>
+              <p:cNvSpPr/>
+              <p:nvPr/>
+            </p:nvSpPr>
+            <p:spPr>
+              <a:xfrm rot="18759584">
+                <a:off x="6490864" y="5108865"/>
+                <a:ext cx="52387" cy="45719"/>
+              </a:xfrm>
+              <a:prstGeom prst="triangle">
+                <a:avLst/>
+              </a:prstGeom>
+              <a:solidFill>
+                <a:schemeClr val="tx1"/>
+              </a:solidFill>
+              <a:ln w="12700">
+                <a:solidFill>
+                  <a:schemeClr val="tx1"/>
+                </a:solidFill>
+              </a:ln>
+            </p:spPr>
+            <p:style>
+              <a:lnRef idx="2">
+                <a:schemeClr val="accent1">
+                  <a:shade val="50000"/>
+                </a:schemeClr>
+              </a:lnRef>
+              <a:fillRef idx="1">
+                <a:schemeClr val="accent1"/>
+              </a:fillRef>
+              <a:effectRef idx="0">
+                <a:schemeClr val="accent1"/>
+              </a:effectRef>
+              <a:fontRef idx="minor">
+                <a:schemeClr val="lt1"/>
+              </a:fontRef>
+            </p:style>
+            <p:txBody>
+              <a:bodyPr rtlCol="0" anchor="ctr"/>
+              <a:lstStyle/>
+              <a:p>
+                <a:pPr algn="ctr"/>
+                <a:endParaRPr lang="en-US"/>
+              </a:p>
+            </p:txBody>
+          </p:sp>
+          <p:sp>
+            <p:nvSpPr>
+              <p:cNvPr id="136" name="Isosceles Triangle 135"/>
+              <p:cNvSpPr/>
+              <p:nvPr/>
+            </p:nvSpPr>
+            <p:spPr>
+              <a:xfrm rot="7659000">
+                <a:off x="6228940" y="5446182"/>
+                <a:ext cx="52387" cy="45719"/>
+              </a:xfrm>
+              <a:prstGeom prst="triangle">
+                <a:avLst/>
+              </a:prstGeom>
+              <a:solidFill>
+                <a:schemeClr val="tx1"/>
+              </a:solidFill>
+              <a:ln w="12700">
+                <a:solidFill>
+                  <a:schemeClr val="tx1"/>
+                </a:solidFill>
+              </a:ln>
+            </p:spPr>
+            <p:style>
+              <a:lnRef idx="2">
+                <a:schemeClr val="accent1">
+                  <a:shade val="50000"/>
+                </a:schemeClr>
+              </a:lnRef>
+              <a:fillRef idx="1">
+                <a:schemeClr val="accent1"/>
+              </a:fillRef>
+              <a:effectRef idx="0">
+                <a:schemeClr val="accent1"/>
+              </a:effectRef>
+              <a:fontRef idx="minor">
+                <a:schemeClr val="lt1"/>
+              </a:fontRef>
+            </p:style>
+            <p:txBody>
+              <a:bodyPr rtlCol="0" anchor="ctr"/>
+              <a:lstStyle/>
+              <a:p>
+                <a:pPr algn="ctr"/>
+                <a:endParaRPr lang="en-US"/>
+              </a:p>
+            </p:txBody>
+          </p:sp>
+        </p:grpSp>
+        <p:grpSp>
+          <p:nvGrpSpPr>
+            <p:cNvPr id="152" name="Group 151"/>
+            <p:cNvGrpSpPr>
+              <a:grpSpLocks/>
+            </p:cNvGrpSpPr>
+            <p:nvPr/>
+          </p:nvGrpSpPr>
+          <p:grpSpPr>
+            <a:xfrm>
+              <a:off x="5824134" y="6082353"/>
+              <a:ext cx="155880" cy="155880"/>
+              <a:chOff x="5308087" y="5973545"/>
+              <a:chExt cx="409575" cy="409575"/>
+            </a:xfrm>
+          </p:grpSpPr>
+          <p:sp>
+            <p:nvSpPr>
+              <p:cNvPr id="138" name="Rectangle 137"/>
+              <p:cNvSpPr/>
+              <p:nvPr/>
+            </p:nvSpPr>
+            <p:spPr>
+              <a:xfrm rot="4575288">
+                <a:off x="5308086" y="6110466"/>
+                <a:ext cx="409575" cy="135733"/>
+              </a:xfrm>
+              <a:prstGeom prst="rect">
+                <a:avLst/>
+              </a:prstGeom>
+              <a:solidFill>
+                <a:srgbClr val="0070C0">
+                  <a:alpha val="60000"/>
+                </a:srgbClr>
+              </a:solidFill>
+              <a:ln w="12700">
+                <a:solidFill>
+                  <a:schemeClr val="tx1"/>
+                </a:solidFill>
+                <a:prstDash val="dash"/>
+              </a:ln>
+            </p:spPr>
+            <p:style>
+              <a:lnRef idx="2">
+                <a:schemeClr val="accent1">
+                  <a:shade val="50000"/>
+                </a:schemeClr>
+              </a:lnRef>
+              <a:fillRef idx="1">
+                <a:schemeClr val="accent1"/>
+              </a:fillRef>
+              <a:effectRef idx="0">
+                <a:schemeClr val="accent1"/>
+              </a:effectRef>
+              <a:fontRef idx="minor">
+                <a:schemeClr val="lt1"/>
+              </a:fontRef>
+            </p:style>
+            <p:txBody>
+              <a:bodyPr rtlCol="0" anchor="ctr"/>
+              <a:lstStyle/>
+              <a:p>
+                <a:pPr algn="ctr"/>
+                <a:endParaRPr lang="en-US"/>
+              </a:p>
+            </p:txBody>
+          </p:sp>
+          <p:sp>
+            <p:nvSpPr>
+              <p:cNvPr id="139" name="Rectangle 138"/>
+              <p:cNvSpPr/>
+              <p:nvPr/>
+            </p:nvSpPr>
+            <p:spPr>
+              <a:xfrm>
+                <a:off x="5308087" y="6113680"/>
+                <a:ext cx="409575" cy="135733"/>
+              </a:xfrm>
+              <a:prstGeom prst="rect">
+                <a:avLst/>
+              </a:prstGeom>
+              <a:solidFill>
+                <a:srgbClr val="0070C0"/>
+              </a:solidFill>
+              <a:ln w="12700">
+                <a:solidFill>
+                  <a:schemeClr val="tx1"/>
+                </a:solidFill>
+              </a:ln>
+            </p:spPr>
+            <p:style>
+              <a:lnRef idx="2">
+                <a:schemeClr val="accent1">
+                  <a:shade val="50000"/>
+                </a:schemeClr>
+              </a:lnRef>
+              <a:fillRef idx="1">
+                <a:schemeClr val="accent1"/>
+              </a:fillRef>
+              <a:effectRef idx="0">
+                <a:schemeClr val="accent1"/>
+              </a:effectRef>
+              <a:fontRef idx="minor">
+                <a:schemeClr val="lt1"/>
+              </a:fontRef>
+            </p:style>
+            <p:txBody>
+              <a:bodyPr rtlCol="0" anchor="ctr"/>
+              <a:lstStyle/>
+              <a:p>
+                <a:pPr algn="ctr"/>
+                <a:endParaRPr lang="en-US"/>
+              </a:p>
+            </p:txBody>
+          </p:sp>
+          <p:sp>
+            <p:nvSpPr>
+              <p:cNvPr id="147" name="Isosceles Triangle 146"/>
+              <p:cNvSpPr/>
+              <p:nvPr/>
+            </p:nvSpPr>
+            <p:spPr>
+              <a:xfrm rot="13484501">
+                <a:off x="5335151" y="6036801"/>
+                <a:ext cx="45719" cy="45719"/>
+              </a:xfrm>
+              <a:prstGeom prst="triangle">
+                <a:avLst/>
+              </a:prstGeom>
+              <a:solidFill>
+                <a:schemeClr val="tx1"/>
+              </a:solidFill>
+              <a:ln w="12700">
+                <a:solidFill>
+                  <a:schemeClr val="tx1"/>
+                </a:solidFill>
+              </a:ln>
+            </p:spPr>
+            <p:style>
+              <a:lnRef idx="2">
+                <a:schemeClr val="accent1">
+                  <a:shade val="50000"/>
+                </a:schemeClr>
+              </a:lnRef>
+              <a:fillRef idx="1">
+                <a:schemeClr val="accent1"/>
+              </a:fillRef>
+              <a:effectRef idx="0">
+                <a:schemeClr val="accent1"/>
+              </a:effectRef>
+              <a:fontRef idx="minor">
+                <a:schemeClr val="lt1"/>
+              </a:fontRef>
+            </p:style>
+            <p:txBody>
+              <a:bodyPr rtlCol="0" anchor="ctr"/>
+              <a:lstStyle/>
+              <a:p>
+                <a:pPr algn="ctr"/>
+                <a:endParaRPr lang="en-US"/>
+              </a:p>
+            </p:txBody>
+          </p:sp>
+          <p:sp>
+            <p:nvSpPr>
+              <p:cNvPr id="151" name="Isosceles Triangle 150"/>
+              <p:cNvSpPr/>
+              <p:nvPr/>
+            </p:nvSpPr>
+            <p:spPr>
+              <a:xfrm rot="2700000">
+                <a:off x="5659126" y="6277568"/>
+                <a:ext cx="45719" cy="45719"/>
+              </a:xfrm>
+              <a:prstGeom prst="triangle">
+                <a:avLst/>
+              </a:prstGeom>
+              <a:solidFill>
+                <a:schemeClr val="tx1"/>
+              </a:solidFill>
+              <a:ln w="12700">
+                <a:solidFill>
+                  <a:schemeClr val="tx1"/>
+                </a:solidFill>
+              </a:ln>
+            </p:spPr>
+            <p:style>
+              <a:lnRef idx="2">
+                <a:schemeClr val="accent1">
+                  <a:shade val="50000"/>
+                </a:schemeClr>
+              </a:lnRef>
+              <a:fillRef idx="1">
+                <a:schemeClr val="accent1"/>
+              </a:fillRef>
+              <a:effectRef idx="0">
+                <a:schemeClr val="accent1"/>
+              </a:effectRef>
+              <a:fontRef idx="minor">
+                <a:schemeClr val="lt1"/>
+              </a:fontRef>
+            </p:style>
+            <p:txBody>
+              <a:bodyPr rtlCol="0" anchor="ctr"/>
+              <a:lstStyle/>
+              <a:p>
+                <a:pPr algn="ctr"/>
+                <a:endParaRPr lang="en-US"/>
+              </a:p>
+            </p:txBody>
+          </p:sp>
+        </p:grpSp>
+        <p:grpSp>
+          <p:nvGrpSpPr>
+            <p:cNvPr id="191" name="Group 190"/>
+            <p:cNvGrpSpPr>
+              <a:grpSpLocks/>
+            </p:cNvGrpSpPr>
+            <p:nvPr/>
+          </p:nvGrpSpPr>
+          <p:grpSpPr>
+            <a:xfrm flipV="1">
+              <a:off x="6189193" y="6082354"/>
+              <a:ext cx="155880" cy="155880"/>
+              <a:chOff x="5308087" y="5973545"/>
+              <a:chExt cx="409575" cy="409575"/>
+            </a:xfrm>
+          </p:grpSpPr>
+          <p:sp>
+            <p:nvSpPr>
+              <p:cNvPr id="192" name="Rectangle 191"/>
+              <p:cNvSpPr/>
+              <p:nvPr/>
+            </p:nvSpPr>
+            <p:spPr>
+              <a:xfrm rot="4575288">
+                <a:off x="5308086" y="6110466"/>
+                <a:ext cx="409575" cy="135733"/>
+              </a:xfrm>
+              <a:prstGeom prst="rect">
+                <a:avLst/>
+              </a:prstGeom>
+              <a:solidFill>
+                <a:srgbClr val="0070C0">
+                  <a:alpha val="60000"/>
+                </a:srgbClr>
+              </a:solidFill>
+              <a:ln w="12700">
+                <a:solidFill>
+                  <a:schemeClr val="tx1"/>
+                </a:solidFill>
+                <a:prstDash val="dash"/>
+              </a:ln>
+            </p:spPr>
+            <p:style>
+              <a:lnRef idx="2">
+                <a:schemeClr val="accent1">
+                  <a:shade val="50000"/>
+                </a:schemeClr>
+              </a:lnRef>
+              <a:fillRef idx="1">
+                <a:schemeClr val="accent1"/>
+              </a:fillRef>
+              <a:effectRef idx="0">
+                <a:schemeClr val="accent1"/>
+              </a:effectRef>
+              <a:fontRef idx="minor">
+                <a:schemeClr val="lt1"/>
+              </a:fontRef>
+            </p:style>
+            <p:txBody>
+              <a:bodyPr rtlCol="0" anchor="ctr"/>
+              <a:lstStyle/>
+              <a:p>
+                <a:pPr algn="ctr"/>
+                <a:endParaRPr lang="en-US"/>
+              </a:p>
+            </p:txBody>
+          </p:sp>
+          <p:sp>
+            <p:nvSpPr>
+              <p:cNvPr id="193" name="Rectangle 192"/>
+              <p:cNvSpPr/>
+              <p:nvPr/>
+            </p:nvSpPr>
+            <p:spPr>
+              <a:xfrm>
+                <a:off x="5308087" y="6113680"/>
+                <a:ext cx="409575" cy="135733"/>
+              </a:xfrm>
+              <a:prstGeom prst="rect">
+                <a:avLst/>
+              </a:prstGeom>
+              <a:solidFill>
+                <a:srgbClr val="0070C0"/>
+              </a:solidFill>
+              <a:ln w="12700">
+                <a:solidFill>
+                  <a:schemeClr val="tx1"/>
+                </a:solidFill>
+              </a:ln>
+            </p:spPr>
+            <p:style>
+              <a:lnRef idx="2">
+                <a:schemeClr val="accent1">
+                  <a:shade val="50000"/>
+                </a:schemeClr>
+              </a:lnRef>
+              <a:fillRef idx="1">
+                <a:schemeClr val="accent1"/>
+              </a:fillRef>
+              <a:effectRef idx="0">
+                <a:schemeClr val="accent1"/>
+              </a:effectRef>
+              <a:fontRef idx="minor">
+                <a:schemeClr val="lt1"/>
+              </a:fontRef>
+            </p:style>
+            <p:txBody>
+              <a:bodyPr rtlCol="0" anchor="ctr"/>
+              <a:lstStyle/>
+              <a:p>
+                <a:pPr algn="ctr"/>
+                <a:endParaRPr lang="en-US"/>
+              </a:p>
+            </p:txBody>
+          </p:sp>
+          <p:sp>
+            <p:nvSpPr>
+              <p:cNvPr id="194" name="Isosceles Triangle 193"/>
+              <p:cNvSpPr/>
+              <p:nvPr/>
+            </p:nvSpPr>
+            <p:spPr>
+              <a:xfrm rot="13484501">
+                <a:off x="5335151" y="6036801"/>
+                <a:ext cx="45719" cy="45719"/>
+              </a:xfrm>
+              <a:prstGeom prst="triangle">
+                <a:avLst/>
+              </a:prstGeom>
+              <a:solidFill>
+                <a:schemeClr val="tx1"/>
+              </a:solidFill>
+              <a:ln w="12700">
+                <a:solidFill>
+                  <a:schemeClr val="tx1"/>
+                </a:solidFill>
+              </a:ln>
+            </p:spPr>
+            <p:style>
+              <a:lnRef idx="2">
+                <a:schemeClr val="accent1">
+                  <a:shade val="50000"/>
+                </a:schemeClr>
+              </a:lnRef>
+              <a:fillRef idx="1">
+                <a:schemeClr val="accent1"/>
+              </a:fillRef>
+              <a:effectRef idx="0">
+                <a:schemeClr val="accent1"/>
+              </a:effectRef>
+              <a:fontRef idx="minor">
+                <a:schemeClr val="lt1"/>
+              </a:fontRef>
+            </p:style>
+            <p:txBody>
+              <a:bodyPr rtlCol="0" anchor="ctr"/>
+              <a:lstStyle/>
+              <a:p>
+                <a:pPr algn="ctr"/>
+                <a:endParaRPr lang="en-US"/>
+              </a:p>
+            </p:txBody>
+          </p:sp>
+          <p:sp>
+            <p:nvSpPr>
+              <p:cNvPr id="195" name="Isosceles Triangle 194"/>
+              <p:cNvSpPr/>
+              <p:nvPr/>
+            </p:nvSpPr>
+            <p:spPr>
+              <a:xfrm rot="2700000">
+                <a:off x="5659126" y="6277568"/>
+                <a:ext cx="45719" cy="45719"/>
+              </a:xfrm>
+              <a:prstGeom prst="triangle">
+                <a:avLst/>
+              </a:prstGeom>
+              <a:solidFill>
+                <a:schemeClr val="tx1"/>
+              </a:solidFill>
+              <a:ln w="12700">
+                <a:solidFill>
+                  <a:schemeClr val="tx1"/>
+                </a:solidFill>
+              </a:ln>
+            </p:spPr>
+            <p:style>
+              <a:lnRef idx="2">
+                <a:schemeClr val="accent1">
+                  <a:shade val="50000"/>
+                </a:schemeClr>
+              </a:lnRef>
+              <a:fillRef idx="1">
+                <a:schemeClr val="accent1"/>
+              </a:fillRef>
+              <a:effectRef idx="0">
+                <a:schemeClr val="accent1"/>
+              </a:effectRef>
+              <a:fontRef idx="minor">
+                <a:schemeClr val="lt1"/>
+              </a:fontRef>
+            </p:style>
+            <p:txBody>
+              <a:bodyPr rtlCol="0" anchor="ctr"/>
+              <a:lstStyle/>
+              <a:p>
+                <a:pPr algn="ctr"/>
+                <a:endParaRPr lang="en-US"/>
+              </a:p>
+            </p:txBody>
+          </p:sp>
+        </p:grpSp>
+      </p:grpSp>
+      <p:sp>
+        <p:nvSpPr>
+          <p:cNvPr id="73" name="TextBox 32"/>
+          <p:cNvSpPr txBox="1"/>
+          <p:nvPr/>
+        </p:nvSpPr>
+        <p:spPr>
+          <a:xfrm>
+            <a:off x="4966252" y="4718811"/>
+            <a:ext cx="1518557" cy="369332"/>
+          </a:xfrm>
+          <a:prstGeom prst="rect">
+            <a:avLst/>
+          </a:prstGeom>
+          <a:noFill/>
+        </p:spPr>
+        <p:txBody>
+          <a:bodyPr wrap="none" rtlCol="0">
+            <a:spAutoFit/>
+          </a:bodyPr>
+          <a:lstStyle/>
+          <a:p>
+            <a:r>
+              <a:rPr lang="en-US" dirty="0"/>
+              <a:t>Lock </a:t>
+            </a:r>
+            <a:r>
+              <a:rPr lang="en-US" dirty="0" smtClean="0"/>
+              <a:t>Direction</a:t>
+            </a:r>
+            <a:endParaRPr lang="en-US" dirty="0"/>
+          </a:p>
+        </p:txBody>
+      </p:sp>
+      <p:sp>
+        <p:nvSpPr>
+          <p:cNvPr id="58" name="TextBox 1"/>
+          <p:cNvSpPr txBox="1"/>
+          <p:nvPr/>
+        </p:nvSpPr>
+        <p:spPr>
+          <a:xfrm>
+            <a:off x="2365596" y="2269254"/>
+            <a:ext cx="2145652" cy="369332"/>
+          </a:xfrm>
+          <a:prstGeom prst="rect">
+            <a:avLst/>
+          </a:prstGeom>
+          <a:noFill/>
+        </p:spPr>
+        <p:txBody>
+          <a:bodyPr wrap="none" rtlCol="0">
+            <a:spAutoFit/>
+          </a:bodyPr>
+          <a:lstStyle/>
+          <a:p>
+            <a:r>
+              <a:rPr lang="en-US" dirty="0"/>
+              <a:t>Duplicate and Rotate</a:t>
+            </a:r>
+          </a:p>
+        </p:txBody>
+      </p:sp>
+      <p:grpSp>
+        <p:nvGrpSpPr>
+          <p:cNvPr id="59" name="组合 58"/>
+          <p:cNvGrpSpPr/>
+          <p:nvPr/>
+        </p:nvGrpSpPr>
+        <p:grpSpPr>
+          <a:xfrm>
+            <a:off x="3222429" y="3353837"/>
+            <a:ext cx="569257" cy="565821"/>
+            <a:chOff x="4443948" y="5281268"/>
+            <a:chExt cx="597872" cy="594263"/>
+          </a:xfrm>
+        </p:grpSpPr>
+        <p:sp>
+          <p:nvSpPr>
+            <p:cNvPr id="61" name="Rectangle 46"/>
+            <p:cNvSpPr/>
+            <p:nvPr/>
+          </p:nvSpPr>
+          <p:spPr>
+            <a:xfrm>
+              <a:off x="4615366" y="5549841"/>
+              <a:ext cx="165735" cy="159194"/>
+            </a:xfrm>
+            <a:prstGeom prst="rect">
+              <a:avLst/>
+            </a:prstGeom>
+            <a:solidFill>
+              <a:srgbClr val="E46B09"/>
+            </a:solidFill>
+            <a:ln w="12700">
+              <a:solidFill>
+                <a:schemeClr val="tx1"/>
+              </a:solidFill>
             </a:ln>
           </p:spPr>
           <p:style>
@@ -9238,141 +10185,24 @@
         </p:sp>
         <p:sp>
           <p:nvSpPr>
-            <p:cNvPr id="173" name="Rectangle 172"/>
-            <p:cNvSpPr>
-              <a:spLocks noChangeAspect="1"/>
-            </p:cNvSpPr>
-            <p:nvPr/>
-          </p:nvSpPr>
-          <p:spPr>
-            <a:xfrm rot="2647189">
-              <a:off x="7803485" y="3403978"/>
-              <a:ext cx="82551" cy="255022"/>
-            </a:xfrm>
-            <a:prstGeom prst="rect">
-              <a:avLst/>
-            </a:prstGeom>
-            <a:solidFill>
-              <a:srgbClr val="0070C0"/>
-            </a:solidFill>
-            <a:ln w="12700">
-              <a:solidFill>
-                <a:schemeClr val="tx1"/>
-              </a:solidFill>
-            </a:ln>
-          </p:spPr>
-          <p:style>
-            <a:lnRef idx="2">
-              <a:schemeClr val="accent1">
-                <a:shade val="50000"/>
-              </a:schemeClr>
-            </a:lnRef>
-            <a:fillRef idx="1">
-              <a:schemeClr val="accent1"/>
-            </a:fillRef>
-            <a:effectRef idx="0">
-              <a:schemeClr val="accent1"/>
-            </a:effectRef>
-            <a:fontRef idx="minor">
-              <a:schemeClr val="lt1"/>
-            </a:fontRef>
-          </p:style>
-          <p:txBody>
-            <a:bodyPr rtlCol="0" anchor="ctr"/>
-            <a:lstStyle/>
-            <a:p>
-              <a:pPr algn="ctr"/>
-              <a:endParaRPr lang="en-US"/>
-            </a:p>
-          </p:txBody>
-        </p:sp>
-      </p:grpSp>
-      <p:grpSp>
-        <p:nvGrpSpPr>
-          <p:cNvPr id="32" name="Group 31"/>
-          <p:cNvGrpSpPr/>
-          <p:nvPr/>
-        </p:nvGrpSpPr>
-        <p:grpSpPr>
-          <a:xfrm>
-            <a:off x="3139732" y="5487659"/>
-            <a:ext cx="462781" cy="469792"/>
-            <a:chOff x="3139732" y="5487659"/>
-            <a:chExt cx="462781" cy="469792"/>
-          </a:xfrm>
-        </p:grpSpPr>
-        <p:sp>
-          <p:nvSpPr>
-            <p:cNvPr id="203" name="Arc 202"/>
-            <p:cNvSpPr>
-              <a:spLocks noChangeAspect="1"/>
-            </p:cNvSpPr>
-            <p:nvPr/>
-          </p:nvSpPr>
-          <p:spPr>
-            <a:xfrm>
-              <a:off x="3139732" y="5493432"/>
-              <a:ext cx="462781" cy="462781"/>
-            </a:xfrm>
-            <a:prstGeom prst="arc">
-              <a:avLst>
-                <a:gd name="adj1" fmla="val 16747602"/>
-                <a:gd name="adj2" fmla="val 4899949"/>
-              </a:avLst>
-            </a:prstGeom>
-            <a:ln w="12700">
-              <a:solidFill>
-                <a:schemeClr val="tx1"/>
-              </a:solidFill>
-              <a:prstDash val="dash"/>
-              <a:headEnd type="none" w="med" len="med"/>
-              <a:tailEnd type="none" w="med" len="med"/>
-            </a:ln>
-          </p:spPr>
-          <p:style>
-            <a:lnRef idx="1">
-              <a:schemeClr val="accent1"/>
-            </a:lnRef>
-            <a:fillRef idx="0">
-              <a:schemeClr val="accent1"/>
-            </a:fillRef>
-            <a:effectRef idx="0">
-              <a:schemeClr val="accent1"/>
-            </a:effectRef>
-            <a:fontRef idx="minor">
-              <a:schemeClr val="tx1"/>
-            </a:fontRef>
-          </p:style>
-          <p:txBody>
-            <a:bodyPr rtlCol="0" anchor="ctr"/>
-            <a:lstStyle/>
-            <a:p>
-              <a:pPr algn="ctr"/>
-              <a:endParaRPr lang="en-US"/>
-            </a:p>
-          </p:txBody>
-        </p:sp>
-        <p:sp>
-          <p:nvSpPr>
-            <p:cNvPr id="204" name="Oval 203"/>
+            <p:cNvPr id="66" name="Oval 51"/>
             <p:cNvSpPr/>
             <p:nvPr/>
           </p:nvSpPr>
           <p:spPr>
             <a:xfrm>
-              <a:off x="3280636" y="5635611"/>
-              <a:ext cx="180975" cy="180975"/>
+              <a:off x="4443948" y="5375353"/>
+              <a:ext cx="498944" cy="500178"/>
             </a:xfrm>
             <a:prstGeom prst="ellipse">
               <a:avLst/>
             </a:prstGeom>
-            <a:solidFill>
-              <a:srgbClr val="EFA66B"/>
-            </a:solidFill>
-            <a:ln w="12700">
+            <a:noFill/>
+            <a:ln w="19050">
               <a:solidFill>
                 <a:schemeClr val="tx1"/>
               </a:solidFill>
+              <a:prstDash val="dash"/>
             </a:ln>
           </p:spPr>
           <p:style>
@@ -9402,16 +10232,16 @@
         </p:sp>
         <p:sp>
           <p:nvSpPr>
-            <p:cNvPr id="205" name="Oval 204"/>
+            <p:cNvPr id="68" name="燕尾形 67"/>
             <p:cNvSpPr/>
             <p:nvPr/>
           </p:nvSpPr>
           <p:spPr>
-            <a:xfrm>
-              <a:off x="3454668" y="5487659"/>
-              <a:ext cx="121956" cy="121956"/>
+            <a:xfrm rot="953220">
+              <a:off x="4678070" y="5281268"/>
+              <a:ext cx="131377" cy="187960"/>
             </a:xfrm>
-            <a:prstGeom prst="ellipse">
+            <a:prstGeom prst="chevron">
               <a:avLst/>
             </a:prstGeom>
             <a:solidFill>
@@ -9421,7 +10251,6 @@
               <a:solidFill>
                 <a:schemeClr val="tx1"/>
               </a:solidFill>
-              <a:prstDash val="solid"/>
             </a:ln>
           </p:spPr>
           <p:style>
@@ -9445,22 +10274,26 @@
             <a:lstStyle/>
             <a:p>
               <a:pPr algn="ctr"/>
-              <a:endParaRPr lang="en-US"/>
+              <a:endParaRPr lang="zh-CN" altLang="en-US">
+                <a:solidFill>
+                  <a:schemeClr val="tx1"/>
+                </a:solidFill>
+              </a:endParaRPr>
             </a:p>
           </p:txBody>
         </p:sp>
         <p:sp>
           <p:nvSpPr>
-            <p:cNvPr id="206" name="Oval 205"/>
+            <p:cNvPr id="69" name="燕尾形 68"/>
             <p:cNvSpPr/>
             <p:nvPr/>
           </p:nvSpPr>
           <p:spPr>
-            <a:xfrm>
-              <a:off x="3462959" y="5835495"/>
-              <a:ext cx="121956" cy="121956"/>
+            <a:xfrm rot="5400000">
+              <a:off x="4882151" y="5511387"/>
+              <a:ext cx="131377" cy="187960"/>
             </a:xfrm>
-            <a:prstGeom prst="ellipse">
+            <a:prstGeom prst="chevron">
               <a:avLst/>
             </a:prstGeom>
             <a:solidFill>
@@ -9493,792 +10326,24 @@
             <a:lstStyle/>
             <a:p>
               <a:pPr algn="ctr"/>
-              <a:endParaRPr lang="en-US"/>
+              <a:endParaRPr lang="zh-CN" altLang="en-US">
+                <a:solidFill>
+                  <a:schemeClr val="tx1"/>
+                </a:solidFill>
+              </a:endParaRPr>
             </a:p>
           </p:txBody>
         </p:sp>
       </p:grpSp>
       <p:grpSp>
         <p:nvGrpSpPr>
-          <p:cNvPr id="34" name="Group 33"/>
+          <p:cNvPr id="7" name="组合 6"/>
           <p:cNvGrpSpPr/>
           <p:nvPr/>
         </p:nvGrpSpPr>
         <p:grpSpPr>
           <a:xfrm>
-            <a:off x="990231" y="5458519"/>
-            <a:ext cx="559539" cy="309260"/>
-            <a:chOff x="990231" y="5458519"/>
-            <a:chExt cx="559539" cy="309260"/>
-          </a:xfrm>
-        </p:grpSpPr>
-        <p:sp>
-          <p:nvSpPr>
-            <p:cNvPr id="64" name="Rectangle 63"/>
-            <p:cNvSpPr/>
-            <p:nvPr/>
-          </p:nvSpPr>
-          <p:spPr>
-            <a:xfrm>
-              <a:off x="1321170" y="5458519"/>
-              <a:ext cx="228600" cy="90448"/>
-            </a:xfrm>
-            <a:prstGeom prst="rect">
-              <a:avLst/>
-            </a:prstGeom>
-            <a:solidFill>
-              <a:srgbClr val="0070C0"/>
-            </a:solidFill>
-            <a:ln w="12700">
-              <a:solidFill>
-                <a:schemeClr val="tx1"/>
-              </a:solidFill>
-              <a:prstDash val="solid"/>
-            </a:ln>
-          </p:spPr>
-          <p:style>
-            <a:lnRef idx="2">
-              <a:schemeClr val="accent1">
-                <a:shade val="50000"/>
-              </a:schemeClr>
-            </a:lnRef>
-            <a:fillRef idx="1">
-              <a:schemeClr val="accent1"/>
-            </a:fillRef>
-            <a:effectRef idx="0">
-              <a:schemeClr val="accent1"/>
-            </a:effectRef>
-            <a:fontRef idx="minor">
-              <a:schemeClr val="lt1"/>
-            </a:fontRef>
-          </p:style>
-          <p:txBody>
-            <a:bodyPr rtlCol="0" anchor="ctr"/>
-            <a:lstStyle/>
-            <a:p>
-              <a:pPr algn="ctr"/>
-              <a:endParaRPr lang="en-US"/>
-            </a:p>
-          </p:txBody>
-        </p:sp>
-        <p:sp>
-          <p:nvSpPr>
-            <p:cNvPr id="65" name="Rectangle 64"/>
-            <p:cNvSpPr/>
-            <p:nvPr/>
-          </p:nvSpPr>
-          <p:spPr>
-            <a:xfrm>
-              <a:off x="990231" y="5677331"/>
-              <a:ext cx="228600" cy="90448"/>
-            </a:xfrm>
-            <a:prstGeom prst="rect">
-              <a:avLst/>
-            </a:prstGeom>
-            <a:solidFill>
-              <a:srgbClr val="0070C0"/>
-            </a:solidFill>
-            <a:ln w="12700">
-              <a:solidFill>
-                <a:schemeClr val="tx1"/>
-              </a:solidFill>
-              <a:prstDash val="solid"/>
-            </a:ln>
-          </p:spPr>
-          <p:style>
-            <a:lnRef idx="2">
-              <a:schemeClr val="accent1">
-                <a:shade val="50000"/>
-              </a:schemeClr>
-            </a:lnRef>
-            <a:fillRef idx="1">
-              <a:schemeClr val="accent1"/>
-            </a:fillRef>
-            <a:effectRef idx="0">
-              <a:schemeClr val="accent1"/>
-            </a:effectRef>
-            <a:fontRef idx="minor">
-              <a:schemeClr val="lt1"/>
-            </a:fontRef>
-          </p:style>
-          <p:txBody>
-            <a:bodyPr rtlCol="0" anchor="ctr"/>
-            <a:lstStyle/>
-            <a:p>
-              <a:pPr algn="ctr"/>
-              <a:endParaRPr lang="en-US"/>
-            </a:p>
-          </p:txBody>
-        </p:sp>
-        <p:cxnSp>
-          <p:nvCxnSpPr>
-            <p:cNvPr id="17" name="Straight Connector 16"/>
-            <p:cNvCxnSpPr/>
-            <p:nvPr/>
-          </p:nvCxnSpPr>
-          <p:spPr>
-            <a:xfrm>
-              <a:off x="1321170" y="5549635"/>
-              <a:ext cx="0" cy="135493"/>
-            </a:xfrm>
-            <a:prstGeom prst="line">
-              <a:avLst/>
-            </a:prstGeom>
-            <a:ln w="12700">
-              <a:solidFill>
-                <a:schemeClr val="tx1"/>
-              </a:solidFill>
-              <a:prstDash val="dash"/>
-            </a:ln>
-          </p:spPr>
-          <p:style>
-            <a:lnRef idx="1">
-              <a:schemeClr val="accent1"/>
-            </a:lnRef>
-            <a:fillRef idx="0">
-              <a:schemeClr val="accent1"/>
-            </a:fillRef>
-            <a:effectRef idx="0">
-              <a:schemeClr val="accent1"/>
-            </a:effectRef>
-            <a:fontRef idx="minor">
-              <a:schemeClr val="tx1"/>
-            </a:fontRef>
-          </p:style>
-        </p:cxnSp>
-        <p:cxnSp>
-          <p:nvCxnSpPr>
-            <p:cNvPr id="23" name="Straight Connector 22"/>
-            <p:cNvCxnSpPr/>
-            <p:nvPr/>
-          </p:nvCxnSpPr>
-          <p:spPr>
-            <a:xfrm>
-              <a:off x="1204198" y="5677331"/>
-              <a:ext cx="117245" cy="0"/>
-            </a:xfrm>
-            <a:prstGeom prst="line">
-              <a:avLst/>
-            </a:prstGeom>
-            <a:ln w="12700">
-              <a:solidFill>
-                <a:schemeClr val="tx1"/>
-              </a:solidFill>
-              <a:prstDash val="dash"/>
-            </a:ln>
-          </p:spPr>
-          <p:style>
-            <a:lnRef idx="1">
-              <a:schemeClr val="accent1"/>
-            </a:lnRef>
-            <a:fillRef idx="0">
-              <a:schemeClr val="accent1"/>
-            </a:fillRef>
-            <a:effectRef idx="0">
-              <a:schemeClr val="accent1"/>
-            </a:effectRef>
-            <a:fontRef idx="minor">
-              <a:schemeClr val="tx1"/>
-            </a:fontRef>
-          </p:style>
-        </p:cxnSp>
-        <p:sp>
-          <p:nvSpPr>
-            <p:cNvPr id="55" name="Rectangle 54"/>
-            <p:cNvSpPr/>
-            <p:nvPr/>
-          </p:nvSpPr>
-          <p:spPr>
-            <a:xfrm>
-              <a:off x="1318696" y="5677331"/>
-              <a:ext cx="228600" cy="90448"/>
-            </a:xfrm>
-            <a:prstGeom prst="rect">
-              <a:avLst/>
-            </a:prstGeom>
-            <a:solidFill>
-              <a:schemeClr val="bg1">
-                <a:alpha val="0"/>
-              </a:schemeClr>
-            </a:solidFill>
-            <a:ln w="12700">
-              <a:solidFill>
-                <a:schemeClr val="tx1"/>
-              </a:solidFill>
-              <a:prstDash val="dash"/>
-            </a:ln>
-          </p:spPr>
-          <p:style>
-            <a:lnRef idx="2">
-              <a:schemeClr val="accent1">
-                <a:shade val="50000"/>
-              </a:schemeClr>
-            </a:lnRef>
-            <a:fillRef idx="1">
-              <a:schemeClr val="accent1"/>
-            </a:fillRef>
-            <a:effectRef idx="0">
-              <a:schemeClr val="accent1"/>
-            </a:effectRef>
-            <a:fontRef idx="minor">
-              <a:schemeClr val="lt1"/>
-            </a:fontRef>
-          </p:style>
-          <p:txBody>
-            <a:bodyPr rtlCol="0" anchor="ctr"/>
-            <a:lstStyle/>
-            <a:p>
-              <a:pPr algn="ctr"/>
-              <a:endParaRPr lang="en-US"/>
-            </a:p>
-          </p:txBody>
-        </p:sp>
-        <p:cxnSp>
-          <p:nvCxnSpPr>
-            <p:cNvPr id="57" name="Straight Connector 56"/>
-            <p:cNvCxnSpPr/>
-            <p:nvPr/>
-          </p:nvCxnSpPr>
-          <p:spPr>
-            <a:xfrm>
-              <a:off x="1204198" y="5766487"/>
-              <a:ext cx="117245" cy="0"/>
-            </a:xfrm>
-            <a:prstGeom prst="line">
-              <a:avLst/>
-            </a:prstGeom>
-            <a:ln w="12700">
-              <a:solidFill>
-                <a:schemeClr val="tx1"/>
-              </a:solidFill>
-              <a:prstDash val="dash"/>
-            </a:ln>
-          </p:spPr>
-          <p:style>
-            <a:lnRef idx="1">
-              <a:schemeClr val="accent1"/>
-            </a:lnRef>
-            <a:fillRef idx="0">
-              <a:schemeClr val="accent1"/>
-            </a:fillRef>
-            <a:effectRef idx="0">
-              <a:schemeClr val="accent1"/>
-            </a:effectRef>
-            <a:fontRef idx="minor">
-              <a:schemeClr val="tx1"/>
-            </a:fontRef>
-          </p:style>
-        </p:cxnSp>
-        <p:cxnSp>
-          <p:nvCxnSpPr>
-            <p:cNvPr id="58" name="Straight Connector 57"/>
-            <p:cNvCxnSpPr/>
-            <p:nvPr/>
-          </p:nvCxnSpPr>
-          <p:spPr>
-            <a:xfrm>
-              <a:off x="1547296" y="5544042"/>
-              <a:ext cx="0" cy="135493"/>
-            </a:xfrm>
-            <a:prstGeom prst="line">
-              <a:avLst/>
-            </a:prstGeom>
-            <a:ln w="12700">
-              <a:solidFill>
-                <a:schemeClr val="tx1"/>
-              </a:solidFill>
-              <a:prstDash val="dash"/>
-            </a:ln>
-          </p:spPr>
-          <p:style>
-            <a:lnRef idx="1">
-              <a:schemeClr val="accent1"/>
-            </a:lnRef>
-            <a:fillRef idx="0">
-              <a:schemeClr val="accent1"/>
-            </a:fillRef>
-            <a:effectRef idx="0">
-              <a:schemeClr val="accent1"/>
-            </a:effectRef>
-            <a:fontRef idx="minor">
-              <a:schemeClr val="tx1"/>
-            </a:fontRef>
-          </p:style>
-        </p:cxnSp>
-      </p:grpSp>
-      <p:grpSp>
-        <p:nvGrpSpPr>
-          <p:cNvPr id="11" name="Group 10"/>
-          <p:cNvGrpSpPr/>
-          <p:nvPr/>
-        </p:nvGrpSpPr>
-        <p:grpSpPr>
-          <a:xfrm>
-            <a:off x="1008854" y="3387747"/>
-            <a:ext cx="462783" cy="469792"/>
-            <a:chOff x="1008854" y="3387747"/>
-            <a:chExt cx="462783" cy="469792"/>
-          </a:xfrm>
-        </p:grpSpPr>
-        <p:sp>
-          <p:nvSpPr>
-            <p:cNvPr id="86" name="Arc 85"/>
-            <p:cNvSpPr>
-              <a:spLocks noChangeAspect="1"/>
-            </p:cNvSpPr>
-            <p:nvPr/>
-          </p:nvSpPr>
-          <p:spPr>
-            <a:xfrm>
-              <a:off x="1008856" y="3393520"/>
-              <a:ext cx="462781" cy="462781"/>
-            </a:xfrm>
-            <a:prstGeom prst="arc">
-              <a:avLst>
-                <a:gd name="adj1" fmla="val 16747602"/>
-                <a:gd name="adj2" fmla="val 17718937"/>
-              </a:avLst>
-            </a:prstGeom>
-            <a:ln w="12700">
-              <a:solidFill>
-                <a:schemeClr val="tx1"/>
-              </a:solidFill>
-              <a:prstDash val="dash"/>
-              <a:headEnd type="none" w="med" len="med"/>
-              <a:tailEnd type="none" w="med" len="med"/>
-            </a:ln>
-          </p:spPr>
-          <p:style>
-            <a:lnRef idx="1">
-              <a:schemeClr val="accent1"/>
-            </a:lnRef>
-            <a:fillRef idx="0">
-              <a:schemeClr val="accent1"/>
-            </a:fillRef>
-            <a:effectRef idx="0">
-              <a:schemeClr val="accent1"/>
-            </a:effectRef>
-            <a:fontRef idx="minor">
-              <a:schemeClr val="tx1"/>
-            </a:fontRef>
-          </p:style>
-          <p:txBody>
-            <a:bodyPr rtlCol="0" anchor="ctr"/>
-            <a:lstStyle/>
-            <a:p>
-              <a:pPr algn="ctr"/>
-              <a:endParaRPr lang="en-US"/>
-            </a:p>
-          </p:txBody>
-        </p:sp>
-        <p:sp>
-          <p:nvSpPr>
-            <p:cNvPr id="94" name="Oval 93"/>
-            <p:cNvSpPr/>
-            <p:nvPr/>
-          </p:nvSpPr>
-          <p:spPr>
-            <a:xfrm>
-              <a:off x="1149760" y="3535699"/>
-              <a:ext cx="180975" cy="180975"/>
-            </a:xfrm>
-            <a:prstGeom prst="ellipse">
-              <a:avLst/>
-            </a:prstGeom>
-            <a:solidFill>
-              <a:srgbClr val="EFA66B"/>
-            </a:solidFill>
-            <a:ln w="12700">
-              <a:solidFill>
-                <a:schemeClr val="tx1"/>
-              </a:solidFill>
-            </a:ln>
-          </p:spPr>
-          <p:style>
-            <a:lnRef idx="2">
-              <a:schemeClr val="accent1">
-                <a:shade val="50000"/>
-              </a:schemeClr>
-            </a:lnRef>
-            <a:fillRef idx="1">
-              <a:schemeClr val="accent1"/>
-            </a:fillRef>
-            <a:effectRef idx="0">
-              <a:schemeClr val="accent1"/>
-            </a:effectRef>
-            <a:fontRef idx="minor">
-              <a:schemeClr val="lt1"/>
-            </a:fontRef>
-          </p:style>
-          <p:txBody>
-            <a:bodyPr rtlCol="0" anchor="ctr"/>
-            <a:lstStyle/>
-            <a:p>
-              <a:pPr algn="ctr"/>
-              <a:endParaRPr lang="en-US"/>
-            </a:p>
-          </p:txBody>
-        </p:sp>
-        <p:sp>
-          <p:nvSpPr>
-            <p:cNvPr id="96" name="Oval 95"/>
-            <p:cNvSpPr/>
-            <p:nvPr/>
-          </p:nvSpPr>
-          <p:spPr>
-            <a:xfrm>
-              <a:off x="1323792" y="3387747"/>
-              <a:ext cx="121956" cy="121956"/>
-            </a:xfrm>
-            <a:prstGeom prst="ellipse">
-              <a:avLst/>
-            </a:prstGeom>
-            <a:solidFill>
-              <a:schemeClr val="bg1">
-                <a:alpha val="0"/>
-              </a:schemeClr>
-            </a:solidFill>
-            <a:ln w="12700">
-              <a:solidFill>
-                <a:schemeClr val="tx1"/>
-              </a:solidFill>
-              <a:prstDash val="dash"/>
-            </a:ln>
-          </p:spPr>
-          <p:style>
-            <a:lnRef idx="2">
-              <a:schemeClr val="accent1">
-                <a:shade val="50000"/>
-              </a:schemeClr>
-            </a:lnRef>
-            <a:fillRef idx="1">
-              <a:schemeClr val="accent1"/>
-            </a:fillRef>
-            <a:effectRef idx="0">
-              <a:schemeClr val="accent1"/>
-            </a:effectRef>
-            <a:fontRef idx="minor">
-              <a:schemeClr val="lt1"/>
-            </a:fontRef>
-          </p:style>
-          <p:txBody>
-            <a:bodyPr rtlCol="0" anchor="ctr"/>
-            <a:lstStyle/>
-            <a:p>
-              <a:pPr algn="ctr"/>
-              <a:endParaRPr lang="en-US"/>
-            </a:p>
-          </p:txBody>
-        </p:sp>
-        <p:sp>
-          <p:nvSpPr>
-            <p:cNvPr id="98" name="Oval 97"/>
-            <p:cNvSpPr/>
-            <p:nvPr/>
-          </p:nvSpPr>
-          <p:spPr>
-            <a:xfrm>
-              <a:off x="1332083" y="3735583"/>
-              <a:ext cx="121956" cy="121956"/>
-            </a:xfrm>
-            <a:prstGeom prst="ellipse">
-              <a:avLst/>
-            </a:prstGeom>
-            <a:solidFill>
-              <a:srgbClr val="0070C0"/>
-            </a:solidFill>
-            <a:ln w="12700">
-              <a:solidFill>
-                <a:schemeClr val="tx1"/>
-              </a:solidFill>
-            </a:ln>
-          </p:spPr>
-          <p:style>
-            <a:lnRef idx="2">
-              <a:schemeClr val="accent1">
-                <a:shade val="50000"/>
-              </a:schemeClr>
-            </a:lnRef>
-            <a:fillRef idx="1">
-              <a:schemeClr val="accent1"/>
-            </a:fillRef>
-            <a:effectRef idx="0">
-              <a:schemeClr val="accent1"/>
-            </a:effectRef>
-            <a:fontRef idx="minor">
-              <a:schemeClr val="lt1"/>
-            </a:fontRef>
-          </p:style>
-          <p:txBody>
-            <a:bodyPr rtlCol="0" anchor="ctr"/>
-            <a:lstStyle/>
-            <a:p>
-              <a:pPr algn="ctr"/>
-              <a:endParaRPr lang="en-US"/>
-            </a:p>
-          </p:txBody>
-        </p:sp>
-        <p:sp>
-          <p:nvSpPr>
-            <p:cNvPr id="41" name="Arc 40"/>
-            <p:cNvSpPr>
-              <a:spLocks noChangeAspect="1"/>
-            </p:cNvSpPr>
-            <p:nvPr/>
-          </p:nvSpPr>
-          <p:spPr>
-            <a:xfrm rot="2928815">
-              <a:off x="1008855" y="3393519"/>
-              <a:ext cx="462781" cy="462781"/>
-            </a:xfrm>
-            <a:prstGeom prst="arc">
-              <a:avLst>
-                <a:gd name="adj1" fmla="val 16747602"/>
-                <a:gd name="adj2" fmla="val 20557486"/>
-              </a:avLst>
-            </a:prstGeom>
-            <a:ln w="12700">
-              <a:solidFill>
-                <a:schemeClr val="tx1"/>
-              </a:solidFill>
-              <a:prstDash val="dash"/>
-              <a:headEnd type="none" w="med" len="med"/>
-              <a:tailEnd type="none" w="med" len="med"/>
-            </a:ln>
-          </p:spPr>
-          <p:style>
-            <a:lnRef idx="1">
-              <a:schemeClr val="accent1"/>
-            </a:lnRef>
-            <a:fillRef idx="0">
-              <a:schemeClr val="accent1"/>
-            </a:fillRef>
-            <a:effectRef idx="0">
-              <a:schemeClr val="accent1"/>
-            </a:effectRef>
-            <a:fontRef idx="minor">
-              <a:schemeClr val="tx1"/>
-            </a:fontRef>
-          </p:style>
-          <p:txBody>
-            <a:bodyPr rtlCol="0" anchor="ctr"/>
-            <a:lstStyle/>
-            <a:p>
-              <a:pPr algn="ctr"/>
-              <a:endParaRPr lang="en-US"/>
-            </a:p>
-          </p:txBody>
-        </p:sp>
-        <p:sp>
-          <p:nvSpPr>
-            <p:cNvPr id="43" name="Arc 42"/>
-            <p:cNvSpPr>
-              <a:spLocks noChangeAspect="1"/>
-            </p:cNvSpPr>
-            <p:nvPr/>
-          </p:nvSpPr>
-          <p:spPr>
-            <a:xfrm rot="8918785">
-              <a:off x="1008854" y="3391742"/>
-              <a:ext cx="462781" cy="462781"/>
-            </a:xfrm>
-            <a:prstGeom prst="arc">
-              <a:avLst>
-                <a:gd name="adj1" fmla="val 16747602"/>
-                <a:gd name="adj2" fmla="val 17718937"/>
-              </a:avLst>
-            </a:prstGeom>
-            <a:ln w="12700">
-              <a:solidFill>
-                <a:schemeClr val="tx1"/>
-              </a:solidFill>
-              <a:prstDash val="dash"/>
-              <a:headEnd type="none" w="med" len="med"/>
-              <a:tailEnd type="none" w="med" len="med"/>
-            </a:ln>
-          </p:spPr>
-          <p:style>
-            <a:lnRef idx="1">
-              <a:schemeClr val="accent1"/>
-            </a:lnRef>
-            <a:fillRef idx="0">
-              <a:schemeClr val="accent1"/>
-            </a:fillRef>
-            <a:effectRef idx="0">
-              <a:schemeClr val="accent1"/>
-            </a:effectRef>
-            <a:fontRef idx="minor">
-              <a:schemeClr val="tx1"/>
-            </a:fontRef>
-          </p:style>
-          <p:txBody>
-            <a:bodyPr rtlCol="0" anchor="ctr"/>
-            <a:lstStyle/>
-            <a:p>
-              <a:pPr algn="ctr"/>
-              <a:endParaRPr lang="en-US"/>
-            </a:p>
-          </p:txBody>
-        </p:sp>
-      </p:grpSp>
-      <p:grpSp>
-        <p:nvGrpSpPr>
-          <p:cNvPr id="12" name="Group 11"/>
-          <p:cNvGrpSpPr/>
-          <p:nvPr/>
-        </p:nvGrpSpPr>
-        <p:grpSpPr>
-          <a:xfrm>
-            <a:off x="5476379" y="3429580"/>
-            <a:ext cx="409575" cy="409575"/>
-            <a:chOff x="5476379" y="3429580"/>
-            <a:chExt cx="409575" cy="409575"/>
-          </a:xfrm>
-        </p:grpSpPr>
-        <p:sp>
-          <p:nvSpPr>
-            <p:cNvPr id="47" name="Rectangle 46"/>
-            <p:cNvSpPr/>
-            <p:nvPr/>
-          </p:nvSpPr>
-          <p:spPr>
-            <a:xfrm rot="20775288">
-              <a:off x="5476379" y="3579202"/>
-              <a:ext cx="409575" cy="110333"/>
-            </a:xfrm>
-            <a:prstGeom prst="rect">
-              <a:avLst/>
-            </a:prstGeom>
-            <a:solidFill>
-              <a:schemeClr val="bg1">
-                <a:alpha val="0"/>
-              </a:schemeClr>
-            </a:solidFill>
-            <a:ln w="12700">
-              <a:solidFill>
-                <a:schemeClr val="tx1"/>
-              </a:solidFill>
-              <a:prstDash val="dash"/>
-            </a:ln>
-          </p:spPr>
-          <p:style>
-            <a:lnRef idx="2">
-              <a:schemeClr val="accent1">
-                <a:shade val="50000"/>
-              </a:schemeClr>
-            </a:lnRef>
-            <a:fillRef idx="1">
-              <a:schemeClr val="accent1"/>
-            </a:fillRef>
-            <a:effectRef idx="0">
-              <a:schemeClr val="accent1"/>
-            </a:effectRef>
-            <a:fontRef idx="minor">
-              <a:schemeClr val="lt1"/>
-            </a:fontRef>
-          </p:style>
-          <p:txBody>
-            <a:bodyPr rtlCol="0" anchor="ctr"/>
-            <a:lstStyle/>
-            <a:p>
-              <a:pPr algn="ctr"/>
-              <a:endParaRPr lang="en-US"/>
-            </a:p>
-          </p:txBody>
-        </p:sp>
-        <p:sp>
-          <p:nvSpPr>
-            <p:cNvPr id="48" name="Rectangle 47"/>
-            <p:cNvSpPr/>
-            <p:nvPr/>
-          </p:nvSpPr>
-          <p:spPr>
-            <a:xfrm rot="16200000">
-              <a:off x="5479593" y="3579201"/>
-              <a:ext cx="409575" cy="110333"/>
-            </a:xfrm>
-            <a:prstGeom prst="rect">
-              <a:avLst/>
-            </a:prstGeom>
-            <a:solidFill>
-              <a:srgbClr val="0070C0"/>
-            </a:solidFill>
-            <a:ln w="12700">
-              <a:solidFill>
-                <a:schemeClr val="tx1"/>
-              </a:solidFill>
-              <a:prstDash val="solid"/>
-            </a:ln>
-          </p:spPr>
-          <p:style>
-            <a:lnRef idx="2">
-              <a:schemeClr val="accent1">
-                <a:shade val="50000"/>
-              </a:schemeClr>
-            </a:lnRef>
-            <a:fillRef idx="1">
-              <a:schemeClr val="accent1"/>
-            </a:fillRef>
-            <a:effectRef idx="0">
-              <a:schemeClr val="accent1"/>
-            </a:effectRef>
-            <a:fontRef idx="minor">
-              <a:schemeClr val="lt1"/>
-            </a:fontRef>
-          </p:style>
-          <p:txBody>
-            <a:bodyPr rtlCol="0" anchor="ctr"/>
-            <a:lstStyle/>
-            <a:p>
-              <a:pPr algn="ctr"/>
-              <a:endParaRPr lang="en-US"/>
-            </a:p>
-          </p:txBody>
-        </p:sp>
-      </p:grpSp>
-      <p:sp>
-        <p:nvSpPr>
-          <p:cNvPr id="40" name="TextBox 32"/>
-          <p:cNvSpPr txBox="1"/>
-          <p:nvPr/>
-        </p:nvSpPr>
-        <p:spPr>
-          <a:xfrm>
-            <a:off x="4955122" y="4628104"/>
-            <a:ext cx="1518557" cy="369332"/>
-          </a:xfrm>
-          <a:prstGeom prst="rect">
-            <a:avLst/>
-          </a:prstGeom>
-          <a:noFill/>
-        </p:spPr>
-        <p:txBody>
-          <a:bodyPr wrap="none" rtlCol="0">
-            <a:spAutoFit/>
-          </a:bodyPr>
-          <a:lstStyle/>
-          <a:p>
-            <a:r>
-              <a:rPr lang="en-US" dirty="0"/>
-              <a:t>Lock </a:t>
-            </a:r>
-            <a:r>
-              <a:rPr lang="en-US" dirty="0" smtClean="0"/>
-              <a:t>Direction</a:t>
-            </a:r>
-            <a:endParaRPr lang="en-US" dirty="0"/>
-          </a:p>
-        </p:txBody>
-      </p:sp>
-      <p:grpSp>
-        <p:nvGrpSpPr>
-          <p:cNvPr id="42" name="组合 41"/>
-          <p:cNvGrpSpPr/>
-          <p:nvPr/>
-        </p:nvGrpSpPr>
-        <p:grpSpPr>
-          <a:xfrm>
-            <a:off x="5461119" y="5363414"/>
+            <a:off x="5472249" y="5454121"/>
             <a:ext cx="484715" cy="457696"/>
             <a:chOff x="5472249" y="5454121"/>
             <a:chExt cx="484715" cy="457696"/>
@@ -10286,7 +10351,7 @@
         </p:grpSpPr>
         <p:cxnSp>
           <p:nvCxnSpPr>
-            <p:cNvPr id="44" name="直接连接符 43"/>
+            <p:cNvPr id="8" name="直接连接符 7"/>
             <p:cNvCxnSpPr/>
             <p:nvPr/>
           </p:nvCxnSpPr>
@@ -10322,7 +10387,7 @@
         </p:cxnSp>
         <p:sp>
           <p:nvSpPr>
-            <p:cNvPr id="45" name="椭圆 44"/>
+            <p:cNvPr id="23" name="椭圆 22"/>
             <p:cNvSpPr/>
             <p:nvPr/>
           </p:nvSpPr>
@@ -10376,7 +10441,7 @@
         </p:sp>
         <p:sp>
           <p:nvSpPr>
-            <p:cNvPr id="46" name="椭圆 45"/>
+            <p:cNvPr id="6" name="椭圆 5"/>
             <p:cNvSpPr/>
             <p:nvPr/>
           </p:nvSpPr>
@@ -10424,7 +10489,7 @@
         </p:sp>
         <p:sp>
           <p:nvSpPr>
-            <p:cNvPr id="49" name="椭圆 48"/>
+            <p:cNvPr id="71" name="椭圆 70"/>
             <p:cNvSpPr/>
             <p:nvPr/>
           </p:nvSpPr>
@@ -10483,694 +10548,6 @@
   <p:clrMapOvr>
     <a:masterClrMapping/>
   </p:clrMapOvr>
-  <p:timing>
-    <p:tnLst>
-      <p:par>
-        <p:cTn id="1" dur="indefinite" restart="never" nodeType="tmRoot"/>
-      </p:par>
-    </p:tnLst>
-  </p:timing>
-</p:sld>
-</file>
-
-<file path=ppt/slides/slide7.xml><?xml version="1.0" encoding="utf-8"?>
-<p:sld xmlns:a="http://schemas.openxmlformats.org/drawingml/2006/main" xmlns:r="http://schemas.openxmlformats.org/officeDocument/2006/relationships" xmlns:p="http://schemas.openxmlformats.org/presentationml/2006/main">
-  <p:cSld>
-    <p:spTree>
-      <p:nvGrpSpPr>
-        <p:cNvPr id="1" name=""/>
-        <p:cNvGrpSpPr/>
-        <p:nvPr/>
-      </p:nvGrpSpPr>
-      <p:grpSpPr>
-        <a:xfrm>
-          <a:off x="0" y="0"/>
-          <a:ext cx="0" cy="0"/>
-          <a:chOff x="0" y="0"/>
-          <a:chExt cx="0" cy="0"/>
-        </a:xfrm>
-      </p:grpSpPr>
-      <p:sp>
-        <p:nvSpPr>
-          <p:cNvPr id="4" name="TextBox 3"/>
-          <p:cNvSpPr txBox="1"/>
-          <p:nvPr/>
-        </p:nvSpPr>
-        <p:spPr>
-          <a:xfrm>
-            <a:off x="2360410" y="1303511"/>
-            <a:ext cx="4423199" cy="707886"/>
-          </a:xfrm>
-          <a:prstGeom prst="rect">
-            <a:avLst/>
-          </a:prstGeom>
-          <a:noFill/>
-        </p:spPr>
-        <p:txBody>
-          <a:bodyPr wrap="none" rtlCol="0">
-            <a:spAutoFit/>
-          </a:bodyPr>
-          <a:lstStyle/>
-          <a:p>
-            <a:pPr algn="ctr"/>
-            <a:r>
-              <a:rPr lang="en-US" sz="4000" dirty="0" smtClean="0"/>
-              <a:t>Radial Settings </a:t>
-            </a:r>
-            <a:r>
-              <a:rPr lang="en-US" sz="4000" dirty="0"/>
-              <a:t>Icons</a:t>
-            </a:r>
-          </a:p>
-        </p:txBody>
-      </p:sp>
-      <p:sp>
-        <p:nvSpPr>
-          <p:cNvPr id="35" name="TextBox 34"/>
-          <p:cNvSpPr txBox="1"/>
-          <p:nvPr/>
-        </p:nvSpPr>
-        <p:spPr>
-          <a:xfrm>
-            <a:off x="2534996" y="3314908"/>
-            <a:ext cx="673902" cy="369332"/>
-          </a:xfrm>
-          <a:prstGeom prst="rect">
-            <a:avLst/>
-          </a:prstGeom>
-          <a:noFill/>
-        </p:spPr>
-        <p:txBody>
-          <a:bodyPr wrap="none" rtlCol="0">
-            <a:spAutoFit/>
-          </a:bodyPr>
-          <a:lstStyle/>
-          <a:p>
-            <a:r>
-              <a:rPr lang="en-US" dirty="0" smtClean="0"/>
-              <a:t>Fixed</a:t>
-            </a:r>
-            <a:endParaRPr lang="en-US" dirty="0"/>
-          </a:p>
-        </p:txBody>
-      </p:sp>
-      <p:sp>
-        <p:nvSpPr>
-          <p:cNvPr id="36" name="TextBox 35"/>
-          <p:cNvSpPr txBox="1"/>
-          <p:nvPr/>
-        </p:nvSpPr>
-        <p:spPr>
-          <a:xfrm>
-            <a:off x="5753512" y="3314908"/>
-            <a:ext cx="998991" cy="369332"/>
-          </a:xfrm>
-          <a:prstGeom prst="rect">
-            <a:avLst/>
-          </a:prstGeom>
-          <a:noFill/>
-        </p:spPr>
-        <p:txBody>
-          <a:bodyPr wrap="none" rtlCol="0">
-            <a:spAutoFit/>
-          </a:bodyPr>
-          <a:lstStyle/>
-          <a:p>
-            <a:r>
-              <a:rPr lang="en-US" dirty="0" smtClean="0"/>
-              <a:t>Dynamic</a:t>
-            </a:r>
-            <a:endParaRPr lang="en-US" dirty="0"/>
-          </a:p>
-        </p:txBody>
-      </p:sp>
-      <p:grpSp>
-        <p:nvGrpSpPr>
-          <p:cNvPr id="9" name="Group 8"/>
-          <p:cNvGrpSpPr/>
-          <p:nvPr/>
-        </p:nvGrpSpPr>
-        <p:grpSpPr>
-          <a:xfrm>
-            <a:off x="6035728" y="4250531"/>
-            <a:ext cx="468175" cy="505695"/>
-            <a:chOff x="6035728" y="4250531"/>
-            <a:chExt cx="468175" cy="505695"/>
-          </a:xfrm>
-        </p:grpSpPr>
-        <p:cxnSp>
-          <p:nvCxnSpPr>
-            <p:cNvPr id="100" name="Straight Connector 99"/>
-            <p:cNvCxnSpPr/>
-            <p:nvPr/>
-          </p:nvCxnSpPr>
-          <p:spPr>
-            <a:xfrm>
-              <a:off x="6126216" y="4504046"/>
-              <a:ext cx="0" cy="124282"/>
-            </a:xfrm>
-            <a:prstGeom prst="line">
-              <a:avLst/>
-            </a:prstGeom>
-            <a:ln w="12700">
-              <a:solidFill>
-                <a:schemeClr val="tx1"/>
-              </a:solidFill>
-              <a:prstDash val="dash"/>
-            </a:ln>
-          </p:spPr>
-          <p:style>
-            <a:lnRef idx="1">
-              <a:schemeClr val="accent1"/>
-            </a:lnRef>
-            <a:fillRef idx="0">
-              <a:schemeClr val="accent1"/>
-            </a:fillRef>
-            <a:effectRef idx="0">
-              <a:schemeClr val="accent1"/>
-            </a:effectRef>
-            <a:fontRef idx="minor">
-              <a:schemeClr val="tx1"/>
-            </a:fontRef>
-          </p:style>
-        </p:cxnSp>
-        <p:sp>
-          <p:nvSpPr>
-            <p:cNvPr id="101" name="Chevron 100"/>
-            <p:cNvSpPr>
-              <a:spLocks/>
-            </p:cNvSpPr>
-            <p:nvPr/>
-          </p:nvSpPr>
-          <p:spPr>
-            <a:xfrm>
-              <a:off x="6063669" y="4358353"/>
-              <a:ext cx="125089" cy="137727"/>
-            </a:xfrm>
-            <a:prstGeom prst="chevron">
-              <a:avLst/>
-            </a:prstGeom>
-            <a:solidFill>
-              <a:schemeClr val="bg1">
-                <a:alpha val="0"/>
-              </a:schemeClr>
-            </a:solidFill>
-            <a:ln w="12700">
-              <a:solidFill>
-                <a:schemeClr val="tx1"/>
-              </a:solidFill>
-              <a:prstDash val="dash"/>
-            </a:ln>
-          </p:spPr>
-          <p:style>
-            <a:lnRef idx="2">
-              <a:schemeClr val="accent1">
-                <a:shade val="50000"/>
-              </a:schemeClr>
-            </a:lnRef>
-            <a:fillRef idx="1">
-              <a:schemeClr val="accent1"/>
-            </a:fillRef>
-            <a:effectRef idx="0">
-              <a:schemeClr val="accent1"/>
-            </a:effectRef>
-            <a:fontRef idx="minor">
-              <a:schemeClr val="lt1"/>
-            </a:fontRef>
-          </p:style>
-          <p:txBody>
-            <a:bodyPr rtlCol="0" anchor="ctr"/>
-            <a:lstStyle/>
-            <a:p>
-              <a:pPr algn="ctr"/>
-              <a:endParaRPr lang="en-US"/>
-            </a:p>
-          </p:txBody>
-        </p:sp>
-        <p:cxnSp>
-          <p:nvCxnSpPr>
-            <p:cNvPr id="86" name="Straight Connector 85"/>
-            <p:cNvCxnSpPr/>
-            <p:nvPr/>
-          </p:nvCxnSpPr>
-          <p:spPr>
-            <a:xfrm rot="4228434">
-              <a:off x="6327617" y="4418031"/>
-              <a:ext cx="2" cy="352571"/>
-            </a:xfrm>
-            <a:prstGeom prst="line">
-              <a:avLst/>
-            </a:prstGeom>
-            <a:ln w="12700">
-              <a:solidFill>
-                <a:schemeClr val="tx1"/>
-              </a:solidFill>
-              <a:prstDash val="dash"/>
-            </a:ln>
-          </p:spPr>
-          <p:style>
-            <a:lnRef idx="1">
-              <a:schemeClr val="accent1"/>
-            </a:lnRef>
-            <a:fillRef idx="0">
-              <a:schemeClr val="accent1"/>
-            </a:fillRef>
-            <a:effectRef idx="0">
-              <a:schemeClr val="accent1"/>
-            </a:effectRef>
-            <a:fontRef idx="minor">
-              <a:schemeClr val="tx1"/>
-            </a:fontRef>
-          </p:style>
-        </p:cxnSp>
-        <p:sp>
-          <p:nvSpPr>
-            <p:cNvPr id="95" name="Chevron 94"/>
-            <p:cNvSpPr>
-              <a:spLocks/>
-            </p:cNvSpPr>
-            <p:nvPr/>
-          </p:nvSpPr>
-          <p:spPr>
-            <a:xfrm rot="4228434">
-              <a:off x="6288473" y="4517147"/>
-              <a:ext cx="125089" cy="137727"/>
-            </a:xfrm>
-            <a:prstGeom prst="chevron">
-              <a:avLst/>
-            </a:prstGeom>
-            <a:solidFill>
-              <a:srgbClr val="0070C0"/>
-            </a:solidFill>
-            <a:ln w="12700">
-              <a:solidFill>
-                <a:schemeClr val="tx1"/>
-              </a:solidFill>
-              <a:prstDash val="solid"/>
-            </a:ln>
-          </p:spPr>
-          <p:style>
-            <a:lnRef idx="2">
-              <a:schemeClr val="accent1">
-                <a:shade val="50000"/>
-              </a:schemeClr>
-            </a:lnRef>
-            <a:fillRef idx="1">
-              <a:schemeClr val="accent1"/>
-            </a:fillRef>
-            <a:effectRef idx="0">
-              <a:schemeClr val="accent1"/>
-            </a:effectRef>
-            <a:fontRef idx="minor">
-              <a:schemeClr val="lt1"/>
-            </a:fontRef>
-          </p:style>
-          <p:txBody>
-            <a:bodyPr rtlCol="0" anchor="ctr"/>
-            <a:lstStyle/>
-            <a:p>
-              <a:pPr algn="ctr"/>
-              <a:endParaRPr lang="en-US"/>
-            </a:p>
-          </p:txBody>
-        </p:sp>
-        <p:sp>
-          <p:nvSpPr>
-            <p:cNvPr id="25" name="Oval 24"/>
-            <p:cNvSpPr/>
-            <p:nvPr/>
-          </p:nvSpPr>
-          <p:spPr>
-            <a:xfrm>
-              <a:off x="6035728" y="4575251"/>
-              <a:ext cx="180975" cy="180975"/>
-            </a:xfrm>
-            <a:prstGeom prst="ellipse">
-              <a:avLst/>
-            </a:prstGeom>
-            <a:solidFill>
-              <a:srgbClr val="EFA66B"/>
-            </a:solidFill>
-            <a:ln w="12700">
-              <a:solidFill>
-                <a:schemeClr val="tx1"/>
-              </a:solidFill>
-            </a:ln>
-          </p:spPr>
-          <p:style>
-            <a:lnRef idx="2">
-              <a:schemeClr val="accent1">
-                <a:shade val="50000"/>
-              </a:schemeClr>
-            </a:lnRef>
-            <a:fillRef idx="1">
-              <a:schemeClr val="accent1"/>
-            </a:fillRef>
-            <a:effectRef idx="0">
-              <a:schemeClr val="accent1"/>
-            </a:effectRef>
-            <a:fontRef idx="minor">
-              <a:schemeClr val="lt1"/>
-            </a:fontRef>
-          </p:style>
-          <p:txBody>
-            <a:bodyPr rtlCol="0" anchor="ctr"/>
-            <a:lstStyle/>
-            <a:p>
-              <a:pPr algn="ctr"/>
-              <a:endParaRPr lang="en-US"/>
-            </a:p>
-          </p:txBody>
-        </p:sp>
-        <p:cxnSp>
-          <p:nvCxnSpPr>
-            <p:cNvPr id="21" name="Straight Connector 20"/>
-            <p:cNvCxnSpPr/>
-            <p:nvPr/>
-          </p:nvCxnSpPr>
-          <p:spPr>
-            <a:xfrm>
-              <a:off x="6126216" y="4250531"/>
-              <a:ext cx="0" cy="103060"/>
-            </a:xfrm>
-            <a:prstGeom prst="line">
-              <a:avLst/>
-            </a:prstGeom>
-            <a:ln w="12700">
-              <a:solidFill>
-                <a:schemeClr val="tx1"/>
-              </a:solidFill>
-              <a:prstDash val="dash"/>
-            </a:ln>
-          </p:spPr>
-          <p:style>
-            <a:lnRef idx="1">
-              <a:schemeClr val="accent1"/>
-            </a:lnRef>
-            <a:fillRef idx="0">
-              <a:schemeClr val="accent1"/>
-            </a:fillRef>
-            <a:effectRef idx="0">
-              <a:schemeClr val="accent1"/>
-            </a:effectRef>
-            <a:fontRef idx="minor">
-              <a:schemeClr val="tx1"/>
-            </a:fontRef>
-          </p:style>
-        </p:cxnSp>
-      </p:grpSp>
-      <p:grpSp>
-        <p:nvGrpSpPr>
-          <p:cNvPr id="28" name="Group 27"/>
-          <p:cNvGrpSpPr/>
-          <p:nvPr/>
-        </p:nvGrpSpPr>
-        <p:grpSpPr>
-          <a:xfrm>
-            <a:off x="2637859" y="4250531"/>
-            <a:ext cx="468175" cy="505695"/>
-            <a:chOff x="6035728" y="4250531"/>
-            <a:chExt cx="468175" cy="505695"/>
-          </a:xfrm>
-        </p:grpSpPr>
-        <p:cxnSp>
-          <p:nvCxnSpPr>
-            <p:cNvPr id="29" name="Straight Connector 28"/>
-            <p:cNvCxnSpPr/>
-            <p:nvPr/>
-          </p:nvCxnSpPr>
-          <p:spPr>
-            <a:xfrm>
-              <a:off x="6126216" y="4504046"/>
-              <a:ext cx="0" cy="124282"/>
-            </a:xfrm>
-            <a:prstGeom prst="line">
-              <a:avLst/>
-            </a:prstGeom>
-            <a:ln w="12700">
-              <a:solidFill>
-                <a:schemeClr val="tx1"/>
-              </a:solidFill>
-              <a:prstDash val="dash"/>
-            </a:ln>
-          </p:spPr>
-          <p:style>
-            <a:lnRef idx="1">
-              <a:schemeClr val="accent1"/>
-            </a:lnRef>
-            <a:fillRef idx="0">
-              <a:schemeClr val="accent1"/>
-            </a:fillRef>
-            <a:effectRef idx="0">
-              <a:schemeClr val="accent1"/>
-            </a:effectRef>
-            <a:fontRef idx="minor">
-              <a:schemeClr val="tx1"/>
-            </a:fontRef>
-          </p:style>
-        </p:cxnSp>
-        <p:sp>
-          <p:nvSpPr>
-            <p:cNvPr id="30" name="Chevron 29"/>
-            <p:cNvSpPr>
-              <a:spLocks/>
-            </p:cNvSpPr>
-            <p:nvPr/>
-          </p:nvSpPr>
-          <p:spPr>
-            <a:xfrm>
-              <a:off x="6063669" y="4358353"/>
-              <a:ext cx="125089" cy="137727"/>
-            </a:xfrm>
-            <a:prstGeom prst="chevron">
-              <a:avLst/>
-            </a:prstGeom>
-            <a:solidFill>
-              <a:schemeClr val="bg1">
-                <a:alpha val="0"/>
-              </a:schemeClr>
-            </a:solidFill>
-            <a:ln w="12700">
-              <a:solidFill>
-                <a:schemeClr val="tx1"/>
-              </a:solidFill>
-              <a:prstDash val="dash"/>
-            </a:ln>
-          </p:spPr>
-          <p:style>
-            <a:lnRef idx="2">
-              <a:schemeClr val="accent1">
-                <a:shade val="50000"/>
-              </a:schemeClr>
-            </a:lnRef>
-            <a:fillRef idx="1">
-              <a:schemeClr val="accent1"/>
-            </a:fillRef>
-            <a:effectRef idx="0">
-              <a:schemeClr val="accent1"/>
-            </a:effectRef>
-            <a:fontRef idx="minor">
-              <a:schemeClr val="lt1"/>
-            </a:fontRef>
-          </p:style>
-          <p:txBody>
-            <a:bodyPr rtlCol="0" anchor="ctr"/>
-            <a:lstStyle/>
-            <a:p>
-              <a:pPr algn="ctr"/>
-              <a:endParaRPr lang="en-US"/>
-            </a:p>
-          </p:txBody>
-        </p:sp>
-        <p:cxnSp>
-          <p:nvCxnSpPr>
-            <p:cNvPr id="31" name="Straight Connector 30"/>
-            <p:cNvCxnSpPr/>
-            <p:nvPr/>
-          </p:nvCxnSpPr>
-          <p:spPr>
-            <a:xfrm rot="4228434">
-              <a:off x="6327617" y="4418031"/>
-              <a:ext cx="2" cy="352571"/>
-            </a:xfrm>
-            <a:prstGeom prst="line">
-              <a:avLst/>
-            </a:prstGeom>
-            <a:ln w="12700">
-              <a:solidFill>
-                <a:schemeClr val="tx1"/>
-              </a:solidFill>
-              <a:prstDash val="dash"/>
-            </a:ln>
-          </p:spPr>
-          <p:style>
-            <a:lnRef idx="1">
-              <a:schemeClr val="accent1"/>
-            </a:lnRef>
-            <a:fillRef idx="0">
-              <a:schemeClr val="accent1"/>
-            </a:fillRef>
-            <a:effectRef idx="0">
-              <a:schemeClr val="accent1"/>
-            </a:effectRef>
-            <a:fontRef idx="minor">
-              <a:schemeClr val="tx1"/>
-            </a:fontRef>
-          </p:style>
-        </p:cxnSp>
-        <p:sp>
-          <p:nvSpPr>
-            <p:cNvPr id="32" name="Chevron 31"/>
-            <p:cNvSpPr>
-              <a:spLocks/>
-            </p:cNvSpPr>
-            <p:nvPr/>
-          </p:nvSpPr>
-          <p:spPr>
-            <a:xfrm>
-              <a:off x="6288473" y="4517147"/>
-              <a:ext cx="125089" cy="137727"/>
-            </a:xfrm>
-            <a:prstGeom prst="chevron">
-              <a:avLst/>
-            </a:prstGeom>
-            <a:solidFill>
-              <a:srgbClr val="0070C0"/>
-            </a:solidFill>
-            <a:ln w="12700">
-              <a:solidFill>
-                <a:schemeClr val="tx1"/>
-              </a:solidFill>
-              <a:prstDash val="solid"/>
-            </a:ln>
-          </p:spPr>
-          <p:style>
-            <a:lnRef idx="2">
-              <a:schemeClr val="accent1">
-                <a:shade val="50000"/>
-              </a:schemeClr>
-            </a:lnRef>
-            <a:fillRef idx="1">
-              <a:schemeClr val="accent1"/>
-            </a:fillRef>
-            <a:effectRef idx="0">
-              <a:schemeClr val="accent1"/>
-            </a:effectRef>
-            <a:fontRef idx="minor">
-              <a:schemeClr val="lt1"/>
-            </a:fontRef>
-          </p:style>
-          <p:txBody>
-            <a:bodyPr rtlCol="0" anchor="ctr"/>
-            <a:lstStyle/>
-            <a:p>
-              <a:pPr algn="ctr"/>
-              <a:endParaRPr lang="en-US"/>
-            </a:p>
-          </p:txBody>
-        </p:sp>
-        <p:sp>
-          <p:nvSpPr>
-            <p:cNvPr id="33" name="Oval 32"/>
-            <p:cNvSpPr/>
-            <p:nvPr/>
-          </p:nvSpPr>
-          <p:spPr>
-            <a:xfrm>
-              <a:off x="6035728" y="4575251"/>
-              <a:ext cx="180975" cy="180975"/>
-            </a:xfrm>
-            <a:prstGeom prst="ellipse">
-              <a:avLst/>
-            </a:prstGeom>
-            <a:solidFill>
-              <a:srgbClr val="EFA66B"/>
-            </a:solidFill>
-            <a:ln w="12700">
-              <a:solidFill>
-                <a:schemeClr val="tx1"/>
-              </a:solidFill>
-            </a:ln>
-          </p:spPr>
-          <p:style>
-            <a:lnRef idx="2">
-              <a:schemeClr val="accent1">
-                <a:shade val="50000"/>
-              </a:schemeClr>
-            </a:lnRef>
-            <a:fillRef idx="1">
-              <a:schemeClr val="accent1"/>
-            </a:fillRef>
-            <a:effectRef idx="0">
-              <a:schemeClr val="accent1"/>
-            </a:effectRef>
-            <a:fontRef idx="minor">
-              <a:schemeClr val="lt1"/>
-            </a:fontRef>
-          </p:style>
-          <p:txBody>
-            <a:bodyPr rtlCol="0" anchor="ctr"/>
-            <a:lstStyle/>
-            <a:p>
-              <a:pPr algn="ctr"/>
-              <a:endParaRPr lang="en-US"/>
-            </a:p>
-          </p:txBody>
-        </p:sp>
-        <p:cxnSp>
-          <p:nvCxnSpPr>
-            <p:cNvPr id="34" name="Straight Connector 33"/>
-            <p:cNvCxnSpPr/>
-            <p:nvPr/>
-          </p:nvCxnSpPr>
-          <p:spPr>
-            <a:xfrm>
-              <a:off x="6126216" y="4250531"/>
-              <a:ext cx="0" cy="103060"/>
-            </a:xfrm>
-            <a:prstGeom prst="line">
-              <a:avLst/>
-            </a:prstGeom>
-            <a:ln w="12700">
-              <a:solidFill>
-                <a:schemeClr val="tx1"/>
-              </a:solidFill>
-              <a:prstDash val="dash"/>
-            </a:ln>
-          </p:spPr>
-          <p:style>
-            <a:lnRef idx="1">
-              <a:schemeClr val="accent1"/>
-            </a:lnRef>
-            <a:fillRef idx="0">
-              <a:schemeClr val="accent1"/>
-            </a:fillRef>
-            <a:effectRef idx="0">
-              <a:schemeClr val="accent1"/>
-            </a:effectRef>
-            <a:fontRef idx="minor">
-              <a:schemeClr val="tx1"/>
-            </a:fontRef>
-          </p:style>
-        </p:cxnSp>
-      </p:grpSp>
-    </p:spTree>
-    <p:extLst>
-      <p:ext uri="{BB962C8B-B14F-4D97-AF65-F5344CB8AC3E}">
-        <p14:creationId xmlns:p14="http://schemas.microsoft.com/office/powerpoint/2010/main" val="1954898725"/>
-      </p:ext>
-    </p:extLst>
-  </p:cSld>
-  <p:clrMapOvr>
-    <a:masterClrMapping/>
-  </p:clrMapOvr>
-  <p:timing>
-    <p:tnLst>
-      <p:par>
-        <p:cTn id="1" dur="indefinite" restart="never" nodeType="tmRoot"/>
-      </p:par>
-    </p:tnLst>
-  </p:timing>
 </p:sld>
 </file>
 

--- a/doc/Icons-PositionsLab.pptx
+++ b/doc/Icons-PositionsLab.pptx
@@ -219,7 +219,7 @@
           <a:p>
             <a:fld id="{6699ACB9-486C-4D62-A3A7-AF98E13EFDA3}" type="datetimeFigureOut">
               <a:rPr lang="en-US" smtClean="0"/>
-              <a:t>2016/07/13</a:t>
+              <a:t>8/29/2016</a:t>
             </a:fld>
             <a:endParaRPr lang="en-US"/>
           </a:p>
@@ -666,7 +666,7 @@
             <a:fld id="{1D8BD707-D9CF-40AE-B4C6-C98DA3205C09}" type="datetimeFigureOut">
               <a:rPr lang="en-US" smtClean="0"/>
               <a:pPr/>
-              <a:t>2016/07/13</a:t>
+              <a:t>8/29/2016</a:t>
             </a:fld>
             <a:endParaRPr lang="en-US"/>
           </a:p>
@@ -831,7 +831,7 @@
             <a:fld id="{1D8BD707-D9CF-40AE-B4C6-C98DA3205C09}" type="datetimeFigureOut">
               <a:rPr lang="en-US" smtClean="0"/>
               <a:pPr/>
-              <a:t>2016/07/13</a:t>
+              <a:t>8/29/2016</a:t>
             </a:fld>
             <a:endParaRPr lang="en-US"/>
           </a:p>
@@ -1006,7 +1006,7 @@
             <a:fld id="{1D8BD707-D9CF-40AE-B4C6-C98DA3205C09}" type="datetimeFigureOut">
               <a:rPr lang="en-US" smtClean="0"/>
               <a:pPr/>
-              <a:t>2016/07/13</a:t>
+              <a:t>8/29/2016</a:t>
             </a:fld>
             <a:endParaRPr lang="en-US"/>
           </a:p>
@@ -1171,7 +1171,7 @@
             <a:fld id="{1D8BD707-D9CF-40AE-B4C6-C98DA3205C09}" type="datetimeFigureOut">
               <a:rPr lang="en-US" smtClean="0"/>
               <a:pPr/>
-              <a:t>2016/07/13</a:t>
+              <a:t>8/29/2016</a:t>
             </a:fld>
             <a:endParaRPr lang="en-US"/>
           </a:p>
@@ -1413,7 +1413,7 @@
             <a:fld id="{1D8BD707-D9CF-40AE-B4C6-C98DA3205C09}" type="datetimeFigureOut">
               <a:rPr lang="en-US" smtClean="0"/>
               <a:pPr/>
-              <a:t>2016/07/13</a:t>
+              <a:t>8/29/2016</a:t>
             </a:fld>
             <a:endParaRPr lang="en-US"/>
           </a:p>
@@ -1695,7 +1695,7 @@
             <a:fld id="{1D8BD707-D9CF-40AE-B4C6-C98DA3205C09}" type="datetimeFigureOut">
               <a:rPr lang="en-US" smtClean="0"/>
               <a:pPr/>
-              <a:t>2016/07/13</a:t>
+              <a:t>8/29/2016</a:t>
             </a:fld>
             <a:endParaRPr lang="en-US"/>
           </a:p>
@@ -2111,7 +2111,7 @@
             <a:fld id="{1D8BD707-D9CF-40AE-B4C6-C98DA3205C09}" type="datetimeFigureOut">
               <a:rPr lang="en-US" smtClean="0"/>
               <a:pPr/>
-              <a:t>2016/07/13</a:t>
+              <a:t>8/29/2016</a:t>
             </a:fld>
             <a:endParaRPr lang="en-US"/>
           </a:p>
@@ -2225,7 +2225,7 @@
             <a:fld id="{1D8BD707-D9CF-40AE-B4C6-C98DA3205C09}" type="datetimeFigureOut">
               <a:rPr lang="en-US" smtClean="0"/>
               <a:pPr/>
-              <a:t>2016/07/13</a:t>
+              <a:t>8/29/2016</a:t>
             </a:fld>
             <a:endParaRPr lang="en-US"/>
           </a:p>
@@ -2317,7 +2317,7 @@
             <a:fld id="{1D8BD707-D9CF-40AE-B4C6-C98DA3205C09}" type="datetimeFigureOut">
               <a:rPr lang="en-US" smtClean="0"/>
               <a:pPr/>
-              <a:t>2016/07/13</a:t>
+              <a:t>8/29/2016</a:t>
             </a:fld>
             <a:endParaRPr lang="en-US"/>
           </a:p>
@@ -2589,7 +2589,7 @@
             <a:fld id="{1D8BD707-D9CF-40AE-B4C6-C98DA3205C09}" type="datetimeFigureOut">
               <a:rPr lang="en-US" smtClean="0"/>
               <a:pPr/>
-              <a:t>2016/07/13</a:t>
+              <a:t>8/29/2016</a:t>
             </a:fld>
             <a:endParaRPr lang="en-US"/>
           </a:p>
@@ -2838,7 +2838,7 @@
             <a:fld id="{1D8BD707-D9CF-40AE-B4C6-C98DA3205C09}" type="datetimeFigureOut">
               <a:rPr lang="en-US" smtClean="0"/>
               <a:pPr/>
-              <a:t>2016/07/13</a:t>
+              <a:t>8/29/2016</a:t>
             </a:fld>
             <a:endParaRPr lang="en-US"/>
           </a:p>
@@ -3049,7 +3049,7 @@
             <a:fld id="{1D8BD707-D9CF-40AE-B4C6-C98DA3205C09}" type="datetimeFigureOut">
               <a:rPr lang="en-US" smtClean="0"/>
               <a:pPr/>
-              <a:t>2016/07/13</a:t>
+              <a:t>8/29/2016</a:t>
             </a:fld>
             <a:endParaRPr lang="en-US"/>
           </a:p>
@@ -8768,8 +8768,8 @@
         </p:nvSpPr>
         <p:spPr>
           <a:xfrm>
-            <a:off x="2661515" y="781706"/>
-            <a:ext cx="3820982" cy="707886"/>
+            <a:off x="2989072" y="781706"/>
+            <a:ext cx="3165867" cy="707886"/>
           </a:xfrm>
           <a:prstGeom prst="rect">
             <a:avLst/>
@@ -8784,12 +8784,12 @@
           <a:p>
             <a:pPr algn="ctr"/>
             <a:r>
-              <a:rPr lang="en-US" sz="4000" dirty="0" err="1"/>
-              <a:t>Reorientate</a:t>
+              <a:rPr lang="en-US" sz="4000" smtClean="0"/>
+              <a:t>Reorient </a:t>
             </a:r>
             <a:r>
               <a:rPr lang="en-US" sz="4000" dirty="0"/>
-              <a:t> Icons</a:t>
+              <a:t>Icons</a:t>
             </a:r>
           </a:p>
         </p:txBody>
@@ -10232,6 +10232,619 @@
             <a:p>
               <a:pPr algn="ctr"/>
               <a:endParaRPr lang="en-US"/>
+            </a:p>
+          </p:txBody>
+        </p:sp>
+      </p:grpSp>
+      <p:sp>
+        <p:nvSpPr>
+          <p:cNvPr id="42" name="TextBox 32"/>
+          <p:cNvSpPr txBox="1"/>
+          <p:nvPr/>
+        </p:nvSpPr>
+        <p:spPr>
+          <a:xfrm>
+            <a:off x="4963940" y="4642489"/>
+            <a:ext cx="1518557" cy="369332"/>
+          </a:xfrm>
+          <a:prstGeom prst="rect">
+            <a:avLst/>
+          </a:prstGeom>
+          <a:noFill/>
+        </p:spPr>
+        <p:txBody>
+          <a:bodyPr wrap="none" rtlCol="0">
+            <a:spAutoFit/>
+          </a:bodyPr>
+          <a:lstStyle>
+            <a:defPPr>
+              <a:defRPr lang="en-US"/>
+            </a:defPPr>
+            <a:lvl1pPr marL="0" algn="l" defTabSz="914400" rtl="0" eaLnBrk="1" latinLnBrk="0" hangingPunct="1">
+              <a:defRPr sz="1800" kern="1200">
+                <a:solidFill>
+                  <a:schemeClr val="tx1"/>
+                </a:solidFill>
+                <a:latin typeface="+mn-lt"/>
+                <a:ea typeface="+mn-ea"/>
+                <a:cs typeface="+mn-cs"/>
+              </a:defRPr>
+            </a:lvl1pPr>
+            <a:lvl2pPr marL="457200" algn="l" defTabSz="914400" rtl="0" eaLnBrk="1" latinLnBrk="0" hangingPunct="1">
+              <a:defRPr sz="1800" kern="1200">
+                <a:solidFill>
+                  <a:schemeClr val="tx1"/>
+                </a:solidFill>
+                <a:latin typeface="+mn-lt"/>
+                <a:ea typeface="+mn-ea"/>
+                <a:cs typeface="+mn-cs"/>
+              </a:defRPr>
+            </a:lvl2pPr>
+            <a:lvl3pPr marL="914400" algn="l" defTabSz="914400" rtl="0" eaLnBrk="1" latinLnBrk="0" hangingPunct="1">
+              <a:defRPr sz="1800" kern="1200">
+                <a:solidFill>
+                  <a:schemeClr val="tx1"/>
+                </a:solidFill>
+                <a:latin typeface="+mn-lt"/>
+                <a:ea typeface="+mn-ea"/>
+                <a:cs typeface="+mn-cs"/>
+              </a:defRPr>
+            </a:lvl3pPr>
+            <a:lvl4pPr marL="1371600" algn="l" defTabSz="914400" rtl="0" eaLnBrk="1" latinLnBrk="0" hangingPunct="1">
+              <a:defRPr sz="1800" kern="1200">
+                <a:solidFill>
+                  <a:schemeClr val="tx1"/>
+                </a:solidFill>
+                <a:latin typeface="+mn-lt"/>
+                <a:ea typeface="+mn-ea"/>
+                <a:cs typeface="+mn-cs"/>
+              </a:defRPr>
+            </a:lvl4pPr>
+            <a:lvl5pPr marL="1828800" algn="l" defTabSz="914400" rtl="0" eaLnBrk="1" latinLnBrk="0" hangingPunct="1">
+              <a:defRPr sz="1800" kern="1200">
+                <a:solidFill>
+                  <a:schemeClr val="tx1"/>
+                </a:solidFill>
+                <a:latin typeface="+mn-lt"/>
+                <a:ea typeface="+mn-ea"/>
+                <a:cs typeface="+mn-cs"/>
+              </a:defRPr>
+            </a:lvl5pPr>
+            <a:lvl6pPr marL="2286000" algn="l" defTabSz="914400" rtl="0" eaLnBrk="1" latinLnBrk="0" hangingPunct="1">
+              <a:defRPr sz="1800" kern="1200">
+                <a:solidFill>
+                  <a:schemeClr val="tx1"/>
+                </a:solidFill>
+                <a:latin typeface="+mn-lt"/>
+                <a:ea typeface="+mn-ea"/>
+                <a:cs typeface="+mn-cs"/>
+              </a:defRPr>
+            </a:lvl6pPr>
+            <a:lvl7pPr marL="2743200" algn="l" defTabSz="914400" rtl="0" eaLnBrk="1" latinLnBrk="0" hangingPunct="1">
+              <a:defRPr sz="1800" kern="1200">
+                <a:solidFill>
+                  <a:schemeClr val="tx1"/>
+                </a:solidFill>
+                <a:latin typeface="+mn-lt"/>
+                <a:ea typeface="+mn-ea"/>
+                <a:cs typeface="+mn-cs"/>
+              </a:defRPr>
+            </a:lvl7pPr>
+            <a:lvl8pPr marL="3200400" algn="l" defTabSz="914400" rtl="0" eaLnBrk="1" latinLnBrk="0" hangingPunct="1">
+              <a:defRPr sz="1800" kern="1200">
+                <a:solidFill>
+                  <a:schemeClr val="tx1"/>
+                </a:solidFill>
+                <a:latin typeface="+mn-lt"/>
+                <a:ea typeface="+mn-ea"/>
+                <a:cs typeface="+mn-cs"/>
+              </a:defRPr>
+            </a:lvl8pPr>
+            <a:lvl9pPr marL="3657600" algn="l" defTabSz="914400" rtl="0" eaLnBrk="1" latinLnBrk="0" hangingPunct="1">
+              <a:defRPr sz="1800" kern="1200">
+                <a:solidFill>
+                  <a:schemeClr val="tx1"/>
+                </a:solidFill>
+                <a:latin typeface="+mn-lt"/>
+                <a:ea typeface="+mn-ea"/>
+                <a:cs typeface="+mn-cs"/>
+              </a:defRPr>
+            </a:lvl9pPr>
+          </a:lstStyle>
+          <a:p>
+            <a:r>
+              <a:rPr lang="en-US" dirty="0"/>
+              <a:t>Lock </a:t>
+            </a:r>
+            <a:r>
+              <a:rPr lang="en-US" dirty="0" smtClean="0"/>
+              <a:t>Direction</a:t>
+            </a:r>
+            <a:endParaRPr lang="en-US" dirty="0"/>
+          </a:p>
+        </p:txBody>
+      </p:sp>
+      <p:grpSp>
+        <p:nvGrpSpPr>
+          <p:cNvPr id="44" name="组合 43"/>
+          <p:cNvGrpSpPr/>
+          <p:nvPr/>
+        </p:nvGrpSpPr>
+        <p:grpSpPr>
+          <a:xfrm>
+            <a:off x="5469937" y="5377799"/>
+            <a:ext cx="484715" cy="457696"/>
+            <a:chOff x="5472249" y="5454121"/>
+            <a:chExt cx="484715" cy="457696"/>
+          </a:xfrm>
+        </p:grpSpPr>
+        <p:cxnSp>
+          <p:nvCxnSpPr>
+            <p:cNvPr id="45" name="直接连接符 44"/>
+            <p:cNvCxnSpPr/>
+            <p:nvPr/>
+          </p:nvCxnSpPr>
+          <p:spPr>
+            <a:xfrm flipV="1">
+              <a:off x="5473179" y="5454121"/>
+              <a:ext cx="483785" cy="454705"/>
+            </a:xfrm>
+            <a:prstGeom prst="line">
+              <a:avLst/>
+            </a:prstGeom>
+            <a:ln w="19050">
+              <a:solidFill>
+                <a:schemeClr val="tx1"/>
+              </a:solidFill>
+              <a:prstDash val="sysDash"/>
+            </a:ln>
+          </p:spPr>
+          <p:style>
+            <a:lnRef idx="1">
+              <a:schemeClr val="accent1"/>
+            </a:lnRef>
+            <a:fillRef idx="0">
+              <a:schemeClr val="accent1"/>
+            </a:fillRef>
+            <a:effectRef idx="0">
+              <a:schemeClr val="accent1"/>
+            </a:effectRef>
+            <a:fontRef idx="minor">
+              <a:schemeClr val="tx1"/>
+            </a:fontRef>
+          </p:style>
+        </p:cxnSp>
+        <p:sp>
+          <p:nvSpPr>
+            <p:cNvPr id="46" name="椭圆 45"/>
+            <p:cNvSpPr/>
+            <p:nvPr/>
+          </p:nvSpPr>
+          <p:spPr>
+            <a:xfrm>
+              <a:off x="5472249" y="5700229"/>
+              <a:ext cx="211588" cy="211588"/>
+            </a:xfrm>
+            <a:prstGeom prst="ellipse">
+              <a:avLst/>
+            </a:prstGeom>
+            <a:solidFill>
+              <a:schemeClr val="accent6">
+                <a:lumMod val="60000"/>
+                <a:lumOff val="40000"/>
+              </a:schemeClr>
+            </a:solidFill>
+            <a:ln w="19050" cmpd="sng">
+              <a:solidFill>
+                <a:schemeClr val="tx1">
+                  <a:lumMod val="95000"/>
+                  <a:lumOff val="5000"/>
+                </a:schemeClr>
+              </a:solidFill>
+            </a:ln>
+          </p:spPr>
+          <p:style>
+            <a:lnRef idx="2">
+              <a:schemeClr val="accent1">
+                <a:shade val="50000"/>
+              </a:schemeClr>
+            </a:lnRef>
+            <a:fillRef idx="1">
+              <a:schemeClr val="accent1"/>
+            </a:fillRef>
+            <a:effectRef idx="0">
+              <a:schemeClr val="accent1"/>
+            </a:effectRef>
+            <a:fontRef idx="minor">
+              <a:schemeClr val="lt1"/>
+            </a:fontRef>
+          </p:style>
+          <p:txBody>
+            <a:bodyPr rtlCol="0" anchor="ctr"/>
+            <a:lstStyle>
+              <a:defPPr>
+                <a:defRPr lang="en-US"/>
+              </a:defPPr>
+              <a:lvl1pPr marL="0" algn="l" defTabSz="914400" rtl="0" eaLnBrk="1" latinLnBrk="0" hangingPunct="1">
+                <a:defRPr sz="1800" kern="1200">
+                  <a:solidFill>
+                    <a:schemeClr val="lt1"/>
+                  </a:solidFill>
+                  <a:latin typeface="+mn-lt"/>
+                  <a:ea typeface="+mn-ea"/>
+                  <a:cs typeface="+mn-cs"/>
+                </a:defRPr>
+              </a:lvl1pPr>
+              <a:lvl2pPr marL="457200" algn="l" defTabSz="914400" rtl="0" eaLnBrk="1" latinLnBrk="0" hangingPunct="1">
+                <a:defRPr sz="1800" kern="1200">
+                  <a:solidFill>
+                    <a:schemeClr val="lt1"/>
+                  </a:solidFill>
+                  <a:latin typeface="+mn-lt"/>
+                  <a:ea typeface="+mn-ea"/>
+                  <a:cs typeface="+mn-cs"/>
+                </a:defRPr>
+              </a:lvl2pPr>
+              <a:lvl3pPr marL="914400" algn="l" defTabSz="914400" rtl="0" eaLnBrk="1" latinLnBrk="0" hangingPunct="1">
+                <a:defRPr sz="1800" kern="1200">
+                  <a:solidFill>
+                    <a:schemeClr val="lt1"/>
+                  </a:solidFill>
+                  <a:latin typeface="+mn-lt"/>
+                  <a:ea typeface="+mn-ea"/>
+                  <a:cs typeface="+mn-cs"/>
+                </a:defRPr>
+              </a:lvl3pPr>
+              <a:lvl4pPr marL="1371600" algn="l" defTabSz="914400" rtl="0" eaLnBrk="1" latinLnBrk="0" hangingPunct="1">
+                <a:defRPr sz="1800" kern="1200">
+                  <a:solidFill>
+                    <a:schemeClr val="lt1"/>
+                  </a:solidFill>
+                  <a:latin typeface="+mn-lt"/>
+                  <a:ea typeface="+mn-ea"/>
+                  <a:cs typeface="+mn-cs"/>
+                </a:defRPr>
+              </a:lvl4pPr>
+              <a:lvl5pPr marL="1828800" algn="l" defTabSz="914400" rtl="0" eaLnBrk="1" latinLnBrk="0" hangingPunct="1">
+                <a:defRPr sz="1800" kern="1200">
+                  <a:solidFill>
+                    <a:schemeClr val="lt1"/>
+                  </a:solidFill>
+                  <a:latin typeface="+mn-lt"/>
+                  <a:ea typeface="+mn-ea"/>
+                  <a:cs typeface="+mn-cs"/>
+                </a:defRPr>
+              </a:lvl5pPr>
+              <a:lvl6pPr marL="2286000" algn="l" defTabSz="914400" rtl="0" eaLnBrk="1" latinLnBrk="0" hangingPunct="1">
+                <a:defRPr sz="1800" kern="1200">
+                  <a:solidFill>
+                    <a:schemeClr val="lt1"/>
+                  </a:solidFill>
+                  <a:latin typeface="+mn-lt"/>
+                  <a:ea typeface="+mn-ea"/>
+                  <a:cs typeface="+mn-cs"/>
+                </a:defRPr>
+              </a:lvl6pPr>
+              <a:lvl7pPr marL="2743200" algn="l" defTabSz="914400" rtl="0" eaLnBrk="1" latinLnBrk="0" hangingPunct="1">
+                <a:defRPr sz="1800" kern="1200">
+                  <a:solidFill>
+                    <a:schemeClr val="lt1"/>
+                  </a:solidFill>
+                  <a:latin typeface="+mn-lt"/>
+                  <a:ea typeface="+mn-ea"/>
+                  <a:cs typeface="+mn-cs"/>
+                </a:defRPr>
+              </a:lvl7pPr>
+              <a:lvl8pPr marL="3200400" algn="l" defTabSz="914400" rtl="0" eaLnBrk="1" latinLnBrk="0" hangingPunct="1">
+                <a:defRPr sz="1800" kern="1200">
+                  <a:solidFill>
+                    <a:schemeClr val="lt1"/>
+                  </a:solidFill>
+                  <a:latin typeface="+mn-lt"/>
+                  <a:ea typeface="+mn-ea"/>
+                  <a:cs typeface="+mn-cs"/>
+                </a:defRPr>
+              </a:lvl8pPr>
+              <a:lvl9pPr marL="3657600" algn="l" defTabSz="914400" rtl="0" eaLnBrk="1" latinLnBrk="0" hangingPunct="1">
+                <a:defRPr sz="1800" kern="1200">
+                  <a:solidFill>
+                    <a:schemeClr val="lt1"/>
+                  </a:solidFill>
+                  <a:latin typeface="+mn-lt"/>
+                  <a:ea typeface="+mn-ea"/>
+                  <a:cs typeface="+mn-cs"/>
+                </a:defRPr>
+              </a:lvl9pPr>
+            </a:lstStyle>
+            <a:p>
+              <a:pPr algn="ctr"/>
+              <a:endParaRPr lang="zh-CN" altLang="en-US"/>
+            </a:p>
+          </p:txBody>
+        </p:sp>
+        <p:sp>
+          <p:nvSpPr>
+            <p:cNvPr id="49" name="椭圆 48"/>
+            <p:cNvSpPr/>
+            <p:nvPr/>
+          </p:nvSpPr>
+          <p:spPr>
+            <a:xfrm>
+              <a:off x="5816841" y="5478917"/>
+              <a:ext cx="107453" cy="107453"/>
+            </a:xfrm>
+            <a:prstGeom prst="ellipse">
+              <a:avLst/>
+            </a:prstGeom>
+            <a:ln w="19050">
+              <a:solidFill>
+                <a:schemeClr val="tx1">
+                  <a:lumMod val="95000"/>
+                  <a:lumOff val="5000"/>
+                </a:schemeClr>
+              </a:solidFill>
+            </a:ln>
+          </p:spPr>
+          <p:style>
+            <a:lnRef idx="2">
+              <a:schemeClr val="accent1">
+                <a:shade val="50000"/>
+              </a:schemeClr>
+            </a:lnRef>
+            <a:fillRef idx="1">
+              <a:schemeClr val="accent1"/>
+            </a:fillRef>
+            <a:effectRef idx="0">
+              <a:schemeClr val="accent1"/>
+            </a:effectRef>
+            <a:fontRef idx="minor">
+              <a:schemeClr val="lt1"/>
+            </a:fontRef>
+          </p:style>
+          <p:txBody>
+            <a:bodyPr rtlCol="0" anchor="ctr"/>
+            <a:lstStyle>
+              <a:defPPr>
+                <a:defRPr lang="en-US"/>
+              </a:defPPr>
+              <a:lvl1pPr marL="0" algn="l" defTabSz="914400" rtl="0" eaLnBrk="1" latinLnBrk="0" hangingPunct="1">
+                <a:defRPr sz="1800" kern="1200">
+                  <a:solidFill>
+                    <a:schemeClr val="lt1"/>
+                  </a:solidFill>
+                  <a:latin typeface="+mn-lt"/>
+                  <a:ea typeface="+mn-ea"/>
+                  <a:cs typeface="+mn-cs"/>
+                </a:defRPr>
+              </a:lvl1pPr>
+              <a:lvl2pPr marL="457200" algn="l" defTabSz="914400" rtl="0" eaLnBrk="1" latinLnBrk="0" hangingPunct="1">
+                <a:defRPr sz="1800" kern="1200">
+                  <a:solidFill>
+                    <a:schemeClr val="lt1"/>
+                  </a:solidFill>
+                  <a:latin typeface="+mn-lt"/>
+                  <a:ea typeface="+mn-ea"/>
+                  <a:cs typeface="+mn-cs"/>
+                </a:defRPr>
+              </a:lvl2pPr>
+              <a:lvl3pPr marL="914400" algn="l" defTabSz="914400" rtl="0" eaLnBrk="1" latinLnBrk="0" hangingPunct="1">
+                <a:defRPr sz="1800" kern="1200">
+                  <a:solidFill>
+                    <a:schemeClr val="lt1"/>
+                  </a:solidFill>
+                  <a:latin typeface="+mn-lt"/>
+                  <a:ea typeface="+mn-ea"/>
+                  <a:cs typeface="+mn-cs"/>
+                </a:defRPr>
+              </a:lvl3pPr>
+              <a:lvl4pPr marL="1371600" algn="l" defTabSz="914400" rtl="0" eaLnBrk="1" latinLnBrk="0" hangingPunct="1">
+                <a:defRPr sz="1800" kern="1200">
+                  <a:solidFill>
+                    <a:schemeClr val="lt1"/>
+                  </a:solidFill>
+                  <a:latin typeface="+mn-lt"/>
+                  <a:ea typeface="+mn-ea"/>
+                  <a:cs typeface="+mn-cs"/>
+                </a:defRPr>
+              </a:lvl4pPr>
+              <a:lvl5pPr marL="1828800" algn="l" defTabSz="914400" rtl="0" eaLnBrk="1" latinLnBrk="0" hangingPunct="1">
+                <a:defRPr sz="1800" kern="1200">
+                  <a:solidFill>
+                    <a:schemeClr val="lt1"/>
+                  </a:solidFill>
+                  <a:latin typeface="+mn-lt"/>
+                  <a:ea typeface="+mn-ea"/>
+                  <a:cs typeface="+mn-cs"/>
+                </a:defRPr>
+              </a:lvl5pPr>
+              <a:lvl6pPr marL="2286000" algn="l" defTabSz="914400" rtl="0" eaLnBrk="1" latinLnBrk="0" hangingPunct="1">
+                <a:defRPr sz="1800" kern="1200">
+                  <a:solidFill>
+                    <a:schemeClr val="lt1"/>
+                  </a:solidFill>
+                  <a:latin typeface="+mn-lt"/>
+                  <a:ea typeface="+mn-ea"/>
+                  <a:cs typeface="+mn-cs"/>
+                </a:defRPr>
+              </a:lvl6pPr>
+              <a:lvl7pPr marL="2743200" algn="l" defTabSz="914400" rtl="0" eaLnBrk="1" latinLnBrk="0" hangingPunct="1">
+                <a:defRPr sz="1800" kern="1200">
+                  <a:solidFill>
+                    <a:schemeClr val="lt1"/>
+                  </a:solidFill>
+                  <a:latin typeface="+mn-lt"/>
+                  <a:ea typeface="+mn-ea"/>
+                  <a:cs typeface="+mn-cs"/>
+                </a:defRPr>
+              </a:lvl7pPr>
+              <a:lvl8pPr marL="3200400" algn="l" defTabSz="914400" rtl="0" eaLnBrk="1" latinLnBrk="0" hangingPunct="1">
+                <a:defRPr sz="1800" kern="1200">
+                  <a:solidFill>
+                    <a:schemeClr val="lt1"/>
+                  </a:solidFill>
+                  <a:latin typeface="+mn-lt"/>
+                  <a:ea typeface="+mn-ea"/>
+                  <a:cs typeface="+mn-cs"/>
+                </a:defRPr>
+              </a:lvl8pPr>
+              <a:lvl9pPr marL="3657600" algn="l" defTabSz="914400" rtl="0" eaLnBrk="1" latinLnBrk="0" hangingPunct="1">
+                <a:defRPr sz="1800" kern="1200">
+                  <a:solidFill>
+                    <a:schemeClr val="lt1"/>
+                  </a:solidFill>
+                  <a:latin typeface="+mn-lt"/>
+                  <a:ea typeface="+mn-ea"/>
+                  <a:cs typeface="+mn-cs"/>
+                </a:defRPr>
+              </a:lvl9pPr>
+            </a:lstStyle>
+            <a:p>
+              <a:pPr algn="ctr"/>
+              <a:endParaRPr lang="zh-CN" altLang="en-US"/>
+            </a:p>
+          </p:txBody>
+        </p:sp>
+        <p:sp>
+          <p:nvSpPr>
+            <p:cNvPr id="50" name="椭圆 49"/>
+            <p:cNvSpPr/>
+            <p:nvPr/>
+          </p:nvSpPr>
+          <p:spPr>
+            <a:xfrm>
+              <a:off x="5681065" y="5602449"/>
+              <a:ext cx="124915" cy="124915"/>
+            </a:xfrm>
+            <a:prstGeom prst="ellipse">
+              <a:avLst/>
+            </a:prstGeom>
+            <a:noFill/>
+            <a:ln w="19050">
+              <a:solidFill>
+                <a:schemeClr val="tx1">
+                  <a:lumMod val="95000"/>
+                  <a:lumOff val="5000"/>
+                </a:schemeClr>
+              </a:solidFill>
+              <a:prstDash val="sysDash"/>
+            </a:ln>
+          </p:spPr>
+          <p:style>
+            <a:lnRef idx="2">
+              <a:schemeClr val="accent1">
+                <a:shade val="50000"/>
+              </a:schemeClr>
+            </a:lnRef>
+            <a:fillRef idx="1">
+              <a:schemeClr val="accent1"/>
+            </a:fillRef>
+            <a:effectRef idx="0">
+              <a:schemeClr val="accent1"/>
+            </a:effectRef>
+            <a:fontRef idx="minor">
+              <a:schemeClr val="lt1"/>
+            </a:fontRef>
+          </p:style>
+          <p:txBody>
+            <a:bodyPr rtlCol="0" anchor="ctr"/>
+            <a:lstStyle>
+              <a:defPPr>
+                <a:defRPr lang="en-US"/>
+              </a:defPPr>
+              <a:lvl1pPr marL="0" algn="l" defTabSz="914400" rtl="0" eaLnBrk="1" latinLnBrk="0" hangingPunct="1">
+                <a:defRPr sz="1800" kern="1200">
+                  <a:solidFill>
+                    <a:schemeClr val="lt1"/>
+                  </a:solidFill>
+                  <a:latin typeface="+mn-lt"/>
+                  <a:ea typeface="+mn-ea"/>
+                  <a:cs typeface="+mn-cs"/>
+                </a:defRPr>
+              </a:lvl1pPr>
+              <a:lvl2pPr marL="457200" algn="l" defTabSz="914400" rtl="0" eaLnBrk="1" latinLnBrk="0" hangingPunct="1">
+                <a:defRPr sz="1800" kern="1200">
+                  <a:solidFill>
+                    <a:schemeClr val="lt1"/>
+                  </a:solidFill>
+                  <a:latin typeface="+mn-lt"/>
+                  <a:ea typeface="+mn-ea"/>
+                  <a:cs typeface="+mn-cs"/>
+                </a:defRPr>
+              </a:lvl2pPr>
+              <a:lvl3pPr marL="914400" algn="l" defTabSz="914400" rtl="0" eaLnBrk="1" latinLnBrk="0" hangingPunct="1">
+                <a:defRPr sz="1800" kern="1200">
+                  <a:solidFill>
+                    <a:schemeClr val="lt1"/>
+                  </a:solidFill>
+                  <a:latin typeface="+mn-lt"/>
+                  <a:ea typeface="+mn-ea"/>
+                  <a:cs typeface="+mn-cs"/>
+                </a:defRPr>
+              </a:lvl3pPr>
+              <a:lvl4pPr marL="1371600" algn="l" defTabSz="914400" rtl="0" eaLnBrk="1" latinLnBrk="0" hangingPunct="1">
+                <a:defRPr sz="1800" kern="1200">
+                  <a:solidFill>
+                    <a:schemeClr val="lt1"/>
+                  </a:solidFill>
+                  <a:latin typeface="+mn-lt"/>
+                  <a:ea typeface="+mn-ea"/>
+                  <a:cs typeface="+mn-cs"/>
+                </a:defRPr>
+              </a:lvl4pPr>
+              <a:lvl5pPr marL="1828800" algn="l" defTabSz="914400" rtl="0" eaLnBrk="1" latinLnBrk="0" hangingPunct="1">
+                <a:defRPr sz="1800" kern="1200">
+                  <a:solidFill>
+                    <a:schemeClr val="lt1"/>
+                  </a:solidFill>
+                  <a:latin typeface="+mn-lt"/>
+                  <a:ea typeface="+mn-ea"/>
+                  <a:cs typeface="+mn-cs"/>
+                </a:defRPr>
+              </a:lvl5pPr>
+              <a:lvl6pPr marL="2286000" algn="l" defTabSz="914400" rtl="0" eaLnBrk="1" latinLnBrk="0" hangingPunct="1">
+                <a:defRPr sz="1800" kern="1200">
+                  <a:solidFill>
+                    <a:schemeClr val="lt1"/>
+                  </a:solidFill>
+                  <a:latin typeface="+mn-lt"/>
+                  <a:ea typeface="+mn-ea"/>
+                  <a:cs typeface="+mn-cs"/>
+                </a:defRPr>
+              </a:lvl6pPr>
+              <a:lvl7pPr marL="2743200" algn="l" defTabSz="914400" rtl="0" eaLnBrk="1" latinLnBrk="0" hangingPunct="1">
+                <a:defRPr sz="1800" kern="1200">
+                  <a:solidFill>
+                    <a:schemeClr val="lt1"/>
+                  </a:solidFill>
+                  <a:latin typeface="+mn-lt"/>
+                  <a:ea typeface="+mn-ea"/>
+                  <a:cs typeface="+mn-cs"/>
+                </a:defRPr>
+              </a:lvl7pPr>
+              <a:lvl8pPr marL="3200400" algn="l" defTabSz="914400" rtl="0" eaLnBrk="1" latinLnBrk="0" hangingPunct="1">
+                <a:defRPr sz="1800" kern="1200">
+                  <a:solidFill>
+                    <a:schemeClr val="lt1"/>
+                  </a:solidFill>
+                  <a:latin typeface="+mn-lt"/>
+                  <a:ea typeface="+mn-ea"/>
+                  <a:cs typeface="+mn-cs"/>
+                </a:defRPr>
+              </a:lvl8pPr>
+              <a:lvl9pPr marL="3657600" algn="l" defTabSz="914400" rtl="0" eaLnBrk="1" latinLnBrk="0" hangingPunct="1">
+                <a:defRPr sz="1800" kern="1200">
+                  <a:solidFill>
+                    <a:schemeClr val="lt1"/>
+                  </a:solidFill>
+                  <a:latin typeface="+mn-lt"/>
+                  <a:ea typeface="+mn-ea"/>
+                  <a:cs typeface="+mn-cs"/>
+                </a:defRPr>
+              </a:lvl9pPr>
+            </a:lstStyle>
+            <a:p>
+              <a:pPr algn="ctr"/>
+              <a:endParaRPr lang="zh-CN" altLang="en-US"/>
             </a:p>
           </p:txBody>
         </p:sp>

--- a/doc/Icons-PositionsLab.pptx
+++ b/doc/Icons-PositionsLab.pptx
@@ -5,7 +5,7 @@
     <p:sldMasterId id="2147483648" r:id="rId1"/>
   </p:sldMasterIdLst>
   <p:notesMasterIdLst>
-    <p:notesMasterId r:id="rId8"/>
+    <p:notesMasterId r:id="rId9"/>
   </p:notesMasterIdLst>
   <p:sldIdLst>
     <p:sldId id="269" r:id="rId2"/>
@@ -14,6 +14,7 @@
     <p:sldId id="272" r:id="rId5"/>
     <p:sldId id="273" r:id="rId6"/>
     <p:sldId id="274" r:id="rId7"/>
+    <p:sldId id="275" r:id="rId8"/>
   </p:sldIdLst>
   <p:sldSz cx="9144000" cy="6858000" type="screen4x3"/>
   <p:notesSz cx="6858000" cy="9144000"/>
@@ -115,12 +116,17 @@
   <p:extLst>
     <p:ext uri="{EFAFB233-063F-42B5-8137-9DF3F51BA10A}">
       <p15:sldGuideLst xmlns:p15="http://schemas.microsoft.com/office/powerpoint/2012/main">
-        <p15:guide id="1" orient="horz" pos="2160">
+        <p15:guide id="1" orient="horz" pos="2184" userDrawn="1">
           <p15:clr>
             <a:srgbClr val="A4A3A4"/>
           </p15:clr>
         </p15:guide>
-        <p15:guide id="2" pos="2880">
+        <p15:guide id="2" pos="2280" userDrawn="1">
+          <p15:clr>
+            <a:srgbClr val="A4A3A4"/>
+          </p15:clr>
+        </p15:guide>
+        <p15:guide id="3" pos="2980" userDrawn="1">
           <p15:clr>
             <a:srgbClr val="A4A3A4"/>
           </p15:clr>
@@ -213,7 +219,7 @@
           <a:p>
             <a:fld id="{6699ACB9-486C-4D62-A3A7-AF98E13EFDA3}" type="datetimeFigureOut">
               <a:rPr lang="en-US" smtClean="0"/>
-              <a:t>8/23/2016</a:t>
+              <a:t>8/29/2016</a:t>
             </a:fld>
             <a:endParaRPr lang="en-US"/>
           </a:p>
@@ -660,7 +666,7 @@
             <a:fld id="{1D8BD707-D9CF-40AE-B4C6-C98DA3205C09}" type="datetimeFigureOut">
               <a:rPr lang="en-US" smtClean="0"/>
               <a:pPr/>
-              <a:t>8/23/2016</a:t>
+              <a:t>8/29/2016</a:t>
             </a:fld>
             <a:endParaRPr lang="en-US"/>
           </a:p>
@@ -825,7 +831,7 @@
             <a:fld id="{1D8BD707-D9CF-40AE-B4C6-C98DA3205C09}" type="datetimeFigureOut">
               <a:rPr lang="en-US" smtClean="0"/>
               <a:pPr/>
-              <a:t>8/23/2016</a:t>
+              <a:t>8/29/2016</a:t>
             </a:fld>
             <a:endParaRPr lang="en-US"/>
           </a:p>
@@ -1000,7 +1006,7 @@
             <a:fld id="{1D8BD707-D9CF-40AE-B4C6-C98DA3205C09}" type="datetimeFigureOut">
               <a:rPr lang="en-US" smtClean="0"/>
               <a:pPr/>
-              <a:t>8/23/2016</a:t>
+              <a:t>8/29/2016</a:t>
             </a:fld>
             <a:endParaRPr lang="en-US"/>
           </a:p>
@@ -1165,7 +1171,7 @@
             <a:fld id="{1D8BD707-D9CF-40AE-B4C6-C98DA3205C09}" type="datetimeFigureOut">
               <a:rPr lang="en-US" smtClean="0"/>
               <a:pPr/>
-              <a:t>8/23/2016</a:t>
+              <a:t>8/29/2016</a:t>
             </a:fld>
             <a:endParaRPr lang="en-US"/>
           </a:p>
@@ -1407,7 +1413,7 @@
             <a:fld id="{1D8BD707-D9CF-40AE-B4C6-C98DA3205C09}" type="datetimeFigureOut">
               <a:rPr lang="en-US" smtClean="0"/>
               <a:pPr/>
-              <a:t>8/23/2016</a:t>
+              <a:t>8/29/2016</a:t>
             </a:fld>
             <a:endParaRPr lang="en-US"/>
           </a:p>
@@ -1689,7 +1695,7 @@
             <a:fld id="{1D8BD707-D9CF-40AE-B4C6-C98DA3205C09}" type="datetimeFigureOut">
               <a:rPr lang="en-US" smtClean="0"/>
               <a:pPr/>
-              <a:t>8/23/2016</a:t>
+              <a:t>8/29/2016</a:t>
             </a:fld>
             <a:endParaRPr lang="en-US"/>
           </a:p>
@@ -2105,7 +2111,7 @@
             <a:fld id="{1D8BD707-D9CF-40AE-B4C6-C98DA3205C09}" type="datetimeFigureOut">
               <a:rPr lang="en-US" smtClean="0"/>
               <a:pPr/>
-              <a:t>8/23/2016</a:t>
+              <a:t>8/29/2016</a:t>
             </a:fld>
             <a:endParaRPr lang="en-US"/>
           </a:p>
@@ -2219,7 +2225,7 @@
             <a:fld id="{1D8BD707-D9CF-40AE-B4C6-C98DA3205C09}" type="datetimeFigureOut">
               <a:rPr lang="en-US" smtClean="0"/>
               <a:pPr/>
-              <a:t>8/23/2016</a:t>
+              <a:t>8/29/2016</a:t>
             </a:fld>
             <a:endParaRPr lang="en-US"/>
           </a:p>
@@ -2311,7 +2317,7 @@
             <a:fld id="{1D8BD707-D9CF-40AE-B4C6-C98DA3205C09}" type="datetimeFigureOut">
               <a:rPr lang="en-US" smtClean="0"/>
               <a:pPr/>
-              <a:t>8/23/2016</a:t>
+              <a:t>8/29/2016</a:t>
             </a:fld>
             <a:endParaRPr lang="en-US"/>
           </a:p>
@@ -2583,7 +2589,7 @@
             <a:fld id="{1D8BD707-D9CF-40AE-B4C6-C98DA3205C09}" type="datetimeFigureOut">
               <a:rPr lang="en-US" smtClean="0"/>
               <a:pPr/>
-              <a:t>8/23/2016</a:t>
+              <a:t>8/29/2016</a:t>
             </a:fld>
             <a:endParaRPr lang="en-US"/>
           </a:p>
@@ -2832,7 +2838,7 @@
             <a:fld id="{1D8BD707-D9CF-40AE-B4C6-C98DA3205C09}" type="datetimeFigureOut">
               <a:rPr lang="en-US" smtClean="0"/>
               <a:pPr/>
-              <a:t>8/23/2016</a:t>
+              <a:t>8/29/2016</a:t>
             </a:fld>
             <a:endParaRPr lang="en-US"/>
           </a:p>
@@ -2893,9 +2899,12 @@
 <p:sldMaster xmlns:a="http://schemas.openxmlformats.org/drawingml/2006/main" xmlns:r="http://schemas.openxmlformats.org/officeDocument/2006/relationships" xmlns:p="http://schemas.openxmlformats.org/presentationml/2006/main">
   <p:cSld>
     <p:bg>
-      <p:bgRef idx="1001">
-        <a:schemeClr val="bg1"/>
-      </p:bgRef>
+      <p:bgPr>
+        <a:solidFill>
+          <a:schemeClr val="bg1"/>
+        </a:solidFill>
+        <a:effectLst/>
+      </p:bgPr>
     </p:bg>
     <p:spTree>
       <p:nvGrpSpPr>
@@ -3040,7 +3049,7 @@
             <a:fld id="{1D8BD707-D9CF-40AE-B4C6-C98DA3205C09}" type="datetimeFigureOut">
               <a:rPr lang="en-US" smtClean="0"/>
               <a:pPr/>
-              <a:t>8/23/2016</a:t>
+              <a:t>8/29/2016</a:t>
             </a:fld>
             <a:endParaRPr lang="en-US"/>
           </a:p>
@@ -3397,16 +3406,6 @@
 <file path=ppt/slides/slide1.xml><?xml version="1.0" encoding="utf-8"?>
 <p:sld xmlns:a="http://schemas.openxmlformats.org/drawingml/2006/main" xmlns:r="http://schemas.openxmlformats.org/officeDocument/2006/relationships" xmlns:p="http://schemas.openxmlformats.org/presentationml/2006/main">
   <p:cSld>
-    <p:bg>
-      <p:bgPr>
-        <a:solidFill>
-          <a:schemeClr val="bg1">
-            <a:lumMod val="95000"/>
-          </a:schemeClr>
-        </a:solidFill>
-        <a:effectLst/>
-      </p:bgPr>
-    </p:bg>
     <p:spTree>
       <p:nvGrpSpPr>
         <p:cNvPr id="1" name=""/>
@@ -3714,9 +3713,39 @@
           </p:spPr>
         </p:pic>
       </p:grpSp>
+      <p:sp>
+        <p:nvSpPr>
+          <p:cNvPr id="4" name="TextBox 3"/>
+          <p:cNvSpPr txBox="1"/>
+          <p:nvPr/>
+        </p:nvSpPr>
+        <p:spPr>
+          <a:xfrm>
+            <a:off x="3243463" y="706170"/>
+            <a:ext cx="2657074" cy="707886"/>
+          </a:xfrm>
+          <a:prstGeom prst="rect">
+            <a:avLst/>
+          </a:prstGeom>
+          <a:noFill/>
+        </p:spPr>
+        <p:txBody>
+          <a:bodyPr wrap="none" rtlCol="0">
+            <a:spAutoFit/>
+          </a:bodyPr>
+          <a:lstStyle/>
+          <a:p>
+            <a:pPr algn="ctr"/>
+            <a:r>
+              <a:rPr lang="en-US" sz="4000" dirty="0"/>
+              <a:t>Ribbon Icon</a:t>
+            </a:r>
+          </a:p>
+        </p:txBody>
+      </p:sp>
       <p:grpSp>
         <p:nvGrpSpPr>
-          <p:cNvPr id="2" name="Group 1"/>
+          <p:cNvPr id="16" name="Group 15"/>
           <p:cNvGrpSpPr/>
           <p:nvPr/>
         </p:nvGrpSpPr>
@@ -3730,7 +3759,7 @@
         </p:grpSpPr>
         <p:grpSp>
           <p:nvGrpSpPr>
-            <p:cNvPr id="7" name="Group 6"/>
+            <p:cNvPr id="17" name="Group 16"/>
             <p:cNvGrpSpPr>
               <a:grpSpLocks/>
             </p:cNvGrpSpPr>
@@ -3746,7 +3775,7 @@
           </p:grpSpPr>
           <p:sp>
             <p:nvSpPr>
-              <p:cNvPr id="8" name="Rectangle 7"/>
+              <p:cNvPr id="21" name="Rectangle 20"/>
               <p:cNvSpPr/>
               <p:nvPr/>
             </p:nvSpPr>
@@ -3790,7 +3819,7 @@
           </p:sp>
           <p:sp>
             <p:nvSpPr>
-              <p:cNvPr id="9" name="Rectangle 4"/>
+              <p:cNvPr id="22" name="Rectangle 4"/>
               <p:cNvSpPr/>
               <p:nvPr/>
             </p:nvSpPr>
@@ -3884,7 +3913,7 @@
         </p:grpSp>
         <p:sp>
           <p:nvSpPr>
-            <p:cNvPr id="10" name="Rectangle 7"/>
+            <p:cNvPr id="18" name="Rectangle 7"/>
             <p:cNvSpPr>
               <a:spLocks/>
             </p:cNvSpPr>
@@ -3934,7 +3963,7 @@
         </p:sp>
         <p:sp>
           <p:nvSpPr>
-            <p:cNvPr id="11" name="Rectangle 7"/>
+            <p:cNvPr id="19" name="Rectangle 7"/>
             <p:cNvSpPr>
               <a:spLocks/>
             </p:cNvSpPr>
@@ -3984,7 +4013,7 @@
         </p:sp>
         <p:cxnSp>
           <p:nvCxnSpPr>
-            <p:cNvPr id="12" name="Straight Connector 11"/>
+            <p:cNvPr id="20" name="Straight Connector 19"/>
             <p:cNvCxnSpPr/>
             <p:nvPr/>
           </p:nvCxnSpPr>
@@ -3996,7 +4025,7 @@
             <a:prstGeom prst="line">
               <a:avLst/>
             </a:prstGeom>
-            <a:ln w="9525">
+            <a:ln w="22225">
               <a:solidFill>
                 <a:srgbClr val="0070C0"/>
               </a:solidFill>
@@ -4018,36 +4047,6 @@
           </p:style>
         </p:cxnSp>
       </p:grpSp>
-      <p:sp>
-        <p:nvSpPr>
-          <p:cNvPr id="4" name="TextBox 3"/>
-          <p:cNvSpPr txBox="1"/>
-          <p:nvPr/>
-        </p:nvSpPr>
-        <p:spPr>
-          <a:xfrm>
-            <a:off x="3243463" y="706170"/>
-            <a:ext cx="2657074" cy="707886"/>
-          </a:xfrm>
-          <a:prstGeom prst="rect">
-            <a:avLst/>
-          </a:prstGeom>
-          <a:noFill/>
-        </p:spPr>
-        <p:txBody>
-          <a:bodyPr wrap="none" rtlCol="0">
-            <a:spAutoFit/>
-          </a:bodyPr>
-          <a:lstStyle/>
-          <a:p>
-            <a:pPr algn="ctr"/>
-            <a:r>
-              <a:rPr lang="en-US" sz="4000" dirty="0"/>
-              <a:t>Ribbon Icon</a:t>
-            </a:r>
-          </a:p>
-        </p:txBody>
-      </p:sp>
     </p:spTree>
     <p:extLst>
       <p:ext uri="{BB962C8B-B14F-4D97-AF65-F5344CB8AC3E}">
@@ -4058,22 +4057,19 @@
   <p:clrMapOvr>
     <a:masterClrMapping/>
   </p:clrMapOvr>
+  <p:timing>
+    <p:tnLst>
+      <p:par>
+        <p:cTn id="1" dur="indefinite" restart="never" nodeType="tmRoot"/>
+      </p:par>
+    </p:tnLst>
+  </p:timing>
 </p:sld>
 </file>
 
 <file path=ppt/slides/slide2.xml><?xml version="1.0" encoding="utf-8"?>
 <p:sld xmlns:a="http://schemas.openxmlformats.org/drawingml/2006/main" xmlns:r="http://schemas.openxmlformats.org/officeDocument/2006/relationships" xmlns:p="http://schemas.openxmlformats.org/presentationml/2006/main">
   <p:cSld>
-    <p:bg>
-      <p:bgPr>
-        <a:solidFill>
-          <a:schemeClr val="bg1">
-            <a:lumMod val="95000"/>
-          </a:schemeClr>
-        </a:solidFill>
-        <a:effectLst/>
-      </p:bgPr>
-    </p:bg>
     <p:spTree>
       <p:nvGrpSpPr>
         <p:cNvPr id="1" name=""/>
@@ -4120,7 +4116,7 @@
       </p:sp>
       <p:grpSp>
         <p:nvGrpSpPr>
-          <p:cNvPr id="3" name="Group 2"/>
+          <p:cNvPr id="2" name="Group 1"/>
           <p:cNvGrpSpPr/>
           <p:nvPr/>
         </p:nvGrpSpPr>
@@ -4146,7 +4142,7 @@
             <a:prstGeom prst="line">
               <a:avLst/>
             </a:prstGeom>
-            <a:ln w="19050">
+            <a:ln w="25400">
               <a:solidFill>
                 <a:schemeClr val="tx1"/>
               </a:solidFill>
@@ -4182,7 +4178,7 @@
               <a:avLst/>
             </a:prstGeom>
             <a:solidFill>
-              <a:srgbClr val="E46B09"/>
+              <a:srgbClr val="EFA66B"/>
             </a:solidFill>
             <a:ln w="12700">
               <a:solidFill>
@@ -4277,11 +4273,12 @@
             <a:prstGeom prst="straightConnector1">
               <a:avLst/>
             </a:prstGeom>
-            <a:ln>
-              <a:solidFill>
-                <a:srgbClr val="0071C2"/>
-              </a:solidFill>
-              <a:tailEnd type="triangle"/>
+            <a:ln w="22225">
+              <a:solidFill>
+                <a:srgbClr val="0070C0"/>
+              </a:solidFill>
+              <a:headEnd w="med" len="sm"/>
+              <a:tailEnd type="triangle" w="med" len="med"/>
             </a:ln>
           </p:spPr>
           <p:style>
@@ -4422,7 +4419,7 @@
       </p:sp>
       <p:grpSp>
         <p:nvGrpSpPr>
-          <p:cNvPr id="6" name="Group 5"/>
+          <p:cNvPr id="17" name="Group 16"/>
           <p:cNvGrpSpPr/>
           <p:nvPr/>
         </p:nvGrpSpPr>
@@ -4448,7 +4445,7 @@
             <a:prstGeom prst="line">
               <a:avLst/>
             </a:prstGeom>
-            <a:ln w="19050">
+            <a:ln w="25400">
               <a:solidFill>
                 <a:schemeClr val="tx1"/>
               </a:solidFill>
@@ -4484,7 +4481,7 @@
               <a:avLst/>
             </a:prstGeom>
             <a:solidFill>
-              <a:srgbClr val="E46B09"/>
+              <a:srgbClr val="EFA66B"/>
             </a:solidFill>
             <a:ln w="12700">
               <a:solidFill>
@@ -4579,11 +4576,12 @@
             <a:prstGeom prst="straightConnector1">
               <a:avLst/>
             </a:prstGeom>
-            <a:ln>
-              <a:solidFill>
-                <a:srgbClr val="0071C2"/>
-              </a:solidFill>
-              <a:tailEnd type="triangle"/>
+            <a:ln w="22225">
+              <a:solidFill>
+                <a:srgbClr val="0070C0"/>
+              </a:solidFill>
+              <a:headEnd w="med" len="sm"/>
+              <a:tailEnd type="triangle" w="med" len="med"/>
             </a:ln>
           </p:spPr>
           <p:style>
@@ -4604,7 +4602,7 @@
       </p:grpSp>
       <p:grpSp>
         <p:nvGrpSpPr>
-          <p:cNvPr id="9" name="Group 8"/>
+          <p:cNvPr id="18" name="Group 17"/>
           <p:cNvGrpSpPr/>
           <p:nvPr/>
         </p:nvGrpSpPr>
@@ -4630,7 +4628,7 @@
             <a:prstGeom prst="line">
               <a:avLst/>
             </a:prstGeom>
-            <a:ln w="19050">
+            <a:ln w="25400">
               <a:solidFill>
                 <a:schemeClr val="tx1"/>
               </a:solidFill>
@@ -4666,7 +4664,7 @@
               <a:avLst/>
             </a:prstGeom>
             <a:solidFill>
-              <a:srgbClr val="E46B09"/>
+              <a:srgbClr val="EFA66B"/>
             </a:solidFill>
             <a:ln w="12700">
               <a:solidFill>
@@ -4761,11 +4759,12 @@
             <a:prstGeom prst="straightConnector1">
               <a:avLst/>
             </a:prstGeom>
-            <a:ln>
-              <a:solidFill>
-                <a:srgbClr val="0071C2"/>
-              </a:solidFill>
-              <a:tailEnd type="triangle"/>
+            <a:ln w="22225">
+              <a:solidFill>
+                <a:srgbClr val="0070C0"/>
+              </a:solidFill>
+              <a:headEnd w="med" len="sm"/>
+              <a:tailEnd type="triangle" w="med" len="med"/>
             </a:ln>
           </p:spPr>
           <p:style>
@@ -4786,7 +4785,7 @@
       </p:grpSp>
       <p:grpSp>
         <p:nvGrpSpPr>
-          <p:cNvPr id="11" name="Group 10"/>
+          <p:cNvPr id="19" name="Group 18"/>
           <p:cNvGrpSpPr/>
           <p:nvPr/>
         </p:nvGrpSpPr>
@@ -4812,7 +4811,7 @@
             <a:prstGeom prst="line">
               <a:avLst/>
             </a:prstGeom>
-            <a:ln w="19050">
+            <a:ln w="25400">
               <a:solidFill>
                 <a:schemeClr val="tx1"/>
               </a:solidFill>
@@ -4848,7 +4847,7 @@
               <a:avLst/>
             </a:prstGeom>
             <a:solidFill>
-              <a:srgbClr val="E46B09"/>
+              <a:srgbClr val="EFA66B"/>
             </a:solidFill>
             <a:ln w="12700">
               <a:solidFill>
@@ -4943,11 +4942,12 @@
             <a:prstGeom prst="straightConnector1">
               <a:avLst/>
             </a:prstGeom>
-            <a:ln>
-              <a:solidFill>
-                <a:srgbClr val="0071C2"/>
-              </a:solidFill>
-              <a:tailEnd type="triangle"/>
+            <a:ln w="22225">
+              <a:solidFill>
+                <a:srgbClr val="0070C0"/>
+              </a:solidFill>
+              <a:headEnd w="med" len="sm"/>
+              <a:tailEnd type="triangle" w="med" len="med"/>
             </a:ln>
           </p:spPr>
           <p:style>
@@ -5057,7 +5057,7 @@
       </p:sp>
       <p:grpSp>
         <p:nvGrpSpPr>
-          <p:cNvPr id="15" name="Group 14"/>
+          <p:cNvPr id="21" name="Group 20"/>
           <p:cNvGrpSpPr/>
           <p:nvPr/>
         </p:nvGrpSpPr>
@@ -5083,7 +5083,7 @@
             <a:prstGeom prst="line">
               <a:avLst/>
             </a:prstGeom>
-            <a:ln w="19050">
+            <a:ln w="25400">
               <a:solidFill>
                 <a:schemeClr val="tx1"/>
               </a:solidFill>
@@ -5119,7 +5119,7 @@
               <a:avLst/>
             </a:prstGeom>
             <a:solidFill>
-              <a:srgbClr val="E46B09"/>
+              <a:srgbClr val="EFA66B"/>
             </a:solidFill>
             <a:ln w="12700">
               <a:solidFill>
@@ -5203,7 +5203,7 @@
       </p:grpSp>
       <p:grpSp>
         <p:nvGrpSpPr>
-          <p:cNvPr id="16" name="Group 15"/>
+          <p:cNvPr id="22" name="Group 21"/>
           <p:cNvGrpSpPr/>
           <p:nvPr/>
         </p:nvGrpSpPr>
@@ -5229,7 +5229,7 @@
             <a:prstGeom prst="line">
               <a:avLst/>
             </a:prstGeom>
-            <a:ln w="19050">
+            <a:ln w="25400">
               <a:solidFill>
                 <a:schemeClr val="tx1"/>
               </a:solidFill>
@@ -5265,7 +5265,7 @@
               <a:avLst/>
             </a:prstGeom>
             <a:solidFill>
-              <a:srgbClr val="E46B09"/>
+              <a:srgbClr val="EFA66B"/>
             </a:solidFill>
             <a:ln w="12700">
               <a:solidFill>
@@ -5349,7 +5349,7 @@
       </p:grpSp>
       <p:grpSp>
         <p:nvGrpSpPr>
-          <p:cNvPr id="17" name="Group 16"/>
+          <p:cNvPr id="23" name="Group 22"/>
           <p:cNvGrpSpPr/>
           <p:nvPr/>
         </p:nvGrpSpPr>
@@ -5439,8 +5439,8 @@
           </p:nvSpPr>
           <p:spPr>
             <a:xfrm>
-              <a:off x="5180669" y="5764106"/>
-              <a:ext cx="476248" cy="209011"/>
+              <a:off x="5206069" y="5764106"/>
+              <a:ext cx="425448" cy="209011"/>
             </a:xfrm>
             <a:prstGeom prst="rect">
               <a:avLst/>
@@ -5487,14 +5487,14 @@
           </p:nvSpPr>
           <p:spPr>
             <a:xfrm>
-              <a:off x="5246604" y="5797922"/>
-              <a:ext cx="339617" cy="135363"/>
+              <a:off x="5272004" y="5797922"/>
+              <a:ext cx="288817" cy="135363"/>
             </a:xfrm>
             <a:prstGeom prst="rect">
               <a:avLst/>
             </a:prstGeom>
             <a:solidFill>
-              <a:srgbClr val="E46B09"/>
+              <a:srgbClr val="EFA66B"/>
             </a:solidFill>
             <a:ln w="12700">
               <a:solidFill>
@@ -5527,6 +5527,415 @@
             </a:p>
           </p:txBody>
         </p:sp>
+      </p:grpSp>
+      <p:sp>
+        <p:nvSpPr>
+          <p:cNvPr id="44" name="TextBox 43"/>
+          <p:cNvSpPr txBox="1">
+            <a:spLocks/>
+          </p:cNvSpPr>
+          <p:nvPr/>
+        </p:nvSpPr>
+        <p:spPr>
+          <a:xfrm>
+            <a:off x="7164217" y="4500700"/>
+            <a:ext cx="758541" cy="369332"/>
+          </a:xfrm>
+          <a:prstGeom prst="rect">
+            <a:avLst/>
+          </a:prstGeom>
+          <a:noFill/>
+        </p:spPr>
+        <p:txBody>
+          <a:bodyPr wrap="none" rtlCol="0">
+            <a:spAutoFit/>
+          </a:bodyPr>
+          <a:lstStyle/>
+          <a:p>
+            <a:r>
+              <a:rPr lang="en-US" dirty="0" smtClean="0"/>
+              <a:t>Radial</a:t>
+            </a:r>
+            <a:endParaRPr lang="en-US" dirty="0"/>
+          </a:p>
+        </p:txBody>
+      </p:sp>
+      <p:grpSp>
+        <p:nvGrpSpPr>
+          <p:cNvPr id="24" name="Group 23"/>
+          <p:cNvGrpSpPr/>
+          <p:nvPr/>
+        </p:nvGrpSpPr>
+        <p:grpSpPr>
+          <a:xfrm>
+            <a:off x="7223325" y="5522063"/>
+            <a:ext cx="726284" cy="677557"/>
+            <a:chOff x="7223325" y="5522063"/>
+            <a:chExt cx="726284" cy="677557"/>
+          </a:xfrm>
+        </p:grpSpPr>
+        <p:sp>
+          <p:nvSpPr>
+            <p:cNvPr id="61" name="Arc 60"/>
+            <p:cNvSpPr>
+              <a:spLocks noChangeAspect="1"/>
+            </p:cNvSpPr>
+            <p:nvPr/>
+          </p:nvSpPr>
+          <p:spPr>
+            <a:xfrm>
+              <a:off x="7223325" y="5522063"/>
+              <a:ext cx="677557" cy="677557"/>
+            </a:xfrm>
+            <a:prstGeom prst="arc">
+              <a:avLst>
+                <a:gd name="adj1" fmla="val 17926607"/>
+                <a:gd name="adj2" fmla="val 3692710"/>
+              </a:avLst>
+            </a:prstGeom>
+            <a:ln w="25400">
+              <a:solidFill>
+                <a:schemeClr val="tx1"/>
+              </a:solidFill>
+              <a:prstDash val="solid"/>
+              <a:headEnd type="none" w="med" len="med"/>
+              <a:tailEnd type="none" w="med" len="med"/>
+            </a:ln>
+          </p:spPr>
+          <p:style>
+            <a:lnRef idx="1">
+              <a:schemeClr val="accent1"/>
+            </a:lnRef>
+            <a:fillRef idx="0">
+              <a:schemeClr val="accent1"/>
+            </a:fillRef>
+            <a:effectRef idx="0">
+              <a:schemeClr val="accent1"/>
+            </a:effectRef>
+            <a:fontRef idx="minor">
+              <a:schemeClr val="tx1"/>
+            </a:fontRef>
+          </p:style>
+          <p:txBody>
+            <a:bodyPr rtlCol="0" anchor="ctr"/>
+            <a:lstStyle/>
+            <a:p>
+              <a:pPr algn="ctr"/>
+              <a:endParaRPr lang="en-US"/>
+            </a:p>
+          </p:txBody>
+        </p:sp>
+        <p:cxnSp>
+          <p:nvCxnSpPr>
+            <p:cNvPr id="56" name="Straight Connector 55"/>
+            <p:cNvCxnSpPr/>
+            <p:nvPr/>
+          </p:nvCxnSpPr>
+          <p:spPr>
+            <a:xfrm flipV="1">
+              <a:off x="7642026" y="5682971"/>
+              <a:ext cx="106248" cy="103252"/>
+            </a:xfrm>
+            <a:prstGeom prst="line">
+              <a:avLst/>
+            </a:prstGeom>
+            <a:ln w="19050" cap="flat">
+              <a:solidFill>
+                <a:srgbClr val="0070C0"/>
+              </a:solidFill>
+              <a:prstDash val="solid"/>
+              <a:round/>
+              <a:headEnd type="triangle" w="med" len="sm"/>
+              <a:tailEnd type="triangle" w="med" len="sm"/>
+            </a:ln>
+          </p:spPr>
+          <p:style>
+            <a:lnRef idx="1">
+              <a:schemeClr val="accent1"/>
+            </a:lnRef>
+            <a:fillRef idx="0">
+              <a:schemeClr val="accent1"/>
+            </a:fillRef>
+            <a:effectRef idx="0">
+              <a:schemeClr val="accent1"/>
+            </a:effectRef>
+            <a:fontRef idx="minor">
+              <a:schemeClr val="tx1"/>
+            </a:fontRef>
+          </p:style>
+        </p:cxnSp>
+        <p:sp>
+          <p:nvSpPr>
+            <p:cNvPr id="57" name="Oval 56"/>
+            <p:cNvSpPr/>
+            <p:nvPr/>
+          </p:nvSpPr>
+          <p:spPr>
+            <a:xfrm>
+              <a:off x="7471617" y="5771630"/>
+              <a:ext cx="180975" cy="180975"/>
+            </a:xfrm>
+            <a:prstGeom prst="ellipse">
+              <a:avLst/>
+            </a:prstGeom>
+            <a:solidFill>
+              <a:srgbClr val="EFA66B"/>
+            </a:solidFill>
+            <a:ln w="12700">
+              <a:solidFill>
+                <a:schemeClr val="tx1"/>
+              </a:solidFill>
+            </a:ln>
+          </p:spPr>
+          <p:style>
+            <a:lnRef idx="2">
+              <a:schemeClr val="accent1">
+                <a:shade val="50000"/>
+              </a:schemeClr>
+            </a:lnRef>
+            <a:fillRef idx="1">
+              <a:schemeClr val="accent1"/>
+            </a:fillRef>
+            <a:effectRef idx="0">
+              <a:schemeClr val="accent1"/>
+            </a:effectRef>
+            <a:fontRef idx="minor">
+              <a:schemeClr val="lt1"/>
+            </a:fontRef>
+          </p:style>
+          <p:txBody>
+            <a:bodyPr rtlCol="0" anchor="ctr"/>
+            <a:lstStyle/>
+            <a:p>
+              <a:pPr algn="ctr"/>
+              <a:endParaRPr lang="en-US"/>
+            </a:p>
+          </p:txBody>
+        </p:sp>
+        <p:sp>
+          <p:nvSpPr>
+            <p:cNvPr id="58" name="Oval 57"/>
+            <p:cNvSpPr/>
+            <p:nvPr/>
+          </p:nvSpPr>
+          <p:spPr>
+            <a:xfrm>
+              <a:off x="7737660" y="5565026"/>
+              <a:ext cx="121956" cy="121956"/>
+            </a:xfrm>
+            <a:prstGeom prst="ellipse">
+              <a:avLst/>
+            </a:prstGeom>
+            <a:solidFill>
+              <a:schemeClr val="bg1">
+                <a:lumMod val="65000"/>
+              </a:schemeClr>
+            </a:solidFill>
+            <a:ln w="12700">
+              <a:solidFill>
+                <a:schemeClr val="tx1"/>
+              </a:solidFill>
+            </a:ln>
+          </p:spPr>
+          <p:style>
+            <a:lnRef idx="2">
+              <a:schemeClr val="accent1">
+                <a:shade val="50000"/>
+              </a:schemeClr>
+            </a:lnRef>
+            <a:fillRef idx="1">
+              <a:schemeClr val="accent1"/>
+            </a:fillRef>
+            <a:effectRef idx="0">
+              <a:schemeClr val="accent1"/>
+            </a:effectRef>
+            <a:fontRef idx="minor">
+              <a:schemeClr val="lt1"/>
+            </a:fontRef>
+          </p:style>
+          <p:txBody>
+            <a:bodyPr rtlCol="0" anchor="ctr"/>
+            <a:lstStyle/>
+            <a:p>
+              <a:pPr algn="ctr"/>
+              <a:endParaRPr lang="en-US"/>
+            </a:p>
+          </p:txBody>
+        </p:sp>
+        <p:sp>
+          <p:nvSpPr>
+            <p:cNvPr id="59" name="Oval 58"/>
+            <p:cNvSpPr/>
+            <p:nvPr/>
+          </p:nvSpPr>
+          <p:spPr>
+            <a:xfrm>
+              <a:off x="7827653" y="5729862"/>
+              <a:ext cx="121956" cy="121956"/>
+            </a:xfrm>
+            <a:prstGeom prst="ellipse">
+              <a:avLst/>
+            </a:prstGeom>
+            <a:solidFill>
+              <a:schemeClr val="bg1"/>
+            </a:solidFill>
+            <a:ln w="12700">
+              <a:solidFill>
+                <a:schemeClr val="tx1"/>
+              </a:solidFill>
+            </a:ln>
+          </p:spPr>
+          <p:style>
+            <a:lnRef idx="2">
+              <a:schemeClr val="accent1">
+                <a:shade val="50000"/>
+              </a:schemeClr>
+            </a:lnRef>
+            <a:fillRef idx="1">
+              <a:schemeClr val="accent1"/>
+            </a:fillRef>
+            <a:effectRef idx="0">
+              <a:schemeClr val="accent1"/>
+            </a:effectRef>
+            <a:fontRef idx="minor">
+              <a:schemeClr val="lt1"/>
+            </a:fontRef>
+          </p:style>
+          <p:txBody>
+            <a:bodyPr rtlCol="0" anchor="ctr"/>
+            <a:lstStyle/>
+            <a:p>
+              <a:pPr algn="ctr"/>
+              <a:endParaRPr lang="en-US"/>
+            </a:p>
+          </p:txBody>
+        </p:sp>
+        <p:sp>
+          <p:nvSpPr>
+            <p:cNvPr id="60" name="Oval 59"/>
+            <p:cNvSpPr/>
+            <p:nvPr/>
+          </p:nvSpPr>
+          <p:spPr>
+            <a:xfrm>
+              <a:off x="7744263" y="6030448"/>
+              <a:ext cx="121956" cy="121956"/>
+            </a:xfrm>
+            <a:prstGeom prst="ellipse">
+              <a:avLst/>
+            </a:prstGeom>
+            <a:solidFill>
+              <a:schemeClr val="bg1"/>
+            </a:solidFill>
+            <a:ln w="12700">
+              <a:solidFill>
+                <a:schemeClr val="tx1"/>
+              </a:solidFill>
+            </a:ln>
+          </p:spPr>
+          <p:style>
+            <a:lnRef idx="2">
+              <a:schemeClr val="accent1">
+                <a:shade val="50000"/>
+              </a:schemeClr>
+            </a:lnRef>
+            <a:fillRef idx="1">
+              <a:schemeClr val="accent1"/>
+            </a:fillRef>
+            <a:effectRef idx="0">
+              <a:schemeClr val="accent1"/>
+            </a:effectRef>
+            <a:fontRef idx="minor">
+              <a:schemeClr val="lt1"/>
+            </a:fontRef>
+          </p:style>
+          <p:txBody>
+            <a:bodyPr rtlCol="0" anchor="ctr"/>
+            <a:lstStyle/>
+            <a:p>
+              <a:pPr algn="ctr"/>
+              <a:endParaRPr lang="en-US"/>
+            </a:p>
+          </p:txBody>
+        </p:sp>
+        <p:cxnSp>
+          <p:nvCxnSpPr>
+            <p:cNvPr id="122" name="Straight Connector 121"/>
+            <p:cNvCxnSpPr/>
+            <p:nvPr/>
+          </p:nvCxnSpPr>
+          <p:spPr>
+            <a:xfrm rot="2021602" flipV="1">
+              <a:off x="7690752" y="5775013"/>
+              <a:ext cx="106248" cy="103252"/>
+            </a:xfrm>
+            <a:prstGeom prst="line">
+              <a:avLst/>
+            </a:prstGeom>
+            <a:ln w="19050" cap="flat">
+              <a:solidFill>
+                <a:srgbClr val="0070C0"/>
+              </a:solidFill>
+              <a:prstDash val="solid"/>
+              <a:round/>
+              <a:headEnd type="triangle" w="med" len="sm"/>
+              <a:tailEnd type="triangle" w="med" len="sm"/>
+            </a:ln>
+          </p:spPr>
+          <p:style>
+            <a:lnRef idx="1">
+              <a:schemeClr val="accent1"/>
+            </a:lnRef>
+            <a:fillRef idx="0">
+              <a:schemeClr val="accent1"/>
+            </a:fillRef>
+            <a:effectRef idx="0">
+              <a:schemeClr val="accent1"/>
+            </a:effectRef>
+            <a:fontRef idx="minor">
+              <a:schemeClr val="tx1"/>
+            </a:fontRef>
+          </p:style>
+        </p:cxnSp>
+        <p:cxnSp>
+          <p:nvCxnSpPr>
+            <p:cNvPr id="123" name="Straight Connector 122"/>
+            <p:cNvCxnSpPr/>
+            <p:nvPr/>
+          </p:nvCxnSpPr>
+          <p:spPr>
+            <a:xfrm rot="5313354" flipV="1">
+              <a:off x="7645472" y="5940134"/>
+              <a:ext cx="106248" cy="103252"/>
+            </a:xfrm>
+            <a:prstGeom prst="line">
+              <a:avLst/>
+            </a:prstGeom>
+            <a:ln w="19050" cap="flat">
+              <a:solidFill>
+                <a:srgbClr val="0070C0"/>
+              </a:solidFill>
+              <a:prstDash val="solid"/>
+              <a:round/>
+              <a:headEnd type="triangle" w="med" len="sm"/>
+              <a:tailEnd type="triangle" w="med" len="sm"/>
+            </a:ln>
+          </p:spPr>
+          <p:style>
+            <a:lnRef idx="1">
+              <a:schemeClr val="accent1"/>
+            </a:lnRef>
+            <a:fillRef idx="0">
+              <a:schemeClr val="accent1"/>
+            </a:fillRef>
+            <a:effectRef idx="0">
+              <a:schemeClr val="accent1"/>
+            </a:effectRef>
+            <a:fontRef idx="minor">
+              <a:schemeClr val="tx1"/>
+            </a:fontRef>
+          </p:style>
+        </p:cxnSp>
       </p:grpSp>
     </p:spTree>
     <p:extLst>
@@ -5538,22 +5947,19 @@
   <p:clrMapOvr>
     <a:masterClrMapping/>
   </p:clrMapOvr>
+  <p:timing>
+    <p:tnLst>
+      <p:par>
+        <p:cTn id="1" dur="indefinite" restart="never" nodeType="tmRoot"/>
+      </p:par>
+    </p:tnLst>
+  </p:timing>
 </p:sld>
 </file>
 
 <file path=ppt/slides/slide3.xml><?xml version="1.0" encoding="utf-8"?>
 <p:sld xmlns:a="http://schemas.openxmlformats.org/drawingml/2006/main" xmlns:r="http://schemas.openxmlformats.org/officeDocument/2006/relationships" xmlns:p="http://schemas.openxmlformats.org/presentationml/2006/main">
   <p:cSld>
-    <p:bg>
-      <p:bgPr>
-        <a:solidFill>
-          <a:schemeClr val="bg1">
-            <a:lumMod val="95000"/>
-          </a:schemeClr>
-        </a:solidFill>
-        <a:effectLst/>
-      </p:bgPr>
-    </p:bg>
     <p:spTree>
       <p:nvGrpSpPr>
         <p:cNvPr id="1" name=""/>
@@ -5600,7 +6006,7 @@
       </p:sp>
       <p:grpSp>
         <p:nvGrpSpPr>
-          <p:cNvPr id="7" name="Group 6"/>
+          <p:cNvPr id="2" name="Group 1"/>
           <p:cNvGrpSpPr/>
           <p:nvPr/>
         </p:nvGrpSpPr>
@@ -5608,7 +6014,7 @@
           <a:xfrm>
             <a:off x="1021123" y="5055617"/>
             <a:ext cx="380270" cy="476250"/>
-            <a:chOff x="3888581" y="3153770"/>
+            <a:chOff x="1021123" y="5055617"/>
             <a:chExt cx="380270" cy="476250"/>
           </a:xfrm>
         </p:grpSpPr>
@@ -5620,14 +6026,14 @@
           </p:nvSpPr>
           <p:spPr>
             <a:xfrm>
-              <a:off x="3888581" y="3169444"/>
+              <a:off x="1021123" y="5071291"/>
               <a:ext cx="130969" cy="333376"/>
             </a:xfrm>
             <a:prstGeom prst="rect">
               <a:avLst/>
             </a:prstGeom>
             <a:solidFill>
-              <a:srgbClr val="E46B09"/>
+              <a:srgbClr val="EFA66B"/>
             </a:solidFill>
             <a:ln w="12700">
               <a:solidFill>
@@ -5668,7 +6074,7 @@
           </p:nvSpPr>
           <p:spPr>
             <a:xfrm>
-              <a:off x="4019550" y="3153770"/>
+              <a:off x="1152092" y="5055617"/>
               <a:ext cx="123826" cy="476250"/>
             </a:xfrm>
             <a:prstGeom prst="rect">
@@ -5716,14 +6122,14 @@
           </p:nvSpPr>
           <p:spPr>
             <a:xfrm>
-              <a:off x="4142645" y="3276599"/>
+              <a:off x="1275187" y="5178446"/>
               <a:ext cx="126206" cy="328613"/>
             </a:xfrm>
             <a:prstGeom prst="rect">
               <a:avLst/>
             </a:prstGeom>
             <a:solidFill>
-              <a:srgbClr val="0070C0"/>
+              <a:schemeClr val="bg1"/>
             </a:solidFill>
             <a:ln w="12700">
               <a:solidFill>
@@ -5764,11 +6170,11 @@
           <p:nvPr/>
         </p:nvGrpSpPr>
         <p:grpSpPr>
-          <a:xfrm rot="5400000">
-            <a:off x="5551230" y="5007627"/>
-            <a:ext cx="380270" cy="476250"/>
-            <a:chOff x="3888581" y="3153770"/>
-            <a:chExt cx="380270" cy="476250"/>
+          <a:xfrm>
+            <a:off x="5503240" y="5055617"/>
+            <a:ext cx="476250" cy="380271"/>
+            <a:chOff x="5503240" y="5055617"/>
+            <a:chExt cx="476250" cy="380271"/>
           </a:xfrm>
         </p:grpSpPr>
         <p:sp>
@@ -5778,15 +6184,15 @@
             <p:nvPr/>
           </p:nvSpPr>
           <p:spPr>
-            <a:xfrm>
-              <a:off x="3888581" y="3169444"/>
+            <a:xfrm rot="5400000">
+              <a:off x="5731644" y="4954414"/>
               <a:ext cx="130969" cy="333376"/>
             </a:xfrm>
             <a:prstGeom prst="rect">
               <a:avLst/>
             </a:prstGeom>
             <a:solidFill>
-              <a:srgbClr val="E46B09"/>
+              <a:srgbClr val="EFA66B"/>
             </a:solidFill>
             <a:ln w="12700">
               <a:solidFill>
@@ -5826,8 +6232,8 @@
             <p:nvPr/>
           </p:nvSpPr>
           <p:spPr>
-            <a:xfrm>
-              <a:off x="4019550" y="3153770"/>
+            <a:xfrm rot="5400000">
+              <a:off x="5679452" y="5010374"/>
               <a:ext cx="123826" cy="476250"/>
             </a:xfrm>
             <a:prstGeom prst="rect">
@@ -5874,15 +6280,15 @@
             <p:nvPr/>
           </p:nvSpPr>
           <p:spPr>
-            <a:xfrm>
-              <a:off x="4142645" y="3276599"/>
+            <a:xfrm rot="5400000">
+              <a:off x="5629252" y="5208478"/>
               <a:ext cx="126206" cy="328613"/>
             </a:xfrm>
             <a:prstGeom prst="rect">
               <a:avLst/>
             </a:prstGeom>
             <a:solidFill>
-              <a:srgbClr val="0070C0"/>
+              <a:schemeClr val="bg1"/>
             </a:solidFill>
             <a:ln w="12700">
               <a:solidFill>
@@ -5918,16 +6324,16 @@
       </p:grpSp>
       <p:grpSp>
         <p:nvGrpSpPr>
-          <p:cNvPr id="39" name="Group 38"/>
+          <p:cNvPr id="7" name="Group 6"/>
           <p:cNvGrpSpPr/>
           <p:nvPr/>
         </p:nvGrpSpPr>
         <p:grpSpPr>
           <a:xfrm>
-            <a:off x="3243771" y="5055617"/>
-            <a:ext cx="499041" cy="476250"/>
-            <a:chOff x="3587666" y="3456189"/>
-            <a:chExt cx="499041" cy="476250"/>
+            <a:off x="3218819" y="5055617"/>
+            <a:ext cx="548945" cy="476250"/>
+            <a:chOff x="3218819" y="5055617"/>
+            <a:chExt cx="548945" cy="476250"/>
           </a:xfrm>
         </p:grpSpPr>
         <p:cxnSp>
@@ -5938,8 +6344,8 @@
           </p:nvCxnSpPr>
           <p:spPr>
             <a:xfrm>
-              <a:off x="3587666" y="3694314"/>
-              <a:ext cx="499041" cy="0"/>
+              <a:off x="3218819" y="5293742"/>
+              <a:ext cx="548945" cy="0"/>
             </a:xfrm>
             <a:prstGeom prst="line">
               <a:avLst/>
@@ -5973,14 +6379,14 @@
           </p:nvSpPr>
           <p:spPr>
             <a:xfrm>
-              <a:off x="3640783" y="3527626"/>
+              <a:off x="3296888" y="5127054"/>
               <a:ext cx="130969" cy="333376"/>
             </a:xfrm>
             <a:prstGeom prst="rect">
               <a:avLst/>
             </a:prstGeom>
             <a:solidFill>
-              <a:srgbClr val="E46B09"/>
+              <a:srgbClr val="EFA66B"/>
             </a:solidFill>
             <a:ln w="12700">
               <a:solidFill>
@@ -6021,7 +6427,7 @@
           </p:nvSpPr>
           <p:spPr>
             <a:xfrm>
-              <a:off x="3771752" y="3456189"/>
+              <a:off x="3427857" y="5055617"/>
               <a:ext cx="123826" cy="476250"/>
             </a:xfrm>
             <a:prstGeom prst="rect">
@@ -6069,14 +6475,14 @@
           </p:nvSpPr>
           <p:spPr>
             <a:xfrm>
-              <a:off x="3894847" y="3530007"/>
+              <a:off x="3550952" y="5129435"/>
               <a:ext cx="126206" cy="328613"/>
             </a:xfrm>
             <a:prstGeom prst="rect">
               <a:avLst/>
             </a:prstGeom>
             <a:solidFill>
-              <a:srgbClr val="0070C0"/>
+              <a:schemeClr val="bg1"/>
             </a:solidFill>
             <a:ln w="12700">
               <a:solidFill>
@@ -6112,16 +6518,16 @@
       </p:grpSp>
       <p:grpSp>
         <p:nvGrpSpPr>
-          <p:cNvPr id="40" name="Group 39"/>
+          <p:cNvPr id="12" name="Group 11"/>
           <p:cNvGrpSpPr/>
           <p:nvPr/>
         </p:nvGrpSpPr>
         <p:grpSpPr>
-          <a:xfrm rot="5400000">
-            <a:off x="7384006" y="5067013"/>
-            <a:ext cx="499041" cy="476250"/>
-            <a:chOff x="3587666" y="3456189"/>
-            <a:chExt cx="499041" cy="476250"/>
+          <a:xfrm>
+            <a:off x="7395402" y="5030665"/>
+            <a:ext cx="476250" cy="548945"/>
+            <a:chOff x="7395402" y="5030665"/>
+            <a:chExt cx="476250" cy="548945"/>
           </a:xfrm>
         </p:grpSpPr>
         <p:cxnSp>
@@ -6131,9 +6537,9 @@
             <p:nvPr/>
           </p:nvCxnSpPr>
           <p:spPr>
-            <a:xfrm>
-              <a:off x="3587666" y="3694314"/>
-              <a:ext cx="499041" cy="0"/>
+            <a:xfrm rot="5400000">
+              <a:off x="7359054" y="5305138"/>
+              <a:ext cx="548945" cy="0"/>
             </a:xfrm>
             <a:prstGeom prst="line">
               <a:avLst/>
@@ -6166,15 +6572,15 @@
             <p:nvPr/>
           </p:nvSpPr>
           <p:spPr>
-            <a:xfrm>
-              <a:off x="3640783" y="3527626"/>
+            <a:xfrm rot="5400000">
+              <a:off x="7568042" y="5007531"/>
               <a:ext cx="130969" cy="333376"/>
             </a:xfrm>
             <a:prstGeom prst="rect">
               <a:avLst/>
             </a:prstGeom>
             <a:solidFill>
-              <a:srgbClr val="E46B09"/>
+              <a:srgbClr val="EFA66B"/>
             </a:solidFill>
             <a:ln w="12700">
               <a:solidFill>
@@ -6214,8 +6620,8 @@
             <p:nvPr/>
           </p:nvSpPr>
           <p:spPr>
-            <a:xfrm>
-              <a:off x="3771752" y="3456189"/>
+            <a:xfrm rot="5400000">
+              <a:off x="7571614" y="5063492"/>
               <a:ext cx="123826" cy="476250"/>
             </a:xfrm>
             <a:prstGeom prst="rect">
@@ -6262,15 +6668,15 @@
             <p:nvPr/>
           </p:nvSpPr>
           <p:spPr>
-            <a:xfrm>
-              <a:off x="3894847" y="3530007"/>
+            <a:xfrm rot="5400000">
+              <a:off x="7570424" y="5261595"/>
               <a:ext cx="126206" cy="328613"/>
             </a:xfrm>
             <a:prstGeom prst="rect">
               <a:avLst/>
             </a:prstGeom>
             <a:solidFill>
-              <a:srgbClr val="0070C0"/>
+              <a:schemeClr val="bg1"/>
             </a:solidFill>
             <a:ln w="12700">
               <a:solidFill>
@@ -6430,22 +6836,19 @@
   <p:clrMapOvr>
     <a:masterClrMapping/>
   </p:clrMapOvr>
+  <p:timing>
+    <p:tnLst>
+      <p:par>
+        <p:cTn id="1" dur="indefinite" restart="never" nodeType="tmRoot"/>
+      </p:par>
+    </p:tnLst>
+  </p:timing>
 </p:sld>
 </file>
 
 <file path=ppt/slides/slide4.xml><?xml version="1.0" encoding="utf-8"?>
 <p:sld xmlns:a="http://schemas.openxmlformats.org/drawingml/2006/main" xmlns:r="http://schemas.openxmlformats.org/officeDocument/2006/relationships" xmlns:p="http://schemas.openxmlformats.org/presentationml/2006/main">
   <p:cSld>
-    <p:bg>
-      <p:bgPr>
-        <a:solidFill>
-          <a:schemeClr val="bg1">
-            <a:lumMod val="95000"/>
-          </a:schemeClr>
-        </a:solidFill>
-        <a:effectLst/>
-      </p:bgPr>
-    </p:bg>
     <p:spTree>
       <p:nvGrpSpPr>
         <p:cNvPr id="1" name=""/>
@@ -6468,7 +6871,7 @@
         </p:nvSpPr>
         <p:spPr>
           <a:xfrm>
-            <a:off x="2853164" y="1308274"/>
+            <a:off x="2853164" y="989617"/>
             <a:ext cx="3437672" cy="707886"/>
           </a:xfrm>
           <a:prstGeom prst="rect">
@@ -6498,7 +6901,7 @@
         </p:nvSpPr>
         <p:spPr>
           <a:xfrm>
-            <a:off x="729512" y="3324434"/>
+            <a:off x="729512" y="2465447"/>
             <a:ext cx="1306383" cy="369332"/>
           </a:xfrm>
           <a:prstGeom prst="rect">
@@ -6528,7 +6931,7 @@
         </p:nvSpPr>
         <p:spPr>
           <a:xfrm>
-            <a:off x="2765406" y="3324434"/>
+            <a:off x="2765406" y="2465447"/>
             <a:ext cx="1046505" cy="369332"/>
           </a:xfrm>
           <a:prstGeom prst="rect">
@@ -6558,7 +6961,7 @@
         </p:nvSpPr>
         <p:spPr>
           <a:xfrm>
-            <a:off x="4541423" y="3324434"/>
+            <a:off x="4541423" y="2465447"/>
             <a:ext cx="2162195" cy="369332"/>
           </a:xfrm>
           <a:prstGeom prst="rect">
@@ -6588,7 +6991,7 @@
         </p:nvSpPr>
         <p:spPr>
           <a:xfrm>
-            <a:off x="7433129" y="3324434"/>
+            <a:off x="7433129" y="2465447"/>
             <a:ext cx="981359" cy="369332"/>
           </a:xfrm>
           <a:prstGeom prst="rect">
@@ -6618,9 +7021,9 @@
         </p:nvGrpSpPr>
         <p:grpSpPr>
           <a:xfrm>
-            <a:off x="3050968" y="5002040"/>
+            <a:off x="3050968" y="3381048"/>
             <a:ext cx="475380" cy="547687"/>
-            <a:chOff x="3050968" y="5002040"/>
+            <a:chOff x="3050968" y="3381048"/>
             <a:chExt cx="475380" cy="547687"/>
           </a:xfrm>
         </p:grpSpPr>
@@ -6632,7 +7035,7 @@
           </p:nvCxnSpPr>
           <p:spPr>
             <a:xfrm>
-              <a:off x="3288406" y="5002040"/>
+              <a:off x="3288406" y="3381048"/>
               <a:ext cx="0" cy="547687"/>
             </a:xfrm>
             <a:prstGeom prst="line">
@@ -6667,14 +7070,14 @@
           </p:nvSpPr>
           <p:spPr>
             <a:xfrm>
-              <a:off x="3158124" y="5030616"/>
-              <a:ext cx="251039" cy="123824"/>
+              <a:off x="3158124" y="3422324"/>
+              <a:ext cx="251039" cy="98424"/>
             </a:xfrm>
             <a:prstGeom prst="rect">
               <a:avLst/>
             </a:prstGeom>
             <a:solidFill>
-              <a:schemeClr val="bg1"/>
+              <a:srgbClr val="EFA66B"/>
             </a:solidFill>
             <a:ln w="12700">
               <a:solidFill>
@@ -6715,8 +7118,8 @@
           </p:nvSpPr>
           <p:spPr>
             <a:xfrm>
-              <a:off x="3050968" y="5202064"/>
-              <a:ext cx="475380" cy="134818"/>
+              <a:off x="3050968" y="3593772"/>
+              <a:ext cx="475380" cy="109418"/>
             </a:xfrm>
             <a:prstGeom prst="rect">
               <a:avLst/>
@@ -6763,14 +7166,16 @@
           </p:nvSpPr>
           <p:spPr>
             <a:xfrm>
-              <a:off x="3112391" y="5371104"/>
-              <a:ext cx="335376" cy="134845"/>
+              <a:off x="3112391" y="3762812"/>
+              <a:ext cx="335376" cy="109445"/>
             </a:xfrm>
             <a:prstGeom prst="rect">
               <a:avLst/>
             </a:prstGeom>
             <a:solidFill>
-              <a:schemeClr val="bg1"/>
+              <a:schemeClr val="bg1">
+                <a:lumMod val="65000"/>
+              </a:schemeClr>
             </a:solidFill>
             <a:ln w="12700">
               <a:solidFill>
@@ -6806,15 +7211,15 @@
       </p:grpSp>
       <p:grpSp>
         <p:nvGrpSpPr>
-          <p:cNvPr id="7" name="Group 6"/>
+          <p:cNvPr id="14" name="Group 13"/>
           <p:cNvGrpSpPr/>
           <p:nvPr/>
         </p:nvGrpSpPr>
         <p:grpSpPr>
           <a:xfrm>
-            <a:off x="1145012" y="4965887"/>
+            <a:off x="1145012" y="3344895"/>
             <a:ext cx="547687" cy="475380"/>
-            <a:chOff x="1145012" y="4965887"/>
+            <a:chOff x="1145012" y="3344895"/>
             <a:chExt cx="547687" cy="475380"/>
           </a:xfrm>
         </p:grpSpPr>
@@ -6826,7 +7231,7 @@
           </p:nvCxnSpPr>
           <p:spPr>
             <a:xfrm rot="5400000">
-              <a:off x="1418856" y="4929481"/>
+              <a:off x="1418856" y="3308489"/>
               <a:ext cx="0" cy="547687"/>
             </a:xfrm>
             <a:prstGeom prst="line">
@@ -6861,14 +7266,16 @@
           </p:nvSpPr>
           <p:spPr>
             <a:xfrm rot="5400000">
-              <a:off x="1476692" y="5136650"/>
-              <a:ext cx="251039" cy="123824"/>
+              <a:off x="1476692" y="3528358"/>
+              <a:ext cx="251039" cy="98424"/>
             </a:xfrm>
             <a:prstGeom prst="rect">
               <a:avLst/>
             </a:prstGeom>
             <a:solidFill>
-              <a:schemeClr val="bg1"/>
+              <a:schemeClr val="bg1">
+                <a:lumMod val="65000"/>
+              </a:schemeClr>
             </a:solidFill>
             <a:ln w="12700">
               <a:solidFill>
@@ -6909,8 +7316,8 @@
           </p:nvSpPr>
           <p:spPr>
             <a:xfrm rot="5400000">
-              <a:off x="1187577" y="5136168"/>
-              <a:ext cx="475380" cy="134818"/>
+              <a:off x="1194277" y="3527876"/>
+              <a:ext cx="475380" cy="109418"/>
             </a:xfrm>
             <a:prstGeom prst="rect">
               <a:avLst/>
@@ -6957,14 +7364,14 @@
           </p:nvSpPr>
           <p:spPr>
             <a:xfrm rot="5400000">
-              <a:off x="1088525" y="5127575"/>
-              <a:ext cx="335376" cy="134845"/>
+              <a:off x="1088525" y="3519283"/>
+              <a:ext cx="335376" cy="109445"/>
             </a:xfrm>
             <a:prstGeom prst="rect">
               <a:avLst/>
             </a:prstGeom>
             <a:solidFill>
-              <a:schemeClr val="bg1"/>
+              <a:srgbClr val="EFA66B"/>
             </a:solidFill>
             <a:ln w="12700">
               <a:solidFill>
@@ -7006,9 +7413,9 @@
         </p:nvGrpSpPr>
         <p:grpSpPr>
           <a:xfrm>
-            <a:off x="5330312" y="4971845"/>
+            <a:off x="5330312" y="3350853"/>
             <a:ext cx="584418" cy="608076"/>
-            <a:chOff x="5330312" y="4971845"/>
+            <a:chOff x="5330312" y="3350853"/>
             <a:chExt cx="584418" cy="608076"/>
           </a:xfrm>
         </p:grpSpPr>
@@ -7020,7 +7427,7 @@
           </p:nvCxnSpPr>
           <p:spPr>
             <a:xfrm>
-              <a:off x="5330312" y="4971845"/>
+              <a:off x="5330312" y="3350853"/>
               <a:ext cx="584418" cy="608076"/>
             </a:xfrm>
             <a:prstGeom prst="line">
@@ -7055,14 +7462,14 @@
           </p:nvSpPr>
           <p:spPr>
             <a:xfrm>
-              <a:off x="5353969" y="5020280"/>
-              <a:ext cx="251039" cy="123824"/>
+              <a:off x="5353969" y="3411988"/>
+              <a:ext cx="251039" cy="98424"/>
             </a:xfrm>
             <a:prstGeom prst="rect">
               <a:avLst/>
             </a:prstGeom>
             <a:solidFill>
-              <a:schemeClr val="bg1"/>
+              <a:srgbClr val="EFA66B"/>
             </a:solidFill>
             <a:ln w="12700">
               <a:solidFill>
@@ -7103,8 +7510,8 @@
           </p:nvSpPr>
           <p:spPr>
             <a:xfrm>
-              <a:off x="5391726" y="5202063"/>
-              <a:ext cx="475380" cy="134818"/>
+              <a:off x="5391726" y="3593771"/>
+              <a:ext cx="475380" cy="109418"/>
             </a:xfrm>
             <a:prstGeom prst="rect">
               <a:avLst/>
@@ -7151,14 +7558,16 @@
           </p:nvSpPr>
           <p:spPr>
             <a:xfrm>
-              <a:off x="5579354" y="5390151"/>
-              <a:ext cx="335376" cy="134845"/>
+              <a:off x="5579354" y="3781859"/>
+              <a:ext cx="335376" cy="109445"/>
             </a:xfrm>
             <a:prstGeom prst="rect">
               <a:avLst/>
             </a:prstGeom>
             <a:solidFill>
-              <a:schemeClr val="bg1"/>
+              <a:schemeClr val="bg1">
+                <a:lumMod val="65000"/>
+              </a:schemeClr>
             </a:solidFill>
             <a:ln w="12700">
               <a:solidFill>
@@ -7200,9 +7609,9 @@
         </p:nvGrpSpPr>
         <p:grpSpPr>
           <a:xfrm>
-            <a:off x="7619772" y="4999658"/>
+            <a:off x="7619772" y="3378666"/>
             <a:ext cx="608076" cy="552450"/>
-            <a:chOff x="7619772" y="4999658"/>
+            <a:chOff x="7619772" y="3378666"/>
             <a:chExt cx="608076" cy="552450"/>
           </a:xfrm>
         </p:grpSpPr>
@@ -7214,13 +7623,13 @@
           </p:nvCxnSpPr>
           <p:spPr>
             <a:xfrm>
-              <a:off x="7775231" y="4999658"/>
+              <a:off x="7775231" y="3378666"/>
               <a:ext cx="0" cy="552450"/>
             </a:xfrm>
             <a:prstGeom prst="line">
               <a:avLst/>
             </a:prstGeom>
-            <a:ln>
+            <a:ln w="25400">
               <a:solidFill>
                 <a:schemeClr val="tx1"/>
               </a:solidFill>
@@ -7249,13 +7658,13 @@
           </p:nvCxnSpPr>
           <p:spPr>
             <a:xfrm>
-              <a:off x="8070506" y="4999658"/>
+              <a:off x="8070506" y="3378666"/>
               <a:ext cx="0" cy="552450"/>
             </a:xfrm>
             <a:prstGeom prst="line">
               <a:avLst/>
             </a:prstGeom>
-            <a:ln>
+            <a:ln w="25400">
               <a:solidFill>
                 <a:schemeClr val="tx1"/>
               </a:solidFill>
@@ -7284,13 +7693,13 @@
           </p:nvCxnSpPr>
           <p:spPr>
             <a:xfrm flipH="1">
-              <a:off x="7619772" y="5404471"/>
+              <a:off x="7619772" y="3783479"/>
               <a:ext cx="608076" cy="0"/>
             </a:xfrm>
             <a:prstGeom prst="line">
               <a:avLst/>
             </a:prstGeom>
-            <a:ln>
+            <a:ln w="25400">
               <a:solidFill>
                 <a:schemeClr val="tx1"/>
               </a:solidFill>
@@ -7319,13 +7728,13 @@
           </p:nvCxnSpPr>
           <p:spPr>
             <a:xfrm flipH="1">
-              <a:off x="7619772" y="5159202"/>
+              <a:off x="7619772" y="3538210"/>
               <a:ext cx="608076" cy="0"/>
             </a:xfrm>
             <a:prstGeom prst="line">
               <a:avLst/>
             </a:prstGeom>
-            <a:ln>
+            <a:ln w="25400">
               <a:solidFill>
                 <a:schemeClr val="tx1"/>
               </a:solidFill>
@@ -7354,14 +7763,14 @@
           </p:nvSpPr>
           <p:spPr>
             <a:xfrm>
-              <a:off x="7671831" y="5076658"/>
+              <a:off x="7671831" y="3455666"/>
               <a:ext cx="214222" cy="145255"/>
             </a:xfrm>
             <a:prstGeom prst="rect">
               <a:avLst/>
             </a:prstGeom>
             <a:solidFill>
-              <a:schemeClr val="bg1"/>
+              <a:srgbClr val="EFA66B"/>
             </a:solidFill>
             <a:ln w="12700">
               <a:solidFill>
@@ -7402,7 +7811,7 @@
           </p:nvSpPr>
           <p:spPr>
             <a:xfrm>
-              <a:off x="7959253" y="5076657"/>
+              <a:off x="7959253" y="3455665"/>
               <a:ext cx="214222" cy="145255"/>
             </a:xfrm>
             <a:prstGeom prst="rect">
@@ -7450,7 +7859,7 @@
           </p:nvSpPr>
           <p:spPr>
             <a:xfrm>
-              <a:off x="7671833" y="5324314"/>
+              <a:off x="7671833" y="3703322"/>
               <a:ext cx="214222" cy="145255"/>
             </a:xfrm>
             <a:prstGeom prst="rect">
@@ -7498,14 +7907,16 @@
           </p:nvSpPr>
           <p:spPr>
             <a:xfrm>
-              <a:off x="7959255" y="5324313"/>
+              <a:off x="7959255" y="3703321"/>
               <a:ext cx="214222" cy="145255"/>
             </a:xfrm>
             <a:prstGeom prst="rect">
               <a:avLst/>
             </a:prstGeom>
             <a:solidFill>
-              <a:schemeClr val="bg1"/>
+              <a:schemeClr val="bg1">
+                <a:lumMod val="65000"/>
+              </a:schemeClr>
             </a:solidFill>
             <a:ln w="12700">
               <a:solidFill>
@@ -7539,6 +7950,461 @@
           </p:txBody>
         </p:sp>
       </p:grpSp>
+      <p:sp>
+        <p:nvSpPr>
+          <p:cNvPr id="39" name="TextBox 38"/>
+          <p:cNvSpPr txBox="1"/>
+          <p:nvPr/>
+        </p:nvSpPr>
+        <p:spPr>
+          <a:xfrm>
+            <a:off x="1003432" y="4682010"/>
+            <a:ext cx="758541" cy="369332"/>
+          </a:xfrm>
+          <a:prstGeom prst="rect">
+            <a:avLst/>
+          </a:prstGeom>
+          <a:noFill/>
+        </p:spPr>
+        <p:txBody>
+          <a:bodyPr wrap="none" rtlCol="0">
+            <a:spAutoFit/>
+          </a:bodyPr>
+          <a:lstStyle/>
+          <a:p>
+            <a:pPr algn="ctr"/>
+            <a:r>
+              <a:rPr lang="en-US" dirty="0" smtClean="0"/>
+              <a:t>Radial</a:t>
+            </a:r>
+            <a:endParaRPr lang="en-US" dirty="0"/>
+          </a:p>
+        </p:txBody>
+      </p:sp>
+      <p:grpSp>
+        <p:nvGrpSpPr>
+          <p:cNvPr id="13" name="Group 12"/>
+          <p:cNvGrpSpPr/>
+          <p:nvPr/>
+        </p:nvGrpSpPr>
+        <p:grpSpPr>
+          <a:xfrm>
+            <a:off x="1007384" y="5289552"/>
+            <a:ext cx="753008" cy="745313"/>
+            <a:chOff x="1007384" y="5289552"/>
+            <a:chExt cx="753008" cy="745313"/>
+          </a:xfrm>
+        </p:grpSpPr>
+        <p:sp>
+          <p:nvSpPr>
+            <p:cNvPr id="56" name="Arc 55"/>
+            <p:cNvSpPr>
+              <a:spLocks noChangeAspect="1"/>
+            </p:cNvSpPr>
+            <p:nvPr/>
+          </p:nvSpPr>
+          <p:spPr>
+            <a:xfrm>
+              <a:off x="1007384" y="5289552"/>
+              <a:ext cx="745313" cy="745313"/>
+            </a:xfrm>
+            <a:prstGeom prst="arc">
+              <a:avLst>
+                <a:gd name="adj1" fmla="val 19317826"/>
+                <a:gd name="adj2" fmla="val 21232517"/>
+              </a:avLst>
+            </a:prstGeom>
+            <a:ln w="19050">
+              <a:solidFill>
+                <a:srgbClr val="0070C0"/>
+              </a:solidFill>
+              <a:prstDash val="solid"/>
+              <a:headEnd type="triangle" w="med" len="sm"/>
+              <a:tailEnd type="triangle" w="med" len="sm"/>
+            </a:ln>
+          </p:spPr>
+          <p:style>
+            <a:lnRef idx="1">
+              <a:schemeClr val="accent1"/>
+            </a:lnRef>
+            <a:fillRef idx="0">
+              <a:schemeClr val="accent1"/>
+            </a:fillRef>
+            <a:effectRef idx="0">
+              <a:schemeClr val="accent1"/>
+            </a:effectRef>
+            <a:fontRef idx="minor">
+              <a:schemeClr val="tx1"/>
+            </a:fontRef>
+          </p:style>
+          <p:txBody>
+            <a:bodyPr rtlCol="0" anchor="ctr"/>
+            <a:lstStyle/>
+            <a:p>
+              <a:pPr algn="ctr"/>
+              <a:endParaRPr lang="en-US"/>
+            </a:p>
+          </p:txBody>
+        </p:sp>
+        <p:cxnSp>
+          <p:nvCxnSpPr>
+            <p:cNvPr id="411" name="Straight Connector 410"/>
+            <p:cNvCxnSpPr/>
+            <p:nvPr/>
+          </p:nvCxnSpPr>
+          <p:spPr>
+            <a:xfrm>
+              <a:off x="1424197" y="5660313"/>
+              <a:ext cx="336195" cy="0"/>
+            </a:xfrm>
+            <a:prstGeom prst="line">
+              <a:avLst/>
+            </a:prstGeom>
+            <a:ln w="25400" cap="flat">
+              <a:solidFill>
+                <a:schemeClr val="tx1"/>
+              </a:solidFill>
+              <a:prstDash val="solid"/>
+              <a:round/>
+            </a:ln>
+          </p:spPr>
+          <p:style>
+            <a:lnRef idx="1">
+              <a:schemeClr val="accent1"/>
+            </a:lnRef>
+            <a:fillRef idx="0">
+              <a:schemeClr val="accent1"/>
+            </a:fillRef>
+            <a:effectRef idx="0">
+              <a:schemeClr val="accent1"/>
+            </a:effectRef>
+            <a:fontRef idx="minor">
+              <a:schemeClr val="tx1"/>
+            </a:fontRef>
+          </p:style>
+        </p:cxnSp>
+        <p:cxnSp>
+          <p:nvCxnSpPr>
+            <p:cNvPr id="412" name="Straight Connector 411"/>
+            <p:cNvCxnSpPr/>
+            <p:nvPr/>
+          </p:nvCxnSpPr>
+          <p:spPr>
+            <a:xfrm rot="18917739">
+              <a:off x="1364639" y="5515471"/>
+              <a:ext cx="336195" cy="0"/>
+            </a:xfrm>
+            <a:prstGeom prst="line">
+              <a:avLst/>
+            </a:prstGeom>
+            <a:ln w="25400" cap="flat">
+              <a:solidFill>
+                <a:schemeClr val="tx1"/>
+              </a:solidFill>
+              <a:prstDash val="solid"/>
+              <a:round/>
+            </a:ln>
+          </p:spPr>
+          <p:style>
+            <a:lnRef idx="1">
+              <a:schemeClr val="accent1"/>
+            </a:lnRef>
+            <a:fillRef idx="0">
+              <a:schemeClr val="accent1"/>
+            </a:fillRef>
+            <a:effectRef idx="0">
+              <a:schemeClr val="accent1"/>
+            </a:effectRef>
+            <a:fontRef idx="minor">
+              <a:schemeClr val="tx1"/>
+            </a:fontRef>
+          </p:style>
+        </p:cxnSp>
+        <p:cxnSp>
+          <p:nvCxnSpPr>
+            <p:cNvPr id="433" name="Straight Connector 432"/>
+            <p:cNvCxnSpPr/>
+            <p:nvPr/>
+          </p:nvCxnSpPr>
+          <p:spPr>
+            <a:xfrm rot="2744569">
+              <a:off x="1361990" y="5807778"/>
+              <a:ext cx="336195" cy="0"/>
+            </a:xfrm>
+            <a:prstGeom prst="line">
+              <a:avLst/>
+            </a:prstGeom>
+            <a:ln w="25400" cap="flat">
+              <a:solidFill>
+                <a:schemeClr val="tx1"/>
+              </a:solidFill>
+              <a:prstDash val="solid"/>
+              <a:round/>
+            </a:ln>
+          </p:spPr>
+          <p:style>
+            <a:lnRef idx="1">
+              <a:schemeClr val="accent1"/>
+            </a:lnRef>
+            <a:fillRef idx="0">
+              <a:schemeClr val="accent1"/>
+            </a:fillRef>
+            <a:effectRef idx="0">
+              <a:schemeClr val="accent1"/>
+            </a:effectRef>
+            <a:fontRef idx="minor">
+              <a:schemeClr val="tx1"/>
+            </a:fontRef>
+          </p:style>
+        </p:cxnSp>
+        <p:sp>
+          <p:nvSpPr>
+            <p:cNvPr id="11" name="Oval 10"/>
+            <p:cNvSpPr/>
+            <p:nvPr/>
+          </p:nvSpPr>
+          <p:spPr>
+            <a:xfrm>
+              <a:off x="1295909" y="5569825"/>
+              <a:ext cx="180975" cy="180975"/>
+            </a:xfrm>
+            <a:prstGeom prst="ellipse">
+              <a:avLst/>
+            </a:prstGeom>
+            <a:solidFill>
+              <a:srgbClr val="EFA66B"/>
+            </a:solidFill>
+            <a:ln w="12700">
+              <a:solidFill>
+                <a:schemeClr val="tx1"/>
+              </a:solidFill>
+            </a:ln>
+          </p:spPr>
+          <p:style>
+            <a:lnRef idx="2">
+              <a:schemeClr val="accent1">
+                <a:shade val="50000"/>
+              </a:schemeClr>
+            </a:lnRef>
+            <a:fillRef idx="1">
+              <a:schemeClr val="accent1"/>
+            </a:fillRef>
+            <a:effectRef idx="0">
+              <a:schemeClr val="accent1"/>
+            </a:effectRef>
+            <a:fontRef idx="minor">
+              <a:schemeClr val="lt1"/>
+            </a:fontRef>
+          </p:style>
+          <p:txBody>
+            <a:bodyPr rtlCol="0" anchor="ctr"/>
+            <a:lstStyle/>
+            <a:p>
+              <a:pPr algn="ctr"/>
+              <a:endParaRPr lang="en-US"/>
+            </a:p>
+          </p:txBody>
+        </p:sp>
+        <p:sp>
+          <p:nvSpPr>
+            <p:cNvPr id="12" name="Oval 11"/>
+            <p:cNvSpPr/>
+            <p:nvPr/>
+          </p:nvSpPr>
+          <p:spPr>
+            <a:xfrm>
+              <a:off x="1517299" y="5411387"/>
+              <a:ext cx="121956" cy="121956"/>
+            </a:xfrm>
+            <a:prstGeom prst="ellipse">
+              <a:avLst/>
+            </a:prstGeom>
+            <a:solidFill>
+              <a:schemeClr val="bg1">
+                <a:lumMod val="65000"/>
+              </a:schemeClr>
+            </a:solidFill>
+            <a:ln w="12700">
+              <a:solidFill>
+                <a:schemeClr val="tx1"/>
+              </a:solidFill>
+            </a:ln>
+          </p:spPr>
+          <p:style>
+            <a:lnRef idx="2">
+              <a:schemeClr val="accent1">
+                <a:shade val="50000"/>
+              </a:schemeClr>
+            </a:lnRef>
+            <a:fillRef idx="1">
+              <a:schemeClr val="accent1"/>
+            </a:fillRef>
+            <a:effectRef idx="0">
+              <a:schemeClr val="accent1"/>
+            </a:effectRef>
+            <a:fontRef idx="minor">
+              <a:schemeClr val="lt1"/>
+            </a:fontRef>
+          </p:style>
+          <p:txBody>
+            <a:bodyPr rtlCol="0" anchor="ctr"/>
+            <a:lstStyle/>
+            <a:p>
+              <a:pPr algn="ctr"/>
+              <a:endParaRPr lang="en-US"/>
+            </a:p>
+          </p:txBody>
+        </p:sp>
+        <p:sp>
+          <p:nvSpPr>
+            <p:cNvPr id="46" name="Oval 45"/>
+            <p:cNvSpPr/>
+            <p:nvPr/>
+          </p:nvSpPr>
+          <p:spPr>
+            <a:xfrm>
+              <a:off x="1559260" y="5599261"/>
+              <a:ext cx="121956" cy="121956"/>
+            </a:xfrm>
+            <a:prstGeom prst="ellipse">
+              <a:avLst/>
+            </a:prstGeom>
+            <a:solidFill>
+              <a:schemeClr val="bg1"/>
+            </a:solidFill>
+            <a:ln w="12700">
+              <a:solidFill>
+                <a:schemeClr val="tx1"/>
+              </a:solidFill>
+            </a:ln>
+          </p:spPr>
+          <p:style>
+            <a:lnRef idx="2">
+              <a:schemeClr val="accent1">
+                <a:shade val="50000"/>
+              </a:schemeClr>
+            </a:lnRef>
+            <a:fillRef idx="1">
+              <a:schemeClr val="accent1"/>
+            </a:fillRef>
+            <a:effectRef idx="0">
+              <a:schemeClr val="accent1"/>
+            </a:effectRef>
+            <a:fontRef idx="minor">
+              <a:schemeClr val="lt1"/>
+            </a:fontRef>
+          </p:style>
+          <p:txBody>
+            <a:bodyPr rtlCol="0" anchor="ctr"/>
+            <a:lstStyle/>
+            <a:p>
+              <a:pPr algn="ctr"/>
+              <a:endParaRPr lang="en-US"/>
+            </a:p>
+          </p:txBody>
+        </p:sp>
+        <p:sp>
+          <p:nvSpPr>
+            <p:cNvPr id="47" name="Oval 46"/>
+            <p:cNvSpPr/>
+            <p:nvPr/>
+          </p:nvSpPr>
+          <p:spPr>
+            <a:xfrm>
+              <a:off x="1462961" y="5736634"/>
+              <a:ext cx="121956" cy="121956"/>
+            </a:xfrm>
+            <a:prstGeom prst="ellipse">
+              <a:avLst/>
+            </a:prstGeom>
+            <a:solidFill>
+              <a:schemeClr val="bg1">
+                <a:lumMod val="65000"/>
+              </a:schemeClr>
+            </a:solidFill>
+            <a:ln w="12700">
+              <a:solidFill>
+                <a:schemeClr val="tx1"/>
+              </a:solidFill>
+            </a:ln>
+          </p:spPr>
+          <p:style>
+            <a:lnRef idx="2">
+              <a:schemeClr val="accent1">
+                <a:shade val="50000"/>
+              </a:schemeClr>
+            </a:lnRef>
+            <a:fillRef idx="1">
+              <a:schemeClr val="accent1"/>
+            </a:fillRef>
+            <a:effectRef idx="0">
+              <a:schemeClr val="accent1"/>
+            </a:effectRef>
+            <a:fontRef idx="minor">
+              <a:schemeClr val="lt1"/>
+            </a:fontRef>
+          </p:style>
+          <p:txBody>
+            <a:bodyPr rtlCol="0" anchor="ctr"/>
+            <a:lstStyle/>
+            <a:p>
+              <a:pPr algn="ctr"/>
+              <a:endParaRPr lang="en-US"/>
+            </a:p>
+          </p:txBody>
+        </p:sp>
+      </p:grpSp>
+      <p:sp>
+        <p:nvSpPr>
+          <p:cNvPr id="40" name="Arc 39"/>
+          <p:cNvSpPr>
+            <a:spLocks noChangeAspect="1"/>
+          </p:cNvSpPr>
+          <p:nvPr/>
+        </p:nvSpPr>
+        <p:spPr>
+          <a:xfrm rot="2694618">
+            <a:off x="1007384" y="5284949"/>
+            <a:ext cx="745313" cy="745313"/>
+          </a:xfrm>
+          <a:prstGeom prst="arc">
+            <a:avLst>
+              <a:gd name="adj1" fmla="val 19317826"/>
+              <a:gd name="adj2" fmla="val 21232517"/>
+            </a:avLst>
+          </a:prstGeom>
+          <a:ln w="19050">
+            <a:solidFill>
+              <a:srgbClr val="0070C0"/>
+            </a:solidFill>
+            <a:prstDash val="solid"/>
+            <a:headEnd type="triangle" w="med" len="sm"/>
+            <a:tailEnd type="triangle" w="med" len="sm"/>
+          </a:ln>
+        </p:spPr>
+        <p:style>
+          <a:lnRef idx="1">
+            <a:schemeClr val="accent1"/>
+          </a:lnRef>
+          <a:fillRef idx="0">
+            <a:schemeClr val="accent1"/>
+          </a:fillRef>
+          <a:effectRef idx="0">
+            <a:schemeClr val="accent1"/>
+          </a:effectRef>
+          <a:fontRef idx="minor">
+            <a:schemeClr val="tx1"/>
+          </a:fontRef>
+        </p:style>
+        <p:txBody>
+          <a:bodyPr rtlCol="0" anchor="ctr"/>
+          <a:lstStyle/>
+          <a:p>
+            <a:pPr algn="ctr"/>
+            <a:endParaRPr lang="en-US"/>
+          </a:p>
+        </p:txBody>
+      </p:sp>
     </p:spTree>
     <p:extLst>
       <p:ext uri="{BB962C8B-B14F-4D97-AF65-F5344CB8AC3E}">
@@ -7549,22 +8415,19 @@
   <p:clrMapOvr>
     <a:masterClrMapping/>
   </p:clrMapOvr>
+  <p:timing>
+    <p:tnLst>
+      <p:par>
+        <p:cTn id="1" dur="indefinite" restart="never" nodeType="tmRoot"/>
+      </p:par>
+    </p:tnLst>
+  </p:timing>
 </p:sld>
 </file>
 
 <file path=ppt/slides/slide5.xml><?xml version="1.0" encoding="utf-8"?>
 <p:sld xmlns:a="http://schemas.openxmlformats.org/drawingml/2006/main" xmlns:r="http://schemas.openxmlformats.org/officeDocument/2006/relationships" xmlns:p="http://schemas.openxmlformats.org/presentationml/2006/main">
   <p:cSld>
-    <p:bg>
-      <p:bgPr>
-        <a:solidFill>
-          <a:schemeClr val="bg1">
-            <a:lumMod val="95000"/>
-          </a:schemeClr>
-        </a:solidFill>
-        <a:effectLst/>
-      </p:bgPr>
-    </p:bg>
     <p:spTree>
       <p:nvGrpSpPr>
         <p:cNvPr id="1" name=""/>
@@ -7609,329 +8472,6 @@
           </a:p>
         </p:txBody>
       </p:sp>
-      <p:grpSp>
-        <p:nvGrpSpPr>
-          <p:cNvPr id="34" name="Group 33"/>
-          <p:cNvGrpSpPr/>
-          <p:nvPr/>
-        </p:nvGrpSpPr>
-        <p:grpSpPr>
-          <a:xfrm>
-            <a:off x="2644584" y="4987751"/>
-            <a:ext cx="464344" cy="566737"/>
-            <a:chOff x="4352925" y="3148013"/>
-            <a:chExt cx="464344" cy="566737"/>
-          </a:xfrm>
-        </p:grpSpPr>
-        <p:sp>
-          <p:nvSpPr>
-            <p:cNvPr id="14" name="Rectangle 13"/>
-            <p:cNvSpPr/>
-            <p:nvPr/>
-          </p:nvSpPr>
-          <p:spPr>
-            <a:xfrm>
-              <a:off x="4352925" y="3231356"/>
-              <a:ext cx="138113" cy="335757"/>
-            </a:xfrm>
-            <a:prstGeom prst="rect">
-              <a:avLst/>
-            </a:prstGeom>
-            <a:solidFill>
-              <a:srgbClr val="E46B09"/>
-            </a:solidFill>
-            <a:ln w="12700">
-              <a:solidFill>
-                <a:schemeClr val="tx1"/>
-              </a:solidFill>
-            </a:ln>
-          </p:spPr>
-          <p:style>
-            <a:lnRef idx="2">
-              <a:schemeClr val="accent1">
-                <a:shade val="50000"/>
-              </a:schemeClr>
-            </a:lnRef>
-            <a:fillRef idx="1">
-              <a:schemeClr val="accent1"/>
-            </a:fillRef>
-            <a:effectRef idx="0">
-              <a:schemeClr val="accent1"/>
-            </a:effectRef>
-            <a:fontRef idx="minor">
-              <a:schemeClr val="lt1"/>
-            </a:fontRef>
-          </p:style>
-          <p:txBody>
-            <a:bodyPr rtlCol="0" anchor="ctr"/>
-            <a:lstStyle/>
-            <a:p>
-              <a:pPr algn="ctr"/>
-              <a:endParaRPr lang="en-US"/>
-            </a:p>
-          </p:txBody>
-        </p:sp>
-        <p:sp>
-          <p:nvSpPr>
-            <p:cNvPr id="15" name="Rectangle 14"/>
-            <p:cNvSpPr/>
-            <p:nvPr/>
-          </p:nvSpPr>
-          <p:spPr>
-            <a:xfrm>
-              <a:off x="4679156" y="3295650"/>
-              <a:ext cx="138113" cy="335757"/>
-            </a:xfrm>
-            <a:prstGeom prst="rect">
-              <a:avLst/>
-            </a:prstGeom>
-            <a:solidFill>
-              <a:srgbClr val="0070C0"/>
-            </a:solidFill>
-            <a:ln w="12700">
-              <a:solidFill>
-                <a:schemeClr val="tx1"/>
-              </a:solidFill>
-            </a:ln>
-          </p:spPr>
-          <p:style>
-            <a:lnRef idx="2">
-              <a:schemeClr val="accent1">
-                <a:shade val="50000"/>
-              </a:schemeClr>
-            </a:lnRef>
-            <a:fillRef idx="1">
-              <a:schemeClr val="accent1"/>
-            </a:fillRef>
-            <a:effectRef idx="0">
-              <a:schemeClr val="accent1"/>
-            </a:effectRef>
-            <a:fontRef idx="minor">
-              <a:schemeClr val="lt1"/>
-            </a:fontRef>
-          </p:style>
-          <p:txBody>
-            <a:bodyPr rtlCol="0" anchor="ctr"/>
-            <a:lstStyle/>
-            <a:p>
-              <a:pPr algn="ctr"/>
-              <a:endParaRPr lang="en-US"/>
-            </a:p>
-          </p:txBody>
-        </p:sp>
-        <p:cxnSp>
-          <p:nvCxnSpPr>
-            <p:cNvPr id="17" name="Straight Connector 16"/>
-            <p:cNvCxnSpPr/>
-            <p:nvPr/>
-          </p:nvCxnSpPr>
-          <p:spPr>
-            <a:xfrm flipV="1">
-              <a:off x="4419600" y="3148013"/>
-              <a:ext cx="0" cy="59531"/>
-            </a:xfrm>
-            <a:prstGeom prst="line">
-              <a:avLst/>
-            </a:prstGeom>
-            <a:ln w="19050">
-              <a:solidFill>
-                <a:schemeClr val="tx1"/>
-              </a:solidFill>
-            </a:ln>
-          </p:spPr>
-          <p:style>
-            <a:lnRef idx="1">
-              <a:schemeClr val="accent1"/>
-            </a:lnRef>
-            <a:fillRef idx="0">
-              <a:schemeClr val="accent1"/>
-            </a:fillRef>
-            <a:effectRef idx="0">
-              <a:schemeClr val="accent1"/>
-            </a:effectRef>
-            <a:fontRef idx="minor">
-              <a:schemeClr val="tx1"/>
-            </a:fontRef>
-          </p:style>
-        </p:cxnSp>
-        <p:cxnSp>
-          <p:nvCxnSpPr>
-            <p:cNvPr id="18" name="Straight Connector 17"/>
-            <p:cNvCxnSpPr/>
-            <p:nvPr/>
-          </p:nvCxnSpPr>
-          <p:spPr>
-            <a:xfrm flipV="1">
-              <a:off x="4743450" y="3655219"/>
-              <a:ext cx="0" cy="59531"/>
-            </a:xfrm>
-            <a:prstGeom prst="line">
-              <a:avLst/>
-            </a:prstGeom>
-            <a:ln w="19050">
-              <a:solidFill>
-                <a:schemeClr val="tx1"/>
-              </a:solidFill>
-            </a:ln>
-          </p:spPr>
-          <p:style>
-            <a:lnRef idx="1">
-              <a:schemeClr val="accent1"/>
-            </a:lnRef>
-            <a:fillRef idx="0">
-              <a:schemeClr val="accent1"/>
-            </a:fillRef>
-            <a:effectRef idx="0">
-              <a:schemeClr val="accent1"/>
-            </a:effectRef>
-            <a:fontRef idx="minor">
-              <a:schemeClr val="tx1"/>
-            </a:fontRef>
-          </p:style>
-        </p:cxnSp>
-        <p:cxnSp>
-          <p:nvCxnSpPr>
-            <p:cNvPr id="20" name="Straight Connector 19"/>
-            <p:cNvCxnSpPr/>
-            <p:nvPr/>
-          </p:nvCxnSpPr>
-          <p:spPr>
-            <a:xfrm>
-              <a:off x="4410076" y="3150394"/>
-              <a:ext cx="338136" cy="0"/>
-            </a:xfrm>
-            <a:prstGeom prst="line">
-              <a:avLst/>
-            </a:prstGeom>
-            <a:ln w="19050">
-              <a:solidFill>
-                <a:schemeClr val="tx1"/>
-              </a:solidFill>
-            </a:ln>
-          </p:spPr>
-          <p:style>
-            <a:lnRef idx="1">
-              <a:schemeClr val="accent1"/>
-            </a:lnRef>
-            <a:fillRef idx="0">
-              <a:schemeClr val="accent1"/>
-            </a:fillRef>
-            <a:effectRef idx="0">
-              <a:schemeClr val="accent1"/>
-            </a:effectRef>
-            <a:fontRef idx="minor">
-              <a:schemeClr val="tx1"/>
-            </a:fontRef>
-          </p:style>
-        </p:cxnSp>
-        <p:cxnSp>
-          <p:nvCxnSpPr>
-            <p:cNvPr id="22" name="Straight Connector 21"/>
-            <p:cNvCxnSpPr/>
-            <p:nvPr/>
-          </p:nvCxnSpPr>
-          <p:spPr>
-            <a:xfrm>
-              <a:off x="4412457" y="3714750"/>
-              <a:ext cx="340517" cy="0"/>
-            </a:xfrm>
-            <a:prstGeom prst="line">
-              <a:avLst/>
-            </a:prstGeom>
-            <a:ln w="19050">
-              <a:solidFill>
-                <a:schemeClr val="tx1"/>
-              </a:solidFill>
-            </a:ln>
-          </p:spPr>
-          <p:style>
-            <a:lnRef idx="1">
-              <a:schemeClr val="accent1"/>
-            </a:lnRef>
-            <a:fillRef idx="0">
-              <a:schemeClr val="accent1"/>
-            </a:fillRef>
-            <a:effectRef idx="0">
-              <a:schemeClr val="accent1"/>
-            </a:effectRef>
-            <a:fontRef idx="minor">
-              <a:schemeClr val="tx1"/>
-            </a:fontRef>
-          </p:style>
-        </p:cxnSp>
-        <p:cxnSp>
-          <p:nvCxnSpPr>
-            <p:cNvPr id="24" name="Straight Arrow Connector 23"/>
-            <p:cNvCxnSpPr/>
-            <p:nvPr/>
-          </p:nvCxnSpPr>
-          <p:spPr>
-            <a:xfrm>
-              <a:off x="4738688" y="3148013"/>
-              <a:ext cx="0" cy="130968"/>
-            </a:xfrm>
-            <a:prstGeom prst="straightConnector1">
-              <a:avLst/>
-            </a:prstGeom>
-            <a:ln w="19050">
-              <a:solidFill>
-                <a:schemeClr val="tx1"/>
-              </a:solidFill>
-              <a:tailEnd type="triangle"/>
-            </a:ln>
-          </p:spPr>
-          <p:style>
-            <a:lnRef idx="1">
-              <a:schemeClr val="accent1"/>
-            </a:lnRef>
-            <a:fillRef idx="0">
-              <a:schemeClr val="accent1"/>
-            </a:fillRef>
-            <a:effectRef idx="0">
-              <a:schemeClr val="accent1"/>
-            </a:effectRef>
-            <a:fontRef idx="minor">
-              <a:schemeClr val="tx1"/>
-            </a:fontRef>
-          </p:style>
-        </p:cxnSp>
-        <p:cxnSp>
-          <p:nvCxnSpPr>
-            <p:cNvPr id="26" name="Straight Arrow Connector 25"/>
-            <p:cNvCxnSpPr/>
-            <p:nvPr/>
-          </p:nvCxnSpPr>
-          <p:spPr>
-            <a:xfrm flipV="1">
-              <a:off x="4421981" y="3598069"/>
-              <a:ext cx="0" cy="116681"/>
-            </a:xfrm>
-            <a:prstGeom prst="straightConnector1">
-              <a:avLst/>
-            </a:prstGeom>
-            <a:ln w="19050">
-              <a:solidFill>
-                <a:schemeClr val="tx1"/>
-              </a:solidFill>
-              <a:tailEnd type="triangle"/>
-            </a:ln>
-          </p:spPr>
-          <p:style>
-            <a:lnRef idx="1">
-              <a:schemeClr val="accent1"/>
-            </a:lnRef>
-            <a:fillRef idx="0">
-              <a:schemeClr val="accent1"/>
-            </a:fillRef>
-            <a:effectRef idx="0">
-              <a:schemeClr val="accent1"/>
-            </a:effectRef>
-            <a:fontRef idx="minor">
-              <a:schemeClr val="tx1"/>
-            </a:fontRef>
-          </p:style>
-        </p:cxnSp>
-      </p:grpSp>
       <p:sp>
         <p:nvSpPr>
           <p:cNvPr id="35" name="TextBox 34"/>
@@ -7990,6 +8530,199 @@
           </a:p>
         </p:txBody>
       </p:sp>
+      <p:grpSp>
+        <p:nvGrpSpPr>
+          <p:cNvPr id="2" name="Group 1"/>
+          <p:cNvGrpSpPr/>
+          <p:nvPr/>
+        </p:nvGrpSpPr>
+        <p:grpSpPr>
+          <a:xfrm>
+            <a:off x="2644584" y="5038948"/>
+            <a:ext cx="464344" cy="464343"/>
+            <a:chOff x="2644584" y="5038948"/>
+            <a:chExt cx="464344" cy="464343"/>
+          </a:xfrm>
+        </p:grpSpPr>
+        <p:sp>
+          <p:nvSpPr>
+            <p:cNvPr id="14" name="Rectangle 13"/>
+            <p:cNvSpPr/>
+            <p:nvPr/>
+          </p:nvSpPr>
+          <p:spPr>
+            <a:xfrm>
+              <a:off x="2644584" y="5071094"/>
+              <a:ext cx="138113" cy="335757"/>
+            </a:xfrm>
+            <a:prstGeom prst="rect">
+              <a:avLst/>
+            </a:prstGeom>
+            <a:solidFill>
+              <a:srgbClr val="EFA66B"/>
+            </a:solidFill>
+            <a:ln w="12700">
+              <a:solidFill>
+                <a:schemeClr val="tx1"/>
+              </a:solidFill>
+            </a:ln>
+          </p:spPr>
+          <p:style>
+            <a:lnRef idx="2">
+              <a:schemeClr val="accent1">
+                <a:shade val="50000"/>
+              </a:schemeClr>
+            </a:lnRef>
+            <a:fillRef idx="1">
+              <a:schemeClr val="accent1"/>
+            </a:fillRef>
+            <a:effectRef idx="0">
+              <a:schemeClr val="accent1"/>
+            </a:effectRef>
+            <a:fontRef idx="minor">
+              <a:schemeClr val="lt1"/>
+            </a:fontRef>
+          </p:style>
+          <p:txBody>
+            <a:bodyPr rtlCol="0" anchor="ctr"/>
+            <a:lstStyle/>
+            <a:p>
+              <a:pPr algn="ctr"/>
+              <a:endParaRPr lang="en-US"/>
+            </a:p>
+          </p:txBody>
+        </p:sp>
+        <p:sp>
+          <p:nvSpPr>
+            <p:cNvPr id="15" name="Rectangle 14"/>
+            <p:cNvSpPr/>
+            <p:nvPr/>
+          </p:nvSpPr>
+          <p:spPr>
+            <a:xfrm>
+              <a:off x="2970815" y="5135388"/>
+              <a:ext cx="138113" cy="335757"/>
+            </a:xfrm>
+            <a:prstGeom prst="rect">
+              <a:avLst/>
+            </a:prstGeom>
+            <a:solidFill>
+              <a:schemeClr val="bg1">
+                <a:lumMod val="65000"/>
+              </a:schemeClr>
+            </a:solidFill>
+            <a:ln w="12700">
+              <a:solidFill>
+                <a:schemeClr val="tx1"/>
+              </a:solidFill>
+            </a:ln>
+          </p:spPr>
+          <p:style>
+            <a:lnRef idx="2">
+              <a:schemeClr val="accent1">
+                <a:shade val="50000"/>
+              </a:schemeClr>
+            </a:lnRef>
+            <a:fillRef idx="1">
+              <a:schemeClr val="accent1"/>
+            </a:fillRef>
+            <a:effectRef idx="0">
+              <a:schemeClr val="accent1"/>
+            </a:effectRef>
+            <a:fontRef idx="minor">
+              <a:schemeClr val="lt1"/>
+            </a:fontRef>
+          </p:style>
+          <p:txBody>
+            <a:bodyPr rtlCol="0" anchor="ctr"/>
+            <a:lstStyle/>
+            <a:p>
+              <a:pPr algn="ctr"/>
+              <a:endParaRPr lang="en-US"/>
+            </a:p>
+          </p:txBody>
+        </p:sp>
+        <p:cxnSp>
+          <p:nvCxnSpPr>
+            <p:cNvPr id="3" name="Elbow Connector 2"/>
+            <p:cNvCxnSpPr/>
+            <p:nvPr/>
+          </p:nvCxnSpPr>
+          <p:spPr>
+            <a:xfrm rot="16200000" flipH="1">
+              <a:off x="2844609" y="4907979"/>
+              <a:ext cx="64294" cy="326231"/>
+            </a:xfrm>
+            <a:prstGeom prst="bentConnector3">
+              <a:avLst>
+                <a:gd name="adj1" fmla="val -82963"/>
+              </a:avLst>
+            </a:prstGeom>
+            <a:ln w="22225">
+              <a:solidFill>
+                <a:srgbClr val="0070C0"/>
+              </a:solidFill>
+              <a:miter lim="800000"/>
+              <a:headEnd w="med" len="sm"/>
+              <a:tailEnd type="triangle" w="med" len="sm"/>
+            </a:ln>
+          </p:spPr>
+          <p:style>
+            <a:lnRef idx="1">
+              <a:schemeClr val="accent1"/>
+            </a:lnRef>
+            <a:fillRef idx="0">
+              <a:schemeClr val="accent1"/>
+            </a:fillRef>
+            <a:effectRef idx="0">
+              <a:schemeClr val="accent1"/>
+            </a:effectRef>
+            <a:fontRef idx="minor">
+              <a:schemeClr val="tx1"/>
+            </a:fontRef>
+          </p:style>
+        </p:cxnSp>
+        <p:cxnSp>
+          <p:nvCxnSpPr>
+            <p:cNvPr id="19" name="Elbow Connector 18"/>
+            <p:cNvCxnSpPr/>
+            <p:nvPr/>
+          </p:nvCxnSpPr>
+          <p:spPr>
+            <a:xfrm rot="5400000" flipH="1">
+              <a:off x="2844608" y="5308028"/>
+              <a:ext cx="64294" cy="326231"/>
+            </a:xfrm>
+            <a:prstGeom prst="bentConnector3">
+              <a:avLst>
+                <a:gd name="adj1" fmla="val -84454"/>
+              </a:avLst>
+            </a:prstGeom>
+            <a:ln w="22225">
+              <a:solidFill>
+                <a:srgbClr val="0070C0"/>
+              </a:solidFill>
+              <a:miter lim="800000"/>
+              <a:headEnd w="med" len="sm"/>
+              <a:tailEnd type="triangle" w="med" len="sm"/>
+            </a:ln>
+          </p:spPr>
+          <p:style>
+            <a:lnRef idx="1">
+              <a:schemeClr val="accent1"/>
+            </a:lnRef>
+            <a:fillRef idx="0">
+              <a:schemeClr val="accent1"/>
+            </a:fillRef>
+            <a:effectRef idx="0">
+              <a:schemeClr val="accent1"/>
+            </a:effectRef>
+            <a:fontRef idx="minor">
+              <a:schemeClr val="tx1"/>
+            </a:fontRef>
+          </p:style>
+        </p:cxnSp>
+      </p:grpSp>
     </p:spTree>
     <p:extLst>
       <p:ext uri="{BB962C8B-B14F-4D97-AF65-F5344CB8AC3E}">
@@ -8000,22 +8733,19 @@
   <p:clrMapOvr>
     <a:masterClrMapping/>
   </p:clrMapOvr>
+  <p:timing>
+    <p:tnLst>
+      <p:par>
+        <p:cTn id="1" dur="indefinite" restart="never" nodeType="tmRoot"/>
+      </p:par>
+    </p:tnLst>
+  </p:timing>
 </p:sld>
 </file>
 
 <file path=ppt/slides/slide6.xml><?xml version="1.0" encoding="utf-8"?>
 <p:sld xmlns:a="http://schemas.openxmlformats.org/drawingml/2006/main" xmlns:r="http://schemas.openxmlformats.org/officeDocument/2006/relationships" xmlns:p="http://schemas.openxmlformats.org/presentationml/2006/main">
   <p:cSld>
-    <p:bg>
-      <p:bgPr>
-        <a:solidFill>
-          <a:schemeClr val="bg1">
-            <a:lumMod val="95000"/>
-          </a:schemeClr>
-        </a:solidFill>
-        <a:effectLst/>
-      </p:bgPr>
-    </p:bg>
     <p:spTree>
       <p:nvGrpSpPr>
         <p:cNvPr id="1" name=""/>
@@ -8066,13 +8796,42 @@
       </p:sp>
       <p:sp>
         <p:nvSpPr>
+          <p:cNvPr id="2" name="TextBox 1"/>
+          <p:cNvSpPr txBox="1"/>
+          <p:nvPr/>
+        </p:nvSpPr>
+        <p:spPr>
+          <a:xfrm>
+            <a:off x="778551" y="2271298"/>
+            <a:ext cx="982898" cy="369332"/>
+          </a:xfrm>
+          <a:prstGeom prst="rect">
+            <a:avLst/>
+          </a:prstGeom>
+          <a:noFill/>
+        </p:spPr>
+        <p:txBody>
+          <a:bodyPr wrap="none" rtlCol="0">
+            <a:spAutoFit/>
+          </a:bodyPr>
+          <a:lstStyle/>
+          <a:p>
+            <a:r>
+              <a:rPr lang="en-US" dirty="0"/>
+              <a:t>Rotation</a:t>
+            </a:r>
+          </a:p>
+        </p:txBody>
+      </p:sp>
+      <p:sp>
+        <p:nvSpPr>
           <p:cNvPr id="3" name="TextBox 2"/>
           <p:cNvSpPr txBox="1"/>
           <p:nvPr/>
         </p:nvSpPr>
         <p:spPr>
           <a:xfrm>
-            <a:off x="4630057" y="2320659"/>
+            <a:off x="2540000" y="2271298"/>
             <a:ext cx="1662250" cy="369332"/>
           </a:xfrm>
           <a:prstGeom prst="rect">
@@ -8101,7 +8860,7 @@
         </p:nvSpPr>
         <p:spPr>
           <a:xfrm>
-            <a:off x="7070858" y="2320659"/>
+            <a:off x="4980801" y="2271298"/>
             <a:ext cx="1402372" cy="369332"/>
           </a:xfrm>
           <a:prstGeom prst="rect">
@@ -8130,7 +8889,7 @@
         </p:nvSpPr>
         <p:spPr>
           <a:xfrm>
-            <a:off x="686812" y="4716628"/>
+            <a:off x="7161724" y="2271298"/>
             <a:ext cx="1203727" cy="369332"/>
           </a:xfrm>
           <a:prstGeom prst="rect">
@@ -8159,8 +8918,8 @@
         </p:nvSpPr>
         <p:spPr>
           <a:xfrm>
-            <a:off x="5099912" y="4716628"/>
-            <a:ext cx="518091" cy="369332"/>
+            <a:off x="752871" y="4613617"/>
+            <a:ext cx="1034257" cy="369332"/>
           </a:xfrm>
           <a:prstGeom prst="rect">
             <a:avLst/>
@@ -8174,48 +8933,50 @@
           <a:lstStyle/>
           <a:p>
             <a:r>
-              <a:rPr lang="en-US" dirty="0" smtClean="0"/>
-              <a:t>Flip</a:t>
+              <a:rPr lang="en-US" dirty="0"/>
+              <a:t>Lock Axis</a:t>
             </a:r>
-            <a:endParaRPr lang="en-US" dirty="0"/>
           </a:p>
         </p:txBody>
       </p:sp>
       <p:grpSp>
         <p:nvGrpSpPr>
-          <p:cNvPr id="89" name="Group 88"/>
+          <p:cNvPr id="10" name="Group 9"/>
           <p:cNvGrpSpPr/>
           <p:nvPr/>
         </p:nvGrpSpPr>
         <p:grpSpPr>
           <a:xfrm>
-            <a:off x="3033194" y="5379331"/>
-            <a:ext cx="559539" cy="311642"/>
-            <a:chOff x="4291068" y="3238762"/>
-            <a:chExt cx="559539" cy="311642"/>
+            <a:off x="3166337" y="3422336"/>
+            <a:ext cx="409575" cy="409575"/>
+            <a:chOff x="3166337" y="3422336"/>
+            <a:chExt cx="409575" cy="409575"/>
           </a:xfrm>
         </p:grpSpPr>
         <p:sp>
           <p:nvSpPr>
-            <p:cNvPr id="62" name="Rectangle 61"/>
+            <p:cNvPr id="91" name="Rectangle 90"/>
             <p:cNvSpPr/>
             <p:nvPr/>
           </p:nvSpPr>
           <p:spPr>
-            <a:xfrm>
-              <a:off x="4622007" y="3459956"/>
-              <a:ext cx="228600" cy="90448"/>
+            <a:xfrm rot="4575288">
+              <a:off x="3166336" y="3571957"/>
+              <a:ext cx="409575" cy="110333"/>
             </a:xfrm>
             <a:prstGeom prst="rect">
               <a:avLst/>
             </a:prstGeom>
             <a:solidFill>
-              <a:srgbClr val="E46B09"/>
+              <a:schemeClr val="bg1">
+                <a:alpha val="0"/>
+              </a:schemeClr>
             </a:solidFill>
             <a:ln w="12700">
               <a:solidFill>
                 <a:schemeClr val="tx1"/>
               </a:solidFill>
+              <a:prstDash val="dash"/>
             </a:ln>
           </p:spPr>
           <p:style>
@@ -8245,21 +9006,202 @@
         </p:sp>
         <p:sp>
           <p:nvSpPr>
-            <p:cNvPr id="64" name="Rectangle 63"/>
+            <p:cNvPr id="90" name="Rectangle 89"/>
             <p:cNvSpPr/>
             <p:nvPr/>
           </p:nvSpPr>
           <p:spPr>
             <a:xfrm>
-              <a:off x="4622007" y="3238762"/>
-              <a:ext cx="228600" cy="90448"/>
+              <a:off x="3166337" y="3575171"/>
+              <a:ext cx="409575" cy="110333"/>
             </a:xfrm>
             <a:prstGeom prst="rect">
               <a:avLst/>
             </a:prstGeom>
             <a:solidFill>
-              <a:srgbClr val="E46B09">
-                <a:alpha val="60000"/>
+              <a:srgbClr val="0070C0"/>
+            </a:solidFill>
+            <a:ln w="12700">
+              <a:solidFill>
+                <a:schemeClr val="tx1"/>
+              </a:solidFill>
+              <a:prstDash val="solid"/>
+            </a:ln>
+          </p:spPr>
+          <p:style>
+            <a:lnRef idx="2">
+              <a:schemeClr val="accent1">
+                <a:shade val="50000"/>
+              </a:schemeClr>
+            </a:lnRef>
+            <a:fillRef idx="1">
+              <a:schemeClr val="accent1"/>
+            </a:fillRef>
+            <a:effectRef idx="0">
+              <a:schemeClr val="accent1"/>
+            </a:effectRef>
+            <a:fontRef idx="minor">
+              <a:schemeClr val="lt1"/>
+            </a:fontRef>
+          </p:style>
+          <p:txBody>
+            <a:bodyPr rtlCol="0" anchor="ctr"/>
+            <a:lstStyle/>
+            <a:p>
+              <a:pPr algn="ctr"/>
+              <a:endParaRPr lang="en-US"/>
+            </a:p>
+          </p:txBody>
+        </p:sp>
+      </p:grpSp>
+      <p:sp>
+        <p:nvSpPr>
+          <p:cNvPr id="159" name="TextBox 158"/>
+          <p:cNvSpPr txBox="1"/>
+          <p:nvPr/>
+        </p:nvSpPr>
+        <p:spPr>
+          <a:xfrm>
+            <a:off x="2298299" y="4613617"/>
+            <a:ext cx="2145652" cy="369332"/>
+          </a:xfrm>
+          <a:prstGeom prst="rect">
+            <a:avLst/>
+          </a:prstGeom>
+          <a:noFill/>
+        </p:spPr>
+        <p:txBody>
+          <a:bodyPr wrap="none" rtlCol="0">
+            <a:spAutoFit/>
+          </a:bodyPr>
+          <a:lstStyle/>
+          <a:p>
+            <a:r>
+              <a:rPr lang="en-US" dirty="0"/>
+              <a:t>Duplicate and Rotate</a:t>
+            </a:r>
+          </a:p>
+        </p:txBody>
+      </p:sp>
+      <p:grpSp>
+        <p:nvGrpSpPr>
+          <p:cNvPr id="8" name="Group 7"/>
+          <p:cNvGrpSpPr/>
+          <p:nvPr/>
+        </p:nvGrpSpPr>
+        <p:grpSpPr>
+          <a:xfrm>
+            <a:off x="7529499" y="3366403"/>
+            <a:ext cx="478645" cy="487364"/>
+            <a:chOff x="7529499" y="3366403"/>
+            <a:chExt cx="478645" cy="487364"/>
+          </a:xfrm>
+        </p:grpSpPr>
+        <p:cxnSp>
+          <p:nvCxnSpPr>
+            <p:cNvPr id="169" name="Straight Connector 168"/>
+            <p:cNvCxnSpPr>
+              <a:endCxn id="171" idx="7"/>
+            </p:cNvCxnSpPr>
+            <p:nvPr/>
+          </p:nvCxnSpPr>
+          <p:spPr>
+            <a:xfrm flipH="1">
+              <a:off x="7683971" y="3366403"/>
+              <a:ext cx="324173" cy="332892"/>
+            </a:xfrm>
+            <a:prstGeom prst="line">
+              <a:avLst/>
+            </a:prstGeom>
+            <a:ln w="12700">
+              <a:solidFill>
+                <a:schemeClr val="tx1"/>
+              </a:solidFill>
+              <a:prstDash val="dash"/>
+            </a:ln>
+          </p:spPr>
+          <p:style>
+            <a:lnRef idx="1">
+              <a:schemeClr val="accent1"/>
+            </a:lnRef>
+            <a:fillRef idx="0">
+              <a:schemeClr val="accent1"/>
+            </a:fillRef>
+            <a:effectRef idx="0">
+              <a:schemeClr val="accent1"/>
+            </a:effectRef>
+            <a:fontRef idx="minor">
+              <a:schemeClr val="tx1"/>
+            </a:fontRef>
+          </p:style>
+        </p:cxnSp>
+        <p:sp>
+          <p:nvSpPr>
+            <p:cNvPr id="171" name="Oval 170"/>
+            <p:cNvSpPr/>
+            <p:nvPr/>
+          </p:nvSpPr>
+          <p:spPr>
+            <a:xfrm>
+              <a:off x="7529499" y="3672792"/>
+              <a:ext cx="180975" cy="180975"/>
+            </a:xfrm>
+            <a:prstGeom prst="ellipse">
+              <a:avLst/>
+            </a:prstGeom>
+            <a:solidFill>
+              <a:srgbClr val="EFA66B"/>
+            </a:solidFill>
+            <a:ln w="12700">
+              <a:solidFill>
+                <a:schemeClr val="tx1"/>
+              </a:solidFill>
+            </a:ln>
+          </p:spPr>
+          <p:style>
+            <a:lnRef idx="2">
+              <a:schemeClr val="accent1">
+                <a:shade val="50000"/>
+              </a:schemeClr>
+            </a:lnRef>
+            <a:fillRef idx="1">
+              <a:schemeClr val="accent1"/>
+            </a:fillRef>
+            <a:effectRef idx="0">
+              <a:schemeClr val="accent1"/>
+            </a:effectRef>
+            <a:fontRef idx="minor">
+              <a:schemeClr val="lt1"/>
+            </a:fontRef>
+          </p:style>
+          <p:txBody>
+            <a:bodyPr rtlCol="0" anchor="ctr"/>
+            <a:lstStyle/>
+            <a:p>
+              <a:pPr algn="ctr"/>
+              <a:endParaRPr lang="en-US"/>
+            </a:p>
+          </p:txBody>
+        </p:sp>
+        <p:sp>
+          <p:nvSpPr>
+            <p:cNvPr id="172" name="Rectangle 171"/>
+            <p:cNvSpPr>
+              <a:spLocks noChangeAspect="1"/>
+            </p:cNvSpPr>
+            <p:nvPr/>
+          </p:nvSpPr>
+          <p:spPr>
+            <a:xfrm rot="7267194">
+              <a:off x="7803485" y="3403980"/>
+              <a:ext cx="82551" cy="255022"/>
+            </a:xfrm>
+            <a:prstGeom prst="rect">
+              <a:avLst/>
+            </a:prstGeom>
+            <a:solidFill>
+              <a:srgbClr val="FFFFFF">
+                <a:alpha val="0"/>
               </a:srgbClr>
             </a:solidFill>
             <a:ln w="12700">
@@ -8267,6 +9209,331 @@
                 <a:schemeClr val="tx1"/>
               </a:solidFill>
               <a:prstDash val="dash"/>
+            </a:ln>
+          </p:spPr>
+          <p:style>
+            <a:lnRef idx="2">
+              <a:schemeClr val="accent1">
+                <a:shade val="50000"/>
+              </a:schemeClr>
+            </a:lnRef>
+            <a:fillRef idx="1">
+              <a:schemeClr val="accent1"/>
+            </a:fillRef>
+            <a:effectRef idx="0">
+              <a:schemeClr val="accent1"/>
+            </a:effectRef>
+            <a:fontRef idx="minor">
+              <a:schemeClr val="lt1"/>
+            </a:fontRef>
+          </p:style>
+          <p:txBody>
+            <a:bodyPr rtlCol="0" anchor="ctr"/>
+            <a:lstStyle/>
+            <a:p>
+              <a:pPr algn="ctr"/>
+              <a:endParaRPr lang="en-US"/>
+            </a:p>
+          </p:txBody>
+        </p:sp>
+        <p:sp>
+          <p:nvSpPr>
+            <p:cNvPr id="173" name="Rectangle 172"/>
+            <p:cNvSpPr>
+              <a:spLocks noChangeAspect="1"/>
+            </p:cNvSpPr>
+            <p:nvPr/>
+          </p:nvSpPr>
+          <p:spPr>
+            <a:xfrm rot="2647189">
+              <a:off x="7803485" y="3403978"/>
+              <a:ext cx="82551" cy="255022"/>
+            </a:xfrm>
+            <a:prstGeom prst="rect">
+              <a:avLst/>
+            </a:prstGeom>
+            <a:solidFill>
+              <a:srgbClr val="0070C0"/>
+            </a:solidFill>
+            <a:ln w="12700">
+              <a:solidFill>
+                <a:schemeClr val="tx1"/>
+              </a:solidFill>
+            </a:ln>
+          </p:spPr>
+          <p:style>
+            <a:lnRef idx="2">
+              <a:schemeClr val="accent1">
+                <a:shade val="50000"/>
+              </a:schemeClr>
+            </a:lnRef>
+            <a:fillRef idx="1">
+              <a:schemeClr val="accent1"/>
+            </a:fillRef>
+            <a:effectRef idx="0">
+              <a:schemeClr val="accent1"/>
+            </a:effectRef>
+            <a:fontRef idx="minor">
+              <a:schemeClr val="lt1"/>
+            </a:fontRef>
+          </p:style>
+          <p:txBody>
+            <a:bodyPr rtlCol="0" anchor="ctr"/>
+            <a:lstStyle/>
+            <a:p>
+              <a:pPr algn="ctr"/>
+              <a:endParaRPr lang="en-US"/>
+            </a:p>
+          </p:txBody>
+        </p:sp>
+      </p:grpSp>
+      <p:grpSp>
+        <p:nvGrpSpPr>
+          <p:cNvPr id="32" name="Group 31"/>
+          <p:cNvGrpSpPr/>
+          <p:nvPr/>
+        </p:nvGrpSpPr>
+        <p:grpSpPr>
+          <a:xfrm>
+            <a:off x="3139732" y="5487659"/>
+            <a:ext cx="462781" cy="469792"/>
+            <a:chOff x="3139732" y="5487659"/>
+            <a:chExt cx="462781" cy="469792"/>
+          </a:xfrm>
+        </p:grpSpPr>
+        <p:sp>
+          <p:nvSpPr>
+            <p:cNvPr id="203" name="Arc 202"/>
+            <p:cNvSpPr>
+              <a:spLocks noChangeAspect="1"/>
+            </p:cNvSpPr>
+            <p:nvPr/>
+          </p:nvSpPr>
+          <p:spPr>
+            <a:xfrm>
+              <a:off x="3139732" y="5493432"/>
+              <a:ext cx="462781" cy="462781"/>
+            </a:xfrm>
+            <a:prstGeom prst="arc">
+              <a:avLst>
+                <a:gd name="adj1" fmla="val 16747602"/>
+                <a:gd name="adj2" fmla="val 4899949"/>
+              </a:avLst>
+            </a:prstGeom>
+            <a:ln w="12700">
+              <a:solidFill>
+                <a:schemeClr val="tx1"/>
+              </a:solidFill>
+              <a:prstDash val="dash"/>
+              <a:headEnd type="none" w="med" len="med"/>
+              <a:tailEnd type="none" w="med" len="med"/>
+            </a:ln>
+          </p:spPr>
+          <p:style>
+            <a:lnRef idx="1">
+              <a:schemeClr val="accent1"/>
+            </a:lnRef>
+            <a:fillRef idx="0">
+              <a:schemeClr val="accent1"/>
+            </a:fillRef>
+            <a:effectRef idx="0">
+              <a:schemeClr val="accent1"/>
+            </a:effectRef>
+            <a:fontRef idx="minor">
+              <a:schemeClr val="tx1"/>
+            </a:fontRef>
+          </p:style>
+          <p:txBody>
+            <a:bodyPr rtlCol="0" anchor="ctr"/>
+            <a:lstStyle/>
+            <a:p>
+              <a:pPr algn="ctr"/>
+              <a:endParaRPr lang="en-US"/>
+            </a:p>
+          </p:txBody>
+        </p:sp>
+        <p:sp>
+          <p:nvSpPr>
+            <p:cNvPr id="204" name="Oval 203"/>
+            <p:cNvSpPr/>
+            <p:nvPr/>
+          </p:nvSpPr>
+          <p:spPr>
+            <a:xfrm>
+              <a:off x="3280636" y="5635611"/>
+              <a:ext cx="180975" cy="180975"/>
+            </a:xfrm>
+            <a:prstGeom prst="ellipse">
+              <a:avLst/>
+            </a:prstGeom>
+            <a:solidFill>
+              <a:srgbClr val="EFA66B"/>
+            </a:solidFill>
+            <a:ln w="12700">
+              <a:solidFill>
+                <a:schemeClr val="tx1"/>
+              </a:solidFill>
+            </a:ln>
+          </p:spPr>
+          <p:style>
+            <a:lnRef idx="2">
+              <a:schemeClr val="accent1">
+                <a:shade val="50000"/>
+              </a:schemeClr>
+            </a:lnRef>
+            <a:fillRef idx="1">
+              <a:schemeClr val="accent1"/>
+            </a:fillRef>
+            <a:effectRef idx="0">
+              <a:schemeClr val="accent1"/>
+            </a:effectRef>
+            <a:fontRef idx="minor">
+              <a:schemeClr val="lt1"/>
+            </a:fontRef>
+          </p:style>
+          <p:txBody>
+            <a:bodyPr rtlCol="0" anchor="ctr"/>
+            <a:lstStyle/>
+            <a:p>
+              <a:pPr algn="ctr"/>
+              <a:endParaRPr lang="en-US"/>
+            </a:p>
+          </p:txBody>
+        </p:sp>
+        <p:sp>
+          <p:nvSpPr>
+            <p:cNvPr id="205" name="Oval 204"/>
+            <p:cNvSpPr/>
+            <p:nvPr/>
+          </p:nvSpPr>
+          <p:spPr>
+            <a:xfrm>
+              <a:off x="3454668" y="5487659"/>
+              <a:ext cx="121956" cy="121956"/>
+            </a:xfrm>
+            <a:prstGeom prst="ellipse">
+              <a:avLst/>
+            </a:prstGeom>
+            <a:solidFill>
+              <a:srgbClr val="0070C0"/>
+            </a:solidFill>
+            <a:ln w="12700">
+              <a:solidFill>
+                <a:schemeClr val="tx1"/>
+              </a:solidFill>
+              <a:prstDash val="solid"/>
+            </a:ln>
+          </p:spPr>
+          <p:style>
+            <a:lnRef idx="2">
+              <a:schemeClr val="accent1">
+                <a:shade val="50000"/>
+              </a:schemeClr>
+            </a:lnRef>
+            <a:fillRef idx="1">
+              <a:schemeClr val="accent1"/>
+            </a:fillRef>
+            <a:effectRef idx="0">
+              <a:schemeClr val="accent1"/>
+            </a:effectRef>
+            <a:fontRef idx="minor">
+              <a:schemeClr val="lt1"/>
+            </a:fontRef>
+          </p:style>
+          <p:txBody>
+            <a:bodyPr rtlCol="0" anchor="ctr"/>
+            <a:lstStyle/>
+            <a:p>
+              <a:pPr algn="ctr"/>
+              <a:endParaRPr lang="en-US"/>
+            </a:p>
+          </p:txBody>
+        </p:sp>
+        <p:sp>
+          <p:nvSpPr>
+            <p:cNvPr id="206" name="Oval 205"/>
+            <p:cNvSpPr/>
+            <p:nvPr/>
+          </p:nvSpPr>
+          <p:spPr>
+            <a:xfrm>
+              <a:off x="3462959" y="5835495"/>
+              <a:ext cx="121956" cy="121956"/>
+            </a:xfrm>
+            <a:prstGeom prst="ellipse">
+              <a:avLst/>
+            </a:prstGeom>
+            <a:solidFill>
+              <a:srgbClr val="0070C0"/>
+            </a:solidFill>
+            <a:ln w="12700">
+              <a:solidFill>
+                <a:schemeClr val="tx1"/>
+              </a:solidFill>
+            </a:ln>
+          </p:spPr>
+          <p:style>
+            <a:lnRef idx="2">
+              <a:schemeClr val="accent1">
+                <a:shade val="50000"/>
+              </a:schemeClr>
+            </a:lnRef>
+            <a:fillRef idx="1">
+              <a:schemeClr val="accent1"/>
+            </a:fillRef>
+            <a:effectRef idx="0">
+              <a:schemeClr val="accent1"/>
+            </a:effectRef>
+            <a:fontRef idx="minor">
+              <a:schemeClr val="lt1"/>
+            </a:fontRef>
+          </p:style>
+          <p:txBody>
+            <a:bodyPr rtlCol="0" anchor="ctr"/>
+            <a:lstStyle/>
+            <a:p>
+              <a:pPr algn="ctr"/>
+              <a:endParaRPr lang="en-US"/>
+            </a:p>
+          </p:txBody>
+        </p:sp>
+      </p:grpSp>
+      <p:grpSp>
+        <p:nvGrpSpPr>
+          <p:cNvPr id="34" name="Group 33"/>
+          <p:cNvGrpSpPr/>
+          <p:nvPr/>
+        </p:nvGrpSpPr>
+        <p:grpSpPr>
+          <a:xfrm>
+            <a:off x="990231" y="5458519"/>
+            <a:ext cx="559539" cy="309260"/>
+            <a:chOff x="990231" y="5458519"/>
+            <a:chExt cx="559539" cy="309260"/>
+          </a:xfrm>
+        </p:grpSpPr>
+        <p:sp>
+          <p:nvSpPr>
+            <p:cNvPr id="64" name="Rectangle 63"/>
+            <p:cNvSpPr/>
+            <p:nvPr/>
+          </p:nvSpPr>
+          <p:spPr>
+            <a:xfrm>
+              <a:off x="1321170" y="5458519"/>
+              <a:ext cx="228600" cy="90448"/>
+            </a:xfrm>
+            <a:prstGeom prst="rect">
+              <a:avLst/>
+            </a:prstGeom>
+            <a:solidFill>
+              <a:srgbClr val="0070C0"/>
+            </a:solidFill>
+            <a:ln w="12700">
+              <a:solidFill>
+                <a:schemeClr val="tx1"/>
+              </a:solidFill>
+              <a:prstDash val="solid"/>
             </a:ln>
           </p:spPr>
           <p:style>
@@ -8302,22 +9569,20 @@
           </p:nvSpPr>
           <p:spPr>
             <a:xfrm>
-              <a:off x="4291068" y="3457574"/>
+              <a:off x="990231" y="5677331"/>
               <a:ext cx="228600" cy="90448"/>
             </a:xfrm>
             <a:prstGeom prst="rect">
               <a:avLst/>
             </a:prstGeom>
             <a:solidFill>
-              <a:srgbClr val="E46B09">
-                <a:alpha val="60000"/>
-              </a:srgbClr>
+              <a:srgbClr val="0070C0"/>
             </a:solidFill>
             <a:ln w="12700">
               <a:solidFill>
                 <a:schemeClr val="tx1"/>
               </a:solidFill>
-              <a:prstDash val="dash"/>
+              <a:prstDash val="solid"/>
             </a:ln>
           </p:spPr>
           <p:style>
@@ -8347,17 +9612,14 @@
         </p:sp>
         <p:cxnSp>
           <p:nvCxnSpPr>
-            <p:cNvPr id="70" name="Straight Connector 69"/>
-            <p:cNvCxnSpPr>
-              <a:stCxn id="64" idx="3"/>
-              <a:endCxn id="62" idx="3"/>
-            </p:cNvCxnSpPr>
+            <p:cNvPr id="17" name="Straight Connector 16"/>
+            <p:cNvCxnSpPr/>
             <p:nvPr/>
           </p:nvCxnSpPr>
           <p:spPr>
             <a:xfrm>
-              <a:off x="4850607" y="3283986"/>
-              <a:ext cx="0" cy="221194"/>
+              <a:off x="1321170" y="5549635"/>
+              <a:ext cx="0" cy="135493"/>
             </a:xfrm>
             <a:prstGeom prst="line">
               <a:avLst/>
@@ -8386,17 +9648,101 @@
         </p:cxnSp>
         <p:cxnSp>
           <p:nvCxnSpPr>
-            <p:cNvPr id="72" name="Straight Connector 71"/>
-            <p:cNvCxnSpPr>
-              <a:stCxn id="64" idx="1"/>
-              <a:endCxn id="62" idx="1"/>
-            </p:cNvCxnSpPr>
+            <p:cNvPr id="23" name="Straight Connector 22"/>
+            <p:cNvCxnSpPr/>
             <p:nvPr/>
           </p:nvCxnSpPr>
           <p:spPr>
             <a:xfrm>
-              <a:off x="4622007" y="3283986"/>
-              <a:ext cx="0" cy="221194"/>
+              <a:off x="1204198" y="5677331"/>
+              <a:ext cx="117245" cy="0"/>
+            </a:xfrm>
+            <a:prstGeom prst="line">
+              <a:avLst/>
+            </a:prstGeom>
+            <a:ln w="12700">
+              <a:solidFill>
+                <a:schemeClr val="tx1"/>
+              </a:solidFill>
+              <a:prstDash val="dash"/>
+            </a:ln>
+          </p:spPr>
+          <p:style>
+            <a:lnRef idx="1">
+              <a:schemeClr val="accent1"/>
+            </a:lnRef>
+            <a:fillRef idx="0">
+              <a:schemeClr val="accent1"/>
+            </a:fillRef>
+            <a:effectRef idx="0">
+              <a:schemeClr val="accent1"/>
+            </a:effectRef>
+            <a:fontRef idx="minor">
+              <a:schemeClr val="tx1"/>
+            </a:fontRef>
+          </p:style>
+        </p:cxnSp>
+        <p:sp>
+          <p:nvSpPr>
+            <p:cNvPr id="55" name="Rectangle 54"/>
+            <p:cNvSpPr/>
+            <p:nvPr/>
+          </p:nvSpPr>
+          <p:spPr>
+            <a:xfrm>
+              <a:off x="1318696" y="5677331"/>
+              <a:ext cx="228600" cy="90448"/>
+            </a:xfrm>
+            <a:prstGeom prst="rect">
+              <a:avLst/>
+            </a:prstGeom>
+            <a:solidFill>
+              <a:schemeClr val="bg1">
+                <a:alpha val="0"/>
+              </a:schemeClr>
+            </a:solidFill>
+            <a:ln w="12700">
+              <a:solidFill>
+                <a:schemeClr val="tx1"/>
+              </a:solidFill>
+              <a:prstDash val="dash"/>
+            </a:ln>
+          </p:spPr>
+          <p:style>
+            <a:lnRef idx="2">
+              <a:schemeClr val="accent1">
+                <a:shade val="50000"/>
+              </a:schemeClr>
+            </a:lnRef>
+            <a:fillRef idx="1">
+              <a:schemeClr val="accent1"/>
+            </a:fillRef>
+            <a:effectRef idx="0">
+              <a:schemeClr val="accent1"/>
+            </a:effectRef>
+            <a:fontRef idx="minor">
+              <a:schemeClr val="lt1"/>
+            </a:fontRef>
+          </p:style>
+          <p:txBody>
+            <a:bodyPr rtlCol="0" anchor="ctr"/>
+            <a:lstStyle/>
+            <a:p>
+              <a:pPr algn="ctr"/>
+              <a:endParaRPr lang="en-US"/>
+            </a:p>
+          </p:txBody>
+        </p:sp>
+        <p:cxnSp>
+          <p:nvCxnSpPr>
+            <p:cNvPr id="57" name="Straight Connector 56"/>
+            <p:cNvCxnSpPr/>
+            <p:nvPr/>
+          </p:nvCxnSpPr>
+          <p:spPr>
+            <a:xfrm>
+              <a:off x="1204198" y="5766487"/>
+              <a:ext cx="117245" cy="0"/>
             </a:xfrm>
             <a:prstGeom prst="line">
               <a:avLst/>
@@ -8425,55 +9771,14 @@
         </p:cxnSp>
         <p:cxnSp>
           <p:nvCxnSpPr>
-            <p:cNvPr id="77" name="Straight Connector 76"/>
-            <p:cNvCxnSpPr>
-              <a:stCxn id="65" idx="0"/>
-            </p:cNvCxnSpPr>
+            <p:cNvPr id="58" name="Straight Connector 57"/>
+            <p:cNvCxnSpPr/>
             <p:nvPr/>
           </p:nvCxnSpPr>
           <p:spPr>
             <a:xfrm>
-              <a:off x="4405368" y="3457574"/>
-              <a:ext cx="324958" cy="2381"/>
-            </a:xfrm>
-            <a:prstGeom prst="line">
-              <a:avLst/>
-            </a:prstGeom>
-            <a:ln w="12700">
-              <a:solidFill>
-                <a:schemeClr val="tx1"/>
-              </a:solidFill>
-              <a:prstDash val="dash"/>
-            </a:ln>
-          </p:spPr>
-          <p:style>
-            <a:lnRef idx="1">
-              <a:schemeClr val="accent1"/>
-            </a:lnRef>
-            <a:fillRef idx="0">
-              <a:schemeClr val="accent1"/>
-            </a:fillRef>
-            <a:effectRef idx="0">
-              <a:schemeClr val="accent1"/>
-            </a:effectRef>
-            <a:fontRef idx="minor">
-              <a:schemeClr val="tx1"/>
-            </a:fontRef>
-          </p:style>
-        </p:cxnSp>
-        <p:cxnSp>
-          <p:nvCxnSpPr>
-            <p:cNvPr id="80" name="Straight Connector 79"/>
-            <p:cNvCxnSpPr>
-              <a:stCxn id="65" idx="2"/>
-              <a:endCxn id="62" idx="2"/>
-            </p:cNvCxnSpPr>
-            <p:nvPr/>
-          </p:nvCxnSpPr>
-          <p:spPr>
-            <a:xfrm>
-              <a:off x="4405368" y="3548022"/>
-              <a:ext cx="330939" cy="2382"/>
+              <a:off x="1547296" y="5544042"/>
+              <a:ext cx="0" cy="135493"/>
             </a:xfrm>
             <a:prstGeom prst="line">
               <a:avLst/>
@@ -8503,58 +9808,58 @@
       </p:grpSp>
       <p:grpSp>
         <p:nvGrpSpPr>
-          <p:cNvPr id="8" name="组合 7"/>
+          <p:cNvPr id="11" name="Group 10"/>
           <p:cNvGrpSpPr/>
           <p:nvPr/>
         </p:nvGrpSpPr>
         <p:grpSpPr>
           <a:xfrm>
-            <a:off x="5256394" y="3471697"/>
-            <a:ext cx="409575" cy="409575"/>
-            <a:chOff x="3166337" y="3422336"/>
-            <a:chExt cx="409575" cy="409575"/>
+            <a:off x="1008854" y="3387747"/>
+            <a:ext cx="462783" cy="469792"/>
+            <a:chOff x="1008854" y="3387747"/>
+            <a:chExt cx="462783" cy="469792"/>
           </a:xfrm>
         </p:grpSpPr>
         <p:sp>
           <p:nvSpPr>
-            <p:cNvPr id="91" name="Rectangle 90"/>
-            <p:cNvSpPr/>
+            <p:cNvPr id="86" name="Arc 85"/>
+            <p:cNvSpPr>
+              <a:spLocks noChangeAspect="1"/>
+            </p:cNvSpPr>
             <p:nvPr/>
           </p:nvSpPr>
           <p:spPr>
-            <a:xfrm rot="4575288">
-              <a:off x="3166336" y="3559257"/>
-              <a:ext cx="409575" cy="135733"/>
-            </a:xfrm>
-            <a:prstGeom prst="rect">
-              <a:avLst/>
-            </a:prstGeom>
-            <a:solidFill>
-              <a:srgbClr val="E46B09">
-                <a:alpha val="60000"/>
-              </a:srgbClr>
-            </a:solidFill>
+            <a:xfrm>
+              <a:off x="1008856" y="3393520"/>
+              <a:ext cx="462781" cy="462781"/>
+            </a:xfrm>
+            <a:prstGeom prst="arc">
+              <a:avLst>
+                <a:gd name="adj1" fmla="val 16747602"/>
+                <a:gd name="adj2" fmla="val 17718937"/>
+              </a:avLst>
+            </a:prstGeom>
             <a:ln w="12700">
               <a:solidFill>
                 <a:schemeClr val="tx1"/>
               </a:solidFill>
               <a:prstDash val="dash"/>
-            </a:ln>
-          </p:spPr>
-          <p:style>
-            <a:lnRef idx="2">
-              <a:schemeClr val="accent1">
-                <a:shade val="50000"/>
-              </a:schemeClr>
-            </a:lnRef>
-            <a:fillRef idx="1">
-              <a:schemeClr val="accent1"/>
-            </a:fillRef>
-            <a:effectRef idx="0">
-              <a:schemeClr val="accent1"/>
-            </a:effectRef>
-            <a:fontRef idx="minor">
-              <a:schemeClr val="lt1"/>
+              <a:headEnd type="none" w="med" len="med"/>
+              <a:tailEnd type="none" w="med" len="med"/>
+            </a:ln>
+          </p:spPr>
+          <p:style>
+            <a:lnRef idx="1">
+              <a:schemeClr val="accent1"/>
+            </a:lnRef>
+            <a:fillRef idx="0">
+              <a:schemeClr val="accent1"/>
+            </a:fillRef>
+            <a:effectRef idx="0">
+              <a:schemeClr val="accent1"/>
+            </a:effectRef>
+            <a:fontRef idx="minor">
+              <a:schemeClr val="tx1"/>
             </a:fontRef>
           </p:style>
           <p:txBody>
@@ -8568,25 +9873,1155 @@
         </p:sp>
         <p:sp>
           <p:nvSpPr>
-            <p:cNvPr id="90" name="Rectangle 89"/>
+            <p:cNvPr id="94" name="Oval 93"/>
             <p:cNvSpPr/>
             <p:nvPr/>
           </p:nvSpPr>
           <p:spPr>
             <a:xfrm>
-              <a:off x="3166337" y="3562471"/>
-              <a:ext cx="409575" cy="135733"/>
-            </a:xfrm>
-            <a:prstGeom prst="rect">
+              <a:off x="1149760" y="3535699"/>
+              <a:ext cx="180975" cy="180975"/>
+            </a:xfrm>
+            <a:prstGeom prst="ellipse">
               <a:avLst/>
             </a:prstGeom>
             <a:solidFill>
-              <a:srgbClr val="E46B09"/>
+              <a:srgbClr val="EFA66B"/>
             </a:solidFill>
             <a:ln w="12700">
               <a:solidFill>
                 <a:schemeClr val="tx1"/>
               </a:solidFill>
+            </a:ln>
+          </p:spPr>
+          <p:style>
+            <a:lnRef idx="2">
+              <a:schemeClr val="accent1">
+                <a:shade val="50000"/>
+              </a:schemeClr>
+            </a:lnRef>
+            <a:fillRef idx="1">
+              <a:schemeClr val="accent1"/>
+            </a:fillRef>
+            <a:effectRef idx="0">
+              <a:schemeClr val="accent1"/>
+            </a:effectRef>
+            <a:fontRef idx="minor">
+              <a:schemeClr val="lt1"/>
+            </a:fontRef>
+          </p:style>
+          <p:txBody>
+            <a:bodyPr rtlCol="0" anchor="ctr"/>
+            <a:lstStyle/>
+            <a:p>
+              <a:pPr algn="ctr"/>
+              <a:endParaRPr lang="en-US"/>
+            </a:p>
+          </p:txBody>
+        </p:sp>
+        <p:sp>
+          <p:nvSpPr>
+            <p:cNvPr id="96" name="Oval 95"/>
+            <p:cNvSpPr/>
+            <p:nvPr/>
+          </p:nvSpPr>
+          <p:spPr>
+            <a:xfrm>
+              <a:off x="1323792" y="3387747"/>
+              <a:ext cx="121956" cy="121956"/>
+            </a:xfrm>
+            <a:prstGeom prst="ellipse">
+              <a:avLst/>
+            </a:prstGeom>
+            <a:solidFill>
+              <a:schemeClr val="bg1">
+                <a:alpha val="0"/>
+              </a:schemeClr>
+            </a:solidFill>
+            <a:ln w="12700">
+              <a:solidFill>
+                <a:schemeClr val="tx1"/>
+              </a:solidFill>
+              <a:prstDash val="dash"/>
+            </a:ln>
+          </p:spPr>
+          <p:style>
+            <a:lnRef idx="2">
+              <a:schemeClr val="accent1">
+                <a:shade val="50000"/>
+              </a:schemeClr>
+            </a:lnRef>
+            <a:fillRef idx="1">
+              <a:schemeClr val="accent1"/>
+            </a:fillRef>
+            <a:effectRef idx="0">
+              <a:schemeClr val="accent1"/>
+            </a:effectRef>
+            <a:fontRef idx="minor">
+              <a:schemeClr val="lt1"/>
+            </a:fontRef>
+          </p:style>
+          <p:txBody>
+            <a:bodyPr rtlCol="0" anchor="ctr"/>
+            <a:lstStyle/>
+            <a:p>
+              <a:pPr algn="ctr"/>
+              <a:endParaRPr lang="en-US"/>
+            </a:p>
+          </p:txBody>
+        </p:sp>
+        <p:sp>
+          <p:nvSpPr>
+            <p:cNvPr id="98" name="Oval 97"/>
+            <p:cNvSpPr/>
+            <p:nvPr/>
+          </p:nvSpPr>
+          <p:spPr>
+            <a:xfrm>
+              <a:off x="1332083" y="3735583"/>
+              <a:ext cx="121956" cy="121956"/>
+            </a:xfrm>
+            <a:prstGeom prst="ellipse">
+              <a:avLst/>
+            </a:prstGeom>
+            <a:solidFill>
+              <a:srgbClr val="0070C0"/>
+            </a:solidFill>
+            <a:ln w="12700">
+              <a:solidFill>
+                <a:schemeClr val="tx1"/>
+              </a:solidFill>
+            </a:ln>
+          </p:spPr>
+          <p:style>
+            <a:lnRef idx="2">
+              <a:schemeClr val="accent1">
+                <a:shade val="50000"/>
+              </a:schemeClr>
+            </a:lnRef>
+            <a:fillRef idx="1">
+              <a:schemeClr val="accent1"/>
+            </a:fillRef>
+            <a:effectRef idx="0">
+              <a:schemeClr val="accent1"/>
+            </a:effectRef>
+            <a:fontRef idx="minor">
+              <a:schemeClr val="lt1"/>
+            </a:fontRef>
+          </p:style>
+          <p:txBody>
+            <a:bodyPr rtlCol="0" anchor="ctr"/>
+            <a:lstStyle/>
+            <a:p>
+              <a:pPr algn="ctr"/>
+              <a:endParaRPr lang="en-US"/>
+            </a:p>
+          </p:txBody>
+        </p:sp>
+        <p:sp>
+          <p:nvSpPr>
+            <p:cNvPr id="41" name="Arc 40"/>
+            <p:cNvSpPr>
+              <a:spLocks noChangeAspect="1"/>
+            </p:cNvSpPr>
+            <p:nvPr/>
+          </p:nvSpPr>
+          <p:spPr>
+            <a:xfrm rot="2928815">
+              <a:off x="1008855" y="3393519"/>
+              <a:ext cx="462781" cy="462781"/>
+            </a:xfrm>
+            <a:prstGeom prst="arc">
+              <a:avLst>
+                <a:gd name="adj1" fmla="val 16747602"/>
+                <a:gd name="adj2" fmla="val 20557486"/>
+              </a:avLst>
+            </a:prstGeom>
+            <a:ln w="12700">
+              <a:solidFill>
+                <a:schemeClr val="tx1"/>
+              </a:solidFill>
+              <a:prstDash val="dash"/>
+              <a:headEnd type="none" w="med" len="med"/>
+              <a:tailEnd type="none" w="med" len="med"/>
+            </a:ln>
+          </p:spPr>
+          <p:style>
+            <a:lnRef idx="1">
+              <a:schemeClr val="accent1"/>
+            </a:lnRef>
+            <a:fillRef idx="0">
+              <a:schemeClr val="accent1"/>
+            </a:fillRef>
+            <a:effectRef idx="0">
+              <a:schemeClr val="accent1"/>
+            </a:effectRef>
+            <a:fontRef idx="minor">
+              <a:schemeClr val="tx1"/>
+            </a:fontRef>
+          </p:style>
+          <p:txBody>
+            <a:bodyPr rtlCol="0" anchor="ctr"/>
+            <a:lstStyle/>
+            <a:p>
+              <a:pPr algn="ctr"/>
+              <a:endParaRPr lang="en-US"/>
+            </a:p>
+          </p:txBody>
+        </p:sp>
+        <p:sp>
+          <p:nvSpPr>
+            <p:cNvPr id="43" name="Arc 42"/>
+            <p:cNvSpPr>
+              <a:spLocks noChangeAspect="1"/>
+            </p:cNvSpPr>
+            <p:nvPr/>
+          </p:nvSpPr>
+          <p:spPr>
+            <a:xfrm rot="8918785">
+              <a:off x="1008854" y="3391742"/>
+              <a:ext cx="462781" cy="462781"/>
+            </a:xfrm>
+            <a:prstGeom prst="arc">
+              <a:avLst>
+                <a:gd name="adj1" fmla="val 16747602"/>
+                <a:gd name="adj2" fmla="val 17718937"/>
+              </a:avLst>
+            </a:prstGeom>
+            <a:ln w="12700">
+              <a:solidFill>
+                <a:schemeClr val="tx1"/>
+              </a:solidFill>
+              <a:prstDash val="dash"/>
+              <a:headEnd type="none" w="med" len="med"/>
+              <a:tailEnd type="none" w="med" len="med"/>
+            </a:ln>
+          </p:spPr>
+          <p:style>
+            <a:lnRef idx="1">
+              <a:schemeClr val="accent1"/>
+            </a:lnRef>
+            <a:fillRef idx="0">
+              <a:schemeClr val="accent1"/>
+            </a:fillRef>
+            <a:effectRef idx="0">
+              <a:schemeClr val="accent1"/>
+            </a:effectRef>
+            <a:fontRef idx="minor">
+              <a:schemeClr val="tx1"/>
+            </a:fontRef>
+          </p:style>
+          <p:txBody>
+            <a:bodyPr rtlCol="0" anchor="ctr"/>
+            <a:lstStyle/>
+            <a:p>
+              <a:pPr algn="ctr"/>
+              <a:endParaRPr lang="en-US"/>
+            </a:p>
+          </p:txBody>
+        </p:sp>
+      </p:grpSp>
+      <p:grpSp>
+        <p:nvGrpSpPr>
+          <p:cNvPr id="12" name="Group 11"/>
+          <p:cNvGrpSpPr/>
+          <p:nvPr/>
+        </p:nvGrpSpPr>
+        <p:grpSpPr>
+          <a:xfrm>
+            <a:off x="5476379" y="3429580"/>
+            <a:ext cx="409575" cy="409575"/>
+            <a:chOff x="5476379" y="3429580"/>
+            <a:chExt cx="409575" cy="409575"/>
+          </a:xfrm>
+        </p:grpSpPr>
+        <p:sp>
+          <p:nvSpPr>
+            <p:cNvPr id="47" name="Rectangle 46"/>
+            <p:cNvSpPr/>
+            <p:nvPr/>
+          </p:nvSpPr>
+          <p:spPr>
+            <a:xfrm rot="20775288">
+              <a:off x="5476379" y="3579202"/>
+              <a:ext cx="409575" cy="110333"/>
+            </a:xfrm>
+            <a:prstGeom prst="rect">
+              <a:avLst/>
+            </a:prstGeom>
+            <a:solidFill>
+              <a:schemeClr val="bg1">
+                <a:alpha val="0"/>
+              </a:schemeClr>
+            </a:solidFill>
+            <a:ln w="12700">
+              <a:solidFill>
+                <a:schemeClr val="tx1"/>
+              </a:solidFill>
+              <a:prstDash val="dash"/>
+            </a:ln>
+          </p:spPr>
+          <p:style>
+            <a:lnRef idx="2">
+              <a:schemeClr val="accent1">
+                <a:shade val="50000"/>
+              </a:schemeClr>
+            </a:lnRef>
+            <a:fillRef idx="1">
+              <a:schemeClr val="accent1"/>
+            </a:fillRef>
+            <a:effectRef idx="0">
+              <a:schemeClr val="accent1"/>
+            </a:effectRef>
+            <a:fontRef idx="minor">
+              <a:schemeClr val="lt1"/>
+            </a:fontRef>
+          </p:style>
+          <p:txBody>
+            <a:bodyPr rtlCol="0" anchor="ctr"/>
+            <a:lstStyle/>
+            <a:p>
+              <a:pPr algn="ctr"/>
+              <a:endParaRPr lang="en-US"/>
+            </a:p>
+          </p:txBody>
+        </p:sp>
+        <p:sp>
+          <p:nvSpPr>
+            <p:cNvPr id="48" name="Rectangle 47"/>
+            <p:cNvSpPr/>
+            <p:nvPr/>
+          </p:nvSpPr>
+          <p:spPr>
+            <a:xfrm rot="16200000">
+              <a:off x="5479593" y="3579201"/>
+              <a:ext cx="409575" cy="110333"/>
+            </a:xfrm>
+            <a:prstGeom prst="rect">
+              <a:avLst/>
+            </a:prstGeom>
+            <a:solidFill>
+              <a:srgbClr val="0070C0"/>
+            </a:solidFill>
+            <a:ln w="12700">
+              <a:solidFill>
+                <a:schemeClr val="tx1"/>
+              </a:solidFill>
+              <a:prstDash val="solid"/>
+            </a:ln>
+          </p:spPr>
+          <p:style>
+            <a:lnRef idx="2">
+              <a:schemeClr val="accent1">
+                <a:shade val="50000"/>
+              </a:schemeClr>
+            </a:lnRef>
+            <a:fillRef idx="1">
+              <a:schemeClr val="accent1"/>
+            </a:fillRef>
+            <a:effectRef idx="0">
+              <a:schemeClr val="accent1"/>
+            </a:effectRef>
+            <a:fontRef idx="minor">
+              <a:schemeClr val="lt1"/>
+            </a:fontRef>
+          </p:style>
+          <p:txBody>
+            <a:bodyPr rtlCol="0" anchor="ctr"/>
+            <a:lstStyle/>
+            <a:p>
+              <a:pPr algn="ctr"/>
+              <a:endParaRPr lang="en-US"/>
+            </a:p>
+          </p:txBody>
+        </p:sp>
+      </p:grpSp>
+      <p:sp>
+        <p:nvSpPr>
+          <p:cNvPr id="40" name="TextBox 32"/>
+          <p:cNvSpPr txBox="1"/>
+          <p:nvPr/>
+        </p:nvSpPr>
+        <p:spPr>
+          <a:xfrm>
+            <a:off x="4955122" y="4628104"/>
+            <a:ext cx="1518557" cy="369332"/>
+          </a:xfrm>
+          <a:prstGeom prst="rect">
+            <a:avLst/>
+          </a:prstGeom>
+          <a:noFill/>
+        </p:spPr>
+        <p:txBody>
+          <a:bodyPr wrap="none" rtlCol="0">
+            <a:spAutoFit/>
+          </a:bodyPr>
+          <a:lstStyle/>
+          <a:p>
+            <a:r>
+              <a:rPr lang="en-US" dirty="0"/>
+              <a:t>Lock </a:t>
+            </a:r>
+            <a:r>
+              <a:rPr lang="en-US" dirty="0" smtClean="0"/>
+              <a:t>Direction</a:t>
+            </a:r>
+            <a:endParaRPr lang="en-US" dirty="0"/>
+          </a:p>
+        </p:txBody>
+      </p:sp>
+      <p:grpSp>
+        <p:nvGrpSpPr>
+          <p:cNvPr id="42" name="组合 41"/>
+          <p:cNvGrpSpPr/>
+          <p:nvPr/>
+        </p:nvGrpSpPr>
+        <p:grpSpPr>
+          <a:xfrm>
+            <a:off x="5461119" y="5363414"/>
+            <a:ext cx="484715" cy="457696"/>
+            <a:chOff x="5472249" y="5454121"/>
+            <a:chExt cx="484715" cy="457696"/>
+          </a:xfrm>
+        </p:grpSpPr>
+        <p:cxnSp>
+          <p:nvCxnSpPr>
+            <p:cNvPr id="44" name="直接连接符 43"/>
+            <p:cNvCxnSpPr/>
+            <p:nvPr/>
+          </p:nvCxnSpPr>
+          <p:spPr>
+            <a:xfrm flipV="1">
+              <a:off x="5473179" y="5454121"/>
+              <a:ext cx="483785" cy="454705"/>
+            </a:xfrm>
+            <a:prstGeom prst="line">
+              <a:avLst/>
+            </a:prstGeom>
+            <a:ln w="19050">
+              <a:solidFill>
+                <a:schemeClr val="tx1"/>
+              </a:solidFill>
+              <a:prstDash val="sysDash"/>
+            </a:ln>
+          </p:spPr>
+          <p:style>
+            <a:lnRef idx="1">
+              <a:schemeClr val="accent1"/>
+            </a:lnRef>
+            <a:fillRef idx="0">
+              <a:schemeClr val="accent1"/>
+            </a:fillRef>
+            <a:effectRef idx="0">
+              <a:schemeClr val="accent1"/>
+            </a:effectRef>
+            <a:fontRef idx="minor">
+              <a:schemeClr val="tx1"/>
+            </a:fontRef>
+          </p:style>
+        </p:cxnSp>
+        <p:sp>
+          <p:nvSpPr>
+            <p:cNvPr id="45" name="椭圆 44"/>
+            <p:cNvSpPr/>
+            <p:nvPr/>
+          </p:nvSpPr>
+          <p:spPr>
+            <a:xfrm>
+              <a:off x="5472249" y="5700229"/>
+              <a:ext cx="211588" cy="211588"/>
+            </a:xfrm>
+            <a:prstGeom prst="ellipse">
+              <a:avLst/>
+            </a:prstGeom>
+            <a:solidFill>
+              <a:schemeClr val="accent6">
+                <a:lumMod val="60000"/>
+                <a:lumOff val="40000"/>
+              </a:schemeClr>
+            </a:solidFill>
+            <a:ln w="19050" cmpd="sng">
+              <a:solidFill>
+                <a:schemeClr val="tx1">
+                  <a:lumMod val="95000"/>
+                  <a:lumOff val="5000"/>
+                </a:schemeClr>
+              </a:solidFill>
+            </a:ln>
+          </p:spPr>
+          <p:style>
+            <a:lnRef idx="2">
+              <a:schemeClr val="accent1">
+                <a:shade val="50000"/>
+              </a:schemeClr>
+            </a:lnRef>
+            <a:fillRef idx="1">
+              <a:schemeClr val="accent1"/>
+            </a:fillRef>
+            <a:effectRef idx="0">
+              <a:schemeClr val="accent1"/>
+            </a:effectRef>
+            <a:fontRef idx="minor">
+              <a:schemeClr val="lt1"/>
+            </a:fontRef>
+          </p:style>
+          <p:txBody>
+            <a:bodyPr rtlCol="0" anchor="ctr"/>
+            <a:lstStyle/>
+            <a:p>
+              <a:pPr algn="ctr"/>
+              <a:endParaRPr lang="zh-CN" altLang="en-US"/>
+            </a:p>
+          </p:txBody>
+        </p:sp>
+        <p:sp>
+          <p:nvSpPr>
+            <p:cNvPr id="46" name="椭圆 45"/>
+            <p:cNvSpPr/>
+            <p:nvPr/>
+          </p:nvSpPr>
+          <p:spPr>
+            <a:xfrm>
+              <a:off x="5816841" y="5478917"/>
+              <a:ext cx="107453" cy="107453"/>
+            </a:xfrm>
+            <a:prstGeom prst="ellipse">
+              <a:avLst/>
+            </a:prstGeom>
+            <a:ln w="19050">
+              <a:solidFill>
+                <a:schemeClr val="tx1">
+                  <a:lumMod val="95000"/>
+                  <a:lumOff val="5000"/>
+                </a:schemeClr>
+              </a:solidFill>
+            </a:ln>
+          </p:spPr>
+          <p:style>
+            <a:lnRef idx="2">
+              <a:schemeClr val="accent1">
+                <a:shade val="50000"/>
+              </a:schemeClr>
+            </a:lnRef>
+            <a:fillRef idx="1">
+              <a:schemeClr val="accent1"/>
+            </a:fillRef>
+            <a:effectRef idx="0">
+              <a:schemeClr val="accent1"/>
+            </a:effectRef>
+            <a:fontRef idx="minor">
+              <a:schemeClr val="lt1"/>
+            </a:fontRef>
+          </p:style>
+          <p:txBody>
+            <a:bodyPr rtlCol="0" anchor="ctr"/>
+            <a:lstStyle/>
+            <a:p>
+              <a:pPr algn="ctr"/>
+              <a:endParaRPr lang="zh-CN" altLang="en-US"/>
+            </a:p>
+          </p:txBody>
+        </p:sp>
+        <p:sp>
+          <p:nvSpPr>
+            <p:cNvPr id="49" name="椭圆 48"/>
+            <p:cNvSpPr/>
+            <p:nvPr/>
+          </p:nvSpPr>
+          <p:spPr>
+            <a:xfrm>
+              <a:off x="5681065" y="5602449"/>
+              <a:ext cx="124915" cy="124915"/>
+            </a:xfrm>
+            <a:prstGeom prst="ellipse">
+              <a:avLst/>
+            </a:prstGeom>
+            <a:noFill/>
+            <a:ln w="19050">
+              <a:solidFill>
+                <a:schemeClr val="tx1">
+                  <a:lumMod val="95000"/>
+                  <a:lumOff val="5000"/>
+                </a:schemeClr>
+              </a:solidFill>
+              <a:prstDash val="sysDash"/>
+            </a:ln>
+          </p:spPr>
+          <p:style>
+            <a:lnRef idx="2">
+              <a:schemeClr val="accent1">
+                <a:shade val="50000"/>
+              </a:schemeClr>
+            </a:lnRef>
+            <a:fillRef idx="1">
+              <a:schemeClr val="accent1"/>
+            </a:fillRef>
+            <a:effectRef idx="0">
+              <a:schemeClr val="accent1"/>
+            </a:effectRef>
+            <a:fontRef idx="minor">
+              <a:schemeClr val="lt1"/>
+            </a:fontRef>
+          </p:style>
+          <p:txBody>
+            <a:bodyPr rtlCol="0" anchor="ctr"/>
+            <a:lstStyle/>
+            <a:p>
+              <a:pPr algn="ctr"/>
+              <a:endParaRPr lang="zh-CN" altLang="en-US"/>
+            </a:p>
+          </p:txBody>
+        </p:sp>
+      </p:grpSp>
+      <p:sp>
+        <p:nvSpPr>
+          <p:cNvPr id="50" name="TextBox 32"/>
+          <p:cNvSpPr txBox="1"/>
+          <p:nvPr/>
+        </p:nvSpPr>
+        <p:spPr>
+          <a:xfrm>
+            <a:off x="7373890" y="4683924"/>
+            <a:ext cx="518091" cy="369332"/>
+          </a:xfrm>
+          <a:prstGeom prst="rect">
+            <a:avLst/>
+          </a:prstGeom>
+          <a:noFill/>
+        </p:spPr>
+        <p:txBody>
+          <a:bodyPr wrap="none" rtlCol="0">
+            <a:spAutoFit/>
+          </a:bodyPr>
+          <a:lstStyle/>
+          <a:p>
+            <a:r>
+              <a:rPr lang="en-US" dirty="0" smtClean="0"/>
+              <a:t>Flip</a:t>
+            </a:r>
+            <a:endParaRPr lang="en-US" dirty="0"/>
+          </a:p>
+        </p:txBody>
+      </p:sp>
+      <p:grpSp>
+        <p:nvGrpSpPr>
+          <p:cNvPr id="51" name="组合 50"/>
+          <p:cNvGrpSpPr/>
+          <p:nvPr/>
+        </p:nvGrpSpPr>
+        <p:grpSpPr>
+          <a:xfrm>
+            <a:off x="7323572" y="5407987"/>
+            <a:ext cx="507687" cy="426598"/>
+            <a:chOff x="3171876" y="5473943"/>
+            <a:chExt cx="313829" cy="235477"/>
+          </a:xfrm>
+        </p:grpSpPr>
+        <p:sp>
+          <p:nvSpPr>
+            <p:cNvPr id="52" name="直角三角形 51"/>
+            <p:cNvSpPr/>
+            <p:nvPr/>
+          </p:nvSpPr>
+          <p:spPr>
+            <a:xfrm>
+              <a:off x="3349972" y="5473944"/>
+              <a:ext cx="135733" cy="208179"/>
+            </a:xfrm>
+            <a:prstGeom prst="rtTriangle">
+              <a:avLst/>
+            </a:prstGeom>
+            <a:solidFill>
+              <a:schemeClr val="accent1">
+                <a:lumMod val="60000"/>
+                <a:lumOff val="40000"/>
+              </a:schemeClr>
+            </a:solidFill>
+            <a:ln w="19050">
+              <a:solidFill>
+                <a:schemeClr val="tx1"/>
+              </a:solidFill>
+              <a:prstDash val="sysDash"/>
+            </a:ln>
+          </p:spPr>
+          <p:style>
+            <a:lnRef idx="2">
+              <a:schemeClr val="accent1">
+                <a:shade val="50000"/>
+              </a:schemeClr>
+            </a:lnRef>
+            <a:fillRef idx="1">
+              <a:schemeClr val="accent1"/>
+            </a:fillRef>
+            <a:effectRef idx="0">
+              <a:schemeClr val="accent1"/>
+            </a:effectRef>
+            <a:fontRef idx="minor">
+              <a:schemeClr val="lt1"/>
+            </a:fontRef>
+          </p:style>
+          <p:txBody>
+            <a:bodyPr rtlCol="0" anchor="ctr"/>
+            <a:lstStyle/>
+            <a:p>
+              <a:pPr algn="ctr"/>
+              <a:endParaRPr lang="zh-CN" altLang="en-US"/>
+            </a:p>
+          </p:txBody>
+        </p:sp>
+        <p:sp>
+          <p:nvSpPr>
+            <p:cNvPr id="53" name="直角三角形 52"/>
+            <p:cNvSpPr/>
+            <p:nvPr/>
+          </p:nvSpPr>
+          <p:spPr>
+            <a:xfrm flipH="1">
+              <a:off x="3171876" y="5473943"/>
+              <a:ext cx="135733" cy="208179"/>
+            </a:xfrm>
+            <a:prstGeom prst="rtTriangle">
+              <a:avLst/>
+            </a:prstGeom>
+            <a:solidFill>
+              <a:schemeClr val="accent6">
+                <a:lumMod val="60000"/>
+                <a:lumOff val="40000"/>
+              </a:schemeClr>
+            </a:solidFill>
+            <a:ln w="12700">
+              <a:solidFill>
+                <a:schemeClr val="tx1"/>
+              </a:solidFill>
+            </a:ln>
+          </p:spPr>
+          <p:style>
+            <a:lnRef idx="2">
+              <a:schemeClr val="accent1">
+                <a:shade val="50000"/>
+              </a:schemeClr>
+            </a:lnRef>
+            <a:fillRef idx="1">
+              <a:schemeClr val="accent1"/>
+            </a:fillRef>
+            <a:effectRef idx="0">
+              <a:schemeClr val="accent1"/>
+            </a:effectRef>
+            <a:fontRef idx="minor">
+              <a:schemeClr val="lt1"/>
+            </a:fontRef>
+          </p:style>
+          <p:txBody>
+            <a:bodyPr rtlCol="0" anchor="ctr"/>
+            <a:lstStyle/>
+            <a:p>
+              <a:pPr algn="ctr"/>
+              <a:endParaRPr lang="zh-CN" altLang="en-US"/>
+            </a:p>
+          </p:txBody>
+        </p:sp>
+        <p:cxnSp>
+          <p:nvCxnSpPr>
+            <p:cNvPr id="54" name="曲线连接符 53"/>
+            <p:cNvCxnSpPr/>
+            <p:nvPr/>
+          </p:nvCxnSpPr>
+          <p:spPr>
+            <a:xfrm rot="5400000" flipH="1">
+              <a:off x="3321966" y="5620371"/>
+              <a:ext cx="1" cy="178097"/>
+            </a:xfrm>
+            <a:prstGeom prst="curvedConnector3">
+              <a:avLst>
+                <a:gd name="adj1" fmla="val -2147483647"/>
+              </a:avLst>
+            </a:prstGeom>
+            <a:ln w="19050">
+              <a:solidFill>
+                <a:schemeClr val="tx1"/>
+              </a:solidFill>
+              <a:tailEnd type="triangle"/>
+            </a:ln>
+          </p:spPr>
+          <p:style>
+            <a:lnRef idx="1">
+              <a:schemeClr val="accent1"/>
+            </a:lnRef>
+            <a:fillRef idx="0">
+              <a:schemeClr val="accent1"/>
+            </a:fillRef>
+            <a:effectRef idx="0">
+              <a:schemeClr val="accent1"/>
+            </a:effectRef>
+            <a:fontRef idx="minor">
+              <a:schemeClr val="tx1"/>
+            </a:fontRef>
+          </p:style>
+        </p:cxnSp>
+      </p:grpSp>
+      <p:grpSp>
+        <p:nvGrpSpPr>
+          <p:cNvPr id="56" name="组合 55"/>
+          <p:cNvGrpSpPr/>
+          <p:nvPr/>
+        </p:nvGrpSpPr>
+        <p:grpSpPr>
+          <a:xfrm rot="5400000">
+            <a:off x="8126679" y="5414421"/>
+            <a:ext cx="473043" cy="478733"/>
+            <a:chOff x="3171876" y="5473943"/>
+            <a:chExt cx="313829" cy="235477"/>
+          </a:xfrm>
+        </p:grpSpPr>
+        <p:sp>
+          <p:nvSpPr>
+            <p:cNvPr id="59" name="直角三角形 58"/>
+            <p:cNvSpPr/>
+            <p:nvPr/>
+          </p:nvSpPr>
+          <p:spPr>
+            <a:xfrm>
+              <a:off x="3349972" y="5473944"/>
+              <a:ext cx="135733" cy="208179"/>
+            </a:xfrm>
+            <a:prstGeom prst="rtTriangle">
+              <a:avLst/>
+            </a:prstGeom>
+            <a:solidFill>
+              <a:schemeClr val="accent1">
+                <a:lumMod val="60000"/>
+                <a:lumOff val="40000"/>
+              </a:schemeClr>
+            </a:solidFill>
+            <a:ln w="19050">
+              <a:solidFill>
+                <a:schemeClr val="tx1"/>
+              </a:solidFill>
+              <a:prstDash val="sysDash"/>
+            </a:ln>
+          </p:spPr>
+          <p:style>
+            <a:lnRef idx="2">
+              <a:schemeClr val="accent1">
+                <a:shade val="50000"/>
+              </a:schemeClr>
+            </a:lnRef>
+            <a:fillRef idx="1">
+              <a:schemeClr val="accent1"/>
+            </a:fillRef>
+            <a:effectRef idx="0">
+              <a:schemeClr val="accent1"/>
+            </a:effectRef>
+            <a:fontRef idx="minor">
+              <a:schemeClr val="lt1"/>
+            </a:fontRef>
+          </p:style>
+          <p:txBody>
+            <a:bodyPr rtlCol="0" anchor="ctr"/>
+            <a:lstStyle/>
+            <a:p>
+              <a:pPr algn="ctr"/>
+              <a:endParaRPr lang="zh-CN" altLang="en-US"/>
+            </a:p>
+          </p:txBody>
+        </p:sp>
+        <p:sp>
+          <p:nvSpPr>
+            <p:cNvPr id="60" name="直角三角形 59"/>
+            <p:cNvSpPr/>
+            <p:nvPr/>
+          </p:nvSpPr>
+          <p:spPr>
+            <a:xfrm flipH="1">
+              <a:off x="3171876" y="5473943"/>
+              <a:ext cx="135733" cy="208179"/>
+            </a:xfrm>
+            <a:prstGeom prst="rtTriangle">
+              <a:avLst/>
+            </a:prstGeom>
+            <a:solidFill>
+              <a:schemeClr val="accent6">
+                <a:lumMod val="60000"/>
+                <a:lumOff val="40000"/>
+              </a:schemeClr>
+            </a:solidFill>
+            <a:ln w="12700">
+              <a:solidFill>
+                <a:schemeClr val="tx1"/>
+              </a:solidFill>
+            </a:ln>
+          </p:spPr>
+          <p:style>
+            <a:lnRef idx="2">
+              <a:schemeClr val="accent1">
+                <a:shade val="50000"/>
+              </a:schemeClr>
+            </a:lnRef>
+            <a:fillRef idx="1">
+              <a:schemeClr val="accent1"/>
+            </a:fillRef>
+            <a:effectRef idx="0">
+              <a:schemeClr val="accent1"/>
+            </a:effectRef>
+            <a:fontRef idx="minor">
+              <a:schemeClr val="lt1"/>
+            </a:fontRef>
+          </p:style>
+          <p:txBody>
+            <a:bodyPr rtlCol="0" anchor="ctr"/>
+            <a:lstStyle/>
+            <a:p>
+              <a:pPr algn="ctr"/>
+              <a:endParaRPr lang="zh-CN" altLang="en-US"/>
+            </a:p>
+          </p:txBody>
+        </p:sp>
+        <p:cxnSp>
+          <p:nvCxnSpPr>
+            <p:cNvPr id="61" name="曲线连接符 60"/>
+            <p:cNvCxnSpPr/>
+            <p:nvPr/>
+          </p:nvCxnSpPr>
+          <p:spPr>
+            <a:xfrm rot="5400000" flipH="1">
+              <a:off x="3321966" y="5620371"/>
+              <a:ext cx="1" cy="178097"/>
+            </a:xfrm>
+            <a:prstGeom prst="curvedConnector3">
+              <a:avLst>
+                <a:gd name="adj1" fmla="val -2147483647"/>
+              </a:avLst>
+            </a:prstGeom>
+            <a:ln w="19050">
+              <a:solidFill>
+                <a:schemeClr val="tx1"/>
+              </a:solidFill>
+              <a:tailEnd type="triangle"/>
+            </a:ln>
+          </p:spPr>
+          <p:style>
+            <a:lnRef idx="1">
+              <a:schemeClr val="accent1"/>
+            </a:lnRef>
+            <a:fillRef idx="0">
+              <a:schemeClr val="accent1"/>
+            </a:fillRef>
+            <a:effectRef idx="0">
+              <a:schemeClr val="accent1"/>
+            </a:effectRef>
+            <a:fontRef idx="minor">
+              <a:schemeClr val="tx1"/>
+            </a:fontRef>
+          </p:style>
+        </p:cxnSp>
+      </p:grpSp>
+    </p:spTree>
+    <p:extLst>
+      <p:ext uri="{BB962C8B-B14F-4D97-AF65-F5344CB8AC3E}">
+        <p14:creationId xmlns:p14="http://schemas.microsoft.com/office/powerpoint/2010/main" val="393591708"/>
+      </p:ext>
+    </p:extLst>
+  </p:cSld>
+  <p:clrMapOvr>
+    <a:masterClrMapping/>
+  </p:clrMapOvr>
+  <p:timing>
+    <p:tnLst>
+      <p:par>
+        <p:cTn id="1" dur="indefinite" restart="never" nodeType="tmRoot"/>
+      </p:par>
+    </p:tnLst>
+  </p:timing>
+</p:sld>
+</file>
+
+<file path=ppt/slides/slide7.xml><?xml version="1.0" encoding="utf-8"?>
+<p:sld xmlns:a="http://schemas.openxmlformats.org/drawingml/2006/main" xmlns:r="http://schemas.openxmlformats.org/officeDocument/2006/relationships" xmlns:p="http://schemas.openxmlformats.org/presentationml/2006/main">
+  <p:cSld>
+    <p:spTree>
+      <p:nvGrpSpPr>
+        <p:cNvPr id="1" name=""/>
+        <p:cNvGrpSpPr/>
+        <p:nvPr/>
+      </p:nvGrpSpPr>
+      <p:grpSpPr>
+        <a:xfrm>
+          <a:off x="0" y="0"/>
+          <a:ext cx="0" cy="0"/>
+          <a:chOff x="0" y="0"/>
+          <a:chExt cx="0" cy="0"/>
+        </a:xfrm>
+      </p:grpSpPr>
+      <p:sp>
+        <p:nvSpPr>
+          <p:cNvPr id="4" name="TextBox 3"/>
+          <p:cNvSpPr txBox="1"/>
+          <p:nvPr/>
+        </p:nvSpPr>
+        <p:spPr>
+          <a:xfrm>
+            <a:off x="2360410" y="1303511"/>
+            <a:ext cx="4423199" cy="707886"/>
+          </a:xfrm>
+          <a:prstGeom prst="rect">
+            <a:avLst/>
+          </a:prstGeom>
+          <a:noFill/>
+        </p:spPr>
+        <p:txBody>
+          <a:bodyPr wrap="none" rtlCol="0">
+            <a:spAutoFit/>
+          </a:bodyPr>
+          <a:lstStyle/>
+          <a:p>
+            <a:pPr algn="ctr"/>
+            <a:r>
+              <a:rPr lang="en-US" sz="4000" dirty="0" smtClean="0"/>
+              <a:t>Radial Settings </a:t>
+            </a:r>
+            <a:r>
+              <a:rPr lang="en-US" sz="4000" dirty="0"/>
+              <a:t>Icons</a:t>
+            </a:r>
+          </a:p>
+        </p:txBody>
+      </p:sp>
+      <p:sp>
+        <p:nvSpPr>
+          <p:cNvPr id="35" name="TextBox 34"/>
+          <p:cNvSpPr txBox="1"/>
+          <p:nvPr/>
+        </p:nvSpPr>
+        <p:spPr>
+          <a:xfrm>
+            <a:off x="2534996" y="3314908"/>
+            <a:ext cx="673902" cy="369332"/>
+          </a:xfrm>
+          <a:prstGeom prst="rect">
+            <a:avLst/>
+          </a:prstGeom>
+          <a:noFill/>
+        </p:spPr>
+        <p:txBody>
+          <a:bodyPr wrap="none" rtlCol="0">
+            <a:spAutoFit/>
+          </a:bodyPr>
+          <a:lstStyle/>
+          <a:p>
+            <a:r>
+              <a:rPr lang="en-US" dirty="0" smtClean="0"/>
+              <a:t>Fixed</a:t>
+            </a:r>
+            <a:endParaRPr lang="en-US" dirty="0"/>
+          </a:p>
+        </p:txBody>
+      </p:sp>
+      <p:sp>
+        <p:nvSpPr>
+          <p:cNvPr id="36" name="TextBox 35"/>
+          <p:cNvSpPr txBox="1"/>
+          <p:nvPr/>
+        </p:nvSpPr>
+        <p:spPr>
+          <a:xfrm>
+            <a:off x="5753512" y="3314908"/>
+            <a:ext cx="998991" cy="369332"/>
+          </a:xfrm>
+          <a:prstGeom prst="rect">
+            <a:avLst/>
+          </a:prstGeom>
+          <a:noFill/>
+        </p:spPr>
+        <p:txBody>
+          <a:bodyPr wrap="none" rtlCol="0">
+            <a:spAutoFit/>
+          </a:bodyPr>
+          <a:lstStyle/>
+          <a:p>
+            <a:r>
+              <a:rPr lang="en-US" dirty="0" smtClean="0"/>
+              <a:t>Dynamic</a:t>
+            </a:r>
+            <a:endParaRPr lang="en-US" dirty="0"/>
+          </a:p>
+        </p:txBody>
+      </p:sp>
+      <p:grpSp>
+        <p:nvGrpSpPr>
+          <p:cNvPr id="9" name="Group 8"/>
+          <p:cNvGrpSpPr/>
+          <p:nvPr/>
+        </p:nvGrpSpPr>
+        <p:grpSpPr>
+          <a:xfrm>
+            <a:off x="6035728" y="4250531"/>
+            <a:ext cx="468175" cy="505695"/>
+            <a:chOff x="6035728" y="4250531"/>
+            <a:chExt cx="468175" cy="505695"/>
+          </a:xfrm>
+        </p:grpSpPr>
+        <p:cxnSp>
+          <p:nvCxnSpPr>
+            <p:cNvPr id="100" name="Straight Connector 99"/>
+            <p:cNvCxnSpPr/>
+            <p:nvPr/>
+          </p:nvCxnSpPr>
+          <p:spPr>
+            <a:xfrm>
+              <a:off x="6126216" y="4504046"/>
+              <a:ext cx="0" cy="124282"/>
+            </a:xfrm>
+            <a:prstGeom prst="line">
+              <a:avLst/>
+            </a:prstGeom>
+            <a:ln w="12700">
+              <a:solidFill>
+                <a:schemeClr val="tx1"/>
+              </a:solidFill>
+              <a:prstDash val="dash"/>
+            </a:ln>
+          </p:spPr>
+          <p:style>
+            <a:lnRef idx="1">
+              <a:schemeClr val="accent1"/>
+            </a:lnRef>
+            <a:fillRef idx="0">
+              <a:schemeClr val="accent1"/>
+            </a:fillRef>
+            <a:effectRef idx="0">
+              <a:schemeClr val="accent1"/>
+            </a:effectRef>
+            <a:fontRef idx="minor">
+              <a:schemeClr val="tx1"/>
+            </a:fontRef>
+          </p:style>
+        </p:cxnSp>
+        <p:sp>
+          <p:nvSpPr>
+            <p:cNvPr id="101" name="Chevron 100"/>
+            <p:cNvSpPr>
+              <a:spLocks/>
+            </p:cNvSpPr>
+            <p:nvPr/>
+          </p:nvSpPr>
+          <p:spPr>
+            <a:xfrm>
+              <a:off x="6063669" y="4358353"/>
+              <a:ext cx="125089" cy="137727"/>
+            </a:xfrm>
+            <a:prstGeom prst="chevron">
+              <a:avLst/>
+            </a:prstGeom>
+            <a:solidFill>
+              <a:schemeClr val="bg1">
+                <a:alpha val="0"/>
+              </a:schemeClr>
+            </a:solidFill>
+            <a:ln w="12700">
+              <a:solidFill>
+                <a:schemeClr val="tx1"/>
+              </a:solidFill>
+              <a:prstDash val="dash"/>
             </a:ln>
           </p:spPr>
           <p:style>
@@ -8616,23 +11051,23 @@
         </p:sp>
         <p:cxnSp>
           <p:nvCxnSpPr>
-            <p:cNvPr id="93" name="Straight Arrow Connector 92"/>
+            <p:cNvPr id="86" name="Straight Connector 85"/>
             <p:cNvCxnSpPr/>
             <p:nvPr/>
           </p:nvCxnSpPr>
           <p:spPr>
-            <a:xfrm flipV="1">
-              <a:off x="3506856" y="3717254"/>
-              <a:ext cx="69056" cy="64293"/>
-            </a:xfrm>
-            <a:prstGeom prst="straightConnector1">
-              <a:avLst/>
-            </a:prstGeom>
-            <a:ln w="19050">
+            <a:xfrm rot="4228434">
+              <a:off x="6327617" y="4418031"/>
+              <a:ext cx="2" cy="352571"/>
+            </a:xfrm>
+            <a:prstGeom prst="line">
+              <a:avLst/>
+            </a:prstGeom>
+            <a:ln w="12700">
               <a:solidFill>
                 <a:schemeClr val="tx1"/>
               </a:solidFill>
-              <a:tailEnd type="triangle"/>
+              <a:prstDash val="dash"/>
             </a:ln>
           </p:spPr>
           <p:style>
@@ -8650,83 +11085,30 @@
             </a:fontRef>
           </p:style>
         </p:cxnSp>
-        <p:cxnSp>
-          <p:nvCxnSpPr>
-            <p:cNvPr id="95" name="Straight Arrow Connector 94"/>
-            <p:cNvCxnSpPr/>
-            <p:nvPr/>
-          </p:nvCxnSpPr>
-          <p:spPr>
-            <a:xfrm flipH="1">
-              <a:off x="3183006" y="3473481"/>
-              <a:ext cx="68147" cy="69941"/>
-            </a:xfrm>
-            <a:prstGeom prst="straightConnector1">
-              <a:avLst/>
-            </a:prstGeom>
-            <a:ln w="19050">
-              <a:solidFill>
-                <a:schemeClr val="tx1"/>
-              </a:solidFill>
-              <a:tailEnd type="triangle"/>
-            </a:ln>
-          </p:spPr>
-          <p:style>
-            <a:lnRef idx="1">
-              <a:schemeClr val="accent1"/>
-            </a:lnRef>
-            <a:fillRef idx="0">
-              <a:schemeClr val="accent1"/>
-            </a:fillRef>
-            <a:effectRef idx="0">
-              <a:schemeClr val="accent1"/>
-            </a:effectRef>
-            <a:fontRef idx="minor">
-              <a:schemeClr val="tx1"/>
-            </a:fontRef>
-          </p:style>
-        </p:cxnSp>
-      </p:grpSp>
-      <p:grpSp>
-        <p:nvGrpSpPr>
-          <p:cNvPr id="116" name="Group 115"/>
-          <p:cNvGrpSpPr/>
-          <p:nvPr/>
-        </p:nvGrpSpPr>
-        <p:grpSpPr>
-          <a:xfrm>
-            <a:off x="7566065" y="3470506"/>
-            <a:ext cx="411957" cy="411957"/>
-            <a:chOff x="7211305" y="6260306"/>
-            <a:chExt cx="411957" cy="411957"/>
-          </a:xfrm>
-        </p:grpSpPr>
         <p:sp>
           <p:nvSpPr>
-            <p:cNvPr id="101" name="Rectangle 100"/>
-            <p:cNvSpPr/>
+            <p:cNvPr id="95" name="Chevron 94"/>
+            <p:cNvSpPr>
+              <a:spLocks/>
+            </p:cNvSpPr>
             <p:nvPr/>
           </p:nvSpPr>
           <p:spPr>
-            <a:xfrm rot="4606391">
-              <a:off x="7350608" y="6260305"/>
-              <a:ext cx="133351" cy="411957"/>
-            </a:xfrm>
-            <a:prstGeom prst="rect">
+            <a:xfrm rot="4228434">
+              <a:off x="6288473" y="4517147"/>
+              <a:ext cx="125089" cy="137727"/>
+            </a:xfrm>
+            <a:prstGeom prst="chevron">
               <a:avLst/>
             </a:prstGeom>
             <a:solidFill>
-              <a:srgbClr val="E46B09">
-                <a:alpha val="60000"/>
-              </a:srgbClr>
+              <a:srgbClr val="0070C0"/>
             </a:solidFill>
             <a:ln w="12700">
               <a:solidFill>
-                <a:schemeClr val="tx1">
-                  <a:alpha val="60000"/>
-                </a:schemeClr>
-              </a:solidFill>
-              <a:prstDash val="dash"/>
+                <a:schemeClr val="tx1"/>
+              </a:solidFill>
+              <a:prstDash val="solid"/>
             </a:ln>
           </p:spPr>
           <p:style>
@@ -8756,20 +11138,20 @@
         </p:sp>
         <p:sp>
           <p:nvSpPr>
-            <p:cNvPr id="100" name="Rectangle 99"/>
+            <p:cNvPr id="25" name="Oval 24"/>
             <p:cNvSpPr/>
             <p:nvPr/>
           </p:nvSpPr>
           <p:spPr>
             <a:xfrm>
-              <a:off x="7353300" y="6260306"/>
-              <a:ext cx="133351" cy="411957"/>
-            </a:xfrm>
-            <a:prstGeom prst="rect">
+              <a:off x="6035728" y="4575251"/>
+              <a:ext cx="180975" cy="180975"/>
+            </a:xfrm>
+            <a:prstGeom prst="ellipse">
               <a:avLst/>
             </a:prstGeom>
             <a:solidFill>
-              <a:srgbClr val="E46B09"/>
+              <a:srgbClr val="EFA66B"/>
             </a:solidFill>
             <a:ln w="12700">
               <a:solidFill>
@@ -8804,59 +11186,23 @@
         </p:sp>
         <p:cxnSp>
           <p:nvCxnSpPr>
-            <p:cNvPr id="103" name="Straight Arrow Connector 102"/>
+            <p:cNvPr id="21" name="Straight Connector 20"/>
             <p:cNvCxnSpPr/>
             <p:nvPr/>
           </p:nvCxnSpPr>
           <p:spPr>
-            <a:xfrm flipH="1" flipV="1">
-              <a:off x="7505700" y="6260306"/>
-              <a:ext cx="76200" cy="73819"/>
-            </a:xfrm>
-            <a:prstGeom prst="straightConnector1">
-              <a:avLst/>
-            </a:prstGeom>
-            <a:ln w="19050">
+            <a:xfrm>
+              <a:off x="6126216" y="4250531"/>
+              <a:ext cx="0" cy="103060"/>
+            </a:xfrm>
+            <a:prstGeom prst="line">
+              <a:avLst/>
+            </a:prstGeom>
+            <a:ln w="12700">
               <a:solidFill>
                 <a:schemeClr val="tx1"/>
               </a:solidFill>
-              <a:tailEnd type="triangle"/>
-            </a:ln>
-          </p:spPr>
-          <p:style>
-            <a:lnRef idx="1">
-              <a:schemeClr val="accent1"/>
-            </a:lnRef>
-            <a:fillRef idx="0">
-              <a:schemeClr val="accent1"/>
-            </a:fillRef>
-            <a:effectRef idx="0">
-              <a:schemeClr val="accent1"/>
-            </a:effectRef>
-            <a:fontRef idx="minor">
-              <a:schemeClr val="tx1"/>
-            </a:fontRef>
-          </p:style>
-        </p:cxnSp>
-        <p:cxnSp>
-          <p:nvCxnSpPr>
-            <p:cNvPr id="108" name="Straight Arrow Connector 107"/>
-            <p:cNvCxnSpPr/>
-            <p:nvPr/>
-          </p:nvCxnSpPr>
-          <p:spPr>
-            <a:xfrm>
-              <a:off x="7262814" y="6589036"/>
-              <a:ext cx="71437" cy="72511"/>
-            </a:xfrm>
-            <a:prstGeom prst="straightConnector1">
-              <a:avLst/>
-            </a:prstGeom>
-            <a:ln w="19050">
-              <a:solidFill>
-                <a:schemeClr val="tx1"/>
-              </a:solidFill>
-              <a:tailEnd type="triangle"/>
+              <a:prstDash val="dash"/>
             </a:ln>
           </p:spPr>
           <p:style>
@@ -8877,39 +11223,80 @@
       </p:grpSp>
       <p:grpSp>
         <p:nvGrpSpPr>
-          <p:cNvPr id="267" name="Group 266"/>
+          <p:cNvPr id="28" name="Group 27"/>
           <p:cNvGrpSpPr/>
           <p:nvPr/>
         </p:nvGrpSpPr>
         <p:grpSpPr>
           <a:xfrm>
-            <a:off x="988394" y="5271576"/>
-            <a:ext cx="520939" cy="531355"/>
-            <a:chOff x="5824134" y="5895605"/>
-            <a:chExt cx="520939" cy="531355"/>
+            <a:off x="2637859" y="4250531"/>
+            <a:ext cx="468175" cy="505695"/>
+            <a:chOff x="6035728" y="4250531"/>
+            <a:chExt cx="468175" cy="505695"/>
           </a:xfrm>
         </p:grpSpPr>
+        <p:cxnSp>
+          <p:nvCxnSpPr>
+            <p:cNvPr id="29" name="Straight Connector 28"/>
+            <p:cNvCxnSpPr/>
+            <p:nvPr/>
+          </p:nvCxnSpPr>
+          <p:spPr>
+            <a:xfrm>
+              <a:off x="6126216" y="4504046"/>
+              <a:ext cx="0" cy="124282"/>
+            </a:xfrm>
+            <a:prstGeom prst="line">
+              <a:avLst/>
+            </a:prstGeom>
+            <a:ln w="12700">
+              <a:solidFill>
+                <a:schemeClr val="tx1"/>
+              </a:solidFill>
+              <a:prstDash val="dash"/>
+            </a:ln>
+          </p:spPr>
+          <p:style>
+            <a:lnRef idx="1">
+              <a:schemeClr val="accent1"/>
+            </a:lnRef>
+            <a:fillRef idx="0">
+              <a:schemeClr val="accent1"/>
+            </a:fillRef>
+            <a:effectRef idx="0">
+              <a:schemeClr val="accent1"/>
+            </a:effectRef>
+            <a:fontRef idx="minor">
+              <a:schemeClr val="tx1"/>
+            </a:fontRef>
+          </p:style>
+        </p:cxnSp>
         <p:sp>
           <p:nvSpPr>
-            <p:cNvPr id="118" name="Rectangle 117"/>
-            <p:cNvSpPr/>
+            <p:cNvPr id="30" name="Chevron 29"/>
+            <p:cNvSpPr>
+              <a:spLocks/>
+            </p:cNvSpPr>
             <p:nvPr/>
           </p:nvSpPr>
           <p:spPr>
             <a:xfrm>
-              <a:off x="6017980" y="6088856"/>
-              <a:ext cx="142876" cy="142875"/>
-            </a:xfrm>
-            <a:prstGeom prst="rect">
+              <a:off x="6063669" y="4358353"/>
+              <a:ext cx="125089" cy="137727"/>
+            </a:xfrm>
+            <a:prstGeom prst="chevron">
               <a:avLst/>
             </a:prstGeom>
             <a:solidFill>
-              <a:srgbClr val="E46B09"/>
+              <a:schemeClr val="bg1">
+                <a:alpha val="0"/>
+              </a:schemeClr>
             </a:solidFill>
             <a:ln w="12700">
               <a:solidFill>
                 <a:schemeClr val="tx1"/>
               </a:solidFill>
+              <a:prstDash val="dash"/>
             </a:ln>
           </p:spPr>
           <p:style>
@@ -8937,1260 +11324,66 @@
             </a:p>
           </p:txBody>
         </p:sp>
-        <p:grpSp>
-          <p:nvGrpSpPr>
-            <p:cNvPr id="131" name="Group 130"/>
-            <p:cNvGrpSpPr/>
-            <p:nvPr/>
-          </p:nvGrpSpPr>
-          <p:grpSpPr>
-            <a:xfrm>
-              <a:off x="6001392" y="6271080"/>
-              <a:ext cx="155880" cy="155880"/>
-              <a:chOff x="6177194" y="5096973"/>
-              <a:chExt cx="411957" cy="411957"/>
-            </a:xfrm>
-          </p:grpSpPr>
-          <p:sp>
-            <p:nvSpPr>
-              <p:cNvPr id="121" name="Rectangle 120"/>
-              <p:cNvSpPr/>
-              <p:nvPr/>
-            </p:nvSpPr>
-            <p:spPr>
-              <a:xfrm rot="4606391">
-                <a:off x="6316497" y="5096972"/>
-                <a:ext cx="133351" cy="411957"/>
-              </a:xfrm>
-              <a:prstGeom prst="rect">
-                <a:avLst/>
-              </a:prstGeom>
-              <a:solidFill>
-                <a:srgbClr val="0070C0">
-                  <a:alpha val="60000"/>
-                </a:srgbClr>
-              </a:solidFill>
-              <a:ln w="12700">
-                <a:solidFill>
-                  <a:schemeClr val="tx1">
-                    <a:alpha val="60000"/>
-                  </a:schemeClr>
-                </a:solidFill>
-                <a:prstDash val="dash"/>
-              </a:ln>
-            </p:spPr>
-            <p:style>
-              <a:lnRef idx="2">
-                <a:schemeClr val="accent1">
-                  <a:shade val="50000"/>
-                </a:schemeClr>
-              </a:lnRef>
-              <a:fillRef idx="1">
-                <a:schemeClr val="accent1"/>
-              </a:fillRef>
-              <a:effectRef idx="0">
-                <a:schemeClr val="accent1"/>
-              </a:effectRef>
-              <a:fontRef idx="minor">
-                <a:schemeClr val="lt1"/>
-              </a:fontRef>
-            </p:style>
-            <p:txBody>
-              <a:bodyPr rtlCol="0" anchor="ctr"/>
-              <a:lstStyle/>
-              <a:p>
-                <a:pPr algn="ctr"/>
-                <a:endParaRPr lang="en-US"/>
-              </a:p>
-            </p:txBody>
-          </p:sp>
-          <p:sp>
-            <p:nvSpPr>
-              <p:cNvPr id="122" name="Rectangle 121"/>
-              <p:cNvSpPr/>
-              <p:nvPr/>
-            </p:nvSpPr>
-            <p:spPr>
-              <a:xfrm>
-                <a:off x="6319189" y="5096973"/>
-                <a:ext cx="133351" cy="411957"/>
-              </a:xfrm>
-              <a:prstGeom prst="rect">
-                <a:avLst/>
-              </a:prstGeom>
-              <a:solidFill>
-                <a:srgbClr val="0070C0"/>
-              </a:solidFill>
-              <a:ln w="12700">
-                <a:solidFill>
-                  <a:schemeClr val="tx1"/>
-                </a:solidFill>
-              </a:ln>
-            </p:spPr>
-            <p:style>
-              <a:lnRef idx="2">
-                <a:schemeClr val="accent1">
-                  <a:shade val="50000"/>
-                </a:schemeClr>
-              </a:lnRef>
-              <a:fillRef idx="1">
-                <a:schemeClr val="accent1"/>
-              </a:fillRef>
-              <a:effectRef idx="0">
-                <a:schemeClr val="accent1"/>
-              </a:effectRef>
-              <a:fontRef idx="minor">
-                <a:schemeClr val="lt1"/>
-              </a:fontRef>
-            </p:style>
-            <p:txBody>
-              <a:bodyPr rtlCol="0" anchor="ctr"/>
-              <a:lstStyle/>
-              <a:p>
-                <a:pPr algn="ctr"/>
-                <a:endParaRPr lang="en-US"/>
-              </a:p>
-            </p:txBody>
-          </p:sp>
-          <p:sp>
-            <p:nvSpPr>
-              <p:cNvPr id="127" name="Isosceles Triangle 126"/>
-              <p:cNvSpPr/>
-              <p:nvPr/>
-            </p:nvSpPr>
-            <p:spPr>
-              <a:xfrm rot="18759584">
-                <a:off x="6490864" y="5108865"/>
-                <a:ext cx="52387" cy="45719"/>
-              </a:xfrm>
-              <a:prstGeom prst="triangle">
-                <a:avLst/>
-              </a:prstGeom>
+        <p:cxnSp>
+          <p:nvCxnSpPr>
+            <p:cNvPr id="31" name="Straight Connector 30"/>
+            <p:cNvCxnSpPr/>
+            <p:nvPr/>
+          </p:nvCxnSpPr>
+          <p:spPr>
+            <a:xfrm rot="4228434">
+              <a:off x="6327617" y="4418031"/>
+              <a:ext cx="2" cy="352571"/>
+            </a:xfrm>
+            <a:prstGeom prst="line">
+              <a:avLst/>
+            </a:prstGeom>
+            <a:ln w="12700">
               <a:solidFill>
                 <a:schemeClr val="tx1"/>
               </a:solidFill>
-              <a:ln w="12700">
-                <a:solidFill>
-                  <a:schemeClr val="tx1"/>
-                </a:solidFill>
-              </a:ln>
-            </p:spPr>
-            <p:style>
-              <a:lnRef idx="2">
-                <a:schemeClr val="accent1">
-                  <a:shade val="50000"/>
-                </a:schemeClr>
-              </a:lnRef>
-              <a:fillRef idx="1">
-                <a:schemeClr val="accent1"/>
-              </a:fillRef>
-              <a:effectRef idx="0">
-                <a:schemeClr val="accent1"/>
-              </a:effectRef>
-              <a:fontRef idx="minor">
-                <a:schemeClr val="lt1"/>
-              </a:fontRef>
-            </p:style>
-            <p:txBody>
-              <a:bodyPr rtlCol="0" anchor="ctr"/>
-              <a:lstStyle/>
-              <a:p>
-                <a:pPr algn="ctr"/>
-                <a:endParaRPr lang="en-US"/>
-              </a:p>
-            </p:txBody>
-          </p:sp>
-          <p:sp>
-            <p:nvSpPr>
-              <p:cNvPr id="130" name="Isosceles Triangle 129"/>
-              <p:cNvSpPr/>
-              <p:nvPr/>
-            </p:nvSpPr>
-            <p:spPr>
-              <a:xfrm rot="7659000">
-                <a:off x="6228940" y="5446182"/>
-                <a:ext cx="52387" cy="45719"/>
-              </a:xfrm>
-              <a:prstGeom prst="triangle">
-                <a:avLst/>
-              </a:prstGeom>
-              <a:solidFill>
-                <a:schemeClr val="tx1"/>
-              </a:solidFill>
-              <a:ln w="12700">
-                <a:solidFill>
-                  <a:schemeClr val="tx1"/>
-                </a:solidFill>
-              </a:ln>
-            </p:spPr>
-            <p:style>
-              <a:lnRef idx="2">
-                <a:schemeClr val="accent1">
-                  <a:shade val="50000"/>
-                </a:schemeClr>
-              </a:lnRef>
-              <a:fillRef idx="1">
-                <a:schemeClr val="accent1"/>
-              </a:fillRef>
-              <a:effectRef idx="0">
-                <a:schemeClr val="accent1"/>
-              </a:effectRef>
-              <a:fontRef idx="minor">
-                <a:schemeClr val="lt1"/>
-              </a:fontRef>
-            </p:style>
-            <p:txBody>
-              <a:bodyPr rtlCol="0" anchor="ctr"/>
-              <a:lstStyle/>
-              <a:p>
-                <a:pPr algn="ctr"/>
-                <a:endParaRPr lang="en-US"/>
-              </a:p>
-            </p:txBody>
-          </p:sp>
-        </p:grpSp>
-        <p:grpSp>
-          <p:nvGrpSpPr>
-            <p:cNvPr id="132" name="Group 131"/>
-            <p:cNvGrpSpPr>
-              <a:grpSpLocks/>
-            </p:cNvGrpSpPr>
-            <p:nvPr/>
-          </p:nvGrpSpPr>
-          <p:grpSpPr>
-            <a:xfrm flipH="1">
-              <a:off x="6001392" y="5895605"/>
-              <a:ext cx="155880" cy="155880"/>
-              <a:chOff x="6177194" y="5096973"/>
-              <a:chExt cx="411957" cy="411957"/>
-            </a:xfrm>
-          </p:grpSpPr>
-          <p:sp>
-            <p:nvSpPr>
-              <p:cNvPr id="133" name="Rectangle 132"/>
-              <p:cNvSpPr/>
-              <p:nvPr/>
-            </p:nvSpPr>
-            <p:spPr>
-              <a:xfrm rot="4606391">
-                <a:off x="6316497" y="5096972"/>
-                <a:ext cx="133351" cy="411957"/>
-              </a:xfrm>
-              <a:prstGeom prst="rect">
-                <a:avLst/>
-              </a:prstGeom>
-              <a:solidFill>
-                <a:srgbClr val="0070C0">
-                  <a:alpha val="60000"/>
-                </a:srgbClr>
-              </a:solidFill>
-              <a:ln w="12700">
-                <a:solidFill>
-                  <a:schemeClr val="tx1">
-                    <a:alpha val="60000"/>
-                  </a:schemeClr>
-                </a:solidFill>
-                <a:prstDash val="dash"/>
-              </a:ln>
-            </p:spPr>
-            <p:style>
-              <a:lnRef idx="2">
-                <a:schemeClr val="accent1">
-                  <a:shade val="50000"/>
-                </a:schemeClr>
-              </a:lnRef>
-              <a:fillRef idx="1">
-                <a:schemeClr val="accent1"/>
-              </a:fillRef>
-              <a:effectRef idx="0">
-                <a:schemeClr val="accent1"/>
-              </a:effectRef>
-              <a:fontRef idx="minor">
-                <a:schemeClr val="lt1"/>
-              </a:fontRef>
-            </p:style>
-            <p:txBody>
-              <a:bodyPr rtlCol="0" anchor="ctr"/>
-              <a:lstStyle/>
-              <a:p>
-                <a:pPr algn="ctr"/>
-                <a:endParaRPr lang="en-US"/>
-              </a:p>
-            </p:txBody>
-          </p:sp>
-          <p:sp>
-            <p:nvSpPr>
-              <p:cNvPr id="134" name="Rectangle 133"/>
-              <p:cNvSpPr/>
-              <p:nvPr/>
-            </p:nvSpPr>
-            <p:spPr>
-              <a:xfrm>
-                <a:off x="6319189" y="5096973"/>
-                <a:ext cx="133351" cy="411957"/>
-              </a:xfrm>
-              <a:prstGeom prst="rect">
-                <a:avLst/>
-              </a:prstGeom>
-              <a:solidFill>
-                <a:srgbClr val="0070C0"/>
-              </a:solidFill>
-              <a:ln w="12700">
-                <a:solidFill>
-                  <a:schemeClr val="tx1"/>
-                </a:solidFill>
-              </a:ln>
-            </p:spPr>
-            <p:style>
-              <a:lnRef idx="2">
-                <a:schemeClr val="accent1">
-                  <a:shade val="50000"/>
-                </a:schemeClr>
-              </a:lnRef>
-              <a:fillRef idx="1">
-                <a:schemeClr val="accent1"/>
-              </a:fillRef>
-              <a:effectRef idx="0">
-                <a:schemeClr val="accent1"/>
-              </a:effectRef>
-              <a:fontRef idx="minor">
-                <a:schemeClr val="lt1"/>
-              </a:fontRef>
-            </p:style>
-            <p:txBody>
-              <a:bodyPr rtlCol="0" anchor="ctr"/>
-              <a:lstStyle/>
-              <a:p>
-                <a:pPr algn="ctr"/>
-                <a:endParaRPr lang="en-US"/>
-              </a:p>
-            </p:txBody>
-          </p:sp>
-          <p:sp>
-            <p:nvSpPr>
-              <p:cNvPr id="135" name="Isosceles Triangle 134"/>
-              <p:cNvSpPr/>
-              <p:nvPr/>
-            </p:nvSpPr>
-            <p:spPr>
-              <a:xfrm rot="18759584">
-                <a:off x="6490864" y="5108865"/>
-                <a:ext cx="52387" cy="45719"/>
-              </a:xfrm>
-              <a:prstGeom prst="triangle">
-                <a:avLst/>
-              </a:prstGeom>
-              <a:solidFill>
-                <a:schemeClr val="tx1"/>
-              </a:solidFill>
-              <a:ln w="12700">
-                <a:solidFill>
-                  <a:schemeClr val="tx1"/>
-                </a:solidFill>
-              </a:ln>
-            </p:spPr>
-            <p:style>
-              <a:lnRef idx="2">
-                <a:schemeClr val="accent1">
-                  <a:shade val="50000"/>
-                </a:schemeClr>
-              </a:lnRef>
-              <a:fillRef idx="1">
-                <a:schemeClr val="accent1"/>
-              </a:fillRef>
-              <a:effectRef idx="0">
-                <a:schemeClr val="accent1"/>
-              </a:effectRef>
-              <a:fontRef idx="minor">
-                <a:schemeClr val="lt1"/>
-              </a:fontRef>
-            </p:style>
-            <p:txBody>
-              <a:bodyPr rtlCol="0" anchor="ctr"/>
-              <a:lstStyle/>
-              <a:p>
-                <a:pPr algn="ctr"/>
-                <a:endParaRPr lang="en-US"/>
-              </a:p>
-            </p:txBody>
-          </p:sp>
-          <p:sp>
-            <p:nvSpPr>
-              <p:cNvPr id="136" name="Isosceles Triangle 135"/>
-              <p:cNvSpPr/>
-              <p:nvPr/>
-            </p:nvSpPr>
-            <p:spPr>
-              <a:xfrm rot="7659000">
-                <a:off x="6228940" y="5446182"/>
-                <a:ext cx="52387" cy="45719"/>
-              </a:xfrm>
-              <a:prstGeom prst="triangle">
-                <a:avLst/>
-              </a:prstGeom>
-              <a:solidFill>
-                <a:schemeClr val="tx1"/>
-              </a:solidFill>
-              <a:ln w="12700">
-                <a:solidFill>
-                  <a:schemeClr val="tx1"/>
-                </a:solidFill>
-              </a:ln>
-            </p:spPr>
-            <p:style>
-              <a:lnRef idx="2">
-                <a:schemeClr val="accent1">
-                  <a:shade val="50000"/>
-                </a:schemeClr>
-              </a:lnRef>
-              <a:fillRef idx="1">
-                <a:schemeClr val="accent1"/>
-              </a:fillRef>
-              <a:effectRef idx="0">
-                <a:schemeClr val="accent1"/>
-              </a:effectRef>
-              <a:fontRef idx="minor">
-                <a:schemeClr val="lt1"/>
-              </a:fontRef>
-            </p:style>
-            <p:txBody>
-              <a:bodyPr rtlCol="0" anchor="ctr"/>
-              <a:lstStyle/>
-              <a:p>
-                <a:pPr algn="ctr"/>
-                <a:endParaRPr lang="en-US"/>
-              </a:p>
-            </p:txBody>
-          </p:sp>
-        </p:grpSp>
-        <p:grpSp>
-          <p:nvGrpSpPr>
-            <p:cNvPr id="152" name="Group 151"/>
-            <p:cNvGrpSpPr>
-              <a:grpSpLocks/>
-            </p:cNvGrpSpPr>
-            <p:nvPr/>
-          </p:nvGrpSpPr>
-          <p:grpSpPr>
-            <a:xfrm>
-              <a:off x="5824134" y="6082353"/>
-              <a:ext cx="155880" cy="155880"/>
-              <a:chOff x="5308087" y="5973545"/>
-              <a:chExt cx="409575" cy="409575"/>
-            </a:xfrm>
-          </p:grpSpPr>
-          <p:sp>
-            <p:nvSpPr>
-              <p:cNvPr id="138" name="Rectangle 137"/>
-              <p:cNvSpPr/>
-              <p:nvPr/>
-            </p:nvSpPr>
-            <p:spPr>
-              <a:xfrm rot="4575288">
-                <a:off x="5308086" y="6110466"/>
-                <a:ext cx="409575" cy="135733"/>
-              </a:xfrm>
-              <a:prstGeom prst="rect">
-                <a:avLst/>
-              </a:prstGeom>
-              <a:solidFill>
-                <a:srgbClr val="0070C0">
-                  <a:alpha val="60000"/>
-                </a:srgbClr>
-              </a:solidFill>
-              <a:ln w="12700">
-                <a:solidFill>
-                  <a:schemeClr val="tx1"/>
-                </a:solidFill>
-                <a:prstDash val="dash"/>
-              </a:ln>
-            </p:spPr>
-            <p:style>
-              <a:lnRef idx="2">
-                <a:schemeClr val="accent1">
-                  <a:shade val="50000"/>
-                </a:schemeClr>
-              </a:lnRef>
-              <a:fillRef idx="1">
-                <a:schemeClr val="accent1"/>
-              </a:fillRef>
-              <a:effectRef idx="0">
-                <a:schemeClr val="accent1"/>
-              </a:effectRef>
-              <a:fontRef idx="minor">
-                <a:schemeClr val="lt1"/>
-              </a:fontRef>
-            </p:style>
-            <p:txBody>
-              <a:bodyPr rtlCol="0" anchor="ctr"/>
-              <a:lstStyle/>
-              <a:p>
-                <a:pPr algn="ctr"/>
-                <a:endParaRPr lang="en-US"/>
-              </a:p>
-            </p:txBody>
-          </p:sp>
-          <p:sp>
-            <p:nvSpPr>
-              <p:cNvPr id="139" name="Rectangle 138"/>
-              <p:cNvSpPr/>
-              <p:nvPr/>
-            </p:nvSpPr>
-            <p:spPr>
-              <a:xfrm>
-                <a:off x="5308087" y="6113680"/>
-                <a:ext cx="409575" cy="135733"/>
-              </a:xfrm>
-              <a:prstGeom prst="rect">
-                <a:avLst/>
-              </a:prstGeom>
-              <a:solidFill>
-                <a:srgbClr val="0070C0"/>
-              </a:solidFill>
-              <a:ln w="12700">
-                <a:solidFill>
-                  <a:schemeClr val="tx1"/>
-                </a:solidFill>
-              </a:ln>
-            </p:spPr>
-            <p:style>
-              <a:lnRef idx="2">
-                <a:schemeClr val="accent1">
-                  <a:shade val="50000"/>
-                </a:schemeClr>
-              </a:lnRef>
-              <a:fillRef idx="1">
-                <a:schemeClr val="accent1"/>
-              </a:fillRef>
-              <a:effectRef idx="0">
-                <a:schemeClr val="accent1"/>
-              </a:effectRef>
-              <a:fontRef idx="minor">
-                <a:schemeClr val="lt1"/>
-              </a:fontRef>
-            </p:style>
-            <p:txBody>
-              <a:bodyPr rtlCol="0" anchor="ctr"/>
-              <a:lstStyle/>
-              <a:p>
-                <a:pPr algn="ctr"/>
-                <a:endParaRPr lang="en-US"/>
-              </a:p>
-            </p:txBody>
-          </p:sp>
-          <p:sp>
-            <p:nvSpPr>
-              <p:cNvPr id="147" name="Isosceles Triangle 146"/>
-              <p:cNvSpPr/>
-              <p:nvPr/>
-            </p:nvSpPr>
-            <p:spPr>
-              <a:xfrm rot="13484501">
-                <a:off x="5335151" y="6036801"/>
-                <a:ext cx="45719" cy="45719"/>
-              </a:xfrm>
-              <a:prstGeom prst="triangle">
-                <a:avLst/>
-              </a:prstGeom>
-              <a:solidFill>
-                <a:schemeClr val="tx1"/>
-              </a:solidFill>
-              <a:ln w="12700">
-                <a:solidFill>
-                  <a:schemeClr val="tx1"/>
-                </a:solidFill>
-              </a:ln>
-            </p:spPr>
-            <p:style>
-              <a:lnRef idx="2">
-                <a:schemeClr val="accent1">
-                  <a:shade val="50000"/>
-                </a:schemeClr>
-              </a:lnRef>
-              <a:fillRef idx="1">
-                <a:schemeClr val="accent1"/>
-              </a:fillRef>
-              <a:effectRef idx="0">
-                <a:schemeClr val="accent1"/>
-              </a:effectRef>
-              <a:fontRef idx="minor">
-                <a:schemeClr val="lt1"/>
-              </a:fontRef>
-            </p:style>
-            <p:txBody>
-              <a:bodyPr rtlCol="0" anchor="ctr"/>
-              <a:lstStyle/>
-              <a:p>
-                <a:pPr algn="ctr"/>
-                <a:endParaRPr lang="en-US"/>
-              </a:p>
-            </p:txBody>
-          </p:sp>
-          <p:sp>
-            <p:nvSpPr>
-              <p:cNvPr id="151" name="Isosceles Triangle 150"/>
-              <p:cNvSpPr/>
-              <p:nvPr/>
-            </p:nvSpPr>
-            <p:spPr>
-              <a:xfrm rot="2700000">
-                <a:off x="5659126" y="6277568"/>
-                <a:ext cx="45719" cy="45719"/>
-              </a:xfrm>
-              <a:prstGeom prst="triangle">
-                <a:avLst/>
-              </a:prstGeom>
-              <a:solidFill>
-                <a:schemeClr val="tx1"/>
-              </a:solidFill>
-              <a:ln w="12700">
-                <a:solidFill>
-                  <a:schemeClr val="tx1"/>
-                </a:solidFill>
-              </a:ln>
-            </p:spPr>
-            <p:style>
-              <a:lnRef idx="2">
-                <a:schemeClr val="accent1">
-                  <a:shade val="50000"/>
-                </a:schemeClr>
-              </a:lnRef>
-              <a:fillRef idx="1">
-                <a:schemeClr val="accent1"/>
-              </a:fillRef>
-              <a:effectRef idx="0">
-                <a:schemeClr val="accent1"/>
-              </a:effectRef>
-              <a:fontRef idx="minor">
-                <a:schemeClr val="lt1"/>
-              </a:fontRef>
-            </p:style>
-            <p:txBody>
-              <a:bodyPr rtlCol="0" anchor="ctr"/>
-              <a:lstStyle/>
-              <a:p>
-                <a:pPr algn="ctr"/>
-                <a:endParaRPr lang="en-US"/>
-              </a:p>
-            </p:txBody>
-          </p:sp>
-        </p:grpSp>
-        <p:grpSp>
-          <p:nvGrpSpPr>
-            <p:cNvPr id="191" name="Group 190"/>
-            <p:cNvGrpSpPr>
-              <a:grpSpLocks/>
-            </p:cNvGrpSpPr>
-            <p:nvPr/>
-          </p:nvGrpSpPr>
-          <p:grpSpPr>
-            <a:xfrm flipV="1">
-              <a:off x="6189193" y="6082354"/>
-              <a:ext cx="155880" cy="155880"/>
-              <a:chOff x="5308087" y="5973545"/>
-              <a:chExt cx="409575" cy="409575"/>
-            </a:xfrm>
-          </p:grpSpPr>
-          <p:sp>
-            <p:nvSpPr>
-              <p:cNvPr id="192" name="Rectangle 191"/>
-              <p:cNvSpPr/>
-              <p:nvPr/>
-            </p:nvSpPr>
-            <p:spPr>
-              <a:xfrm rot="4575288">
-                <a:off x="5308086" y="6110466"/>
-                <a:ext cx="409575" cy="135733"/>
-              </a:xfrm>
-              <a:prstGeom prst="rect">
-                <a:avLst/>
-              </a:prstGeom>
-              <a:solidFill>
-                <a:srgbClr val="0070C0">
-                  <a:alpha val="60000"/>
-                </a:srgbClr>
-              </a:solidFill>
-              <a:ln w="12700">
-                <a:solidFill>
-                  <a:schemeClr val="tx1"/>
-                </a:solidFill>
-                <a:prstDash val="dash"/>
-              </a:ln>
-            </p:spPr>
-            <p:style>
-              <a:lnRef idx="2">
-                <a:schemeClr val="accent1">
-                  <a:shade val="50000"/>
-                </a:schemeClr>
-              </a:lnRef>
-              <a:fillRef idx="1">
-                <a:schemeClr val="accent1"/>
-              </a:fillRef>
-              <a:effectRef idx="0">
-                <a:schemeClr val="accent1"/>
-              </a:effectRef>
-              <a:fontRef idx="minor">
-                <a:schemeClr val="lt1"/>
-              </a:fontRef>
-            </p:style>
-            <p:txBody>
-              <a:bodyPr rtlCol="0" anchor="ctr"/>
-              <a:lstStyle/>
-              <a:p>
-                <a:pPr algn="ctr"/>
-                <a:endParaRPr lang="en-US"/>
-              </a:p>
-            </p:txBody>
-          </p:sp>
-          <p:sp>
-            <p:nvSpPr>
-              <p:cNvPr id="193" name="Rectangle 192"/>
-              <p:cNvSpPr/>
-              <p:nvPr/>
-            </p:nvSpPr>
-            <p:spPr>
-              <a:xfrm>
-                <a:off x="5308087" y="6113680"/>
-                <a:ext cx="409575" cy="135733"/>
-              </a:xfrm>
-              <a:prstGeom prst="rect">
-                <a:avLst/>
-              </a:prstGeom>
-              <a:solidFill>
-                <a:srgbClr val="0070C0"/>
-              </a:solidFill>
-              <a:ln w="12700">
-                <a:solidFill>
-                  <a:schemeClr val="tx1"/>
-                </a:solidFill>
-              </a:ln>
-            </p:spPr>
-            <p:style>
-              <a:lnRef idx="2">
-                <a:schemeClr val="accent1">
-                  <a:shade val="50000"/>
-                </a:schemeClr>
-              </a:lnRef>
-              <a:fillRef idx="1">
-                <a:schemeClr val="accent1"/>
-              </a:fillRef>
-              <a:effectRef idx="0">
-                <a:schemeClr val="accent1"/>
-              </a:effectRef>
-              <a:fontRef idx="minor">
-                <a:schemeClr val="lt1"/>
-              </a:fontRef>
-            </p:style>
-            <p:txBody>
-              <a:bodyPr rtlCol="0" anchor="ctr"/>
-              <a:lstStyle/>
-              <a:p>
-                <a:pPr algn="ctr"/>
-                <a:endParaRPr lang="en-US"/>
-              </a:p>
-            </p:txBody>
-          </p:sp>
-          <p:sp>
-            <p:nvSpPr>
-              <p:cNvPr id="194" name="Isosceles Triangle 193"/>
-              <p:cNvSpPr/>
-              <p:nvPr/>
-            </p:nvSpPr>
-            <p:spPr>
-              <a:xfrm rot="13484501">
-                <a:off x="5335151" y="6036801"/>
-                <a:ext cx="45719" cy="45719"/>
-              </a:xfrm>
-              <a:prstGeom prst="triangle">
-                <a:avLst/>
-              </a:prstGeom>
-              <a:solidFill>
-                <a:schemeClr val="tx1"/>
-              </a:solidFill>
-              <a:ln w="12700">
-                <a:solidFill>
-                  <a:schemeClr val="tx1"/>
-                </a:solidFill>
-              </a:ln>
-            </p:spPr>
-            <p:style>
-              <a:lnRef idx="2">
-                <a:schemeClr val="accent1">
-                  <a:shade val="50000"/>
-                </a:schemeClr>
-              </a:lnRef>
-              <a:fillRef idx="1">
-                <a:schemeClr val="accent1"/>
-              </a:fillRef>
-              <a:effectRef idx="0">
-                <a:schemeClr val="accent1"/>
-              </a:effectRef>
-              <a:fontRef idx="minor">
-                <a:schemeClr val="lt1"/>
-              </a:fontRef>
-            </p:style>
-            <p:txBody>
-              <a:bodyPr rtlCol="0" anchor="ctr"/>
-              <a:lstStyle/>
-              <a:p>
-                <a:pPr algn="ctr"/>
-                <a:endParaRPr lang="en-US"/>
-              </a:p>
-            </p:txBody>
-          </p:sp>
-          <p:sp>
-            <p:nvSpPr>
-              <p:cNvPr id="195" name="Isosceles Triangle 194"/>
-              <p:cNvSpPr/>
-              <p:nvPr/>
-            </p:nvSpPr>
-            <p:spPr>
-              <a:xfrm rot="2700000">
-                <a:off x="5659126" y="6277568"/>
-                <a:ext cx="45719" cy="45719"/>
-              </a:xfrm>
-              <a:prstGeom prst="triangle">
-                <a:avLst/>
-              </a:prstGeom>
-              <a:solidFill>
-                <a:schemeClr val="tx1"/>
-              </a:solidFill>
-              <a:ln w="12700">
-                <a:solidFill>
-                  <a:schemeClr val="tx1"/>
-                </a:solidFill>
-              </a:ln>
-            </p:spPr>
-            <p:style>
-              <a:lnRef idx="2">
-                <a:schemeClr val="accent1">
-                  <a:shade val="50000"/>
-                </a:schemeClr>
-              </a:lnRef>
-              <a:fillRef idx="1">
-                <a:schemeClr val="accent1"/>
-              </a:fillRef>
-              <a:effectRef idx="0">
-                <a:schemeClr val="accent1"/>
-              </a:effectRef>
-              <a:fontRef idx="minor">
-                <a:schemeClr val="lt1"/>
-              </a:fontRef>
-            </p:style>
-            <p:txBody>
-              <a:bodyPr rtlCol="0" anchor="ctr"/>
-              <a:lstStyle/>
-              <a:p>
-                <a:pPr algn="ctr"/>
-                <a:endParaRPr lang="en-US"/>
-              </a:p>
-            </p:txBody>
-          </p:sp>
-        </p:grpSp>
-      </p:grpSp>
-      <p:sp>
-        <p:nvSpPr>
-          <p:cNvPr id="53" name="TextBox 32"/>
-          <p:cNvSpPr txBox="1"/>
-          <p:nvPr/>
-        </p:nvSpPr>
-        <p:spPr>
-          <a:xfrm>
-            <a:off x="2947362" y="4716628"/>
-            <a:ext cx="1034257" cy="369332"/>
-          </a:xfrm>
-          <a:prstGeom prst="rect">
-            <a:avLst/>
-          </a:prstGeom>
-          <a:noFill/>
-        </p:spPr>
-        <p:txBody>
-          <a:bodyPr wrap="none" rtlCol="0">
-            <a:spAutoFit/>
-          </a:bodyPr>
-          <a:lstStyle/>
-          <a:p>
-            <a:r>
-              <a:rPr lang="en-US" dirty="0"/>
-              <a:t>Lock Axis</a:t>
-            </a:r>
-          </a:p>
-        </p:txBody>
-      </p:sp>
-      <p:grpSp>
-        <p:nvGrpSpPr>
-          <p:cNvPr id="22" name="组合 21"/>
-          <p:cNvGrpSpPr/>
-          <p:nvPr/>
-        </p:nvGrpSpPr>
-        <p:grpSpPr>
-          <a:xfrm>
-            <a:off x="5075788" y="5360588"/>
-            <a:ext cx="507687" cy="426598"/>
-            <a:chOff x="3171876" y="5473943"/>
-            <a:chExt cx="313829" cy="235477"/>
-          </a:xfrm>
-        </p:grpSpPr>
+              <a:prstDash val="dash"/>
+            </a:ln>
+          </p:spPr>
+          <p:style>
+            <a:lnRef idx="1">
+              <a:schemeClr val="accent1"/>
+            </a:lnRef>
+            <a:fillRef idx="0">
+              <a:schemeClr val="accent1"/>
+            </a:fillRef>
+            <a:effectRef idx="0">
+              <a:schemeClr val="accent1"/>
+            </a:effectRef>
+            <a:fontRef idx="minor">
+              <a:schemeClr val="tx1"/>
+            </a:fontRef>
+          </p:style>
+        </p:cxnSp>
         <p:sp>
           <p:nvSpPr>
-            <p:cNvPr id="7" name="直角三角形 6"/>
-            <p:cNvSpPr/>
+            <p:cNvPr id="32" name="Chevron 31"/>
+            <p:cNvSpPr>
+              <a:spLocks/>
+            </p:cNvSpPr>
             <p:nvPr/>
           </p:nvSpPr>
           <p:spPr>
             <a:xfrm>
-              <a:off x="3349972" y="5473944"/>
-              <a:ext cx="135733" cy="208179"/>
-            </a:xfrm>
-            <a:prstGeom prst="rtTriangle">
+              <a:off x="6288473" y="4517147"/>
+              <a:ext cx="125089" cy="137727"/>
+            </a:xfrm>
+            <a:prstGeom prst="chevron">
               <a:avLst/>
             </a:prstGeom>
             <a:solidFill>
-              <a:schemeClr val="accent1">
-                <a:lumMod val="60000"/>
-                <a:lumOff val="40000"/>
-              </a:schemeClr>
-            </a:solidFill>
-            <a:ln w="19050">
-              <a:solidFill>
-                <a:schemeClr val="tx1"/>
-              </a:solidFill>
-              <a:prstDash val="sysDash"/>
-            </a:ln>
-          </p:spPr>
-          <p:style>
-            <a:lnRef idx="2">
-              <a:schemeClr val="accent1">
-                <a:shade val="50000"/>
-              </a:schemeClr>
-            </a:lnRef>
-            <a:fillRef idx="1">
-              <a:schemeClr val="accent1"/>
-            </a:fillRef>
-            <a:effectRef idx="0">
-              <a:schemeClr val="accent1"/>
-            </a:effectRef>
-            <a:fontRef idx="minor">
-              <a:schemeClr val="lt1"/>
-            </a:fontRef>
-          </p:style>
-          <p:txBody>
-            <a:bodyPr rtlCol="0" anchor="ctr"/>
-            <a:lstStyle/>
-            <a:p>
-              <a:pPr algn="ctr"/>
-              <a:endParaRPr lang="zh-CN" altLang="en-US"/>
-            </a:p>
-          </p:txBody>
-        </p:sp>
-        <p:sp>
-          <p:nvSpPr>
-            <p:cNvPr id="58" name="直角三角形 57"/>
-            <p:cNvSpPr/>
-            <p:nvPr/>
-          </p:nvSpPr>
-          <p:spPr>
-            <a:xfrm flipH="1">
-              <a:off x="3171876" y="5473943"/>
-              <a:ext cx="135733" cy="208179"/>
-            </a:xfrm>
-            <a:prstGeom prst="rtTriangle">
-              <a:avLst/>
-            </a:prstGeom>
-            <a:solidFill>
-              <a:schemeClr val="accent6">
-                <a:lumMod val="75000"/>
-              </a:schemeClr>
+              <a:srgbClr val="0070C0"/>
             </a:solidFill>
             <a:ln w="12700">
               <a:solidFill>
                 <a:schemeClr val="tx1"/>
               </a:solidFill>
-            </a:ln>
-          </p:spPr>
-          <p:style>
-            <a:lnRef idx="2">
-              <a:schemeClr val="accent1">
-                <a:shade val="50000"/>
-              </a:schemeClr>
-            </a:lnRef>
-            <a:fillRef idx="1">
-              <a:schemeClr val="accent1"/>
-            </a:fillRef>
-            <a:effectRef idx="0">
-              <a:schemeClr val="accent1"/>
-            </a:effectRef>
-            <a:fontRef idx="minor">
-              <a:schemeClr val="lt1"/>
-            </a:fontRef>
-          </p:style>
-          <p:txBody>
-            <a:bodyPr rtlCol="0" anchor="ctr"/>
-            <a:lstStyle/>
-            <a:p>
-              <a:pPr algn="ctr"/>
-              <a:endParaRPr lang="zh-CN" altLang="en-US"/>
-            </a:p>
-          </p:txBody>
-        </p:sp>
-        <p:cxnSp>
-          <p:nvCxnSpPr>
-            <p:cNvPr id="14" name="曲线连接符 13"/>
-            <p:cNvCxnSpPr/>
-            <p:nvPr/>
-          </p:nvCxnSpPr>
-          <p:spPr>
-            <a:xfrm rot="5400000" flipH="1">
-              <a:off x="3321966" y="5620371"/>
-              <a:ext cx="1" cy="178097"/>
-            </a:xfrm>
-            <a:prstGeom prst="curvedConnector3">
-              <a:avLst>
-                <a:gd name="adj1" fmla="val -2147483647"/>
-              </a:avLst>
-            </a:prstGeom>
-            <a:ln w="19050">
-              <a:solidFill>
-                <a:schemeClr val="tx1"/>
-              </a:solidFill>
-              <a:tailEnd type="triangle"/>
-            </a:ln>
-          </p:spPr>
-          <p:style>
-            <a:lnRef idx="1">
-              <a:schemeClr val="accent1"/>
-            </a:lnRef>
-            <a:fillRef idx="0">
-              <a:schemeClr val="accent1"/>
-            </a:fillRef>
-            <a:effectRef idx="0">
-              <a:schemeClr val="accent1"/>
-            </a:effectRef>
-            <a:fontRef idx="minor">
-              <a:schemeClr val="tx1"/>
-            </a:fontRef>
-          </p:style>
-        </p:cxnSp>
-      </p:grpSp>
-      <p:grpSp>
-        <p:nvGrpSpPr>
-          <p:cNvPr id="76" name="组合 75"/>
-          <p:cNvGrpSpPr/>
-          <p:nvPr/>
-        </p:nvGrpSpPr>
-        <p:grpSpPr>
-          <a:xfrm rot="5400000">
-            <a:off x="5878895" y="5367022"/>
-            <a:ext cx="473043" cy="478733"/>
-            <a:chOff x="3171876" y="5473943"/>
-            <a:chExt cx="313829" cy="235477"/>
-          </a:xfrm>
-        </p:grpSpPr>
-        <p:sp>
-          <p:nvSpPr>
-            <p:cNvPr id="78" name="直角三角形 77"/>
-            <p:cNvSpPr/>
-            <p:nvPr/>
-          </p:nvSpPr>
-          <p:spPr>
-            <a:xfrm>
-              <a:off x="3349972" y="5473944"/>
-              <a:ext cx="135733" cy="208179"/>
-            </a:xfrm>
-            <a:prstGeom prst="rtTriangle">
-              <a:avLst/>
-            </a:prstGeom>
-            <a:solidFill>
-              <a:schemeClr val="accent1">
-                <a:lumMod val="60000"/>
-                <a:lumOff val="40000"/>
-              </a:schemeClr>
-            </a:solidFill>
-            <a:ln w="19050">
-              <a:solidFill>
-                <a:schemeClr val="tx1"/>
-              </a:solidFill>
-              <a:prstDash val="sysDash"/>
-            </a:ln>
-          </p:spPr>
-          <p:style>
-            <a:lnRef idx="2">
-              <a:schemeClr val="accent1">
-                <a:shade val="50000"/>
-              </a:schemeClr>
-            </a:lnRef>
-            <a:fillRef idx="1">
-              <a:schemeClr val="accent1"/>
-            </a:fillRef>
-            <a:effectRef idx="0">
-              <a:schemeClr val="accent1"/>
-            </a:effectRef>
-            <a:fontRef idx="minor">
-              <a:schemeClr val="lt1"/>
-            </a:fontRef>
-          </p:style>
-          <p:txBody>
-            <a:bodyPr rtlCol="0" anchor="ctr"/>
-            <a:lstStyle/>
-            <a:p>
-              <a:pPr algn="ctr"/>
-              <a:endParaRPr lang="zh-CN" altLang="en-US"/>
-            </a:p>
-          </p:txBody>
-        </p:sp>
-        <p:sp>
-          <p:nvSpPr>
-            <p:cNvPr id="79" name="直角三角形 78"/>
-            <p:cNvSpPr/>
-            <p:nvPr/>
-          </p:nvSpPr>
-          <p:spPr>
-            <a:xfrm flipH="1">
-              <a:off x="3171876" y="5473943"/>
-              <a:ext cx="135733" cy="208179"/>
-            </a:xfrm>
-            <a:prstGeom prst="rtTriangle">
-              <a:avLst/>
-            </a:prstGeom>
-            <a:solidFill>
-              <a:schemeClr val="accent6">
-                <a:lumMod val="75000"/>
-              </a:schemeClr>
-            </a:solidFill>
-            <a:ln w="12700">
-              <a:solidFill>
-                <a:schemeClr val="tx1"/>
-              </a:solidFill>
-            </a:ln>
-          </p:spPr>
-          <p:style>
-            <a:lnRef idx="2">
-              <a:schemeClr val="accent1">
-                <a:shade val="50000"/>
-              </a:schemeClr>
-            </a:lnRef>
-            <a:fillRef idx="1">
-              <a:schemeClr val="accent1"/>
-            </a:fillRef>
-            <a:effectRef idx="0">
-              <a:schemeClr val="accent1"/>
-            </a:effectRef>
-            <a:fontRef idx="minor">
-              <a:schemeClr val="lt1"/>
-            </a:fontRef>
-          </p:style>
-          <p:txBody>
-            <a:bodyPr rtlCol="0" anchor="ctr"/>
-            <a:lstStyle/>
-            <a:p>
-              <a:pPr algn="ctr"/>
-              <a:endParaRPr lang="zh-CN" altLang="en-US"/>
-            </a:p>
-          </p:txBody>
-        </p:sp>
-        <p:cxnSp>
-          <p:nvCxnSpPr>
-            <p:cNvPr id="81" name="曲线连接符 80"/>
-            <p:cNvCxnSpPr/>
-            <p:nvPr/>
-          </p:nvCxnSpPr>
-          <p:spPr>
-            <a:xfrm rot="5400000" flipH="1">
-              <a:off x="3321966" y="5620371"/>
-              <a:ext cx="1" cy="178097"/>
-            </a:xfrm>
-            <a:prstGeom prst="curvedConnector3">
-              <a:avLst>
-                <a:gd name="adj1" fmla="val -2147483647"/>
-              </a:avLst>
-            </a:prstGeom>
-            <a:ln w="19050">
-              <a:solidFill>
-                <a:schemeClr val="tx1"/>
-              </a:solidFill>
-              <a:tailEnd type="triangle"/>
-            </a:ln>
-          </p:spPr>
-          <p:style>
-            <a:lnRef idx="1">
-              <a:schemeClr val="accent1"/>
-            </a:lnRef>
-            <a:fillRef idx="0">
-              <a:schemeClr val="accent1"/>
-            </a:fillRef>
-            <a:effectRef idx="0">
-              <a:schemeClr val="accent1"/>
-            </a:effectRef>
-            <a:fontRef idx="minor">
-              <a:schemeClr val="tx1"/>
-            </a:fontRef>
-          </p:style>
-        </p:cxnSp>
-      </p:grpSp>
-      <p:sp>
-        <p:nvSpPr>
-          <p:cNvPr id="61" name="TextBox 1"/>
-          <p:cNvSpPr txBox="1"/>
-          <p:nvPr/>
-        </p:nvSpPr>
-        <p:spPr>
-          <a:xfrm>
-            <a:off x="833667" y="2320659"/>
-            <a:ext cx="982898" cy="369332"/>
-          </a:xfrm>
-          <a:prstGeom prst="rect">
-            <a:avLst/>
-          </a:prstGeom>
-          <a:noFill/>
-        </p:spPr>
-        <p:txBody>
-          <a:bodyPr wrap="none" rtlCol="0">
-            <a:spAutoFit/>
-          </a:bodyPr>
-          <a:lstStyle/>
-          <a:p>
-            <a:r>
-              <a:rPr lang="en-US" dirty="0"/>
-              <a:t>Rotation</a:t>
-            </a:r>
-          </a:p>
-        </p:txBody>
-      </p:sp>
-      <p:grpSp>
-        <p:nvGrpSpPr>
-          <p:cNvPr id="63" name="组合 62"/>
-          <p:cNvGrpSpPr/>
-          <p:nvPr/>
-        </p:nvGrpSpPr>
-        <p:grpSpPr>
-          <a:xfrm>
-            <a:off x="969810" y="3393572"/>
-            <a:ext cx="569257" cy="565821"/>
-            <a:chOff x="1043051" y="3327274"/>
-            <a:chExt cx="569257" cy="565821"/>
-          </a:xfrm>
-        </p:grpSpPr>
-        <p:sp>
-          <p:nvSpPr>
-            <p:cNvPr id="66" name="Rectangle 46"/>
-            <p:cNvSpPr/>
-            <p:nvPr/>
-          </p:nvSpPr>
-          <p:spPr>
-            <a:xfrm>
-              <a:off x="1206265" y="3582993"/>
-              <a:ext cx="157803" cy="151575"/>
-            </a:xfrm>
-            <a:prstGeom prst="rect">
-              <a:avLst/>
-            </a:prstGeom>
-            <a:solidFill>
-              <a:srgbClr val="E46B09"/>
-            </a:solidFill>
-            <a:ln w="12700">
-              <a:solidFill>
-                <a:schemeClr val="tx1"/>
-              </a:solidFill>
+              <a:prstDash val="solid"/>
             </a:ln>
           </p:spPr>
           <p:style>
@@ -10220,24 +11413,25 @@
         </p:sp>
         <p:sp>
           <p:nvSpPr>
-            <p:cNvPr id="67" name="Oval 51"/>
+            <p:cNvPr id="33" name="Oval 32"/>
             <p:cNvSpPr/>
             <p:nvPr/>
           </p:nvSpPr>
           <p:spPr>
             <a:xfrm>
-              <a:off x="1043051" y="3416856"/>
-              <a:ext cx="475064" cy="476239"/>
+              <a:off x="6035728" y="4575251"/>
+              <a:ext cx="180975" cy="180975"/>
             </a:xfrm>
             <a:prstGeom prst="ellipse">
               <a:avLst/>
             </a:prstGeom>
-            <a:noFill/>
-            <a:ln w="19050">
+            <a:solidFill>
+              <a:srgbClr val="EFA66B"/>
+            </a:solidFill>
+            <a:ln w="12700">
               <a:solidFill>
                 <a:schemeClr val="tx1"/>
               </a:solidFill>
-              <a:prstDash val="dash"/>
             </a:ln>
           </p:spPr>
           <p:style>
@@ -10265,836 +11459,60 @@
             </a:p>
           </p:txBody>
         </p:sp>
-        <p:sp>
-          <p:nvSpPr>
-            <p:cNvPr id="68" name="燕尾形 67"/>
-            <p:cNvSpPr/>
-            <p:nvPr/>
-          </p:nvSpPr>
-          <p:spPr>
-            <a:xfrm rot="953220">
-              <a:off x="1265968" y="3327274"/>
-              <a:ext cx="125089" cy="178964"/>
-            </a:xfrm>
-            <a:prstGeom prst="chevron">
-              <a:avLst/>
-            </a:prstGeom>
-            <a:solidFill>
-              <a:srgbClr val="0070C0">
-                <a:alpha val="0"/>
-              </a:srgbClr>
-            </a:solidFill>
+        <p:cxnSp>
+          <p:nvCxnSpPr>
+            <p:cNvPr id="34" name="Straight Connector 33"/>
+            <p:cNvCxnSpPr/>
+            <p:nvPr/>
+          </p:nvCxnSpPr>
+          <p:spPr>
+            <a:xfrm>
+              <a:off x="6126216" y="4250531"/>
+              <a:ext cx="0" cy="103060"/>
+            </a:xfrm>
+            <a:prstGeom prst="line">
+              <a:avLst/>
+            </a:prstGeom>
             <a:ln w="12700">
               <a:solidFill>
                 <a:schemeClr val="tx1"/>
               </a:solidFill>
-            </a:ln>
-          </p:spPr>
-          <p:style>
-            <a:lnRef idx="2">
-              <a:schemeClr val="accent1">
-                <a:shade val="50000"/>
-              </a:schemeClr>
-            </a:lnRef>
-            <a:fillRef idx="1">
-              <a:schemeClr val="accent1"/>
-            </a:fillRef>
-            <a:effectRef idx="0">
-              <a:schemeClr val="accent1"/>
-            </a:effectRef>
-            <a:fontRef idx="minor">
-              <a:schemeClr val="lt1"/>
-            </a:fontRef>
-          </p:style>
-          <p:txBody>
-            <a:bodyPr rtlCol="0" anchor="ctr"/>
-            <a:lstStyle/>
-            <a:p>
-              <a:pPr algn="ctr"/>
-              <a:endParaRPr lang="zh-CN" altLang="en-US">
-                <a:solidFill>
-                  <a:schemeClr val="tx1"/>
-                </a:solidFill>
-              </a:endParaRPr>
-            </a:p>
-          </p:txBody>
-        </p:sp>
-        <p:sp>
-          <p:nvSpPr>
-            <p:cNvPr id="69" name="燕尾形 68"/>
-            <p:cNvSpPr/>
-            <p:nvPr/>
-          </p:nvSpPr>
-          <p:spPr>
-            <a:xfrm rot="5400000">
-              <a:off x="1460281" y="3546379"/>
-              <a:ext cx="125089" cy="178964"/>
-            </a:xfrm>
-            <a:prstGeom prst="chevron">
-              <a:avLst/>
-            </a:prstGeom>
-            <a:solidFill>
-              <a:srgbClr val="0070C0"/>
-            </a:solidFill>
-            <a:ln w="12700">
-              <a:solidFill>
-                <a:schemeClr val="tx1"/>
-              </a:solidFill>
-            </a:ln>
-          </p:spPr>
-          <p:style>
-            <a:lnRef idx="2">
-              <a:schemeClr val="accent1">
-                <a:shade val="50000"/>
-              </a:schemeClr>
-            </a:lnRef>
-            <a:fillRef idx="1">
-              <a:schemeClr val="accent1"/>
-            </a:fillRef>
-            <a:effectRef idx="0">
-              <a:schemeClr val="accent1"/>
-            </a:effectRef>
-            <a:fontRef idx="minor">
-              <a:schemeClr val="lt1"/>
-            </a:fontRef>
-          </p:style>
-          <p:txBody>
-            <a:bodyPr rtlCol="0" anchor="ctr"/>
-            <a:lstStyle/>
-            <a:p>
-              <a:pPr algn="ctr"/>
-              <a:endParaRPr lang="zh-CN" altLang="en-US">
-                <a:solidFill>
-                  <a:schemeClr val="tx1"/>
-                </a:solidFill>
-              </a:endParaRPr>
-            </a:p>
-          </p:txBody>
-        </p:sp>
-      </p:grpSp>
-      <p:sp>
-        <p:nvSpPr>
-          <p:cNvPr id="71" name="TextBox 1"/>
-          <p:cNvSpPr txBox="1"/>
-          <p:nvPr/>
-        </p:nvSpPr>
-        <p:spPr>
-          <a:xfrm>
-            <a:off x="2260579" y="2316445"/>
-            <a:ext cx="2145652" cy="369332"/>
-          </a:xfrm>
-          <a:prstGeom prst="rect">
-            <a:avLst/>
-          </a:prstGeom>
-          <a:noFill/>
-        </p:spPr>
-        <p:txBody>
-          <a:bodyPr wrap="none" rtlCol="0">
-            <a:spAutoFit/>
-          </a:bodyPr>
-          <a:lstStyle>
-            <a:defPPr>
-              <a:defRPr lang="en-US"/>
-            </a:defPPr>
-            <a:lvl1pPr marL="0" algn="l" defTabSz="914400" rtl="0" eaLnBrk="1" latinLnBrk="0" hangingPunct="1">
-              <a:defRPr sz="1800" kern="1200">
-                <a:solidFill>
-                  <a:schemeClr val="tx1"/>
-                </a:solidFill>
-                <a:latin typeface="+mn-lt"/>
-                <a:ea typeface="+mn-ea"/>
-                <a:cs typeface="+mn-cs"/>
-              </a:defRPr>
-            </a:lvl1pPr>
-            <a:lvl2pPr marL="457200" algn="l" defTabSz="914400" rtl="0" eaLnBrk="1" latinLnBrk="0" hangingPunct="1">
-              <a:defRPr sz="1800" kern="1200">
-                <a:solidFill>
-                  <a:schemeClr val="tx1"/>
-                </a:solidFill>
-                <a:latin typeface="+mn-lt"/>
-                <a:ea typeface="+mn-ea"/>
-                <a:cs typeface="+mn-cs"/>
-              </a:defRPr>
-            </a:lvl2pPr>
-            <a:lvl3pPr marL="914400" algn="l" defTabSz="914400" rtl="0" eaLnBrk="1" latinLnBrk="0" hangingPunct="1">
-              <a:defRPr sz="1800" kern="1200">
-                <a:solidFill>
-                  <a:schemeClr val="tx1"/>
-                </a:solidFill>
-                <a:latin typeface="+mn-lt"/>
-                <a:ea typeface="+mn-ea"/>
-                <a:cs typeface="+mn-cs"/>
-              </a:defRPr>
-            </a:lvl3pPr>
-            <a:lvl4pPr marL="1371600" algn="l" defTabSz="914400" rtl="0" eaLnBrk="1" latinLnBrk="0" hangingPunct="1">
-              <a:defRPr sz="1800" kern="1200">
-                <a:solidFill>
-                  <a:schemeClr val="tx1"/>
-                </a:solidFill>
-                <a:latin typeface="+mn-lt"/>
-                <a:ea typeface="+mn-ea"/>
-                <a:cs typeface="+mn-cs"/>
-              </a:defRPr>
-            </a:lvl4pPr>
-            <a:lvl5pPr marL="1828800" algn="l" defTabSz="914400" rtl="0" eaLnBrk="1" latinLnBrk="0" hangingPunct="1">
-              <a:defRPr sz="1800" kern="1200">
-                <a:solidFill>
-                  <a:schemeClr val="tx1"/>
-                </a:solidFill>
-                <a:latin typeface="+mn-lt"/>
-                <a:ea typeface="+mn-ea"/>
-                <a:cs typeface="+mn-cs"/>
-              </a:defRPr>
-            </a:lvl5pPr>
-            <a:lvl6pPr marL="2286000" algn="l" defTabSz="914400" rtl="0" eaLnBrk="1" latinLnBrk="0" hangingPunct="1">
-              <a:defRPr sz="1800" kern="1200">
-                <a:solidFill>
-                  <a:schemeClr val="tx1"/>
-                </a:solidFill>
-                <a:latin typeface="+mn-lt"/>
-                <a:ea typeface="+mn-ea"/>
-                <a:cs typeface="+mn-cs"/>
-              </a:defRPr>
-            </a:lvl6pPr>
-            <a:lvl7pPr marL="2743200" algn="l" defTabSz="914400" rtl="0" eaLnBrk="1" latinLnBrk="0" hangingPunct="1">
-              <a:defRPr sz="1800" kern="1200">
-                <a:solidFill>
-                  <a:schemeClr val="tx1"/>
-                </a:solidFill>
-                <a:latin typeface="+mn-lt"/>
-                <a:ea typeface="+mn-ea"/>
-                <a:cs typeface="+mn-cs"/>
-              </a:defRPr>
-            </a:lvl7pPr>
-            <a:lvl8pPr marL="3200400" algn="l" defTabSz="914400" rtl="0" eaLnBrk="1" latinLnBrk="0" hangingPunct="1">
-              <a:defRPr sz="1800" kern="1200">
-                <a:solidFill>
-                  <a:schemeClr val="tx1"/>
-                </a:solidFill>
-                <a:latin typeface="+mn-lt"/>
-                <a:ea typeface="+mn-ea"/>
-                <a:cs typeface="+mn-cs"/>
-              </a:defRPr>
-            </a:lvl8pPr>
-            <a:lvl9pPr marL="3657600" algn="l" defTabSz="914400" rtl="0" eaLnBrk="1" latinLnBrk="0" hangingPunct="1">
-              <a:defRPr sz="1800" kern="1200">
-                <a:solidFill>
-                  <a:schemeClr val="tx1"/>
-                </a:solidFill>
-                <a:latin typeface="+mn-lt"/>
-                <a:ea typeface="+mn-ea"/>
-                <a:cs typeface="+mn-cs"/>
-              </a:defRPr>
-            </a:lvl9pPr>
-          </a:lstStyle>
-          <a:p>
-            <a:r>
-              <a:rPr lang="en-US" dirty="0"/>
-              <a:t>Duplicate and Rotate</a:t>
-            </a:r>
-          </a:p>
-        </p:txBody>
-      </p:sp>
-      <p:grpSp>
-        <p:nvGrpSpPr>
-          <p:cNvPr id="73" name="组合 72"/>
-          <p:cNvGrpSpPr/>
-          <p:nvPr/>
-        </p:nvGrpSpPr>
-        <p:grpSpPr>
-          <a:xfrm>
-            <a:off x="3131267" y="3418291"/>
-            <a:ext cx="569258" cy="565822"/>
-            <a:chOff x="4443948" y="5281268"/>
-            <a:chExt cx="597872" cy="594263"/>
-          </a:xfrm>
-        </p:grpSpPr>
-        <p:sp>
-          <p:nvSpPr>
-            <p:cNvPr id="74" name="Rectangle 46"/>
-            <p:cNvSpPr/>
-            <p:nvPr/>
-          </p:nvSpPr>
-          <p:spPr>
-            <a:xfrm>
-              <a:off x="4615366" y="5549841"/>
-              <a:ext cx="165735" cy="159194"/>
-            </a:xfrm>
-            <a:prstGeom prst="rect">
-              <a:avLst/>
-            </a:prstGeom>
-            <a:solidFill>
-              <a:srgbClr val="E46B09"/>
-            </a:solidFill>
-            <a:ln w="12700">
-              <a:solidFill>
-                <a:schemeClr val="tx1"/>
-              </a:solidFill>
-            </a:ln>
-          </p:spPr>
-          <p:style>
-            <a:lnRef idx="2">
-              <a:schemeClr val="accent1">
-                <a:shade val="50000"/>
-              </a:schemeClr>
-            </a:lnRef>
-            <a:fillRef idx="1">
-              <a:schemeClr val="accent1"/>
-            </a:fillRef>
-            <a:effectRef idx="0">
-              <a:schemeClr val="accent1"/>
-            </a:effectRef>
-            <a:fontRef idx="minor">
-              <a:schemeClr val="lt1"/>
-            </a:fontRef>
-          </p:style>
-          <p:txBody>
-            <a:bodyPr rtlCol="0" anchor="ctr"/>
-            <a:lstStyle>
-              <a:defPPr>
-                <a:defRPr lang="en-US"/>
-              </a:defPPr>
-              <a:lvl1pPr marL="0" algn="l" defTabSz="914400" rtl="0" eaLnBrk="1" latinLnBrk="0" hangingPunct="1">
-                <a:defRPr sz="1800" kern="1200">
-                  <a:solidFill>
-                    <a:schemeClr val="lt1"/>
-                  </a:solidFill>
-                  <a:latin typeface="+mn-lt"/>
-                  <a:ea typeface="+mn-ea"/>
-                  <a:cs typeface="+mn-cs"/>
-                </a:defRPr>
-              </a:lvl1pPr>
-              <a:lvl2pPr marL="457200" algn="l" defTabSz="914400" rtl="0" eaLnBrk="1" latinLnBrk="0" hangingPunct="1">
-                <a:defRPr sz="1800" kern="1200">
-                  <a:solidFill>
-                    <a:schemeClr val="lt1"/>
-                  </a:solidFill>
-                  <a:latin typeface="+mn-lt"/>
-                  <a:ea typeface="+mn-ea"/>
-                  <a:cs typeface="+mn-cs"/>
-                </a:defRPr>
-              </a:lvl2pPr>
-              <a:lvl3pPr marL="914400" algn="l" defTabSz="914400" rtl="0" eaLnBrk="1" latinLnBrk="0" hangingPunct="1">
-                <a:defRPr sz="1800" kern="1200">
-                  <a:solidFill>
-                    <a:schemeClr val="lt1"/>
-                  </a:solidFill>
-                  <a:latin typeface="+mn-lt"/>
-                  <a:ea typeface="+mn-ea"/>
-                  <a:cs typeface="+mn-cs"/>
-                </a:defRPr>
-              </a:lvl3pPr>
-              <a:lvl4pPr marL="1371600" algn="l" defTabSz="914400" rtl="0" eaLnBrk="1" latinLnBrk="0" hangingPunct="1">
-                <a:defRPr sz="1800" kern="1200">
-                  <a:solidFill>
-                    <a:schemeClr val="lt1"/>
-                  </a:solidFill>
-                  <a:latin typeface="+mn-lt"/>
-                  <a:ea typeface="+mn-ea"/>
-                  <a:cs typeface="+mn-cs"/>
-                </a:defRPr>
-              </a:lvl4pPr>
-              <a:lvl5pPr marL="1828800" algn="l" defTabSz="914400" rtl="0" eaLnBrk="1" latinLnBrk="0" hangingPunct="1">
-                <a:defRPr sz="1800" kern="1200">
-                  <a:solidFill>
-                    <a:schemeClr val="lt1"/>
-                  </a:solidFill>
-                  <a:latin typeface="+mn-lt"/>
-                  <a:ea typeface="+mn-ea"/>
-                  <a:cs typeface="+mn-cs"/>
-                </a:defRPr>
-              </a:lvl5pPr>
-              <a:lvl6pPr marL="2286000" algn="l" defTabSz="914400" rtl="0" eaLnBrk="1" latinLnBrk="0" hangingPunct="1">
-                <a:defRPr sz="1800" kern="1200">
-                  <a:solidFill>
-                    <a:schemeClr val="lt1"/>
-                  </a:solidFill>
-                  <a:latin typeface="+mn-lt"/>
-                  <a:ea typeface="+mn-ea"/>
-                  <a:cs typeface="+mn-cs"/>
-                </a:defRPr>
-              </a:lvl6pPr>
-              <a:lvl7pPr marL="2743200" algn="l" defTabSz="914400" rtl="0" eaLnBrk="1" latinLnBrk="0" hangingPunct="1">
-                <a:defRPr sz="1800" kern="1200">
-                  <a:solidFill>
-                    <a:schemeClr val="lt1"/>
-                  </a:solidFill>
-                  <a:latin typeface="+mn-lt"/>
-                  <a:ea typeface="+mn-ea"/>
-                  <a:cs typeface="+mn-cs"/>
-                </a:defRPr>
-              </a:lvl7pPr>
-              <a:lvl8pPr marL="3200400" algn="l" defTabSz="914400" rtl="0" eaLnBrk="1" latinLnBrk="0" hangingPunct="1">
-                <a:defRPr sz="1800" kern="1200">
-                  <a:solidFill>
-                    <a:schemeClr val="lt1"/>
-                  </a:solidFill>
-                  <a:latin typeface="+mn-lt"/>
-                  <a:ea typeface="+mn-ea"/>
-                  <a:cs typeface="+mn-cs"/>
-                </a:defRPr>
-              </a:lvl8pPr>
-              <a:lvl9pPr marL="3657600" algn="l" defTabSz="914400" rtl="0" eaLnBrk="1" latinLnBrk="0" hangingPunct="1">
-                <a:defRPr sz="1800" kern="1200">
-                  <a:solidFill>
-                    <a:schemeClr val="lt1"/>
-                  </a:solidFill>
-                  <a:latin typeface="+mn-lt"/>
-                  <a:ea typeface="+mn-ea"/>
-                  <a:cs typeface="+mn-cs"/>
-                </a:defRPr>
-              </a:lvl9pPr>
-            </a:lstStyle>
-            <a:p>
-              <a:pPr algn="ctr"/>
-              <a:endParaRPr lang="en-US"/>
-            </a:p>
-          </p:txBody>
-        </p:sp>
-        <p:sp>
-          <p:nvSpPr>
-            <p:cNvPr id="75" name="Oval 51"/>
-            <p:cNvSpPr/>
-            <p:nvPr/>
-          </p:nvSpPr>
-          <p:spPr>
-            <a:xfrm>
-              <a:off x="4443948" y="5375353"/>
-              <a:ext cx="498944" cy="500178"/>
-            </a:xfrm>
-            <a:prstGeom prst="ellipse">
-              <a:avLst/>
-            </a:prstGeom>
-            <a:noFill/>
-            <a:ln w="19050">
-              <a:solidFill>
-                <a:schemeClr val="tx1"/>
-              </a:solidFill>
               <a:prstDash val="dash"/>
             </a:ln>
           </p:spPr>
           <p:style>
-            <a:lnRef idx="2">
-              <a:schemeClr val="accent1">
-                <a:shade val="50000"/>
-              </a:schemeClr>
-            </a:lnRef>
-            <a:fillRef idx="1">
-              <a:schemeClr val="accent1"/>
-            </a:fillRef>
-            <a:effectRef idx="0">
-              <a:schemeClr val="accent1"/>
-            </a:effectRef>
-            <a:fontRef idx="minor">
-              <a:schemeClr val="lt1"/>
-            </a:fontRef>
-          </p:style>
-          <p:txBody>
-            <a:bodyPr rtlCol="0" anchor="ctr"/>
-            <a:lstStyle>
-              <a:defPPr>
-                <a:defRPr lang="en-US"/>
-              </a:defPPr>
-              <a:lvl1pPr marL="0" algn="l" defTabSz="914400" rtl="0" eaLnBrk="1" latinLnBrk="0" hangingPunct="1">
-                <a:defRPr sz="1800" kern="1200">
-                  <a:solidFill>
-                    <a:schemeClr val="lt1"/>
-                  </a:solidFill>
-                  <a:latin typeface="+mn-lt"/>
-                  <a:ea typeface="+mn-ea"/>
-                  <a:cs typeface="+mn-cs"/>
-                </a:defRPr>
-              </a:lvl1pPr>
-              <a:lvl2pPr marL="457200" algn="l" defTabSz="914400" rtl="0" eaLnBrk="1" latinLnBrk="0" hangingPunct="1">
-                <a:defRPr sz="1800" kern="1200">
-                  <a:solidFill>
-                    <a:schemeClr val="lt1"/>
-                  </a:solidFill>
-                  <a:latin typeface="+mn-lt"/>
-                  <a:ea typeface="+mn-ea"/>
-                  <a:cs typeface="+mn-cs"/>
-                </a:defRPr>
-              </a:lvl2pPr>
-              <a:lvl3pPr marL="914400" algn="l" defTabSz="914400" rtl="0" eaLnBrk="1" latinLnBrk="0" hangingPunct="1">
-                <a:defRPr sz="1800" kern="1200">
-                  <a:solidFill>
-                    <a:schemeClr val="lt1"/>
-                  </a:solidFill>
-                  <a:latin typeface="+mn-lt"/>
-                  <a:ea typeface="+mn-ea"/>
-                  <a:cs typeface="+mn-cs"/>
-                </a:defRPr>
-              </a:lvl3pPr>
-              <a:lvl4pPr marL="1371600" algn="l" defTabSz="914400" rtl="0" eaLnBrk="1" latinLnBrk="0" hangingPunct="1">
-                <a:defRPr sz="1800" kern="1200">
-                  <a:solidFill>
-                    <a:schemeClr val="lt1"/>
-                  </a:solidFill>
-                  <a:latin typeface="+mn-lt"/>
-                  <a:ea typeface="+mn-ea"/>
-                  <a:cs typeface="+mn-cs"/>
-                </a:defRPr>
-              </a:lvl4pPr>
-              <a:lvl5pPr marL="1828800" algn="l" defTabSz="914400" rtl="0" eaLnBrk="1" latinLnBrk="0" hangingPunct="1">
-                <a:defRPr sz="1800" kern="1200">
-                  <a:solidFill>
-                    <a:schemeClr val="lt1"/>
-                  </a:solidFill>
-                  <a:latin typeface="+mn-lt"/>
-                  <a:ea typeface="+mn-ea"/>
-                  <a:cs typeface="+mn-cs"/>
-                </a:defRPr>
-              </a:lvl5pPr>
-              <a:lvl6pPr marL="2286000" algn="l" defTabSz="914400" rtl="0" eaLnBrk="1" latinLnBrk="0" hangingPunct="1">
-                <a:defRPr sz="1800" kern="1200">
-                  <a:solidFill>
-                    <a:schemeClr val="lt1"/>
-                  </a:solidFill>
-                  <a:latin typeface="+mn-lt"/>
-                  <a:ea typeface="+mn-ea"/>
-                  <a:cs typeface="+mn-cs"/>
-                </a:defRPr>
-              </a:lvl6pPr>
-              <a:lvl7pPr marL="2743200" algn="l" defTabSz="914400" rtl="0" eaLnBrk="1" latinLnBrk="0" hangingPunct="1">
-                <a:defRPr sz="1800" kern="1200">
-                  <a:solidFill>
-                    <a:schemeClr val="lt1"/>
-                  </a:solidFill>
-                  <a:latin typeface="+mn-lt"/>
-                  <a:ea typeface="+mn-ea"/>
-                  <a:cs typeface="+mn-cs"/>
-                </a:defRPr>
-              </a:lvl7pPr>
-              <a:lvl8pPr marL="3200400" algn="l" defTabSz="914400" rtl="0" eaLnBrk="1" latinLnBrk="0" hangingPunct="1">
-                <a:defRPr sz="1800" kern="1200">
-                  <a:solidFill>
-                    <a:schemeClr val="lt1"/>
-                  </a:solidFill>
-                  <a:latin typeface="+mn-lt"/>
-                  <a:ea typeface="+mn-ea"/>
-                  <a:cs typeface="+mn-cs"/>
-                </a:defRPr>
-              </a:lvl8pPr>
-              <a:lvl9pPr marL="3657600" algn="l" defTabSz="914400" rtl="0" eaLnBrk="1" latinLnBrk="0" hangingPunct="1">
-                <a:defRPr sz="1800" kern="1200">
-                  <a:solidFill>
-                    <a:schemeClr val="lt1"/>
-                  </a:solidFill>
-                  <a:latin typeface="+mn-lt"/>
-                  <a:ea typeface="+mn-ea"/>
-                  <a:cs typeface="+mn-cs"/>
-                </a:defRPr>
-              </a:lvl9pPr>
-            </a:lstStyle>
-            <a:p>
-              <a:pPr algn="ctr"/>
-              <a:endParaRPr lang="en-US"/>
-            </a:p>
-          </p:txBody>
-        </p:sp>
-        <p:sp>
-          <p:nvSpPr>
-            <p:cNvPr id="82" name="燕尾形 81"/>
-            <p:cNvSpPr/>
-            <p:nvPr/>
-          </p:nvSpPr>
-          <p:spPr>
-            <a:xfrm rot="953220">
-              <a:off x="4678070" y="5281268"/>
-              <a:ext cx="131377" cy="187960"/>
-            </a:xfrm>
-            <a:prstGeom prst="chevron">
-              <a:avLst/>
-            </a:prstGeom>
-            <a:solidFill>
-              <a:srgbClr val="0070C0"/>
-            </a:solidFill>
-            <a:ln w="12700">
-              <a:solidFill>
-                <a:schemeClr val="tx1"/>
-              </a:solidFill>
-            </a:ln>
-          </p:spPr>
-          <p:style>
-            <a:lnRef idx="2">
-              <a:schemeClr val="accent1">
-                <a:shade val="50000"/>
-              </a:schemeClr>
-            </a:lnRef>
-            <a:fillRef idx="1">
-              <a:schemeClr val="accent1"/>
-            </a:fillRef>
-            <a:effectRef idx="0">
-              <a:schemeClr val="accent1"/>
-            </a:effectRef>
-            <a:fontRef idx="minor">
-              <a:schemeClr val="lt1"/>
-            </a:fontRef>
-          </p:style>
-          <p:txBody>
-            <a:bodyPr rtlCol="0" anchor="ctr"/>
-            <a:lstStyle>
-              <a:defPPr>
-                <a:defRPr lang="en-US"/>
-              </a:defPPr>
-              <a:lvl1pPr marL="0" algn="l" defTabSz="914400" rtl="0" eaLnBrk="1" latinLnBrk="0" hangingPunct="1">
-                <a:defRPr sz="1800" kern="1200">
-                  <a:solidFill>
-                    <a:schemeClr val="lt1"/>
-                  </a:solidFill>
-                  <a:latin typeface="+mn-lt"/>
-                  <a:ea typeface="+mn-ea"/>
-                  <a:cs typeface="+mn-cs"/>
-                </a:defRPr>
-              </a:lvl1pPr>
-              <a:lvl2pPr marL="457200" algn="l" defTabSz="914400" rtl="0" eaLnBrk="1" latinLnBrk="0" hangingPunct="1">
-                <a:defRPr sz="1800" kern="1200">
-                  <a:solidFill>
-                    <a:schemeClr val="lt1"/>
-                  </a:solidFill>
-                  <a:latin typeface="+mn-lt"/>
-                  <a:ea typeface="+mn-ea"/>
-                  <a:cs typeface="+mn-cs"/>
-                </a:defRPr>
-              </a:lvl2pPr>
-              <a:lvl3pPr marL="914400" algn="l" defTabSz="914400" rtl="0" eaLnBrk="1" latinLnBrk="0" hangingPunct="1">
-                <a:defRPr sz="1800" kern="1200">
-                  <a:solidFill>
-                    <a:schemeClr val="lt1"/>
-                  </a:solidFill>
-                  <a:latin typeface="+mn-lt"/>
-                  <a:ea typeface="+mn-ea"/>
-                  <a:cs typeface="+mn-cs"/>
-                </a:defRPr>
-              </a:lvl3pPr>
-              <a:lvl4pPr marL="1371600" algn="l" defTabSz="914400" rtl="0" eaLnBrk="1" latinLnBrk="0" hangingPunct="1">
-                <a:defRPr sz="1800" kern="1200">
-                  <a:solidFill>
-                    <a:schemeClr val="lt1"/>
-                  </a:solidFill>
-                  <a:latin typeface="+mn-lt"/>
-                  <a:ea typeface="+mn-ea"/>
-                  <a:cs typeface="+mn-cs"/>
-                </a:defRPr>
-              </a:lvl4pPr>
-              <a:lvl5pPr marL="1828800" algn="l" defTabSz="914400" rtl="0" eaLnBrk="1" latinLnBrk="0" hangingPunct="1">
-                <a:defRPr sz="1800" kern="1200">
-                  <a:solidFill>
-                    <a:schemeClr val="lt1"/>
-                  </a:solidFill>
-                  <a:latin typeface="+mn-lt"/>
-                  <a:ea typeface="+mn-ea"/>
-                  <a:cs typeface="+mn-cs"/>
-                </a:defRPr>
-              </a:lvl5pPr>
-              <a:lvl6pPr marL="2286000" algn="l" defTabSz="914400" rtl="0" eaLnBrk="1" latinLnBrk="0" hangingPunct="1">
-                <a:defRPr sz="1800" kern="1200">
-                  <a:solidFill>
-                    <a:schemeClr val="lt1"/>
-                  </a:solidFill>
-                  <a:latin typeface="+mn-lt"/>
-                  <a:ea typeface="+mn-ea"/>
-                  <a:cs typeface="+mn-cs"/>
-                </a:defRPr>
-              </a:lvl6pPr>
-              <a:lvl7pPr marL="2743200" algn="l" defTabSz="914400" rtl="0" eaLnBrk="1" latinLnBrk="0" hangingPunct="1">
-                <a:defRPr sz="1800" kern="1200">
-                  <a:solidFill>
-                    <a:schemeClr val="lt1"/>
-                  </a:solidFill>
-                  <a:latin typeface="+mn-lt"/>
-                  <a:ea typeface="+mn-ea"/>
-                  <a:cs typeface="+mn-cs"/>
-                </a:defRPr>
-              </a:lvl7pPr>
-              <a:lvl8pPr marL="3200400" algn="l" defTabSz="914400" rtl="0" eaLnBrk="1" latinLnBrk="0" hangingPunct="1">
-                <a:defRPr sz="1800" kern="1200">
-                  <a:solidFill>
-                    <a:schemeClr val="lt1"/>
-                  </a:solidFill>
-                  <a:latin typeface="+mn-lt"/>
-                  <a:ea typeface="+mn-ea"/>
-                  <a:cs typeface="+mn-cs"/>
-                </a:defRPr>
-              </a:lvl8pPr>
-              <a:lvl9pPr marL="3657600" algn="l" defTabSz="914400" rtl="0" eaLnBrk="1" latinLnBrk="0" hangingPunct="1">
-                <a:defRPr sz="1800" kern="1200">
-                  <a:solidFill>
-                    <a:schemeClr val="lt1"/>
-                  </a:solidFill>
-                  <a:latin typeface="+mn-lt"/>
-                  <a:ea typeface="+mn-ea"/>
-                  <a:cs typeface="+mn-cs"/>
-                </a:defRPr>
-              </a:lvl9pPr>
-            </a:lstStyle>
-            <a:p>
-              <a:pPr algn="ctr"/>
-              <a:endParaRPr lang="zh-CN" altLang="en-US">
-                <a:solidFill>
-                  <a:schemeClr val="tx1"/>
-                </a:solidFill>
-              </a:endParaRPr>
-            </a:p>
-          </p:txBody>
-        </p:sp>
-        <p:sp>
-          <p:nvSpPr>
-            <p:cNvPr id="83" name="燕尾形 82"/>
-            <p:cNvSpPr/>
-            <p:nvPr/>
-          </p:nvSpPr>
-          <p:spPr>
-            <a:xfrm rot="5400000">
-              <a:off x="4882151" y="5511387"/>
-              <a:ext cx="131377" cy="187960"/>
-            </a:xfrm>
-            <a:prstGeom prst="chevron">
-              <a:avLst/>
-            </a:prstGeom>
-            <a:solidFill>
-              <a:srgbClr val="0070C0"/>
-            </a:solidFill>
-            <a:ln w="12700">
-              <a:solidFill>
-                <a:schemeClr val="tx1"/>
-              </a:solidFill>
-            </a:ln>
-          </p:spPr>
-          <p:style>
-            <a:lnRef idx="2">
-              <a:schemeClr val="accent1">
-                <a:shade val="50000"/>
-              </a:schemeClr>
-            </a:lnRef>
-            <a:fillRef idx="1">
-              <a:schemeClr val="accent1"/>
-            </a:fillRef>
-            <a:effectRef idx="0">
-              <a:schemeClr val="accent1"/>
-            </a:effectRef>
-            <a:fontRef idx="minor">
-              <a:schemeClr val="lt1"/>
-            </a:fontRef>
-          </p:style>
-          <p:txBody>
-            <a:bodyPr rtlCol="0" anchor="ctr"/>
-            <a:lstStyle>
-              <a:defPPr>
-                <a:defRPr lang="en-US"/>
-              </a:defPPr>
-              <a:lvl1pPr marL="0" algn="l" defTabSz="914400" rtl="0" eaLnBrk="1" latinLnBrk="0" hangingPunct="1">
-                <a:defRPr sz="1800" kern="1200">
-                  <a:solidFill>
-                    <a:schemeClr val="lt1"/>
-                  </a:solidFill>
-                  <a:latin typeface="+mn-lt"/>
-                  <a:ea typeface="+mn-ea"/>
-                  <a:cs typeface="+mn-cs"/>
-                </a:defRPr>
-              </a:lvl1pPr>
-              <a:lvl2pPr marL="457200" algn="l" defTabSz="914400" rtl="0" eaLnBrk="1" latinLnBrk="0" hangingPunct="1">
-                <a:defRPr sz="1800" kern="1200">
-                  <a:solidFill>
-                    <a:schemeClr val="lt1"/>
-                  </a:solidFill>
-                  <a:latin typeface="+mn-lt"/>
-                  <a:ea typeface="+mn-ea"/>
-                  <a:cs typeface="+mn-cs"/>
-                </a:defRPr>
-              </a:lvl2pPr>
-              <a:lvl3pPr marL="914400" algn="l" defTabSz="914400" rtl="0" eaLnBrk="1" latinLnBrk="0" hangingPunct="1">
-                <a:defRPr sz="1800" kern="1200">
-                  <a:solidFill>
-                    <a:schemeClr val="lt1"/>
-                  </a:solidFill>
-                  <a:latin typeface="+mn-lt"/>
-                  <a:ea typeface="+mn-ea"/>
-                  <a:cs typeface="+mn-cs"/>
-                </a:defRPr>
-              </a:lvl3pPr>
-              <a:lvl4pPr marL="1371600" algn="l" defTabSz="914400" rtl="0" eaLnBrk="1" latinLnBrk="0" hangingPunct="1">
-                <a:defRPr sz="1800" kern="1200">
-                  <a:solidFill>
-                    <a:schemeClr val="lt1"/>
-                  </a:solidFill>
-                  <a:latin typeface="+mn-lt"/>
-                  <a:ea typeface="+mn-ea"/>
-                  <a:cs typeface="+mn-cs"/>
-                </a:defRPr>
-              </a:lvl4pPr>
-              <a:lvl5pPr marL="1828800" algn="l" defTabSz="914400" rtl="0" eaLnBrk="1" latinLnBrk="0" hangingPunct="1">
-                <a:defRPr sz="1800" kern="1200">
-                  <a:solidFill>
-                    <a:schemeClr val="lt1"/>
-                  </a:solidFill>
-                  <a:latin typeface="+mn-lt"/>
-                  <a:ea typeface="+mn-ea"/>
-                  <a:cs typeface="+mn-cs"/>
-                </a:defRPr>
-              </a:lvl5pPr>
-              <a:lvl6pPr marL="2286000" algn="l" defTabSz="914400" rtl="0" eaLnBrk="1" latinLnBrk="0" hangingPunct="1">
-                <a:defRPr sz="1800" kern="1200">
-                  <a:solidFill>
-                    <a:schemeClr val="lt1"/>
-                  </a:solidFill>
-                  <a:latin typeface="+mn-lt"/>
-                  <a:ea typeface="+mn-ea"/>
-                  <a:cs typeface="+mn-cs"/>
-                </a:defRPr>
-              </a:lvl6pPr>
-              <a:lvl7pPr marL="2743200" algn="l" defTabSz="914400" rtl="0" eaLnBrk="1" latinLnBrk="0" hangingPunct="1">
-                <a:defRPr sz="1800" kern="1200">
-                  <a:solidFill>
-                    <a:schemeClr val="lt1"/>
-                  </a:solidFill>
-                  <a:latin typeface="+mn-lt"/>
-                  <a:ea typeface="+mn-ea"/>
-                  <a:cs typeface="+mn-cs"/>
-                </a:defRPr>
-              </a:lvl7pPr>
-              <a:lvl8pPr marL="3200400" algn="l" defTabSz="914400" rtl="0" eaLnBrk="1" latinLnBrk="0" hangingPunct="1">
-                <a:defRPr sz="1800" kern="1200">
-                  <a:solidFill>
-                    <a:schemeClr val="lt1"/>
-                  </a:solidFill>
-                  <a:latin typeface="+mn-lt"/>
-                  <a:ea typeface="+mn-ea"/>
-                  <a:cs typeface="+mn-cs"/>
-                </a:defRPr>
-              </a:lvl8pPr>
-              <a:lvl9pPr marL="3657600" algn="l" defTabSz="914400" rtl="0" eaLnBrk="1" latinLnBrk="0" hangingPunct="1">
-                <a:defRPr sz="1800" kern="1200">
-                  <a:solidFill>
-                    <a:schemeClr val="lt1"/>
-                  </a:solidFill>
-                  <a:latin typeface="+mn-lt"/>
-                  <a:ea typeface="+mn-ea"/>
-                  <a:cs typeface="+mn-cs"/>
-                </a:defRPr>
-              </a:lvl9pPr>
-            </a:lstStyle>
-            <a:p>
-              <a:pPr algn="ctr"/>
-              <a:endParaRPr lang="zh-CN" altLang="en-US">
-                <a:solidFill>
-                  <a:schemeClr val="tx1"/>
-                </a:solidFill>
-              </a:endParaRPr>
-            </a:p>
-          </p:txBody>
-        </p:sp>
+            <a:lnRef idx="1">
+              <a:schemeClr val="accent1"/>
+            </a:lnRef>
+            <a:fillRef idx="0">
+              <a:schemeClr val="accent1"/>
+            </a:fillRef>
+            <a:effectRef idx="0">
+              <a:schemeClr val="accent1"/>
+            </a:effectRef>
+            <a:fontRef idx="minor">
+              <a:schemeClr val="tx1"/>
+            </a:fontRef>
+          </p:style>
+        </p:cxnSp>
       </p:grpSp>
     </p:spTree>
     <p:extLst>
       <p:ext uri="{BB962C8B-B14F-4D97-AF65-F5344CB8AC3E}">
-        <p14:creationId xmlns:p14="http://schemas.microsoft.com/office/powerpoint/2010/main" val="393591708"/>
+        <p14:creationId xmlns:p14="http://schemas.microsoft.com/office/powerpoint/2010/main" val="1954898725"/>
       </p:ext>
     </p:extLst>
   </p:cSld>
   <p:clrMapOvr>
     <a:masterClrMapping/>
   </p:clrMapOvr>
+  <p:timing>
+    <p:tnLst>
+      <p:par>
+        <p:cTn id="1" dur="indefinite" restart="never" nodeType="tmRoot"/>
+      </p:par>
+    </p:tnLst>
+  </p:timing>
 </p:sld>
 </file>
 

--- a/doc/Icons-PositionsLab.pptx
+++ b/doc/Icons-PositionsLab.pptx
@@ -137,6 +137,10 @@
 </p:presentation>
 </file>
 
+<file path=ppt/revisionInfo.xml><?xml version="1.0" encoding="utf-8"?>
+<p1510:revInfo xmlns:a="http://schemas.openxmlformats.org/drawingml/2006/main" xmlns:r="http://schemas.openxmlformats.org/officeDocument/2006/relationships" xmlns:p1510="http://schemas.microsoft.com/office/powerpoint/2015/10/main"/>
+</file>
+
 <file path=ppt/notesMasters/notesMaster1.xml><?xml version="1.0" encoding="utf-8"?>
 <p:notesMaster xmlns:a="http://schemas.openxmlformats.org/drawingml/2006/main" xmlns:r="http://schemas.openxmlformats.org/officeDocument/2006/relationships" xmlns:p="http://schemas.openxmlformats.org/presentationml/2006/main">
   <p:cSld>
@@ -219,7 +223,7 @@
           <a:p>
             <a:fld id="{6699ACB9-486C-4D62-A3A7-AF98E13EFDA3}" type="datetimeFigureOut">
               <a:rPr lang="en-US" smtClean="0"/>
-              <a:t>8/29/2016</a:t>
+              <a:t>6/9/2017</a:t>
             </a:fld>
             <a:endParaRPr lang="en-US"/>
           </a:p>
@@ -666,7 +670,7 @@
             <a:fld id="{1D8BD707-D9CF-40AE-B4C6-C98DA3205C09}" type="datetimeFigureOut">
               <a:rPr lang="en-US" smtClean="0"/>
               <a:pPr/>
-              <a:t>8/29/2016</a:t>
+              <a:t>6/9/2017</a:t>
             </a:fld>
             <a:endParaRPr lang="en-US"/>
           </a:p>
@@ -831,7 +835,7 @@
             <a:fld id="{1D8BD707-D9CF-40AE-B4C6-C98DA3205C09}" type="datetimeFigureOut">
               <a:rPr lang="en-US" smtClean="0"/>
               <a:pPr/>
-              <a:t>8/29/2016</a:t>
+              <a:t>6/9/2017</a:t>
             </a:fld>
             <a:endParaRPr lang="en-US"/>
           </a:p>
@@ -1006,7 +1010,7 @@
             <a:fld id="{1D8BD707-D9CF-40AE-B4C6-C98DA3205C09}" type="datetimeFigureOut">
               <a:rPr lang="en-US" smtClean="0"/>
               <a:pPr/>
-              <a:t>8/29/2016</a:t>
+              <a:t>6/9/2017</a:t>
             </a:fld>
             <a:endParaRPr lang="en-US"/>
           </a:p>
@@ -1171,7 +1175,7 @@
             <a:fld id="{1D8BD707-D9CF-40AE-B4C6-C98DA3205C09}" type="datetimeFigureOut">
               <a:rPr lang="en-US" smtClean="0"/>
               <a:pPr/>
-              <a:t>8/29/2016</a:t>
+              <a:t>6/9/2017</a:t>
             </a:fld>
             <a:endParaRPr lang="en-US"/>
           </a:p>
@@ -1413,7 +1417,7 @@
             <a:fld id="{1D8BD707-D9CF-40AE-B4C6-C98DA3205C09}" type="datetimeFigureOut">
               <a:rPr lang="en-US" smtClean="0"/>
               <a:pPr/>
-              <a:t>8/29/2016</a:t>
+              <a:t>6/9/2017</a:t>
             </a:fld>
             <a:endParaRPr lang="en-US"/>
           </a:p>
@@ -1695,7 +1699,7 @@
             <a:fld id="{1D8BD707-D9CF-40AE-B4C6-C98DA3205C09}" type="datetimeFigureOut">
               <a:rPr lang="en-US" smtClean="0"/>
               <a:pPr/>
-              <a:t>8/29/2016</a:t>
+              <a:t>6/9/2017</a:t>
             </a:fld>
             <a:endParaRPr lang="en-US"/>
           </a:p>
@@ -2111,7 +2115,7 @@
             <a:fld id="{1D8BD707-D9CF-40AE-B4C6-C98DA3205C09}" type="datetimeFigureOut">
               <a:rPr lang="en-US" smtClean="0"/>
               <a:pPr/>
-              <a:t>8/29/2016</a:t>
+              <a:t>6/9/2017</a:t>
             </a:fld>
             <a:endParaRPr lang="en-US"/>
           </a:p>
@@ -2225,7 +2229,7 @@
             <a:fld id="{1D8BD707-D9CF-40AE-B4C6-C98DA3205C09}" type="datetimeFigureOut">
               <a:rPr lang="en-US" smtClean="0"/>
               <a:pPr/>
-              <a:t>8/29/2016</a:t>
+              <a:t>6/9/2017</a:t>
             </a:fld>
             <a:endParaRPr lang="en-US"/>
           </a:p>
@@ -2317,7 +2321,7 @@
             <a:fld id="{1D8BD707-D9CF-40AE-B4C6-C98DA3205C09}" type="datetimeFigureOut">
               <a:rPr lang="en-US" smtClean="0"/>
               <a:pPr/>
-              <a:t>8/29/2016</a:t>
+              <a:t>6/9/2017</a:t>
             </a:fld>
             <a:endParaRPr lang="en-US"/>
           </a:p>
@@ -2589,7 +2593,7 @@
             <a:fld id="{1D8BD707-D9CF-40AE-B4C6-C98DA3205C09}" type="datetimeFigureOut">
               <a:rPr lang="en-US" smtClean="0"/>
               <a:pPr/>
-              <a:t>8/29/2016</a:t>
+              <a:t>6/9/2017</a:t>
             </a:fld>
             <a:endParaRPr lang="en-US"/>
           </a:p>
@@ -2838,7 +2842,7 @@
             <a:fld id="{1D8BD707-D9CF-40AE-B4C6-C98DA3205C09}" type="datetimeFigureOut">
               <a:rPr lang="en-US" smtClean="0"/>
               <a:pPr/>
-              <a:t>8/29/2016</a:t>
+              <a:t>6/9/2017</a:t>
             </a:fld>
             <a:endParaRPr lang="en-US"/>
           </a:p>
@@ -3049,7 +3053,7 @@
             <a:fld id="{1D8BD707-D9CF-40AE-B4C6-C98DA3205C09}" type="datetimeFigureOut">
               <a:rPr lang="en-US" smtClean="0"/>
               <a:pPr/>
-              <a:t>8/29/2016</a:t>
+              <a:t>6/9/2017</a:t>
             </a:fld>
             <a:endParaRPr lang="en-US"/>
           </a:p>
@@ -3928,11 +3932,11 @@
               <a:avLst/>
             </a:prstGeom>
             <a:solidFill>
-              <a:srgbClr val="E46B09"/>
+              <a:srgbClr val="F79646"/>
             </a:solidFill>
             <a:ln>
               <a:solidFill>
-                <a:srgbClr val="E46B09"/>
+                <a:srgbClr val="F79646"/>
               </a:solidFill>
             </a:ln>
           </p:spPr>
@@ -3978,11 +3982,11 @@
               <a:avLst/>
             </a:prstGeom>
             <a:solidFill>
-              <a:srgbClr val="E46B09"/>
+              <a:srgbClr val="F79646"/>
             </a:solidFill>
             <a:ln>
               <a:solidFill>
-                <a:srgbClr val="E46B09"/>
+                <a:srgbClr val="F79646"/>
               </a:solidFill>
             </a:ln>
           </p:spPr>
@@ -4057,13 +4061,6 @@
   <p:clrMapOvr>
     <a:masterClrMapping/>
   </p:clrMapOvr>
-  <p:timing>
-    <p:tnLst>
-      <p:par>
-        <p:cTn id="1" dur="indefinite" restart="never" nodeType="tmRoot"/>
-      </p:par>
-    </p:tnLst>
-  </p:timing>
 </p:sld>
 </file>
 
@@ -5553,10 +5550,9 @@
           <a:lstStyle/>
           <a:p>
             <a:r>
-              <a:rPr lang="en-US" dirty="0" smtClean="0"/>
+              <a:rPr lang="en-US" dirty="0"/>
               <a:t>Radial</a:t>
             </a:r>
-            <a:endParaRPr lang="en-US" dirty="0"/>
           </a:p>
         </p:txBody>
       </p:sp>
@@ -5947,13 +5943,6 @@
   <p:clrMapOvr>
     <a:masterClrMapping/>
   </p:clrMapOvr>
-  <p:timing>
-    <p:tnLst>
-      <p:par>
-        <p:cTn id="1" dur="indefinite" restart="never" nodeType="tmRoot"/>
-      </p:par>
-    </p:tnLst>
-  </p:timing>
 </p:sld>
 </file>
 
@@ -6836,13 +6825,6 @@
   <p:clrMapOvr>
     <a:masterClrMapping/>
   </p:clrMapOvr>
-  <p:timing>
-    <p:tnLst>
-      <p:par>
-        <p:cTn id="1" dur="indefinite" restart="never" nodeType="tmRoot"/>
-      </p:par>
-    </p:tnLst>
-  </p:timing>
 </p:sld>
 </file>
 
@@ -7974,10 +7956,9 @@
           <a:p>
             <a:pPr algn="ctr"/>
             <a:r>
-              <a:rPr lang="en-US" dirty="0" smtClean="0"/>
+              <a:rPr lang="en-US" dirty="0"/>
               <a:t>Radial</a:t>
             </a:r>
-            <a:endParaRPr lang="en-US" dirty="0"/>
           </a:p>
         </p:txBody>
       </p:sp>
@@ -8415,13 +8396,6 @@
   <p:clrMapOvr>
     <a:masterClrMapping/>
   </p:clrMapOvr>
-  <p:timing>
-    <p:tnLst>
-      <p:par>
-        <p:cTn id="1" dur="indefinite" restart="never" nodeType="tmRoot"/>
-      </p:par>
-    </p:tnLst>
-  </p:timing>
 </p:sld>
 </file>
 
@@ -8733,13 +8707,6 @@
   <p:clrMapOvr>
     <a:masterClrMapping/>
   </p:clrMapOvr>
-  <p:timing>
-    <p:tnLst>
-      <p:par>
-        <p:cTn id="1" dur="indefinite" restart="never" nodeType="tmRoot"/>
-      </p:par>
-    </p:tnLst>
-  </p:timing>
 </p:sld>
 </file>
 
@@ -10260,13 +10227,8 @@
           <a:p>
             <a:r>
               <a:rPr lang="en-US" dirty="0"/>
-              <a:t>Lock </a:t>
+              <a:t>Lock Direction</a:t>
             </a:r>
-            <a:r>
-              <a:rPr lang="en-US" dirty="0" smtClean="0"/>
-              <a:t>Direction</a:t>
-            </a:r>
-            <a:endParaRPr lang="en-US" dirty="0"/>
           </a:p>
         </p:txBody>
       </p:sp>
@@ -10496,10 +10458,9 @@
           <a:lstStyle/>
           <a:p>
             <a:r>
-              <a:rPr lang="en-US" dirty="0" smtClean="0"/>
+              <a:rPr lang="en-US" dirty="0"/>
               <a:t>Flip</a:t>
             </a:r>
-            <a:endParaRPr lang="en-US" dirty="0"/>
           </a:p>
         </p:txBody>
       </p:sp>
@@ -10825,13 +10786,6 @@
   <p:clrMapOvr>
     <a:masterClrMapping/>
   </p:clrMapOvr>
-  <p:timing>
-    <p:tnLst>
-      <p:par>
-        <p:cTn id="1" dur="indefinite" restart="never" nodeType="tmRoot"/>
-      </p:par>
-    </p:tnLst>
-  </p:timing>
 </p:sld>
 </file>
 
@@ -10876,12 +10830,8 @@
           <a:p>
             <a:pPr algn="ctr"/>
             <a:r>
-              <a:rPr lang="en-US" sz="4000" dirty="0" smtClean="0"/>
-              <a:t>Radial Settings </a:t>
-            </a:r>
-            <a:r>
               <a:rPr lang="en-US" sz="4000" dirty="0"/>
-              <a:t>Icons</a:t>
+              <a:t>Radial Settings Icons</a:t>
             </a:r>
           </a:p>
         </p:txBody>
@@ -10909,10 +10859,9 @@
           <a:lstStyle/>
           <a:p>
             <a:r>
-              <a:rPr lang="en-US" dirty="0" smtClean="0"/>
+              <a:rPr lang="en-US" dirty="0"/>
               <a:t>Fixed</a:t>
             </a:r>
-            <a:endParaRPr lang="en-US" dirty="0"/>
           </a:p>
         </p:txBody>
       </p:sp>
@@ -10939,10 +10888,9 @@
           <a:lstStyle/>
           <a:p>
             <a:r>
-              <a:rPr lang="en-US" dirty="0" smtClean="0"/>
+              <a:rPr lang="en-US" dirty="0"/>
               <a:t>Dynamic</a:t>
             </a:r>
-            <a:endParaRPr lang="en-US" dirty="0"/>
           </a:p>
         </p:txBody>
       </p:sp>
@@ -11506,13 +11454,6 @@
   <p:clrMapOvr>
     <a:masterClrMapping/>
   </p:clrMapOvr>
-  <p:timing>
-    <p:tnLst>
-      <p:par>
-        <p:cTn id="1" dur="indefinite" restart="never" nodeType="tmRoot"/>
-      </p:par>
-    </p:tnLst>
-  </p:timing>
 </p:sld>
 </file>
 
